--- a/docs/Java 3 - presentation (without animation).pptx
+++ b/docs/Java 3 - presentation (without animation).pptx
@@ -7233,7 +7233,7 @@
             <a:pPr algn="ctr"/>
             <a:r>
               <a:rPr lang="ru-RU" sz="6000" b="1" dirty="0" smtClean="0"/>
-              <a:t>Тестирование</a:t>
+              <a:t>Нагрузочное тестирование</a:t>
             </a:r>
             <a:endParaRPr lang="ru-RU" sz="6000" b="1" dirty="0" smtClean="0"/>
           </a:p>
@@ -7617,7 +7617,7 @@
         </p:blipFill>
         <p:spPr bwMode="auto">
           <a:xfrm>
-            <a:off x="237597" y="1967734"/>
+            <a:off x="1639147" y="1997016"/>
             <a:ext cx="1231359" cy="1231359"/>
           </a:xfrm>
           <a:prstGeom prst="rect">
@@ -8644,10 +8644,9 @@
           <a:p>
             <a:pPr algn="ctr"/>
             <a:r>
-              <a:rPr lang="ru-RU" sz="6000" b="1" dirty="0" smtClean="0"/>
-              <a:t>Тестирование</a:t>
-            </a:r>
-            <a:endParaRPr lang="ru-RU" sz="6000" b="1" dirty="0" smtClean="0"/>
+              <a:rPr lang="ru-RU" sz="6000" b="1" dirty="0"/>
+              <a:t>Нагрузочное тестирование</a:t>
+            </a:r>
           </a:p>
         </p:txBody>
       </p:sp>
@@ -9008,47 +9007,6 @@
       </p:grpSp>
       <p:pic>
         <p:nvPicPr>
-          <p:cNvPr id="6148" name="Picture 4" descr="Flat laptop icon laptop - Transparent PNG &amp;amp; SVG vector file"/>
-          <p:cNvPicPr>
-            <a:picLocks noChangeAspect="1" noChangeArrowheads="1"/>
-          </p:cNvPicPr>
-          <p:nvPr/>
-        </p:nvPicPr>
-        <p:blipFill>
-          <a:blip r:embed="rId2" cstate="print">
-            <a:extLst>
-              <a:ext uri="{28A0092B-C50C-407E-A947-70E740481C1C}">
-                <a14:useLocalDpi xmlns:a14="http://schemas.microsoft.com/office/drawing/2010/main" val="0"/>
-              </a:ext>
-            </a:extLst>
-          </a:blip>
-          <a:srcRect/>
-          <a:stretch>
-            <a:fillRect/>
-          </a:stretch>
-        </p:blipFill>
-        <p:spPr bwMode="auto">
-          <a:xfrm>
-            <a:off x="237597" y="1967734"/>
-            <a:ext cx="1231359" cy="1231359"/>
-          </a:xfrm>
-          <a:prstGeom prst="rect">
-            <a:avLst/>
-          </a:prstGeom>
-          <a:noFill/>
-          <a:extLst>
-            <a:ext uri="{909E8E84-426E-40DD-AFC4-6F175D3DCCD1}">
-              <a14:hiddenFill xmlns:a14="http://schemas.microsoft.com/office/drawing/2010/main">
-                <a:solidFill>
-                  <a:srgbClr val="FFFFFF"/>
-                </a:solidFill>
-              </a14:hiddenFill>
-            </a:ext>
-          </a:extLst>
-        </p:spPr>
-      </p:pic>
-      <p:pic>
-        <p:nvPicPr>
           <p:cNvPr id="22" name="Рисунок 21"/>
           <p:cNvPicPr>
             <a:picLocks noChangeAspect="1"/>
@@ -9056,7 +9014,7 @@
           <p:nvPr/>
         </p:nvPicPr>
         <p:blipFill>
-          <a:blip r:embed="rId3" cstate="print">
+          <a:blip r:embed="rId2" cstate="print">
             <a:extLst>
               <a:ext uri="{28A0092B-C50C-407E-A947-70E740481C1C}">
                 <a14:useLocalDpi xmlns:a14="http://schemas.microsoft.com/office/drawing/2010/main" val="0"/>
@@ -9475,7 +9433,7 @@
             <p:nvPr/>
           </p:nvPicPr>
           <p:blipFill>
-            <a:blip r:embed="rId4" cstate="print">
+            <a:blip r:embed="rId3" cstate="print">
               <a:extLst>
                 <a:ext uri="{28A0092B-C50C-407E-A947-70E740481C1C}">
                   <a14:useLocalDpi xmlns:a14="http://schemas.microsoft.com/office/drawing/2010/main" val="0"/>
@@ -9516,7 +9474,7 @@
             <p:nvPr/>
           </p:nvPicPr>
           <p:blipFill>
-            <a:blip r:embed="rId5" cstate="print">
+            <a:blip r:embed="rId4" cstate="print">
               <a:extLst>
                 <a:ext uri="{28A0092B-C50C-407E-A947-70E740481C1C}">
                   <a14:useLocalDpi xmlns:a14="http://schemas.microsoft.com/office/drawing/2010/main" val="0"/>
@@ -9557,7 +9515,7 @@
             <p:nvPr/>
           </p:nvPicPr>
           <p:blipFill>
-            <a:blip r:embed="rId4" cstate="print">
+            <a:blip r:embed="rId3" cstate="print">
               <a:extLst>
                 <a:ext uri="{28A0092B-C50C-407E-A947-70E740481C1C}">
                   <a14:useLocalDpi xmlns:a14="http://schemas.microsoft.com/office/drawing/2010/main" val="0"/>
@@ -9863,7 +9821,7 @@
             <p:nvPr/>
           </p:nvPicPr>
           <p:blipFill>
-            <a:blip r:embed="rId4" cstate="print">
+            <a:blip r:embed="rId3" cstate="print">
               <a:extLst>
                 <a:ext uri="{28A0092B-C50C-407E-A947-70E740481C1C}">
                   <a14:useLocalDpi xmlns:a14="http://schemas.microsoft.com/office/drawing/2010/main" val="0"/>
@@ -9904,7 +9862,7 @@
             <p:nvPr/>
           </p:nvPicPr>
           <p:blipFill>
-            <a:blip r:embed="rId5" cstate="print">
+            <a:blip r:embed="rId4" cstate="print">
               <a:extLst>
                 <a:ext uri="{28A0092B-C50C-407E-A947-70E740481C1C}">
                   <a14:useLocalDpi xmlns:a14="http://schemas.microsoft.com/office/drawing/2010/main" val="0"/>
@@ -9945,7 +9903,7 @@
             <p:nvPr/>
           </p:nvPicPr>
           <p:blipFill>
-            <a:blip r:embed="rId4" cstate="print">
+            <a:blip r:embed="rId3" cstate="print">
               <a:extLst>
                 <a:ext uri="{28A0092B-C50C-407E-A947-70E740481C1C}">
                   <a14:useLocalDpi xmlns:a14="http://schemas.microsoft.com/office/drawing/2010/main" val="0"/>
@@ -10001,7 +9959,7 @@
             <p:nvPr/>
           </p:nvPicPr>
           <p:blipFill>
-            <a:blip r:embed="rId4" cstate="print">
+            <a:blip r:embed="rId3" cstate="print">
               <a:extLst>
                 <a:ext uri="{28A0092B-C50C-407E-A947-70E740481C1C}">
                   <a14:useLocalDpi xmlns:a14="http://schemas.microsoft.com/office/drawing/2010/main" val="0"/>
@@ -10042,7 +10000,7 @@
             <p:nvPr/>
           </p:nvPicPr>
           <p:blipFill>
-            <a:blip r:embed="rId5" cstate="print">
+            <a:blip r:embed="rId4" cstate="print">
               <a:extLst>
                 <a:ext uri="{28A0092B-C50C-407E-A947-70E740481C1C}">
                   <a14:useLocalDpi xmlns:a14="http://schemas.microsoft.com/office/drawing/2010/main" val="0"/>
@@ -10083,7 +10041,7 @@
             <p:nvPr/>
           </p:nvPicPr>
           <p:blipFill>
-            <a:blip r:embed="rId4" cstate="print">
+            <a:blip r:embed="rId3" cstate="print">
               <a:extLst>
                 <a:ext uri="{28A0092B-C50C-407E-A947-70E740481C1C}">
                   <a14:useLocalDpi xmlns:a14="http://schemas.microsoft.com/office/drawing/2010/main" val="0"/>
@@ -10116,6 +10074,47 @@
           </p:spPr>
         </p:pic>
       </p:grpSp>
+      <p:pic>
+        <p:nvPicPr>
+          <p:cNvPr id="62" name="Picture 4" descr="Flat laptop icon laptop - Transparent PNG &amp;amp; SVG vector file"/>
+          <p:cNvPicPr>
+            <a:picLocks noChangeAspect="1" noChangeArrowheads="1"/>
+          </p:cNvPicPr>
+          <p:nvPr/>
+        </p:nvPicPr>
+        <p:blipFill>
+          <a:blip r:embed="rId5" cstate="print">
+            <a:extLst>
+              <a:ext uri="{28A0092B-C50C-407E-A947-70E740481C1C}">
+                <a14:useLocalDpi xmlns:a14="http://schemas.microsoft.com/office/drawing/2010/main" val="0"/>
+              </a:ext>
+            </a:extLst>
+          </a:blip>
+          <a:srcRect/>
+          <a:stretch>
+            <a:fillRect/>
+          </a:stretch>
+        </p:blipFill>
+        <p:spPr bwMode="auto">
+          <a:xfrm>
+            <a:off x="1639147" y="1997016"/>
+            <a:ext cx="1231359" cy="1231359"/>
+          </a:xfrm>
+          <a:prstGeom prst="rect">
+            <a:avLst/>
+          </a:prstGeom>
+          <a:noFill/>
+          <a:extLst>
+            <a:ext uri="{909E8E84-426E-40DD-AFC4-6F175D3DCCD1}">
+              <a14:hiddenFill xmlns:a14="http://schemas.microsoft.com/office/drawing/2010/main">
+                <a:solidFill>
+                  <a:srgbClr val="FFFFFF"/>
+                </a:solidFill>
+              </a14:hiddenFill>
+            </a:ext>
+          </a:extLst>
+        </p:spPr>
+      </p:pic>
     </p:spTree>
     <p:extLst>
       <p:ext uri="{BB962C8B-B14F-4D97-AF65-F5344CB8AC3E}">
@@ -10185,10 +10184,9 @@
           <a:p>
             <a:pPr algn="ctr"/>
             <a:r>
-              <a:rPr lang="ru-RU" sz="6000" b="1" dirty="0" smtClean="0"/>
-              <a:t>Тестирование</a:t>
-            </a:r>
-            <a:endParaRPr lang="ru-RU" sz="6000" b="1" dirty="0" smtClean="0"/>
+              <a:rPr lang="ru-RU" sz="6000" b="1" dirty="0"/>
+              <a:t>Нагрузочное тестирование</a:t>
+            </a:r>
           </a:p>
         </p:txBody>
       </p:sp>
@@ -10549,47 +10547,6 @@
       </p:grpSp>
       <p:pic>
         <p:nvPicPr>
-          <p:cNvPr id="6148" name="Picture 4" descr="Flat laptop icon laptop - Transparent PNG &amp;amp; SVG vector file"/>
-          <p:cNvPicPr>
-            <a:picLocks noChangeAspect="1" noChangeArrowheads="1"/>
-          </p:cNvPicPr>
-          <p:nvPr/>
-        </p:nvPicPr>
-        <p:blipFill>
-          <a:blip r:embed="rId2" cstate="print">
-            <a:extLst>
-              <a:ext uri="{28A0092B-C50C-407E-A947-70E740481C1C}">
-                <a14:useLocalDpi xmlns:a14="http://schemas.microsoft.com/office/drawing/2010/main" val="0"/>
-              </a:ext>
-            </a:extLst>
-          </a:blip>
-          <a:srcRect/>
-          <a:stretch>
-            <a:fillRect/>
-          </a:stretch>
-        </p:blipFill>
-        <p:spPr bwMode="auto">
-          <a:xfrm>
-            <a:off x="237597" y="1967734"/>
-            <a:ext cx="1231359" cy="1231359"/>
-          </a:xfrm>
-          <a:prstGeom prst="rect">
-            <a:avLst/>
-          </a:prstGeom>
-          <a:noFill/>
-          <a:extLst>
-            <a:ext uri="{909E8E84-426E-40DD-AFC4-6F175D3DCCD1}">
-              <a14:hiddenFill xmlns:a14="http://schemas.microsoft.com/office/drawing/2010/main">
-                <a:solidFill>
-                  <a:srgbClr val="FFFFFF"/>
-                </a:solidFill>
-              </a14:hiddenFill>
-            </a:ext>
-          </a:extLst>
-        </p:spPr>
-      </p:pic>
-      <p:pic>
-        <p:nvPicPr>
           <p:cNvPr id="22" name="Рисунок 21"/>
           <p:cNvPicPr>
             <a:picLocks noChangeAspect="1"/>
@@ -10597,7 +10554,7 @@
           <p:nvPr/>
         </p:nvPicPr>
         <p:blipFill>
-          <a:blip r:embed="rId3" cstate="print">
+          <a:blip r:embed="rId2" cstate="print">
             <a:extLst>
               <a:ext uri="{28A0092B-C50C-407E-A947-70E740481C1C}">
                 <a14:useLocalDpi xmlns:a14="http://schemas.microsoft.com/office/drawing/2010/main" val="0"/>
@@ -11016,7 +10973,7 @@
             <p:nvPr/>
           </p:nvPicPr>
           <p:blipFill>
-            <a:blip r:embed="rId4" cstate="print">
+            <a:blip r:embed="rId3" cstate="print">
               <a:extLst>
                 <a:ext uri="{28A0092B-C50C-407E-A947-70E740481C1C}">
                   <a14:useLocalDpi xmlns:a14="http://schemas.microsoft.com/office/drawing/2010/main" val="0"/>
@@ -11057,7 +11014,7 @@
             <p:nvPr/>
           </p:nvPicPr>
           <p:blipFill>
-            <a:blip r:embed="rId5" cstate="print">
+            <a:blip r:embed="rId4" cstate="print">
               <a:extLst>
                 <a:ext uri="{28A0092B-C50C-407E-A947-70E740481C1C}">
                   <a14:useLocalDpi xmlns:a14="http://schemas.microsoft.com/office/drawing/2010/main" val="0"/>
@@ -11098,7 +11055,7 @@
             <p:nvPr/>
           </p:nvPicPr>
           <p:blipFill>
-            <a:blip r:embed="rId4" cstate="print">
+            <a:blip r:embed="rId3" cstate="print">
               <a:extLst>
                 <a:ext uri="{28A0092B-C50C-407E-A947-70E740481C1C}">
                   <a14:useLocalDpi xmlns:a14="http://schemas.microsoft.com/office/drawing/2010/main" val="0"/>
@@ -11154,7 +11111,7 @@
             <p:nvPr/>
           </p:nvPicPr>
           <p:blipFill>
-            <a:blip r:embed="rId4" cstate="print">
+            <a:blip r:embed="rId3" cstate="print">
               <a:extLst>
                 <a:ext uri="{28A0092B-C50C-407E-A947-70E740481C1C}">
                   <a14:useLocalDpi xmlns:a14="http://schemas.microsoft.com/office/drawing/2010/main" val="0"/>
@@ -11195,7 +11152,7 @@
             <p:nvPr/>
           </p:nvPicPr>
           <p:blipFill>
-            <a:blip r:embed="rId5" cstate="print">
+            <a:blip r:embed="rId4" cstate="print">
               <a:extLst>
                 <a:ext uri="{28A0092B-C50C-407E-A947-70E740481C1C}">
                   <a14:useLocalDpi xmlns:a14="http://schemas.microsoft.com/office/drawing/2010/main" val="0"/>
@@ -11236,7 +11193,7 @@
             <p:nvPr/>
           </p:nvPicPr>
           <p:blipFill>
-            <a:blip r:embed="rId4" cstate="print">
+            <a:blip r:embed="rId3" cstate="print">
               <a:extLst>
                 <a:ext uri="{28A0092B-C50C-407E-A947-70E740481C1C}">
                   <a14:useLocalDpi xmlns:a14="http://schemas.microsoft.com/office/drawing/2010/main" val="0"/>
@@ -11292,7 +11249,7 @@
             <p:nvPr/>
           </p:nvPicPr>
           <p:blipFill>
-            <a:blip r:embed="rId4" cstate="print">
+            <a:blip r:embed="rId3" cstate="print">
               <a:extLst>
                 <a:ext uri="{28A0092B-C50C-407E-A947-70E740481C1C}">
                   <a14:useLocalDpi xmlns:a14="http://schemas.microsoft.com/office/drawing/2010/main" val="0"/>
@@ -11333,7 +11290,7 @@
             <p:nvPr/>
           </p:nvPicPr>
           <p:blipFill>
-            <a:blip r:embed="rId5" cstate="print">
+            <a:blip r:embed="rId4" cstate="print">
               <a:extLst>
                 <a:ext uri="{28A0092B-C50C-407E-A947-70E740481C1C}">
                   <a14:useLocalDpi xmlns:a14="http://schemas.microsoft.com/office/drawing/2010/main" val="0"/>
@@ -11374,7 +11331,7 @@
             <p:nvPr/>
           </p:nvPicPr>
           <p:blipFill>
-            <a:blip r:embed="rId4" cstate="print">
+            <a:blip r:embed="rId3" cstate="print">
               <a:extLst>
                 <a:ext uri="{28A0092B-C50C-407E-A947-70E740481C1C}">
                   <a14:useLocalDpi xmlns:a14="http://schemas.microsoft.com/office/drawing/2010/main" val="0"/>
@@ -11416,7 +11373,7 @@
           <p:nvPr/>
         </p:nvPicPr>
         <p:blipFill>
-          <a:blip r:embed="rId6">
+          <a:blip r:embed="rId5" cstate="print">
             <a:extLst>
               <a:ext uri="{28A0092B-C50C-407E-A947-70E740481C1C}">
                 <a14:useLocalDpi xmlns:a14="http://schemas.microsoft.com/office/drawing/2010/main" val="0"/>
@@ -11429,8 +11386,8 @@
         </p:blipFill>
         <p:spPr>
           <a:xfrm>
-            <a:off x="372167" y="4271700"/>
-            <a:ext cx="3536935" cy="2196054"/>
+            <a:off x="881586" y="4267738"/>
+            <a:ext cx="2555964" cy="1586977"/>
           </a:xfrm>
           <a:prstGeom prst="rect">
             <a:avLst/>
@@ -11459,7 +11416,7 @@
           <p:nvPr/>
         </p:nvPicPr>
         <p:blipFill>
-          <a:blip r:embed="rId7" cstate="print">
+          <a:blip r:embed="rId6" cstate="print">
             <a:extLst>
               <a:ext uri="{28A0092B-C50C-407E-A947-70E740481C1C}">
                 <a14:useLocalDpi xmlns:a14="http://schemas.microsoft.com/office/drawing/2010/main" val="0"/>
@@ -11473,8 +11430,8 @@
         </p:blipFill>
         <p:spPr bwMode="auto">
           <a:xfrm>
-            <a:off x="8583018" y="638014"/>
-            <a:ext cx="3286847" cy="2137997"/>
+            <a:off x="8877537" y="1119297"/>
+            <a:ext cx="2532022" cy="1647006"/>
           </a:xfrm>
           <a:prstGeom prst="rect">
             <a:avLst/>
@@ -11527,7 +11484,7 @@
             <p:nvPr/>
           </p:nvPicPr>
           <p:blipFill>
-            <a:blip r:embed="rId4" cstate="print">
+            <a:blip r:embed="rId3" cstate="print">
               <a:extLst>
                 <a:ext uri="{28A0092B-C50C-407E-A947-70E740481C1C}">
                   <a14:useLocalDpi xmlns:a14="http://schemas.microsoft.com/office/drawing/2010/main" val="0"/>
@@ -11568,7 +11525,7 @@
             <p:nvPr/>
           </p:nvPicPr>
           <p:blipFill>
-            <a:blip r:embed="rId5" cstate="print">
+            <a:blip r:embed="rId4" cstate="print">
               <a:extLst>
                 <a:ext uri="{28A0092B-C50C-407E-A947-70E740481C1C}">
                   <a14:useLocalDpi xmlns:a14="http://schemas.microsoft.com/office/drawing/2010/main" val="0"/>
@@ -11609,7 +11566,7 @@
             <p:nvPr/>
           </p:nvPicPr>
           <p:blipFill>
-            <a:blip r:embed="rId4" cstate="print">
+            <a:blip r:embed="rId3" cstate="print">
               <a:extLst>
                 <a:ext uri="{28A0092B-C50C-407E-A947-70E740481C1C}">
                   <a14:useLocalDpi xmlns:a14="http://schemas.microsoft.com/office/drawing/2010/main" val="0"/>
@@ -11665,7 +11622,7 @@
             <p:nvPr/>
           </p:nvPicPr>
           <p:blipFill>
-            <a:blip r:embed="rId4" cstate="print">
+            <a:blip r:embed="rId3" cstate="print">
               <a:extLst>
                 <a:ext uri="{28A0092B-C50C-407E-A947-70E740481C1C}">
                   <a14:useLocalDpi xmlns:a14="http://schemas.microsoft.com/office/drawing/2010/main" val="0"/>
@@ -11706,7 +11663,7 @@
             <p:nvPr/>
           </p:nvPicPr>
           <p:blipFill>
-            <a:blip r:embed="rId5" cstate="print">
+            <a:blip r:embed="rId4" cstate="print">
               <a:extLst>
                 <a:ext uri="{28A0092B-C50C-407E-A947-70E740481C1C}">
                   <a14:useLocalDpi xmlns:a14="http://schemas.microsoft.com/office/drawing/2010/main" val="0"/>
@@ -11747,7 +11704,7 @@
             <p:nvPr/>
           </p:nvPicPr>
           <p:blipFill>
-            <a:blip r:embed="rId4" cstate="print">
+            <a:blip r:embed="rId3" cstate="print">
               <a:extLst>
                 <a:ext uri="{28A0092B-C50C-407E-A947-70E740481C1C}">
                   <a14:useLocalDpi xmlns:a14="http://schemas.microsoft.com/office/drawing/2010/main" val="0"/>
@@ -12072,6 +12029,325 @@
           </p:txBody>
         </p:sp>
       </p:grpSp>
+      <p:pic>
+        <p:nvPicPr>
+          <p:cNvPr id="74" name="Picture 4" descr="Flat laptop icon laptop - Transparent PNG &amp;amp; SVG vector file"/>
+          <p:cNvPicPr>
+            <a:picLocks noChangeAspect="1" noChangeArrowheads="1"/>
+          </p:cNvPicPr>
+          <p:nvPr/>
+        </p:nvPicPr>
+        <p:blipFill>
+          <a:blip r:embed="rId7" cstate="print">
+            <a:extLst>
+              <a:ext uri="{28A0092B-C50C-407E-A947-70E740481C1C}">
+                <a14:useLocalDpi xmlns:a14="http://schemas.microsoft.com/office/drawing/2010/main" val="0"/>
+              </a:ext>
+            </a:extLst>
+          </a:blip>
+          <a:srcRect/>
+          <a:stretch>
+            <a:fillRect/>
+          </a:stretch>
+        </p:blipFill>
+        <p:spPr bwMode="auto">
+          <a:xfrm>
+            <a:off x="1639147" y="1997016"/>
+            <a:ext cx="1231359" cy="1231359"/>
+          </a:xfrm>
+          <a:prstGeom prst="rect">
+            <a:avLst/>
+          </a:prstGeom>
+          <a:noFill/>
+          <a:extLst>
+            <a:ext uri="{909E8E84-426E-40DD-AFC4-6F175D3DCCD1}">
+              <a14:hiddenFill xmlns:a14="http://schemas.microsoft.com/office/drawing/2010/main">
+                <a:solidFill>
+                  <a:srgbClr val="FFFFFF"/>
+                </a:solidFill>
+              </a14:hiddenFill>
+            </a:ext>
+          </a:extLst>
+        </p:spPr>
+      </p:pic>
+      <p:sp>
+        <p:nvSpPr>
+          <p:cNvPr id="12" name="Полилиния 11"/>
+          <p:cNvSpPr/>
+          <p:nvPr/>
+        </p:nvSpPr>
+        <p:spPr>
+          <a:xfrm>
+            <a:off x="8942071" y="1417320"/>
+            <a:ext cx="2449830" cy="1219200"/>
+          </a:xfrm>
+          <a:custGeom>
+            <a:avLst/>
+            <a:gdLst>
+              <a:gd name="connsiteX0" fmla="*/ 0 w 2530371"/>
+              <a:gd name="connsiteY0" fmla="*/ 1379682 h 1379682"/>
+              <a:gd name="connsiteX1" fmla="*/ 2331720 w 2530371"/>
+              <a:gd name="connsiteY1" fmla="*/ 198582 h 1379682"/>
+              <a:gd name="connsiteX2" fmla="*/ 2247900 w 2530371"/>
+              <a:gd name="connsiteY2" fmla="*/ 11892 h 1379682"/>
+              <a:gd name="connsiteX0" fmla="*/ 0 w 2277511"/>
+              <a:gd name="connsiteY0" fmla="*/ 1368154 h 1368154"/>
+              <a:gd name="connsiteX1" fmla="*/ 937260 w 2277511"/>
+              <a:gd name="connsiteY1" fmla="*/ 1070974 h 1368154"/>
+              <a:gd name="connsiteX2" fmla="*/ 2247900 w 2277511"/>
+              <a:gd name="connsiteY2" fmla="*/ 364 h 1368154"/>
+              <a:gd name="connsiteX0" fmla="*/ 0 w 2327218"/>
+              <a:gd name="connsiteY0" fmla="*/ 1417687 h 1417687"/>
+              <a:gd name="connsiteX1" fmla="*/ 986790 w 2327218"/>
+              <a:gd name="connsiteY1" fmla="*/ 1070977 h 1417687"/>
+              <a:gd name="connsiteX2" fmla="*/ 2297430 w 2327218"/>
+              <a:gd name="connsiteY2" fmla="*/ 367 h 1417687"/>
+              <a:gd name="connsiteX0" fmla="*/ 0 w 2484521"/>
+              <a:gd name="connsiteY0" fmla="*/ 1250118 h 1250118"/>
+              <a:gd name="connsiteX1" fmla="*/ 986790 w 2484521"/>
+              <a:gd name="connsiteY1" fmla="*/ 903408 h 1250118"/>
+              <a:gd name="connsiteX2" fmla="*/ 2457450 w 2484521"/>
+              <a:gd name="connsiteY2" fmla="*/ 438 h 1250118"/>
+              <a:gd name="connsiteX0" fmla="*/ 0 w 2457450"/>
+              <a:gd name="connsiteY0" fmla="*/ 1249680 h 1249680"/>
+              <a:gd name="connsiteX1" fmla="*/ 986790 w 2457450"/>
+              <a:gd name="connsiteY1" fmla="*/ 902970 h 1249680"/>
+              <a:gd name="connsiteX2" fmla="*/ 2457450 w 2457450"/>
+              <a:gd name="connsiteY2" fmla="*/ 0 h 1249680"/>
+              <a:gd name="connsiteX0" fmla="*/ 0 w 2457450"/>
+              <a:gd name="connsiteY0" fmla="*/ 1226820 h 1226820"/>
+              <a:gd name="connsiteX1" fmla="*/ 986790 w 2457450"/>
+              <a:gd name="connsiteY1" fmla="*/ 902970 h 1226820"/>
+              <a:gd name="connsiteX2" fmla="*/ 2457450 w 2457450"/>
+              <a:gd name="connsiteY2" fmla="*/ 0 h 1226820"/>
+              <a:gd name="connsiteX0" fmla="*/ 0 w 2457450"/>
+              <a:gd name="connsiteY0" fmla="*/ 1226820 h 1232454"/>
+              <a:gd name="connsiteX1" fmla="*/ 986790 w 2457450"/>
+              <a:gd name="connsiteY1" fmla="*/ 902970 h 1232454"/>
+              <a:gd name="connsiteX2" fmla="*/ 2457450 w 2457450"/>
+              <a:gd name="connsiteY2" fmla="*/ 0 h 1232454"/>
+              <a:gd name="connsiteX0" fmla="*/ 0 w 2457450"/>
+              <a:gd name="connsiteY0" fmla="*/ 1226820 h 1233705"/>
+              <a:gd name="connsiteX1" fmla="*/ 986790 w 2457450"/>
+              <a:gd name="connsiteY1" fmla="*/ 902970 h 1233705"/>
+              <a:gd name="connsiteX2" fmla="*/ 2457450 w 2457450"/>
+              <a:gd name="connsiteY2" fmla="*/ 0 h 1233705"/>
+              <a:gd name="connsiteX0" fmla="*/ 0 w 2442210"/>
+              <a:gd name="connsiteY0" fmla="*/ 1249680 h 1254815"/>
+              <a:gd name="connsiteX1" fmla="*/ 971550 w 2442210"/>
+              <a:gd name="connsiteY1" fmla="*/ 902970 h 1254815"/>
+              <a:gd name="connsiteX2" fmla="*/ 2442210 w 2442210"/>
+              <a:gd name="connsiteY2" fmla="*/ 0 h 1254815"/>
+              <a:gd name="connsiteX0" fmla="*/ 0 w 2449830"/>
+              <a:gd name="connsiteY0" fmla="*/ 1219200 h 1225021"/>
+              <a:gd name="connsiteX1" fmla="*/ 979170 w 2449830"/>
+              <a:gd name="connsiteY1" fmla="*/ 902970 h 1225021"/>
+              <a:gd name="connsiteX2" fmla="*/ 2449830 w 2449830"/>
+              <a:gd name="connsiteY2" fmla="*/ 0 h 1225021"/>
+              <a:gd name="connsiteX0" fmla="*/ 0 w 2449830"/>
+              <a:gd name="connsiteY0" fmla="*/ 1219200 h 1219200"/>
+              <a:gd name="connsiteX1" fmla="*/ 979170 w 2449830"/>
+              <a:gd name="connsiteY1" fmla="*/ 902970 h 1219200"/>
+              <a:gd name="connsiteX2" fmla="*/ 2449830 w 2449830"/>
+              <a:gd name="connsiteY2" fmla="*/ 0 h 1219200"/>
+            </a:gdLst>
+            <a:ahLst/>
+            <a:cxnLst>
+              <a:cxn ang="0">
+                <a:pos x="connsiteX0" y="connsiteY0"/>
+              </a:cxn>
+              <a:cxn ang="0">
+                <a:pos x="connsiteX1" y="connsiteY1"/>
+              </a:cxn>
+              <a:cxn ang="0">
+                <a:pos x="connsiteX2" y="connsiteY2"/>
+              </a:cxn>
+            </a:cxnLst>
+            <a:rect l="l" t="t" r="r" b="b"/>
+            <a:pathLst>
+              <a:path w="2449830" h="1219200">
+                <a:moveTo>
+                  <a:pt x="0" y="1219200"/>
+                </a:moveTo>
+                <a:cubicBezTo>
+                  <a:pt x="696595" y="1218882"/>
+                  <a:pt x="570865" y="1106170"/>
+                  <a:pt x="979170" y="902970"/>
+                </a:cubicBezTo>
+                <a:cubicBezTo>
+                  <a:pt x="1387475" y="699770"/>
+                  <a:pt x="1806575" y="242252"/>
+                  <a:pt x="2449830" y="0"/>
+                </a:cubicBezTo>
+              </a:path>
+            </a:pathLst>
+          </a:custGeom>
+          <a:noFill/>
+          <a:ln w="57150">
+            <a:solidFill>
+              <a:schemeClr val="accent6">
+                <a:lumMod val="50000"/>
+              </a:schemeClr>
+            </a:solidFill>
+            <a:headEnd type="none" w="med" len="med"/>
+            <a:tailEnd type="triangle" w="med" len="med"/>
+          </a:ln>
+        </p:spPr>
+        <p:style>
+          <a:lnRef idx="2">
+            <a:schemeClr val="accent1">
+              <a:shade val="50000"/>
+            </a:schemeClr>
+          </a:lnRef>
+          <a:fillRef idx="1">
+            <a:schemeClr val="accent1"/>
+          </a:fillRef>
+          <a:effectRef idx="0">
+            <a:schemeClr val="accent1"/>
+          </a:effectRef>
+          <a:fontRef idx="minor">
+            <a:schemeClr val="lt1"/>
+          </a:fontRef>
+        </p:style>
+        <p:txBody>
+          <a:bodyPr rtlCol="0" anchor="ctr"/>
+          <a:lstStyle/>
+          <a:p>
+            <a:pPr algn="ctr"/>
+            <a:endParaRPr lang="ru-RU"/>
+          </a:p>
+        </p:txBody>
+      </p:sp>
+      <p:sp>
+        <p:nvSpPr>
+          <p:cNvPr id="13" name="Полилиния 12"/>
+          <p:cNvSpPr/>
+          <p:nvPr/>
+        </p:nvSpPr>
+        <p:spPr>
+          <a:xfrm>
+            <a:off x="1203960" y="4607561"/>
+            <a:ext cx="2164080" cy="853440"/>
+          </a:xfrm>
+          <a:custGeom>
+            <a:avLst/>
+            <a:gdLst>
+              <a:gd name="connsiteX0" fmla="*/ 0 w 2214880"/>
+              <a:gd name="connsiteY0" fmla="*/ 498419 h 584901"/>
+              <a:gd name="connsiteX1" fmla="*/ 431800 w 2214880"/>
+              <a:gd name="connsiteY1" fmla="*/ 579 h 584901"/>
+              <a:gd name="connsiteX2" fmla="*/ 1188720 w 2214880"/>
+              <a:gd name="connsiteY2" fmla="*/ 584779 h 584901"/>
+              <a:gd name="connsiteX3" fmla="*/ 2214880 w 2214880"/>
+              <a:gd name="connsiteY3" fmla="*/ 41219 h 584901"/>
+              <a:gd name="connsiteX0" fmla="*/ 0 w 2184400"/>
+              <a:gd name="connsiteY0" fmla="*/ 732251 h 732251"/>
+              <a:gd name="connsiteX1" fmla="*/ 401320 w 2184400"/>
+              <a:gd name="connsiteY1" fmla="*/ 731 h 732251"/>
+              <a:gd name="connsiteX2" fmla="*/ 1158240 w 2184400"/>
+              <a:gd name="connsiteY2" fmla="*/ 584931 h 732251"/>
+              <a:gd name="connsiteX3" fmla="*/ 2184400 w 2184400"/>
+              <a:gd name="connsiteY3" fmla="*/ 41371 h 732251"/>
+              <a:gd name="connsiteX0" fmla="*/ 0 w 2184400"/>
+              <a:gd name="connsiteY0" fmla="*/ 690880 h 690880"/>
+              <a:gd name="connsiteX1" fmla="*/ 447040 w 2184400"/>
+              <a:gd name="connsiteY1" fmla="*/ 152400 h 690880"/>
+              <a:gd name="connsiteX2" fmla="*/ 1158240 w 2184400"/>
+              <a:gd name="connsiteY2" fmla="*/ 543560 h 690880"/>
+              <a:gd name="connsiteX3" fmla="*/ 2184400 w 2184400"/>
+              <a:gd name="connsiteY3" fmla="*/ 0 h 690880"/>
+              <a:gd name="connsiteX0" fmla="*/ 0 w 2184400"/>
+              <a:gd name="connsiteY0" fmla="*/ 690880 h 690880"/>
+              <a:gd name="connsiteX1" fmla="*/ 447040 w 2184400"/>
+              <a:gd name="connsiteY1" fmla="*/ 152400 h 690880"/>
+              <a:gd name="connsiteX2" fmla="*/ 1198880 w 2184400"/>
+              <a:gd name="connsiteY2" fmla="*/ 309880 h 690880"/>
+              <a:gd name="connsiteX3" fmla="*/ 2184400 w 2184400"/>
+              <a:gd name="connsiteY3" fmla="*/ 0 h 690880"/>
+              <a:gd name="connsiteX0" fmla="*/ 0 w 2164080"/>
+              <a:gd name="connsiteY0" fmla="*/ 853440 h 853440"/>
+              <a:gd name="connsiteX1" fmla="*/ 447040 w 2164080"/>
+              <a:gd name="connsiteY1" fmla="*/ 314960 h 853440"/>
+              <a:gd name="connsiteX2" fmla="*/ 1198880 w 2164080"/>
+              <a:gd name="connsiteY2" fmla="*/ 472440 h 853440"/>
+              <a:gd name="connsiteX3" fmla="*/ 2164080 w 2164080"/>
+              <a:gd name="connsiteY3" fmla="*/ 0 h 853440"/>
+            </a:gdLst>
+            <a:ahLst/>
+            <a:cxnLst>
+              <a:cxn ang="0">
+                <a:pos x="connsiteX0" y="connsiteY0"/>
+              </a:cxn>
+              <a:cxn ang="0">
+                <a:pos x="connsiteX1" y="connsiteY1"/>
+              </a:cxn>
+              <a:cxn ang="0">
+                <a:pos x="connsiteX2" y="connsiteY2"/>
+              </a:cxn>
+              <a:cxn ang="0">
+                <a:pos x="connsiteX3" y="connsiteY3"/>
+              </a:cxn>
+            </a:cxnLst>
+            <a:rect l="l" t="t" r="r" b="b"/>
+            <a:pathLst>
+              <a:path w="2164080" h="853440">
+                <a:moveTo>
+                  <a:pt x="0" y="853440"/>
+                </a:moveTo>
+                <a:cubicBezTo>
+                  <a:pt x="116840" y="597323"/>
+                  <a:pt x="247227" y="378460"/>
+                  <a:pt x="447040" y="314960"/>
+                </a:cubicBezTo>
+                <a:cubicBezTo>
+                  <a:pt x="646853" y="251460"/>
+                  <a:pt x="912707" y="524933"/>
+                  <a:pt x="1198880" y="472440"/>
+                </a:cubicBezTo>
+                <a:cubicBezTo>
+                  <a:pt x="1485053" y="419947"/>
+                  <a:pt x="1799590" y="275166"/>
+                  <a:pt x="2164080" y="0"/>
+                </a:cubicBezTo>
+              </a:path>
+            </a:pathLst>
+          </a:custGeom>
+          <a:noFill/>
+          <a:ln w="76200">
+            <a:solidFill>
+              <a:schemeClr val="accent2">
+                <a:lumMod val="50000"/>
+              </a:schemeClr>
+            </a:solidFill>
+            <a:headEnd type="none" w="med" len="med"/>
+            <a:tailEnd type="triangle" w="med" len="med"/>
+          </a:ln>
+        </p:spPr>
+        <p:style>
+          <a:lnRef idx="2">
+            <a:schemeClr val="accent1">
+              <a:shade val="50000"/>
+            </a:schemeClr>
+          </a:lnRef>
+          <a:fillRef idx="1">
+            <a:schemeClr val="accent1"/>
+          </a:fillRef>
+          <a:effectRef idx="0">
+            <a:schemeClr val="accent1"/>
+          </a:effectRef>
+          <a:fontRef idx="minor">
+            <a:schemeClr val="lt1"/>
+          </a:fontRef>
+        </p:style>
+        <p:txBody>
+          <a:bodyPr rtlCol="0" anchor="ctr"/>
+          <a:lstStyle/>
+          <a:p>
+            <a:pPr algn="ctr"/>
+            <a:endParaRPr lang="ru-RU"/>
+          </a:p>
+        </p:txBody>
+      </p:sp>
     </p:spTree>
     <p:extLst>
       <p:ext uri="{BB962C8B-B14F-4D97-AF65-F5344CB8AC3E}">
@@ -12145,6 +12421,314 @@
               <a:t>Распределение работы</a:t>
             </a:r>
             <a:endParaRPr lang="ru-RU" sz="6000" b="1" dirty="0" smtClean="0"/>
+          </a:p>
+        </p:txBody>
+      </p:sp>
+      <p:pic>
+        <p:nvPicPr>
+          <p:cNvPr id="8194" name="Picture 2" descr="Avatar"/>
+          <p:cNvPicPr>
+            <a:picLocks noChangeAspect="1" noChangeArrowheads="1"/>
+          </p:cNvPicPr>
+          <p:nvPr/>
+        </p:nvPicPr>
+        <p:blipFill>
+          <a:blip r:embed="rId2">
+            <a:extLst>
+              <a:ext uri="{28A0092B-C50C-407E-A947-70E740481C1C}">
+                <a14:useLocalDpi xmlns:a14="http://schemas.microsoft.com/office/drawing/2010/main" val="0"/>
+              </a:ext>
+            </a:extLst>
+          </a:blip>
+          <a:srcRect/>
+          <a:stretch>
+            <a:fillRect/>
+          </a:stretch>
+        </p:blipFill>
+        <p:spPr bwMode="auto">
+          <a:xfrm>
+            <a:off x="7948612" y="1167563"/>
+            <a:ext cx="2364105" cy="2364106"/>
+          </a:xfrm>
+          <a:prstGeom prst="rect">
+            <a:avLst/>
+          </a:prstGeom>
+          <a:noFill/>
+          <a:extLst>
+            <a:ext uri="{909E8E84-426E-40DD-AFC4-6F175D3DCCD1}">
+              <a14:hiddenFill xmlns:a14="http://schemas.microsoft.com/office/drawing/2010/main">
+                <a:solidFill>
+                  <a:srgbClr val="FFFFFF"/>
+                </a:solidFill>
+              </a14:hiddenFill>
+            </a:ext>
+          </a:extLst>
+        </p:spPr>
+      </p:pic>
+      <p:pic>
+        <p:nvPicPr>
+          <p:cNvPr id="6" name="Picture 6" descr="https://www.gravatar.com/avatar/2e9636dad01b44f21d1dbc6a32535e0b?s=328&amp;d=identicon&amp;r=PG&amp;f=1"/>
+          <p:cNvPicPr>
+            <a:picLocks noChangeAspect="1" noChangeArrowheads="1"/>
+          </p:cNvPicPr>
+          <p:nvPr/>
+        </p:nvPicPr>
+        <p:blipFill>
+          <a:blip r:embed="rId3">
+            <a:extLst>
+              <a:ext uri="{28A0092B-C50C-407E-A947-70E740481C1C}">
+                <a14:useLocalDpi xmlns:a14="http://schemas.microsoft.com/office/drawing/2010/main" val="0"/>
+              </a:ext>
+            </a:extLst>
+          </a:blip>
+          <a:srcRect/>
+          <a:stretch>
+            <a:fillRect/>
+          </a:stretch>
+        </p:blipFill>
+        <p:spPr bwMode="auto">
+          <a:xfrm>
+            <a:off x="1879282" y="1167563"/>
+            <a:ext cx="2364105" cy="2364106"/>
+          </a:xfrm>
+          <a:prstGeom prst="rect">
+            <a:avLst/>
+          </a:prstGeom>
+          <a:noFill/>
+          <a:extLst>
+            <a:ext uri="{909E8E84-426E-40DD-AFC4-6F175D3DCCD1}">
+              <a14:hiddenFill xmlns:a14="http://schemas.microsoft.com/office/drawing/2010/main">
+                <a:solidFill>
+                  <a:srgbClr val="FFFFFF"/>
+                </a:solidFill>
+              </a14:hiddenFill>
+            </a:ext>
+          </a:extLst>
+        </p:spPr>
+      </p:pic>
+      <p:sp>
+        <p:nvSpPr>
+          <p:cNvPr id="2" name="TextBox 1"/>
+          <p:cNvSpPr txBox="1"/>
+          <p:nvPr/>
+        </p:nvSpPr>
+        <p:spPr>
+          <a:xfrm>
+            <a:off x="1117019" y="3952240"/>
+            <a:ext cx="4493794" cy="2031325"/>
+          </a:xfrm>
+          <a:prstGeom prst="rect">
+            <a:avLst/>
+          </a:prstGeom>
+          <a:noFill/>
+        </p:spPr>
+        <p:txBody>
+          <a:bodyPr wrap="none" rtlCol="0">
+            <a:spAutoFit/>
+          </a:bodyPr>
+          <a:lstStyle/>
+          <a:p>
+            <a:pPr algn="ctr"/>
+            <a:r>
+              <a:rPr lang="ru-RU" b="1" dirty="0" smtClean="0"/>
+              <a:t>Сергей </a:t>
+            </a:r>
+            <a:r>
+              <a:rPr lang="en-US" b="1" dirty="0" smtClean="0"/>
+              <a:t>(</a:t>
+            </a:r>
+            <a:r>
+              <a:rPr lang="en-US" b="1" dirty="0" err="1" smtClean="0"/>
+              <a:t>YoungTeurus</a:t>
+            </a:r>
+            <a:r>
+              <a:rPr lang="en-US" b="1" dirty="0" smtClean="0"/>
+              <a:t>)</a:t>
+            </a:r>
+            <a:endParaRPr lang="ru-RU" b="1" dirty="0"/>
+          </a:p>
+          <a:p>
+            <a:pPr marL="285750" indent="-285750">
+              <a:buFont typeface="Arial" panose="020B0604020202020204" pitchFamily="34" charset="0"/>
+              <a:buChar char="•"/>
+            </a:pPr>
+            <a:r>
+              <a:rPr lang="ru-RU" dirty="0" smtClean="0"/>
+              <a:t>Разработка библиотеки для архитектуры</a:t>
+            </a:r>
+            <a:br>
+              <a:rPr lang="ru-RU" dirty="0" smtClean="0"/>
+            </a:br>
+            <a:r>
+              <a:rPr lang="ru-RU" dirty="0" smtClean="0"/>
+              <a:t>«Модель-коннектор-база данных»</a:t>
+            </a:r>
+          </a:p>
+          <a:p>
+            <a:pPr marL="285750" indent="-285750">
+              <a:buFont typeface="Arial" panose="020B0604020202020204" pitchFamily="34" charset="0"/>
+              <a:buChar char="•"/>
+            </a:pPr>
+            <a:r>
+              <a:rPr lang="ru-RU" dirty="0"/>
+              <a:t>Определение структуры БД сервиса</a:t>
+            </a:r>
+            <a:br>
+              <a:rPr lang="ru-RU" dirty="0"/>
+            </a:br>
+            <a:r>
+              <a:rPr lang="ru-RU" dirty="0" smtClean="0"/>
+              <a:t>кредитной истории и </a:t>
+            </a:r>
+            <a:r>
+              <a:rPr lang="ru-RU" dirty="0"/>
+              <a:t>разработка</a:t>
+            </a:r>
+            <a:br>
+              <a:rPr lang="ru-RU" dirty="0"/>
+            </a:br>
+            <a:r>
+              <a:rPr lang="ru-RU" dirty="0"/>
+              <a:t>соответствующих </a:t>
+            </a:r>
+            <a:r>
+              <a:rPr lang="ru-RU" dirty="0" smtClean="0"/>
+              <a:t>моделей</a:t>
+            </a:r>
+          </a:p>
+          <a:p>
+            <a:pPr marL="285750" indent="-285750">
+              <a:buFont typeface="Arial" panose="020B0604020202020204" pitchFamily="34" charset="0"/>
+              <a:buChar char="•"/>
+            </a:pPr>
+            <a:r>
+              <a:rPr lang="ru-RU" dirty="0" smtClean="0"/>
+              <a:t>Написание кода </a:t>
+            </a:r>
+            <a:r>
+              <a:rPr lang="en-US" dirty="0" smtClean="0"/>
+              <a:t>Credit </a:t>
+            </a:r>
+            <a:r>
+              <a:rPr lang="ru-RU" dirty="0" err="1" smtClean="0"/>
+              <a:t>сервлета</a:t>
+            </a:r>
+            <a:endParaRPr lang="ru-RU" dirty="0"/>
+          </a:p>
+        </p:txBody>
+      </p:sp>
+      <p:sp>
+        <p:nvSpPr>
+          <p:cNvPr id="8" name="TextBox 7"/>
+          <p:cNvSpPr txBox="1"/>
+          <p:nvPr/>
+        </p:nvSpPr>
+        <p:spPr>
+          <a:xfrm>
+            <a:off x="7186349" y="3952240"/>
+            <a:ext cx="4303614" cy="2031325"/>
+          </a:xfrm>
+          <a:prstGeom prst="rect">
+            <a:avLst/>
+          </a:prstGeom>
+          <a:noFill/>
+        </p:spPr>
+        <p:txBody>
+          <a:bodyPr wrap="none" rtlCol="0">
+            <a:spAutoFit/>
+          </a:bodyPr>
+          <a:lstStyle/>
+          <a:p>
+            <a:pPr algn="ctr"/>
+            <a:r>
+              <a:rPr lang="ru-RU" b="1" dirty="0" smtClean="0"/>
+              <a:t>Дмитрий (</a:t>
+            </a:r>
+            <a:r>
+              <a:rPr lang="en-US" b="1" dirty="0" smtClean="0"/>
+              <a:t>dimon7147</a:t>
+            </a:r>
+            <a:r>
+              <a:rPr lang="ru-RU" b="1" dirty="0" smtClean="0"/>
+              <a:t>)</a:t>
+            </a:r>
+            <a:endParaRPr lang="en-US" b="1" dirty="0" smtClean="0"/>
+          </a:p>
+          <a:p>
+            <a:pPr marL="285750" indent="-285750">
+              <a:buFont typeface="Arial" panose="020B0604020202020204" pitchFamily="34" charset="0"/>
+              <a:buChar char="•"/>
+            </a:pPr>
+            <a:r>
+              <a:rPr lang="ru-RU" dirty="0" smtClean="0"/>
+              <a:t>Развёртывание удалённого сервера</a:t>
+            </a:r>
+            <a:br>
+              <a:rPr lang="ru-RU" dirty="0" smtClean="0"/>
+            </a:br>
+            <a:r>
+              <a:rPr lang="ru-RU" dirty="0" smtClean="0"/>
+              <a:t>БД и сервисов</a:t>
+            </a:r>
+          </a:p>
+          <a:p>
+            <a:pPr marL="285750" indent="-285750">
+              <a:buFont typeface="Arial" panose="020B0604020202020204" pitchFamily="34" charset="0"/>
+              <a:buChar char="•"/>
+            </a:pPr>
+            <a:r>
+              <a:rPr lang="ru-RU" dirty="0" smtClean="0"/>
+              <a:t>Определение структуры БД сервиса</a:t>
+            </a:r>
+            <a:br>
+              <a:rPr lang="ru-RU" dirty="0" smtClean="0"/>
+            </a:br>
+            <a:r>
+              <a:rPr lang="ru-RU" dirty="0" smtClean="0"/>
+              <a:t>данных пользователей</a:t>
+            </a:r>
+            <a:r>
+              <a:rPr lang="en-US" dirty="0" smtClean="0"/>
+              <a:t> </a:t>
+            </a:r>
+            <a:r>
+              <a:rPr lang="ru-RU" dirty="0" smtClean="0"/>
+              <a:t>и разработка</a:t>
+            </a:r>
+            <a:br>
+              <a:rPr lang="ru-RU" dirty="0" smtClean="0"/>
+            </a:br>
+            <a:r>
+              <a:rPr lang="ru-RU" dirty="0" smtClean="0"/>
+              <a:t>соответствующих моделей</a:t>
+            </a:r>
+          </a:p>
+          <a:p>
+            <a:pPr marL="285750" indent="-285750">
+              <a:buFont typeface="Arial" panose="020B0604020202020204" pitchFamily="34" charset="0"/>
+              <a:buChar char="•"/>
+            </a:pPr>
+            <a:r>
+              <a:rPr lang="ru-RU" dirty="0" smtClean="0"/>
+              <a:t>Написание кода </a:t>
+            </a:r>
+            <a:r>
+              <a:rPr lang="en-US" dirty="0" smtClean="0"/>
+              <a:t>Main </a:t>
+            </a:r>
+            <a:r>
+              <a:rPr lang="ru-RU" dirty="0" smtClean="0"/>
+              <a:t>и </a:t>
+            </a:r>
+            <a:r>
+              <a:rPr lang="en-US" dirty="0" smtClean="0"/>
+              <a:t>User </a:t>
+            </a:r>
+            <a:r>
+              <a:rPr lang="ru-RU" dirty="0" err="1" smtClean="0"/>
+              <a:t>сервлетов</a:t>
+            </a:r>
+            <a:endParaRPr lang="ru-RU" dirty="0" smtClean="0"/>
           </a:p>
         </p:txBody>
       </p:sp>
@@ -17502,12 +18086,12 @@
   <p:clrMapOvr>
     <a:masterClrMapping/>
   </p:clrMapOvr>
-  <mc:AlternateContent xmlns:mc="http://schemas.openxmlformats.org/markup-compatibility/2006" xmlns:p14="http://schemas.microsoft.com/office/powerpoint/2010/main">
-    <mc:Choice Requires="p14">
-      <p:transition spd="slow" p14:dur="2000" advTm="2000"/>
+  <mc:AlternateContent xmlns:mc="http://schemas.openxmlformats.org/markup-compatibility/2006">
+    <mc:Choice xmlns:p14="http://schemas.microsoft.com/office/powerpoint/2010/main" Requires="p14">
+      <p:transition spd="slow" p14:dur="2000"/>
     </mc:Choice>
-    <mc:Fallback xmlns="">
-      <p:transition spd="slow" advTm="2000"/>
+    <mc:Fallback>
+      <p:transition spd="slow"/>
     </mc:Fallback>
   </mc:AlternateContent>
   <p:timing>

--- a/docs/Java 3 - presentation (without animation).pptx
+++ b/docs/Java 3 - presentation (without animation).pptx
@@ -17,11 +17,14 @@
     <p:sldId id="280" r:id="rId11"/>
     <p:sldId id="281" r:id="rId12"/>
     <p:sldId id="282" r:id="rId13"/>
-    <p:sldId id="285" r:id="rId14"/>
-    <p:sldId id="287" r:id="rId15"/>
-    <p:sldId id="288" r:id="rId16"/>
-    <p:sldId id="283" r:id="rId17"/>
-    <p:sldId id="284" r:id="rId18"/>
+    <p:sldId id="290" r:id="rId14"/>
+    <p:sldId id="291" r:id="rId15"/>
+    <p:sldId id="289" r:id="rId16"/>
+    <p:sldId id="285" r:id="rId17"/>
+    <p:sldId id="287" r:id="rId18"/>
+    <p:sldId id="288" r:id="rId19"/>
+    <p:sldId id="283" r:id="rId20"/>
+    <p:sldId id="284" r:id="rId21"/>
   </p:sldIdLst>
   <p:sldSz cx="12192000" cy="6858000"/>
   <p:notesSz cx="6858000" cy="9144000"/>
@@ -3132,8 +3135,13 @@
             <a:pPr algn="ctr"/>
             <a:r>
               <a:rPr lang="ru-RU" sz="6000" b="1" dirty="0" smtClean="0"/>
-              <a:t>Устройство сервисов</a:t>
-            </a:r>
+              <a:t>Устройство </a:t>
+            </a:r>
+            <a:r>
+              <a:rPr lang="ru-RU" sz="6000" b="1" dirty="0" smtClean="0"/>
+              <a:t>сервисов</a:t>
+            </a:r>
+            <a:endParaRPr lang="ru-RU" sz="6000" b="1" dirty="0" smtClean="0"/>
           </a:p>
         </p:txBody>
       </p:sp>
@@ -3614,8 +3622,8 @@
         </p:nvSpPr>
         <p:spPr>
           <a:xfrm rot="16200000" flipH="1">
-            <a:off x="296419" y="815910"/>
-            <a:ext cx="1059550" cy="1291490"/>
+            <a:off x="108184" y="1004145"/>
+            <a:ext cx="1006999" cy="862470"/>
           </a:xfrm>
           <a:custGeom>
             <a:avLst/>
@@ -3826,6 +3834,62 @@
               <a:gd name="connsiteY5" fmla="*/ 484632 h 1149103"/>
               <a:gd name="connsiteX6" fmla="*/ 0 w 725584"/>
               <a:gd name="connsiteY6" fmla="*/ 242316 h 1149103"/>
+              <a:gd name="connsiteX0" fmla="*/ 0 w 696794"/>
+              <a:gd name="connsiteY0" fmla="*/ 242316 h 653469"/>
+              <a:gd name="connsiteX1" fmla="*/ 135270 w 696794"/>
+              <a:gd name="connsiteY1" fmla="*/ 0 h 653469"/>
+              <a:gd name="connsiteX2" fmla="*/ 135270 w 696794"/>
+              <a:gd name="connsiteY2" fmla="*/ 90435 h 653469"/>
+              <a:gd name="connsiteX3" fmla="*/ 696794 w 696794"/>
+              <a:gd name="connsiteY3" fmla="*/ 653469 h 653469"/>
+              <a:gd name="connsiteX4" fmla="*/ 135270 w 696794"/>
+              <a:gd name="connsiteY4" fmla="*/ 394197 h 653469"/>
+              <a:gd name="connsiteX5" fmla="*/ 135270 w 696794"/>
+              <a:gd name="connsiteY5" fmla="*/ 484632 h 653469"/>
+              <a:gd name="connsiteX6" fmla="*/ 0 w 696794"/>
+              <a:gd name="connsiteY6" fmla="*/ 242316 h 653469"/>
+              <a:gd name="connsiteX0" fmla="*/ 0 w 696794"/>
+              <a:gd name="connsiteY0" fmla="*/ 242316 h 639909"/>
+              <a:gd name="connsiteX1" fmla="*/ 135270 w 696794"/>
+              <a:gd name="connsiteY1" fmla="*/ 0 h 639909"/>
+              <a:gd name="connsiteX2" fmla="*/ 135270 w 696794"/>
+              <a:gd name="connsiteY2" fmla="*/ 90435 h 639909"/>
+              <a:gd name="connsiteX3" fmla="*/ 696794 w 696794"/>
+              <a:gd name="connsiteY3" fmla="*/ 639909 h 639909"/>
+              <a:gd name="connsiteX4" fmla="*/ 135270 w 696794"/>
+              <a:gd name="connsiteY4" fmla="*/ 394197 h 639909"/>
+              <a:gd name="connsiteX5" fmla="*/ 135270 w 696794"/>
+              <a:gd name="connsiteY5" fmla="*/ 484632 h 639909"/>
+              <a:gd name="connsiteX6" fmla="*/ 0 w 696794"/>
+              <a:gd name="connsiteY6" fmla="*/ 242316 h 639909"/>
+              <a:gd name="connsiteX0" fmla="*/ 0 w 689597"/>
+              <a:gd name="connsiteY0" fmla="*/ 242316 h 752128"/>
+              <a:gd name="connsiteX1" fmla="*/ 135270 w 689597"/>
+              <a:gd name="connsiteY1" fmla="*/ 0 h 752128"/>
+              <a:gd name="connsiteX2" fmla="*/ 135270 w 689597"/>
+              <a:gd name="connsiteY2" fmla="*/ 90435 h 752128"/>
+              <a:gd name="connsiteX3" fmla="*/ 689597 w 689597"/>
+              <a:gd name="connsiteY3" fmla="*/ 752128 h 752128"/>
+              <a:gd name="connsiteX4" fmla="*/ 135270 w 689597"/>
+              <a:gd name="connsiteY4" fmla="*/ 394197 h 752128"/>
+              <a:gd name="connsiteX5" fmla="*/ 135270 w 689597"/>
+              <a:gd name="connsiteY5" fmla="*/ 484632 h 752128"/>
+              <a:gd name="connsiteX6" fmla="*/ 0 w 689597"/>
+              <a:gd name="connsiteY6" fmla="*/ 242316 h 752128"/>
+              <a:gd name="connsiteX0" fmla="*/ 0 w 689597"/>
+              <a:gd name="connsiteY0" fmla="*/ 242316 h 767383"/>
+              <a:gd name="connsiteX1" fmla="*/ 135270 w 689597"/>
+              <a:gd name="connsiteY1" fmla="*/ 0 h 767383"/>
+              <a:gd name="connsiteX2" fmla="*/ 135270 w 689597"/>
+              <a:gd name="connsiteY2" fmla="*/ 90435 h 767383"/>
+              <a:gd name="connsiteX3" fmla="*/ 689597 w 689597"/>
+              <a:gd name="connsiteY3" fmla="*/ 767383 h 767383"/>
+              <a:gd name="connsiteX4" fmla="*/ 135270 w 689597"/>
+              <a:gd name="connsiteY4" fmla="*/ 394197 h 767383"/>
+              <a:gd name="connsiteX5" fmla="*/ 135270 w 689597"/>
+              <a:gd name="connsiteY5" fmla="*/ 484632 h 767383"/>
+              <a:gd name="connsiteX6" fmla="*/ 0 w 689597"/>
+              <a:gd name="connsiteY6" fmla="*/ 242316 h 767383"/>
             </a:gdLst>
             <a:ahLst/>
             <a:cxnLst>
@@ -3853,7 +3917,7 @@
             </a:cxnLst>
             <a:rect l="l" t="t" r="r" b="b"/>
             <a:pathLst>
-              <a:path w="725584" h="1149103">
+              <a:path w="689597" h="767383">
                 <a:moveTo>
                   <a:pt x="0" y="242316"/>
                 </a:moveTo>
@@ -3864,7 +3928,7 @@
                   <a:pt x="135270" y="90435"/>
                 </a:lnTo>
                 <a:lnTo>
-                  <a:pt x="725584" y="1149103"/>
+                  <a:pt x="689597" y="767383"/>
                 </a:lnTo>
                 <a:lnTo>
                   <a:pt x="135270" y="394197"/>
@@ -4251,7 +4315,15 @@
           <a:p>
             <a:r>
               <a:rPr lang="en-US" dirty="0" smtClean="0"/>
-              <a:t>?surname=&lt;</a:t>
+              <a:t>?</a:t>
+            </a:r>
+            <a:r>
+              <a:rPr lang="en-US" i="1" dirty="0" smtClean="0"/>
+              <a:t>surname</a:t>
+            </a:r>
+            <a:r>
+              <a:rPr lang="en-US" dirty="0" smtClean="0"/>
+              <a:t>=&lt;</a:t>
             </a:r>
             <a:r>
               <a:rPr lang="ru-RU" dirty="0" smtClean="0"/>
@@ -4279,7 +4351,15 @@
             </a:r>
             <a:r>
               <a:rPr lang="en-US" dirty="0" smtClean="0"/>
-              <a:t>&gt;&amp;patronymic=&lt;</a:t>
+              <a:t>&gt;&amp;</a:t>
+            </a:r>
+            <a:r>
+              <a:rPr lang="en-US" i="1" dirty="0" smtClean="0"/>
+              <a:t>patronymic</a:t>
+            </a:r>
+            <a:r>
+              <a:rPr lang="en-US" dirty="0" smtClean="0"/>
+              <a:t>=&lt;</a:t>
             </a:r>
             <a:r>
               <a:rPr lang="ru-RU" dirty="0" smtClean="0"/>
@@ -5932,6 +6012,58 @@
               <a:t>}</a:t>
             </a:r>
             <a:endParaRPr lang="ru-RU" dirty="0" smtClean="0"/>
+          </a:p>
+        </p:txBody>
+      </p:sp>
+      <p:sp>
+        <p:nvSpPr>
+          <p:cNvPr id="40" name="Прямоугольник 39"/>
+          <p:cNvSpPr/>
+          <p:nvPr/>
+        </p:nvSpPr>
+        <p:spPr>
+          <a:xfrm rot="16200000">
+            <a:off x="-936589" y="3167461"/>
+            <a:ext cx="4480883" cy="464400"/>
+          </a:xfrm>
+          <a:prstGeom prst="rect">
+            <a:avLst/>
+          </a:prstGeom>
+        </p:spPr>
+        <p:style>
+          <a:lnRef idx="2">
+            <a:schemeClr val="accent1">
+              <a:shade val="50000"/>
+            </a:schemeClr>
+          </a:lnRef>
+          <a:fillRef idx="1">
+            <a:schemeClr val="accent1"/>
+          </a:fillRef>
+          <a:effectRef idx="0">
+            <a:schemeClr val="accent1"/>
+          </a:effectRef>
+          <a:fontRef idx="minor">
+            <a:schemeClr val="lt1"/>
+          </a:fontRef>
+        </p:style>
+        <p:txBody>
+          <a:bodyPr rtlCol="0" anchor="ctr"/>
+          <a:lstStyle/>
+          <a:p>
+            <a:pPr algn="ctr"/>
+            <a:r>
+              <a:rPr lang="en-US" sz="2800" dirty="0" smtClean="0"/>
+              <a:t>MAIN</a:t>
+            </a:r>
+            <a:r>
+              <a:rPr lang="ru-RU" sz="2800" dirty="0" smtClean="0"/>
+              <a:t> </a:t>
+            </a:r>
+            <a:r>
+              <a:rPr lang="en-US" sz="2800" dirty="0" smtClean="0"/>
+              <a:t>service</a:t>
+            </a:r>
+            <a:endParaRPr lang="ru-RU" sz="2800" dirty="0"/>
           </a:p>
         </p:txBody>
       </p:sp>
@@ -7233,7 +7365,7 @@
             <a:pPr algn="ctr"/>
             <a:r>
               <a:rPr lang="ru-RU" sz="6000" b="1" dirty="0" smtClean="0"/>
-              <a:t>Нагрузочное тестирование</a:t>
+              <a:t>Тестирование</a:t>
             </a:r>
             <a:endParaRPr lang="ru-RU" sz="6000" b="1" dirty="0" smtClean="0"/>
           </a:p>
@@ -7247,8 +7379,8 @@
         </p:nvSpPr>
         <p:spPr>
           <a:xfrm>
-            <a:off x="395926" y="1363236"/>
-            <a:ext cx="4141506" cy="923330"/>
+            <a:off x="914401" y="1167563"/>
+            <a:ext cx="9018494" cy="369332"/>
           </a:xfrm>
           <a:prstGeom prst="rect">
             <a:avLst/>
@@ -7256,41 +7388,172 @@
           <a:noFill/>
         </p:spPr>
         <p:txBody>
-          <a:bodyPr wrap="square" rtlCol="0">
+          <a:bodyPr wrap="none" rtlCol="0">
             <a:spAutoFit/>
           </a:bodyPr>
           <a:lstStyle/>
           <a:p>
-            <a:pPr algn="ctr"/>
             <a:r>
               <a:rPr lang="ru-RU" b="1" dirty="0" smtClean="0"/>
-              <a:t>Локальная машина</a:t>
-            </a:r>
-          </a:p>
-          <a:p>
-            <a:pPr marL="285750" indent="-285750">
-              <a:buFont typeface="Arial" panose="020B0604020202020204" pitchFamily="34" charset="0"/>
-              <a:buChar char="•"/>
-            </a:pPr>
+              <a:t>Запрос к главному серверу с указанием действительных ФИО и уточняющего значения:</a:t>
+            </a:r>
+            <a:endParaRPr lang="ru-RU" b="1" dirty="0"/>
+          </a:p>
+        </p:txBody>
+      </p:sp>
+      <p:sp>
+        <p:nvSpPr>
+          <p:cNvPr id="4" name="Прямоугольник 3"/>
+          <p:cNvSpPr/>
+          <p:nvPr/>
+        </p:nvSpPr>
+        <p:spPr>
+          <a:xfrm>
+            <a:off x="914400" y="1536895"/>
+            <a:ext cx="10800080" cy="646331"/>
+          </a:xfrm>
+          <a:prstGeom prst="rect">
+            <a:avLst/>
+          </a:prstGeom>
+        </p:spPr>
+        <p:txBody>
+          <a:bodyPr wrap="square">
+            <a:spAutoFit/>
+          </a:bodyPr>
+          <a:lstStyle/>
+          <a:p>
+            <a:r>
+              <a:rPr lang="ru-RU" dirty="0"/>
+              <a:t>GET http</a:t>
+            </a:r>
+            <a:r>
+              <a:rPr lang="ru-RU" dirty="0" smtClean="0"/>
+              <a:t>://</a:t>
+            </a:r>
             <a:r>
               <a:rPr lang="en-US" dirty="0" smtClean="0"/>
-              <a:t>Intel Core i5</a:t>
-            </a:r>
-          </a:p>
-          <a:p>
-            <a:pPr marL="285750" indent="-285750">
-              <a:buFont typeface="Arial" panose="020B0604020202020204" pitchFamily="34" charset="0"/>
-              <a:buChar char="•"/>
-            </a:pPr>
+              <a:t>hostname</a:t>
+            </a:r>
             <a:r>
               <a:rPr lang="ru-RU" dirty="0" smtClean="0"/>
-              <a:t>Соединение с удалённой БД по </a:t>
-            </a:r>
-            <a:r>
-              <a:rPr lang="en-US" dirty="0" err="1" smtClean="0"/>
-              <a:t>WiFi</a:t>
-            </a:r>
-            <a:endParaRPr lang="ru-RU" dirty="0" smtClean="0"/>
+              <a:t>:</a:t>
+            </a:r>
+            <a:r>
+              <a:rPr lang="en-US" dirty="0" smtClean="0"/>
+              <a:t>port</a:t>
+            </a:r>
+            <a:r>
+              <a:rPr lang="ru-RU" dirty="0" smtClean="0"/>
+              <a:t>/</a:t>
+            </a:r>
+            <a:r>
+              <a:rPr lang="ru-RU" dirty="0" err="1" smtClean="0"/>
+              <a:t>main</a:t>
+            </a:r>
+            <a:r>
+              <a:rPr lang="en-US" dirty="0"/>
+              <a:t>?</a:t>
+            </a:r>
+            <a:r>
+              <a:rPr lang="en-US" b="1" dirty="0" err="1"/>
+              <a:t>controlValue</a:t>
+            </a:r>
+            <a:r>
+              <a:rPr lang="en-US" dirty="0" smtClean="0"/>
+              <a:t>=&lt;</a:t>
+            </a:r>
+            <a:r>
+              <a:rPr lang="ru-RU" i="1" dirty="0" smtClean="0"/>
+              <a:t>КОНТРОЛЬНОЕ_ЗНАЧЕНИЕ</a:t>
+            </a:r>
+            <a:r>
+              <a:rPr lang="en-US" dirty="0" smtClean="0"/>
+              <a:t>&gt;&amp;</a:t>
+            </a:r>
+            <a:r>
+              <a:rPr lang="en-US" b="1" dirty="0" err="1" smtClean="0"/>
+              <a:t>firstname</a:t>
+            </a:r>
+            <a:r>
+              <a:rPr lang="en-US" dirty="0" smtClean="0"/>
+              <a:t>=&lt;</a:t>
+            </a:r>
+            <a:r>
+              <a:rPr lang="ru-RU" i="1" dirty="0" smtClean="0"/>
+              <a:t>ИМЯ</a:t>
+            </a:r>
+            <a:r>
+              <a:rPr lang="en-US" dirty="0" smtClean="0"/>
+              <a:t>&gt;</a:t>
+            </a:r>
+            <a:r>
+              <a:rPr lang="ru-RU" dirty="0" smtClean="0"/>
+              <a:t/>
+            </a:r>
+            <a:br>
+              <a:rPr lang="ru-RU" dirty="0" smtClean="0"/>
+            </a:br>
+            <a:r>
+              <a:rPr lang="en-US" dirty="0" smtClean="0"/>
+              <a:t>&amp;</a:t>
+            </a:r>
+            <a:r>
+              <a:rPr lang="en-US" b="1" dirty="0" smtClean="0"/>
+              <a:t>surname</a:t>
+            </a:r>
+            <a:r>
+              <a:rPr lang="en-US" dirty="0" smtClean="0"/>
+              <a:t>=&lt;</a:t>
+            </a:r>
+            <a:r>
+              <a:rPr lang="ru-RU" i="1" dirty="0" smtClean="0"/>
+              <a:t>ФАМИЛИЯ</a:t>
+            </a:r>
+            <a:r>
+              <a:rPr lang="en-US" dirty="0" smtClean="0"/>
+              <a:t>&gt;&amp;</a:t>
+            </a:r>
+            <a:r>
+              <a:rPr lang="en-US" b="1" dirty="0" smtClean="0"/>
+              <a:t>patronymic</a:t>
+            </a:r>
+            <a:r>
+              <a:rPr lang="en-US" dirty="0" smtClean="0"/>
+              <a:t>=&lt;</a:t>
+            </a:r>
+            <a:r>
+              <a:rPr lang="ru-RU" i="1" dirty="0" smtClean="0"/>
+              <a:t>ОТЧЕСТВО</a:t>
+            </a:r>
+            <a:r>
+              <a:rPr lang="en-US" dirty="0" smtClean="0"/>
+              <a:t>&gt;</a:t>
+            </a:r>
+            <a:r>
+              <a:rPr lang="ru-RU" dirty="0" smtClean="0"/>
+              <a:t>&amp;</a:t>
+            </a:r>
+            <a:r>
+              <a:rPr lang="en-US" b="1" dirty="0" err="1" smtClean="0"/>
+              <a:t>driverID</a:t>
+            </a:r>
+            <a:r>
+              <a:rPr lang="en-US" dirty="0" smtClean="0"/>
+              <a:t>=&lt;</a:t>
+            </a:r>
+            <a:r>
+              <a:rPr lang="ru-RU" i="1" dirty="0" smtClean="0"/>
+              <a:t>НОМЕР_ВОДИТЕЛЬСКОГО_УДОСТОВЕРЕНИЯ</a:t>
+            </a:r>
+            <a:r>
+              <a:rPr lang="ru-RU" dirty="0" smtClean="0"/>
+              <a:t> </a:t>
+            </a:r>
+            <a:r>
+              <a:rPr lang="en-US" dirty="0" smtClean="0"/>
+              <a:t>&gt;</a:t>
+            </a:r>
+            <a:endParaRPr lang="ru-RU" dirty="0"/>
           </a:p>
         </p:txBody>
       </p:sp>
@@ -7302,8 +7565,8 @@
         </p:nvSpPr>
         <p:spPr>
           <a:xfrm>
-            <a:off x="8342721" y="5221298"/>
-            <a:ext cx="3306119" cy="1200329"/>
+            <a:off x="914401" y="2183226"/>
+            <a:ext cx="7449603" cy="369332"/>
           </a:xfrm>
           <a:prstGeom prst="rect">
             <a:avLst/>
@@ -7311,36 +7574,3523 @@
           <a:noFill/>
         </p:spPr>
         <p:txBody>
-          <a:bodyPr wrap="square" rtlCol="0">
+          <a:bodyPr wrap="none" rtlCol="0">
             <a:spAutoFit/>
           </a:bodyPr>
           <a:lstStyle/>
           <a:p>
+            <a:r>
+              <a:rPr lang="ru-RU" b="1" dirty="0" smtClean="0"/>
+              <a:t>Ответ</a:t>
+            </a:r>
+            <a:r>
+              <a:rPr lang="ru-RU" dirty="0" smtClean="0"/>
+              <a:t>: </a:t>
+            </a:r>
+            <a:r>
+              <a:rPr lang="en-US" dirty="0" smtClean="0"/>
+              <a:t>JSON</a:t>
+            </a:r>
+            <a:r>
+              <a:rPr lang="ru-RU" dirty="0" smtClean="0"/>
+              <a:t>-объект с информацией о пользователе и кредитной истории.</a:t>
+            </a:r>
+            <a:endParaRPr lang="ru-RU" dirty="0"/>
+          </a:p>
+        </p:txBody>
+      </p:sp>
+      <p:sp>
+        <p:nvSpPr>
+          <p:cNvPr id="6" name="Прямоугольник 5"/>
+          <p:cNvSpPr/>
+          <p:nvPr/>
+        </p:nvSpPr>
+        <p:spPr>
+          <a:xfrm>
+            <a:off x="914400" y="2468596"/>
+            <a:ext cx="11048999" cy="3970318"/>
+          </a:xfrm>
+          <a:prstGeom prst="rect">
+            <a:avLst/>
+          </a:prstGeom>
+        </p:spPr>
+        <p:txBody>
+          <a:bodyPr wrap="square">
+            <a:spAutoFit/>
+          </a:bodyPr>
+          <a:lstStyle/>
+          <a:p>
+            <a:r>
+              <a:rPr lang="en-US" dirty="0"/>
+              <a:t>{</a:t>
+            </a:r>
+          </a:p>
+          <a:p>
+            <a:r>
+              <a:rPr lang="en-US" dirty="0"/>
+              <a:t>  "</a:t>
+            </a:r>
+            <a:r>
+              <a:rPr lang="en-US" dirty="0" err="1"/>
+              <a:t>userAndRelatives</a:t>
+            </a:r>
+            <a:r>
+              <a:rPr lang="en-US" dirty="0"/>
+              <a:t>": {</a:t>
+            </a:r>
+          </a:p>
+          <a:p>
+            <a:r>
+              <a:rPr lang="en-US" dirty="0"/>
+              <a:t>    "user": {</a:t>
+            </a:r>
+          </a:p>
+          <a:p>
+            <a:r>
+              <a:rPr lang="en-US" dirty="0"/>
+              <a:t>      "id": </a:t>
+            </a:r>
+            <a:r>
+              <a:rPr lang="en-US" dirty="0" smtClean="0"/>
+              <a:t>&lt;</a:t>
+            </a:r>
+            <a:r>
+              <a:rPr lang="en-US" i="1" dirty="0" smtClean="0"/>
+              <a:t>ID</a:t>
+            </a:r>
+            <a:r>
+              <a:rPr lang="ru-RU" i="1" dirty="0" smtClean="0"/>
+              <a:t>_В_БАЗЕ_</a:t>
+            </a:r>
+            <a:r>
+              <a:rPr lang="en-US" i="1" dirty="0" smtClean="0"/>
+              <a:t>USER_</a:t>
+            </a:r>
+            <a:r>
+              <a:rPr lang="ru-RU" i="1" dirty="0" smtClean="0"/>
+              <a:t>СЕРВИСА</a:t>
+            </a:r>
+            <a:r>
+              <a:rPr lang="en-US" dirty="0" smtClean="0"/>
+              <a:t>&gt;, "</a:t>
+            </a:r>
+            <a:r>
+              <a:rPr lang="en-US" dirty="0" err="1"/>
+              <a:t>creditServiceId</a:t>
+            </a:r>
+            <a:r>
+              <a:rPr lang="en-US" dirty="0"/>
+              <a:t>": </a:t>
+            </a:r>
+            <a:r>
+              <a:rPr lang="en-US" dirty="0" smtClean="0"/>
+              <a:t>&lt;</a:t>
+            </a:r>
+            <a:r>
+              <a:rPr lang="en-US" i="1" dirty="0" smtClean="0"/>
+              <a:t>ID_</a:t>
+            </a:r>
+            <a:r>
+              <a:rPr lang="ru-RU" i="1" dirty="0" smtClean="0"/>
+              <a:t>В_БАЗЕ_КРЕДИТНОЙ_ИСТОРИИ</a:t>
+            </a:r>
+            <a:r>
+              <a:rPr lang="en-US" dirty="0" smtClean="0"/>
+              <a:t>&gt;,</a:t>
+            </a:r>
+            <a:endParaRPr lang="ru-RU" dirty="0" smtClean="0"/>
+          </a:p>
+          <a:p>
+            <a:r>
+              <a:rPr lang="en-US" dirty="0" smtClean="0"/>
+              <a:t>      </a:t>
+            </a:r>
+            <a:r>
+              <a:rPr lang="en-US" dirty="0"/>
+              <a:t>"</a:t>
+            </a:r>
+            <a:r>
+              <a:rPr lang="en-US" dirty="0" err="1"/>
+              <a:t>firstname</a:t>
+            </a:r>
+            <a:r>
+              <a:rPr lang="en-US" dirty="0" smtClean="0"/>
+              <a:t>":</a:t>
+            </a:r>
+            <a:r>
+              <a:rPr lang="ru-RU" dirty="0"/>
+              <a:t> </a:t>
+            </a:r>
+            <a:r>
+              <a:rPr lang="en-US" dirty="0" smtClean="0"/>
+              <a:t>&lt;</a:t>
+            </a:r>
+            <a:r>
+              <a:rPr lang="ru-RU" i="1" dirty="0" smtClean="0"/>
+              <a:t>ИМЯ</a:t>
+            </a:r>
+            <a:r>
+              <a:rPr lang="en-US" dirty="0" smtClean="0"/>
+              <a:t>&gt;, "</a:t>
+            </a:r>
+            <a:r>
+              <a:rPr lang="en-US" dirty="0"/>
+              <a:t>surname": </a:t>
+            </a:r>
+            <a:r>
+              <a:rPr lang="en-US" dirty="0" smtClean="0"/>
+              <a:t>&lt;</a:t>
+            </a:r>
+            <a:r>
+              <a:rPr lang="ru-RU" i="1" dirty="0" smtClean="0"/>
+              <a:t>ФАМИЛИЯ</a:t>
+            </a:r>
+            <a:r>
+              <a:rPr lang="en-US" dirty="0" smtClean="0"/>
+              <a:t>&gt;,  </a:t>
+            </a:r>
+            <a:r>
+              <a:rPr lang="en-US" dirty="0"/>
+              <a:t>"patronymic": </a:t>
+            </a:r>
+            <a:r>
+              <a:rPr lang="en-US" dirty="0" smtClean="0"/>
+              <a:t>&lt;</a:t>
+            </a:r>
+            <a:r>
+              <a:rPr lang="ru-RU" i="1" dirty="0" smtClean="0"/>
+              <a:t>ОТЧЕСТВО</a:t>
+            </a:r>
+            <a:r>
+              <a:rPr lang="en-US" dirty="0" smtClean="0"/>
+              <a:t>&gt;</a:t>
+            </a:r>
+            <a:r>
+              <a:rPr lang="ru-RU" dirty="0" smtClean="0"/>
+              <a:t>,</a:t>
+            </a:r>
+          </a:p>
+          <a:p>
+            <a:r>
+              <a:rPr lang="ru-RU" dirty="0" smtClean="0"/>
+              <a:t>      </a:t>
+            </a:r>
+            <a:r>
+              <a:rPr lang="ru-RU" dirty="0"/>
+              <a:t>"</a:t>
+            </a:r>
+            <a:r>
+              <a:rPr lang="en-US" dirty="0" err="1"/>
+              <a:t>birthDate</a:t>
+            </a:r>
+            <a:r>
+              <a:rPr lang="en-US" dirty="0"/>
+              <a:t>": </a:t>
+            </a:r>
+            <a:r>
+              <a:rPr lang="en-US" dirty="0" smtClean="0"/>
+              <a:t> &lt;</a:t>
+            </a:r>
+            <a:r>
+              <a:rPr lang="ru-RU" i="1" dirty="0" smtClean="0"/>
+              <a:t>ДАТА_РОЖДЕНИЯ</a:t>
+            </a:r>
+            <a:r>
+              <a:rPr lang="en-US" dirty="0" smtClean="0"/>
+              <a:t>&gt;,</a:t>
+            </a:r>
+            <a:r>
+              <a:rPr lang="ru-RU" dirty="0"/>
+              <a:t> </a:t>
+            </a:r>
+            <a:r>
+              <a:rPr lang="en-US" dirty="0" smtClean="0"/>
+              <a:t>"</a:t>
+            </a:r>
+            <a:r>
+              <a:rPr lang="en-US" dirty="0"/>
+              <a:t>sex</a:t>
+            </a:r>
+            <a:r>
+              <a:rPr lang="en-US" dirty="0" smtClean="0"/>
+              <a:t>": &lt;</a:t>
+            </a:r>
+            <a:r>
+              <a:rPr lang="ru-RU" i="1" dirty="0" smtClean="0"/>
+              <a:t>ПОЛ</a:t>
+            </a:r>
+            <a:r>
+              <a:rPr lang="en-US" dirty="0" smtClean="0"/>
+              <a:t>&gt;,</a:t>
+            </a:r>
+            <a:endParaRPr lang="ru-RU" dirty="0"/>
+          </a:p>
+          <a:p>
+            <a:r>
+              <a:rPr lang="ru-RU" dirty="0"/>
+              <a:t>      "</a:t>
+            </a:r>
+            <a:r>
+              <a:rPr lang="en-US" dirty="0" err="1"/>
+              <a:t>passportNumber</a:t>
+            </a:r>
+            <a:r>
+              <a:rPr lang="en-US" dirty="0"/>
+              <a:t>": </a:t>
+            </a:r>
+            <a:r>
+              <a:rPr lang="en-US" dirty="0" smtClean="0"/>
+              <a:t>&lt;</a:t>
+            </a:r>
+            <a:r>
+              <a:rPr lang="ru-RU" i="1" dirty="0" smtClean="0"/>
+              <a:t>НОМЕР_ПАСПОРТА</a:t>
+            </a:r>
+            <a:r>
+              <a:rPr lang="en-US" dirty="0" smtClean="0"/>
+              <a:t>&gt;,</a:t>
+            </a:r>
+            <a:r>
+              <a:rPr lang="ru-RU" dirty="0" smtClean="0"/>
+              <a:t> </a:t>
+            </a:r>
+            <a:r>
+              <a:rPr lang="en-US" dirty="0" smtClean="0"/>
+              <a:t>"</a:t>
+            </a:r>
+            <a:r>
+              <a:rPr lang="en-US" dirty="0" err="1"/>
+              <a:t>taxPayerID</a:t>
+            </a:r>
+            <a:r>
+              <a:rPr lang="en-US" dirty="0"/>
+              <a:t>": </a:t>
+            </a:r>
+            <a:r>
+              <a:rPr lang="en-US" dirty="0" smtClean="0"/>
+              <a:t>&lt;</a:t>
+            </a:r>
+            <a:r>
+              <a:rPr lang="ru-RU" i="1" dirty="0" smtClean="0"/>
+              <a:t>ИНН</a:t>
+            </a:r>
+            <a:r>
+              <a:rPr lang="en-US" dirty="0" smtClean="0"/>
+              <a:t>&gt;,</a:t>
+            </a:r>
+            <a:r>
+              <a:rPr lang="ru-RU" dirty="0" smtClean="0"/>
+              <a:t/>
+            </a:r>
+            <a:br>
+              <a:rPr lang="ru-RU" dirty="0" smtClean="0"/>
+            </a:br>
+            <a:r>
+              <a:rPr lang="ru-RU" dirty="0" smtClean="0"/>
+              <a:t>      </a:t>
+            </a:r>
+            <a:r>
+              <a:rPr lang="en-US" dirty="0" smtClean="0"/>
+              <a:t>"</a:t>
+            </a:r>
+            <a:r>
+              <a:rPr lang="en-US" dirty="0" err="1"/>
+              <a:t>driverLicenceId</a:t>
+            </a:r>
+            <a:r>
+              <a:rPr lang="en-US" dirty="0"/>
+              <a:t>": </a:t>
+            </a:r>
+            <a:r>
+              <a:rPr lang="en-US" dirty="0" smtClean="0"/>
+              <a:t>&lt;</a:t>
+            </a:r>
+            <a:r>
+              <a:rPr lang="ru-RU" i="1" dirty="0" smtClean="0"/>
+              <a:t>НОМЕР_ВОДИТЕЛЬСКОГО_УДОСТОВЕРЕНИЯ</a:t>
+            </a:r>
+            <a:r>
+              <a:rPr lang="en-US" dirty="0" smtClean="0"/>
+              <a:t>&gt;</a:t>
+            </a:r>
+            <a:endParaRPr lang="en-US" dirty="0"/>
+          </a:p>
+          <a:p>
+            <a:r>
+              <a:rPr lang="en-US" dirty="0"/>
+              <a:t>    },</a:t>
+            </a:r>
+          </a:p>
+          <a:p>
+            <a:r>
+              <a:rPr lang="en-US" dirty="0"/>
+              <a:t>    "parents": </a:t>
+            </a:r>
+            <a:r>
+              <a:rPr lang="en-US" dirty="0" smtClean="0"/>
+              <a:t>[</a:t>
+            </a:r>
+            <a:r>
+              <a:rPr lang="ru-RU" dirty="0" smtClean="0"/>
+              <a:t> </a:t>
+            </a:r>
+            <a:r>
+              <a:rPr lang="en-US" dirty="0" smtClean="0"/>
+              <a:t>{ &lt;</a:t>
+            </a:r>
+            <a:r>
+              <a:rPr lang="en-US" i="1" u="sng" dirty="0" smtClean="0"/>
+              <a:t>USER</a:t>
+            </a:r>
+            <a:r>
+              <a:rPr lang="en-US" dirty="0" smtClean="0"/>
+              <a:t>&gt; }, { &lt;</a:t>
+            </a:r>
+            <a:r>
+              <a:rPr lang="en-US" i="1" u="sng" dirty="0" smtClean="0"/>
+              <a:t>USER</a:t>
+            </a:r>
+            <a:r>
+              <a:rPr lang="en-US" dirty="0" smtClean="0"/>
+              <a:t>&gt; }, …</a:t>
+            </a:r>
+            <a:r>
+              <a:rPr lang="ru-RU" dirty="0" smtClean="0"/>
+              <a:t> </a:t>
+            </a:r>
+            <a:r>
+              <a:rPr lang="en-US" dirty="0" smtClean="0"/>
+              <a:t>],</a:t>
+            </a:r>
+            <a:endParaRPr lang="en-US" dirty="0"/>
+          </a:p>
+          <a:p>
+            <a:r>
+              <a:rPr lang="en-US" dirty="0"/>
+              <a:t>    "children": [</a:t>
+            </a:r>
+            <a:r>
+              <a:rPr lang="ru-RU" dirty="0"/>
+              <a:t> </a:t>
+            </a:r>
+            <a:r>
+              <a:rPr lang="en-US" dirty="0"/>
+              <a:t>{ &lt;</a:t>
+            </a:r>
+            <a:r>
+              <a:rPr lang="en-US" i="1" u="sng" dirty="0"/>
+              <a:t>USER</a:t>
+            </a:r>
+            <a:r>
+              <a:rPr lang="en-US" dirty="0"/>
+              <a:t>&gt; }, { &lt;</a:t>
+            </a:r>
+            <a:r>
+              <a:rPr lang="en-US" i="1" u="sng" dirty="0"/>
+              <a:t>USER</a:t>
+            </a:r>
+            <a:r>
+              <a:rPr lang="en-US" dirty="0"/>
+              <a:t>&gt; }, …</a:t>
+            </a:r>
+            <a:r>
+              <a:rPr lang="ru-RU" dirty="0"/>
+              <a:t> </a:t>
+            </a:r>
+            <a:r>
+              <a:rPr lang="en-US" dirty="0" smtClean="0"/>
+              <a:t>],</a:t>
+            </a:r>
+          </a:p>
+          <a:p>
+            <a:r>
+              <a:rPr lang="en-US" dirty="0"/>
+              <a:t> </a:t>
+            </a:r>
+            <a:r>
+              <a:rPr lang="en-US" dirty="0" smtClean="0"/>
+              <a:t> </a:t>
+            </a:r>
+            <a:r>
+              <a:rPr lang="en-US" dirty="0"/>
+              <a:t>},</a:t>
+            </a:r>
+          </a:p>
+          <a:p>
+            <a:r>
+              <a:rPr lang="en-US" dirty="0"/>
+              <a:t>  "credits": </a:t>
+            </a:r>
+            <a:r>
+              <a:rPr lang="en-US" dirty="0" smtClean="0"/>
+              <a:t>[</a:t>
+            </a:r>
+            <a:r>
+              <a:rPr lang="ru-RU" dirty="0" smtClean="0"/>
+              <a:t> </a:t>
+            </a:r>
+          </a:p>
+          <a:p>
+            <a:r>
+              <a:rPr lang="ru-RU" dirty="0"/>
+              <a:t> </a:t>
+            </a:r>
+            <a:r>
+              <a:rPr lang="ru-RU" dirty="0" smtClean="0"/>
+              <a:t>      </a:t>
+            </a:r>
+            <a:r>
+              <a:rPr lang="en-US" dirty="0" smtClean="0"/>
+              <a:t>…</a:t>
+            </a:r>
+            <a:endParaRPr lang="ru-RU" dirty="0"/>
+          </a:p>
+        </p:txBody>
+      </p:sp>
+      <p:grpSp>
+        <p:nvGrpSpPr>
+          <p:cNvPr id="15" name="Группа 14"/>
+          <p:cNvGrpSpPr/>
+          <p:nvPr/>
+        </p:nvGrpSpPr>
+        <p:grpSpPr>
+          <a:xfrm>
+            <a:off x="441958" y="2930250"/>
+            <a:ext cx="472442" cy="3330342"/>
+            <a:chOff x="441958" y="2468596"/>
+            <a:chExt cx="472442" cy="3791996"/>
+          </a:xfrm>
+        </p:grpSpPr>
+        <p:sp>
+          <p:nvSpPr>
+            <p:cNvPr id="14" name="Двойная волна 13"/>
+            <p:cNvSpPr/>
+            <p:nvPr/>
+          </p:nvSpPr>
+          <p:spPr>
+            <a:xfrm>
+              <a:off x="441958" y="5492496"/>
+              <a:ext cx="472442" cy="768096"/>
+            </a:xfrm>
+            <a:prstGeom prst="doubleWave">
+              <a:avLst/>
+            </a:prstGeom>
+          </p:spPr>
+          <p:style>
+            <a:lnRef idx="2">
+              <a:schemeClr val="accent1">
+                <a:shade val="50000"/>
+              </a:schemeClr>
+            </a:lnRef>
+            <a:fillRef idx="1">
+              <a:schemeClr val="accent1"/>
+            </a:fillRef>
+            <a:effectRef idx="0">
+              <a:schemeClr val="accent1"/>
+            </a:effectRef>
+            <a:fontRef idx="minor">
+              <a:schemeClr val="lt1"/>
+            </a:fontRef>
+          </p:style>
+          <p:txBody>
+            <a:bodyPr rtlCol="0" anchor="ctr"/>
+            <a:lstStyle/>
+            <a:p>
+              <a:pPr algn="ctr"/>
+              <a:endParaRPr lang="ru-RU"/>
+            </a:p>
+          </p:txBody>
+        </p:sp>
+        <p:sp>
+          <p:nvSpPr>
+            <p:cNvPr id="8" name="Прямоугольник 7"/>
+            <p:cNvSpPr/>
+            <p:nvPr/>
+          </p:nvSpPr>
+          <p:spPr>
+            <a:xfrm>
+              <a:off x="441959" y="2468596"/>
+              <a:ext cx="472440" cy="3438428"/>
+            </a:xfrm>
+            <a:custGeom>
+              <a:avLst/>
+              <a:gdLst>
+                <a:gd name="connsiteX0" fmla="*/ 0 w 472440"/>
+                <a:gd name="connsiteY0" fmla="*/ 0 h 3438428"/>
+                <a:gd name="connsiteX1" fmla="*/ 472440 w 472440"/>
+                <a:gd name="connsiteY1" fmla="*/ 0 h 3438428"/>
+                <a:gd name="connsiteX2" fmla="*/ 472440 w 472440"/>
+                <a:gd name="connsiteY2" fmla="*/ 3438428 h 3438428"/>
+                <a:gd name="connsiteX3" fmla="*/ 0 w 472440"/>
+                <a:gd name="connsiteY3" fmla="*/ 3438428 h 3438428"/>
+                <a:gd name="connsiteX4" fmla="*/ 0 w 472440"/>
+                <a:gd name="connsiteY4" fmla="*/ 0 h 3438428"/>
+                <a:gd name="connsiteX0" fmla="*/ 0 w 472440"/>
+                <a:gd name="connsiteY0" fmla="*/ 3438428 h 3529868"/>
+                <a:gd name="connsiteX1" fmla="*/ 0 w 472440"/>
+                <a:gd name="connsiteY1" fmla="*/ 0 h 3529868"/>
+                <a:gd name="connsiteX2" fmla="*/ 472440 w 472440"/>
+                <a:gd name="connsiteY2" fmla="*/ 0 h 3529868"/>
+                <a:gd name="connsiteX3" fmla="*/ 472440 w 472440"/>
+                <a:gd name="connsiteY3" fmla="*/ 3438428 h 3529868"/>
+                <a:gd name="connsiteX4" fmla="*/ 91440 w 472440"/>
+                <a:gd name="connsiteY4" fmla="*/ 3529868 h 3529868"/>
+                <a:gd name="connsiteX0" fmla="*/ 0 w 472440"/>
+                <a:gd name="connsiteY0" fmla="*/ 3438428 h 3438428"/>
+                <a:gd name="connsiteX1" fmla="*/ 0 w 472440"/>
+                <a:gd name="connsiteY1" fmla="*/ 0 h 3438428"/>
+                <a:gd name="connsiteX2" fmla="*/ 472440 w 472440"/>
+                <a:gd name="connsiteY2" fmla="*/ 0 h 3438428"/>
+                <a:gd name="connsiteX3" fmla="*/ 472440 w 472440"/>
+                <a:gd name="connsiteY3" fmla="*/ 3438428 h 3438428"/>
+              </a:gdLst>
+              <a:ahLst/>
+              <a:cxnLst>
+                <a:cxn ang="0">
+                  <a:pos x="connsiteX0" y="connsiteY0"/>
+                </a:cxn>
+                <a:cxn ang="0">
+                  <a:pos x="connsiteX1" y="connsiteY1"/>
+                </a:cxn>
+                <a:cxn ang="0">
+                  <a:pos x="connsiteX2" y="connsiteY2"/>
+                </a:cxn>
+                <a:cxn ang="0">
+                  <a:pos x="connsiteX3" y="connsiteY3"/>
+                </a:cxn>
+              </a:cxnLst>
+              <a:rect l="l" t="t" r="r" b="b"/>
+              <a:pathLst>
+                <a:path w="472440" h="3438428">
+                  <a:moveTo>
+                    <a:pt x="0" y="3438428"/>
+                  </a:moveTo>
+                  <a:lnTo>
+                    <a:pt x="0" y="0"/>
+                  </a:lnTo>
+                  <a:lnTo>
+                    <a:pt x="472440" y="0"/>
+                  </a:lnTo>
+                  <a:lnTo>
+                    <a:pt x="472440" y="3438428"/>
+                  </a:lnTo>
+                </a:path>
+              </a:pathLst>
+            </a:custGeom>
+          </p:spPr>
+          <p:style>
+            <a:lnRef idx="2">
+              <a:schemeClr val="accent1">
+                <a:shade val="50000"/>
+              </a:schemeClr>
+            </a:lnRef>
+            <a:fillRef idx="1">
+              <a:schemeClr val="accent1"/>
+            </a:fillRef>
+            <a:effectRef idx="0">
+              <a:schemeClr val="accent1"/>
+            </a:effectRef>
+            <a:fontRef idx="minor">
+              <a:schemeClr val="lt1"/>
+            </a:fontRef>
+          </p:style>
+          <p:txBody>
+            <a:bodyPr vert="vert270" rtlCol="0" anchor="ctr"/>
+            <a:lstStyle/>
+            <a:p>
+              <a:pPr algn="ctr"/>
+              <a:r>
+                <a:rPr lang="ru-RU" sz="3200" b="1" dirty="0" smtClean="0"/>
+                <a:t>ОТВЕТ</a:t>
+              </a:r>
+              <a:endParaRPr lang="ru-RU" sz="3200" b="1" dirty="0"/>
+            </a:p>
+          </p:txBody>
+        </p:sp>
+      </p:grpSp>
+      <p:sp>
+        <p:nvSpPr>
+          <p:cNvPr id="16" name="Прямоугольник 15"/>
+          <p:cNvSpPr/>
+          <p:nvPr/>
+        </p:nvSpPr>
+        <p:spPr>
+          <a:xfrm>
+            <a:off x="1310640" y="3312160"/>
+            <a:ext cx="8839200" cy="1412240"/>
+          </a:xfrm>
+          <a:prstGeom prst="rect">
+            <a:avLst/>
+          </a:prstGeom>
+          <a:noFill/>
+          <a:ln w="19050">
+            <a:solidFill>
+              <a:schemeClr val="accent2"/>
+            </a:solidFill>
+          </a:ln>
+        </p:spPr>
+        <p:style>
+          <a:lnRef idx="2">
+            <a:schemeClr val="accent1">
+              <a:shade val="50000"/>
+            </a:schemeClr>
+          </a:lnRef>
+          <a:fillRef idx="1">
+            <a:schemeClr val="accent1"/>
+          </a:fillRef>
+          <a:effectRef idx="0">
+            <a:schemeClr val="accent1"/>
+          </a:effectRef>
+          <a:fontRef idx="minor">
+            <a:schemeClr val="lt1"/>
+          </a:fontRef>
+        </p:style>
+        <p:txBody>
+          <a:bodyPr rtlCol="0" anchor="ctr"/>
+          <a:lstStyle/>
+          <a:p>
             <a:pPr algn="ctr"/>
+            <a:endParaRPr lang="ru-RU"/>
+          </a:p>
+        </p:txBody>
+      </p:sp>
+      <p:grpSp>
+        <p:nvGrpSpPr>
+          <p:cNvPr id="17" name="Группа 16"/>
+          <p:cNvGrpSpPr/>
+          <p:nvPr/>
+        </p:nvGrpSpPr>
+        <p:grpSpPr>
+          <a:xfrm>
+            <a:off x="8749556" y="2844311"/>
+            <a:ext cx="1158231" cy="481985"/>
+            <a:chOff x="7842905" y="4113014"/>
+            <a:chExt cx="1158231" cy="481985"/>
+          </a:xfrm>
+        </p:grpSpPr>
+        <p:sp>
+          <p:nvSpPr>
+            <p:cNvPr id="18" name="TextBox 17"/>
+            <p:cNvSpPr txBox="1"/>
+            <p:nvPr/>
+          </p:nvSpPr>
+          <p:spPr>
+            <a:xfrm>
+              <a:off x="7853065" y="4113014"/>
+              <a:ext cx="1148071" cy="461665"/>
+            </a:xfrm>
+            <a:prstGeom prst="rect">
+              <a:avLst/>
+            </a:prstGeom>
+            <a:noFill/>
+          </p:spPr>
+          <p:txBody>
+            <a:bodyPr wrap="none" rtlCol="0">
+              <a:spAutoFit/>
+            </a:bodyPr>
+            <a:lstStyle/>
+            <a:p>
+              <a:r>
+                <a:rPr lang="en-US" sz="2400" dirty="0" smtClean="0"/>
+                <a:t>&lt;USER&gt;</a:t>
+              </a:r>
+              <a:endParaRPr lang="ru-RU" sz="2400" dirty="0"/>
+            </a:p>
+          </p:txBody>
+        </p:sp>
+        <p:sp>
+          <p:nvSpPr>
+            <p:cNvPr id="19" name="TextBox 18"/>
+            <p:cNvSpPr txBox="1"/>
+            <p:nvPr/>
+          </p:nvSpPr>
+          <p:spPr>
+            <a:xfrm>
+              <a:off x="7842905" y="4133334"/>
+              <a:ext cx="1148071" cy="461665"/>
+            </a:xfrm>
+            <a:prstGeom prst="rect">
+              <a:avLst/>
+            </a:prstGeom>
+            <a:noFill/>
+          </p:spPr>
+          <p:txBody>
+            <a:bodyPr wrap="none" rtlCol="0">
+              <a:spAutoFit/>
+            </a:bodyPr>
+            <a:lstStyle/>
+            <a:p>
+              <a:r>
+                <a:rPr lang="en-US" sz="2400" dirty="0" smtClean="0">
+                  <a:solidFill>
+                    <a:schemeClr val="accent1"/>
+                  </a:solidFill>
+                </a:rPr>
+                <a:t>&lt;USER&gt;</a:t>
+              </a:r>
+              <a:endParaRPr lang="ru-RU" sz="2400" dirty="0">
+                <a:solidFill>
+                  <a:schemeClr val="accent1"/>
+                </a:solidFill>
+              </a:endParaRPr>
+            </a:p>
+          </p:txBody>
+        </p:sp>
+      </p:grpSp>
+      <p:sp>
+        <p:nvSpPr>
+          <p:cNvPr id="22" name="Двойная стрелка влево/вправо 5"/>
+          <p:cNvSpPr/>
+          <p:nvPr/>
+        </p:nvSpPr>
+        <p:spPr>
+          <a:xfrm rot="16200000" flipH="1">
+            <a:off x="447352" y="1587718"/>
+            <a:ext cx="461653" cy="544683"/>
+          </a:xfrm>
+          <a:custGeom>
+            <a:avLst/>
+            <a:gdLst>
+              <a:gd name="connsiteX0" fmla="*/ 0 w 451412"/>
+              <a:gd name="connsiteY0" fmla="*/ 242316 h 484632"/>
+              <a:gd name="connsiteX1" fmla="*/ 135270 w 451412"/>
+              <a:gd name="connsiteY1" fmla="*/ 0 h 484632"/>
+              <a:gd name="connsiteX2" fmla="*/ 135270 w 451412"/>
+              <a:gd name="connsiteY2" fmla="*/ 90435 h 484632"/>
+              <a:gd name="connsiteX3" fmla="*/ 316142 w 451412"/>
+              <a:gd name="connsiteY3" fmla="*/ 90435 h 484632"/>
+              <a:gd name="connsiteX4" fmla="*/ 316142 w 451412"/>
+              <a:gd name="connsiteY4" fmla="*/ 0 h 484632"/>
+              <a:gd name="connsiteX5" fmla="*/ 451412 w 451412"/>
+              <a:gd name="connsiteY5" fmla="*/ 242316 h 484632"/>
+              <a:gd name="connsiteX6" fmla="*/ 316142 w 451412"/>
+              <a:gd name="connsiteY6" fmla="*/ 484632 h 484632"/>
+              <a:gd name="connsiteX7" fmla="*/ 316142 w 451412"/>
+              <a:gd name="connsiteY7" fmla="*/ 394197 h 484632"/>
+              <a:gd name="connsiteX8" fmla="*/ 135270 w 451412"/>
+              <a:gd name="connsiteY8" fmla="*/ 394197 h 484632"/>
+              <a:gd name="connsiteX9" fmla="*/ 135270 w 451412"/>
+              <a:gd name="connsiteY9" fmla="*/ 484632 h 484632"/>
+              <a:gd name="connsiteX10" fmla="*/ 0 w 451412"/>
+              <a:gd name="connsiteY10" fmla="*/ 242316 h 484632"/>
+              <a:gd name="connsiteX0" fmla="*/ 0 w 451412"/>
+              <a:gd name="connsiteY0" fmla="*/ 242316 h 484632"/>
+              <a:gd name="connsiteX1" fmla="*/ 135270 w 451412"/>
+              <a:gd name="connsiteY1" fmla="*/ 0 h 484632"/>
+              <a:gd name="connsiteX2" fmla="*/ 135270 w 451412"/>
+              <a:gd name="connsiteY2" fmla="*/ 90435 h 484632"/>
+              <a:gd name="connsiteX3" fmla="*/ 316142 w 451412"/>
+              <a:gd name="connsiteY3" fmla="*/ 90435 h 484632"/>
+              <a:gd name="connsiteX4" fmla="*/ 451412 w 451412"/>
+              <a:gd name="connsiteY4" fmla="*/ 242316 h 484632"/>
+              <a:gd name="connsiteX5" fmla="*/ 316142 w 451412"/>
+              <a:gd name="connsiteY5" fmla="*/ 484632 h 484632"/>
+              <a:gd name="connsiteX6" fmla="*/ 316142 w 451412"/>
+              <a:gd name="connsiteY6" fmla="*/ 394197 h 484632"/>
+              <a:gd name="connsiteX7" fmla="*/ 135270 w 451412"/>
+              <a:gd name="connsiteY7" fmla="*/ 394197 h 484632"/>
+              <a:gd name="connsiteX8" fmla="*/ 135270 w 451412"/>
+              <a:gd name="connsiteY8" fmla="*/ 484632 h 484632"/>
+              <a:gd name="connsiteX9" fmla="*/ 0 w 451412"/>
+              <a:gd name="connsiteY9" fmla="*/ 242316 h 484632"/>
+              <a:gd name="connsiteX0" fmla="*/ 0 w 316142"/>
+              <a:gd name="connsiteY0" fmla="*/ 242316 h 484632"/>
+              <a:gd name="connsiteX1" fmla="*/ 135270 w 316142"/>
+              <a:gd name="connsiteY1" fmla="*/ 0 h 484632"/>
+              <a:gd name="connsiteX2" fmla="*/ 135270 w 316142"/>
+              <a:gd name="connsiteY2" fmla="*/ 90435 h 484632"/>
+              <a:gd name="connsiteX3" fmla="*/ 316142 w 316142"/>
+              <a:gd name="connsiteY3" fmla="*/ 90435 h 484632"/>
+              <a:gd name="connsiteX4" fmla="*/ 316142 w 316142"/>
+              <a:gd name="connsiteY4" fmla="*/ 484632 h 484632"/>
+              <a:gd name="connsiteX5" fmla="*/ 316142 w 316142"/>
+              <a:gd name="connsiteY5" fmla="*/ 394197 h 484632"/>
+              <a:gd name="connsiteX6" fmla="*/ 135270 w 316142"/>
+              <a:gd name="connsiteY6" fmla="*/ 394197 h 484632"/>
+              <a:gd name="connsiteX7" fmla="*/ 135270 w 316142"/>
+              <a:gd name="connsiteY7" fmla="*/ 484632 h 484632"/>
+              <a:gd name="connsiteX8" fmla="*/ 0 w 316142"/>
+              <a:gd name="connsiteY8" fmla="*/ 242316 h 484632"/>
+              <a:gd name="connsiteX0" fmla="*/ 0 w 316142"/>
+              <a:gd name="connsiteY0" fmla="*/ 242316 h 484632"/>
+              <a:gd name="connsiteX1" fmla="*/ 135270 w 316142"/>
+              <a:gd name="connsiteY1" fmla="*/ 0 h 484632"/>
+              <a:gd name="connsiteX2" fmla="*/ 135270 w 316142"/>
+              <a:gd name="connsiteY2" fmla="*/ 90435 h 484632"/>
+              <a:gd name="connsiteX3" fmla="*/ 316142 w 316142"/>
+              <a:gd name="connsiteY3" fmla="*/ 90435 h 484632"/>
+              <a:gd name="connsiteX4" fmla="*/ 316142 w 316142"/>
+              <a:gd name="connsiteY4" fmla="*/ 394197 h 484632"/>
+              <a:gd name="connsiteX5" fmla="*/ 135270 w 316142"/>
+              <a:gd name="connsiteY5" fmla="*/ 394197 h 484632"/>
+              <a:gd name="connsiteX6" fmla="*/ 135270 w 316142"/>
+              <a:gd name="connsiteY6" fmla="*/ 484632 h 484632"/>
+              <a:gd name="connsiteX7" fmla="*/ 0 w 316142"/>
+              <a:gd name="connsiteY7" fmla="*/ 242316 h 484632"/>
+              <a:gd name="connsiteX0" fmla="*/ 0 w 316142"/>
+              <a:gd name="connsiteY0" fmla="*/ 242316 h 484632"/>
+              <a:gd name="connsiteX1" fmla="*/ 135270 w 316142"/>
+              <a:gd name="connsiteY1" fmla="*/ 0 h 484632"/>
+              <a:gd name="connsiteX2" fmla="*/ 135270 w 316142"/>
+              <a:gd name="connsiteY2" fmla="*/ 90435 h 484632"/>
+              <a:gd name="connsiteX3" fmla="*/ 316142 w 316142"/>
+              <a:gd name="connsiteY3" fmla="*/ 394197 h 484632"/>
+              <a:gd name="connsiteX4" fmla="*/ 135270 w 316142"/>
+              <a:gd name="connsiteY4" fmla="*/ 394197 h 484632"/>
+              <a:gd name="connsiteX5" fmla="*/ 135270 w 316142"/>
+              <a:gd name="connsiteY5" fmla="*/ 484632 h 484632"/>
+              <a:gd name="connsiteX6" fmla="*/ 0 w 316142"/>
+              <a:gd name="connsiteY6" fmla="*/ 242316 h 484632"/>
+            </a:gdLst>
+            <a:ahLst/>
+            <a:cxnLst>
+              <a:cxn ang="0">
+                <a:pos x="connsiteX0" y="connsiteY0"/>
+              </a:cxn>
+              <a:cxn ang="0">
+                <a:pos x="connsiteX1" y="connsiteY1"/>
+              </a:cxn>
+              <a:cxn ang="0">
+                <a:pos x="connsiteX2" y="connsiteY2"/>
+              </a:cxn>
+              <a:cxn ang="0">
+                <a:pos x="connsiteX3" y="connsiteY3"/>
+              </a:cxn>
+              <a:cxn ang="0">
+                <a:pos x="connsiteX4" y="connsiteY4"/>
+              </a:cxn>
+              <a:cxn ang="0">
+                <a:pos x="connsiteX5" y="connsiteY5"/>
+              </a:cxn>
+              <a:cxn ang="0">
+                <a:pos x="connsiteX6" y="connsiteY6"/>
+              </a:cxn>
+            </a:cxnLst>
+            <a:rect l="l" t="t" r="r" b="b"/>
+            <a:pathLst>
+              <a:path w="316142" h="484632">
+                <a:moveTo>
+                  <a:pt x="0" y="242316"/>
+                </a:moveTo>
+                <a:lnTo>
+                  <a:pt x="135270" y="0"/>
+                </a:lnTo>
+                <a:lnTo>
+                  <a:pt x="135270" y="90435"/>
+                </a:lnTo>
+                <a:lnTo>
+                  <a:pt x="316142" y="394197"/>
+                </a:lnTo>
+                <a:lnTo>
+                  <a:pt x="135270" y="394197"/>
+                </a:lnTo>
+                <a:lnTo>
+                  <a:pt x="135270" y="484632"/>
+                </a:lnTo>
+                <a:lnTo>
+                  <a:pt x="0" y="242316"/>
+                </a:lnTo>
+                <a:close/>
+              </a:path>
+            </a:pathLst>
+          </a:custGeom>
+        </p:spPr>
+        <p:style>
+          <a:lnRef idx="2">
+            <a:schemeClr val="accent2">
+              <a:shade val="50000"/>
+            </a:schemeClr>
+          </a:lnRef>
+          <a:fillRef idx="1">
+            <a:schemeClr val="accent2"/>
+          </a:fillRef>
+          <a:effectRef idx="0">
+            <a:schemeClr val="accent2"/>
+          </a:effectRef>
+          <a:fontRef idx="minor">
+            <a:schemeClr val="lt1"/>
+          </a:fontRef>
+        </p:style>
+        <p:txBody>
+          <a:bodyPr rtlCol="0" anchor="ctr"/>
+          <a:lstStyle/>
+          <a:p>
+            <a:pPr algn="ctr"/>
+            <a:endParaRPr lang="ru-RU"/>
+          </a:p>
+        </p:txBody>
+      </p:sp>
+      <p:sp>
+        <p:nvSpPr>
+          <p:cNvPr id="23" name="Двойная стрелка влево/вправо 5"/>
+          <p:cNvSpPr/>
+          <p:nvPr/>
+        </p:nvSpPr>
+        <p:spPr>
+          <a:xfrm rot="5400000" flipH="1">
+            <a:off x="431361" y="2406208"/>
+            <a:ext cx="461653" cy="544683"/>
+          </a:xfrm>
+          <a:custGeom>
+            <a:avLst/>
+            <a:gdLst>
+              <a:gd name="connsiteX0" fmla="*/ 0 w 451412"/>
+              <a:gd name="connsiteY0" fmla="*/ 242316 h 484632"/>
+              <a:gd name="connsiteX1" fmla="*/ 135270 w 451412"/>
+              <a:gd name="connsiteY1" fmla="*/ 0 h 484632"/>
+              <a:gd name="connsiteX2" fmla="*/ 135270 w 451412"/>
+              <a:gd name="connsiteY2" fmla="*/ 90435 h 484632"/>
+              <a:gd name="connsiteX3" fmla="*/ 316142 w 451412"/>
+              <a:gd name="connsiteY3" fmla="*/ 90435 h 484632"/>
+              <a:gd name="connsiteX4" fmla="*/ 316142 w 451412"/>
+              <a:gd name="connsiteY4" fmla="*/ 0 h 484632"/>
+              <a:gd name="connsiteX5" fmla="*/ 451412 w 451412"/>
+              <a:gd name="connsiteY5" fmla="*/ 242316 h 484632"/>
+              <a:gd name="connsiteX6" fmla="*/ 316142 w 451412"/>
+              <a:gd name="connsiteY6" fmla="*/ 484632 h 484632"/>
+              <a:gd name="connsiteX7" fmla="*/ 316142 w 451412"/>
+              <a:gd name="connsiteY7" fmla="*/ 394197 h 484632"/>
+              <a:gd name="connsiteX8" fmla="*/ 135270 w 451412"/>
+              <a:gd name="connsiteY8" fmla="*/ 394197 h 484632"/>
+              <a:gd name="connsiteX9" fmla="*/ 135270 w 451412"/>
+              <a:gd name="connsiteY9" fmla="*/ 484632 h 484632"/>
+              <a:gd name="connsiteX10" fmla="*/ 0 w 451412"/>
+              <a:gd name="connsiteY10" fmla="*/ 242316 h 484632"/>
+              <a:gd name="connsiteX0" fmla="*/ 0 w 451412"/>
+              <a:gd name="connsiteY0" fmla="*/ 242316 h 484632"/>
+              <a:gd name="connsiteX1" fmla="*/ 135270 w 451412"/>
+              <a:gd name="connsiteY1" fmla="*/ 0 h 484632"/>
+              <a:gd name="connsiteX2" fmla="*/ 135270 w 451412"/>
+              <a:gd name="connsiteY2" fmla="*/ 90435 h 484632"/>
+              <a:gd name="connsiteX3" fmla="*/ 316142 w 451412"/>
+              <a:gd name="connsiteY3" fmla="*/ 90435 h 484632"/>
+              <a:gd name="connsiteX4" fmla="*/ 451412 w 451412"/>
+              <a:gd name="connsiteY4" fmla="*/ 242316 h 484632"/>
+              <a:gd name="connsiteX5" fmla="*/ 316142 w 451412"/>
+              <a:gd name="connsiteY5" fmla="*/ 484632 h 484632"/>
+              <a:gd name="connsiteX6" fmla="*/ 316142 w 451412"/>
+              <a:gd name="connsiteY6" fmla="*/ 394197 h 484632"/>
+              <a:gd name="connsiteX7" fmla="*/ 135270 w 451412"/>
+              <a:gd name="connsiteY7" fmla="*/ 394197 h 484632"/>
+              <a:gd name="connsiteX8" fmla="*/ 135270 w 451412"/>
+              <a:gd name="connsiteY8" fmla="*/ 484632 h 484632"/>
+              <a:gd name="connsiteX9" fmla="*/ 0 w 451412"/>
+              <a:gd name="connsiteY9" fmla="*/ 242316 h 484632"/>
+              <a:gd name="connsiteX0" fmla="*/ 0 w 316142"/>
+              <a:gd name="connsiteY0" fmla="*/ 242316 h 484632"/>
+              <a:gd name="connsiteX1" fmla="*/ 135270 w 316142"/>
+              <a:gd name="connsiteY1" fmla="*/ 0 h 484632"/>
+              <a:gd name="connsiteX2" fmla="*/ 135270 w 316142"/>
+              <a:gd name="connsiteY2" fmla="*/ 90435 h 484632"/>
+              <a:gd name="connsiteX3" fmla="*/ 316142 w 316142"/>
+              <a:gd name="connsiteY3" fmla="*/ 90435 h 484632"/>
+              <a:gd name="connsiteX4" fmla="*/ 316142 w 316142"/>
+              <a:gd name="connsiteY4" fmla="*/ 484632 h 484632"/>
+              <a:gd name="connsiteX5" fmla="*/ 316142 w 316142"/>
+              <a:gd name="connsiteY5" fmla="*/ 394197 h 484632"/>
+              <a:gd name="connsiteX6" fmla="*/ 135270 w 316142"/>
+              <a:gd name="connsiteY6" fmla="*/ 394197 h 484632"/>
+              <a:gd name="connsiteX7" fmla="*/ 135270 w 316142"/>
+              <a:gd name="connsiteY7" fmla="*/ 484632 h 484632"/>
+              <a:gd name="connsiteX8" fmla="*/ 0 w 316142"/>
+              <a:gd name="connsiteY8" fmla="*/ 242316 h 484632"/>
+              <a:gd name="connsiteX0" fmla="*/ 0 w 316142"/>
+              <a:gd name="connsiteY0" fmla="*/ 242316 h 484632"/>
+              <a:gd name="connsiteX1" fmla="*/ 135270 w 316142"/>
+              <a:gd name="connsiteY1" fmla="*/ 0 h 484632"/>
+              <a:gd name="connsiteX2" fmla="*/ 135270 w 316142"/>
+              <a:gd name="connsiteY2" fmla="*/ 90435 h 484632"/>
+              <a:gd name="connsiteX3" fmla="*/ 316142 w 316142"/>
+              <a:gd name="connsiteY3" fmla="*/ 90435 h 484632"/>
+              <a:gd name="connsiteX4" fmla="*/ 316142 w 316142"/>
+              <a:gd name="connsiteY4" fmla="*/ 394197 h 484632"/>
+              <a:gd name="connsiteX5" fmla="*/ 135270 w 316142"/>
+              <a:gd name="connsiteY5" fmla="*/ 394197 h 484632"/>
+              <a:gd name="connsiteX6" fmla="*/ 135270 w 316142"/>
+              <a:gd name="connsiteY6" fmla="*/ 484632 h 484632"/>
+              <a:gd name="connsiteX7" fmla="*/ 0 w 316142"/>
+              <a:gd name="connsiteY7" fmla="*/ 242316 h 484632"/>
+              <a:gd name="connsiteX0" fmla="*/ 0 w 316142"/>
+              <a:gd name="connsiteY0" fmla="*/ 242316 h 484632"/>
+              <a:gd name="connsiteX1" fmla="*/ 135270 w 316142"/>
+              <a:gd name="connsiteY1" fmla="*/ 0 h 484632"/>
+              <a:gd name="connsiteX2" fmla="*/ 135270 w 316142"/>
+              <a:gd name="connsiteY2" fmla="*/ 90435 h 484632"/>
+              <a:gd name="connsiteX3" fmla="*/ 316142 w 316142"/>
+              <a:gd name="connsiteY3" fmla="*/ 394197 h 484632"/>
+              <a:gd name="connsiteX4" fmla="*/ 135270 w 316142"/>
+              <a:gd name="connsiteY4" fmla="*/ 394197 h 484632"/>
+              <a:gd name="connsiteX5" fmla="*/ 135270 w 316142"/>
+              <a:gd name="connsiteY5" fmla="*/ 484632 h 484632"/>
+              <a:gd name="connsiteX6" fmla="*/ 0 w 316142"/>
+              <a:gd name="connsiteY6" fmla="*/ 242316 h 484632"/>
+            </a:gdLst>
+            <a:ahLst/>
+            <a:cxnLst>
+              <a:cxn ang="0">
+                <a:pos x="connsiteX0" y="connsiteY0"/>
+              </a:cxn>
+              <a:cxn ang="0">
+                <a:pos x="connsiteX1" y="connsiteY1"/>
+              </a:cxn>
+              <a:cxn ang="0">
+                <a:pos x="connsiteX2" y="connsiteY2"/>
+              </a:cxn>
+              <a:cxn ang="0">
+                <a:pos x="connsiteX3" y="connsiteY3"/>
+              </a:cxn>
+              <a:cxn ang="0">
+                <a:pos x="connsiteX4" y="connsiteY4"/>
+              </a:cxn>
+              <a:cxn ang="0">
+                <a:pos x="connsiteX5" y="connsiteY5"/>
+              </a:cxn>
+              <a:cxn ang="0">
+                <a:pos x="connsiteX6" y="connsiteY6"/>
+              </a:cxn>
+            </a:cxnLst>
+            <a:rect l="l" t="t" r="r" b="b"/>
+            <a:pathLst>
+              <a:path w="316142" h="484632">
+                <a:moveTo>
+                  <a:pt x="0" y="242316"/>
+                </a:moveTo>
+                <a:lnTo>
+                  <a:pt x="135270" y="0"/>
+                </a:lnTo>
+                <a:lnTo>
+                  <a:pt x="135270" y="90435"/>
+                </a:lnTo>
+                <a:lnTo>
+                  <a:pt x="316142" y="394197"/>
+                </a:lnTo>
+                <a:lnTo>
+                  <a:pt x="135270" y="394197"/>
+                </a:lnTo>
+                <a:lnTo>
+                  <a:pt x="135270" y="484632"/>
+                </a:lnTo>
+                <a:lnTo>
+                  <a:pt x="0" y="242316"/>
+                </a:lnTo>
+                <a:close/>
+              </a:path>
+            </a:pathLst>
+          </a:custGeom>
+        </p:spPr>
+        <p:style>
+          <a:lnRef idx="2">
+            <a:schemeClr val="accent1">
+              <a:shade val="50000"/>
+            </a:schemeClr>
+          </a:lnRef>
+          <a:fillRef idx="1">
+            <a:schemeClr val="accent1"/>
+          </a:fillRef>
+          <a:effectRef idx="0">
+            <a:schemeClr val="accent1"/>
+          </a:effectRef>
+          <a:fontRef idx="minor">
+            <a:schemeClr val="lt1"/>
+          </a:fontRef>
+        </p:style>
+        <p:txBody>
+          <a:bodyPr rtlCol="0" anchor="ctr"/>
+          <a:lstStyle/>
+          <a:p>
+            <a:pPr algn="ctr"/>
+            <a:endParaRPr lang="ru-RU"/>
+          </a:p>
+        </p:txBody>
+      </p:sp>
+    </p:spTree>
+    <p:extLst>
+      <p:ext uri="{BB962C8B-B14F-4D97-AF65-F5344CB8AC3E}">
+        <p14:creationId xmlns:p14="http://schemas.microsoft.com/office/powerpoint/2010/main" val="3053372760"/>
+      </p:ext>
+    </p:extLst>
+  </p:cSld>
+  <p:clrMapOvr>
+    <a:masterClrMapping/>
+  </p:clrMapOvr>
+  <mc:AlternateContent xmlns:mc="http://schemas.openxmlformats.org/markup-compatibility/2006" xmlns:p14="http://schemas.microsoft.com/office/powerpoint/2010/main">
+    <mc:Choice Requires="p14">
+      <p:transition spd="slow" p14:dur="2000"/>
+    </mc:Choice>
+    <mc:Fallback xmlns="">
+      <p:transition spd="slow"/>
+    </mc:Fallback>
+  </mc:AlternateContent>
+  <p:timing>
+    <p:tnLst>
+      <p:par>
+        <p:cTn id="1" dur="indefinite" restart="never" nodeType="tmRoot"/>
+      </p:par>
+    </p:tnLst>
+  </p:timing>
+</p:sld>
+</file>
+
+<file path=ppt/slides/slide14.xml><?xml version="1.0" encoding="utf-8"?>
+<p:sld xmlns:a="http://schemas.openxmlformats.org/drawingml/2006/main" xmlns:r="http://schemas.openxmlformats.org/officeDocument/2006/relationships" xmlns:p="http://schemas.openxmlformats.org/presentationml/2006/main">
+  <p:cSld>
+    <p:spTree>
+      <p:nvGrpSpPr>
+        <p:cNvPr id="1" name=""/>
+        <p:cNvGrpSpPr/>
+        <p:nvPr/>
+      </p:nvGrpSpPr>
+      <p:grpSpPr>
+        <a:xfrm>
+          <a:off x="0" y="0"/>
+          <a:ext cx="0" cy="0"/>
+          <a:chOff x="0" y="0"/>
+          <a:chExt cx="0" cy="0"/>
+        </a:xfrm>
+      </p:grpSpPr>
+      <p:sp>
+        <p:nvSpPr>
+          <p:cNvPr id="10" name="TextBox 9"/>
+          <p:cNvSpPr txBox="1"/>
+          <p:nvPr/>
+        </p:nvSpPr>
+        <p:spPr>
+          <a:xfrm>
+            <a:off x="914401" y="151900"/>
+            <a:ext cx="10363199" cy="1015663"/>
+          </a:xfrm>
+          <a:prstGeom prst="rect">
+            <a:avLst/>
+          </a:prstGeom>
+          <a:noFill/>
+        </p:spPr>
+        <p:txBody>
+          <a:bodyPr wrap="square" rtlCol="0" anchor="ctr">
+            <a:spAutoFit/>
+          </a:bodyPr>
+          <a:lstStyle/>
+          <a:p>
+            <a:pPr algn="ctr"/>
+            <a:r>
+              <a:rPr lang="ru-RU" sz="6000" b="1" dirty="0" smtClean="0"/>
+              <a:t>Тестирование</a:t>
+            </a:r>
+            <a:endParaRPr lang="ru-RU" sz="6000" b="1" dirty="0" smtClean="0"/>
+          </a:p>
+        </p:txBody>
+      </p:sp>
+      <p:sp>
+        <p:nvSpPr>
+          <p:cNvPr id="6" name="Прямоугольник 5"/>
+          <p:cNvSpPr/>
+          <p:nvPr/>
+        </p:nvSpPr>
+        <p:spPr>
+          <a:xfrm>
+            <a:off x="914401" y="1237846"/>
+            <a:ext cx="11048999" cy="5355312"/>
+          </a:xfrm>
+          <a:prstGeom prst="rect">
+            <a:avLst/>
+          </a:prstGeom>
+        </p:spPr>
+        <p:txBody>
+          <a:bodyPr wrap="square">
+            <a:spAutoFit/>
+          </a:bodyPr>
+          <a:lstStyle/>
+          <a:p>
+            <a:r>
+              <a:rPr lang="en-US" dirty="0" smtClean="0"/>
+              <a:t>   …</a:t>
+            </a:r>
+            <a:endParaRPr lang="en-US" dirty="0"/>
+          </a:p>
+          <a:p>
+            <a:r>
+              <a:rPr lang="en-US" dirty="0"/>
+              <a:t>  "credits": </a:t>
+            </a:r>
+            <a:r>
+              <a:rPr lang="en-US" dirty="0" smtClean="0"/>
+              <a:t>[ </a:t>
+            </a:r>
+            <a:endParaRPr lang="ru-RU" dirty="0" smtClean="0"/>
+          </a:p>
+          <a:p>
+            <a:r>
+              <a:rPr lang="en-US" dirty="0" smtClean="0"/>
+              <a:t>    {</a:t>
+            </a:r>
+          </a:p>
+          <a:p>
+            <a:r>
+              <a:rPr lang="en-US" dirty="0"/>
+              <a:t> </a:t>
+            </a:r>
+            <a:r>
+              <a:rPr lang="en-US" dirty="0" smtClean="0"/>
+              <a:t>    "</a:t>
+            </a:r>
+            <a:r>
+              <a:rPr lang="en-US" dirty="0"/>
+              <a:t>credit": {</a:t>
+            </a:r>
+          </a:p>
+          <a:p>
+            <a:r>
+              <a:rPr lang="en-US" dirty="0"/>
+              <a:t>        "id": </a:t>
+            </a:r>
+            <a:r>
+              <a:rPr lang="en-US" dirty="0" smtClean="0"/>
+              <a:t>&lt;</a:t>
+            </a:r>
+            <a:r>
+              <a:rPr lang="en-US" i="1" dirty="0" smtClean="0"/>
+              <a:t>ID_</a:t>
+            </a:r>
+            <a:r>
+              <a:rPr lang="ru-RU" i="1" dirty="0" smtClean="0"/>
+              <a:t>КРЕДИТА</a:t>
+            </a:r>
+            <a:r>
+              <a:rPr lang="en-US" dirty="0" smtClean="0"/>
+              <a:t>&gt;, "</a:t>
+            </a:r>
+            <a:r>
+              <a:rPr lang="en-US" dirty="0" err="1"/>
+              <a:t>userId</a:t>
+            </a:r>
+            <a:r>
+              <a:rPr lang="en-US" dirty="0"/>
+              <a:t>": </a:t>
+            </a:r>
+            <a:r>
+              <a:rPr lang="en-US" dirty="0" smtClean="0"/>
+              <a:t>&lt;</a:t>
+            </a:r>
+            <a:r>
+              <a:rPr lang="en-US" dirty="0"/>
+              <a:t> </a:t>
+            </a:r>
+            <a:r>
+              <a:rPr lang="en-US" i="1" dirty="0" smtClean="0"/>
+              <a:t>ID_</a:t>
+            </a:r>
+            <a:r>
+              <a:rPr lang="ru-RU" i="1" dirty="0" smtClean="0"/>
+              <a:t>ПОЛЬЗОВАТЕЛЯ</a:t>
+            </a:r>
+            <a:r>
+              <a:rPr lang="en-US" i="1" dirty="0" smtClean="0"/>
+              <a:t>_</a:t>
+            </a:r>
+            <a:r>
+              <a:rPr lang="ru-RU" i="1" dirty="0"/>
+              <a:t>В_БАЗЕ_КРЕДИТНОЙ_ИСТОРИИ </a:t>
+            </a:r>
+            <a:r>
+              <a:rPr lang="en-US" dirty="0" smtClean="0"/>
+              <a:t>&gt;,</a:t>
+            </a:r>
+            <a:endParaRPr lang="en-US" dirty="0"/>
+          </a:p>
+          <a:p>
+            <a:r>
+              <a:rPr lang="en-US" dirty="0"/>
+              <a:t>        "branch</a:t>
+            </a:r>
+            <a:r>
+              <a:rPr lang="en-US" dirty="0" smtClean="0"/>
+              <a:t>": &lt;</a:t>
+            </a:r>
+            <a:r>
+              <a:rPr lang="ru-RU" i="1" dirty="0" smtClean="0"/>
+              <a:t>НАЗВАНИЕ_ОТДЕЛЕНИЯ_БАНКА</a:t>
+            </a:r>
+            <a:r>
+              <a:rPr lang="en-US" dirty="0" smtClean="0"/>
+              <a:t>&gt;</a:t>
+            </a:r>
+            <a:r>
+              <a:rPr lang="ru-RU" dirty="0" smtClean="0"/>
+              <a:t>, "</a:t>
+            </a:r>
+            <a:r>
+              <a:rPr lang="en-US" dirty="0" err="1"/>
+              <a:t>totalSum</a:t>
+            </a:r>
+            <a:r>
+              <a:rPr lang="en-US" dirty="0"/>
+              <a:t>": </a:t>
+            </a:r>
+            <a:r>
+              <a:rPr lang="en-US" dirty="0" smtClean="0"/>
+              <a:t>&lt;</a:t>
+            </a:r>
+            <a:r>
+              <a:rPr lang="ru-RU" i="1" dirty="0" smtClean="0"/>
+              <a:t>СУММА</a:t>
+            </a:r>
+            <a:r>
+              <a:rPr lang="en-US" dirty="0"/>
+              <a:t>_</a:t>
+            </a:r>
+            <a:r>
+              <a:rPr lang="ru-RU" i="1" dirty="0" smtClean="0"/>
+              <a:t>КРЕДИТА</a:t>
+            </a:r>
+            <a:r>
+              <a:rPr lang="en-US" dirty="0" smtClean="0"/>
+              <a:t>&gt;,</a:t>
+            </a:r>
+            <a:endParaRPr lang="en-US" dirty="0"/>
+          </a:p>
+          <a:p>
+            <a:r>
+              <a:rPr lang="en-US" dirty="0"/>
+              <a:t>        "</a:t>
+            </a:r>
+            <a:r>
+              <a:rPr lang="en-US" dirty="0" err="1"/>
+              <a:t>startPaymentDate</a:t>
+            </a:r>
+            <a:r>
+              <a:rPr lang="en-US" dirty="0"/>
+              <a:t>": </a:t>
+            </a:r>
+            <a:r>
+              <a:rPr lang="ru-RU" dirty="0" smtClean="0"/>
+              <a:t> </a:t>
+            </a:r>
+            <a:r>
+              <a:rPr lang="en-US" dirty="0" smtClean="0"/>
+              <a:t>&lt;</a:t>
+            </a:r>
+            <a:r>
+              <a:rPr lang="ru-RU" i="1" dirty="0" smtClean="0"/>
+              <a:t>ДАТА_ВЗЯТИЯ_КРЕДИТА</a:t>
+            </a:r>
+            <a:r>
+              <a:rPr lang="en-US" dirty="0" smtClean="0"/>
+              <a:t>&gt;,</a:t>
+            </a:r>
+            <a:r>
+              <a:rPr lang="ru-RU" dirty="0" smtClean="0"/>
+              <a:t> </a:t>
+            </a:r>
+            <a:r>
+              <a:rPr lang="en-US" dirty="0" smtClean="0"/>
+              <a:t>"</a:t>
+            </a:r>
+            <a:r>
+              <a:rPr lang="en-US" dirty="0" err="1"/>
+              <a:t>endPaymentDate</a:t>
+            </a:r>
+            <a:r>
+              <a:rPr lang="en-US" dirty="0"/>
+              <a:t>": </a:t>
+            </a:r>
+            <a:r>
+              <a:rPr lang="en-US" dirty="0" smtClean="0"/>
+              <a:t>&lt;</a:t>
+            </a:r>
+            <a:r>
+              <a:rPr lang="ru-RU" i="1" dirty="0" smtClean="0"/>
+              <a:t>ДАТА_ЗАКРЫТИЯ_КРЕДИТА</a:t>
+            </a:r>
+            <a:r>
+              <a:rPr lang="en-US" dirty="0" smtClean="0"/>
+              <a:t>&gt;</a:t>
+            </a:r>
+            <a:endParaRPr lang="en-US" dirty="0"/>
+          </a:p>
+          <a:p>
+            <a:r>
+              <a:rPr lang="en-US" dirty="0"/>
+              <a:t>      },</a:t>
+            </a:r>
+          </a:p>
+          <a:p>
+            <a:r>
+              <a:rPr lang="en-US" dirty="0"/>
+              <a:t>      "payments": </a:t>
+            </a:r>
+            <a:r>
+              <a:rPr lang="en-US" dirty="0" smtClean="0"/>
+              <a:t>[</a:t>
+            </a:r>
+          </a:p>
+          <a:p>
+            <a:r>
+              <a:rPr lang="en-US" dirty="0" smtClean="0"/>
+              <a:t>          {</a:t>
+            </a:r>
+          </a:p>
+          <a:p>
+            <a:r>
+              <a:rPr lang="en-US" dirty="0" smtClean="0"/>
+              <a:t>            </a:t>
+            </a:r>
+            <a:r>
+              <a:rPr lang="en-US" dirty="0"/>
+              <a:t>"id": </a:t>
+            </a:r>
+            <a:r>
+              <a:rPr lang="en-US" dirty="0" smtClean="0"/>
+              <a:t>&lt;</a:t>
+            </a:r>
+            <a:r>
+              <a:rPr lang="en-US" i="1" dirty="0" smtClean="0"/>
+              <a:t>ID_</a:t>
+            </a:r>
+            <a:r>
+              <a:rPr lang="ru-RU" i="1" dirty="0" smtClean="0"/>
+              <a:t>ПЛАТЕЖА</a:t>
+            </a:r>
+            <a:r>
+              <a:rPr lang="en-US" dirty="0" smtClean="0"/>
+              <a:t>&gt;,</a:t>
+            </a:r>
+            <a:r>
+              <a:rPr lang="ru-RU" dirty="0" smtClean="0"/>
+              <a:t> </a:t>
+            </a:r>
+            <a:r>
+              <a:rPr lang="en-US" dirty="0" smtClean="0"/>
+              <a:t>"</a:t>
+            </a:r>
+            <a:r>
+              <a:rPr lang="en-US" dirty="0" err="1"/>
+              <a:t>creditId</a:t>
+            </a:r>
+            <a:r>
+              <a:rPr lang="en-US" dirty="0"/>
+              <a:t>": </a:t>
+            </a:r>
+            <a:r>
+              <a:rPr lang="en-US" dirty="0" smtClean="0"/>
+              <a:t>&lt;</a:t>
+            </a:r>
+            <a:r>
+              <a:rPr lang="en-US" i="1" dirty="0" smtClean="0"/>
+              <a:t>ID</a:t>
+            </a:r>
+            <a:r>
+              <a:rPr lang="ru-RU" i="1" dirty="0" smtClean="0"/>
+              <a:t>_СВЯЗАННОГО_КРЕДИТА</a:t>
+            </a:r>
+            <a:r>
+              <a:rPr lang="en-US" dirty="0" smtClean="0"/>
+              <a:t>&gt;,</a:t>
+            </a:r>
+            <a:endParaRPr lang="en-US" dirty="0"/>
+          </a:p>
+          <a:p>
+            <a:r>
+              <a:rPr lang="en-US" dirty="0"/>
+              <a:t>        </a:t>
+            </a:r>
+            <a:r>
+              <a:rPr lang="en-US" dirty="0" smtClean="0"/>
+              <a:t>    </a:t>
+            </a:r>
+            <a:r>
+              <a:rPr lang="en-US" dirty="0"/>
+              <a:t>"sum</a:t>
+            </a:r>
+            <a:r>
+              <a:rPr lang="en-US" dirty="0" smtClean="0"/>
+              <a:t>": &lt;</a:t>
+            </a:r>
+            <a:r>
+              <a:rPr lang="ru-RU" i="1" dirty="0" smtClean="0"/>
+              <a:t>СУММА_ПЛАТЕЖА</a:t>
+            </a:r>
+            <a:r>
+              <a:rPr lang="en-US" dirty="0" smtClean="0"/>
+              <a:t>&gt;,</a:t>
+            </a:r>
+            <a:r>
+              <a:rPr lang="ru-RU" dirty="0" smtClean="0"/>
+              <a:t> </a:t>
+            </a:r>
+            <a:r>
+              <a:rPr lang="en-US" dirty="0" smtClean="0"/>
+              <a:t>"</a:t>
+            </a:r>
+            <a:r>
+              <a:rPr lang="en-US" dirty="0"/>
+              <a:t>date": </a:t>
+            </a:r>
+            <a:r>
+              <a:rPr lang="en-US" dirty="0" smtClean="0"/>
+              <a:t>&lt;</a:t>
+            </a:r>
+            <a:r>
+              <a:rPr lang="ru-RU" i="1" dirty="0" smtClean="0"/>
+              <a:t>ДАТА_ПЛАТЕЖА</a:t>
+            </a:r>
+            <a:r>
+              <a:rPr lang="en-US" dirty="0" smtClean="0"/>
+              <a:t>&gt;</a:t>
+            </a:r>
+            <a:endParaRPr lang="ru-RU" dirty="0" smtClean="0"/>
+          </a:p>
+          <a:p>
+            <a:r>
+              <a:rPr lang="ru-RU" dirty="0"/>
+              <a:t> </a:t>
+            </a:r>
+            <a:r>
+              <a:rPr lang="ru-RU" dirty="0" smtClean="0"/>
+              <a:t>       </a:t>
+            </a:r>
+            <a:r>
+              <a:rPr lang="en-US" dirty="0" smtClean="0"/>
+              <a:t>  },</a:t>
+            </a:r>
+            <a:endParaRPr lang="en-US" dirty="0"/>
+          </a:p>
+          <a:p>
+            <a:r>
+              <a:rPr lang="en-US" dirty="0"/>
+              <a:t>        </a:t>
+            </a:r>
+            <a:r>
+              <a:rPr lang="en-US" dirty="0" smtClean="0"/>
+              <a:t>  {</a:t>
+            </a:r>
+            <a:r>
+              <a:rPr lang="ru-RU" dirty="0" smtClean="0"/>
+              <a:t> </a:t>
+            </a:r>
+            <a:r>
+              <a:rPr lang="en-US" dirty="0" smtClean="0"/>
+              <a:t>&lt;</a:t>
+            </a:r>
+            <a:r>
+              <a:rPr lang="en-US" i="1" u="sng" dirty="0" smtClean="0"/>
+              <a:t>PAYMENT</a:t>
+            </a:r>
+            <a:r>
+              <a:rPr lang="en-US" dirty="0" smtClean="0"/>
+              <a:t>&gt; }, …</a:t>
+            </a:r>
+            <a:endParaRPr lang="en-US" dirty="0"/>
+          </a:p>
+          <a:p>
+            <a:r>
+              <a:rPr lang="en-US" dirty="0" smtClean="0"/>
+              <a:t>        ]</a:t>
+            </a:r>
+            <a:endParaRPr lang="en-US" dirty="0"/>
+          </a:p>
+          <a:p>
+            <a:r>
+              <a:rPr lang="en-US" dirty="0"/>
+              <a:t>    },</a:t>
+            </a:r>
+          </a:p>
+          <a:p>
+            <a:r>
+              <a:rPr lang="en-US" dirty="0"/>
+              <a:t>    </a:t>
+            </a:r>
+            <a:r>
+              <a:rPr lang="en-US" dirty="0" smtClean="0"/>
+              <a:t>{ &lt;</a:t>
+            </a:r>
+            <a:r>
+              <a:rPr lang="en-US" i="1" u="sng" dirty="0" smtClean="0"/>
+              <a:t>CREDIT_AND_PAYMENTS</a:t>
+            </a:r>
+            <a:r>
+              <a:rPr lang="en-US" dirty="0" smtClean="0"/>
+              <a:t>&gt;}, …</a:t>
+            </a:r>
+            <a:endParaRPr lang="en-US" dirty="0"/>
+          </a:p>
+          <a:p>
+            <a:r>
+              <a:rPr lang="en-US" dirty="0"/>
+              <a:t>  </a:t>
+            </a:r>
+            <a:r>
+              <a:rPr lang="en-US" dirty="0" smtClean="0"/>
+              <a:t>]</a:t>
+            </a:r>
+          </a:p>
+          <a:p>
+            <a:r>
+              <a:rPr lang="en-US" dirty="0" smtClean="0"/>
+              <a:t>}</a:t>
+            </a:r>
+            <a:endParaRPr lang="ru-RU" dirty="0"/>
+          </a:p>
+        </p:txBody>
+      </p:sp>
+      <p:grpSp>
+        <p:nvGrpSpPr>
+          <p:cNvPr id="7" name="Группа 6"/>
+          <p:cNvGrpSpPr/>
+          <p:nvPr/>
+        </p:nvGrpSpPr>
+        <p:grpSpPr>
+          <a:xfrm rot="10800000">
+            <a:off x="441959" y="1237845"/>
+            <a:ext cx="472442" cy="5355313"/>
+            <a:chOff x="441958" y="2468596"/>
+            <a:chExt cx="472442" cy="3791997"/>
+          </a:xfrm>
+        </p:grpSpPr>
+        <p:sp>
+          <p:nvSpPr>
+            <p:cNvPr id="8" name="Двойная волна 7"/>
+            <p:cNvSpPr/>
+            <p:nvPr/>
+          </p:nvSpPr>
+          <p:spPr>
+            <a:xfrm>
+              <a:off x="441958" y="5492497"/>
+              <a:ext cx="472442" cy="768096"/>
+            </a:xfrm>
+            <a:prstGeom prst="doubleWave">
+              <a:avLst/>
+            </a:prstGeom>
+          </p:spPr>
+          <p:style>
+            <a:lnRef idx="2">
+              <a:schemeClr val="accent1">
+                <a:shade val="50000"/>
+              </a:schemeClr>
+            </a:lnRef>
+            <a:fillRef idx="1">
+              <a:schemeClr val="accent1"/>
+            </a:fillRef>
+            <a:effectRef idx="0">
+              <a:schemeClr val="accent1"/>
+            </a:effectRef>
+            <a:fontRef idx="minor">
+              <a:schemeClr val="lt1"/>
+            </a:fontRef>
+          </p:style>
+          <p:txBody>
+            <a:bodyPr rtlCol="0" anchor="ctr"/>
+            <a:lstStyle/>
+            <a:p>
+              <a:pPr algn="ctr"/>
+              <a:endParaRPr lang="ru-RU"/>
+            </a:p>
+          </p:txBody>
+        </p:sp>
+        <p:sp>
+          <p:nvSpPr>
+            <p:cNvPr id="9" name="Прямоугольник 7"/>
+            <p:cNvSpPr/>
+            <p:nvPr/>
+          </p:nvSpPr>
+          <p:spPr>
+            <a:xfrm>
+              <a:off x="441959" y="2468596"/>
+              <a:ext cx="472440" cy="3438428"/>
+            </a:xfrm>
+            <a:custGeom>
+              <a:avLst/>
+              <a:gdLst>
+                <a:gd name="connsiteX0" fmla="*/ 0 w 472440"/>
+                <a:gd name="connsiteY0" fmla="*/ 0 h 3438428"/>
+                <a:gd name="connsiteX1" fmla="*/ 472440 w 472440"/>
+                <a:gd name="connsiteY1" fmla="*/ 0 h 3438428"/>
+                <a:gd name="connsiteX2" fmla="*/ 472440 w 472440"/>
+                <a:gd name="connsiteY2" fmla="*/ 3438428 h 3438428"/>
+                <a:gd name="connsiteX3" fmla="*/ 0 w 472440"/>
+                <a:gd name="connsiteY3" fmla="*/ 3438428 h 3438428"/>
+                <a:gd name="connsiteX4" fmla="*/ 0 w 472440"/>
+                <a:gd name="connsiteY4" fmla="*/ 0 h 3438428"/>
+                <a:gd name="connsiteX0" fmla="*/ 0 w 472440"/>
+                <a:gd name="connsiteY0" fmla="*/ 3438428 h 3529868"/>
+                <a:gd name="connsiteX1" fmla="*/ 0 w 472440"/>
+                <a:gd name="connsiteY1" fmla="*/ 0 h 3529868"/>
+                <a:gd name="connsiteX2" fmla="*/ 472440 w 472440"/>
+                <a:gd name="connsiteY2" fmla="*/ 0 h 3529868"/>
+                <a:gd name="connsiteX3" fmla="*/ 472440 w 472440"/>
+                <a:gd name="connsiteY3" fmla="*/ 3438428 h 3529868"/>
+                <a:gd name="connsiteX4" fmla="*/ 91440 w 472440"/>
+                <a:gd name="connsiteY4" fmla="*/ 3529868 h 3529868"/>
+                <a:gd name="connsiteX0" fmla="*/ 0 w 472440"/>
+                <a:gd name="connsiteY0" fmla="*/ 3438428 h 3438428"/>
+                <a:gd name="connsiteX1" fmla="*/ 0 w 472440"/>
+                <a:gd name="connsiteY1" fmla="*/ 0 h 3438428"/>
+                <a:gd name="connsiteX2" fmla="*/ 472440 w 472440"/>
+                <a:gd name="connsiteY2" fmla="*/ 0 h 3438428"/>
+                <a:gd name="connsiteX3" fmla="*/ 472440 w 472440"/>
+                <a:gd name="connsiteY3" fmla="*/ 3438428 h 3438428"/>
+              </a:gdLst>
+              <a:ahLst/>
+              <a:cxnLst>
+                <a:cxn ang="0">
+                  <a:pos x="connsiteX0" y="connsiteY0"/>
+                </a:cxn>
+                <a:cxn ang="0">
+                  <a:pos x="connsiteX1" y="connsiteY1"/>
+                </a:cxn>
+                <a:cxn ang="0">
+                  <a:pos x="connsiteX2" y="connsiteY2"/>
+                </a:cxn>
+                <a:cxn ang="0">
+                  <a:pos x="connsiteX3" y="connsiteY3"/>
+                </a:cxn>
+              </a:cxnLst>
+              <a:rect l="l" t="t" r="r" b="b"/>
+              <a:pathLst>
+                <a:path w="472440" h="3438428">
+                  <a:moveTo>
+                    <a:pt x="0" y="3438428"/>
+                  </a:moveTo>
+                  <a:lnTo>
+                    <a:pt x="0" y="0"/>
+                  </a:lnTo>
+                  <a:lnTo>
+                    <a:pt x="472440" y="0"/>
+                  </a:lnTo>
+                  <a:lnTo>
+                    <a:pt x="472440" y="3438428"/>
+                  </a:lnTo>
+                </a:path>
+              </a:pathLst>
+            </a:custGeom>
+          </p:spPr>
+          <p:style>
+            <a:lnRef idx="2">
+              <a:schemeClr val="accent1">
+                <a:shade val="50000"/>
+              </a:schemeClr>
+            </a:lnRef>
+            <a:fillRef idx="1">
+              <a:schemeClr val="accent1"/>
+            </a:fillRef>
+            <a:effectRef idx="0">
+              <a:schemeClr val="accent1"/>
+            </a:effectRef>
+            <a:fontRef idx="minor">
+              <a:schemeClr val="lt1"/>
+            </a:fontRef>
+          </p:style>
+          <p:txBody>
+            <a:bodyPr vert="vert" rtlCol="0" anchor="ctr"/>
+            <a:lstStyle/>
+            <a:p>
+              <a:pPr algn="ctr"/>
+              <a:r>
+                <a:rPr lang="ru-RU" sz="3200" b="1" dirty="0" smtClean="0"/>
+                <a:t>ОТВЕТ</a:t>
+              </a:r>
+              <a:endParaRPr lang="ru-RU" sz="3200" b="1" dirty="0"/>
+            </a:p>
+          </p:txBody>
+        </p:sp>
+      </p:grpSp>
+      <p:sp>
+        <p:nvSpPr>
+          <p:cNvPr id="11" name="Прямоугольник 10"/>
+          <p:cNvSpPr/>
+          <p:nvPr/>
+        </p:nvSpPr>
+        <p:spPr>
+          <a:xfrm>
+            <a:off x="1386842" y="2367280"/>
+            <a:ext cx="9565637" cy="863600"/>
+          </a:xfrm>
+          <a:prstGeom prst="rect">
+            <a:avLst/>
+          </a:prstGeom>
+          <a:noFill/>
+          <a:ln w="19050">
+            <a:solidFill>
+              <a:schemeClr val="accent2"/>
+            </a:solidFill>
+          </a:ln>
+        </p:spPr>
+        <p:style>
+          <a:lnRef idx="2">
+            <a:schemeClr val="accent1">
+              <a:shade val="50000"/>
+            </a:schemeClr>
+          </a:lnRef>
+          <a:fillRef idx="1">
+            <a:schemeClr val="accent1"/>
+          </a:fillRef>
+          <a:effectRef idx="0">
+            <a:schemeClr val="accent1"/>
+          </a:effectRef>
+          <a:fontRef idx="minor">
+            <a:schemeClr val="lt1"/>
+          </a:fontRef>
+        </p:style>
+        <p:txBody>
+          <a:bodyPr rtlCol="0" anchor="ctr"/>
+          <a:lstStyle/>
+          <a:p>
+            <a:pPr algn="ctr"/>
+            <a:endParaRPr lang="ru-RU"/>
+          </a:p>
+        </p:txBody>
+      </p:sp>
+      <p:sp>
+        <p:nvSpPr>
+          <p:cNvPr id="12" name="Прямоугольник 11"/>
+          <p:cNvSpPr/>
+          <p:nvPr/>
+        </p:nvSpPr>
+        <p:spPr>
+          <a:xfrm>
+            <a:off x="1579883" y="4033520"/>
+            <a:ext cx="6070598" cy="548640"/>
+          </a:xfrm>
+          <a:prstGeom prst="rect">
+            <a:avLst/>
+          </a:prstGeom>
+          <a:noFill/>
+          <a:ln w="19050">
+            <a:solidFill>
+              <a:schemeClr val="accent2"/>
+            </a:solidFill>
+          </a:ln>
+        </p:spPr>
+        <p:style>
+          <a:lnRef idx="2">
+            <a:schemeClr val="accent1">
+              <a:shade val="50000"/>
+            </a:schemeClr>
+          </a:lnRef>
+          <a:fillRef idx="1">
+            <a:schemeClr val="accent1"/>
+          </a:fillRef>
+          <a:effectRef idx="0">
+            <a:schemeClr val="accent1"/>
+          </a:effectRef>
+          <a:fontRef idx="minor">
+            <a:schemeClr val="lt1"/>
+          </a:fontRef>
+        </p:style>
+        <p:txBody>
+          <a:bodyPr rtlCol="0" anchor="ctr"/>
+          <a:lstStyle/>
+          <a:p>
+            <a:pPr algn="ctr"/>
+            <a:endParaRPr lang="ru-RU"/>
+          </a:p>
+        </p:txBody>
+      </p:sp>
+      <p:grpSp>
+        <p:nvGrpSpPr>
+          <p:cNvPr id="14" name="Группа 13"/>
+          <p:cNvGrpSpPr/>
+          <p:nvPr/>
+        </p:nvGrpSpPr>
+        <p:grpSpPr>
+          <a:xfrm>
+            <a:off x="6196804" y="3626261"/>
+            <a:ext cx="1717836" cy="471825"/>
+            <a:chOff x="7832745" y="4113014"/>
+            <a:chExt cx="1717836" cy="471825"/>
+          </a:xfrm>
+        </p:grpSpPr>
+        <p:sp>
+          <p:nvSpPr>
+            <p:cNvPr id="13" name="TextBox 12"/>
+            <p:cNvSpPr txBox="1"/>
+            <p:nvPr/>
+          </p:nvSpPr>
+          <p:spPr>
+            <a:xfrm>
+              <a:off x="7853065" y="4113014"/>
+              <a:ext cx="1697516" cy="461665"/>
+            </a:xfrm>
+            <a:prstGeom prst="rect">
+              <a:avLst/>
+            </a:prstGeom>
+            <a:noFill/>
+          </p:spPr>
+          <p:txBody>
+            <a:bodyPr wrap="none" rtlCol="0">
+              <a:spAutoFit/>
+            </a:bodyPr>
+            <a:lstStyle/>
+            <a:p>
+              <a:r>
+                <a:rPr lang="en-US" sz="2400" dirty="0" smtClean="0"/>
+                <a:t>&lt;PAYMENT&gt;</a:t>
+              </a:r>
+              <a:endParaRPr lang="ru-RU" sz="2400" dirty="0"/>
+            </a:p>
+          </p:txBody>
+        </p:sp>
+        <p:sp>
+          <p:nvSpPr>
+            <p:cNvPr id="3" name="TextBox 2"/>
+            <p:cNvSpPr txBox="1"/>
+            <p:nvPr/>
+          </p:nvSpPr>
+          <p:spPr>
+            <a:xfrm>
+              <a:off x="7832745" y="4123174"/>
+              <a:ext cx="1697516" cy="461665"/>
+            </a:xfrm>
+            <a:prstGeom prst="rect">
+              <a:avLst/>
+            </a:prstGeom>
+            <a:noFill/>
+          </p:spPr>
+          <p:txBody>
+            <a:bodyPr wrap="none" rtlCol="0">
+              <a:spAutoFit/>
+            </a:bodyPr>
+            <a:lstStyle/>
+            <a:p>
+              <a:r>
+                <a:rPr lang="en-US" sz="2400" dirty="0" smtClean="0">
+                  <a:solidFill>
+                    <a:schemeClr val="accent1"/>
+                  </a:solidFill>
+                </a:rPr>
+                <a:t>&lt;PAYMENT&gt;</a:t>
+              </a:r>
+              <a:endParaRPr lang="ru-RU" sz="2400" dirty="0">
+                <a:solidFill>
+                  <a:schemeClr val="accent1"/>
+                </a:solidFill>
+              </a:endParaRPr>
+            </a:p>
+          </p:txBody>
+        </p:sp>
+      </p:grpSp>
+      <p:grpSp>
+        <p:nvGrpSpPr>
+          <p:cNvPr id="15" name="Группа 14"/>
+          <p:cNvGrpSpPr/>
+          <p:nvPr/>
+        </p:nvGrpSpPr>
+        <p:grpSpPr>
+          <a:xfrm>
+            <a:off x="9234643" y="1956353"/>
+            <a:ext cx="1410444" cy="467849"/>
+            <a:chOff x="7832745" y="4113014"/>
+            <a:chExt cx="1410444" cy="467849"/>
+          </a:xfrm>
+        </p:grpSpPr>
+        <p:sp>
+          <p:nvSpPr>
+            <p:cNvPr id="16" name="TextBox 15"/>
+            <p:cNvSpPr txBox="1"/>
+            <p:nvPr/>
+          </p:nvSpPr>
+          <p:spPr>
+            <a:xfrm>
+              <a:off x="7853065" y="4113014"/>
+              <a:ext cx="1390124" cy="461665"/>
+            </a:xfrm>
+            <a:prstGeom prst="rect">
+              <a:avLst/>
+            </a:prstGeom>
+            <a:noFill/>
+          </p:spPr>
+          <p:txBody>
+            <a:bodyPr wrap="none" rtlCol="0">
+              <a:spAutoFit/>
+            </a:bodyPr>
+            <a:lstStyle/>
+            <a:p>
+              <a:r>
+                <a:rPr lang="en-US" sz="2400" dirty="0" smtClean="0"/>
+                <a:t>&lt;CREDIT&gt;</a:t>
+              </a:r>
+              <a:endParaRPr lang="ru-RU" sz="2400" dirty="0"/>
+            </a:p>
+          </p:txBody>
+        </p:sp>
+        <p:sp>
+          <p:nvSpPr>
+            <p:cNvPr id="17" name="TextBox 16"/>
+            <p:cNvSpPr txBox="1"/>
+            <p:nvPr/>
+          </p:nvSpPr>
+          <p:spPr>
+            <a:xfrm>
+              <a:off x="7832745" y="4119198"/>
+              <a:ext cx="1390124" cy="461665"/>
+            </a:xfrm>
+            <a:prstGeom prst="rect">
+              <a:avLst/>
+            </a:prstGeom>
+            <a:noFill/>
+          </p:spPr>
+          <p:txBody>
+            <a:bodyPr wrap="none" rtlCol="0">
+              <a:spAutoFit/>
+            </a:bodyPr>
+            <a:lstStyle/>
+            <a:p>
+              <a:r>
+                <a:rPr lang="en-US" sz="2400" dirty="0" smtClean="0">
+                  <a:solidFill>
+                    <a:schemeClr val="accent1"/>
+                  </a:solidFill>
+                </a:rPr>
+                <a:t>&lt;CREDIT&gt;</a:t>
+              </a:r>
+              <a:endParaRPr lang="ru-RU" sz="2400" dirty="0">
+                <a:solidFill>
+                  <a:schemeClr val="accent1"/>
+                </a:solidFill>
+              </a:endParaRPr>
+            </a:p>
+          </p:txBody>
+        </p:sp>
+      </p:grpSp>
+      <p:sp>
+        <p:nvSpPr>
+          <p:cNvPr id="18" name="Прямоугольник 17"/>
+          <p:cNvSpPr/>
+          <p:nvPr/>
+        </p:nvSpPr>
+        <p:spPr>
+          <a:xfrm>
+            <a:off x="1178560" y="1838960"/>
+            <a:ext cx="9895840" cy="3840480"/>
+          </a:xfrm>
+          <a:prstGeom prst="rect">
+            <a:avLst/>
+          </a:prstGeom>
+          <a:noFill/>
+          <a:ln w="38100">
+            <a:solidFill>
+              <a:schemeClr val="accent6"/>
+            </a:solidFill>
+          </a:ln>
+        </p:spPr>
+        <p:style>
+          <a:lnRef idx="2">
+            <a:schemeClr val="accent1">
+              <a:shade val="50000"/>
+            </a:schemeClr>
+          </a:lnRef>
+          <a:fillRef idx="1">
+            <a:schemeClr val="accent1"/>
+          </a:fillRef>
+          <a:effectRef idx="0">
+            <a:schemeClr val="accent1"/>
+          </a:effectRef>
+          <a:fontRef idx="minor">
+            <a:schemeClr val="lt1"/>
+          </a:fontRef>
+        </p:style>
+        <p:txBody>
+          <a:bodyPr rtlCol="0" anchor="ctr"/>
+          <a:lstStyle/>
+          <a:p>
+            <a:pPr algn="ctr"/>
+            <a:endParaRPr lang="ru-RU"/>
+          </a:p>
+        </p:txBody>
+      </p:sp>
+      <p:grpSp>
+        <p:nvGrpSpPr>
+          <p:cNvPr id="19" name="Группа 18"/>
+          <p:cNvGrpSpPr/>
+          <p:nvPr/>
+        </p:nvGrpSpPr>
+        <p:grpSpPr>
+          <a:xfrm>
+            <a:off x="7455816" y="1382375"/>
+            <a:ext cx="3618584" cy="490671"/>
+            <a:chOff x="5624605" y="4104892"/>
+            <a:chExt cx="3618584" cy="490671"/>
+          </a:xfrm>
+        </p:grpSpPr>
+        <p:sp>
+          <p:nvSpPr>
+            <p:cNvPr id="20" name="TextBox 19"/>
+            <p:cNvSpPr txBox="1"/>
+            <p:nvPr/>
+          </p:nvSpPr>
+          <p:spPr>
+            <a:xfrm>
+              <a:off x="5634765" y="4104892"/>
+              <a:ext cx="3608424" cy="461665"/>
+            </a:xfrm>
+            <a:prstGeom prst="rect">
+              <a:avLst/>
+            </a:prstGeom>
+            <a:noFill/>
+          </p:spPr>
+          <p:txBody>
+            <a:bodyPr wrap="none" rtlCol="0">
+              <a:spAutoFit/>
+            </a:bodyPr>
+            <a:lstStyle/>
+            <a:p>
+              <a:r>
+                <a:rPr lang="en-US" sz="2400" dirty="0" smtClean="0"/>
+                <a:t>&lt;CREDIT_AND_PAYMENTS&gt;</a:t>
+              </a:r>
+              <a:endParaRPr lang="ru-RU" sz="2400" dirty="0"/>
+            </a:p>
+          </p:txBody>
+        </p:sp>
+        <p:sp>
+          <p:nvSpPr>
+            <p:cNvPr id="21" name="TextBox 20"/>
+            <p:cNvSpPr txBox="1"/>
+            <p:nvPr/>
+          </p:nvSpPr>
+          <p:spPr>
+            <a:xfrm>
+              <a:off x="5624605" y="4133898"/>
+              <a:ext cx="3608424" cy="461665"/>
+            </a:xfrm>
+            <a:prstGeom prst="rect">
+              <a:avLst/>
+            </a:prstGeom>
+            <a:noFill/>
+          </p:spPr>
+          <p:txBody>
+            <a:bodyPr wrap="none" rtlCol="0">
+              <a:spAutoFit/>
+            </a:bodyPr>
+            <a:lstStyle/>
+            <a:p>
+              <a:r>
+                <a:rPr lang="en-US" sz="2400" dirty="0" smtClean="0">
+                  <a:solidFill>
+                    <a:schemeClr val="accent1"/>
+                  </a:solidFill>
+                </a:rPr>
+                <a:t>&lt;CREDIT_AND_PAYMENTS&gt;</a:t>
+              </a:r>
+              <a:endParaRPr lang="ru-RU" sz="2400" dirty="0">
+                <a:solidFill>
+                  <a:schemeClr val="accent1"/>
+                </a:solidFill>
+              </a:endParaRPr>
+            </a:p>
+          </p:txBody>
+        </p:sp>
+      </p:grpSp>
+    </p:spTree>
+    <p:extLst>
+      <p:ext uri="{BB962C8B-B14F-4D97-AF65-F5344CB8AC3E}">
+        <p14:creationId xmlns:p14="http://schemas.microsoft.com/office/powerpoint/2010/main" val="1654642386"/>
+      </p:ext>
+    </p:extLst>
+  </p:cSld>
+  <p:clrMapOvr>
+    <a:masterClrMapping/>
+  </p:clrMapOvr>
+  <mc:AlternateContent xmlns:mc="http://schemas.openxmlformats.org/markup-compatibility/2006" xmlns:p14="http://schemas.microsoft.com/office/powerpoint/2010/main">
+    <mc:Choice Requires="p14">
+      <p:transition spd="slow" p14:dur="2000"/>
+    </mc:Choice>
+    <mc:Fallback xmlns="">
+      <p:transition spd="slow"/>
+    </mc:Fallback>
+  </mc:AlternateContent>
+  <p:timing>
+    <p:tnLst>
+      <p:par>
+        <p:cTn id="1" dur="indefinite" restart="never" nodeType="tmRoot"/>
+      </p:par>
+    </p:tnLst>
+  </p:timing>
+</p:sld>
+</file>
+
+<file path=ppt/slides/slide15.xml><?xml version="1.0" encoding="utf-8"?>
+<p:sld xmlns:a="http://schemas.openxmlformats.org/drawingml/2006/main" xmlns:r="http://schemas.openxmlformats.org/officeDocument/2006/relationships" xmlns:p="http://schemas.openxmlformats.org/presentationml/2006/main">
+  <p:cSld>
+    <p:spTree>
+      <p:nvGrpSpPr>
+        <p:cNvPr id="1" name=""/>
+        <p:cNvGrpSpPr/>
+        <p:nvPr/>
+      </p:nvGrpSpPr>
+      <p:grpSpPr>
+        <a:xfrm>
+          <a:off x="0" y="0"/>
+          <a:ext cx="0" cy="0"/>
+          <a:chOff x="0" y="0"/>
+          <a:chExt cx="0" cy="0"/>
+        </a:xfrm>
+      </p:grpSpPr>
+      <p:sp>
+        <p:nvSpPr>
+          <p:cNvPr id="10" name="TextBox 9"/>
+          <p:cNvSpPr txBox="1"/>
+          <p:nvPr/>
+        </p:nvSpPr>
+        <p:spPr>
+          <a:xfrm>
+            <a:off x="914401" y="151900"/>
+            <a:ext cx="10363199" cy="1015663"/>
+          </a:xfrm>
+          <a:prstGeom prst="rect">
+            <a:avLst/>
+          </a:prstGeom>
+          <a:noFill/>
+        </p:spPr>
+        <p:txBody>
+          <a:bodyPr wrap="square" rtlCol="0" anchor="ctr">
+            <a:spAutoFit/>
+          </a:bodyPr>
+          <a:lstStyle/>
+          <a:p>
+            <a:pPr algn="ctr"/>
+            <a:r>
+              <a:rPr lang="ru-RU" sz="6000" b="1" dirty="0" smtClean="0"/>
+              <a:t>Тестирование</a:t>
+            </a:r>
+            <a:endParaRPr lang="ru-RU" sz="6000" b="1" dirty="0" smtClean="0"/>
+          </a:p>
+        </p:txBody>
+      </p:sp>
+      <p:sp>
+        <p:nvSpPr>
+          <p:cNvPr id="2" name="TextBox 1"/>
+          <p:cNvSpPr txBox="1"/>
+          <p:nvPr/>
+        </p:nvSpPr>
+        <p:spPr>
+          <a:xfrm>
+            <a:off x="914401" y="1167563"/>
+            <a:ext cx="3613938" cy="369332"/>
+          </a:xfrm>
+          <a:prstGeom prst="rect">
+            <a:avLst/>
+          </a:prstGeom>
+          <a:noFill/>
+        </p:spPr>
+        <p:txBody>
+          <a:bodyPr wrap="none" rtlCol="0">
+            <a:spAutoFit/>
+          </a:bodyPr>
+          <a:lstStyle/>
+          <a:p>
+            <a:r>
+              <a:rPr lang="ru-RU" dirty="0" smtClean="0"/>
+              <a:t>Пустой </a:t>
+            </a:r>
+            <a:r>
+              <a:rPr lang="ru-RU" dirty="0"/>
+              <a:t>з</a:t>
+            </a:r>
+            <a:r>
+              <a:rPr lang="ru-RU" dirty="0" smtClean="0"/>
+              <a:t>апрос к главному серверу:</a:t>
+            </a:r>
+            <a:endParaRPr lang="ru-RU" dirty="0"/>
+          </a:p>
+        </p:txBody>
+      </p:sp>
+      <p:sp>
+        <p:nvSpPr>
+          <p:cNvPr id="4" name="Прямоугольник 3"/>
+          <p:cNvSpPr/>
+          <p:nvPr/>
+        </p:nvSpPr>
+        <p:spPr>
+          <a:xfrm>
+            <a:off x="914401" y="1536895"/>
+            <a:ext cx="6096000" cy="369332"/>
+          </a:xfrm>
+          <a:prstGeom prst="rect">
+            <a:avLst/>
+          </a:prstGeom>
+        </p:spPr>
+        <p:txBody>
+          <a:bodyPr>
+            <a:spAutoFit/>
+          </a:bodyPr>
+          <a:lstStyle/>
+          <a:p>
+            <a:r>
+              <a:rPr lang="ru-RU" dirty="0"/>
+              <a:t>GET http</a:t>
+            </a:r>
+            <a:r>
+              <a:rPr lang="ru-RU" dirty="0" smtClean="0"/>
+              <a:t>://</a:t>
+            </a:r>
+            <a:r>
+              <a:rPr lang="en-US" dirty="0" smtClean="0"/>
+              <a:t>hostname</a:t>
+            </a:r>
+            <a:r>
+              <a:rPr lang="ru-RU" dirty="0" smtClean="0"/>
+              <a:t>:</a:t>
+            </a:r>
+            <a:r>
+              <a:rPr lang="en-US" dirty="0" smtClean="0"/>
+              <a:t>port</a:t>
+            </a:r>
+            <a:r>
+              <a:rPr lang="ru-RU" dirty="0" smtClean="0"/>
+              <a:t>/</a:t>
+            </a:r>
+            <a:r>
+              <a:rPr lang="ru-RU" dirty="0" err="1" smtClean="0"/>
+              <a:t>main</a:t>
+            </a:r>
+            <a:endParaRPr lang="ru-RU" dirty="0"/>
+          </a:p>
+        </p:txBody>
+      </p:sp>
+      <p:sp>
+        <p:nvSpPr>
+          <p:cNvPr id="5" name="TextBox 4"/>
+          <p:cNvSpPr txBox="1"/>
+          <p:nvPr/>
+        </p:nvSpPr>
+        <p:spPr>
+          <a:xfrm>
+            <a:off x="914401" y="1906227"/>
+            <a:ext cx="5312095" cy="369332"/>
+          </a:xfrm>
+          <a:prstGeom prst="rect">
+            <a:avLst/>
+          </a:prstGeom>
+          <a:noFill/>
+        </p:spPr>
+        <p:txBody>
+          <a:bodyPr wrap="none" rtlCol="0">
+            <a:spAutoFit/>
+          </a:bodyPr>
+          <a:lstStyle/>
+          <a:p>
             <a:r>
               <a:rPr lang="ru-RU" b="1" dirty="0" smtClean="0"/>
-              <a:t>Удалённый сервер</a:t>
-            </a:r>
-          </a:p>
-          <a:p>
-            <a:pPr marL="285750" indent="-285750">
-              <a:buFont typeface="Arial" panose="020B0604020202020204" pitchFamily="34" charset="0"/>
-              <a:buChar char="•"/>
-            </a:pPr>
+              <a:t>Ответ</a:t>
+            </a:r>
+            <a:r>
+              <a:rPr lang="ru-RU" dirty="0" smtClean="0"/>
+              <a:t>: ошибка, не передали контрольное значение.</a:t>
+            </a:r>
+            <a:endParaRPr lang="ru-RU" dirty="0"/>
+          </a:p>
+        </p:txBody>
+      </p:sp>
+      <p:sp>
+        <p:nvSpPr>
+          <p:cNvPr id="6" name="Прямоугольник 5"/>
+          <p:cNvSpPr/>
+          <p:nvPr/>
+        </p:nvSpPr>
+        <p:spPr>
+          <a:xfrm>
+            <a:off x="914400" y="2191597"/>
+            <a:ext cx="10363199" cy="1477328"/>
+          </a:xfrm>
+          <a:prstGeom prst="rect">
+            <a:avLst/>
+          </a:prstGeom>
+        </p:spPr>
+        <p:txBody>
+          <a:bodyPr wrap="square">
+            <a:spAutoFit/>
+          </a:bodyPr>
+          <a:lstStyle/>
+          <a:p>
+            <a:r>
+              <a:rPr lang="ru-RU" dirty="0"/>
+              <a:t>{</a:t>
+            </a:r>
+          </a:p>
+          <a:p>
+            <a:r>
+              <a:rPr lang="ru-RU" dirty="0"/>
+              <a:t>  "</a:t>
+            </a:r>
+            <a:r>
+              <a:rPr lang="ru-RU" dirty="0" err="1"/>
+              <a:t>error</a:t>
+            </a:r>
+            <a:r>
+              <a:rPr lang="ru-RU" dirty="0"/>
+              <a:t>": 403</a:t>
+            </a:r>
+            <a:r>
+              <a:rPr lang="ru-RU" dirty="0" smtClean="0"/>
+              <a:t>,  </a:t>
+            </a:r>
             <a:r>
               <a:rPr lang="en-US" dirty="0" smtClean="0"/>
-              <a:t>Ryzen 5 3600</a:t>
-            </a:r>
-          </a:p>
-          <a:p>
-            <a:pPr marL="285750" indent="-285750">
-              <a:buFont typeface="Arial" panose="020B0604020202020204" pitchFamily="34" charset="0"/>
-              <a:buChar char="•"/>
-            </a:pPr>
+              <a:t>// </a:t>
+            </a:r>
             <a:r>
               <a:rPr lang="ru-RU" dirty="0" smtClean="0"/>
-              <a:t>БД и сервисы расположены на одном сервере</a:t>
-            </a:r>
+              <a:t>Отказано в доступе</a:t>
+            </a:r>
+            <a:endParaRPr lang="ru-RU" dirty="0"/>
+          </a:p>
+          <a:p>
+            <a:r>
+              <a:rPr lang="ru-RU" dirty="0"/>
+              <a:t>  "</a:t>
+            </a:r>
+            <a:r>
+              <a:rPr lang="ru-RU" dirty="0" err="1"/>
+              <a:t>message</a:t>
+            </a:r>
+            <a:r>
+              <a:rPr lang="ru-RU" dirty="0"/>
+              <a:t>": "Передано неверное контрольное значение: </a:t>
+            </a:r>
+            <a:r>
+              <a:rPr lang="ru-RU" dirty="0" err="1" smtClean="0"/>
+              <a:t>null</a:t>
+            </a:r>
+            <a:r>
+              <a:rPr lang="ru-RU" dirty="0" smtClean="0"/>
+              <a:t>.</a:t>
+            </a:r>
+            <a:br>
+              <a:rPr lang="ru-RU" dirty="0" smtClean="0"/>
+            </a:br>
+            <a:r>
+              <a:rPr lang="ru-RU" dirty="0" smtClean="0"/>
+              <a:t>                         Проверьте </a:t>
+            </a:r>
+            <a:r>
+              <a:rPr lang="ru-RU" dirty="0"/>
+              <a:t>правильность данных и повторите запрос."</a:t>
+            </a:r>
+          </a:p>
+          <a:p>
+            <a:r>
+              <a:rPr lang="ru-RU" dirty="0"/>
+              <a:t>}</a:t>
+            </a:r>
+          </a:p>
+        </p:txBody>
+      </p:sp>
+      <p:sp>
+        <p:nvSpPr>
+          <p:cNvPr id="9" name="TextBox 8"/>
+          <p:cNvSpPr txBox="1"/>
+          <p:nvPr/>
+        </p:nvSpPr>
+        <p:spPr>
+          <a:xfrm>
+            <a:off x="914401" y="3584963"/>
+            <a:ext cx="5560946" cy="369332"/>
+          </a:xfrm>
+          <a:prstGeom prst="rect">
+            <a:avLst/>
+          </a:prstGeom>
+          <a:noFill/>
+        </p:spPr>
+        <p:txBody>
+          <a:bodyPr wrap="none" rtlCol="0">
+            <a:spAutoFit/>
+          </a:bodyPr>
+          <a:lstStyle/>
+          <a:p>
+            <a:r>
+              <a:rPr lang="ru-RU" dirty="0"/>
+              <a:t>З</a:t>
+            </a:r>
+            <a:r>
+              <a:rPr lang="ru-RU" dirty="0" smtClean="0"/>
+              <a:t>апрос к главному серверу с контрольным значением:</a:t>
+            </a:r>
+            <a:endParaRPr lang="ru-RU" dirty="0"/>
+          </a:p>
+        </p:txBody>
+      </p:sp>
+      <p:sp>
+        <p:nvSpPr>
+          <p:cNvPr id="11" name="Прямоугольник 10"/>
+          <p:cNvSpPr/>
+          <p:nvPr/>
+        </p:nvSpPr>
+        <p:spPr>
+          <a:xfrm>
+            <a:off x="914400" y="3954295"/>
+            <a:ext cx="9982199" cy="369332"/>
+          </a:xfrm>
+          <a:prstGeom prst="rect">
+            <a:avLst/>
+          </a:prstGeom>
+        </p:spPr>
+        <p:txBody>
+          <a:bodyPr wrap="square">
+            <a:spAutoFit/>
+          </a:bodyPr>
+          <a:lstStyle/>
+          <a:p>
+            <a:r>
+              <a:rPr lang="ru-RU" dirty="0"/>
+              <a:t>GET http://</a:t>
+            </a:r>
+            <a:r>
+              <a:rPr lang="en-US" dirty="0"/>
+              <a:t>hostname</a:t>
+            </a:r>
+            <a:r>
+              <a:rPr lang="ru-RU" dirty="0"/>
+              <a:t>:</a:t>
+            </a:r>
+            <a:r>
+              <a:rPr lang="en-US" dirty="0"/>
+              <a:t>port</a:t>
+            </a:r>
+            <a:r>
+              <a:rPr lang="ru-RU" dirty="0" smtClean="0"/>
+              <a:t>/</a:t>
+            </a:r>
+            <a:r>
+              <a:rPr lang="ru-RU" dirty="0" err="1" smtClean="0"/>
+              <a:t>main</a:t>
+            </a:r>
+            <a:r>
+              <a:rPr lang="en-US" dirty="0" smtClean="0"/>
+              <a:t>?</a:t>
+            </a:r>
+            <a:r>
+              <a:rPr lang="en-US" b="1" dirty="0" err="1" smtClean="0"/>
+              <a:t>controlValue</a:t>
+            </a:r>
+            <a:r>
+              <a:rPr lang="en-US" dirty="0" smtClean="0"/>
+              <a:t>=&lt;</a:t>
+            </a:r>
+            <a:r>
+              <a:rPr lang="ru-RU" i="1" dirty="0" smtClean="0"/>
+              <a:t>КОНТРОЛЬНОЕ_ЗНАЧЕНИЕ</a:t>
+            </a:r>
+            <a:r>
+              <a:rPr lang="en-US" dirty="0" smtClean="0"/>
+              <a:t>&gt;</a:t>
+            </a:r>
+            <a:endParaRPr lang="ru-RU" dirty="0"/>
+          </a:p>
+        </p:txBody>
+      </p:sp>
+      <p:sp>
+        <p:nvSpPr>
+          <p:cNvPr id="12" name="TextBox 11"/>
+          <p:cNvSpPr txBox="1"/>
+          <p:nvPr/>
+        </p:nvSpPr>
+        <p:spPr>
+          <a:xfrm>
+            <a:off x="914401" y="4323627"/>
+            <a:ext cx="5312095" cy="369332"/>
+          </a:xfrm>
+          <a:prstGeom prst="rect">
+            <a:avLst/>
+          </a:prstGeom>
+          <a:noFill/>
+        </p:spPr>
+        <p:txBody>
+          <a:bodyPr wrap="none" rtlCol="0">
+            <a:spAutoFit/>
+          </a:bodyPr>
+          <a:lstStyle/>
+          <a:p>
+            <a:r>
+              <a:rPr lang="ru-RU" b="1" dirty="0" smtClean="0"/>
+              <a:t>Ответ</a:t>
+            </a:r>
+            <a:r>
+              <a:rPr lang="ru-RU" dirty="0" smtClean="0"/>
+              <a:t>: ошибка, не передали контрольное значение.</a:t>
+            </a:r>
+            <a:endParaRPr lang="ru-RU" dirty="0"/>
+          </a:p>
+        </p:txBody>
+      </p:sp>
+      <p:sp>
+        <p:nvSpPr>
+          <p:cNvPr id="13" name="Прямоугольник 12"/>
+          <p:cNvSpPr/>
+          <p:nvPr/>
+        </p:nvSpPr>
+        <p:spPr>
+          <a:xfrm>
+            <a:off x="914400" y="4608997"/>
+            <a:ext cx="9845039" cy="1200329"/>
+          </a:xfrm>
+          <a:prstGeom prst="rect">
+            <a:avLst/>
+          </a:prstGeom>
+        </p:spPr>
+        <p:txBody>
+          <a:bodyPr wrap="square">
+            <a:spAutoFit/>
+          </a:bodyPr>
+          <a:lstStyle/>
+          <a:p>
+            <a:r>
+              <a:rPr lang="ru-RU" dirty="0"/>
+              <a:t>{</a:t>
+            </a:r>
+          </a:p>
+          <a:p>
+            <a:r>
+              <a:rPr lang="ru-RU" dirty="0"/>
+              <a:t>  "</a:t>
+            </a:r>
+            <a:r>
+              <a:rPr lang="ru-RU" dirty="0" err="1"/>
+              <a:t>error</a:t>
+            </a:r>
+            <a:r>
+              <a:rPr lang="ru-RU" dirty="0"/>
+              <a:t>": 400</a:t>
+            </a:r>
+            <a:r>
+              <a:rPr lang="ru-RU" dirty="0" smtClean="0"/>
+              <a:t>,  </a:t>
+            </a:r>
+            <a:r>
+              <a:rPr lang="en-US" dirty="0" smtClean="0"/>
+              <a:t>// </a:t>
+            </a:r>
+            <a:r>
+              <a:rPr lang="ru-RU" dirty="0" smtClean="0"/>
+              <a:t>Ошибка в запросе</a:t>
+            </a:r>
+            <a:endParaRPr lang="ru-RU" dirty="0"/>
+          </a:p>
+          <a:p>
+            <a:r>
+              <a:rPr lang="ru-RU" dirty="0"/>
+              <a:t>  "</a:t>
+            </a:r>
+            <a:r>
+              <a:rPr lang="ru-RU" dirty="0" err="1"/>
+              <a:t>message</a:t>
+            </a:r>
+            <a:r>
+              <a:rPr lang="ru-RU" dirty="0"/>
+              <a:t>": "Не указано ФИО или одно из значений, уточняющих поиск пользователя."</a:t>
+            </a:r>
+          </a:p>
+          <a:p>
+            <a:r>
+              <a:rPr lang="ru-RU" dirty="0"/>
+              <a:t>}</a:t>
+            </a:r>
+          </a:p>
+        </p:txBody>
+      </p:sp>
+      <p:sp>
+        <p:nvSpPr>
+          <p:cNvPr id="15" name="Двойная стрелка влево/вправо 5"/>
+          <p:cNvSpPr/>
+          <p:nvPr/>
+        </p:nvSpPr>
+        <p:spPr>
+          <a:xfrm rot="16200000" flipH="1">
+            <a:off x="411232" y="1457602"/>
+            <a:ext cx="461653" cy="544683"/>
+          </a:xfrm>
+          <a:custGeom>
+            <a:avLst/>
+            <a:gdLst>
+              <a:gd name="connsiteX0" fmla="*/ 0 w 451412"/>
+              <a:gd name="connsiteY0" fmla="*/ 242316 h 484632"/>
+              <a:gd name="connsiteX1" fmla="*/ 135270 w 451412"/>
+              <a:gd name="connsiteY1" fmla="*/ 0 h 484632"/>
+              <a:gd name="connsiteX2" fmla="*/ 135270 w 451412"/>
+              <a:gd name="connsiteY2" fmla="*/ 90435 h 484632"/>
+              <a:gd name="connsiteX3" fmla="*/ 316142 w 451412"/>
+              <a:gd name="connsiteY3" fmla="*/ 90435 h 484632"/>
+              <a:gd name="connsiteX4" fmla="*/ 316142 w 451412"/>
+              <a:gd name="connsiteY4" fmla="*/ 0 h 484632"/>
+              <a:gd name="connsiteX5" fmla="*/ 451412 w 451412"/>
+              <a:gd name="connsiteY5" fmla="*/ 242316 h 484632"/>
+              <a:gd name="connsiteX6" fmla="*/ 316142 w 451412"/>
+              <a:gd name="connsiteY6" fmla="*/ 484632 h 484632"/>
+              <a:gd name="connsiteX7" fmla="*/ 316142 w 451412"/>
+              <a:gd name="connsiteY7" fmla="*/ 394197 h 484632"/>
+              <a:gd name="connsiteX8" fmla="*/ 135270 w 451412"/>
+              <a:gd name="connsiteY8" fmla="*/ 394197 h 484632"/>
+              <a:gd name="connsiteX9" fmla="*/ 135270 w 451412"/>
+              <a:gd name="connsiteY9" fmla="*/ 484632 h 484632"/>
+              <a:gd name="connsiteX10" fmla="*/ 0 w 451412"/>
+              <a:gd name="connsiteY10" fmla="*/ 242316 h 484632"/>
+              <a:gd name="connsiteX0" fmla="*/ 0 w 451412"/>
+              <a:gd name="connsiteY0" fmla="*/ 242316 h 484632"/>
+              <a:gd name="connsiteX1" fmla="*/ 135270 w 451412"/>
+              <a:gd name="connsiteY1" fmla="*/ 0 h 484632"/>
+              <a:gd name="connsiteX2" fmla="*/ 135270 w 451412"/>
+              <a:gd name="connsiteY2" fmla="*/ 90435 h 484632"/>
+              <a:gd name="connsiteX3" fmla="*/ 316142 w 451412"/>
+              <a:gd name="connsiteY3" fmla="*/ 90435 h 484632"/>
+              <a:gd name="connsiteX4" fmla="*/ 451412 w 451412"/>
+              <a:gd name="connsiteY4" fmla="*/ 242316 h 484632"/>
+              <a:gd name="connsiteX5" fmla="*/ 316142 w 451412"/>
+              <a:gd name="connsiteY5" fmla="*/ 484632 h 484632"/>
+              <a:gd name="connsiteX6" fmla="*/ 316142 w 451412"/>
+              <a:gd name="connsiteY6" fmla="*/ 394197 h 484632"/>
+              <a:gd name="connsiteX7" fmla="*/ 135270 w 451412"/>
+              <a:gd name="connsiteY7" fmla="*/ 394197 h 484632"/>
+              <a:gd name="connsiteX8" fmla="*/ 135270 w 451412"/>
+              <a:gd name="connsiteY8" fmla="*/ 484632 h 484632"/>
+              <a:gd name="connsiteX9" fmla="*/ 0 w 451412"/>
+              <a:gd name="connsiteY9" fmla="*/ 242316 h 484632"/>
+              <a:gd name="connsiteX0" fmla="*/ 0 w 316142"/>
+              <a:gd name="connsiteY0" fmla="*/ 242316 h 484632"/>
+              <a:gd name="connsiteX1" fmla="*/ 135270 w 316142"/>
+              <a:gd name="connsiteY1" fmla="*/ 0 h 484632"/>
+              <a:gd name="connsiteX2" fmla="*/ 135270 w 316142"/>
+              <a:gd name="connsiteY2" fmla="*/ 90435 h 484632"/>
+              <a:gd name="connsiteX3" fmla="*/ 316142 w 316142"/>
+              <a:gd name="connsiteY3" fmla="*/ 90435 h 484632"/>
+              <a:gd name="connsiteX4" fmla="*/ 316142 w 316142"/>
+              <a:gd name="connsiteY4" fmla="*/ 484632 h 484632"/>
+              <a:gd name="connsiteX5" fmla="*/ 316142 w 316142"/>
+              <a:gd name="connsiteY5" fmla="*/ 394197 h 484632"/>
+              <a:gd name="connsiteX6" fmla="*/ 135270 w 316142"/>
+              <a:gd name="connsiteY6" fmla="*/ 394197 h 484632"/>
+              <a:gd name="connsiteX7" fmla="*/ 135270 w 316142"/>
+              <a:gd name="connsiteY7" fmla="*/ 484632 h 484632"/>
+              <a:gd name="connsiteX8" fmla="*/ 0 w 316142"/>
+              <a:gd name="connsiteY8" fmla="*/ 242316 h 484632"/>
+              <a:gd name="connsiteX0" fmla="*/ 0 w 316142"/>
+              <a:gd name="connsiteY0" fmla="*/ 242316 h 484632"/>
+              <a:gd name="connsiteX1" fmla="*/ 135270 w 316142"/>
+              <a:gd name="connsiteY1" fmla="*/ 0 h 484632"/>
+              <a:gd name="connsiteX2" fmla="*/ 135270 w 316142"/>
+              <a:gd name="connsiteY2" fmla="*/ 90435 h 484632"/>
+              <a:gd name="connsiteX3" fmla="*/ 316142 w 316142"/>
+              <a:gd name="connsiteY3" fmla="*/ 90435 h 484632"/>
+              <a:gd name="connsiteX4" fmla="*/ 316142 w 316142"/>
+              <a:gd name="connsiteY4" fmla="*/ 394197 h 484632"/>
+              <a:gd name="connsiteX5" fmla="*/ 135270 w 316142"/>
+              <a:gd name="connsiteY5" fmla="*/ 394197 h 484632"/>
+              <a:gd name="connsiteX6" fmla="*/ 135270 w 316142"/>
+              <a:gd name="connsiteY6" fmla="*/ 484632 h 484632"/>
+              <a:gd name="connsiteX7" fmla="*/ 0 w 316142"/>
+              <a:gd name="connsiteY7" fmla="*/ 242316 h 484632"/>
+              <a:gd name="connsiteX0" fmla="*/ 0 w 316142"/>
+              <a:gd name="connsiteY0" fmla="*/ 242316 h 484632"/>
+              <a:gd name="connsiteX1" fmla="*/ 135270 w 316142"/>
+              <a:gd name="connsiteY1" fmla="*/ 0 h 484632"/>
+              <a:gd name="connsiteX2" fmla="*/ 135270 w 316142"/>
+              <a:gd name="connsiteY2" fmla="*/ 90435 h 484632"/>
+              <a:gd name="connsiteX3" fmla="*/ 316142 w 316142"/>
+              <a:gd name="connsiteY3" fmla="*/ 394197 h 484632"/>
+              <a:gd name="connsiteX4" fmla="*/ 135270 w 316142"/>
+              <a:gd name="connsiteY4" fmla="*/ 394197 h 484632"/>
+              <a:gd name="connsiteX5" fmla="*/ 135270 w 316142"/>
+              <a:gd name="connsiteY5" fmla="*/ 484632 h 484632"/>
+              <a:gd name="connsiteX6" fmla="*/ 0 w 316142"/>
+              <a:gd name="connsiteY6" fmla="*/ 242316 h 484632"/>
+            </a:gdLst>
+            <a:ahLst/>
+            <a:cxnLst>
+              <a:cxn ang="0">
+                <a:pos x="connsiteX0" y="connsiteY0"/>
+              </a:cxn>
+              <a:cxn ang="0">
+                <a:pos x="connsiteX1" y="connsiteY1"/>
+              </a:cxn>
+              <a:cxn ang="0">
+                <a:pos x="connsiteX2" y="connsiteY2"/>
+              </a:cxn>
+              <a:cxn ang="0">
+                <a:pos x="connsiteX3" y="connsiteY3"/>
+              </a:cxn>
+              <a:cxn ang="0">
+                <a:pos x="connsiteX4" y="connsiteY4"/>
+              </a:cxn>
+              <a:cxn ang="0">
+                <a:pos x="connsiteX5" y="connsiteY5"/>
+              </a:cxn>
+              <a:cxn ang="0">
+                <a:pos x="connsiteX6" y="connsiteY6"/>
+              </a:cxn>
+            </a:cxnLst>
+            <a:rect l="l" t="t" r="r" b="b"/>
+            <a:pathLst>
+              <a:path w="316142" h="484632">
+                <a:moveTo>
+                  <a:pt x="0" y="242316"/>
+                </a:moveTo>
+                <a:lnTo>
+                  <a:pt x="135270" y="0"/>
+                </a:lnTo>
+                <a:lnTo>
+                  <a:pt x="135270" y="90435"/>
+                </a:lnTo>
+                <a:lnTo>
+                  <a:pt x="316142" y="394197"/>
+                </a:lnTo>
+                <a:lnTo>
+                  <a:pt x="135270" y="394197"/>
+                </a:lnTo>
+                <a:lnTo>
+                  <a:pt x="135270" y="484632"/>
+                </a:lnTo>
+                <a:lnTo>
+                  <a:pt x="0" y="242316"/>
+                </a:lnTo>
+                <a:close/>
+              </a:path>
+            </a:pathLst>
+          </a:custGeom>
+        </p:spPr>
+        <p:style>
+          <a:lnRef idx="2">
+            <a:schemeClr val="accent2">
+              <a:shade val="50000"/>
+            </a:schemeClr>
+          </a:lnRef>
+          <a:fillRef idx="1">
+            <a:schemeClr val="accent2"/>
+          </a:fillRef>
+          <a:effectRef idx="0">
+            <a:schemeClr val="accent2"/>
+          </a:effectRef>
+          <a:fontRef idx="minor">
+            <a:schemeClr val="lt1"/>
+          </a:fontRef>
+        </p:style>
+        <p:txBody>
+          <a:bodyPr rtlCol="0" anchor="ctr"/>
+          <a:lstStyle/>
+          <a:p>
+            <a:pPr algn="ctr"/>
+            <a:endParaRPr lang="ru-RU"/>
+          </a:p>
+        </p:txBody>
+      </p:sp>
+      <p:sp>
+        <p:nvSpPr>
+          <p:cNvPr id="16" name="Двойная стрелка влево/вправо 5"/>
+          <p:cNvSpPr/>
+          <p:nvPr/>
+        </p:nvSpPr>
+        <p:spPr>
+          <a:xfrm rot="16200000" flipH="1">
+            <a:off x="411232" y="3858236"/>
+            <a:ext cx="461653" cy="544683"/>
+          </a:xfrm>
+          <a:custGeom>
+            <a:avLst/>
+            <a:gdLst>
+              <a:gd name="connsiteX0" fmla="*/ 0 w 451412"/>
+              <a:gd name="connsiteY0" fmla="*/ 242316 h 484632"/>
+              <a:gd name="connsiteX1" fmla="*/ 135270 w 451412"/>
+              <a:gd name="connsiteY1" fmla="*/ 0 h 484632"/>
+              <a:gd name="connsiteX2" fmla="*/ 135270 w 451412"/>
+              <a:gd name="connsiteY2" fmla="*/ 90435 h 484632"/>
+              <a:gd name="connsiteX3" fmla="*/ 316142 w 451412"/>
+              <a:gd name="connsiteY3" fmla="*/ 90435 h 484632"/>
+              <a:gd name="connsiteX4" fmla="*/ 316142 w 451412"/>
+              <a:gd name="connsiteY4" fmla="*/ 0 h 484632"/>
+              <a:gd name="connsiteX5" fmla="*/ 451412 w 451412"/>
+              <a:gd name="connsiteY5" fmla="*/ 242316 h 484632"/>
+              <a:gd name="connsiteX6" fmla="*/ 316142 w 451412"/>
+              <a:gd name="connsiteY6" fmla="*/ 484632 h 484632"/>
+              <a:gd name="connsiteX7" fmla="*/ 316142 w 451412"/>
+              <a:gd name="connsiteY7" fmla="*/ 394197 h 484632"/>
+              <a:gd name="connsiteX8" fmla="*/ 135270 w 451412"/>
+              <a:gd name="connsiteY8" fmla="*/ 394197 h 484632"/>
+              <a:gd name="connsiteX9" fmla="*/ 135270 w 451412"/>
+              <a:gd name="connsiteY9" fmla="*/ 484632 h 484632"/>
+              <a:gd name="connsiteX10" fmla="*/ 0 w 451412"/>
+              <a:gd name="connsiteY10" fmla="*/ 242316 h 484632"/>
+              <a:gd name="connsiteX0" fmla="*/ 0 w 451412"/>
+              <a:gd name="connsiteY0" fmla="*/ 242316 h 484632"/>
+              <a:gd name="connsiteX1" fmla="*/ 135270 w 451412"/>
+              <a:gd name="connsiteY1" fmla="*/ 0 h 484632"/>
+              <a:gd name="connsiteX2" fmla="*/ 135270 w 451412"/>
+              <a:gd name="connsiteY2" fmla="*/ 90435 h 484632"/>
+              <a:gd name="connsiteX3" fmla="*/ 316142 w 451412"/>
+              <a:gd name="connsiteY3" fmla="*/ 90435 h 484632"/>
+              <a:gd name="connsiteX4" fmla="*/ 451412 w 451412"/>
+              <a:gd name="connsiteY4" fmla="*/ 242316 h 484632"/>
+              <a:gd name="connsiteX5" fmla="*/ 316142 w 451412"/>
+              <a:gd name="connsiteY5" fmla="*/ 484632 h 484632"/>
+              <a:gd name="connsiteX6" fmla="*/ 316142 w 451412"/>
+              <a:gd name="connsiteY6" fmla="*/ 394197 h 484632"/>
+              <a:gd name="connsiteX7" fmla="*/ 135270 w 451412"/>
+              <a:gd name="connsiteY7" fmla="*/ 394197 h 484632"/>
+              <a:gd name="connsiteX8" fmla="*/ 135270 w 451412"/>
+              <a:gd name="connsiteY8" fmla="*/ 484632 h 484632"/>
+              <a:gd name="connsiteX9" fmla="*/ 0 w 451412"/>
+              <a:gd name="connsiteY9" fmla="*/ 242316 h 484632"/>
+              <a:gd name="connsiteX0" fmla="*/ 0 w 316142"/>
+              <a:gd name="connsiteY0" fmla="*/ 242316 h 484632"/>
+              <a:gd name="connsiteX1" fmla="*/ 135270 w 316142"/>
+              <a:gd name="connsiteY1" fmla="*/ 0 h 484632"/>
+              <a:gd name="connsiteX2" fmla="*/ 135270 w 316142"/>
+              <a:gd name="connsiteY2" fmla="*/ 90435 h 484632"/>
+              <a:gd name="connsiteX3" fmla="*/ 316142 w 316142"/>
+              <a:gd name="connsiteY3" fmla="*/ 90435 h 484632"/>
+              <a:gd name="connsiteX4" fmla="*/ 316142 w 316142"/>
+              <a:gd name="connsiteY4" fmla="*/ 484632 h 484632"/>
+              <a:gd name="connsiteX5" fmla="*/ 316142 w 316142"/>
+              <a:gd name="connsiteY5" fmla="*/ 394197 h 484632"/>
+              <a:gd name="connsiteX6" fmla="*/ 135270 w 316142"/>
+              <a:gd name="connsiteY6" fmla="*/ 394197 h 484632"/>
+              <a:gd name="connsiteX7" fmla="*/ 135270 w 316142"/>
+              <a:gd name="connsiteY7" fmla="*/ 484632 h 484632"/>
+              <a:gd name="connsiteX8" fmla="*/ 0 w 316142"/>
+              <a:gd name="connsiteY8" fmla="*/ 242316 h 484632"/>
+              <a:gd name="connsiteX0" fmla="*/ 0 w 316142"/>
+              <a:gd name="connsiteY0" fmla="*/ 242316 h 484632"/>
+              <a:gd name="connsiteX1" fmla="*/ 135270 w 316142"/>
+              <a:gd name="connsiteY1" fmla="*/ 0 h 484632"/>
+              <a:gd name="connsiteX2" fmla="*/ 135270 w 316142"/>
+              <a:gd name="connsiteY2" fmla="*/ 90435 h 484632"/>
+              <a:gd name="connsiteX3" fmla="*/ 316142 w 316142"/>
+              <a:gd name="connsiteY3" fmla="*/ 90435 h 484632"/>
+              <a:gd name="connsiteX4" fmla="*/ 316142 w 316142"/>
+              <a:gd name="connsiteY4" fmla="*/ 394197 h 484632"/>
+              <a:gd name="connsiteX5" fmla="*/ 135270 w 316142"/>
+              <a:gd name="connsiteY5" fmla="*/ 394197 h 484632"/>
+              <a:gd name="connsiteX6" fmla="*/ 135270 w 316142"/>
+              <a:gd name="connsiteY6" fmla="*/ 484632 h 484632"/>
+              <a:gd name="connsiteX7" fmla="*/ 0 w 316142"/>
+              <a:gd name="connsiteY7" fmla="*/ 242316 h 484632"/>
+              <a:gd name="connsiteX0" fmla="*/ 0 w 316142"/>
+              <a:gd name="connsiteY0" fmla="*/ 242316 h 484632"/>
+              <a:gd name="connsiteX1" fmla="*/ 135270 w 316142"/>
+              <a:gd name="connsiteY1" fmla="*/ 0 h 484632"/>
+              <a:gd name="connsiteX2" fmla="*/ 135270 w 316142"/>
+              <a:gd name="connsiteY2" fmla="*/ 90435 h 484632"/>
+              <a:gd name="connsiteX3" fmla="*/ 316142 w 316142"/>
+              <a:gd name="connsiteY3" fmla="*/ 394197 h 484632"/>
+              <a:gd name="connsiteX4" fmla="*/ 135270 w 316142"/>
+              <a:gd name="connsiteY4" fmla="*/ 394197 h 484632"/>
+              <a:gd name="connsiteX5" fmla="*/ 135270 w 316142"/>
+              <a:gd name="connsiteY5" fmla="*/ 484632 h 484632"/>
+              <a:gd name="connsiteX6" fmla="*/ 0 w 316142"/>
+              <a:gd name="connsiteY6" fmla="*/ 242316 h 484632"/>
+            </a:gdLst>
+            <a:ahLst/>
+            <a:cxnLst>
+              <a:cxn ang="0">
+                <a:pos x="connsiteX0" y="connsiteY0"/>
+              </a:cxn>
+              <a:cxn ang="0">
+                <a:pos x="connsiteX1" y="connsiteY1"/>
+              </a:cxn>
+              <a:cxn ang="0">
+                <a:pos x="connsiteX2" y="connsiteY2"/>
+              </a:cxn>
+              <a:cxn ang="0">
+                <a:pos x="connsiteX3" y="connsiteY3"/>
+              </a:cxn>
+              <a:cxn ang="0">
+                <a:pos x="connsiteX4" y="connsiteY4"/>
+              </a:cxn>
+              <a:cxn ang="0">
+                <a:pos x="connsiteX5" y="connsiteY5"/>
+              </a:cxn>
+              <a:cxn ang="0">
+                <a:pos x="connsiteX6" y="connsiteY6"/>
+              </a:cxn>
+            </a:cxnLst>
+            <a:rect l="l" t="t" r="r" b="b"/>
+            <a:pathLst>
+              <a:path w="316142" h="484632">
+                <a:moveTo>
+                  <a:pt x="0" y="242316"/>
+                </a:moveTo>
+                <a:lnTo>
+                  <a:pt x="135270" y="0"/>
+                </a:lnTo>
+                <a:lnTo>
+                  <a:pt x="135270" y="90435"/>
+                </a:lnTo>
+                <a:lnTo>
+                  <a:pt x="316142" y="394197"/>
+                </a:lnTo>
+                <a:lnTo>
+                  <a:pt x="135270" y="394197"/>
+                </a:lnTo>
+                <a:lnTo>
+                  <a:pt x="135270" y="484632"/>
+                </a:lnTo>
+                <a:lnTo>
+                  <a:pt x="0" y="242316"/>
+                </a:lnTo>
+                <a:close/>
+              </a:path>
+            </a:pathLst>
+          </a:custGeom>
+        </p:spPr>
+        <p:style>
+          <a:lnRef idx="2">
+            <a:schemeClr val="accent2">
+              <a:shade val="50000"/>
+            </a:schemeClr>
+          </a:lnRef>
+          <a:fillRef idx="1">
+            <a:schemeClr val="accent2"/>
+          </a:fillRef>
+          <a:effectRef idx="0">
+            <a:schemeClr val="accent2"/>
+          </a:effectRef>
+          <a:fontRef idx="minor">
+            <a:schemeClr val="lt1"/>
+          </a:fontRef>
+        </p:style>
+        <p:txBody>
+          <a:bodyPr rtlCol="0" anchor="ctr"/>
+          <a:lstStyle/>
+          <a:p>
+            <a:pPr algn="ctr"/>
+            <a:endParaRPr lang="ru-RU"/>
+          </a:p>
+        </p:txBody>
+      </p:sp>
+      <p:sp>
+        <p:nvSpPr>
+          <p:cNvPr id="17" name="Двойная стрелка влево/вправо 5"/>
+          <p:cNvSpPr/>
+          <p:nvPr/>
+        </p:nvSpPr>
+        <p:spPr>
+          <a:xfrm rot="5400000" flipH="1">
+            <a:off x="411232" y="2150082"/>
+            <a:ext cx="461653" cy="544683"/>
+          </a:xfrm>
+          <a:custGeom>
+            <a:avLst/>
+            <a:gdLst>
+              <a:gd name="connsiteX0" fmla="*/ 0 w 451412"/>
+              <a:gd name="connsiteY0" fmla="*/ 242316 h 484632"/>
+              <a:gd name="connsiteX1" fmla="*/ 135270 w 451412"/>
+              <a:gd name="connsiteY1" fmla="*/ 0 h 484632"/>
+              <a:gd name="connsiteX2" fmla="*/ 135270 w 451412"/>
+              <a:gd name="connsiteY2" fmla="*/ 90435 h 484632"/>
+              <a:gd name="connsiteX3" fmla="*/ 316142 w 451412"/>
+              <a:gd name="connsiteY3" fmla="*/ 90435 h 484632"/>
+              <a:gd name="connsiteX4" fmla="*/ 316142 w 451412"/>
+              <a:gd name="connsiteY4" fmla="*/ 0 h 484632"/>
+              <a:gd name="connsiteX5" fmla="*/ 451412 w 451412"/>
+              <a:gd name="connsiteY5" fmla="*/ 242316 h 484632"/>
+              <a:gd name="connsiteX6" fmla="*/ 316142 w 451412"/>
+              <a:gd name="connsiteY6" fmla="*/ 484632 h 484632"/>
+              <a:gd name="connsiteX7" fmla="*/ 316142 w 451412"/>
+              <a:gd name="connsiteY7" fmla="*/ 394197 h 484632"/>
+              <a:gd name="connsiteX8" fmla="*/ 135270 w 451412"/>
+              <a:gd name="connsiteY8" fmla="*/ 394197 h 484632"/>
+              <a:gd name="connsiteX9" fmla="*/ 135270 w 451412"/>
+              <a:gd name="connsiteY9" fmla="*/ 484632 h 484632"/>
+              <a:gd name="connsiteX10" fmla="*/ 0 w 451412"/>
+              <a:gd name="connsiteY10" fmla="*/ 242316 h 484632"/>
+              <a:gd name="connsiteX0" fmla="*/ 0 w 451412"/>
+              <a:gd name="connsiteY0" fmla="*/ 242316 h 484632"/>
+              <a:gd name="connsiteX1" fmla="*/ 135270 w 451412"/>
+              <a:gd name="connsiteY1" fmla="*/ 0 h 484632"/>
+              <a:gd name="connsiteX2" fmla="*/ 135270 w 451412"/>
+              <a:gd name="connsiteY2" fmla="*/ 90435 h 484632"/>
+              <a:gd name="connsiteX3" fmla="*/ 316142 w 451412"/>
+              <a:gd name="connsiteY3" fmla="*/ 90435 h 484632"/>
+              <a:gd name="connsiteX4" fmla="*/ 451412 w 451412"/>
+              <a:gd name="connsiteY4" fmla="*/ 242316 h 484632"/>
+              <a:gd name="connsiteX5" fmla="*/ 316142 w 451412"/>
+              <a:gd name="connsiteY5" fmla="*/ 484632 h 484632"/>
+              <a:gd name="connsiteX6" fmla="*/ 316142 w 451412"/>
+              <a:gd name="connsiteY6" fmla="*/ 394197 h 484632"/>
+              <a:gd name="connsiteX7" fmla="*/ 135270 w 451412"/>
+              <a:gd name="connsiteY7" fmla="*/ 394197 h 484632"/>
+              <a:gd name="connsiteX8" fmla="*/ 135270 w 451412"/>
+              <a:gd name="connsiteY8" fmla="*/ 484632 h 484632"/>
+              <a:gd name="connsiteX9" fmla="*/ 0 w 451412"/>
+              <a:gd name="connsiteY9" fmla="*/ 242316 h 484632"/>
+              <a:gd name="connsiteX0" fmla="*/ 0 w 316142"/>
+              <a:gd name="connsiteY0" fmla="*/ 242316 h 484632"/>
+              <a:gd name="connsiteX1" fmla="*/ 135270 w 316142"/>
+              <a:gd name="connsiteY1" fmla="*/ 0 h 484632"/>
+              <a:gd name="connsiteX2" fmla="*/ 135270 w 316142"/>
+              <a:gd name="connsiteY2" fmla="*/ 90435 h 484632"/>
+              <a:gd name="connsiteX3" fmla="*/ 316142 w 316142"/>
+              <a:gd name="connsiteY3" fmla="*/ 90435 h 484632"/>
+              <a:gd name="connsiteX4" fmla="*/ 316142 w 316142"/>
+              <a:gd name="connsiteY4" fmla="*/ 484632 h 484632"/>
+              <a:gd name="connsiteX5" fmla="*/ 316142 w 316142"/>
+              <a:gd name="connsiteY5" fmla="*/ 394197 h 484632"/>
+              <a:gd name="connsiteX6" fmla="*/ 135270 w 316142"/>
+              <a:gd name="connsiteY6" fmla="*/ 394197 h 484632"/>
+              <a:gd name="connsiteX7" fmla="*/ 135270 w 316142"/>
+              <a:gd name="connsiteY7" fmla="*/ 484632 h 484632"/>
+              <a:gd name="connsiteX8" fmla="*/ 0 w 316142"/>
+              <a:gd name="connsiteY8" fmla="*/ 242316 h 484632"/>
+              <a:gd name="connsiteX0" fmla="*/ 0 w 316142"/>
+              <a:gd name="connsiteY0" fmla="*/ 242316 h 484632"/>
+              <a:gd name="connsiteX1" fmla="*/ 135270 w 316142"/>
+              <a:gd name="connsiteY1" fmla="*/ 0 h 484632"/>
+              <a:gd name="connsiteX2" fmla="*/ 135270 w 316142"/>
+              <a:gd name="connsiteY2" fmla="*/ 90435 h 484632"/>
+              <a:gd name="connsiteX3" fmla="*/ 316142 w 316142"/>
+              <a:gd name="connsiteY3" fmla="*/ 90435 h 484632"/>
+              <a:gd name="connsiteX4" fmla="*/ 316142 w 316142"/>
+              <a:gd name="connsiteY4" fmla="*/ 394197 h 484632"/>
+              <a:gd name="connsiteX5" fmla="*/ 135270 w 316142"/>
+              <a:gd name="connsiteY5" fmla="*/ 394197 h 484632"/>
+              <a:gd name="connsiteX6" fmla="*/ 135270 w 316142"/>
+              <a:gd name="connsiteY6" fmla="*/ 484632 h 484632"/>
+              <a:gd name="connsiteX7" fmla="*/ 0 w 316142"/>
+              <a:gd name="connsiteY7" fmla="*/ 242316 h 484632"/>
+              <a:gd name="connsiteX0" fmla="*/ 0 w 316142"/>
+              <a:gd name="connsiteY0" fmla="*/ 242316 h 484632"/>
+              <a:gd name="connsiteX1" fmla="*/ 135270 w 316142"/>
+              <a:gd name="connsiteY1" fmla="*/ 0 h 484632"/>
+              <a:gd name="connsiteX2" fmla="*/ 135270 w 316142"/>
+              <a:gd name="connsiteY2" fmla="*/ 90435 h 484632"/>
+              <a:gd name="connsiteX3" fmla="*/ 316142 w 316142"/>
+              <a:gd name="connsiteY3" fmla="*/ 394197 h 484632"/>
+              <a:gd name="connsiteX4" fmla="*/ 135270 w 316142"/>
+              <a:gd name="connsiteY4" fmla="*/ 394197 h 484632"/>
+              <a:gd name="connsiteX5" fmla="*/ 135270 w 316142"/>
+              <a:gd name="connsiteY5" fmla="*/ 484632 h 484632"/>
+              <a:gd name="connsiteX6" fmla="*/ 0 w 316142"/>
+              <a:gd name="connsiteY6" fmla="*/ 242316 h 484632"/>
+            </a:gdLst>
+            <a:ahLst/>
+            <a:cxnLst>
+              <a:cxn ang="0">
+                <a:pos x="connsiteX0" y="connsiteY0"/>
+              </a:cxn>
+              <a:cxn ang="0">
+                <a:pos x="connsiteX1" y="connsiteY1"/>
+              </a:cxn>
+              <a:cxn ang="0">
+                <a:pos x="connsiteX2" y="connsiteY2"/>
+              </a:cxn>
+              <a:cxn ang="0">
+                <a:pos x="connsiteX3" y="connsiteY3"/>
+              </a:cxn>
+              <a:cxn ang="0">
+                <a:pos x="connsiteX4" y="connsiteY4"/>
+              </a:cxn>
+              <a:cxn ang="0">
+                <a:pos x="connsiteX5" y="connsiteY5"/>
+              </a:cxn>
+              <a:cxn ang="0">
+                <a:pos x="connsiteX6" y="connsiteY6"/>
+              </a:cxn>
+            </a:cxnLst>
+            <a:rect l="l" t="t" r="r" b="b"/>
+            <a:pathLst>
+              <a:path w="316142" h="484632">
+                <a:moveTo>
+                  <a:pt x="0" y="242316"/>
+                </a:moveTo>
+                <a:lnTo>
+                  <a:pt x="135270" y="0"/>
+                </a:lnTo>
+                <a:lnTo>
+                  <a:pt x="135270" y="90435"/>
+                </a:lnTo>
+                <a:lnTo>
+                  <a:pt x="316142" y="394197"/>
+                </a:lnTo>
+                <a:lnTo>
+                  <a:pt x="135270" y="394197"/>
+                </a:lnTo>
+                <a:lnTo>
+                  <a:pt x="135270" y="484632"/>
+                </a:lnTo>
+                <a:lnTo>
+                  <a:pt x="0" y="242316"/>
+                </a:lnTo>
+                <a:close/>
+              </a:path>
+            </a:pathLst>
+          </a:custGeom>
+        </p:spPr>
+        <p:style>
+          <a:lnRef idx="2">
+            <a:schemeClr val="accent1">
+              <a:shade val="50000"/>
+            </a:schemeClr>
+          </a:lnRef>
+          <a:fillRef idx="1">
+            <a:schemeClr val="accent1"/>
+          </a:fillRef>
+          <a:effectRef idx="0">
+            <a:schemeClr val="accent1"/>
+          </a:effectRef>
+          <a:fontRef idx="minor">
+            <a:schemeClr val="lt1"/>
+          </a:fontRef>
+        </p:style>
+        <p:txBody>
+          <a:bodyPr rtlCol="0" anchor="ctr"/>
+          <a:lstStyle/>
+          <a:p>
+            <a:pPr algn="ctr"/>
+            <a:endParaRPr lang="ru-RU"/>
+          </a:p>
+        </p:txBody>
+      </p:sp>
+      <p:sp>
+        <p:nvSpPr>
+          <p:cNvPr id="18" name="Двойная стрелка влево/вправо 5"/>
+          <p:cNvSpPr/>
+          <p:nvPr/>
+        </p:nvSpPr>
+        <p:spPr>
+          <a:xfrm rot="5400000" flipH="1">
+            <a:off x="411231" y="4626817"/>
+            <a:ext cx="461653" cy="544683"/>
+          </a:xfrm>
+          <a:custGeom>
+            <a:avLst/>
+            <a:gdLst>
+              <a:gd name="connsiteX0" fmla="*/ 0 w 451412"/>
+              <a:gd name="connsiteY0" fmla="*/ 242316 h 484632"/>
+              <a:gd name="connsiteX1" fmla="*/ 135270 w 451412"/>
+              <a:gd name="connsiteY1" fmla="*/ 0 h 484632"/>
+              <a:gd name="connsiteX2" fmla="*/ 135270 w 451412"/>
+              <a:gd name="connsiteY2" fmla="*/ 90435 h 484632"/>
+              <a:gd name="connsiteX3" fmla="*/ 316142 w 451412"/>
+              <a:gd name="connsiteY3" fmla="*/ 90435 h 484632"/>
+              <a:gd name="connsiteX4" fmla="*/ 316142 w 451412"/>
+              <a:gd name="connsiteY4" fmla="*/ 0 h 484632"/>
+              <a:gd name="connsiteX5" fmla="*/ 451412 w 451412"/>
+              <a:gd name="connsiteY5" fmla="*/ 242316 h 484632"/>
+              <a:gd name="connsiteX6" fmla="*/ 316142 w 451412"/>
+              <a:gd name="connsiteY6" fmla="*/ 484632 h 484632"/>
+              <a:gd name="connsiteX7" fmla="*/ 316142 w 451412"/>
+              <a:gd name="connsiteY7" fmla="*/ 394197 h 484632"/>
+              <a:gd name="connsiteX8" fmla="*/ 135270 w 451412"/>
+              <a:gd name="connsiteY8" fmla="*/ 394197 h 484632"/>
+              <a:gd name="connsiteX9" fmla="*/ 135270 w 451412"/>
+              <a:gd name="connsiteY9" fmla="*/ 484632 h 484632"/>
+              <a:gd name="connsiteX10" fmla="*/ 0 w 451412"/>
+              <a:gd name="connsiteY10" fmla="*/ 242316 h 484632"/>
+              <a:gd name="connsiteX0" fmla="*/ 0 w 451412"/>
+              <a:gd name="connsiteY0" fmla="*/ 242316 h 484632"/>
+              <a:gd name="connsiteX1" fmla="*/ 135270 w 451412"/>
+              <a:gd name="connsiteY1" fmla="*/ 0 h 484632"/>
+              <a:gd name="connsiteX2" fmla="*/ 135270 w 451412"/>
+              <a:gd name="connsiteY2" fmla="*/ 90435 h 484632"/>
+              <a:gd name="connsiteX3" fmla="*/ 316142 w 451412"/>
+              <a:gd name="connsiteY3" fmla="*/ 90435 h 484632"/>
+              <a:gd name="connsiteX4" fmla="*/ 451412 w 451412"/>
+              <a:gd name="connsiteY4" fmla="*/ 242316 h 484632"/>
+              <a:gd name="connsiteX5" fmla="*/ 316142 w 451412"/>
+              <a:gd name="connsiteY5" fmla="*/ 484632 h 484632"/>
+              <a:gd name="connsiteX6" fmla="*/ 316142 w 451412"/>
+              <a:gd name="connsiteY6" fmla="*/ 394197 h 484632"/>
+              <a:gd name="connsiteX7" fmla="*/ 135270 w 451412"/>
+              <a:gd name="connsiteY7" fmla="*/ 394197 h 484632"/>
+              <a:gd name="connsiteX8" fmla="*/ 135270 w 451412"/>
+              <a:gd name="connsiteY8" fmla="*/ 484632 h 484632"/>
+              <a:gd name="connsiteX9" fmla="*/ 0 w 451412"/>
+              <a:gd name="connsiteY9" fmla="*/ 242316 h 484632"/>
+              <a:gd name="connsiteX0" fmla="*/ 0 w 316142"/>
+              <a:gd name="connsiteY0" fmla="*/ 242316 h 484632"/>
+              <a:gd name="connsiteX1" fmla="*/ 135270 w 316142"/>
+              <a:gd name="connsiteY1" fmla="*/ 0 h 484632"/>
+              <a:gd name="connsiteX2" fmla="*/ 135270 w 316142"/>
+              <a:gd name="connsiteY2" fmla="*/ 90435 h 484632"/>
+              <a:gd name="connsiteX3" fmla="*/ 316142 w 316142"/>
+              <a:gd name="connsiteY3" fmla="*/ 90435 h 484632"/>
+              <a:gd name="connsiteX4" fmla="*/ 316142 w 316142"/>
+              <a:gd name="connsiteY4" fmla="*/ 484632 h 484632"/>
+              <a:gd name="connsiteX5" fmla="*/ 316142 w 316142"/>
+              <a:gd name="connsiteY5" fmla="*/ 394197 h 484632"/>
+              <a:gd name="connsiteX6" fmla="*/ 135270 w 316142"/>
+              <a:gd name="connsiteY6" fmla="*/ 394197 h 484632"/>
+              <a:gd name="connsiteX7" fmla="*/ 135270 w 316142"/>
+              <a:gd name="connsiteY7" fmla="*/ 484632 h 484632"/>
+              <a:gd name="connsiteX8" fmla="*/ 0 w 316142"/>
+              <a:gd name="connsiteY8" fmla="*/ 242316 h 484632"/>
+              <a:gd name="connsiteX0" fmla="*/ 0 w 316142"/>
+              <a:gd name="connsiteY0" fmla="*/ 242316 h 484632"/>
+              <a:gd name="connsiteX1" fmla="*/ 135270 w 316142"/>
+              <a:gd name="connsiteY1" fmla="*/ 0 h 484632"/>
+              <a:gd name="connsiteX2" fmla="*/ 135270 w 316142"/>
+              <a:gd name="connsiteY2" fmla="*/ 90435 h 484632"/>
+              <a:gd name="connsiteX3" fmla="*/ 316142 w 316142"/>
+              <a:gd name="connsiteY3" fmla="*/ 90435 h 484632"/>
+              <a:gd name="connsiteX4" fmla="*/ 316142 w 316142"/>
+              <a:gd name="connsiteY4" fmla="*/ 394197 h 484632"/>
+              <a:gd name="connsiteX5" fmla="*/ 135270 w 316142"/>
+              <a:gd name="connsiteY5" fmla="*/ 394197 h 484632"/>
+              <a:gd name="connsiteX6" fmla="*/ 135270 w 316142"/>
+              <a:gd name="connsiteY6" fmla="*/ 484632 h 484632"/>
+              <a:gd name="connsiteX7" fmla="*/ 0 w 316142"/>
+              <a:gd name="connsiteY7" fmla="*/ 242316 h 484632"/>
+              <a:gd name="connsiteX0" fmla="*/ 0 w 316142"/>
+              <a:gd name="connsiteY0" fmla="*/ 242316 h 484632"/>
+              <a:gd name="connsiteX1" fmla="*/ 135270 w 316142"/>
+              <a:gd name="connsiteY1" fmla="*/ 0 h 484632"/>
+              <a:gd name="connsiteX2" fmla="*/ 135270 w 316142"/>
+              <a:gd name="connsiteY2" fmla="*/ 90435 h 484632"/>
+              <a:gd name="connsiteX3" fmla="*/ 316142 w 316142"/>
+              <a:gd name="connsiteY3" fmla="*/ 394197 h 484632"/>
+              <a:gd name="connsiteX4" fmla="*/ 135270 w 316142"/>
+              <a:gd name="connsiteY4" fmla="*/ 394197 h 484632"/>
+              <a:gd name="connsiteX5" fmla="*/ 135270 w 316142"/>
+              <a:gd name="connsiteY5" fmla="*/ 484632 h 484632"/>
+              <a:gd name="connsiteX6" fmla="*/ 0 w 316142"/>
+              <a:gd name="connsiteY6" fmla="*/ 242316 h 484632"/>
+            </a:gdLst>
+            <a:ahLst/>
+            <a:cxnLst>
+              <a:cxn ang="0">
+                <a:pos x="connsiteX0" y="connsiteY0"/>
+              </a:cxn>
+              <a:cxn ang="0">
+                <a:pos x="connsiteX1" y="connsiteY1"/>
+              </a:cxn>
+              <a:cxn ang="0">
+                <a:pos x="connsiteX2" y="connsiteY2"/>
+              </a:cxn>
+              <a:cxn ang="0">
+                <a:pos x="connsiteX3" y="connsiteY3"/>
+              </a:cxn>
+              <a:cxn ang="0">
+                <a:pos x="connsiteX4" y="connsiteY4"/>
+              </a:cxn>
+              <a:cxn ang="0">
+                <a:pos x="connsiteX5" y="connsiteY5"/>
+              </a:cxn>
+              <a:cxn ang="0">
+                <a:pos x="connsiteX6" y="connsiteY6"/>
+              </a:cxn>
+            </a:cxnLst>
+            <a:rect l="l" t="t" r="r" b="b"/>
+            <a:pathLst>
+              <a:path w="316142" h="484632">
+                <a:moveTo>
+                  <a:pt x="0" y="242316"/>
+                </a:moveTo>
+                <a:lnTo>
+                  <a:pt x="135270" y="0"/>
+                </a:lnTo>
+                <a:lnTo>
+                  <a:pt x="135270" y="90435"/>
+                </a:lnTo>
+                <a:lnTo>
+                  <a:pt x="316142" y="394197"/>
+                </a:lnTo>
+                <a:lnTo>
+                  <a:pt x="135270" y="394197"/>
+                </a:lnTo>
+                <a:lnTo>
+                  <a:pt x="135270" y="484632"/>
+                </a:lnTo>
+                <a:lnTo>
+                  <a:pt x="0" y="242316"/>
+                </a:lnTo>
+                <a:close/>
+              </a:path>
+            </a:pathLst>
+          </a:custGeom>
+        </p:spPr>
+        <p:style>
+          <a:lnRef idx="2">
+            <a:schemeClr val="accent1">
+              <a:shade val="50000"/>
+            </a:schemeClr>
+          </a:lnRef>
+          <a:fillRef idx="1">
+            <a:schemeClr val="accent1"/>
+          </a:fillRef>
+          <a:effectRef idx="0">
+            <a:schemeClr val="accent1"/>
+          </a:effectRef>
+          <a:fontRef idx="minor">
+            <a:schemeClr val="lt1"/>
+          </a:fontRef>
+        </p:style>
+        <p:txBody>
+          <a:bodyPr rtlCol="0" anchor="ctr"/>
+          <a:lstStyle/>
+          <a:p>
+            <a:pPr algn="ctr"/>
+            <a:endParaRPr lang="ru-RU"/>
+          </a:p>
+        </p:txBody>
+      </p:sp>
+    </p:spTree>
+    <p:extLst>
+      <p:ext uri="{BB962C8B-B14F-4D97-AF65-F5344CB8AC3E}">
+        <p14:creationId xmlns:p14="http://schemas.microsoft.com/office/powerpoint/2010/main" val="551365954"/>
+      </p:ext>
+    </p:extLst>
+  </p:cSld>
+  <p:clrMapOvr>
+    <a:masterClrMapping/>
+  </p:clrMapOvr>
+  <mc:AlternateContent xmlns:mc="http://schemas.openxmlformats.org/markup-compatibility/2006" xmlns:p14="http://schemas.microsoft.com/office/powerpoint/2010/main">
+    <mc:Choice Requires="p14">
+      <p:transition spd="slow" p14:dur="2000"/>
+    </mc:Choice>
+    <mc:Fallback xmlns="">
+      <p:transition spd="slow"/>
+    </mc:Fallback>
+  </mc:AlternateContent>
+  <p:timing>
+    <p:tnLst>
+      <p:par>
+        <p:cTn id="1" dur="indefinite" restart="never" nodeType="tmRoot"/>
+      </p:par>
+    </p:tnLst>
+  </p:timing>
+</p:sld>
+</file>
+
+<file path=ppt/slides/slide16.xml><?xml version="1.0" encoding="utf-8"?>
+<p:sld xmlns:a="http://schemas.openxmlformats.org/drawingml/2006/main" xmlns:r="http://schemas.openxmlformats.org/officeDocument/2006/relationships" xmlns:p="http://schemas.openxmlformats.org/presentationml/2006/main">
+  <p:cSld>
+    <p:spTree>
+      <p:nvGrpSpPr>
+        <p:cNvPr id="1" name=""/>
+        <p:cNvGrpSpPr/>
+        <p:nvPr/>
+      </p:nvGrpSpPr>
+      <p:grpSpPr>
+        <a:xfrm>
+          <a:off x="0" y="0"/>
+          <a:ext cx="0" cy="0"/>
+          <a:chOff x="0" y="0"/>
+          <a:chExt cx="0" cy="0"/>
+        </a:xfrm>
+      </p:grpSpPr>
+      <p:sp>
+        <p:nvSpPr>
+          <p:cNvPr id="10" name="TextBox 9"/>
+          <p:cNvSpPr txBox="1"/>
+          <p:nvPr/>
+        </p:nvSpPr>
+        <p:spPr>
+          <a:xfrm>
+            <a:off x="914401" y="151900"/>
+            <a:ext cx="10363199" cy="1015663"/>
+          </a:xfrm>
+          <a:prstGeom prst="rect">
+            <a:avLst/>
+          </a:prstGeom>
+          <a:noFill/>
+        </p:spPr>
+        <p:txBody>
+          <a:bodyPr wrap="square" rtlCol="0" anchor="ctr">
+            <a:spAutoFit/>
+          </a:bodyPr>
+          <a:lstStyle/>
+          <a:p>
+            <a:pPr algn="ctr"/>
+            <a:r>
+              <a:rPr lang="ru-RU" sz="6000" b="1" dirty="0" smtClean="0"/>
+              <a:t>Нагрузочное тестирование</a:t>
+            </a:r>
+            <a:endParaRPr lang="ru-RU" sz="6000" b="1" dirty="0" smtClean="0"/>
           </a:p>
         </p:txBody>
       </p:sp>
@@ -7594,77 +11344,6 @@
           </p:txBody>
         </p:sp>
       </p:grpSp>
-      <p:pic>
-        <p:nvPicPr>
-          <p:cNvPr id="6148" name="Picture 4" descr="Flat laptop icon laptop - Transparent PNG &amp;amp; SVG vector file"/>
-          <p:cNvPicPr>
-            <a:picLocks noChangeAspect="1" noChangeArrowheads="1"/>
-          </p:cNvPicPr>
-          <p:nvPr/>
-        </p:nvPicPr>
-        <p:blipFill>
-          <a:blip r:embed="rId2" cstate="print">
-            <a:extLst>
-              <a:ext uri="{28A0092B-C50C-407E-A947-70E740481C1C}">
-                <a14:useLocalDpi xmlns:a14="http://schemas.microsoft.com/office/drawing/2010/main" val="0"/>
-              </a:ext>
-            </a:extLst>
-          </a:blip>
-          <a:srcRect/>
-          <a:stretch>
-            <a:fillRect/>
-          </a:stretch>
-        </p:blipFill>
-        <p:spPr bwMode="auto">
-          <a:xfrm>
-            <a:off x="1639147" y="1997016"/>
-            <a:ext cx="1231359" cy="1231359"/>
-          </a:xfrm>
-          <a:prstGeom prst="rect">
-            <a:avLst/>
-          </a:prstGeom>
-          <a:noFill/>
-          <a:extLst>
-            <a:ext uri="{909E8E84-426E-40DD-AFC4-6F175D3DCCD1}">
-              <a14:hiddenFill xmlns:a14="http://schemas.microsoft.com/office/drawing/2010/main">
-                <a:solidFill>
-                  <a:srgbClr val="FFFFFF"/>
-                </a:solidFill>
-              </a14:hiddenFill>
-            </a:ext>
-          </a:extLst>
-        </p:spPr>
-      </p:pic>
-      <p:pic>
-        <p:nvPicPr>
-          <p:cNvPr id="22" name="Рисунок 21"/>
-          <p:cNvPicPr>
-            <a:picLocks noChangeAspect="1"/>
-          </p:cNvPicPr>
-          <p:nvPr/>
-        </p:nvPicPr>
-        <p:blipFill>
-          <a:blip r:embed="rId3" cstate="print">
-            <a:extLst>
-              <a:ext uri="{28A0092B-C50C-407E-A947-70E740481C1C}">
-                <a14:useLocalDpi xmlns:a14="http://schemas.microsoft.com/office/drawing/2010/main" val="0"/>
-              </a:ext>
-            </a:extLst>
-          </a:blip>
-          <a:stretch>
-            <a:fillRect/>
-          </a:stretch>
-        </p:blipFill>
-        <p:spPr>
-          <a:xfrm>
-            <a:off x="11039853" y="4822845"/>
-            <a:ext cx="988749" cy="1035832"/>
-          </a:xfrm>
-          <a:prstGeom prst="rect">
-            <a:avLst/>
-          </a:prstGeom>
-        </p:spPr>
-      </p:pic>
       <p:grpSp>
         <p:nvGrpSpPr>
           <p:cNvPr id="26" name="Группа 25"/>
@@ -8070,7 +11749,7 @@
         </p:nvGrpSpPr>
         <p:grpSpPr>
           <a:xfrm>
-            <a:off x="5423840" y="5296133"/>
+            <a:off x="5423840" y="5505015"/>
             <a:ext cx="1344319" cy="754164"/>
             <a:chOff x="3713801" y="5263909"/>
             <a:chExt cx="2435860" cy="1366519"/>
@@ -8085,7 +11764,7 @@
             <p:nvPr/>
           </p:nvPicPr>
           <p:blipFill>
-            <a:blip r:embed="rId4" cstate="print">
+            <a:blip r:embed="rId2" cstate="print">
               <a:extLst>
                 <a:ext uri="{28A0092B-C50C-407E-A947-70E740481C1C}">
                   <a14:useLocalDpi xmlns:a14="http://schemas.microsoft.com/office/drawing/2010/main" val="0"/>
@@ -8126,7 +11805,7 @@
             <p:nvPr/>
           </p:nvPicPr>
           <p:blipFill>
-            <a:blip r:embed="rId5" cstate="print">
+            <a:blip r:embed="rId3" cstate="print">
               <a:extLst>
                 <a:ext uri="{28A0092B-C50C-407E-A947-70E740481C1C}">
                   <a14:useLocalDpi xmlns:a14="http://schemas.microsoft.com/office/drawing/2010/main" val="0"/>
@@ -8167,7 +11846,7 @@
             <p:nvPr/>
           </p:nvPicPr>
           <p:blipFill>
-            <a:blip r:embed="rId4" cstate="print">
+            <a:blip r:embed="rId2" cstate="print">
               <a:extLst>
                 <a:ext uri="{28A0092B-C50C-407E-A947-70E740481C1C}">
                   <a14:useLocalDpi xmlns:a14="http://schemas.microsoft.com/office/drawing/2010/main" val="0"/>
@@ -8575,6 +12254,287 @@
           </p:txBody>
         </p:sp>
       </p:grpSp>
+      <p:sp>
+        <p:nvSpPr>
+          <p:cNvPr id="58" name="TextBox 57"/>
+          <p:cNvSpPr txBox="1"/>
+          <p:nvPr/>
+        </p:nvSpPr>
+        <p:spPr>
+          <a:xfrm>
+            <a:off x="209965" y="1277476"/>
+            <a:ext cx="4686004" cy="1200329"/>
+          </a:xfrm>
+          <a:prstGeom prst="rect">
+            <a:avLst/>
+          </a:prstGeom>
+          <a:noFill/>
+        </p:spPr>
+        <p:txBody>
+          <a:bodyPr wrap="square" rtlCol="0">
+            <a:spAutoFit/>
+          </a:bodyPr>
+          <a:lstStyle/>
+          <a:p>
+            <a:pPr algn="ctr"/>
+            <a:r>
+              <a:rPr lang="ru-RU" b="1" dirty="0" smtClean="0"/>
+              <a:t>Локальная машина</a:t>
+            </a:r>
+          </a:p>
+          <a:p>
+            <a:r>
+              <a:rPr lang="ru-RU" dirty="0" smtClean="0"/>
+              <a:t>Сервисы запущены на локальной машине, однако обращение к БД происходит через Интернет.</a:t>
+            </a:r>
+          </a:p>
+        </p:txBody>
+      </p:sp>
+      <p:sp>
+        <p:nvSpPr>
+          <p:cNvPr id="59" name="TextBox 58"/>
+          <p:cNvSpPr txBox="1"/>
+          <p:nvPr/>
+        </p:nvSpPr>
+        <p:spPr>
+          <a:xfrm>
+            <a:off x="8237269" y="5462403"/>
+            <a:ext cx="3599400" cy="923330"/>
+          </a:xfrm>
+          <a:prstGeom prst="rect">
+            <a:avLst/>
+          </a:prstGeom>
+          <a:noFill/>
+        </p:spPr>
+        <p:txBody>
+          <a:bodyPr wrap="square" rtlCol="0">
+            <a:spAutoFit/>
+          </a:bodyPr>
+          <a:lstStyle/>
+          <a:p>
+            <a:pPr algn="ctr"/>
+            <a:r>
+              <a:rPr lang="ru-RU" b="1" dirty="0" smtClean="0"/>
+              <a:t>Удалённый сервер</a:t>
+            </a:r>
+          </a:p>
+          <a:p>
+            <a:r>
+              <a:rPr lang="ru-RU" dirty="0" smtClean="0"/>
+              <a:t>Сервисы запущены на сервере,</a:t>
+            </a:r>
+            <a:br>
+              <a:rPr lang="ru-RU" dirty="0" smtClean="0"/>
+            </a:br>
+            <a:r>
+              <a:rPr lang="ru-RU" dirty="0" smtClean="0"/>
+              <a:t>на котором расположена БД.</a:t>
+            </a:r>
+          </a:p>
+        </p:txBody>
+      </p:sp>
+      <p:pic>
+        <p:nvPicPr>
+          <p:cNvPr id="60" name="Рисунок 59"/>
+          <p:cNvPicPr>
+            <a:picLocks noChangeAspect="1"/>
+          </p:cNvPicPr>
+          <p:nvPr/>
+        </p:nvPicPr>
+        <p:blipFill>
+          <a:blip r:embed="rId4" cstate="print">
+            <a:extLst>
+              <a:ext uri="{28A0092B-C50C-407E-A947-70E740481C1C}">
+                <a14:useLocalDpi xmlns:a14="http://schemas.microsoft.com/office/drawing/2010/main" val="0"/>
+              </a:ext>
+            </a:extLst>
+          </a:blip>
+          <a:stretch>
+            <a:fillRect/>
+          </a:stretch>
+        </p:blipFill>
+        <p:spPr>
+          <a:xfrm>
+            <a:off x="11039853" y="4822845"/>
+            <a:ext cx="988749" cy="1035832"/>
+          </a:xfrm>
+          <a:prstGeom prst="rect">
+            <a:avLst/>
+          </a:prstGeom>
+        </p:spPr>
+      </p:pic>
+      <p:pic>
+        <p:nvPicPr>
+          <p:cNvPr id="61" name="Picture 4" descr="Flat laptop icon laptop - Transparent PNG &amp;amp; SVG vector file"/>
+          <p:cNvPicPr>
+            <a:picLocks noChangeAspect="1" noChangeArrowheads="1"/>
+          </p:cNvPicPr>
+          <p:nvPr/>
+        </p:nvPicPr>
+        <p:blipFill>
+          <a:blip r:embed="rId5" cstate="print">
+            <a:extLst>
+              <a:ext uri="{28A0092B-C50C-407E-A947-70E740481C1C}">
+                <a14:useLocalDpi xmlns:a14="http://schemas.microsoft.com/office/drawing/2010/main" val="0"/>
+              </a:ext>
+            </a:extLst>
+          </a:blip>
+          <a:srcRect/>
+          <a:stretch>
+            <a:fillRect/>
+          </a:stretch>
+        </p:blipFill>
+        <p:spPr bwMode="auto">
+          <a:xfrm>
+            <a:off x="1435707" y="1956116"/>
+            <a:ext cx="1231359" cy="1231359"/>
+          </a:xfrm>
+          <a:prstGeom prst="rect">
+            <a:avLst/>
+          </a:prstGeom>
+          <a:noFill/>
+          <a:extLst>
+            <a:ext uri="{909E8E84-426E-40DD-AFC4-6F175D3DCCD1}">
+              <a14:hiddenFill xmlns:a14="http://schemas.microsoft.com/office/drawing/2010/main">
+                <a:solidFill>
+                  <a:srgbClr val="FFFFFF"/>
+                </a:solidFill>
+              </a14:hiddenFill>
+            </a:ext>
+          </a:extLst>
+        </p:spPr>
+      </p:pic>
+      <p:grpSp>
+        <p:nvGrpSpPr>
+          <p:cNvPr id="62" name="Группа 61"/>
+          <p:cNvGrpSpPr/>
+          <p:nvPr/>
+        </p:nvGrpSpPr>
+        <p:grpSpPr>
+          <a:xfrm>
+            <a:off x="2912332" y="2208435"/>
+            <a:ext cx="794300" cy="675360"/>
+            <a:chOff x="2912332" y="2208435"/>
+            <a:chExt cx="794300" cy="675360"/>
+          </a:xfrm>
+        </p:grpSpPr>
+        <p:pic>
+          <p:nvPicPr>
+            <p:cNvPr id="63" name="Picture 4" descr="Center, data, digital, server icon - Download on Iconfinder"/>
+            <p:cNvPicPr>
+              <a:picLocks noChangeAspect="1" noChangeArrowheads="1"/>
+            </p:cNvPicPr>
+            <p:nvPr/>
+          </p:nvPicPr>
+          <p:blipFill>
+            <a:blip r:embed="rId6" cstate="print">
+              <a:extLst>
+                <a:ext uri="{28A0092B-C50C-407E-A947-70E740481C1C}">
+                  <a14:useLocalDpi xmlns:a14="http://schemas.microsoft.com/office/drawing/2010/main" val="0"/>
+                </a:ext>
+              </a:extLst>
+            </a:blip>
+            <a:srcRect/>
+            <a:stretch>
+              <a:fillRect/>
+            </a:stretch>
+          </p:blipFill>
+          <p:spPr bwMode="auto">
+            <a:xfrm>
+              <a:off x="3041824" y="2208435"/>
+              <a:ext cx="664808" cy="664808"/>
+            </a:xfrm>
+            <a:prstGeom prst="rect">
+              <a:avLst/>
+            </a:prstGeom>
+            <a:noFill/>
+            <a:extLst>
+              <a:ext uri="{909E8E84-426E-40DD-AFC4-6F175D3DCCD1}">
+                <a14:hiddenFill xmlns:a14="http://schemas.microsoft.com/office/drawing/2010/main">
+                  <a:solidFill>
+                    <a:srgbClr val="FFFFFF"/>
+                  </a:solidFill>
+                </a14:hiddenFill>
+              </a:ext>
+            </a:extLst>
+          </p:spPr>
+        </p:pic>
+        <p:pic>
+          <p:nvPicPr>
+            <p:cNvPr id="64" name="Picture 8" descr="Web icon - Material Core"/>
+            <p:cNvPicPr>
+              <a:picLocks noChangeAspect="1" noChangeArrowheads="1"/>
+            </p:cNvPicPr>
+            <p:nvPr/>
+          </p:nvPicPr>
+          <p:blipFill>
+            <a:blip r:embed="rId7" cstate="print">
+              <a:extLst>
+                <a:ext uri="{28A0092B-C50C-407E-A947-70E740481C1C}">
+                  <a14:useLocalDpi xmlns:a14="http://schemas.microsoft.com/office/drawing/2010/main" val="0"/>
+                </a:ext>
+              </a:extLst>
+            </a:blip>
+            <a:srcRect/>
+            <a:stretch>
+              <a:fillRect/>
+            </a:stretch>
+          </p:blipFill>
+          <p:spPr bwMode="auto">
+            <a:xfrm>
+              <a:off x="2912332" y="2501505"/>
+              <a:ext cx="382290" cy="382290"/>
+            </a:xfrm>
+            <a:prstGeom prst="rect">
+              <a:avLst/>
+            </a:prstGeom>
+            <a:noFill/>
+            <a:extLst>
+              <a:ext uri="{909E8E84-426E-40DD-AFC4-6F175D3DCCD1}">
+                <a14:hiddenFill xmlns:a14="http://schemas.microsoft.com/office/drawing/2010/main">
+                  <a:solidFill>
+                    <a:srgbClr val="FFFFFF"/>
+                  </a:solidFill>
+                </a14:hiddenFill>
+              </a:ext>
+            </a:extLst>
+          </p:spPr>
+        </p:pic>
+      </p:grpSp>
+      <p:sp>
+        <p:nvSpPr>
+          <p:cNvPr id="23" name="TextBox 22"/>
+          <p:cNvSpPr txBox="1"/>
+          <p:nvPr/>
+        </p:nvSpPr>
+        <p:spPr>
+          <a:xfrm>
+            <a:off x="4429987" y="5188697"/>
+            <a:ext cx="3615349" cy="369332"/>
+          </a:xfrm>
+          <a:prstGeom prst="rect">
+            <a:avLst/>
+          </a:prstGeom>
+          <a:noFill/>
+        </p:spPr>
+        <p:txBody>
+          <a:bodyPr wrap="none" rtlCol="0">
+            <a:spAutoFit/>
+          </a:bodyPr>
+          <a:lstStyle/>
+          <a:p>
+            <a:r>
+              <a:rPr lang="ru-RU" dirty="0"/>
+              <a:t>д</a:t>
+            </a:r>
+            <a:r>
+              <a:rPr lang="ru-RU" dirty="0" smtClean="0"/>
+              <a:t>ля запросов к основному сервису</a:t>
+            </a:r>
+            <a:endParaRPr lang="ru-RU" dirty="0"/>
+          </a:p>
+        </p:txBody>
+      </p:sp>
     </p:spTree>
     <p:extLst>
       <p:ext uri="{BB962C8B-B14F-4D97-AF65-F5344CB8AC3E}">
@@ -8603,7 +12563,7 @@
 </p:sld>
 </file>
 
-<file path=ppt/slides/slide14.xml><?xml version="1.0" encoding="utf-8"?>
+<file path=ppt/slides/slide17.xml><?xml version="1.0" encoding="utf-8"?>
 <p:sld xmlns:a="http://schemas.openxmlformats.org/drawingml/2006/main" xmlns:r="http://schemas.openxmlformats.org/officeDocument/2006/relationships" xmlns:p="http://schemas.openxmlformats.org/presentationml/2006/main">
   <p:cSld>
     <p:spTree>
@@ -8645,113 +12605,13 @@
             <a:pPr algn="ctr"/>
             <a:r>
               <a:rPr lang="ru-RU" sz="6000" b="1" dirty="0"/>
-              <a:t>Нагрузочное тестирование</a:t>
-            </a:r>
-          </a:p>
-        </p:txBody>
-      </p:sp>
-      <p:sp>
-        <p:nvSpPr>
-          <p:cNvPr id="2" name="TextBox 1"/>
-          <p:cNvSpPr txBox="1"/>
-          <p:nvPr/>
-        </p:nvSpPr>
-        <p:spPr>
-          <a:xfrm>
-            <a:off x="395926" y="1363236"/>
-            <a:ext cx="4141506" cy="923330"/>
-          </a:xfrm>
-          <a:prstGeom prst="rect">
-            <a:avLst/>
-          </a:prstGeom>
-          <a:noFill/>
-        </p:spPr>
-        <p:txBody>
-          <a:bodyPr wrap="square" rtlCol="0">
-            <a:spAutoFit/>
-          </a:bodyPr>
-          <a:lstStyle/>
-          <a:p>
-            <a:pPr algn="ctr"/>
-            <a:r>
-              <a:rPr lang="ru-RU" b="1" dirty="0" smtClean="0"/>
-              <a:t>Локальная машина</a:t>
-            </a:r>
-          </a:p>
-          <a:p>
-            <a:pPr marL="285750" indent="-285750">
-              <a:buFont typeface="Arial" panose="020B0604020202020204" pitchFamily="34" charset="0"/>
-              <a:buChar char="•"/>
-            </a:pPr>
-            <a:r>
-              <a:rPr lang="en-US" dirty="0" smtClean="0"/>
-              <a:t>Intel Core i5</a:t>
-            </a:r>
-          </a:p>
-          <a:p>
-            <a:pPr marL="285750" indent="-285750">
-              <a:buFont typeface="Arial" panose="020B0604020202020204" pitchFamily="34" charset="0"/>
-              <a:buChar char="•"/>
-            </a:pPr>
-            <a:r>
-              <a:rPr lang="ru-RU" dirty="0" smtClean="0"/>
-              <a:t>Соединение с удалённой БД по </a:t>
-            </a:r>
-            <a:r>
-              <a:rPr lang="en-US" dirty="0" err="1" smtClean="0"/>
-              <a:t>WiFi</a:t>
-            </a:r>
-            <a:endParaRPr lang="ru-RU" dirty="0" smtClean="0"/>
-          </a:p>
-        </p:txBody>
-      </p:sp>
-      <p:sp>
-        <p:nvSpPr>
-          <p:cNvPr id="5" name="TextBox 4"/>
-          <p:cNvSpPr txBox="1"/>
-          <p:nvPr/>
-        </p:nvSpPr>
-        <p:spPr>
-          <a:xfrm>
-            <a:off x="8342721" y="5221298"/>
-            <a:ext cx="3306119" cy="1200329"/>
-          </a:xfrm>
-          <a:prstGeom prst="rect">
-            <a:avLst/>
-          </a:prstGeom>
-          <a:noFill/>
-        </p:spPr>
-        <p:txBody>
-          <a:bodyPr wrap="square" rtlCol="0">
-            <a:spAutoFit/>
-          </a:bodyPr>
-          <a:lstStyle/>
-          <a:p>
-            <a:pPr algn="ctr"/>
-            <a:r>
-              <a:rPr lang="ru-RU" b="1" dirty="0" smtClean="0"/>
-              <a:t>Удалённый сервер</a:t>
-            </a:r>
-          </a:p>
-          <a:p>
-            <a:pPr marL="285750" indent="-285750">
-              <a:buFont typeface="Arial" panose="020B0604020202020204" pitchFamily="34" charset="0"/>
-              <a:buChar char="•"/>
-            </a:pPr>
-            <a:r>
-              <a:rPr lang="en-US" dirty="0" smtClean="0"/>
-              <a:t>Ryzen 5 3600</a:t>
-            </a:r>
-          </a:p>
-          <a:p>
-            <a:pPr marL="285750" indent="-285750">
-              <a:buFont typeface="Arial" panose="020B0604020202020204" pitchFamily="34" charset="0"/>
-              <a:buChar char="•"/>
-            </a:pPr>
-            <a:r>
-              <a:rPr lang="ru-RU" dirty="0" smtClean="0"/>
-              <a:t>БД и сервисы расположены на одном сервере</a:t>
-            </a:r>
+              <a:t>Нагрузочное </a:t>
+            </a:r>
+            <a:r>
+              <a:rPr lang="ru-RU" sz="6000" b="1" dirty="0" smtClean="0"/>
+              <a:t>тестирование</a:t>
+            </a:r>
+            <a:endParaRPr lang="ru-RU" sz="6000" b="1" dirty="0"/>
           </a:p>
         </p:txBody>
       </p:sp>
@@ -9005,36 +12865,6 @@
           </p:txBody>
         </p:sp>
       </p:grpSp>
-      <p:pic>
-        <p:nvPicPr>
-          <p:cNvPr id="22" name="Рисунок 21"/>
-          <p:cNvPicPr>
-            <a:picLocks noChangeAspect="1"/>
-          </p:cNvPicPr>
-          <p:nvPr/>
-        </p:nvPicPr>
-        <p:blipFill>
-          <a:blip r:embed="rId2" cstate="print">
-            <a:extLst>
-              <a:ext uri="{28A0092B-C50C-407E-A947-70E740481C1C}">
-                <a14:useLocalDpi xmlns:a14="http://schemas.microsoft.com/office/drawing/2010/main" val="0"/>
-              </a:ext>
-            </a:extLst>
-          </a:blip>
-          <a:stretch>
-            <a:fillRect/>
-          </a:stretch>
-        </p:blipFill>
-        <p:spPr>
-          <a:xfrm>
-            <a:off x="11039853" y="4822845"/>
-            <a:ext cx="988749" cy="1035832"/>
-          </a:xfrm>
-          <a:prstGeom prst="rect">
-            <a:avLst/>
-          </a:prstGeom>
-        </p:spPr>
-      </p:pic>
       <p:grpSp>
         <p:nvGrpSpPr>
           <p:cNvPr id="26" name="Группа 25"/>
@@ -9412,154 +13242,16 @@
       </p:grpSp>
       <p:grpSp>
         <p:nvGrpSpPr>
-          <p:cNvPr id="38" name="Группа 37"/>
-          <p:cNvGrpSpPr/>
-          <p:nvPr/>
-        </p:nvGrpSpPr>
-        <p:grpSpPr>
-          <a:xfrm>
-            <a:off x="5423840" y="5296133"/>
-            <a:ext cx="1344319" cy="754164"/>
-            <a:chOff x="3713801" y="5263909"/>
-            <a:chExt cx="2435860" cy="1366519"/>
-          </a:xfrm>
-        </p:grpSpPr>
-        <p:pic>
-          <p:nvPicPr>
-            <p:cNvPr id="39" name="Picture 2" descr="Иконка «Пользователь» — скачай бесплатно PNG и векторе"/>
-            <p:cNvPicPr>
-              <a:picLocks noChangeAspect="1" noChangeArrowheads="1"/>
-            </p:cNvPicPr>
-            <p:nvPr/>
-          </p:nvPicPr>
-          <p:blipFill>
-            <a:blip r:embed="rId3" cstate="print">
-              <a:extLst>
-                <a:ext uri="{28A0092B-C50C-407E-A947-70E740481C1C}">
-                  <a14:useLocalDpi xmlns:a14="http://schemas.microsoft.com/office/drawing/2010/main" val="0"/>
-                </a:ext>
-              </a:extLst>
-            </a:blip>
-            <a:srcRect/>
-            <a:stretch>
-              <a:fillRect/>
-            </a:stretch>
-          </p:blipFill>
-          <p:spPr bwMode="auto">
-            <a:xfrm>
-              <a:off x="4931731" y="5397258"/>
-              <a:ext cx="1217930" cy="1217930"/>
-            </a:xfrm>
-            <a:prstGeom prst="rect">
-              <a:avLst/>
-            </a:prstGeom>
-            <a:noFill/>
-            <a:extLst>
-              <a:ext uri="{909E8E84-426E-40DD-AFC4-6F175D3DCCD1}">
-                <a14:hiddenFill xmlns:a14="http://schemas.microsoft.com/office/drawing/2010/main">
-                  <a:solidFill>
-                    <a:srgbClr val="FFFFFF"/>
-                  </a:solidFill>
-                </a14:hiddenFill>
-              </a:ext>
-            </a:extLst>
-          </p:spPr>
-        </p:pic>
-        <p:pic>
-          <p:nvPicPr>
-            <p:cNvPr id="40" name="Picture 2" descr="Иконка «Пользователь» — скачай бесплатно PNG и векторе"/>
-            <p:cNvPicPr>
-              <a:picLocks noChangeAspect="1" noChangeArrowheads="1"/>
-            </p:cNvPicPr>
-            <p:nvPr/>
-          </p:nvPicPr>
-          <p:blipFill>
-            <a:blip r:embed="rId4" cstate="print">
-              <a:extLst>
-                <a:ext uri="{28A0092B-C50C-407E-A947-70E740481C1C}">
-                  <a14:useLocalDpi xmlns:a14="http://schemas.microsoft.com/office/drawing/2010/main" val="0"/>
-                </a:ext>
-              </a:extLst>
-            </a:blip>
-            <a:srcRect/>
-            <a:stretch>
-              <a:fillRect/>
-            </a:stretch>
-          </p:blipFill>
-          <p:spPr bwMode="auto">
-            <a:xfrm>
-              <a:off x="4248471" y="5263909"/>
-              <a:ext cx="1366519" cy="1366519"/>
-            </a:xfrm>
-            <a:prstGeom prst="rect">
-              <a:avLst/>
-            </a:prstGeom>
-            <a:noFill/>
-            <a:extLst>
-              <a:ext uri="{909E8E84-426E-40DD-AFC4-6F175D3DCCD1}">
-                <a14:hiddenFill xmlns:a14="http://schemas.microsoft.com/office/drawing/2010/main">
-                  <a:solidFill>
-                    <a:srgbClr val="FFFFFF"/>
-                  </a:solidFill>
-                </a14:hiddenFill>
-              </a:ext>
-            </a:extLst>
-          </p:spPr>
-        </p:pic>
-        <p:pic>
-          <p:nvPicPr>
-            <p:cNvPr id="41" name="Picture 2" descr="Иконка «Пользователь» — скачай бесплатно PNG и векторе"/>
-            <p:cNvPicPr>
-              <a:picLocks noChangeAspect="1" noChangeArrowheads="1"/>
-            </p:cNvPicPr>
-            <p:nvPr/>
-          </p:nvPicPr>
-          <p:blipFill>
-            <a:blip r:embed="rId3" cstate="print">
-              <a:extLst>
-                <a:ext uri="{28A0092B-C50C-407E-A947-70E740481C1C}">
-                  <a14:useLocalDpi xmlns:a14="http://schemas.microsoft.com/office/drawing/2010/main" val="0"/>
-                </a:ext>
-              </a:extLst>
-            </a:blip>
-            <a:srcRect/>
-            <a:stretch>
-              <a:fillRect/>
-            </a:stretch>
-          </p:blipFill>
-          <p:spPr bwMode="auto">
-            <a:xfrm>
-              <a:off x="3713801" y="5397258"/>
-              <a:ext cx="1217930" cy="1217930"/>
-            </a:xfrm>
-            <a:prstGeom prst="rect">
-              <a:avLst/>
-            </a:prstGeom>
-            <a:noFill/>
-            <a:extLst>
-              <a:ext uri="{909E8E84-426E-40DD-AFC4-6F175D3DCCD1}">
-                <a14:hiddenFill xmlns:a14="http://schemas.microsoft.com/office/drawing/2010/main">
-                  <a:solidFill>
-                    <a:srgbClr val="FFFFFF"/>
-                  </a:solidFill>
-                </a14:hiddenFill>
-              </a:ext>
-            </a:extLst>
-          </p:spPr>
-        </p:pic>
-      </p:grpSp>
-      <p:grpSp>
-        <p:nvGrpSpPr>
           <p:cNvPr id="42" name="Группа 41"/>
           <p:cNvGrpSpPr/>
           <p:nvPr/>
         </p:nvGrpSpPr>
         <p:grpSpPr>
           <a:xfrm>
-            <a:off x="1014006" y="2951504"/>
-            <a:ext cx="2499158" cy="1256151"/>
+            <a:off x="929926" y="3109154"/>
+            <a:ext cx="2566976" cy="1229159"/>
             <a:chOff x="1502119" y="3131705"/>
-            <a:chExt cx="2499158" cy="1256151"/>
+            <a:chExt cx="2566976" cy="1229159"/>
           </a:xfrm>
         </p:grpSpPr>
         <p:sp>
@@ -9571,7 +13263,7 @@
           <p:spPr>
             <a:xfrm>
               <a:off x="1502119" y="3131705"/>
-              <a:ext cx="2427588" cy="1200329"/>
+              <a:ext cx="2525050" cy="1200329"/>
             </a:xfrm>
             <a:prstGeom prst="rect">
               <a:avLst/>
@@ -9585,8 +13277,8 @@
             <a:lstStyle/>
             <a:p>
               <a:r>
-                <a:rPr lang="ru-RU" sz="7200" dirty="0" smtClean="0"/>
-                <a:t>долго</a:t>
+                <a:rPr lang="en-US" sz="7200" dirty="0" smtClean="0"/>
+                <a:t>77000</a:t>
               </a:r>
               <a:endParaRPr lang="ru-RU" sz="7200" dirty="0"/>
             </a:p>
@@ -9600,8 +13292,8 @@
           </p:nvSpPr>
           <p:spPr>
             <a:xfrm>
-              <a:off x="1543575" y="3154065"/>
-              <a:ext cx="2427588" cy="1200329"/>
+              <a:off x="1529763" y="3153836"/>
+              <a:ext cx="2525050" cy="1200329"/>
             </a:xfrm>
             <a:prstGeom prst="rect">
               <a:avLst/>
@@ -9615,14 +13307,14 @@
             <a:lstStyle/>
             <a:p>
               <a:r>
-                <a:rPr lang="ru-RU" sz="7200" dirty="0" smtClean="0">
+                <a:rPr lang="en-US" sz="7200" dirty="0" smtClean="0">
                   <a:solidFill>
                     <a:schemeClr val="accent2">
                       <a:lumMod val="50000"/>
                     </a:schemeClr>
                   </a:solidFill>
                 </a:rPr>
-                <a:t>долго</a:t>
+                <a:t>77000</a:t>
               </a:r>
               <a:endParaRPr lang="ru-RU" sz="7200" dirty="0">
                 <a:solidFill>
@@ -9642,8 +13334,8 @@
           </p:nvSpPr>
           <p:spPr>
             <a:xfrm>
-              <a:off x="1573689" y="3187527"/>
-              <a:ext cx="2427588" cy="1200329"/>
+              <a:off x="1544045" y="3160535"/>
+              <a:ext cx="2525050" cy="1200329"/>
             </a:xfrm>
             <a:prstGeom prst="rect">
               <a:avLst/>
@@ -9657,12 +13349,12 @@
             <a:lstStyle/>
             <a:p>
               <a:r>
-                <a:rPr lang="ru-RU" sz="7200" dirty="0" smtClean="0">
+                <a:rPr lang="en-US" sz="7200" dirty="0" smtClean="0">
                   <a:solidFill>
                     <a:schemeClr val="accent2"/>
                   </a:solidFill>
                 </a:rPr>
-                <a:t>долго</a:t>
+                <a:t>77000</a:t>
               </a:r>
               <a:endParaRPr lang="ru-RU" sz="7200" dirty="0">
                 <a:solidFill>
@@ -9800,28 +13492,400 @@
       </p:grpSp>
       <p:grpSp>
         <p:nvGrpSpPr>
-          <p:cNvPr id="54" name="Группа 53"/>
+          <p:cNvPr id="63" name="Группа 62"/>
           <p:cNvGrpSpPr/>
           <p:nvPr/>
         </p:nvGrpSpPr>
         <p:grpSpPr>
           <a:xfrm>
-            <a:off x="6536755" y="5321665"/>
-            <a:ext cx="947803" cy="556436"/>
+            <a:off x="1562713" y="3839209"/>
+            <a:ext cx="1257734" cy="1265191"/>
+            <a:chOff x="1694768" y="2373608"/>
+            <a:chExt cx="1257734" cy="1265191"/>
+          </a:xfrm>
+        </p:grpSpPr>
+        <p:sp>
+          <p:nvSpPr>
+            <p:cNvPr id="64" name="TextBox 63"/>
+            <p:cNvSpPr txBox="1"/>
+            <p:nvPr/>
+          </p:nvSpPr>
+          <p:spPr>
+            <a:xfrm>
+              <a:off x="1694768" y="2373608"/>
+              <a:ext cx="1200970" cy="1200329"/>
+            </a:xfrm>
+            <a:prstGeom prst="rect">
+              <a:avLst/>
+            </a:prstGeom>
+            <a:noFill/>
+          </p:spPr>
+          <p:txBody>
+            <a:bodyPr wrap="none" rtlCol="0">
+              <a:spAutoFit/>
+            </a:bodyPr>
+            <a:lstStyle/>
+            <a:p>
+              <a:r>
+                <a:rPr lang="ru-RU" sz="7200" dirty="0" err="1" smtClean="0"/>
+                <a:t>мс</a:t>
+              </a:r>
+              <a:endParaRPr lang="ru-RU" sz="7200" dirty="0"/>
+            </a:p>
+          </p:txBody>
+        </p:sp>
+        <p:sp>
+          <p:nvSpPr>
+            <p:cNvPr id="65" name="TextBox 64"/>
+            <p:cNvSpPr txBox="1"/>
+            <p:nvPr/>
+          </p:nvSpPr>
+          <p:spPr>
+            <a:xfrm>
+              <a:off x="1723150" y="2410423"/>
+              <a:ext cx="1200970" cy="1200329"/>
+            </a:xfrm>
+            <a:prstGeom prst="rect">
+              <a:avLst/>
+            </a:prstGeom>
+            <a:noFill/>
+          </p:spPr>
+          <p:txBody>
+            <a:bodyPr wrap="none" rtlCol="0">
+              <a:spAutoFit/>
+            </a:bodyPr>
+            <a:lstStyle/>
+            <a:p>
+              <a:r>
+                <a:rPr lang="ru-RU" sz="7200" dirty="0" err="1" smtClean="0">
+                  <a:solidFill>
+                    <a:schemeClr val="accent2">
+                      <a:lumMod val="50000"/>
+                    </a:schemeClr>
+                  </a:solidFill>
+                </a:rPr>
+                <a:t>мс</a:t>
+              </a:r>
+              <a:endParaRPr lang="ru-RU" sz="7200" dirty="0">
+                <a:solidFill>
+                  <a:schemeClr val="accent2">
+                    <a:lumMod val="50000"/>
+                  </a:schemeClr>
+                </a:solidFill>
+              </a:endParaRPr>
+            </a:p>
+          </p:txBody>
+        </p:sp>
+        <p:sp>
+          <p:nvSpPr>
+            <p:cNvPr id="66" name="TextBox 65"/>
+            <p:cNvSpPr txBox="1"/>
+            <p:nvPr/>
+          </p:nvSpPr>
+          <p:spPr>
+            <a:xfrm>
+              <a:off x="1751532" y="2438470"/>
+              <a:ext cx="1200970" cy="1200329"/>
+            </a:xfrm>
+            <a:prstGeom prst="rect">
+              <a:avLst/>
+            </a:prstGeom>
+            <a:noFill/>
+          </p:spPr>
+          <p:txBody>
+            <a:bodyPr wrap="none" rtlCol="0">
+              <a:spAutoFit/>
+            </a:bodyPr>
+            <a:lstStyle/>
+            <a:p>
+              <a:r>
+                <a:rPr lang="ru-RU" sz="7200" dirty="0" err="1" smtClean="0">
+                  <a:solidFill>
+                    <a:schemeClr val="accent2"/>
+                  </a:solidFill>
+                </a:rPr>
+                <a:t>мс</a:t>
+              </a:r>
+              <a:endParaRPr lang="ru-RU" sz="7200" dirty="0">
+                <a:solidFill>
+                  <a:schemeClr val="accent2"/>
+                </a:solidFill>
+              </a:endParaRPr>
+            </a:p>
+          </p:txBody>
+        </p:sp>
+      </p:grpSp>
+      <p:sp>
+        <p:nvSpPr>
+          <p:cNvPr id="67" name="TextBox 66"/>
+          <p:cNvSpPr txBox="1"/>
+          <p:nvPr/>
+        </p:nvSpPr>
+        <p:spPr>
+          <a:xfrm>
+            <a:off x="209965" y="1277476"/>
+            <a:ext cx="4686004" cy="1200329"/>
+          </a:xfrm>
+          <a:prstGeom prst="rect">
+            <a:avLst/>
+          </a:prstGeom>
+          <a:noFill/>
+        </p:spPr>
+        <p:txBody>
+          <a:bodyPr wrap="square" rtlCol="0">
+            <a:spAutoFit/>
+          </a:bodyPr>
+          <a:lstStyle/>
+          <a:p>
+            <a:pPr algn="ctr"/>
+            <a:r>
+              <a:rPr lang="ru-RU" b="1" dirty="0" smtClean="0"/>
+              <a:t>Локальная машина</a:t>
+            </a:r>
+          </a:p>
+          <a:p>
+            <a:r>
+              <a:rPr lang="ru-RU" dirty="0" smtClean="0"/>
+              <a:t>Сервисы запущены на локальной машине, однако обращение к БД происходит через Интернет.</a:t>
+            </a:r>
+          </a:p>
+        </p:txBody>
+      </p:sp>
+      <p:sp>
+        <p:nvSpPr>
+          <p:cNvPr id="68" name="TextBox 67"/>
+          <p:cNvSpPr txBox="1"/>
+          <p:nvPr/>
+        </p:nvSpPr>
+        <p:spPr>
+          <a:xfrm>
+            <a:off x="8237269" y="5462403"/>
+            <a:ext cx="3599400" cy="923330"/>
+          </a:xfrm>
+          <a:prstGeom prst="rect">
+            <a:avLst/>
+          </a:prstGeom>
+          <a:noFill/>
+        </p:spPr>
+        <p:txBody>
+          <a:bodyPr wrap="square" rtlCol="0">
+            <a:spAutoFit/>
+          </a:bodyPr>
+          <a:lstStyle/>
+          <a:p>
+            <a:pPr algn="ctr"/>
+            <a:r>
+              <a:rPr lang="ru-RU" b="1" dirty="0" smtClean="0"/>
+              <a:t>Удалённый сервер</a:t>
+            </a:r>
+          </a:p>
+          <a:p>
+            <a:r>
+              <a:rPr lang="ru-RU" dirty="0" smtClean="0"/>
+              <a:t>Сервисы запущены на сервере,</a:t>
+            </a:r>
+            <a:br>
+              <a:rPr lang="ru-RU" dirty="0" smtClean="0"/>
+            </a:br>
+            <a:r>
+              <a:rPr lang="ru-RU" dirty="0" smtClean="0"/>
+              <a:t>на котором расположена БД.</a:t>
+            </a:r>
+          </a:p>
+        </p:txBody>
+      </p:sp>
+      <p:pic>
+        <p:nvPicPr>
+          <p:cNvPr id="69" name="Рисунок 68"/>
+          <p:cNvPicPr>
+            <a:picLocks noChangeAspect="1"/>
+          </p:cNvPicPr>
+          <p:nvPr/>
+        </p:nvPicPr>
+        <p:blipFill>
+          <a:blip r:embed="rId2" cstate="print">
+            <a:extLst>
+              <a:ext uri="{28A0092B-C50C-407E-A947-70E740481C1C}">
+                <a14:useLocalDpi xmlns:a14="http://schemas.microsoft.com/office/drawing/2010/main" val="0"/>
+              </a:ext>
+            </a:extLst>
+          </a:blip>
+          <a:stretch>
+            <a:fillRect/>
+          </a:stretch>
+        </p:blipFill>
+        <p:spPr>
+          <a:xfrm>
+            <a:off x="11039853" y="4822845"/>
+            <a:ext cx="988749" cy="1035832"/>
+          </a:xfrm>
+          <a:prstGeom prst="rect">
+            <a:avLst/>
+          </a:prstGeom>
+        </p:spPr>
+      </p:pic>
+      <p:pic>
+        <p:nvPicPr>
+          <p:cNvPr id="70" name="Picture 4" descr="Flat laptop icon laptop - Transparent PNG &amp;amp; SVG vector file"/>
+          <p:cNvPicPr>
+            <a:picLocks noChangeAspect="1" noChangeArrowheads="1"/>
+          </p:cNvPicPr>
+          <p:nvPr/>
+        </p:nvPicPr>
+        <p:blipFill>
+          <a:blip r:embed="rId3" cstate="print">
+            <a:extLst>
+              <a:ext uri="{28A0092B-C50C-407E-A947-70E740481C1C}">
+                <a14:useLocalDpi xmlns:a14="http://schemas.microsoft.com/office/drawing/2010/main" val="0"/>
+              </a:ext>
+            </a:extLst>
+          </a:blip>
+          <a:srcRect/>
+          <a:stretch>
+            <a:fillRect/>
+          </a:stretch>
+        </p:blipFill>
+        <p:spPr bwMode="auto">
+          <a:xfrm>
+            <a:off x="1435707" y="1956116"/>
+            <a:ext cx="1231359" cy="1231359"/>
+          </a:xfrm>
+          <a:prstGeom prst="rect">
+            <a:avLst/>
+          </a:prstGeom>
+          <a:noFill/>
+          <a:extLst>
+            <a:ext uri="{909E8E84-426E-40DD-AFC4-6F175D3DCCD1}">
+              <a14:hiddenFill xmlns:a14="http://schemas.microsoft.com/office/drawing/2010/main">
+                <a:solidFill>
+                  <a:srgbClr val="FFFFFF"/>
+                </a:solidFill>
+              </a14:hiddenFill>
+            </a:ext>
+          </a:extLst>
+        </p:spPr>
+      </p:pic>
+      <p:grpSp>
+        <p:nvGrpSpPr>
+          <p:cNvPr id="71" name="Группа 70"/>
+          <p:cNvGrpSpPr/>
+          <p:nvPr/>
+        </p:nvGrpSpPr>
+        <p:grpSpPr>
+          <a:xfrm>
+            <a:off x="2912332" y="2208435"/>
+            <a:ext cx="794300" cy="675360"/>
+            <a:chOff x="2912332" y="2208435"/>
+            <a:chExt cx="794300" cy="675360"/>
+          </a:xfrm>
+        </p:grpSpPr>
+        <p:pic>
+          <p:nvPicPr>
+            <p:cNvPr id="72" name="Picture 4" descr="Center, data, digital, server icon - Download on Iconfinder"/>
+            <p:cNvPicPr>
+              <a:picLocks noChangeAspect="1" noChangeArrowheads="1"/>
+            </p:cNvPicPr>
+            <p:nvPr/>
+          </p:nvPicPr>
+          <p:blipFill>
+            <a:blip r:embed="rId4" cstate="print">
+              <a:extLst>
+                <a:ext uri="{28A0092B-C50C-407E-A947-70E740481C1C}">
+                  <a14:useLocalDpi xmlns:a14="http://schemas.microsoft.com/office/drawing/2010/main" val="0"/>
+                </a:ext>
+              </a:extLst>
+            </a:blip>
+            <a:srcRect/>
+            <a:stretch>
+              <a:fillRect/>
+            </a:stretch>
+          </p:blipFill>
+          <p:spPr bwMode="auto">
+            <a:xfrm>
+              <a:off x="3041824" y="2208435"/>
+              <a:ext cx="664808" cy="664808"/>
+            </a:xfrm>
+            <a:prstGeom prst="rect">
+              <a:avLst/>
+            </a:prstGeom>
+            <a:noFill/>
+            <a:extLst>
+              <a:ext uri="{909E8E84-426E-40DD-AFC4-6F175D3DCCD1}">
+                <a14:hiddenFill xmlns:a14="http://schemas.microsoft.com/office/drawing/2010/main">
+                  <a:solidFill>
+                    <a:srgbClr val="FFFFFF"/>
+                  </a:solidFill>
+                </a14:hiddenFill>
+              </a:ext>
+            </a:extLst>
+          </p:spPr>
+        </p:pic>
+        <p:pic>
+          <p:nvPicPr>
+            <p:cNvPr id="73" name="Picture 8" descr="Web icon - Material Core"/>
+            <p:cNvPicPr>
+              <a:picLocks noChangeAspect="1" noChangeArrowheads="1"/>
+            </p:cNvPicPr>
+            <p:nvPr/>
+          </p:nvPicPr>
+          <p:blipFill>
+            <a:blip r:embed="rId5" cstate="print">
+              <a:extLst>
+                <a:ext uri="{28A0092B-C50C-407E-A947-70E740481C1C}">
+                  <a14:useLocalDpi xmlns:a14="http://schemas.microsoft.com/office/drawing/2010/main" val="0"/>
+                </a:ext>
+              </a:extLst>
+            </a:blip>
+            <a:srcRect/>
+            <a:stretch>
+              <a:fillRect/>
+            </a:stretch>
+          </p:blipFill>
+          <p:spPr bwMode="auto">
+            <a:xfrm>
+              <a:off x="2912332" y="2501505"/>
+              <a:ext cx="382290" cy="382290"/>
+            </a:xfrm>
+            <a:prstGeom prst="rect">
+              <a:avLst/>
+            </a:prstGeom>
+            <a:noFill/>
+            <a:extLst>
+              <a:ext uri="{909E8E84-426E-40DD-AFC4-6F175D3DCCD1}">
+                <a14:hiddenFill xmlns:a14="http://schemas.microsoft.com/office/drawing/2010/main">
+                  <a:solidFill>
+                    <a:srgbClr val="FFFFFF"/>
+                  </a:solidFill>
+                </a14:hiddenFill>
+              </a:ext>
+            </a:extLst>
+          </p:spPr>
+        </p:pic>
+      </p:grpSp>
+      <p:grpSp>
+        <p:nvGrpSpPr>
+          <p:cNvPr id="74" name="Группа 73"/>
+          <p:cNvGrpSpPr/>
+          <p:nvPr/>
+        </p:nvGrpSpPr>
+        <p:grpSpPr>
+          <a:xfrm>
+            <a:off x="5423840" y="5505015"/>
+            <a:ext cx="1344319" cy="754164"/>
             <a:chOff x="3713801" y="5263909"/>
             <a:chExt cx="2435860" cy="1366519"/>
           </a:xfrm>
         </p:grpSpPr>
         <p:pic>
           <p:nvPicPr>
-            <p:cNvPr id="55" name="Picture 2" descr="Иконка «Пользователь» — скачай бесплатно PNG и векторе"/>
+            <p:cNvPr id="75" name="Picture 2" descr="Иконка «Пользователь» — скачай бесплатно PNG и векторе"/>
             <p:cNvPicPr>
               <a:picLocks noChangeAspect="1" noChangeArrowheads="1"/>
             </p:cNvPicPr>
             <p:nvPr/>
           </p:nvPicPr>
           <p:blipFill>
-            <a:blip r:embed="rId3" cstate="print">
+            <a:blip r:embed="rId6" cstate="print">
               <a:extLst>
                 <a:ext uri="{28A0092B-C50C-407E-A947-70E740481C1C}">
                   <a14:useLocalDpi xmlns:a14="http://schemas.microsoft.com/office/drawing/2010/main" val="0"/>
@@ -9855,14 +13919,14 @@
         </p:pic>
         <p:pic>
           <p:nvPicPr>
-            <p:cNvPr id="56" name="Picture 2" descr="Иконка «Пользователь» — скачай бесплатно PNG и векторе"/>
+            <p:cNvPr id="76" name="Picture 2" descr="Иконка «Пользователь» — скачай бесплатно PNG и векторе"/>
             <p:cNvPicPr>
               <a:picLocks noChangeAspect="1" noChangeArrowheads="1"/>
             </p:cNvPicPr>
             <p:nvPr/>
           </p:nvPicPr>
           <p:blipFill>
-            <a:blip r:embed="rId4" cstate="print">
+            <a:blip r:embed="rId7" cstate="print">
               <a:extLst>
                 <a:ext uri="{28A0092B-C50C-407E-A947-70E740481C1C}">
                   <a14:useLocalDpi xmlns:a14="http://schemas.microsoft.com/office/drawing/2010/main" val="0"/>
@@ -9896,14 +13960,186 @@
         </p:pic>
         <p:pic>
           <p:nvPicPr>
-            <p:cNvPr id="57" name="Picture 2" descr="Иконка «Пользователь» — скачай бесплатно PNG и векторе"/>
+            <p:cNvPr id="77" name="Picture 2" descr="Иконка «Пользователь» — скачай бесплатно PNG и векторе"/>
             <p:cNvPicPr>
               <a:picLocks noChangeAspect="1" noChangeArrowheads="1"/>
             </p:cNvPicPr>
             <p:nvPr/>
           </p:nvPicPr>
           <p:blipFill>
-            <a:blip r:embed="rId3" cstate="print">
+            <a:blip r:embed="rId6" cstate="print">
+              <a:extLst>
+                <a:ext uri="{28A0092B-C50C-407E-A947-70E740481C1C}">
+                  <a14:useLocalDpi xmlns:a14="http://schemas.microsoft.com/office/drawing/2010/main" val="0"/>
+                </a:ext>
+              </a:extLst>
+            </a:blip>
+            <a:srcRect/>
+            <a:stretch>
+              <a:fillRect/>
+            </a:stretch>
+          </p:blipFill>
+          <p:spPr bwMode="auto">
+            <a:xfrm>
+              <a:off x="3713801" y="5397258"/>
+              <a:ext cx="1217930" cy="1217930"/>
+            </a:xfrm>
+            <a:prstGeom prst="rect">
+              <a:avLst/>
+            </a:prstGeom>
+            <a:noFill/>
+            <a:extLst>
+              <a:ext uri="{909E8E84-426E-40DD-AFC4-6F175D3DCCD1}">
+                <a14:hiddenFill xmlns:a14="http://schemas.microsoft.com/office/drawing/2010/main">
+                  <a:solidFill>
+                    <a:srgbClr val="FFFFFF"/>
+                  </a:solidFill>
+                </a14:hiddenFill>
+              </a:ext>
+            </a:extLst>
+          </p:spPr>
+        </p:pic>
+      </p:grpSp>
+      <p:sp>
+        <p:nvSpPr>
+          <p:cNvPr id="78" name="TextBox 77"/>
+          <p:cNvSpPr txBox="1"/>
+          <p:nvPr/>
+        </p:nvSpPr>
+        <p:spPr>
+          <a:xfrm>
+            <a:off x="4429987" y="5188697"/>
+            <a:ext cx="3615349" cy="369332"/>
+          </a:xfrm>
+          <a:prstGeom prst="rect">
+            <a:avLst/>
+          </a:prstGeom>
+          <a:noFill/>
+        </p:spPr>
+        <p:txBody>
+          <a:bodyPr wrap="none" rtlCol="0">
+            <a:spAutoFit/>
+          </a:bodyPr>
+          <a:lstStyle/>
+          <a:p>
+            <a:r>
+              <a:rPr lang="ru-RU" dirty="0"/>
+              <a:t>д</a:t>
+            </a:r>
+            <a:r>
+              <a:rPr lang="ru-RU" dirty="0" smtClean="0"/>
+              <a:t>ля запросов к основному сервису</a:t>
+            </a:r>
+            <a:endParaRPr lang="ru-RU" dirty="0"/>
+          </a:p>
+        </p:txBody>
+      </p:sp>
+      <p:grpSp>
+        <p:nvGrpSpPr>
+          <p:cNvPr id="79" name="Группа 78"/>
+          <p:cNvGrpSpPr/>
+          <p:nvPr/>
+        </p:nvGrpSpPr>
+        <p:grpSpPr>
+          <a:xfrm>
+            <a:off x="6660881" y="5684067"/>
+            <a:ext cx="937990" cy="526213"/>
+            <a:chOff x="3713801" y="5263909"/>
+            <a:chExt cx="2435860" cy="1366519"/>
+          </a:xfrm>
+        </p:grpSpPr>
+        <p:pic>
+          <p:nvPicPr>
+            <p:cNvPr id="80" name="Picture 2" descr="Иконка «Пользователь» — скачай бесплатно PNG и векторе"/>
+            <p:cNvPicPr>
+              <a:picLocks noChangeAspect="1" noChangeArrowheads="1"/>
+            </p:cNvPicPr>
+            <p:nvPr/>
+          </p:nvPicPr>
+          <p:blipFill>
+            <a:blip r:embed="rId6" cstate="print">
+              <a:extLst>
+                <a:ext uri="{28A0092B-C50C-407E-A947-70E740481C1C}">
+                  <a14:useLocalDpi xmlns:a14="http://schemas.microsoft.com/office/drawing/2010/main" val="0"/>
+                </a:ext>
+              </a:extLst>
+            </a:blip>
+            <a:srcRect/>
+            <a:stretch>
+              <a:fillRect/>
+            </a:stretch>
+          </p:blipFill>
+          <p:spPr bwMode="auto">
+            <a:xfrm>
+              <a:off x="4931731" y="5397258"/>
+              <a:ext cx="1217930" cy="1217930"/>
+            </a:xfrm>
+            <a:prstGeom prst="rect">
+              <a:avLst/>
+            </a:prstGeom>
+            <a:noFill/>
+            <a:extLst>
+              <a:ext uri="{909E8E84-426E-40DD-AFC4-6F175D3DCCD1}">
+                <a14:hiddenFill xmlns:a14="http://schemas.microsoft.com/office/drawing/2010/main">
+                  <a:solidFill>
+                    <a:srgbClr val="FFFFFF"/>
+                  </a:solidFill>
+                </a14:hiddenFill>
+              </a:ext>
+            </a:extLst>
+          </p:spPr>
+        </p:pic>
+        <p:pic>
+          <p:nvPicPr>
+            <p:cNvPr id="81" name="Picture 2" descr="Иконка «Пользователь» — скачай бесплатно PNG и векторе"/>
+            <p:cNvPicPr>
+              <a:picLocks noChangeAspect="1" noChangeArrowheads="1"/>
+            </p:cNvPicPr>
+            <p:nvPr/>
+          </p:nvPicPr>
+          <p:blipFill>
+            <a:blip r:embed="rId7" cstate="print">
+              <a:extLst>
+                <a:ext uri="{28A0092B-C50C-407E-A947-70E740481C1C}">
+                  <a14:useLocalDpi xmlns:a14="http://schemas.microsoft.com/office/drawing/2010/main" val="0"/>
+                </a:ext>
+              </a:extLst>
+            </a:blip>
+            <a:srcRect/>
+            <a:stretch>
+              <a:fillRect/>
+            </a:stretch>
+          </p:blipFill>
+          <p:spPr bwMode="auto">
+            <a:xfrm>
+              <a:off x="4248471" y="5263909"/>
+              <a:ext cx="1366519" cy="1366519"/>
+            </a:xfrm>
+            <a:prstGeom prst="rect">
+              <a:avLst/>
+            </a:prstGeom>
+            <a:noFill/>
+            <a:extLst>
+              <a:ext uri="{909E8E84-426E-40DD-AFC4-6F175D3DCCD1}">
+                <a14:hiddenFill xmlns:a14="http://schemas.microsoft.com/office/drawing/2010/main">
+                  <a:solidFill>
+                    <a:srgbClr val="FFFFFF"/>
+                  </a:solidFill>
+                </a14:hiddenFill>
+              </a:ext>
+            </a:extLst>
+          </p:spPr>
+        </p:pic>
+        <p:pic>
+          <p:nvPicPr>
+            <p:cNvPr id="82" name="Picture 2" descr="Иконка «Пользователь» — скачай бесплатно PNG и векторе"/>
+            <p:cNvPicPr>
+              <a:picLocks noChangeAspect="1" noChangeArrowheads="1"/>
+            </p:cNvPicPr>
+            <p:nvPr/>
+          </p:nvPicPr>
+          <p:blipFill>
+            <a:blip r:embed="rId6" cstate="print">
               <a:extLst>
                 <a:ext uri="{28A0092B-C50C-407E-A947-70E740481C1C}">
                   <a14:useLocalDpi xmlns:a14="http://schemas.microsoft.com/office/drawing/2010/main" val="0"/>
@@ -9938,28 +14174,28 @@
       </p:grpSp>
       <p:grpSp>
         <p:nvGrpSpPr>
-          <p:cNvPr id="58" name="Группа 57"/>
+          <p:cNvPr id="83" name="Группа 82"/>
           <p:cNvGrpSpPr/>
           <p:nvPr/>
         </p:nvGrpSpPr>
         <p:grpSpPr>
           <a:xfrm>
-            <a:off x="4652711" y="5321665"/>
-            <a:ext cx="1049299" cy="568114"/>
+            <a:off x="4727767" y="5735598"/>
+            <a:ext cx="798627" cy="448030"/>
             <a:chOff x="3713801" y="5263909"/>
             <a:chExt cx="2435860" cy="1366519"/>
           </a:xfrm>
         </p:grpSpPr>
         <p:pic>
           <p:nvPicPr>
-            <p:cNvPr id="59" name="Picture 2" descr="Иконка «Пользователь» — скачай бесплатно PNG и векторе"/>
+            <p:cNvPr id="84" name="Picture 2" descr="Иконка «Пользователь» — скачай бесплатно PNG и векторе"/>
             <p:cNvPicPr>
               <a:picLocks noChangeAspect="1" noChangeArrowheads="1"/>
             </p:cNvPicPr>
             <p:nvPr/>
           </p:nvPicPr>
           <p:blipFill>
-            <a:blip r:embed="rId3" cstate="print">
+            <a:blip r:embed="rId6" cstate="print">
               <a:extLst>
                 <a:ext uri="{28A0092B-C50C-407E-A947-70E740481C1C}">
                   <a14:useLocalDpi xmlns:a14="http://schemas.microsoft.com/office/drawing/2010/main" val="0"/>
@@ -9993,14 +14229,14 @@
         </p:pic>
         <p:pic>
           <p:nvPicPr>
-            <p:cNvPr id="60" name="Picture 2" descr="Иконка «Пользователь» — скачай бесплатно PNG и векторе"/>
+            <p:cNvPr id="85" name="Picture 2" descr="Иконка «Пользователь» — скачай бесплатно PNG и векторе"/>
             <p:cNvPicPr>
               <a:picLocks noChangeAspect="1" noChangeArrowheads="1"/>
             </p:cNvPicPr>
             <p:nvPr/>
           </p:nvPicPr>
           <p:blipFill>
-            <a:blip r:embed="rId4" cstate="print">
+            <a:blip r:embed="rId7" cstate="print">
               <a:extLst>
                 <a:ext uri="{28A0092B-C50C-407E-A947-70E740481C1C}">
                   <a14:useLocalDpi xmlns:a14="http://schemas.microsoft.com/office/drawing/2010/main" val="0"/>
@@ -10034,14 +14270,14 @@
         </p:pic>
         <p:pic>
           <p:nvPicPr>
-            <p:cNvPr id="61" name="Picture 2" descr="Иконка «Пользователь» — скачай бесплатно PNG и векторе"/>
+            <p:cNvPr id="86" name="Picture 2" descr="Иконка «Пользователь» — скачай бесплатно PNG и векторе"/>
             <p:cNvPicPr>
               <a:picLocks noChangeAspect="1" noChangeArrowheads="1"/>
             </p:cNvPicPr>
             <p:nvPr/>
           </p:nvPicPr>
           <p:blipFill>
-            <a:blip r:embed="rId3" cstate="print">
+            <a:blip r:embed="rId6" cstate="print">
               <a:extLst>
                 <a:ext uri="{28A0092B-C50C-407E-A947-70E740481C1C}">
                   <a14:useLocalDpi xmlns:a14="http://schemas.microsoft.com/office/drawing/2010/main" val="0"/>
@@ -10074,47 +14310,6 @@
           </p:spPr>
         </p:pic>
       </p:grpSp>
-      <p:pic>
-        <p:nvPicPr>
-          <p:cNvPr id="62" name="Picture 4" descr="Flat laptop icon laptop - Transparent PNG &amp;amp; SVG vector file"/>
-          <p:cNvPicPr>
-            <a:picLocks noChangeAspect="1" noChangeArrowheads="1"/>
-          </p:cNvPicPr>
-          <p:nvPr/>
-        </p:nvPicPr>
-        <p:blipFill>
-          <a:blip r:embed="rId5" cstate="print">
-            <a:extLst>
-              <a:ext uri="{28A0092B-C50C-407E-A947-70E740481C1C}">
-                <a14:useLocalDpi xmlns:a14="http://schemas.microsoft.com/office/drawing/2010/main" val="0"/>
-              </a:ext>
-            </a:extLst>
-          </a:blip>
-          <a:srcRect/>
-          <a:stretch>
-            <a:fillRect/>
-          </a:stretch>
-        </p:blipFill>
-        <p:spPr bwMode="auto">
-          <a:xfrm>
-            <a:off x="1639147" y="1997016"/>
-            <a:ext cx="1231359" cy="1231359"/>
-          </a:xfrm>
-          <a:prstGeom prst="rect">
-            <a:avLst/>
-          </a:prstGeom>
-          <a:noFill/>
-          <a:extLst>
-            <a:ext uri="{909E8E84-426E-40DD-AFC4-6F175D3DCCD1}">
-              <a14:hiddenFill xmlns:a14="http://schemas.microsoft.com/office/drawing/2010/main">
-                <a:solidFill>
-                  <a:srgbClr val="FFFFFF"/>
-                </a:solidFill>
-              </a14:hiddenFill>
-            </a:ext>
-          </a:extLst>
-        </p:spPr>
-      </p:pic>
     </p:spTree>
     <p:extLst>
       <p:ext uri="{BB962C8B-B14F-4D97-AF65-F5344CB8AC3E}">
@@ -10143,7 +14338,7 @@
 </p:sld>
 </file>
 
-<file path=ppt/slides/slide15.xml><?xml version="1.0" encoding="utf-8"?>
+<file path=ppt/slides/slide18.xml><?xml version="1.0" encoding="utf-8"?>
 <p:sld xmlns:a="http://schemas.openxmlformats.org/drawingml/2006/main" xmlns:r="http://schemas.openxmlformats.org/officeDocument/2006/relationships" xmlns:p="http://schemas.openxmlformats.org/presentationml/2006/main">
   <p:cSld>
     <p:spTree>
@@ -10160,6 +14355,59 @@
           <a:chExt cx="0" cy="0"/>
         </a:xfrm>
       </p:grpSpPr>
+      <p:pic>
+        <p:nvPicPr>
+          <p:cNvPr id="11266" name="Picture 2" descr="https://sun9-26.userapi.com/impg/VrLMw-2XhsZrLkXCS2TiHgNWQiCD4wrKuQxoOQ/77yJVadVf7I.jpg?size=2560x1123&amp;quality=96&amp;sign=e2d24c5aa9f219e48ab99755a0b41bf3&amp;type=album"/>
+          <p:cNvPicPr>
+            <a:picLocks noChangeAspect="1" noChangeArrowheads="1"/>
+          </p:cNvPicPr>
+          <p:nvPr/>
+        </p:nvPicPr>
+        <p:blipFill>
+          <a:blip r:embed="rId2" cstate="print">
+            <a:extLst>
+              <a:ext uri="{28A0092B-C50C-407E-A947-70E740481C1C}">
+                <a14:useLocalDpi xmlns:a14="http://schemas.microsoft.com/office/drawing/2010/main" val="0"/>
+              </a:ext>
+            </a:extLst>
+          </a:blip>
+          <a:srcRect/>
+          <a:stretch>
+            <a:fillRect/>
+          </a:stretch>
+        </p:blipFill>
+        <p:spPr bwMode="auto">
+          <a:xfrm>
+            <a:off x="985143" y="4654221"/>
+            <a:ext cx="2532022" cy="1674327"/>
+          </a:xfrm>
+          <a:prstGeom prst="rect">
+            <a:avLst/>
+          </a:prstGeom>
+          <a:ln w="38100" cap="sq">
+            <a:solidFill>
+              <a:schemeClr val="accent2"/>
+            </a:solidFill>
+            <a:miter lim="800000"/>
+          </a:ln>
+          <a:effectLst>
+            <a:outerShdw blurRad="57150" dist="50800" dir="2700000" algn="tl" rotWithShape="0">
+              <a:srgbClr val="000000">
+                <a:alpha val="40000"/>
+              </a:srgbClr>
+            </a:outerShdw>
+          </a:effectLst>
+          <a:extLst>
+            <a:ext uri="{909E8E84-426E-40DD-AFC4-6F175D3DCCD1}">
+              <a14:hiddenFill xmlns:a14="http://schemas.microsoft.com/office/drawing/2010/main">
+                <a:solidFill>
+                  <a:srgbClr val="FFFFFF"/>
+                </a:solidFill>
+              </a14:hiddenFill>
+            </a:ext>
+          </a:extLst>
+        </p:spPr>
+      </p:pic>
       <p:sp>
         <p:nvSpPr>
           <p:cNvPr id="10" name="TextBox 9"/>
@@ -10198,8 +14446,8 @@
         </p:nvSpPr>
         <p:spPr>
           <a:xfrm>
-            <a:off x="395926" y="1363236"/>
-            <a:ext cx="4141506" cy="923330"/>
+            <a:off x="209965" y="1277476"/>
+            <a:ext cx="4686004" cy="1200329"/>
           </a:xfrm>
           <a:prstGeom prst="rect">
             <a:avLst/>
@@ -10219,29 +14467,10 @@
             </a:r>
           </a:p>
           <a:p>
-            <a:pPr marL="285750" indent="-285750">
-              <a:buFont typeface="Arial" panose="020B0604020202020204" pitchFamily="34" charset="0"/>
-              <a:buChar char="•"/>
-            </a:pPr>
-            <a:r>
-              <a:rPr lang="en-US" dirty="0" smtClean="0"/>
-              <a:t>Intel Core i5</a:t>
-            </a:r>
-          </a:p>
-          <a:p>
-            <a:pPr marL="285750" indent="-285750">
-              <a:buFont typeface="Arial" panose="020B0604020202020204" pitchFamily="34" charset="0"/>
-              <a:buChar char="•"/>
-            </a:pPr>
             <a:r>
               <a:rPr lang="ru-RU" dirty="0" smtClean="0"/>
-              <a:t>Соединение с удалённой БД по </a:t>
-            </a:r>
-            <a:r>
-              <a:rPr lang="en-US" dirty="0" err="1" smtClean="0"/>
-              <a:t>WiFi</a:t>
-            </a:r>
-            <a:endParaRPr lang="ru-RU" dirty="0" smtClean="0"/>
+              <a:t>Сервисы запущены на локальной машине, однако обращение к БД происходит через Интернет.</a:t>
+            </a:r>
           </a:p>
         </p:txBody>
       </p:sp>
@@ -10253,8 +14482,8 @@
         </p:nvSpPr>
         <p:spPr>
           <a:xfrm>
-            <a:off x="8342721" y="5221298"/>
-            <a:ext cx="3306119" cy="1200329"/>
+            <a:off x="8237269" y="5462403"/>
+            <a:ext cx="3599400" cy="923330"/>
           </a:xfrm>
           <a:prstGeom prst="rect">
             <a:avLst/>
@@ -10274,23 +14503,16 @@
             </a:r>
           </a:p>
           <a:p>
-            <a:pPr marL="285750" indent="-285750">
-              <a:buFont typeface="Arial" panose="020B0604020202020204" pitchFamily="34" charset="0"/>
-              <a:buChar char="•"/>
-            </a:pPr>
-            <a:r>
-              <a:rPr lang="en-US" dirty="0" smtClean="0"/>
-              <a:t>Ryzen 5 3600</a:t>
-            </a:r>
-          </a:p>
-          <a:p>
-            <a:pPr marL="285750" indent="-285750">
-              <a:buFont typeface="Arial" panose="020B0604020202020204" pitchFamily="34" charset="0"/>
-              <a:buChar char="•"/>
-            </a:pPr>
             <a:r>
               <a:rPr lang="ru-RU" dirty="0" smtClean="0"/>
-              <a:t>БД и сервисы расположены на одном сервере</a:t>
+              <a:t>Сервисы запущены на сервере,</a:t>
+            </a:r>
+            <a:br>
+              <a:rPr lang="ru-RU" dirty="0" smtClean="0"/>
+            </a:br>
+            <a:r>
+              <a:rPr lang="ru-RU" dirty="0" smtClean="0"/>
+              <a:t>на котором расположена БД.</a:t>
             </a:r>
           </a:p>
         </p:txBody>
@@ -10554,7 +14776,7 @@
           <p:nvPr/>
         </p:nvPicPr>
         <p:blipFill>
-          <a:blip r:embed="rId2" cstate="print">
+          <a:blip r:embed="rId3" cstate="print">
             <a:extLst>
               <a:ext uri="{28A0092B-C50C-407E-A947-70E740481C1C}">
                 <a14:useLocalDpi xmlns:a14="http://schemas.microsoft.com/office/drawing/2010/main" val="0"/>
@@ -10950,463 +15172,6 @@
           </p:txBody>
         </p:sp>
       </p:grpSp>
-      <p:grpSp>
-        <p:nvGrpSpPr>
-          <p:cNvPr id="38" name="Группа 37"/>
-          <p:cNvGrpSpPr/>
-          <p:nvPr/>
-        </p:nvGrpSpPr>
-        <p:grpSpPr>
-          <a:xfrm>
-            <a:off x="5423840" y="5296133"/>
-            <a:ext cx="1344319" cy="754164"/>
-            <a:chOff x="3713801" y="5263909"/>
-            <a:chExt cx="2435860" cy="1366519"/>
-          </a:xfrm>
-        </p:grpSpPr>
-        <p:pic>
-          <p:nvPicPr>
-            <p:cNvPr id="39" name="Picture 2" descr="Иконка «Пользователь» — скачай бесплатно PNG и векторе"/>
-            <p:cNvPicPr>
-              <a:picLocks noChangeAspect="1" noChangeArrowheads="1"/>
-            </p:cNvPicPr>
-            <p:nvPr/>
-          </p:nvPicPr>
-          <p:blipFill>
-            <a:blip r:embed="rId3" cstate="print">
-              <a:extLst>
-                <a:ext uri="{28A0092B-C50C-407E-A947-70E740481C1C}">
-                  <a14:useLocalDpi xmlns:a14="http://schemas.microsoft.com/office/drawing/2010/main" val="0"/>
-                </a:ext>
-              </a:extLst>
-            </a:blip>
-            <a:srcRect/>
-            <a:stretch>
-              <a:fillRect/>
-            </a:stretch>
-          </p:blipFill>
-          <p:spPr bwMode="auto">
-            <a:xfrm>
-              <a:off x="4931731" y="5397258"/>
-              <a:ext cx="1217930" cy="1217930"/>
-            </a:xfrm>
-            <a:prstGeom prst="rect">
-              <a:avLst/>
-            </a:prstGeom>
-            <a:noFill/>
-            <a:extLst>
-              <a:ext uri="{909E8E84-426E-40DD-AFC4-6F175D3DCCD1}">
-                <a14:hiddenFill xmlns:a14="http://schemas.microsoft.com/office/drawing/2010/main">
-                  <a:solidFill>
-                    <a:srgbClr val="FFFFFF"/>
-                  </a:solidFill>
-                </a14:hiddenFill>
-              </a:ext>
-            </a:extLst>
-          </p:spPr>
-        </p:pic>
-        <p:pic>
-          <p:nvPicPr>
-            <p:cNvPr id="40" name="Picture 2" descr="Иконка «Пользователь» — скачай бесплатно PNG и векторе"/>
-            <p:cNvPicPr>
-              <a:picLocks noChangeAspect="1" noChangeArrowheads="1"/>
-            </p:cNvPicPr>
-            <p:nvPr/>
-          </p:nvPicPr>
-          <p:blipFill>
-            <a:blip r:embed="rId4" cstate="print">
-              <a:extLst>
-                <a:ext uri="{28A0092B-C50C-407E-A947-70E740481C1C}">
-                  <a14:useLocalDpi xmlns:a14="http://schemas.microsoft.com/office/drawing/2010/main" val="0"/>
-                </a:ext>
-              </a:extLst>
-            </a:blip>
-            <a:srcRect/>
-            <a:stretch>
-              <a:fillRect/>
-            </a:stretch>
-          </p:blipFill>
-          <p:spPr bwMode="auto">
-            <a:xfrm>
-              <a:off x="4248471" y="5263909"/>
-              <a:ext cx="1366519" cy="1366519"/>
-            </a:xfrm>
-            <a:prstGeom prst="rect">
-              <a:avLst/>
-            </a:prstGeom>
-            <a:noFill/>
-            <a:extLst>
-              <a:ext uri="{909E8E84-426E-40DD-AFC4-6F175D3DCCD1}">
-                <a14:hiddenFill xmlns:a14="http://schemas.microsoft.com/office/drawing/2010/main">
-                  <a:solidFill>
-                    <a:srgbClr val="FFFFFF"/>
-                  </a:solidFill>
-                </a14:hiddenFill>
-              </a:ext>
-            </a:extLst>
-          </p:spPr>
-        </p:pic>
-        <p:pic>
-          <p:nvPicPr>
-            <p:cNvPr id="41" name="Picture 2" descr="Иконка «Пользователь» — скачай бесплатно PNG и векторе"/>
-            <p:cNvPicPr>
-              <a:picLocks noChangeAspect="1" noChangeArrowheads="1"/>
-            </p:cNvPicPr>
-            <p:nvPr/>
-          </p:nvPicPr>
-          <p:blipFill>
-            <a:blip r:embed="rId3" cstate="print">
-              <a:extLst>
-                <a:ext uri="{28A0092B-C50C-407E-A947-70E740481C1C}">
-                  <a14:useLocalDpi xmlns:a14="http://schemas.microsoft.com/office/drawing/2010/main" val="0"/>
-                </a:ext>
-              </a:extLst>
-            </a:blip>
-            <a:srcRect/>
-            <a:stretch>
-              <a:fillRect/>
-            </a:stretch>
-          </p:blipFill>
-          <p:spPr bwMode="auto">
-            <a:xfrm>
-              <a:off x="3713801" y="5397258"/>
-              <a:ext cx="1217930" cy="1217930"/>
-            </a:xfrm>
-            <a:prstGeom prst="rect">
-              <a:avLst/>
-            </a:prstGeom>
-            <a:noFill/>
-            <a:extLst>
-              <a:ext uri="{909E8E84-426E-40DD-AFC4-6F175D3DCCD1}">
-                <a14:hiddenFill xmlns:a14="http://schemas.microsoft.com/office/drawing/2010/main">
-                  <a:solidFill>
-                    <a:srgbClr val="FFFFFF"/>
-                  </a:solidFill>
-                </a14:hiddenFill>
-              </a:ext>
-            </a:extLst>
-          </p:spPr>
-        </p:pic>
-      </p:grpSp>
-      <p:grpSp>
-        <p:nvGrpSpPr>
-          <p:cNvPr id="54" name="Группа 53"/>
-          <p:cNvGrpSpPr/>
-          <p:nvPr/>
-        </p:nvGrpSpPr>
-        <p:grpSpPr>
-          <a:xfrm>
-            <a:off x="6536755" y="5321665"/>
-            <a:ext cx="947803" cy="556436"/>
-            <a:chOff x="3713801" y="5263909"/>
-            <a:chExt cx="2435860" cy="1366519"/>
-          </a:xfrm>
-        </p:grpSpPr>
-        <p:pic>
-          <p:nvPicPr>
-            <p:cNvPr id="55" name="Picture 2" descr="Иконка «Пользователь» — скачай бесплатно PNG и векторе"/>
-            <p:cNvPicPr>
-              <a:picLocks noChangeAspect="1" noChangeArrowheads="1"/>
-            </p:cNvPicPr>
-            <p:nvPr/>
-          </p:nvPicPr>
-          <p:blipFill>
-            <a:blip r:embed="rId3" cstate="print">
-              <a:extLst>
-                <a:ext uri="{28A0092B-C50C-407E-A947-70E740481C1C}">
-                  <a14:useLocalDpi xmlns:a14="http://schemas.microsoft.com/office/drawing/2010/main" val="0"/>
-                </a:ext>
-              </a:extLst>
-            </a:blip>
-            <a:srcRect/>
-            <a:stretch>
-              <a:fillRect/>
-            </a:stretch>
-          </p:blipFill>
-          <p:spPr bwMode="auto">
-            <a:xfrm>
-              <a:off x="4931731" y="5397258"/>
-              <a:ext cx="1217930" cy="1217930"/>
-            </a:xfrm>
-            <a:prstGeom prst="rect">
-              <a:avLst/>
-            </a:prstGeom>
-            <a:noFill/>
-            <a:extLst>
-              <a:ext uri="{909E8E84-426E-40DD-AFC4-6F175D3DCCD1}">
-                <a14:hiddenFill xmlns:a14="http://schemas.microsoft.com/office/drawing/2010/main">
-                  <a:solidFill>
-                    <a:srgbClr val="FFFFFF"/>
-                  </a:solidFill>
-                </a14:hiddenFill>
-              </a:ext>
-            </a:extLst>
-          </p:spPr>
-        </p:pic>
-        <p:pic>
-          <p:nvPicPr>
-            <p:cNvPr id="56" name="Picture 2" descr="Иконка «Пользователь» — скачай бесплатно PNG и векторе"/>
-            <p:cNvPicPr>
-              <a:picLocks noChangeAspect="1" noChangeArrowheads="1"/>
-            </p:cNvPicPr>
-            <p:nvPr/>
-          </p:nvPicPr>
-          <p:blipFill>
-            <a:blip r:embed="rId4" cstate="print">
-              <a:extLst>
-                <a:ext uri="{28A0092B-C50C-407E-A947-70E740481C1C}">
-                  <a14:useLocalDpi xmlns:a14="http://schemas.microsoft.com/office/drawing/2010/main" val="0"/>
-                </a:ext>
-              </a:extLst>
-            </a:blip>
-            <a:srcRect/>
-            <a:stretch>
-              <a:fillRect/>
-            </a:stretch>
-          </p:blipFill>
-          <p:spPr bwMode="auto">
-            <a:xfrm>
-              <a:off x="4248471" y="5263909"/>
-              <a:ext cx="1366519" cy="1366519"/>
-            </a:xfrm>
-            <a:prstGeom prst="rect">
-              <a:avLst/>
-            </a:prstGeom>
-            <a:noFill/>
-            <a:extLst>
-              <a:ext uri="{909E8E84-426E-40DD-AFC4-6F175D3DCCD1}">
-                <a14:hiddenFill xmlns:a14="http://schemas.microsoft.com/office/drawing/2010/main">
-                  <a:solidFill>
-                    <a:srgbClr val="FFFFFF"/>
-                  </a:solidFill>
-                </a14:hiddenFill>
-              </a:ext>
-            </a:extLst>
-          </p:spPr>
-        </p:pic>
-        <p:pic>
-          <p:nvPicPr>
-            <p:cNvPr id="57" name="Picture 2" descr="Иконка «Пользователь» — скачай бесплатно PNG и векторе"/>
-            <p:cNvPicPr>
-              <a:picLocks noChangeAspect="1" noChangeArrowheads="1"/>
-            </p:cNvPicPr>
-            <p:nvPr/>
-          </p:nvPicPr>
-          <p:blipFill>
-            <a:blip r:embed="rId3" cstate="print">
-              <a:extLst>
-                <a:ext uri="{28A0092B-C50C-407E-A947-70E740481C1C}">
-                  <a14:useLocalDpi xmlns:a14="http://schemas.microsoft.com/office/drawing/2010/main" val="0"/>
-                </a:ext>
-              </a:extLst>
-            </a:blip>
-            <a:srcRect/>
-            <a:stretch>
-              <a:fillRect/>
-            </a:stretch>
-          </p:blipFill>
-          <p:spPr bwMode="auto">
-            <a:xfrm>
-              <a:off x="3713801" y="5397258"/>
-              <a:ext cx="1217930" cy="1217930"/>
-            </a:xfrm>
-            <a:prstGeom prst="rect">
-              <a:avLst/>
-            </a:prstGeom>
-            <a:noFill/>
-            <a:extLst>
-              <a:ext uri="{909E8E84-426E-40DD-AFC4-6F175D3DCCD1}">
-                <a14:hiddenFill xmlns:a14="http://schemas.microsoft.com/office/drawing/2010/main">
-                  <a:solidFill>
-                    <a:srgbClr val="FFFFFF"/>
-                  </a:solidFill>
-                </a14:hiddenFill>
-              </a:ext>
-            </a:extLst>
-          </p:spPr>
-        </p:pic>
-      </p:grpSp>
-      <p:grpSp>
-        <p:nvGrpSpPr>
-          <p:cNvPr id="58" name="Группа 57"/>
-          <p:cNvGrpSpPr/>
-          <p:nvPr/>
-        </p:nvGrpSpPr>
-        <p:grpSpPr>
-          <a:xfrm>
-            <a:off x="4652711" y="5321665"/>
-            <a:ext cx="1049299" cy="568114"/>
-            <a:chOff x="3713801" y="5263909"/>
-            <a:chExt cx="2435860" cy="1366519"/>
-          </a:xfrm>
-        </p:grpSpPr>
-        <p:pic>
-          <p:nvPicPr>
-            <p:cNvPr id="59" name="Picture 2" descr="Иконка «Пользователь» — скачай бесплатно PNG и векторе"/>
-            <p:cNvPicPr>
-              <a:picLocks noChangeAspect="1" noChangeArrowheads="1"/>
-            </p:cNvPicPr>
-            <p:nvPr/>
-          </p:nvPicPr>
-          <p:blipFill>
-            <a:blip r:embed="rId3" cstate="print">
-              <a:extLst>
-                <a:ext uri="{28A0092B-C50C-407E-A947-70E740481C1C}">
-                  <a14:useLocalDpi xmlns:a14="http://schemas.microsoft.com/office/drawing/2010/main" val="0"/>
-                </a:ext>
-              </a:extLst>
-            </a:blip>
-            <a:srcRect/>
-            <a:stretch>
-              <a:fillRect/>
-            </a:stretch>
-          </p:blipFill>
-          <p:spPr bwMode="auto">
-            <a:xfrm>
-              <a:off x="4931731" y="5397258"/>
-              <a:ext cx="1217930" cy="1217930"/>
-            </a:xfrm>
-            <a:prstGeom prst="rect">
-              <a:avLst/>
-            </a:prstGeom>
-            <a:noFill/>
-            <a:extLst>
-              <a:ext uri="{909E8E84-426E-40DD-AFC4-6F175D3DCCD1}">
-                <a14:hiddenFill xmlns:a14="http://schemas.microsoft.com/office/drawing/2010/main">
-                  <a:solidFill>
-                    <a:srgbClr val="FFFFFF"/>
-                  </a:solidFill>
-                </a14:hiddenFill>
-              </a:ext>
-            </a:extLst>
-          </p:spPr>
-        </p:pic>
-        <p:pic>
-          <p:nvPicPr>
-            <p:cNvPr id="60" name="Picture 2" descr="Иконка «Пользователь» — скачай бесплатно PNG и векторе"/>
-            <p:cNvPicPr>
-              <a:picLocks noChangeAspect="1" noChangeArrowheads="1"/>
-            </p:cNvPicPr>
-            <p:nvPr/>
-          </p:nvPicPr>
-          <p:blipFill>
-            <a:blip r:embed="rId4" cstate="print">
-              <a:extLst>
-                <a:ext uri="{28A0092B-C50C-407E-A947-70E740481C1C}">
-                  <a14:useLocalDpi xmlns:a14="http://schemas.microsoft.com/office/drawing/2010/main" val="0"/>
-                </a:ext>
-              </a:extLst>
-            </a:blip>
-            <a:srcRect/>
-            <a:stretch>
-              <a:fillRect/>
-            </a:stretch>
-          </p:blipFill>
-          <p:spPr bwMode="auto">
-            <a:xfrm>
-              <a:off x="4248471" y="5263909"/>
-              <a:ext cx="1366519" cy="1366519"/>
-            </a:xfrm>
-            <a:prstGeom prst="rect">
-              <a:avLst/>
-            </a:prstGeom>
-            <a:noFill/>
-            <a:extLst>
-              <a:ext uri="{909E8E84-426E-40DD-AFC4-6F175D3DCCD1}">
-                <a14:hiddenFill xmlns:a14="http://schemas.microsoft.com/office/drawing/2010/main">
-                  <a:solidFill>
-                    <a:srgbClr val="FFFFFF"/>
-                  </a:solidFill>
-                </a14:hiddenFill>
-              </a:ext>
-            </a:extLst>
-          </p:spPr>
-        </p:pic>
-        <p:pic>
-          <p:nvPicPr>
-            <p:cNvPr id="61" name="Picture 2" descr="Иконка «Пользователь» — скачай бесплатно PNG и векторе"/>
-            <p:cNvPicPr>
-              <a:picLocks noChangeAspect="1" noChangeArrowheads="1"/>
-            </p:cNvPicPr>
-            <p:nvPr/>
-          </p:nvPicPr>
-          <p:blipFill>
-            <a:blip r:embed="rId3" cstate="print">
-              <a:extLst>
-                <a:ext uri="{28A0092B-C50C-407E-A947-70E740481C1C}">
-                  <a14:useLocalDpi xmlns:a14="http://schemas.microsoft.com/office/drawing/2010/main" val="0"/>
-                </a:ext>
-              </a:extLst>
-            </a:blip>
-            <a:srcRect/>
-            <a:stretch>
-              <a:fillRect/>
-            </a:stretch>
-          </p:blipFill>
-          <p:spPr bwMode="auto">
-            <a:xfrm>
-              <a:off x="3713801" y="5397258"/>
-              <a:ext cx="1217930" cy="1217930"/>
-            </a:xfrm>
-            <a:prstGeom prst="rect">
-              <a:avLst/>
-            </a:prstGeom>
-            <a:noFill/>
-            <a:extLst>
-              <a:ext uri="{909E8E84-426E-40DD-AFC4-6F175D3DCCD1}">
-                <a14:hiddenFill xmlns:a14="http://schemas.microsoft.com/office/drawing/2010/main">
-                  <a:solidFill>
-                    <a:srgbClr val="FFFFFF"/>
-                  </a:solidFill>
-                </a14:hiddenFill>
-              </a:ext>
-            </a:extLst>
-          </p:spPr>
-        </p:pic>
-      </p:grpSp>
-      <p:pic>
-        <p:nvPicPr>
-          <p:cNvPr id="4" name="Рисунок 3"/>
-          <p:cNvPicPr>
-            <a:picLocks noChangeAspect="1"/>
-          </p:cNvPicPr>
-          <p:nvPr/>
-        </p:nvPicPr>
-        <p:blipFill>
-          <a:blip r:embed="rId5" cstate="print">
-            <a:extLst>
-              <a:ext uri="{28A0092B-C50C-407E-A947-70E740481C1C}">
-                <a14:useLocalDpi xmlns:a14="http://schemas.microsoft.com/office/drawing/2010/main" val="0"/>
-              </a:ext>
-            </a:extLst>
-          </a:blip>
-          <a:stretch>
-            <a:fillRect/>
-          </a:stretch>
-        </p:blipFill>
-        <p:spPr>
-          <a:xfrm>
-            <a:off x="881586" y="4267738"/>
-            <a:ext cx="2555964" cy="1586977"/>
-          </a:xfrm>
-          <a:prstGeom prst="rect">
-            <a:avLst/>
-          </a:prstGeom>
-          <a:ln w="28575" cap="sq">
-            <a:solidFill>
-              <a:schemeClr val="accent2"/>
-            </a:solidFill>
-            <a:miter lim="800000"/>
-          </a:ln>
-          <a:effectLst>
-            <a:outerShdw blurRad="57150" dist="50800" dir="2700000" algn="tl" rotWithShape="0">
-              <a:srgbClr val="000000">
-                <a:alpha val="40000"/>
-              </a:srgbClr>
-            </a:outerShdw>
-          </a:effectLst>
-        </p:spPr>
-      </p:pic>
       <p:pic>
         <p:nvPicPr>
           <p:cNvPr id="10242" name="Picture 2" descr="https://sun9-8.userapi.com/impg/MVtmjslBXKaqUNyQShlm3GQxj11hOOHBRHKFDw/5-Nkbnnn4JA.jpg?size=2560x829&amp;quality=96&amp;sign=5c7c83eac14f0691d45ca919af74eb96&amp;type=album"/>
@@ -11416,7 +15181,7 @@
           <p:nvPr/>
         </p:nvPicPr>
         <p:blipFill>
-          <a:blip r:embed="rId6" cstate="print">
+          <a:blip r:embed="rId4" cstate="print">
             <a:extLst>
               <a:ext uri="{28A0092B-C50C-407E-A947-70E740481C1C}">
                 <a14:useLocalDpi xmlns:a14="http://schemas.microsoft.com/office/drawing/2010/main" val="0"/>
@@ -11461,449 +15226,6 @@
           </a:extLst>
         </p:spPr>
       </p:pic>
-      <p:grpSp>
-        <p:nvGrpSpPr>
-          <p:cNvPr id="50" name="Группа 49"/>
-          <p:cNvGrpSpPr/>
-          <p:nvPr/>
-        </p:nvGrpSpPr>
-        <p:grpSpPr>
-          <a:xfrm>
-            <a:off x="6297685" y="5980630"/>
-            <a:ext cx="834516" cy="468164"/>
-            <a:chOff x="3713801" y="5263909"/>
-            <a:chExt cx="2435860" cy="1366519"/>
-          </a:xfrm>
-        </p:grpSpPr>
-        <p:pic>
-          <p:nvPicPr>
-            <p:cNvPr id="51" name="Picture 2" descr="Иконка «Пользователь» — скачай бесплатно PNG и векторе"/>
-            <p:cNvPicPr>
-              <a:picLocks noChangeAspect="1" noChangeArrowheads="1"/>
-            </p:cNvPicPr>
-            <p:nvPr/>
-          </p:nvPicPr>
-          <p:blipFill>
-            <a:blip r:embed="rId3" cstate="print">
-              <a:extLst>
-                <a:ext uri="{28A0092B-C50C-407E-A947-70E740481C1C}">
-                  <a14:useLocalDpi xmlns:a14="http://schemas.microsoft.com/office/drawing/2010/main" val="0"/>
-                </a:ext>
-              </a:extLst>
-            </a:blip>
-            <a:srcRect/>
-            <a:stretch>
-              <a:fillRect/>
-            </a:stretch>
-          </p:blipFill>
-          <p:spPr bwMode="auto">
-            <a:xfrm>
-              <a:off x="4931731" y="5397258"/>
-              <a:ext cx="1217930" cy="1217930"/>
-            </a:xfrm>
-            <a:prstGeom prst="rect">
-              <a:avLst/>
-            </a:prstGeom>
-            <a:noFill/>
-            <a:extLst>
-              <a:ext uri="{909E8E84-426E-40DD-AFC4-6F175D3DCCD1}">
-                <a14:hiddenFill xmlns:a14="http://schemas.microsoft.com/office/drawing/2010/main">
-                  <a:solidFill>
-                    <a:srgbClr val="FFFFFF"/>
-                  </a:solidFill>
-                </a14:hiddenFill>
-              </a:ext>
-            </a:extLst>
-          </p:spPr>
-        </p:pic>
-        <p:pic>
-          <p:nvPicPr>
-            <p:cNvPr id="52" name="Picture 2" descr="Иконка «Пользователь» — скачай бесплатно PNG и векторе"/>
-            <p:cNvPicPr>
-              <a:picLocks noChangeAspect="1" noChangeArrowheads="1"/>
-            </p:cNvPicPr>
-            <p:nvPr/>
-          </p:nvPicPr>
-          <p:blipFill>
-            <a:blip r:embed="rId4" cstate="print">
-              <a:extLst>
-                <a:ext uri="{28A0092B-C50C-407E-A947-70E740481C1C}">
-                  <a14:useLocalDpi xmlns:a14="http://schemas.microsoft.com/office/drawing/2010/main" val="0"/>
-                </a:ext>
-              </a:extLst>
-            </a:blip>
-            <a:srcRect/>
-            <a:stretch>
-              <a:fillRect/>
-            </a:stretch>
-          </p:blipFill>
-          <p:spPr bwMode="auto">
-            <a:xfrm>
-              <a:off x="4248471" y="5263909"/>
-              <a:ext cx="1366519" cy="1366519"/>
-            </a:xfrm>
-            <a:prstGeom prst="rect">
-              <a:avLst/>
-            </a:prstGeom>
-            <a:noFill/>
-            <a:extLst>
-              <a:ext uri="{909E8E84-426E-40DD-AFC4-6F175D3DCCD1}">
-                <a14:hiddenFill xmlns:a14="http://schemas.microsoft.com/office/drawing/2010/main">
-                  <a:solidFill>
-                    <a:srgbClr val="FFFFFF"/>
-                  </a:solidFill>
-                </a14:hiddenFill>
-              </a:ext>
-            </a:extLst>
-          </p:spPr>
-        </p:pic>
-        <p:pic>
-          <p:nvPicPr>
-            <p:cNvPr id="53" name="Picture 2" descr="Иконка «Пользователь» — скачай бесплатно PNG и векторе"/>
-            <p:cNvPicPr>
-              <a:picLocks noChangeAspect="1" noChangeArrowheads="1"/>
-            </p:cNvPicPr>
-            <p:nvPr/>
-          </p:nvPicPr>
-          <p:blipFill>
-            <a:blip r:embed="rId3" cstate="print">
-              <a:extLst>
-                <a:ext uri="{28A0092B-C50C-407E-A947-70E740481C1C}">
-                  <a14:useLocalDpi xmlns:a14="http://schemas.microsoft.com/office/drawing/2010/main" val="0"/>
-                </a:ext>
-              </a:extLst>
-            </a:blip>
-            <a:srcRect/>
-            <a:stretch>
-              <a:fillRect/>
-            </a:stretch>
-          </p:blipFill>
-          <p:spPr bwMode="auto">
-            <a:xfrm>
-              <a:off x="3713801" y="5397258"/>
-              <a:ext cx="1217930" cy="1217930"/>
-            </a:xfrm>
-            <a:prstGeom prst="rect">
-              <a:avLst/>
-            </a:prstGeom>
-            <a:noFill/>
-            <a:extLst>
-              <a:ext uri="{909E8E84-426E-40DD-AFC4-6F175D3DCCD1}">
-                <a14:hiddenFill xmlns:a14="http://schemas.microsoft.com/office/drawing/2010/main">
-                  <a:solidFill>
-                    <a:srgbClr val="FFFFFF"/>
-                  </a:solidFill>
-                </a14:hiddenFill>
-              </a:ext>
-            </a:extLst>
-          </p:spPr>
-        </p:pic>
-      </p:grpSp>
-      <p:grpSp>
-        <p:nvGrpSpPr>
-          <p:cNvPr id="62" name="Группа 61"/>
-          <p:cNvGrpSpPr/>
-          <p:nvPr/>
-        </p:nvGrpSpPr>
-        <p:grpSpPr>
-          <a:xfrm>
-            <a:off x="5039735" y="6000862"/>
-            <a:ext cx="834516" cy="468164"/>
-            <a:chOff x="3713801" y="5263909"/>
-            <a:chExt cx="2435860" cy="1366519"/>
-          </a:xfrm>
-        </p:grpSpPr>
-        <p:pic>
-          <p:nvPicPr>
-            <p:cNvPr id="63" name="Picture 2" descr="Иконка «Пользователь» — скачай бесплатно PNG и векторе"/>
-            <p:cNvPicPr>
-              <a:picLocks noChangeAspect="1" noChangeArrowheads="1"/>
-            </p:cNvPicPr>
-            <p:nvPr/>
-          </p:nvPicPr>
-          <p:blipFill>
-            <a:blip r:embed="rId3" cstate="print">
-              <a:extLst>
-                <a:ext uri="{28A0092B-C50C-407E-A947-70E740481C1C}">
-                  <a14:useLocalDpi xmlns:a14="http://schemas.microsoft.com/office/drawing/2010/main" val="0"/>
-                </a:ext>
-              </a:extLst>
-            </a:blip>
-            <a:srcRect/>
-            <a:stretch>
-              <a:fillRect/>
-            </a:stretch>
-          </p:blipFill>
-          <p:spPr bwMode="auto">
-            <a:xfrm>
-              <a:off x="4931731" y="5397258"/>
-              <a:ext cx="1217930" cy="1217930"/>
-            </a:xfrm>
-            <a:prstGeom prst="rect">
-              <a:avLst/>
-            </a:prstGeom>
-            <a:noFill/>
-            <a:extLst>
-              <a:ext uri="{909E8E84-426E-40DD-AFC4-6F175D3DCCD1}">
-                <a14:hiddenFill xmlns:a14="http://schemas.microsoft.com/office/drawing/2010/main">
-                  <a:solidFill>
-                    <a:srgbClr val="FFFFFF"/>
-                  </a:solidFill>
-                </a14:hiddenFill>
-              </a:ext>
-            </a:extLst>
-          </p:spPr>
-        </p:pic>
-        <p:pic>
-          <p:nvPicPr>
-            <p:cNvPr id="64" name="Picture 2" descr="Иконка «Пользователь» — скачай бесплатно PNG и векторе"/>
-            <p:cNvPicPr>
-              <a:picLocks noChangeAspect="1" noChangeArrowheads="1"/>
-            </p:cNvPicPr>
-            <p:nvPr/>
-          </p:nvPicPr>
-          <p:blipFill>
-            <a:blip r:embed="rId4" cstate="print">
-              <a:extLst>
-                <a:ext uri="{28A0092B-C50C-407E-A947-70E740481C1C}">
-                  <a14:useLocalDpi xmlns:a14="http://schemas.microsoft.com/office/drawing/2010/main" val="0"/>
-                </a:ext>
-              </a:extLst>
-            </a:blip>
-            <a:srcRect/>
-            <a:stretch>
-              <a:fillRect/>
-            </a:stretch>
-          </p:blipFill>
-          <p:spPr bwMode="auto">
-            <a:xfrm>
-              <a:off x="4248471" y="5263909"/>
-              <a:ext cx="1366519" cy="1366519"/>
-            </a:xfrm>
-            <a:prstGeom prst="rect">
-              <a:avLst/>
-            </a:prstGeom>
-            <a:noFill/>
-            <a:extLst>
-              <a:ext uri="{909E8E84-426E-40DD-AFC4-6F175D3DCCD1}">
-                <a14:hiddenFill xmlns:a14="http://schemas.microsoft.com/office/drawing/2010/main">
-                  <a:solidFill>
-                    <a:srgbClr val="FFFFFF"/>
-                  </a:solidFill>
-                </a14:hiddenFill>
-              </a:ext>
-            </a:extLst>
-          </p:spPr>
-        </p:pic>
-        <p:pic>
-          <p:nvPicPr>
-            <p:cNvPr id="65" name="Picture 2" descr="Иконка «Пользователь» — скачай бесплатно PNG и векторе"/>
-            <p:cNvPicPr>
-              <a:picLocks noChangeAspect="1" noChangeArrowheads="1"/>
-            </p:cNvPicPr>
-            <p:nvPr/>
-          </p:nvPicPr>
-          <p:blipFill>
-            <a:blip r:embed="rId3" cstate="print">
-              <a:extLst>
-                <a:ext uri="{28A0092B-C50C-407E-A947-70E740481C1C}">
-                  <a14:useLocalDpi xmlns:a14="http://schemas.microsoft.com/office/drawing/2010/main" val="0"/>
-                </a:ext>
-              </a:extLst>
-            </a:blip>
-            <a:srcRect/>
-            <a:stretch>
-              <a:fillRect/>
-            </a:stretch>
-          </p:blipFill>
-          <p:spPr bwMode="auto">
-            <a:xfrm>
-              <a:off x="3713801" y="5397258"/>
-              <a:ext cx="1217930" cy="1217930"/>
-            </a:xfrm>
-            <a:prstGeom prst="rect">
-              <a:avLst/>
-            </a:prstGeom>
-            <a:noFill/>
-            <a:extLst>
-              <a:ext uri="{909E8E84-426E-40DD-AFC4-6F175D3DCCD1}">
-                <a14:hiddenFill xmlns:a14="http://schemas.microsoft.com/office/drawing/2010/main">
-                  <a:solidFill>
-                    <a:srgbClr val="FFFFFF"/>
-                  </a:solidFill>
-                </a14:hiddenFill>
-              </a:ext>
-            </a:extLst>
-          </p:spPr>
-        </p:pic>
-      </p:grpSp>
-      <p:grpSp>
-        <p:nvGrpSpPr>
-          <p:cNvPr id="66" name="Группа 65"/>
-          <p:cNvGrpSpPr/>
-          <p:nvPr/>
-        </p:nvGrpSpPr>
-        <p:grpSpPr>
-          <a:xfrm>
-            <a:off x="914401" y="3089482"/>
-            <a:ext cx="3241670" cy="1079322"/>
-            <a:chOff x="1502119" y="3131705"/>
-            <a:chExt cx="3241670" cy="1079322"/>
-          </a:xfrm>
-        </p:grpSpPr>
-        <p:sp>
-          <p:nvSpPr>
-            <p:cNvPr id="67" name="TextBox 66"/>
-            <p:cNvSpPr txBox="1"/>
-            <p:nvPr/>
-          </p:nvSpPr>
-          <p:spPr>
-            <a:xfrm>
-              <a:off x="1502119" y="3131705"/>
-              <a:ext cx="3188693" cy="1015663"/>
-            </a:xfrm>
-            <a:prstGeom prst="rect">
-              <a:avLst/>
-            </a:prstGeom>
-            <a:noFill/>
-          </p:spPr>
-          <p:txBody>
-            <a:bodyPr wrap="none" rtlCol="0">
-              <a:spAutoFit/>
-            </a:bodyPr>
-            <a:lstStyle/>
-            <a:p>
-              <a:r>
-                <a:rPr lang="ru-RU" sz="6000" dirty="0"/>
-                <a:t>о</a:t>
-              </a:r>
-              <a:r>
-                <a:rPr lang="ru-RU" sz="6000" dirty="0" smtClean="0"/>
-                <a:t>ч. долго</a:t>
-              </a:r>
-              <a:endParaRPr lang="ru-RU" sz="6000" dirty="0"/>
-            </a:p>
-          </p:txBody>
-        </p:sp>
-        <p:sp>
-          <p:nvSpPr>
-            <p:cNvPr id="68" name="TextBox 67"/>
-            <p:cNvSpPr txBox="1"/>
-            <p:nvPr/>
-          </p:nvSpPr>
-          <p:spPr>
-            <a:xfrm>
-              <a:off x="1523953" y="3167704"/>
-              <a:ext cx="3188693" cy="1015663"/>
-            </a:xfrm>
-            <a:prstGeom prst="rect">
-              <a:avLst/>
-            </a:prstGeom>
-            <a:noFill/>
-          </p:spPr>
-          <p:txBody>
-            <a:bodyPr wrap="none" rtlCol="0">
-              <a:spAutoFit/>
-            </a:bodyPr>
-            <a:lstStyle/>
-            <a:p>
-              <a:r>
-                <a:rPr lang="ru-RU" sz="6000" dirty="0">
-                  <a:solidFill>
-                    <a:schemeClr val="accent2">
-                      <a:lumMod val="50000"/>
-                    </a:schemeClr>
-                  </a:solidFill>
-                </a:rPr>
-                <a:t>о</a:t>
-              </a:r>
-              <a:r>
-                <a:rPr lang="ru-RU" sz="6000" dirty="0" smtClean="0">
-                  <a:solidFill>
-                    <a:schemeClr val="accent2">
-                      <a:lumMod val="50000"/>
-                    </a:schemeClr>
-                  </a:solidFill>
-                </a:rPr>
-                <a:t>ч.</a:t>
-              </a:r>
-              <a:r>
-                <a:rPr lang="en-US" sz="6000" dirty="0" smtClean="0">
-                  <a:solidFill>
-                    <a:schemeClr val="accent2">
-                      <a:lumMod val="50000"/>
-                    </a:schemeClr>
-                  </a:solidFill>
-                </a:rPr>
-                <a:t> </a:t>
-              </a:r>
-              <a:r>
-                <a:rPr lang="ru-RU" sz="6000" dirty="0" smtClean="0">
-                  <a:solidFill>
-                    <a:schemeClr val="accent2">
-                      <a:lumMod val="50000"/>
-                    </a:schemeClr>
-                  </a:solidFill>
-                </a:rPr>
-                <a:t>долго</a:t>
-              </a:r>
-              <a:endParaRPr lang="ru-RU" sz="6000" dirty="0">
-                <a:solidFill>
-                  <a:schemeClr val="accent2">
-                    <a:lumMod val="50000"/>
-                  </a:schemeClr>
-                </a:solidFill>
-              </a:endParaRPr>
-            </a:p>
-          </p:txBody>
-        </p:sp>
-        <p:sp>
-          <p:nvSpPr>
-            <p:cNvPr id="69" name="TextBox 68"/>
-            <p:cNvSpPr txBox="1"/>
-            <p:nvPr/>
-          </p:nvSpPr>
-          <p:spPr>
-            <a:xfrm>
-              <a:off x="1555096" y="3195364"/>
-              <a:ext cx="3188693" cy="1015663"/>
-            </a:xfrm>
-            <a:prstGeom prst="rect">
-              <a:avLst/>
-            </a:prstGeom>
-            <a:noFill/>
-          </p:spPr>
-          <p:txBody>
-            <a:bodyPr wrap="none" rtlCol="0">
-              <a:spAutoFit/>
-            </a:bodyPr>
-            <a:lstStyle/>
-            <a:p>
-              <a:r>
-                <a:rPr lang="ru-RU" sz="6000" dirty="0">
-                  <a:solidFill>
-                    <a:schemeClr val="accent2"/>
-                  </a:solidFill>
-                </a:rPr>
-                <a:t>о</a:t>
-              </a:r>
-              <a:r>
-                <a:rPr lang="ru-RU" sz="6000" dirty="0" smtClean="0">
-                  <a:solidFill>
-                    <a:schemeClr val="accent2"/>
-                  </a:solidFill>
-                </a:rPr>
-                <a:t>ч. долго</a:t>
-              </a:r>
-              <a:endParaRPr lang="ru-RU" sz="6000" dirty="0">
-                <a:solidFill>
-                  <a:schemeClr val="accent2"/>
-                </a:solidFill>
-              </a:endParaRPr>
-            </a:p>
-          </p:txBody>
-        </p:sp>
-      </p:grpSp>
       <p:grpSp>
         <p:nvGrpSpPr>
           <p:cNvPr id="70" name="Группа 69"/>
@@ -12038,7 +15360,7 @@
           <p:nvPr/>
         </p:nvPicPr>
         <p:blipFill>
-          <a:blip r:embed="rId7" cstate="print">
+          <a:blip r:embed="rId5" cstate="print">
             <a:extLst>
               <a:ext uri="{28A0092B-C50C-407E-A947-70E740481C1C}">
                 <a14:useLocalDpi xmlns:a14="http://schemas.microsoft.com/office/drawing/2010/main" val="0"/>
@@ -12052,7 +15374,7 @@
         </p:blipFill>
         <p:spPr bwMode="auto">
           <a:xfrm>
-            <a:off x="1639147" y="1997016"/>
+            <a:off x="1435707" y="1956116"/>
             <a:ext cx="1231359" cy="1231359"/>
           </a:xfrm>
           <a:prstGeom prst="rect">
@@ -12226,8 +15548,8 @@
         </p:nvSpPr>
         <p:spPr>
           <a:xfrm>
-            <a:off x="1203960" y="4607561"/>
-            <a:ext cx="2164080" cy="853440"/>
+            <a:off x="1098856" y="5281540"/>
+            <a:ext cx="2395308" cy="927012"/>
           </a:xfrm>
           <a:custGeom>
             <a:avLst/>
@@ -12272,6 +15594,70 @@
               <a:gd name="connsiteY2" fmla="*/ 472440 h 853440"/>
               <a:gd name="connsiteX3" fmla="*/ 2164080 w 2164080"/>
               <a:gd name="connsiteY3" fmla="*/ 0 h 853440"/>
+              <a:gd name="connsiteX0" fmla="*/ 0 w 2269184"/>
+              <a:gd name="connsiteY0" fmla="*/ 1231812 h 1231812"/>
+              <a:gd name="connsiteX1" fmla="*/ 552144 w 2269184"/>
+              <a:gd name="connsiteY1" fmla="*/ 314960 h 1231812"/>
+              <a:gd name="connsiteX2" fmla="*/ 1303984 w 2269184"/>
+              <a:gd name="connsiteY2" fmla="*/ 472440 h 1231812"/>
+              <a:gd name="connsiteX3" fmla="*/ 2269184 w 2269184"/>
+              <a:gd name="connsiteY3" fmla="*/ 0 h 1231812"/>
+              <a:gd name="connsiteX0" fmla="*/ 0 w 2269184"/>
+              <a:gd name="connsiteY0" fmla="*/ 1231812 h 1231812"/>
+              <a:gd name="connsiteX1" fmla="*/ 709800 w 2269184"/>
+              <a:gd name="connsiteY1" fmla="*/ 966601 h 1231812"/>
+              <a:gd name="connsiteX2" fmla="*/ 1303984 w 2269184"/>
+              <a:gd name="connsiteY2" fmla="*/ 472440 h 1231812"/>
+              <a:gd name="connsiteX3" fmla="*/ 2269184 w 2269184"/>
+              <a:gd name="connsiteY3" fmla="*/ 0 h 1231812"/>
+              <a:gd name="connsiteX0" fmla="*/ 0 w 2269184"/>
+              <a:gd name="connsiteY0" fmla="*/ 1231812 h 1231812"/>
+              <a:gd name="connsiteX1" fmla="*/ 709800 w 2269184"/>
+              <a:gd name="connsiteY1" fmla="*/ 966601 h 1231812"/>
+              <a:gd name="connsiteX2" fmla="*/ 1440619 w 2269184"/>
+              <a:gd name="connsiteY2" fmla="*/ 567033 h 1231812"/>
+              <a:gd name="connsiteX3" fmla="*/ 2269184 w 2269184"/>
+              <a:gd name="connsiteY3" fmla="*/ 0 h 1231812"/>
+              <a:gd name="connsiteX0" fmla="*/ 0 w 2395308"/>
+              <a:gd name="connsiteY0" fmla="*/ 863950 h 863950"/>
+              <a:gd name="connsiteX1" fmla="*/ 709800 w 2395308"/>
+              <a:gd name="connsiteY1" fmla="*/ 598739 h 863950"/>
+              <a:gd name="connsiteX2" fmla="*/ 1440619 w 2395308"/>
+              <a:gd name="connsiteY2" fmla="*/ 199171 h 863950"/>
+              <a:gd name="connsiteX3" fmla="*/ 2395308 w 2395308"/>
+              <a:gd name="connsiteY3" fmla="*/ 0 h 863950"/>
+              <a:gd name="connsiteX0" fmla="*/ 0 w 2395308"/>
+              <a:gd name="connsiteY0" fmla="*/ 865998 h 865998"/>
+              <a:gd name="connsiteX1" fmla="*/ 709800 w 2395308"/>
+              <a:gd name="connsiteY1" fmla="*/ 600787 h 865998"/>
+              <a:gd name="connsiteX2" fmla="*/ 1440619 w 2395308"/>
+              <a:gd name="connsiteY2" fmla="*/ 201219 h 865998"/>
+              <a:gd name="connsiteX3" fmla="*/ 2395308 w 2395308"/>
+              <a:gd name="connsiteY3" fmla="*/ 2048 h 865998"/>
+              <a:gd name="connsiteX0" fmla="*/ 0 w 2395308"/>
+              <a:gd name="connsiteY0" fmla="*/ 863950 h 863950"/>
+              <a:gd name="connsiteX1" fmla="*/ 709800 w 2395308"/>
+              <a:gd name="connsiteY1" fmla="*/ 598739 h 863950"/>
+              <a:gd name="connsiteX2" fmla="*/ 2395308 w 2395308"/>
+              <a:gd name="connsiteY2" fmla="*/ 0 h 863950"/>
+              <a:gd name="connsiteX0" fmla="*/ 0 w 2395308"/>
+              <a:gd name="connsiteY0" fmla="*/ 863950 h 863950"/>
+              <a:gd name="connsiteX1" fmla="*/ 1193275 w 2395308"/>
+              <a:gd name="connsiteY1" fmla="*/ 399042 h 863950"/>
+              <a:gd name="connsiteX2" fmla="*/ 2395308 w 2395308"/>
+              <a:gd name="connsiteY2" fmla="*/ 0 h 863950"/>
+              <a:gd name="connsiteX0" fmla="*/ 0 w 2395308"/>
+              <a:gd name="connsiteY0" fmla="*/ 927012 h 927012"/>
+              <a:gd name="connsiteX1" fmla="*/ 1193275 w 2395308"/>
+              <a:gd name="connsiteY1" fmla="*/ 399042 h 927012"/>
+              <a:gd name="connsiteX2" fmla="*/ 2395308 w 2395308"/>
+              <a:gd name="connsiteY2" fmla="*/ 0 h 927012"/>
+              <a:gd name="connsiteX0" fmla="*/ 0 w 2395308"/>
+              <a:gd name="connsiteY0" fmla="*/ 927012 h 927012"/>
+              <a:gd name="connsiteX1" fmla="*/ 1193275 w 2395308"/>
+              <a:gd name="connsiteY1" fmla="*/ 399042 h 927012"/>
+              <a:gd name="connsiteX2" fmla="*/ 2395308 w 2395308"/>
+              <a:gd name="connsiteY2" fmla="*/ 0 h 927012"/>
             </a:gdLst>
             <a:ahLst/>
             <a:cxnLst>
@@ -12284,30 +15670,22 @@
               <a:cxn ang="0">
                 <a:pos x="connsiteX2" y="connsiteY2"/>
               </a:cxn>
-              <a:cxn ang="0">
-                <a:pos x="connsiteX3" y="connsiteY3"/>
-              </a:cxn>
             </a:cxnLst>
             <a:rect l="l" t="t" r="r" b="b"/>
             <a:pathLst>
-              <a:path w="2164080" h="853440">
+              <a:path w="2395308" h="927012">
                 <a:moveTo>
-                  <a:pt x="0" y="853440"/>
+                  <a:pt x="0" y="927012"/>
                 </a:moveTo>
                 <a:cubicBezTo>
-                  <a:pt x="116840" y="597323"/>
-                  <a:pt x="247227" y="378460"/>
-                  <a:pt x="447040" y="314960"/>
+                  <a:pt x="516233" y="628854"/>
+                  <a:pt x="794057" y="553544"/>
+                  <a:pt x="1193275" y="399042"/>
                 </a:cubicBezTo>
                 <a:cubicBezTo>
-                  <a:pt x="646853" y="251460"/>
-                  <a:pt x="912707" y="524933"/>
-                  <a:pt x="1198880" y="472440"/>
-                </a:cubicBezTo>
-                <a:cubicBezTo>
-                  <a:pt x="1485053" y="419947"/>
-                  <a:pt x="1799590" y="275166"/>
-                  <a:pt x="2164080" y="0"/>
+                  <a:pt x="1592493" y="244540"/>
+                  <a:pt x="1994630" y="133014"/>
+                  <a:pt x="2395308" y="0"/>
                 </a:cubicBezTo>
               </a:path>
             </a:pathLst>
@@ -12348,6 +15726,1077 @@
           </a:p>
         </p:txBody>
       </p:sp>
+      <p:grpSp>
+        <p:nvGrpSpPr>
+          <p:cNvPr id="75" name="Группа 74"/>
+          <p:cNvGrpSpPr/>
+          <p:nvPr/>
+        </p:nvGrpSpPr>
+        <p:grpSpPr>
+          <a:xfrm>
+            <a:off x="929926" y="3109154"/>
+            <a:ext cx="3051348" cy="1253768"/>
+            <a:chOff x="1502119" y="3131705"/>
+            <a:chExt cx="3051348" cy="1253768"/>
+          </a:xfrm>
+        </p:grpSpPr>
+        <p:sp>
+          <p:nvSpPr>
+            <p:cNvPr id="76" name="TextBox 75"/>
+            <p:cNvSpPr txBox="1"/>
+            <p:nvPr/>
+          </p:nvSpPr>
+          <p:spPr>
+            <a:xfrm>
+              <a:off x="1502119" y="3131705"/>
+              <a:ext cx="2993127" cy="1200329"/>
+            </a:xfrm>
+            <a:prstGeom prst="rect">
+              <a:avLst/>
+            </a:prstGeom>
+            <a:noFill/>
+          </p:spPr>
+          <p:txBody>
+            <a:bodyPr wrap="none" rtlCol="0">
+              <a:spAutoFit/>
+            </a:bodyPr>
+            <a:lstStyle/>
+            <a:p>
+              <a:r>
+                <a:rPr lang="en-US" sz="7200" dirty="0" smtClean="0"/>
+                <a:t>110000</a:t>
+              </a:r>
+              <a:endParaRPr lang="ru-RU" sz="7200" dirty="0"/>
+            </a:p>
+          </p:txBody>
+        </p:sp>
+        <p:sp>
+          <p:nvSpPr>
+            <p:cNvPr id="77" name="TextBox 76"/>
+            <p:cNvSpPr txBox="1"/>
+            <p:nvPr/>
+          </p:nvSpPr>
+          <p:spPr>
+            <a:xfrm>
+              <a:off x="1526464" y="3147007"/>
+              <a:ext cx="2993127" cy="1200329"/>
+            </a:xfrm>
+            <a:prstGeom prst="rect">
+              <a:avLst/>
+            </a:prstGeom>
+            <a:noFill/>
+          </p:spPr>
+          <p:txBody>
+            <a:bodyPr wrap="none" rtlCol="0">
+              <a:spAutoFit/>
+            </a:bodyPr>
+            <a:lstStyle/>
+            <a:p>
+              <a:r>
+                <a:rPr lang="en-US" sz="7200" dirty="0" smtClean="0">
+                  <a:solidFill>
+                    <a:schemeClr val="accent2">
+                      <a:lumMod val="50000"/>
+                    </a:schemeClr>
+                  </a:solidFill>
+                </a:rPr>
+                <a:t>110000</a:t>
+              </a:r>
+              <a:endParaRPr lang="ru-RU" sz="7200" dirty="0">
+                <a:solidFill>
+                  <a:schemeClr val="accent2">
+                    <a:lumMod val="50000"/>
+                  </a:schemeClr>
+                </a:solidFill>
+              </a:endParaRPr>
+            </a:p>
+          </p:txBody>
+        </p:sp>
+        <p:sp>
+          <p:nvSpPr>
+            <p:cNvPr id="78" name="TextBox 77"/>
+            <p:cNvSpPr txBox="1"/>
+            <p:nvPr/>
+          </p:nvSpPr>
+          <p:spPr>
+            <a:xfrm>
+              <a:off x="1560340" y="3185144"/>
+              <a:ext cx="2993127" cy="1200329"/>
+            </a:xfrm>
+            <a:prstGeom prst="rect">
+              <a:avLst/>
+            </a:prstGeom>
+            <a:noFill/>
+          </p:spPr>
+          <p:txBody>
+            <a:bodyPr wrap="none" rtlCol="0">
+              <a:spAutoFit/>
+            </a:bodyPr>
+            <a:lstStyle/>
+            <a:p>
+              <a:r>
+                <a:rPr lang="en-US" sz="7200" dirty="0" smtClean="0">
+                  <a:solidFill>
+                    <a:schemeClr val="accent2"/>
+                  </a:solidFill>
+                </a:rPr>
+                <a:t>110000</a:t>
+              </a:r>
+              <a:endParaRPr lang="ru-RU" sz="7200" dirty="0">
+                <a:solidFill>
+                  <a:schemeClr val="accent2"/>
+                </a:solidFill>
+              </a:endParaRPr>
+            </a:p>
+          </p:txBody>
+        </p:sp>
+      </p:grpSp>
+      <p:grpSp>
+        <p:nvGrpSpPr>
+          <p:cNvPr id="79" name="Группа 78"/>
+          <p:cNvGrpSpPr/>
+          <p:nvPr/>
+        </p:nvGrpSpPr>
+        <p:grpSpPr>
+          <a:xfrm>
+            <a:off x="1605844" y="3626790"/>
+            <a:ext cx="1257734" cy="1265191"/>
+            <a:chOff x="1694768" y="2373608"/>
+            <a:chExt cx="1257734" cy="1265191"/>
+          </a:xfrm>
+        </p:grpSpPr>
+        <p:sp>
+          <p:nvSpPr>
+            <p:cNvPr id="80" name="TextBox 79"/>
+            <p:cNvSpPr txBox="1"/>
+            <p:nvPr/>
+          </p:nvSpPr>
+          <p:spPr>
+            <a:xfrm>
+              <a:off x="1694768" y="2373608"/>
+              <a:ext cx="1200970" cy="1200329"/>
+            </a:xfrm>
+            <a:prstGeom prst="rect">
+              <a:avLst/>
+            </a:prstGeom>
+            <a:noFill/>
+          </p:spPr>
+          <p:txBody>
+            <a:bodyPr wrap="none" rtlCol="0">
+              <a:spAutoFit/>
+            </a:bodyPr>
+            <a:lstStyle/>
+            <a:p>
+              <a:r>
+                <a:rPr lang="ru-RU" sz="7200" dirty="0" err="1" smtClean="0"/>
+                <a:t>мс</a:t>
+              </a:r>
+              <a:endParaRPr lang="ru-RU" sz="7200" dirty="0"/>
+            </a:p>
+          </p:txBody>
+        </p:sp>
+        <p:sp>
+          <p:nvSpPr>
+            <p:cNvPr id="81" name="TextBox 80"/>
+            <p:cNvSpPr txBox="1"/>
+            <p:nvPr/>
+          </p:nvSpPr>
+          <p:spPr>
+            <a:xfrm>
+              <a:off x="1723150" y="2410423"/>
+              <a:ext cx="1200970" cy="1200329"/>
+            </a:xfrm>
+            <a:prstGeom prst="rect">
+              <a:avLst/>
+            </a:prstGeom>
+            <a:noFill/>
+          </p:spPr>
+          <p:txBody>
+            <a:bodyPr wrap="none" rtlCol="0">
+              <a:spAutoFit/>
+            </a:bodyPr>
+            <a:lstStyle/>
+            <a:p>
+              <a:r>
+                <a:rPr lang="ru-RU" sz="7200" dirty="0" err="1" smtClean="0">
+                  <a:solidFill>
+                    <a:schemeClr val="accent2">
+                      <a:lumMod val="50000"/>
+                    </a:schemeClr>
+                  </a:solidFill>
+                </a:rPr>
+                <a:t>мс</a:t>
+              </a:r>
+              <a:endParaRPr lang="ru-RU" sz="7200" dirty="0">
+                <a:solidFill>
+                  <a:schemeClr val="accent2">
+                    <a:lumMod val="50000"/>
+                  </a:schemeClr>
+                </a:solidFill>
+              </a:endParaRPr>
+            </a:p>
+          </p:txBody>
+        </p:sp>
+        <p:sp>
+          <p:nvSpPr>
+            <p:cNvPr id="82" name="TextBox 81"/>
+            <p:cNvSpPr txBox="1"/>
+            <p:nvPr/>
+          </p:nvSpPr>
+          <p:spPr>
+            <a:xfrm>
+              <a:off x="1751532" y="2438470"/>
+              <a:ext cx="1200970" cy="1200329"/>
+            </a:xfrm>
+            <a:prstGeom prst="rect">
+              <a:avLst/>
+            </a:prstGeom>
+            <a:noFill/>
+          </p:spPr>
+          <p:txBody>
+            <a:bodyPr wrap="none" rtlCol="0">
+              <a:spAutoFit/>
+            </a:bodyPr>
+            <a:lstStyle/>
+            <a:p>
+              <a:r>
+                <a:rPr lang="ru-RU" sz="7200" dirty="0" err="1" smtClean="0">
+                  <a:solidFill>
+                    <a:schemeClr val="accent2"/>
+                  </a:solidFill>
+                </a:rPr>
+                <a:t>мс</a:t>
+              </a:r>
+              <a:endParaRPr lang="ru-RU" sz="7200" dirty="0">
+                <a:solidFill>
+                  <a:schemeClr val="accent2"/>
+                </a:solidFill>
+              </a:endParaRPr>
+            </a:p>
+          </p:txBody>
+        </p:sp>
+      </p:grpSp>
+      <p:grpSp>
+        <p:nvGrpSpPr>
+          <p:cNvPr id="14" name="Группа 13"/>
+          <p:cNvGrpSpPr/>
+          <p:nvPr/>
+        </p:nvGrpSpPr>
+        <p:grpSpPr>
+          <a:xfrm>
+            <a:off x="2912332" y="2208435"/>
+            <a:ext cx="794300" cy="675360"/>
+            <a:chOff x="2912332" y="2208435"/>
+            <a:chExt cx="794300" cy="675360"/>
+          </a:xfrm>
+        </p:grpSpPr>
+        <p:pic>
+          <p:nvPicPr>
+            <p:cNvPr id="11268" name="Picture 4" descr="Center, data, digital, server icon - Download on Iconfinder"/>
+            <p:cNvPicPr>
+              <a:picLocks noChangeAspect="1" noChangeArrowheads="1"/>
+            </p:cNvPicPr>
+            <p:nvPr/>
+          </p:nvPicPr>
+          <p:blipFill>
+            <a:blip r:embed="rId6" cstate="print">
+              <a:extLst>
+                <a:ext uri="{28A0092B-C50C-407E-A947-70E740481C1C}">
+                  <a14:useLocalDpi xmlns:a14="http://schemas.microsoft.com/office/drawing/2010/main" val="0"/>
+                </a:ext>
+              </a:extLst>
+            </a:blip>
+            <a:srcRect/>
+            <a:stretch>
+              <a:fillRect/>
+            </a:stretch>
+          </p:blipFill>
+          <p:spPr bwMode="auto">
+            <a:xfrm>
+              <a:off x="3041824" y="2208435"/>
+              <a:ext cx="664808" cy="664808"/>
+            </a:xfrm>
+            <a:prstGeom prst="rect">
+              <a:avLst/>
+            </a:prstGeom>
+            <a:noFill/>
+            <a:extLst>
+              <a:ext uri="{909E8E84-426E-40DD-AFC4-6F175D3DCCD1}">
+                <a14:hiddenFill xmlns:a14="http://schemas.microsoft.com/office/drawing/2010/main">
+                  <a:solidFill>
+                    <a:srgbClr val="FFFFFF"/>
+                  </a:solidFill>
+                </a14:hiddenFill>
+              </a:ext>
+            </a:extLst>
+          </p:spPr>
+        </p:pic>
+        <p:pic>
+          <p:nvPicPr>
+            <p:cNvPr id="11272" name="Picture 8" descr="Web icon - Material Core"/>
+            <p:cNvPicPr>
+              <a:picLocks noChangeAspect="1" noChangeArrowheads="1"/>
+            </p:cNvPicPr>
+            <p:nvPr/>
+          </p:nvPicPr>
+          <p:blipFill>
+            <a:blip r:embed="rId7" cstate="print">
+              <a:extLst>
+                <a:ext uri="{28A0092B-C50C-407E-A947-70E740481C1C}">
+                  <a14:useLocalDpi xmlns:a14="http://schemas.microsoft.com/office/drawing/2010/main" val="0"/>
+                </a:ext>
+              </a:extLst>
+            </a:blip>
+            <a:srcRect/>
+            <a:stretch>
+              <a:fillRect/>
+            </a:stretch>
+          </p:blipFill>
+          <p:spPr bwMode="auto">
+            <a:xfrm>
+              <a:off x="2912332" y="2501505"/>
+              <a:ext cx="382290" cy="382290"/>
+            </a:xfrm>
+            <a:prstGeom prst="rect">
+              <a:avLst/>
+            </a:prstGeom>
+            <a:noFill/>
+            <a:extLst>
+              <a:ext uri="{909E8E84-426E-40DD-AFC4-6F175D3DCCD1}">
+                <a14:hiddenFill xmlns:a14="http://schemas.microsoft.com/office/drawing/2010/main">
+                  <a:solidFill>
+                    <a:srgbClr val="FFFFFF"/>
+                  </a:solidFill>
+                </a14:hiddenFill>
+              </a:ext>
+            </a:extLst>
+          </p:spPr>
+        </p:pic>
+      </p:grpSp>
+      <p:grpSp>
+        <p:nvGrpSpPr>
+          <p:cNvPr id="84" name="Группа 83"/>
+          <p:cNvGrpSpPr/>
+          <p:nvPr/>
+        </p:nvGrpSpPr>
+        <p:grpSpPr>
+          <a:xfrm>
+            <a:off x="5423840" y="5505015"/>
+            <a:ext cx="1344319" cy="754164"/>
+            <a:chOff x="3713801" y="5263909"/>
+            <a:chExt cx="2435860" cy="1366519"/>
+          </a:xfrm>
+        </p:grpSpPr>
+        <p:pic>
+          <p:nvPicPr>
+            <p:cNvPr id="85" name="Picture 2" descr="Иконка «Пользователь» — скачай бесплатно PNG и векторе"/>
+            <p:cNvPicPr>
+              <a:picLocks noChangeAspect="1" noChangeArrowheads="1"/>
+            </p:cNvPicPr>
+            <p:nvPr/>
+          </p:nvPicPr>
+          <p:blipFill>
+            <a:blip r:embed="rId8" cstate="print">
+              <a:extLst>
+                <a:ext uri="{28A0092B-C50C-407E-A947-70E740481C1C}">
+                  <a14:useLocalDpi xmlns:a14="http://schemas.microsoft.com/office/drawing/2010/main" val="0"/>
+                </a:ext>
+              </a:extLst>
+            </a:blip>
+            <a:srcRect/>
+            <a:stretch>
+              <a:fillRect/>
+            </a:stretch>
+          </p:blipFill>
+          <p:spPr bwMode="auto">
+            <a:xfrm>
+              <a:off x="4931731" y="5397258"/>
+              <a:ext cx="1217930" cy="1217930"/>
+            </a:xfrm>
+            <a:prstGeom prst="rect">
+              <a:avLst/>
+            </a:prstGeom>
+            <a:noFill/>
+            <a:extLst>
+              <a:ext uri="{909E8E84-426E-40DD-AFC4-6F175D3DCCD1}">
+                <a14:hiddenFill xmlns:a14="http://schemas.microsoft.com/office/drawing/2010/main">
+                  <a:solidFill>
+                    <a:srgbClr val="FFFFFF"/>
+                  </a:solidFill>
+                </a14:hiddenFill>
+              </a:ext>
+            </a:extLst>
+          </p:spPr>
+        </p:pic>
+        <p:pic>
+          <p:nvPicPr>
+            <p:cNvPr id="86" name="Picture 2" descr="Иконка «Пользователь» — скачай бесплатно PNG и векторе"/>
+            <p:cNvPicPr>
+              <a:picLocks noChangeAspect="1" noChangeArrowheads="1"/>
+            </p:cNvPicPr>
+            <p:nvPr/>
+          </p:nvPicPr>
+          <p:blipFill>
+            <a:blip r:embed="rId9" cstate="print">
+              <a:extLst>
+                <a:ext uri="{28A0092B-C50C-407E-A947-70E740481C1C}">
+                  <a14:useLocalDpi xmlns:a14="http://schemas.microsoft.com/office/drawing/2010/main" val="0"/>
+                </a:ext>
+              </a:extLst>
+            </a:blip>
+            <a:srcRect/>
+            <a:stretch>
+              <a:fillRect/>
+            </a:stretch>
+          </p:blipFill>
+          <p:spPr bwMode="auto">
+            <a:xfrm>
+              <a:off x="4248471" y="5263909"/>
+              <a:ext cx="1366519" cy="1366519"/>
+            </a:xfrm>
+            <a:prstGeom prst="rect">
+              <a:avLst/>
+            </a:prstGeom>
+            <a:noFill/>
+            <a:extLst>
+              <a:ext uri="{909E8E84-426E-40DD-AFC4-6F175D3DCCD1}">
+                <a14:hiddenFill xmlns:a14="http://schemas.microsoft.com/office/drawing/2010/main">
+                  <a:solidFill>
+                    <a:srgbClr val="FFFFFF"/>
+                  </a:solidFill>
+                </a14:hiddenFill>
+              </a:ext>
+            </a:extLst>
+          </p:spPr>
+        </p:pic>
+        <p:pic>
+          <p:nvPicPr>
+            <p:cNvPr id="87" name="Picture 2" descr="Иконка «Пользователь» — скачай бесплатно PNG и векторе"/>
+            <p:cNvPicPr>
+              <a:picLocks noChangeAspect="1" noChangeArrowheads="1"/>
+            </p:cNvPicPr>
+            <p:nvPr/>
+          </p:nvPicPr>
+          <p:blipFill>
+            <a:blip r:embed="rId8" cstate="print">
+              <a:extLst>
+                <a:ext uri="{28A0092B-C50C-407E-A947-70E740481C1C}">
+                  <a14:useLocalDpi xmlns:a14="http://schemas.microsoft.com/office/drawing/2010/main" val="0"/>
+                </a:ext>
+              </a:extLst>
+            </a:blip>
+            <a:srcRect/>
+            <a:stretch>
+              <a:fillRect/>
+            </a:stretch>
+          </p:blipFill>
+          <p:spPr bwMode="auto">
+            <a:xfrm>
+              <a:off x="3713801" y="5397258"/>
+              <a:ext cx="1217930" cy="1217930"/>
+            </a:xfrm>
+            <a:prstGeom prst="rect">
+              <a:avLst/>
+            </a:prstGeom>
+            <a:noFill/>
+            <a:extLst>
+              <a:ext uri="{909E8E84-426E-40DD-AFC4-6F175D3DCCD1}">
+                <a14:hiddenFill xmlns:a14="http://schemas.microsoft.com/office/drawing/2010/main">
+                  <a:solidFill>
+                    <a:srgbClr val="FFFFFF"/>
+                  </a:solidFill>
+                </a14:hiddenFill>
+              </a:ext>
+            </a:extLst>
+          </p:spPr>
+        </p:pic>
+      </p:grpSp>
+      <p:sp>
+        <p:nvSpPr>
+          <p:cNvPr id="88" name="TextBox 87"/>
+          <p:cNvSpPr txBox="1"/>
+          <p:nvPr/>
+        </p:nvSpPr>
+        <p:spPr>
+          <a:xfrm>
+            <a:off x="4429987" y="5188697"/>
+            <a:ext cx="3615349" cy="369332"/>
+          </a:xfrm>
+          <a:prstGeom prst="rect">
+            <a:avLst/>
+          </a:prstGeom>
+          <a:noFill/>
+        </p:spPr>
+        <p:txBody>
+          <a:bodyPr wrap="none" rtlCol="0">
+            <a:spAutoFit/>
+          </a:bodyPr>
+          <a:lstStyle/>
+          <a:p>
+            <a:r>
+              <a:rPr lang="ru-RU" dirty="0"/>
+              <a:t>д</a:t>
+            </a:r>
+            <a:r>
+              <a:rPr lang="ru-RU" dirty="0" smtClean="0"/>
+              <a:t>ля запросов к основному сервису</a:t>
+            </a:r>
+            <a:endParaRPr lang="ru-RU" dirty="0"/>
+          </a:p>
+        </p:txBody>
+      </p:sp>
+      <p:grpSp>
+        <p:nvGrpSpPr>
+          <p:cNvPr id="89" name="Группа 88"/>
+          <p:cNvGrpSpPr/>
+          <p:nvPr/>
+        </p:nvGrpSpPr>
+        <p:grpSpPr>
+          <a:xfrm>
+            <a:off x="6660881" y="5684067"/>
+            <a:ext cx="937990" cy="526213"/>
+            <a:chOff x="3713801" y="5263909"/>
+            <a:chExt cx="2435860" cy="1366519"/>
+          </a:xfrm>
+        </p:grpSpPr>
+        <p:pic>
+          <p:nvPicPr>
+            <p:cNvPr id="90" name="Picture 2" descr="Иконка «Пользователь» — скачай бесплатно PNG и векторе"/>
+            <p:cNvPicPr>
+              <a:picLocks noChangeAspect="1" noChangeArrowheads="1"/>
+            </p:cNvPicPr>
+            <p:nvPr/>
+          </p:nvPicPr>
+          <p:blipFill>
+            <a:blip r:embed="rId8" cstate="print">
+              <a:extLst>
+                <a:ext uri="{28A0092B-C50C-407E-A947-70E740481C1C}">
+                  <a14:useLocalDpi xmlns:a14="http://schemas.microsoft.com/office/drawing/2010/main" val="0"/>
+                </a:ext>
+              </a:extLst>
+            </a:blip>
+            <a:srcRect/>
+            <a:stretch>
+              <a:fillRect/>
+            </a:stretch>
+          </p:blipFill>
+          <p:spPr bwMode="auto">
+            <a:xfrm>
+              <a:off x="4931731" y="5397258"/>
+              <a:ext cx="1217930" cy="1217930"/>
+            </a:xfrm>
+            <a:prstGeom prst="rect">
+              <a:avLst/>
+            </a:prstGeom>
+            <a:noFill/>
+            <a:extLst>
+              <a:ext uri="{909E8E84-426E-40DD-AFC4-6F175D3DCCD1}">
+                <a14:hiddenFill xmlns:a14="http://schemas.microsoft.com/office/drawing/2010/main">
+                  <a:solidFill>
+                    <a:srgbClr val="FFFFFF"/>
+                  </a:solidFill>
+                </a14:hiddenFill>
+              </a:ext>
+            </a:extLst>
+          </p:spPr>
+        </p:pic>
+        <p:pic>
+          <p:nvPicPr>
+            <p:cNvPr id="91" name="Picture 2" descr="Иконка «Пользователь» — скачай бесплатно PNG и векторе"/>
+            <p:cNvPicPr>
+              <a:picLocks noChangeAspect="1" noChangeArrowheads="1"/>
+            </p:cNvPicPr>
+            <p:nvPr/>
+          </p:nvPicPr>
+          <p:blipFill>
+            <a:blip r:embed="rId9" cstate="print">
+              <a:extLst>
+                <a:ext uri="{28A0092B-C50C-407E-A947-70E740481C1C}">
+                  <a14:useLocalDpi xmlns:a14="http://schemas.microsoft.com/office/drawing/2010/main" val="0"/>
+                </a:ext>
+              </a:extLst>
+            </a:blip>
+            <a:srcRect/>
+            <a:stretch>
+              <a:fillRect/>
+            </a:stretch>
+          </p:blipFill>
+          <p:spPr bwMode="auto">
+            <a:xfrm>
+              <a:off x="4248471" y="5263909"/>
+              <a:ext cx="1366519" cy="1366519"/>
+            </a:xfrm>
+            <a:prstGeom prst="rect">
+              <a:avLst/>
+            </a:prstGeom>
+            <a:noFill/>
+            <a:extLst>
+              <a:ext uri="{909E8E84-426E-40DD-AFC4-6F175D3DCCD1}">
+                <a14:hiddenFill xmlns:a14="http://schemas.microsoft.com/office/drawing/2010/main">
+                  <a:solidFill>
+                    <a:srgbClr val="FFFFFF"/>
+                  </a:solidFill>
+                </a14:hiddenFill>
+              </a:ext>
+            </a:extLst>
+          </p:spPr>
+        </p:pic>
+        <p:pic>
+          <p:nvPicPr>
+            <p:cNvPr id="92" name="Picture 2" descr="Иконка «Пользователь» — скачай бесплатно PNG и векторе"/>
+            <p:cNvPicPr>
+              <a:picLocks noChangeAspect="1" noChangeArrowheads="1"/>
+            </p:cNvPicPr>
+            <p:nvPr/>
+          </p:nvPicPr>
+          <p:blipFill>
+            <a:blip r:embed="rId8" cstate="print">
+              <a:extLst>
+                <a:ext uri="{28A0092B-C50C-407E-A947-70E740481C1C}">
+                  <a14:useLocalDpi xmlns:a14="http://schemas.microsoft.com/office/drawing/2010/main" val="0"/>
+                </a:ext>
+              </a:extLst>
+            </a:blip>
+            <a:srcRect/>
+            <a:stretch>
+              <a:fillRect/>
+            </a:stretch>
+          </p:blipFill>
+          <p:spPr bwMode="auto">
+            <a:xfrm>
+              <a:off x="3713801" y="5397258"/>
+              <a:ext cx="1217930" cy="1217930"/>
+            </a:xfrm>
+            <a:prstGeom prst="rect">
+              <a:avLst/>
+            </a:prstGeom>
+            <a:noFill/>
+            <a:extLst>
+              <a:ext uri="{909E8E84-426E-40DD-AFC4-6F175D3DCCD1}">
+                <a14:hiddenFill xmlns:a14="http://schemas.microsoft.com/office/drawing/2010/main">
+                  <a:solidFill>
+                    <a:srgbClr val="FFFFFF"/>
+                  </a:solidFill>
+                </a14:hiddenFill>
+              </a:ext>
+            </a:extLst>
+          </p:spPr>
+        </p:pic>
+      </p:grpSp>
+      <p:grpSp>
+        <p:nvGrpSpPr>
+          <p:cNvPr id="93" name="Группа 92"/>
+          <p:cNvGrpSpPr/>
+          <p:nvPr/>
+        </p:nvGrpSpPr>
+        <p:grpSpPr>
+          <a:xfrm>
+            <a:off x="4727767" y="5735598"/>
+            <a:ext cx="798627" cy="448030"/>
+            <a:chOff x="3713801" y="5263909"/>
+            <a:chExt cx="2435860" cy="1366519"/>
+          </a:xfrm>
+        </p:grpSpPr>
+        <p:pic>
+          <p:nvPicPr>
+            <p:cNvPr id="94" name="Picture 2" descr="Иконка «Пользователь» — скачай бесплатно PNG и векторе"/>
+            <p:cNvPicPr>
+              <a:picLocks noChangeAspect="1" noChangeArrowheads="1"/>
+            </p:cNvPicPr>
+            <p:nvPr/>
+          </p:nvPicPr>
+          <p:blipFill>
+            <a:blip r:embed="rId8" cstate="print">
+              <a:extLst>
+                <a:ext uri="{28A0092B-C50C-407E-A947-70E740481C1C}">
+                  <a14:useLocalDpi xmlns:a14="http://schemas.microsoft.com/office/drawing/2010/main" val="0"/>
+                </a:ext>
+              </a:extLst>
+            </a:blip>
+            <a:srcRect/>
+            <a:stretch>
+              <a:fillRect/>
+            </a:stretch>
+          </p:blipFill>
+          <p:spPr bwMode="auto">
+            <a:xfrm>
+              <a:off x="4931731" y="5397258"/>
+              <a:ext cx="1217930" cy="1217930"/>
+            </a:xfrm>
+            <a:prstGeom prst="rect">
+              <a:avLst/>
+            </a:prstGeom>
+            <a:noFill/>
+            <a:extLst>
+              <a:ext uri="{909E8E84-426E-40DD-AFC4-6F175D3DCCD1}">
+                <a14:hiddenFill xmlns:a14="http://schemas.microsoft.com/office/drawing/2010/main">
+                  <a:solidFill>
+                    <a:srgbClr val="FFFFFF"/>
+                  </a:solidFill>
+                </a14:hiddenFill>
+              </a:ext>
+            </a:extLst>
+          </p:spPr>
+        </p:pic>
+        <p:pic>
+          <p:nvPicPr>
+            <p:cNvPr id="95" name="Picture 2" descr="Иконка «Пользователь» — скачай бесплатно PNG и векторе"/>
+            <p:cNvPicPr>
+              <a:picLocks noChangeAspect="1" noChangeArrowheads="1"/>
+            </p:cNvPicPr>
+            <p:nvPr/>
+          </p:nvPicPr>
+          <p:blipFill>
+            <a:blip r:embed="rId9" cstate="print">
+              <a:extLst>
+                <a:ext uri="{28A0092B-C50C-407E-A947-70E740481C1C}">
+                  <a14:useLocalDpi xmlns:a14="http://schemas.microsoft.com/office/drawing/2010/main" val="0"/>
+                </a:ext>
+              </a:extLst>
+            </a:blip>
+            <a:srcRect/>
+            <a:stretch>
+              <a:fillRect/>
+            </a:stretch>
+          </p:blipFill>
+          <p:spPr bwMode="auto">
+            <a:xfrm>
+              <a:off x="4248471" y="5263909"/>
+              <a:ext cx="1366519" cy="1366519"/>
+            </a:xfrm>
+            <a:prstGeom prst="rect">
+              <a:avLst/>
+            </a:prstGeom>
+            <a:noFill/>
+            <a:extLst>
+              <a:ext uri="{909E8E84-426E-40DD-AFC4-6F175D3DCCD1}">
+                <a14:hiddenFill xmlns:a14="http://schemas.microsoft.com/office/drawing/2010/main">
+                  <a:solidFill>
+                    <a:srgbClr val="FFFFFF"/>
+                  </a:solidFill>
+                </a14:hiddenFill>
+              </a:ext>
+            </a:extLst>
+          </p:spPr>
+        </p:pic>
+        <p:pic>
+          <p:nvPicPr>
+            <p:cNvPr id="96" name="Picture 2" descr="Иконка «Пользователь» — скачай бесплатно PNG и векторе"/>
+            <p:cNvPicPr>
+              <a:picLocks noChangeAspect="1" noChangeArrowheads="1"/>
+            </p:cNvPicPr>
+            <p:nvPr/>
+          </p:nvPicPr>
+          <p:blipFill>
+            <a:blip r:embed="rId8" cstate="print">
+              <a:extLst>
+                <a:ext uri="{28A0092B-C50C-407E-A947-70E740481C1C}">
+                  <a14:useLocalDpi xmlns:a14="http://schemas.microsoft.com/office/drawing/2010/main" val="0"/>
+                </a:ext>
+              </a:extLst>
+            </a:blip>
+            <a:srcRect/>
+            <a:stretch>
+              <a:fillRect/>
+            </a:stretch>
+          </p:blipFill>
+          <p:spPr bwMode="auto">
+            <a:xfrm>
+              <a:off x="3713801" y="5397258"/>
+              <a:ext cx="1217930" cy="1217930"/>
+            </a:xfrm>
+            <a:prstGeom prst="rect">
+              <a:avLst/>
+            </a:prstGeom>
+            <a:noFill/>
+            <a:extLst>
+              <a:ext uri="{909E8E84-426E-40DD-AFC4-6F175D3DCCD1}">
+                <a14:hiddenFill xmlns:a14="http://schemas.microsoft.com/office/drawing/2010/main">
+                  <a:solidFill>
+                    <a:srgbClr val="FFFFFF"/>
+                  </a:solidFill>
+                </a14:hiddenFill>
+              </a:ext>
+            </a:extLst>
+          </p:spPr>
+        </p:pic>
+      </p:grpSp>
+      <p:grpSp>
+        <p:nvGrpSpPr>
+          <p:cNvPr id="97" name="Группа 96"/>
+          <p:cNvGrpSpPr/>
+          <p:nvPr/>
+        </p:nvGrpSpPr>
+        <p:grpSpPr>
+          <a:xfrm>
+            <a:off x="4244019" y="5830652"/>
+            <a:ext cx="571397" cy="320554"/>
+            <a:chOff x="3713801" y="5263909"/>
+            <a:chExt cx="2435860" cy="1366519"/>
+          </a:xfrm>
+        </p:grpSpPr>
+        <p:pic>
+          <p:nvPicPr>
+            <p:cNvPr id="98" name="Picture 2" descr="Иконка «Пользователь» — скачай бесплатно PNG и векторе"/>
+            <p:cNvPicPr>
+              <a:picLocks noChangeAspect="1" noChangeArrowheads="1"/>
+            </p:cNvPicPr>
+            <p:nvPr/>
+          </p:nvPicPr>
+          <p:blipFill>
+            <a:blip r:embed="rId8" cstate="print">
+              <a:extLst>
+                <a:ext uri="{28A0092B-C50C-407E-A947-70E740481C1C}">
+                  <a14:useLocalDpi xmlns:a14="http://schemas.microsoft.com/office/drawing/2010/main" val="0"/>
+                </a:ext>
+              </a:extLst>
+            </a:blip>
+            <a:srcRect/>
+            <a:stretch>
+              <a:fillRect/>
+            </a:stretch>
+          </p:blipFill>
+          <p:spPr bwMode="auto">
+            <a:xfrm>
+              <a:off x="4931731" y="5397258"/>
+              <a:ext cx="1217930" cy="1217930"/>
+            </a:xfrm>
+            <a:prstGeom prst="rect">
+              <a:avLst/>
+            </a:prstGeom>
+            <a:noFill/>
+            <a:extLst>
+              <a:ext uri="{909E8E84-426E-40DD-AFC4-6F175D3DCCD1}">
+                <a14:hiddenFill xmlns:a14="http://schemas.microsoft.com/office/drawing/2010/main">
+                  <a:solidFill>
+                    <a:srgbClr val="FFFFFF"/>
+                  </a:solidFill>
+                </a14:hiddenFill>
+              </a:ext>
+            </a:extLst>
+          </p:spPr>
+        </p:pic>
+        <p:pic>
+          <p:nvPicPr>
+            <p:cNvPr id="99" name="Picture 2" descr="Иконка «Пользователь» — скачай бесплатно PNG и векторе"/>
+            <p:cNvPicPr>
+              <a:picLocks noChangeAspect="1" noChangeArrowheads="1"/>
+            </p:cNvPicPr>
+            <p:nvPr/>
+          </p:nvPicPr>
+          <p:blipFill>
+            <a:blip r:embed="rId9" cstate="print">
+              <a:extLst>
+                <a:ext uri="{28A0092B-C50C-407E-A947-70E740481C1C}">
+                  <a14:useLocalDpi xmlns:a14="http://schemas.microsoft.com/office/drawing/2010/main" val="0"/>
+                </a:ext>
+              </a:extLst>
+            </a:blip>
+            <a:srcRect/>
+            <a:stretch>
+              <a:fillRect/>
+            </a:stretch>
+          </p:blipFill>
+          <p:spPr bwMode="auto">
+            <a:xfrm>
+              <a:off x="4248471" y="5263909"/>
+              <a:ext cx="1366519" cy="1366519"/>
+            </a:xfrm>
+            <a:prstGeom prst="rect">
+              <a:avLst/>
+            </a:prstGeom>
+            <a:noFill/>
+            <a:extLst>
+              <a:ext uri="{909E8E84-426E-40DD-AFC4-6F175D3DCCD1}">
+                <a14:hiddenFill xmlns:a14="http://schemas.microsoft.com/office/drawing/2010/main">
+                  <a:solidFill>
+                    <a:srgbClr val="FFFFFF"/>
+                  </a:solidFill>
+                </a14:hiddenFill>
+              </a:ext>
+            </a:extLst>
+          </p:spPr>
+        </p:pic>
+        <p:pic>
+          <p:nvPicPr>
+            <p:cNvPr id="100" name="Picture 2" descr="Иконка «Пользователь» — скачай бесплатно PNG и векторе"/>
+            <p:cNvPicPr>
+              <a:picLocks noChangeAspect="1" noChangeArrowheads="1"/>
+            </p:cNvPicPr>
+            <p:nvPr/>
+          </p:nvPicPr>
+          <p:blipFill>
+            <a:blip r:embed="rId8" cstate="print">
+              <a:extLst>
+                <a:ext uri="{28A0092B-C50C-407E-A947-70E740481C1C}">
+                  <a14:useLocalDpi xmlns:a14="http://schemas.microsoft.com/office/drawing/2010/main" val="0"/>
+                </a:ext>
+              </a:extLst>
+            </a:blip>
+            <a:srcRect/>
+            <a:stretch>
+              <a:fillRect/>
+            </a:stretch>
+          </p:blipFill>
+          <p:spPr bwMode="auto">
+            <a:xfrm>
+              <a:off x="3713801" y="5397258"/>
+              <a:ext cx="1217930" cy="1217930"/>
+            </a:xfrm>
+            <a:prstGeom prst="rect">
+              <a:avLst/>
+            </a:prstGeom>
+            <a:noFill/>
+            <a:extLst>
+              <a:ext uri="{909E8E84-426E-40DD-AFC4-6F175D3DCCD1}">
+                <a14:hiddenFill xmlns:a14="http://schemas.microsoft.com/office/drawing/2010/main">
+                  <a:solidFill>
+                    <a:srgbClr val="FFFFFF"/>
+                  </a:solidFill>
+                </a14:hiddenFill>
+              </a:ext>
+            </a:extLst>
+          </p:spPr>
+        </p:pic>
+      </p:grpSp>
+      <p:grpSp>
+        <p:nvGrpSpPr>
+          <p:cNvPr id="101" name="Группа 100"/>
+          <p:cNvGrpSpPr/>
+          <p:nvPr/>
+        </p:nvGrpSpPr>
+        <p:grpSpPr>
+          <a:xfrm>
+            <a:off x="7506845" y="5833434"/>
+            <a:ext cx="571397" cy="320554"/>
+            <a:chOff x="3713801" y="5263909"/>
+            <a:chExt cx="2435860" cy="1366519"/>
+          </a:xfrm>
+        </p:grpSpPr>
+        <p:pic>
+          <p:nvPicPr>
+            <p:cNvPr id="102" name="Picture 2" descr="Иконка «Пользователь» — скачай бесплатно PNG и векторе"/>
+            <p:cNvPicPr>
+              <a:picLocks noChangeAspect="1" noChangeArrowheads="1"/>
+            </p:cNvPicPr>
+            <p:nvPr/>
+          </p:nvPicPr>
+          <p:blipFill>
+            <a:blip r:embed="rId8" cstate="print">
+              <a:extLst>
+                <a:ext uri="{28A0092B-C50C-407E-A947-70E740481C1C}">
+                  <a14:useLocalDpi xmlns:a14="http://schemas.microsoft.com/office/drawing/2010/main" val="0"/>
+                </a:ext>
+              </a:extLst>
+            </a:blip>
+            <a:srcRect/>
+            <a:stretch>
+              <a:fillRect/>
+            </a:stretch>
+          </p:blipFill>
+          <p:spPr bwMode="auto">
+            <a:xfrm>
+              <a:off x="4931731" y="5397258"/>
+              <a:ext cx="1217930" cy="1217930"/>
+            </a:xfrm>
+            <a:prstGeom prst="rect">
+              <a:avLst/>
+            </a:prstGeom>
+            <a:noFill/>
+            <a:extLst>
+              <a:ext uri="{909E8E84-426E-40DD-AFC4-6F175D3DCCD1}">
+                <a14:hiddenFill xmlns:a14="http://schemas.microsoft.com/office/drawing/2010/main">
+                  <a:solidFill>
+                    <a:srgbClr val="FFFFFF"/>
+                  </a:solidFill>
+                </a14:hiddenFill>
+              </a:ext>
+            </a:extLst>
+          </p:spPr>
+        </p:pic>
+        <p:pic>
+          <p:nvPicPr>
+            <p:cNvPr id="103" name="Picture 2" descr="Иконка «Пользователь» — скачай бесплатно PNG и векторе"/>
+            <p:cNvPicPr>
+              <a:picLocks noChangeAspect="1" noChangeArrowheads="1"/>
+            </p:cNvPicPr>
+            <p:nvPr/>
+          </p:nvPicPr>
+          <p:blipFill>
+            <a:blip r:embed="rId9" cstate="print">
+              <a:extLst>
+                <a:ext uri="{28A0092B-C50C-407E-A947-70E740481C1C}">
+                  <a14:useLocalDpi xmlns:a14="http://schemas.microsoft.com/office/drawing/2010/main" val="0"/>
+                </a:ext>
+              </a:extLst>
+            </a:blip>
+            <a:srcRect/>
+            <a:stretch>
+              <a:fillRect/>
+            </a:stretch>
+          </p:blipFill>
+          <p:spPr bwMode="auto">
+            <a:xfrm>
+              <a:off x="4248471" y="5263909"/>
+              <a:ext cx="1366519" cy="1366519"/>
+            </a:xfrm>
+            <a:prstGeom prst="rect">
+              <a:avLst/>
+            </a:prstGeom>
+            <a:noFill/>
+            <a:extLst>
+              <a:ext uri="{909E8E84-426E-40DD-AFC4-6F175D3DCCD1}">
+                <a14:hiddenFill xmlns:a14="http://schemas.microsoft.com/office/drawing/2010/main">
+                  <a:solidFill>
+                    <a:srgbClr val="FFFFFF"/>
+                  </a:solidFill>
+                </a14:hiddenFill>
+              </a:ext>
+            </a:extLst>
+          </p:spPr>
+        </p:pic>
+        <p:pic>
+          <p:nvPicPr>
+            <p:cNvPr id="104" name="Picture 2" descr="Иконка «Пользователь» — скачай бесплатно PNG и векторе"/>
+            <p:cNvPicPr>
+              <a:picLocks noChangeAspect="1" noChangeArrowheads="1"/>
+            </p:cNvPicPr>
+            <p:nvPr/>
+          </p:nvPicPr>
+          <p:blipFill>
+            <a:blip r:embed="rId8" cstate="print">
+              <a:extLst>
+                <a:ext uri="{28A0092B-C50C-407E-A947-70E740481C1C}">
+                  <a14:useLocalDpi xmlns:a14="http://schemas.microsoft.com/office/drawing/2010/main" val="0"/>
+                </a:ext>
+              </a:extLst>
+            </a:blip>
+            <a:srcRect/>
+            <a:stretch>
+              <a:fillRect/>
+            </a:stretch>
+          </p:blipFill>
+          <p:spPr bwMode="auto">
+            <a:xfrm>
+              <a:off x="3713801" y="5397258"/>
+              <a:ext cx="1217930" cy="1217930"/>
+            </a:xfrm>
+            <a:prstGeom prst="rect">
+              <a:avLst/>
+            </a:prstGeom>
+            <a:noFill/>
+            <a:extLst>
+              <a:ext uri="{909E8E84-426E-40DD-AFC4-6F175D3DCCD1}">
+                <a14:hiddenFill xmlns:a14="http://schemas.microsoft.com/office/drawing/2010/main">
+                  <a:solidFill>
+                    <a:srgbClr val="FFFFFF"/>
+                  </a:solidFill>
+                </a14:hiddenFill>
+              </a:ext>
+            </a:extLst>
+          </p:spPr>
+        </p:pic>
+      </p:grpSp>
     </p:spTree>
     <p:extLst>
       <p:ext uri="{BB962C8B-B14F-4D97-AF65-F5344CB8AC3E}">
@@ -12376,7 +16825,7 @@
 </p:sld>
 </file>
 
-<file path=ppt/slides/slide16.xml><?xml version="1.0" encoding="utf-8"?>
+<file path=ppt/slides/slide19.xml><?xml version="1.0" encoding="utf-8"?>
 <p:sld xmlns:a="http://schemas.openxmlformats.org/drawingml/2006/main" xmlns:r="http://schemas.openxmlformats.org/officeDocument/2006/relationships" xmlns:p="http://schemas.openxmlformats.org/presentationml/2006/main">
   <p:cSld>
     <p:spTree>
@@ -12515,7 +16964,7 @@
         <p:spPr>
           <a:xfrm>
             <a:off x="1117019" y="3952240"/>
-            <a:ext cx="4493794" cy="2031325"/>
+            <a:ext cx="4493794" cy="2123658"/>
           </a:xfrm>
           <a:prstGeom prst="rect">
             <a:avLst/>
@@ -12530,22 +16979,22 @@
           <a:p>
             <a:pPr algn="ctr"/>
             <a:r>
-              <a:rPr lang="ru-RU" b="1" dirty="0" smtClean="0"/>
+              <a:rPr lang="ru-RU" sz="2400" b="1" dirty="0" smtClean="0"/>
               <a:t>Сергей </a:t>
             </a:r>
             <a:r>
-              <a:rPr lang="en-US" b="1" dirty="0" smtClean="0"/>
+              <a:rPr lang="en-US" sz="2400" b="1" dirty="0" smtClean="0"/>
               <a:t>(</a:t>
             </a:r>
             <a:r>
-              <a:rPr lang="en-US" b="1" dirty="0" err="1" smtClean="0"/>
+              <a:rPr lang="en-US" sz="2400" b="1" dirty="0" err="1" smtClean="0"/>
               <a:t>YoungTeurus</a:t>
             </a:r>
             <a:r>
-              <a:rPr lang="en-US" b="1" dirty="0" smtClean="0"/>
+              <a:rPr lang="en-US" sz="2400" b="1" dirty="0" smtClean="0"/>
               <a:t>)</a:t>
             </a:r>
-            <a:endParaRPr lang="ru-RU" b="1" dirty="0"/>
+            <a:endParaRPr lang="ru-RU" sz="2400" b="1" dirty="0"/>
           </a:p>
           <a:p>
             <a:pPr marL="285750" indent="-285750">
@@ -12626,7 +17075,7 @@
         <p:spPr>
           <a:xfrm>
             <a:off x="7186349" y="3952240"/>
-            <a:ext cx="4303614" cy="2031325"/>
+            <a:ext cx="4303614" cy="2123658"/>
           </a:xfrm>
           <a:prstGeom prst="rect">
             <a:avLst/>
@@ -12641,18 +17090,18 @@
           <a:p>
             <a:pPr algn="ctr"/>
             <a:r>
-              <a:rPr lang="ru-RU" b="1" dirty="0" smtClean="0"/>
+              <a:rPr lang="ru-RU" sz="2400" b="1" dirty="0" smtClean="0"/>
               <a:t>Дмитрий (</a:t>
             </a:r>
             <a:r>
-              <a:rPr lang="en-US" b="1" dirty="0" smtClean="0"/>
+              <a:rPr lang="en-US" sz="2400" b="1" dirty="0" smtClean="0"/>
               <a:t>dimon7147</a:t>
             </a:r>
             <a:r>
-              <a:rPr lang="ru-RU" b="1" dirty="0" smtClean="0"/>
+              <a:rPr lang="ru-RU" sz="2400" b="1" dirty="0" smtClean="0"/>
               <a:t>)</a:t>
             </a:r>
-            <a:endParaRPr lang="en-US" b="1" dirty="0" smtClean="0"/>
+            <a:endParaRPr lang="en-US" sz="2400" b="1" dirty="0" smtClean="0"/>
           </a:p>
           <a:p>
             <a:pPr marL="285750" indent="-285750">
@@ -12736,111 +17185,6 @@
     <p:extLst>
       <p:ext uri="{BB962C8B-B14F-4D97-AF65-F5344CB8AC3E}">
         <p14:creationId xmlns:p14="http://schemas.microsoft.com/office/powerpoint/2010/main" val="2981278157"/>
-      </p:ext>
-    </p:extLst>
-  </p:cSld>
-  <p:clrMapOvr>
-    <a:masterClrMapping/>
-  </p:clrMapOvr>
-  <mc:AlternateContent xmlns:mc="http://schemas.openxmlformats.org/markup-compatibility/2006" xmlns:p14="http://schemas.microsoft.com/office/powerpoint/2010/main">
-    <mc:Choice Requires="p14">
-      <p:transition spd="slow" p14:dur="2000"/>
-    </mc:Choice>
-    <mc:Fallback xmlns="">
-      <p:transition spd="slow"/>
-    </mc:Fallback>
-  </mc:AlternateContent>
-  <p:timing>
-    <p:tnLst>
-      <p:par>
-        <p:cTn id="1" dur="indefinite" restart="never" nodeType="tmRoot"/>
-      </p:par>
-    </p:tnLst>
-  </p:timing>
-</p:sld>
-</file>
-
-<file path=ppt/slides/slide17.xml><?xml version="1.0" encoding="utf-8"?>
-<p:sld xmlns:a="http://schemas.openxmlformats.org/drawingml/2006/main" xmlns:r="http://schemas.openxmlformats.org/officeDocument/2006/relationships" xmlns:p="http://schemas.openxmlformats.org/presentationml/2006/main">
-  <p:cSld>
-    <p:spTree>
-      <p:nvGrpSpPr>
-        <p:cNvPr id="1" name=""/>
-        <p:cNvGrpSpPr/>
-        <p:nvPr/>
-      </p:nvGrpSpPr>
-      <p:grpSpPr>
-        <a:xfrm>
-          <a:off x="0" y="0"/>
-          <a:ext cx="0" cy="0"/>
-          <a:chOff x="0" y="0"/>
-          <a:chExt cx="0" cy="0"/>
-        </a:xfrm>
-      </p:grpSpPr>
-      <p:sp>
-        <p:nvSpPr>
-          <p:cNvPr id="10" name="TextBox 9"/>
-          <p:cNvSpPr txBox="1"/>
-          <p:nvPr/>
-        </p:nvSpPr>
-        <p:spPr>
-          <a:xfrm>
-            <a:off x="914401" y="151900"/>
-            <a:ext cx="10363199" cy="1015663"/>
-          </a:xfrm>
-          <a:prstGeom prst="rect">
-            <a:avLst/>
-          </a:prstGeom>
-          <a:noFill/>
-        </p:spPr>
-        <p:txBody>
-          <a:bodyPr wrap="square" rtlCol="0" anchor="ctr">
-            <a:spAutoFit/>
-          </a:bodyPr>
-          <a:lstStyle/>
-          <a:p>
-            <a:pPr algn="ctr"/>
-            <a:r>
-              <a:rPr lang="ru-RU" sz="6000" b="1" dirty="0" smtClean="0"/>
-              <a:t>Выводы</a:t>
-            </a:r>
-            <a:endParaRPr lang="ru-RU" sz="6000" b="1" dirty="0" smtClean="0"/>
-          </a:p>
-        </p:txBody>
-      </p:sp>
-      <p:sp>
-        <p:nvSpPr>
-          <p:cNvPr id="2" name="TextBox 1"/>
-          <p:cNvSpPr txBox="1"/>
-          <p:nvPr/>
-        </p:nvSpPr>
-        <p:spPr>
-          <a:xfrm>
-            <a:off x="2121031" y="1593130"/>
-            <a:ext cx="6894644" cy="369332"/>
-          </a:xfrm>
-          <a:prstGeom prst="rect">
-            <a:avLst/>
-          </a:prstGeom>
-          <a:noFill/>
-        </p:spPr>
-        <p:txBody>
-          <a:bodyPr wrap="none" rtlCol="0">
-            <a:spAutoFit/>
-          </a:bodyPr>
-          <a:lstStyle/>
-          <a:p>
-            <a:r>
-              <a:rPr lang="ru-RU" dirty="0" smtClean="0"/>
-              <a:t>Что можно добавить, что получилось хорошо, что получилось плохо</a:t>
-            </a:r>
-          </a:p>
-        </p:txBody>
-      </p:sp>
-    </p:spTree>
-    <p:extLst>
-      <p:ext uri="{BB962C8B-B14F-4D97-AF65-F5344CB8AC3E}">
-        <p14:creationId xmlns:p14="http://schemas.microsoft.com/office/powerpoint/2010/main" val="2558472782"/>
       </p:ext>
     </p:extLst>
   </p:cSld>
@@ -13202,6 +17546,111 @@
   <p:clrMapOvr>
     <a:masterClrMapping/>
   </p:clrMapOvr>
+  <p:timing>
+    <p:tnLst>
+      <p:par>
+        <p:cTn id="1" dur="indefinite" restart="never" nodeType="tmRoot"/>
+      </p:par>
+    </p:tnLst>
+  </p:timing>
+</p:sld>
+</file>
+
+<file path=ppt/slides/slide20.xml><?xml version="1.0" encoding="utf-8"?>
+<p:sld xmlns:a="http://schemas.openxmlformats.org/drawingml/2006/main" xmlns:r="http://schemas.openxmlformats.org/officeDocument/2006/relationships" xmlns:p="http://schemas.openxmlformats.org/presentationml/2006/main">
+  <p:cSld>
+    <p:spTree>
+      <p:nvGrpSpPr>
+        <p:cNvPr id="1" name=""/>
+        <p:cNvGrpSpPr/>
+        <p:nvPr/>
+      </p:nvGrpSpPr>
+      <p:grpSpPr>
+        <a:xfrm>
+          <a:off x="0" y="0"/>
+          <a:ext cx="0" cy="0"/>
+          <a:chOff x="0" y="0"/>
+          <a:chExt cx="0" cy="0"/>
+        </a:xfrm>
+      </p:grpSpPr>
+      <p:sp>
+        <p:nvSpPr>
+          <p:cNvPr id="10" name="TextBox 9"/>
+          <p:cNvSpPr txBox="1"/>
+          <p:nvPr/>
+        </p:nvSpPr>
+        <p:spPr>
+          <a:xfrm>
+            <a:off x="914401" y="151900"/>
+            <a:ext cx="10363199" cy="1015663"/>
+          </a:xfrm>
+          <a:prstGeom prst="rect">
+            <a:avLst/>
+          </a:prstGeom>
+          <a:noFill/>
+        </p:spPr>
+        <p:txBody>
+          <a:bodyPr wrap="square" rtlCol="0" anchor="ctr">
+            <a:spAutoFit/>
+          </a:bodyPr>
+          <a:lstStyle/>
+          <a:p>
+            <a:pPr algn="ctr"/>
+            <a:r>
+              <a:rPr lang="ru-RU" sz="6000" b="1" dirty="0" smtClean="0"/>
+              <a:t>Выводы</a:t>
+            </a:r>
+            <a:endParaRPr lang="ru-RU" sz="6000" b="1" dirty="0" smtClean="0"/>
+          </a:p>
+        </p:txBody>
+      </p:sp>
+      <p:sp>
+        <p:nvSpPr>
+          <p:cNvPr id="2" name="TextBox 1"/>
+          <p:cNvSpPr txBox="1"/>
+          <p:nvPr/>
+        </p:nvSpPr>
+        <p:spPr>
+          <a:xfrm>
+            <a:off x="2121031" y="1593130"/>
+            <a:ext cx="6894644" cy="369332"/>
+          </a:xfrm>
+          <a:prstGeom prst="rect">
+            <a:avLst/>
+          </a:prstGeom>
+          <a:noFill/>
+        </p:spPr>
+        <p:txBody>
+          <a:bodyPr wrap="none" rtlCol="0">
+            <a:spAutoFit/>
+          </a:bodyPr>
+          <a:lstStyle/>
+          <a:p>
+            <a:r>
+              <a:rPr lang="ru-RU" dirty="0" smtClean="0"/>
+              <a:t>Что можно добавить, что получилось хорошо, что получилось плохо</a:t>
+            </a:r>
+          </a:p>
+        </p:txBody>
+      </p:sp>
+    </p:spTree>
+    <p:extLst>
+      <p:ext uri="{BB962C8B-B14F-4D97-AF65-F5344CB8AC3E}">
+        <p14:creationId xmlns:p14="http://schemas.microsoft.com/office/powerpoint/2010/main" val="2558472782"/>
+      </p:ext>
+    </p:extLst>
+  </p:cSld>
+  <p:clrMapOvr>
+    <a:masterClrMapping/>
+  </p:clrMapOvr>
+  <mc:AlternateContent xmlns:mc="http://schemas.openxmlformats.org/markup-compatibility/2006" xmlns:p14="http://schemas.microsoft.com/office/powerpoint/2010/main">
+    <mc:Choice Requires="p14">
+      <p:transition spd="slow" p14:dur="2000"/>
+    </mc:Choice>
+    <mc:Fallback xmlns="">
+      <p:transition spd="slow"/>
+    </mc:Fallback>
+  </mc:AlternateContent>
   <p:timing>
     <p:tnLst>
       <p:par>
@@ -14387,7 +18836,7 @@
         </p:nvSpPr>
         <p:spPr>
           <a:xfrm>
-            <a:off x="914401" y="151900"/>
+            <a:off x="914401" y="151899"/>
             <a:ext cx="10363199" cy="1015663"/>
           </a:xfrm>
           <a:prstGeom prst="rect">
@@ -14406,6 +18855,7 @@
               <a:rPr lang="ru-RU" sz="6000" b="1" dirty="0" smtClean="0"/>
               <a:t>Архитектура</a:t>
             </a:r>
+            <a:endParaRPr lang="ru-RU" sz="9600" b="1" dirty="0"/>
           </a:p>
         </p:txBody>
       </p:sp>
@@ -14431,9 +18881,6 @@
                     <p:cTn id="3" fill="hold">
                       <p:stCondLst>
                         <p:cond delay="indefinite"/>
-                        <p:cond evt="onBegin" delay="0">
-                          <p:tn val="2"/>
-                        </p:cond>
                       </p:stCondLst>
                       <p:childTnLst>
                         <p:par>
@@ -14443,7 +18890,7 @@
                             </p:stCondLst>
                             <p:childTnLst>
                               <p:par>
-                                <p:cTn id="5" presetID="10" presetClass="exit" presetSubtype="0" fill="hold" grpId="0" nodeType="afterEffect">
+                                <p:cTn id="5" presetID="10" presetClass="exit" presetSubtype="0" fill="hold" grpId="0" nodeType="clickEffect">
                                   <p:stCondLst>
                                     <p:cond delay="0"/>
                                   </p:stCondLst>
@@ -14813,9 +19260,9 @@
           <p:grpSpPr>
             <a:xfrm>
               <a:off x="914400" y="3528252"/>
-              <a:ext cx="2743200" cy="2123659"/>
+              <a:ext cx="2743200" cy="2677656"/>
               <a:chOff x="4724398" y="1628582"/>
-              <a:chExt cx="2743202" cy="2123659"/>
+              <a:chExt cx="2743202" cy="2677656"/>
             </a:xfrm>
           </p:grpSpPr>
           <p:sp>
@@ -14865,7 +19312,7 @@
             <p:spPr>
               <a:xfrm>
                 <a:off x="4724398" y="2274913"/>
-                <a:ext cx="2743201" cy="1477328"/>
+                <a:ext cx="2743201" cy="2031325"/>
               </a:xfrm>
               <a:prstGeom prst="rect">
                 <a:avLst/>
@@ -14894,7 +19341,15 @@
                 </a:pPr>
                 <a:r>
                   <a:rPr lang="ru-RU" dirty="0" smtClean="0"/>
-                  <a:t>Используется многими организациями</a:t>
+                  <a:t>Существует в едином экземпляре: и</a:t>
+                </a:r>
+                <a:r>
+                  <a:rPr lang="ru-RU" dirty="0" smtClean="0"/>
+                  <a:t>спользуется </a:t>
+                </a:r>
+                <a:r>
+                  <a:rPr lang="ru-RU" dirty="0" smtClean="0"/>
+                  <a:t>многими организациями</a:t>
                 </a:r>
                 <a:endParaRPr lang="ru-RU" dirty="0"/>
               </a:p>
@@ -15053,9 +19508,8 @@
                 </a:pPr>
                 <a:r>
                   <a:rPr lang="ru-RU" dirty="0" smtClean="0"/>
-                  <a:t>Используется работниками нескольких организаций</a:t>
+                  <a:t>Количество сервисов больше или равно количеству организаций</a:t>
                 </a:r>
-                <a:endParaRPr lang="ru-RU" dirty="0"/>
               </a:p>
             </p:txBody>
           </p:sp>
@@ -15202,7 +19656,11 @@
                 </a:pPr>
                 <a:r>
                   <a:rPr lang="ru-RU" dirty="0" smtClean="0"/>
-                  <a:t>Хранит подробную информацию о пользователях организации</a:t>
+                  <a:t>Хранит подробную информацию о пользователях </a:t>
+                </a:r>
+                <a:r>
+                  <a:rPr lang="ru-RU" dirty="0" smtClean="0"/>
+                  <a:t>организации</a:t>
                 </a:r>
               </a:p>
               <a:p>
@@ -15212,9 +19670,9 @@
                 </a:pPr>
                 <a:r>
                   <a:rPr lang="ru-RU" dirty="0" smtClean="0"/>
-                  <a:t>Используется одной организацией</a:t>
+                  <a:t>Одна организация – один сервис</a:t>
                 </a:r>
-                <a:endParaRPr lang="ru-RU" dirty="0"/>
+                <a:endParaRPr lang="ru-RU" dirty="0" smtClean="0"/>
               </a:p>
             </p:txBody>
           </p:sp>
@@ -15247,6 +19705,7 @@
               <a:rPr lang="ru-RU" sz="6000" b="1" dirty="0" smtClean="0"/>
               <a:t>Архитектура</a:t>
             </a:r>
+            <a:endParaRPr lang="ru-RU" sz="2800" b="1" dirty="0" smtClean="0"/>
           </a:p>
         </p:txBody>
       </p:sp>
@@ -16531,6 +20990,162 @@
           </p:txBody>
         </p:sp>
       </p:grpSp>
+      <p:sp>
+        <p:nvSpPr>
+          <p:cNvPr id="41" name="Прямоугольник 40"/>
+          <p:cNvSpPr/>
+          <p:nvPr/>
+        </p:nvSpPr>
+        <p:spPr>
+          <a:xfrm rot="16200000">
+            <a:off x="-74013" y="2768012"/>
+            <a:ext cx="2742152" cy="464400"/>
+          </a:xfrm>
+          <a:prstGeom prst="rect">
+            <a:avLst/>
+          </a:prstGeom>
+        </p:spPr>
+        <p:style>
+          <a:lnRef idx="2">
+            <a:schemeClr val="accent1">
+              <a:shade val="50000"/>
+            </a:schemeClr>
+          </a:lnRef>
+          <a:fillRef idx="1">
+            <a:schemeClr val="accent1"/>
+          </a:fillRef>
+          <a:effectRef idx="0">
+            <a:schemeClr val="accent1"/>
+          </a:effectRef>
+          <a:fontRef idx="minor">
+            <a:schemeClr val="lt1"/>
+          </a:fontRef>
+        </p:style>
+        <p:txBody>
+          <a:bodyPr rtlCol="0" anchor="ctr"/>
+          <a:lstStyle/>
+          <a:p>
+            <a:pPr algn="ctr"/>
+            <a:r>
+              <a:rPr lang="en-US" sz="2800" dirty="0" smtClean="0"/>
+              <a:t>CREDIT</a:t>
+            </a:r>
+            <a:r>
+              <a:rPr lang="ru-RU" sz="2800" dirty="0" smtClean="0"/>
+              <a:t> </a:t>
+            </a:r>
+            <a:r>
+              <a:rPr lang="en-US" sz="2800" dirty="0" smtClean="0"/>
+              <a:t>service</a:t>
+            </a:r>
+            <a:endParaRPr lang="ru-RU" sz="2800" dirty="0"/>
+          </a:p>
+        </p:txBody>
+      </p:sp>
+      <p:sp>
+        <p:nvSpPr>
+          <p:cNvPr id="42" name="Прямоугольник 41"/>
+          <p:cNvSpPr/>
+          <p:nvPr/>
+        </p:nvSpPr>
+        <p:spPr>
+          <a:xfrm rot="5400000">
+            <a:off x="9523336" y="2768012"/>
+            <a:ext cx="2742152" cy="464400"/>
+          </a:xfrm>
+          <a:prstGeom prst="rect">
+            <a:avLst/>
+          </a:prstGeom>
+        </p:spPr>
+        <p:style>
+          <a:lnRef idx="2">
+            <a:schemeClr val="accent1">
+              <a:shade val="50000"/>
+            </a:schemeClr>
+          </a:lnRef>
+          <a:fillRef idx="1">
+            <a:schemeClr val="accent1"/>
+          </a:fillRef>
+          <a:effectRef idx="0">
+            <a:schemeClr val="accent1"/>
+          </a:effectRef>
+          <a:fontRef idx="minor">
+            <a:schemeClr val="lt1"/>
+          </a:fontRef>
+        </p:style>
+        <p:txBody>
+          <a:bodyPr rtlCol="0" anchor="ctr"/>
+          <a:lstStyle/>
+          <a:p>
+            <a:pPr algn="ctr"/>
+            <a:r>
+              <a:rPr lang="en-US" sz="2800" dirty="0" smtClean="0"/>
+              <a:t>USER</a:t>
+            </a:r>
+            <a:r>
+              <a:rPr lang="ru-RU" sz="2800" dirty="0" smtClean="0"/>
+              <a:t> </a:t>
+            </a:r>
+            <a:r>
+              <a:rPr lang="en-US" sz="2800" dirty="0" smtClean="0"/>
+              <a:t>service</a:t>
+            </a:r>
+            <a:endParaRPr lang="ru-RU" sz="2800" dirty="0"/>
+          </a:p>
+        </p:txBody>
+      </p:sp>
+      <p:sp>
+        <p:nvSpPr>
+          <p:cNvPr id="43" name="Прямоугольник 42"/>
+          <p:cNvSpPr/>
+          <p:nvPr/>
+        </p:nvSpPr>
+        <p:spPr>
+          <a:xfrm>
+            <a:off x="4725448" y="1167563"/>
+            <a:ext cx="2742152" cy="464552"/>
+          </a:xfrm>
+          <a:prstGeom prst="rect">
+            <a:avLst/>
+          </a:prstGeom>
+        </p:spPr>
+        <p:style>
+          <a:lnRef idx="2">
+            <a:schemeClr val="accent1">
+              <a:shade val="50000"/>
+            </a:schemeClr>
+          </a:lnRef>
+          <a:fillRef idx="1">
+            <a:schemeClr val="accent1"/>
+          </a:fillRef>
+          <a:effectRef idx="0">
+            <a:schemeClr val="accent1"/>
+          </a:effectRef>
+          <a:fontRef idx="minor">
+            <a:schemeClr val="lt1"/>
+          </a:fontRef>
+        </p:style>
+        <p:txBody>
+          <a:bodyPr rtlCol="0" anchor="ctr"/>
+          <a:lstStyle/>
+          <a:p>
+            <a:pPr algn="ctr"/>
+            <a:r>
+              <a:rPr lang="en-US" sz="2800" dirty="0" smtClean="0"/>
+              <a:t>MAIN</a:t>
+            </a:r>
+            <a:r>
+              <a:rPr lang="ru-RU" sz="2800" dirty="0" smtClean="0"/>
+              <a:t> </a:t>
+            </a:r>
+            <a:r>
+              <a:rPr lang="en-US" sz="2800" dirty="0" smtClean="0"/>
+              <a:t>service</a:t>
+            </a:r>
+            <a:endParaRPr lang="ru-RU" sz="2800" dirty="0"/>
+          </a:p>
+        </p:txBody>
+      </p:sp>
     </p:spTree>
     <p:extLst>
       <p:ext uri="{BB962C8B-B14F-4D97-AF65-F5344CB8AC3E}">
@@ -17874,60 +22489,6 @@
       </p:sp>
       <p:sp>
         <p:nvSpPr>
-          <p:cNvPr id="28" name="Прямоугольник 27"/>
-          <p:cNvSpPr/>
-          <p:nvPr/>
-        </p:nvSpPr>
-        <p:spPr>
-          <a:xfrm>
-            <a:off x="11277600" y="0"/>
-            <a:ext cx="914400" cy="914400"/>
-          </a:xfrm>
-          <a:prstGeom prst="rect">
-            <a:avLst/>
-          </a:prstGeom>
-        </p:spPr>
-        <p:style>
-          <a:lnRef idx="2">
-            <a:schemeClr val="accent1">
-              <a:shade val="50000"/>
-            </a:schemeClr>
-          </a:lnRef>
-          <a:fillRef idx="1">
-            <a:schemeClr val="accent1"/>
-          </a:fillRef>
-          <a:effectRef idx="0">
-            <a:schemeClr val="accent1"/>
-          </a:effectRef>
-          <a:fontRef idx="minor">
-            <a:schemeClr val="lt1"/>
-          </a:fontRef>
-        </p:style>
-        <p:txBody>
-          <a:bodyPr rtlCol="0" anchor="ctr"/>
-          <a:lstStyle/>
-          <a:p>
-            <a:pPr algn="ctr"/>
-            <a:r>
-              <a:rPr lang="en-US" dirty="0" smtClean="0"/>
-              <a:t>USER</a:t>
-            </a:r>
-          </a:p>
-          <a:p>
-            <a:pPr algn="ctr"/>
-            <a:r>
-              <a:rPr lang="en-US" dirty="0"/>
-              <a:t>s</a:t>
-            </a:r>
-            <a:r>
-              <a:rPr lang="en-US" dirty="0" smtClean="0"/>
-              <a:t>ervice</a:t>
-            </a:r>
-          </a:p>
-        </p:txBody>
-      </p:sp>
-      <p:sp>
-        <p:nvSpPr>
           <p:cNvPr id="29" name="Прямоугольник 28"/>
           <p:cNvSpPr/>
           <p:nvPr/>
@@ -18073,6 +22634,58 @@
               <a:t>}</a:t>
             </a:r>
             <a:endParaRPr lang="ru-RU" dirty="0" smtClean="0"/>
+          </a:p>
+        </p:txBody>
+      </p:sp>
+      <p:sp>
+        <p:nvSpPr>
+          <p:cNvPr id="30" name="Прямоугольник 29"/>
+          <p:cNvSpPr/>
+          <p:nvPr/>
+        </p:nvSpPr>
+        <p:spPr>
+          <a:xfrm rot="16200000">
+            <a:off x="-936851" y="3175804"/>
+            <a:ext cx="4480883" cy="464400"/>
+          </a:xfrm>
+          <a:prstGeom prst="rect">
+            <a:avLst/>
+          </a:prstGeom>
+        </p:spPr>
+        <p:style>
+          <a:lnRef idx="2">
+            <a:schemeClr val="accent1">
+              <a:shade val="50000"/>
+            </a:schemeClr>
+          </a:lnRef>
+          <a:fillRef idx="1">
+            <a:schemeClr val="accent1"/>
+          </a:fillRef>
+          <a:effectRef idx="0">
+            <a:schemeClr val="accent1"/>
+          </a:effectRef>
+          <a:fontRef idx="minor">
+            <a:schemeClr val="lt1"/>
+          </a:fontRef>
+        </p:style>
+        <p:txBody>
+          <a:bodyPr rtlCol="0" anchor="ctr"/>
+          <a:lstStyle/>
+          <a:p>
+            <a:pPr algn="ctr"/>
+            <a:r>
+              <a:rPr lang="en-US" sz="2800" dirty="0" smtClean="0"/>
+              <a:t>CREDIT</a:t>
+            </a:r>
+            <a:r>
+              <a:rPr lang="ru-RU" sz="2800" dirty="0" smtClean="0"/>
+              <a:t> </a:t>
+            </a:r>
+            <a:r>
+              <a:rPr lang="en-US" sz="2800" dirty="0" smtClean="0"/>
+              <a:t>service</a:t>
+            </a:r>
+            <a:endParaRPr lang="ru-RU" sz="2800" dirty="0"/>
           </a:p>
         </p:txBody>
       </p:sp>
@@ -18193,8 +22806,13 @@
             <a:pPr algn="ctr"/>
             <a:r>
               <a:rPr lang="ru-RU" sz="6000" b="1" dirty="0" smtClean="0"/>
-              <a:t>Устройство сервисов</a:t>
-            </a:r>
+              <a:t>Устройство </a:t>
+            </a:r>
+            <a:r>
+              <a:rPr lang="ru-RU" sz="6000" b="1" dirty="0" smtClean="0"/>
+              <a:t>сервисов</a:t>
+            </a:r>
+            <a:endParaRPr lang="ru-RU" sz="6000" b="1" dirty="0" smtClean="0"/>
           </a:p>
         </p:txBody>
       </p:sp>
@@ -18656,11 +23274,11 @@
               <a:t> </a:t>
             </a:r>
             <a:r>
-              <a:rPr lang="en-US" dirty="0" err="1" smtClean="0"/>
+              <a:rPr lang="en-US" i="1" dirty="0" err="1" smtClean="0"/>
               <a:t>findRelatives</a:t>
             </a:r>
             <a:r>
-              <a:rPr lang="en-US" dirty="0" smtClean="0"/>
+              <a:rPr lang="en-US" i="1" dirty="0" smtClean="0"/>
               <a:t>=</a:t>
             </a:r>
             <a:r>
@@ -19483,14 +24101,220 @@
       </p:sp>
       <p:sp>
         <p:nvSpPr>
-          <p:cNvPr id="19" name="Прямоугольник 18"/>
+          <p:cNvPr id="30" name="TextBox 29"/>
+          <p:cNvSpPr txBox="1"/>
+          <p:nvPr/>
+        </p:nvSpPr>
+        <p:spPr>
+          <a:xfrm>
+            <a:off x="5723722" y="3610388"/>
+            <a:ext cx="5164875" cy="923330"/>
+          </a:xfrm>
+          <a:prstGeom prst="rect">
+            <a:avLst/>
+          </a:prstGeom>
+          <a:noFill/>
+        </p:spPr>
+        <p:txBody>
+          <a:bodyPr wrap="none" rtlCol="0">
+            <a:spAutoFit/>
+          </a:bodyPr>
+          <a:lstStyle/>
+          <a:p>
+            <a:r>
+              <a:rPr lang="en-US" dirty="0" smtClean="0"/>
+              <a:t>?</a:t>
+            </a:r>
+            <a:r>
+              <a:rPr lang="en-US" i="1" dirty="0" smtClean="0"/>
+              <a:t>surname</a:t>
+            </a:r>
+            <a:r>
+              <a:rPr lang="en-US" dirty="0" smtClean="0"/>
+              <a:t>=&lt;</a:t>
+            </a:r>
+            <a:r>
+              <a:rPr lang="ru-RU" dirty="0" smtClean="0"/>
+              <a:t>Ф</a:t>
+            </a:r>
+            <a:r>
+              <a:rPr lang="en-US" dirty="0" smtClean="0"/>
+              <a:t>&gt;</a:t>
+            </a:r>
+            <a:r>
+              <a:rPr lang="en-US" dirty="0" smtClean="0"/>
+              <a:t>&amp;</a:t>
+            </a:r>
+            <a:r>
+              <a:rPr lang="en-US" i="1" dirty="0" err="1" smtClean="0"/>
+              <a:t>firstname</a:t>
+            </a:r>
+            <a:r>
+              <a:rPr lang="en-US" dirty="0"/>
+              <a:t>=&lt;</a:t>
+            </a:r>
+            <a:r>
+              <a:rPr lang="ru-RU" dirty="0"/>
+              <a:t>И</a:t>
+            </a:r>
+            <a:r>
+              <a:rPr lang="en-US" dirty="0" smtClean="0"/>
+              <a:t>&gt;&amp;</a:t>
+            </a:r>
+            <a:r>
+              <a:rPr lang="en-US" i="1" dirty="0" smtClean="0"/>
+              <a:t>patronymic</a:t>
+            </a:r>
+            <a:r>
+              <a:rPr lang="en-US" dirty="0" smtClean="0"/>
+              <a:t>=&lt;</a:t>
+            </a:r>
+            <a:r>
+              <a:rPr lang="ru-RU" dirty="0" smtClean="0"/>
+              <a:t>О</a:t>
+            </a:r>
+            <a:r>
+              <a:rPr lang="en-US" dirty="0" smtClean="0"/>
+              <a:t>&gt;&amp;</a:t>
+            </a:r>
+            <a:endParaRPr lang="en-US" dirty="0" smtClean="0"/>
+          </a:p>
+          <a:p>
+            <a:r>
+              <a:rPr lang="ru-RU" dirty="0"/>
+              <a:t> </a:t>
+            </a:r>
+            <a:r>
+              <a:rPr lang="ru-RU" dirty="0" smtClean="0"/>
+              <a:t> </a:t>
+            </a:r>
+            <a:r>
+              <a:rPr lang="en-US" dirty="0" smtClean="0"/>
+              <a:t>&lt;</a:t>
+            </a:r>
+            <a:r>
+              <a:rPr lang="ru-RU" dirty="0" smtClean="0"/>
+              <a:t>уточняющая инфо-</a:t>
+            </a:r>
+            <a:r>
+              <a:rPr lang="ru-RU" dirty="0" err="1" smtClean="0"/>
+              <a:t>ия</a:t>
+            </a:r>
+            <a:r>
+              <a:rPr lang="en-US" dirty="0" smtClean="0"/>
+              <a:t>&gt;</a:t>
+            </a:r>
+            <a:r>
+              <a:rPr lang="ru-RU" dirty="0" smtClean="0"/>
+              <a:t>=</a:t>
+            </a:r>
+            <a:r>
+              <a:rPr lang="en-US" dirty="0" smtClean="0"/>
+              <a:t>&lt;</a:t>
+            </a:r>
+            <a:r>
+              <a:rPr lang="ru-RU" dirty="0" smtClean="0"/>
+              <a:t>значение</a:t>
+            </a:r>
+            <a:r>
+              <a:rPr lang="en-US" dirty="0" smtClean="0"/>
+              <a:t>&gt;&amp;</a:t>
+            </a:r>
+            <a:endParaRPr lang="en-US" dirty="0" smtClean="0"/>
+          </a:p>
+          <a:p>
+            <a:r>
+              <a:rPr lang="en-US" dirty="0"/>
+              <a:t> </a:t>
+            </a:r>
+            <a:r>
+              <a:rPr lang="en-US" dirty="0" smtClean="0"/>
+              <a:t> </a:t>
+            </a:r>
+            <a:r>
+              <a:rPr lang="en-US" i="1" dirty="0" err="1" smtClean="0"/>
+              <a:t>controlValue</a:t>
+            </a:r>
+            <a:r>
+              <a:rPr lang="en-US" dirty="0" smtClean="0"/>
+              <a:t>=&lt;</a:t>
+            </a:r>
+            <a:r>
+              <a:rPr lang="ru-RU" dirty="0" err="1" smtClean="0"/>
+              <a:t>контрольное_значение</a:t>
+            </a:r>
+            <a:r>
+              <a:rPr lang="en-US" dirty="0" smtClean="0"/>
+              <a:t>&gt;</a:t>
+            </a:r>
+            <a:endParaRPr lang="ru-RU" dirty="0" smtClean="0"/>
+          </a:p>
+        </p:txBody>
+      </p:sp>
+      <p:sp>
+        <p:nvSpPr>
+          <p:cNvPr id="31" name="TextBox 30"/>
+          <p:cNvSpPr txBox="1"/>
+          <p:nvPr/>
+        </p:nvSpPr>
+        <p:spPr>
+          <a:xfrm>
+            <a:off x="5723722" y="4532321"/>
+            <a:ext cx="4212050" cy="646331"/>
+          </a:xfrm>
+          <a:prstGeom prst="rect">
+            <a:avLst/>
+          </a:prstGeom>
+          <a:noFill/>
+        </p:spPr>
+        <p:txBody>
+          <a:bodyPr wrap="square" rtlCol="0">
+            <a:spAutoFit/>
+          </a:bodyPr>
+          <a:lstStyle/>
+          <a:p>
+            <a:pPr algn="r"/>
+            <a:r>
+              <a:rPr lang="en-US" dirty="0" smtClean="0"/>
+              <a:t>JSON </a:t>
+            </a:r>
+            <a:r>
+              <a:rPr lang="ru-RU" dirty="0" smtClean="0"/>
+              <a:t>с данными о </a:t>
+            </a:r>
+            <a:r>
+              <a:rPr lang="ru-RU" dirty="0" smtClean="0"/>
+              <a:t>пользователе</a:t>
+            </a:r>
+            <a:br>
+              <a:rPr lang="ru-RU" dirty="0" smtClean="0"/>
+            </a:br>
+            <a:r>
+              <a:rPr lang="ru-RU" dirty="0" smtClean="0"/>
+              <a:t>(</a:t>
+            </a:r>
+            <a:r>
+              <a:rPr lang="ru-RU" dirty="0" smtClean="0"/>
+              <a:t>с указанием</a:t>
+            </a:r>
+            <a:r>
+              <a:rPr lang="ru-RU" dirty="0" smtClean="0"/>
+              <a:t> родственных связей)</a:t>
+            </a:r>
+            <a:endParaRPr lang="ru-RU" dirty="0" smtClean="0"/>
+          </a:p>
+        </p:txBody>
+      </p:sp>
+      <p:sp>
+        <p:nvSpPr>
+          <p:cNvPr id="32" name="Прямоугольник 31"/>
           <p:cNvSpPr/>
           <p:nvPr/>
         </p:nvSpPr>
         <p:spPr>
-          <a:xfrm>
-            <a:off x="0" y="0"/>
-            <a:ext cx="914400" cy="914400"/>
+          <a:xfrm rot="5400000">
+            <a:off x="8651743" y="3175804"/>
+            <a:ext cx="4480883" cy="464400"/>
           </a:xfrm>
           <a:prstGeom prst="rect">
             <a:avLst/>
@@ -19518,207 +24342,18 @@
           <a:p>
             <a:pPr algn="ctr"/>
             <a:r>
-              <a:rPr lang="en-US" dirty="0" smtClean="0"/>
-              <a:t>CREDIT</a:t>
-            </a:r>
-          </a:p>
-          <a:p>
-            <a:pPr algn="ctr"/>
-            <a:r>
-              <a:rPr lang="en-US" dirty="0" smtClean="0"/>
+              <a:rPr lang="en-US" sz="2800" dirty="0" smtClean="0"/>
+              <a:t>USER</a:t>
+            </a:r>
+            <a:r>
+              <a:rPr lang="ru-RU" sz="2800" dirty="0" smtClean="0"/>
+              <a:t> </a:t>
+            </a:r>
+            <a:r>
+              <a:rPr lang="en-US" sz="2800" dirty="0" smtClean="0"/>
               <a:t>service</a:t>
             </a:r>
-            <a:endParaRPr lang="ru-RU" dirty="0"/>
-          </a:p>
-        </p:txBody>
-      </p:sp>
-      <p:sp>
-        <p:nvSpPr>
-          <p:cNvPr id="30" name="TextBox 29"/>
-          <p:cNvSpPr txBox="1"/>
-          <p:nvPr/>
-        </p:nvSpPr>
-        <p:spPr>
-          <a:xfrm>
-            <a:off x="5723722" y="3610388"/>
-            <a:ext cx="5164875" cy="923330"/>
-          </a:xfrm>
-          <a:prstGeom prst="rect">
-            <a:avLst/>
-          </a:prstGeom>
-          <a:noFill/>
-        </p:spPr>
-        <p:txBody>
-          <a:bodyPr wrap="none" rtlCol="0">
-            <a:spAutoFit/>
-          </a:bodyPr>
-          <a:lstStyle/>
-          <a:p>
-            <a:r>
-              <a:rPr lang="en-US" dirty="0" smtClean="0"/>
-              <a:t>?surname=&lt;</a:t>
-            </a:r>
-            <a:r>
-              <a:rPr lang="ru-RU" dirty="0" smtClean="0"/>
-              <a:t>Ф</a:t>
-            </a:r>
-            <a:r>
-              <a:rPr lang="en-US" dirty="0" smtClean="0"/>
-              <a:t>&gt;</a:t>
-            </a:r>
-            <a:r>
-              <a:rPr lang="en-US" dirty="0" smtClean="0"/>
-              <a:t>&amp;</a:t>
-            </a:r>
-            <a:r>
-              <a:rPr lang="en-US" i="1" dirty="0" err="1" smtClean="0"/>
-              <a:t>firstname</a:t>
-            </a:r>
-            <a:r>
-              <a:rPr lang="en-US" dirty="0"/>
-              <a:t>=&lt;</a:t>
-            </a:r>
-            <a:r>
-              <a:rPr lang="ru-RU" dirty="0"/>
-              <a:t>И</a:t>
-            </a:r>
-            <a:r>
-              <a:rPr lang="en-US" dirty="0" smtClean="0"/>
-              <a:t>&gt;&amp;patronymic=&lt;</a:t>
-            </a:r>
-            <a:r>
-              <a:rPr lang="ru-RU" dirty="0" smtClean="0"/>
-              <a:t>О</a:t>
-            </a:r>
-            <a:r>
-              <a:rPr lang="en-US" dirty="0" smtClean="0"/>
-              <a:t>&gt;&amp;</a:t>
-            </a:r>
-            <a:endParaRPr lang="en-US" dirty="0" smtClean="0"/>
-          </a:p>
-          <a:p>
-            <a:r>
-              <a:rPr lang="ru-RU" dirty="0"/>
-              <a:t> </a:t>
-            </a:r>
-            <a:r>
-              <a:rPr lang="ru-RU" dirty="0" smtClean="0"/>
-              <a:t> </a:t>
-            </a:r>
-            <a:r>
-              <a:rPr lang="en-US" dirty="0" smtClean="0"/>
-              <a:t>&lt;</a:t>
-            </a:r>
-            <a:r>
-              <a:rPr lang="ru-RU" dirty="0" smtClean="0"/>
-              <a:t>уточняющая инфо-</a:t>
-            </a:r>
-            <a:r>
-              <a:rPr lang="ru-RU" dirty="0" err="1" smtClean="0"/>
-              <a:t>ия</a:t>
-            </a:r>
-            <a:r>
-              <a:rPr lang="en-US" dirty="0" smtClean="0"/>
-              <a:t>&gt;</a:t>
-            </a:r>
-            <a:r>
-              <a:rPr lang="ru-RU" dirty="0" smtClean="0"/>
-              <a:t>=</a:t>
-            </a:r>
-            <a:r>
-              <a:rPr lang="en-US" dirty="0" smtClean="0"/>
-              <a:t>&lt;</a:t>
-            </a:r>
-            <a:r>
-              <a:rPr lang="ru-RU" dirty="0" smtClean="0"/>
-              <a:t>значение</a:t>
-            </a:r>
-            <a:r>
-              <a:rPr lang="en-US" dirty="0" smtClean="0"/>
-              <a:t>&gt;&amp;</a:t>
-            </a:r>
-            <a:endParaRPr lang="en-US" dirty="0" smtClean="0"/>
-          </a:p>
-          <a:p>
-            <a:r>
-              <a:rPr lang="en-US" dirty="0"/>
-              <a:t> </a:t>
-            </a:r>
-            <a:r>
-              <a:rPr lang="en-US" dirty="0" smtClean="0"/>
-              <a:t> </a:t>
-            </a:r>
-            <a:r>
-              <a:rPr lang="en-US" i="1" dirty="0" err="1" smtClean="0"/>
-              <a:t>controlValue</a:t>
-            </a:r>
-            <a:r>
-              <a:rPr lang="en-US" dirty="0" smtClean="0"/>
-              <a:t>=&lt;</a:t>
-            </a:r>
-            <a:r>
-              <a:rPr lang="ru-RU" dirty="0" err="1" smtClean="0"/>
-              <a:t>контрольное_значение</a:t>
-            </a:r>
-            <a:r>
-              <a:rPr lang="en-US" dirty="0" smtClean="0"/>
-              <a:t>&gt;</a:t>
-            </a:r>
-            <a:endParaRPr lang="ru-RU" dirty="0" smtClean="0"/>
-          </a:p>
-        </p:txBody>
-      </p:sp>
-      <p:sp>
-        <p:nvSpPr>
-          <p:cNvPr id="31" name="TextBox 30"/>
-          <p:cNvSpPr txBox="1"/>
-          <p:nvPr/>
-        </p:nvSpPr>
-        <p:spPr>
-          <a:xfrm>
-            <a:off x="5723722" y="4532321"/>
-            <a:ext cx="4212050" cy="646331"/>
-          </a:xfrm>
-          <a:prstGeom prst="rect">
-            <a:avLst/>
-          </a:prstGeom>
-          <a:noFill/>
-        </p:spPr>
-        <p:txBody>
-          <a:bodyPr wrap="square" rtlCol="0">
-            <a:spAutoFit/>
-          </a:bodyPr>
-          <a:lstStyle/>
-          <a:p>
-            <a:pPr algn="r"/>
-            <a:r>
-              <a:rPr lang="en-US" dirty="0" smtClean="0"/>
-              <a:t>JSON </a:t>
-            </a:r>
-            <a:r>
-              <a:rPr lang="ru-RU" dirty="0" smtClean="0"/>
-              <a:t>с данными о </a:t>
-            </a:r>
-            <a:r>
-              <a:rPr lang="ru-RU" dirty="0" smtClean="0"/>
-              <a:t>пользователе</a:t>
-            </a:r>
-            <a:br>
-              <a:rPr lang="ru-RU" dirty="0" smtClean="0"/>
-            </a:br>
-            <a:r>
-              <a:rPr lang="ru-RU" dirty="0" smtClean="0"/>
-              <a:t>(</a:t>
-            </a:r>
-            <a:r>
-              <a:rPr lang="ru-RU" dirty="0" smtClean="0"/>
-              <a:t>с указанием</a:t>
-            </a:r>
-            <a:r>
-              <a:rPr lang="ru-RU" dirty="0" smtClean="0"/>
-              <a:t> родственных связей)</a:t>
-            </a:r>
-            <a:endParaRPr lang="ru-RU" dirty="0" smtClean="0"/>
+            <a:endParaRPr lang="ru-RU" sz="2800" dirty="0"/>
           </a:p>
         </p:txBody>
       </p:sp>
@@ -19839,8 +24474,13 @@
             <a:pPr algn="ctr"/>
             <a:r>
               <a:rPr lang="ru-RU" sz="6000" b="1" dirty="0" smtClean="0"/>
-              <a:t>Устройство сервисов</a:t>
-            </a:r>
+              <a:t>Устройство </a:t>
+            </a:r>
+            <a:r>
+              <a:rPr lang="ru-RU" sz="6000" b="1" dirty="0" smtClean="0"/>
+              <a:t>сервисов</a:t>
+            </a:r>
+            <a:endParaRPr lang="ru-RU" sz="2800" b="1" dirty="0" smtClean="0"/>
           </a:p>
         </p:txBody>
       </p:sp>
@@ -20442,14 +25082,394 @@
       </p:sp>
       <p:sp>
         <p:nvSpPr>
-          <p:cNvPr id="19" name="Прямоугольник 18"/>
+          <p:cNvPr id="3" name="TextBox 2"/>
+          <p:cNvSpPr txBox="1"/>
+          <p:nvPr/>
+        </p:nvSpPr>
+        <p:spPr>
+          <a:xfrm>
+            <a:off x="2630976" y="1611073"/>
+            <a:ext cx="2821029" cy="369332"/>
+          </a:xfrm>
+          <a:prstGeom prst="rect">
+            <a:avLst/>
+          </a:prstGeom>
+          <a:noFill/>
+        </p:spPr>
+        <p:txBody>
+          <a:bodyPr wrap="none" rtlCol="0">
+            <a:spAutoFit/>
+          </a:bodyPr>
+          <a:lstStyle/>
+          <a:p>
+            <a:pPr algn="ctr"/>
+            <a:r>
+              <a:rPr lang="ru-RU" b="1" dirty="0" smtClean="0"/>
+              <a:t>Уточняющая информация</a:t>
+            </a:r>
+            <a:endParaRPr lang="ru-RU" b="1" dirty="0"/>
+          </a:p>
+        </p:txBody>
+      </p:sp>
+      <p:sp>
+        <p:nvSpPr>
+          <p:cNvPr id="20" name="TextBox 19"/>
+          <p:cNvSpPr txBox="1"/>
+          <p:nvPr/>
+        </p:nvSpPr>
+        <p:spPr>
+          <a:xfrm>
+            <a:off x="1529785" y="2090893"/>
+            <a:ext cx="5023415" cy="923330"/>
+          </a:xfrm>
+          <a:prstGeom prst="rect">
+            <a:avLst/>
+          </a:prstGeom>
+          <a:noFill/>
+        </p:spPr>
+        <p:txBody>
+          <a:bodyPr wrap="square" rtlCol="0">
+            <a:spAutoFit/>
+          </a:bodyPr>
+          <a:lstStyle/>
+          <a:p>
+            <a:pPr marL="285750" indent="-285750">
+              <a:buFont typeface="Arial" panose="020B0604020202020204" pitchFamily="34" charset="0"/>
+              <a:buChar char="•"/>
+            </a:pPr>
+            <a:r>
+              <a:rPr lang="ru-RU" dirty="0" smtClean="0"/>
+              <a:t>Номер паспорта: </a:t>
+            </a:r>
+            <a:r>
+              <a:rPr lang="en-US" dirty="0" err="1" smtClean="0"/>
+              <a:t>passportNumber</a:t>
+            </a:r>
+            <a:endParaRPr lang="en-US" dirty="0" smtClean="0"/>
+          </a:p>
+          <a:p>
+            <a:pPr marL="285750" indent="-285750">
+              <a:buFont typeface="Arial" panose="020B0604020202020204" pitchFamily="34" charset="0"/>
+              <a:buChar char="•"/>
+            </a:pPr>
+            <a:r>
+              <a:rPr lang="ru-RU" dirty="0" smtClean="0"/>
+              <a:t>Номер водительского удостоверения: </a:t>
+            </a:r>
+            <a:r>
+              <a:rPr lang="en-US" dirty="0" err="1" smtClean="0"/>
+              <a:t>driverID</a:t>
+            </a:r>
+            <a:endParaRPr lang="en-US" dirty="0" smtClean="0"/>
+          </a:p>
+          <a:p>
+            <a:pPr marL="285750" indent="-285750">
+              <a:buFont typeface="Arial" panose="020B0604020202020204" pitchFamily="34" charset="0"/>
+              <a:buChar char="•"/>
+            </a:pPr>
+            <a:r>
+              <a:rPr lang="ru-RU" dirty="0" smtClean="0"/>
+              <a:t>Идентификатор налогоплательщика: </a:t>
+            </a:r>
+            <a:r>
+              <a:rPr lang="en-US" dirty="0" err="1" smtClean="0"/>
+              <a:t>taxID</a:t>
+            </a:r>
+            <a:endParaRPr lang="ru-RU" dirty="0" smtClean="0"/>
+          </a:p>
+        </p:txBody>
+      </p:sp>
+      <p:sp>
+        <p:nvSpPr>
+          <p:cNvPr id="21" name="TextBox 20"/>
+          <p:cNvSpPr txBox="1"/>
+          <p:nvPr/>
+        </p:nvSpPr>
+        <p:spPr>
+          <a:xfrm>
+            <a:off x="7457569" y="1629228"/>
+            <a:ext cx="2323136" cy="369332"/>
+          </a:xfrm>
+          <a:prstGeom prst="rect">
+            <a:avLst/>
+          </a:prstGeom>
+          <a:noFill/>
+        </p:spPr>
+        <p:txBody>
+          <a:bodyPr wrap="none" rtlCol="0">
+            <a:spAutoFit/>
+          </a:bodyPr>
+          <a:lstStyle/>
+          <a:p>
+            <a:pPr algn="ctr"/>
+            <a:r>
+              <a:rPr lang="ru-RU" b="1" dirty="0" smtClean="0"/>
+              <a:t>Отправляемый </a:t>
+            </a:r>
+            <a:r>
+              <a:rPr lang="en-US" b="1" dirty="0" smtClean="0"/>
+              <a:t>JSON:</a:t>
+            </a:r>
+            <a:endParaRPr lang="ru-RU" b="1" dirty="0"/>
+          </a:p>
+        </p:txBody>
+      </p:sp>
+      <p:sp>
+        <p:nvSpPr>
+          <p:cNvPr id="25" name="TextBox 24"/>
+          <p:cNvSpPr txBox="1"/>
+          <p:nvPr/>
+        </p:nvSpPr>
+        <p:spPr>
+          <a:xfrm>
+            <a:off x="6576060" y="2090893"/>
+            <a:ext cx="4086154" cy="3416320"/>
+          </a:xfrm>
+          <a:prstGeom prst="rect">
+            <a:avLst/>
+          </a:prstGeom>
+          <a:noFill/>
+        </p:spPr>
+        <p:txBody>
+          <a:bodyPr wrap="square" rtlCol="0">
+            <a:spAutoFit/>
+          </a:bodyPr>
+          <a:lstStyle/>
+          <a:p>
+            <a:r>
+              <a:rPr lang="en-US" dirty="0" smtClean="0"/>
+              <a:t>{</a:t>
+            </a:r>
+          </a:p>
+          <a:p>
+            <a:r>
+              <a:rPr lang="en-US" dirty="0"/>
+              <a:t> </a:t>
+            </a:r>
+            <a:r>
+              <a:rPr lang="en-US" dirty="0" smtClean="0"/>
+              <a:t>  </a:t>
+            </a:r>
+            <a:r>
+              <a:rPr lang="en-US" dirty="0" err="1" smtClean="0"/>
+              <a:t>userAndRelatives</a:t>
+            </a:r>
+            <a:r>
+              <a:rPr lang="en-US" dirty="0" smtClean="0"/>
+              <a:t>:{</a:t>
+            </a:r>
+          </a:p>
+          <a:p>
+            <a:r>
+              <a:rPr lang="en-US" dirty="0"/>
+              <a:t> </a:t>
+            </a:r>
+            <a:r>
+              <a:rPr lang="en-US" dirty="0" smtClean="0"/>
+              <a:t>      user: {USER},</a:t>
+            </a:r>
+          </a:p>
+          <a:p>
+            <a:r>
+              <a:rPr lang="en-US" dirty="0"/>
+              <a:t> </a:t>
+            </a:r>
+            <a:r>
+              <a:rPr lang="en-US" dirty="0" smtClean="0"/>
+              <a:t>      parents: [{USER}, {USER}],</a:t>
+            </a:r>
+          </a:p>
+          <a:p>
+            <a:r>
+              <a:rPr lang="en-US" dirty="0"/>
+              <a:t> </a:t>
+            </a:r>
+            <a:r>
+              <a:rPr lang="en-US" dirty="0" smtClean="0"/>
+              <a:t>      children: [{USER}, {USER}]</a:t>
+            </a:r>
+          </a:p>
+          <a:p>
+            <a:r>
+              <a:rPr lang="en-US" dirty="0" smtClean="0"/>
+              <a:t>   }</a:t>
+            </a:r>
+          </a:p>
+          <a:p>
+            <a:r>
+              <a:rPr lang="en-US" dirty="0" smtClean="0"/>
+              <a:t>}</a:t>
+            </a:r>
+          </a:p>
+          <a:p>
+            <a:endParaRPr lang="en-US" dirty="0"/>
+          </a:p>
+          <a:p>
+            <a:r>
+              <a:rPr lang="en-US" dirty="0" smtClean="0"/>
+              <a:t>USER = {</a:t>
+            </a:r>
+          </a:p>
+          <a:p>
+            <a:r>
+              <a:rPr lang="en-US" dirty="0"/>
+              <a:t> </a:t>
+            </a:r>
+            <a:r>
+              <a:rPr lang="en-US" dirty="0" smtClean="0"/>
+              <a:t>  id: &lt;&gt;, </a:t>
+            </a:r>
+            <a:r>
+              <a:rPr lang="en-US" dirty="0" err="1" smtClean="0"/>
+              <a:t>creditServiceId</a:t>
+            </a:r>
+            <a:r>
+              <a:rPr lang="en-US" dirty="0" smtClean="0"/>
+              <a:t>: &lt;&gt;,</a:t>
+            </a:r>
+            <a:br>
+              <a:rPr lang="en-US" dirty="0" smtClean="0"/>
+            </a:br>
+            <a:r>
+              <a:rPr lang="en-US" dirty="0" smtClean="0"/>
+              <a:t>   </a:t>
+            </a:r>
+            <a:r>
+              <a:rPr lang="en-US" dirty="0" err="1" smtClean="0"/>
+              <a:t>firstname</a:t>
+            </a:r>
+            <a:r>
+              <a:rPr lang="en-US" dirty="0" smtClean="0"/>
+              <a:t>: &lt;&gt;, surname: &lt;&gt;, …</a:t>
+            </a:r>
+          </a:p>
+          <a:p>
+            <a:r>
+              <a:rPr lang="en-US" dirty="0" smtClean="0"/>
+              <a:t>}</a:t>
+            </a:r>
+            <a:endParaRPr lang="ru-RU" dirty="0"/>
+          </a:p>
+        </p:txBody>
+      </p:sp>
+      <p:sp>
+        <p:nvSpPr>
+          <p:cNvPr id="28" name="TextBox 27"/>
+          <p:cNvSpPr txBox="1"/>
+          <p:nvPr/>
+        </p:nvSpPr>
+        <p:spPr>
+          <a:xfrm>
+            <a:off x="2799420" y="3106556"/>
+            <a:ext cx="2484142" cy="369332"/>
+          </a:xfrm>
+          <a:prstGeom prst="rect">
+            <a:avLst/>
+          </a:prstGeom>
+          <a:noFill/>
+        </p:spPr>
+        <p:txBody>
+          <a:bodyPr wrap="none" rtlCol="0">
+            <a:spAutoFit/>
+          </a:bodyPr>
+          <a:lstStyle/>
+          <a:p>
+            <a:pPr algn="ctr"/>
+            <a:r>
+              <a:rPr lang="ru-RU" b="1" dirty="0" smtClean="0"/>
+              <a:t>Контрольное значение</a:t>
+            </a:r>
+            <a:endParaRPr lang="ru-RU" b="1" dirty="0"/>
+          </a:p>
+        </p:txBody>
+      </p:sp>
+      <p:sp>
+        <p:nvSpPr>
+          <p:cNvPr id="32" name="TextBox 31"/>
+          <p:cNvSpPr txBox="1"/>
+          <p:nvPr/>
+        </p:nvSpPr>
+        <p:spPr>
+          <a:xfrm>
+            <a:off x="1529784" y="3568221"/>
+            <a:ext cx="5023415" cy="2031325"/>
+          </a:xfrm>
+          <a:prstGeom prst="rect">
+            <a:avLst/>
+          </a:prstGeom>
+          <a:noFill/>
+        </p:spPr>
+        <p:txBody>
+          <a:bodyPr wrap="square" rtlCol="0">
+            <a:spAutoFit/>
+          </a:bodyPr>
+          <a:lstStyle/>
+          <a:p>
+            <a:pPr algn="ctr"/>
+            <a:r>
+              <a:rPr lang="en-US" sz="2400" dirty="0" smtClean="0"/>
+              <a:t>SHA-256</a:t>
+            </a:r>
+            <a:r>
+              <a:rPr lang="ru-RU" dirty="0" smtClean="0"/>
+              <a:t/>
+            </a:r>
+            <a:br>
+              <a:rPr lang="ru-RU" dirty="0" smtClean="0"/>
+            </a:br>
+            <a:r>
+              <a:rPr lang="en-US" dirty="0" smtClean="0"/>
+              <a:t>+</a:t>
+            </a:r>
+            <a:r>
+              <a:rPr lang="ru-RU" dirty="0" smtClean="0"/>
+              <a:t/>
+            </a:r>
+            <a:br>
+              <a:rPr lang="ru-RU" dirty="0" smtClean="0"/>
+            </a:br>
+            <a:r>
+              <a:rPr lang="ru-RU" sz="2400" dirty="0" smtClean="0"/>
+              <a:t>секретное значение</a:t>
+            </a:r>
+          </a:p>
+          <a:p>
+            <a:pPr algn="ctr"/>
+            <a:r>
+              <a:rPr lang="ru-RU" sz="1600" dirty="0" smtClean="0"/>
+              <a:t>(знает отправитель и получатель)</a:t>
+            </a:r>
+            <a:r>
+              <a:rPr lang="ru-RU" dirty="0" smtClean="0"/>
+              <a:t/>
+            </a:r>
+            <a:br>
+              <a:rPr lang="ru-RU" dirty="0" smtClean="0"/>
+            </a:br>
+            <a:r>
+              <a:rPr lang="ru-RU" dirty="0" smtClean="0"/>
+              <a:t>+</a:t>
+            </a:r>
+            <a:br>
+              <a:rPr lang="ru-RU" dirty="0" smtClean="0"/>
+            </a:br>
+            <a:r>
+              <a:rPr lang="ru-RU" sz="2400" dirty="0" smtClean="0"/>
+              <a:t>текущая дата</a:t>
+            </a:r>
+          </a:p>
+        </p:txBody>
+      </p:sp>
+      <p:sp>
+        <p:nvSpPr>
+          <p:cNvPr id="35" name="Прямоугольник 34"/>
           <p:cNvSpPr/>
           <p:nvPr/>
         </p:nvSpPr>
         <p:spPr>
-          <a:xfrm>
-            <a:off x="0" y="0"/>
-            <a:ext cx="914400" cy="914400"/>
+          <a:xfrm rot="5400000">
+            <a:off x="8651743" y="3175804"/>
+            <a:ext cx="4480883" cy="464400"/>
           </a:xfrm>
           <a:prstGeom prst="rect">
             <a:avLst/>
@@ -20477,397 +25497,18 @@
           <a:p>
             <a:pPr algn="ctr"/>
             <a:r>
-              <a:rPr lang="en-US" dirty="0" smtClean="0"/>
-              <a:t>CREDIT</a:t>
-            </a:r>
-          </a:p>
-          <a:p>
-            <a:pPr algn="ctr"/>
-            <a:r>
-              <a:rPr lang="en-US" dirty="0" smtClean="0"/>
+              <a:rPr lang="en-US" sz="2800" dirty="0" smtClean="0"/>
+              <a:t>USER</a:t>
+            </a:r>
+            <a:r>
+              <a:rPr lang="ru-RU" sz="2800" dirty="0" smtClean="0"/>
+              <a:t> </a:t>
+            </a:r>
+            <a:r>
+              <a:rPr lang="en-US" sz="2800" dirty="0" smtClean="0"/>
               <a:t>service</a:t>
             </a:r>
-            <a:endParaRPr lang="ru-RU" dirty="0"/>
-          </a:p>
-        </p:txBody>
-      </p:sp>
-      <p:sp>
-        <p:nvSpPr>
-          <p:cNvPr id="3" name="TextBox 2"/>
-          <p:cNvSpPr txBox="1"/>
-          <p:nvPr/>
-        </p:nvSpPr>
-        <p:spPr>
-          <a:xfrm>
-            <a:off x="2630976" y="1611073"/>
-            <a:ext cx="2821029" cy="369332"/>
-          </a:xfrm>
-          <a:prstGeom prst="rect">
-            <a:avLst/>
-          </a:prstGeom>
-          <a:noFill/>
-        </p:spPr>
-        <p:txBody>
-          <a:bodyPr wrap="none" rtlCol="0">
-            <a:spAutoFit/>
-          </a:bodyPr>
-          <a:lstStyle/>
-          <a:p>
-            <a:pPr algn="ctr"/>
-            <a:r>
-              <a:rPr lang="ru-RU" b="1" dirty="0" smtClean="0"/>
-              <a:t>Уточняющая информация</a:t>
-            </a:r>
-            <a:endParaRPr lang="ru-RU" b="1" dirty="0"/>
-          </a:p>
-        </p:txBody>
-      </p:sp>
-      <p:sp>
-        <p:nvSpPr>
-          <p:cNvPr id="20" name="TextBox 19"/>
-          <p:cNvSpPr txBox="1"/>
-          <p:nvPr/>
-        </p:nvSpPr>
-        <p:spPr>
-          <a:xfrm>
-            <a:off x="1529785" y="2090893"/>
-            <a:ext cx="5023415" cy="923330"/>
-          </a:xfrm>
-          <a:prstGeom prst="rect">
-            <a:avLst/>
-          </a:prstGeom>
-          <a:noFill/>
-        </p:spPr>
-        <p:txBody>
-          <a:bodyPr wrap="square" rtlCol="0">
-            <a:spAutoFit/>
-          </a:bodyPr>
-          <a:lstStyle/>
-          <a:p>
-            <a:pPr marL="285750" indent="-285750">
-              <a:buFont typeface="Arial" panose="020B0604020202020204" pitchFamily="34" charset="0"/>
-              <a:buChar char="•"/>
-            </a:pPr>
-            <a:r>
-              <a:rPr lang="ru-RU" dirty="0" smtClean="0"/>
-              <a:t>Номер паспорта: </a:t>
-            </a:r>
-            <a:r>
-              <a:rPr lang="en-US" dirty="0" err="1" smtClean="0"/>
-              <a:t>passportNumber</a:t>
-            </a:r>
-            <a:endParaRPr lang="en-US" dirty="0" smtClean="0"/>
-          </a:p>
-          <a:p>
-            <a:pPr marL="285750" indent="-285750">
-              <a:buFont typeface="Arial" panose="020B0604020202020204" pitchFamily="34" charset="0"/>
-              <a:buChar char="•"/>
-            </a:pPr>
-            <a:r>
-              <a:rPr lang="ru-RU" dirty="0" smtClean="0"/>
-              <a:t>Номер водительского удостоверения: </a:t>
-            </a:r>
-            <a:r>
-              <a:rPr lang="en-US" dirty="0" err="1" smtClean="0"/>
-              <a:t>driverID</a:t>
-            </a:r>
-            <a:endParaRPr lang="en-US" dirty="0" smtClean="0"/>
-          </a:p>
-          <a:p>
-            <a:pPr marL="285750" indent="-285750">
-              <a:buFont typeface="Arial" panose="020B0604020202020204" pitchFamily="34" charset="0"/>
-              <a:buChar char="•"/>
-            </a:pPr>
-            <a:r>
-              <a:rPr lang="ru-RU" dirty="0" smtClean="0"/>
-              <a:t>Идентификатор налогоплательщика: </a:t>
-            </a:r>
-            <a:r>
-              <a:rPr lang="en-US" dirty="0" err="1" smtClean="0"/>
-              <a:t>taxID</a:t>
-            </a:r>
-            <a:endParaRPr lang="ru-RU" dirty="0" smtClean="0"/>
-          </a:p>
-        </p:txBody>
-      </p:sp>
-      <p:sp>
-        <p:nvSpPr>
-          <p:cNvPr id="21" name="TextBox 20"/>
-          <p:cNvSpPr txBox="1"/>
-          <p:nvPr/>
-        </p:nvSpPr>
-        <p:spPr>
-          <a:xfrm>
-            <a:off x="7457569" y="1629228"/>
-            <a:ext cx="2323136" cy="369332"/>
-          </a:xfrm>
-          <a:prstGeom prst="rect">
-            <a:avLst/>
-          </a:prstGeom>
-          <a:noFill/>
-        </p:spPr>
-        <p:txBody>
-          <a:bodyPr wrap="none" rtlCol="0">
-            <a:spAutoFit/>
-          </a:bodyPr>
-          <a:lstStyle/>
-          <a:p>
-            <a:pPr algn="ctr"/>
-            <a:r>
-              <a:rPr lang="ru-RU" b="1" dirty="0" smtClean="0"/>
-              <a:t>Отправляемый </a:t>
-            </a:r>
-            <a:r>
-              <a:rPr lang="en-US" b="1" dirty="0" smtClean="0"/>
-              <a:t>JSON:</a:t>
-            </a:r>
-            <a:endParaRPr lang="ru-RU" b="1" dirty="0"/>
-          </a:p>
-        </p:txBody>
-      </p:sp>
-      <p:sp>
-        <p:nvSpPr>
-          <p:cNvPr id="25" name="TextBox 24"/>
-          <p:cNvSpPr txBox="1"/>
-          <p:nvPr/>
-        </p:nvSpPr>
-        <p:spPr>
-          <a:xfrm>
-            <a:off x="6576060" y="2090893"/>
-            <a:ext cx="4086154" cy="3416320"/>
-          </a:xfrm>
-          <a:prstGeom prst="rect">
-            <a:avLst/>
-          </a:prstGeom>
-          <a:noFill/>
-        </p:spPr>
-        <p:txBody>
-          <a:bodyPr wrap="square" rtlCol="0">
-            <a:spAutoFit/>
-          </a:bodyPr>
-          <a:lstStyle/>
-          <a:p>
-            <a:r>
-              <a:rPr lang="en-US" dirty="0" smtClean="0"/>
-              <a:t>{</a:t>
-            </a:r>
-          </a:p>
-          <a:p>
-            <a:r>
-              <a:rPr lang="en-US" dirty="0"/>
-              <a:t> </a:t>
-            </a:r>
-            <a:r>
-              <a:rPr lang="en-US" dirty="0" smtClean="0"/>
-              <a:t>  </a:t>
-            </a:r>
-            <a:r>
-              <a:rPr lang="en-US" dirty="0" err="1" smtClean="0"/>
-              <a:t>userAndRelatives</a:t>
-            </a:r>
-            <a:r>
-              <a:rPr lang="en-US" dirty="0" smtClean="0"/>
-              <a:t>:{</a:t>
-            </a:r>
-          </a:p>
-          <a:p>
-            <a:r>
-              <a:rPr lang="en-US" dirty="0"/>
-              <a:t> </a:t>
-            </a:r>
-            <a:r>
-              <a:rPr lang="en-US" dirty="0" smtClean="0"/>
-              <a:t>      user: {USER},</a:t>
-            </a:r>
-          </a:p>
-          <a:p>
-            <a:r>
-              <a:rPr lang="en-US" dirty="0"/>
-              <a:t> </a:t>
-            </a:r>
-            <a:r>
-              <a:rPr lang="en-US" dirty="0" smtClean="0"/>
-              <a:t>      parents: [{USER}, {USER}],</a:t>
-            </a:r>
-          </a:p>
-          <a:p>
-            <a:r>
-              <a:rPr lang="en-US" dirty="0"/>
-              <a:t> </a:t>
-            </a:r>
-            <a:r>
-              <a:rPr lang="en-US" dirty="0" smtClean="0"/>
-              <a:t>      children: [{USER}, {USER}]</a:t>
-            </a:r>
-          </a:p>
-          <a:p>
-            <a:r>
-              <a:rPr lang="en-US" dirty="0" smtClean="0"/>
-              <a:t>   }</a:t>
-            </a:r>
-          </a:p>
-          <a:p>
-            <a:r>
-              <a:rPr lang="en-US" dirty="0" smtClean="0"/>
-              <a:t>}</a:t>
-            </a:r>
-          </a:p>
-          <a:p>
-            <a:endParaRPr lang="en-US" dirty="0"/>
-          </a:p>
-          <a:p>
-            <a:r>
-              <a:rPr lang="en-US" dirty="0" smtClean="0"/>
-              <a:t>USER = {</a:t>
-            </a:r>
-          </a:p>
-          <a:p>
-            <a:r>
-              <a:rPr lang="en-US" dirty="0"/>
-              <a:t> </a:t>
-            </a:r>
-            <a:r>
-              <a:rPr lang="en-US" dirty="0" smtClean="0"/>
-              <a:t>  id: &lt;&gt;, </a:t>
-            </a:r>
-            <a:r>
-              <a:rPr lang="en-US" dirty="0" err="1" smtClean="0"/>
-              <a:t>creditServiceId</a:t>
-            </a:r>
-            <a:r>
-              <a:rPr lang="en-US" dirty="0" smtClean="0"/>
-              <a:t>: &lt;&gt;,</a:t>
-            </a:r>
-            <a:br>
-              <a:rPr lang="en-US" dirty="0" smtClean="0"/>
-            </a:br>
-            <a:r>
-              <a:rPr lang="en-US" dirty="0" smtClean="0"/>
-              <a:t>   </a:t>
-            </a:r>
-            <a:r>
-              <a:rPr lang="en-US" dirty="0" err="1" smtClean="0"/>
-              <a:t>firstname</a:t>
-            </a:r>
-            <a:r>
-              <a:rPr lang="en-US" dirty="0" smtClean="0"/>
-              <a:t>: &lt;&gt;, surname: &lt;&gt;, …</a:t>
-            </a:r>
-          </a:p>
-          <a:p>
-            <a:r>
-              <a:rPr lang="en-US" dirty="0" smtClean="0"/>
-              <a:t>}</a:t>
-            </a:r>
-            <a:endParaRPr lang="ru-RU" dirty="0"/>
-          </a:p>
-        </p:txBody>
-      </p:sp>
-      <p:sp>
-        <p:nvSpPr>
-          <p:cNvPr id="28" name="TextBox 27"/>
-          <p:cNvSpPr txBox="1"/>
-          <p:nvPr/>
-        </p:nvSpPr>
-        <p:spPr>
-          <a:xfrm>
-            <a:off x="2799420" y="3106556"/>
-            <a:ext cx="2484142" cy="369332"/>
-          </a:xfrm>
-          <a:prstGeom prst="rect">
-            <a:avLst/>
-          </a:prstGeom>
-          <a:noFill/>
-        </p:spPr>
-        <p:txBody>
-          <a:bodyPr wrap="none" rtlCol="0">
-            <a:spAutoFit/>
-          </a:bodyPr>
-          <a:lstStyle/>
-          <a:p>
-            <a:pPr algn="ctr"/>
-            <a:r>
-              <a:rPr lang="ru-RU" b="1" dirty="0" smtClean="0"/>
-              <a:t>Контрольное значение</a:t>
-            </a:r>
-            <a:endParaRPr lang="ru-RU" b="1" dirty="0"/>
-          </a:p>
-        </p:txBody>
-      </p:sp>
-      <p:sp>
-        <p:nvSpPr>
-          <p:cNvPr id="32" name="TextBox 31"/>
-          <p:cNvSpPr txBox="1"/>
-          <p:nvPr/>
-        </p:nvSpPr>
-        <p:spPr>
-          <a:xfrm>
-            <a:off x="1529784" y="3568221"/>
-            <a:ext cx="5023415" cy="2031325"/>
-          </a:xfrm>
-          <a:prstGeom prst="rect">
-            <a:avLst/>
-          </a:prstGeom>
-          <a:noFill/>
-        </p:spPr>
-        <p:txBody>
-          <a:bodyPr wrap="square" rtlCol="0">
-            <a:spAutoFit/>
-          </a:bodyPr>
-          <a:lstStyle/>
-          <a:p>
-            <a:pPr algn="ctr"/>
-            <a:r>
-              <a:rPr lang="en-US" sz="2400" dirty="0" smtClean="0"/>
-              <a:t>SHA-256</a:t>
-            </a:r>
-            <a:r>
-              <a:rPr lang="ru-RU" dirty="0" smtClean="0"/>
-              <a:t/>
-            </a:r>
-            <a:br>
-              <a:rPr lang="ru-RU" dirty="0" smtClean="0"/>
-            </a:br>
-            <a:r>
-              <a:rPr lang="en-US" dirty="0" smtClean="0"/>
-              <a:t>+</a:t>
-            </a:r>
-            <a:r>
-              <a:rPr lang="ru-RU" dirty="0" smtClean="0"/>
-              <a:t/>
-            </a:r>
-            <a:br>
-              <a:rPr lang="ru-RU" dirty="0" smtClean="0"/>
-            </a:br>
-            <a:r>
-              <a:rPr lang="ru-RU" sz="2400" dirty="0" smtClean="0"/>
-              <a:t>секретное значение</a:t>
-            </a:r>
-          </a:p>
-          <a:p>
-            <a:pPr algn="ctr"/>
-            <a:r>
-              <a:rPr lang="ru-RU" sz="1600" dirty="0" smtClean="0"/>
-              <a:t>(знает отправитель и получатель)</a:t>
-            </a:r>
-            <a:r>
-              <a:rPr lang="ru-RU" dirty="0" smtClean="0"/>
-              <a:t/>
-            </a:r>
-            <a:br>
-              <a:rPr lang="ru-RU" dirty="0" smtClean="0"/>
-            </a:br>
-            <a:r>
-              <a:rPr lang="ru-RU" dirty="0" smtClean="0"/>
-              <a:t>+</a:t>
-            </a:r>
-            <a:br>
-              <a:rPr lang="ru-RU" dirty="0" smtClean="0"/>
-            </a:br>
-            <a:r>
-              <a:rPr lang="ru-RU" sz="2400" dirty="0" smtClean="0"/>
-              <a:t>текущая дата</a:t>
-            </a:r>
+            <a:endParaRPr lang="ru-RU" sz="2800" dirty="0"/>
           </a:p>
         </p:txBody>
       </p:sp>

--- a/docs/Java 3 - presentation (without animation).pptx
+++ b/docs/Java 3 - presentation (without animation).pptx
@@ -6,25 +6,24 @@
   </p:sldMasterIdLst>
   <p:sldIdLst>
     <p:sldId id="256" r:id="rId2"/>
-    <p:sldId id="262" r:id="rId3"/>
-    <p:sldId id="286" r:id="rId4"/>
-    <p:sldId id="265" r:id="rId5"/>
-    <p:sldId id="264" r:id="rId6"/>
-    <p:sldId id="266" r:id="rId7"/>
-    <p:sldId id="272" r:id="rId8"/>
-    <p:sldId id="278" r:id="rId9"/>
-    <p:sldId id="279" r:id="rId10"/>
-    <p:sldId id="280" r:id="rId11"/>
-    <p:sldId id="281" r:id="rId12"/>
-    <p:sldId id="282" r:id="rId13"/>
-    <p:sldId id="290" r:id="rId14"/>
-    <p:sldId id="291" r:id="rId15"/>
-    <p:sldId id="289" r:id="rId16"/>
-    <p:sldId id="285" r:id="rId17"/>
-    <p:sldId id="287" r:id="rId18"/>
-    <p:sldId id="288" r:id="rId19"/>
-    <p:sldId id="283" r:id="rId20"/>
-    <p:sldId id="284" r:id="rId21"/>
+    <p:sldId id="286" r:id="rId3"/>
+    <p:sldId id="265" r:id="rId4"/>
+    <p:sldId id="264" r:id="rId5"/>
+    <p:sldId id="266" r:id="rId6"/>
+    <p:sldId id="272" r:id="rId7"/>
+    <p:sldId id="278" r:id="rId8"/>
+    <p:sldId id="279" r:id="rId9"/>
+    <p:sldId id="280" r:id="rId10"/>
+    <p:sldId id="281" r:id="rId11"/>
+    <p:sldId id="282" r:id="rId12"/>
+    <p:sldId id="290" r:id="rId13"/>
+    <p:sldId id="291" r:id="rId14"/>
+    <p:sldId id="289" r:id="rId15"/>
+    <p:sldId id="285" r:id="rId16"/>
+    <p:sldId id="287" r:id="rId17"/>
+    <p:sldId id="288" r:id="rId18"/>
+    <p:sldId id="283" r:id="rId19"/>
+    <p:sldId id="284" r:id="rId20"/>
   </p:sldIdLst>
   <p:sldSz cx="12192000" cy="6858000"/>
   <p:notesSz cx="6858000" cy="9144000"/>
@@ -3047,3055 +3046,6 @@
 </file>
 
 <file path=ppt/slides/slide10.xml><?xml version="1.0" encoding="utf-8"?>
-<p:sld xmlns:a="http://schemas.openxmlformats.org/drawingml/2006/main" xmlns:r="http://schemas.openxmlformats.org/officeDocument/2006/relationships" xmlns:p="http://schemas.openxmlformats.org/presentationml/2006/main">
-  <p:cSld>
-    <p:spTree>
-      <p:nvGrpSpPr>
-        <p:cNvPr id="1" name=""/>
-        <p:cNvGrpSpPr/>
-        <p:nvPr/>
-      </p:nvGrpSpPr>
-      <p:grpSpPr>
-        <a:xfrm>
-          <a:off x="0" y="0"/>
-          <a:ext cx="0" cy="0"/>
-          <a:chOff x="0" y="0"/>
-          <a:chExt cx="0" cy="0"/>
-        </a:xfrm>
-      </p:grpSpPr>
-      <p:sp>
-        <p:nvSpPr>
-          <p:cNvPr id="36" name="Прямоугольник 35"/>
-          <p:cNvSpPr/>
-          <p:nvPr/>
-        </p:nvSpPr>
-        <p:spPr>
-          <a:xfrm>
-            <a:off x="1529785" y="1167563"/>
-            <a:ext cx="9132429" cy="4480883"/>
-          </a:xfrm>
-          <a:prstGeom prst="rect">
-            <a:avLst/>
-          </a:prstGeom>
-          <a:solidFill>
-            <a:schemeClr val="bg1"/>
-          </a:solidFill>
-        </p:spPr>
-        <p:style>
-          <a:lnRef idx="2">
-            <a:schemeClr val="accent1">
-              <a:shade val="50000"/>
-            </a:schemeClr>
-          </a:lnRef>
-          <a:fillRef idx="1">
-            <a:schemeClr val="accent1"/>
-          </a:fillRef>
-          <a:effectRef idx="0">
-            <a:schemeClr val="accent1"/>
-          </a:effectRef>
-          <a:fontRef idx="minor">
-            <a:schemeClr val="lt1"/>
-          </a:fontRef>
-        </p:style>
-        <p:txBody>
-          <a:bodyPr rtlCol="0" anchor="ctr"/>
-          <a:lstStyle/>
-          <a:p>
-            <a:pPr algn="ctr"/>
-            <a:endParaRPr lang="ru-RU" dirty="0">
-              <a:solidFill>
-                <a:schemeClr val="tx1"/>
-              </a:solidFill>
-            </a:endParaRPr>
-          </a:p>
-        </p:txBody>
-      </p:sp>
-      <p:sp>
-        <p:nvSpPr>
-          <p:cNvPr id="10" name="TextBox 9"/>
-          <p:cNvSpPr txBox="1"/>
-          <p:nvPr/>
-        </p:nvSpPr>
-        <p:spPr>
-          <a:xfrm>
-            <a:off x="914401" y="151900"/>
-            <a:ext cx="10363199" cy="1015663"/>
-          </a:xfrm>
-          <a:prstGeom prst="rect">
-            <a:avLst/>
-          </a:prstGeom>
-          <a:noFill/>
-        </p:spPr>
-        <p:txBody>
-          <a:bodyPr wrap="square" rtlCol="0" anchor="ctr">
-            <a:spAutoFit/>
-          </a:bodyPr>
-          <a:lstStyle/>
-          <a:p>
-            <a:pPr algn="ctr"/>
-            <a:r>
-              <a:rPr lang="ru-RU" sz="6000" b="1" dirty="0" smtClean="0"/>
-              <a:t>Устройство </a:t>
-            </a:r>
-            <a:r>
-              <a:rPr lang="ru-RU" sz="6000" b="1" dirty="0" smtClean="0"/>
-              <a:t>сервисов</a:t>
-            </a:r>
-            <a:endParaRPr lang="ru-RU" sz="6000" b="1" dirty="0" smtClean="0"/>
-          </a:p>
-        </p:txBody>
-      </p:sp>
-      <p:sp>
-        <p:nvSpPr>
-          <p:cNvPr id="2" name="TextBox 1"/>
-          <p:cNvSpPr txBox="1"/>
-          <p:nvPr/>
-        </p:nvSpPr>
-        <p:spPr>
-          <a:xfrm>
-            <a:off x="4248031" y="1167563"/>
-            <a:ext cx="3695948" cy="461665"/>
-          </a:xfrm>
-          <a:prstGeom prst="rect">
-            <a:avLst/>
-          </a:prstGeom>
-          <a:noFill/>
-        </p:spPr>
-        <p:txBody>
-          <a:bodyPr wrap="none" rtlCol="0">
-            <a:spAutoFit/>
-          </a:bodyPr>
-          <a:lstStyle/>
-          <a:p>
-            <a:pPr algn="ctr"/>
-            <a:r>
-              <a:rPr lang="ru-RU" sz="2400" b="1" dirty="0" smtClean="0"/>
-              <a:t>Сервис </a:t>
-            </a:r>
-            <a:r>
-              <a:rPr lang="ru-RU" sz="2400" b="1" dirty="0" smtClean="0"/>
-              <a:t>основного доступа</a:t>
-            </a:r>
-            <a:endParaRPr lang="ru-RU" sz="2400" b="1" dirty="0"/>
-          </a:p>
-        </p:txBody>
-      </p:sp>
-      <p:sp>
-        <p:nvSpPr>
-          <p:cNvPr id="11" name="TextBox 10"/>
-          <p:cNvSpPr txBox="1"/>
-          <p:nvPr/>
-        </p:nvSpPr>
-        <p:spPr>
-          <a:xfrm>
-            <a:off x="1550765" y="1739716"/>
-            <a:ext cx="3482055" cy="369332"/>
-          </a:xfrm>
-          <a:prstGeom prst="rect">
-            <a:avLst/>
-          </a:prstGeom>
-          <a:noFill/>
-        </p:spPr>
-        <p:txBody>
-          <a:bodyPr wrap="square" rtlCol="0">
-            <a:spAutoFit/>
-          </a:bodyPr>
-          <a:lstStyle/>
-          <a:p>
-            <a:pPr algn="ctr"/>
-            <a:r>
-              <a:rPr lang="ru-RU" dirty="0" smtClean="0"/>
-              <a:t>Не имеет доступа к БД</a:t>
-            </a:r>
-            <a:endParaRPr lang="ru-RU" dirty="0" smtClean="0"/>
-          </a:p>
-        </p:txBody>
-      </p:sp>
-      <p:sp>
-        <p:nvSpPr>
-          <p:cNvPr id="15" name="TextBox 14"/>
-          <p:cNvSpPr txBox="1"/>
-          <p:nvPr/>
-        </p:nvSpPr>
-        <p:spPr>
-          <a:xfrm>
-            <a:off x="5723722" y="1739716"/>
-            <a:ext cx="2234010" cy="369332"/>
-          </a:xfrm>
-          <a:prstGeom prst="rect">
-            <a:avLst/>
-          </a:prstGeom>
-          <a:noFill/>
-        </p:spPr>
-        <p:txBody>
-          <a:bodyPr wrap="none" rtlCol="0">
-            <a:spAutoFit/>
-          </a:bodyPr>
-          <a:lstStyle/>
-          <a:p>
-            <a:r>
-              <a:rPr lang="ru-RU" dirty="0" smtClean="0"/>
-              <a:t>Принимает запрос</a:t>
-            </a:r>
-            <a:r>
-              <a:rPr lang="ru-RU" dirty="0"/>
-              <a:t>ы</a:t>
-            </a:r>
-            <a:r>
-              <a:rPr lang="ru-RU" dirty="0" smtClean="0"/>
-              <a:t>:</a:t>
-            </a:r>
-          </a:p>
-        </p:txBody>
-      </p:sp>
-      <p:sp>
-        <p:nvSpPr>
-          <p:cNvPr id="16" name="Двойная стрелка влево/вправо 5"/>
-          <p:cNvSpPr/>
-          <p:nvPr/>
-        </p:nvSpPr>
-        <p:spPr>
-          <a:xfrm rot="5400000" flipH="1">
-            <a:off x="5220554" y="1714112"/>
-            <a:ext cx="461653" cy="544683"/>
-          </a:xfrm>
-          <a:custGeom>
-            <a:avLst/>
-            <a:gdLst>
-              <a:gd name="connsiteX0" fmla="*/ 0 w 451412"/>
-              <a:gd name="connsiteY0" fmla="*/ 242316 h 484632"/>
-              <a:gd name="connsiteX1" fmla="*/ 135270 w 451412"/>
-              <a:gd name="connsiteY1" fmla="*/ 0 h 484632"/>
-              <a:gd name="connsiteX2" fmla="*/ 135270 w 451412"/>
-              <a:gd name="connsiteY2" fmla="*/ 90435 h 484632"/>
-              <a:gd name="connsiteX3" fmla="*/ 316142 w 451412"/>
-              <a:gd name="connsiteY3" fmla="*/ 90435 h 484632"/>
-              <a:gd name="connsiteX4" fmla="*/ 316142 w 451412"/>
-              <a:gd name="connsiteY4" fmla="*/ 0 h 484632"/>
-              <a:gd name="connsiteX5" fmla="*/ 451412 w 451412"/>
-              <a:gd name="connsiteY5" fmla="*/ 242316 h 484632"/>
-              <a:gd name="connsiteX6" fmla="*/ 316142 w 451412"/>
-              <a:gd name="connsiteY6" fmla="*/ 484632 h 484632"/>
-              <a:gd name="connsiteX7" fmla="*/ 316142 w 451412"/>
-              <a:gd name="connsiteY7" fmla="*/ 394197 h 484632"/>
-              <a:gd name="connsiteX8" fmla="*/ 135270 w 451412"/>
-              <a:gd name="connsiteY8" fmla="*/ 394197 h 484632"/>
-              <a:gd name="connsiteX9" fmla="*/ 135270 w 451412"/>
-              <a:gd name="connsiteY9" fmla="*/ 484632 h 484632"/>
-              <a:gd name="connsiteX10" fmla="*/ 0 w 451412"/>
-              <a:gd name="connsiteY10" fmla="*/ 242316 h 484632"/>
-              <a:gd name="connsiteX0" fmla="*/ 0 w 451412"/>
-              <a:gd name="connsiteY0" fmla="*/ 242316 h 484632"/>
-              <a:gd name="connsiteX1" fmla="*/ 135270 w 451412"/>
-              <a:gd name="connsiteY1" fmla="*/ 0 h 484632"/>
-              <a:gd name="connsiteX2" fmla="*/ 135270 w 451412"/>
-              <a:gd name="connsiteY2" fmla="*/ 90435 h 484632"/>
-              <a:gd name="connsiteX3" fmla="*/ 316142 w 451412"/>
-              <a:gd name="connsiteY3" fmla="*/ 90435 h 484632"/>
-              <a:gd name="connsiteX4" fmla="*/ 451412 w 451412"/>
-              <a:gd name="connsiteY4" fmla="*/ 242316 h 484632"/>
-              <a:gd name="connsiteX5" fmla="*/ 316142 w 451412"/>
-              <a:gd name="connsiteY5" fmla="*/ 484632 h 484632"/>
-              <a:gd name="connsiteX6" fmla="*/ 316142 w 451412"/>
-              <a:gd name="connsiteY6" fmla="*/ 394197 h 484632"/>
-              <a:gd name="connsiteX7" fmla="*/ 135270 w 451412"/>
-              <a:gd name="connsiteY7" fmla="*/ 394197 h 484632"/>
-              <a:gd name="connsiteX8" fmla="*/ 135270 w 451412"/>
-              <a:gd name="connsiteY8" fmla="*/ 484632 h 484632"/>
-              <a:gd name="connsiteX9" fmla="*/ 0 w 451412"/>
-              <a:gd name="connsiteY9" fmla="*/ 242316 h 484632"/>
-              <a:gd name="connsiteX0" fmla="*/ 0 w 316142"/>
-              <a:gd name="connsiteY0" fmla="*/ 242316 h 484632"/>
-              <a:gd name="connsiteX1" fmla="*/ 135270 w 316142"/>
-              <a:gd name="connsiteY1" fmla="*/ 0 h 484632"/>
-              <a:gd name="connsiteX2" fmla="*/ 135270 w 316142"/>
-              <a:gd name="connsiteY2" fmla="*/ 90435 h 484632"/>
-              <a:gd name="connsiteX3" fmla="*/ 316142 w 316142"/>
-              <a:gd name="connsiteY3" fmla="*/ 90435 h 484632"/>
-              <a:gd name="connsiteX4" fmla="*/ 316142 w 316142"/>
-              <a:gd name="connsiteY4" fmla="*/ 484632 h 484632"/>
-              <a:gd name="connsiteX5" fmla="*/ 316142 w 316142"/>
-              <a:gd name="connsiteY5" fmla="*/ 394197 h 484632"/>
-              <a:gd name="connsiteX6" fmla="*/ 135270 w 316142"/>
-              <a:gd name="connsiteY6" fmla="*/ 394197 h 484632"/>
-              <a:gd name="connsiteX7" fmla="*/ 135270 w 316142"/>
-              <a:gd name="connsiteY7" fmla="*/ 484632 h 484632"/>
-              <a:gd name="connsiteX8" fmla="*/ 0 w 316142"/>
-              <a:gd name="connsiteY8" fmla="*/ 242316 h 484632"/>
-              <a:gd name="connsiteX0" fmla="*/ 0 w 316142"/>
-              <a:gd name="connsiteY0" fmla="*/ 242316 h 484632"/>
-              <a:gd name="connsiteX1" fmla="*/ 135270 w 316142"/>
-              <a:gd name="connsiteY1" fmla="*/ 0 h 484632"/>
-              <a:gd name="connsiteX2" fmla="*/ 135270 w 316142"/>
-              <a:gd name="connsiteY2" fmla="*/ 90435 h 484632"/>
-              <a:gd name="connsiteX3" fmla="*/ 316142 w 316142"/>
-              <a:gd name="connsiteY3" fmla="*/ 90435 h 484632"/>
-              <a:gd name="connsiteX4" fmla="*/ 316142 w 316142"/>
-              <a:gd name="connsiteY4" fmla="*/ 394197 h 484632"/>
-              <a:gd name="connsiteX5" fmla="*/ 135270 w 316142"/>
-              <a:gd name="connsiteY5" fmla="*/ 394197 h 484632"/>
-              <a:gd name="connsiteX6" fmla="*/ 135270 w 316142"/>
-              <a:gd name="connsiteY6" fmla="*/ 484632 h 484632"/>
-              <a:gd name="connsiteX7" fmla="*/ 0 w 316142"/>
-              <a:gd name="connsiteY7" fmla="*/ 242316 h 484632"/>
-              <a:gd name="connsiteX0" fmla="*/ 0 w 316142"/>
-              <a:gd name="connsiteY0" fmla="*/ 242316 h 484632"/>
-              <a:gd name="connsiteX1" fmla="*/ 135270 w 316142"/>
-              <a:gd name="connsiteY1" fmla="*/ 0 h 484632"/>
-              <a:gd name="connsiteX2" fmla="*/ 135270 w 316142"/>
-              <a:gd name="connsiteY2" fmla="*/ 90435 h 484632"/>
-              <a:gd name="connsiteX3" fmla="*/ 316142 w 316142"/>
-              <a:gd name="connsiteY3" fmla="*/ 394197 h 484632"/>
-              <a:gd name="connsiteX4" fmla="*/ 135270 w 316142"/>
-              <a:gd name="connsiteY4" fmla="*/ 394197 h 484632"/>
-              <a:gd name="connsiteX5" fmla="*/ 135270 w 316142"/>
-              <a:gd name="connsiteY5" fmla="*/ 484632 h 484632"/>
-              <a:gd name="connsiteX6" fmla="*/ 0 w 316142"/>
-              <a:gd name="connsiteY6" fmla="*/ 242316 h 484632"/>
-            </a:gdLst>
-            <a:ahLst/>
-            <a:cxnLst>
-              <a:cxn ang="0">
-                <a:pos x="connsiteX0" y="connsiteY0"/>
-              </a:cxn>
-              <a:cxn ang="0">
-                <a:pos x="connsiteX1" y="connsiteY1"/>
-              </a:cxn>
-              <a:cxn ang="0">
-                <a:pos x="connsiteX2" y="connsiteY2"/>
-              </a:cxn>
-              <a:cxn ang="0">
-                <a:pos x="connsiteX3" y="connsiteY3"/>
-              </a:cxn>
-              <a:cxn ang="0">
-                <a:pos x="connsiteX4" y="connsiteY4"/>
-              </a:cxn>
-              <a:cxn ang="0">
-                <a:pos x="connsiteX5" y="connsiteY5"/>
-              </a:cxn>
-              <a:cxn ang="0">
-                <a:pos x="connsiteX6" y="connsiteY6"/>
-              </a:cxn>
-            </a:cxnLst>
-            <a:rect l="l" t="t" r="r" b="b"/>
-            <a:pathLst>
-              <a:path w="316142" h="484632">
-                <a:moveTo>
-                  <a:pt x="0" y="242316"/>
-                </a:moveTo>
-                <a:lnTo>
-                  <a:pt x="135270" y="0"/>
-                </a:lnTo>
-                <a:lnTo>
-                  <a:pt x="135270" y="90435"/>
-                </a:lnTo>
-                <a:lnTo>
-                  <a:pt x="316142" y="394197"/>
-                </a:lnTo>
-                <a:lnTo>
-                  <a:pt x="135270" y="394197"/>
-                </a:lnTo>
-                <a:lnTo>
-                  <a:pt x="135270" y="484632"/>
-                </a:lnTo>
-                <a:lnTo>
-                  <a:pt x="0" y="242316"/>
-                </a:lnTo>
-                <a:close/>
-              </a:path>
-            </a:pathLst>
-          </a:custGeom>
-        </p:spPr>
-        <p:style>
-          <a:lnRef idx="2">
-            <a:schemeClr val="accent1">
-              <a:shade val="50000"/>
-            </a:schemeClr>
-          </a:lnRef>
-          <a:fillRef idx="1">
-            <a:schemeClr val="accent1"/>
-          </a:fillRef>
-          <a:effectRef idx="0">
-            <a:schemeClr val="accent1"/>
-          </a:effectRef>
-          <a:fontRef idx="minor">
-            <a:schemeClr val="lt1"/>
-          </a:fontRef>
-        </p:style>
-        <p:txBody>
-          <a:bodyPr rtlCol="0" anchor="ctr"/>
-          <a:lstStyle/>
-          <a:p>
-            <a:pPr algn="ctr"/>
-            <a:endParaRPr lang="ru-RU"/>
-          </a:p>
-        </p:txBody>
-      </p:sp>
-      <p:sp>
-        <p:nvSpPr>
-          <p:cNvPr id="24" name="Двойная стрелка влево/вправо 5"/>
-          <p:cNvSpPr/>
-          <p:nvPr/>
-        </p:nvSpPr>
-        <p:spPr>
-          <a:xfrm rot="16200000" flipH="1">
-            <a:off x="10011291" y="3150969"/>
-            <a:ext cx="461653" cy="544683"/>
-          </a:xfrm>
-          <a:custGeom>
-            <a:avLst/>
-            <a:gdLst>
-              <a:gd name="connsiteX0" fmla="*/ 0 w 451412"/>
-              <a:gd name="connsiteY0" fmla="*/ 242316 h 484632"/>
-              <a:gd name="connsiteX1" fmla="*/ 135270 w 451412"/>
-              <a:gd name="connsiteY1" fmla="*/ 0 h 484632"/>
-              <a:gd name="connsiteX2" fmla="*/ 135270 w 451412"/>
-              <a:gd name="connsiteY2" fmla="*/ 90435 h 484632"/>
-              <a:gd name="connsiteX3" fmla="*/ 316142 w 451412"/>
-              <a:gd name="connsiteY3" fmla="*/ 90435 h 484632"/>
-              <a:gd name="connsiteX4" fmla="*/ 316142 w 451412"/>
-              <a:gd name="connsiteY4" fmla="*/ 0 h 484632"/>
-              <a:gd name="connsiteX5" fmla="*/ 451412 w 451412"/>
-              <a:gd name="connsiteY5" fmla="*/ 242316 h 484632"/>
-              <a:gd name="connsiteX6" fmla="*/ 316142 w 451412"/>
-              <a:gd name="connsiteY6" fmla="*/ 484632 h 484632"/>
-              <a:gd name="connsiteX7" fmla="*/ 316142 w 451412"/>
-              <a:gd name="connsiteY7" fmla="*/ 394197 h 484632"/>
-              <a:gd name="connsiteX8" fmla="*/ 135270 w 451412"/>
-              <a:gd name="connsiteY8" fmla="*/ 394197 h 484632"/>
-              <a:gd name="connsiteX9" fmla="*/ 135270 w 451412"/>
-              <a:gd name="connsiteY9" fmla="*/ 484632 h 484632"/>
-              <a:gd name="connsiteX10" fmla="*/ 0 w 451412"/>
-              <a:gd name="connsiteY10" fmla="*/ 242316 h 484632"/>
-              <a:gd name="connsiteX0" fmla="*/ 0 w 451412"/>
-              <a:gd name="connsiteY0" fmla="*/ 242316 h 484632"/>
-              <a:gd name="connsiteX1" fmla="*/ 135270 w 451412"/>
-              <a:gd name="connsiteY1" fmla="*/ 0 h 484632"/>
-              <a:gd name="connsiteX2" fmla="*/ 135270 w 451412"/>
-              <a:gd name="connsiteY2" fmla="*/ 90435 h 484632"/>
-              <a:gd name="connsiteX3" fmla="*/ 316142 w 451412"/>
-              <a:gd name="connsiteY3" fmla="*/ 90435 h 484632"/>
-              <a:gd name="connsiteX4" fmla="*/ 451412 w 451412"/>
-              <a:gd name="connsiteY4" fmla="*/ 242316 h 484632"/>
-              <a:gd name="connsiteX5" fmla="*/ 316142 w 451412"/>
-              <a:gd name="connsiteY5" fmla="*/ 484632 h 484632"/>
-              <a:gd name="connsiteX6" fmla="*/ 316142 w 451412"/>
-              <a:gd name="connsiteY6" fmla="*/ 394197 h 484632"/>
-              <a:gd name="connsiteX7" fmla="*/ 135270 w 451412"/>
-              <a:gd name="connsiteY7" fmla="*/ 394197 h 484632"/>
-              <a:gd name="connsiteX8" fmla="*/ 135270 w 451412"/>
-              <a:gd name="connsiteY8" fmla="*/ 484632 h 484632"/>
-              <a:gd name="connsiteX9" fmla="*/ 0 w 451412"/>
-              <a:gd name="connsiteY9" fmla="*/ 242316 h 484632"/>
-              <a:gd name="connsiteX0" fmla="*/ 0 w 316142"/>
-              <a:gd name="connsiteY0" fmla="*/ 242316 h 484632"/>
-              <a:gd name="connsiteX1" fmla="*/ 135270 w 316142"/>
-              <a:gd name="connsiteY1" fmla="*/ 0 h 484632"/>
-              <a:gd name="connsiteX2" fmla="*/ 135270 w 316142"/>
-              <a:gd name="connsiteY2" fmla="*/ 90435 h 484632"/>
-              <a:gd name="connsiteX3" fmla="*/ 316142 w 316142"/>
-              <a:gd name="connsiteY3" fmla="*/ 90435 h 484632"/>
-              <a:gd name="connsiteX4" fmla="*/ 316142 w 316142"/>
-              <a:gd name="connsiteY4" fmla="*/ 484632 h 484632"/>
-              <a:gd name="connsiteX5" fmla="*/ 316142 w 316142"/>
-              <a:gd name="connsiteY5" fmla="*/ 394197 h 484632"/>
-              <a:gd name="connsiteX6" fmla="*/ 135270 w 316142"/>
-              <a:gd name="connsiteY6" fmla="*/ 394197 h 484632"/>
-              <a:gd name="connsiteX7" fmla="*/ 135270 w 316142"/>
-              <a:gd name="connsiteY7" fmla="*/ 484632 h 484632"/>
-              <a:gd name="connsiteX8" fmla="*/ 0 w 316142"/>
-              <a:gd name="connsiteY8" fmla="*/ 242316 h 484632"/>
-              <a:gd name="connsiteX0" fmla="*/ 0 w 316142"/>
-              <a:gd name="connsiteY0" fmla="*/ 242316 h 484632"/>
-              <a:gd name="connsiteX1" fmla="*/ 135270 w 316142"/>
-              <a:gd name="connsiteY1" fmla="*/ 0 h 484632"/>
-              <a:gd name="connsiteX2" fmla="*/ 135270 w 316142"/>
-              <a:gd name="connsiteY2" fmla="*/ 90435 h 484632"/>
-              <a:gd name="connsiteX3" fmla="*/ 316142 w 316142"/>
-              <a:gd name="connsiteY3" fmla="*/ 90435 h 484632"/>
-              <a:gd name="connsiteX4" fmla="*/ 316142 w 316142"/>
-              <a:gd name="connsiteY4" fmla="*/ 394197 h 484632"/>
-              <a:gd name="connsiteX5" fmla="*/ 135270 w 316142"/>
-              <a:gd name="connsiteY5" fmla="*/ 394197 h 484632"/>
-              <a:gd name="connsiteX6" fmla="*/ 135270 w 316142"/>
-              <a:gd name="connsiteY6" fmla="*/ 484632 h 484632"/>
-              <a:gd name="connsiteX7" fmla="*/ 0 w 316142"/>
-              <a:gd name="connsiteY7" fmla="*/ 242316 h 484632"/>
-              <a:gd name="connsiteX0" fmla="*/ 0 w 316142"/>
-              <a:gd name="connsiteY0" fmla="*/ 242316 h 484632"/>
-              <a:gd name="connsiteX1" fmla="*/ 135270 w 316142"/>
-              <a:gd name="connsiteY1" fmla="*/ 0 h 484632"/>
-              <a:gd name="connsiteX2" fmla="*/ 135270 w 316142"/>
-              <a:gd name="connsiteY2" fmla="*/ 90435 h 484632"/>
-              <a:gd name="connsiteX3" fmla="*/ 316142 w 316142"/>
-              <a:gd name="connsiteY3" fmla="*/ 394197 h 484632"/>
-              <a:gd name="connsiteX4" fmla="*/ 135270 w 316142"/>
-              <a:gd name="connsiteY4" fmla="*/ 394197 h 484632"/>
-              <a:gd name="connsiteX5" fmla="*/ 135270 w 316142"/>
-              <a:gd name="connsiteY5" fmla="*/ 484632 h 484632"/>
-              <a:gd name="connsiteX6" fmla="*/ 0 w 316142"/>
-              <a:gd name="connsiteY6" fmla="*/ 242316 h 484632"/>
-            </a:gdLst>
-            <a:ahLst/>
-            <a:cxnLst>
-              <a:cxn ang="0">
-                <a:pos x="connsiteX0" y="connsiteY0"/>
-              </a:cxn>
-              <a:cxn ang="0">
-                <a:pos x="connsiteX1" y="connsiteY1"/>
-              </a:cxn>
-              <a:cxn ang="0">
-                <a:pos x="connsiteX2" y="connsiteY2"/>
-              </a:cxn>
-              <a:cxn ang="0">
-                <a:pos x="connsiteX3" y="connsiteY3"/>
-              </a:cxn>
-              <a:cxn ang="0">
-                <a:pos x="connsiteX4" y="connsiteY4"/>
-              </a:cxn>
-              <a:cxn ang="0">
-                <a:pos x="connsiteX5" y="connsiteY5"/>
-              </a:cxn>
-              <a:cxn ang="0">
-                <a:pos x="connsiteX6" y="connsiteY6"/>
-              </a:cxn>
-            </a:cxnLst>
-            <a:rect l="l" t="t" r="r" b="b"/>
-            <a:pathLst>
-              <a:path w="316142" h="484632">
-                <a:moveTo>
-                  <a:pt x="0" y="242316"/>
-                </a:moveTo>
-                <a:lnTo>
-                  <a:pt x="135270" y="0"/>
-                </a:lnTo>
-                <a:lnTo>
-                  <a:pt x="135270" y="90435"/>
-                </a:lnTo>
-                <a:lnTo>
-                  <a:pt x="316142" y="394197"/>
-                </a:lnTo>
-                <a:lnTo>
-                  <a:pt x="135270" y="394197"/>
-                </a:lnTo>
-                <a:lnTo>
-                  <a:pt x="135270" y="484632"/>
-                </a:lnTo>
-                <a:lnTo>
-                  <a:pt x="0" y="242316"/>
-                </a:lnTo>
-                <a:close/>
-              </a:path>
-            </a:pathLst>
-          </a:custGeom>
-        </p:spPr>
-        <p:style>
-          <a:lnRef idx="2">
-            <a:schemeClr val="accent2">
-              <a:shade val="50000"/>
-            </a:schemeClr>
-          </a:lnRef>
-          <a:fillRef idx="1">
-            <a:schemeClr val="accent2"/>
-          </a:fillRef>
-          <a:effectRef idx="0">
-            <a:schemeClr val="accent2"/>
-          </a:effectRef>
-          <a:fontRef idx="minor">
-            <a:schemeClr val="lt1"/>
-          </a:fontRef>
-        </p:style>
-        <p:txBody>
-          <a:bodyPr rtlCol="0" anchor="ctr"/>
-          <a:lstStyle/>
-          <a:p>
-            <a:pPr algn="ctr"/>
-            <a:endParaRPr lang="ru-RU"/>
-          </a:p>
-        </p:txBody>
-      </p:sp>
-      <p:sp>
-        <p:nvSpPr>
-          <p:cNvPr id="26" name="Двойная стрелка влево/вправо 5"/>
-          <p:cNvSpPr/>
-          <p:nvPr/>
-        </p:nvSpPr>
-        <p:spPr>
-          <a:xfrm rot="16200000" flipH="1">
-            <a:off x="108184" y="1004145"/>
-            <a:ext cx="1006999" cy="862470"/>
-          </a:xfrm>
-          <a:custGeom>
-            <a:avLst/>
-            <a:gdLst>
-              <a:gd name="connsiteX0" fmla="*/ 0 w 451412"/>
-              <a:gd name="connsiteY0" fmla="*/ 242316 h 484632"/>
-              <a:gd name="connsiteX1" fmla="*/ 135270 w 451412"/>
-              <a:gd name="connsiteY1" fmla="*/ 0 h 484632"/>
-              <a:gd name="connsiteX2" fmla="*/ 135270 w 451412"/>
-              <a:gd name="connsiteY2" fmla="*/ 90435 h 484632"/>
-              <a:gd name="connsiteX3" fmla="*/ 316142 w 451412"/>
-              <a:gd name="connsiteY3" fmla="*/ 90435 h 484632"/>
-              <a:gd name="connsiteX4" fmla="*/ 316142 w 451412"/>
-              <a:gd name="connsiteY4" fmla="*/ 0 h 484632"/>
-              <a:gd name="connsiteX5" fmla="*/ 451412 w 451412"/>
-              <a:gd name="connsiteY5" fmla="*/ 242316 h 484632"/>
-              <a:gd name="connsiteX6" fmla="*/ 316142 w 451412"/>
-              <a:gd name="connsiteY6" fmla="*/ 484632 h 484632"/>
-              <a:gd name="connsiteX7" fmla="*/ 316142 w 451412"/>
-              <a:gd name="connsiteY7" fmla="*/ 394197 h 484632"/>
-              <a:gd name="connsiteX8" fmla="*/ 135270 w 451412"/>
-              <a:gd name="connsiteY8" fmla="*/ 394197 h 484632"/>
-              <a:gd name="connsiteX9" fmla="*/ 135270 w 451412"/>
-              <a:gd name="connsiteY9" fmla="*/ 484632 h 484632"/>
-              <a:gd name="connsiteX10" fmla="*/ 0 w 451412"/>
-              <a:gd name="connsiteY10" fmla="*/ 242316 h 484632"/>
-              <a:gd name="connsiteX0" fmla="*/ 0 w 451412"/>
-              <a:gd name="connsiteY0" fmla="*/ 242316 h 484632"/>
-              <a:gd name="connsiteX1" fmla="*/ 135270 w 451412"/>
-              <a:gd name="connsiteY1" fmla="*/ 0 h 484632"/>
-              <a:gd name="connsiteX2" fmla="*/ 135270 w 451412"/>
-              <a:gd name="connsiteY2" fmla="*/ 90435 h 484632"/>
-              <a:gd name="connsiteX3" fmla="*/ 316142 w 451412"/>
-              <a:gd name="connsiteY3" fmla="*/ 90435 h 484632"/>
-              <a:gd name="connsiteX4" fmla="*/ 451412 w 451412"/>
-              <a:gd name="connsiteY4" fmla="*/ 242316 h 484632"/>
-              <a:gd name="connsiteX5" fmla="*/ 316142 w 451412"/>
-              <a:gd name="connsiteY5" fmla="*/ 484632 h 484632"/>
-              <a:gd name="connsiteX6" fmla="*/ 316142 w 451412"/>
-              <a:gd name="connsiteY6" fmla="*/ 394197 h 484632"/>
-              <a:gd name="connsiteX7" fmla="*/ 135270 w 451412"/>
-              <a:gd name="connsiteY7" fmla="*/ 394197 h 484632"/>
-              <a:gd name="connsiteX8" fmla="*/ 135270 w 451412"/>
-              <a:gd name="connsiteY8" fmla="*/ 484632 h 484632"/>
-              <a:gd name="connsiteX9" fmla="*/ 0 w 451412"/>
-              <a:gd name="connsiteY9" fmla="*/ 242316 h 484632"/>
-              <a:gd name="connsiteX0" fmla="*/ 0 w 316142"/>
-              <a:gd name="connsiteY0" fmla="*/ 242316 h 484632"/>
-              <a:gd name="connsiteX1" fmla="*/ 135270 w 316142"/>
-              <a:gd name="connsiteY1" fmla="*/ 0 h 484632"/>
-              <a:gd name="connsiteX2" fmla="*/ 135270 w 316142"/>
-              <a:gd name="connsiteY2" fmla="*/ 90435 h 484632"/>
-              <a:gd name="connsiteX3" fmla="*/ 316142 w 316142"/>
-              <a:gd name="connsiteY3" fmla="*/ 90435 h 484632"/>
-              <a:gd name="connsiteX4" fmla="*/ 316142 w 316142"/>
-              <a:gd name="connsiteY4" fmla="*/ 484632 h 484632"/>
-              <a:gd name="connsiteX5" fmla="*/ 316142 w 316142"/>
-              <a:gd name="connsiteY5" fmla="*/ 394197 h 484632"/>
-              <a:gd name="connsiteX6" fmla="*/ 135270 w 316142"/>
-              <a:gd name="connsiteY6" fmla="*/ 394197 h 484632"/>
-              <a:gd name="connsiteX7" fmla="*/ 135270 w 316142"/>
-              <a:gd name="connsiteY7" fmla="*/ 484632 h 484632"/>
-              <a:gd name="connsiteX8" fmla="*/ 0 w 316142"/>
-              <a:gd name="connsiteY8" fmla="*/ 242316 h 484632"/>
-              <a:gd name="connsiteX0" fmla="*/ 0 w 316142"/>
-              <a:gd name="connsiteY0" fmla="*/ 242316 h 484632"/>
-              <a:gd name="connsiteX1" fmla="*/ 135270 w 316142"/>
-              <a:gd name="connsiteY1" fmla="*/ 0 h 484632"/>
-              <a:gd name="connsiteX2" fmla="*/ 135270 w 316142"/>
-              <a:gd name="connsiteY2" fmla="*/ 90435 h 484632"/>
-              <a:gd name="connsiteX3" fmla="*/ 316142 w 316142"/>
-              <a:gd name="connsiteY3" fmla="*/ 90435 h 484632"/>
-              <a:gd name="connsiteX4" fmla="*/ 316142 w 316142"/>
-              <a:gd name="connsiteY4" fmla="*/ 394197 h 484632"/>
-              <a:gd name="connsiteX5" fmla="*/ 135270 w 316142"/>
-              <a:gd name="connsiteY5" fmla="*/ 394197 h 484632"/>
-              <a:gd name="connsiteX6" fmla="*/ 135270 w 316142"/>
-              <a:gd name="connsiteY6" fmla="*/ 484632 h 484632"/>
-              <a:gd name="connsiteX7" fmla="*/ 0 w 316142"/>
-              <a:gd name="connsiteY7" fmla="*/ 242316 h 484632"/>
-              <a:gd name="connsiteX0" fmla="*/ 0 w 316142"/>
-              <a:gd name="connsiteY0" fmla="*/ 242316 h 484632"/>
-              <a:gd name="connsiteX1" fmla="*/ 135270 w 316142"/>
-              <a:gd name="connsiteY1" fmla="*/ 0 h 484632"/>
-              <a:gd name="connsiteX2" fmla="*/ 135270 w 316142"/>
-              <a:gd name="connsiteY2" fmla="*/ 90435 h 484632"/>
-              <a:gd name="connsiteX3" fmla="*/ 316142 w 316142"/>
-              <a:gd name="connsiteY3" fmla="*/ 394197 h 484632"/>
-              <a:gd name="connsiteX4" fmla="*/ 135270 w 316142"/>
-              <a:gd name="connsiteY4" fmla="*/ 394197 h 484632"/>
-              <a:gd name="connsiteX5" fmla="*/ 135270 w 316142"/>
-              <a:gd name="connsiteY5" fmla="*/ 484632 h 484632"/>
-              <a:gd name="connsiteX6" fmla="*/ 0 w 316142"/>
-              <a:gd name="connsiteY6" fmla="*/ 242316 h 484632"/>
-              <a:gd name="connsiteX0" fmla="*/ 0 w 316142"/>
-              <a:gd name="connsiteY0" fmla="*/ 242316 h 484632"/>
-              <a:gd name="connsiteX1" fmla="*/ 135270 w 316142"/>
-              <a:gd name="connsiteY1" fmla="*/ 0 h 484632"/>
-              <a:gd name="connsiteX2" fmla="*/ 135270 w 316142"/>
-              <a:gd name="connsiteY2" fmla="*/ 90435 h 484632"/>
-              <a:gd name="connsiteX3" fmla="*/ 316142 w 316142"/>
-              <a:gd name="connsiteY3" fmla="*/ 394197 h 484632"/>
-              <a:gd name="connsiteX4" fmla="*/ 251236 w 316142"/>
-              <a:gd name="connsiteY4" fmla="*/ 392379 h 484632"/>
-              <a:gd name="connsiteX5" fmla="*/ 135270 w 316142"/>
-              <a:gd name="connsiteY5" fmla="*/ 394197 h 484632"/>
-              <a:gd name="connsiteX6" fmla="*/ 135270 w 316142"/>
-              <a:gd name="connsiteY6" fmla="*/ 484632 h 484632"/>
-              <a:gd name="connsiteX7" fmla="*/ 0 w 316142"/>
-              <a:gd name="connsiteY7" fmla="*/ 242316 h 484632"/>
-              <a:gd name="connsiteX0" fmla="*/ 0 w 543456"/>
-              <a:gd name="connsiteY0" fmla="*/ 242316 h 795783"/>
-              <a:gd name="connsiteX1" fmla="*/ 135270 w 543456"/>
-              <a:gd name="connsiteY1" fmla="*/ 0 h 795783"/>
-              <a:gd name="connsiteX2" fmla="*/ 135270 w 543456"/>
-              <a:gd name="connsiteY2" fmla="*/ 90435 h 795783"/>
-              <a:gd name="connsiteX3" fmla="*/ 316142 w 543456"/>
-              <a:gd name="connsiteY3" fmla="*/ 394197 h 795783"/>
-              <a:gd name="connsiteX4" fmla="*/ 543456 w 543456"/>
-              <a:gd name="connsiteY4" fmla="*/ 795783 h 795783"/>
-              <a:gd name="connsiteX5" fmla="*/ 135270 w 543456"/>
-              <a:gd name="connsiteY5" fmla="*/ 394197 h 795783"/>
-              <a:gd name="connsiteX6" fmla="*/ 135270 w 543456"/>
-              <a:gd name="connsiteY6" fmla="*/ 484632 h 795783"/>
-              <a:gd name="connsiteX7" fmla="*/ 0 w 543456"/>
-              <a:gd name="connsiteY7" fmla="*/ 242316 h 795783"/>
-              <a:gd name="connsiteX0" fmla="*/ 0 w 543456"/>
-              <a:gd name="connsiteY0" fmla="*/ 242316 h 795783"/>
-              <a:gd name="connsiteX1" fmla="*/ 135270 w 543456"/>
-              <a:gd name="connsiteY1" fmla="*/ 0 h 795783"/>
-              <a:gd name="connsiteX2" fmla="*/ 135270 w 543456"/>
-              <a:gd name="connsiteY2" fmla="*/ 90435 h 795783"/>
-              <a:gd name="connsiteX3" fmla="*/ 543456 w 543456"/>
-              <a:gd name="connsiteY3" fmla="*/ 795783 h 795783"/>
-              <a:gd name="connsiteX4" fmla="*/ 135270 w 543456"/>
-              <a:gd name="connsiteY4" fmla="*/ 394197 h 795783"/>
-              <a:gd name="connsiteX5" fmla="*/ 135270 w 543456"/>
-              <a:gd name="connsiteY5" fmla="*/ 484632 h 795783"/>
-              <a:gd name="connsiteX6" fmla="*/ 0 w 543456"/>
-              <a:gd name="connsiteY6" fmla="*/ 242316 h 795783"/>
-              <a:gd name="connsiteX0" fmla="*/ 0 w 551283"/>
-              <a:gd name="connsiteY0" fmla="*/ 242316 h 789003"/>
-              <a:gd name="connsiteX1" fmla="*/ 135270 w 551283"/>
-              <a:gd name="connsiteY1" fmla="*/ 0 h 789003"/>
-              <a:gd name="connsiteX2" fmla="*/ 135270 w 551283"/>
-              <a:gd name="connsiteY2" fmla="*/ 90435 h 789003"/>
-              <a:gd name="connsiteX3" fmla="*/ 551283 w 551283"/>
-              <a:gd name="connsiteY3" fmla="*/ 789003 h 789003"/>
-              <a:gd name="connsiteX4" fmla="*/ 135270 w 551283"/>
-              <a:gd name="connsiteY4" fmla="*/ 394197 h 789003"/>
-              <a:gd name="connsiteX5" fmla="*/ 135270 w 551283"/>
-              <a:gd name="connsiteY5" fmla="*/ 484632 h 789003"/>
-              <a:gd name="connsiteX6" fmla="*/ 0 w 551283"/>
-              <a:gd name="connsiteY6" fmla="*/ 242316 h 789003"/>
-              <a:gd name="connsiteX0" fmla="*/ 0 w 551283"/>
-              <a:gd name="connsiteY0" fmla="*/ 242316 h 775443"/>
-              <a:gd name="connsiteX1" fmla="*/ 135270 w 551283"/>
-              <a:gd name="connsiteY1" fmla="*/ 0 h 775443"/>
-              <a:gd name="connsiteX2" fmla="*/ 135270 w 551283"/>
-              <a:gd name="connsiteY2" fmla="*/ 90435 h 775443"/>
-              <a:gd name="connsiteX3" fmla="*/ 551283 w 551283"/>
-              <a:gd name="connsiteY3" fmla="*/ 775443 h 775443"/>
-              <a:gd name="connsiteX4" fmla="*/ 135270 w 551283"/>
-              <a:gd name="connsiteY4" fmla="*/ 394197 h 775443"/>
-              <a:gd name="connsiteX5" fmla="*/ 135270 w 551283"/>
-              <a:gd name="connsiteY5" fmla="*/ 484632 h 775443"/>
-              <a:gd name="connsiteX6" fmla="*/ 0 w 551283"/>
-              <a:gd name="connsiteY6" fmla="*/ 242316 h 775443"/>
-              <a:gd name="connsiteX0" fmla="*/ 0 w 725582"/>
-              <a:gd name="connsiteY0" fmla="*/ 242316 h 1178043"/>
-              <a:gd name="connsiteX1" fmla="*/ 135270 w 725582"/>
-              <a:gd name="connsiteY1" fmla="*/ 0 h 1178043"/>
-              <a:gd name="connsiteX2" fmla="*/ 135270 w 725582"/>
-              <a:gd name="connsiteY2" fmla="*/ 90435 h 1178043"/>
-              <a:gd name="connsiteX3" fmla="*/ 725582 w 725582"/>
-              <a:gd name="connsiteY3" fmla="*/ 1178043 h 1178043"/>
-              <a:gd name="connsiteX4" fmla="*/ 135270 w 725582"/>
-              <a:gd name="connsiteY4" fmla="*/ 394197 h 1178043"/>
-              <a:gd name="connsiteX5" fmla="*/ 135270 w 725582"/>
-              <a:gd name="connsiteY5" fmla="*/ 484632 h 1178043"/>
-              <a:gd name="connsiteX6" fmla="*/ 0 w 725582"/>
-              <a:gd name="connsiteY6" fmla="*/ 242316 h 1178043"/>
-              <a:gd name="connsiteX0" fmla="*/ 0 w 725584"/>
-              <a:gd name="connsiteY0" fmla="*/ 242316 h 1158750"/>
-              <a:gd name="connsiteX1" fmla="*/ 135270 w 725584"/>
-              <a:gd name="connsiteY1" fmla="*/ 0 h 1158750"/>
-              <a:gd name="connsiteX2" fmla="*/ 135270 w 725584"/>
-              <a:gd name="connsiteY2" fmla="*/ 90435 h 1158750"/>
-              <a:gd name="connsiteX3" fmla="*/ 725584 w 725584"/>
-              <a:gd name="connsiteY3" fmla="*/ 1158750 h 1158750"/>
-              <a:gd name="connsiteX4" fmla="*/ 135270 w 725584"/>
-              <a:gd name="connsiteY4" fmla="*/ 394197 h 1158750"/>
-              <a:gd name="connsiteX5" fmla="*/ 135270 w 725584"/>
-              <a:gd name="connsiteY5" fmla="*/ 484632 h 1158750"/>
-              <a:gd name="connsiteX6" fmla="*/ 0 w 725584"/>
-              <a:gd name="connsiteY6" fmla="*/ 242316 h 1158750"/>
-              <a:gd name="connsiteX0" fmla="*/ 0 w 725584"/>
-              <a:gd name="connsiteY0" fmla="*/ 242316 h 1149103"/>
-              <a:gd name="connsiteX1" fmla="*/ 135270 w 725584"/>
-              <a:gd name="connsiteY1" fmla="*/ 0 h 1149103"/>
-              <a:gd name="connsiteX2" fmla="*/ 135270 w 725584"/>
-              <a:gd name="connsiteY2" fmla="*/ 90435 h 1149103"/>
-              <a:gd name="connsiteX3" fmla="*/ 725584 w 725584"/>
-              <a:gd name="connsiteY3" fmla="*/ 1149103 h 1149103"/>
-              <a:gd name="connsiteX4" fmla="*/ 135270 w 725584"/>
-              <a:gd name="connsiteY4" fmla="*/ 394197 h 1149103"/>
-              <a:gd name="connsiteX5" fmla="*/ 135270 w 725584"/>
-              <a:gd name="connsiteY5" fmla="*/ 484632 h 1149103"/>
-              <a:gd name="connsiteX6" fmla="*/ 0 w 725584"/>
-              <a:gd name="connsiteY6" fmla="*/ 242316 h 1149103"/>
-              <a:gd name="connsiteX0" fmla="*/ 0 w 696794"/>
-              <a:gd name="connsiteY0" fmla="*/ 242316 h 653469"/>
-              <a:gd name="connsiteX1" fmla="*/ 135270 w 696794"/>
-              <a:gd name="connsiteY1" fmla="*/ 0 h 653469"/>
-              <a:gd name="connsiteX2" fmla="*/ 135270 w 696794"/>
-              <a:gd name="connsiteY2" fmla="*/ 90435 h 653469"/>
-              <a:gd name="connsiteX3" fmla="*/ 696794 w 696794"/>
-              <a:gd name="connsiteY3" fmla="*/ 653469 h 653469"/>
-              <a:gd name="connsiteX4" fmla="*/ 135270 w 696794"/>
-              <a:gd name="connsiteY4" fmla="*/ 394197 h 653469"/>
-              <a:gd name="connsiteX5" fmla="*/ 135270 w 696794"/>
-              <a:gd name="connsiteY5" fmla="*/ 484632 h 653469"/>
-              <a:gd name="connsiteX6" fmla="*/ 0 w 696794"/>
-              <a:gd name="connsiteY6" fmla="*/ 242316 h 653469"/>
-              <a:gd name="connsiteX0" fmla="*/ 0 w 696794"/>
-              <a:gd name="connsiteY0" fmla="*/ 242316 h 639909"/>
-              <a:gd name="connsiteX1" fmla="*/ 135270 w 696794"/>
-              <a:gd name="connsiteY1" fmla="*/ 0 h 639909"/>
-              <a:gd name="connsiteX2" fmla="*/ 135270 w 696794"/>
-              <a:gd name="connsiteY2" fmla="*/ 90435 h 639909"/>
-              <a:gd name="connsiteX3" fmla="*/ 696794 w 696794"/>
-              <a:gd name="connsiteY3" fmla="*/ 639909 h 639909"/>
-              <a:gd name="connsiteX4" fmla="*/ 135270 w 696794"/>
-              <a:gd name="connsiteY4" fmla="*/ 394197 h 639909"/>
-              <a:gd name="connsiteX5" fmla="*/ 135270 w 696794"/>
-              <a:gd name="connsiteY5" fmla="*/ 484632 h 639909"/>
-              <a:gd name="connsiteX6" fmla="*/ 0 w 696794"/>
-              <a:gd name="connsiteY6" fmla="*/ 242316 h 639909"/>
-              <a:gd name="connsiteX0" fmla="*/ 0 w 689597"/>
-              <a:gd name="connsiteY0" fmla="*/ 242316 h 752128"/>
-              <a:gd name="connsiteX1" fmla="*/ 135270 w 689597"/>
-              <a:gd name="connsiteY1" fmla="*/ 0 h 752128"/>
-              <a:gd name="connsiteX2" fmla="*/ 135270 w 689597"/>
-              <a:gd name="connsiteY2" fmla="*/ 90435 h 752128"/>
-              <a:gd name="connsiteX3" fmla="*/ 689597 w 689597"/>
-              <a:gd name="connsiteY3" fmla="*/ 752128 h 752128"/>
-              <a:gd name="connsiteX4" fmla="*/ 135270 w 689597"/>
-              <a:gd name="connsiteY4" fmla="*/ 394197 h 752128"/>
-              <a:gd name="connsiteX5" fmla="*/ 135270 w 689597"/>
-              <a:gd name="connsiteY5" fmla="*/ 484632 h 752128"/>
-              <a:gd name="connsiteX6" fmla="*/ 0 w 689597"/>
-              <a:gd name="connsiteY6" fmla="*/ 242316 h 752128"/>
-              <a:gd name="connsiteX0" fmla="*/ 0 w 689597"/>
-              <a:gd name="connsiteY0" fmla="*/ 242316 h 767383"/>
-              <a:gd name="connsiteX1" fmla="*/ 135270 w 689597"/>
-              <a:gd name="connsiteY1" fmla="*/ 0 h 767383"/>
-              <a:gd name="connsiteX2" fmla="*/ 135270 w 689597"/>
-              <a:gd name="connsiteY2" fmla="*/ 90435 h 767383"/>
-              <a:gd name="connsiteX3" fmla="*/ 689597 w 689597"/>
-              <a:gd name="connsiteY3" fmla="*/ 767383 h 767383"/>
-              <a:gd name="connsiteX4" fmla="*/ 135270 w 689597"/>
-              <a:gd name="connsiteY4" fmla="*/ 394197 h 767383"/>
-              <a:gd name="connsiteX5" fmla="*/ 135270 w 689597"/>
-              <a:gd name="connsiteY5" fmla="*/ 484632 h 767383"/>
-              <a:gd name="connsiteX6" fmla="*/ 0 w 689597"/>
-              <a:gd name="connsiteY6" fmla="*/ 242316 h 767383"/>
-            </a:gdLst>
-            <a:ahLst/>
-            <a:cxnLst>
-              <a:cxn ang="0">
-                <a:pos x="connsiteX0" y="connsiteY0"/>
-              </a:cxn>
-              <a:cxn ang="0">
-                <a:pos x="connsiteX1" y="connsiteY1"/>
-              </a:cxn>
-              <a:cxn ang="0">
-                <a:pos x="connsiteX2" y="connsiteY2"/>
-              </a:cxn>
-              <a:cxn ang="0">
-                <a:pos x="connsiteX3" y="connsiteY3"/>
-              </a:cxn>
-              <a:cxn ang="0">
-                <a:pos x="connsiteX4" y="connsiteY4"/>
-              </a:cxn>
-              <a:cxn ang="0">
-                <a:pos x="connsiteX5" y="connsiteY5"/>
-              </a:cxn>
-              <a:cxn ang="0">
-                <a:pos x="connsiteX6" y="connsiteY6"/>
-              </a:cxn>
-            </a:cxnLst>
-            <a:rect l="l" t="t" r="r" b="b"/>
-            <a:pathLst>
-              <a:path w="689597" h="767383">
-                <a:moveTo>
-                  <a:pt x="0" y="242316"/>
-                </a:moveTo>
-                <a:lnTo>
-                  <a:pt x="135270" y="0"/>
-                </a:lnTo>
-                <a:lnTo>
-                  <a:pt x="135270" y="90435"/>
-                </a:lnTo>
-                <a:lnTo>
-                  <a:pt x="689597" y="767383"/>
-                </a:lnTo>
-                <a:lnTo>
-                  <a:pt x="135270" y="394197"/>
-                </a:lnTo>
-                <a:lnTo>
-                  <a:pt x="135270" y="484632"/>
-                </a:lnTo>
-                <a:lnTo>
-                  <a:pt x="0" y="242316"/>
-                </a:lnTo>
-                <a:close/>
-              </a:path>
-            </a:pathLst>
-          </a:custGeom>
-        </p:spPr>
-        <p:style>
-          <a:lnRef idx="2">
-            <a:schemeClr val="accent1">
-              <a:shade val="50000"/>
-            </a:schemeClr>
-          </a:lnRef>
-          <a:fillRef idx="1">
-            <a:schemeClr val="accent1"/>
-          </a:fillRef>
-          <a:effectRef idx="0">
-            <a:schemeClr val="accent1"/>
-          </a:effectRef>
-          <a:fontRef idx="minor">
-            <a:schemeClr val="lt1"/>
-          </a:fontRef>
-        </p:style>
-        <p:txBody>
-          <a:bodyPr rtlCol="0" anchor="ctr"/>
-          <a:lstStyle/>
-          <a:p>
-            <a:pPr algn="ctr"/>
-            <a:endParaRPr lang="ru-RU"/>
-          </a:p>
-        </p:txBody>
-      </p:sp>
-      <p:sp>
-        <p:nvSpPr>
-          <p:cNvPr id="27" name="Двойная стрелка влево/вправо 5"/>
-          <p:cNvSpPr/>
-          <p:nvPr/>
-        </p:nvSpPr>
-        <p:spPr>
-          <a:xfrm rot="16200000" flipV="1">
-            <a:off x="999209" y="272725"/>
-            <a:ext cx="805023" cy="946945"/>
-          </a:xfrm>
-          <a:custGeom>
-            <a:avLst/>
-            <a:gdLst>
-              <a:gd name="connsiteX0" fmla="*/ 0 w 451412"/>
-              <a:gd name="connsiteY0" fmla="*/ 242316 h 484632"/>
-              <a:gd name="connsiteX1" fmla="*/ 135270 w 451412"/>
-              <a:gd name="connsiteY1" fmla="*/ 0 h 484632"/>
-              <a:gd name="connsiteX2" fmla="*/ 135270 w 451412"/>
-              <a:gd name="connsiteY2" fmla="*/ 90435 h 484632"/>
-              <a:gd name="connsiteX3" fmla="*/ 316142 w 451412"/>
-              <a:gd name="connsiteY3" fmla="*/ 90435 h 484632"/>
-              <a:gd name="connsiteX4" fmla="*/ 316142 w 451412"/>
-              <a:gd name="connsiteY4" fmla="*/ 0 h 484632"/>
-              <a:gd name="connsiteX5" fmla="*/ 451412 w 451412"/>
-              <a:gd name="connsiteY5" fmla="*/ 242316 h 484632"/>
-              <a:gd name="connsiteX6" fmla="*/ 316142 w 451412"/>
-              <a:gd name="connsiteY6" fmla="*/ 484632 h 484632"/>
-              <a:gd name="connsiteX7" fmla="*/ 316142 w 451412"/>
-              <a:gd name="connsiteY7" fmla="*/ 394197 h 484632"/>
-              <a:gd name="connsiteX8" fmla="*/ 135270 w 451412"/>
-              <a:gd name="connsiteY8" fmla="*/ 394197 h 484632"/>
-              <a:gd name="connsiteX9" fmla="*/ 135270 w 451412"/>
-              <a:gd name="connsiteY9" fmla="*/ 484632 h 484632"/>
-              <a:gd name="connsiteX10" fmla="*/ 0 w 451412"/>
-              <a:gd name="connsiteY10" fmla="*/ 242316 h 484632"/>
-              <a:gd name="connsiteX0" fmla="*/ 0 w 451412"/>
-              <a:gd name="connsiteY0" fmla="*/ 242316 h 484632"/>
-              <a:gd name="connsiteX1" fmla="*/ 135270 w 451412"/>
-              <a:gd name="connsiteY1" fmla="*/ 0 h 484632"/>
-              <a:gd name="connsiteX2" fmla="*/ 135270 w 451412"/>
-              <a:gd name="connsiteY2" fmla="*/ 90435 h 484632"/>
-              <a:gd name="connsiteX3" fmla="*/ 316142 w 451412"/>
-              <a:gd name="connsiteY3" fmla="*/ 90435 h 484632"/>
-              <a:gd name="connsiteX4" fmla="*/ 451412 w 451412"/>
-              <a:gd name="connsiteY4" fmla="*/ 242316 h 484632"/>
-              <a:gd name="connsiteX5" fmla="*/ 316142 w 451412"/>
-              <a:gd name="connsiteY5" fmla="*/ 484632 h 484632"/>
-              <a:gd name="connsiteX6" fmla="*/ 316142 w 451412"/>
-              <a:gd name="connsiteY6" fmla="*/ 394197 h 484632"/>
-              <a:gd name="connsiteX7" fmla="*/ 135270 w 451412"/>
-              <a:gd name="connsiteY7" fmla="*/ 394197 h 484632"/>
-              <a:gd name="connsiteX8" fmla="*/ 135270 w 451412"/>
-              <a:gd name="connsiteY8" fmla="*/ 484632 h 484632"/>
-              <a:gd name="connsiteX9" fmla="*/ 0 w 451412"/>
-              <a:gd name="connsiteY9" fmla="*/ 242316 h 484632"/>
-              <a:gd name="connsiteX0" fmla="*/ 0 w 316142"/>
-              <a:gd name="connsiteY0" fmla="*/ 242316 h 484632"/>
-              <a:gd name="connsiteX1" fmla="*/ 135270 w 316142"/>
-              <a:gd name="connsiteY1" fmla="*/ 0 h 484632"/>
-              <a:gd name="connsiteX2" fmla="*/ 135270 w 316142"/>
-              <a:gd name="connsiteY2" fmla="*/ 90435 h 484632"/>
-              <a:gd name="connsiteX3" fmla="*/ 316142 w 316142"/>
-              <a:gd name="connsiteY3" fmla="*/ 90435 h 484632"/>
-              <a:gd name="connsiteX4" fmla="*/ 316142 w 316142"/>
-              <a:gd name="connsiteY4" fmla="*/ 484632 h 484632"/>
-              <a:gd name="connsiteX5" fmla="*/ 316142 w 316142"/>
-              <a:gd name="connsiteY5" fmla="*/ 394197 h 484632"/>
-              <a:gd name="connsiteX6" fmla="*/ 135270 w 316142"/>
-              <a:gd name="connsiteY6" fmla="*/ 394197 h 484632"/>
-              <a:gd name="connsiteX7" fmla="*/ 135270 w 316142"/>
-              <a:gd name="connsiteY7" fmla="*/ 484632 h 484632"/>
-              <a:gd name="connsiteX8" fmla="*/ 0 w 316142"/>
-              <a:gd name="connsiteY8" fmla="*/ 242316 h 484632"/>
-              <a:gd name="connsiteX0" fmla="*/ 0 w 316142"/>
-              <a:gd name="connsiteY0" fmla="*/ 242316 h 484632"/>
-              <a:gd name="connsiteX1" fmla="*/ 135270 w 316142"/>
-              <a:gd name="connsiteY1" fmla="*/ 0 h 484632"/>
-              <a:gd name="connsiteX2" fmla="*/ 135270 w 316142"/>
-              <a:gd name="connsiteY2" fmla="*/ 90435 h 484632"/>
-              <a:gd name="connsiteX3" fmla="*/ 316142 w 316142"/>
-              <a:gd name="connsiteY3" fmla="*/ 90435 h 484632"/>
-              <a:gd name="connsiteX4" fmla="*/ 316142 w 316142"/>
-              <a:gd name="connsiteY4" fmla="*/ 394197 h 484632"/>
-              <a:gd name="connsiteX5" fmla="*/ 135270 w 316142"/>
-              <a:gd name="connsiteY5" fmla="*/ 394197 h 484632"/>
-              <a:gd name="connsiteX6" fmla="*/ 135270 w 316142"/>
-              <a:gd name="connsiteY6" fmla="*/ 484632 h 484632"/>
-              <a:gd name="connsiteX7" fmla="*/ 0 w 316142"/>
-              <a:gd name="connsiteY7" fmla="*/ 242316 h 484632"/>
-              <a:gd name="connsiteX0" fmla="*/ 0 w 316142"/>
-              <a:gd name="connsiteY0" fmla="*/ 242316 h 484632"/>
-              <a:gd name="connsiteX1" fmla="*/ 135270 w 316142"/>
-              <a:gd name="connsiteY1" fmla="*/ 0 h 484632"/>
-              <a:gd name="connsiteX2" fmla="*/ 135270 w 316142"/>
-              <a:gd name="connsiteY2" fmla="*/ 90435 h 484632"/>
-              <a:gd name="connsiteX3" fmla="*/ 316142 w 316142"/>
-              <a:gd name="connsiteY3" fmla="*/ 394197 h 484632"/>
-              <a:gd name="connsiteX4" fmla="*/ 135270 w 316142"/>
-              <a:gd name="connsiteY4" fmla="*/ 394197 h 484632"/>
-              <a:gd name="connsiteX5" fmla="*/ 135270 w 316142"/>
-              <a:gd name="connsiteY5" fmla="*/ 484632 h 484632"/>
-              <a:gd name="connsiteX6" fmla="*/ 0 w 316142"/>
-              <a:gd name="connsiteY6" fmla="*/ 242316 h 484632"/>
-              <a:gd name="connsiteX0" fmla="*/ 0 w 316142"/>
-              <a:gd name="connsiteY0" fmla="*/ 242316 h 484632"/>
-              <a:gd name="connsiteX1" fmla="*/ 135270 w 316142"/>
-              <a:gd name="connsiteY1" fmla="*/ 0 h 484632"/>
-              <a:gd name="connsiteX2" fmla="*/ 135270 w 316142"/>
-              <a:gd name="connsiteY2" fmla="*/ 90435 h 484632"/>
-              <a:gd name="connsiteX3" fmla="*/ 316142 w 316142"/>
-              <a:gd name="connsiteY3" fmla="*/ 394197 h 484632"/>
-              <a:gd name="connsiteX4" fmla="*/ 251236 w 316142"/>
-              <a:gd name="connsiteY4" fmla="*/ 392379 h 484632"/>
-              <a:gd name="connsiteX5" fmla="*/ 135270 w 316142"/>
-              <a:gd name="connsiteY5" fmla="*/ 394197 h 484632"/>
-              <a:gd name="connsiteX6" fmla="*/ 135270 w 316142"/>
-              <a:gd name="connsiteY6" fmla="*/ 484632 h 484632"/>
-              <a:gd name="connsiteX7" fmla="*/ 0 w 316142"/>
-              <a:gd name="connsiteY7" fmla="*/ 242316 h 484632"/>
-              <a:gd name="connsiteX0" fmla="*/ 0 w 543456"/>
-              <a:gd name="connsiteY0" fmla="*/ 242316 h 795783"/>
-              <a:gd name="connsiteX1" fmla="*/ 135270 w 543456"/>
-              <a:gd name="connsiteY1" fmla="*/ 0 h 795783"/>
-              <a:gd name="connsiteX2" fmla="*/ 135270 w 543456"/>
-              <a:gd name="connsiteY2" fmla="*/ 90435 h 795783"/>
-              <a:gd name="connsiteX3" fmla="*/ 316142 w 543456"/>
-              <a:gd name="connsiteY3" fmla="*/ 394197 h 795783"/>
-              <a:gd name="connsiteX4" fmla="*/ 543456 w 543456"/>
-              <a:gd name="connsiteY4" fmla="*/ 795783 h 795783"/>
-              <a:gd name="connsiteX5" fmla="*/ 135270 w 543456"/>
-              <a:gd name="connsiteY5" fmla="*/ 394197 h 795783"/>
-              <a:gd name="connsiteX6" fmla="*/ 135270 w 543456"/>
-              <a:gd name="connsiteY6" fmla="*/ 484632 h 795783"/>
-              <a:gd name="connsiteX7" fmla="*/ 0 w 543456"/>
-              <a:gd name="connsiteY7" fmla="*/ 242316 h 795783"/>
-              <a:gd name="connsiteX0" fmla="*/ 0 w 543456"/>
-              <a:gd name="connsiteY0" fmla="*/ 242316 h 795783"/>
-              <a:gd name="connsiteX1" fmla="*/ 135270 w 543456"/>
-              <a:gd name="connsiteY1" fmla="*/ 0 h 795783"/>
-              <a:gd name="connsiteX2" fmla="*/ 135270 w 543456"/>
-              <a:gd name="connsiteY2" fmla="*/ 90435 h 795783"/>
-              <a:gd name="connsiteX3" fmla="*/ 543456 w 543456"/>
-              <a:gd name="connsiteY3" fmla="*/ 795783 h 795783"/>
-              <a:gd name="connsiteX4" fmla="*/ 135270 w 543456"/>
-              <a:gd name="connsiteY4" fmla="*/ 394197 h 795783"/>
-              <a:gd name="connsiteX5" fmla="*/ 135270 w 543456"/>
-              <a:gd name="connsiteY5" fmla="*/ 484632 h 795783"/>
-              <a:gd name="connsiteX6" fmla="*/ 0 w 543456"/>
-              <a:gd name="connsiteY6" fmla="*/ 242316 h 795783"/>
-              <a:gd name="connsiteX0" fmla="*/ 0 w 551283"/>
-              <a:gd name="connsiteY0" fmla="*/ 242316 h 789003"/>
-              <a:gd name="connsiteX1" fmla="*/ 135270 w 551283"/>
-              <a:gd name="connsiteY1" fmla="*/ 0 h 789003"/>
-              <a:gd name="connsiteX2" fmla="*/ 135270 w 551283"/>
-              <a:gd name="connsiteY2" fmla="*/ 90435 h 789003"/>
-              <a:gd name="connsiteX3" fmla="*/ 551283 w 551283"/>
-              <a:gd name="connsiteY3" fmla="*/ 789003 h 789003"/>
-              <a:gd name="connsiteX4" fmla="*/ 135270 w 551283"/>
-              <a:gd name="connsiteY4" fmla="*/ 394197 h 789003"/>
-              <a:gd name="connsiteX5" fmla="*/ 135270 w 551283"/>
-              <a:gd name="connsiteY5" fmla="*/ 484632 h 789003"/>
-              <a:gd name="connsiteX6" fmla="*/ 0 w 551283"/>
-              <a:gd name="connsiteY6" fmla="*/ 242316 h 789003"/>
-              <a:gd name="connsiteX0" fmla="*/ 0 w 551283"/>
-              <a:gd name="connsiteY0" fmla="*/ 242316 h 775443"/>
-              <a:gd name="connsiteX1" fmla="*/ 135270 w 551283"/>
-              <a:gd name="connsiteY1" fmla="*/ 0 h 775443"/>
-              <a:gd name="connsiteX2" fmla="*/ 135270 w 551283"/>
-              <a:gd name="connsiteY2" fmla="*/ 90435 h 775443"/>
-              <a:gd name="connsiteX3" fmla="*/ 551283 w 551283"/>
-              <a:gd name="connsiteY3" fmla="*/ 775443 h 775443"/>
-              <a:gd name="connsiteX4" fmla="*/ 135270 w 551283"/>
-              <a:gd name="connsiteY4" fmla="*/ 394197 h 775443"/>
-              <a:gd name="connsiteX5" fmla="*/ 135270 w 551283"/>
-              <a:gd name="connsiteY5" fmla="*/ 484632 h 775443"/>
-              <a:gd name="connsiteX6" fmla="*/ 0 w 551283"/>
-              <a:gd name="connsiteY6" fmla="*/ 242316 h 775443"/>
-              <a:gd name="connsiteX0" fmla="*/ 0 w 551283"/>
-              <a:gd name="connsiteY0" fmla="*/ 242316 h 842544"/>
-              <a:gd name="connsiteX1" fmla="*/ 135270 w 551283"/>
-              <a:gd name="connsiteY1" fmla="*/ 0 h 842544"/>
-              <a:gd name="connsiteX2" fmla="*/ 135270 w 551283"/>
-              <a:gd name="connsiteY2" fmla="*/ 90435 h 842544"/>
-              <a:gd name="connsiteX3" fmla="*/ 551283 w 551283"/>
-              <a:gd name="connsiteY3" fmla="*/ 842544 h 842544"/>
-              <a:gd name="connsiteX4" fmla="*/ 135270 w 551283"/>
-              <a:gd name="connsiteY4" fmla="*/ 394197 h 842544"/>
-              <a:gd name="connsiteX5" fmla="*/ 135270 w 551283"/>
-              <a:gd name="connsiteY5" fmla="*/ 484632 h 842544"/>
-              <a:gd name="connsiteX6" fmla="*/ 0 w 551283"/>
-              <a:gd name="connsiteY6" fmla="*/ 242316 h 842544"/>
-            </a:gdLst>
-            <a:ahLst/>
-            <a:cxnLst>
-              <a:cxn ang="0">
-                <a:pos x="connsiteX0" y="connsiteY0"/>
-              </a:cxn>
-              <a:cxn ang="0">
-                <a:pos x="connsiteX1" y="connsiteY1"/>
-              </a:cxn>
-              <a:cxn ang="0">
-                <a:pos x="connsiteX2" y="connsiteY2"/>
-              </a:cxn>
-              <a:cxn ang="0">
-                <a:pos x="connsiteX3" y="connsiteY3"/>
-              </a:cxn>
-              <a:cxn ang="0">
-                <a:pos x="connsiteX4" y="connsiteY4"/>
-              </a:cxn>
-              <a:cxn ang="0">
-                <a:pos x="connsiteX5" y="connsiteY5"/>
-              </a:cxn>
-              <a:cxn ang="0">
-                <a:pos x="connsiteX6" y="connsiteY6"/>
-              </a:cxn>
-            </a:cxnLst>
-            <a:rect l="l" t="t" r="r" b="b"/>
-            <a:pathLst>
-              <a:path w="551283" h="842544">
-                <a:moveTo>
-                  <a:pt x="0" y="242316"/>
-                </a:moveTo>
-                <a:lnTo>
-                  <a:pt x="135270" y="0"/>
-                </a:lnTo>
-                <a:lnTo>
-                  <a:pt x="135270" y="90435"/>
-                </a:lnTo>
-                <a:lnTo>
-                  <a:pt x="551283" y="842544"/>
-                </a:lnTo>
-                <a:lnTo>
-                  <a:pt x="135270" y="394197"/>
-                </a:lnTo>
-                <a:lnTo>
-                  <a:pt x="135270" y="484632"/>
-                </a:lnTo>
-                <a:lnTo>
-                  <a:pt x="0" y="242316"/>
-                </a:lnTo>
-                <a:close/>
-              </a:path>
-            </a:pathLst>
-          </a:custGeom>
-        </p:spPr>
-        <p:style>
-          <a:lnRef idx="2">
-            <a:schemeClr val="accent2">
-              <a:shade val="50000"/>
-            </a:schemeClr>
-          </a:lnRef>
-          <a:fillRef idx="1">
-            <a:schemeClr val="accent2"/>
-          </a:fillRef>
-          <a:effectRef idx="0">
-            <a:schemeClr val="accent2"/>
-          </a:effectRef>
-          <a:fontRef idx="minor">
-            <a:schemeClr val="lt1"/>
-          </a:fontRef>
-        </p:style>
-        <p:txBody>
-          <a:bodyPr rtlCol="0" anchor="ctr"/>
-          <a:lstStyle/>
-          <a:p>
-            <a:pPr algn="ctr"/>
-            <a:endParaRPr lang="ru-RU"/>
-          </a:p>
-        </p:txBody>
-      </p:sp>
-      <p:sp>
-        <p:nvSpPr>
-          <p:cNvPr id="19" name="Прямоугольник 18"/>
-          <p:cNvSpPr/>
-          <p:nvPr/>
-        </p:nvSpPr>
-        <p:spPr>
-          <a:xfrm>
-            <a:off x="0" y="0"/>
-            <a:ext cx="914400" cy="914400"/>
-          </a:xfrm>
-          <a:prstGeom prst="rect">
-            <a:avLst/>
-          </a:prstGeom>
-        </p:spPr>
-        <p:style>
-          <a:lnRef idx="2">
-            <a:schemeClr val="accent1">
-              <a:shade val="50000"/>
-            </a:schemeClr>
-          </a:lnRef>
-          <a:fillRef idx="1">
-            <a:schemeClr val="accent1"/>
-          </a:fillRef>
-          <a:effectRef idx="0">
-            <a:schemeClr val="accent1"/>
-          </a:effectRef>
-          <a:fontRef idx="minor">
-            <a:schemeClr val="lt1"/>
-          </a:fontRef>
-        </p:style>
-        <p:txBody>
-          <a:bodyPr rtlCol="0" anchor="ctr"/>
-          <a:lstStyle/>
-          <a:p>
-            <a:pPr algn="ctr"/>
-            <a:r>
-              <a:rPr lang="en-US" dirty="0" smtClean="0"/>
-              <a:t>CREDIT</a:t>
-            </a:r>
-          </a:p>
-          <a:p>
-            <a:pPr algn="ctr"/>
-            <a:r>
-              <a:rPr lang="en-US" dirty="0" smtClean="0"/>
-              <a:t>service</a:t>
-            </a:r>
-            <a:endParaRPr lang="ru-RU" dirty="0"/>
-          </a:p>
-        </p:txBody>
-      </p:sp>
-      <p:sp>
-        <p:nvSpPr>
-          <p:cNvPr id="30" name="TextBox 29"/>
-          <p:cNvSpPr txBox="1"/>
-          <p:nvPr/>
-        </p:nvSpPr>
-        <p:spPr>
-          <a:xfrm>
-            <a:off x="5723722" y="2213635"/>
-            <a:ext cx="5164875" cy="923330"/>
-          </a:xfrm>
-          <a:prstGeom prst="rect">
-            <a:avLst/>
-          </a:prstGeom>
-          <a:noFill/>
-        </p:spPr>
-        <p:txBody>
-          <a:bodyPr wrap="none" rtlCol="0">
-            <a:spAutoFit/>
-          </a:bodyPr>
-          <a:lstStyle/>
-          <a:p>
-            <a:r>
-              <a:rPr lang="en-US" dirty="0" smtClean="0"/>
-              <a:t>?</a:t>
-            </a:r>
-            <a:r>
-              <a:rPr lang="en-US" i="1" dirty="0" smtClean="0"/>
-              <a:t>surname</a:t>
-            </a:r>
-            <a:r>
-              <a:rPr lang="en-US" dirty="0" smtClean="0"/>
-              <a:t>=&lt;</a:t>
-            </a:r>
-            <a:r>
-              <a:rPr lang="ru-RU" dirty="0" smtClean="0"/>
-              <a:t>Ф</a:t>
-            </a:r>
-            <a:r>
-              <a:rPr lang="en-US" dirty="0" smtClean="0"/>
-              <a:t>&gt;</a:t>
-            </a:r>
-            <a:r>
-              <a:rPr lang="en-US" dirty="0" smtClean="0"/>
-              <a:t>&amp;</a:t>
-            </a:r>
-            <a:r>
-              <a:rPr lang="en-US" i="1" dirty="0" err="1" smtClean="0"/>
-              <a:t>firstname</a:t>
-            </a:r>
-            <a:r>
-              <a:rPr lang="en-US" dirty="0"/>
-              <a:t>=&lt;</a:t>
-            </a:r>
-            <a:r>
-              <a:rPr lang="ru-RU" dirty="0"/>
-              <a:t>И</a:t>
-            </a:r>
-            <a:r>
-              <a:rPr lang="en-US" dirty="0" smtClean="0"/>
-              <a:t>&gt;&amp;</a:t>
-            </a:r>
-            <a:r>
-              <a:rPr lang="en-US" i="1" dirty="0" smtClean="0"/>
-              <a:t>patronymic</a:t>
-            </a:r>
-            <a:r>
-              <a:rPr lang="en-US" dirty="0" smtClean="0"/>
-              <a:t>=&lt;</a:t>
-            </a:r>
-            <a:r>
-              <a:rPr lang="ru-RU" dirty="0" smtClean="0"/>
-              <a:t>О</a:t>
-            </a:r>
-            <a:r>
-              <a:rPr lang="en-US" dirty="0" smtClean="0"/>
-              <a:t>&gt;&amp;</a:t>
-            </a:r>
-            <a:endParaRPr lang="en-US" dirty="0" smtClean="0"/>
-          </a:p>
-          <a:p>
-            <a:r>
-              <a:rPr lang="ru-RU" dirty="0"/>
-              <a:t> </a:t>
-            </a:r>
-            <a:r>
-              <a:rPr lang="ru-RU" dirty="0" smtClean="0"/>
-              <a:t> </a:t>
-            </a:r>
-            <a:r>
-              <a:rPr lang="en-US" dirty="0" smtClean="0"/>
-              <a:t>&lt;</a:t>
-            </a:r>
-            <a:r>
-              <a:rPr lang="ru-RU" dirty="0" smtClean="0"/>
-              <a:t>уточняющая инфо-</a:t>
-            </a:r>
-            <a:r>
-              <a:rPr lang="ru-RU" dirty="0" err="1" smtClean="0"/>
-              <a:t>ия</a:t>
-            </a:r>
-            <a:r>
-              <a:rPr lang="en-US" dirty="0" smtClean="0"/>
-              <a:t>&gt;</a:t>
-            </a:r>
-            <a:r>
-              <a:rPr lang="ru-RU" dirty="0" smtClean="0"/>
-              <a:t>=</a:t>
-            </a:r>
-            <a:r>
-              <a:rPr lang="en-US" dirty="0" smtClean="0"/>
-              <a:t>&lt;</a:t>
-            </a:r>
-            <a:r>
-              <a:rPr lang="ru-RU" dirty="0" smtClean="0"/>
-              <a:t>значение</a:t>
-            </a:r>
-            <a:r>
-              <a:rPr lang="en-US" dirty="0" smtClean="0"/>
-              <a:t>&gt;&amp;</a:t>
-            </a:r>
-            <a:endParaRPr lang="en-US" dirty="0" smtClean="0"/>
-          </a:p>
-          <a:p>
-            <a:r>
-              <a:rPr lang="en-US" dirty="0"/>
-              <a:t> </a:t>
-            </a:r>
-            <a:r>
-              <a:rPr lang="en-US" dirty="0" smtClean="0"/>
-              <a:t> </a:t>
-            </a:r>
-            <a:r>
-              <a:rPr lang="en-US" i="1" dirty="0" err="1" smtClean="0"/>
-              <a:t>controlValue</a:t>
-            </a:r>
-            <a:r>
-              <a:rPr lang="en-US" dirty="0" smtClean="0"/>
-              <a:t>=&lt;</a:t>
-            </a:r>
-            <a:r>
-              <a:rPr lang="ru-RU" dirty="0" err="1" smtClean="0"/>
-              <a:t>контрольное_значение</a:t>
-            </a:r>
-            <a:r>
-              <a:rPr lang="en-US" dirty="0" smtClean="0"/>
-              <a:t>&gt;</a:t>
-            </a:r>
-            <a:endParaRPr lang="ru-RU" dirty="0" smtClean="0"/>
-          </a:p>
-        </p:txBody>
-      </p:sp>
-      <p:sp>
-        <p:nvSpPr>
-          <p:cNvPr id="31" name="TextBox 30"/>
-          <p:cNvSpPr txBox="1"/>
-          <p:nvPr/>
-        </p:nvSpPr>
-        <p:spPr>
-          <a:xfrm>
-            <a:off x="5723722" y="3099447"/>
-            <a:ext cx="4212050" cy="923330"/>
-          </a:xfrm>
-          <a:prstGeom prst="rect">
-            <a:avLst/>
-          </a:prstGeom>
-          <a:noFill/>
-        </p:spPr>
-        <p:txBody>
-          <a:bodyPr wrap="square" rtlCol="0">
-            <a:spAutoFit/>
-          </a:bodyPr>
-          <a:lstStyle/>
-          <a:p>
-            <a:pPr algn="r"/>
-            <a:r>
-              <a:rPr lang="en-US" dirty="0" smtClean="0"/>
-              <a:t>JSON </a:t>
-            </a:r>
-            <a:r>
-              <a:rPr lang="ru-RU" dirty="0" smtClean="0"/>
-              <a:t>с данными о </a:t>
-            </a:r>
-            <a:r>
-              <a:rPr lang="ru-RU" dirty="0" smtClean="0"/>
-              <a:t>пользователе</a:t>
-            </a:r>
-            <a:br>
-              <a:rPr lang="ru-RU" dirty="0" smtClean="0"/>
-            </a:br>
-            <a:r>
-              <a:rPr lang="ru-RU" dirty="0" smtClean="0"/>
-              <a:t>(</a:t>
-            </a:r>
-            <a:r>
-              <a:rPr lang="ru-RU" dirty="0" smtClean="0"/>
-              <a:t>с указанием</a:t>
-            </a:r>
-            <a:r>
-              <a:rPr lang="ru-RU" dirty="0" smtClean="0"/>
-              <a:t> родственных связей) и всех кредитах пользователя (с платежами)</a:t>
-            </a:r>
-            <a:endParaRPr lang="ru-RU" dirty="0" smtClean="0"/>
-          </a:p>
-        </p:txBody>
-      </p:sp>
-      <p:sp>
-        <p:nvSpPr>
-          <p:cNvPr id="18" name="Прямоугольник 17"/>
-          <p:cNvSpPr/>
-          <p:nvPr/>
-        </p:nvSpPr>
-        <p:spPr>
-          <a:xfrm>
-            <a:off x="11277600" y="0"/>
-            <a:ext cx="914400" cy="914400"/>
-          </a:xfrm>
-          <a:prstGeom prst="rect">
-            <a:avLst/>
-          </a:prstGeom>
-        </p:spPr>
-        <p:style>
-          <a:lnRef idx="2">
-            <a:schemeClr val="accent1">
-              <a:shade val="50000"/>
-            </a:schemeClr>
-          </a:lnRef>
-          <a:fillRef idx="1">
-            <a:schemeClr val="accent1"/>
-          </a:fillRef>
-          <a:effectRef idx="0">
-            <a:schemeClr val="accent1"/>
-          </a:effectRef>
-          <a:fontRef idx="minor">
-            <a:schemeClr val="lt1"/>
-          </a:fontRef>
-        </p:style>
-        <p:txBody>
-          <a:bodyPr rtlCol="0" anchor="ctr"/>
-          <a:lstStyle/>
-          <a:p>
-            <a:pPr algn="ctr"/>
-            <a:r>
-              <a:rPr lang="en-US" dirty="0" smtClean="0"/>
-              <a:t>USER</a:t>
-            </a:r>
-          </a:p>
-          <a:p>
-            <a:pPr algn="ctr"/>
-            <a:r>
-              <a:rPr lang="en-US" dirty="0"/>
-              <a:t>s</a:t>
-            </a:r>
-            <a:r>
-              <a:rPr lang="en-US" dirty="0" smtClean="0"/>
-              <a:t>ervice</a:t>
-            </a:r>
-          </a:p>
-        </p:txBody>
-      </p:sp>
-      <p:grpSp>
-        <p:nvGrpSpPr>
-          <p:cNvPr id="4" name="Группа 3"/>
-          <p:cNvGrpSpPr/>
-          <p:nvPr/>
-        </p:nvGrpSpPr>
-        <p:grpSpPr>
-          <a:xfrm>
-            <a:off x="2972475" y="2127664"/>
-            <a:ext cx="638634" cy="638634"/>
-            <a:chOff x="2611225" y="1885433"/>
-            <a:chExt cx="775953" cy="775953"/>
-          </a:xfrm>
-        </p:grpSpPr>
-        <p:pic>
-          <p:nvPicPr>
-            <p:cNvPr id="2052" name="Picture 4" descr="Database Table Icons - Download Free Vector Icons | Noun Project"/>
-            <p:cNvPicPr>
-              <a:picLocks noChangeAspect="1" noChangeArrowheads="1"/>
-            </p:cNvPicPr>
-            <p:nvPr/>
-          </p:nvPicPr>
-          <p:blipFill>
-            <a:blip r:embed="rId2" cstate="print">
-              <a:extLst>
-                <a:ext uri="{28A0092B-C50C-407E-A947-70E740481C1C}">
-                  <a14:useLocalDpi xmlns:a14="http://schemas.microsoft.com/office/drawing/2010/main" val="0"/>
-                </a:ext>
-              </a:extLst>
-            </a:blip>
-            <a:srcRect/>
-            <a:stretch>
-              <a:fillRect/>
-            </a:stretch>
-          </p:blipFill>
-          <p:spPr bwMode="auto">
-            <a:xfrm>
-              <a:off x="2645211" y="1919252"/>
-              <a:ext cx="707979" cy="707979"/>
-            </a:xfrm>
-            <a:prstGeom prst="rect">
-              <a:avLst/>
-            </a:prstGeom>
-            <a:noFill/>
-            <a:extLst>
-              <a:ext uri="{909E8E84-426E-40DD-AFC4-6F175D3DCCD1}">
-                <a14:hiddenFill xmlns:a14="http://schemas.microsoft.com/office/drawing/2010/main">
-                  <a:solidFill>
-                    <a:srgbClr val="FFFFFF"/>
-                  </a:solidFill>
-                </a14:hiddenFill>
-              </a:ext>
-            </a:extLst>
-          </p:spPr>
-        </p:pic>
-        <p:sp>
-          <p:nvSpPr>
-            <p:cNvPr id="3" name="Знак запрета 2"/>
-            <p:cNvSpPr/>
-            <p:nvPr/>
-          </p:nvSpPr>
-          <p:spPr>
-            <a:xfrm>
-              <a:off x="2611225" y="1885433"/>
-              <a:ext cx="775953" cy="775953"/>
-            </a:xfrm>
-            <a:prstGeom prst="noSmoking">
-              <a:avLst>
-                <a:gd name="adj" fmla="val 8728"/>
-              </a:avLst>
-            </a:prstGeom>
-          </p:spPr>
-          <p:style>
-            <a:lnRef idx="2">
-              <a:schemeClr val="accent2">
-                <a:shade val="50000"/>
-              </a:schemeClr>
-            </a:lnRef>
-            <a:fillRef idx="1">
-              <a:schemeClr val="accent2"/>
-            </a:fillRef>
-            <a:effectRef idx="0">
-              <a:schemeClr val="accent2"/>
-            </a:effectRef>
-            <a:fontRef idx="minor">
-              <a:schemeClr val="lt1"/>
-            </a:fontRef>
-          </p:style>
-          <p:txBody>
-            <a:bodyPr rtlCol="0" anchor="ctr"/>
-            <a:lstStyle/>
-            <a:p>
-              <a:pPr algn="ctr"/>
-              <a:endParaRPr lang="ru-RU" b="1">
-                <a:ln w="22225">
-                  <a:solidFill>
-                    <a:schemeClr val="accent2"/>
-                  </a:solidFill>
-                  <a:prstDash val="solid"/>
-                </a:ln>
-                <a:solidFill>
-                  <a:schemeClr val="accent2">
-                    <a:lumMod val="40000"/>
-                    <a:lumOff val="60000"/>
-                  </a:schemeClr>
-                </a:solidFill>
-              </a:endParaRPr>
-            </a:p>
-          </p:txBody>
-        </p:sp>
-      </p:grpSp>
-      <p:sp>
-        <p:nvSpPr>
-          <p:cNvPr id="21" name="TextBox 20"/>
-          <p:cNvSpPr txBox="1"/>
-          <p:nvPr/>
-        </p:nvSpPr>
-        <p:spPr>
-          <a:xfrm>
-            <a:off x="1558413" y="2766298"/>
-            <a:ext cx="3482055" cy="2585323"/>
-          </a:xfrm>
-          <a:prstGeom prst="rect">
-            <a:avLst/>
-          </a:prstGeom>
-          <a:noFill/>
-        </p:spPr>
-        <p:txBody>
-          <a:bodyPr wrap="square" rtlCol="0">
-            <a:spAutoFit/>
-          </a:bodyPr>
-          <a:lstStyle/>
-          <a:p>
-            <a:pPr algn="ctr"/>
-            <a:r>
-              <a:rPr lang="ru-RU" dirty="0" smtClean="0"/>
-              <a:t>Известная информация:</a:t>
-            </a:r>
-          </a:p>
-          <a:p>
-            <a:pPr marL="285750" indent="-285750">
-              <a:buFont typeface="Arial" panose="020B0604020202020204" pitchFamily="34" charset="0"/>
-              <a:buChar char="•"/>
-            </a:pPr>
-            <a:r>
-              <a:rPr lang="en-US" dirty="0" smtClean="0"/>
-              <a:t>IP</a:t>
-            </a:r>
-            <a:r>
-              <a:rPr lang="ru-RU" dirty="0" smtClean="0"/>
-              <a:t>-адреса сервисов кредитной истории и данных о польз-</a:t>
-            </a:r>
-            <a:r>
-              <a:rPr lang="ru-RU" dirty="0" err="1" smtClean="0"/>
-              <a:t>ях</a:t>
-            </a:r>
-            <a:endParaRPr lang="ru-RU" dirty="0" smtClean="0"/>
-          </a:p>
-          <a:p>
-            <a:pPr marL="285750" indent="-285750">
-              <a:buFont typeface="Arial" panose="020B0604020202020204" pitchFamily="34" charset="0"/>
-              <a:buChar char="•"/>
-            </a:pPr>
-            <a:r>
-              <a:rPr lang="ru-RU" dirty="0" smtClean="0"/>
-              <a:t>Секретные фразы для вычисления контрольных значений</a:t>
-            </a:r>
-          </a:p>
-          <a:p>
-            <a:pPr marL="285750" indent="-285750">
-              <a:buFont typeface="Arial" panose="020B0604020202020204" pitchFamily="34" charset="0"/>
-              <a:buChar char="•"/>
-            </a:pPr>
-            <a:r>
-              <a:rPr lang="ru-RU" dirty="0" smtClean="0"/>
-              <a:t>Модели данных, совпадающие с таковыми у других сервисов</a:t>
-            </a:r>
-            <a:endParaRPr lang="ru-RU" dirty="0" smtClean="0"/>
-          </a:p>
-        </p:txBody>
-      </p:sp>
-      <p:sp>
-        <p:nvSpPr>
-          <p:cNvPr id="22" name="Двойная стрелка влево/вправо 5"/>
-          <p:cNvSpPr/>
-          <p:nvPr/>
-        </p:nvSpPr>
-        <p:spPr>
-          <a:xfrm rot="5400000">
-            <a:off x="10838935" y="815909"/>
-            <a:ext cx="1059550" cy="1291490"/>
-          </a:xfrm>
-          <a:custGeom>
-            <a:avLst/>
-            <a:gdLst>
-              <a:gd name="connsiteX0" fmla="*/ 0 w 451412"/>
-              <a:gd name="connsiteY0" fmla="*/ 242316 h 484632"/>
-              <a:gd name="connsiteX1" fmla="*/ 135270 w 451412"/>
-              <a:gd name="connsiteY1" fmla="*/ 0 h 484632"/>
-              <a:gd name="connsiteX2" fmla="*/ 135270 w 451412"/>
-              <a:gd name="connsiteY2" fmla="*/ 90435 h 484632"/>
-              <a:gd name="connsiteX3" fmla="*/ 316142 w 451412"/>
-              <a:gd name="connsiteY3" fmla="*/ 90435 h 484632"/>
-              <a:gd name="connsiteX4" fmla="*/ 316142 w 451412"/>
-              <a:gd name="connsiteY4" fmla="*/ 0 h 484632"/>
-              <a:gd name="connsiteX5" fmla="*/ 451412 w 451412"/>
-              <a:gd name="connsiteY5" fmla="*/ 242316 h 484632"/>
-              <a:gd name="connsiteX6" fmla="*/ 316142 w 451412"/>
-              <a:gd name="connsiteY6" fmla="*/ 484632 h 484632"/>
-              <a:gd name="connsiteX7" fmla="*/ 316142 w 451412"/>
-              <a:gd name="connsiteY7" fmla="*/ 394197 h 484632"/>
-              <a:gd name="connsiteX8" fmla="*/ 135270 w 451412"/>
-              <a:gd name="connsiteY8" fmla="*/ 394197 h 484632"/>
-              <a:gd name="connsiteX9" fmla="*/ 135270 w 451412"/>
-              <a:gd name="connsiteY9" fmla="*/ 484632 h 484632"/>
-              <a:gd name="connsiteX10" fmla="*/ 0 w 451412"/>
-              <a:gd name="connsiteY10" fmla="*/ 242316 h 484632"/>
-              <a:gd name="connsiteX0" fmla="*/ 0 w 451412"/>
-              <a:gd name="connsiteY0" fmla="*/ 242316 h 484632"/>
-              <a:gd name="connsiteX1" fmla="*/ 135270 w 451412"/>
-              <a:gd name="connsiteY1" fmla="*/ 0 h 484632"/>
-              <a:gd name="connsiteX2" fmla="*/ 135270 w 451412"/>
-              <a:gd name="connsiteY2" fmla="*/ 90435 h 484632"/>
-              <a:gd name="connsiteX3" fmla="*/ 316142 w 451412"/>
-              <a:gd name="connsiteY3" fmla="*/ 90435 h 484632"/>
-              <a:gd name="connsiteX4" fmla="*/ 451412 w 451412"/>
-              <a:gd name="connsiteY4" fmla="*/ 242316 h 484632"/>
-              <a:gd name="connsiteX5" fmla="*/ 316142 w 451412"/>
-              <a:gd name="connsiteY5" fmla="*/ 484632 h 484632"/>
-              <a:gd name="connsiteX6" fmla="*/ 316142 w 451412"/>
-              <a:gd name="connsiteY6" fmla="*/ 394197 h 484632"/>
-              <a:gd name="connsiteX7" fmla="*/ 135270 w 451412"/>
-              <a:gd name="connsiteY7" fmla="*/ 394197 h 484632"/>
-              <a:gd name="connsiteX8" fmla="*/ 135270 w 451412"/>
-              <a:gd name="connsiteY8" fmla="*/ 484632 h 484632"/>
-              <a:gd name="connsiteX9" fmla="*/ 0 w 451412"/>
-              <a:gd name="connsiteY9" fmla="*/ 242316 h 484632"/>
-              <a:gd name="connsiteX0" fmla="*/ 0 w 316142"/>
-              <a:gd name="connsiteY0" fmla="*/ 242316 h 484632"/>
-              <a:gd name="connsiteX1" fmla="*/ 135270 w 316142"/>
-              <a:gd name="connsiteY1" fmla="*/ 0 h 484632"/>
-              <a:gd name="connsiteX2" fmla="*/ 135270 w 316142"/>
-              <a:gd name="connsiteY2" fmla="*/ 90435 h 484632"/>
-              <a:gd name="connsiteX3" fmla="*/ 316142 w 316142"/>
-              <a:gd name="connsiteY3" fmla="*/ 90435 h 484632"/>
-              <a:gd name="connsiteX4" fmla="*/ 316142 w 316142"/>
-              <a:gd name="connsiteY4" fmla="*/ 484632 h 484632"/>
-              <a:gd name="connsiteX5" fmla="*/ 316142 w 316142"/>
-              <a:gd name="connsiteY5" fmla="*/ 394197 h 484632"/>
-              <a:gd name="connsiteX6" fmla="*/ 135270 w 316142"/>
-              <a:gd name="connsiteY6" fmla="*/ 394197 h 484632"/>
-              <a:gd name="connsiteX7" fmla="*/ 135270 w 316142"/>
-              <a:gd name="connsiteY7" fmla="*/ 484632 h 484632"/>
-              <a:gd name="connsiteX8" fmla="*/ 0 w 316142"/>
-              <a:gd name="connsiteY8" fmla="*/ 242316 h 484632"/>
-              <a:gd name="connsiteX0" fmla="*/ 0 w 316142"/>
-              <a:gd name="connsiteY0" fmla="*/ 242316 h 484632"/>
-              <a:gd name="connsiteX1" fmla="*/ 135270 w 316142"/>
-              <a:gd name="connsiteY1" fmla="*/ 0 h 484632"/>
-              <a:gd name="connsiteX2" fmla="*/ 135270 w 316142"/>
-              <a:gd name="connsiteY2" fmla="*/ 90435 h 484632"/>
-              <a:gd name="connsiteX3" fmla="*/ 316142 w 316142"/>
-              <a:gd name="connsiteY3" fmla="*/ 90435 h 484632"/>
-              <a:gd name="connsiteX4" fmla="*/ 316142 w 316142"/>
-              <a:gd name="connsiteY4" fmla="*/ 394197 h 484632"/>
-              <a:gd name="connsiteX5" fmla="*/ 135270 w 316142"/>
-              <a:gd name="connsiteY5" fmla="*/ 394197 h 484632"/>
-              <a:gd name="connsiteX6" fmla="*/ 135270 w 316142"/>
-              <a:gd name="connsiteY6" fmla="*/ 484632 h 484632"/>
-              <a:gd name="connsiteX7" fmla="*/ 0 w 316142"/>
-              <a:gd name="connsiteY7" fmla="*/ 242316 h 484632"/>
-              <a:gd name="connsiteX0" fmla="*/ 0 w 316142"/>
-              <a:gd name="connsiteY0" fmla="*/ 242316 h 484632"/>
-              <a:gd name="connsiteX1" fmla="*/ 135270 w 316142"/>
-              <a:gd name="connsiteY1" fmla="*/ 0 h 484632"/>
-              <a:gd name="connsiteX2" fmla="*/ 135270 w 316142"/>
-              <a:gd name="connsiteY2" fmla="*/ 90435 h 484632"/>
-              <a:gd name="connsiteX3" fmla="*/ 316142 w 316142"/>
-              <a:gd name="connsiteY3" fmla="*/ 394197 h 484632"/>
-              <a:gd name="connsiteX4" fmla="*/ 135270 w 316142"/>
-              <a:gd name="connsiteY4" fmla="*/ 394197 h 484632"/>
-              <a:gd name="connsiteX5" fmla="*/ 135270 w 316142"/>
-              <a:gd name="connsiteY5" fmla="*/ 484632 h 484632"/>
-              <a:gd name="connsiteX6" fmla="*/ 0 w 316142"/>
-              <a:gd name="connsiteY6" fmla="*/ 242316 h 484632"/>
-              <a:gd name="connsiteX0" fmla="*/ 0 w 316142"/>
-              <a:gd name="connsiteY0" fmla="*/ 242316 h 484632"/>
-              <a:gd name="connsiteX1" fmla="*/ 135270 w 316142"/>
-              <a:gd name="connsiteY1" fmla="*/ 0 h 484632"/>
-              <a:gd name="connsiteX2" fmla="*/ 135270 w 316142"/>
-              <a:gd name="connsiteY2" fmla="*/ 90435 h 484632"/>
-              <a:gd name="connsiteX3" fmla="*/ 316142 w 316142"/>
-              <a:gd name="connsiteY3" fmla="*/ 394197 h 484632"/>
-              <a:gd name="connsiteX4" fmla="*/ 251236 w 316142"/>
-              <a:gd name="connsiteY4" fmla="*/ 392379 h 484632"/>
-              <a:gd name="connsiteX5" fmla="*/ 135270 w 316142"/>
-              <a:gd name="connsiteY5" fmla="*/ 394197 h 484632"/>
-              <a:gd name="connsiteX6" fmla="*/ 135270 w 316142"/>
-              <a:gd name="connsiteY6" fmla="*/ 484632 h 484632"/>
-              <a:gd name="connsiteX7" fmla="*/ 0 w 316142"/>
-              <a:gd name="connsiteY7" fmla="*/ 242316 h 484632"/>
-              <a:gd name="connsiteX0" fmla="*/ 0 w 543456"/>
-              <a:gd name="connsiteY0" fmla="*/ 242316 h 795783"/>
-              <a:gd name="connsiteX1" fmla="*/ 135270 w 543456"/>
-              <a:gd name="connsiteY1" fmla="*/ 0 h 795783"/>
-              <a:gd name="connsiteX2" fmla="*/ 135270 w 543456"/>
-              <a:gd name="connsiteY2" fmla="*/ 90435 h 795783"/>
-              <a:gd name="connsiteX3" fmla="*/ 316142 w 543456"/>
-              <a:gd name="connsiteY3" fmla="*/ 394197 h 795783"/>
-              <a:gd name="connsiteX4" fmla="*/ 543456 w 543456"/>
-              <a:gd name="connsiteY4" fmla="*/ 795783 h 795783"/>
-              <a:gd name="connsiteX5" fmla="*/ 135270 w 543456"/>
-              <a:gd name="connsiteY5" fmla="*/ 394197 h 795783"/>
-              <a:gd name="connsiteX6" fmla="*/ 135270 w 543456"/>
-              <a:gd name="connsiteY6" fmla="*/ 484632 h 795783"/>
-              <a:gd name="connsiteX7" fmla="*/ 0 w 543456"/>
-              <a:gd name="connsiteY7" fmla="*/ 242316 h 795783"/>
-              <a:gd name="connsiteX0" fmla="*/ 0 w 543456"/>
-              <a:gd name="connsiteY0" fmla="*/ 242316 h 795783"/>
-              <a:gd name="connsiteX1" fmla="*/ 135270 w 543456"/>
-              <a:gd name="connsiteY1" fmla="*/ 0 h 795783"/>
-              <a:gd name="connsiteX2" fmla="*/ 135270 w 543456"/>
-              <a:gd name="connsiteY2" fmla="*/ 90435 h 795783"/>
-              <a:gd name="connsiteX3" fmla="*/ 543456 w 543456"/>
-              <a:gd name="connsiteY3" fmla="*/ 795783 h 795783"/>
-              <a:gd name="connsiteX4" fmla="*/ 135270 w 543456"/>
-              <a:gd name="connsiteY4" fmla="*/ 394197 h 795783"/>
-              <a:gd name="connsiteX5" fmla="*/ 135270 w 543456"/>
-              <a:gd name="connsiteY5" fmla="*/ 484632 h 795783"/>
-              <a:gd name="connsiteX6" fmla="*/ 0 w 543456"/>
-              <a:gd name="connsiteY6" fmla="*/ 242316 h 795783"/>
-              <a:gd name="connsiteX0" fmla="*/ 0 w 551283"/>
-              <a:gd name="connsiteY0" fmla="*/ 242316 h 789003"/>
-              <a:gd name="connsiteX1" fmla="*/ 135270 w 551283"/>
-              <a:gd name="connsiteY1" fmla="*/ 0 h 789003"/>
-              <a:gd name="connsiteX2" fmla="*/ 135270 w 551283"/>
-              <a:gd name="connsiteY2" fmla="*/ 90435 h 789003"/>
-              <a:gd name="connsiteX3" fmla="*/ 551283 w 551283"/>
-              <a:gd name="connsiteY3" fmla="*/ 789003 h 789003"/>
-              <a:gd name="connsiteX4" fmla="*/ 135270 w 551283"/>
-              <a:gd name="connsiteY4" fmla="*/ 394197 h 789003"/>
-              <a:gd name="connsiteX5" fmla="*/ 135270 w 551283"/>
-              <a:gd name="connsiteY5" fmla="*/ 484632 h 789003"/>
-              <a:gd name="connsiteX6" fmla="*/ 0 w 551283"/>
-              <a:gd name="connsiteY6" fmla="*/ 242316 h 789003"/>
-              <a:gd name="connsiteX0" fmla="*/ 0 w 551283"/>
-              <a:gd name="connsiteY0" fmla="*/ 242316 h 775443"/>
-              <a:gd name="connsiteX1" fmla="*/ 135270 w 551283"/>
-              <a:gd name="connsiteY1" fmla="*/ 0 h 775443"/>
-              <a:gd name="connsiteX2" fmla="*/ 135270 w 551283"/>
-              <a:gd name="connsiteY2" fmla="*/ 90435 h 775443"/>
-              <a:gd name="connsiteX3" fmla="*/ 551283 w 551283"/>
-              <a:gd name="connsiteY3" fmla="*/ 775443 h 775443"/>
-              <a:gd name="connsiteX4" fmla="*/ 135270 w 551283"/>
-              <a:gd name="connsiteY4" fmla="*/ 394197 h 775443"/>
-              <a:gd name="connsiteX5" fmla="*/ 135270 w 551283"/>
-              <a:gd name="connsiteY5" fmla="*/ 484632 h 775443"/>
-              <a:gd name="connsiteX6" fmla="*/ 0 w 551283"/>
-              <a:gd name="connsiteY6" fmla="*/ 242316 h 775443"/>
-              <a:gd name="connsiteX0" fmla="*/ 0 w 725582"/>
-              <a:gd name="connsiteY0" fmla="*/ 242316 h 1178043"/>
-              <a:gd name="connsiteX1" fmla="*/ 135270 w 725582"/>
-              <a:gd name="connsiteY1" fmla="*/ 0 h 1178043"/>
-              <a:gd name="connsiteX2" fmla="*/ 135270 w 725582"/>
-              <a:gd name="connsiteY2" fmla="*/ 90435 h 1178043"/>
-              <a:gd name="connsiteX3" fmla="*/ 725582 w 725582"/>
-              <a:gd name="connsiteY3" fmla="*/ 1178043 h 1178043"/>
-              <a:gd name="connsiteX4" fmla="*/ 135270 w 725582"/>
-              <a:gd name="connsiteY4" fmla="*/ 394197 h 1178043"/>
-              <a:gd name="connsiteX5" fmla="*/ 135270 w 725582"/>
-              <a:gd name="connsiteY5" fmla="*/ 484632 h 1178043"/>
-              <a:gd name="connsiteX6" fmla="*/ 0 w 725582"/>
-              <a:gd name="connsiteY6" fmla="*/ 242316 h 1178043"/>
-              <a:gd name="connsiteX0" fmla="*/ 0 w 725584"/>
-              <a:gd name="connsiteY0" fmla="*/ 242316 h 1158750"/>
-              <a:gd name="connsiteX1" fmla="*/ 135270 w 725584"/>
-              <a:gd name="connsiteY1" fmla="*/ 0 h 1158750"/>
-              <a:gd name="connsiteX2" fmla="*/ 135270 w 725584"/>
-              <a:gd name="connsiteY2" fmla="*/ 90435 h 1158750"/>
-              <a:gd name="connsiteX3" fmla="*/ 725584 w 725584"/>
-              <a:gd name="connsiteY3" fmla="*/ 1158750 h 1158750"/>
-              <a:gd name="connsiteX4" fmla="*/ 135270 w 725584"/>
-              <a:gd name="connsiteY4" fmla="*/ 394197 h 1158750"/>
-              <a:gd name="connsiteX5" fmla="*/ 135270 w 725584"/>
-              <a:gd name="connsiteY5" fmla="*/ 484632 h 1158750"/>
-              <a:gd name="connsiteX6" fmla="*/ 0 w 725584"/>
-              <a:gd name="connsiteY6" fmla="*/ 242316 h 1158750"/>
-              <a:gd name="connsiteX0" fmla="*/ 0 w 725584"/>
-              <a:gd name="connsiteY0" fmla="*/ 242316 h 1149103"/>
-              <a:gd name="connsiteX1" fmla="*/ 135270 w 725584"/>
-              <a:gd name="connsiteY1" fmla="*/ 0 h 1149103"/>
-              <a:gd name="connsiteX2" fmla="*/ 135270 w 725584"/>
-              <a:gd name="connsiteY2" fmla="*/ 90435 h 1149103"/>
-              <a:gd name="connsiteX3" fmla="*/ 725584 w 725584"/>
-              <a:gd name="connsiteY3" fmla="*/ 1149103 h 1149103"/>
-              <a:gd name="connsiteX4" fmla="*/ 135270 w 725584"/>
-              <a:gd name="connsiteY4" fmla="*/ 394197 h 1149103"/>
-              <a:gd name="connsiteX5" fmla="*/ 135270 w 725584"/>
-              <a:gd name="connsiteY5" fmla="*/ 484632 h 1149103"/>
-              <a:gd name="connsiteX6" fmla="*/ 0 w 725584"/>
-              <a:gd name="connsiteY6" fmla="*/ 242316 h 1149103"/>
-            </a:gdLst>
-            <a:ahLst/>
-            <a:cxnLst>
-              <a:cxn ang="0">
-                <a:pos x="connsiteX0" y="connsiteY0"/>
-              </a:cxn>
-              <a:cxn ang="0">
-                <a:pos x="connsiteX1" y="connsiteY1"/>
-              </a:cxn>
-              <a:cxn ang="0">
-                <a:pos x="connsiteX2" y="connsiteY2"/>
-              </a:cxn>
-              <a:cxn ang="0">
-                <a:pos x="connsiteX3" y="connsiteY3"/>
-              </a:cxn>
-              <a:cxn ang="0">
-                <a:pos x="connsiteX4" y="connsiteY4"/>
-              </a:cxn>
-              <a:cxn ang="0">
-                <a:pos x="connsiteX5" y="connsiteY5"/>
-              </a:cxn>
-              <a:cxn ang="0">
-                <a:pos x="connsiteX6" y="connsiteY6"/>
-              </a:cxn>
-            </a:cxnLst>
-            <a:rect l="l" t="t" r="r" b="b"/>
-            <a:pathLst>
-              <a:path w="725584" h="1149103">
-                <a:moveTo>
-                  <a:pt x="0" y="242316"/>
-                </a:moveTo>
-                <a:lnTo>
-                  <a:pt x="135270" y="0"/>
-                </a:lnTo>
-                <a:lnTo>
-                  <a:pt x="135270" y="90435"/>
-                </a:lnTo>
-                <a:lnTo>
-                  <a:pt x="725584" y="1149103"/>
-                </a:lnTo>
-                <a:lnTo>
-                  <a:pt x="135270" y="394197"/>
-                </a:lnTo>
-                <a:lnTo>
-                  <a:pt x="135270" y="484632"/>
-                </a:lnTo>
-                <a:lnTo>
-                  <a:pt x="0" y="242316"/>
-                </a:lnTo>
-                <a:close/>
-              </a:path>
-            </a:pathLst>
-          </a:custGeom>
-        </p:spPr>
-        <p:style>
-          <a:lnRef idx="2">
-            <a:schemeClr val="accent1">
-              <a:shade val="50000"/>
-            </a:schemeClr>
-          </a:lnRef>
-          <a:fillRef idx="1">
-            <a:schemeClr val="accent1"/>
-          </a:fillRef>
-          <a:effectRef idx="0">
-            <a:schemeClr val="accent1"/>
-          </a:effectRef>
-          <a:fontRef idx="minor">
-            <a:schemeClr val="lt1"/>
-          </a:fontRef>
-        </p:style>
-        <p:txBody>
-          <a:bodyPr rtlCol="0" anchor="ctr"/>
-          <a:lstStyle/>
-          <a:p>
-            <a:pPr algn="ctr"/>
-            <a:endParaRPr lang="ru-RU"/>
-          </a:p>
-        </p:txBody>
-      </p:sp>
-      <p:sp>
-        <p:nvSpPr>
-          <p:cNvPr id="28" name="Двойная стрелка влево/вправо 5"/>
-          <p:cNvSpPr/>
-          <p:nvPr/>
-        </p:nvSpPr>
-        <p:spPr>
-          <a:xfrm rot="16200000" flipH="1">
-            <a:off x="4777664" y="5631104"/>
-            <a:ext cx="805023" cy="871529"/>
-          </a:xfrm>
-          <a:custGeom>
-            <a:avLst/>
-            <a:gdLst>
-              <a:gd name="connsiteX0" fmla="*/ 0 w 451412"/>
-              <a:gd name="connsiteY0" fmla="*/ 242316 h 484632"/>
-              <a:gd name="connsiteX1" fmla="*/ 135270 w 451412"/>
-              <a:gd name="connsiteY1" fmla="*/ 0 h 484632"/>
-              <a:gd name="connsiteX2" fmla="*/ 135270 w 451412"/>
-              <a:gd name="connsiteY2" fmla="*/ 90435 h 484632"/>
-              <a:gd name="connsiteX3" fmla="*/ 316142 w 451412"/>
-              <a:gd name="connsiteY3" fmla="*/ 90435 h 484632"/>
-              <a:gd name="connsiteX4" fmla="*/ 316142 w 451412"/>
-              <a:gd name="connsiteY4" fmla="*/ 0 h 484632"/>
-              <a:gd name="connsiteX5" fmla="*/ 451412 w 451412"/>
-              <a:gd name="connsiteY5" fmla="*/ 242316 h 484632"/>
-              <a:gd name="connsiteX6" fmla="*/ 316142 w 451412"/>
-              <a:gd name="connsiteY6" fmla="*/ 484632 h 484632"/>
-              <a:gd name="connsiteX7" fmla="*/ 316142 w 451412"/>
-              <a:gd name="connsiteY7" fmla="*/ 394197 h 484632"/>
-              <a:gd name="connsiteX8" fmla="*/ 135270 w 451412"/>
-              <a:gd name="connsiteY8" fmla="*/ 394197 h 484632"/>
-              <a:gd name="connsiteX9" fmla="*/ 135270 w 451412"/>
-              <a:gd name="connsiteY9" fmla="*/ 484632 h 484632"/>
-              <a:gd name="connsiteX10" fmla="*/ 0 w 451412"/>
-              <a:gd name="connsiteY10" fmla="*/ 242316 h 484632"/>
-              <a:gd name="connsiteX0" fmla="*/ 0 w 451412"/>
-              <a:gd name="connsiteY0" fmla="*/ 242316 h 484632"/>
-              <a:gd name="connsiteX1" fmla="*/ 135270 w 451412"/>
-              <a:gd name="connsiteY1" fmla="*/ 0 h 484632"/>
-              <a:gd name="connsiteX2" fmla="*/ 135270 w 451412"/>
-              <a:gd name="connsiteY2" fmla="*/ 90435 h 484632"/>
-              <a:gd name="connsiteX3" fmla="*/ 316142 w 451412"/>
-              <a:gd name="connsiteY3" fmla="*/ 90435 h 484632"/>
-              <a:gd name="connsiteX4" fmla="*/ 451412 w 451412"/>
-              <a:gd name="connsiteY4" fmla="*/ 242316 h 484632"/>
-              <a:gd name="connsiteX5" fmla="*/ 316142 w 451412"/>
-              <a:gd name="connsiteY5" fmla="*/ 484632 h 484632"/>
-              <a:gd name="connsiteX6" fmla="*/ 316142 w 451412"/>
-              <a:gd name="connsiteY6" fmla="*/ 394197 h 484632"/>
-              <a:gd name="connsiteX7" fmla="*/ 135270 w 451412"/>
-              <a:gd name="connsiteY7" fmla="*/ 394197 h 484632"/>
-              <a:gd name="connsiteX8" fmla="*/ 135270 w 451412"/>
-              <a:gd name="connsiteY8" fmla="*/ 484632 h 484632"/>
-              <a:gd name="connsiteX9" fmla="*/ 0 w 451412"/>
-              <a:gd name="connsiteY9" fmla="*/ 242316 h 484632"/>
-              <a:gd name="connsiteX0" fmla="*/ 0 w 316142"/>
-              <a:gd name="connsiteY0" fmla="*/ 242316 h 484632"/>
-              <a:gd name="connsiteX1" fmla="*/ 135270 w 316142"/>
-              <a:gd name="connsiteY1" fmla="*/ 0 h 484632"/>
-              <a:gd name="connsiteX2" fmla="*/ 135270 w 316142"/>
-              <a:gd name="connsiteY2" fmla="*/ 90435 h 484632"/>
-              <a:gd name="connsiteX3" fmla="*/ 316142 w 316142"/>
-              <a:gd name="connsiteY3" fmla="*/ 90435 h 484632"/>
-              <a:gd name="connsiteX4" fmla="*/ 316142 w 316142"/>
-              <a:gd name="connsiteY4" fmla="*/ 484632 h 484632"/>
-              <a:gd name="connsiteX5" fmla="*/ 316142 w 316142"/>
-              <a:gd name="connsiteY5" fmla="*/ 394197 h 484632"/>
-              <a:gd name="connsiteX6" fmla="*/ 135270 w 316142"/>
-              <a:gd name="connsiteY6" fmla="*/ 394197 h 484632"/>
-              <a:gd name="connsiteX7" fmla="*/ 135270 w 316142"/>
-              <a:gd name="connsiteY7" fmla="*/ 484632 h 484632"/>
-              <a:gd name="connsiteX8" fmla="*/ 0 w 316142"/>
-              <a:gd name="connsiteY8" fmla="*/ 242316 h 484632"/>
-              <a:gd name="connsiteX0" fmla="*/ 0 w 316142"/>
-              <a:gd name="connsiteY0" fmla="*/ 242316 h 484632"/>
-              <a:gd name="connsiteX1" fmla="*/ 135270 w 316142"/>
-              <a:gd name="connsiteY1" fmla="*/ 0 h 484632"/>
-              <a:gd name="connsiteX2" fmla="*/ 135270 w 316142"/>
-              <a:gd name="connsiteY2" fmla="*/ 90435 h 484632"/>
-              <a:gd name="connsiteX3" fmla="*/ 316142 w 316142"/>
-              <a:gd name="connsiteY3" fmla="*/ 90435 h 484632"/>
-              <a:gd name="connsiteX4" fmla="*/ 316142 w 316142"/>
-              <a:gd name="connsiteY4" fmla="*/ 394197 h 484632"/>
-              <a:gd name="connsiteX5" fmla="*/ 135270 w 316142"/>
-              <a:gd name="connsiteY5" fmla="*/ 394197 h 484632"/>
-              <a:gd name="connsiteX6" fmla="*/ 135270 w 316142"/>
-              <a:gd name="connsiteY6" fmla="*/ 484632 h 484632"/>
-              <a:gd name="connsiteX7" fmla="*/ 0 w 316142"/>
-              <a:gd name="connsiteY7" fmla="*/ 242316 h 484632"/>
-              <a:gd name="connsiteX0" fmla="*/ 0 w 316142"/>
-              <a:gd name="connsiteY0" fmla="*/ 242316 h 484632"/>
-              <a:gd name="connsiteX1" fmla="*/ 135270 w 316142"/>
-              <a:gd name="connsiteY1" fmla="*/ 0 h 484632"/>
-              <a:gd name="connsiteX2" fmla="*/ 135270 w 316142"/>
-              <a:gd name="connsiteY2" fmla="*/ 90435 h 484632"/>
-              <a:gd name="connsiteX3" fmla="*/ 316142 w 316142"/>
-              <a:gd name="connsiteY3" fmla="*/ 394197 h 484632"/>
-              <a:gd name="connsiteX4" fmla="*/ 135270 w 316142"/>
-              <a:gd name="connsiteY4" fmla="*/ 394197 h 484632"/>
-              <a:gd name="connsiteX5" fmla="*/ 135270 w 316142"/>
-              <a:gd name="connsiteY5" fmla="*/ 484632 h 484632"/>
-              <a:gd name="connsiteX6" fmla="*/ 0 w 316142"/>
-              <a:gd name="connsiteY6" fmla="*/ 242316 h 484632"/>
-              <a:gd name="connsiteX0" fmla="*/ 0 w 316142"/>
-              <a:gd name="connsiteY0" fmla="*/ 242316 h 484632"/>
-              <a:gd name="connsiteX1" fmla="*/ 135270 w 316142"/>
-              <a:gd name="connsiteY1" fmla="*/ 0 h 484632"/>
-              <a:gd name="connsiteX2" fmla="*/ 135270 w 316142"/>
-              <a:gd name="connsiteY2" fmla="*/ 90435 h 484632"/>
-              <a:gd name="connsiteX3" fmla="*/ 316142 w 316142"/>
-              <a:gd name="connsiteY3" fmla="*/ 394197 h 484632"/>
-              <a:gd name="connsiteX4" fmla="*/ 251236 w 316142"/>
-              <a:gd name="connsiteY4" fmla="*/ 392379 h 484632"/>
-              <a:gd name="connsiteX5" fmla="*/ 135270 w 316142"/>
-              <a:gd name="connsiteY5" fmla="*/ 394197 h 484632"/>
-              <a:gd name="connsiteX6" fmla="*/ 135270 w 316142"/>
-              <a:gd name="connsiteY6" fmla="*/ 484632 h 484632"/>
-              <a:gd name="connsiteX7" fmla="*/ 0 w 316142"/>
-              <a:gd name="connsiteY7" fmla="*/ 242316 h 484632"/>
-              <a:gd name="connsiteX0" fmla="*/ 0 w 543456"/>
-              <a:gd name="connsiteY0" fmla="*/ 242316 h 795783"/>
-              <a:gd name="connsiteX1" fmla="*/ 135270 w 543456"/>
-              <a:gd name="connsiteY1" fmla="*/ 0 h 795783"/>
-              <a:gd name="connsiteX2" fmla="*/ 135270 w 543456"/>
-              <a:gd name="connsiteY2" fmla="*/ 90435 h 795783"/>
-              <a:gd name="connsiteX3" fmla="*/ 316142 w 543456"/>
-              <a:gd name="connsiteY3" fmla="*/ 394197 h 795783"/>
-              <a:gd name="connsiteX4" fmla="*/ 543456 w 543456"/>
-              <a:gd name="connsiteY4" fmla="*/ 795783 h 795783"/>
-              <a:gd name="connsiteX5" fmla="*/ 135270 w 543456"/>
-              <a:gd name="connsiteY5" fmla="*/ 394197 h 795783"/>
-              <a:gd name="connsiteX6" fmla="*/ 135270 w 543456"/>
-              <a:gd name="connsiteY6" fmla="*/ 484632 h 795783"/>
-              <a:gd name="connsiteX7" fmla="*/ 0 w 543456"/>
-              <a:gd name="connsiteY7" fmla="*/ 242316 h 795783"/>
-              <a:gd name="connsiteX0" fmla="*/ 0 w 543456"/>
-              <a:gd name="connsiteY0" fmla="*/ 242316 h 795783"/>
-              <a:gd name="connsiteX1" fmla="*/ 135270 w 543456"/>
-              <a:gd name="connsiteY1" fmla="*/ 0 h 795783"/>
-              <a:gd name="connsiteX2" fmla="*/ 135270 w 543456"/>
-              <a:gd name="connsiteY2" fmla="*/ 90435 h 795783"/>
-              <a:gd name="connsiteX3" fmla="*/ 543456 w 543456"/>
-              <a:gd name="connsiteY3" fmla="*/ 795783 h 795783"/>
-              <a:gd name="connsiteX4" fmla="*/ 135270 w 543456"/>
-              <a:gd name="connsiteY4" fmla="*/ 394197 h 795783"/>
-              <a:gd name="connsiteX5" fmla="*/ 135270 w 543456"/>
-              <a:gd name="connsiteY5" fmla="*/ 484632 h 795783"/>
-              <a:gd name="connsiteX6" fmla="*/ 0 w 543456"/>
-              <a:gd name="connsiteY6" fmla="*/ 242316 h 795783"/>
-              <a:gd name="connsiteX0" fmla="*/ 0 w 551283"/>
-              <a:gd name="connsiteY0" fmla="*/ 242316 h 789003"/>
-              <a:gd name="connsiteX1" fmla="*/ 135270 w 551283"/>
-              <a:gd name="connsiteY1" fmla="*/ 0 h 789003"/>
-              <a:gd name="connsiteX2" fmla="*/ 135270 w 551283"/>
-              <a:gd name="connsiteY2" fmla="*/ 90435 h 789003"/>
-              <a:gd name="connsiteX3" fmla="*/ 551283 w 551283"/>
-              <a:gd name="connsiteY3" fmla="*/ 789003 h 789003"/>
-              <a:gd name="connsiteX4" fmla="*/ 135270 w 551283"/>
-              <a:gd name="connsiteY4" fmla="*/ 394197 h 789003"/>
-              <a:gd name="connsiteX5" fmla="*/ 135270 w 551283"/>
-              <a:gd name="connsiteY5" fmla="*/ 484632 h 789003"/>
-              <a:gd name="connsiteX6" fmla="*/ 0 w 551283"/>
-              <a:gd name="connsiteY6" fmla="*/ 242316 h 789003"/>
-              <a:gd name="connsiteX0" fmla="*/ 0 w 551283"/>
-              <a:gd name="connsiteY0" fmla="*/ 242316 h 775443"/>
-              <a:gd name="connsiteX1" fmla="*/ 135270 w 551283"/>
-              <a:gd name="connsiteY1" fmla="*/ 0 h 775443"/>
-              <a:gd name="connsiteX2" fmla="*/ 135270 w 551283"/>
-              <a:gd name="connsiteY2" fmla="*/ 90435 h 775443"/>
-              <a:gd name="connsiteX3" fmla="*/ 551283 w 551283"/>
-              <a:gd name="connsiteY3" fmla="*/ 775443 h 775443"/>
-              <a:gd name="connsiteX4" fmla="*/ 135270 w 551283"/>
-              <a:gd name="connsiteY4" fmla="*/ 394197 h 775443"/>
-              <a:gd name="connsiteX5" fmla="*/ 135270 w 551283"/>
-              <a:gd name="connsiteY5" fmla="*/ 484632 h 775443"/>
-              <a:gd name="connsiteX6" fmla="*/ 0 w 551283"/>
-              <a:gd name="connsiteY6" fmla="*/ 242316 h 775443"/>
-            </a:gdLst>
-            <a:ahLst/>
-            <a:cxnLst>
-              <a:cxn ang="0">
-                <a:pos x="connsiteX0" y="connsiteY0"/>
-              </a:cxn>
-              <a:cxn ang="0">
-                <a:pos x="connsiteX1" y="connsiteY1"/>
-              </a:cxn>
-              <a:cxn ang="0">
-                <a:pos x="connsiteX2" y="connsiteY2"/>
-              </a:cxn>
-              <a:cxn ang="0">
-                <a:pos x="connsiteX3" y="connsiteY3"/>
-              </a:cxn>
-              <a:cxn ang="0">
-                <a:pos x="connsiteX4" y="connsiteY4"/>
-              </a:cxn>
-              <a:cxn ang="0">
-                <a:pos x="connsiteX5" y="connsiteY5"/>
-              </a:cxn>
-              <a:cxn ang="0">
-                <a:pos x="connsiteX6" y="connsiteY6"/>
-              </a:cxn>
-            </a:cxnLst>
-            <a:rect l="l" t="t" r="r" b="b"/>
-            <a:pathLst>
-              <a:path w="551283" h="775443">
-                <a:moveTo>
-                  <a:pt x="0" y="242316"/>
-                </a:moveTo>
-                <a:lnTo>
-                  <a:pt x="135270" y="0"/>
-                </a:lnTo>
-                <a:lnTo>
-                  <a:pt x="135270" y="90435"/>
-                </a:lnTo>
-                <a:lnTo>
-                  <a:pt x="551283" y="775443"/>
-                </a:lnTo>
-                <a:lnTo>
-                  <a:pt x="135270" y="394197"/>
-                </a:lnTo>
-                <a:lnTo>
-                  <a:pt x="135270" y="484632"/>
-                </a:lnTo>
-                <a:lnTo>
-                  <a:pt x="0" y="242316"/>
-                </a:lnTo>
-                <a:close/>
-              </a:path>
-            </a:pathLst>
-          </a:custGeom>
-        </p:spPr>
-        <p:style>
-          <a:lnRef idx="2">
-            <a:schemeClr val="accent1">
-              <a:shade val="50000"/>
-            </a:schemeClr>
-          </a:lnRef>
-          <a:fillRef idx="1">
-            <a:schemeClr val="accent1"/>
-          </a:fillRef>
-          <a:effectRef idx="0">
-            <a:schemeClr val="accent1"/>
-          </a:effectRef>
-          <a:fontRef idx="minor">
-            <a:schemeClr val="lt1"/>
-          </a:fontRef>
-        </p:style>
-        <p:txBody>
-          <a:bodyPr rtlCol="0" anchor="ctr"/>
-          <a:lstStyle/>
-          <a:p>
-            <a:pPr algn="ctr"/>
-            <a:endParaRPr lang="ru-RU"/>
-          </a:p>
-        </p:txBody>
-      </p:sp>
-      <p:sp>
-        <p:nvSpPr>
-          <p:cNvPr id="32" name="Двойная стрелка влево/вправо 5"/>
-          <p:cNvSpPr/>
-          <p:nvPr/>
-        </p:nvSpPr>
-        <p:spPr>
-          <a:xfrm flipV="1">
-            <a:off x="6576060" y="5662020"/>
-            <a:ext cx="805023" cy="871529"/>
-          </a:xfrm>
-          <a:custGeom>
-            <a:avLst/>
-            <a:gdLst>
-              <a:gd name="connsiteX0" fmla="*/ 0 w 451412"/>
-              <a:gd name="connsiteY0" fmla="*/ 242316 h 484632"/>
-              <a:gd name="connsiteX1" fmla="*/ 135270 w 451412"/>
-              <a:gd name="connsiteY1" fmla="*/ 0 h 484632"/>
-              <a:gd name="connsiteX2" fmla="*/ 135270 w 451412"/>
-              <a:gd name="connsiteY2" fmla="*/ 90435 h 484632"/>
-              <a:gd name="connsiteX3" fmla="*/ 316142 w 451412"/>
-              <a:gd name="connsiteY3" fmla="*/ 90435 h 484632"/>
-              <a:gd name="connsiteX4" fmla="*/ 316142 w 451412"/>
-              <a:gd name="connsiteY4" fmla="*/ 0 h 484632"/>
-              <a:gd name="connsiteX5" fmla="*/ 451412 w 451412"/>
-              <a:gd name="connsiteY5" fmla="*/ 242316 h 484632"/>
-              <a:gd name="connsiteX6" fmla="*/ 316142 w 451412"/>
-              <a:gd name="connsiteY6" fmla="*/ 484632 h 484632"/>
-              <a:gd name="connsiteX7" fmla="*/ 316142 w 451412"/>
-              <a:gd name="connsiteY7" fmla="*/ 394197 h 484632"/>
-              <a:gd name="connsiteX8" fmla="*/ 135270 w 451412"/>
-              <a:gd name="connsiteY8" fmla="*/ 394197 h 484632"/>
-              <a:gd name="connsiteX9" fmla="*/ 135270 w 451412"/>
-              <a:gd name="connsiteY9" fmla="*/ 484632 h 484632"/>
-              <a:gd name="connsiteX10" fmla="*/ 0 w 451412"/>
-              <a:gd name="connsiteY10" fmla="*/ 242316 h 484632"/>
-              <a:gd name="connsiteX0" fmla="*/ 0 w 451412"/>
-              <a:gd name="connsiteY0" fmla="*/ 242316 h 484632"/>
-              <a:gd name="connsiteX1" fmla="*/ 135270 w 451412"/>
-              <a:gd name="connsiteY1" fmla="*/ 0 h 484632"/>
-              <a:gd name="connsiteX2" fmla="*/ 135270 w 451412"/>
-              <a:gd name="connsiteY2" fmla="*/ 90435 h 484632"/>
-              <a:gd name="connsiteX3" fmla="*/ 316142 w 451412"/>
-              <a:gd name="connsiteY3" fmla="*/ 90435 h 484632"/>
-              <a:gd name="connsiteX4" fmla="*/ 451412 w 451412"/>
-              <a:gd name="connsiteY4" fmla="*/ 242316 h 484632"/>
-              <a:gd name="connsiteX5" fmla="*/ 316142 w 451412"/>
-              <a:gd name="connsiteY5" fmla="*/ 484632 h 484632"/>
-              <a:gd name="connsiteX6" fmla="*/ 316142 w 451412"/>
-              <a:gd name="connsiteY6" fmla="*/ 394197 h 484632"/>
-              <a:gd name="connsiteX7" fmla="*/ 135270 w 451412"/>
-              <a:gd name="connsiteY7" fmla="*/ 394197 h 484632"/>
-              <a:gd name="connsiteX8" fmla="*/ 135270 w 451412"/>
-              <a:gd name="connsiteY8" fmla="*/ 484632 h 484632"/>
-              <a:gd name="connsiteX9" fmla="*/ 0 w 451412"/>
-              <a:gd name="connsiteY9" fmla="*/ 242316 h 484632"/>
-              <a:gd name="connsiteX0" fmla="*/ 0 w 316142"/>
-              <a:gd name="connsiteY0" fmla="*/ 242316 h 484632"/>
-              <a:gd name="connsiteX1" fmla="*/ 135270 w 316142"/>
-              <a:gd name="connsiteY1" fmla="*/ 0 h 484632"/>
-              <a:gd name="connsiteX2" fmla="*/ 135270 w 316142"/>
-              <a:gd name="connsiteY2" fmla="*/ 90435 h 484632"/>
-              <a:gd name="connsiteX3" fmla="*/ 316142 w 316142"/>
-              <a:gd name="connsiteY3" fmla="*/ 90435 h 484632"/>
-              <a:gd name="connsiteX4" fmla="*/ 316142 w 316142"/>
-              <a:gd name="connsiteY4" fmla="*/ 484632 h 484632"/>
-              <a:gd name="connsiteX5" fmla="*/ 316142 w 316142"/>
-              <a:gd name="connsiteY5" fmla="*/ 394197 h 484632"/>
-              <a:gd name="connsiteX6" fmla="*/ 135270 w 316142"/>
-              <a:gd name="connsiteY6" fmla="*/ 394197 h 484632"/>
-              <a:gd name="connsiteX7" fmla="*/ 135270 w 316142"/>
-              <a:gd name="connsiteY7" fmla="*/ 484632 h 484632"/>
-              <a:gd name="connsiteX8" fmla="*/ 0 w 316142"/>
-              <a:gd name="connsiteY8" fmla="*/ 242316 h 484632"/>
-              <a:gd name="connsiteX0" fmla="*/ 0 w 316142"/>
-              <a:gd name="connsiteY0" fmla="*/ 242316 h 484632"/>
-              <a:gd name="connsiteX1" fmla="*/ 135270 w 316142"/>
-              <a:gd name="connsiteY1" fmla="*/ 0 h 484632"/>
-              <a:gd name="connsiteX2" fmla="*/ 135270 w 316142"/>
-              <a:gd name="connsiteY2" fmla="*/ 90435 h 484632"/>
-              <a:gd name="connsiteX3" fmla="*/ 316142 w 316142"/>
-              <a:gd name="connsiteY3" fmla="*/ 90435 h 484632"/>
-              <a:gd name="connsiteX4" fmla="*/ 316142 w 316142"/>
-              <a:gd name="connsiteY4" fmla="*/ 394197 h 484632"/>
-              <a:gd name="connsiteX5" fmla="*/ 135270 w 316142"/>
-              <a:gd name="connsiteY5" fmla="*/ 394197 h 484632"/>
-              <a:gd name="connsiteX6" fmla="*/ 135270 w 316142"/>
-              <a:gd name="connsiteY6" fmla="*/ 484632 h 484632"/>
-              <a:gd name="connsiteX7" fmla="*/ 0 w 316142"/>
-              <a:gd name="connsiteY7" fmla="*/ 242316 h 484632"/>
-              <a:gd name="connsiteX0" fmla="*/ 0 w 316142"/>
-              <a:gd name="connsiteY0" fmla="*/ 242316 h 484632"/>
-              <a:gd name="connsiteX1" fmla="*/ 135270 w 316142"/>
-              <a:gd name="connsiteY1" fmla="*/ 0 h 484632"/>
-              <a:gd name="connsiteX2" fmla="*/ 135270 w 316142"/>
-              <a:gd name="connsiteY2" fmla="*/ 90435 h 484632"/>
-              <a:gd name="connsiteX3" fmla="*/ 316142 w 316142"/>
-              <a:gd name="connsiteY3" fmla="*/ 394197 h 484632"/>
-              <a:gd name="connsiteX4" fmla="*/ 135270 w 316142"/>
-              <a:gd name="connsiteY4" fmla="*/ 394197 h 484632"/>
-              <a:gd name="connsiteX5" fmla="*/ 135270 w 316142"/>
-              <a:gd name="connsiteY5" fmla="*/ 484632 h 484632"/>
-              <a:gd name="connsiteX6" fmla="*/ 0 w 316142"/>
-              <a:gd name="connsiteY6" fmla="*/ 242316 h 484632"/>
-              <a:gd name="connsiteX0" fmla="*/ 0 w 316142"/>
-              <a:gd name="connsiteY0" fmla="*/ 242316 h 484632"/>
-              <a:gd name="connsiteX1" fmla="*/ 135270 w 316142"/>
-              <a:gd name="connsiteY1" fmla="*/ 0 h 484632"/>
-              <a:gd name="connsiteX2" fmla="*/ 135270 w 316142"/>
-              <a:gd name="connsiteY2" fmla="*/ 90435 h 484632"/>
-              <a:gd name="connsiteX3" fmla="*/ 316142 w 316142"/>
-              <a:gd name="connsiteY3" fmla="*/ 394197 h 484632"/>
-              <a:gd name="connsiteX4" fmla="*/ 251236 w 316142"/>
-              <a:gd name="connsiteY4" fmla="*/ 392379 h 484632"/>
-              <a:gd name="connsiteX5" fmla="*/ 135270 w 316142"/>
-              <a:gd name="connsiteY5" fmla="*/ 394197 h 484632"/>
-              <a:gd name="connsiteX6" fmla="*/ 135270 w 316142"/>
-              <a:gd name="connsiteY6" fmla="*/ 484632 h 484632"/>
-              <a:gd name="connsiteX7" fmla="*/ 0 w 316142"/>
-              <a:gd name="connsiteY7" fmla="*/ 242316 h 484632"/>
-              <a:gd name="connsiteX0" fmla="*/ 0 w 543456"/>
-              <a:gd name="connsiteY0" fmla="*/ 242316 h 795783"/>
-              <a:gd name="connsiteX1" fmla="*/ 135270 w 543456"/>
-              <a:gd name="connsiteY1" fmla="*/ 0 h 795783"/>
-              <a:gd name="connsiteX2" fmla="*/ 135270 w 543456"/>
-              <a:gd name="connsiteY2" fmla="*/ 90435 h 795783"/>
-              <a:gd name="connsiteX3" fmla="*/ 316142 w 543456"/>
-              <a:gd name="connsiteY3" fmla="*/ 394197 h 795783"/>
-              <a:gd name="connsiteX4" fmla="*/ 543456 w 543456"/>
-              <a:gd name="connsiteY4" fmla="*/ 795783 h 795783"/>
-              <a:gd name="connsiteX5" fmla="*/ 135270 w 543456"/>
-              <a:gd name="connsiteY5" fmla="*/ 394197 h 795783"/>
-              <a:gd name="connsiteX6" fmla="*/ 135270 w 543456"/>
-              <a:gd name="connsiteY6" fmla="*/ 484632 h 795783"/>
-              <a:gd name="connsiteX7" fmla="*/ 0 w 543456"/>
-              <a:gd name="connsiteY7" fmla="*/ 242316 h 795783"/>
-              <a:gd name="connsiteX0" fmla="*/ 0 w 543456"/>
-              <a:gd name="connsiteY0" fmla="*/ 242316 h 795783"/>
-              <a:gd name="connsiteX1" fmla="*/ 135270 w 543456"/>
-              <a:gd name="connsiteY1" fmla="*/ 0 h 795783"/>
-              <a:gd name="connsiteX2" fmla="*/ 135270 w 543456"/>
-              <a:gd name="connsiteY2" fmla="*/ 90435 h 795783"/>
-              <a:gd name="connsiteX3" fmla="*/ 543456 w 543456"/>
-              <a:gd name="connsiteY3" fmla="*/ 795783 h 795783"/>
-              <a:gd name="connsiteX4" fmla="*/ 135270 w 543456"/>
-              <a:gd name="connsiteY4" fmla="*/ 394197 h 795783"/>
-              <a:gd name="connsiteX5" fmla="*/ 135270 w 543456"/>
-              <a:gd name="connsiteY5" fmla="*/ 484632 h 795783"/>
-              <a:gd name="connsiteX6" fmla="*/ 0 w 543456"/>
-              <a:gd name="connsiteY6" fmla="*/ 242316 h 795783"/>
-              <a:gd name="connsiteX0" fmla="*/ 0 w 551283"/>
-              <a:gd name="connsiteY0" fmla="*/ 242316 h 789003"/>
-              <a:gd name="connsiteX1" fmla="*/ 135270 w 551283"/>
-              <a:gd name="connsiteY1" fmla="*/ 0 h 789003"/>
-              <a:gd name="connsiteX2" fmla="*/ 135270 w 551283"/>
-              <a:gd name="connsiteY2" fmla="*/ 90435 h 789003"/>
-              <a:gd name="connsiteX3" fmla="*/ 551283 w 551283"/>
-              <a:gd name="connsiteY3" fmla="*/ 789003 h 789003"/>
-              <a:gd name="connsiteX4" fmla="*/ 135270 w 551283"/>
-              <a:gd name="connsiteY4" fmla="*/ 394197 h 789003"/>
-              <a:gd name="connsiteX5" fmla="*/ 135270 w 551283"/>
-              <a:gd name="connsiteY5" fmla="*/ 484632 h 789003"/>
-              <a:gd name="connsiteX6" fmla="*/ 0 w 551283"/>
-              <a:gd name="connsiteY6" fmla="*/ 242316 h 789003"/>
-              <a:gd name="connsiteX0" fmla="*/ 0 w 551283"/>
-              <a:gd name="connsiteY0" fmla="*/ 242316 h 775443"/>
-              <a:gd name="connsiteX1" fmla="*/ 135270 w 551283"/>
-              <a:gd name="connsiteY1" fmla="*/ 0 h 775443"/>
-              <a:gd name="connsiteX2" fmla="*/ 135270 w 551283"/>
-              <a:gd name="connsiteY2" fmla="*/ 90435 h 775443"/>
-              <a:gd name="connsiteX3" fmla="*/ 551283 w 551283"/>
-              <a:gd name="connsiteY3" fmla="*/ 775443 h 775443"/>
-              <a:gd name="connsiteX4" fmla="*/ 135270 w 551283"/>
-              <a:gd name="connsiteY4" fmla="*/ 394197 h 775443"/>
-              <a:gd name="connsiteX5" fmla="*/ 135270 w 551283"/>
-              <a:gd name="connsiteY5" fmla="*/ 484632 h 775443"/>
-              <a:gd name="connsiteX6" fmla="*/ 0 w 551283"/>
-              <a:gd name="connsiteY6" fmla="*/ 242316 h 775443"/>
-            </a:gdLst>
-            <a:ahLst/>
-            <a:cxnLst>
-              <a:cxn ang="0">
-                <a:pos x="connsiteX0" y="connsiteY0"/>
-              </a:cxn>
-              <a:cxn ang="0">
-                <a:pos x="connsiteX1" y="connsiteY1"/>
-              </a:cxn>
-              <a:cxn ang="0">
-                <a:pos x="connsiteX2" y="connsiteY2"/>
-              </a:cxn>
-              <a:cxn ang="0">
-                <a:pos x="connsiteX3" y="connsiteY3"/>
-              </a:cxn>
-              <a:cxn ang="0">
-                <a:pos x="connsiteX4" y="connsiteY4"/>
-              </a:cxn>
-              <a:cxn ang="0">
-                <a:pos x="connsiteX5" y="connsiteY5"/>
-              </a:cxn>
-              <a:cxn ang="0">
-                <a:pos x="connsiteX6" y="connsiteY6"/>
-              </a:cxn>
-            </a:cxnLst>
-            <a:rect l="l" t="t" r="r" b="b"/>
-            <a:pathLst>
-              <a:path w="551283" h="775443">
-                <a:moveTo>
-                  <a:pt x="0" y="242316"/>
-                </a:moveTo>
-                <a:lnTo>
-                  <a:pt x="135270" y="0"/>
-                </a:lnTo>
-                <a:lnTo>
-                  <a:pt x="135270" y="90435"/>
-                </a:lnTo>
-                <a:lnTo>
-                  <a:pt x="551283" y="775443"/>
-                </a:lnTo>
-                <a:lnTo>
-                  <a:pt x="135270" y="394197"/>
-                </a:lnTo>
-                <a:lnTo>
-                  <a:pt x="135270" y="484632"/>
-                </a:lnTo>
-                <a:lnTo>
-                  <a:pt x="0" y="242316"/>
-                </a:lnTo>
-                <a:close/>
-              </a:path>
-            </a:pathLst>
-          </a:custGeom>
-        </p:spPr>
-        <p:style>
-          <a:lnRef idx="2">
-            <a:schemeClr val="accent2">
-              <a:shade val="50000"/>
-            </a:schemeClr>
-          </a:lnRef>
-          <a:fillRef idx="1">
-            <a:schemeClr val="accent2"/>
-          </a:fillRef>
-          <a:effectRef idx="0">
-            <a:schemeClr val="accent2"/>
-          </a:effectRef>
-          <a:fontRef idx="minor">
-            <a:schemeClr val="lt1"/>
-          </a:fontRef>
-        </p:style>
-        <p:txBody>
-          <a:bodyPr rtlCol="0" anchor="ctr"/>
-          <a:lstStyle/>
-          <a:p>
-            <a:pPr algn="ctr"/>
-            <a:endParaRPr lang="ru-RU"/>
-          </a:p>
-        </p:txBody>
-      </p:sp>
-      <p:grpSp>
-        <p:nvGrpSpPr>
-          <p:cNvPr id="33" name="Группа 32"/>
-          <p:cNvGrpSpPr/>
-          <p:nvPr/>
-        </p:nvGrpSpPr>
-        <p:grpSpPr>
-          <a:xfrm>
-            <a:off x="5423839" y="5958723"/>
-            <a:ext cx="1344319" cy="754164"/>
-            <a:chOff x="3713801" y="5263909"/>
-            <a:chExt cx="2435860" cy="1366519"/>
-          </a:xfrm>
-        </p:grpSpPr>
-        <p:pic>
-          <p:nvPicPr>
-            <p:cNvPr id="34" name="Picture 2" descr="Иконка «Пользователь» — скачай бесплатно PNG и векторе"/>
-            <p:cNvPicPr>
-              <a:picLocks noChangeAspect="1" noChangeArrowheads="1"/>
-            </p:cNvPicPr>
-            <p:nvPr/>
-          </p:nvPicPr>
-          <p:blipFill>
-            <a:blip r:embed="rId3" cstate="print">
-              <a:extLst>
-                <a:ext uri="{28A0092B-C50C-407E-A947-70E740481C1C}">
-                  <a14:useLocalDpi xmlns:a14="http://schemas.microsoft.com/office/drawing/2010/main" val="0"/>
-                </a:ext>
-              </a:extLst>
-            </a:blip>
-            <a:srcRect/>
-            <a:stretch>
-              <a:fillRect/>
-            </a:stretch>
-          </p:blipFill>
-          <p:spPr bwMode="auto">
-            <a:xfrm>
-              <a:off x="4931731" y="5397258"/>
-              <a:ext cx="1217930" cy="1217930"/>
-            </a:xfrm>
-            <a:prstGeom prst="rect">
-              <a:avLst/>
-            </a:prstGeom>
-            <a:noFill/>
-            <a:extLst>
-              <a:ext uri="{909E8E84-426E-40DD-AFC4-6F175D3DCCD1}">
-                <a14:hiddenFill xmlns:a14="http://schemas.microsoft.com/office/drawing/2010/main">
-                  <a:solidFill>
-                    <a:srgbClr val="FFFFFF"/>
-                  </a:solidFill>
-                </a14:hiddenFill>
-              </a:ext>
-            </a:extLst>
-          </p:spPr>
-        </p:pic>
-        <p:pic>
-          <p:nvPicPr>
-            <p:cNvPr id="35" name="Picture 2" descr="Иконка «Пользователь» — скачай бесплатно PNG и векторе"/>
-            <p:cNvPicPr>
-              <a:picLocks noChangeAspect="1" noChangeArrowheads="1"/>
-            </p:cNvPicPr>
-            <p:nvPr/>
-          </p:nvPicPr>
-          <p:blipFill>
-            <a:blip r:embed="rId4" cstate="print">
-              <a:extLst>
-                <a:ext uri="{28A0092B-C50C-407E-A947-70E740481C1C}">
-                  <a14:useLocalDpi xmlns:a14="http://schemas.microsoft.com/office/drawing/2010/main" val="0"/>
-                </a:ext>
-              </a:extLst>
-            </a:blip>
-            <a:srcRect/>
-            <a:stretch>
-              <a:fillRect/>
-            </a:stretch>
-          </p:blipFill>
-          <p:spPr bwMode="auto">
-            <a:xfrm>
-              <a:off x="4248471" y="5263909"/>
-              <a:ext cx="1366519" cy="1366519"/>
-            </a:xfrm>
-            <a:prstGeom prst="rect">
-              <a:avLst/>
-            </a:prstGeom>
-            <a:noFill/>
-            <a:extLst>
-              <a:ext uri="{909E8E84-426E-40DD-AFC4-6F175D3DCCD1}">
-                <a14:hiddenFill xmlns:a14="http://schemas.microsoft.com/office/drawing/2010/main">
-                  <a:solidFill>
-                    <a:srgbClr val="FFFFFF"/>
-                  </a:solidFill>
-                </a14:hiddenFill>
-              </a:ext>
-            </a:extLst>
-          </p:spPr>
-        </p:pic>
-        <p:pic>
-          <p:nvPicPr>
-            <p:cNvPr id="37" name="Picture 2" descr="Иконка «Пользователь» — скачай бесплатно PNG и векторе"/>
-            <p:cNvPicPr>
-              <a:picLocks noChangeAspect="1" noChangeArrowheads="1"/>
-            </p:cNvPicPr>
-            <p:nvPr/>
-          </p:nvPicPr>
-          <p:blipFill>
-            <a:blip r:embed="rId3" cstate="print">
-              <a:extLst>
-                <a:ext uri="{28A0092B-C50C-407E-A947-70E740481C1C}">
-                  <a14:useLocalDpi xmlns:a14="http://schemas.microsoft.com/office/drawing/2010/main" val="0"/>
-                </a:ext>
-              </a:extLst>
-            </a:blip>
-            <a:srcRect/>
-            <a:stretch>
-              <a:fillRect/>
-            </a:stretch>
-          </p:blipFill>
-          <p:spPr bwMode="auto">
-            <a:xfrm>
-              <a:off x="3713801" y="5397258"/>
-              <a:ext cx="1217930" cy="1217930"/>
-            </a:xfrm>
-            <a:prstGeom prst="rect">
-              <a:avLst/>
-            </a:prstGeom>
-            <a:noFill/>
-            <a:extLst>
-              <a:ext uri="{909E8E84-426E-40DD-AFC4-6F175D3DCCD1}">
-                <a14:hiddenFill xmlns:a14="http://schemas.microsoft.com/office/drawing/2010/main">
-                  <a:solidFill>
-                    <a:srgbClr val="FFFFFF"/>
-                  </a:solidFill>
-                </a14:hiddenFill>
-              </a:ext>
-            </a:extLst>
-          </p:spPr>
-        </p:pic>
-      </p:grpSp>
-      <p:sp>
-        <p:nvSpPr>
-          <p:cNvPr id="38" name="Двойная стрелка влево/вправо 5"/>
-          <p:cNvSpPr/>
-          <p:nvPr/>
-        </p:nvSpPr>
-        <p:spPr>
-          <a:xfrm rot="5400000" flipH="1" flipV="1">
-            <a:off x="10387768" y="272725"/>
-            <a:ext cx="805023" cy="946945"/>
-          </a:xfrm>
-          <a:custGeom>
-            <a:avLst/>
-            <a:gdLst>
-              <a:gd name="connsiteX0" fmla="*/ 0 w 451412"/>
-              <a:gd name="connsiteY0" fmla="*/ 242316 h 484632"/>
-              <a:gd name="connsiteX1" fmla="*/ 135270 w 451412"/>
-              <a:gd name="connsiteY1" fmla="*/ 0 h 484632"/>
-              <a:gd name="connsiteX2" fmla="*/ 135270 w 451412"/>
-              <a:gd name="connsiteY2" fmla="*/ 90435 h 484632"/>
-              <a:gd name="connsiteX3" fmla="*/ 316142 w 451412"/>
-              <a:gd name="connsiteY3" fmla="*/ 90435 h 484632"/>
-              <a:gd name="connsiteX4" fmla="*/ 316142 w 451412"/>
-              <a:gd name="connsiteY4" fmla="*/ 0 h 484632"/>
-              <a:gd name="connsiteX5" fmla="*/ 451412 w 451412"/>
-              <a:gd name="connsiteY5" fmla="*/ 242316 h 484632"/>
-              <a:gd name="connsiteX6" fmla="*/ 316142 w 451412"/>
-              <a:gd name="connsiteY6" fmla="*/ 484632 h 484632"/>
-              <a:gd name="connsiteX7" fmla="*/ 316142 w 451412"/>
-              <a:gd name="connsiteY7" fmla="*/ 394197 h 484632"/>
-              <a:gd name="connsiteX8" fmla="*/ 135270 w 451412"/>
-              <a:gd name="connsiteY8" fmla="*/ 394197 h 484632"/>
-              <a:gd name="connsiteX9" fmla="*/ 135270 w 451412"/>
-              <a:gd name="connsiteY9" fmla="*/ 484632 h 484632"/>
-              <a:gd name="connsiteX10" fmla="*/ 0 w 451412"/>
-              <a:gd name="connsiteY10" fmla="*/ 242316 h 484632"/>
-              <a:gd name="connsiteX0" fmla="*/ 0 w 451412"/>
-              <a:gd name="connsiteY0" fmla="*/ 242316 h 484632"/>
-              <a:gd name="connsiteX1" fmla="*/ 135270 w 451412"/>
-              <a:gd name="connsiteY1" fmla="*/ 0 h 484632"/>
-              <a:gd name="connsiteX2" fmla="*/ 135270 w 451412"/>
-              <a:gd name="connsiteY2" fmla="*/ 90435 h 484632"/>
-              <a:gd name="connsiteX3" fmla="*/ 316142 w 451412"/>
-              <a:gd name="connsiteY3" fmla="*/ 90435 h 484632"/>
-              <a:gd name="connsiteX4" fmla="*/ 451412 w 451412"/>
-              <a:gd name="connsiteY4" fmla="*/ 242316 h 484632"/>
-              <a:gd name="connsiteX5" fmla="*/ 316142 w 451412"/>
-              <a:gd name="connsiteY5" fmla="*/ 484632 h 484632"/>
-              <a:gd name="connsiteX6" fmla="*/ 316142 w 451412"/>
-              <a:gd name="connsiteY6" fmla="*/ 394197 h 484632"/>
-              <a:gd name="connsiteX7" fmla="*/ 135270 w 451412"/>
-              <a:gd name="connsiteY7" fmla="*/ 394197 h 484632"/>
-              <a:gd name="connsiteX8" fmla="*/ 135270 w 451412"/>
-              <a:gd name="connsiteY8" fmla="*/ 484632 h 484632"/>
-              <a:gd name="connsiteX9" fmla="*/ 0 w 451412"/>
-              <a:gd name="connsiteY9" fmla="*/ 242316 h 484632"/>
-              <a:gd name="connsiteX0" fmla="*/ 0 w 316142"/>
-              <a:gd name="connsiteY0" fmla="*/ 242316 h 484632"/>
-              <a:gd name="connsiteX1" fmla="*/ 135270 w 316142"/>
-              <a:gd name="connsiteY1" fmla="*/ 0 h 484632"/>
-              <a:gd name="connsiteX2" fmla="*/ 135270 w 316142"/>
-              <a:gd name="connsiteY2" fmla="*/ 90435 h 484632"/>
-              <a:gd name="connsiteX3" fmla="*/ 316142 w 316142"/>
-              <a:gd name="connsiteY3" fmla="*/ 90435 h 484632"/>
-              <a:gd name="connsiteX4" fmla="*/ 316142 w 316142"/>
-              <a:gd name="connsiteY4" fmla="*/ 484632 h 484632"/>
-              <a:gd name="connsiteX5" fmla="*/ 316142 w 316142"/>
-              <a:gd name="connsiteY5" fmla="*/ 394197 h 484632"/>
-              <a:gd name="connsiteX6" fmla="*/ 135270 w 316142"/>
-              <a:gd name="connsiteY6" fmla="*/ 394197 h 484632"/>
-              <a:gd name="connsiteX7" fmla="*/ 135270 w 316142"/>
-              <a:gd name="connsiteY7" fmla="*/ 484632 h 484632"/>
-              <a:gd name="connsiteX8" fmla="*/ 0 w 316142"/>
-              <a:gd name="connsiteY8" fmla="*/ 242316 h 484632"/>
-              <a:gd name="connsiteX0" fmla="*/ 0 w 316142"/>
-              <a:gd name="connsiteY0" fmla="*/ 242316 h 484632"/>
-              <a:gd name="connsiteX1" fmla="*/ 135270 w 316142"/>
-              <a:gd name="connsiteY1" fmla="*/ 0 h 484632"/>
-              <a:gd name="connsiteX2" fmla="*/ 135270 w 316142"/>
-              <a:gd name="connsiteY2" fmla="*/ 90435 h 484632"/>
-              <a:gd name="connsiteX3" fmla="*/ 316142 w 316142"/>
-              <a:gd name="connsiteY3" fmla="*/ 90435 h 484632"/>
-              <a:gd name="connsiteX4" fmla="*/ 316142 w 316142"/>
-              <a:gd name="connsiteY4" fmla="*/ 394197 h 484632"/>
-              <a:gd name="connsiteX5" fmla="*/ 135270 w 316142"/>
-              <a:gd name="connsiteY5" fmla="*/ 394197 h 484632"/>
-              <a:gd name="connsiteX6" fmla="*/ 135270 w 316142"/>
-              <a:gd name="connsiteY6" fmla="*/ 484632 h 484632"/>
-              <a:gd name="connsiteX7" fmla="*/ 0 w 316142"/>
-              <a:gd name="connsiteY7" fmla="*/ 242316 h 484632"/>
-              <a:gd name="connsiteX0" fmla="*/ 0 w 316142"/>
-              <a:gd name="connsiteY0" fmla="*/ 242316 h 484632"/>
-              <a:gd name="connsiteX1" fmla="*/ 135270 w 316142"/>
-              <a:gd name="connsiteY1" fmla="*/ 0 h 484632"/>
-              <a:gd name="connsiteX2" fmla="*/ 135270 w 316142"/>
-              <a:gd name="connsiteY2" fmla="*/ 90435 h 484632"/>
-              <a:gd name="connsiteX3" fmla="*/ 316142 w 316142"/>
-              <a:gd name="connsiteY3" fmla="*/ 394197 h 484632"/>
-              <a:gd name="connsiteX4" fmla="*/ 135270 w 316142"/>
-              <a:gd name="connsiteY4" fmla="*/ 394197 h 484632"/>
-              <a:gd name="connsiteX5" fmla="*/ 135270 w 316142"/>
-              <a:gd name="connsiteY5" fmla="*/ 484632 h 484632"/>
-              <a:gd name="connsiteX6" fmla="*/ 0 w 316142"/>
-              <a:gd name="connsiteY6" fmla="*/ 242316 h 484632"/>
-              <a:gd name="connsiteX0" fmla="*/ 0 w 316142"/>
-              <a:gd name="connsiteY0" fmla="*/ 242316 h 484632"/>
-              <a:gd name="connsiteX1" fmla="*/ 135270 w 316142"/>
-              <a:gd name="connsiteY1" fmla="*/ 0 h 484632"/>
-              <a:gd name="connsiteX2" fmla="*/ 135270 w 316142"/>
-              <a:gd name="connsiteY2" fmla="*/ 90435 h 484632"/>
-              <a:gd name="connsiteX3" fmla="*/ 316142 w 316142"/>
-              <a:gd name="connsiteY3" fmla="*/ 394197 h 484632"/>
-              <a:gd name="connsiteX4" fmla="*/ 251236 w 316142"/>
-              <a:gd name="connsiteY4" fmla="*/ 392379 h 484632"/>
-              <a:gd name="connsiteX5" fmla="*/ 135270 w 316142"/>
-              <a:gd name="connsiteY5" fmla="*/ 394197 h 484632"/>
-              <a:gd name="connsiteX6" fmla="*/ 135270 w 316142"/>
-              <a:gd name="connsiteY6" fmla="*/ 484632 h 484632"/>
-              <a:gd name="connsiteX7" fmla="*/ 0 w 316142"/>
-              <a:gd name="connsiteY7" fmla="*/ 242316 h 484632"/>
-              <a:gd name="connsiteX0" fmla="*/ 0 w 543456"/>
-              <a:gd name="connsiteY0" fmla="*/ 242316 h 795783"/>
-              <a:gd name="connsiteX1" fmla="*/ 135270 w 543456"/>
-              <a:gd name="connsiteY1" fmla="*/ 0 h 795783"/>
-              <a:gd name="connsiteX2" fmla="*/ 135270 w 543456"/>
-              <a:gd name="connsiteY2" fmla="*/ 90435 h 795783"/>
-              <a:gd name="connsiteX3" fmla="*/ 316142 w 543456"/>
-              <a:gd name="connsiteY3" fmla="*/ 394197 h 795783"/>
-              <a:gd name="connsiteX4" fmla="*/ 543456 w 543456"/>
-              <a:gd name="connsiteY4" fmla="*/ 795783 h 795783"/>
-              <a:gd name="connsiteX5" fmla="*/ 135270 w 543456"/>
-              <a:gd name="connsiteY5" fmla="*/ 394197 h 795783"/>
-              <a:gd name="connsiteX6" fmla="*/ 135270 w 543456"/>
-              <a:gd name="connsiteY6" fmla="*/ 484632 h 795783"/>
-              <a:gd name="connsiteX7" fmla="*/ 0 w 543456"/>
-              <a:gd name="connsiteY7" fmla="*/ 242316 h 795783"/>
-              <a:gd name="connsiteX0" fmla="*/ 0 w 543456"/>
-              <a:gd name="connsiteY0" fmla="*/ 242316 h 795783"/>
-              <a:gd name="connsiteX1" fmla="*/ 135270 w 543456"/>
-              <a:gd name="connsiteY1" fmla="*/ 0 h 795783"/>
-              <a:gd name="connsiteX2" fmla="*/ 135270 w 543456"/>
-              <a:gd name="connsiteY2" fmla="*/ 90435 h 795783"/>
-              <a:gd name="connsiteX3" fmla="*/ 543456 w 543456"/>
-              <a:gd name="connsiteY3" fmla="*/ 795783 h 795783"/>
-              <a:gd name="connsiteX4" fmla="*/ 135270 w 543456"/>
-              <a:gd name="connsiteY4" fmla="*/ 394197 h 795783"/>
-              <a:gd name="connsiteX5" fmla="*/ 135270 w 543456"/>
-              <a:gd name="connsiteY5" fmla="*/ 484632 h 795783"/>
-              <a:gd name="connsiteX6" fmla="*/ 0 w 543456"/>
-              <a:gd name="connsiteY6" fmla="*/ 242316 h 795783"/>
-              <a:gd name="connsiteX0" fmla="*/ 0 w 551283"/>
-              <a:gd name="connsiteY0" fmla="*/ 242316 h 789003"/>
-              <a:gd name="connsiteX1" fmla="*/ 135270 w 551283"/>
-              <a:gd name="connsiteY1" fmla="*/ 0 h 789003"/>
-              <a:gd name="connsiteX2" fmla="*/ 135270 w 551283"/>
-              <a:gd name="connsiteY2" fmla="*/ 90435 h 789003"/>
-              <a:gd name="connsiteX3" fmla="*/ 551283 w 551283"/>
-              <a:gd name="connsiteY3" fmla="*/ 789003 h 789003"/>
-              <a:gd name="connsiteX4" fmla="*/ 135270 w 551283"/>
-              <a:gd name="connsiteY4" fmla="*/ 394197 h 789003"/>
-              <a:gd name="connsiteX5" fmla="*/ 135270 w 551283"/>
-              <a:gd name="connsiteY5" fmla="*/ 484632 h 789003"/>
-              <a:gd name="connsiteX6" fmla="*/ 0 w 551283"/>
-              <a:gd name="connsiteY6" fmla="*/ 242316 h 789003"/>
-              <a:gd name="connsiteX0" fmla="*/ 0 w 551283"/>
-              <a:gd name="connsiteY0" fmla="*/ 242316 h 775443"/>
-              <a:gd name="connsiteX1" fmla="*/ 135270 w 551283"/>
-              <a:gd name="connsiteY1" fmla="*/ 0 h 775443"/>
-              <a:gd name="connsiteX2" fmla="*/ 135270 w 551283"/>
-              <a:gd name="connsiteY2" fmla="*/ 90435 h 775443"/>
-              <a:gd name="connsiteX3" fmla="*/ 551283 w 551283"/>
-              <a:gd name="connsiteY3" fmla="*/ 775443 h 775443"/>
-              <a:gd name="connsiteX4" fmla="*/ 135270 w 551283"/>
-              <a:gd name="connsiteY4" fmla="*/ 394197 h 775443"/>
-              <a:gd name="connsiteX5" fmla="*/ 135270 w 551283"/>
-              <a:gd name="connsiteY5" fmla="*/ 484632 h 775443"/>
-              <a:gd name="connsiteX6" fmla="*/ 0 w 551283"/>
-              <a:gd name="connsiteY6" fmla="*/ 242316 h 775443"/>
-              <a:gd name="connsiteX0" fmla="*/ 0 w 551283"/>
-              <a:gd name="connsiteY0" fmla="*/ 242316 h 842544"/>
-              <a:gd name="connsiteX1" fmla="*/ 135270 w 551283"/>
-              <a:gd name="connsiteY1" fmla="*/ 0 h 842544"/>
-              <a:gd name="connsiteX2" fmla="*/ 135270 w 551283"/>
-              <a:gd name="connsiteY2" fmla="*/ 90435 h 842544"/>
-              <a:gd name="connsiteX3" fmla="*/ 551283 w 551283"/>
-              <a:gd name="connsiteY3" fmla="*/ 842544 h 842544"/>
-              <a:gd name="connsiteX4" fmla="*/ 135270 w 551283"/>
-              <a:gd name="connsiteY4" fmla="*/ 394197 h 842544"/>
-              <a:gd name="connsiteX5" fmla="*/ 135270 w 551283"/>
-              <a:gd name="connsiteY5" fmla="*/ 484632 h 842544"/>
-              <a:gd name="connsiteX6" fmla="*/ 0 w 551283"/>
-              <a:gd name="connsiteY6" fmla="*/ 242316 h 842544"/>
-            </a:gdLst>
-            <a:ahLst/>
-            <a:cxnLst>
-              <a:cxn ang="0">
-                <a:pos x="connsiteX0" y="connsiteY0"/>
-              </a:cxn>
-              <a:cxn ang="0">
-                <a:pos x="connsiteX1" y="connsiteY1"/>
-              </a:cxn>
-              <a:cxn ang="0">
-                <a:pos x="connsiteX2" y="connsiteY2"/>
-              </a:cxn>
-              <a:cxn ang="0">
-                <a:pos x="connsiteX3" y="connsiteY3"/>
-              </a:cxn>
-              <a:cxn ang="0">
-                <a:pos x="connsiteX4" y="connsiteY4"/>
-              </a:cxn>
-              <a:cxn ang="0">
-                <a:pos x="connsiteX5" y="connsiteY5"/>
-              </a:cxn>
-              <a:cxn ang="0">
-                <a:pos x="connsiteX6" y="connsiteY6"/>
-              </a:cxn>
-            </a:cxnLst>
-            <a:rect l="l" t="t" r="r" b="b"/>
-            <a:pathLst>
-              <a:path w="551283" h="842544">
-                <a:moveTo>
-                  <a:pt x="0" y="242316"/>
-                </a:moveTo>
-                <a:lnTo>
-                  <a:pt x="135270" y="0"/>
-                </a:lnTo>
-                <a:lnTo>
-                  <a:pt x="135270" y="90435"/>
-                </a:lnTo>
-                <a:lnTo>
-                  <a:pt x="551283" y="842544"/>
-                </a:lnTo>
-                <a:lnTo>
-                  <a:pt x="135270" y="394197"/>
-                </a:lnTo>
-                <a:lnTo>
-                  <a:pt x="135270" y="484632"/>
-                </a:lnTo>
-                <a:lnTo>
-                  <a:pt x="0" y="242316"/>
-                </a:lnTo>
-                <a:close/>
-              </a:path>
-            </a:pathLst>
-          </a:custGeom>
-        </p:spPr>
-        <p:style>
-          <a:lnRef idx="2">
-            <a:schemeClr val="accent2">
-              <a:shade val="50000"/>
-            </a:schemeClr>
-          </a:lnRef>
-          <a:fillRef idx="1">
-            <a:schemeClr val="accent2"/>
-          </a:fillRef>
-          <a:effectRef idx="0">
-            <a:schemeClr val="accent2"/>
-          </a:effectRef>
-          <a:fontRef idx="minor">
-            <a:schemeClr val="lt1"/>
-          </a:fontRef>
-        </p:style>
-        <p:txBody>
-          <a:bodyPr rtlCol="0" anchor="ctr"/>
-          <a:lstStyle/>
-          <a:p>
-            <a:pPr algn="ctr"/>
-            <a:endParaRPr lang="ru-RU"/>
-          </a:p>
-        </p:txBody>
-      </p:sp>
-      <p:sp>
-        <p:nvSpPr>
-          <p:cNvPr id="39" name="TextBox 38"/>
-          <p:cNvSpPr txBox="1"/>
-          <p:nvPr/>
-        </p:nvSpPr>
-        <p:spPr>
-          <a:xfrm>
-            <a:off x="5723722" y="3985259"/>
-            <a:ext cx="4447800" cy="1200329"/>
-          </a:xfrm>
-          <a:prstGeom prst="rect">
-            <a:avLst/>
-          </a:prstGeom>
-          <a:noFill/>
-        </p:spPr>
-        <p:txBody>
-          <a:bodyPr wrap="square" rtlCol="0">
-            <a:spAutoFit/>
-          </a:bodyPr>
-          <a:lstStyle/>
-          <a:p>
-            <a:r>
-              <a:rPr lang="en-US" dirty="0" smtClean="0"/>
-              <a:t>{</a:t>
-            </a:r>
-          </a:p>
-          <a:p>
-            <a:r>
-              <a:rPr lang="en-US" dirty="0" smtClean="0"/>
-              <a:t>   </a:t>
-            </a:r>
-            <a:r>
-              <a:rPr lang="en-US" dirty="0" err="1" smtClean="0"/>
-              <a:t>userAndRelatives</a:t>
-            </a:r>
-            <a:r>
-              <a:rPr lang="en-US" dirty="0" smtClean="0"/>
-              <a:t>: {USER_AND_RELATIVES},</a:t>
-            </a:r>
-          </a:p>
-          <a:p>
-            <a:r>
-              <a:rPr lang="en-US" dirty="0"/>
-              <a:t> </a:t>
-            </a:r>
-            <a:r>
-              <a:rPr lang="en-US" dirty="0" smtClean="0"/>
-              <a:t>  credits: {CREDITS_AND_PAYMENTS}</a:t>
-            </a:r>
-            <a:endParaRPr lang="en-US" dirty="0" smtClean="0"/>
-          </a:p>
-          <a:p>
-            <a:r>
-              <a:rPr lang="en-US" dirty="0" smtClean="0"/>
-              <a:t>}</a:t>
-            </a:r>
-            <a:endParaRPr lang="ru-RU" dirty="0" smtClean="0"/>
-          </a:p>
-        </p:txBody>
-      </p:sp>
-      <p:sp>
-        <p:nvSpPr>
-          <p:cNvPr id="40" name="Прямоугольник 39"/>
-          <p:cNvSpPr/>
-          <p:nvPr/>
-        </p:nvSpPr>
-        <p:spPr>
-          <a:xfrm rot="16200000">
-            <a:off x="-936589" y="3167461"/>
-            <a:ext cx="4480883" cy="464400"/>
-          </a:xfrm>
-          <a:prstGeom prst="rect">
-            <a:avLst/>
-          </a:prstGeom>
-        </p:spPr>
-        <p:style>
-          <a:lnRef idx="2">
-            <a:schemeClr val="accent1">
-              <a:shade val="50000"/>
-            </a:schemeClr>
-          </a:lnRef>
-          <a:fillRef idx="1">
-            <a:schemeClr val="accent1"/>
-          </a:fillRef>
-          <a:effectRef idx="0">
-            <a:schemeClr val="accent1"/>
-          </a:effectRef>
-          <a:fontRef idx="minor">
-            <a:schemeClr val="lt1"/>
-          </a:fontRef>
-        </p:style>
-        <p:txBody>
-          <a:bodyPr rtlCol="0" anchor="ctr"/>
-          <a:lstStyle/>
-          <a:p>
-            <a:pPr algn="ctr"/>
-            <a:r>
-              <a:rPr lang="en-US" sz="2800" dirty="0" smtClean="0"/>
-              <a:t>MAIN</a:t>
-            </a:r>
-            <a:r>
-              <a:rPr lang="ru-RU" sz="2800" dirty="0" smtClean="0"/>
-              <a:t> </a:t>
-            </a:r>
-            <a:r>
-              <a:rPr lang="en-US" sz="2800" dirty="0" smtClean="0"/>
-              <a:t>service</a:t>
-            </a:r>
-            <a:endParaRPr lang="ru-RU" sz="2800" dirty="0"/>
-          </a:p>
-        </p:txBody>
-      </p:sp>
-    </p:spTree>
-    <p:extLst>
-      <p:ext uri="{BB962C8B-B14F-4D97-AF65-F5344CB8AC3E}">
-        <p14:creationId xmlns:p14="http://schemas.microsoft.com/office/powerpoint/2010/main" val="3050579546"/>
-      </p:ext>
-    </p:extLst>
-  </p:cSld>
-  <p:clrMapOvr>
-    <a:masterClrMapping/>
-  </p:clrMapOvr>
-  <mc:AlternateContent xmlns:mc="http://schemas.openxmlformats.org/markup-compatibility/2006" xmlns:p14="http://schemas.microsoft.com/office/powerpoint/2010/main">
-    <mc:Choice Requires="p14">
-      <p:transition spd="slow" p14:dur="2000"/>
-    </mc:Choice>
-    <mc:Fallback xmlns="">
-      <p:transition spd="slow"/>
-    </mc:Fallback>
-  </mc:AlternateContent>
-  <p:timing>
-    <p:tnLst>
-      <p:par>
-        <p:cTn id="1" dur="indefinite" restart="never" nodeType="tmRoot"/>
-      </p:par>
-    </p:tnLst>
-  </p:timing>
-</p:sld>
-</file>
-
-<file path=ppt/slides/slide11.xml><?xml version="1.0" encoding="utf-8"?>
 <p:sld xmlns:a="http://schemas.openxmlformats.org/drawingml/2006/main" xmlns:r="http://schemas.openxmlformats.org/officeDocument/2006/relationships" xmlns:p="http://schemas.openxmlformats.org/presentationml/2006/main">
   <p:cSld>
     <p:spTree>
@@ -7200,7 +4150,7 @@
 </p:sld>
 </file>
 
-<file path=ppt/slides/slide12.xml><?xml version="1.0" encoding="utf-8"?>
+<file path=ppt/slides/slide11.xml><?xml version="1.0" encoding="utf-8"?>
 <p:sld xmlns:a="http://schemas.openxmlformats.org/drawingml/2006/main" xmlns:r="http://schemas.openxmlformats.org/officeDocument/2006/relationships" xmlns:p="http://schemas.openxmlformats.org/presentationml/2006/main">
   <p:cSld>
     <p:spTree>
@@ -7323,7 +4273,7 @@
 </p:sld>
 </file>
 
-<file path=ppt/slides/slide13.xml><?xml version="1.0" encoding="utf-8"?>
+<file path=ppt/slides/slide12.xml><?xml version="1.0" encoding="utf-8"?>
 <p:sld xmlns:a="http://schemas.openxmlformats.org/drawingml/2006/main" xmlns:r="http://schemas.openxmlformats.org/officeDocument/2006/relationships" xmlns:p="http://schemas.openxmlformats.org/presentationml/2006/main">
   <p:cSld>
     <p:spTree>
@@ -8731,7 +5681,7 @@
 </p:sld>
 </file>
 
-<file path=ppt/slides/slide14.xml><?xml version="1.0" encoding="utf-8"?>
+<file path=ppt/slides/slide13.xml><?xml version="1.0" encoding="utf-8"?>
 <p:sld xmlns:a="http://schemas.openxmlformats.org/drawingml/2006/main" xmlns:r="http://schemas.openxmlformats.org/officeDocument/2006/relationships" xmlns:p="http://schemas.openxmlformats.org/presentationml/2006/main">
   <p:cSld>
     <p:spTree>
@@ -9807,7 +6757,7 @@
 </p:sld>
 </file>
 
-<file path=ppt/slides/slide15.xml><?xml version="1.0" encoding="utf-8"?>
+<file path=ppt/slides/slide14.xml><?xml version="1.0" encoding="utf-8"?>
 <p:sld xmlns:a="http://schemas.openxmlformats.org/drawingml/2006/main" xmlns:r="http://schemas.openxmlformats.org/officeDocument/2006/relationships" xmlns:p="http://schemas.openxmlformats.org/presentationml/2006/main">
   <p:cSld>
     <p:spTree>
@@ -11046,7 +7996,7 @@
 </p:sld>
 </file>
 
-<file path=ppt/slides/slide16.xml><?xml version="1.0" encoding="utf-8"?>
+<file path=ppt/slides/slide15.xml><?xml version="1.0" encoding="utf-8"?>
 <p:sld xmlns:a="http://schemas.openxmlformats.org/drawingml/2006/main" xmlns:r="http://schemas.openxmlformats.org/officeDocument/2006/relationships" xmlns:p="http://schemas.openxmlformats.org/presentationml/2006/main">
   <p:cSld>
     <p:spTree>
@@ -12563,7 +9513,7 @@
 </p:sld>
 </file>
 
-<file path=ppt/slides/slide17.xml><?xml version="1.0" encoding="utf-8"?>
+<file path=ppt/slides/slide16.xml><?xml version="1.0" encoding="utf-8"?>
 <p:sld xmlns:a="http://schemas.openxmlformats.org/drawingml/2006/main" xmlns:r="http://schemas.openxmlformats.org/officeDocument/2006/relationships" xmlns:p="http://schemas.openxmlformats.org/presentationml/2006/main">
   <p:cSld>
     <p:spTree>
@@ -14338,7 +11288,7 @@
 </p:sld>
 </file>
 
-<file path=ppt/slides/slide18.xml><?xml version="1.0" encoding="utf-8"?>
+<file path=ppt/slides/slide17.xml><?xml version="1.0" encoding="utf-8"?>
 <p:sld xmlns:a="http://schemas.openxmlformats.org/drawingml/2006/main" xmlns:r="http://schemas.openxmlformats.org/officeDocument/2006/relationships" xmlns:p="http://schemas.openxmlformats.org/presentationml/2006/main">
   <p:cSld>
     <p:spTree>
@@ -16825,7 +13775,7 @@
 </p:sld>
 </file>
 
-<file path=ppt/slides/slide19.xml><?xml version="1.0" encoding="utf-8"?>
+<file path=ppt/slides/slide18.xml><?xml version="1.0" encoding="utf-8"?>
 <p:sld xmlns:a="http://schemas.openxmlformats.org/drawingml/2006/main" xmlns:r="http://schemas.openxmlformats.org/officeDocument/2006/relationships" xmlns:p="http://schemas.openxmlformats.org/presentationml/2006/main">
   <p:cSld>
     <p:spTree>
@@ -17209,354 +14159,7 @@
 </p:sld>
 </file>
 
-<file path=ppt/slides/slide2.xml><?xml version="1.0" encoding="utf-8"?>
-<p:sld xmlns:a="http://schemas.openxmlformats.org/drawingml/2006/main" xmlns:r="http://schemas.openxmlformats.org/officeDocument/2006/relationships" xmlns:p="http://schemas.openxmlformats.org/presentationml/2006/main">
-  <p:cSld>
-    <p:spTree>
-      <p:nvGrpSpPr>
-        <p:cNvPr id="1" name=""/>
-        <p:cNvGrpSpPr/>
-        <p:nvPr/>
-      </p:nvGrpSpPr>
-      <p:grpSpPr>
-        <a:xfrm>
-          <a:off x="0" y="0"/>
-          <a:ext cx="0" cy="0"/>
-          <a:chOff x="0" y="0"/>
-          <a:chExt cx="0" cy="0"/>
-        </a:xfrm>
-      </p:grpSpPr>
-      <p:sp>
-        <p:nvSpPr>
-          <p:cNvPr id="11" name="Прямоугольник 10"/>
-          <p:cNvSpPr/>
-          <p:nvPr/>
-        </p:nvSpPr>
-        <p:spPr>
-          <a:xfrm>
-            <a:off x="4724400" y="1629136"/>
-            <a:ext cx="2743200" cy="2746094"/>
-          </a:xfrm>
-          <a:prstGeom prst="rect">
-            <a:avLst/>
-          </a:prstGeom>
-        </p:spPr>
-        <p:style>
-          <a:lnRef idx="2">
-            <a:schemeClr val="accent1">
-              <a:shade val="50000"/>
-            </a:schemeClr>
-          </a:lnRef>
-          <a:fillRef idx="1">
-            <a:schemeClr val="accent1"/>
-          </a:fillRef>
-          <a:effectRef idx="0">
-            <a:schemeClr val="accent1"/>
-          </a:effectRef>
-          <a:fontRef idx="minor">
-            <a:schemeClr val="lt1"/>
-          </a:fontRef>
-        </p:style>
-        <p:txBody>
-          <a:bodyPr rtlCol="0" anchor="ctr"/>
-          <a:lstStyle/>
-          <a:p>
-            <a:pPr algn="ctr"/>
-            <a:endParaRPr lang="ru-RU"/>
-          </a:p>
-        </p:txBody>
-      </p:sp>
-      <p:sp>
-        <p:nvSpPr>
-          <p:cNvPr id="4" name="Прямоугольник 3"/>
-          <p:cNvSpPr/>
-          <p:nvPr/>
-        </p:nvSpPr>
-        <p:spPr>
-          <a:xfrm>
-            <a:off x="0" y="0"/>
-            <a:ext cx="914400" cy="914400"/>
-          </a:xfrm>
-          <a:prstGeom prst="rect">
-            <a:avLst/>
-          </a:prstGeom>
-        </p:spPr>
-        <p:style>
-          <a:lnRef idx="2">
-            <a:schemeClr val="accent1">
-              <a:shade val="50000"/>
-            </a:schemeClr>
-          </a:lnRef>
-          <a:fillRef idx="1">
-            <a:schemeClr val="accent1"/>
-          </a:fillRef>
-          <a:effectRef idx="0">
-            <a:schemeClr val="accent1"/>
-          </a:effectRef>
-          <a:fontRef idx="minor">
-            <a:schemeClr val="lt1"/>
-          </a:fontRef>
-        </p:style>
-        <p:txBody>
-          <a:bodyPr rtlCol="0" anchor="ctr"/>
-          <a:lstStyle/>
-          <a:p>
-            <a:pPr algn="ctr"/>
-            <a:endParaRPr lang="ru-RU"/>
-          </a:p>
-        </p:txBody>
-      </p:sp>
-      <p:sp>
-        <p:nvSpPr>
-          <p:cNvPr id="5" name="Прямоугольник 4"/>
-          <p:cNvSpPr/>
-          <p:nvPr/>
-        </p:nvSpPr>
-        <p:spPr>
-          <a:xfrm>
-            <a:off x="11277600" y="0"/>
-            <a:ext cx="914400" cy="914400"/>
-          </a:xfrm>
-          <a:prstGeom prst="rect">
-            <a:avLst/>
-          </a:prstGeom>
-        </p:spPr>
-        <p:style>
-          <a:lnRef idx="2">
-            <a:schemeClr val="accent1">
-              <a:shade val="50000"/>
-            </a:schemeClr>
-          </a:lnRef>
-          <a:fillRef idx="1">
-            <a:schemeClr val="accent1"/>
-          </a:fillRef>
-          <a:effectRef idx="0">
-            <a:schemeClr val="accent1"/>
-          </a:effectRef>
-          <a:fontRef idx="minor">
-            <a:schemeClr val="lt1"/>
-          </a:fontRef>
-        </p:style>
-        <p:txBody>
-          <a:bodyPr rtlCol="0" anchor="ctr"/>
-          <a:lstStyle/>
-          <a:p>
-            <a:pPr algn="ctr"/>
-            <a:endParaRPr lang="ru-RU"/>
-          </a:p>
-        </p:txBody>
-      </p:sp>
-      <p:sp>
-        <p:nvSpPr>
-          <p:cNvPr id="6" name="Прямоугольник 5"/>
-          <p:cNvSpPr/>
-          <p:nvPr/>
-        </p:nvSpPr>
-        <p:spPr>
-          <a:xfrm>
-            <a:off x="5638800" y="0"/>
-            <a:ext cx="914400" cy="914400"/>
-          </a:xfrm>
-          <a:prstGeom prst="rect">
-            <a:avLst/>
-          </a:prstGeom>
-        </p:spPr>
-        <p:style>
-          <a:lnRef idx="2">
-            <a:schemeClr val="accent1">
-              <a:shade val="50000"/>
-            </a:schemeClr>
-          </a:lnRef>
-          <a:fillRef idx="1">
-            <a:schemeClr val="accent1"/>
-          </a:fillRef>
-          <a:effectRef idx="0">
-            <a:schemeClr val="accent1"/>
-          </a:effectRef>
-          <a:fontRef idx="minor">
-            <a:schemeClr val="lt1"/>
-          </a:fontRef>
-        </p:style>
-        <p:txBody>
-          <a:bodyPr rtlCol="0" anchor="ctr"/>
-          <a:lstStyle/>
-          <a:p>
-            <a:pPr algn="ctr"/>
-            <a:endParaRPr lang="ru-RU"/>
-          </a:p>
-        </p:txBody>
-      </p:sp>
-      <p:sp>
-        <p:nvSpPr>
-          <p:cNvPr id="7" name="Прямоугольник 6"/>
-          <p:cNvSpPr/>
-          <p:nvPr/>
-        </p:nvSpPr>
-        <p:spPr>
-          <a:xfrm>
-            <a:off x="5638800" y="5943600"/>
-            <a:ext cx="914400" cy="914400"/>
-          </a:xfrm>
-          <a:prstGeom prst="rect">
-            <a:avLst/>
-          </a:prstGeom>
-        </p:spPr>
-        <p:style>
-          <a:lnRef idx="2">
-            <a:schemeClr val="accent1">
-              <a:shade val="50000"/>
-            </a:schemeClr>
-          </a:lnRef>
-          <a:fillRef idx="1">
-            <a:schemeClr val="accent1"/>
-          </a:fillRef>
-          <a:effectRef idx="0">
-            <a:schemeClr val="accent1"/>
-          </a:effectRef>
-          <a:fontRef idx="minor">
-            <a:schemeClr val="lt1"/>
-          </a:fontRef>
-        </p:style>
-        <p:txBody>
-          <a:bodyPr rtlCol="0" anchor="ctr"/>
-          <a:lstStyle/>
-          <a:p>
-            <a:pPr algn="ctr"/>
-            <a:endParaRPr lang="ru-RU"/>
-          </a:p>
-        </p:txBody>
-      </p:sp>
-      <p:sp>
-        <p:nvSpPr>
-          <p:cNvPr id="12" name="Прямоугольник 11"/>
-          <p:cNvSpPr/>
-          <p:nvPr/>
-        </p:nvSpPr>
-        <p:spPr>
-          <a:xfrm>
-            <a:off x="7919013" y="1629136"/>
-            <a:ext cx="2743200" cy="2746094"/>
-          </a:xfrm>
-          <a:prstGeom prst="rect">
-            <a:avLst/>
-          </a:prstGeom>
-        </p:spPr>
-        <p:style>
-          <a:lnRef idx="2">
-            <a:schemeClr val="accent1">
-              <a:shade val="50000"/>
-            </a:schemeClr>
-          </a:lnRef>
-          <a:fillRef idx="1">
-            <a:schemeClr val="accent1"/>
-          </a:fillRef>
-          <a:effectRef idx="0">
-            <a:schemeClr val="accent1"/>
-          </a:effectRef>
-          <a:fontRef idx="minor">
-            <a:schemeClr val="lt1"/>
-          </a:fontRef>
-        </p:style>
-        <p:txBody>
-          <a:bodyPr rtlCol="0" anchor="ctr"/>
-          <a:lstStyle/>
-          <a:p>
-            <a:pPr algn="ctr"/>
-            <a:endParaRPr lang="ru-RU"/>
-          </a:p>
-        </p:txBody>
-      </p:sp>
-      <p:sp>
-        <p:nvSpPr>
-          <p:cNvPr id="13" name="Прямоугольник 12"/>
-          <p:cNvSpPr/>
-          <p:nvPr/>
-        </p:nvSpPr>
-        <p:spPr>
-          <a:xfrm>
-            <a:off x="1529787" y="1629136"/>
-            <a:ext cx="2743200" cy="2746094"/>
-          </a:xfrm>
-          <a:prstGeom prst="rect">
-            <a:avLst/>
-          </a:prstGeom>
-        </p:spPr>
-        <p:style>
-          <a:lnRef idx="2">
-            <a:schemeClr val="accent1">
-              <a:shade val="50000"/>
-            </a:schemeClr>
-          </a:lnRef>
-          <a:fillRef idx="1">
-            <a:schemeClr val="accent1"/>
-          </a:fillRef>
-          <a:effectRef idx="0">
-            <a:schemeClr val="accent1"/>
-          </a:effectRef>
-          <a:fontRef idx="minor">
-            <a:schemeClr val="lt1"/>
-          </a:fontRef>
-        </p:style>
-        <p:txBody>
-          <a:bodyPr rtlCol="0" anchor="ctr"/>
-          <a:lstStyle/>
-          <a:p>
-            <a:pPr algn="ctr"/>
-            <a:endParaRPr lang="ru-RU"/>
-          </a:p>
-        </p:txBody>
-      </p:sp>
-      <p:sp>
-        <p:nvSpPr>
-          <p:cNvPr id="14" name="TextBox 13"/>
-          <p:cNvSpPr txBox="1"/>
-          <p:nvPr/>
-        </p:nvSpPr>
-        <p:spPr>
-          <a:xfrm>
-            <a:off x="914401" y="305787"/>
-            <a:ext cx="10363199" cy="707886"/>
-          </a:xfrm>
-          <a:prstGeom prst="rect">
-            <a:avLst/>
-          </a:prstGeom>
-          <a:noFill/>
-        </p:spPr>
-        <p:txBody>
-          <a:bodyPr wrap="square" rtlCol="0" anchor="ctr">
-            <a:spAutoFit/>
-          </a:bodyPr>
-          <a:lstStyle/>
-          <a:p>
-            <a:pPr algn="ctr"/>
-            <a:r>
-              <a:rPr lang="ru-RU" sz="4000" dirty="0" smtClean="0"/>
-              <a:t>Архитектура</a:t>
-            </a:r>
-          </a:p>
-        </p:txBody>
-      </p:sp>
-    </p:spTree>
-    <p:extLst>
-      <p:ext uri="{BB962C8B-B14F-4D97-AF65-F5344CB8AC3E}">
-        <p14:creationId xmlns:p14="http://schemas.microsoft.com/office/powerpoint/2010/main" val="3437699797"/>
-      </p:ext>
-    </p:extLst>
-  </p:cSld>
-  <p:clrMapOvr>
-    <a:masterClrMapping/>
-  </p:clrMapOvr>
-  <p:timing>
-    <p:tnLst>
-      <p:par>
-        <p:cTn id="1" dur="indefinite" restart="never" nodeType="tmRoot"/>
-      </p:par>
-    </p:tnLst>
-  </p:timing>
-</p:sld>
-</file>
-
-<file path=ppt/slides/slide20.xml><?xml version="1.0" encoding="utf-8"?>
+<file path=ppt/slides/slide19.xml><?xml version="1.0" encoding="utf-8"?>
 <p:sld xmlns:a="http://schemas.openxmlformats.org/drawingml/2006/main" xmlns:r="http://schemas.openxmlformats.org/officeDocument/2006/relationships" xmlns:p="http://schemas.openxmlformats.org/presentationml/2006/main">
   <p:cSld>
     <p:spTree>
@@ -17606,14 +14209,160 @@
       </p:sp>
       <p:sp>
         <p:nvSpPr>
-          <p:cNvPr id="2" name="TextBox 1"/>
+          <p:cNvPr id="3" name="Улыбающееся лицо 2"/>
+          <p:cNvSpPr/>
+          <p:nvPr/>
+        </p:nvSpPr>
+        <p:spPr>
+          <a:xfrm>
+            <a:off x="8929834" y="1361424"/>
+            <a:ext cx="914400" cy="914400"/>
+          </a:xfrm>
+          <a:prstGeom prst="smileyFace">
+            <a:avLst>
+              <a:gd name="adj" fmla="val -4653"/>
+            </a:avLst>
+          </a:prstGeom>
+          <a:noFill/>
+          <a:ln w="38100">
+            <a:solidFill>
+              <a:schemeClr val="accent2">
+                <a:lumMod val="75000"/>
+              </a:schemeClr>
+            </a:solidFill>
+          </a:ln>
+        </p:spPr>
+        <p:style>
+          <a:lnRef idx="2">
+            <a:schemeClr val="accent1">
+              <a:shade val="50000"/>
+            </a:schemeClr>
+          </a:lnRef>
+          <a:fillRef idx="1">
+            <a:schemeClr val="accent1"/>
+          </a:fillRef>
+          <a:effectRef idx="0">
+            <a:schemeClr val="accent1"/>
+          </a:effectRef>
+          <a:fontRef idx="minor">
+            <a:schemeClr val="lt1"/>
+          </a:fontRef>
+        </p:style>
+        <p:txBody>
+          <a:bodyPr rtlCol="0" anchor="ctr"/>
+          <a:lstStyle/>
+          <a:p>
+            <a:pPr algn="ctr"/>
+            <a:endParaRPr lang="ru-RU"/>
+          </a:p>
+        </p:txBody>
+      </p:sp>
+      <p:sp>
+        <p:nvSpPr>
+          <p:cNvPr id="5" name="Улыбающееся лицо 4"/>
+          <p:cNvSpPr/>
+          <p:nvPr/>
+        </p:nvSpPr>
+        <p:spPr>
+          <a:xfrm>
+            <a:off x="2172148" y="1361424"/>
+            <a:ext cx="914400" cy="914400"/>
+          </a:xfrm>
+          <a:prstGeom prst="smileyFace">
+            <a:avLst/>
+          </a:prstGeom>
+          <a:noFill/>
+          <a:ln w="38100">
+            <a:solidFill>
+              <a:schemeClr val="accent6">
+                <a:lumMod val="75000"/>
+              </a:schemeClr>
+            </a:solidFill>
+          </a:ln>
+        </p:spPr>
+        <p:style>
+          <a:lnRef idx="2">
+            <a:schemeClr val="accent1">
+              <a:shade val="50000"/>
+            </a:schemeClr>
+          </a:lnRef>
+          <a:fillRef idx="1">
+            <a:schemeClr val="accent1"/>
+          </a:fillRef>
+          <a:effectRef idx="0">
+            <a:schemeClr val="accent1"/>
+          </a:effectRef>
+          <a:fontRef idx="minor">
+            <a:schemeClr val="lt1"/>
+          </a:fontRef>
+        </p:style>
+        <p:txBody>
+          <a:bodyPr rtlCol="0" anchor="ctr"/>
+          <a:lstStyle/>
+          <a:p>
+            <a:pPr algn="ctr"/>
+            <a:endParaRPr lang="ru-RU"/>
+          </a:p>
+        </p:txBody>
+      </p:sp>
+      <p:sp>
+        <p:nvSpPr>
+          <p:cNvPr id="4" name="Выноска-облако 3"/>
+          <p:cNvSpPr/>
+          <p:nvPr/>
+        </p:nvSpPr>
+        <p:spPr>
+          <a:xfrm>
+            <a:off x="5550991" y="1361424"/>
+            <a:ext cx="914400" cy="612648"/>
+          </a:xfrm>
+          <a:prstGeom prst="cloudCallout">
+            <a:avLst/>
+          </a:prstGeom>
+          <a:noFill/>
+          <a:ln w="38100">
+            <a:solidFill>
+              <a:schemeClr val="accent1">
+                <a:lumMod val="75000"/>
+              </a:schemeClr>
+            </a:solidFill>
+          </a:ln>
+        </p:spPr>
+        <p:style>
+          <a:lnRef idx="2">
+            <a:schemeClr val="accent1">
+              <a:shade val="50000"/>
+            </a:schemeClr>
+          </a:lnRef>
+          <a:fillRef idx="1">
+            <a:schemeClr val="accent1"/>
+          </a:fillRef>
+          <a:effectRef idx="0">
+            <a:schemeClr val="accent1"/>
+          </a:effectRef>
+          <a:fontRef idx="minor">
+            <a:schemeClr val="lt1"/>
+          </a:fontRef>
+        </p:style>
+        <p:txBody>
+          <a:bodyPr rtlCol="0" anchor="ctr"/>
+          <a:lstStyle/>
+          <a:p>
+            <a:pPr algn="ctr"/>
+            <a:endParaRPr lang="ru-RU"/>
+          </a:p>
+        </p:txBody>
+      </p:sp>
+      <p:sp>
+        <p:nvSpPr>
+          <p:cNvPr id="6" name="TextBox 5"/>
           <p:cNvSpPr txBox="1"/>
           <p:nvPr/>
         </p:nvSpPr>
         <p:spPr>
           <a:xfrm>
-            <a:off x="2121031" y="1593130"/>
-            <a:ext cx="6894644" cy="369332"/>
+            <a:off x="914401" y="2562282"/>
+            <a:ext cx="3530277" cy="3693319"/>
           </a:xfrm>
           <a:prstGeom prst="rect">
             <a:avLst/>
@@ -17621,15 +14370,290 @@
           <a:noFill/>
         </p:spPr>
         <p:txBody>
-          <a:bodyPr wrap="none" rtlCol="0">
+          <a:bodyPr wrap="square" rtlCol="0">
             <a:spAutoFit/>
           </a:bodyPr>
           <a:lstStyle/>
           <a:p>
+            <a:pPr algn="ctr"/>
+            <a:r>
+              <a:rPr lang="ru-RU" b="1" dirty="0" smtClean="0"/>
+              <a:t>Личные достижения:</a:t>
+            </a:r>
+          </a:p>
+          <a:p>
+            <a:pPr marL="285750" indent="-285750">
+              <a:buFont typeface="Arial" panose="020B0604020202020204" pitchFamily="34" charset="0"/>
+              <a:buChar char="•"/>
+            </a:pPr>
             <a:r>
               <a:rPr lang="ru-RU" dirty="0" smtClean="0"/>
-              <a:t>Что можно добавить, что получилось хорошо, что получилось плохо</a:t>
-            </a:r>
+              <a:t>Достигли поставленной цели</a:t>
+            </a:r>
+          </a:p>
+          <a:p>
+            <a:pPr marL="285750" indent="-285750">
+              <a:buFont typeface="Arial" panose="020B0604020202020204" pitchFamily="34" charset="0"/>
+              <a:buChar char="•"/>
+            </a:pPr>
+            <a:r>
+              <a:rPr lang="ru-RU" dirty="0" smtClean="0"/>
+              <a:t>Получили навыки работы с новыми</a:t>
+            </a:r>
+            <a:r>
+              <a:rPr lang="ru-RU" dirty="0"/>
+              <a:t> </a:t>
+            </a:r>
+            <a:r>
+              <a:rPr lang="ru-RU" dirty="0" smtClean="0"/>
+              <a:t>инструментами</a:t>
+            </a:r>
+          </a:p>
+          <a:p>
+            <a:pPr marL="285750" indent="-285750">
+              <a:buFont typeface="Arial" panose="020B0604020202020204" pitchFamily="34" charset="0"/>
+              <a:buChar char="•"/>
+            </a:pPr>
+            <a:r>
+              <a:rPr lang="ru-RU" dirty="0" smtClean="0"/>
+              <a:t>Получили навыки парной разработки</a:t>
+            </a:r>
+          </a:p>
+          <a:p>
+            <a:pPr algn="ctr"/>
+            <a:r>
+              <a:rPr lang="ru-RU" b="1" dirty="0" smtClean="0"/>
+              <a:t>Достижения системы:</a:t>
+            </a:r>
+          </a:p>
+          <a:p>
+            <a:pPr marL="285750" indent="-285750">
+              <a:buFont typeface="Arial" panose="020B0604020202020204" pitchFamily="34" charset="0"/>
+              <a:buChar char="•"/>
+            </a:pPr>
+            <a:r>
+              <a:rPr lang="ru-RU" dirty="0" smtClean="0"/>
+              <a:t>Система позволяет распределить задачи между независимыми сервисами</a:t>
+            </a:r>
+          </a:p>
+          <a:p>
+            <a:pPr marL="285750" indent="-285750">
+              <a:buFont typeface="Arial" panose="020B0604020202020204" pitchFamily="34" charset="0"/>
+              <a:buChar char="•"/>
+            </a:pPr>
+            <a:r>
+              <a:rPr lang="ru-RU" dirty="0" smtClean="0"/>
+              <a:t>Система «моделей» позволяет легко добавлять новые сущности</a:t>
+            </a:r>
+          </a:p>
+        </p:txBody>
+      </p:sp>
+      <p:sp>
+        <p:nvSpPr>
+          <p:cNvPr id="8" name="TextBox 7"/>
+          <p:cNvSpPr txBox="1"/>
+          <p:nvPr/>
+        </p:nvSpPr>
+        <p:spPr>
+          <a:xfrm>
+            <a:off x="4243052" y="2562282"/>
+            <a:ext cx="3530277" cy="3416320"/>
+          </a:xfrm>
+          <a:prstGeom prst="rect">
+            <a:avLst/>
+          </a:prstGeom>
+          <a:noFill/>
+        </p:spPr>
+        <p:txBody>
+          <a:bodyPr wrap="square" rtlCol="0">
+            <a:spAutoFit/>
+          </a:bodyPr>
+          <a:lstStyle/>
+          <a:p>
+            <a:pPr algn="ctr"/>
+            <a:r>
+              <a:rPr lang="ru-RU" b="1" dirty="0" smtClean="0"/>
+              <a:t>Возможные доработки:</a:t>
+            </a:r>
+          </a:p>
+          <a:p>
+            <a:pPr marL="285750" indent="-285750">
+              <a:buFont typeface="Arial" panose="020B0604020202020204" pitchFamily="34" charset="0"/>
+              <a:buChar char="•"/>
+            </a:pPr>
+            <a:r>
+              <a:rPr lang="ru-RU" dirty="0" smtClean="0"/>
+              <a:t>Добавление новых записей в БД с помощью </a:t>
+            </a:r>
+            <a:r>
+              <a:rPr lang="en-US" dirty="0" smtClean="0"/>
+              <a:t>REST-API</a:t>
+            </a:r>
+            <a:r>
+              <a:rPr lang="ru-RU" dirty="0" smtClean="0"/>
+              <a:t> (заготовки в коде)</a:t>
+            </a:r>
+          </a:p>
+          <a:p>
+            <a:pPr marL="285750" indent="-285750">
+              <a:buFont typeface="Arial" panose="020B0604020202020204" pitchFamily="34" charset="0"/>
+              <a:buChar char="•"/>
+            </a:pPr>
+            <a:r>
+              <a:rPr lang="ru-RU" dirty="0" smtClean="0"/>
+              <a:t>Стандартизация возвращаемых сервером объектов</a:t>
+            </a:r>
+          </a:p>
+          <a:p>
+            <a:pPr marL="285750" indent="-285750">
+              <a:buFont typeface="Arial" panose="020B0604020202020204" pitchFamily="34" charset="0"/>
+              <a:buChar char="•"/>
+            </a:pPr>
+            <a:r>
+              <a:rPr lang="ru-RU" dirty="0" smtClean="0"/>
+              <a:t>Автоматическая регистрация новых пользователей </a:t>
+            </a:r>
+            <a:r>
+              <a:rPr lang="en-US" dirty="0" smtClean="0"/>
+              <a:t>User</a:t>
+            </a:r>
+            <a:r>
+              <a:rPr lang="ru-RU" dirty="0" smtClean="0"/>
+              <a:t>-сервиса в </a:t>
+            </a:r>
+            <a:r>
+              <a:rPr lang="en-US" dirty="0" smtClean="0"/>
+              <a:t>Credit</a:t>
+            </a:r>
+            <a:r>
+              <a:rPr lang="ru-RU" dirty="0" smtClean="0"/>
+              <a:t>-сервисе</a:t>
+            </a:r>
+          </a:p>
+          <a:p>
+            <a:pPr marL="285750" indent="-285750">
+              <a:buFont typeface="Arial" panose="020B0604020202020204" pitchFamily="34" charset="0"/>
+              <a:buChar char="•"/>
+            </a:pPr>
+            <a:r>
+              <a:rPr lang="ru-RU" dirty="0" smtClean="0"/>
+              <a:t>Графический пользовательский интерфейс</a:t>
+            </a:r>
+          </a:p>
+        </p:txBody>
+      </p:sp>
+      <p:sp>
+        <p:nvSpPr>
+          <p:cNvPr id="9" name="TextBox 8"/>
+          <p:cNvSpPr txBox="1"/>
+          <p:nvPr/>
+        </p:nvSpPr>
+        <p:spPr>
+          <a:xfrm>
+            <a:off x="7621895" y="2562281"/>
+            <a:ext cx="3530277" cy="3693319"/>
+          </a:xfrm>
+          <a:prstGeom prst="rect">
+            <a:avLst/>
+          </a:prstGeom>
+          <a:noFill/>
+        </p:spPr>
+        <p:txBody>
+          <a:bodyPr wrap="square" rtlCol="0">
+            <a:spAutoFit/>
+          </a:bodyPr>
+          <a:lstStyle/>
+          <a:p>
+            <a:pPr algn="ctr"/>
+            <a:r>
+              <a:rPr lang="ru-RU" b="1" dirty="0" smtClean="0"/>
+              <a:t>Проблемы и неудачи:</a:t>
+            </a:r>
+          </a:p>
+          <a:p>
+            <a:pPr marL="285750" indent="-285750">
+              <a:buFont typeface="Arial" panose="020B0604020202020204" pitchFamily="34" charset="0"/>
+              <a:buChar char="•"/>
+            </a:pPr>
+            <a:r>
+              <a:rPr lang="ru-RU" dirty="0" smtClean="0"/>
+              <a:t>Устранение неоднозначности запроса решается выборкой первого пользователя из возможных =</a:t>
+            </a:r>
+            <a:r>
+              <a:rPr lang="en-US" dirty="0" smtClean="0"/>
+              <a:t>&gt; </a:t>
+            </a:r>
+            <a:r>
+              <a:rPr lang="ru-RU" dirty="0" smtClean="0"/>
+              <a:t>возвращать пользователю массив идентификаторов пользователей для повторного запроса? (заготовки в коде)</a:t>
+            </a:r>
+            <a:endParaRPr lang="ru-RU" dirty="0"/>
+          </a:p>
+          <a:p>
+            <a:pPr marL="285750" indent="-285750">
+              <a:buFont typeface="Arial" panose="020B0604020202020204" pitchFamily="34" charset="0"/>
+              <a:buChar char="•"/>
+            </a:pPr>
+            <a:r>
+              <a:rPr lang="ru-RU" dirty="0" smtClean="0"/>
+              <a:t>Избыточность данных о пользователях на стороне </a:t>
+            </a:r>
+            <a:r>
+              <a:rPr lang="en-US" dirty="0" smtClean="0"/>
+              <a:t>Credit</a:t>
+            </a:r>
+            <a:r>
+              <a:rPr lang="ru-RU" dirty="0" smtClean="0"/>
+              <a:t>-сервиса для избегания повторных регистраций</a:t>
+            </a:r>
+          </a:p>
+        </p:txBody>
+      </p:sp>
+      <p:sp>
+        <p:nvSpPr>
+          <p:cNvPr id="7" name="Молния 6"/>
+          <p:cNvSpPr/>
+          <p:nvPr/>
+        </p:nvSpPr>
+        <p:spPr>
+          <a:xfrm>
+            <a:off x="6000334" y="1805568"/>
+            <a:ext cx="465057" cy="465057"/>
+          </a:xfrm>
+          <a:prstGeom prst="lightningBolt">
+            <a:avLst/>
+          </a:prstGeom>
+          <a:solidFill>
+            <a:srgbClr val="FFFF00"/>
+          </a:solidFill>
+          <a:ln w="3175">
+            <a:solidFill>
+              <a:schemeClr val="tx1"/>
+            </a:solidFill>
+          </a:ln>
+        </p:spPr>
+        <p:style>
+          <a:lnRef idx="2">
+            <a:schemeClr val="accent1">
+              <a:shade val="50000"/>
+            </a:schemeClr>
+          </a:lnRef>
+          <a:fillRef idx="1">
+            <a:schemeClr val="accent1"/>
+          </a:fillRef>
+          <a:effectRef idx="0">
+            <a:schemeClr val="accent1"/>
+          </a:effectRef>
+          <a:fontRef idx="minor">
+            <a:schemeClr val="lt1"/>
+          </a:fontRef>
+        </p:style>
+        <p:txBody>
+          <a:bodyPr rtlCol="0" anchor="ctr"/>
+          <a:lstStyle/>
+          <a:p>
+            <a:pPr algn="ctr"/>
+            <a:endParaRPr lang="ru-RU"/>
           </a:p>
         </p:txBody>
       </p:sp>
@@ -17661,7 +14685,7 @@
 </p:sld>
 </file>
 
-<file path=ppt/slides/slide3.xml><?xml version="1.0" encoding="utf-8"?>
+<file path=ppt/slides/slide2.xml><?xml version="1.0" encoding="utf-8"?>
 <p:sld xmlns:a="http://schemas.openxmlformats.org/drawingml/2006/main" xmlns:r="http://schemas.openxmlformats.org/officeDocument/2006/relationships" xmlns:p="http://schemas.openxmlformats.org/presentationml/2006/main">
   <p:cSld>
     <p:spTree>
@@ -17729,7 +14753,7 @@
 </p:sld>
 </file>
 
-<file path=ppt/slides/slide4.xml><?xml version="1.0" encoding="utf-8"?>
+<file path=ppt/slides/slide3.xml><?xml version="1.0" encoding="utf-8"?>
 <p:sld xmlns:a="http://schemas.openxmlformats.org/drawingml/2006/main" xmlns:r="http://schemas.openxmlformats.org/officeDocument/2006/relationships" xmlns:p="http://schemas.openxmlformats.org/presentationml/2006/main">
   <p:cSld>
     <p:spTree>
@@ -18181,7 +15205,7 @@
 </p:sld>
 </file>
 
-<file path=ppt/slides/slide5.xml><?xml version="1.0" encoding="utf-8"?>
+<file path=ppt/slides/slide4.xml><?xml version="1.0" encoding="utf-8"?>
 <p:sld xmlns:a="http://schemas.openxmlformats.org/drawingml/2006/main" xmlns:r="http://schemas.openxmlformats.org/officeDocument/2006/relationships" xmlns:p="http://schemas.openxmlformats.org/presentationml/2006/main">
   <p:cSld>
     <p:spTree>
@@ -19066,7 +16090,7 @@
 </p:sld>
 </file>
 
-<file path=ppt/slides/slide6.xml><?xml version="1.0" encoding="utf-8"?>
+<file path=ppt/slides/slide5.xml><?xml version="1.0" encoding="utf-8"?>
 <p:sld xmlns:a="http://schemas.openxmlformats.org/drawingml/2006/main" xmlns:r="http://schemas.openxmlformats.org/officeDocument/2006/relationships" xmlns:p="http://schemas.openxmlformats.org/presentationml/2006/main">
   <p:cSld>
     <p:spTree>
@@ -21166,7 +18190,7 @@
 </p:sld>
 </file>
 
-<file path=ppt/slides/slide7.xml><?xml version="1.0" encoding="utf-8"?>
+<file path=ppt/slides/slide6.xml><?xml version="1.0" encoding="utf-8"?>
 <p:sld xmlns:a="http://schemas.openxmlformats.org/drawingml/2006/main" xmlns:r="http://schemas.openxmlformats.org/officeDocument/2006/relationships" xmlns:p="http://schemas.openxmlformats.org/presentationml/2006/main">
   <p:cSld>
     <p:spTree>
@@ -22717,7 +19741,7 @@
 </p:sld>
 </file>
 
-<file path=ppt/slides/slide8.xml><?xml version="1.0" encoding="utf-8"?>
+<file path=ppt/slides/slide7.xml><?xml version="1.0" encoding="utf-8"?>
 <p:sld xmlns:a="http://schemas.openxmlformats.org/drawingml/2006/main" xmlns:r="http://schemas.openxmlformats.org/officeDocument/2006/relationships" xmlns:p="http://schemas.openxmlformats.org/presentationml/2006/main">
   <p:cSld>
     <p:spTree>
@@ -24385,7 +21409,7 @@
 </p:sld>
 </file>
 
-<file path=ppt/slides/slide9.xml><?xml version="1.0" encoding="utf-8"?>
+<file path=ppt/slides/slide8.xml><?xml version="1.0" encoding="utf-8"?>
 <p:sld xmlns:a="http://schemas.openxmlformats.org/drawingml/2006/main" xmlns:r="http://schemas.openxmlformats.org/officeDocument/2006/relationships" xmlns:p="http://schemas.openxmlformats.org/presentationml/2006/main">
   <p:cSld>
     <p:spTree>
@@ -25516,6 +22540,3055 @@
     <p:extLst>
       <p:ext uri="{BB962C8B-B14F-4D97-AF65-F5344CB8AC3E}">
         <p14:creationId xmlns:p14="http://schemas.microsoft.com/office/powerpoint/2010/main" val="3894368805"/>
+      </p:ext>
+    </p:extLst>
+  </p:cSld>
+  <p:clrMapOvr>
+    <a:masterClrMapping/>
+  </p:clrMapOvr>
+  <mc:AlternateContent xmlns:mc="http://schemas.openxmlformats.org/markup-compatibility/2006" xmlns:p14="http://schemas.microsoft.com/office/powerpoint/2010/main">
+    <mc:Choice Requires="p14">
+      <p:transition spd="slow" p14:dur="2000"/>
+    </mc:Choice>
+    <mc:Fallback xmlns="">
+      <p:transition spd="slow"/>
+    </mc:Fallback>
+  </mc:AlternateContent>
+  <p:timing>
+    <p:tnLst>
+      <p:par>
+        <p:cTn id="1" dur="indefinite" restart="never" nodeType="tmRoot"/>
+      </p:par>
+    </p:tnLst>
+  </p:timing>
+</p:sld>
+</file>
+
+<file path=ppt/slides/slide9.xml><?xml version="1.0" encoding="utf-8"?>
+<p:sld xmlns:a="http://schemas.openxmlformats.org/drawingml/2006/main" xmlns:r="http://schemas.openxmlformats.org/officeDocument/2006/relationships" xmlns:p="http://schemas.openxmlformats.org/presentationml/2006/main">
+  <p:cSld>
+    <p:spTree>
+      <p:nvGrpSpPr>
+        <p:cNvPr id="1" name=""/>
+        <p:cNvGrpSpPr/>
+        <p:nvPr/>
+      </p:nvGrpSpPr>
+      <p:grpSpPr>
+        <a:xfrm>
+          <a:off x="0" y="0"/>
+          <a:ext cx="0" cy="0"/>
+          <a:chOff x="0" y="0"/>
+          <a:chExt cx="0" cy="0"/>
+        </a:xfrm>
+      </p:grpSpPr>
+      <p:sp>
+        <p:nvSpPr>
+          <p:cNvPr id="36" name="Прямоугольник 35"/>
+          <p:cNvSpPr/>
+          <p:nvPr/>
+        </p:nvSpPr>
+        <p:spPr>
+          <a:xfrm>
+            <a:off x="1529785" y="1167563"/>
+            <a:ext cx="9132429" cy="4480883"/>
+          </a:xfrm>
+          <a:prstGeom prst="rect">
+            <a:avLst/>
+          </a:prstGeom>
+          <a:solidFill>
+            <a:schemeClr val="bg1"/>
+          </a:solidFill>
+        </p:spPr>
+        <p:style>
+          <a:lnRef idx="2">
+            <a:schemeClr val="accent1">
+              <a:shade val="50000"/>
+            </a:schemeClr>
+          </a:lnRef>
+          <a:fillRef idx="1">
+            <a:schemeClr val="accent1"/>
+          </a:fillRef>
+          <a:effectRef idx="0">
+            <a:schemeClr val="accent1"/>
+          </a:effectRef>
+          <a:fontRef idx="minor">
+            <a:schemeClr val="lt1"/>
+          </a:fontRef>
+        </p:style>
+        <p:txBody>
+          <a:bodyPr rtlCol="0" anchor="ctr"/>
+          <a:lstStyle/>
+          <a:p>
+            <a:pPr algn="ctr"/>
+            <a:endParaRPr lang="ru-RU" dirty="0">
+              <a:solidFill>
+                <a:schemeClr val="tx1"/>
+              </a:solidFill>
+            </a:endParaRPr>
+          </a:p>
+        </p:txBody>
+      </p:sp>
+      <p:sp>
+        <p:nvSpPr>
+          <p:cNvPr id="10" name="TextBox 9"/>
+          <p:cNvSpPr txBox="1"/>
+          <p:nvPr/>
+        </p:nvSpPr>
+        <p:spPr>
+          <a:xfrm>
+            <a:off x="914401" y="151900"/>
+            <a:ext cx="10363199" cy="1015663"/>
+          </a:xfrm>
+          <a:prstGeom prst="rect">
+            <a:avLst/>
+          </a:prstGeom>
+          <a:noFill/>
+        </p:spPr>
+        <p:txBody>
+          <a:bodyPr wrap="square" rtlCol="0" anchor="ctr">
+            <a:spAutoFit/>
+          </a:bodyPr>
+          <a:lstStyle/>
+          <a:p>
+            <a:pPr algn="ctr"/>
+            <a:r>
+              <a:rPr lang="ru-RU" sz="6000" b="1" dirty="0" smtClean="0"/>
+              <a:t>Устройство </a:t>
+            </a:r>
+            <a:r>
+              <a:rPr lang="ru-RU" sz="6000" b="1" dirty="0" smtClean="0"/>
+              <a:t>сервисов</a:t>
+            </a:r>
+            <a:endParaRPr lang="ru-RU" sz="6000" b="1" dirty="0" smtClean="0"/>
+          </a:p>
+        </p:txBody>
+      </p:sp>
+      <p:sp>
+        <p:nvSpPr>
+          <p:cNvPr id="2" name="TextBox 1"/>
+          <p:cNvSpPr txBox="1"/>
+          <p:nvPr/>
+        </p:nvSpPr>
+        <p:spPr>
+          <a:xfrm>
+            <a:off x="4248031" y="1167563"/>
+            <a:ext cx="3695948" cy="461665"/>
+          </a:xfrm>
+          <a:prstGeom prst="rect">
+            <a:avLst/>
+          </a:prstGeom>
+          <a:noFill/>
+        </p:spPr>
+        <p:txBody>
+          <a:bodyPr wrap="none" rtlCol="0">
+            <a:spAutoFit/>
+          </a:bodyPr>
+          <a:lstStyle/>
+          <a:p>
+            <a:pPr algn="ctr"/>
+            <a:r>
+              <a:rPr lang="ru-RU" sz="2400" b="1" dirty="0" smtClean="0"/>
+              <a:t>Сервис </a:t>
+            </a:r>
+            <a:r>
+              <a:rPr lang="ru-RU" sz="2400" b="1" dirty="0" smtClean="0"/>
+              <a:t>основного доступа</a:t>
+            </a:r>
+            <a:endParaRPr lang="ru-RU" sz="2400" b="1" dirty="0"/>
+          </a:p>
+        </p:txBody>
+      </p:sp>
+      <p:sp>
+        <p:nvSpPr>
+          <p:cNvPr id="11" name="TextBox 10"/>
+          <p:cNvSpPr txBox="1"/>
+          <p:nvPr/>
+        </p:nvSpPr>
+        <p:spPr>
+          <a:xfrm>
+            <a:off x="1550765" y="1739716"/>
+            <a:ext cx="3482055" cy="369332"/>
+          </a:xfrm>
+          <a:prstGeom prst="rect">
+            <a:avLst/>
+          </a:prstGeom>
+          <a:noFill/>
+        </p:spPr>
+        <p:txBody>
+          <a:bodyPr wrap="square" rtlCol="0">
+            <a:spAutoFit/>
+          </a:bodyPr>
+          <a:lstStyle/>
+          <a:p>
+            <a:pPr algn="ctr"/>
+            <a:r>
+              <a:rPr lang="ru-RU" dirty="0" smtClean="0"/>
+              <a:t>Не имеет доступа к БД</a:t>
+            </a:r>
+            <a:endParaRPr lang="ru-RU" dirty="0" smtClean="0"/>
+          </a:p>
+        </p:txBody>
+      </p:sp>
+      <p:sp>
+        <p:nvSpPr>
+          <p:cNvPr id="15" name="TextBox 14"/>
+          <p:cNvSpPr txBox="1"/>
+          <p:nvPr/>
+        </p:nvSpPr>
+        <p:spPr>
+          <a:xfrm>
+            <a:off x="5723722" y="1739716"/>
+            <a:ext cx="2234010" cy="369332"/>
+          </a:xfrm>
+          <a:prstGeom prst="rect">
+            <a:avLst/>
+          </a:prstGeom>
+          <a:noFill/>
+        </p:spPr>
+        <p:txBody>
+          <a:bodyPr wrap="none" rtlCol="0">
+            <a:spAutoFit/>
+          </a:bodyPr>
+          <a:lstStyle/>
+          <a:p>
+            <a:r>
+              <a:rPr lang="ru-RU" dirty="0" smtClean="0"/>
+              <a:t>Принимает запрос</a:t>
+            </a:r>
+            <a:r>
+              <a:rPr lang="ru-RU" dirty="0"/>
+              <a:t>ы</a:t>
+            </a:r>
+            <a:r>
+              <a:rPr lang="ru-RU" dirty="0" smtClean="0"/>
+              <a:t>:</a:t>
+            </a:r>
+          </a:p>
+        </p:txBody>
+      </p:sp>
+      <p:sp>
+        <p:nvSpPr>
+          <p:cNvPr id="16" name="Двойная стрелка влево/вправо 5"/>
+          <p:cNvSpPr/>
+          <p:nvPr/>
+        </p:nvSpPr>
+        <p:spPr>
+          <a:xfrm rot="5400000" flipH="1">
+            <a:off x="5220554" y="1714112"/>
+            <a:ext cx="461653" cy="544683"/>
+          </a:xfrm>
+          <a:custGeom>
+            <a:avLst/>
+            <a:gdLst>
+              <a:gd name="connsiteX0" fmla="*/ 0 w 451412"/>
+              <a:gd name="connsiteY0" fmla="*/ 242316 h 484632"/>
+              <a:gd name="connsiteX1" fmla="*/ 135270 w 451412"/>
+              <a:gd name="connsiteY1" fmla="*/ 0 h 484632"/>
+              <a:gd name="connsiteX2" fmla="*/ 135270 w 451412"/>
+              <a:gd name="connsiteY2" fmla="*/ 90435 h 484632"/>
+              <a:gd name="connsiteX3" fmla="*/ 316142 w 451412"/>
+              <a:gd name="connsiteY3" fmla="*/ 90435 h 484632"/>
+              <a:gd name="connsiteX4" fmla="*/ 316142 w 451412"/>
+              <a:gd name="connsiteY4" fmla="*/ 0 h 484632"/>
+              <a:gd name="connsiteX5" fmla="*/ 451412 w 451412"/>
+              <a:gd name="connsiteY5" fmla="*/ 242316 h 484632"/>
+              <a:gd name="connsiteX6" fmla="*/ 316142 w 451412"/>
+              <a:gd name="connsiteY6" fmla="*/ 484632 h 484632"/>
+              <a:gd name="connsiteX7" fmla="*/ 316142 w 451412"/>
+              <a:gd name="connsiteY7" fmla="*/ 394197 h 484632"/>
+              <a:gd name="connsiteX8" fmla="*/ 135270 w 451412"/>
+              <a:gd name="connsiteY8" fmla="*/ 394197 h 484632"/>
+              <a:gd name="connsiteX9" fmla="*/ 135270 w 451412"/>
+              <a:gd name="connsiteY9" fmla="*/ 484632 h 484632"/>
+              <a:gd name="connsiteX10" fmla="*/ 0 w 451412"/>
+              <a:gd name="connsiteY10" fmla="*/ 242316 h 484632"/>
+              <a:gd name="connsiteX0" fmla="*/ 0 w 451412"/>
+              <a:gd name="connsiteY0" fmla="*/ 242316 h 484632"/>
+              <a:gd name="connsiteX1" fmla="*/ 135270 w 451412"/>
+              <a:gd name="connsiteY1" fmla="*/ 0 h 484632"/>
+              <a:gd name="connsiteX2" fmla="*/ 135270 w 451412"/>
+              <a:gd name="connsiteY2" fmla="*/ 90435 h 484632"/>
+              <a:gd name="connsiteX3" fmla="*/ 316142 w 451412"/>
+              <a:gd name="connsiteY3" fmla="*/ 90435 h 484632"/>
+              <a:gd name="connsiteX4" fmla="*/ 451412 w 451412"/>
+              <a:gd name="connsiteY4" fmla="*/ 242316 h 484632"/>
+              <a:gd name="connsiteX5" fmla="*/ 316142 w 451412"/>
+              <a:gd name="connsiteY5" fmla="*/ 484632 h 484632"/>
+              <a:gd name="connsiteX6" fmla="*/ 316142 w 451412"/>
+              <a:gd name="connsiteY6" fmla="*/ 394197 h 484632"/>
+              <a:gd name="connsiteX7" fmla="*/ 135270 w 451412"/>
+              <a:gd name="connsiteY7" fmla="*/ 394197 h 484632"/>
+              <a:gd name="connsiteX8" fmla="*/ 135270 w 451412"/>
+              <a:gd name="connsiteY8" fmla="*/ 484632 h 484632"/>
+              <a:gd name="connsiteX9" fmla="*/ 0 w 451412"/>
+              <a:gd name="connsiteY9" fmla="*/ 242316 h 484632"/>
+              <a:gd name="connsiteX0" fmla="*/ 0 w 316142"/>
+              <a:gd name="connsiteY0" fmla="*/ 242316 h 484632"/>
+              <a:gd name="connsiteX1" fmla="*/ 135270 w 316142"/>
+              <a:gd name="connsiteY1" fmla="*/ 0 h 484632"/>
+              <a:gd name="connsiteX2" fmla="*/ 135270 w 316142"/>
+              <a:gd name="connsiteY2" fmla="*/ 90435 h 484632"/>
+              <a:gd name="connsiteX3" fmla="*/ 316142 w 316142"/>
+              <a:gd name="connsiteY3" fmla="*/ 90435 h 484632"/>
+              <a:gd name="connsiteX4" fmla="*/ 316142 w 316142"/>
+              <a:gd name="connsiteY4" fmla="*/ 484632 h 484632"/>
+              <a:gd name="connsiteX5" fmla="*/ 316142 w 316142"/>
+              <a:gd name="connsiteY5" fmla="*/ 394197 h 484632"/>
+              <a:gd name="connsiteX6" fmla="*/ 135270 w 316142"/>
+              <a:gd name="connsiteY6" fmla="*/ 394197 h 484632"/>
+              <a:gd name="connsiteX7" fmla="*/ 135270 w 316142"/>
+              <a:gd name="connsiteY7" fmla="*/ 484632 h 484632"/>
+              <a:gd name="connsiteX8" fmla="*/ 0 w 316142"/>
+              <a:gd name="connsiteY8" fmla="*/ 242316 h 484632"/>
+              <a:gd name="connsiteX0" fmla="*/ 0 w 316142"/>
+              <a:gd name="connsiteY0" fmla="*/ 242316 h 484632"/>
+              <a:gd name="connsiteX1" fmla="*/ 135270 w 316142"/>
+              <a:gd name="connsiteY1" fmla="*/ 0 h 484632"/>
+              <a:gd name="connsiteX2" fmla="*/ 135270 w 316142"/>
+              <a:gd name="connsiteY2" fmla="*/ 90435 h 484632"/>
+              <a:gd name="connsiteX3" fmla="*/ 316142 w 316142"/>
+              <a:gd name="connsiteY3" fmla="*/ 90435 h 484632"/>
+              <a:gd name="connsiteX4" fmla="*/ 316142 w 316142"/>
+              <a:gd name="connsiteY4" fmla="*/ 394197 h 484632"/>
+              <a:gd name="connsiteX5" fmla="*/ 135270 w 316142"/>
+              <a:gd name="connsiteY5" fmla="*/ 394197 h 484632"/>
+              <a:gd name="connsiteX6" fmla="*/ 135270 w 316142"/>
+              <a:gd name="connsiteY6" fmla="*/ 484632 h 484632"/>
+              <a:gd name="connsiteX7" fmla="*/ 0 w 316142"/>
+              <a:gd name="connsiteY7" fmla="*/ 242316 h 484632"/>
+              <a:gd name="connsiteX0" fmla="*/ 0 w 316142"/>
+              <a:gd name="connsiteY0" fmla="*/ 242316 h 484632"/>
+              <a:gd name="connsiteX1" fmla="*/ 135270 w 316142"/>
+              <a:gd name="connsiteY1" fmla="*/ 0 h 484632"/>
+              <a:gd name="connsiteX2" fmla="*/ 135270 w 316142"/>
+              <a:gd name="connsiteY2" fmla="*/ 90435 h 484632"/>
+              <a:gd name="connsiteX3" fmla="*/ 316142 w 316142"/>
+              <a:gd name="connsiteY3" fmla="*/ 394197 h 484632"/>
+              <a:gd name="connsiteX4" fmla="*/ 135270 w 316142"/>
+              <a:gd name="connsiteY4" fmla="*/ 394197 h 484632"/>
+              <a:gd name="connsiteX5" fmla="*/ 135270 w 316142"/>
+              <a:gd name="connsiteY5" fmla="*/ 484632 h 484632"/>
+              <a:gd name="connsiteX6" fmla="*/ 0 w 316142"/>
+              <a:gd name="connsiteY6" fmla="*/ 242316 h 484632"/>
+            </a:gdLst>
+            <a:ahLst/>
+            <a:cxnLst>
+              <a:cxn ang="0">
+                <a:pos x="connsiteX0" y="connsiteY0"/>
+              </a:cxn>
+              <a:cxn ang="0">
+                <a:pos x="connsiteX1" y="connsiteY1"/>
+              </a:cxn>
+              <a:cxn ang="0">
+                <a:pos x="connsiteX2" y="connsiteY2"/>
+              </a:cxn>
+              <a:cxn ang="0">
+                <a:pos x="connsiteX3" y="connsiteY3"/>
+              </a:cxn>
+              <a:cxn ang="0">
+                <a:pos x="connsiteX4" y="connsiteY4"/>
+              </a:cxn>
+              <a:cxn ang="0">
+                <a:pos x="connsiteX5" y="connsiteY5"/>
+              </a:cxn>
+              <a:cxn ang="0">
+                <a:pos x="connsiteX6" y="connsiteY6"/>
+              </a:cxn>
+            </a:cxnLst>
+            <a:rect l="l" t="t" r="r" b="b"/>
+            <a:pathLst>
+              <a:path w="316142" h="484632">
+                <a:moveTo>
+                  <a:pt x="0" y="242316"/>
+                </a:moveTo>
+                <a:lnTo>
+                  <a:pt x="135270" y="0"/>
+                </a:lnTo>
+                <a:lnTo>
+                  <a:pt x="135270" y="90435"/>
+                </a:lnTo>
+                <a:lnTo>
+                  <a:pt x="316142" y="394197"/>
+                </a:lnTo>
+                <a:lnTo>
+                  <a:pt x="135270" y="394197"/>
+                </a:lnTo>
+                <a:lnTo>
+                  <a:pt x="135270" y="484632"/>
+                </a:lnTo>
+                <a:lnTo>
+                  <a:pt x="0" y="242316"/>
+                </a:lnTo>
+                <a:close/>
+              </a:path>
+            </a:pathLst>
+          </a:custGeom>
+        </p:spPr>
+        <p:style>
+          <a:lnRef idx="2">
+            <a:schemeClr val="accent1">
+              <a:shade val="50000"/>
+            </a:schemeClr>
+          </a:lnRef>
+          <a:fillRef idx="1">
+            <a:schemeClr val="accent1"/>
+          </a:fillRef>
+          <a:effectRef idx="0">
+            <a:schemeClr val="accent1"/>
+          </a:effectRef>
+          <a:fontRef idx="minor">
+            <a:schemeClr val="lt1"/>
+          </a:fontRef>
+        </p:style>
+        <p:txBody>
+          <a:bodyPr rtlCol="0" anchor="ctr"/>
+          <a:lstStyle/>
+          <a:p>
+            <a:pPr algn="ctr"/>
+            <a:endParaRPr lang="ru-RU"/>
+          </a:p>
+        </p:txBody>
+      </p:sp>
+      <p:sp>
+        <p:nvSpPr>
+          <p:cNvPr id="24" name="Двойная стрелка влево/вправо 5"/>
+          <p:cNvSpPr/>
+          <p:nvPr/>
+        </p:nvSpPr>
+        <p:spPr>
+          <a:xfrm rot="16200000" flipH="1">
+            <a:off x="10011291" y="3150969"/>
+            <a:ext cx="461653" cy="544683"/>
+          </a:xfrm>
+          <a:custGeom>
+            <a:avLst/>
+            <a:gdLst>
+              <a:gd name="connsiteX0" fmla="*/ 0 w 451412"/>
+              <a:gd name="connsiteY0" fmla="*/ 242316 h 484632"/>
+              <a:gd name="connsiteX1" fmla="*/ 135270 w 451412"/>
+              <a:gd name="connsiteY1" fmla="*/ 0 h 484632"/>
+              <a:gd name="connsiteX2" fmla="*/ 135270 w 451412"/>
+              <a:gd name="connsiteY2" fmla="*/ 90435 h 484632"/>
+              <a:gd name="connsiteX3" fmla="*/ 316142 w 451412"/>
+              <a:gd name="connsiteY3" fmla="*/ 90435 h 484632"/>
+              <a:gd name="connsiteX4" fmla="*/ 316142 w 451412"/>
+              <a:gd name="connsiteY4" fmla="*/ 0 h 484632"/>
+              <a:gd name="connsiteX5" fmla="*/ 451412 w 451412"/>
+              <a:gd name="connsiteY5" fmla="*/ 242316 h 484632"/>
+              <a:gd name="connsiteX6" fmla="*/ 316142 w 451412"/>
+              <a:gd name="connsiteY6" fmla="*/ 484632 h 484632"/>
+              <a:gd name="connsiteX7" fmla="*/ 316142 w 451412"/>
+              <a:gd name="connsiteY7" fmla="*/ 394197 h 484632"/>
+              <a:gd name="connsiteX8" fmla="*/ 135270 w 451412"/>
+              <a:gd name="connsiteY8" fmla="*/ 394197 h 484632"/>
+              <a:gd name="connsiteX9" fmla="*/ 135270 w 451412"/>
+              <a:gd name="connsiteY9" fmla="*/ 484632 h 484632"/>
+              <a:gd name="connsiteX10" fmla="*/ 0 w 451412"/>
+              <a:gd name="connsiteY10" fmla="*/ 242316 h 484632"/>
+              <a:gd name="connsiteX0" fmla="*/ 0 w 451412"/>
+              <a:gd name="connsiteY0" fmla="*/ 242316 h 484632"/>
+              <a:gd name="connsiteX1" fmla="*/ 135270 w 451412"/>
+              <a:gd name="connsiteY1" fmla="*/ 0 h 484632"/>
+              <a:gd name="connsiteX2" fmla="*/ 135270 w 451412"/>
+              <a:gd name="connsiteY2" fmla="*/ 90435 h 484632"/>
+              <a:gd name="connsiteX3" fmla="*/ 316142 w 451412"/>
+              <a:gd name="connsiteY3" fmla="*/ 90435 h 484632"/>
+              <a:gd name="connsiteX4" fmla="*/ 451412 w 451412"/>
+              <a:gd name="connsiteY4" fmla="*/ 242316 h 484632"/>
+              <a:gd name="connsiteX5" fmla="*/ 316142 w 451412"/>
+              <a:gd name="connsiteY5" fmla="*/ 484632 h 484632"/>
+              <a:gd name="connsiteX6" fmla="*/ 316142 w 451412"/>
+              <a:gd name="connsiteY6" fmla="*/ 394197 h 484632"/>
+              <a:gd name="connsiteX7" fmla="*/ 135270 w 451412"/>
+              <a:gd name="connsiteY7" fmla="*/ 394197 h 484632"/>
+              <a:gd name="connsiteX8" fmla="*/ 135270 w 451412"/>
+              <a:gd name="connsiteY8" fmla="*/ 484632 h 484632"/>
+              <a:gd name="connsiteX9" fmla="*/ 0 w 451412"/>
+              <a:gd name="connsiteY9" fmla="*/ 242316 h 484632"/>
+              <a:gd name="connsiteX0" fmla="*/ 0 w 316142"/>
+              <a:gd name="connsiteY0" fmla="*/ 242316 h 484632"/>
+              <a:gd name="connsiteX1" fmla="*/ 135270 w 316142"/>
+              <a:gd name="connsiteY1" fmla="*/ 0 h 484632"/>
+              <a:gd name="connsiteX2" fmla="*/ 135270 w 316142"/>
+              <a:gd name="connsiteY2" fmla="*/ 90435 h 484632"/>
+              <a:gd name="connsiteX3" fmla="*/ 316142 w 316142"/>
+              <a:gd name="connsiteY3" fmla="*/ 90435 h 484632"/>
+              <a:gd name="connsiteX4" fmla="*/ 316142 w 316142"/>
+              <a:gd name="connsiteY4" fmla="*/ 484632 h 484632"/>
+              <a:gd name="connsiteX5" fmla="*/ 316142 w 316142"/>
+              <a:gd name="connsiteY5" fmla="*/ 394197 h 484632"/>
+              <a:gd name="connsiteX6" fmla="*/ 135270 w 316142"/>
+              <a:gd name="connsiteY6" fmla="*/ 394197 h 484632"/>
+              <a:gd name="connsiteX7" fmla="*/ 135270 w 316142"/>
+              <a:gd name="connsiteY7" fmla="*/ 484632 h 484632"/>
+              <a:gd name="connsiteX8" fmla="*/ 0 w 316142"/>
+              <a:gd name="connsiteY8" fmla="*/ 242316 h 484632"/>
+              <a:gd name="connsiteX0" fmla="*/ 0 w 316142"/>
+              <a:gd name="connsiteY0" fmla="*/ 242316 h 484632"/>
+              <a:gd name="connsiteX1" fmla="*/ 135270 w 316142"/>
+              <a:gd name="connsiteY1" fmla="*/ 0 h 484632"/>
+              <a:gd name="connsiteX2" fmla="*/ 135270 w 316142"/>
+              <a:gd name="connsiteY2" fmla="*/ 90435 h 484632"/>
+              <a:gd name="connsiteX3" fmla="*/ 316142 w 316142"/>
+              <a:gd name="connsiteY3" fmla="*/ 90435 h 484632"/>
+              <a:gd name="connsiteX4" fmla="*/ 316142 w 316142"/>
+              <a:gd name="connsiteY4" fmla="*/ 394197 h 484632"/>
+              <a:gd name="connsiteX5" fmla="*/ 135270 w 316142"/>
+              <a:gd name="connsiteY5" fmla="*/ 394197 h 484632"/>
+              <a:gd name="connsiteX6" fmla="*/ 135270 w 316142"/>
+              <a:gd name="connsiteY6" fmla="*/ 484632 h 484632"/>
+              <a:gd name="connsiteX7" fmla="*/ 0 w 316142"/>
+              <a:gd name="connsiteY7" fmla="*/ 242316 h 484632"/>
+              <a:gd name="connsiteX0" fmla="*/ 0 w 316142"/>
+              <a:gd name="connsiteY0" fmla="*/ 242316 h 484632"/>
+              <a:gd name="connsiteX1" fmla="*/ 135270 w 316142"/>
+              <a:gd name="connsiteY1" fmla="*/ 0 h 484632"/>
+              <a:gd name="connsiteX2" fmla="*/ 135270 w 316142"/>
+              <a:gd name="connsiteY2" fmla="*/ 90435 h 484632"/>
+              <a:gd name="connsiteX3" fmla="*/ 316142 w 316142"/>
+              <a:gd name="connsiteY3" fmla="*/ 394197 h 484632"/>
+              <a:gd name="connsiteX4" fmla="*/ 135270 w 316142"/>
+              <a:gd name="connsiteY4" fmla="*/ 394197 h 484632"/>
+              <a:gd name="connsiteX5" fmla="*/ 135270 w 316142"/>
+              <a:gd name="connsiteY5" fmla="*/ 484632 h 484632"/>
+              <a:gd name="connsiteX6" fmla="*/ 0 w 316142"/>
+              <a:gd name="connsiteY6" fmla="*/ 242316 h 484632"/>
+            </a:gdLst>
+            <a:ahLst/>
+            <a:cxnLst>
+              <a:cxn ang="0">
+                <a:pos x="connsiteX0" y="connsiteY0"/>
+              </a:cxn>
+              <a:cxn ang="0">
+                <a:pos x="connsiteX1" y="connsiteY1"/>
+              </a:cxn>
+              <a:cxn ang="0">
+                <a:pos x="connsiteX2" y="connsiteY2"/>
+              </a:cxn>
+              <a:cxn ang="0">
+                <a:pos x="connsiteX3" y="connsiteY3"/>
+              </a:cxn>
+              <a:cxn ang="0">
+                <a:pos x="connsiteX4" y="connsiteY4"/>
+              </a:cxn>
+              <a:cxn ang="0">
+                <a:pos x="connsiteX5" y="connsiteY5"/>
+              </a:cxn>
+              <a:cxn ang="0">
+                <a:pos x="connsiteX6" y="connsiteY6"/>
+              </a:cxn>
+            </a:cxnLst>
+            <a:rect l="l" t="t" r="r" b="b"/>
+            <a:pathLst>
+              <a:path w="316142" h="484632">
+                <a:moveTo>
+                  <a:pt x="0" y="242316"/>
+                </a:moveTo>
+                <a:lnTo>
+                  <a:pt x="135270" y="0"/>
+                </a:lnTo>
+                <a:lnTo>
+                  <a:pt x="135270" y="90435"/>
+                </a:lnTo>
+                <a:lnTo>
+                  <a:pt x="316142" y="394197"/>
+                </a:lnTo>
+                <a:lnTo>
+                  <a:pt x="135270" y="394197"/>
+                </a:lnTo>
+                <a:lnTo>
+                  <a:pt x="135270" y="484632"/>
+                </a:lnTo>
+                <a:lnTo>
+                  <a:pt x="0" y="242316"/>
+                </a:lnTo>
+                <a:close/>
+              </a:path>
+            </a:pathLst>
+          </a:custGeom>
+        </p:spPr>
+        <p:style>
+          <a:lnRef idx="2">
+            <a:schemeClr val="accent2">
+              <a:shade val="50000"/>
+            </a:schemeClr>
+          </a:lnRef>
+          <a:fillRef idx="1">
+            <a:schemeClr val="accent2"/>
+          </a:fillRef>
+          <a:effectRef idx="0">
+            <a:schemeClr val="accent2"/>
+          </a:effectRef>
+          <a:fontRef idx="minor">
+            <a:schemeClr val="lt1"/>
+          </a:fontRef>
+        </p:style>
+        <p:txBody>
+          <a:bodyPr rtlCol="0" anchor="ctr"/>
+          <a:lstStyle/>
+          <a:p>
+            <a:pPr algn="ctr"/>
+            <a:endParaRPr lang="ru-RU"/>
+          </a:p>
+        </p:txBody>
+      </p:sp>
+      <p:sp>
+        <p:nvSpPr>
+          <p:cNvPr id="26" name="Двойная стрелка влево/вправо 5"/>
+          <p:cNvSpPr/>
+          <p:nvPr/>
+        </p:nvSpPr>
+        <p:spPr>
+          <a:xfrm rot="16200000" flipH="1">
+            <a:off x="108184" y="1004145"/>
+            <a:ext cx="1006999" cy="862470"/>
+          </a:xfrm>
+          <a:custGeom>
+            <a:avLst/>
+            <a:gdLst>
+              <a:gd name="connsiteX0" fmla="*/ 0 w 451412"/>
+              <a:gd name="connsiteY0" fmla="*/ 242316 h 484632"/>
+              <a:gd name="connsiteX1" fmla="*/ 135270 w 451412"/>
+              <a:gd name="connsiteY1" fmla="*/ 0 h 484632"/>
+              <a:gd name="connsiteX2" fmla="*/ 135270 w 451412"/>
+              <a:gd name="connsiteY2" fmla="*/ 90435 h 484632"/>
+              <a:gd name="connsiteX3" fmla="*/ 316142 w 451412"/>
+              <a:gd name="connsiteY3" fmla="*/ 90435 h 484632"/>
+              <a:gd name="connsiteX4" fmla="*/ 316142 w 451412"/>
+              <a:gd name="connsiteY4" fmla="*/ 0 h 484632"/>
+              <a:gd name="connsiteX5" fmla="*/ 451412 w 451412"/>
+              <a:gd name="connsiteY5" fmla="*/ 242316 h 484632"/>
+              <a:gd name="connsiteX6" fmla="*/ 316142 w 451412"/>
+              <a:gd name="connsiteY6" fmla="*/ 484632 h 484632"/>
+              <a:gd name="connsiteX7" fmla="*/ 316142 w 451412"/>
+              <a:gd name="connsiteY7" fmla="*/ 394197 h 484632"/>
+              <a:gd name="connsiteX8" fmla="*/ 135270 w 451412"/>
+              <a:gd name="connsiteY8" fmla="*/ 394197 h 484632"/>
+              <a:gd name="connsiteX9" fmla="*/ 135270 w 451412"/>
+              <a:gd name="connsiteY9" fmla="*/ 484632 h 484632"/>
+              <a:gd name="connsiteX10" fmla="*/ 0 w 451412"/>
+              <a:gd name="connsiteY10" fmla="*/ 242316 h 484632"/>
+              <a:gd name="connsiteX0" fmla="*/ 0 w 451412"/>
+              <a:gd name="connsiteY0" fmla="*/ 242316 h 484632"/>
+              <a:gd name="connsiteX1" fmla="*/ 135270 w 451412"/>
+              <a:gd name="connsiteY1" fmla="*/ 0 h 484632"/>
+              <a:gd name="connsiteX2" fmla="*/ 135270 w 451412"/>
+              <a:gd name="connsiteY2" fmla="*/ 90435 h 484632"/>
+              <a:gd name="connsiteX3" fmla="*/ 316142 w 451412"/>
+              <a:gd name="connsiteY3" fmla="*/ 90435 h 484632"/>
+              <a:gd name="connsiteX4" fmla="*/ 451412 w 451412"/>
+              <a:gd name="connsiteY4" fmla="*/ 242316 h 484632"/>
+              <a:gd name="connsiteX5" fmla="*/ 316142 w 451412"/>
+              <a:gd name="connsiteY5" fmla="*/ 484632 h 484632"/>
+              <a:gd name="connsiteX6" fmla="*/ 316142 w 451412"/>
+              <a:gd name="connsiteY6" fmla="*/ 394197 h 484632"/>
+              <a:gd name="connsiteX7" fmla="*/ 135270 w 451412"/>
+              <a:gd name="connsiteY7" fmla="*/ 394197 h 484632"/>
+              <a:gd name="connsiteX8" fmla="*/ 135270 w 451412"/>
+              <a:gd name="connsiteY8" fmla="*/ 484632 h 484632"/>
+              <a:gd name="connsiteX9" fmla="*/ 0 w 451412"/>
+              <a:gd name="connsiteY9" fmla="*/ 242316 h 484632"/>
+              <a:gd name="connsiteX0" fmla="*/ 0 w 316142"/>
+              <a:gd name="connsiteY0" fmla="*/ 242316 h 484632"/>
+              <a:gd name="connsiteX1" fmla="*/ 135270 w 316142"/>
+              <a:gd name="connsiteY1" fmla="*/ 0 h 484632"/>
+              <a:gd name="connsiteX2" fmla="*/ 135270 w 316142"/>
+              <a:gd name="connsiteY2" fmla="*/ 90435 h 484632"/>
+              <a:gd name="connsiteX3" fmla="*/ 316142 w 316142"/>
+              <a:gd name="connsiteY3" fmla="*/ 90435 h 484632"/>
+              <a:gd name="connsiteX4" fmla="*/ 316142 w 316142"/>
+              <a:gd name="connsiteY4" fmla="*/ 484632 h 484632"/>
+              <a:gd name="connsiteX5" fmla="*/ 316142 w 316142"/>
+              <a:gd name="connsiteY5" fmla="*/ 394197 h 484632"/>
+              <a:gd name="connsiteX6" fmla="*/ 135270 w 316142"/>
+              <a:gd name="connsiteY6" fmla="*/ 394197 h 484632"/>
+              <a:gd name="connsiteX7" fmla="*/ 135270 w 316142"/>
+              <a:gd name="connsiteY7" fmla="*/ 484632 h 484632"/>
+              <a:gd name="connsiteX8" fmla="*/ 0 w 316142"/>
+              <a:gd name="connsiteY8" fmla="*/ 242316 h 484632"/>
+              <a:gd name="connsiteX0" fmla="*/ 0 w 316142"/>
+              <a:gd name="connsiteY0" fmla="*/ 242316 h 484632"/>
+              <a:gd name="connsiteX1" fmla="*/ 135270 w 316142"/>
+              <a:gd name="connsiteY1" fmla="*/ 0 h 484632"/>
+              <a:gd name="connsiteX2" fmla="*/ 135270 w 316142"/>
+              <a:gd name="connsiteY2" fmla="*/ 90435 h 484632"/>
+              <a:gd name="connsiteX3" fmla="*/ 316142 w 316142"/>
+              <a:gd name="connsiteY3" fmla="*/ 90435 h 484632"/>
+              <a:gd name="connsiteX4" fmla="*/ 316142 w 316142"/>
+              <a:gd name="connsiteY4" fmla="*/ 394197 h 484632"/>
+              <a:gd name="connsiteX5" fmla="*/ 135270 w 316142"/>
+              <a:gd name="connsiteY5" fmla="*/ 394197 h 484632"/>
+              <a:gd name="connsiteX6" fmla="*/ 135270 w 316142"/>
+              <a:gd name="connsiteY6" fmla="*/ 484632 h 484632"/>
+              <a:gd name="connsiteX7" fmla="*/ 0 w 316142"/>
+              <a:gd name="connsiteY7" fmla="*/ 242316 h 484632"/>
+              <a:gd name="connsiteX0" fmla="*/ 0 w 316142"/>
+              <a:gd name="connsiteY0" fmla="*/ 242316 h 484632"/>
+              <a:gd name="connsiteX1" fmla="*/ 135270 w 316142"/>
+              <a:gd name="connsiteY1" fmla="*/ 0 h 484632"/>
+              <a:gd name="connsiteX2" fmla="*/ 135270 w 316142"/>
+              <a:gd name="connsiteY2" fmla="*/ 90435 h 484632"/>
+              <a:gd name="connsiteX3" fmla="*/ 316142 w 316142"/>
+              <a:gd name="connsiteY3" fmla="*/ 394197 h 484632"/>
+              <a:gd name="connsiteX4" fmla="*/ 135270 w 316142"/>
+              <a:gd name="connsiteY4" fmla="*/ 394197 h 484632"/>
+              <a:gd name="connsiteX5" fmla="*/ 135270 w 316142"/>
+              <a:gd name="connsiteY5" fmla="*/ 484632 h 484632"/>
+              <a:gd name="connsiteX6" fmla="*/ 0 w 316142"/>
+              <a:gd name="connsiteY6" fmla="*/ 242316 h 484632"/>
+              <a:gd name="connsiteX0" fmla="*/ 0 w 316142"/>
+              <a:gd name="connsiteY0" fmla="*/ 242316 h 484632"/>
+              <a:gd name="connsiteX1" fmla="*/ 135270 w 316142"/>
+              <a:gd name="connsiteY1" fmla="*/ 0 h 484632"/>
+              <a:gd name="connsiteX2" fmla="*/ 135270 w 316142"/>
+              <a:gd name="connsiteY2" fmla="*/ 90435 h 484632"/>
+              <a:gd name="connsiteX3" fmla="*/ 316142 w 316142"/>
+              <a:gd name="connsiteY3" fmla="*/ 394197 h 484632"/>
+              <a:gd name="connsiteX4" fmla="*/ 251236 w 316142"/>
+              <a:gd name="connsiteY4" fmla="*/ 392379 h 484632"/>
+              <a:gd name="connsiteX5" fmla="*/ 135270 w 316142"/>
+              <a:gd name="connsiteY5" fmla="*/ 394197 h 484632"/>
+              <a:gd name="connsiteX6" fmla="*/ 135270 w 316142"/>
+              <a:gd name="connsiteY6" fmla="*/ 484632 h 484632"/>
+              <a:gd name="connsiteX7" fmla="*/ 0 w 316142"/>
+              <a:gd name="connsiteY7" fmla="*/ 242316 h 484632"/>
+              <a:gd name="connsiteX0" fmla="*/ 0 w 543456"/>
+              <a:gd name="connsiteY0" fmla="*/ 242316 h 795783"/>
+              <a:gd name="connsiteX1" fmla="*/ 135270 w 543456"/>
+              <a:gd name="connsiteY1" fmla="*/ 0 h 795783"/>
+              <a:gd name="connsiteX2" fmla="*/ 135270 w 543456"/>
+              <a:gd name="connsiteY2" fmla="*/ 90435 h 795783"/>
+              <a:gd name="connsiteX3" fmla="*/ 316142 w 543456"/>
+              <a:gd name="connsiteY3" fmla="*/ 394197 h 795783"/>
+              <a:gd name="connsiteX4" fmla="*/ 543456 w 543456"/>
+              <a:gd name="connsiteY4" fmla="*/ 795783 h 795783"/>
+              <a:gd name="connsiteX5" fmla="*/ 135270 w 543456"/>
+              <a:gd name="connsiteY5" fmla="*/ 394197 h 795783"/>
+              <a:gd name="connsiteX6" fmla="*/ 135270 w 543456"/>
+              <a:gd name="connsiteY6" fmla="*/ 484632 h 795783"/>
+              <a:gd name="connsiteX7" fmla="*/ 0 w 543456"/>
+              <a:gd name="connsiteY7" fmla="*/ 242316 h 795783"/>
+              <a:gd name="connsiteX0" fmla="*/ 0 w 543456"/>
+              <a:gd name="connsiteY0" fmla="*/ 242316 h 795783"/>
+              <a:gd name="connsiteX1" fmla="*/ 135270 w 543456"/>
+              <a:gd name="connsiteY1" fmla="*/ 0 h 795783"/>
+              <a:gd name="connsiteX2" fmla="*/ 135270 w 543456"/>
+              <a:gd name="connsiteY2" fmla="*/ 90435 h 795783"/>
+              <a:gd name="connsiteX3" fmla="*/ 543456 w 543456"/>
+              <a:gd name="connsiteY3" fmla="*/ 795783 h 795783"/>
+              <a:gd name="connsiteX4" fmla="*/ 135270 w 543456"/>
+              <a:gd name="connsiteY4" fmla="*/ 394197 h 795783"/>
+              <a:gd name="connsiteX5" fmla="*/ 135270 w 543456"/>
+              <a:gd name="connsiteY5" fmla="*/ 484632 h 795783"/>
+              <a:gd name="connsiteX6" fmla="*/ 0 w 543456"/>
+              <a:gd name="connsiteY6" fmla="*/ 242316 h 795783"/>
+              <a:gd name="connsiteX0" fmla="*/ 0 w 551283"/>
+              <a:gd name="connsiteY0" fmla="*/ 242316 h 789003"/>
+              <a:gd name="connsiteX1" fmla="*/ 135270 w 551283"/>
+              <a:gd name="connsiteY1" fmla="*/ 0 h 789003"/>
+              <a:gd name="connsiteX2" fmla="*/ 135270 w 551283"/>
+              <a:gd name="connsiteY2" fmla="*/ 90435 h 789003"/>
+              <a:gd name="connsiteX3" fmla="*/ 551283 w 551283"/>
+              <a:gd name="connsiteY3" fmla="*/ 789003 h 789003"/>
+              <a:gd name="connsiteX4" fmla="*/ 135270 w 551283"/>
+              <a:gd name="connsiteY4" fmla="*/ 394197 h 789003"/>
+              <a:gd name="connsiteX5" fmla="*/ 135270 w 551283"/>
+              <a:gd name="connsiteY5" fmla="*/ 484632 h 789003"/>
+              <a:gd name="connsiteX6" fmla="*/ 0 w 551283"/>
+              <a:gd name="connsiteY6" fmla="*/ 242316 h 789003"/>
+              <a:gd name="connsiteX0" fmla="*/ 0 w 551283"/>
+              <a:gd name="connsiteY0" fmla="*/ 242316 h 775443"/>
+              <a:gd name="connsiteX1" fmla="*/ 135270 w 551283"/>
+              <a:gd name="connsiteY1" fmla="*/ 0 h 775443"/>
+              <a:gd name="connsiteX2" fmla="*/ 135270 w 551283"/>
+              <a:gd name="connsiteY2" fmla="*/ 90435 h 775443"/>
+              <a:gd name="connsiteX3" fmla="*/ 551283 w 551283"/>
+              <a:gd name="connsiteY3" fmla="*/ 775443 h 775443"/>
+              <a:gd name="connsiteX4" fmla="*/ 135270 w 551283"/>
+              <a:gd name="connsiteY4" fmla="*/ 394197 h 775443"/>
+              <a:gd name="connsiteX5" fmla="*/ 135270 w 551283"/>
+              <a:gd name="connsiteY5" fmla="*/ 484632 h 775443"/>
+              <a:gd name="connsiteX6" fmla="*/ 0 w 551283"/>
+              <a:gd name="connsiteY6" fmla="*/ 242316 h 775443"/>
+              <a:gd name="connsiteX0" fmla="*/ 0 w 725582"/>
+              <a:gd name="connsiteY0" fmla="*/ 242316 h 1178043"/>
+              <a:gd name="connsiteX1" fmla="*/ 135270 w 725582"/>
+              <a:gd name="connsiteY1" fmla="*/ 0 h 1178043"/>
+              <a:gd name="connsiteX2" fmla="*/ 135270 w 725582"/>
+              <a:gd name="connsiteY2" fmla="*/ 90435 h 1178043"/>
+              <a:gd name="connsiteX3" fmla="*/ 725582 w 725582"/>
+              <a:gd name="connsiteY3" fmla="*/ 1178043 h 1178043"/>
+              <a:gd name="connsiteX4" fmla="*/ 135270 w 725582"/>
+              <a:gd name="connsiteY4" fmla="*/ 394197 h 1178043"/>
+              <a:gd name="connsiteX5" fmla="*/ 135270 w 725582"/>
+              <a:gd name="connsiteY5" fmla="*/ 484632 h 1178043"/>
+              <a:gd name="connsiteX6" fmla="*/ 0 w 725582"/>
+              <a:gd name="connsiteY6" fmla="*/ 242316 h 1178043"/>
+              <a:gd name="connsiteX0" fmla="*/ 0 w 725584"/>
+              <a:gd name="connsiteY0" fmla="*/ 242316 h 1158750"/>
+              <a:gd name="connsiteX1" fmla="*/ 135270 w 725584"/>
+              <a:gd name="connsiteY1" fmla="*/ 0 h 1158750"/>
+              <a:gd name="connsiteX2" fmla="*/ 135270 w 725584"/>
+              <a:gd name="connsiteY2" fmla="*/ 90435 h 1158750"/>
+              <a:gd name="connsiteX3" fmla="*/ 725584 w 725584"/>
+              <a:gd name="connsiteY3" fmla="*/ 1158750 h 1158750"/>
+              <a:gd name="connsiteX4" fmla="*/ 135270 w 725584"/>
+              <a:gd name="connsiteY4" fmla="*/ 394197 h 1158750"/>
+              <a:gd name="connsiteX5" fmla="*/ 135270 w 725584"/>
+              <a:gd name="connsiteY5" fmla="*/ 484632 h 1158750"/>
+              <a:gd name="connsiteX6" fmla="*/ 0 w 725584"/>
+              <a:gd name="connsiteY6" fmla="*/ 242316 h 1158750"/>
+              <a:gd name="connsiteX0" fmla="*/ 0 w 725584"/>
+              <a:gd name="connsiteY0" fmla="*/ 242316 h 1149103"/>
+              <a:gd name="connsiteX1" fmla="*/ 135270 w 725584"/>
+              <a:gd name="connsiteY1" fmla="*/ 0 h 1149103"/>
+              <a:gd name="connsiteX2" fmla="*/ 135270 w 725584"/>
+              <a:gd name="connsiteY2" fmla="*/ 90435 h 1149103"/>
+              <a:gd name="connsiteX3" fmla="*/ 725584 w 725584"/>
+              <a:gd name="connsiteY3" fmla="*/ 1149103 h 1149103"/>
+              <a:gd name="connsiteX4" fmla="*/ 135270 w 725584"/>
+              <a:gd name="connsiteY4" fmla="*/ 394197 h 1149103"/>
+              <a:gd name="connsiteX5" fmla="*/ 135270 w 725584"/>
+              <a:gd name="connsiteY5" fmla="*/ 484632 h 1149103"/>
+              <a:gd name="connsiteX6" fmla="*/ 0 w 725584"/>
+              <a:gd name="connsiteY6" fmla="*/ 242316 h 1149103"/>
+              <a:gd name="connsiteX0" fmla="*/ 0 w 696794"/>
+              <a:gd name="connsiteY0" fmla="*/ 242316 h 653469"/>
+              <a:gd name="connsiteX1" fmla="*/ 135270 w 696794"/>
+              <a:gd name="connsiteY1" fmla="*/ 0 h 653469"/>
+              <a:gd name="connsiteX2" fmla="*/ 135270 w 696794"/>
+              <a:gd name="connsiteY2" fmla="*/ 90435 h 653469"/>
+              <a:gd name="connsiteX3" fmla="*/ 696794 w 696794"/>
+              <a:gd name="connsiteY3" fmla="*/ 653469 h 653469"/>
+              <a:gd name="connsiteX4" fmla="*/ 135270 w 696794"/>
+              <a:gd name="connsiteY4" fmla="*/ 394197 h 653469"/>
+              <a:gd name="connsiteX5" fmla="*/ 135270 w 696794"/>
+              <a:gd name="connsiteY5" fmla="*/ 484632 h 653469"/>
+              <a:gd name="connsiteX6" fmla="*/ 0 w 696794"/>
+              <a:gd name="connsiteY6" fmla="*/ 242316 h 653469"/>
+              <a:gd name="connsiteX0" fmla="*/ 0 w 696794"/>
+              <a:gd name="connsiteY0" fmla="*/ 242316 h 639909"/>
+              <a:gd name="connsiteX1" fmla="*/ 135270 w 696794"/>
+              <a:gd name="connsiteY1" fmla="*/ 0 h 639909"/>
+              <a:gd name="connsiteX2" fmla="*/ 135270 w 696794"/>
+              <a:gd name="connsiteY2" fmla="*/ 90435 h 639909"/>
+              <a:gd name="connsiteX3" fmla="*/ 696794 w 696794"/>
+              <a:gd name="connsiteY3" fmla="*/ 639909 h 639909"/>
+              <a:gd name="connsiteX4" fmla="*/ 135270 w 696794"/>
+              <a:gd name="connsiteY4" fmla="*/ 394197 h 639909"/>
+              <a:gd name="connsiteX5" fmla="*/ 135270 w 696794"/>
+              <a:gd name="connsiteY5" fmla="*/ 484632 h 639909"/>
+              <a:gd name="connsiteX6" fmla="*/ 0 w 696794"/>
+              <a:gd name="connsiteY6" fmla="*/ 242316 h 639909"/>
+              <a:gd name="connsiteX0" fmla="*/ 0 w 689597"/>
+              <a:gd name="connsiteY0" fmla="*/ 242316 h 752128"/>
+              <a:gd name="connsiteX1" fmla="*/ 135270 w 689597"/>
+              <a:gd name="connsiteY1" fmla="*/ 0 h 752128"/>
+              <a:gd name="connsiteX2" fmla="*/ 135270 w 689597"/>
+              <a:gd name="connsiteY2" fmla="*/ 90435 h 752128"/>
+              <a:gd name="connsiteX3" fmla="*/ 689597 w 689597"/>
+              <a:gd name="connsiteY3" fmla="*/ 752128 h 752128"/>
+              <a:gd name="connsiteX4" fmla="*/ 135270 w 689597"/>
+              <a:gd name="connsiteY4" fmla="*/ 394197 h 752128"/>
+              <a:gd name="connsiteX5" fmla="*/ 135270 w 689597"/>
+              <a:gd name="connsiteY5" fmla="*/ 484632 h 752128"/>
+              <a:gd name="connsiteX6" fmla="*/ 0 w 689597"/>
+              <a:gd name="connsiteY6" fmla="*/ 242316 h 752128"/>
+              <a:gd name="connsiteX0" fmla="*/ 0 w 689597"/>
+              <a:gd name="connsiteY0" fmla="*/ 242316 h 767383"/>
+              <a:gd name="connsiteX1" fmla="*/ 135270 w 689597"/>
+              <a:gd name="connsiteY1" fmla="*/ 0 h 767383"/>
+              <a:gd name="connsiteX2" fmla="*/ 135270 w 689597"/>
+              <a:gd name="connsiteY2" fmla="*/ 90435 h 767383"/>
+              <a:gd name="connsiteX3" fmla="*/ 689597 w 689597"/>
+              <a:gd name="connsiteY3" fmla="*/ 767383 h 767383"/>
+              <a:gd name="connsiteX4" fmla="*/ 135270 w 689597"/>
+              <a:gd name="connsiteY4" fmla="*/ 394197 h 767383"/>
+              <a:gd name="connsiteX5" fmla="*/ 135270 w 689597"/>
+              <a:gd name="connsiteY5" fmla="*/ 484632 h 767383"/>
+              <a:gd name="connsiteX6" fmla="*/ 0 w 689597"/>
+              <a:gd name="connsiteY6" fmla="*/ 242316 h 767383"/>
+            </a:gdLst>
+            <a:ahLst/>
+            <a:cxnLst>
+              <a:cxn ang="0">
+                <a:pos x="connsiteX0" y="connsiteY0"/>
+              </a:cxn>
+              <a:cxn ang="0">
+                <a:pos x="connsiteX1" y="connsiteY1"/>
+              </a:cxn>
+              <a:cxn ang="0">
+                <a:pos x="connsiteX2" y="connsiteY2"/>
+              </a:cxn>
+              <a:cxn ang="0">
+                <a:pos x="connsiteX3" y="connsiteY3"/>
+              </a:cxn>
+              <a:cxn ang="0">
+                <a:pos x="connsiteX4" y="connsiteY4"/>
+              </a:cxn>
+              <a:cxn ang="0">
+                <a:pos x="connsiteX5" y="connsiteY5"/>
+              </a:cxn>
+              <a:cxn ang="0">
+                <a:pos x="connsiteX6" y="connsiteY6"/>
+              </a:cxn>
+            </a:cxnLst>
+            <a:rect l="l" t="t" r="r" b="b"/>
+            <a:pathLst>
+              <a:path w="689597" h="767383">
+                <a:moveTo>
+                  <a:pt x="0" y="242316"/>
+                </a:moveTo>
+                <a:lnTo>
+                  <a:pt x="135270" y="0"/>
+                </a:lnTo>
+                <a:lnTo>
+                  <a:pt x="135270" y="90435"/>
+                </a:lnTo>
+                <a:lnTo>
+                  <a:pt x="689597" y="767383"/>
+                </a:lnTo>
+                <a:lnTo>
+                  <a:pt x="135270" y="394197"/>
+                </a:lnTo>
+                <a:lnTo>
+                  <a:pt x="135270" y="484632"/>
+                </a:lnTo>
+                <a:lnTo>
+                  <a:pt x="0" y="242316"/>
+                </a:lnTo>
+                <a:close/>
+              </a:path>
+            </a:pathLst>
+          </a:custGeom>
+        </p:spPr>
+        <p:style>
+          <a:lnRef idx="2">
+            <a:schemeClr val="accent1">
+              <a:shade val="50000"/>
+            </a:schemeClr>
+          </a:lnRef>
+          <a:fillRef idx="1">
+            <a:schemeClr val="accent1"/>
+          </a:fillRef>
+          <a:effectRef idx="0">
+            <a:schemeClr val="accent1"/>
+          </a:effectRef>
+          <a:fontRef idx="minor">
+            <a:schemeClr val="lt1"/>
+          </a:fontRef>
+        </p:style>
+        <p:txBody>
+          <a:bodyPr rtlCol="0" anchor="ctr"/>
+          <a:lstStyle/>
+          <a:p>
+            <a:pPr algn="ctr"/>
+            <a:endParaRPr lang="ru-RU"/>
+          </a:p>
+        </p:txBody>
+      </p:sp>
+      <p:sp>
+        <p:nvSpPr>
+          <p:cNvPr id="27" name="Двойная стрелка влево/вправо 5"/>
+          <p:cNvSpPr/>
+          <p:nvPr/>
+        </p:nvSpPr>
+        <p:spPr>
+          <a:xfrm rot="16200000" flipV="1">
+            <a:off x="999209" y="272725"/>
+            <a:ext cx="805023" cy="946945"/>
+          </a:xfrm>
+          <a:custGeom>
+            <a:avLst/>
+            <a:gdLst>
+              <a:gd name="connsiteX0" fmla="*/ 0 w 451412"/>
+              <a:gd name="connsiteY0" fmla="*/ 242316 h 484632"/>
+              <a:gd name="connsiteX1" fmla="*/ 135270 w 451412"/>
+              <a:gd name="connsiteY1" fmla="*/ 0 h 484632"/>
+              <a:gd name="connsiteX2" fmla="*/ 135270 w 451412"/>
+              <a:gd name="connsiteY2" fmla="*/ 90435 h 484632"/>
+              <a:gd name="connsiteX3" fmla="*/ 316142 w 451412"/>
+              <a:gd name="connsiteY3" fmla="*/ 90435 h 484632"/>
+              <a:gd name="connsiteX4" fmla="*/ 316142 w 451412"/>
+              <a:gd name="connsiteY4" fmla="*/ 0 h 484632"/>
+              <a:gd name="connsiteX5" fmla="*/ 451412 w 451412"/>
+              <a:gd name="connsiteY5" fmla="*/ 242316 h 484632"/>
+              <a:gd name="connsiteX6" fmla="*/ 316142 w 451412"/>
+              <a:gd name="connsiteY6" fmla="*/ 484632 h 484632"/>
+              <a:gd name="connsiteX7" fmla="*/ 316142 w 451412"/>
+              <a:gd name="connsiteY7" fmla="*/ 394197 h 484632"/>
+              <a:gd name="connsiteX8" fmla="*/ 135270 w 451412"/>
+              <a:gd name="connsiteY8" fmla="*/ 394197 h 484632"/>
+              <a:gd name="connsiteX9" fmla="*/ 135270 w 451412"/>
+              <a:gd name="connsiteY9" fmla="*/ 484632 h 484632"/>
+              <a:gd name="connsiteX10" fmla="*/ 0 w 451412"/>
+              <a:gd name="connsiteY10" fmla="*/ 242316 h 484632"/>
+              <a:gd name="connsiteX0" fmla="*/ 0 w 451412"/>
+              <a:gd name="connsiteY0" fmla="*/ 242316 h 484632"/>
+              <a:gd name="connsiteX1" fmla="*/ 135270 w 451412"/>
+              <a:gd name="connsiteY1" fmla="*/ 0 h 484632"/>
+              <a:gd name="connsiteX2" fmla="*/ 135270 w 451412"/>
+              <a:gd name="connsiteY2" fmla="*/ 90435 h 484632"/>
+              <a:gd name="connsiteX3" fmla="*/ 316142 w 451412"/>
+              <a:gd name="connsiteY3" fmla="*/ 90435 h 484632"/>
+              <a:gd name="connsiteX4" fmla="*/ 451412 w 451412"/>
+              <a:gd name="connsiteY4" fmla="*/ 242316 h 484632"/>
+              <a:gd name="connsiteX5" fmla="*/ 316142 w 451412"/>
+              <a:gd name="connsiteY5" fmla="*/ 484632 h 484632"/>
+              <a:gd name="connsiteX6" fmla="*/ 316142 w 451412"/>
+              <a:gd name="connsiteY6" fmla="*/ 394197 h 484632"/>
+              <a:gd name="connsiteX7" fmla="*/ 135270 w 451412"/>
+              <a:gd name="connsiteY7" fmla="*/ 394197 h 484632"/>
+              <a:gd name="connsiteX8" fmla="*/ 135270 w 451412"/>
+              <a:gd name="connsiteY8" fmla="*/ 484632 h 484632"/>
+              <a:gd name="connsiteX9" fmla="*/ 0 w 451412"/>
+              <a:gd name="connsiteY9" fmla="*/ 242316 h 484632"/>
+              <a:gd name="connsiteX0" fmla="*/ 0 w 316142"/>
+              <a:gd name="connsiteY0" fmla="*/ 242316 h 484632"/>
+              <a:gd name="connsiteX1" fmla="*/ 135270 w 316142"/>
+              <a:gd name="connsiteY1" fmla="*/ 0 h 484632"/>
+              <a:gd name="connsiteX2" fmla="*/ 135270 w 316142"/>
+              <a:gd name="connsiteY2" fmla="*/ 90435 h 484632"/>
+              <a:gd name="connsiteX3" fmla="*/ 316142 w 316142"/>
+              <a:gd name="connsiteY3" fmla="*/ 90435 h 484632"/>
+              <a:gd name="connsiteX4" fmla="*/ 316142 w 316142"/>
+              <a:gd name="connsiteY4" fmla="*/ 484632 h 484632"/>
+              <a:gd name="connsiteX5" fmla="*/ 316142 w 316142"/>
+              <a:gd name="connsiteY5" fmla="*/ 394197 h 484632"/>
+              <a:gd name="connsiteX6" fmla="*/ 135270 w 316142"/>
+              <a:gd name="connsiteY6" fmla="*/ 394197 h 484632"/>
+              <a:gd name="connsiteX7" fmla="*/ 135270 w 316142"/>
+              <a:gd name="connsiteY7" fmla="*/ 484632 h 484632"/>
+              <a:gd name="connsiteX8" fmla="*/ 0 w 316142"/>
+              <a:gd name="connsiteY8" fmla="*/ 242316 h 484632"/>
+              <a:gd name="connsiteX0" fmla="*/ 0 w 316142"/>
+              <a:gd name="connsiteY0" fmla="*/ 242316 h 484632"/>
+              <a:gd name="connsiteX1" fmla="*/ 135270 w 316142"/>
+              <a:gd name="connsiteY1" fmla="*/ 0 h 484632"/>
+              <a:gd name="connsiteX2" fmla="*/ 135270 w 316142"/>
+              <a:gd name="connsiteY2" fmla="*/ 90435 h 484632"/>
+              <a:gd name="connsiteX3" fmla="*/ 316142 w 316142"/>
+              <a:gd name="connsiteY3" fmla="*/ 90435 h 484632"/>
+              <a:gd name="connsiteX4" fmla="*/ 316142 w 316142"/>
+              <a:gd name="connsiteY4" fmla="*/ 394197 h 484632"/>
+              <a:gd name="connsiteX5" fmla="*/ 135270 w 316142"/>
+              <a:gd name="connsiteY5" fmla="*/ 394197 h 484632"/>
+              <a:gd name="connsiteX6" fmla="*/ 135270 w 316142"/>
+              <a:gd name="connsiteY6" fmla="*/ 484632 h 484632"/>
+              <a:gd name="connsiteX7" fmla="*/ 0 w 316142"/>
+              <a:gd name="connsiteY7" fmla="*/ 242316 h 484632"/>
+              <a:gd name="connsiteX0" fmla="*/ 0 w 316142"/>
+              <a:gd name="connsiteY0" fmla="*/ 242316 h 484632"/>
+              <a:gd name="connsiteX1" fmla="*/ 135270 w 316142"/>
+              <a:gd name="connsiteY1" fmla="*/ 0 h 484632"/>
+              <a:gd name="connsiteX2" fmla="*/ 135270 w 316142"/>
+              <a:gd name="connsiteY2" fmla="*/ 90435 h 484632"/>
+              <a:gd name="connsiteX3" fmla="*/ 316142 w 316142"/>
+              <a:gd name="connsiteY3" fmla="*/ 394197 h 484632"/>
+              <a:gd name="connsiteX4" fmla="*/ 135270 w 316142"/>
+              <a:gd name="connsiteY4" fmla="*/ 394197 h 484632"/>
+              <a:gd name="connsiteX5" fmla="*/ 135270 w 316142"/>
+              <a:gd name="connsiteY5" fmla="*/ 484632 h 484632"/>
+              <a:gd name="connsiteX6" fmla="*/ 0 w 316142"/>
+              <a:gd name="connsiteY6" fmla="*/ 242316 h 484632"/>
+              <a:gd name="connsiteX0" fmla="*/ 0 w 316142"/>
+              <a:gd name="connsiteY0" fmla="*/ 242316 h 484632"/>
+              <a:gd name="connsiteX1" fmla="*/ 135270 w 316142"/>
+              <a:gd name="connsiteY1" fmla="*/ 0 h 484632"/>
+              <a:gd name="connsiteX2" fmla="*/ 135270 w 316142"/>
+              <a:gd name="connsiteY2" fmla="*/ 90435 h 484632"/>
+              <a:gd name="connsiteX3" fmla="*/ 316142 w 316142"/>
+              <a:gd name="connsiteY3" fmla="*/ 394197 h 484632"/>
+              <a:gd name="connsiteX4" fmla="*/ 251236 w 316142"/>
+              <a:gd name="connsiteY4" fmla="*/ 392379 h 484632"/>
+              <a:gd name="connsiteX5" fmla="*/ 135270 w 316142"/>
+              <a:gd name="connsiteY5" fmla="*/ 394197 h 484632"/>
+              <a:gd name="connsiteX6" fmla="*/ 135270 w 316142"/>
+              <a:gd name="connsiteY6" fmla="*/ 484632 h 484632"/>
+              <a:gd name="connsiteX7" fmla="*/ 0 w 316142"/>
+              <a:gd name="connsiteY7" fmla="*/ 242316 h 484632"/>
+              <a:gd name="connsiteX0" fmla="*/ 0 w 543456"/>
+              <a:gd name="connsiteY0" fmla="*/ 242316 h 795783"/>
+              <a:gd name="connsiteX1" fmla="*/ 135270 w 543456"/>
+              <a:gd name="connsiteY1" fmla="*/ 0 h 795783"/>
+              <a:gd name="connsiteX2" fmla="*/ 135270 w 543456"/>
+              <a:gd name="connsiteY2" fmla="*/ 90435 h 795783"/>
+              <a:gd name="connsiteX3" fmla="*/ 316142 w 543456"/>
+              <a:gd name="connsiteY3" fmla="*/ 394197 h 795783"/>
+              <a:gd name="connsiteX4" fmla="*/ 543456 w 543456"/>
+              <a:gd name="connsiteY4" fmla="*/ 795783 h 795783"/>
+              <a:gd name="connsiteX5" fmla="*/ 135270 w 543456"/>
+              <a:gd name="connsiteY5" fmla="*/ 394197 h 795783"/>
+              <a:gd name="connsiteX6" fmla="*/ 135270 w 543456"/>
+              <a:gd name="connsiteY6" fmla="*/ 484632 h 795783"/>
+              <a:gd name="connsiteX7" fmla="*/ 0 w 543456"/>
+              <a:gd name="connsiteY7" fmla="*/ 242316 h 795783"/>
+              <a:gd name="connsiteX0" fmla="*/ 0 w 543456"/>
+              <a:gd name="connsiteY0" fmla="*/ 242316 h 795783"/>
+              <a:gd name="connsiteX1" fmla="*/ 135270 w 543456"/>
+              <a:gd name="connsiteY1" fmla="*/ 0 h 795783"/>
+              <a:gd name="connsiteX2" fmla="*/ 135270 w 543456"/>
+              <a:gd name="connsiteY2" fmla="*/ 90435 h 795783"/>
+              <a:gd name="connsiteX3" fmla="*/ 543456 w 543456"/>
+              <a:gd name="connsiteY3" fmla="*/ 795783 h 795783"/>
+              <a:gd name="connsiteX4" fmla="*/ 135270 w 543456"/>
+              <a:gd name="connsiteY4" fmla="*/ 394197 h 795783"/>
+              <a:gd name="connsiteX5" fmla="*/ 135270 w 543456"/>
+              <a:gd name="connsiteY5" fmla="*/ 484632 h 795783"/>
+              <a:gd name="connsiteX6" fmla="*/ 0 w 543456"/>
+              <a:gd name="connsiteY6" fmla="*/ 242316 h 795783"/>
+              <a:gd name="connsiteX0" fmla="*/ 0 w 551283"/>
+              <a:gd name="connsiteY0" fmla="*/ 242316 h 789003"/>
+              <a:gd name="connsiteX1" fmla="*/ 135270 w 551283"/>
+              <a:gd name="connsiteY1" fmla="*/ 0 h 789003"/>
+              <a:gd name="connsiteX2" fmla="*/ 135270 w 551283"/>
+              <a:gd name="connsiteY2" fmla="*/ 90435 h 789003"/>
+              <a:gd name="connsiteX3" fmla="*/ 551283 w 551283"/>
+              <a:gd name="connsiteY3" fmla="*/ 789003 h 789003"/>
+              <a:gd name="connsiteX4" fmla="*/ 135270 w 551283"/>
+              <a:gd name="connsiteY4" fmla="*/ 394197 h 789003"/>
+              <a:gd name="connsiteX5" fmla="*/ 135270 w 551283"/>
+              <a:gd name="connsiteY5" fmla="*/ 484632 h 789003"/>
+              <a:gd name="connsiteX6" fmla="*/ 0 w 551283"/>
+              <a:gd name="connsiteY6" fmla="*/ 242316 h 789003"/>
+              <a:gd name="connsiteX0" fmla="*/ 0 w 551283"/>
+              <a:gd name="connsiteY0" fmla="*/ 242316 h 775443"/>
+              <a:gd name="connsiteX1" fmla="*/ 135270 w 551283"/>
+              <a:gd name="connsiteY1" fmla="*/ 0 h 775443"/>
+              <a:gd name="connsiteX2" fmla="*/ 135270 w 551283"/>
+              <a:gd name="connsiteY2" fmla="*/ 90435 h 775443"/>
+              <a:gd name="connsiteX3" fmla="*/ 551283 w 551283"/>
+              <a:gd name="connsiteY3" fmla="*/ 775443 h 775443"/>
+              <a:gd name="connsiteX4" fmla="*/ 135270 w 551283"/>
+              <a:gd name="connsiteY4" fmla="*/ 394197 h 775443"/>
+              <a:gd name="connsiteX5" fmla="*/ 135270 w 551283"/>
+              <a:gd name="connsiteY5" fmla="*/ 484632 h 775443"/>
+              <a:gd name="connsiteX6" fmla="*/ 0 w 551283"/>
+              <a:gd name="connsiteY6" fmla="*/ 242316 h 775443"/>
+              <a:gd name="connsiteX0" fmla="*/ 0 w 551283"/>
+              <a:gd name="connsiteY0" fmla="*/ 242316 h 842544"/>
+              <a:gd name="connsiteX1" fmla="*/ 135270 w 551283"/>
+              <a:gd name="connsiteY1" fmla="*/ 0 h 842544"/>
+              <a:gd name="connsiteX2" fmla="*/ 135270 w 551283"/>
+              <a:gd name="connsiteY2" fmla="*/ 90435 h 842544"/>
+              <a:gd name="connsiteX3" fmla="*/ 551283 w 551283"/>
+              <a:gd name="connsiteY3" fmla="*/ 842544 h 842544"/>
+              <a:gd name="connsiteX4" fmla="*/ 135270 w 551283"/>
+              <a:gd name="connsiteY4" fmla="*/ 394197 h 842544"/>
+              <a:gd name="connsiteX5" fmla="*/ 135270 w 551283"/>
+              <a:gd name="connsiteY5" fmla="*/ 484632 h 842544"/>
+              <a:gd name="connsiteX6" fmla="*/ 0 w 551283"/>
+              <a:gd name="connsiteY6" fmla="*/ 242316 h 842544"/>
+            </a:gdLst>
+            <a:ahLst/>
+            <a:cxnLst>
+              <a:cxn ang="0">
+                <a:pos x="connsiteX0" y="connsiteY0"/>
+              </a:cxn>
+              <a:cxn ang="0">
+                <a:pos x="connsiteX1" y="connsiteY1"/>
+              </a:cxn>
+              <a:cxn ang="0">
+                <a:pos x="connsiteX2" y="connsiteY2"/>
+              </a:cxn>
+              <a:cxn ang="0">
+                <a:pos x="connsiteX3" y="connsiteY3"/>
+              </a:cxn>
+              <a:cxn ang="0">
+                <a:pos x="connsiteX4" y="connsiteY4"/>
+              </a:cxn>
+              <a:cxn ang="0">
+                <a:pos x="connsiteX5" y="connsiteY5"/>
+              </a:cxn>
+              <a:cxn ang="0">
+                <a:pos x="connsiteX6" y="connsiteY6"/>
+              </a:cxn>
+            </a:cxnLst>
+            <a:rect l="l" t="t" r="r" b="b"/>
+            <a:pathLst>
+              <a:path w="551283" h="842544">
+                <a:moveTo>
+                  <a:pt x="0" y="242316"/>
+                </a:moveTo>
+                <a:lnTo>
+                  <a:pt x="135270" y="0"/>
+                </a:lnTo>
+                <a:lnTo>
+                  <a:pt x="135270" y="90435"/>
+                </a:lnTo>
+                <a:lnTo>
+                  <a:pt x="551283" y="842544"/>
+                </a:lnTo>
+                <a:lnTo>
+                  <a:pt x="135270" y="394197"/>
+                </a:lnTo>
+                <a:lnTo>
+                  <a:pt x="135270" y="484632"/>
+                </a:lnTo>
+                <a:lnTo>
+                  <a:pt x="0" y="242316"/>
+                </a:lnTo>
+                <a:close/>
+              </a:path>
+            </a:pathLst>
+          </a:custGeom>
+        </p:spPr>
+        <p:style>
+          <a:lnRef idx="2">
+            <a:schemeClr val="accent2">
+              <a:shade val="50000"/>
+            </a:schemeClr>
+          </a:lnRef>
+          <a:fillRef idx="1">
+            <a:schemeClr val="accent2"/>
+          </a:fillRef>
+          <a:effectRef idx="0">
+            <a:schemeClr val="accent2"/>
+          </a:effectRef>
+          <a:fontRef idx="minor">
+            <a:schemeClr val="lt1"/>
+          </a:fontRef>
+        </p:style>
+        <p:txBody>
+          <a:bodyPr rtlCol="0" anchor="ctr"/>
+          <a:lstStyle/>
+          <a:p>
+            <a:pPr algn="ctr"/>
+            <a:endParaRPr lang="ru-RU"/>
+          </a:p>
+        </p:txBody>
+      </p:sp>
+      <p:sp>
+        <p:nvSpPr>
+          <p:cNvPr id="19" name="Прямоугольник 18"/>
+          <p:cNvSpPr/>
+          <p:nvPr/>
+        </p:nvSpPr>
+        <p:spPr>
+          <a:xfrm>
+            <a:off x="0" y="0"/>
+            <a:ext cx="914400" cy="914400"/>
+          </a:xfrm>
+          <a:prstGeom prst="rect">
+            <a:avLst/>
+          </a:prstGeom>
+        </p:spPr>
+        <p:style>
+          <a:lnRef idx="2">
+            <a:schemeClr val="accent1">
+              <a:shade val="50000"/>
+            </a:schemeClr>
+          </a:lnRef>
+          <a:fillRef idx="1">
+            <a:schemeClr val="accent1"/>
+          </a:fillRef>
+          <a:effectRef idx="0">
+            <a:schemeClr val="accent1"/>
+          </a:effectRef>
+          <a:fontRef idx="minor">
+            <a:schemeClr val="lt1"/>
+          </a:fontRef>
+        </p:style>
+        <p:txBody>
+          <a:bodyPr rtlCol="0" anchor="ctr"/>
+          <a:lstStyle/>
+          <a:p>
+            <a:pPr algn="ctr"/>
+            <a:r>
+              <a:rPr lang="en-US" dirty="0" smtClean="0"/>
+              <a:t>CREDIT</a:t>
+            </a:r>
+          </a:p>
+          <a:p>
+            <a:pPr algn="ctr"/>
+            <a:r>
+              <a:rPr lang="en-US" dirty="0" smtClean="0"/>
+              <a:t>service</a:t>
+            </a:r>
+            <a:endParaRPr lang="ru-RU" dirty="0"/>
+          </a:p>
+        </p:txBody>
+      </p:sp>
+      <p:sp>
+        <p:nvSpPr>
+          <p:cNvPr id="30" name="TextBox 29"/>
+          <p:cNvSpPr txBox="1"/>
+          <p:nvPr/>
+        </p:nvSpPr>
+        <p:spPr>
+          <a:xfrm>
+            <a:off x="5723722" y="2213635"/>
+            <a:ext cx="5164875" cy="923330"/>
+          </a:xfrm>
+          <a:prstGeom prst="rect">
+            <a:avLst/>
+          </a:prstGeom>
+          <a:noFill/>
+        </p:spPr>
+        <p:txBody>
+          <a:bodyPr wrap="none" rtlCol="0">
+            <a:spAutoFit/>
+          </a:bodyPr>
+          <a:lstStyle/>
+          <a:p>
+            <a:r>
+              <a:rPr lang="en-US" dirty="0" smtClean="0"/>
+              <a:t>?</a:t>
+            </a:r>
+            <a:r>
+              <a:rPr lang="en-US" i="1" dirty="0" smtClean="0"/>
+              <a:t>surname</a:t>
+            </a:r>
+            <a:r>
+              <a:rPr lang="en-US" dirty="0" smtClean="0"/>
+              <a:t>=&lt;</a:t>
+            </a:r>
+            <a:r>
+              <a:rPr lang="ru-RU" dirty="0" smtClean="0"/>
+              <a:t>Ф</a:t>
+            </a:r>
+            <a:r>
+              <a:rPr lang="en-US" dirty="0" smtClean="0"/>
+              <a:t>&gt;</a:t>
+            </a:r>
+            <a:r>
+              <a:rPr lang="en-US" dirty="0" smtClean="0"/>
+              <a:t>&amp;</a:t>
+            </a:r>
+            <a:r>
+              <a:rPr lang="en-US" i="1" dirty="0" err="1" smtClean="0"/>
+              <a:t>firstname</a:t>
+            </a:r>
+            <a:r>
+              <a:rPr lang="en-US" dirty="0"/>
+              <a:t>=&lt;</a:t>
+            </a:r>
+            <a:r>
+              <a:rPr lang="ru-RU" dirty="0"/>
+              <a:t>И</a:t>
+            </a:r>
+            <a:r>
+              <a:rPr lang="en-US" dirty="0" smtClean="0"/>
+              <a:t>&gt;&amp;</a:t>
+            </a:r>
+            <a:r>
+              <a:rPr lang="en-US" i="1" dirty="0" smtClean="0"/>
+              <a:t>patronymic</a:t>
+            </a:r>
+            <a:r>
+              <a:rPr lang="en-US" dirty="0" smtClean="0"/>
+              <a:t>=&lt;</a:t>
+            </a:r>
+            <a:r>
+              <a:rPr lang="ru-RU" dirty="0" smtClean="0"/>
+              <a:t>О</a:t>
+            </a:r>
+            <a:r>
+              <a:rPr lang="en-US" dirty="0" smtClean="0"/>
+              <a:t>&gt;&amp;</a:t>
+            </a:r>
+            <a:endParaRPr lang="en-US" dirty="0" smtClean="0"/>
+          </a:p>
+          <a:p>
+            <a:r>
+              <a:rPr lang="ru-RU" dirty="0"/>
+              <a:t> </a:t>
+            </a:r>
+            <a:r>
+              <a:rPr lang="ru-RU" dirty="0" smtClean="0"/>
+              <a:t> </a:t>
+            </a:r>
+            <a:r>
+              <a:rPr lang="en-US" dirty="0" smtClean="0"/>
+              <a:t>&lt;</a:t>
+            </a:r>
+            <a:r>
+              <a:rPr lang="ru-RU" dirty="0" smtClean="0"/>
+              <a:t>уточняющая инфо-</a:t>
+            </a:r>
+            <a:r>
+              <a:rPr lang="ru-RU" dirty="0" err="1" smtClean="0"/>
+              <a:t>ия</a:t>
+            </a:r>
+            <a:r>
+              <a:rPr lang="en-US" dirty="0" smtClean="0"/>
+              <a:t>&gt;</a:t>
+            </a:r>
+            <a:r>
+              <a:rPr lang="ru-RU" dirty="0" smtClean="0"/>
+              <a:t>=</a:t>
+            </a:r>
+            <a:r>
+              <a:rPr lang="en-US" dirty="0" smtClean="0"/>
+              <a:t>&lt;</a:t>
+            </a:r>
+            <a:r>
+              <a:rPr lang="ru-RU" dirty="0" smtClean="0"/>
+              <a:t>значение</a:t>
+            </a:r>
+            <a:r>
+              <a:rPr lang="en-US" dirty="0" smtClean="0"/>
+              <a:t>&gt;&amp;</a:t>
+            </a:r>
+            <a:endParaRPr lang="en-US" dirty="0" smtClean="0"/>
+          </a:p>
+          <a:p>
+            <a:r>
+              <a:rPr lang="en-US" dirty="0"/>
+              <a:t> </a:t>
+            </a:r>
+            <a:r>
+              <a:rPr lang="en-US" dirty="0" smtClean="0"/>
+              <a:t> </a:t>
+            </a:r>
+            <a:r>
+              <a:rPr lang="en-US" i="1" dirty="0" err="1" smtClean="0"/>
+              <a:t>controlValue</a:t>
+            </a:r>
+            <a:r>
+              <a:rPr lang="en-US" dirty="0" smtClean="0"/>
+              <a:t>=&lt;</a:t>
+            </a:r>
+            <a:r>
+              <a:rPr lang="ru-RU" dirty="0" err="1" smtClean="0"/>
+              <a:t>контрольное_значение</a:t>
+            </a:r>
+            <a:r>
+              <a:rPr lang="en-US" dirty="0" smtClean="0"/>
+              <a:t>&gt;</a:t>
+            </a:r>
+            <a:endParaRPr lang="ru-RU" dirty="0" smtClean="0"/>
+          </a:p>
+        </p:txBody>
+      </p:sp>
+      <p:sp>
+        <p:nvSpPr>
+          <p:cNvPr id="31" name="TextBox 30"/>
+          <p:cNvSpPr txBox="1"/>
+          <p:nvPr/>
+        </p:nvSpPr>
+        <p:spPr>
+          <a:xfrm>
+            <a:off x="5723722" y="3099447"/>
+            <a:ext cx="4212050" cy="923330"/>
+          </a:xfrm>
+          <a:prstGeom prst="rect">
+            <a:avLst/>
+          </a:prstGeom>
+          <a:noFill/>
+        </p:spPr>
+        <p:txBody>
+          <a:bodyPr wrap="square" rtlCol="0">
+            <a:spAutoFit/>
+          </a:bodyPr>
+          <a:lstStyle/>
+          <a:p>
+            <a:pPr algn="r"/>
+            <a:r>
+              <a:rPr lang="en-US" dirty="0" smtClean="0"/>
+              <a:t>JSON </a:t>
+            </a:r>
+            <a:r>
+              <a:rPr lang="ru-RU" dirty="0" smtClean="0"/>
+              <a:t>с данными о </a:t>
+            </a:r>
+            <a:r>
+              <a:rPr lang="ru-RU" dirty="0" smtClean="0"/>
+              <a:t>пользователе</a:t>
+            </a:r>
+            <a:br>
+              <a:rPr lang="ru-RU" dirty="0" smtClean="0"/>
+            </a:br>
+            <a:r>
+              <a:rPr lang="ru-RU" dirty="0" smtClean="0"/>
+              <a:t>(</a:t>
+            </a:r>
+            <a:r>
+              <a:rPr lang="ru-RU" dirty="0" smtClean="0"/>
+              <a:t>с указанием</a:t>
+            </a:r>
+            <a:r>
+              <a:rPr lang="ru-RU" dirty="0" smtClean="0"/>
+              <a:t> родственных связей) и всех кредитах пользователя (с платежами)</a:t>
+            </a:r>
+            <a:endParaRPr lang="ru-RU" dirty="0" smtClean="0"/>
+          </a:p>
+        </p:txBody>
+      </p:sp>
+      <p:sp>
+        <p:nvSpPr>
+          <p:cNvPr id="18" name="Прямоугольник 17"/>
+          <p:cNvSpPr/>
+          <p:nvPr/>
+        </p:nvSpPr>
+        <p:spPr>
+          <a:xfrm>
+            <a:off x="11277600" y="0"/>
+            <a:ext cx="914400" cy="914400"/>
+          </a:xfrm>
+          <a:prstGeom prst="rect">
+            <a:avLst/>
+          </a:prstGeom>
+        </p:spPr>
+        <p:style>
+          <a:lnRef idx="2">
+            <a:schemeClr val="accent1">
+              <a:shade val="50000"/>
+            </a:schemeClr>
+          </a:lnRef>
+          <a:fillRef idx="1">
+            <a:schemeClr val="accent1"/>
+          </a:fillRef>
+          <a:effectRef idx="0">
+            <a:schemeClr val="accent1"/>
+          </a:effectRef>
+          <a:fontRef idx="minor">
+            <a:schemeClr val="lt1"/>
+          </a:fontRef>
+        </p:style>
+        <p:txBody>
+          <a:bodyPr rtlCol="0" anchor="ctr"/>
+          <a:lstStyle/>
+          <a:p>
+            <a:pPr algn="ctr"/>
+            <a:r>
+              <a:rPr lang="en-US" dirty="0" smtClean="0"/>
+              <a:t>USER</a:t>
+            </a:r>
+          </a:p>
+          <a:p>
+            <a:pPr algn="ctr"/>
+            <a:r>
+              <a:rPr lang="en-US" dirty="0"/>
+              <a:t>s</a:t>
+            </a:r>
+            <a:r>
+              <a:rPr lang="en-US" dirty="0" smtClean="0"/>
+              <a:t>ervice</a:t>
+            </a:r>
+          </a:p>
+        </p:txBody>
+      </p:sp>
+      <p:grpSp>
+        <p:nvGrpSpPr>
+          <p:cNvPr id="4" name="Группа 3"/>
+          <p:cNvGrpSpPr/>
+          <p:nvPr/>
+        </p:nvGrpSpPr>
+        <p:grpSpPr>
+          <a:xfrm>
+            <a:off x="2972475" y="2127664"/>
+            <a:ext cx="638634" cy="638634"/>
+            <a:chOff x="2611225" y="1885433"/>
+            <a:chExt cx="775953" cy="775953"/>
+          </a:xfrm>
+        </p:grpSpPr>
+        <p:pic>
+          <p:nvPicPr>
+            <p:cNvPr id="2052" name="Picture 4" descr="Database Table Icons - Download Free Vector Icons | Noun Project"/>
+            <p:cNvPicPr>
+              <a:picLocks noChangeAspect="1" noChangeArrowheads="1"/>
+            </p:cNvPicPr>
+            <p:nvPr/>
+          </p:nvPicPr>
+          <p:blipFill>
+            <a:blip r:embed="rId2" cstate="print">
+              <a:extLst>
+                <a:ext uri="{28A0092B-C50C-407E-A947-70E740481C1C}">
+                  <a14:useLocalDpi xmlns:a14="http://schemas.microsoft.com/office/drawing/2010/main" val="0"/>
+                </a:ext>
+              </a:extLst>
+            </a:blip>
+            <a:srcRect/>
+            <a:stretch>
+              <a:fillRect/>
+            </a:stretch>
+          </p:blipFill>
+          <p:spPr bwMode="auto">
+            <a:xfrm>
+              <a:off x="2645211" y="1919252"/>
+              <a:ext cx="707979" cy="707979"/>
+            </a:xfrm>
+            <a:prstGeom prst="rect">
+              <a:avLst/>
+            </a:prstGeom>
+            <a:noFill/>
+            <a:extLst>
+              <a:ext uri="{909E8E84-426E-40DD-AFC4-6F175D3DCCD1}">
+                <a14:hiddenFill xmlns:a14="http://schemas.microsoft.com/office/drawing/2010/main">
+                  <a:solidFill>
+                    <a:srgbClr val="FFFFFF"/>
+                  </a:solidFill>
+                </a14:hiddenFill>
+              </a:ext>
+            </a:extLst>
+          </p:spPr>
+        </p:pic>
+        <p:sp>
+          <p:nvSpPr>
+            <p:cNvPr id="3" name="Знак запрета 2"/>
+            <p:cNvSpPr/>
+            <p:nvPr/>
+          </p:nvSpPr>
+          <p:spPr>
+            <a:xfrm>
+              <a:off x="2611225" y="1885433"/>
+              <a:ext cx="775953" cy="775953"/>
+            </a:xfrm>
+            <a:prstGeom prst="noSmoking">
+              <a:avLst>
+                <a:gd name="adj" fmla="val 8728"/>
+              </a:avLst>
+            </a:prstGeom>
+          </p:spPr>
+          <p:style>
+            <a:lnRef idx="2">
+              <a:schemeClr val="accent2">
+                <a:shade val="50000"/>
+              </a:schemeClr>
+            </a:lnRef>
+            <a:fillRef idx="1">
+              <a:schemeClr val="accent2"/>
+            </a:fillRef>
+            <a:effectRef idx="0">
+              <a:schemeClr val="accent2"/>
+            </a:effectRef>
+            <a:fontRef idx="minor">
+              <a:schemeClr val="lt1"/>
+            </a:fontRef>
+          </p:style>
+          <p:txBody>
+            <a:bodyPr rtlCol="0" anchor="ctr"/>
+            <a:lstStyle/>
+            <a:p>
+              <a:pPr algn="ctr"/>
+              <a:endParaRPr lang="ru-RU" b="1">
+                <a:ln w="22225">
+                  <a:solidFill>
+                    <a:schemeClr val="accent2"/>
+                  </a:solidFill>
+                  <a:prstDash val="solid"/>
+                </a:ln>
+                <a:solidFill>
+                  <a:schemeClr val="accent2">
+                    <a:lumMod val="40000"/>
+                    <a:lumOff val="60000"/>
+                  </a:schemeClr>
+                </a:solidFill>
+              </a:endParaRPr>
+            </a:p>
+          </p:txBody>
+        </p:sp>
+      </p:grpSp>
+      <p:sp>
+        <p:nvSpPr>
+          <p:cNvPr id="21" name="TextBox 20"/>
+          <p:cNvSpPr txBox="1"/>
+          <p:nvPr/>
+        </p:nvSpPr>
+        <p:spPr>
+          <a:xfrm>
+            <a:off x="1558413" y="2766298"/>
+            <a:ext cx="3482055" cy="2585323"/>
+          </a:xfrm>
+          <a:prstGeom prst="rect">
+            <a:avLst/>
+          </a:prstGeom>
+          <a:noFill/>
+        </p:spPr>
+        <p:txBody>
+          <a:bodyPr wrap="square" rtlCol="0">
+            <a:spAutoFit/>
+          </a:bodyPr>
+          <a:lstStyle/>
+          <a:p>
+            <a:pPr algn="ctr"/>
+            <a:r>
+              <a:rPr lang="ru-RU" dirty="0" smtClean="0"/>
+              <a:t>Известная информация:</a:t>
+            </a:r>
+          </a:p>
+          <a:p>
+            <a:pPr marL="285750" indent="-285750">
+              <a:buFont typeface="Arial" panose="020B0604020202020204" pitchFamily="34" charset="0"/>
+              <a:buChar char="•"/>
+            </a:pPr>
+            <a:r>
+              <a:rPr lang="en-US" dirty="0" smtClean="0"/>
+              <a:t>IP</a:t>
+            </a:r>
+            <a:r>
+              <a:rPr lang="ru-RU" dirty="0" smtClean="0"/>
+              <a:t>-адреса сервисов кредитной истории и данных о польз-</a:t>
+            </a:r>
+            <a:r>
+              <a:rPr lang="ru-RU" dirty="0" err="1" smtClean="0"/>
+              <a:t>ях</a:t>
+            </a:r>
+            <a:endParaRPr lang="ru-RU" dirty="0" smtClean="0"/>
+          </a:p>
+          <a:p>
+            <a:pPr marL="285750" indent="-285750">
+              <a:buFont typeface="Arial" panose="020B0604020202020204" pitchFamily="34" charset="0"/>
+              <a:buChar char="•"/>
+            </a:pPr>
+            <a:r>
+              <a:rPr lang="ru-RU" dirty="0" smtClean="0"/>
+              <a:t>Секретные фразы для вычисления контрольных значений</a:t>
+            </a:r>
+          </a:p>
+          <a:p>
+            <a:pPr marL="285750" indent="-285750">
+              <a:buFont typeface="Arial" panose="020B0604020202020204" pitchFamily="34" charset="0"/>
+              <a:buChar char="•"/>
+            </a:pPr>
+            <a:r>
+              <a:rPr lang="ru-RU" dirty="0" smtClean="0"/>
+              <a:t>Модели данных, совпадающие с таковыми у других сервисов</a:t>
+            </a:r>
+            <a:endParaRPr lang="ru-RU" dirty="0" smtClean="0"/>
+          </a:p>
+        </p:txBody>
+      </p:sp>
+      <p:sp>
+        <p:nvSpPr>
+          <p:cNvPr id="22" name="Двойная стрелка влево/вправо 5"/>
+          <p:cNvSpPr/>
+          <p:nvPr/>
+        </p:nvSpPr>
+        <p:spPr>
+          <a:xfrm rot="5400000">
+            <a:off x="10838935" y="815909"/>
+            <a:ext cx="1059550" cy="1291490"/>
+          </a:xfrm>
+          <a:custGeom>
+            <a:avLst/>
+            <a:gdLst>
+              <a:gd name="connsiteX0" fmla="*/ 0 w 451412"/>
+              <a:gd name="connsiteY0" fmla="*/ 242316 h 484632"/>
+              <a:gd name="connsiteX1" fmla="*/ 135270 w 451412"/>
+              <a:gd name="connsiteY1" fmla="*/ 0 h 484632"/>
+              <a:gd name="connsiteX2" fmla="*/ 135270 w 451412"/>
+              <a:gd name="connsiteY2" fmla="*/ 90435 h 484632"/>
+              <a:gd name="connsiteX3" fmla="*/ 316142 w 451412"/>
+              <a:gd name="connsiteY3" fmla="*/ 90435 h 484632"/>
+              <a:gd name="connsiteX4" fmla="*/ 316142 w 451412"/>
+              <a:gd name="connsiteY4" fmla="*/ 0 h 484632"/>
+              <a:gd name="connsiteX5" fmla="*/ 451412 w 451412"/>
+              <a:gd name="connsiteY5" fmla="*/ 242316 h 484632"/>
+              <a:gd name="connsiteX6" fmla="*/ 316142 w 451412"/>
+              <a:gd name="connsiteY6" fmla="*/ 484632 h 484632"/>
+              <a:gd name="connsiteX7" fmla="*/ 316142 w 451412"/>
+              <a:gd name="connsiteY7" fmla="*/ 394197 h 484632"/>
+              <a:gd name="connsiteX8" fmla="*/ 135270 w 451412"/>
+              <a:gd name="connsiteY8" fmla="*/ 394197 h 484632"/>
+              <a:gd name="connsiteX9" fmla="*/ 135270 w 451412"/>
+              <a:gd name="connsiteY9" fmla="*/ 484632 h 484632"/>
+              <a:gd name="connsiteX10" fmla="*/ 0 w 451412"/>
+              <a:gd name="connsiteY10" fmla="*/ 242316 h 484632"/>
+              <a:gd name="connsiteX0" fmla="*/ 0 w 451412"/>
+              <a:gd name="connsiteY0" fmla="*/ 242316 h 484632"/>
+              <a:gd name="connsiteX1" fmla="*/ 135270 w 451412"/>
+              <a:gd name="connsiteY1" fmla="*/ 0 h 484632"/>
+              <a:gd name="connsiteX2" fmla="*/ 135270 w 451412"/>
+              <a:gd name="connsiteY2" fmla="*/ 90435 h 484632"/>
+              <a:gd name="connsiteX3" fmla="*/ 316142 w 451412"/>
+              <a:gd name="connsiteY3" fmla="*/ 90435 h 484632"/>
+              <a:gd name="connsiteX4" fmla="*/ 451412 w 451412"/>
+              <a:gd name="connsiteY4" fmla="*/ 242316 h 484632"/>
+              <a:gd name="connsiteX5" fmla="*/ 316142 w 451412"/>
+              <a:gd name="connsiteY5" fmla="*/ 484632 h 484632"/>
+              <a:gd name="connsiteX6" fmla="*/ 316142 w 451412"/>
+              <a:gd name="connsiteY6" fmla="*/ 394197 h 484632"/>
+              <a:gd name="connsiteX7" fmla="*/ 135270 w 451412"/>
+              <a:gd name="connsiteY7" fmla="*/ 394197 h 484632"/>
+              <a:gd name="connsiteX8" fmla="*/ 135270 w 451412"/>
+              <a:gd name="connsiteY8" fmla="*/ 484632 h 484632"/>
+              <a:gd name="connsiteX9" fmla="*/ 0 w 451412"/>
+              <a:gd name="connsiteY9" fmla="*/ 242316 h 484632"/>
+              <a:gd name="connsiteX0" fmla="*/ 0 w 316142"/>
+              <a:gd name="connsiteY0" fmla="*/ 242316 h 484632"/>
+              <a:gd name="connsiteX1" fmla="*/ 135270 w 316142"/>
+              <a:gd name="connsiteY1" fmla="*/ 0 h 484632"/>
+              <a:gd name="connsiteX2" fmla="*/ 135270 w 316142"/>
+              <a:gd name="connsiteY2" fmla="*/ 90435 h 484632"/>
+              <a:gd name="connsiteX3" fmla="*/ 316142 w 316142"/>
+              <a:gd name="connsiteY3" fmla="*/ 90435 h 484632"/>
+              <a:gd name="connsiteX4" fmla="*/ 316142 w 316142"/>
+              <a:gd name="connsiteY4" fmla="*/ 484632 h 484632"/>
+              <a:gd name="connsiteX5" fmla="*/ 316142 w 316142"/>
+              <a:gd name="connsiteY5" fmla="*/ 394197 h 484632"/>
+              <a:gd name="connsiteX6" fmla="*/ 135270 w 316142"/>
+              <a:gd name="connsiteY6" fmla="*/ 394197 h 484632"/>
+              <a:gd name="connsiteX7" fmla="*/ 135270 w 316142"/>
+              <a:gd name="connsiteY7" fmla="*/ 484632 h 484632"/>
+              <a:gd name="connsiteX8" fmla="*/ 0 w 316142"/>
+              <a:gd name="connsiteY8" fmla="*/ 242316 h 484632"/>
+              <a:gd name="connsiteX0" fmla="*/ 0 w 316142"/>
+              <a:gd name="connsiteY0" fmla="*/ 242316 h 484632"/>
+              <a:gd name="connsiteX1" fmla="*/ 135270 w 316142"/>
+              <a:gd name="connsiteY1" fmla="*/ 0 h 484632"/>
+              <a:gd name="connsiteX2" fmla="*/ 135270 w 316142"/>
+              <a:gd name="connsiteY2" fmla="*/ 90435 h 484632"/>
+              <a:gd name="connsiteX3" fmla="*/ 316142 w 316142"/>
+              <a:gd name="connsiteY3" fmla="*/ 90435 h 484632"/>
+              <a:gd name="connsiteX4" fmla="*/ 316142 w 316142"/>
+              <a:gd name="connsiteY4" fmla="*/ 394197 h 484632"/>
+              <a:gd name="connsiteX5" fmla="*/ 135270 w 316142"/>
+              <a:gd name="connsiteY5" fmla="*/ 394197 h 484632"/>
+              <a:gd name="connsiteX6" fmla="*/ 135270 w 316142"/>
+              <a:gd name="connsiteY6" fmla="*/ 484632 h 484632"/>
+              <a:gd name="connsiteX7" fmla="*/ 0 w 316142"/>
+              <a:gd name="connsiteY7" fmla="*/ 242316 h 484632"/>
+              <a:gd name="connsiteX0" fmla="*/ 0 w 316142"/>
+              <a:gd name="connsiteY0" fmla="*/ 242316 h 484632"/>
+              <a:gd name="connsiteX1" fmla="*/ 135270 w 316142"/>
+              <a:gd name="connsiteY1" fmla="*/ 0 h 484632"/>
+              <a:gd name="connsiteX2" fmla="*/ 135270 w 316142"/>
+              <a:gd name="connsiteY2" fmla="*/ 90435 h 484632"/>
+              <a:gd name="connsiteX3" fmla="*/ 316142 w 316142"/>
+              <a:gd name="connsiteY3" fmla="*/ 394197 h 484632"/>
+              <a:gd name="connsiteX4" fmla="*/ 135270 w 316142"/>
+              <a:gd name="connsiteY4" fmla="*/ 394197 h 484632"/>
+              <a:gd name="connsiteX5" fmla="*/ 135270 w 316142"/>
+              <a:gd name="connsiteY5" fmla="*/ 484632 h 484632"/>
+              <a:gd name="connsiteX6" fmla="*/ 0 w 316142"/>
+              <a:gd name="connsiteY6" fmla="*/ 242316 h 484632"/>
+              <a:gd name="connsiteX0" fmla="*/ 0 w 316142"/>
+              <a:gd name="connsiteY0" fmla="*/ 242316 h 484632"/>
+              <a:gd name="connsiteX1" fmla="*/ 135270 w 316142"/>
+              <a:gd name="connsiteY1" fmla="*/ 0 h 484632"/>
+              <a:gd name="connsiteX2" fmla="*/ 135270 w 316142"/>
+              <a:gd name="connsiteY2" fmla="*/ 90435 h 484632"/>
+              <a:gd name="connsiteX3" fmla="*/ 316142 w 316142"/>
+              <a:gd name="connsiteY3" fmla="*/ 394197 h 484632"/>
+              <a:gd name="connsiteX4" fmla="*/ 251236 w 316142"/>
+              <a:gd name="connsiteY4" fmla="*/ 392379 h 484632"/>
+              <a:gd name="connsiteX5" fmla="*/ 135270 w 316142"/>
+              <a:gd name="connsiteY5" fmla="*/ 394197 h 484632"/>
+              <a:gd name="connsiteX6" fmla="*/ 135270 w 316142"/>
+              <a:gd name="connsiteY6" fmla="*/ 484632 h 484632"/>
+              <a:gd name="connsiteX7" fmla="*/ 0 w 316142"/>
+              <a:gd name="connsiteY7" fmla="*/ 242316 h 484632"/>
+              <a:gd name="connsiteX0" fmla="*/ 0 w 543456"/>
+              <a:gd name="connsiteY0" fmla="*/ 242316 h 795783"/>
+              <a:gd name="connsiteX1" fmla="*/ 135270 w 543456"/>
+              <a:gd name="connsiteY1" fmla="*/ 0 h 795783"/>
+              <a:gd name="connsiteX2" fmla="*/ 135270 w 543456"/>
+              <a:gd name="connsiteY2" fmla="*/ 90435 h 795783"/>
+              <a:gd name="connsiteX3" fmla="*/ 316142 w 543456"/>
+              <a:gd name="connsiteY3" fmla="*/ 394197 h 795783"/>
+              <a:gd name="connsiteX4" fmla="*/ 543456 w 543456"/>
+              <a:gd name="connsiteY4" fmla="*/ 795783 h 795783"/>
+              <a:gd name="connsiteX5" fmla="*/ 135270 w 543456"/>
+              <a:gd name="connsiteY5" fmla="*/ 394197 h 795783"/>
+              <a:gd name="connsiteX6" fmla="*/ 135270 w 543456"/>
+              <a:gd name="connsiteY6" fmla="*/ 484632 h 795783"/>
+              <a:gd name="connsiteX7" fmla="*/ 0 w 543456"/>
+              <a:gd name="connsiteY7" fmla="*/ 242316 h 795783"/>
+              <a:gd name="connsiteX0" fmla="*/ 0 w 543456"/>
+              <a:gd name="connsiteY0" fmla="*/ 242316 h 795783"/>
+              <a:gd name="connsiteX1" fmla="*/ 135270 w 543456"/>
+              <a:gd name="connsiteY1" fmla="*/ 0 h 795783"/>
+              <a:gd name="connsiteX2" fmla="*/ 135270 w 543456"/>
+              <a:gd name="connsiteY2" fmla="*/ 90435 h 795783"/>
+              <a:gd name="connsiteX3" fmla="*/ 543456 w 543456"/>
+              <a:gd name="connsiteY3" fmla="*/ 795783 h 795783"/>
+              <a:gd name="connsiteX4" fmla="*/ 135270 w 543456"/>
+              <a:gd name="connsiteY4" fmla="*/ 394197 h 795783"/>
+              <a:gd name="connsiteX5" fmla="*/ 135270 w 543456"/>
+              <a:gd name="connsiteY5" fmla="*/ 484632 h 795783"/>
+              <a:gd name="connsiteX6" fmla="*/ 0 w 543456"/>
+              <a:gd name="connsiteY6" fmla="*/ 242316 h 795783"/>
+              <a:gd name="connsiteX0" fmla="*/ 0 w 551283"/>
+              <a:gd name="connsiteY0" fmla="*/ 242316 h 789003"/>
+              <a:gd name="connsiteX1" fmla="*/ 135270 w 551283"/>
+              <a:gd name="connsiteY1" fmla="*/ 0 h 789003"/>
+              <a:gd name="connsiteX2" fmla="*/ 135270 w 551283"/>
+              <a:gd name="connsiteY2" fmla="*/ 90435 h 789003"/>
+              <a:gd name="connsiteX3" fmla="*/ 551283 w 551283"/>
+              <a:gd name="connsiteY3" fmla="*/ 789003 h 789003"/>
+              <a:gd name="connsiteX4" fmla="*/ 135270 w 551283"/>
+              <a:gd name="connsiteY4" fmla="*/ 394197 h 789003"/>
+              <a:gd name="connsiteX5" fmla="*/ 135270 w 551283"/>
+              <a:gd name="connsiteY5" fmla="*/ 484632 h 789003"/>
+              <a:gd name="connsiteX6" fmla="*/ 0 w 551283"/>
+              <a:gd name="connsiteY6" fmla="*/ 242316 h 789003"/>
+              <a:gd name="connsiteX0" fmla="*/ 0 w 551283"/>
+              <a:gd name="connsiteY0" fmla="*/ 242316 h 775443"/>
+              <a:gd name="connsiteX1" fmla="*/ 135270 w 551283"/>
+              <a:gd name="connsiteY1" fmla="*/ 0 h 775443"/>
+              <a:gd name="connsiteX2" fmla="*/ 135270 w 551283"/>
+              <a:gd name="connsiteY2" fmla="*/ 90435 h 775443"/>
+              <a:gd name="connsiteX3" fmla="*/ 551283 w 551283"/>
+              <a:gd name="connsiteY3" fmla="*/ 775443 h 775443"/>
+              <a:gd name="connsiteX4" fmla="*/ 135270 w 551283"/>
+              <a:gd name="connsiteY4" fmla="*/ 394197 h 775443"/>
+              <a:gd name="connsiteX5" fmla="*/ 135270 w 551283"/>
+              <a:gd name="connsiteY5" fmla="*/ 484632 h 775443"/>
+              <a:gd name="connsiteX6" fmla="*/ 0 w 551283"/>
+              <a:gd name="connsiteY6" fmla="*/ 242316 h 775443"/>
+              <a:gd name="connsiteX0" fmla="*/ 0 w 725582"/>
+              <a:gd name="connsiteY0" fmla="*/ 242316 h 1178043"/>
+              <a:gd name="connsiteX1" fmla="*/ 135270 w 725582"/>
+              <a:gd name="connsiteY1" fmla="*/ 0 h 1178043"/>
+              <a:gd name="connsiteX2" fmla="*/ 135270 w 725582"/>
+              <a:gd name="connsiteY2" fmla="*/ 90435 h 1178043"/>
+              <a:gd name="connsiteX3" fmla="*/ 725582 w 725582"/>
+              <a:gd name="connsiteY3" fmla="*/ 1178043 h 1178043"/>
+              <a:gd name="connsiteX4" fmla="*/ 135270 w 725582"/>
+              <a:gd name="connsiteY4" fmla="*/ 394197 h 1178043"/>
+              <a:gd name="connsiteX5" fmla="*/ 135270 w 725582"/>
+              <a:gd name="connsiteY5" fmla="*/ 484632 h 1178043"/>
+              <a:gd name="connsiteX6" fmla="*/ 0 w 725582"/>
+              <a:gd name="connsiteY6" fmla="*/ 242316 h 1178043"/>
+              <a:gd name="connsiteX0" fmla="*/ 0 w 725584"/>
+              <a:gd name="connsiteY0" fmla="*/ 242316 h 1158750"/>
+              <a:gd name="connsiteX1" fmla="*/ 135270 w 725584"/>
+              <a:gd name="connsiteY1" fmla="*/ 0 h 1158750"/>
+              <a:gd name="connsiteX2" fmla="*/ 135270 w 725584"/>
+              <a:gd name="connsiteY2" fmla="*/ 90435 h 1158750"/>
+              <a:gd name="connsiteX3" fmla="*/ 725584 w 725584"/>
+              <a:gd name="connsiteY3" fmla="*/ 1158750 h 1158750"/>
+              <a:gd name="connsiteX4" fmla="*/ 135270 w 725584"/>
+              <a:gd name="connsiteY4" fmla="*/ 394197 h 1158750"/>
+              <a:gd name="connsiteX5" fmla="*/ 135270 w 725584"/>
+              <a:gd name="connsiteY5" fmla="*/ 484632 h 1158750"/>
+              <a:gd name="connsiteX6" fmla="*/ 0 w 725584"/>
+              <a:gd name="connsiteY6" fmla="*/ 242316 h 1158750"/>
+              <a:gd name="connsiteX0" fmla="*/ 0 w 725584"/>
+              <a:gd name="connsiteY0" fmla="*/ 242316 h 1149103"/>
+              <a:gd name="connsiteX1" fmla="*/ 135270 w 725584"/>
+              <a:gd name="connsiteY1" fmla="*/ 0 h 1149103"/>
+              <a:gd name="connsiteX2" fmla="*/ 135270 w 725584"/>
+              <a:gd name="connsiteY2" fmla="*/ 90435 h 1149103"/>
+              <a:gd name="connsiteX3" fmla="*/ 725584 w 725584"/>
+              <a:gd name="connsiteY3" fmla="*/ 1149103 h 1149103"/>
+              <a:gd name="connsiteX4" fmla="*/ 135270 w 725584"/>
+              <a:gd name="connsiteY4" fmla="*/ 394197 h 1149103"/>
+              <a:gd name="connsiteX5" fmla="*/ 135270 w 725584"/>
+              <a:gd name="connsiteY5" fmla="*/ 484632 h 1149103"/>
+              <a:gd name="connsiteX6" fmla="*/ 0 w 725584"/>
+              <a:gd name="connsiteY6" fmla="*/ 242316 h 1149103"/>
+            </a:gdLst>
+            <a:ahLst/>
+            <a:cxnLst>
+              <a:cxn ang="0">
+                <a:pos x="connsiteX0" y="connsiteY0"/>
+              </a:cxn>
+              <a:cxn ang="0">
+                <a:pos x="connsiteX1" y="connsiteY1"/>
+              </a:cxn>
+              <a:cxn ang="0">
+                <a:pos x="connsiteX2" y="connsiteY2"/>
+              </a:cxn>
+              <a:cxn ang="0">
+                <a:pos x="connsiteX3" y="connsiteY3"/>
+              </a:cxn>
+              <a:cxn ang="0">
+                <a:pos x="connsiteX4" y="connsiteY4"/>
+              </a:cxn>
+              <a:cxn ang="0">
+                <a:pos x="connsiteX5" y="connsiteY5"/>
+              </a:cxn>
+              <a:cxn ang="0">
+                <a:pos x="connsiteX6" y="connsiteY6"/>
+              </a:cxn>
+            </a:cxnLst>
+            <a:rect l="l" t="t" r="r" b="b"/>
+            <a:pathLst>
+              <a:path w="725584" h="1149103">
+                <a:moveTo>
+                  <a:pt x="0" y="242316"/>
+                </a:moveTo>
+                <a:lnTo>
+                  <a:pt x="135270" y="0"/>
+                </a:lnTo>
+                <a:lnTo>
+                  <a:pt x="135270" y="90435"/>
+                </a:lnTo>
+                <a:lnTo>
+                  <a:pt x="725584" y="1149103"/>
+                </a:lnTo>
+                <a:lnTo>
+                  <a:pt x="135270" y="394197"/>
+                </a:lnTo>
+                <a:lnTo>
+                  <a:pt x="135270" y="484632"/>
+                </a:lnTo>
+                <a:lnTo>
+                  <a:pt x="0" y="242316"/>
+                </a:lnTo>
+                <a:close/>
+              </a:path>
+            </a:pathLst>
+          </a:custGeom>
+        </p:spPr>
+        <p:style>
+          <a:lnRef idx="2">
+            <a:schemeClr val="accent1">
+              <a:shade val="50000"/>
+            </a:schemeClr>
+          </a:lnRef>
+          <a:fillRef idx="1">
+            <a:schemeClr val="accent1"/>
+          </a:fillRef>
+          <a:effectRef idx="0">
+            <a:schemeClr val="accent1"/>
+          </a:effectRef>
+          <a:fontRef idx="minor">
+            <a:schemeClr val="lt1"/>
+          </a:fontRef>
+        </p:style>
+        <p:txBody>
+          <a:bodyPr rtlCol="0" anchor="ctr"/>
+          <a:lstStyle/>
+          <a:p>
+            <a:pPr algn="ctr"/>
+            <a:endParaRPr lang="ru-RU"/>
+          </a:p>
+        </p:txBody>
+      </p:sp>
+      <p:sp>
+        <p:nvSpPr>
+          <p:cNvPr id="28" name="Двойная стрелка влево/вправо 5"/>
+          <p:cNvSpPr/>
+          <p:nvPr/>
+        </p:nvSpPr>
+        <p:spPr>
+          <a:xfrm rot="16200000" flipH="1">
+            <a:off x="4777664" y="5631104"/>
+            <a:ext cx="805023" cy="871529"/>
+          </a:xfrm>
+          <a:custGeom>
+            <a:avLst/>
+            <a:gdLst>
+              <a:gd name="connsiteX0" fmla="*/ 0 w 451412"/>
+              <a:gd name="connsiteY0" fmla="*/ 242316 h 484632"/>
+              <a:gd name="connsiteX1" fmla="*/ 135270 w 451412"/>
+              <a:gd name="connsiteY1" fmla="*/ 0 h 484632"/>
+              <a:gd name="connsiteX2" fmla="*/ 135270 w 451412"/>
+              <a:gd name="connsiteY2" fmla="*/ 90435 h 484632"/>
+              <a:gd name="connsiteX3" fmla="*/ 316142 w 451412"/>
+              <a:gd name="connsiteY3" fmla="*/ 90435 h 484632"/>
+              <a:gd name="connsiteX4" fmla="*/ 316142 w 451412"/>
+              <a:gd name="connsiteY4" fmla="*/ 0 h 484632"/>
+              <a:gd name="connsiteX5" fmla="*/ 451412 w 451412"/>
+              <a:gd name="connsiteY5" fmla="*/ 242316 h 484632"/>
+              <a:gd name="connsiteX6" fmla="*/ 316142 w 451412"/>
+              <a:gd name="connsiteY6" fmla="*/ 484632 h 484632"/>
+              <a:gd name="connsiteX7" fmla="*/ 316142 w 451412"/>
+              <a:gd name="connsiteY7" fmla="*/ 394197 h 484632"/>
+              <a:gd name="connsiteX8" fmla="*/ 135270 w 451412"/>
+              <a:gd name="connsiteY8" fmla="*/ 394197 h 484632"/>
+              <a:gd name="connsiteX9" fmla="*/ 135270 w 451412"/>
+              <a:gd name="connsiteY9" fmla="*/ 484632 h 484632"/>
+              <a:gd name="connsiteX10" fmla="*/ 0 w 451412"/>
+              <a:gd name="connsiteY10" fmla="*/ 242316 h 484632"/>
+              <a:gd name="connsiteX0" fmla="*/ 0 w 451412"/>
+              <a:gd name="connsiteY0" fmla="*/ 242316 h 484632"/>
+              <a:gd name="connsiteX1" fmla="*/ 135270 w 451412"/>
+              <a:gd name="connsiteY1" fmla="*/ 0 h 484632"/>
+              <a:gd name="connsiteX2" fmla="*/ 135270 w 451412"/>
+              <a:gd name="connsiteY2" fmla="*/ 90435 h 484632"/>
+              <a:gd name="connsiteX3" fmla="*/ 316142 w 451412"/>
+              <a:gd name="connsiteY3" fmla="*/ 90435 h 484632"/>
+              <a:gd name="connsiteX4" fmla="*/ 451412 w 451412"/>
+              <a:gd name="connsiteY4" fmla="*/ 242316 h 484632"/>
+              <a:gd name="connsiteX5" fmla="*/ 316142 w 451412"/>
+              <a:gd name="connsiteY5" fmla="*/ 484632 h 484632"/>
+              <a:gd name="connsiteX6" fmla="*/ 316142 w 451412"/>
+              <a:gd name="connsiteY6" fmla="*/ 394197 h 484632"/>
+              <a:gd name="connsiteX7" fmla="*/ 135270 w 451412"/>
+              <a:gd name="connsiteY7" fmla="*/ 394197 h 484632"/>
+              <a:gd name="connsiteX8" fmla="*/ 135270 w 451412"/>
+              <a:gd name="connsiteY8" fmla="*/ 484632 h 484632"/>
+              <a:gd name="connsiteX9" fmla="*/ 0 w 451412"/>
+              <a:gd name="connsiteY9" fmla="*/ 242316 h 484632"/>
+              <a:gd name="connsiteX0" fmla="*/ 0 w 316142"/>
+              <a:gd name="connsiteY0" fmla="*/ 242316 h 484632"/>
+              <a:gd name="connsiteX1" fmla="*/ 135270 w 316142"/>
+              <a:gd name="connsiteY1" fmla="*/ 0 h 484632"/>
+              <a:gd name="connsiteX2" fmla="*/ 135270 w 316142"/>
+              <a:gd name="connsiteY2" fmla="*/ 90435 h 484632"/>
+              <a:gd name="connsiteX3" fmla="*/ 316142 w 316142"/>
+              <a:gd name="connsiteY3" fmla="*/ 90435 h 484632"/>
+              <a:gd name="connsiteX4" fmla="*/ 316142 w 316142"/>
+              <a:gd name="connsiteY4" fmla="*/ 484632 h 484632"/>
+              <a:gd name="connsiteX5" fmla="*/ 316142 w 316142"/>
+              <a:gd name="connsiteY5" fmla="*/ 394197 h 484632"/>
+              <a:gd name="connsiteX6" fmla="*/ 135270 w 316142"/>
+              <a:gd name="connsiteY6" fmla="*/ 394197 h 484632"/>
+              <a:gd name="connsiteX7" fmla="*/ 135270 w 316142"/>
+              <a:gd name="connsiteY7" fmla="*/ 484632 h 484632"/>
+              <a:gd name="connsiteX8" fmla="*/ 0 w 316142"/>
+              <a:gd name="connsiteY8" fmla="*/ 242316 h 484632"/>
+              <a:gd name="connsiteX0" fmla="*/ 0 w 316142"/>
+              <a:gd name="connsiteY0" fmla="*/ 242316 h 484632"/>
+              <a:gd name="connsiteX1" fmla="*/ 135270 w 316142"/>
+              <a:gd name="connsiteY1" fmla="*/ 0 h 484632"/>
+              <a:gd name="connsiteX2" fmla="*/ 135270 w 316142"/>
+              <a:gd name="connsiteY2" fmla="*/ 90435 h 484632"/>
+              <a:gd name="connsiteX3" fmla="*/ 316142 w 316142"/>
+              <a:gd name="connsiteY3" fmla="*/ 90435 h 484632"/>
+              <a:gd name="connsiteX4" fmla="*/ 316142 w 316142"/>
+              <a:gd name="connsiteY4" fmla="*/ 394197 h 484632"/>
+              <a:gd name="connsiteX5" fmla="*/ 135270 w 316142"/>
+              <a:gd name="connsiteY5" fmla="*/ 394197 h 484632"/>
+              <a:gd name="connsiteX6" fmla="*/ 135270 w 316142"/>
+              <a:gd name="connsiteY6" fmla="*/ 484632 h 484632"/>
+              <a:gd name="connsiteX7" fmla="*/ 0 w 316142"/>
+              <a:gd name="connsiteY7" fmla="*/ 242316 h 484632"/>
+              <a:gd name="connsiteX0" fmla="*/ 0 w 316142"/>
+              <a:gd name="connsiteY0" fmla="*/ 242316 h 484632"/>
+              <a:gd name="connsiteX1" fmla="*/ 135270 w 316142"/>
+              <a:gd name="connsiteY1" fmla="*/ 0 h 484632"/>
+              <a:gd name="connsiteX2" fmla="*/ 135270 w 316142"/>
+              <a:gd name="connsiteY2" fmla="*/ 90435 h 484632"/>
+              <a:gd name="connsiteX3" fmla="*/ 316142 w 316142"/>
+              <a:gd name="connsiteY3" fmla="*/ 394197 h 484632"/>
+              <a:gd name="connsiteX4" fmla="*/ 135270 w 316142"/>
+              <a:gd name="connsiteY4" fmla="*/ 394197 h 484632"/>
+              <a:gd name="connsiteX5" fmla="*/ 135270 w 316142"/>
+              <a:gd name="connsiteY5" fmla="*/ 484632 h 484632"/>
+              <a:gd name="connsiteX6" fmla="*/ 0 w 316142"/>
+              <a:gd name="connsiteY6" fmla="*/ 242316 h 484632"/>
+              <a:gd name="connsiteX0" fmla="*/ 0 w 316142"/>
+              <a:gd name="connsiteY0" fmla="*/ 242316 h 484632"/>
+              <a:gd name="connsiteX1" fmla="*/ 135270 w 316142"/>
+              <a:gd name="connsiteY1" fmla="*/ 0 h 484632"/>
+              <a:gd name="connsiteX2" fmla="*/ 135270 w 316142"/>
+              <a:gd name="connsiteY2" fmla="*/ 90435 h 484632"/>
+              <a:gd name="connsiteX3" fmla="*/ 316142 w 316142"/>
+              <a:gd name="connsiteY3" fmla="*/ 394197 h 484632"/>
+              <a:gd name="connsiteX4" fmla="*/ 251236 w 316142"/>
+              <a:gd name="connsiteY4" fmla="*/ 392379 h 484632"/>
+              <a:gd name="connsiteX5" fmla="*/ 135270 w 316142"/>
+              <a:gd name="connsiteY5" fmla="*/ 394197 h 484632"/>
+              <a:gd name="connsiteX6" fmla="*/ 135270 w 316142"/>
+              <a:gd name="connsiteY6" fmla="*/ 484632 h 484632"/>
+              <a:gd name="connsiteX7" fmla="*/ 0 w 316142"/>
+              <a:gd name="connsiteY7" fmla="*/ 242316 h 484632"/>
+              <a:gd name="connsiteX0" fmla="*/ 0 w 543456"/>
+              <a:gd name="connsiteY0" fmla="*/ 242316 h 795783"/>
+              <a:gd name="connsiteX1" fmla="*/ 135270 w 543456"/>
+              <a:gd name="connsiteY1" fmla="*/ 0 h 795783"/>
+              <a:gd name="connsiteX2" fmla="*/ 135270 w 543456"/>
+              <a:gd name="connsiteY2" fmla="*/ 90435 h 795783"/>
+              <a:gd name="connsiteX3" fmla="*/ 316142 w 543456"/>
+              <a:gd name="connsiteY3" fmla="*/ 394197 h 795783"/>
+              <a:gd name="connsiteX4" fmla="*/ 543456 w 543456"/>
+              <a:gd name="connsiteY4" fmla="*/ 795783 h 795783"/>
+              <a:gd name="connsiteX5" fmla="*/ 135270 w 543456"/>
+              <a:gd name="connsiteY5" fmla="*/ 394197 h 795783"/>
+              <a:gd name="connsiteX6" fmla="*/ 135270 w 543456"/>
+              <a:gd name="connsiteY6" fmla="*/ 484632 h 795783"/>
+              <a:gd name="connsiteX7" fmla="*/ 0 w 543456"/>
+              <a:gd name="connsiteY7" fmla="*/ 242316 h 795783"/>
+              <a:gd name="connsiteX0" fmla="*/ 0 w 543456"/>
+              <a:gd name="connsiteY0" fmla="*/ 242316 h 795783"/>
+              <a:gd name="connsiteX1" fmla="*/ 135270 w 543456"/>
+              <a:gd name="connsiteY1" fmla="*/ 0 h 795783"/>
+              <a:gd name="connsiteX2" fmla="*/ 135270 w 543456"/>
+              <a:gd name="connsiteY2" fmla="*/ 90435 h 795783"/>
+              <a:gd name="connsiteX3" fmla="*/ 543456 w 543456"/>
+              <a:gd name="connsiteY3" fmla="*/ 795783 h 795783"/>
+              <a:gd name="connsiteX4" fmla="*/ 135270 w 543456"/>
+              <a:gd name="connsiteY4" fmla="*/ 394197 h 795783"/>
+              <a:gd name="connsiteX5" fmla="*/ 135270 w 543456"/>
+              <a:gd name="connsiteY5" fmla="*/ 484632 h 795783"/>
+              <a:gd name="connsiteX6" fmla="*/ 0 w 543456"/>
+              <a:gd name="connsiteY6" fmla="*/ 242316 h 795783"/>
+              <a:gd name="connsiteX0" fmla="*/ 0 w 551283"/>
+              <a:gd name="connsiteY0" fmla="*/ 242316 h 789003"/>
+              <a:gd name="connsiteX1" fmla="*/ 135270 w 551283"/>
+              <a:gd name="connsiteY1" fmla="*/ 0 h 789003"/>
+              <a:gd name="connsiteX2" fmla="*/ 135270 w 551283"/>
+              <a:gd name="connsiteY2" fmla="*/ 90435 h 789003"/>
+              <a:gd name="connsiteX3" fmla="*/ 551283 w 551283"/>
+              <a:gd name="connsiteY3" fmla="*/ 789003 h 789003"/>
+              <a:gd name="connsiteX4" fmla="*/ 135270 w 551283"/>
+              <a:gd name="connsiteY4" fmla="*/ 394197 h 789003"/>
+              <a:gd name="connsiteX5" fmla="*/ 135270 w 551283"/>
+              <a:gd name="connsiteY5" fmla="*/ 484632 h 789003"/>
+              <a:gd name="connsiteX6" fmla="*/ 0 w 551283"/>
+              <a:gd name="connsiteY6" fmla="*/ 242316 h 789003"/>
+              <a:gd name="connsiteX0" fmla="*/ 0 w 551283"/>
+              <a:gd name="connsiteY0" fmla="*/ 242316 h 775443"/>
+              <a:gd name="connsiteX1" fmla="*/ 135270 w 551283"/>
+              <a:gd name="connsiteY1" fmla="*/ 0 h 775443"/>
+              <a:gd name="connsiteX2" fmla="*/ 135270 w 551283"/>
+              <a:gd name="connsiteY2" fmla="*/ 90435 h 775443"/>
+              <a:gd name="connsiteX3" fmla="*/ 551283 w 551283"/>
+              <a:gd name="connsiteY3" fmla="*/ 775443 h 775443"/>
+              <a:gd name="connsiteX4" fmla="*/ 135270 w 551283"/>
+              <a:gd name="connsiteY4" fmla="*/ 394197 h 775443"/>
+              <a:gd name="connsiteX5" fmla="*/ 135270 w 551283"/>
+              <a:gd name="connsiteY5" fmla="*/ 484632 h 775443"/>
+              <a:gd name="connsiteX6" fmla="*/ 0 w 551283"/>
+              <a:gd name="connsiteY6" fmla="*/ 242316 h 775443"/>
+            </a:gdLst>
+            <a:ahLst/>
+            <a:cxnLst>
+              <a:cxn ang="0">
+                <a:pos x="connsiteX0" y="connsiteY0"/>
+              </a:cxn>
+              <a:cxn ang="0">
+                <a:pos x="connsiteX1" y="connsiteY1"/>
+              </a:cxn>
+              <a:cxn ang="0">
+                <a:pos x="connsiteX2" y="connsiteY2"/>
+              </a:cxn>
+              <a:cxn ang="0">
+                <a:pos x="connsiteX3" y="connsiteY3"/>
+              </a:cxn>
+              <a:cxn ang="0">
+                <a:pos x="connsiteX4" y="connsiteY4"/>
+              </a:cxn>
+              <a:cxn ang="0">
+                <a:pos x="connsiteX5" y="connsiteY5"/>
+              </a:cxn>
+              <a:cxn ang="0">
+                <a:pos x="connsiteX6" y="connsiteY6"/>
+              </a:cxn>
+            </a:cxnLst>
+            <a:rect l="l" t="t" r="r" b="b"/>
+            <a:pathLst>
+              <a:path w="551283" h="775443">
+                <a:moveTo>
+                  <a:pt x="0" y="242316"/>
+                </a:moveTo>
+                <a:lnTo>
+                  <a:pt x="135270" y="0"/>
+                </a:lnTo>
+                <a:lnTo>
+                  <a:pt x="135270" y="90435"/>
+                </a:lnTo>
+                <a:lnTo>
+                  <a:pt x="551283" y="775443"/>
+                </a:lnTo>
+                <a:lnTo>
+                  <a:pt x="135270" y="394197"/>
+                </a:lnTo>
+                <a:lnTo>
+                  <a:pt x="135270" y="484632"/>
+                </a:lnTo>
+                <a:lnTo>
+                  <a:pt x="0" y="242316"/>
+                </a:lnTo>
+                <a:close/>
+              </a:path>
+            </a:pathLst>
+          </a:custGeom>
+        </p:spPr>
+        <p:style>
+          <a:lnRef idx="2">
+            <a:schemeClr val="accent1">
+              <a:shade val="50000"/>
+            </a:schemeClr>
+          </a:lnRef>
+          <a:fillRef idx="1">
+            <a:schemeClr val="accent1"/>
+          </a:fillRef>
+          <a:effectRef idx="0">
+            <a:schemeClr val="accent1"/>
+          </a:effectRef>
+          <a:fontRef idx="minor">
+            <a:schemeClr val="lt1"/>
+          </a:fontRef>
+        </p:style>
+        <p:txBody>
+          <a:bodyPr rtlCol="0" anchor="ctr"/>
+          <a:lstStyle/>
+          <a:p>
+            <a:pPr algn="ctr"/>
+            <a:endParaRPr lang="ru-RU"/>
+          </a:p>
+        </p:txBody>
+      </p:sp>
+      <p:sp>
+        <p:nvSpPr>
+          <p:cNvPr id="32" name="Двойная стрелка влево/вправо 5"/>
+          <p:cNvSpPr/>
+          <p:nvPr/>
+        </p:nvSpPr>
+        <p:spPr>
+          <a:xfrm flipV="1">
+            <a:off x="6576060" y="5662020"/>
+            <a:ext cx="805023" cy="871529"/>
+          </a:xfrm>
+          <a:custGeom>
+            <a:avLst/>
+            <a:gdLst>
+              <a:gd name="connsiteX0" fmla="*/ 0 w 451412"/>
+              <a:gd name="connsiteY0" fmla="*/ 242316 h 484632"/>
+              <a:gd name="connsiteX1" fmla="*/ 135270 w 451412"/>
+              <a:gd name="connsiteY1" fmla="*/ 0 h 484632"/>
+              <a:gd name="connsiteX2" fmla="*/ 135270 w 451412"/>
+              <a:gd name="connsiteY2" fmla="*/ 90435 h 484632"/>
+              <a:gd name="connsiteX3" fmla="*/ 316142 w 451412"/>
+              <a:gd name="connsiteY3" fmla="*/ 90435 h 484632"/>
+              <a:gd name="connsiteX4" fmla="*/ 316142 w 451412"/>
+              <a:gd name="connsiteY4" fmla="*/ 0 h 484632"/>
+              <a:gd name="connsiteX5" fmla="*/ 451412 w 451412"/>
+              <a:gd name="connsiteY5" fmla="*/ 242316 h 484632"/>
+              <a:gd name="connsiteX6" fmla="*/ 316142 w 451412"/>
+              <a:gd name="connsiteY6" fmla="*/ 484632 h 484632"/>
+              <a:gd name="connsiteX7" fmla="*/ 316142 w 451412"/>
+              <a:gd name="connsiteY7" fmla="*/ 394197 h 484632"/>
+              <a:gd name="connsiteX8" fmla="*/ 135270 w 451412"/>
+              <a:gd name="connsiteY8" fmla="*/ 394197 h 484632"/>
+              <a:gd name="connsiteX9" fmla="*/ 135270 w 451412"/>
+              <a:gd name="connsiteY9" fmla="*/ 484632 h 484632"/>
+              <a:gd name="connsiteX10" fmla="*/ 0 w 451412"/>
+              <a:gd name="connsiteY10" fmla="*/ 242316 h 484632"/>
+              <a:gd name="connsiteX0" fmla="*/ 0 w 451412"/>
+              <a:gd name="connsiteY0" fmla="*/ 242316 h 484632"/>
+              <a:gd name="connsiteX1" fmla="*/ 135270 w 451412"/>
+              <a:gd name="connsiteY1" fmla="*/ 0 h 484632"/>
+              <a:gd name="connsiteX2" fmla="*/ 135270 w 451412"/>
+              <a:gd name="connsiteY2" fmla="*/ 90435 h 484632"/>
+              <a:gd name="connsiteX3" fmla="*/ 316142 w 451412"/>
+              <a:gd name="connsiteY3" fmla="*/ 90435 h 484632"/>
+              <a:gd name="connsiteX4" fmla="*/ 451412 w 451412"/>
+              <a:gd name="connsiteY4" fmla="*/ 242316 h 484632"/>
+              <a:gd name="connsiteX5" fmla="*/ 316142 w 451412"/>
+              <a:gd name="connsiteY5" fmla="*/ 484632 h 484632"/>
+              <a:gd name="connsiteX6" fmla="*/ 316142 w 451412"/>
+              <a:gd name="connsiteY6" fmla="*/ 394197 h 484632"/>
+              <a:gd name="connsiteX7" fmla="*/ 135270 w 451412"/>
+              <a:gd name="connsiteY7" fmla="*/ 394197 h 484632"/>
+              <a:gd name="connsiteX8" fmla="*/ 135270 w 451412"/>
+              <a:gd name="connsiteY8" fmla="*/ 484632 h 484632"/>
+              <a:gd name="connsiteX9" fmla="*/ 0 w 451412"/>
+              <a:gd name="connsiteY9" fmla="*/ 242316 h 484632"/>
+              <a:gd name="connsiteX0" fmla="*/ 0 w 316142"/>
+              <a:gd name="connsiteY0" fmla="*/ 242316 h 484632"/>
+              <a:gd name="connsiteX1" fmla="*/ 135270 w 316142"/>
+              <a:gd name="connsiteY1" fmla="*/ 0 h 484632"/>
+              <a:gd name="connsiteX2" fmla="*/ 135270 w 316142"/>
+              <a:gd name="connsiteY2" fmla="*/ 90435 h 484632"/>
+              <a:gd name="connsiteX3" fmla="*/ 316142 w 316142"/>
+              <a:gd name="connsiteY3" fmla="*/ 90435 h 484632"/>
+              <a:gd name="connsiteX4" fmla="*/ 316142 w 316142"/>
+              <a:gd name="connsiteY4" fmla="*/ 484632 h 484632"/>
+              <a:gd name="connsiteX5" fmla="*/ 316142 w 316142"/>
+              <a:gd name="connsiteY5" fmla="*/ 394197 h 484632"/>
+              <a:gd name="connsiteX6" fmla="*/ 135270 w 316142"/>
+              <a:gd name="connsiteY6" fmla="*/ 394197 h 484632"/>
+              <a:gd name="connsiteX7" fmla="*/ 135270 w 316142"/>
+              <a:gd name="connsiteY7" fmla="*/ 484632 h 484632"/>
+              <a:gd name="connsiteX8" fmla="*/ 0 w 316142"/>
+              <a:gd name="connsiteY8" fmla="*/ 242316 h 484632"/>
+              <a:gd name="connsiteX0" fmla="*/ 0 w 316142"/>
+              <a:gd name="connsiteY0" fmla="*/ 242316 h 484632"/>
+              <a:gd name="connsiteX1" fmla="*/ 135270 w 316142"/>
+              <a:gd name="connsiteY1" fmla="*/ 0 h 484632"/>
+              <a:gd name="connsiteX2" fmla="*/ 135270 w 316142"/>
+              <a:gd name="connsiteY2" fmla="*/ 90435 h 484632"/>
+              <a:gd name="connsiteX3" fmla="*/ 316142 w 316142"/>
+              <a:gd name="connsiteY3" fmla="*/ 90435 h 484632"/>
+              <a:gd name="connsiteX4" fmla="*/ 316142 w 316142"/>
+              <a:gd name="connsiteY4" fmla="*/ 394197 h 484632"/>
+              <a:gd name="connsiteX5" fmla="*/ 135270 w 316142"/>
+              <a:gd name="connsiteY5" fmla="*/ 394197 h 484632"/>
+              <a:gd name="connsiteX6" fmla="*/ 135270 w 316142"/>
+              <a:gd name="connsiteY6" fmla="*/ 484632 h 484632"/>
+              <a:gd name="connsiteX7" fmla="*/ 0 w 316142"/>
+              <a:gd name="connsiteY7" fmla="*/ 242316 h 484632"/>
+              <a:gd name="connsiteX0" fmla="*/ 0 w 316142"/>
+              <a:gd name="connsiteY0" fmla="*/ 242316 h 484632"/>
+              <a:gd name="connsiteX1" fmla="*/ 135270 w 316142"/>
+              <a:gd name="connsiteY1" fmla="*/ 0 h 484632"/>
+              <a:gd name="connsiteX2" fmla="*/ 135270 w 316142"/>
+              <a:gd name="connsiteY2" fmla="*/ 90435 h 484632"/>
+              <a:gd name="connsiteX3" fmla="*/ 316142 w 316142"/>
+              <a:gd name="connsiteY3" fmla="*/ 394197 h 484632"/>
+              <a:gd name="connsiteX4" fmla="*/ 135270 w 316142"/>
+              <a:gd name="connsiteY4" fmla="*/ 394197 h 484632"/>
+              <a:gd name="connsiteX5" fmla="*/ 135270 w 316142"/>
+              <a:gd name="connsiteY5" fmla="*/ 484632 h 484632"/>
+              <a:gd name="connsiteX6" fmla="*/ 0 w 316142"/>
+              <a:gd name="connsiteY6" fmla="*/ 242316 h 484632"/>
+              <a:gd name="connsiteX0" fmla="*/ 0 w 316142"/>
+              <a:gd name="connsiteY0" fmla="*/ 242316 h 484632"/>
+              <a:gd name="connsiteX1" fmla="*/ 135270 w 316142"/>
+              <a:gd name="connsiteY1" fmla="*/ 0 h 484632"/>
+              <a:gd name="connsiteX2" fmla="*/ 135270 w 316142"/>
+              <a:gd name="connsiteY2" fmla="*/ 90435 h 484632"/>
+              <a:gd name="connsiteX3" fmla="*/ 316142 w 316142"/>
+              <a:gd name="connsiteY3" fmla="*/ 394197 h 484632"/>
+              <a:gd name="connsiteX4" fmla="*/ 251236 w 316142"/>
+              <a:gd name="connsiteY4" fmla="*/ 392379 h 484632"/>
+              <a:gd name="connsiteX5" fmla="*/ 135270 w 316142"/>
+              <a:gd name="connsiteY5" fmla="*/ 394197 h 484632"/>
+              <a:gd name="connsiteX6" fmla="*/ 135270 w 316142"/>
+              <a:gd name="connsiteY6" fmla="*/ 484632 h 484632"/>
+              <a:gd name="connsiteX7" fmla="*/ 0 w 316142"/>
+              <a:gd name="connsiteY7" fmla="*/ 242316 h 484632"/>
+              <a:gd name="connsiteX0" fmla="*/ 0 w 543456"/>
+              <a:gd name="connsiteY0" fmla="*/ 242316 h 795783"/>
+              <a:gd name="connsiteX1" fmla="*/ 135270 w 543456"/>
+              <a:gd name="connsiteY1" fmla="*/ 0 h 795783"/>
+              <a:gd name="connsiteX2" fmla="*/ 135270 w 543456"/>
+              <a:gd name="connsiteY2" fmla="*/ 90435 h 795783"/>
+              <a:gd name="connsiteX3" fmla="*/ 316142 w 543456"/>
+              <a:gd name="connsiteY3" fmla="*/ 394197 h 795783"/>
+              <a:gd name="connsiteX4" fmla="*/ 543456 w 543456"/>
+              <a:gd name="connsiteY4" fmla="*/ 795783 h 795783"/>
+              <a:gd name="connsiteX5" fmla="*/ 135270 w 543456"/>
+              <a:gd name="connsiteY5" fmla="*/ 394197 h 795783"/>
+              <a:gd name="connsiteX6" fmla="*/ 135270 w 543456"/>
+              <a:gd name="connsiteY6" fmla="*/ 484632 h 795783"/>
+              <a:gd name="connsiteX7" fmla="*/ 0 w 543456"/>
+              <a:gd name="connsiteY7" fmla="*/ 242316 h 795783"/>
+              <a:gd name="connsiteX0" fmla="*/ 0 w 543456"/>
+              <a:gd name="connsiteY0" fmla="*/ 242316 h 795783"/>
+              <a:gd name="connsiteX1" fmla="*/ 135270 w 543456"/>
+              <a:gd name="connsiteY1" fmla="*/ 0 h 795783"/>
+              <a:gd name="connsiteX2" fmla="*/ 135270 w 543456"/>
+              <a:gd name="connsiteY2" fmla="*/ 90435 h 795783"/>
+              <a:gd name="connsiteX3" fmla="*/ 543456 w 543456"/>
+              <a:gd name="connsiteY3" fmla="*/ 795783 h 795783"/>
+              <a:gd name="connsiteX4" fmla="*/ 135270 w 543456"/>
+              <a:gd name="connsiteY4" fmla="*/ 394197 h 795783"/>
+              <a:gd name="connsiteX5" fmla="*/ 135270 w 543456"/>
+              <a:gd name="connsiteY5" fmla="*/ 484632 h 795783"/>
+              <a:gd name="connsiteX6" fmla="*/ 0 w 543456"/>
+              <a:gd name="connsiteY6" fmla="*/ 242316 h 795783"/>
+              <a:gd name="connsiteX0" fmla="*/ 0 w 551283"/>
+              <a:gd name="connsiteY0" fmla="*/ 242316 h 789003"/>
+              <a:gd name="connsiteX1" fmla="*/ 135270 w 551283"/>
+              <a:gd name="connsiteY1" fmla="*/ 0 h 789003"/>
+              <a:gd name="connsiteX2" fmla="*/ 135270 w 551283"/>
+              <a:gd name="connsiteY2" fmla="*/ 90435 h 789003"/>
+              <a:gd name="connsiteX3" fmla="*/ 551283 w 551283"/>
+              <a:gd name="connsiteY3" fmla="*/ 789003 h 789003"/>
+              <a:gd name="connsiteX4" fmla="*/ 135270 w 551283"/>
+              <a:gd name="connsiteY4" fmla="*/ 394197 h 789003"/>
+              <a:gd name="connsiteX5" fmla="*/ 135270 w 551283"/>
+              <a:gd name="connsiteY5" fmla="*/ 484632 h 789003"/>
+              <a:gd name="connsiteX6" fmla="*/ 0 w 551283"/>
+              <a:gd name="connsiteY6" fmla="*/ 242316 h 789003"/>
+              <a:gd name="connsiteX0" fmla="*/ 0 w 551283"/>
+              <a:gd name="connsiteY0" fmla="*/ 242316 h 775443"/>
+              <a:gd name="connsiteX1" fmla="*/ 135270 w 551283"/>
+              <a:gd name="connsiteY1" fmla="*/ 0 h 775443"/>
+              <a:gd name="connsiteX2" fmla="*/ 135270 w 551283"/>
+              <a:gd name="connsiteY2" fmla="*/ 90435 h 775443"/>
+              <a:gd name="connsiteX3" fmla="*/ 551283 w 551283"/>
+              <a:gd name="connsiteY3" fmla="*/ 775443 h 775443"/>
+              <a:gd name="connsiteX4" fmla="*/ 135270 w 551283"/>
+              <a:gd name="connsiteY4" fmla="*/ 394197 h 775443"/>
+              <a:gd name="connsiteX5" fmla="*/ 135270 w 551283"/>
+              <a:gd name="connsiteY5" fmla="*/ 484632 h 775443"/>
+              <a:gd name="connsiteX6" fmla="*/ 0 w 551283"/>
+              <a:gd name="connsiteY6" fmla="*/ 242316 h 775443"/>
+            </a:gdLst>
+            <a:ahLst/>
+            <a:cxnLst>
+              <a:cxn ang="0">
+                <a:pos x="connsiteX0" y="connsiteY0"/>
+              </a:cxn>
+              <a:cxn ang="0">
+                <a:pos x="connsiteX1" y="connsiteY1"/>
+              </a:cxn>
+              <a:cxn ang="0">
+                <a:pos x="connsiteX2" y="connsiteY2"/>
+              </a:cxn>
+              <a:cxn ang="0">
+                <a:pos x="connsiteX3" y="connsiteY3"/>
+              </a:cxn>
+              <a:cxn ang="0">
+                <a:pos x="connsiteX4" y="connsiteY4"/>
+              </a:cxn>
+              <a:cxn ang="0">
+                <a:pos x="connsiteX5" y="connsiteY5"/>
+              </a:cxn>
+              <a:cxn ang="0">
+                <a:pos x="connsiteX6" y="connsiteY6"/>
+              </a:cxn>
+            </a:cxnLst>
+            <a:rect l="l" t="t" r="r" b="b"/>
+            <a:pathLst>
+              <a:path w="551283" h="775443">
+                <a:moveTo>
+                  <a:pt x="0" y="242316"/>
+                </a:moveTo>
+                <a:lnTo>
+                  <a:pt x="135270" y="0"/>
+                </a:lnTo>
+                <a:lnTo>
+                  <a:pt x="135270" y="90435"/>
+                </a:lnTo>
+                <a:lnTo>
+                  <a:pt x="551283" y="775443"/>
+                </a:lnTo>
+                <a:lnTo>
+                  <a:pt x="135270" y="394197"/>
+                </a:lnTo>
+                <a:lnTo>
+                  <a:pt x="135270" y="484632"/>
+                </a:lnTo>
+                <a:lnTo>
+                  <a:pt x="0" y="242316"/>
+                </a:lnTo>
+                <a:close/>
+              </a:path>
+            </a:pathLst>
+          </a:custGeom>
+        </p:spPr>
+        <p:style>
+          <a:lnRef idx="2">
+            <a:schemeClr val="accent2">
+              <a:shade val="50000"/>
+            </a:schemeClr>
+          </a:lnRef>
+          <a:fillRef idx="1">
+            <a:schemeClr val="accent2"/>
+          </a:fillRef>
+          <a:effectRef idx="0">
+            <a:schemeClr val="accent2"/>
+          </a:effectRef>
+          <a:fontRef idx="minor">
+            <a:schemeClr val="lt1"/>
+          </a:fontRef>
+        </p:style>
+        <p:txBody>
+          <a:bodyPr rtlCol="0" anchor="ctr"/>
+          <a:lstStyle/>
+          <a:p>
+            <a:pPr algn="ctr"/>
+            <a:endParaRPr lang="ru-RU"/>
+          </a:p>
+        </p:txBody>
+      </p:sp>
+      <p:grpSp>
+        <p:nvGrpSpPr>
+          <p:cNvPr id="33" name="Группа 32"/>
+          <p:cNvGrpSpPr/>
+          <p:nvPr/>
+        </p:nvGrpSpPr>
+        <p:grpSpPr>
+          <a:xfrm>
+            <a:off x="5423839" y="5958723"/>
+            <a:ext cx="1344319" cy="754164"/>
+            <a:chOff x="3713801" y="5263909"/>
+            <a:chExt cx="2435860" cy="1366519"/>
+          </a:xfrm>
+        </p:grpSpPr>
+        <p:pic>
+          <p:nvPicPr>
+            <p:cNvPr id="34" name="Picture 2" descr="Иконка «Пользователь» — скачай бесплатно PNG и векторе"/>
+            <p:cNvPicPr>
+              <a:picLocks noChangeAspect="1" noChangeArrowheads="1"/>
+            </p:cNvPicPr>
+            <p:nvPr/>
+          </p:nvPicPr>
+          <p:blipFill>
+            <a:blip r:embed="rId3" cstate="print">
+              <a:extLst>
+                <a:ext uri="{28A0092B-C50C-407E-A947-70E740481C1C}">
+                  <a14:useLocalDpi xmlns:a14="http://schemas.microsoft.com/office/drawing/2010/main" val="0"/>
+                </a:ext>
+              </a:extLst>
+            </a:blip>
+            <a:srcRect/>
+            <a:stretch>
+              <a:fillRect/>
+            </a:stretch>
+          </p:blipFill>
+          <p:spPr bwMode="auto">
+            <a:xfrm>
+              <a:off x="4931731" y="5397258"/>
+              <a:ext cx="1217930" cy="1217930"/>
+            </a:xfrm>
+            <a:prstGeom prst="rect">
+              <a:avLst/>
+            </a:prstGeom>
+            <a:noFill/>
+            <a:extLst>
+              <a:ext uri="{909E8E84-426E-40DD-AFC4-6F175D3DCCD1}">
+                <a14:hiddenFill xmlns:a14="http://schemas.microsoft.com/office/drawing/2010/main">
+                  <a:solidFill>
+                    <a:srgbClr val="FFFFFF"/>
+                  </a:solidFill>
+                </a14:hiddenFill>
+              </a:ext>
+            </a:extLst>
+          </p:spPr>
+        </p:pic>
+        <p:pic>
+          <p:nvPicPr>
+            <p:cNvPr id="35" name="Picture 2" descr="Иконка «Пользователь» — скачай бесплатно PNG и векторе"/>
+            <p:cNvPicPr>
+              <a:picLocks noChangeAspect="1" noChangeArrowheads="1"/>
+            </p:cNvPicPr>
+            <p:nvPr/>
+          </p:nvPicPr>
+          <p:blipFill>
+            <a:blip r:embed="rId4" cstate="print">
+              <a:extLst>
+                <a:ext uri="{28A0092B-C50C-407E-A947-70E740481C1C}">
+                  <a14:useLocalDpi xmlns:a14="http://schemas.microsoft.com/office/drawing/2010/main" val="0"/>
+                </a:ext>
+              </a:extLst>
+            </a:blip>
+            <a:srcRect/>
+            <a:stretch>
+              <a:fillRect/>
+            </a:stretch>
+          </p:blipFill>
+          <p:spPr bwMode="auto">
+            <a:xfrm>
+              <a:off x="4248471" y="5263909"/>
+              <a:ext cx="1366519" cy="1366519"/>
+            </a:xfrm>
+            <a:prstGeom prst="rect">
+              <a:avLst/>
+            </a:prstGeom>
+            <a:noFill/>
+            <a:extLst>
+              <a:ext uri="{909E8E84-426E-40DD-AFC4-6F175D3DCCD1}">
+                <a14:hiddenFill xmlns:a14="http://schemas.microsoft.com/office/drawing/2010/main">
+                  <a:solidFill>
+                    <a:srgbClr val="FFFFFF"/>
+                  </a:solidFill>
+                </a14:hiddenFill>
+              </a:ext>
+            </a:extLst>
+          </p:spPr>
+        </p:pic>
+        <p:pic>
+          <p:nvPicPr>
+            <p:cNvPr id="37" name="Picture 2" descr="Иконка «Пользователь» — скачай бесплатно PNG и векторе"/>
+            <p:cNvPicPr>
+              <a:picLocks noChangeAspect="1" noChangeArrowheads="1"/>
+            </p:cNvPicPr>
+            <p:nvPr/>
+          </p:nvPicPr>
+          <p:blipFill>
+            <a:blip r:embed="rId3" cstate="print">
+              <a:extLst>
+                <a:ext uri="{28A0092B-C50C-407E-A947-70E740481C1C}">
+                  <a14:useLocalDpi xmlns:a14="http://schemas.microsoft.com/office/drawing/2010/main" val="0"/>
+                </a:ext>
+              </a:extLst>
+            </a:blip>
+            <a:srcRect/>
+            <a:stretch>
+              <a:fillRect/>
+            </a:stretch>
+          </p:blipFill>
+          <p:spPr bwMode="auto">
+            <a:xfrm>
+              <a:off x="3713801" y="5397258"/>
+              <a:ext cx="1217930" cy="1217930"/>
+            </a:xfrm>
+            <a:prstGeom prst="rect">
+              <a:avLst/>
+            </a:prstGeom>
+            <a:noFill/>
+            <a:extLst>
+              <a:ext uri="{909E8E84-426E-40DD-AFC4-6F175D3DCCD1}">
+                <a14:hiddenFill xmlns:a14="http://schemas.microsoft.com/office/drawing/2010/main">
+                  <a:solidFill>
+                    <a:srgbClr val="FFFFFF"/>
+                  </a:solidFill>
+                </a14:hiddenFill>
+              </a:ext>
+            </a:extLst>
+          </p:spPr>
+        </p:pic>
+      </p:grpSp>
+      <p:sp>
+        <p:nvSpPr>
+          <p:cNvPr id="38" name="Двойная стрелка влево/вправо 5"/>
+          <p:cNvSpPr/>
+          <p:nvPr/>
+        </p:nvSpPr>
+        <p:spPr>
+          <a:xfrm rot="5400000" flipH="1" flipV="1">
+            <a:off x="10387768" y="272725"/>
+            <a:ext cx="805023" cy="946945"/>
+          </a:xfrm>
+          <a:custGeom>
+            <a:avLst/>
+            <a:gdLst>
+              <a:gd name="connsiteX0" fmla="*/ 0 w 451412"/>
+              <a:gd name="connsiteY0" fmla="*/ 242316 h 484632"/>
+              <a:gd name="connsiteX1" fmla="*/ 135270 w 451412"/>
+              <a:gd name="connsiteY1" fmla="*/ 0 h 484632"/>
+              <a:gd name="connsiteX2" fmla="*/ 135270 w 451412"/>
+              <a:gd name="connsiteY2" fmla="*/ 90435 h 484632"/>
+              <a:gd name="connsiteX3" fmla="*/ 316142 w 451412"/>
+              <a:gd name="connsiteY3" fmla="*/ 90435 h 484632"/>
+              <a:gd name="connsiteX4" fmla="*/ 316142 w 451412"/>
+              <a:gd name="connsiteY4" fmla="*/ 0 h 484632"/>
+              <a:gd name="connsiteX5" fmla="*/ 451412 w 451412"/>
+              <a:gd name="connsiteY5" fmla="*/ 242316 h 484632"/>
+              <a:gd name="connsiteX6" fmla="*/ 316142 w 451412"/>
+              <a:gd name="connsiteY6" fmla="*/ 484632 h 484632"/>
+              <a:gd name="connsiteX7" fmla="*/ 316142 w 451412"/>
+              <a:gd name="connsiteY7" fmla="*/ 394197 h 484632"/>
+              <a:gd name="connsiteX8" fmla="*/ 135270 w 451412"/>
+              <a:gd name="connsiteY8" fmla="*/ 394197 h 484632"/>
+              <a:gd name="connsiteX9" fmla="*/ 135270 w 451412"/>
+              <a:gd name="connsiteY9" fmla="*/ 484632 h 484632"/>
+              <a:gd name="connsiteX10" fmla="*/ 0 w 451412"/>
+              <a:gd name="connsiteY10" fmla="*/ 242316 h 484632"/>
+              <a:gd name="connsiteX0" fmla="*/ 0 w 451412"/>
+              <a:gd name="connsiteY0" fmla="*/ 242316 h 484632"/>
+              <a:gd name="connsiteX1" fmla="*/ 135270 w 451412"/>
+              <a:gd name="connsiteY1" fmla="*/ 0 h 484632"/>
+              <a:gd name="connsiteX2" fmla="*/ 135270 w 451412"/>
+              <a:gd name="connsiteY2" fmla="*/ 90435 h 484632"/>
+              <a:gd name="connsiteX3" fmla="*/ 316142 w 451412"/>
+              <a:gd name="connsiteY3" fmla="*/ 90435 h 484632"/>
+              <a:gd name="connsiteX4" fmla="*/ 451412 w 451412"/>
+              <a:gd name="connsiteY4" fmla="*/ 242316 h 484632"/>
+              <a:gd name="connsiteX5" fmla="*/ 316142 w 451412"/>
+              <a:gd name="connsiteY5" fmla="*/ 484632 h 484632"/>
+              <a:gd name="connsiteX6" fmla="*/ 316142 w 451412"/>
+              <a:gd name="connsiteY6" fmla="*/ 394197 h 484632"/>
+              <a:gd name="connsiteX7" fmla="*/ 135270 w 451412"/>
+              <a:gd name="connsiteY7" fmla="*/ 394197 h 484632"/>
+              <a:gd name="connsiteX8" fmla="*/ 135270 w 451412"/>
+              <a:gd name="connsiteY8" fmla="*/ 484632 h 484632"/>
+              <a:gd name="connsiteX9" fmla="*/ 0 w 451412"/>
+              <a:gd name="connsiteY9" fmla="*/ 242316 h 484632"/>
+              <a:gd name="connsiteX0" fmla="*/ 0 w 316142"/>
+              <a:gd name="connsiteY0" fmla="*/ 242316 h 484632"/>
+              <a:gd name="connsiteX1" fmla="*/ 135270 w 316142"/>
+              <a:gd name="connsiteY1" fmla="*/ 0 h 484632"/>
+              <a:gd name="connsiteX2" fmla="*/ 135270 w 316142"/>
+              <a:gd name="connsiteY2" fmla="*/ 90435 h 484632"/>
+              <a:gd name="connsiteX3" fmla="*/ 316142 w 316142"/>
+              <a:gd name="connsiteY3" fmla="*/ 90435 h 484632"/>
+              <a:gd name="connsiteX4" fmla="*/ 316142 w 316142"/>
+              <a:gd name="connsiteY4" fmla="*/ 484632 h 484632"/>
+              <a:gd name="connsiteX5" fmla="*/ 316142 w 316142"/>
+              <a:gd name="connsiteY5" fmla="*/ 394197 h 484632"/>
+              <a:gd name="connsiteX6" fmla="*/ 135270 w 316142"/>
+              <a:gd name="connsiteY6" fmla="*/ 394197 h 484632"/>
+              <a:gd name="connsiteX7" fmla="*/ 135270 w 316142"/>
+              <a:gd name="connsiteY7" fmla="*/ 484632 h 484632"/>
+              <a:gd name="connsiteX8" fmla="*/ 0 w 316142"/>
+              <a:gd name="connsiteY8" fmla="*/ 242316 h 484632"/>
+              <a:gd name="connsiteX0" fmla="*/ 0 w 316142"/>
+              <a:gd name="connsiteY0" fmla="*/ 242316 h 484632"/>
+              <a:gd name="connsiteX1" fmla="*/ 135270 w 316142"/>
+              <a:gd name="connsiteY1" fmla="*/ 0 h 484632"/>
+              <a:gd name="connsiteX2" fmla="*/ 135270 w 316142"/>
+              <a:gd name="connsiteY2" fmla="*/ 90435 h 484632"/>
+              <a:gd name="connsiteX3" fmla="*/ 316142 w 316142"/>
+              <a:gd name="connsiteY3" fmla="*/ 90435 h 484632"/>
+              <a:gd name="connsiteX4" fmla="*/ 316142 w 316142"/>
+              <a:gd name="connsiteY4" fmla="*/ 394197 h 484632"/>
+              <a:gd name="connsiteX5" fmla="*/ 135270 w 316142"/>
+              <a:gd name="connsiteY5" fmla="*/ 394197 h 484632"/>
+              <a:gd name="connsiteX6" fmla="*/ 135270 w 316142"/>
+              <a:gd name="connsiteY6" fmla="*/ 484632 h 484632"/>
+              <a:gd name="connsiteX7" fmla="*/ 0 w 316142"/>
+              <a:gd name="connsiteY7" fmla="*/ 242316 h 484632"/>
+              <a:gd name="connsiteX0" fmla="*/ 0 w 316142"/>
+              <a:gd name="connsiteY0" fmla="*/ 242316 h 484632"/>
+              <a:gd name="connsiteX1" fmla="*/ 135270 w 316142"/>
+              <a:gd name="connsiteY1" fmla="*/ 0 h 484632"/>
+              <a:gd name="connsiteX2" fmla="*/ 135270 w 316142"/>
+              <a:gd name="connsiteY2" fmla="*/ 90435 h 484632"/>
+              <a:gd name="connsiteX3" fmla="*/ 316142 w 316142"/>
+              <a:gd name="connsiteY3" fmla="*/ 394197 h 484632"/>
+              <a:gd name="connsiteX4" fmla="*/ 135270 w 316142"/>
+              <a:gd name="connsiteY4" fmla="*/ 394197 h 484632"/>
+              <a:gd name="connsiteX5" fmla="*/ 135270 w 316142"/>
+              <a:gd name="connsiteY5" fmla="*/ 484632 h 484632"/>
+              <a:gd name="connsiteX6" fmla="*/ 0 w 316142"/>
+              <a:gd name="connsiteY6" fmla="*/ 242316 h 484632"/>
+              <a:gd name="connsiteX0" fmla="*/ 0 w 316142"/>
+              <a:gd name="connsiteY0" fmla="*/ 242316 h 484632"/>
+              <a:gd name="connsiteX1" fmla="*/ 135270 w 316142"/>
+              <a:gd name="connsiteY1" fmla="*/ 0 h 484632"/>
+              <a:gd name="connsiteX2" fmla="*/ 135270 w 316142"/>
+              <a:gd name="connsiteY2" fmla="*/ 90435 h 484632"/>
+              <a:gd name="connsiteX3" fmla="*/ 316142 w 316142"/>
+              <a:gd name="connsiteY3" fmla="*/ 394197 h 484632"/>
+              <a:gd name="connsiteX4" fmla="*/ 251236 w 316142"/>
+              <a:gd name="connsiteY4" fmla="*/ 392379 h 484632"/>
+              <a:gd name="connsiteX5" fmla="*/ 135270 w 316142"/>
+              <a:gd name="connsiteY5" fmla="*/ 394197 h 484632"/>
+              <a:gd name="connsiteX6" fmla="*/ 135270 w 316142"/>
+              <a:gd name="connsiteY6" fmla="*/ 484632 h 484632"/>
+              <a:gd name="connsiteX7" fmla="*/ 0 w 316142"/>
+              <a:gd name="connsiteY7" fmla="*/ 242316 h 484632"/>
+              <a:gd name="connsiteX0" fmla="*/ 0 w 543456"/>
+              <a:gd name="connsiteY0" fmla="*/ 242316 h 795783"/>
+              <a:gd name="connsiteX1" fmla="*/ 135270 w 543456"/>
+              <a:gd name="connsiteY1" fmla="*/ 0 h 795783"/>
+              <a:gd name="connsiteX2" fmla="*/ 135270 w 543456"/>
+              <a:gd name="connsiteY2" fmla="*/ 90435 h 795783"/>
+              <a:gd name="connsiteX3" fmla="*/ 316142 w 543456"/>
+              <a:gd name="connsiteY3" fmla="*/ 394197 h 795783"/>
+              <a:gd name="connsiteX4" fmla="*/ 543456 w 543456"/>
+              <a:gd name="connsiteY4" fmla="*/ 795783 h 795783"/>
+              <a:gd name="connsiteX5" fmla="*/ 135270 w 543456"/>
+              <a:gd name="connsiteY5" fmla="*/ 394197 h 795783"/>
+              <a:gd name="connsiteX6" fmla="*/ 135270 w 543456"/>
+              <a:gd name="connsiteY6" fmla="*/ 484632 h 795783"/>
+              <a:gd name="connsiteX7" fmla="*/ 0 w 543456"/>
+              <a:gd name="connsiteY7" fmla="*/ 242316 h 795783"/>
+              <a:gd name="connsiteX0" fmla="*/ 0 w 543456"/>
+              <a:gd name="connsiteY0" fmla="*/ 242316 h 795783"/>
+              <a:gd name="connsiteX1" fmla="*/ 135270 w 543456"/>
+              <a:gd name="connsiteY1" fmla="*/ 0 h 795783"/>
+              <a:gd name="connsiteX2" fmla="*/ 135270 w 543456"/>
+              <a:gd name="connsiteY2" fmla="*/ 90435 h 795783"/>
+              <a:gd name="connsiteX3" fmla="*/ 543456 w 543456"/>
+              <a:gd name="connsiteY3" fmla="*/ 795783 h 795783"/>
+              <a:gd name="connsiteX4" fmla="*/ 135270 w 543456"/>
+              <a:gd name="connsiteY4" fmla="*/ 394197 h 795783"/>
+              <a:gd name="connsiteX5" fmla="*/ 135270 w 543456"/>
+              <a:gd name="connsiteY5" fmla="*/ 484632 h 795783"/>
+              <a:gd name="connsiteX6" fmla="*/ 0 w 543456"/>
+              <a:gd name="connsiteY6" fmla="*/ 242316 h 795783"/>
+              <a:gd name="connsiteX0" fmla="*/ 0 w 551283"/>
+              <a:gd name="connsiteY0" fmla="*/ 242316 h 789003"/>
+              <a:gd name="connsiteX1" fmla="*/ 135270 w 551283"/>
+              <a:gd name="connsiteY1" fmla="*/ 0 h 789003"/>
+              <a:gd name="connsiteX2" fmla="*/ 135270 w 551283"/>
+              <a:gd name="connsiteY2" fmla="*/ 90435 h 789003"/>
+              <a:gd name="connsiteX3" fmla="*/ 551283 w 551283"/>
+              <a:gd name="connsiteY3" fmla="*/ 789003 h 789003"/>
+              <a:gd name="connsiteX4" fmla="*/ 135270 w 551283"/>
+              <a:gd name="connsiteY4" fmla="*/ 394197 h 789003"/>
+              <a:gd name="connsiteX5" fmla="*/ 135270 w 551283"/>
+              <a:gd name="connsiteY5" fmla="*/ 484632 h 789003"/>
+              <a:gd name="connsiteX6" fmla="*/ 0 w 551283"/>
+              <a:gd name="connsiteY6" fmla="*/ 242316 h 789003"/>
+              <a:gd name="connsiteX0" fmla="*/ 0 w 551283"/>
+              <a:gd name="connsiteY0" fmla="*/ 242316 h 775443"/>
+              <a:gd name="connsiteX1" fmla="*/ 135270 w 551283"/>
+              <a:gd name="connsiteY1" fmla="*/ 0 h 775443"/>
+              <a:gd name="connsiteX2" fmla="*/ 135270 w 551283"/>
+              <a:gd name="connsiteY2" fmla="*/ 90435 h 775443"/>
+              <a:gd name="connsiteX3" fmla="*/ 551283 w 551283"/>
+              <a:gd name="connsiteY3" fmla="*/ 775443 h 775443"/>
+              <a:gd name="connsiteX4" fmla="*/ 135270 w 551283"/>
+              <a:gd name="connsiteY4" fmla="*/ 394197 h 775443"/>
+              <a:gd name="connsiteX5" fmla="*/ 135270 w 551283"/>
+              <a:gd name="connsiteY5" fmla="*/ 484632 h 775443"/>
+              <a:gd name="connsiteX6" fmla="*/ 0 w 551283"/>
+              <a:gd name="connsiteY6" fmla="*/ 242316 h 775443"/>
+              <a:gd name="connsiteX0" fmla="*/ 0 w 551283"/>
+              <a:gd name="connsiteY0" fmla="*/ 242316 h 842544"/>
+              <a:gd name="connsiteX1" fmla="*/ 135270 w 551283"/>
+              <a:gd name="connsiteY1" fmla="*/ 0 h 842544"/>
+              <a:gd name="connsiteX2" fmla="*/ 135270 w 551283"/>
+              <a:gd name="connsiteY2" fmla="*/ 90435 h 842544"/>
+              <a:gd name="connsiteX3" fmla="*/ 551283 w 551283"/>
+              <a:gd name="connsiteY3" fmla="*/ 842544 h 842544"/>
+              <a:gd name="connsiteX4" fmla="*/ 135270 w 551283"/>
+              <a:gd name="connsiteY4" fmla="*/ 394197 h 842544"/>
+              <a:gd name="connsiteX5" fmla="*/ 135270 w 551283"/>
+              <a:gd name="connsiteY5" fmla="*/ 484632 h 842544"/>
+              <a:gd name="connsiteX6" fmla="*/ 0 w 551283"/>
+              <a:gd name="connsiteY6" fmla="*/ 242316 h 842544"/>
+            </a:gdLst>
+            <a:ahLst/>
+            <a:cxnLst>
+              <a:cxn ang="0">
+                <a:pos x="connsiteX0" y="connsiteY0"/>
+              </a:cxn>
+              <a:cxn ang="0">
+                <a:pos x="connsiteX1" y="connsiteY1"/>
+              </a:cxn>
+              <a:cxn ang="0">
+                <a:pos x="connsiteX2" y="connsiteY2"/>
+              </a:cxn>
+              <a:cxn ang="0">
+                <a:pos x="connsiteX3" y="connsiteY3"/>
+              </a:cxn>
+              <a:cxn ang="0">
+                <a:pos x="connsiteX4" y="connsiteY4"/>
+              </a:cxn>
+              <a:cxn ang="0">
+                <a:pos x="connsiteX5" y="connsiteY5"/>
+              </a:cxn>
+              <a:cxn ang="0">
+                <a:pos x="connsiteX6" y="connsiteY6"/>
+              </a:cxn>
+            </a:cxnLst>
+            <a:rect l="l" t="t" r="r" b="b"/>
+            <a:pathLst>
+              <a:path w="551283" h="842544">
+                <a:moveTo>
+                  <a:pt x="0" y="242316"/>
+                </a:moveTo>
+                <a:lnTo>
+                  <a:pt x="135270" y="0"/>
+                </a:lnTo>
+                <a:lnTo>
+                  <a:pt x="135270" y="90435"/>
+                </a:lnTo>
+                <a:lnTo>
+                  <a:pt x="551283" y="842544"/>
+                </a:lnTo>
+                <a:lnTo>
+                  <a:pt x="135270" y="394197"/>
+                </a:lnTo>
+                <a:lnTo>
+                  <a:pt x="135270" y="484632"/>
+                </a:lnTo>
+                <a:lnTo>
+                  <a:pt x="0" y="242316"/>
+                </a:lnTo>
+                <a:close/>
+              </a:path>
+            </a:pathLst>
+          </a:custGeom>
+        </p:spPr>
+        <p:style>
+          <a:lnRef idx="2">
+            <a:schemeClr val="accent2">
+              <a:shade val="50000"/>
+            </a:schemeClr>
+          </a:lnRef>
+          <a:fillRef idx="1">
+            <a:schemeClr val="accent2"/>
+          </a:fillRef>
+          <a:effectRef idx="0">
+            <a:schemeClr val="accent2"/>
+          </a:effectRef>
+          <a:fontRef idx="minor">
+            <a:schemeClr val="lt1"/>
+          </a:fontRef>
+        </p:style>
+        <p:txBody>
+          <a:bodyPr rtlCol="0" anchor="ctr"/>
+          <a:lstStyle/>
+          <a:p>
+            <a:pPr algn="ctr"/>
+            <a:endParaRPr lang="ru-RU"/>
+          </a:p>
+        </p:txBody>
+      </p:sp>
+      <p:sp>
+        <p:nvSpPr>
+          <p:cNvPr id="39" name="TextBox 38"/>
+          <p:cNvSpPr txBox="1"/>
+          <p:nvPr/>
+        </p:nvSpPr>
+        <p:spPr>
+          <a:xfrm>
+            <a:off x="5723722" y="3985259"/>
+            <a:ext cx="4447800" cy="1200329"/>
+          </a:xfrm>
+          <a:prstGeom prst="rect">
+            <a:avLst/>
+          </a:prstGeom>
+          <a:noFill/>
+        </p:spPr>
+        <p:txBody>
+          <a:bodyPr wrap="square" rtlCol="0">
+            <a:spAutoFit/>
+          </a:bodyPr>
+          <a:lstStyle/>
+          <a:p>
+            <a:r>
+              <a:rPr lang="en-US" dirty="0" smtClean="0"/>
+              <a:t>{</a:t>
+            </a:r>
+          </a:p>
+          <a:p>
+            <a:r>
+              <a:rPr lang="en-US" dirty="0" smtClean="0"/>
+              <a:t>   </a:t>
+            </a:r>
+            <a:r>
+              <a:rPr lang="en-US" dirty="0" err="1" smtClean="0"/>
+              <a:t>userAndRelatives</a:t>
+            </a:r>
+            <a:r>
+              <a:rPr lang="en-US" dirty="0" smtClean="0"/>
+              <a:t>: {USER_AND_RELATIVES},</a:t>
+            </a:r>
+          </a:p>
+          <a:p>
+            <a:r>
+              <a:rPr lang="en-US" dirty="0"/>
+              <a:t> </a:t>
+            </a:r>
+            <a:r>
+              <a:rPr lang="en-US" dirty="0" smtClean="0"/>
+              <a:t>  credits: {CREDITS_AND_PAYMENTS}</a:t>
+            </a:r>
+            <a:endParaRPr lang="en-US" dirty="0" smtClean="0"/>
+          </a:p>
+          <a:p>
+            <a:r>
+              <a:rPr lang="en-US" dirty="0" smtClean="0"/>
+              <a:t>}</a:t>
+            </a:r>
+            <a:endParaRPr lang="ru-RU" dirty="0" smtClean="0"/>
+          </a:p>
+        </p:txBody>
+      </p:sp>
+      <p:sp>
+        <p:nvSpPr>
+          <p:cNvPr id="40" name="Прямоугольник 39"/>
+          <p:cNvSpPr/>
+          <p:nvPr/>
+        </p:nvSpPr>
+        <p:spPr>
+          <a:xfrm rot="16200000">
+            <a:off x="-936589" y="3167461"/>
+            <a:ext cx="4480883" cy="464400"/>
+          </a:xfrm>
+          <a:prstGeom prst="rect">
+            <a:avLst/>
+          </a:prstGeom>
+        </p:spPr>
+        <p:style>
+          <a:lnRef idx="2">
+            <a:schemeClr val="accent1">
+              <a:shade val="50000"/>
+            </a:schemeClr>
+          </a:lnRef>
+          <a:fillRef idx="1">
+            <a:schemeClr val="accent1"/>
+          </a:fillRef>
+          <a:effectRef idx="0">
+            <a:schemeClr val="accent1"/>
+          </a:effectRef>
+          <a:fontRef idx="minor">
+            <a:schemeClr val="lt1"/>
+          </a:fontRef>
+        </p:style>
+        <p:txBody>
+          <a:bodyPr rtlCol="0" anchor="ctr"/>
+          <a:lstStyle/>
+          <a:p>
+            <a:pPr algn="ctr"/>
+            <a:r>
+              <a:rPr lang="en-US" sz="2800" dirty="0" smtClean="0"/>
+              <a:t>MAIN</a:t>
+            </a:r>
+            <a:r>
+              <a:rPr lang="ru-RU" sz="2800" dirty="0" smtClean="0"/>
+              <a:t> </a:t>
+            </a:r>
+            <a:r>
+              <a:rPr lang="en-US" sz="2800" dirty="0" smtClean="0"/>
+              <a:t>service</a:t>
+            </a:r>
+            <a:endParaRPr lang="ru-RU" sz="2800" dirty="0"/>
+          </a:p>
+        </p:txBody>
+      </p:sp>
+    </p:spTree>
+    <p:extLst>
+      <p:ext uri="{BB962C8B-B14F-4D97-AF65-F5344CB8AC3E}">
+        <p14:creationId xmlns:p14="http://schemas.microsoft.com/office/powerpoint/2010/main" val="3050579546"/>
       </p:ext>
     </p:extLst>
   </p:cSld>

--- a/docs/Java 3 - presentation (without animation).pptx
+++ b/docs/Java 3 - presentation (without animation).pptx
@@ -5,17 +5,17 @@
     <p:sldMasterId id="2147483648" r:id="rId1"/>
   </p:sldMasterIdLst>
   <p:sldIdLst>
-    <p:sldId id="256" r:id="rId2"/>
-    <p:sldId id="286" r:id="rId3"/>
-    <p:sldId id="265" r:id="rId4"/>
-    <p:sldId id="264" r:id="rId5"/>
-    <p:sldId id="266" r:id="rId6"/>
-    <p:sldId id="272" r:id="rId7"/>
-    <p:sldId id="278" r:id="rId8"/>
-    <p:sldId id="279" r:id="rId9"/>
-    <p:sldId id="280" r:id="rId10"/>
-    <p:sldId id="281" r:id="rId11"/>
-    <p:sldId id="282" r:id="rId12"/>
+    <p:sldId id="286" r:id="rId2"/>
+    <p:sldId id="265" r:id="rId3"/>
+    <p:sldId id="264" r:id="rId4"/>
+    <p:sldId id="266" r:id="rId5"/>
+    <p:sldId id="272" r:id="rId6"/>
+    <p:sldId id="278" r:id="rId7"/>
+    <p:sldId id="279" r:id="rId8"/>
+    <p:sldId id="280" r:id="rId9"/>
+    <p:sldId id="281" r:id="rId10"/>
+    <p:sldId id="282" r:id="rId11"/>
+    <p:sldId id="292" r:id="rId12"/>
     <p:sldId id="290" r:id="rId13"/>
     <p:sldId id="291" r:id="rId14"/>
     <p:sldId id="289" r:id="rId15"/>
@@ -261,7 +261,7 @@
           <a:p>
             <a:fld id="{CCBC678F-7716-4A5C-99BF-A72700ECDBDF}" type="datetimeFigureOut">
               <a:rPr lang="ru-RU" smtClean="0"/>
-              <a:t>08.06.2021</a:t>
+              <a:t>15.06.2021</a:t>
             </a:fld>
             <a:endParaRPr lang="ru-RU"/>
           </a:p>
@@ -431,7 +431,7 @@
           <a:p>
             <a:fld id="{CCBC678F-7716-4A5C-99BF-A72700ECDBDF}" type="datetimeFigureOut">
               <a:rPr lang="ru-RU" smtClean="0"/>
-              <a:t>08.06.2021</a:t>
+              <a:t>15.06.2021</a:t>
             </a:fld>
             <a:endParaRPr lang="ru-RU"/>
           </a:p>
@@ -611,7 +611,7 @@
           <a:p>
             <a:fld id="{CCBC678F-7716-4A5C-99BF-A72700ECDBDF}" type="datetimeFigureOut">
               <a:rPr lang="ru-RU" smtClean="0"/>
-              <a:t>08.06.2021</a:t>
+              <a:t>15.06.2021</a:t>
             </a:fld>
             <a:endParaRPr lang="ru-RU"/>
           </a:p>
@@ -781,7 +781,7 @@
           <a:p>
             <a:fld id="{CCBC678F-7716-4A5C-99BF-A72700ECDBDF}" type="datetimeFigureOut">
               <a:rPr lang="ru-RU" smtClean="0"/>
-              <a:t>08.06.2021</a:t>
+              <a:t>15.06.2021</a:t>
             </a:fld>
             <a:endParaRPr lang="ru-RU"/>
           </a:p>
@@ -1027,7 +1027,7 @@
           <a:p>
             <a:fld id="{CCBC678F-7716-4A5C-99BF-A72700ECDBDF}" type="datetimeFigureOut">
               <a:rPr lang="ru-RU" smtClean="0"/>
-              <a:t>08.06.2021</a:t>
+              <a:t>15.06.2021</a:t>
             </a:fld>
             <a:endParaRPr lang="ru-RU"/>
           </a:p>
@@ -1259,7 +1259,7 @@
           <a:p>
             <a:fld id="{CCBC678F-7716-4A5C-99BF-A72700ECDBDF}" type="datetimeFigureOut">
               <a:rPr lang="ru-RU" smtClean="0"/>
-              <a:t>08.06.2021</a:t>
+              <a:t>15.06.2021</a:t>
             </a:fld>
             <a:endParaRPr lang="ru-RU"/>
           </a:p>
@@ -1626,7 +1626,7 @@
           <a:p>
             <a:fld id="{CCBC678F-7716-4A5C-99BF-A72700ECDBDF}" type="datetimeFigureOut">
               <a:rPr lang="ru-RU" smtClean="0"/>
-              <a:t>08.06.2021</a:t>
+              <a:t>15.06.2021</a:t>
             </a:fld>
             <a:endParaRPr lang="ru-RU"/>
           </a:p>
@@ -1744,7 +1744,7 @@
           <a:p>
             <a:fld id="{CCBC678F-7716-4A5C-99BF-A72700ECDBDF}" type="datetimeFigureOut">
               <a:rPr lang="ru-RU" smtClean="0"/>
-              <a:t>08.06.2021</a:t>
+              <a:t>15.06.2021</a:t>
             </a:fld>
             <a:endParaRPr lang="ru-RU"/>
           </a:p>
@@ -1839,7 +1839,7 @@
           <a:p>
             <a:fld id="{CCBC678F-7716-4A5C-99BF-A72700ECDBDF}" type="datetimeFigureOut">
               <a:rPr lang="ru-RU" smtClean="0"/>
-              <a:t>08.06.2021</a:t>
+              <a:t>15.06.2021</a:t>
             </a:fld>
             <a:endParaRPr lang="ru-RU"/>
           </a:p>
@@ -2116,7 +2116,7 @@
           <a:p>
             <a:fld id="{CCBC678F-7716-4A5C-99BF-A72700ECDBDF}" type="datetimeFigureOut">
               <a:rPr lang="ru-RU" smtClean="0"/>
-              <a:t>08.06.2021</a:t>
+              <a:t>15.06.2021</a:t>
             </a:fld>
             <a:endParaRPr lang="ru-RU"/>
           </a:p>
@@ -2369,7 +2369,7 @@
           <a:p>
             <a:fld id="{CCBC678F-7716-4A5C-99BF-A72700ECDBDF}" type="datetimeFigureOut">
               <a:rPr lang="ru-RU" smtClean="0"/>
-              <a:t>08.06.2021</a:t>
+              <a:t>15.06.2021</a:t>
             </a:fld>
             <a:endParaRPr lang="ru-RU"/>
           </a:p>
@@ -2582,7 +2582,7 @@
           <a:p>
             <a:fld id="{CCBC678F-7716-4A5C-99BF-A72700ECDBDF}" type="datetimeFigureOut">
               <a:rPr lang="ru-RU" smtClean="0"/>
-              <a:t>08.06.2021</a:t>
+              <a:t>15.06.2021</a:t>
             </a:fld>
             <a:endParaRPr lang="ru-RU"/>
           </a:p>
@@ -2989,46 +2989,2667 @@
       </p:grpSpPr>
       <p:sp>
         <p:nvSpPr>
-          <p:cNvPr id="2" name="Заголовок 1"/>
-          <p:cNvSpPr>
-            <a:spLocks noGrp="1"/>
-          </p:cNvSpPr>
-          <p:nvPr>
-            <p:ph type="ctrTitle"/>
-          </p:nvPr>
+          <p:cNvPr id="10" name="TextBox 9"/>
+          <p:cNvSpPr txBox="1"/>
+          <p:nvPr/>
         </p:nvSpPr>
-        <p:spPr/>
+        <p:spPr>
+          <a:xfrm>
+            <a:off x="914401" y="151900"/>
+            <a:ext cx="10363199" cy="1015663"/>
+          </a:xfrm>
+          <a:prstGeom prst="rect">
+            <a:avLst/>
+          </a:prstGeom>
+          <a:noFill/>
+        </p:spPr>
         <p:txBody>
-          <a:bodyPr/>
+          <a:bodyPr wrap="square" rtlCol="0" anchor="ctr">
+            <a:spAutoFit/>
+          </a:bodyPr>
           <a:lstStyle/>
           <a:p>
-            <a:endParaRPr lang="ru-RU"/>
+            <a:pPr algn="ctr"/>
+            <a:r>
+              <a:rPr lang="ru-RU" sz="6000" b="1" dirty="0" smtClean="0"/>
+              <a:t>Тема работы</a:t>
+            </a:r>
           </a:p>
         </p:txBody>
       </p:sp>
       <p:sp>
         <p:nvSpPr>
-          <p:cNvPr id="3" name="Подзаголовок 2"/>
-          <p:cNvSpPr>
-            <a:spLocks noGrp="1"/>
-          </p:cNvSpPr>
-          <p:nvPr>
-            <p:ph type="subTitle" idx="1"/>
-          </p:nvPr>
+          <p:cNvPr id="2" name="TextBox 1"/>
+          <p:cNvSpPr txBox="1"/>
+          <p:nvPr/>
         </p:nvSpPr>
-        <p:spPr/>
+        <p:spPr>
+          <a:xfrm>
+            <a:off x="-6928" y="3147300"/>
+            <a:ext cx="12191999" cy="707886"/>
+          </a:xfrm>
+          <a:prstGeom prst="rect">
+            <a:avLst/>
+          </a:prstGeom>
+          <a:noFill/>
+        </p:spPr>
         <p:txBody>
-          <a:bodyPr/>
+          <a:bodyPr wrap="square" rtlCol="0">
+            <a:spAutoFit/>
+          </a:bodyPr>
           <a:lstStyle/>
           <a:p>
+            <a:pPr algn="ctr"/>
+            <a:r>
+              <a:rPr lang="ru-RU" sz="4000" i="1" dirty="0" smtClean="0"/>
+              <a:t>Кредитная история и данные о пользователях</a:t>
+            </a:r>
+            <a:endParaRPr lang="ru-RU" sz="4000" i="1" dirty="0"/>
+          </a:p>
+        </p:txBody>
+      </p:sp>
+      <p:pic>
+        <p:nvPicPr>
+          <p:cNvPr id="4" name="Picture 2" descr="Иконка «Пользователь» — скачай бесплатно PNG и векторе"/>
+          <p:cNvPicPr>
+            <a:picLocks noChangeAspect="1" noChangeArrowheads="1"/>
+          </p:cNvPicPr>
+          <p:nvPr/>
+        </p:nvPicPr>
+        <p:blipFill>
+          <a:blip r:embed="rId2" cstate="print">
+            <a:extLst>
+              <a:ext uri="{28A0092B-C50C-407E-A947-70E740481C1C}">
+                <a14:useLocalDpi xmlns:a14="http://schemas.microsoft.com/office/drawing/2010/main" val="0"/>
+              </a:ext>
+            </a:extLst>
+          </a:blip>
+          <a:srcRect/>
+          <a:stretch>
+            <a:fillRect/>
+          </a:stretch>
+        </p:blipFill>
+        <p:spPr bwMode="auto">
+          <a:xfrm>
+            <a:off x="1326736" y="5483885"/>
+            <a:ext cx="1217930" cy="1217930"/>
+          </a:xfrm>
+          <a:prstGeom prst="rect">
+            <a:avLst/>
+          </a:prstGeom>
+          <a:noFill/>
+          <a:extLst>
+            <a:ext uri="{909E8E84-426E-40DD-AFC4-6F175D3DCCD1}">
+              <a14:hiddenFill xmlns:a14="http://schemas.microsoft.com/office/drawing/2010/main">
+                <a:solidFill>
+                  <a:srgbClr val="FFFFFF"/>
+                </a:solidFill>
+              </a14:hiddenFill>
+            </a:ext>
+          </a:extLst>
+        </p:spPr>
+      </p:pic>
+      <p:pic>
+        <p:nvPicPr>
+          <p:cNvPr id="1026" name="Picture 2" descr="Free Icon | Organization"/>
+          <p:cNvPicPr>
+            <a:picLocks noChangeAspect="1" noChangeArrowheads="1"/>
+          </p:cNvPicPr>
+          <p:nvPr/>
+        </p:nvPicPr>
+        <p:blipFill rotWithShape="1">
+          <a:blip r:embed="rId3" cstate="print">
+            <a:clrChange>
+              <a:clrFrom>
+                <a:srgbClr val="FFFFFF"/>
+              </a:clrFrom>
+              <a:clrTo>
+                <a:srgbClr val="FFFFFF">
+                  <a:alpha val="0"/>
+                </a:srgbClr>
+              </a:clrTo>
+            </a:clrChange>
+            <a:extLst>
+              <a:ext uri="{28A0092B-C50C-407E-A947-70E740481C1C}">
+                <a14:useLocalDpi xmlns:a14="http://schemas.microsoft.com/office/drawing/2010/main" val="0"/>
+              </a:ext>
+            </a:extLst>
+          </a:blip>
+          <a:srcRect l="17729" t="18220" r="17376" b="18403"/>
+          <a:stretch/>
+        </p:blipFill>
+        <p:spPr bwMode="auto">
+          <a:xfrm>
+            <a:off x="2544666" y="4678859"/>
+            <a:ext cx="1648583" cy="1610051"/>
+          </a:xfrm>
+          <a:prstGeom prst="rect">
+            <a:avLst/>
+          </a:prstGeom>
+          <a:noFill/>
+          <a:extLst>
+            <a:ext uri="{909E8E84-426E-40DD-AFC4-6F175D3DCCD1}">
+              <a14:hiddenFill xmlns:a14="http://schemas.microsoft.com/office/drawing/2010/main">
+                <a:solidFill>
+                  <a:srgbClr val="FFFFFF"/>
+                </a:solidFill>
+              </a14:hiddenFill>
+            </a:ext>
+          </a:extLst>
+        </p:spPr>
+      </p:pic>
+      <p:sp>
+        <p:nvSpPr>
+          <p:cNvPr id="3" name="Молния 2"/>
+          <p:cNvSpPr/>
+          <p:nvPr/>
+        </p:nvSpPr>
+        <p:spPr>
+          <a:xfrm>
+            <a:off x="9894174" y="13514907"/>
+            <a:ext cx="139010" cy="139010"/>
+          </a:xfrm>
+          <a:prstGeom prst="lightningBolt">
+            <a:avLst/>
+          </a:prstGeom>
+        </p:spPr>
+        <p:style>
+          <a:lnRef idx="2">
+            <a:schemeClr val="dk1">
+              <a:shade val="50000"/>
+            </a:schemeClr>
+          </a:lnRef>
+          <a:fillRef idx="1">
+            <a:schemeClr val="dk1"/>
+          </a:fillRef>
+          <a:effectRef idx="0">
+            <a:schemeClr val="dk1"/>
+          </a:effectRef>
+          <a:fontRef idx="minor">
+            <a:schemeClr val="lt1"/>
+          </a:fontRef>
+        </p:style>
+        <p:txBody>
+          <a:bodyPr rtlCol="0" anchor="ctr"/>
+          <a:lstStyle/>
+          <a:p>
+            <a:pPr algn="ctr"/>
             <a:endParaRPr lang="ru-RU"/>
+          </a:p>
+        </p:txBody>
+      </p:sp>
+      <p:pic>
+        <p:nvPicPr>
+          <p:cNvPr id="7" name="Picture 2" descr="Free Icon | Organization"/>
+          <p:cNvPicPr>
+            <a:picLocks noChangeAspect="1" noChangeArrowheads="1"/>
+          </p:cNvPicPr>
+          <p:nvPr/>
+        </p:nvPicPr>
+        <p:blipFill rotWithShape="1">
+          <a:blip r:embed="rId3" cstate="print">
+            <a:clrChange>
+              <a:clrFrom>
+                <a:srgbClr val="FFFFFF"/>
+              </a:clrFrom>
+              <a:clrTo>
+                <a:srgbClr val="FFFFFF">
+                  <a:alpha val="0"/>
+                </a:srgbClr>
+              </a:clrTo>
+            </a:clrChange>
+            <a:extLst>
+              <a:ext uri="{28A0092B-C50C-407E-A947-70E740481C1C}">
+                <a14:useLocalDpi xmlns:a14="http://schemas.microsoft.com/office/drawing/2010/main" val="0"/>
+              </a:ext>
+            </a:extLst>
+          </a:blip>
+          <a:srcRect l="17729" t="18220" r="17376" b="18403"/>
+          <a:stretch/>
+        </p:blipFill>
+        <p:spPr bwMode="auto">
+          <a:xfrm>
+            <a:off x="8385596" y="4678858"/>
+            <a:ext cx="1648583" cy="1610051"/>
+          </a:xfrm>
+          <a:prstGeom prst="rect">
+            <a:avLst/>
+          </a:prstGeom>
+          <a:noFill/>
+          <a:extLst>
+            <a:ext uri="{909E8E84-426E-40DD-AFC4-6F175D3DCCD1}">
+              <a14:hiddenFill xmlns:a14="http://schemas.microsoft.com/office/drawing/2010/main">
+                <a:solidFill>
+                  <a:srgbClr val="FFFFFF"/>
+                </a:solidFill>
+              </a14:hiddenFill>
+            </a:ext>
+          </a:extLst>
+        </p:spPr>
+      </p:pic>
+      <p:pic>
+        <p:nvPicPr>
+          <p:cNvPr id="8" name="Picture 2" descr="Иконка «Пользователь» — скачай бесплатно PNG и векторе"/>
+          <p:cNvPicPr>
+            <a:picLocks noChangeAspect="1" noChangeArrowheads="1"/>
+          </p:cNvPicPr>
+          <p:nvPr/>
+        </p:nvPicPr>
+        <p:blipFill>
+          <a:blip r:embed="rId2" cstate="print">
+            <a:extLst>
+              <a:ext uri="{28A0092B-C50C-407E-A947-70E740481C1C}">
+                <a14:useLocalDpi xmlns:a14="http://schemas.microsoft.com/office/drawing/2010/main" val="0"/>
+              </a:ext>
+            </a:extLst>
+          </a:blip>
+          <a:srcRect/>
+          <a:stretch>
+            <a:fillRect/>
+          </a:stretch>
+        </p:blipFill>
+        <p:spPr bwMode="auto">
+          <a:xfrm>
+            <a:off x="10034179" y="5483885"/>
+            <a:ext cx="1217930" cy="1217930"/>
+          </a:xfrm>
+          <a:prstGeom prst="rect">
+            <a:avLst/>
+          </a:prstGeom>
+          <a:noFill/>
+          <a:extLst>
+            <a:ext uri="{909E8E84-426E-40DD-AFC4-6F175D3DCCD1}">
+              <a14:hiddenFill xmlns:a14="http://schemas.microsoft.com/office/drawing/2010/main">
+                <a:solidFill>
+                  <a:srgbClr val="FFFFFF"/>
+                </a:solidFill>
+              </a14:hiddenFill>
+            </a:ext>
+          </a:extLst>
+        </p:spPr>
+      </p:pic>
+      <p:pic>
+        <p:nvPicPr>
+          <p:cNvPr id="9" name="Picture 2" descr="Иконка «Пользователь» — скачай бесплатно PNG и векторе"/>
+          <p:cNvPicPr>
+            <a:picLocks noChangeAspect="1" noChangeArrowheads="1"/>
+          </p:cNvPicPr>
+          <p:nvPr/>
+        </p:nvPicPr>
+        <p:blipFill>
+          <a:blip r:embed="rId2" cstate="print">
+            <a:extLst>
+              <a:ext uri="{28A0092B-C50C-407E-A947-70E740481C1C}">
+                <a14:useLocalDpi xmlns:a14="http://schemas.microsoft.com/office/drawing/2010/main" val="0"/>
+              </a:ext>
+            </a:extLst>
+          </a:blip>
+          <a:srcRect/>
+          <a:stretch>
+            <a:fillRect/>
+          </a:stretch>
+        </p:blipFill>
+        <p:spPr bwMode="auto">
+          <a:xfrm>
+            <a:off x="10851515" y="5778713"/>
+            <a:ext cx="628274" cy="628274"/>
+          </a:xfrm>
+          <a:prstGeom prst="rect">
+            <a:avLst/>
+          </a:prstGeom>
+          <a:noFill/>
+          <a:extLst>
+            <a:ext uri="{909E8E84-426E-40DD-AFC4-6F175D3DCCD1}">
+              <a14:hiddenFill xmlns:a14="http://schemas.microsoft.com/office/drawing/2010/main">
+                <a:solidFill>
+                  <a:srgbClr val="FFFFFF"/>
+                </a:solidFill>
+              </a14:hiddenFill>
+            </a:ext>
+          </a:extLst>
+        </p:spPr>
+      </p:pic>
+      <p:pic>
+        <p:nvPicPr>
+          <p:cNvPr id="11" name="Picture 2" descr="Иконка «Пользователь» — скачай бесплатно PNG и векторе"/>
+          <p:cNvPicPr>
+            <a:picLocks noChangeAspect="1" noChangeArrowheads="1"/>
+          </p:cNvPicPr>
+          <p:nvPr/>
+        </p:nvPicPr>
+        <p:blipFill>
+          <a:blip r:embed="rId2" cstate="print">
+            <a:extLst>
+              <a:ext uri="{28A0092B-C50C-407E-A947-70E740481C1C}">
+                <a14:useLocalDpi xmlns:a14="http://schemas.microsoft.com/office/drawing/2010/main" val="0"/>
+              </a:ext>
+            </a:extLst>
+          </a:blip>
+          <a:srcRect/>
+          <a:stretch>
+            <a:fillRect/>
+          </a:stretch>
+        </p:blipFill>
+        <p:spPr bwMode="auto">
+          <a:xfrm>
+            <a:off x="11331670" y="5917304"/>
+            <a:ext cx="351092" cy="351092"/>
+          </a:xfrm>
+          <a:prstGeom prst="rect">
+            <a:avLst/>
+          </a:prstGeom>
+          <a:noFill/>
+          <a:extLst>
+            <a:ext uri="{909E8E84-426E-40DD-AFC4-6F175D3DCCD1}">
+              <a14:hiddenFill xmlns:a14="http://schemas.microsoft.com/office/drawing/2010/main">
+                <a:solidFill>
+                  <a:srgbClr val="FFFFFF"/>
+                </a:solidFill>
+              </a14:hiddenFill>
+            </a:ext>
+          </a:extLst>
+        </p:spPr>
+      </p:pic>
+      <p:pic>
+        <p:nvPicPr>
+          <p:cNvPr id="12" name="Picture 2" descr="Иконка «Пользователь» — скачай бесплатно PNG и векторе"/>
+          <p:cNvPicPr>
+            <a:picLocks noChangeAspect="1" noChangeArrowheads="1"/>
+          </p:cNvPicPr>
+          <p:nvPr/>
+        </p:nvPicPr>
+        <p:blipFill>
+          <a:blip r:embed="rId2" cstate="print">
+            <a:extLst>
+              <a:ext uri="{28A0092B-C50C-407E-A947-70E740481C1C}">
+                <a14:useLocalDpi xmlns:a14="http://schemas.microsoft.com/office/drawing/2010/main" val="0"/>
+              </a:ext>
+            </a:extLst>
+          </a:blip>
+          <a:srcRect/>
+          <a:stretch>
+            <a:fillRect/>
+          </a:stretch>
+        </p:blipFill>
+        <p:spPr bwMode="auto">
+          <a:xfrm>
+            <a:off x="1099056" y="5778713"/>
+            <a:ext cx="628274" cy="628274"/>
+          </a:xfrm>
+          <a:prstGeom prst="rect">
+            <a:avLst/>
+          </a:prstGeom>
+          <a:noFill/>
+          <a:extLst>
+            <a:ext uri="{909E8E84-426E-40DD-AFC4-6F175D3DCCD1}">
+              <a14:hiddenFill xmlns:a14="http://schemas.microsoft.com/office/drawing/2010/main">
+                <a:solidFill>
+                  <a:srgbClr val="FFFFFF"/>
+                </a:solidFill>
+              </a14:hiddenFill>
+            </a:ext>
+          </a:extLst>
+        </p:spPr>
+      </p:pic>
+      <p:pic>
+        <p:nvPicPr>
+          <p:cNvPr id="13" name="Picture 2" descr="Иконка «Пользователь» — скачай бесплатно PNG и векторе"/>
+          <p:cNvPicPr>
+            <a:picLocks noChangeAspect="1" noChangeArrowheads="1"/>
+          </p:cNvPicPr>
+          <p:nvPr/>
+        </p:nvPicPr>
+        <p:blipFill>
+          <a:blip r:embed="rId2" cstate="print">
+            <a:extLst>
+              <a:ext uri="{28A0092B-C50C-407E-A947-70E740481C1C}">
+                <a14:useLocalDpi xmlns:a14="http://schemas.microsoft.com/office/drawing/2010/main" val="0"/>
+              </a:ext>
+            </a:extLst>
+          </a:blip>
+          <a:srcRect/>
+          <a:stretch>
+            <a:fillRect/>
+          </a:stretch>
+        </p:blipFill>
+        <p:spPr bwMode="auto">
+          <a:xfrm>
+            <a:off x="896083" y="5917304"/>
+            <a:ext cx="351092" cy="351092"/>
+          </a:xfrm>
+          <a:prstGeom prst="rect">
+            <a:avLst/>
+          </a:prstGeom>
+          <a:noFill/>
+          <a:extLst>
+            <a:ext uri="{909E8E84-426E-40DD-AFC4-6F175D3DCCD1}">
+              <a14:hiddenFill xmlns:a14="http://schemas.microsoft.com/office/drawing/2010/main">
+                <a:solidFill>
+                  <a:srgbClr val="FFFFFF"/>
+                </a:solidFill>
+              </a14:hiddenFill>
+            </a:ext>
+          </a:extLst>
+        </p:spPr>
+      </p:pic>
+      <p:pic>
+        <p:nvPicPr>
+          <p:cNvPr id="1028" name="Picture 4" descr="File:Organization icon.svg - Wikipedia"/>
+          <p:cNvPicPr>
+            <a:picLocks noChangeAspect="1" noChangeArrowheads="1"/>
+          </p:cNvPicPr>
+          <p:nvPr/>
+        </p:nvPicPr>
+        <p:blipFill>
+          <a:blip r:embed="rId4" cstate="print">
+            <a:extLst>
+              <a:ext uri="{28A0092B-C50C-407E-A947-70E740481C1C}">
+                <a14:useLocalDpi xmlns:a14="http://schemas.microsoft.com/office/drawing/2010/main" val="0"/>
+              </a:ext>
+            </a:extLst>
+          </a:blip>
+          <a:srcRect/>
+          <a:stretch>
+            <a:fillRect/>
+          </a:stretch>
+        </p:blipFill>
+        <p:spPr bwMode="auto">
+          <a:xfrm>
+            <a:off x="5395571" y="4082131"/>
+            <a:ext cx="1482776" cy="1482776"/>
+          </a:xfrm>
+          <a:prstGeom prst="rect">
+            <a:avLst/>
+          </a:prstGeom>
+          <a:noFill/>
+          <a:extLst>
+            <a:ext uri="{909E8E84-426E-40DD-AFC4-6F175D3DCCD1}">
+              <a14:hiddenFill xmlns:a14="http://schemas.microsoft.com/office/drawing/2010/main">
+                <a:solidFill>
+                  <a:srgbClr val="FFFFFF"/>
+                </a:solidFill>
+              </a14:hiddenFill>
+            </a:ext>
+          </a:extLst>
+        </p:spPr>
+      </p:pic>
+      <p:grpSp>
+        <p:nvGrpSpPr>
+          <p:cNvPr id="14" name="Группа 13"/>
+          <p:cNvGrpSpPr/>
+          <p:nvPr/>
+        </p:nvGrpSpPr>
+        <p:grpSpPr>
+          <a:xfrm rot="17048900">
+            <a:off x="4341548" y="4680263"/>
+            <a:ext cx="921332" cy="914400"/>
+            <a:chOff x="4379566" y="5089525"/>
+            <a:chExt cx="921332" cy="914400"/>
+          </a:xfrm>
+        </p:grpSpPr>
+        <p:sp>
+          <p:nvSpPr>
+            <p:cNvPr id="15" name="Молния 14"/>
+            <p:cNvSpPr/>
+            <p:nvPr/>
+          </p:nvSpPr>
+          <p:spPr>
+            <a:xfrm>
+              <a:off x="4379566" y="5089525"/>
+              <a:ext cx="594741" cy="511133"/>
+            </a:xfrm>
+            <a:custGeom>
+              <a:avLst/>
+              <a:gdLst>
+                <a:gd name="connsiteX0" fmla="*/ 8472 w 21600"/>
+                <a:gd name="connsiteY0" fmla="*/ 0 h 21600"/>
+                <a:gd name="connsiteX1" fmla="*/ 12860 w 21600"/>
+                <a:gd name="connsiteY1" fmla="*/ 6080 h 21600"/>
+                <a:gd name="connsiteX2" fmla="*/ 11050 w 21600"/>
+                <a:gd name="connsiteY2" fmla="*/ 6797 h 21600"/>
+                <a:gd name="connsiteX3" fmla="*/ 16577 w 21600"/>
+                <a:gd name="connsiteY3" fmla="*/ 12007 h 21600"/>
+                <a:gd name="connsiteX4" fmla="*/ 14767 w 21600"/>
+                <a:gd name="connsiteY4" fmla="*/ 12877 h 21600"/>
+                <a:gd name="connsiteX5" fmla="*/ 21600 w 21600"/>
+                <a:gd name="connsiteY5" fmla="*/ 21600 h 21600"/>
+                <a:gd name="connsiteX6" fmla="*/ 10012 w 21600"/>
+                <a:gd name="connsiteY6" fmla="*/ 14915 h 21600"/>
+                <a:gd name="connsiteX7" fmla="*/ 12222 w 21600"/>
+                <a:gd name="connsiteY7" fmla="*/ 13987 h 21600"/>
+                <a:gd name="connsiteX8" fmla="*/ 5022 w 21600"/>
+                <a:gd name="connsiteY8" fmla="*/ 9705 h 21600"/>
+                <a:gd name="connsiteX9" fmla="*/ 7602 w 21600"/>
+                <a:gd name="connsiteY9" fmla="*/ 8382 h 21600"/>
+                <a:gd name="connsiteX10" fmla="*/ 0 w 21600"/>
+                <a:gd name="connsiteY10" fmla="*/ 3890 h 21600"/>
+                <a:gd name="connsiteX11" fmla="*/ 8472 w 21600"/>
+                <a:gd name="connsiteY11" fmla="*/ 0 h 21600"/>
+                <a:gd name="connsiteX0" fmla="*/ 8472 w 16577"/>
+                <a:gd name="connsiteY0" fmla="*/ 0 h 14915"/>
+                <a:gd name="connsiteX1" fmla="*/ 12860 w 16577"/>
+                <a:gd name="connsiteY1" fmla="*/ 6080 h 14915"/>
+                <a:gd name="connsiteX2" fmla="*/ 11050 w 16577"/>
+                <a:gd name="connsiteY2" fmla="*/ 6797 h 14915"/>
+                <a:gd name="connsiteX3" fmla="*/ 16577 w 16577"/>
+                <a:gd name="connsiteY3" fmla="*/ 12007 h 14915"/>
+                <a:gd name="connsiteX4" fmla="*/ 14767 w 16577"/>
+                <a:gd name="connsiteY4" fmla="*/ 12877 h 14915"/>
+                <a:gd name="connsiteX5" fmla="*/ 10012 w 16577"/>
+                <a:gd name="connsiteY5" fmla="*/ 14915 h 14915"/>
+                <a:gd name="connsiteX6" fmla="*/ 12222 w 16577"/>
+                <a:gd name="connsiteY6" fmla="*/ 13987 h 14915"/>
+                <a:gd name="connsiteX7" fmla="*/ 5022 w 16577"/>
+                <a:gd name="connsiteY7" fmla="*/ 9705 h 14915"/>
+                <a:gd name="connsiteX8" fmla="*/ 7602 w 16577"/>
+                <a:gd name="connsiteY8" fmla="*/ 8382 h 14915"/>
+                <a:gd name="connsiteX9" fmla="*/ 0 w 16577"/>
+                <a:gd name="connsiteY9" fmla="*/ 3890 h 14915"/>
+                <a:gd name="connsiteX10" fmla="*/ 8472 w 16577"/>
+                <a:gd name="connsiteY10" fmla="*/ 0 h 14915"/>
+                <a:gd name="connsiteX0" fmla="*/ 8472 w 16577"/>
+                <a:gd name="connsiteY0" fmla="*/ 0 h 13987"/>
+                <a:gd name="connsiteX1" fmla="*/ 12860 w 16577"/>
+                <a:gd name="connsiteY1" fmla="*/ 6080 h 13987"/>
+                <a:gd name="connsiteX2" fmla="*/ 11050 w 16577"/>
+                <a:gd name="connsiteY2" fmla="*/ 6797 h 13987"/>
+                <a:gd name="connsiteX3" fmla="*/ 16577 w 16577"/>
+                <a:gd name="connsiteY3" fmla="*/ 12007 h 13987"/>
+                <a:gd name="connsiteX4" fmla="*/ 14767 w 16577"/>
+                <a:gd name="connsiteY4" fmla="*/ 12877 h 13987"/>
+                <a:gd name="connsiteX5" fmla="*/ 12222 w 16577"/>
+                <a:gd name="connsiteY5" fmla="*/ 13987 h 13987"/>
+                <a:gd name="connsiteX6" fmla="*/ 5022 w 16577"/>
+                <a:gd name="connsiteY6" fmla="*/ 9705 h 13987"/>
+                <a:gd name="connsiteX7" fmla="*/ 7602 w 16577"/>
+                <a:gd name="connsiteY7" fmla="*/ 8382 h 13987"/>
+                <a:gd name="connsiteX8" fmla="*/ 0 w 16577"/>
+                <a:gd name="connsiteY8" fmla="*/ 3890 h 13987"/>
+                <a:gd name="connsiteX9" fmla="*/ 8472 w 16577"/>
+                <a:gd name="connsiteY9" fmla="*/ 0 h 13987"/>
+                <a:gd name="connsiteX0" fmla="*/ 8472 w 16577"/>
+                <a:gd name="connsiteY0" fmla="*/ 0 h 13987"/>
+                <a:gd name="connsiteX1" fmla="*/ 12860 w 16577"/>
+                <a:gd name="connsiteY1" fmla="*/ 6080 h 13987"/>
+                <a:gd name="connsiteX2" fmla="*/ 11050 w 16577"/>
+                <a:gd name="connsiteY2" fmla="*/ 6797 h 13987"/>
+                <a:gd name="connsiteX3" fmla="*/ 16577 w 16577"/>
+                <a:gd name="connsiteY3" fmla="*/ 12007 h 13987"/>
+                <a:gd name="connsiteX4" fmla="*/ 12222 w 16577"/>
+                <a:gd name="connsiteY4" fmla="*/ 13987 h 13987"/>
+                <a:gd name="connsiteX5" fmla="*/ 5022 w 16577"/>
+                <a:gd name="connsiteY5" fmla="*/ 9705 h 13987"/>
+                <a:gd name="connsiteX6" fmla="*/ 7602 w 16577"/>
+                <a:gd name="connsiteY6" fmla="*/ 8382 h 13987"/>
+                <a:gd name="connsiteX7" fmla="*/ 0 w 16577"/>
+                <a:gd name="connsiteY7" fmla="*/ 3890 h 13987"/>
+                <a:gd name="connsiteX8" fmla="*/ 8472 w 16577"/>
+                <a:gd name="connsiteY8" fmla="*/ 0 h 13987"/>
+                <a:gd name="connsiteX0" fmla="*/ 8472 w 13352"/>
+                <a:gd name="connsiteY0" fmla="*/ 0 h 13987"/>
+                <a:gd name="connsiteX1" fmla="*/ 12860 w 13352"/>
+                <a:gd name="connsiteY1" fmla="*/ 6080 h 13987"/>
+                <a:gd name="connsiteX2" fmla="*/ 11050 w 13352"/>
+                <a:gd name="connsiteY2" fmla="*/ 6797 h 13987"/>
+                <a:gd name="connsiteX3" fmla="*/ 13352 w 13352"/>
+                <a:gd name="connsiteY3" fmla="*/ 9007 h 13987"/>
+                <a:gd name="connsiteX4" fmla="*/ 12222 w 13352"/>
+                <a:gd name="connsiteY4" fmla="*/ 13987 h 13987"/>
+                <a:gd name="connsiteX5" fmla="*/ 5022 w 13352"/>
+                <a:gd name="connsiteY5" fmla="*/ 9705 h 13987"/>
+                <a:gd name="connsiteX6" fmla="*/ 7602 w 13352"/>
+                <a:gd name="connsiteY6" fmla="*/ 8382 h 13987"/>
+                <a:gd name="connsiteX7" fmla="*/ 0 w 13352"/>
+                <a:gd name="connsiteY7" fmla="*/ 3890 h 13987"/>
+                <a:gd name="connsiteX8" fmla="*/ 8472 w 13352"/>
+                <a:gd name="connsiteY8" fmla="*/ 0 h 13987"/>
+                <a:gd name="connsiteX0" fmla="*/ 8472 w 13502"/>
+                <a:gd name="connsiteY0" fmla="*/ 0 h 13987"/>
+                <a:gd name="connsiteX1" fmla="*/ 12860 w 13502"/>
+                <a:gd name="connsiteY1" fmla="*/ 6080 h 13987"/>
+                <a:gd name="connsiteX2" fmla="*/ 11050 w 13502"/>
+                <a:gd name="connsiteY2" fmla="*/ 6797 h 13987"/>
+                <a:gd name="connsiteX3" fmla="*/ 13502 w 13502"/>
+                <a:gd name="connsiteY3" fmla="*/ 9007 h 13987"/>
+                <a:gd name="connsiteX4" fmla="*/ 12222 w 13502"/>
+                <a:gd name="connsiteY4" fmla="*/ 13987 h 13987"/>
+                <a:gd name="connsiteX5" fmla="*/ 5022 w 13502"/>
+                <a:gd name="connsiteY5" fmla="*/ 9705 h 13987"/>
+                <a:gd name="connsiteX6" fmla="*/ 7602 w 13502"/>
+                <a:gd name="connsiteY6" fmla="*/ 8382 h 13987"/>
+                <a:gd name="connsiteX7" fmla="*/ 0 w 13502"/>
+                <a:gd name="connsiteY7" fmla="*/ 3890 h 13987"/>
+                <a:gd name="connsiteX8" fmla="*/ 8472 w 13502"/>
+                <a:gd name="connsiteY8" fmla="*/ 0 h 13987"/>
+                <a:gd name="connsiteX0" fmla="*/ 8472 w 13502"/>
+                <a:gd name="connsiteY0" fmla="*/ 0 h 11962"/>
+                <a:gd name="connsiteX1" fmla="*/ 12860 w 13502"/>
+                <a:gd name="connsiteY1" fmla="*/ 6080 h 11962"/>
+                <a:gd name="connsiteX2" fmla="*/ 11050 w 13502"/>
+                <a:gd name="connsiteY2" fmla="*/ 6797 h 11962"/>
+                <a:gd name="connsiteX3" fmla="*/ 13502 w 13502"/>
+                <a:gd name="connsiteY3" fmla="*/ 9007 h 11962"/>
+                <a:gd name="connsiteX4" fmla="*/ 8659 w 13502"/>
+                <a:gd name="connsiteY4" fmla="*/ 11962 h 11962"/>
+                <a:gd name="connsiteX5" fmla="*/ 5022 w 13502"/>
+                <a:gd name="connsiteY5" fmla="*/ 9705 h 11962"/>
+                <a:gd name="connsiteX6" fmla="*/ 7602 w 13502"/>
+                <a:gd name="connsiteY6" fmla="*/ 8382 h 11962"/>
+                <a:gd name="connsiteX7" fmla="*/ 0 w 13502"/>
+                <a:gd name="connsiteY7" fmla="*/ 3890 h 11962"/>
+                <a:gd name="connsiteX8" fmla="*/ 8472 w 13502"/>
+                <a:gd name="connsiteY8" fmla="*/ 0 h 11962"/>
+                <a:gd name="connsiteX0" fmla="*/ 8472 w 13802"/>
+                <a:gd name="connsiteY0" fmla="*/ 0 h 11962"/>
+                <a:gd name="connsiteX1" fmla="*/ 12860 w 13802"/>
+                <a:gd name="connsiteY1" fmla="*/ 6080 h 11962"/>
+                <a:gd name="connsiteX2" fmla="*/ 11050 w 13802"/>
+                <a:gd name="connsiteY2" fmla="*/ 6797 h 11962"/>
+                <a:gd name="connsiteX3" fmla="*/ 13802 w 13802"/>
+                <a:gd name="connsiteY3" fmla="*/ 9195 h 11962"/>
+                <a:gd name="connsiteX4" fmla="*/ 8659 w 13802"/>
+                <a:gd name="connsiteY4" fmla="*/ 11962 h 11962"/>
+                <a:gd name="connsiteX5" fmla="*/ 5022 w 13802"/>
+                <a:gd name="connsiteY5" fmla="*/ 9705 h 11962"/>
+                <a:gd name="connsiteX6" fmla="*/ 7602 w 13802"/>
+                <a:gd name="connsiteY6" fmla="*/ 8382 h 11962"/>
+                <a:gd name="connsiteX7" fmla="*/ 0 w 13802"/>
+                <a:gd name="connsiteY7" fmla="*/ 3890 h 11962"/>
+                <a:gd name="connsiteX8" fmla="*/ 8472 w 13802"/>
+                <a:gd name="connsiteY8" fmla="*/ 0 h 11962"/>
+                <a:gd name="connsiteX0" fmla="*/ 13802 w 15962"/>
+                <a:gd name="connsiteY0" fmla="*/ 9195 h 11962"/>
+                <a:gd name="connsiteX1" fmla="*/ 8659 w 15962"/>
+                <a:gd name="connsiteY1" fmla="*/ 11962 h 11962"/>
+                <a:gd name="connsiteX2" fmla="*/ 5022 w 15962"/>
+                <a:gd name="connsiteY2" fmla="*/ 9705 h 11962"/>
+                <a:gd name="connsiteX3" fmla="*/ 7602 w 15962"/>
+                <a:gd name="connsiteY3" fmla="*/ 8382 h 11962"/>
+                <a:gd name="connsiteX4" fmla="*/ 0 w 15962"/>
+                <a:gd name="connsiteY4" fmla="*/ 3890 h 11962"/>
+                <a:gd name="connsiteX5" fmla="*/ 8472 w 15962"/>
+                <a:gd name="connsiteY5" fmla="*/ 0 h 11962"/>
+                <a:gd name="connsiteX6" fmla="*/ 12860 w 15962"/>
+                <a:gd name="connsiteY6" fmla="*/ 6080 h 11962"/>
+                <a:gd name="connsiteX7" fmla="*/ 11050 w 15962"/>
+                <a:gd name="connsiteY7" fmla="*/ 6797 h 11962"/>
+                <a:gd name="connsiteX8" fmla="*/ 15962 w 15962"/>
+                <a:gd name="connsiteY8" fmla="*/ 11355 h 11962"/>
+                <a:gd name="connsiteX0" fmla="*/ 13802 w 13802"/>
+                <a:gd name="connsiteY0" fmla="*/ 9195 h 11962"/>
+                <a:gd name="connsiteX1" fmla="*/ 8659 w 13802"/>
+                <a:gd name="connsiteY1" fmla="*/ 11962 h 11962"/>
+                <a:gd name="connsiteX2" fmla="*/ 5022 w 13802"/>
+                <a:gd name="connsiteY2" fmla="*/ 9705 h 11962"/>
+                <a:gd name="connsiteX3" fmla="*/ 7602 w 13802"/>
+                <a:gd name="connsiteY3" fmla="*/ 8382 h 11962"/>
+                <a:gd name="connsiteX4" fmla="*/ 0 w 13802"/>
+                <a:gd name="connsiteY4" fmla="*/ 3890 h 11962"/>
+                <a:gd name="connsiteX5" fmla="*/ 8472 w 13802"/>
+                <a:gd name="connsiteY5" fmla="*/ 0 h 11962"/>
+                <a:gd name="connsiteX6" fmla="*/ 12860 w 13802"/>
+                <a:gd name="connsiteY6" fmla="*/ 6080 h 11962"/>
+                <a:gd name="connsiteX7" fmla="*/ 11050 w 13802"/>
+                <a:gd name="connsiteY7" fmla="*/ 6797 h 11962"/>
+                <a:gd name="connsiteX8" fmla="*/ 13637 w 13802"/>
+                <a:gd name="connsiteY8" fmla="*/ 9330 h 11962"/>
+                <a:gd name="connsiteX0" fmla="*/ 13802 w 14912"/>
+                <a:gd name="connsiteY0" fmla="*/ 9195 h 11962"/>
+                <a:gd name="connsiteX1" fmla="*/ 8659 w 14912"/>
+                <a:gd name="connsiteY1" fmla="*/ 11962 h 11962"/>
+                <a:gd name="connsiteX2" fmla="*/ 5022 w 14912"/>
+                <a:gd name="connsiteY2" fmla="*/ 9705 h 11962"/>
+                <a:gd name="connsiteX3" fmla="*/ 7602 w 14912"/>
+                <a:gd name="connsiteY3" fmla="*/ 8382 h 11962"/>
+                <a:gd name="connsiteX4" fmla="*/ 0 w 14912"/>
+                <a:gd name="connsiteY4" fmla="*/ 3890 h 11962"/>
+                <a:gd name="connsiteX5" fmla="*/ 8472 w 14912"/>
+                <a:gd name="connsiteY5" fmla="*/ 0 h 11962"/>
+                <a:gd name="connsiteX6" fmla="*/ 12860 w 14912"/>
+                <a:gd name="connsiteY6" fmla="*/ 6080 h 11962"/>
+                <a:gd name="connsiteX7" fmla="*/ 11050 w 14912"/>
+                <a:gd name="connsiteY7" fmla="*/ 6797 h 11962"/>
+                <a:gd name="connsiteX8" fmla="*/ 14912 w 14912"/>
+                <a:gd name="connsiteY8" fmla="*/ 10493 h 11962"/>
+                <a:gd name="connsiteX0" fmla="*/ 8659 w 14912"/>
+                <a:gd name="connsiteY0" fmla="*/ 11962 h 11962"/>
+                <a:gd name="connsiteX1" fmla="*/ 5022 w 14912"/>
+                <a:gd name="connsiteY1" fmla="*/ 9705 h 11962"/>
+                <a:gd name="connsiteX2" fmla="*/ 7602 w 14912"/>
+                <a:gd name="connsiteY2" fmla="*/ 8382 h 11962"/>
+                <a:gd name="connsiteX3" fmla="*/ 0 w 14912"/>
+                <a:gd name="connsiteY3" fmla="*/ 3890 h 11962"/>
+                <a:gd name="connsiteX4" fmla="*/ 8472 w 14912"/>
+                <a:gd name="connsiteY4" fmla="*/ 0 h 11962"/>
+                <a:gd name="connsiteX5" fmla="*/ 12860 w 14912"/>
+                <a:gd name="connsiteY5" fmla="*/ 6080 h 11962"/>
+                <a:gd name="connsiteX6" fmla="*/ 11050 w 14912"/>
+                <a:gd name="connsiteY6" fmla="*/ 6797 h 11962"/>
+                <a:gd name="connsiteX7" fmla="*/ 14912 w 14912"/>
+                <a:gd name="connsiteY7" fmla="*/ 10493 h 11962"/>
+                <a:gd name="connsiteX0" fmla="*/ 8659 w 14049"/>
+                <a:gd name="connsiteY0" fmla="*/ 11962 h 11962"/>
+                <a:gd name="connsiteX1" fmla="*/ 5022 w 14049"/>
+                <a:gd name="connsiteY1" fmla="*/ 9705 h 11962"/>
+                <a:gd name="connsiteX2" fmla="*/ 7602 w 14049"/>
+                <a:gd name="connsiteY2" fmla="*/ 8382 h 11962"/>
+                <a:gd name="connsiteX3" fmla="*/ 0 w 14049"/>
+                <a:gd name="connsiteY3" fmla="*/ 3890 h 11962"/>
+                <a:gd name="connsiteX4" fmla="*/ 8472 w 14049"/>
+                <a:gd name="connsiteY4" fmla="*/ 0 h 11962"/>
+                <a:gd name="connsiteX5" fmla="*/ 12860 w 14049"/>
+                <a:gd name="connsiteY5" fmla="*/ 6080 h 11962"/>
+                <a:gd name="connsiteX6" fmla="*/ 11050 w 14049"/>
+                <a:gd name="connsiteY6" fmla="*/ 6797 h 11962"/>
+                <a:gd name="connsiteX7" fmla="*/ 14049 w 14049"/>
+                <a:gd name="connsiteY7" fmla="*/ 9518 h 11962"/>
+                <a:gd name="connsiteX0" fmla="*/ 8809 w 14049"/>
+                <a:gd name="connsiteY0" fmla="*/ 12074 h 12074"/>
+                <a:gd name="connsiteX1" fmla="*/ 5022 w 14049"/>
+                <a:gd name="connsiteY1" fmla="*/ 9705 h 12074"/>
+                <a:gd name="connsiteX2" fmla="*/ 7602 w 14049"/>
+                <a:gd name="connsiteY2" fmla="*/ 8382 h 12074"/>
+                <a:gd name="connsiteX3" fmla="*/ 0 w 14049"/>
+                <a:gd name="connsiteY3" fmla="*/ 3890 h 12074"/>
+                <a:gd name="connsiteX4" fmla="*/ 8472 w 14049"/>
+                <a:gd name="connsiteY4" fmla="*/ 0 h 12074"/>
+                <a:gd name="connsiteX5" fmla="*/ 12860 w 14049"/>
+                <a:gd name="connsiteY5" fmla="*/ 6080 h 12074"/>
+                <a:gd name="connsiteX6" fmla="*/ 11050 w 14049"/>
+                <a:gd name="connsiteY6" fmla="*/ 6797 h 12074"/>
+                <a:gd name="connsiteX7" fmla="*/ 14049 w 14049"/>
+                <a:gd name="connsiteY7" fmla="*/ 9518 h 12074"/>
+              </a:gdLst>
+              <a:ahLst/>
+              <a:cxnLst>
+                <a:cxn ang="0">
+                  <a:pos x="connsiteX0" y="connsiteY0"/>
+                </a:cxn>
+                <a:cxn ang="0">
+                  <a:pos x="connsiteX1" y="connsiteY1"/>
+                </a:cxn>
+                <a:cxn ang="0">
+                  <a:pos x="connsiteX2" y="connsiteY2"/>
+                </a:cxn>
+                <a:cxn ang="0">
+                  <a:pos x="connsiteX3" y="connsiteY3"/>
+                </a:cxn>
+                <a:cxn ang="0">
+                  <a:pos x="connsiteX4" y="connsiteY4"/>
+                </a:cxn>
+                <a:cxn ang="0">
+                  <a:pos x="connsiteX5" y="connsiteY5"/>
+                </a:cxn>
+                <a:cxn ang="0">
+                  <a:pos x="connsiteX6" y="connsiteY6"/>
+                </a:cxn>
+                <a:cxn ang="0">
+                  <a:pos x="connsiteX7" y="connsiteY7"/>
+                </a:cxn>
+              </a:cxnLst>
+              <a:rect l="l" t="t" r="r" b="b"/>
+              <a:pathLst>
+                <a:path w="14049" h="12074">
+                  <a:moveTo>
+                    <a:pt x="8809" y="12074"/>
+                  </a:moveTo>
+                  <a:lnTo>
+                    <a:pt x="5022" y="9705"/>
+                  </a:lnTo>
+                  <a:lnTo>
+                    <a:pt x="7602" y="8382"/>
+                  </a:lnTo>
+                  <a:lnTo>
+                    <a:pt x="0" y="3890"/>
+                  </a:lnTo>
+                  <a:lnTo>
+                    <a:pt x="8472" y="0"/>
+                  </a:lnTo>
+                  <a:lnTo>
+                    <a:pt x="12860" y="6080"/>
+                  </a:lnTo>
+                  <a:lnTo>
+                    <a:pt x="11050" y="6797"/>
+                  </a:lnTo>
+                  <a:cubicBezTo>
+                    <a:pt x="11967" y="7596"/>
+                    <a:pt x="14049" y="9518"/>
+                    <a:pt x="14049" y="9518"/>
+                  </a:cubicBezTo>
+                </a:path>
+              </a:pathLst>
+            </a:custGeom>
+          </p:spPr>
+          <p:style>
+            <a:lnRef idx="2">
+              <a:schemeClr val="accent1">
+                <a:shade val="50000"/>
+              </a:schemeClr>
+            </a:lnRef>
+            <a:fillRef idx="1">
+              <a:schemeClr val="accent1"/>
+            </a:fillRef>
+            <a:effectRef idx="0">
+              <a:schemeClr val="accent1"/>
+            </a:effectRef>
+            <a:fontRef idx="minor">
+              <a:schemeClr val="lt1"/>
+            </a:fontRef>
+          </p:style>
+          <p:txBody>
+            <a:bodyPr rtlCol="0" anchor="ctr"/>
+            <a:lstStyle/>
+            <a:p>
+              <a:pPr algn="ctr"/>
+              <a:endParaRPr lang="ru-RU"/>
+            </a:p>
+          </p:txBody>
+        </p:sp>
+        <p:sp>
+          <p:nvSpPr>
+            <p:cNvPr id="5" name="Молния 4"/>
+            <p:cNvSpPr/>
+            <p:nvPr/>
+          </p:nvSpPr>
+          <p:spPr>
+            <a:xfrm>
+              <a:off x="4752935" y="5488390"/>
+              <a:ext cx="547963" cy="515535"/>
+            </a:xfrm>
+            <a:custGeom>
+              <a:avLst/>
+              <a:gdLst>
+                <a:gd name="connsiteX0" fmla="*/ 8472 w 21600"/>
+                <a:gd name="connsiteY0" fmla="*/ 0 h 21600"/>
+                <a:gd name="connsiteX1" fmla="*/ 12860 w 21600"/>
+                <a:gd name="connsiteY1" fmla="*/ 6080 h 21600"/>
+                <a:gd name="connsiteX2" fmla="*/ 11050 w 21600"/>
+                <a:gd name="connsiteY2" fmla="*/ 6797 h 21600"/>
+                <a:gd name="connsiteX3" fmla="*/ 16577 w 21600"/>
+                <a:gd name="connsiteY3" fmla="*/ 12007 h 21600"/>
+                <a:gd name="connsiteX4" fmla="*/ 14767 w 21600"/>
+                <a:gd name="connsiteY4" fmla="*/ 12877 h 21600"/>
+                <a:gd name="connsiteX5" fmla="*/ 21600 w 21600"/>
+                <a:gd name="connsiteY5" fmla="*/ 21600 h 21600"/>
+                <a:gd name="connsiteX6" fmla="*/ 10012 w 21600"/>
+                <a:gd name="connsiteY6" fmla="*/ 14915 h 21600"/>
+                <a:gd name="connsiteX7" fmla="*/ 12222 w 21600"/>
+                <a:gd name="connsiteY7" fmla="*/ 13987 h 21600"/>
+                <a:gd name="connsiteX8" fmla="*/ 5022 w 21600"/>
+                <a:gd name="connsiteY8" fmla="*/ 9705 h 21600"/>
+                <a:gd name="connsiteX9" fmla="*/ 7602 w 21600"/>
+                <a:gd name="connsiteY9" fmla="*/ 8382 h 21600"/>
+                <a:gd name="connsiteX10" fmla="*/ 0 w 21600"/>
+                <a:gd name="connsiteY10" fmla="*/ 3890 h 21600"/>
+                <a:gd name="connsiteX11" fmla="*/ 8472 w 21600"/>
+                <a:gd name="connsiteY11" fmla="*/ 0 h 21600"/>
+                <a:gd name="connsiteX0" fmla="*/ 3450 w 16578"/>
+                <a:gd name="connsiteY0" fmla="*/ 0 h 21600"/>
+                <a:gd name="connsiteX1" fmla="*/ 7838 w 16578"/>
+                <a:gd name="connsiteY1" fmla="*/ 6080 h 21600"/>
+                <a:gd name="connsiteX2" fmla="*/ 6028 w 16578"/>
+                <a:gd name="connsiteY2" fmla="*/ 6797 h 21600"/>
+                <a:gd name="connsiteX3" fmla="*/ 11555 w 16578"/>
+                <a:gd name="connsiteY3" fmla="*/ 12007 h 21600"/>
+                <a:gd name="connsiteX4" fmla="*/ 9745 w 16578"/>
+                <a:gd name="connsiteY4" fmla="*/ 12877 h 21600"/>
+                <a:gd name="connsiteX5" fmla="*/ 16578 w 16578"/>
+                <a:gd name="connsiteY5" fmla="*/ 21600 h 21600"/>
+                <a:gd name="connsiteX6" fmla="*/ 4990 w 16578"/>
+                <a:gd name="connsiteY6" fmla="*/ 14915 h 21600"/>
+                <a:gd name="connsiteX7" fmla="*/ 7200 w 16578"/>
+                <a:gd name="connsiteY7" fmla="*/ 13987 h 21600"/>
+                <a:gd name="connsiteX8" fmla="*/ 0 w 16578"/>
+                <a:gd name="connsiteY8" fmla="*/ 9705 h 21600"/>
+                <a:gd name="connsiteX9" fmla="*/ 2580 w 16578"/>
+                <a:gd name="connsiteY9" fmla="*/ 8382 h 21600"/>
+                <a:gd name="connsiteX10" fmla="*/ 3450 w 16578"/>
+                <a:gd name="connsiteY10" fmla="*/ 0 h 21600"/>
+                <a:gd name="connsiteX0" fmla="*/ 2580 w 16578"/>
+                <a:gd name="connsiteY0" fmla="*/ 2302 h 15520"/>
+                <a:gd name="connsiteX1" fmla="*/ 7838 w 16578"/>
+                <a:gd name="connsiteY1" fmla="*/ 0 h 15520"/>
+                <a:gd name="connsiteX2" fmla="*/ 6028 w 16578"/>
+                <a:gd name="connsiteY2" fmla="*/ 717 h 15520"/>
+                <a:gd name="connsiteX3" fmla="*/ 11555 w 16578"/>
+                <a:gd name="connsiteY3" fmla="*/ 5927 h 15520"/>
+                <a:gd name="connsiteX4" fmla="*/ 9745 w 16578"/>
+                <a:gd name="connsiteY4" fmla="*/ 6797 h 15520"/>
+                <a:gd name="connsiteX5" fmla="*/ 16578 w 16578"/>
+                <a:gd name="connsiteY5" fmla="*/ 15520 h 15520"/>
+                <a:gd name="connsiteX6" fmla="*/ 4990 w 16578"/>
+                <a:gd name="connsiteY6" fmla="*/ 8835 h 15520"/>
+                <a:gd name="connsiteX7" fmla="*/ 7200 w 16578"/>
+                <a:gd name="connsiteY7" fmla="*/ 7907 h 15520"/>
+                <a:gd name="connsiteX8" fmla="*/ 0 w 16578"/>
+                <a:gd name="connsiteY8" fmla="*/ 3625 h 15520"/>
+                <a:gd name="connsiteX9" fmla="*/ 2580 w 16578"/>
+                <a:gd name="connsiteY9" fmla="*/ 2302 h 15520"/>
+                <a:gd name="connsiteX0" fmla="*/ 2580 w 16578"/>
+                <a:gd name="connsiteY0" fmla="*/ 1585 h 14803"/>
+                <a:gd name="connsiteX1" fmla="*/ 6028 w 16578"/>
+                <a:gd name="connsiteY1" fmla="*/ 0 h 14803"/>
+                <a:gd name="connsiteX2" fmla="*/ 11555 w 16578"/>
+                <a:gd name="connsiteY2" fmla="*/ 5210 h 14803"/>
+                <a:gd name="connsiteX3" fmla="*/ 9745 w 16578"/>
+                <a:gd name="connsiteY3" fmla="*/ 6080 h 14803"/>
+                <a:gd name="connsiteX4" fmla="*/ 16578 w 16578"/>
+                <a:gd name="connsiteY4" fmla="*/ 14803 h 14803"/>
+                <a:gd name="connsiteX5" fmla="*/ 4990 w 16578"/>
+                <a:gd name="connsiteY5" fmla="*/ 8118 h 14803"/>
+                <a:gd name="connsiteX6" fmla="*/ 7200 w 16578"/>
+                <a:gd name="connsiteY6" fmla="*/ 7190 h 14803"/>
+                <a:gd name="connsiteX7" fmla="*/ 0 w 16578"/>
+                <a:gd name="connsiteY7" fmla="*/ 2908 h 14803"/>
+                <a:gd name="connsiteX8" fmla="*/ 2580 w 16578"/>
+                <a:gd name="connsiteY8" fmla="*/ 1585 h 14803"/>
+                <a:gd name="connsiteX0" fmla="*/ 0 w 13998"/>
+                <a:gd name="connsiteY0" fmla="*/ 1585 h 14803"/>
+                <a:gd name="connsiteX1" fmla="*/ 3448 w 13998"/>
+                <a:gd name="connsiteY1" fmla="*/ 0 h 14803"/>
+                <a:gd name="connsiteX2" fmla="*/ 8975 w 13998"/>
+                <a:gd name="connsiteY2" fmla="*/ 5210 h 14803"/>
+                <a:gd name="connsiteX3" fmla="*/ 7165 w 13998"/>
+                <a:gd name="connsiteY3" fmla="*/ 6080 h 14803"/>
+                <a:gd name="connsiteX4" fmla="*/ 13998 w 13998"/>
+                <a:gd name="connsiteY4" fmla="*/ 14803 h 14803"/>
+                <a:gd name="connsiteX5" fmla="*/ 2410 w 13998"/>
+                <a:gd name="connsiteY5" fmla="*/ 8118 h 14803"/>
+                <a:gd name="connsiteX6" fmla="*/ 4620 w 13998"/>
+                <a:gd name="connsiteY6" fmla="*/ 7190 h 14803"/>
+                <a:gd name="connsiteX7" fmla="*/ 0 w 13998"/>
+                <a:gd name="connsiteY7" fmla="*/ 1585 h 14803"/>
+                <a:gd name="connsiteX0" fmla="*/ 2210 w 11588"/>
+                <a:gd name="connsiteY0" fmla="*/ 7190 h 14803"/>
+                <a:gd name="connsiteX1" fmla="*/ 1038 w 11588"/>
+                <a:gd name="connsiteY1" fmla="*/ 0 h 14803"/>
+                <a:gd name="connsiteX2" fmla="*/ 6565 w 11588"/>
+                <a:gd name="connsiteY2" fmla="*/ 5210 h 14803"/>
+                <a:gd name="connsiteX3" fmla="*/ 4755 w 11588"/>
+                <a:gd name="connsiteY3" fmla="*/ 6080 h 14803"/>
+                <a:gd name="connsiteX4" fmla="*/ 11588 w 11588"/>
+                <a:gd name="connsiteY4" fmla="*/ 14803 h 14803"/>
+                <a:gd name="connsiteX5" fmla="*/ 0 w 11588"/>
+                <a:gd name="connsiteY5" fmla="*/ 8118 h 14803"/>
+                <a:gd name="connsiteX6" fmla="*/ 2210 w 11588"/>
+                <a:gd name="connsiteY6" fmla="*/ 7190 h 14803"/>
+                <a:gd name="connsiteX0" fmla="*/ 2210 w 11588"/>
+                <a:gd name="connsiteY0" fmla="*/ 7190 h 14803"/>
+                <a:gd name="connsiteX1" fmla="*/ 1645 w 11588"/>
+                <a:gd name="connsiteY1" fmla="*/ 4341 h 14803"/>
+                <a:gd name="connsiteX2" fmla="*/ 1038 w 11588"/>
+                <a:gd name="connsiteY2" fmla="*/ 0 h 14803"/>
+                <a:gd name="connsiteX3" fmla="*/ 6565 w 11588"/>
+                <a:gd name="connsiteY3" fmla="*/ 5210 h 14803"/>
+                <a:gd name="connsiteX4" fmla="*/ 4755 w 11588"/>
+                <a:gd name="connsiteY4" fmla="*/ 6080 h 14803"/>
+                <a:gd name="connsiteX5" fmla="*/ 11588 w 11588"/>
+                <a:gd name="connsiteY5" fmla="*/ 14803 h 14803"/>
+                <a:gd name="connsiteX6" fmla="*/ 0 w 11588"/>
+                <a:gd name="connsiteY6" fmla="*/ 8118 h 14803"/>
+                <a:gd name="connsiteX7" fmla="*/ 2210 w 11588"/>
+                <a:gd name="connsiteY7" fmla="*/ 7190 h 14803"/>
+                <a:gd name="connsiteX0" fmla="*/ 3575 w 12953"/>
+                <a:gd name="connsiteY0" fmla="*/ 7190 h 14803"/>
+                <a:gd name="connsiteX1" fmla="*/ 10 w 12953"/>
+                <a:gd name="connsiteY1" fmla="*/ 5316 h 14803"/>
+                <a:gd name="connsiteX2" fmla="*/ 2403 w 12953"/>
+                <a:gd name="connsiteY2" fmla="*/ 0 h 14803"/>
+                <a:gd name="connsiteX3" fmla="*/ 7930 w 12953"/>
+                <a:gd name="connsiteY3" fmla="*/ 5210 h 14803"/>
+                <a:gd name="connsiteX4" fmla="*/ 6120 w 12953"/>
+                <a:gd name="connsiteY4" fmla="*/ 6080 h 14803"/>
+                <a:gd name="connsiteX5" fmla="*/ 12953 w 12953"/>
+                <a:gd name="connsiteY5" fmla="*/ 14803 h 14803"/>
+                <a:gd name="connsiteX6" fmla="*/ 1365 w 12953"/>
+                <a:gd name="connsiteY6" fmla="*/ 8118 h 14803"/>
+                <a:gd name="connsiteX7" fmla="*/ 3575 w 12953"/>
+                <a:gd name="connsiteY7" fmla="*/ 7190 h 14803"/>
+                <a:gd name="connsiteX0" fmla="*/ 3575 w 12953"/>
+                <a:gd name="connsiteY0" fmla="*/ 7190 h 14803"/>
+                <a:gd name="connsiteX1" fmla="*/ 10 w 12953"/>
+                <a:gd name="connsiteY1" fmla="*/ 5316 h 14803"/>
+                <a:gd name="connsiteX2" fmla="*/ 2403 w 12953"/>
+                <a:gd name="connsiteY2" fmla="*/ 0 h 14803"/>
+                <a:gd name="connsiteX3" fmla="*/ 7930 w 12953"/>
+                <a:gd name="connsiteY3" fmla="*/ 5210 h 14803"/>
+                <a:gd name="connsiteX4" fmla="*/ 6120 w 12953"/>
+                <a:gd name="connsiteY4" fmla="*/ 6080 h 14803"/>
+                <a:gd name="connsiteX5" fmla="*/ 12953 w 12953"/>
+                <a:gd name="connsiteY5" fmla="*/ 14803 h 14803"/>
+                <a:gd name="connsiteX6" fmla="*/ 1365 w 12953"/>
+                <a:gd name="connsiteY6" fmla="*/ 8118 h 14803"/>
+                <a:gd name="connsiteX7" fmla="*/ 3575 w 12953"/>
+                <a:gd name="connsiteY7" fmla="*/ 7190 h 14803"/>
+                <a:gd name="connsiteX0" fmla="*/ 3575 w 12953"/>
+                <a:gd name="connsiteY0" fmla="*/ 7190 h 14803"/>
+                <a:gd name="connsiteX1" fmla="*/ 10 w 12953"/>
+                <a:gd name="connsiteY1" fmla="*/ 5316 h 14803"/>
+                <a:gd name="connsiteX2" fmla="*/ 2403 w 12953"/>
+                <a:gd name="connsiteY2" fmla="*/ 0 h 14803"/>
+                <a:gd name="connsiteX3" fmla="*/ 7930 w 12953"/>
+                <a:gd name="connsiteY3" fmla="*/ 5210 h 14803"/>
+                <a:gd name="connsiteX4" fmla="*/ 6120 w 12953"/>
+                <a:gd name="connsiteY4" fmla="*/ 6080 h 14803"/>
+                <a:gd name="connsiteX5" fmla="*/ 12953 w 12953"/>
+                <a:gd name="connsiteY5" fmla="*/ 14803 h 14803"/>
+                <a:gd name="connsiteX6" fmla="*/ 1365 w 12953"/>
+                <a:gd name="connsiteY6" fmla="*/ 8118 h 14803"/>
+                <a:gd name="connsiteX7" fmla="*/ 3575 w 12953"/>
+                <a:gd name="connsiteY7" fmla="*/ 7190 h 14803"/>
+                <a:gd name="connsiteX0" fmla="*/ 3575 w 12953"/>
+                <a:gd name="connsiteY0" fmla="*/ 7190 h 14803"/>
+                <a:gd name="connsiteX1" fmla="*/ 10 w 12953"/>
+                <a:gd name="connsiteY1" fmla="*/ 5316 h 14803"/>
+                <a:gd name="connsiteX2" fmla="*/ 2403 w 12953"/>
+                <a:gd name="connsiteY2" fmla="*/ 0 h 14803"/>
+                <a:gd name="connsiteX3" fmla="*/ 7930 w 12953"/>
+                <a:gd name="connsiteY3" fmla="*/ 5210 h 14803"/>
+                <a:gd name="connsiteX4" fmla="*/ 6120 w 12953"/>
+                <a:gd name="connsiteY4" fmla="*/ 6080 h 14803"/>
+                <a:gd name="connsiteX5" fmla="*/ 12953 w 12953"/>
+                <a:gd name="connsiteY5" fmla="*/ 14803 h 14803"/>
+                <a:gd name="connsiteX6" fmla="*/ 1365 w 12953"/>
+                <a:gd name="connsiteY6" fmla="*/ 8118 h 14803"/>
+                <a:gd name="connsiteX7" fmla="*/ 3575 w 12953"/>
+                <a:gd name="connsiteY7" fmla="*/ 7190 h 14803"/>
+                <a:gd name="connsiteX0" fmla="*/ 4606 w 13984"/>
+                <a:gd name="connsiteY0" fmla="*/ 7190 h 14803"/>
+                <a:gd name="connsiteX1" fmla="*/ 1041 w 13984"/>
+                <a:gd name="connsiteY1" fmla="*/ 5316 h 14803"/>
+                <a:gd name="connsiteX2" fmla="*/ 3434 w 13984"/>
+                <a:gd name="connsiteY2" fmla="*/ 0 h 14803"/>
+                <a:gd name="connsiteX3" fmla="*/ 8961 w 13984"/>
+                <a:gd name="connsiteY3" fmla="*/ 5210 h 14803"/>
+                <a:gd name="connsiteX4" fmla="*/ 7151 w 13984"/>
+                <a:gd name="connsiteY4" fmla="*/ 6080 h 14803"/>
+                <a:gd name="connsiteX5" fmla="*/ 13984 w 13984"/>
+                <a:gd name="connsiteY5" fmla="*/ 14803 h 14803"/>
+                <a:gd name="connsiteX6" fmla="*/ 2396 w 13984"/>
+                <a:gd name="connsiteY6" fmla="*/ 8118 h 14803"/>
+                <a:gd name="connsiteX7" fmla="*/ 4606 w 13984"/>
+                <a:gd name="connsiteY7" fmla="*/ 7190 h 14803"/>
+                <a:gd name="connsiteX0" fmla="*/ 3698 w 13076"/>
+                <a:gd name="connsiteY0" fmla="*/ 7190 h 14803"/>
+                <a:gd name="connsiteX1" fmla="*/ 133 w 13076"/>
+                <a:gd name="connsiteY1" fmla="*/ 5316 h 14803"/>
+                <a:gd name="connsiteX2" fmla="*/ 2526 w 13076"/>
+                <a:gd name="connsiteY2" fmla="*/ 0 h 14803"/>
+                <a:gd name="connsiteX3" fmla="*/ 8053 w 13076"/>
+                <a:gd name="connsiteY3" fmla="*/ 5210 h 14803"/>
+                <a:gd name="connsiteX4" fmla="*/ 6243 w 13076"/>
+                <a:gd name="connsiteY4" fmla="*/ 6080 h 14803"/>
+                <a:gd name="connsiteX5" fmla="*/ 13076 w 13076"/>
+                <a:gd name="connsiteY5" fmla="*/ 14803 h 14803"/>
+                <a:gd name="connsiteX6" fmla="*/ 1488 w 13076"/>
+                <a:gd name="connsiteY6" fmla="*/ 8118 h 14803"/>
+                <a:gd name="connsiteX7" fmla="*/ 3698 w 13076"/>
+                <a:gd name="connsiteY7" fmla="*/ 7190 h 14803"/>
+                <a:gd name="connsiteX0" fmla="*/ 3738 w 13116"/>
+                <a:gd name="connsiteY0" fmla="*/ 7190 h 14803"/>
+                <a:gd name="connsiteX1" fmla="*/ 173 w 13116"/>
+                <a:gd name="connsiteY1" fmla="*/ 5316 h 14803"/>
+                <a:gd name="connsiteX2" fmla="*/ 2566 w 13116"/>
+                <a:gd name="connsiteY2" fmla="*/ 0 h 14803"/>
+                <a:gd name="connsiteX3" fmla="*/ 8093 w 13116"/>
+                <a:gd name="connsiteY3" fmla="*/ 5210 h 14803"/>
+                <a:gd name="connsiteX4" fmla="*/ 6283 w 13116"/>
+                <a:gd name="connsiteY4" fmla="*/ 6080 h 14803"/>
+                <a:gd name="connsiteX5" fmla="*/ 13116 w 13116"/>
+                <a:gd name="connsiteY5" fmla="*/ 14803 h 14803"/>
+                <a:gd name="connsiteX6" fmla="*/ 1528 w 13116"/>
+                <a:gd name="connsiteY6" fmla="*/ 8118 h 14803"/>
+                <a:gd name="connsiteX7" fmla="*/ 3738 w 13116"/>
+                <a:gd name="connsiteY7" fmla="*/ 7190 h 14803"/>
+                <a:gd name="connsiteX0" fmla="*/ 2210 w 11588"/>
+                <a:gd name="connsiteY0" fmla="*/ 7190 h 14803"/>
+                <a:gd name="connsiteX1" fmla="*/ 1038 w 11588"/>
+                <a:gd name="connsiteY1" fmla="*/ 0 h 14803"/>
+                <a:gd name="connsiteX2" fmla="*/ 6565 w 11588"/>
+                <a:gd name="connsiteY2" fmla="*/ 5210 h 14803"/>
+                <a:gd name="connsiteX3" fmla="*/ 4755 w 11588"/>
+                <a:gd name="connsiteY3" fmla="*/ 6080 h 14803"/>
+                <a:gd name="connsiteX4" fmla="*/ 11588 w 11588"/>
+                <a:gd name="connsiteY4" fmla="*/ 14803 h 14803"/>
+                <a:gd name="connsiteX5" fmla="*/ 0 w 11588"/>
+                <a:gd name="connsiteY5" fmla="*/ 8118 h 14803"/>
+                <a:gd name="connsiteX6" fmla="*/ 2210 w 11588"/>
+                <a:gd name="connsiteY6" fmla="*/ 7190 h 14803"/>
+                <a:gd name="connsiteX0" fmla="*/ 2210 w 11588"/>
+                <a:gd name="connsiteY0" fmla="*/ 4640 h 12253"/>
+                <a:gd name="connsiteX1" fmla="*/ 3626 w 11588"/>
+                <a:gd name="connsiteY1" fmla="*/ 0 h 12253"/>
+                <a:gd name="connsiteX2" fmla="*/ 6565 w 11588"/>
+                <a:gd name="connsiteY2" fmla="*/ 2660 h 12253"/>
+                <a:gd name="connsiteX3" fmla="*/ 4755 w 11588"/>
+                <a:gd name="connsiteY3" fmla="*/ 3530 h 12253"/>
+                <a:gd name="connsiteX4" fmla="*/ 11588 w 11588"/>
+                <a:gd name="connsiteY4" fmla="*/ 12253 h 12253"/>
+                <a:gd name="connsiteX5" fmla="*/ 0 w 11588"/>
+                <a:gd name="connsiteY5" fmla="*/ 5568 h 12253"/>
+                <a:gd name="connsiteX6" fmla="*/ 2210 w 11588"/>
+                <a:gd name="connsiteY6" fmla="*/ 4640 h 12253"/>
+                <a:gd name="connsiteX0" fmla="*/ 2210 w 11588"/>
+                <a:gd name="connsiteY0" fmla="*/ 4827 h 12440"/>
+                <a:gd name="connsiteX1" fmla="*/ 3513 w 11588"/>
+                <a:gd name="connsiteY1" fmla="*/ 0 h 12440"/>
+                <a:gd name="connsiteX2" fmla="*/ 6565 w 11588"/>
+                <a:gd name="connsiteY2" fmla="*/ 2847 h 12440"/>
+                <a:gd name="connsiteX3" fmla="*/ 4755 w 11588"/>
+                <a:gd name="connsiteY3" fmla="*/ 3717 h 12440"/>
+                <a:gd name="connsiteX4" fmla="*/ 11588 w 11588"/>
+                <a:gd name="connsiteY4" fmla="*/ 12440 h 12440"/>
+                <a:gd name="connsiteX5" fmla="*/ 0 w 11588"/>
+                <a:gd name="connsiteY5" fmla="*/ 5755 h 12440"/>
+                <a:gd name="connsiteX6" fmla="*/ 2210 w 11588"/>
+                <a:gd name="connsiteY6" fmla="*/ 4827 h 12440"/>
+                <a:gd name="connsiteX0" fmla="*/ 2210 w 11588"/>
+                <a:gd name="connsiteY0" fmla="*/ 4827 h 12440"/>
+                <a:gd name="connsiteX1" fmla="*/ 3513 w 11588"/>
+                <a:gd name="connsiteY1" fmla="*/ 0 h 12440"/>
+                <a:gd name="connsiteX2" fmla="*/ 6565 w 11588"/>
+                <a:gd name="connsiteY2" fmla="*/ 2847 h 12440"/>
+                <a:gd name="connsiteX3" fmla="*/ 4755 w 11588"/>
+                <a:gd name="connsiteY3" fmla="*/ 3717 h 12440"/>
+                <a:gd name="connsiteX4" fmla="*/ 11588 w 11588"/>
+                <a:gd name="connsiteY4" fmla="*/ 12440 h 12440"/>
+                <a:gd name="connsiteX5" fmla="*/ 0 w 11588"/>
+                <a:gd name="connsiteY5" fmla="*/ 5755 h 12440"/>
+                <a:gd name="connsiteX6" fmla="*/ 2210 w 11588"/>
+                <a:gd name="connsiteY6" fmla="*/ 4827 h 12440"/>
+                <a:gd name="connsiteX0" fmla="*/ 2210 w 11588"/>
+                <a:gd name="connsiteY0" fmla="*/ 4827 h 12440"/>
+                <a:gd name="connsiteX1" fmla="*/ 3932 w 11588"/>
+                <a:gd name="connsiteY1" fmla="*/ 5953 h 12440"/>
+                <a:gd name="connsiteX2" fmla="*/ 3513 w 11588"/>
+                <a:gd name="connsiteY2" fmla="*/ 0 h 12440"/>
+                <a:gd name="connsiteX3" fmla="*/ 6565 w 11588"/>
+                <a:gd name="connsiteY3" fmla="*/ 2847 h 12440"/>
+                <a:gd name="connsiteX4" fmla="*/ 4755 w 11588"/>
+                <a:gd name="connsiteY4" fmla="*/ 3717 h 12440"/>
+                <a:gd name="connsiteX5" fmla="*/ 11588 w 11588"/>
+                <a:gd name="connsiteY5" fmla="*/ 12440 h 12440"/>
+                <a:gd name="connsiteX6" fmla="*/ 0 w 11588"/>
+                <a:gd name="connsiteY6" fmla="*/ 5755 h 12440"/>
+                <a:gd name="connsiteX7" fmla="*/ 2210 w 11588"/>
+                <a:gd name="connsiteY7" fmla="*/ 4827 h 12440"/>
+                <a:gd name="connsiteX0" fmla="*/ 2210 w 11588"/>
+                <a:gd name="connsiteY0" fmla="*/ 4827 h 12440"/>
+                <a:gd name="connsiteX1" fmla="*/ 3932 w 11588"/>
+                <a:gd name="connsiteY1" fmla="*/ 5953 h 12440"/>
+                <a:gd name="connsiteX2" fmla="*/ 3513 w 11588"/>
+                <a:gd name="connsiteY2" fmla="*/ 0 h 12440"/>
+                <a:gd name="connsiteX3" fmla="*/ 6565 w 11588"/>
+                <a:gd name="connsiteY3" fmla="*/ 2847 h 12440"/>
+                <a:gd name="connsiteX4" fmla="*/ 4755 w 11588"/>
+                <a:gd name="connsiteY4" fmla="*/ 3717 h 12440"/>
+                <a:gd name="connsiteX5" fmla="*/ 11588 w 11588"/>
+                <a:gd name="connsiteY5" fmla="*/ 12440 h 12440"/>
+                <a:gd name="connsiteX6" fmla="*/ 0 w 11588"/>
+                <a:gd name="connsiteY6" fmla="*/ 5755 h 12440"/>
+                <a:gd name="connsiteX7" fmla="*/ 2210 w 11588"/>
+                <a:gd name="connsiteY7" fmla="*/ 4827 h 12440"/>
+                <a:gd name="connsiteX0" fmla="*/ 2210 w 11588"/>
+                <a:gd name="connsiteY0" fmla="*/ 4926 h 12539"/>
+                <a:gd name="connsiteX1" fmla="*/ 3932 w 11588"/>
+                <a:gd name="connsiteY1" fmla="*/ 6052 h 12539"/>
+                <a:gd name="connsiteX2" fmla="*/ 3513 w 11588"/>
+                <a:gd name="connsiteY2" fmla="*/ 99 h 12539"/>
+                <a:gd name="connsiteX3" fmla="*/ 6565 w 11588"/>
+                <a:gd name="connsiteY3" fmla="*/ 2946 h 12539"/>
+                <a:gd name="connsiteX4" fmla="*/ 4755 w 11588"/>
+                <a:gd name="connsiteY4" fmla="*/ 3816 h 12539"/>
+                <a:gd name="connsiteX5" fmla="*/ 11588 w 11588"/>
+                <a:gd name="connsiteY5" fmla="*/ 12539 h 12539"/>
+                <a:gd name="connsiteX6" fmla="*/ 0 w 11588"/>
+                <a:gd name="connsiteY6" fmla="*/ 5854 h 12539"/>
+                <a:gd name="connsiteX7" fmla="*/ 2210 w 11588"/>
+                <a:gd name="connsiteY7" fmla="*/ 4926 h 12539"/>
+                <a:gd name="connsiteX0" fmla="*/ 3574 w 12952"/>
+                <a:gd name="connsiteY0" fmla="*/ 4828 h 12441"/>
+                <a:gd name="connsiteX1" fmla="*/ 8 w 12952"/>
+                <a:gd name="connsiteY1" fmla="*/ 2916 h 12441"/>
+                <a:gd name="connsiteX2" fmla="*/ 4877 w 12952"/>
+                <a:gd name="connsiteY2" fmla="*/ 1 h 12441"/>
+                <a:gd name="connsiteX3" fmla="*/ 7929 w 12952"/>
+                <a:gd name="connsiteY3" fmla="*/ 2848 h 12441"/>
+                <a:gd name="connsiteX4" fmla="*/ 6119 w 12952"/>
+                <a:gd name="connsiteY4" fmla="*/ 3718 h 12441"/>
+                <a:gd name="connsiteX5" fmla="*/ 12952 w 12952"/>
+                <a:gd name="connsiteY5" fmla="*/ 12441 h 12441"/>
+                <a:gd name="connsiteX6" fmla="*/ 1364 w 12952"/>
+                <a:gd name="connsiteY6" fmla="*/ 5756 h 12441"/>
+                <a:gd name="connsiteX7" fmla="*/ 3574 w 12952"/>
+                <a:gd name="connsiteY7" fmla="*/ 4828 h 12441"/>
+                <a:gd name="connsiteX0" fmla="*/ 3566 w 12944"/>
+                <a:gd name="connsiteY0" fmla="*/ 4828 h 12441"/>
+                <a:gd name="connsiteX1" fmla="*/ 0 w 12944"/>
+                <a:gd name="connsiteY1" fmla="*/ 2916 h 12441"/>
+                <a:gd name="connsiteX2" fmla="*/ 4869 w 12944"/>
+                <a:gd name="connsiteY2" fmla="*/ 1 h 12441"/>
+                <a:gd name="connsiteX3" fmla="*/ 7921 w 12944"/>
+                <a:gd name="connsiteY3" fmla="*/ 2848 h 12441"/>
+                <a:gd name="connsiteX4" fmla="*/ 6111 w 12944"/>
+                <a:gd name="connsiteY4" fmla="*/ 3718 h 12441"/>
+                <a:gd name="connsiteX5" fmla="*/ 12944 w 12944"/>
+                <a:gd name="connsiteY5" fmla="*/ 12441 h 12441"/>
+                <a:gd name="connsiteX6" fmla="*/ 1356 w 12944"/>
+                <a:gd name="connsiteY6" fmla="*/ 5756 h 12441"/>
+                <a:gd name="connsiteX7" fmla="*/ 3566 w 12944"/>
+                <a:gd name="connsiteY7" fmla="*/ 4828 h 12441"/>
+                <a:gd name="connsiteX0" fmla="*/ 3566 w 12944"/>
+                <a:gd name="connsiteY0" fmla="*/ 4828 h 12441"/>
+                <a:gd name="connsiteX1" fmla="*/ 0 w 12944"/>
+                <a:gd name="connsiteY1" fmla="*/ 2916 h 12441"/>
+                <a:gd name="connsiteX2" fmla="*/ 4869 w 12944"/>
+                <a:gd name="connsiteY2" fmla="*/ 1 h 12441"/>
+                <a:gd name="connsiteX3" fmla="*/ 7921 w 12944"/>
+                <a:gd name="connsiteY3" fmla="*/ 2848 h 12441"/>
+                <a:gd name="connsiteX4" fmla="*/ 6111 w 12944"/>
+                <a:gd name="connsiteY4" fmla="*/ 3718 h 12441"/>
+                <a:gd name="connsiteX5" fmla="*/ 12944 w 12944"/>
+                <a:gd name="connsiteY5" fmla="*/ 12441 h 12441"/>
+                <a:gd name="connsiteX6" fmla="*/ 1356 w 12944"/>
+                <a:gd name="connsiteY6" fmla="*/ 5756 h 12441"/>
+                <a:gd name="connsiteX7" fmla="*/ 3566 w 12944"/>
+                <a:gd name="connsiteY7" fmla="*/ 4828 h 12441"/>
+                <a:gd name="connsiteX0" fmla="*/ 3566 w 12944"/>
+                <a:gd name="connsiteY0" fmla="*/ 5776 h 13389"/>
+                <a:gd name="connsiteX1" fmla="*/ 0 w 12944"/>
+                <a:gd name="connsiteY1" fmla="*/ 3864 h 13389"/>
+                <a:gd name="connsiteX2" fmla="*/ 4869 w 12944"/>
+                <a:gd name="connsiteY2" fmla="*/ 949 h 13389"/>
+                <a:gd name="connsiteX3" fmla="*/ 7921 w 12944"/>
+                <a:gd name="connsiteY3" fmla="*/ 3796 h 13389"/>
+                <a:gd name="connsiteX4" fmla="*/ 6111 w 12944"/>
+                <a:gd name="connsiteY4" fmla="*/ 4666 h 13389"/>
+                <a:gd name="connsiteX5" fmla="*/ 12944 w 12944"/>
+                <a:gd name="connsiteY5" fmla="*/ 13389 h 13389"/>
+                <a:gd name="connsiteX6" fmla="*/ 1356 w 12944"/>
+                <a:gd name="connsiteY6" fmla="*/ 6704 h 13389"/>
+                <a:gd name="connsiteX7" fmla="*/ 3566 w 12944"/>
+                <a:gd name="connsiteY7" fmla="*/ 5776 h 13389"/>
+                <a:gd name="connsiteX0" fmla="*/ 3566 w 12944"/>
+                <a:gd name="connsiteY0" fmla="*/ 5776 h 13389"/>
+                <a:gd name="connsiteX1" fmla="*/ 0 w 12944"/>
+                <a:gd name="connsiteY1" fmla="*/ 3864 h 13389"/>
+                <a:gd name="connsiteX2" fmla="*/ 4869 w 12944"/>
+                <a:gd name="connsiteY2" fmla="*/ 949 h 13389"/>
+                <a:gd name="connsiteX3" fmla="*/ 7921 w 12944"/>
+                <a:gd name="connsiteY3" fmla="*/ 3796 h 13389"/>
+                <a:gd name="connsiteX4" fmla="*/ 6111 w 12944"/>
+                <a:gd name="connsiteY4" fmla="*/ 4666 h 13389"/>
+                <a:gd name="connsiteX5" fmla="*/ 12944 w 12944"/>
+                <a:gd name="connsiteY5" fmla="*/ 13389 h 13389"/>
+                <a:gd name="connsiteX6" fmla="*/ 1356 w 12944"/>
+                <a:gd name="connsiteY6" fmla="*/ 6704 h 13389"/>
+                <a:gd name="connsiteX7" fmla="*/ 3566 w 12944"/>
+                <a:gd name="connsiteY7" fmla="*/ 5776 h 13389"/>
+                <a:gd name="connsiteX0" fmla="*/ 3566 w 12944"/>
+                <a:gd name="connsiteY0" fmla="*/ 4827 h 12440"/>
+                <a:gd name="connsiteX1" fmla="*/ 0 w 12944"/>
+                <a:gd name="connsiteY1" fmla="*/ 2915 h 12440"/>
+                <a:gd name="connsiteX2" fmla="*/ 4869 w 12944"/>
+                <a:gd name="connsiteY2" fmla="*/ 0 h 12440"/>
+                <a:gd name="connsiteX3" fmla="*/ 7921 w 12944"/>
+                <a:gd name="connsiteY3" fmla="*/ 2847 h 12440"/>
+                <a:gd name="connsiteX4" fmla="*/ 6111 w 12944"/>
+                <a:gd name="connsiteY4" fmla="*/ 3717 h 12440"/>
+                <a:gd name="connsiteX5" fmla="*/ 12944 w 12944"/>
+                <a:gd name="connsiteY5" fmla="*/ 12440 h 12440"/>
+                <a:gd name="connsiteX6" fmla="*/ 1356 w 12944"/>
+                <a:gd name="connsiteY6" fmla="*/ 5755 h 12440"/>
+                <a:gd name="connsiteX7" fmla="*/ 3566 w 12944"/>
+                <a:gd name="connsiteY7" fmla="*/ 4827 h 12440"/>
+                <a:gd name="connsiteX0" fmla="*/ 3566 w 12944"/>
+                <a:gd name="connsiteY0" fmla="*/ 4827 h 12440"/>
+                <a:gd name="connsiteX1" fmla="*/ 0 w 12944"/>
+                <a:gd name="connsiteY1" fmla="*/ 2915 h 12440"/>
+                <a:gd name="connsiteX2" fmla="*/ 4869 w 12944"/>
+                <a:gd name="connsiteY2" fmla="*/ 0 h 12440"/>
+                <a:gd name="connsiteX3" fmla="*/ 7921 w 12944"/>
+                <a:gd name="connsiteY3" fmla="*/ 2847 h 12440"/>
+                <a:gd name="connsiteX4" fmla="*/ 6111 w 12944"/>
+                <a:gd name="connsiteY4" fmla="*/ 3717 h 12440"/>
+                <a:gd name="connsiteX5" fmla="*/ 12944 w 12944"/>
+                <a:gd name="connsiteY5" fmla="*/ 12440 h 12440"/>
+                <a:gd name="connsiteX6" fmla="*/ 1356 w 12944"/>
+                <a:gd name="connsiteY6" fmla="*/ 5755 h 12440"/>
+                <a:gd name="connsiteX7" fmla="*/ 3566 w 12944"/>
+                <a:gd name="connsiteY7" fmla="*/ 4827 h 12440"/>
+                <a:gd name="connsiteX0" fmla="*/ 3566 w 12944"/>
+                <a:gd name="connsiteY0" fmla="*/ 4827 h 12440"/>
+                <a:gd name="connsiteX1" fmla="*/ 0 w 12944"/>
+                <a:gd name="connsiteY1" fmla="*/ 2915 h 12440"/>
+                <a:gd name="connsiteX2" fmla="*/ 4869 w 12944"/>
+                <a:gd name="connsiteY2" fmla="*/ 0 h 12440"/>
+                <a:gd name="connsiteX3" fmla="*/ 7921 w 12944"/>
+                <a:gd name="connsiteY3" fmla="*/ 2847 h 12440"/>
+                <a:gd name="connsiteX4" fmla="*/ 6111 w 12944"/>
+                <a:gd name="connsiteY4" fmla="*/ 3717 h 12440"/>
+                <a:gd name="connsiteX5" fmla="*/ 12944 w 12944"/>
+                <a:gd name="connsiteY5" fmla="*/ 12440 h 12440"/>
+                <a:gd name="connsiteX6" fmla="*/ 1356 w 12944"/>
+                <a:gd name="connsiteY6" fmla="*/ 5755 h 12440"/>
+                <a:gd name="connsiteX7" fmla="*/ 3566 w 12944"/>
+                <a:gd name="connsiteY7" fmla="*/ 4827 h 12440"/>
+                <a:gd name="connsiteX0" fmla="*/ 3566 w 12944"/>
+                <a:gd name="connsiteY0" fmla="*/ 4827 h 12440"/>
+                <a:gd name="connsiteX1" fmla="*/ 0 w 12944"/>
+                <a:gd name="connsiteY1" fmla="*/ 2915 h 12440"/>
+                <a:gd name="connsiteX2" fmla="*/ 4869 w 12944"/>
+                <a:gd name="connsiteY2" fmla="*/ 0 h 12440"/>
+                <a:gd name="connsiteX3" fmla="*/ 7921 w 12944"/>
+                <a:gd name="connsiteY3" fmla="*/ 2847 h 12440"/>
+                <a:gd name="connsiteX4" fmla="*/ 6111 w 12944"/>
+                <a:gd name="connsiteY4" fmla="*/ 3717 h 12440"/>
+                <a:gd name="connsiteX5" fmla="*/ 12944 w 12944"/>
+                <a:gd name="connsiteY5" fmla="*/ 12440 h 12440"/>
+                <a:gd name="connsiteX6" fmla="*/ 1356 w 12944"/>
+                <a:gd name="connsiteY6" fmla="*/ 5755 h 12440"/>
+                <a:gd name="connsiteX7" fmla="*/ 3566 w 12944"/>
+                <a:gd name="connsiteY7" fmla="*/ 4827 h 12440"/>
+                <a:gd name="connsiteX0" fmla="*/ 3566 w 12944"/>
+                <a:gd name="connsiteY0" fmla="*/ 4752 h 12365"/>
+                <a:gd name="connsiteX1" fmla="*/ 0 w 12944"/>
+                <a:gd name="connsiteY1" fmla="*/ 2840 h 12365"/>
+                <a:gd name="connsiteX2" fmla="*/ 5094 w 12944"/>
+                <a:gd name="connsiteY2" fmla="*/ 0 h 12365"/>
+                <a:gd name="connsiteX3" fmla="*/ 7921 w 12944"/>
+                <a:gd name="connsiteY3" fmla="*/ 2772 h 12365"/>
+                <a:gd name="connsiteX4" fmla="*/ 6111 w 12944"/>
+                <a:gd name="connsiteY4" fmla="*/ 3642 h 12365"/>
+                <a:gd name="connsiteX5" fmla="*/ 12944 w 12944"/>
+                <a:gd name="connsiteY5" fmla="*/ 12365 h 12365"/>
+                <a:gd name="connsiteX6" fmla="*/ 1356 w 12944"/>
+                <a:gd name="connsiteY6" fmla="*/ 5680 h 12365"/>
+                <a:gd name="connsiteX7" fmla="*/ 3566 w 12944"/>
+                <a:gd name="connsiteY7" fmla="*/ 4752 h 12365"/>
+                <a:gd name="connsiteX0" fmla="*/ 3566 w 12944"/>
+                <a:gd name="connsiteY0" fmla="*/ 4565 h 12178"/>
+                <a:gd name="connsiteX1" fmla="*/ 0 w 12944"/>
+                <a:gd name="connsiteY1" fmla="*/ 2653 h 12178"/>
+                <a:gd name="connsiteX2" fmla="*/ 5094 w 12944"/>
+                <a:gd name="connsiteY2" fmla="*/ 0 h 12178"/>
+                <a:gd name="connsiteX3" fmla="*/ 7921 w 12944"/>
+                <a:gd name="connsiteY3" fmla="*/ 2585 h 12178"/>
+                <a:gd name="connsiteX4" fmla="*/ 6111 w 12944"/>
+                <a:gd name="connsiteY4" fmla="*/ 3455 h 12178"/>
+                <a:gd name="connsiteX5" fmla="*/ 12944 w 12944"/>
+                <a:gd name="connsiteY5" fmla="*/ 12178 h 12178"/>
+                <a:gd name="connsiteX6" fmla="*/ 1356 w 12944"/>
+                <a:gd name="connsiteY6" fmla="*/ 5493 h 12178"/>
+                <a:gd name="connsiteX7" fmla="*/ 3566 w 12944"/>
+                <a:gd name="connsiteY7" fmla="*/ 4565 h 12178"/>
+                <a:gd name="connsiteX0" fmla="*/ 3566 w 12944"/>
+                <a:gd name="connsiteY0" fmla="*/ 4565 h 12178"/>
+                <a:gd name="connsiteX1" fmla="*/ 0 w 12944"/>
+                <a:gd name="connsiteY1" fmla="*/ 2653 h 12178"/>
+                <a:gd name="connsiteX2" fmla="*/ 5094 w 12944"/>
+                <a:gd name="connsiteY2" fmla="*/ 0 h 12178"/>
+                <a:gd name="connsiteX3" fmla="*/ 7921 w 12944"/>
+                <a:gd name="connsiteY3" fmla="*/ 2585 h 12178"/>
+                <a:gd name="connsiteX4" fmla="*/ 6111 w 12944"/>
+                <a:gd name="connsiteY4" fmla="*/ 3455 h 12178"/>
+                <a:gd name="connsiteX5" fmla="*/ 12944 w 12944"/>
+                <a:gd name="connsiteY5" fmla="*/ 12178 h 12178"/>
+                <a:gd name="connsiteX6" fmla="*/ 1356 w 12944"/>
+                <a:gd name="connsiteY6" fmla="*/ 5493 h 12178"/>
+                <a:gd name="connsiteX7" fmla="*/ 3566 w 12944"/>
+                <a:gd name="connsiteY7" fmla="*/ 4565 h 12178"/>
+                <a:gd name="connsiteX0" fmla="*/ 3566 w 12944"/>
+                <a:gd name="connsiteY0" fmla="*/ 4565 h 12178"/>
+                <a:gd name="connsiteX1" fmla="*/ 0 w 12944"/>
+                <a:gd name="connsiteY1" fmla="*/ 2653 h 12178"/>
+                <a:gd name="connsiteX2" fmla="*/ 5094 w 12944"/>
+                <a:gd name="connsiteY2" fmla="*/ 0 h 12178"/>
+                <a:gd name="connsiteX3" fmla="*/ 7921 w 12944"/>
+                <a:gd name="connsiteY3" fmla="*/ 2585 h 12178"/>
+                <a:gd name="connsiteX4" fmla="*/ 6111 w 12944"/>
+                <a:gd name="connsiteY4" fmla="*/ 3455 h 12178"/>
+                <a:gd name="connsiteX5" fmla="*/ 12944 w 12944"/>
+                <a:gd name="connsiteY5" fmla="*/ 12178 h 12178"/>
+                <a:gd name="connsiteX6" fmla="*/ 1356 w 12944"/>
+                <a:gd name="connsiteY6" fmla="*/ 5493 h 12178"/>
+                <a:gd name="connsiteX7" fmla="*/ 3566 w 12944"/>
+                <a:gd name="connsiteY7" fmla="*/ 4565 h 12178"/>
+                <a:gd name="connsiteX0" fmla="*/ 3566 w 12944"/>
+                <a:gd name="connsiteY0" fmla="*/ 4565 h 12178"/>
+                <a:gd name="connsiteX1" fmla="*/ 0 w 12944"/>
+                <a:gd name="connsiteY1" fmla="*/ 2653 h 12178"/>
+                <a:gd name="connsiteX2" fmla="*/ 5094 w 12944"/>
+                <a:gd name="connsiteY2" fmla="*/ 0 h 12178"/>
+                <a:gd name="connsiteX3" fmla="*/ 7921 w 12944"/>
+                <a:gd name="connsiteY3" fmla="*/ 2585 h 12178"/>
+                <a:gd name="connsiteX4" fmla="*/ 6111 w 12944"/>
+                <a:gd name="connsiteY4" fmla="*/ 3455 h 12178"/>
+                <a:gd name="connsiteX5" fmla="*/ 12944 w 12944"/>
+                <a:gd name="connsiteY5" fmla="*/ 12178 h 12178"/>
+                <a:gd name="connsiteX6" fmla="*/ 1356 w 12944"/>
+                <a:gd name="connsiteY6" fmla="*/ 5493 h 12178"/>
+                <a:gd name="connsiteX7" fmla="*/ 3566 w 12944"/>
+                <a:gd name="connsiteY7" fmla="*/ 4565 h 12178"/>
+                <a:gd name="connsiteX0" fmla="*/ 5094 w 12944"/>
+                <a:gd name="connsiteY0" fmla="*/ 0 h 12178"/>
+                <a:gd name="connsiteX1" fmla="*/ 7921 w 12944"/>
+                <a:gd name="connsiteY1" fmla="*/ 2585 h 12178"/>
+                <a:gd name="connsiteX2" fmla="*/ 6111 w 12944"/>
+                <a:gd name="connsiteY2" fmla="*/ 3455 h 12178"/>
+                <a:gd name="connsiteX3" fmla="*/ 12944 w 12944"/>
+                <a:gd name="connsiteY3" fmla="*/ 12178 h 12178"/>
+                <a:gd name="connsiteX4" fmla="*/ 1356 w 12944"/>
+                <a:gd name="connsiteY4" fmla="*/ 5493 h 12178"/>
+                <a:gd name="connsiteX5" fmla="*/ 3566 w 12944"/>
+                <a:gd name="connsiteY5" fmla="*/ 4565 h 12178"/>
+                <a:gd name="connsiteX6" fmla="*/ 0 w 12944"/>
+                <a:gd name="connsiteY6" fmla="*/ 2653 h 12178"/>
+                <a:gd name="connsiteX7" fmla="*/ 7254 w 12944"/>
+                <a:gd name="connsiteY7" fmla="*/ 2160 h 12178"/>
+                <a:gd name="connsiteX0" fmla="*/ 5094 w 12944"/>
+                <a:gd name="connsiteY0" fmla="*/ 0 h 12178"/>
+                <a:gd name="connsiteX1" fmla="*/ 7921 w 12944"/>
+                <a:gd name="connsiteY1" fmla="*/ 2585 h 12178"/>
+                <a:gd name="connsiteX2" fmla="*/ 6111 w 12944"/>
+                <a:gd name="connsiteY2" fmla="*/ 3455 h 12178"/>
+                <a:gd name="connsiteX3" fmla="*/ 12944 w 12944"/>
+                <a:gd name="connsiteY3" fmla="*/ 12178 h 12178"/>
+                <a:gd name="connsiteX4" fmla="*/ 1356 w 12944"/>
+                <a:gd name="connsiteY4" fmla="*/ 5493 h 12178"/>
+                <a:gd name="connsiteX5" fmla="*/ 3566 w 12944"/>
+                <a:gd name="connsiteY5" fmla="*/ 4565 h 12178"/>
+                <a:gd name="connsiteX6" fmla="*/ 0 w 12944"/>
+                <a:gd name="connsiteY6" fmla="*/ 2653 h 12178"/>
+              </a:gdLst>
+              <a:ahLst/>
+              <a:cxnLst>
+                <a:cxn ang="0">
+                  <a:pos x="connsiteX0" y="connsiteY0"/>
+                </a:cxn>
+                <a:cxn ang="0">
+                  <a:pos x="connsiteX1" y="connsiteY1"/>
+                </a:cxn>
+                <a:cxn ang="0">
+                  <a:pos x="connsiteX2" y="connsiteY2"/>
+                </a:cxn>
+                <a:cxn ang="0">
+                  <a:pos x="connsiteX3" y="connsiteY3"/>
+                </a:cxn>
+                <a:cxn ang="0">
+                  <a:pos x="connsiteX4" y="connsiteY4"/>
+                </a:cxn>
+                <a:cxn ang="0">
+                  <a:pos x="connsiteX5" y="connsiteY5"/>
+                </a:cxn>
+                <a:cxn ang="0">
+                  <a:pos x="connsiteX6" y="connsiteY6"/>
+                </a:cxn>
+              </a:cxnLst>
+              <a:rect l="l" t="t" r="r" b="b"/>
+              <a:pathLst>
+                <a:path w="12944" h="12178">
+                  <a:moveTo>
+                    <a:pt x="5094" y="0"/>
+                  </a:moveTo>
+                  <a:cubicBezTo>
+                    <a:pt x="8064" y="2839"/>
+                    <a:pt x="6507" y="1292"/>
+                    <a:pt x="7921" y="2585"/>
+                  </a:cubicBezTo>
+                  <a:lnTo>
+                    <a:pt x="6111" y="3455"/>
+                  </a:lnTo>
+                  <a:lnTo>
+                    <a:pt x="12944" y="12178"/>
+                  </a:lnTo>
+                  <a:lnTo>
+                    <a:pt x="1356" y="5493"/>
+                  </a:lnTo>
+                  <a:lnTo>
+                    <a:pt x="3566" y="4565"/>
+                  </a:lnTo>
+                  <a:lnTo>
+                    <a:pt x="0" y="2653"/>
+                  </a:lnTo>
+                </a:path>
+              </a:pathLst>
+            </a:custGeom>
+          </p:spPr>
+          <p:style>
+            <a:lnRef idx="2">
+              <a:schemeClr val="accent2">
+                <a:shade val="50000"/>
+              </a:schemeClr>
+            </a:lnRef>
+            <a:fillRef idx="1">
+              <a:schemeClr val="accent2"/>
+            </a:fillRef>
+            <a:effectRef idx="0">
+              <a:schemeClr val="accent2"/>
+            </a:effectRef>
+            <a:fontRef idx="minor">
+              <a:schemeClr val="lt1"/>
+            </a:fontRef>
+          </p:style>
+          <p:txBody>
+            <a:bodyPr rtlCol="0" anchor="ctr"/>
+            <a:lstStyle/>
+            <a:p>
+              <a:pPr algn="ctr"/>
+              <a:endParaRPr lang="ru-RU"/>
+            </a:p>
+          </p:txBody>
+        </p:sp>
+      </p:grpSp>
+      <p:grpSp>
+        <p:nvGrpSpPr>
+          <p:cNvPr id="18" name="Группа 17"/>
+          <p:cNvGrpSpPr/>
+          <p:nvPr/>
+        </p:nvGrpSpPr>
+        <p:grpSpPr>
+          <a:xfrm rot="4551100" flipH="1">
+            <a:off x="7179109" y="4647831"/>
+            <a:ext cx="921332" cy="914400"/>
+            <a:chOff x="4379566" y="5089525"/>
+            <a:chExt cx="921332" cy="914400"/>
+          </a:xfrm>
+        </p:grpSpPr>
+        <p:sp>
+          <p:nvSpPr>
+            <p:cNvPr id="19" name="Молния 14"/>
+            <p:cNvSpPr/>
+            <p:nvPr/>
+          </p:nvSpPr>
+          <p:spPr>
+            <a:xfrm>
+              <a:off x="4379566" y="5089525"/>
+              <a:ext cx="594741" cy="511133"/>
+            </a:xfrm>
+            <a:custGeom>
+              <a:avLst/>
+              <a:gdLst>
+                <a:gd name="connsiteX0" fmla="*/ 8472 w 21600"/>
+                <a:gd name="connsiteY0" fmla="*/ 0 h 21600"/>
+                <a:gd name="connsiteX1" fmla="*/ 12860 w 21600"/>
+                <a:gd name="connsiteY1" fmla="*/ 6080 h 21600"/>
+                <a:gd name="connsiteX2" fmla="*/ 11050 w 21600"/>
+                <a:gd name="connsiteY2" fmla="*/ 6797 h 21600"/>
+                <a:gd name="connsiteX3" fmla="*/ 16577 w 21600"/>
+                <a:gd name="connsiteY3" fmla="*/ 12007 h 21600"/>
+                <a:gd name="connsiteX4" fmla="*/ 14767 w 21600"/>
+                <a:gd name="connsiteY4" fmla="*/ 12877 h 21600"/>
+                <a:gd name="connsiteX5" fmla="*/ 21600 w 21600"/>
+                <a:gd name="connsiteY5" fmla="*/ 21600 h 21600"/>
+                <a:gd name="connsiteX6" fmla="*/ 10012 w 21600"/>
+                <a:gd name="connsiteY6" fmla="*/ 14915 h 21600"/>
+                <a:gd name="connsiteX7" fmla="*/ 12222 w 21600"/>
+                <a:gd name="connsiteY7" fmla="*/ 13987 h 21600"/>
+                <a:gd name="connsiteX8" fmla="*/ 5022 w 21600"/>
+                <a:gd name="connsiteY8" fmla="*/ 9705 h 21600"/>
+                <a:gd name="connsiteX9" fmla="*/ 7602 w 21600"/>
+                <a:gd name="connsiteY9" fmla="*/ 8382 h 21600"/>
+                <a:gd name="connsiteX10" fmla="*/ 0 w 21600"/>
+                <a:gd name="connsiteY10" fmla="*/ 3890 h 21600"/>
+                <a:gd name="connsiteX11" fmla="*/ 8472 w 21600"/>
+                <a:gd name="connsiteY11" fmla="*/ 0 h 21600"/>
+                <a:gd name="connsiteX0" fmla="*/ 8472 w 16577"/>
+                <a:gd name="connsiteY0" fmla="*/ 0 h 14915"/>
+                <a:gd name="connsiteX1" fmla="*/ 12860 w 16577"/>
+                <a:gd name="connsiteY1" fmla="*/ 6080 h 14915"/>
+                <a:gd name="connsiteX2" fmla="*/ 11050 w 16577"/>
+                <a:gd name="connsiteY2" fmla="*/ 6797 h 14915"/>
+                <a:gd name="connsiteX3" fmla="*/ 16577 w 16577"/>
+                <a:gd name="connsiteY3" fmla="*/ 12007 h 14915"/>
+                <a:gd name="connsiteX4" fmla="*/ 14767 w 16577"/>
+                <a:gd name="connsiteY4" fmla="*/ 12877 h 14915"/>
+                <a:gd name="connsiteX5" fmla="*/ 10012 w 16577"/>
+                <a:gd name="connsiteY5" fmla="*/ 14915 h 14915"/>
+                <a:gd name="connsiteX6" fmla="*/ 12222 w 16577"/>
+                <a:gd name="connsiteY6" fmla="*/ 13987 h 14915"/>
+                <a:gd name="connsiteX7" fmla="*/ 5022 w 16577"/>
+                <a:gd name="connsiteY7" fmla="*/ 9705 h 14915"/>
+                <a:gd name="connsiteX8" fmla="*/ 7602 w 16577"/>
+                <a:gd name="connsiteY8" fmla="*/ 8382 h 14915"/>
+                <a:gd name="connsiteX9" fmla="*/ 0 w 16577"/>
+                <a:gd name="connsiteY9" fmla="*/ 3890 h 14915"/>
+                <a:gd name="connsiteX10" fmla="*/ 8472 w 16577"/>
+                <a:gd name="connsiteY10" fmla="*/ 0 h 14915"/>
+                <a:gd name="connsiteX0" fmla="*/ 8472 w 16577"/>
+                <a:gd name="connsiteY0" fmla="*/ 0 h 13987"/>
+                <a:gd name="connsiteX1" fmla="*/ 12860 w 16577"/>
+                <a:gd name="connsiteY1" fmla="*/ 6080 h 13987"/>
+                <a:gd name="connsiteX2" fmla="*/ 11050 w 16577"/>
+                <a:gd name="connsiteY2" fmla="*/ 6797 h 13987"/>
+                <a:gd name="connsiteX3" fmla="*/ 16577 w 16577"/>
+                <a:gd name="connsiteY3" fmla="*/ 12007 h 13987"/>
+                <a:gd name="connsiteX4" fmla="*/ 14767 w 16577"/>
+                <a:gd name="connsiteY4" fmla="*/ 12877 h 13987"/>
+                <a:gd name="connsiteX5" fmla="*/ 12222 w 16577"/>
+                <a:gd name="connsiteY5" fmla="*/ 13987 h 13987"/>
+                <a:gd name="connsiteX6" fmla="*/ 5022 w 16577"/>
+                <a:gd name="connsiteY6" fmla="*/ 9705 h 13987"/>
+                <a:gd name="connsiteX7" fmla="*/ 7602 w 16577"/>
+                <a:gd name="connsiteY7" fmla="*/ 8382 h 13987"/>
+                <a:gd name="connsiteX8" fmla="*/ 0 w 16577"/>
+                <a:gd name="connsiteY8" fmla="*/ 3890 h 13987"/>
+                <a:gd name="connsiteX9" fmla="*/ 8472 w 16577"/>
+                <a:gd name="connsiteY9" fmla="*/ 0 h 13987"/>
+                <a:gd name="connsiteX0" fmla="*/ 8472 w 16577"/>
+                <a:gd name="connsiteY0" fmla="*/ 0 h 13987"/>
+                <a:gd name="connsiteX1" fmla="*/ 12860 w 16577"/>
+                <a:gd name="connsiteY1" fmla="*/ 6080 h 13987"/>
+                <a:gd name="connsiteX2" fmla="*/ 11050 w 16577"/>
+                <a:gd name="connsiteY2" fmla="*/ 6797 h 13987"/>
+                <a:gd name="connsiteX3" fmla="*/ 16577 w 16577"/>
+                <a:gd name="connsiteY3" fmla="*/ 12007 h 13987"/>
+                <a:gd name="connsiteX4" fmla="*/ 12222 w 16577"/>
+                <a:gd name="connsiteY4" fmla="*/ 13987 h 13987"/>
+                <a:gd name="connsiteX5" fmla="*/ 5022 w 16577"/>
+                <a:gd name="connsiteY5" fmla="*/ 9705 h 13987"/>
+                <a:gd name="connsiteX6" fmla="*/ 7602 w 16577"/>
+                <a:gd name="connsiteY6" fmla="*/ 8382 h 13987"/>
+                <a:gd name="connsiteX7" fmla="*/ 0 w 16577"/>
+                <a:gd name="connsiteY7" fmla="*/ 3890 h 13987"/>
+                <a:gd name="connsiteX8" fmla="*/ 8472 w 16577"/>
+                <a:gd name="connsiteY8" fmla="*/ 0 h 13987"/>
+                <a:gd name="connsiteX0" fmla="*/ 8472 w 13352"/>
+                <a:gd name="connsiteY0" fmla="*/ 0 h 13987"/>
+                <a:gd name="connsiteX1" fmla="*/ 12860 w 13352"/>
+                <a:gd name="connsiteY1" fmla="*/ 6080 h 13987"/>
+                <a:gd name="connsiteX2" fmla="*/ 11050 w 13352"/>
+                <a:gd name="connsiteY2" fmla="*/ 6797 h 13987"/>
+                <a:gd name="connsiteX3" fmla="*/ 13352 w 13352"/>
+                <a:gd name="connsiteY3" fmla="*/ 9007 h 13987"/>
+                <a:gd name="connsiteX4" fmla="*/ 12222 w 13352"/>
+                <a:gd name="connsiteY4" fmla="*/ 13987 h 13987"/>
+                <a:gd name="connsiteX5" fmla="*/ 5022 w 13352"/>
+                <a:gd name="connsiteY5" fmla="*/ 9705 h 13987"/>
+                <a:gd name="connsiteX6" fmla="*/ 7602 w 13352"/>
+                <a:gd name="connsiteY6" fmla="*/ 8382 h 13987"/>
+                <a:gd name="connsiteX7" fmla="*/ 0 w 13352"/>
+                <a:gd name="connsiteY7" fmla="*/ 3890 h 13987"/>
+                <a:gd name="connsiteX8" fmla="*/ 8472 w 13352"/>
+                <a:gd name="connsiteY8" fmla="*/ 0 h 13987"/>
+                <a:gd name="connsiteX0" fmla="*/ 8472 w 13502"/>
+                <a:gd name="connsiteY0" fmla="*/ 0 h 13987"/>
+                <a:gd name="connsiteX1" fmla="*/ 12860 w 13502"/>
+                <a:gd name="connsiteY1" fmla="*/ 6080 h 13987"/>
+                <a:gd name="connsiteX2" fmla="*/ 11050 w 13502"/>
+                <a:gd name="connsiteY2" fmla="*/ 6797 h 13987"/>
+                <a:gd name="connsiteX3" fmla="*/ 13502 w 13502"/>
+                <a:gd name="connsiteY3" fmla="*/ 9007 h 13987"/>
+                <a:gd name="connsiteX4" fmla="*/ 12222 w 13502"/>
+                <a:gd name="connsiteY4" fmla="*/ 13987 h 13987"/>
+                <a:gd name="connsiteX5" fmla="*/ 5022 w 13502"/>
+                <a:gd name="connsiteY5" fmla="*/ 9705 h 13987"/>
+                <a:gd name="connsiteX6" fmla="*/ 7602 w 13502"/>
+                <a:gd name="connsiteY6" fmla="*/ 8382 h 13987"/>
+                <a:gd name="connsiteX7" fmla="*/ 0 w 13502"/>
+                <a:gd name="connsiteY7" fmla="*/ 3890 h 13987"/>
+                <a:gd name="connsiteX8" fmla="*/ 8472 w 13502"/>
+                <a:gd name="connsiteY8" fmla="*/ 0 h 13987"/>
+                <a:gd name="connsiteX0" fmla="*/ 8472 w 13502"/>
+                <a:gd name="connsiteY0" fmla="*/ 0 h 11962"/>
+                <a:gd name="connsiteX1" fmla="*/ 12860 w 13502"/>
+                <a:gd name="connsiteY1" fmla="*/ 6080 h 11962"/>
+                <a:gd name="connsiteX2" fmla="*/ 11050 w 13502"/>
+                <a:gd name="connsiteY2" fmla="*/ 6797 h 11962"/>
+                <a:gd name="connsiteX3" fmla="*/ 13502 w 13502"/>
+                <a:gd name="connsiteY3" fmla="*/ 9007 h 11962"/>
+                <a:gd name="connsiteX4" fmla="*/ 8659 w 13502"/>
+                <a:gd name="connsiteY4" fmla="*/ 11962 h 11962"/>
+                <a:gd name="connsiteX5" fmla="*/ 5022 w 13502"/>
+                <a:gd name="connsiteY5" fmla="*/ 9705 h 11962"/>
+                <a:gd name="connsiteX6" fmla="*/ 7602 w 13502"/>
+                <a:gd name="connsiteY6" fmla="*/ 8382 h 11962"/>
+                <a:gd name="connsiteX7" fmla="*/ 0 w 13502"/>
+                <a:gd name="connsiteY7" fmla="*/ 3890 h 11962"/>
+                <a:gd name="connsiteX8" fmla="*/ 8472 w 13502"/>
+                <a:gd name="connsiteY8" fmla="*/ 0 h 11962"/>
+                <a:gd name="connsiteX0" fmla="*/ 8472 w 13802"/>
+                <a:gd name="connsiteY0" fmla="*/ 0 h 11962"/>
+                <a:gd name="connsiteX1" fmla="*/ 12860 w 13802"/>
+                <a:gd name="connsiteY1" fmla="*/ 6080 h 11962"/>
+                <a:gd name="connsiteX2" fmla="*/ 11050 w 13802"/>
+                <a:gd name="connsiteY2" fmla="*/ 6797 h 11962"/>
+                <a:gd name="connsiteX3" fmla="*/ 13802 w 13802"/>
+                <a:gd name="connsiteY3" fmla="*/ 9195 h 11962"/>
+                <a:gd name="connsiteX4" fmla="*/ 8659 w 13802"/>
+                <a:gd name="connsiteY4" fmla="*/ 11962 h 11962"/>
+                <a:gd name="connsiteX5" fmla="*/ 5022 w 13802"/>
+                <a:gd name="connsiteY5" fmla="*/ 9705 h 11962"/>
+                <a:gd name="connsiteX6" fmla="*/ 7602 w 13802"/>
+                <a:gd name="connsiteY6" fmla="*/ 8382 h 11962"/>
+                <a:gd name="connsiteX7" fmla="*/ 0 w 13802"/>
+                <a:gd name="connsiteY7" fmla="*/ 3890 h 11962"/>
+                <a:gd name="connsiteX8" fmla="*/ 8472 w 13802"/>
+                <a:gd name="connsiteY8" fmla="*/ 0 h 11962"/>
+                <a:gd name="connsiteX0" fmla="*/ 13802 w 15962"/>
+                <a:gd name="connsiteY0" fmla="*/ 9195 h 11962"/>
+                <a:gd name="connsiteX1" fmla="*/ 8659 w 15962"/>
+                <a:gd name="connsiteY1" fmla="*/ 11962 h 11962"/>
+                <a:gd name="connsiteX2" fmla="*/ 5022 w 15962"/>
+                <a:gd name="connsiteY2" fmla="*/ 9705 h 11962"/>
+                <a:gd name="connsiteX3" fmla="*/ 7602 w 15962"/>
+                <a:gd name="connsiteY3" fmla="*/ 8382 h 11962"/>
+                <a:gd name="connsiteX4" fmla="*/ 0 w 15962"/>
+                <a:gd name="connsiteY4" fmla="*/ 3890 h 11962"/>
+                <a:gd name="connsiteX5" fmla="*/ 8472 w 15962"/>
+                <a:gd name="connsiteY5" fmla="*/ 0 h 11962"/>
+                <a:gd name="connsiteX6" fmla="*/ 12860 w 15962"/>
+                <a:gd name="connsiteY6" fmla="*/ 6080 h 11962"/>
+                <a:gd name="connsiteX7" fmla="*/ 11050 w 15962"/>
+                <a:gd name="connsiteY7" fmla="*/ 6797 h 11962"/>
+                <a:gd name="connsiteX8" fmla="*/ 15962 w 15962"/>
+                <a:gd name="connsiteY8" fmla="*/ 11355 h 11962"/>
+                <a:gd name="connsiteX0" fmla="*/ 13802 w 13802"/>
+                <a:gd name="connsiteY0" fmla="*/ 9195 h 11962"/>
+                <a:gd name="connsiteX1" fmla="*/ 8659 w 13802"/>
+                <a:gd name="connsiteY1" fmla="*/ 11962 h 11962"/>
+                <a:gd name="connsiteX2" fmla="*/ 5022 w 13802"/>
+                <a:gd name="connsiteY2" fmla="*/ 9705 h 11962"/>
+                <a:gd name="connsiteX3" fmla="*/ 7602 w 13802"/>
+                <a:gd name="connsiteY3" fmla="*/ 8382 h 11962"/>
+                <a:gd name="connsiteX4" fmla="*/ 0 w 13802"/>
+                <a:gd name="connsiteY4" fmla="*/ 3890 h 11962"/>
+                <a:gd name="connsiteX5" fmla="*/ 8472 w 13802"/>
+                <a:gd name="connsiteY5" fmla="*/ 0 h 11962"/>
+                <a:gd name="connsiteX6" fmla="*/ 12860 w 13802"/>
+                <a:gd name="connsiteY6" fmla="*/ 6080 h 11962"/>
+                <a:gd name="connsiteX7" fmla="*/ 11050 w 13802"/>
+                <a:gd name="connsiteY7" fmla="*/ 6797 h 11962"/>
+                <a:gd name="connsiteX8" fmla="*/ 13637 w 13802"/>
+                <a:gd name="connsiteY8" fmla="*/ 9330 h 11962"/>
+                <a:gd name="connsiteX0" fmla="*/ 13802 w 14912"/>
+                <a:gd name="connsiteY0" fmla="*/ 9195 h 11962"/>
+                <a:gd name="connsiteX1" fmla="*/ 8659 w 14912"/>
+                <a:gd name="connsiteY1" fmla="*/ 11962 h 11962"/>
+                <a:gd name="connsiteX2" fmla="*/ 5022 w 14912"/>
+                <a:gd name="connsiteY2" fmla="*/ 9705 h 11962"/>
+                <a:gd name="connsiteX3" fmla="*/ 7602 w 14912"/>
+                <a:gd name="connsiteY3" fmla="*/ 8382 h 11962"/>
+                <a:gd name="connsiteX4" fmla="*/ 0 w 14912"/>
+                <a:gd name="connsiteY4" fmla="*/ 3890 h 11962"/>
+                <a:gd name="connsiteX5" fmla="*/ 8472 w 14912"/>
+                <a:gd name="connsiteY5" fmla="*/ 0 h 11962"/>
+                <a:gd name="connsiteX6" fmla="*/ 12860 w 14912"/>
+                <a:gd name="connsiteY6" fmla="*/ 6080 h 11962"/>
+                <a:gd name="connsiteX7" fmla="*/ 11050 w 14912"/>
+                <a:gd name="connsiteY7" fmla="*/ 6797 h 11962"/>
+                <a:gd name="connsiteX8" fmla="*/ 14912 w 14912"/>
+                <a:gd name="connsiteY8" fmla="*/ 10493 h 11962"/>
+                <a:gd name="connsiteX0" fmla="*/ 8659 w 14912"/>
+                <a:gd name="connsiteY0" fmla="*/ 11962 h 11962"/>
+                <a:gd name="connsiteX1" fmla="*/ 5022 w 14912"/>
+                <a:gd name="connsiteY1" fmla="*/ 9705 h 11962"/>
+                <a:gd name="connsiteX2" fmla="*/ 7602 w 14912"/>
+                <a:gd name="connsiteY2" fmla="*/ 8382 h 11962"/>
+                <a:gd name="connsiteX3" fmla="*/ 0 w 14912"/>
+                <a:gd name="connsiteY3" fmla="*/ 3890 h 11962"/>
+                <a:gd name="connsiteX4" fmla="*/ 8472 w 14912"/>
+                <a:gd name="connsiteY4" fmla="*/ 0 h 11962"/>
+                <a:gd name="connsiteX5" fmla="*/ 12860 w 14912"/>
+                <a:gd name="connsiteY5" fmla="*/ 6080 h 11962"/>
+                <a:gd name="connsiteX6" fmla="*/ 11050 w 14912"/>
+                <a:gd name="connsiteY6" fmla="*/ 6797 h 11962"/>
+                <a:gd name="connsiteX7" fmla="*/ 14912 w 14912"/>
+                <a:gd name="connsiteY7" fmla="*/ 10493 h 11962"/>
+                <a:gd name="connsiteX0" fmla="*/ 8659 w 14049"/>
+                <a:gd name="connsiteY0" fmla="*/ 11962 h 11962"/>
+                <a:gd name="connsiteX1" fmla="*/ 5022 w 14049"/>
+                <a:gd name="connsiteY1" fmla="*/ 9705 h 11962"/>
+                <a:gd name="connsiteX2" fmla="*/ 7602 w 14049"/>
+                <a:gd name="connsiteY2" fmla="*/ 8382 h 11962"/>
+                <a:gd name="connsiteX3" fmla="*/ 0 w 14049"/>
+                <a:gd name="connsiteY3" fmla="*/ 3890 h 11962"/>
+                <a:gd name="connsiteX4" fmla="*/ 8472 w 14049"/>
+                <a:gd name="connsiteY4" fmla="*/ 0 h 11962"/>
+                <a:gd name="connsiteX5" fmla="*/ 12860 w 14049"/>
+                <a:gd name="connsiteY5" fmla="*/ 6080 h 11962"/>
+                <a:gd name="connsiteX6" fmla="*/ 11050 w 14049"/>
+                <a:gd name="connsiteY6" fmla="*/ 6797 h 11962"/>
+                <a:gd name="connsiteX7" fmla="*/ 14049 w 14049"/>
+                <a:gd name="connsiteY7" fmla="*/ 9518 h 11962"/>
+                <a:gd name="connsiteX0" fmla="*/ 8809 w 14049"/>
+                <a:gd name="connsiteY0" fmla="*/ 12074 h 12074"/>
+                <a:gd name="connsiteX1" fmla="*/ 5022 w 14049"/>
+                <a:gd name="connsiteY1" fmla="*/ 9705 h 12074"/>
+                <a:gd name="connsiteX2" fmla="*/ 7602 w 14049"/>
+                <a:gd name="connsiteY2" fmla="*/ 8382 h 12074"/>
+                <a:gd name="connsiteX3" fmla="*/ 0 w 14049"/>
+                <a:gd name="connsiteY3" fmla="*/ 3890 h 12074"/>
+                <a:gd name="connsiteX4" fmla="*/ 8472 w 14049"/>
+                <a:gd name="connsiteY4" fmla="*/ 0 h 12074"/>
+                <a:gd name="connsiteX5" fmla="*/ 12860 w 14049"/>
+                <a:gd name="connsiteY5" fmla="*/ 6080 h 12074"/>
+                <a:gd name="connsiteX6" fmla="*/ 11050 w 14049"/>
+                <a:gd name="connsiteY6" fmla="*/ 6797 h 12074"/>
+                <a:gd name="connsiteX7" fmla="*/ 14049 w 14049"/>
+                <a:gd name="connsiteY7" fmla="*/ 9518 h 12074"/>
+              </a:gdLst>
+              <a:ahLst/>
+              <a:cxnLst>
+                <a:cxn ang="0">
+                  <a:pos x="connsiteX0" y="connsiteY0"/>
+                </a:cxn>
+                <a:cxn ang="0">
+                  <a:pos x="connsiteX1" y="connsiteY1"/>
+                </a:cxn>
+                <a:cxn ang="0">
+                  <a:pos x="connsiteX2" y="connsiteY2"/>
+                </a:cxn>
+                <a:cxn ang="0">
+                  <a:pos x="connsiteX3" y="connsiteY3"/>
+                </a:cxn>
+                <a:cxn ang="0">
+                  <a:pos x="connsiteX4" y="connsiteY4"/>
+                </a:cxn>
+                <a:cxn ang="0">
+                  <a:pos x="connsiteX5" y="connsiteY5"/>
+                </a:cxn>
+                <a:cxn ang="0">
+                  <a:pos x="connsiteX6" y="connsiteY6"/>
+                </a:cxn>
+                <a:cxn ang="0">
+                  <a:pos x="connsiteX7" y="connsiteY7"/>
+                </a:cxn>
+              </a:cxnLst>
+              <a:rect l="l" t="t" r="r" b="b"/>
+              <a:pathLst>
+                <a:path w="14049" h="12074">
+                  <a:moveTo>
+                    <a:pt x="8809" y="12074"/>
+                  </a:moveTo>
+                  <a:lnTo>
+                    <a:pt x="5022" y="9705"/>
+                  </a:lnTo>
+                  <a:lnTo>
+                    <a:pt x="7602" y="8382"/>
+                  </a:lnTo>
+                  <a:lnTo>
+                    <a:pt x="0" y="3890"/>
+                  </a:lnTo>
+                  <a:lnTo>
+                    <a:pt x="8472" y="0"/>
+                  </a:lnTo>
+                  <a:lnTo>
+                    <a:pt x="12860" y="6080"/>
+                  </a:lnTo>
+                  <a:lnTo>
+                    <a:pt x="11050" y="6797"/>
+                  </a:lnTo>
+                  <a:cubicBezTo>
+                    <a:pt x="11967" y="7596"/>
+                    <a:pt x="14049" y="9518"/>
+                    <a:pt x="14049" y="9518"/>
+                  </a:cubicBezTo>
+                </a:path>
+              </a:pathLst>
+            </a:custGeom>
+          </p:spPr>
+          <p:style>
+            <a:lnRef idx="2">
+              <a:schemeClr val="accent1">
+                <a:shade val="50000"/>
+              </a:schemeClr>
+            </a:lnRef>
+            <a:fillRef idx="1">
+              <a:schemeClr val="accent1"/>
+            </a:fillRef>
+            <a:effectRef idx="0">
+              <a:schemeClr val="accent1"/>
+            </a:effectRef>
+            <a:fontRef idx="minor">
+              <a:schemeClr val="lt1"/>
+            </a:fontRef>
+          </p:style>
+          <p:txBody>
+            <a:bodyPr rtlCol="0" anchor="ctr"/>
+            <a:lstStyle/>
+            <a:p>
+              <a:pPr algn="ctr"/>
+              <a:endParaRPr lang="ru-RU"/>
+            </a:p>
+          </p:txBody>
+        </p:sp>
+        <p:sp>
+          <p:nvSpPr>
+            <p:cNvPr id="20" name="Молния 4"/>
+            <p:cNvSpPr/>
+            <p:nvPr/>
+          </p:nvSpPr>
+          <p:spPr>
+            <a:xfrm>
+              <a:off x="4752935" y="5488390"/>
+              <a:ext cx="547963" cy="515535"/>
+            </a:xfrm>
+            <a:custGeom>
+              <a:avLst/>
+              <a:gdLst>
+                <a:gd name="connsiteX0" fmla="*/ 8472 w 21600"/>
+                <a:gd name="connsiteY0" fmla="*/ 0 h 21600"/>
+                <a:gd name="connsiteX1" fmla="*/ 12860 w 21600"/>
+                <a:gd name="connsiteY1" fmla="*/ 6080 h 21600"/>
+                <a:gd name="connsiteX2" fmla="*/ 11050 w 21600"/>
+                <a:gd name="connsiteY2" fmla="*/ 6797 h 21600"/>
+                <a:gd name="connsiteX3" fmla="*/ 16577 w 21600"/>
+                <a:gd name="connsiteY3" fmla="*/ 12007 h 21600"/>
+                <a:gd name="connsiteX4" fmla="*/ 14767 w 21600"/>
+                <a:gd name="connsiteY4" fmla="*/ 12877 h 21600"/>
+                <a:gd name="connsiteX5" fmla="*/ 21600 w 21600"/>
+                <a:gd name="connsiteY5" fmla="*/ 21600 h 21600"/>
+                <a:gd name="connsiteX6" fmla="*/ 10012 w 21600"/>
+                <a:gd name="connsiteY6" fmla="*/ 14915 h 21600"/>
+                <a:gd name="connsiteX7" fmla="*/ 12222 w 21600"/>
+                <a:gd name="connsiteY7" fmla="*/ 13987 h 21600"/>
+                <a:gd name="connsiteX8" fmla="*/ 5022 w 21600"/>
+                <a:gd name="connsiteY8" fmla="*/ 9705 h 21600"/>
+                <a:gd name="connsiteX9" fmla="*/ 7602 w 21600"/>
+                <a:gd name="connsiteY9" fmla="*/ 8382 h 21600"/>
+                <a:gd name="connsiteX10" fmla="*/ 0 w 21600"/>
+                <a:gd name="connsiteY10" fmla="*/ 3890 h 21600"/>
+                <a:gd name="connsiteX11" fmla="*/ 8472 w 21600"/>
+                <a:gd name="connsiteY11" fmla="*/ 0 h 21600"/>
+                <a:gd name="connsiteX0" fmla="*/ 3450 w 16578"/>
+                <a:gd name="connsiteY0" fmla="*/ 0 h 21600"/>
+                <a:gd name="connsiteX1" fmla="*/ 7838 w 16578"/>
+                <a:gd name="connsiteY1" fmla="*/ 6080 h 21600"/>
+                <a:gd name="connsiteX2" fmla="*/ 6028 w 16578"/>
+                <a:gd name="connsiteY2" fmla="*/ 6797 h 21600"/>
+                <a:gd name="connsiteX3" fmla="*/ 11555 w 16578"/>
+                <a:gd name="connsiteY3" fmla="*/ 12007 h 21600"/>
+                <a:gd name="connsiteX4" fmla="*/ 9745 w 16578"/>
+                <a:gd name="connsiteY4" fmla="*/ 12877 h 21600"/>
+                <a:gd name="connsiteX5" fmla="*/ 16578 w 16578"/>
+                <a:gd name="connsiteY5" fmla="*/ 21600 h 21600"/>
+                <a:gd name="connsiteX6" fmla="*/ 4990 w 16578"/>
+                <a:gd name="connsiteY6" fmla="*/ 14915 h 21600"/>
+                <a:gd name="connsiteX7" fmla="*/ 7200 w 16578"/>
+                <a:gd name="connsiteY7" fmla="*/ 13987 h 21600"/>
+                <a:gd name="connsiteX8" fmla="*/ 0 w 16578"/>
+                <a:gd name="connsiteY8" fmla="*/ 9705 h 21600"/>
+                <a:gd name="connsiteX9" fmla="*/ 2580 w 16578"/>
+                <a:gd name="connsiteY9" fmla="*/ 8382 h 21600"/>
+                <a:gd name="connsiteX10" fmla="*/ 3450 w 16578"/>
+                <a:gd name="connsiteY10" fmla="*/ 0 h 21600"/>
+                <a:gd name="connsiteX0" fmla="*/ 2580 w 16578"/>
+                <a:gd name="connsiteY0" fmla="*/ 2302 h 15520"/>
+                <a:gd name="connsiteX1" fmla="*/ 7838 w 16578"/>
+                <a:gd name="connsiteY1" fmla="*/ 0 h 15520"/>
+                <a:gd name="connsiteX2" fmla="*/ 6028 w 16578"/>
+                <a:gd name="connsiteY2" fmla="*/ 717 h 15520"/>
+                <a:gd name="connsiteX3" fmla="*/ 11555 w 16578"/>
+                <a:gd name="connsiteY3" fmla="*/ 5927 h 15520"/>
+                <a:gd name="connsiteX4" fmla="*/ 9745 w 16578"/>
+                <a:gd name="connsiteY4" fmla="*/ 6797 h 15520"/>
+                <a:gd name="connsiteX5" fmla="*/ 16578 w 16578"/>
+                <a:gd name="connsiteY5" fmla="*/ 15520 h 15520"/>
+                <a:gd name="connsiteX6" fmla="*/ 4990 w 16578"/>
+                <a:gd name="connsiteY6" fmla="*/ 8835 h 15520"/>
+                <a:gd name="connsiteX7" fmla="*/ 7200 w 16578"/>
+                <a:gd name="connsiteY7" fmla="*/ 7907 h 15520"/>
+                <a:gd name="connsiteX8" fmla="*/ 0 w 16578"/>
+                <a:gd name="connsiteY8" fmla="*/ 3625 h 15520"/>
+                <a:gd name="connsiteX9" fmla="*/ 2580 w 16578"/>
+                <a:gd name="connsiteY9" fmla="*/ 2302 h 15520"/>
+                <a:gd name="connsiteX0" fmla="*/ 2580 w 16578"/>
+                <a:gd name="connsiteY0" fmla="*/ 1585 h 14803"/>
+                <a:gd name="connsiteX1" fmla="*/ 6028 w 16578"/>
+                <a:gd name="connsiteY1" fmla="*/ 0 h 14803"/>
+                <a:gd name="connsiteX2" fmla="*/ 11555 w 16578"/>
+                <a:gd name="connsiteY2" fmla="*/ 5210 h 14803"/>
+                <a:gd name="connsiteX3" fmla="*/ 9745 w 16578"/>
+                <a:gd name="connsiteY3" fmla="*/ 6080 h 14803"/>
+                <a:gd name="connsiteX4" fmla="*/ 16578 w 16578"/>
+                <a:gd name="connsiteY4" fmla="*/ 14803 h 14803"/>
+                <a:gd name="connsiteX5" fmla="*/ 4990 w 16578"/>
+                <a:gd name="connsiteY5" fmla="*/ 8118 h 14803"/>
+                <a:gd name="connsiteX6" fmla="*/ 7200 w 16578"/>
+                <a:gd name="connsiteY6" fmla="*/ 7190 h 14803"/>
+                <a:gd name="connsiteX7" fmla="*/ 0 w 16578"/>
+                <a:gd name="connsiteY7" fmla="*/ 2908 h 14803"/>
+                <a:gd name="connsiteX8" fmla="*/ 2580 w 16578"/>
+                <a:gd name="connsiteY8" fmla="*/ 1585 h 14803"/>
+                <a:gd name="connsiteX0" fmla="*/ 0 w 13998"/>
+                <a:gd name="connsiteY0" fmla="*/ 1585 h 14803"/>
+                <a:gd name="connsiteX1" fmla="*/ 3448 w 13998"/>
+                <a:gd name="connsiteY1" fmla="*/ 0 h 14803"/>
+                <a:gd name="connsiteX2" fmla="*/ 8975 w 13998"/>
+                <a:gd name="connsiteY2" fmla="*/ 5210 h 14803"/>
+                <a:gd name="connsiteX3" fmla="*/ 7165 w 13998"/>
+                <a:gd name="connsiteY3" fmla="*/ 6080 h 14803"/>
+                <a:gd name="connsiteX4" fmla="*/ 13998 w 13998"/>
+                <a:gd name="connsiteY4" fmla="*/ 14803 h 14803"/>
+                <a:gd name="connsiteX5" fmla="*/ 2410 w 13998"/>
+                <a:gd name="connsiteY5" fmla="*/ 8118 h 14803"/>
+                <a:gd name="connsiteX6" fmla="*/ 4620 w 13998"/>
+                <a:gd name="connsiteY6" fmla="*/ 7190 h 14803"/>
+                <a:gd name="connsiteX7" fmla="*/ 0 w 13998"/>
+                <a:gd name="connsiteY7" fmla="*/ 1585 h 14803"/>
+                <a:gd name="connsiteX0" fmla="*/ 2210 w 11588"/>
+                <a:gd name="connsiteY0" fmla="*/ 7190 h 14803"/>
+                <a:gd name="connsiteX1" fmla="*/ 1038 w 11588"/>
+                <a:gd name="connsiteY1" fmla="*/ 0 h 14803"/>
+                <a:gd name="connsiteX2" fmla="*/ 6565 w 11588"/>
+                <a:gd name="connsiteY2" fmla="*/ 5210 h 14803"/>
+                <a:gd name="connsiteX3" fmla="*/ 4755 w 11588"/>
+                <a:gd name="connsiteY3" fmla="*/ 6080 h 14803"/>
+                <a:gd name="connsiteX4" fmla="*/ 11588 w 11588"/>
+                <a:gd name="connsiteY4" fmla="*/ 14803 h 14803"/>
+                <a:gd name="connsiteX5" fmla="*/ 0 w 11588"/>
+                <a:gd name="connsiteY5" fmla="*/ 8118 h 14803"/>
+                <a:gd name="connsiteX6" fmla="*/ 2210 w 11588"/>
+                <a:gd name="connsiteY6" fmla="*/ 7190 h 14803"/>
+                <a:gd name="connsiteX0" fmla="*/ 2210 w 11588"/>
+                <a:gd name="connsiteY0" fmla="*/ 7190 h 14803"/>
+                <a:gd name="connsiteX1" fmla="*/ 1645 w 11588"/>
+                <a:gd name="connsiteY1" fmla="*/ 4341 h 14803"/>
+                <a:gd name="connsiteX2" fmla="*/ 1038 w 11588"/>
+                <a:gd name="connsiteY2" fmla="*/ 0 h 14803"/>
+                <a:gd name="connsiteX3" fmla="*/ 6565 w 11588"/>
+                <a:gd name="connsiteY3" fmla="*/ 5210 h 14803"/>
+                <a:gd name="connsiteX4" fmla="*/ 4755 w 11588"/>
+                <a:gd name="connsiteY4" fmla="*/ 6080 h 14803"/>
+                <a:gd name="connsiteX5" fmla="*/ 11588 w 11588"/>
+                <a:gd name="connsiteY5" fmla="*/ 14803 h 14803"/>
+                <a:gd name="connsiteX6" fmla="*/ 0 w 11588"/>
+                <a:gd name="connsiteY6" fmla="*/ 8118 h 14803"/>
+                <a:gd name="connsiteX7" fmla="*/ 2210 w 11588"/>
+                <a:gd name="connsiteY7" fmla="*/ 7190 h 14803"/>
+                <a:gd name="connsiteX0" fmla="*/ 3575 w 12953"/>
+                <a:gd name="connsiteY0" fmla="*/ 7190 h 14803"/>
+                <a:gd name="connsiteX1" fmla="*/ 10 w 12953"/>
+                <a:gd name="connsiteY1" fmla="*/ 5316 h 14803"/>
+                <a:gd name="connsiteX2" fmla="*/ 2403 w 12953"/>
+                <a:gd name="connsiteY2" fmla="*/ 0 h 14803"/>
+                <a:gd name="connsiteX3" fmla="*/ 7930 w 12953"/>
+                <a:gd name="connsiteY3" fmla="*/ 5210 h 14803"/>
+                <a:gd name="connsiteX4" fmla="*/ 6120 w 12953"/>
+                <a:gd name="connsiteY4" fmla="*/ 6080 h 14803"/>
+                <a:gd name="connsiteX5" fmla="*/ 12953 w 12953"/>
+                <a:gd name="connsiteY5" fmla="*/ 14803 h 14803"/>
+                <a:gd name="connsiteX6" fmla="*/ 1365 w 12953"/>
+                <a:gd name="connsiteY6" fmla="*/ 8118 h 14803"/>
+                <a:gd name="connsiteX7" fmla="*/ 3575 w 12953"/>
+                <a:gd name="connsiteY7" fmla="*/ 7190 h 14803"/>
+                <a:gd name="connsiteX0" fmla="*/ 3575 w 12953"/>
+                <a:gd name="connsiteY0" fmla="*/ 7190 h 14803"/>
+                <a:gd name="connsiteX1" fmla="*/ 10 w 12953"/>
+                <a:gd name="connsiteY1" fmla="*/ 5316 h 14803"/>
+                <a:gd name="connsiteX2" fmla="*/ 2403 w 12953"/>
+                <a:gd name="connsiteY2" fmla="*/ 0 h 14803"/>
+                <a:gd name="connsiteX3" fmla="*/ 7930 w 12953"/>
+                <a:gd name="connsiteY3" fmla="*/ 5210 h 14803"/>
+                <a:gd name="connsiteX4" fmla="*/ 6120 w 12953"/>
+                <a:gd name="connsiteY4" fmla="*/ 6080 h 14803"/>
+                <a:gd name="connsiteX5" fmla="*/ 12953 w 12953"/>
+                <a:gd name="connsiteY5" fmla="*/ 14803 h 14803"/>
+                <a:gd name="connsiteX6" fmla="*/ 1365 w 12953"/>
+                <a:gd name="connsiteY6" fmla="*/ 8118 h 14803"/>
+                <a:gd name="connsiteX7" fmla="*/ 3575 w 12953"/>
+                <a:gd name="connsiteY7" fmla="*/ 7190 h 14803"/>
+                <a:gd name="connsiteX0" fmla="*/ 3575 w 12953"/>
+                <a:gd name="connsiteY0" fmla="*/ 7190 h 14803"/>
+                <a:gd name="connsiteX1" fmla="*/ 10 w 12953"/>
+                <a:gd name="connsiteY1" fmla="*/ 5316 h 14803"/>
+                <a:gd name="connsiteX2" fmla="*/ 2403 w 12953"/>
+                <a:gd name="connsiteY2" fmla="*/ 0 h 14803"/>
+                <a:gd name="connsiteX3" fmla="*/ 7930 w 12953"/>
+                <a:gd name="connsiteY3" fmla="*/ 5210 h 14803"/>
+                <a:gd name="connsiteX4" fmla="*/ 6120 w 12953"/>
+                <a:gd name="connsiteY4" fmla="*/ 6080 h 14803"/>
+                <a:gd name="connsiteX5" fmla="*/ 12953 w 12953"/>
+                <a:gd name="connsiteY5" fmla="*/ 14803 h 14803"/>
+                <a:gd name="connsiteX6" fmla="*/ 1365 w 12953"/>
+                <a:gd name="connsiteY6" fmla="*/ 8118 h 14803"/>
+                <a:gd name="connsiteX7" fmla="*/ 3575 w 12953"/>
+                <a:gd name="connsiteY7" fmla="*/ 7190 h 14803"/>
+                <a:gd name="connsiteX0" fmla="*/ 3575 w 12953"/>
+                <a:gd name="connsiteY0" fmla="*/ 7190 h 14803"/>
+                <a:gd name="connsiteX1" fmla="*/ 10 w 12953"/>
+                <a:gd name="connsiteY1" fmla="*/ 5316 h 14803"/>
+                <a:gd name="connsiteX2" fmla="*/ 2403 w 12953"/>
+                <a:gd name="connsiteY2" fmla="*/ 0 h 14803"/>
+                <a:gd name="connsiteX3" fmla="*/ 7930 w 12953"/>
+                <a:gd name="connsiteY3" fmla="*/ 5210 h 14803"/>
+                <a:gd name="connsiteX4" fmla="*/ 6120 w 12953"/>
+                <a:gd name="connsiteY4" fmla="*/ 6080 h 14803"/>
+                <a:gd name="connsiteX5" fmla="*/ 12953 w 12953"/>
+                <a:gd name="connsiteY5" fmla="*/ 14803 h 14803"/>
+                <a:gd name="connsiteX6" fmla="*/ 1365 w 12953"/>
+                <a:gd name="connsiteY6" fmla="*/ 8118 h 14803"/>
+                <a:gd name="connsiteX7" fmla="*/ 3575 w 12953"/>
+                <a:gd name="connsiteY7" fmla="*/ 7190 h 14803"/>
+                <a:gd name="connsiteX0" fmla="*/ 4606 w 13984"/>
+                <a:gd name="connsiteY0" fmla="*/ 7190 h 14803"/>
+                <a:gd name="connsiteX1" fmla="*/ 1041 w 13984"/>
+                <a:gd name="connsiteY1" fmla="*/ 5316 h 14803"/>
+                <a:gd name="connsiteX2" fmla="*/ 3434 w 13984"/>
+                <a:gd name="connsiteY2" fmla="*/ 0 h 14803"/>
+                <a:gd name="connsiteX3" fmla="*/ 8961 w 13984"/>
+                <a:gd name="connsiteY3" fmla="*/ 5210 h 14803"/>
+                <a:gd name="connsiteX4" fmla="*/ 7151 w 13984"/>
+                <a:gd name="connsiteY4" fmla="*/ 6080 h 14803"/>
+                <a:gd name="connsiteX5" fmla="*/ 13984 w 13984"/>
+                <a:gd name="connsiteY5" fmla="*/ 14803 h 14803"/>
+                <a:gd name="connsiteX6" fmla="*/ 2396 w 13984"/>
+                <a:gd name="connsiteY6" fmla="*/ 8118 h 14803"/>
+                <a:gd name="connsiteX7" fmla="*/ 4606 w 13984"/>
+                <a:gd name="connsiteY7" fmla="*/ 7190 h 14803"/>
+                <a:gd name="connsiteX0" fmla="*/ 3698 w 13076"/>
+                <a:gd name="connsiteY0" fmla="*/ 7190 h 14803"/>
+                <a:gd name="connsiteX1" fmla="*/ 133 w 13076"/>
+                <a:gd name="connsiteY1" fmla="*/ 5316 h 14803"/>
+                <a:gd name="connsiteX2" fmla="*/ 2526 w 13076"/>
+                <a:gd name="connsiteY2" fmla="*/ 0 h 14803"/>
+                <a:gd name="connsiteX3" fmla="*/ 8053 w 13076"/>
+                <a:gd name="connsiteY3" fmla="*/ 5210 h 14803"/>
+                <a:gd name="connsiteX4" fmla="*/ 6243 w 13076"/>
+                <a:gd name="connsiteY4" fmla="*/ 6080 h 14803"/>
+                <a:gd name="connsiteX5" fmla="*/ 13076 w 13076"/>
+                <a:gd name="connsiteY5" fmla="*/ 14803 h 14803"/>
+                <a:gd name="connsiteX6" fmla="*/ 1488 w 13076"/>
+                <a:gd name="connsiteY6" fmla="*/ 8118 h 14803"/>
+                <a:gd name="connsiteX7" fmla="*/ 3698 w 13076"/>
+                <a:gd name="connsiteY7" fmla="*/ 7190 h 14803"/>
+                <a:gd name="connsiteX0" fmla="*/ 3738 w 13116"/>
+                <a:gd name="connsiteY0" fmla="*/ 7190 h 14803"/>
+                <a:gd name="connsiteX1" fmla="*/ 173 w 13116"/>
+                <a:gd name="connsiteY1" fmla="*/ 5316 h 14803"/>
+                <a:gd name="connsiteX2" fmla="*/ 2566 w 13116"/>
+                <a:gd name="connsiteY2" fmla="*/ 0 h 14803"/>
+                <a:gd name="connsiteX3" fmla="*/ 8093 w 13116"/>
+                <a:gd name="connsiteY3" fmla="*/ 5210 h 14803"/>
+                <a:gd name="connsiteX4" fmla="*/ 6283 w 13116"/>
+                <a:gd name="connsiteY4" fmla="*/ 6080 h 14803"/>
+                <a:gd name="connsiteX5" fmla="*/ 13116 w 13116"/>
+                <a:gd name="connsiteY5" fmla="*/ 14803 h 14803"/>
+                <a:gd name="connsiteX6" fmla="*/ 1528 w 13116"/>
+                <a:gd name="connsiteY6" fmla="*/ 8118 h 14803"/>
+                <a:gd name="connsiteX7" fmla="*/ 3738 w 13116"/>
+                <a:gd name="connsiteY7" fmla="*/ 7190 h 14803"/>
+                <a:gd name="connsiteX0" fmla="*/ 2210 w 11588"/>
+                <a:gd name="connsiteY0" fmla="*/ 7190 h 14803"/>
+                <a:gd name="connsiteX1" fmla="*/ 1038 w 11588"/>
+                <a:gd name="connsiteY1" fmla="*/ 0 h 14803"/>
+                <a:gd name="connsiteX2" fmla="*/ 6565 w 11588"/>
+                <a:gd name="connsiteY2" fmla="*/ 5210 h 14803"/>
+                <a:gd name="connsiteX3" fmla="*/ 4755 w 11588"/>
+                <a:gd name="connsiteY3" fmla="*/ 6080 h 14803"/>
+                <a:gd name="connsiteX4" fmla="*/ 11588 w 11588"/>
+                <a:gd name="connsiteY4" fmla="*/ 14803 h 14803"/>
+                <a:gd name="connsiteX5" fmla="*/ 0 w 11588"/>
+                <a:gd name="connsiteY5" fmla="*/ 8118 h 14803"/>
+                <a:gd name="connsiteX6" fmla="*/ 2210 w 11588"/>
+                <a:gd name="connsiteY6" fmla="*/ 7190 h 14803"/>
+                <a:gd name="connsiteX0" fmla="*/ 2210 w 11588"/>
+                <a:gd name="connsiteY0" fmla="*/ 4640 h 12253"/>
+                <a:gd name="connsiteX1" fmla="*/ 3626 w 11588"/>
+                <a:gd name="connsiteY1" fmla="*/ 0 h 12253"/>
+                <a:gd name="connsiteX2" fmla="*/ 6565 w 11588"/>
+                <a:gd name="connsiteY2" fmla="*/ 2660 h 12253"/>
+                <a:gd name="connsiteX3" fmla="*/ 4755 w 11588"/>
+                <a:gd name="connsiteY3" fmla="*/ 3530 h 12253"/>
+                <a:gd name="connsiteX4" fmla="*/ 11588 w 11588"/>
+                <a:gd name="connsiteY4" fmla="*/ 12253 h 12253"/>
+                <a:gd name="connsiteX5" fmla="*/ 0 w 11588"/>
+                <a:gd name="connsiteY5" fmla="*/ 5568 h 12253"/>
+                <a:gd name="connsiteX6" fmla="*/ 2210 w 11588"/>
+                <a:gd name="connsiteY6" fmla="*/ 4640 h 12253"/>
+                <a:gd name="connsiteX0" fmla="*/ 2210 w 11588"/>
+                <a:gd name="connsiteY0" fmla="*/ 4827 h 12440"/>
+                <a:gd name="connsiteX1" fmla="*/ 3513 w 11588"/>
+                <a:gd name="connsiteY1" fmla="*/ 0 h 12440"/>
+                <a:gd name="connsiteX2" fmla="*/ 6565 w 11588"/>
+                <a:gd name="connsiteY2" fmla="*/ 2847 h 12440"/>
+                <a:gd name="connsiteX3" fmla="*/ 4755 w 11588"/>
+                <a:gd name="connsiteY3" fmla="*/ 3717 h 12440"/>
+                <a:gd name="connsiteX4" fmla="*/ 11588 w 11588"/>
+                <a:gd name="connsiteY4" fmla="*/ 12440 h 12440"/>
+                <a:gd name="connsiteX5" fmla="*/ 0 w 11588"/>
+                <a:gd name="connsiteY5" fmla="*/ 5755 h 12440"/>
+                <a:gd name="connsiteX6" fmla="*/ 2210 w 11588"/>
+                <a:gd name="connsiteY6" fmla="*/ 4827 h 12440"/>
+                <a:gd name="connsiteX0" fmla="*/ 2210 w 11588"/>
+                <a:gd name="connsiteY0" fmla="*/ 4827 h 12440"/>
+                <a:gd name="connsiteX1" fmla="*/ 3513 w 11588"/>
+                <a:gd name="connsiteY1" fmla="*/ 0 h 12440"/>
+                <a:gd name="connsiteX2" fmla="*/ 6565 w 11588"/>
+                <a:gd name="connsiteY2" fmla="*/ 2847 h 12440"/>
+                <a:gd name="connsiteX3" fmla="*/ 4755 w 11588"/>
+                <a:gd name="connsiteY3" fmla="*/ 3717 h 12440"/>
+                <a:gd name="connsiteX4" fmla="*/ 11588 w 11588"/>
+                <a:gd name="connsiteY4" fmla="*/ 12440 h 12440"/>
+                <a:gd name="connsiteX5" fmla="*/ 0 w 11588"/>
+                <a:gd name="connsiteY5" fmla="*/ 5755 h 12440"/>
+                <a:gd name="connsiteX6" fmla="*/ 2210 w 11588"/>
+                <a:gd name="connsiteY6" fmla="*/ 4827 h 12440"/>
+                <a:gd name="connsiteX0" fmla="*/ 2210 w 11588"/>
+                <a:gd name="connsiteY0" fmla="*/ 4827 h 12440"/>
+                <a:gd name="connsiteX1" fmla="*/ 3932 w 11588"/>
+                <a:gd name="connsiteY1" fmla="*/ 5953 h 12440"/>
+                <a:gd name="connsiteX2" fmla="*/ 3513 w 11588"/>
+                <a:gd name="connsiteY2" fmla="*/ 0 h 12440"/>
+                <a:gd name="connsiteX3" fmla="*/ 6565 w 11588"/>
+                <a:gd name="connsiteY3" fmla="*/ 2847 h 12440"/>
+                <a:gd name="connsiteX4" fmla="*/ 4755 w 11588"/>
+                <a:gd name="connsiteY4" fmla="*/ 3717 h 12440"/>
+                <a:gd name="connsiteX5" fmla="*/ 11588 w 11588"/>
+                <a:gd name="connsiteY5" fmla="*/ 12440 h 12440"/>
+                <a:gd name="connsiteX6" fmla="*/ 0 w 11588"/>
+                <a:gd name="connsiteY6" fmla="*/ 5755 h 12440"/>
+                <a:gd name="connsiteX7" fmla="*/ 2210 w 11588"/>
+                <a:gd name="connsiteY7" fmla="*/ 4827 h 12440"/>
+                <a:gd name="connsiteX0" fmla="*/ 2210 w 11588"/>
+                <a:gd name="connsiteY0" fmla="*/ 4827 h 12440"/>
+                <a:gd name="connsiteX1" fmla="*/ 3932 w 11588"/>
+                <a:gd name="connsiteY1" fmla="*/ 5953 h 12440"/>
+                <a:gd name="connsiteX2" fmla="*/ 3513 w 11588"/>
+                <a:gd name="connsiteY2" fmla="*/ 0 h 12440"/>
+                <a:gd name="connsiteX3" fmla="*/ 6565 w 11588"/>
+                <a:gd name="connsiteY3" fmla="*/ 2847 h 12440"/>
+                <a:gd name="connsiteX4" fmla="*/ 4755 w 11588"/>
+                <a:gd name="connsiteY4" fmla="*/ 3717 h 12440"/>
+                <a:gd name="connsiteX5" fmla="*/ 11588 w 11588"/>
+                <a:gd name="connsiteY5" fmla="*/ 12440 h 12440"/>
+                <a:gd name="connsiteX6" fmla="*/ 0 w 11588"/>
+                <a:gd name="connsiteY6" fmla="*/ 5755 h 12440"/>
+                <a:gd name="connsiteX7" fmla="*/ 2210 w 11588"/>
+                <a:gd name="connsiteY7" fmla="*/ 4827 h 12440"/>
+                <a:gd name="connsiteX0" fmla="*/ 2210 w 11588"/>
+                <a:gd name="connsiteY0" fmla="*/ 4926 h 12539"/>
+                <a:gd name="connsiteX1" fmla="*/ 3932 w 11588"/>
+                <a:gd name="connsiteY1" fmla="*/ 6052 h 12539"/>
+                <a:gd name="connsiteX2" fmla="*/ 3513 w 11588"/>
+                <a:gd name="connsiteY2" fmla="*/ 99 h 12539"/>
+                <a:gd name="connsiteX3" fmla="*/ 6565 w 11588"/>
+                <a:gd name="connsiteY3" fmla="*/ 2946 h 12539"/>
+                <a:gd name="connsiteX4" fmla="*/ 4755 w 11588"/>
+                <a:gd name="connsiteY4" fmla="*/ 3816 h 12539"/>
+                <a:gd name="connsiteX5" fmla="*/ 11588 w 11588"/>
+                <a:gd name="connsiteY5" fmla="*/ 12539 h 12539"/>
+                <a:gd name="connsiteX6" fmla="*/ 0 w 11588"/>
+                <a:gd name="connsiteY6" fmla="*/ 5854 h 12539"/>
+                <a:gd name="connsiteX7" fmla="*/ 2210 w 11588"/>
+                <a:gd name="connsiteY7" fmla="*/ 4926 h 12539"/>
+                <a:gd name="connsiteX0" fmla="*/ 3574 w 12952"/>
+                <a:gd name="connsiteY0" fmla="*/ 4828 h 12441"/>
+                <a:gd name="connsiteX1" fmla="*/ 8 w 12952"/>
+                <a:gd name="connsiteY1" fmla="*/ 2916 h 12441"/>
+                <a:gd name="connsiteX2" fmla="*/ 4877 w 12952"/>
+                <a:gd name="connsiteY2" fmla="*/ 1 h 12441"/>
+                <a:gd name="connsiteX3" fmla="*/ 7929 w 12952"/>
+                <a:gd name="connsiteY3" fmla="*/ 2848 h 12441"/>
+                <a:gd name="connsiteX4" fmla="*/ 6119 w 12952"/>
+                <a:gd name="connsiteY4" fmla="*/ 3718 h 12441"/>
+                <a:gd name="connsiteX5" fmla="*/ 12952 w 12952"/>
+                <a:gd name="connsiteY5" fmla="*/ 12441 h 12441"/>
+                <a:gd name="connsiteX6" fmla="*/ 1364 w 12952"/>
+                <a:gd name="connsiteY6" fmla="*/ 5756 h 12441"/>
+                <a:gd name="connsiteX7" fmla="*/ 3574 w 12952"/>
+                <a:gd name="connsiteY7" fmla="*/ 4828 h 12441"/>
+                <a:gd name="connsiteX0" fmla="*/ 3566 w 12944"/>
+                <a:gd name="connsiteY0" fmla="*/ 4828 h 12441"/>
+                <a:gd name="connsiteX1" fmla="*/ 0 w 12944"/>
+                <a:gd name="connsiteY1" fmla="*/ 2916 h 12441"/>
+                <a:gd name="connsiteX2" fmla="*/ 4869 w 12944"/>
+                <a:gd name="connsiteY2" fmla="*/ 1 h 12441"/>
+                <a:gd name="connsiteX3" fmla="*/ 7921 w 12944"/>
+                <a:gd name="connsiteY3" fmla="*/ 2848 h 12441"/>
+                <a:gd name="connsiteX4" fmla="*/ 6111 w 12944"/>
+                <a:gd name="connsiteY4" fmla="*/ 3718 h 12441"/>
+                <a:gd name="connsiteX5" fmla="*/ 12944 w 12944"/>
+                <a:gd name="connsiteY5" fmla="*/ 12441 h 12441"/>
+                <a:gd name="connsiteX6" fmla="*/ 1356 w 12944"/>
+                <a:gd name="connsiteY6" fmla="*/ 5756 h 12441"/>
+                <a:gd name="connsiteX7" fmla="*/ 3566 w 12944"/>
+                <a:gd name="connsiteY7" fmla="*/ 4828 h 12441"/>
+                <a:gd name="connsiteX0" fmla="*/ 3566 w 12944"/>
+                <a:gd name="connsiteY0" fmla="*/ 4828 h 12441"/>
+                <a:gd name="connsiteX1" fmla="*/ 0 w 12944"/>
+                <a:gd name="connsiteY1" fmla="*/ 2916 h 12441"/>
+                <a:gd name="connsiteX2" fmla="*/ 4869 w 12944"/>
+                <a:gd name="connsiteY2" fmla="*/ 1 h 12441"/>
+                <a:gd name="connsiteX3" fmla="*/ 7921 w 12944"/>
+                <a:gd name="connsiteY3" fmla="*/ 2848 h 12441"/>
+                <a:gd name="connsiteX4" fmla="*/ 6111 w 12944"/>
+                <a:gd name="connsiteY4" fmla="*/ 3718 h 12441"/>
+                <a:gd name="connsiteX5" fmla="*/ 12944 w 12944"/>
+                <a:gd name="connsiteY5" fmla="*/ 12441 h 12441"/>
+                <a:gd name="connsiteX6" fmla="*/ 1356 w 12944"/>
+                <a:gd name="connsiteY6" fmla="*/ 5756 h 12441"/>
+                <a:gd name="connsiteX7" fmla="*/ 3566 w 12944"/>
+                <a:gd name="connsiteY7" fmla="*/ 4828 h 12441"/>
+                <a:gd name="connsiteX0" fmla="*/ 3566 w 12944"/>
+                <a:gd name="connsiteY0" fmla="*/ 5776 h 13389"/>
+                <a:gd name="connsiteX1" fmla="*/ 0 w 12944"/>
+                <a:gd name="connsiteY1" fmla="*/ 3864 h 13389"/>
+                <a:gd name="connsiteX2" fmla="*/ 4869 w 12944"/>
+                <a:gd name="connsiteY2" fmla="*/ 949 h 13389"/>
+                <a:gd name="connsiteX3" fmla="*/ 7921 w 12944"/>
+                <a:gd name="connsiteY3" fmla="*/ 3796 h 13389"/>
+                <a:gd name="connsiteX4" fmla="*/ 6111 w 12944"/>
+                <a:gd name="connsiteY4" fmla="*/ 4666 h 13389"/>
+                <a:gd name="connsiteX5" fmla="*/ 12944 w 12944"/>
+                <a:gd name="connsiteY5" fmla="*/ 13389 h 13389"/>
+                <a:gd name="connsiteX6" fmla="*/ 1356 w 12944"/>
+                <a:gd name="connsiteY6" fmla="*/ 6704 h 13389"/>
+                <a:gd name="connsiteX7" fmla="*/ 3566 w 12944"/>
+                <a:gd name="connsiteY7" fmla="*/ 5776 h 13389"/>
+                <a:gd name="connsiteX0" fmla="*/ 3566 w 12944"/>
+                <a:gd name="connsiteY0" fmla="*/ 5776 h 13389"/>
+                <a:gd name="connsiteX1" fmla="*/ 0 w 12944"/>
+                <a:gd name="connsiteY1" fmla="*/ 3864 h 13389"/>
+                <a:gd name="connsiteX2" fmla="*/ 4869 w 12944"/>
+                <a:gd name="connsiteY2" fmla="*/ 949 h 13389"/>
+                <a:gd name="connsiteX3" fmla="*/ 7921 w 12944"/>
+                <a:gd name="connsiteY3" fmla="*/ 3796 h 13389"/>
+                <a:gd name="connsiteX4" fmla="*/ 6111 w 12944"/>
+                <a:gd name="connsiteY4" fmla="*/ 4666 h 13389"/>
+                <a:gd name="connsiteX5" fmla="*/ 12944 w 12944"/>
+                <a:gd name="connsiteY5" fmla="*/ 13389 h 13389"/>
+                <a:gd name="connsiteX6" fmla="*/ 1356 w 12944"/>
+                <a:gd name="connsiteY6" fmla="*/ 6704 h 13389"/>
+                <a:gd name="connsiteX7" fmla="*/ 3566 w 12944"/>
+                <a:gd name="connsiteY7" fmla="*/ 5776 h 13389"/>
+                <a:gd name="connsiteX0" fmla="*/ 3566 w 12944"/>
+                <a:gd name="connsiteY0" fmla="*/ 4827 h 12440"/>
+                <a:gd name="connsiteX1" fmla="*/ 0 w 12944"/>
+                <a:gd name="connsiteY1" fmla="*/ 2915 h 12440"/>
+                <a:gd name="connsiteX2" fmla="*/ 4869 w 12944"/>
+                <a:gd name="connsiteY2" fmla="*/ 0 h 12440"/>
+                <a:gd name="connsiteX3" fmla="*/ 7921 w 12944"/>
+                <a:gd name="connsiteY3" fmla="*/ 2847 h 12440"/>
+                <a:gd name="connsiteX4" fmla="*/ 6111 w 12944"/>
+                <a:gd name="connsiteY4" fmla="*/ 3717 h 12440"/>
+                <a:gd name="connsiteX5" fmla="*/ 12944 w 12944"/>
+                <a:gd name="connsiteY5" fmla="*/ 12440 h 12440"/>
+                <a:gd name="connsiteX6" fmla="*/ 1356 w 12944"/>
+                <a:gd name="connsiteY6" fmla="*/ 5755 h 12440"/>
+                <a:gd name="connsiteX7" fmla="*/ 3566 w 12944"/>
+                <a:gd name="connsiteY7" fmla="*/ 4827 h 12440"/>
+                <a:gd name="connsiteX0" fmla="*/ 3566 w 12944"/>
+                <a:gd name="connsiteY0" fmla="*/ 4827 h 12440"/>
+                <a:gd name="connsiteX1" fmla="*/ 0 w 12944"/>
+                <a:gd name="connsiteY1" fmla="*/ 2915 h 12440"/>
+                <a:gd name="connsiteX2" fmla="*/ 4869 w 12944"/>
+                <a:gd name="connsiteY2" fmla="*/ 0 h 12440"/>
+                <a:gd name="connsiteX3" fmla="*/ 7921 w 12944"/>
+                <a:gd name="connsiteY3" fmla="*/ 2847 h 12440"/>
+                <a:gd name="connsiteX4" fmla="*/ 6111 w 12944"/>
+                <a:gd name="connsiteY4" fmla="*/ 3717 h 12440"/>
+                <a:gd name="connsiteX5" fmla="*/ 12944 w 12944"/>
+                <a:gd name="connsiteY5" fmla="*/ 12440 h 12440"/>
+                <a:gd name="connsiteX6" fmla="*/ 1356 w 12944"/>
+                <a:gd name="connsiteY6" fmla="*/ 5755 h 12440"/>
+                <a:gd name="connsiteX7" fmla="*/ 3566 w 12944"/>
+                <a:gd name="connsiteY7" fmla="*/ 4827 h 12440"/>
+                <a:gd name="connsiteX0" fmla="*/ 3566 w 12944"/>
+                <a:gd name="connsiteY0" fmla="*/ 4827 h 12440"/>
+                <a:gd name="connsiteX1" fmla="*/ 0 w 12944"/>
+                <a:gd name="connsiteY1" fmla="*/ 2915 h 12440"/>
+                <a:gd name="connsiteX2" fmla="*/ 4869 w 12944"/>
+                <a:gd name="connsiteY2" fmla="*/ 0 h 12440"/>
+                <a:gd name="connsiteX3" fmla="*/ 7921 w 12944"/>
+                <a:gd name="connsiteY3" fmla="*/ 2847 h 12440"/>
+                <a:gd name="connsiteX4" fmla="*/ 6111 w 12944"/>
+                <a:gd name="connsiteY4" fmla="*/ 3717 h 12440"/>
+                <a:gd name="connsiteX5" fmla="*/ 12944 w 12944"/>
+                <a:gd name="connsiteY5" fmla="*/ 12440 h 12440"/>
+                <a:gd name="connsiteX6" fmla="*/ 1356 w 12944"/>
+                <a:gd name="connsiteY6" fmla="*/ 5755 h 12440"/>
+                <a:gd name="connsiteX7" fmla="*/ 3566 w 12944"/>
+                <a:gd name="connsiteY7" fmla="*/ 4827 h 12440"/>
+                <a:gd name="connsiteX0" fmla="*/ 3566 w 12944"/>
+                <a:gd name="connsiteY0" fmla="*/ 4827 h 12440"/>
+                <a:gd name="connsiteX1" fmla="*/ 0 w 12944"/>
+                <a:gd name="connsiteY1" fmla="*/ 2915 h 12440"/>
+                <a:gd name="connsiteX2" fmla="*/ 4869 w 12944"/>
+                <a:gd name="connsiteY2" fmla="*/ 0 h 12440"/>
+                <a:gd name="connsiteX3" fmla="*/ 7921 w 12944"/>
+                <a:gd name="connsiteY3" fmla="*/ 2847 h 12440"/>
+                <a:gd name="connsiteX4" fmla="*/ 6111 w 12944"/>
+                <a:gd name="connsiteY4" fmla="*/ 3717 h 12440"/>
+                <a:gd name="connsiteX5" fmla="*/ 12944 w 12944"/>
+                <a:gd name="connsiteY5" fmla="*/ 12440 h 12440"/>
+                <a:gd name="connsiteX6" fmla="*/ 1356 w 12944"/>
+                <a:gd name="connsiteY6" fmla="*/ 5755 h 12440"/>
+                <a:gd name="connsiteX7" fmla="*/ 3566 w 12944"/>
+                <a:gd name="connsiteY7" fmla="*/ 4827 h 12440"/>
+                <a:gd name="connsiteX0" fmla="*/ 3566 w 12944"/>
+                <a:gd name="connsiteY0" fmla="*/ 4752 h 12365"/>
+                <a:gd name="connsiteX1" fmla="*/ 0 w 12944"/>
+                <a:gd name="connsiteY1" fmla="*/ 2840 h 12365"/>
+                <a:gd name="connsiteX2" fmla="*/ 5094 w 12944"/>
+                <a:gd name="connsiteY2" fmla="*/ 0 h 12365"/>
+                <a:gd name="connsiteX3" fmla="*/ 7921 w 12944"/>
+                <a:gd name="connsiteY3" fmla="*/ 2772 h 12365"/>
+                <a:gd name="connsiteX4" fmla="*/ 6111 w 12944"/>
+                <a:gd name="connsiteY4" fmla="*/ 3642 h 12365"/>
+                <a:gd name="connsiteX5" fmla="*/ 12944 w 12944"/>
+                <a:gd name="connsiteY5" fmla="*/ 12365 h 12365"/>
+                <a:gd name="connsiteX6" fmla="*/ 1356 w 12944"/>
+                <a:gd name="connsiteY6" fmla="*/ 5680 h 12365"/>
+                <a:gd name="connsiteX7" fmla="*/ 3566 w 12944"/>
+                <a:gd name="connsiteY7" fmla="*/ 4752 h 12365"/>
+                <a:gd name="connsiteX0" fmla="*/ 3566 w 12944"/>
+                <a:gd name="connsiteY0" fmla="*/ 4565 h 12178"/>
+                <a:gd name="connsiteX1" fmla="*/ 0 w 12944"/>
+                <a:gd name="connsiteY1" fmla="*/ 2653 h 12178"/>
+                <a:gd name="connsiteX2" fmla="*/ 5094 w 12944"/>
+                <a:gd name="connsiteY2" fmla="*/ 0 h 12178"/>
+                <a:gd name="connsiteX3" fmla="*/ 7921 w 12944"/>
+                <a:gd name="connsiteY3" fmla="*/ 2585 h 12178"/>
+                <a:gd name="connsiteX4" fmla="*/ 6111 w 12944"/>
+                <a:gd name="connsiteY4" fmla="*/ 3455 h 12178"/>
+                <a:gd name="connsiteX5" fmla="*/ 12944 w 12944"/>
+                <a:gd name="connsiteY5" fmla="*/ 12178 h 12178"/>
+                <a:gd name="connsiteX6" fmla="*/ 1356 w 12944"/>
+                <a:gd name="connsiteY6" fmla="*/ 5493 h 12178"/>
+                <a:gd name="connsiteX7" fmla="*/ 3566 w 12944"/>
+                <a:gd name="connsiteY7" fmla="*/ 4565 h 12178"/>
+                <a:gd name="connsiteX0" fmla="*/ 3566 w 12944"/>
+                <a:gd name="connsiteY0" fmla="*/ 4565 h 12178"/>
+                <a:gd name="connsiteX1" fmla="*/ 0 w 12944"/>
+                <a:gd name="connsiteY1" fmla="*/ 2653 h 12178"/>
+                <a:gd name="connsiteX2" fmla="*/ 5094 w 12944"/>
+                <a:gd name="connsiteY2" fmla="*/ 0 h 12178"/>
+                <a:gd name="connsiteX3" fmla="*/ 7921 w 12944"/>
+                <a:gd name="connsiteY3" fmla="*/ 2585 h 12178"/>
+                <a:gd name="connsiteX4" fmla="*/ 6111 w 12944"/>
+                <a:gd name="connsiteY4" fmla="*/ 3455 h 12178"/>
+                <a:gd name="connsiteX5" fmla="*/ 12944 w 12944"/>
+                <a:gd name="connsiteY5" fmla="*/ 12178 h 12178"/>
+                <a:gd name="connsiteX6" fmla="*/ 1356 w 12944"/>
+                <a:gd name="connsiteY6" fmla="*/ 5493 h 12178"/>
+                <a:gd name="connsiteX7" fmla="*/ 3566 w 12944"/>
+                <a:gd name="connsiteY7" fmla="*/ 4565 h 12178"/>
+                <a:gd name="connsiteX0" fmla="*/ 3566 w 12944"/>
+                <a:gd name="connsiteY0" fmla="*/ 4565 h 12178"/>
+                <a:gd name="connsiteX1" fmla="*/ 0 w 12944"/>
+                <a:gd name="connsiteY1" fmla="*/ 2653 h 12178"/>
+                <a:gd name="connsiteX2" fmla="*/ 5094 w 12944"/>
+                <a:gd name="connsiteY2" fmla="*/ 0 h 12178"/>
+                <a:gd name="connsiteX3" fmla="*/ 7921 w 12944"/>
+                <a:gd name="connsiteY3" fmla="*/ 2585 h 12178"/>
+                <a:gd name="connsiteX4" fmla="*/ 6111 w 12944"/>
+                <a:gd name="connsiteY4" fmla="*/ 3455 h 12178"/>
+                <a:gd name="connsiteX5" fmla="*/ 12944 w 12944"/>
+                <a:gd name="connsiteY5" fmla="*/ 12178 h 12178"/>
+                <a:gd name="connsiteX6" fmla="*/ 1356 w 12944"/>
+                <a:gd name="connsiteY6" fmla="*/ 5493 h 12178"/>
+                <a:gd name="connsiteX7" fmla="*/ 3566 w 12944"/>
+                <a:gd name="connsiteY7" fmla="*/ 4565 h 12178"/>
+                <a:gd name="connsiteX0" fmla="*/ 3566 w 12944"/>
+                <a:gd name="connsiteY0" fmla="*/ 4565 h 12178"/>
+                <a:gd name="connsiteX1" fmla="*/ 0 w 12944"/>
+                <a:gd name="connsiteY1" fmla="*/ 2653 h 12178"/>
+                <a:gd name="connsiteX2" fmla="*/ 5094 w 12944"/>
+                <a:gd name="connsiteY2" fmla="*/ 0 h 12178"/>
+                <a:gd name="connsiteX3" fmla="*/ 7921 w 12944"/>
+                <a:gd name="connsiteY3" fmla="*/ 2585 h 12178"/>
+                <a:gd name="connsiteX4" fmla="*/ 6111 w 12944"/>
+                <a:gd name="connsiteY4" fmla="*/ 3455 h 12178"/>
+                <a:gd name="connsiteX5" fmla="*/ 12944 w 12944"/>
+                <a:gd name="connsiteY5" fmla="*/ 12178 h 12178"/>
+                <a:gd name="connsiteX6" fmla="*/ 1356 w 12944"/>
+                <a:gd name="connsiteY6" fmla="*/ 5493 h 12178"/>
+                <a:gd name="connsiteX7" fmla="*/ 3566 w 12944"/>
+                <a:gd name="connsiteY7" fmla="*/ 4565 h 12178"/>
+                <a:gd name="connsiteX0" fmla="*/ 5094 w 12944"/>
+                <a:gd name="connsiteY0" fmla="*/ 0 h 12178"/>
+                <a:gd name="connsiteX1" fmla="*/ 7921 w 12944"/>
+                <a:gd name="connsiteY1" fmla="*/ 2585 h 12178"/>
+                <a:gd name="connsiteX2" fmla="*/ 6111 w 12944"/>
+                <a:gd name="connsiteY2" fmla="*/ 3455 h 12178"/>
+                <a:gd name="connsiteX3" fmla="*/ 12944 w 12944"/>
+                <a:gd name="connsiteY3" fmla="*/ 12178 h 12178"/>
+                <a:gd name="connsiteX4" fmla="*/ 1356 w 12944"/>
+                <a:gd name="connsiteY4" fmla="*/ 5493 h 12178"/>
+                <a:gd name="connsiteX5" fmla="*/ 3566 w 12944"/>
+                <a:gd name="connsiteY5" fmla="*/ 4565 h 12178"/>
+                <a:gd name="connsiteX6" fmla="*/ 0 w 12944"/>
+                <a:gd name="connsiteY6" fmla="*/ 2653 h 12178"/>
+                <a:gd name="connsiteX7" fmla="*/ 7254 w 12944"/>
+                <a:gd name="connsiteY7" fmla="*/ 2160 h 12178"/>
+                <a:gd name="connsiteX0" fmla="*/ 5094 w 12944"/>
+                <a:gd name="connsiteY0" fmla="*/ 0 h 12178"/>
+                <a:gd name="connsiteX1" fmla="*/ 7921 w 12944"/>
+                <a:gd name="connsiteY1" fmla="*/ 2585 h 12178"/>
+                <a:gd name="connsiteX2" fmla="*/ 6111 w 12944"/>
+                <a:gd name="connsiteY2" fmla="*/ 3455 h 12178"/>
+                <a:gd name="connsiteX3" fmla="*/ 12944 w 12944"/>
+                <a:gd name="connsiteY3" fmla="*/ 12178 h 12178"/>
+                <a:gd name="connsiteX4" fmla="*/ 1356 w 12944"/>
+                <a:gd name="connsiteY4" fmla="*/ 5493 h 12178"/>
+                <a:gd name="connsiteX5" fmla="*/ 3566 w 12944"/>
+                <a:gd name="connsiteY5" fmla="*/ 4565 h 12178"/>
+                <a:gd name="connsiteX6" fmla="*/ 0 w 12944"/>
+                <a:gd name="connsiteY6" fmla="*/ 2653 h 12178"/>
+              </a:gdLst>
+              <a:ahLst/>
+              <a:cxnLst>
+                <a:cxn ang="0">
+                  <a:pos x="connsiteX0" y="connsiteY0"/>
+                </a:cxn>
+                <a:cxn ang="0">
+                  <a:pos x="connsiteX1" y="connsiteY1"/>
+                </a:cxn>
+                <a:cxn ang="0">
+                  <a:pos x="connsiteX2" y="connsiteY2"/>
+                </a:cxn>
+                <a:cxn ang="0">
+                  <a:pos x="connsiteX3" y="connsiteY3"/>
+                </a:cxn>
+                <a:cxn ang="0">
+                  <a:pos x="connsiteX4" y="connsiteY4"/>
+                </a:cxn>
+                <a:cxn ang="0">
+                  <a:pos x="connsiteX5" y="connsiteY5"/>
+                </a:cxn>
+                <a:cxn ang="0">
+                  <a:pos x="connsiteX6" y="connsiteY6"/>
+                </a:cxn>
+              </a:cxnLst>
+              <a:rect l="l" t="t" r="r" b="b"/>
+              <a:pathLst>
+                <a:path w="12944" h="12178">
+                  <a:moveTo>
+                    <a:pt x="5094" y="0"/>
+                  </a:moveTo>
+                  <a:cubicBezTo>
+                    <a:pt x="8064" y="2839"/>
+                    <a:pt x="6507" y="1292"/>
+                    <a:pt x="7921" y="2585"/>
+                  </a:cubicBezTo>
+                  <a:lnTo>
+                    <a:pt x="6111" y="3455"/>
+                  </a:lnTo>
+                  <a:lnTo>
+                    <a:pt x="12944" y="12178"/>
+                  </a:lnTo>
+                  <a:lnTo>
+                    <a:pt x="1356" y="5493"/>
+                  </a:lnTo>
+                  <a:lnTo>
+                    <a:pt x="3566" y="4565"/>
+                  </a:lnTo>
+                  <a:lnTo>
+                    <a:pt x="0" y="2653"/>
+                  </a:lnTo>
+                </a:path>
+              </a:pathLst>
+            </a:custGeom>
+          </p:spPr>
+          <p:style>
+            <a:lnRef idx="2">
+              <a:schemeClr val="accent2">
+                <a:shade val="50000"/>
+              </a:schemeClr>
+            </a:lnRef>
+            <a:fillRef idx="1">
+              <a:schemeClr val="accent2"/>
+            </a:fillRef>
+            <a:effectRef idx="0">
+              <a:schemeClr val="accent2"/>
+            </a:effectRef>
+            <a:fontRef idx="minor">
+              <a:schemeClr val="lt1"/>
+            </a:fontRef>
+          </p:style>
+          <p:txBody>
+            <a:bodyPr rtlCol="0" anchor="ctr"/>
+            <a:lstStyle/>
+            <a:p>
+              <a:pPr algn="ctr"/>
+              <a:endParaRPr lang="ru-RU"/>
+            </a:p>
+          </p:txBody>
+        </p:sp>
+      </p:grpSp>
+      <p:sp>
+        <p:nvSpPr>
+          <p:cNvPr id="21" name="TextBox 20"/>
+          <p:cNvSpPr txBox="1"/>
+          <p:nvPr/>
+        </p:nvSpPr>
+        <p:spPr>
+          <a:xfrm>
+            <a:off x="-3385" y="949862"/>
+            <a:ext cx="12191999" cy="2308324"/>
+          </a:xfrm>
+          <a:prstGeom prst="rect">
+            <a:avLst/>
+          </a:prstGeom>
+          <a:noFill/>
+        </p:spPr>
+        <p:txBody>
+          <a:bodyPr wrap="square" rtlCol="0">
+            <a:spAutoFit/>
+          </a:bodyPr>
+          <a:lstStyle/>
+          <a:p>
+            <a:pPr algn="ctr"/>
+            <a:r>
+              <a:rPr lang="ru-RU" sz="7200" b="1" dirty="0" smtClean="0"/>
+              <a:t>Разработка </a:t>
+            </a:r>
+            <a:r>
+              <a:rPr lang="ru-RU" sz="7200" b="1" dirty="0" err="1" smtClean="0"/>
+              <a:t>микросервисных</a:t>
+            </a:r>
+            <a:r>
+              <a:rPr lang="ru-RU" sz="7200" b="1" dirty="0" smtClean="0"/>
+              <a:t> приложений</a:t>
+            </a:r>
+            <a:endParaRPr lang="ru-RU" sz="7200" b="1" dirty="0"/>
           </a:p>
         </p:txBody>
       </p:sp>
     </p:spTree>
     <p:extLst>
       <p:ext uri="{BB962C8B-B14F-4D97-AF65-F5344CB8AC3E}">
-        <p14:creationId xmlns:p14="http://schemas.microsoft.com/office/powerpoint/2010/main" val="1285199392"/>
+        <p14:creationId xmlns:p14="http://schemas.microsoft.com/office/powerpoint/2010/main" val="87429763"/>
       </p:ext>
     </p:extLst>
   </p:cSld>
@@ -3062,124 +5683,995 @@
           <a:chExt cx="0" cy="0"/>
         </a:xfrm>
       </p:grpSpPr>
+      <p:sp>
+        <p:nvSpPr>
+          <p:cNvPr id="10" name="TextBox 9"/>
+          <p:cNvSpPr txBox="1"/>
+          <p:nvPr/>
+        </p:nvSpPr>
+        <p:spPr>
+          <a:xfrm>
+            <a:off x="914401" y="151900"/>
+            <a:ext cx="10363199" cy="1015663"/>
+          </a:xfrm>
+          <a:prstGeom prst="rect">
+            <a:avLst/>
+          </a:prstGeom>
+          <a:noFill/>
+        </p:spPr>
+        <p:txBody>
+          <a:bodyPr wrap="square" rtlCol="0" anchor="ctr">
+            <a:spAutoFit/>
+          </a:bodyPr>
+          <a:lstStyle/>
+          <a:p>
+            <a:pPr algn="ctr"/>
+            <a:r>
+              <a:rPr lang="ru-RU" sz="6000" b="1" dirty="0" smtClean="0"/>
+              <a:t>Развёртывание</a:t>
+            </a:r>
+          </a:p>
+        </p:txBody>
+      </p:sp>
+      <p:sp>
+        <p:nvSpPr>
+          <p:cNvPr id="2" name="TextBox 1"/>
+          <p:cNvSpPr txBox="1"/>
+          <p:nvPr/>
+        </p:nvSpPr>
+        <p:spPr>
+          <a:xfrm>
+            <a:off x="633264" y="1279384"/>
+            <a:ext cx="1303562" cy="1862048"/>
+          </a:xfrm>
+          <a:prstGeom prst="rect">
+            <a:avLst/>
+          </a:prstGeom>
+          <a:noFill/>
+        </p:spPr>
+        <p:txBody>
+          <a:bodyPr wrap="none" rtlCol="0">
+            <a:spAutoFit/>
+          </a:bodyPr>
+          <a:lstStyle/>
+          <a:p>
+            <a:r>
+              <a:rPr lang="ru-RU" sz="11500" dirty="0" smtClean="0"/>
+              <a:t>1.</a:t>
+            </a:r>
+            <a:endParaRPr lang="ru-RU" sz="11500" dirty="0"/>
+          </a:p>
+        </p:txBody>
+      </p:sp>
+      <p:sp>
+        <p:nvSpPr>
+          <p:cNvPr id="3" name="TextBox 2"/>
+          <p:cNvSpPr txBox="1"/>
+          <p:nvPr/>
+        </p:nvSpPr>
+        <p:spPr>
+          <a:xfrm>
+            <a:off x="1650512" y="1762326"/>
+            <a:ext cx="2810652" cy="830997"/>
+          </a:xfrm>
+          <a:prstGeom prst="rect">
+            <a:avLst/>
+          </a:prstGeom>
+          <a:noFill/>
+        </p:spPr>
+        <p:txBody>
+          <a:bodyPr wrap="square" rtlCol="0">
+            <a:spAutoFit/>
+          </a:bodyPr>
+          <a:lstStyle/>
+          <a:p>
+            <a:r>
+              <a:rPr lang="ru-RU" sz="2400" dirty="0" smtClean="0"/>
+              <a:t>Сборка </a:t>
+            </a:r>
+            <a:r>
+              <a:rPr lang="en-US" sz="2400" dirty="0" smtClean="0"/>
+              <a:t>.jar</a:t>
+            </a:r>
+            <a:r>
+              <a:rPr lang="ru-RU" sz="2400" dirty="0" smtClean="0"/>
+              <a:t> файлов</a:t>
+            </a:r>
+          </a:p>
+          <a:p>
+            <a:r>
+              <a:rPr lang="ru-RU" sz="2400" dirty="0" smtClean="0"/>
+              <a:t>с помощью </a:t>
+            </a:r>
+            <a:r>
+              <a:rPr lang="en-US" sz="2400" dirty="0" smtClean="0"/>
+              <a:t>Maven</a:t>
+            </a:r>
+            <a:endParaRPr lang="ru-RU" sz="2400" dirty="0"/>
+          </a:p>
+        </p:txBody>
+      </p:sp>
+      <p:sp>
+        <p:nvSpPr>
+          <p:cNvPr id="6" name="TextBox 5"/>
+          <p:cNvSpPr txBox="1"/>
+          <p:nvPr/>
+        </p:nvSpPr>
+        <p:spPr>
+          <a:xfrm>
+            <a:off x="10413411" y="1210109"/>
+            <a:ext cx="1303562" cy="1862048"/>
+          </a:xfrm>
+          <a:prstGeom prst="rect">
+            <a:avLst/>
+          </a:prstGeom>
+          <a:noFill/>
+        </p:spPr>
+        <p:txBody>
+          <a:bodyPr wrap="none" rtlCol="0">
+            <a:spAutoFit/>
+          </a:bodyPr>
+          <a:lstStyle/>
+          <a:p>
+            <a:r>
+              <a:rPr lang="ru-RU" sz="11500" dirty="0"/>
+              <a:t>2</a:t>
+            </a:r>
+            <a:r>
+              <a:rPr lang="ru-RU" sz="11500" dirty="0" smtClean="0"/>
+              <a:t>.</a:t>
+            </a:r>
+            <a:endParaRPr lang="ru-RU" sz="11500" dirty="0"/>
+          </a:p>
+        </p:txBody>
+      </p:sp>
+      <p:sp>
+        <p:nvSpPr>
+          <p:cNvPr id="7" name="TextBox 6"/>
+          <p:cNvSpPr txBox="1"/>
+          <p:nvPr/>
+        </p:nvSpPr>
+        <p:spPr>
+          <a:xfrm>
+            <a:off x="7000989" y="1762326"/>
+            <a:ext cx="3461205" cy="830997"/>
+          </a:xfrm>
+          <a:prstGeom prst="rect">
+            <a:avLst/>
+          </a:prstGeom>
+          <a:noFill/>
+        </p:spPr>
+        <p:txBody>
+          <a:bodyPr wrap="none" rtlCol="0">
+            <a:spAutoFit/>
+          </a:bodyPr>
+          <a:lstStyle/>
+          <a:p>
+            <a:pPr algn="r"/>
+            <a:r>
+              <a:rPr lang="ru-RU" sz="2400" dirty="0" smtClean="0"/>
+              <a:t>Загрузка </a:t>
+            </a:r>
+            <a:r>
+              <a:rPr lang="en-US" sz="2400" dirty="0" smtClean="0"/>
+              <a:t>.jar</a:t>
+            </a:r>
+            <a:r>
+              <a:rPr lang="ru-RU" sz="2400" dirty="0" smtClean="0"/>
+              <a:t> файлов</a:t>
+            </a:r>
+          </a:p>
+          <a:p>
+            <a:pPr algn="r"/>
+            <a:r>
+              <a:rPr lang="ru-RU" sz="2400" dirty="0" smtClean="0"/>
+              <a:t>на сервер с помощью </a:t>
+            </a:r>
+            <a:r>
+              <a:rPr lang="en-US" sz="2400" dirty="0" smtClean="0"/>
+              <a:t>ftp</a:t>
+            </a:r>
+            <a:endParaRPr lang="ru-RU" sz="2400" dirty="0" smtClean="0"/>
+          </a:p>
+        </p:txBody>
+      </p:sp>
+      <p:sp>
+        <p:nvSpPr>
+          <p:cNvPr id="11" name="TextBox 10"/>
+          <p:cNvSpPr txBox="1"/>
+          <p:nvPr/>
+        </p:nvSpPr>
+        <p:spPr>
+          <a:xfrm>
+            <a:off x="631201" y="3662505"/>
+            <a:ext cx="1303562" cy="1862048"/>
+          </a:xfrm>
+          <a:prstGeom prst="rect">
+            <a:avLst/>
+          </a:prstGeom>
+          <a:noFill/>
+        </p:spPr>
+        <p:txBody>
+          <a:bodyPr wrap="none" rtlCol="0">
+            <a:spAutoFit/>
+          </a:bodyPr>
+          <a:lstStyle/>
+          <a:p>
+            <a:r>
+              <a:rPr lang="ru-RU" sz="11500" dirty="0" smtClean="0"/>
+              <a:t>3.</a:t>
+            </a:r>
+            <a:endParaRPr lang="ru-RU" sz="11500" dirty="0"/>
+          </a:p>
+        </p:txBody>
+      </p:sp>
+      <p:sp>
+        <p:nvSpPr>
+          <p:cNvPr id="12" name="TextBox 11"/>
+          <p:cNvSpPr txBox="1"/>
+          <p:nvPr/>
+        </p:nvSpPr>
+        <p:spPr>
+          <a:xfrm>
+            <a:off x="1689276" y="4588448"/>
+            <a:ext cx="3566169" cy="461665"/>
+          </a:xfrm>
+          <a:prstGeom prst="rect">
+            <a:avLst/>
+          </a:prstGeom>
+          <a:noFill/>
+        </p:spPr>
+        <p:txBody>
+          <a:bodyPr wrap="none" rtlCol="0">
+            <a:spAutoFit/>
+          </a:bodyPr>
+          <a:lstStyle/>
+          <a:p>
+            <a:r>
+              <a:rPr lang="ru-RU" sz="2400" dirty="0" smtClean="0"/>
+              <a:t>Настройка конфигураци</a:t>
+            </a:r>
+            <a:r>
+              <a:rPr lang="ru-RU" sz="2400" dirty="0"/>
+              <a:t>и</a:t>
+            </a:r>
+            <a:r>
+              <a:rPr lang="ru-RU" sz="2400" dirty="0" smtClean="0"/>
+              <a:t> </a:t>
+            </a:r>
+          </a:p>
+        </p:txBody>
+      </p:sp>
+      <p:sp>
+        <p:nvSpPr>
+          <p:cNvPr id="13" name="TextBox 12"/>
+          <p:cNvSpPr txBox="1"/>
+          <p:nvPr/>
+        </p:nvSpPr>
+        <p:spPr>
+          <a:xfrm>
+            <a:off x="10332679" y="3697324"/>
+            <a:ext cx="1303562" cy="1862048"/>
+          </a:xfrm>
+          <a:prstGeom prst="rect">
+            <a:avLst/>
+          </a:prstGeom>
+          <a:noFill/>
+        </p:spPr>
+        <p:txBody>
+          <a:bodyPr wrap="none" rtlCol="0">
+            <a:spAutoFit/>
+          </a:bodyPr>
+          <a:lstStyle/>
+          <a:p>
+            <a:r>
+              <a:rPr lang="ru-RU" sz="11500" dirty="0"/>
+              <a:t>4</a:t>
+            </a:r>
+            <a:r>
+              <a:rPr lang="ru-RU" sz="11500" dirty="0" smtClean="0"/>
+              <a:t>.</a:t>
+            </a:r>
+            <a:endParaRPr lang="ru-RU" sz="11500" dirty="0"/>
+          </a:p>
+        </p:txBody>
+      </p:sp>
+      <p:sp>
+        <p:nvSpPr>
+          <p:cNvPr id="14" name="TextBox 13"/>
+          <p:cNvSpPr txBox="1"/>
+          <p:nvPr/>
+        </p:nvSpPr>
+        <p:spPr>
+          <a:xfrm>
+            <a:off x="7125469" y="4584462"/>
+            <a:ext cx="3211521" cy="461665"/>
+          </a:xfrm>
+          <a:prstGeom prst="rect">
+            <a:avLst/>
+          </a:prstGeom>
+          <a:noFill/>
+        </p:spPr>
+        <p:txBody>
+          <a:bodyPr wrap="none" rtlCol="0">
+            <a:spAutoFit/>
+          </a:bodyPr>
+          <a:lstStyle/>
+          <a:p>
+            <a:pPr algn="r"/>
+            <a:r>
+              <a:rPr lang="ru-RU" sz="2400" dirty="0" smtClean="0"/>
+              <a:t>Запуск с помощью </a:t>
+            </a:r>
+            <a:r>
+              <a:rPr lang="en-US" sz="2400" dirty="0" smtClean="0"/>
+              <a:t>JVM</a:t>
+            </a:r>
+            <a:endParaRPr lang="ru-RU" sz="2400" dirty="0" smtClean="0"/>
+          </a:p>
+        </p:txBody>
+      </p:sp>
+      <p:sp>
+        <p:nvSpPr>
+          <p:cNvPr id="15" name="TextBox 14"/>
+          <p:cNvSpPr txBox="1"/>
+          <p:nvPr/>
+        </p:nvSpPr>
+        <p:spPr>
+          <a:xfrm>
+            <a:off x="1573781" y="4988558"/>
+            <a:ext cx="3819122" cy="923330"/>
+          </a:xfrm>
+          <a:prstGeom prst="rect">
+            <a:avLst/>
+          </a:prstGeom>
+          <a:noFill/>
+        </p:spPr>
+        <p:txBody>
+          <a:bodyPr wrap="none" rtlCol="0">
+            <a:spAutoFit/>
+          </a:bodyPr>
+          <a:lstStyle/>
+          <a:p>
+            <a:pPr marL="285750" indent="-285750">
+              <a:buFont typeface="Arial" panose="020B0604020202020204" pitchFamily="34" charset="0"/>
+              <a:buChar char="•"/>
+            </a:pPr>
+            <a:r>
+              <a:rPr lang="en-US" dirty="0" smtClean="0">
+                <a:solidFill>
+                  <a:schemeClr val="tx1">
+                    <a:lumMod val="50000"/>
+                    <a:lumOff val="50000"/>
+                  </a:schemeClr>
+                </a:solidFill>
+              </a:rPr>
+              <a:t>IP</a:t>
+            </a:r>
+            <a:r>
+              <a:rPr lang="ru-RU" dirty="0" smtClean="0">
+                <a:solidFill>
+                  <a:schemeClr val="tx1">
+                    <a:lumMod val="50000"/>
+                    <a:lumOff val="50000"/>
+                  </a:schemeClr>
+                </a:solidFill>
+              </a:rPr>
+              <a:t>-адреса используемых сервисов</a:t>
+            </a:r>
+          </a:p>
+          <a:p>
+            <a:pPr marL="285750" indent="-285750">
+              <a:buFont typeface="Arial" panose="020B0604020202020204" pitchFamily="34" charset="0"/>
+              <a:buChar char="•"/>
+            </a:pPr>
+            <a:r>
+              <a:rPr lang="ru-RU" dirty="0" smtClean="0">
+                <a:solidFill>
+                  <a:schemeClr val="tx1">
+                    <a:lumMod val="50000"/>
+                    <a:lumOff val="50000"/>
+                  </a:schemeClr>
+                </a:solidFill>
+              </a:rPr>
+              <a:t>Порт запускаемого сервиса</a:t>
+            </a:r>
+            <a:endParaRPr lang="en-US" dirty="0" smtClean="0">
+              <a:solidFill>
+                <a:schemeClr val="tx1">
+                  <a:lumMod val="50000"/>
+                  <a:lumOff val="50000"/>
+                </a:schemeClr>
+              </a:solidFill>
+            </a:endParaRPr>
+          </a:p>
+          <a:p>
+            <a:pPr marL="285750" indent="-285750">
+              <a:buFont typeface="Arial" panose="020B0604020202020204" pitchFamily="34" charset="0"/>
+              <a:buChar char="•"/>
+            </a:pPr>
+            <a:r>
+              <a:rPr lang="ru-RU" dirty="0" smtClean="0">
+                <a:solidFill>
+                  <a:schemeClr val="tx1">
+                    <a:lumMod val="50000"/>
+                    <a:lumOff val="50000"/>
+                  </a:schemeClr>
+                </a:solidFill>
+              </a:rPr>
+              <a:t>«Секретные выражения»</a:t>
+            </a:r>
+          </a:p>
+        </p:txBody>
+      </p:sp>
+      <p:sp>
+        <p:nvSpPr>
+          <p:cNvPr id="22" name="TextBox 21"/>
+          <p:cNvSpPr txBox="1"/>
+          <p:nvPr/>
+        </p:nvSpPr>
+        <p:spPr>
+          <a:xfrm>
+            <a:off x="658334" y="1294001"/>
+            <a:ext cx="1303562" cy="1862048"/>
+          </a:xfrm>
+          <a:prstGeom prst="rect">
+            <a:avLst/>
+          </a:prstGeom>
+          <a:noFill/>
+        </p:spPr>
+        <p:txBody>
+          <a:bodyPr wrap="none" rtlCol="0">
+            <a:spAutoFit/>
+          </a:bodyPr>
+          <a:lstStyle/>
+          <a:p>
+            <a:r>
+              <a:rPr lang="ru-RU" sz="11500" dirty="0" smtClean="0">
+                <a:solidFill>
+                  <a:schemeClr val="accent1">
+                    <a:lumMod val="50000"/>
+                  </a:schemeClr>
+                </a:solidFill>
+              </a:rPr>
+              <a:t>1.</a:t>
+            </a:r>
+            <a:endParaRPr lang="ru-RU" sz="11500" dirty="0">
+              <a:solidFill>
+                <a:schemeClr val="accent1">
+                  <a:lumMod val="50000"/>
+                </a:schemeClr>
+              </a:solidFill>
+            </a:endParaRPr>
+          </a:p>
+        </p:txBody>
+      </p:sp>
+      <p:sp>
+        <p:nvSpPr>
+          <p:cNvPr id="23" name="TextBox 22"/>
+          <p:cNvSpPr txBox="1"/>
+          <p:nvPr/>
+        </p:nvSpPr>
+        <p:spPr>
+          <a:xfrm>
+            <a:off x="681838" y="1308027"/>
+            <a:ext cx="1303562" cy="1862048"/>
+          </a:xfrm>
+          <a:prstGeom prst="rect">
+            <a:avLst/>
+          </a:prstGeom>
+          <a:noFill/>
+        </p:spPr>
+        <p:txBody>
+          <a:bodyPr wrap="none" rtlCol="0">
+            <a:spAutoFit/>
+          </a:bodyPr>
+          <a:lstStyle/>
+          <a:p>
+            <a:r>
+              <a:rPr lang="ru-RU" sz="11500" dirty="0" smtClean="0">
+                <a:solidFill>
+                  <a:schemeClr val="accent1"/>
+                </a:solidFill>
+              </a:rPr>
+              <a:t>1.</a:t>
+            </a:r>
+            <a:endParaRPr lang="ru-RU" sz="11500" dirty="0">
+              <a:solidFill>
+                <a:schemeClr val="accent1"/>
+              </a:solidFill>
+            </a:endParaRPr>
+          </a:p>
+        </p:txBody>
+      </p:sp>
+      <p:sp>
+        <p:nvSpPr>
+          <p:cNvPr id="24" name="TextBox 23"/>
+          <p:cNvSpPr txBox="1"/>
+          <p:nvPr/>
+        </p:nvSpPr>
+        <p:spPr>
+          <a:xfrm>
+            <a:off x="10390321" y="1217036"/>
+            <a:ext cx="1303562" cy="1862048"/>
+          </a:xfrm>
+          <a:prstGeom prst="rect">
+            <a:avLst/>
+          </a:prstGeom>
+          <a:noFill/>
+        </p:spPr>
+        <p:txBody>
+          <a:bodyPr wrap="none" rtlCol="0">
+            <a:spAutoFit/>
+          </a:bodyPr>
+          <a:lstStyle/>
+          <a:p>
+            <a:r>
+              <a:rPr lang="ru-RU" sz="11500" dirty="0">
+                <a:solidFill>
+                  <a:schemeClr val="accent1">
+                    <a:lumMod val="50000"/>
+                  </a:schemeClr>
+                </a:solidFill>
+              </a:rPr>
+              <a:t>2</a:t>
+            </a:r>
+            <a:r>
+              <a:rPr lang="ru-RU" sz="11500" dirty="0" smtClean="0">
+                <a:solidFill>
+                  <a:schemeClr val="accent1">
+                    <a:lumMod val="50000"/>
+                  </a:schemeClr>
+                </a:solidFill>
+              </a:rPr>
+              <a:t>.</a:t>
+            </a:r>
+            <a:endParaRPr lang="ru-RU" sz="11500" dirty="0">
+              <a:solidFill>
+                <a:schemeClr val="accent1">
+                  <a:lumMod val="50000"/>
+                </a:schemeClr>
+              </a:solidFill>
+            </a:endParaRPr>
+          </a:p>
+        </p:txBody>
+      </p:sp>
+      <p:sp>
+        <p:nvSpPr>
+          <p:cNvPr id="25" name="TextBox 24"/>
+          <p:cNvSpPr txBox="1"/>
+          <p:nvPr/>
+        </p:nvSpPr>
+        <p:spPr>
+          <a:xfrm>
+            <a:off x="10369081" y="1230889"/>
+            <a:ext cx="1303562" cy="1862048"/>
+          </a:xfrm>
+          <a:prstGeom prst="rect">
+            <a:avLst/>
+          </a:prstGeom>
+          <a:noFill/>
+        </p:spPr>
+        <p:txBody>
+          <a:bodyPr wrap="none" rtlCol="0">
+            <a:spAutoFit/>
+          </a:bodyPr>
+          <a:lstStyle/>
+          <a:p>
+            <a:r>
+              <a:rPr lang="ru-RU" sz="11500" dirty="0">
+                <a:solidFill>
+                  <a:schemeClr val="accent1"/>
+                </a:solidFill>
+              </a:rPr>
+              <a:t>2</a:t>
+            </a:r>
+            <a:r>
+              <a:rPr lang="ru-RU" sz="11500" dirty="0" smtClean="0">
+                <a:solidFill>
+                  <a:schemeClr val="accent1"/>
+                </a:solidFill>
+              </a:rPr>
+              <a:t>.</a:t>
+            </a:r>
+            <a:endParaRPr lang="ru-RU" sz="11500" dirty="0">
+              <a:solidFill>
+                <a:schemeClr val="accent1"/>
+              </a:solidFill>
+            </a:endParaRPr>
+          </a:p>
+        </p:txBody>
+      </p:sp>
+      <p:sp>
+        <p:nvSpPr>
+          <p:cNvPr id="26" name="TextBox 25"/>
+          <p:cNvSpPr txBox="1"/>
+          <p:nvPr/>
+        </p:nvSpPr>
+        <p:spPr>
+          <a:xfrm>
+            <a:off x="649800" y="3649080"/>
+            <a:ext cx="1303562" cy="1862048"/>
+          </a:xfrm>
+          <a:prstGeom prst="rect">
+            <a:avLst/>
+          </a:prstGeom>
+          <a:noFill/>
+        </p:spPr>
+        <p:txBody>
+          <a:bodyPr wrap="none" rtlCol="0">
+            <a:spAutoFit/>
+          </a:bodyPr>
+          <a:lstStyle/>
+          <a:p>
+            <a:r>
+              <a:rPr lang="ru-RU" sz="11500" dirty="0" smtClean="0">
+                <a:solidFill>
+                  <a:schemeClr val="accent1">
+                    <a:lumMod val="50000"/>
+                  </a:schemeClr>
+                </a:solidFill>
+              </a:rPr>
+              <a:t>3.</a:t>
+            </a:r>
+            <a:endParaRPr lang="ru-RU" sz="11500" dirty="0">
+              <a:solidFill>
+                <a:schemeClr val="accent1">
+                  <a:lumMod val="50000"/>
+                </a:schemeClr>
+              </a:solidFill>
+            </a:endParaRPr>
+          </a:p>
+        </p:txBody>
+      </p:sp>
+      <p:sp>
+        <p:nvSpPr>
+          <p:cNvPr id="27" name="TextBox 26"/>
+          <p:cNvSpPr txBox="1"/>
+          <p:nvPr/>
+        </p:nvSpPr>
+        <p:spPr>
+          <a:xfrm>
+            <a:off x="661838" y="3633862"/>
+            <a:ext cx="1303562" cy="1862048"/>
+          </a:xfrm>
+          <a:prstGeom prst="rect">
+            <a:avLst/>
+          </a:prstGeom>
+          <a:noFill/>
+        </p:spPr>
+        <p:txBody>
+          <a:bodyPr wrap="none" rtlCol="0">
+            <a:spAutoFit/>
+          </a:bodyPr>
+          <a:lstStyle/>
+          <a:p>
+            <a:r>
+              <a:rPr lang="ru-RU" sz="11500" dirty="0" smtClean="0">
+                <a:solidFill>
+                  <a:schemeClr val="accent1"/>
+                </a:solidFill>
+              </a:rPr>
+              <a:t>3.</a:t>
+            </a:r>
+            <a:endParaRPr lang="ru-RU" sz="11500" dirty="0">
+              <a:solidFill>
+                <a:schemeClr val="accent1"/>
+              </a:solidFill>
+            </a:endParaRPr>
+          </a:p>
+        </p:txBody>
+      </p:sp>
+      <p:sp>
+        <p:nvSpPr>
+          <p:cNvPr id="28" name="TextBox 27"/>
+          <p:cNvSpPr txBox="1"/>
+          <p:nvPr/>
+        </p:nvSpPr>
+        <p:spPr>
+          <a:xfrm>
+            <a:off x="10308969" y="3676507"/>
+            <a:ext cx="1303562" cy="1862048"/>
+          </a:xfrm>
+          <a:prstGeom prst="rect">
+            <a:avLst/>
+          </a:prstGeom>
+          <a:noFill/>
+        </p:spPr>
+        <p:txBody>
+          <a:bodyPr wrap="none" rtlCol="0">
+            <a:spAutoFit/>
+          </a:bodyPr>
+          <a:lstStyle/>
+          <a:p>
+            <a:r>
+              <a:rPr lang="ru-RU" sz="11500" dirty="0">
+                <a:solidFill>
+                  <a:schemeClr val="accent1">
+                    <a:lumMod val="50000"/>
+                  </a:schemeClr>
+                </a:solidFill>
+              </a:rPr>
+              <a:t>4</a:t>
+            </a:r>
+            <a:r>
+              <a:rPr lang="ru-RU" sz="11500" dirty="0" smtClean="0">
+                <a:solidFill>
+                  <a:schemeClr val="accent1">
+                    <a:lumMod val="50000"/>
+                  </a:schemeClr>
+                </a:solidFill>
+              </a:rPr>
+              <a:t>.</a:t>
+            </a:r>
+            <a:endParaRPr lang="ru-RU" sz="11500" dirty="0">
+              <a:solidFill>
+                <a:schemeClr val="accent1">
+                  <a:lumMod val="50000"/>
+                </a:schemeClr>
+              </a:solidFill>
+            </a:endParaRPr>
+          </a:p>
+        </p:txBody>
+      </p:sp>
+      <p:sp>
+        <p:nvSpPr>
+          <p:cNvPr id="29" name="TextBox 28"/>
+          <p:cNvSpPr txBox="1"/>
+          <p:nvPr/>
+        </p:nvSpPr>
+        <p:spPr>
+          <a:xfrm>
+            <a:off x="10286127" y="3669580"/>
+            <a:ext cx="1303562" cy="1862048"/>
+          </a:xfrm>
+          <a:prstGeom prst="rect">
+            <a:avLst/>
+          </a:prstGeom>
+          <a:noFill/>
+        </p:spPr>
+        <p:txBody>
+          <a:bodyPr wrap="none" rtlCol="0">
+            <a:spAutoFit/>
+          </a:bodyPr>
+          <a:lstStyle/>
+          <a:p>
+            <a:r>
+              <a:rPr lang="ru-RU" sz="11500" dirty="0">
+                <a:solidFill>
+                  <a:schemeClr val="accent1"/>
+                </a:solidFill>
+              </a:rPr>
+              <a:t>4</a:t>
+            </a:r>
+            <a:r>
+              <a:rPr lang="ru-RU" sz="11500" dirty="0" smtClean="0">
+                <a:solidFill>
+                  <a:schemeClr val="accent1"/>
+                </a:solidFill>
+              </a:rPr>
+              <a:t>.</a:t>
+            </a:r>
+            <a:endParaRPr lang="ru-RU" sz="11500" dirty="0">
+              <a:solidFill>
+                <a:schemeClr val="accent1"/>
+              </a:solidFill>
+            </a:endParaRPr>
+          </a:p>
+        </p:txBody>
+      </p:sp>
       <p:grpSp>
         <p:nvGrpSpPr>
-          <p:cNvPr id="53" name="Группа 52"/>
+          <p:cNvPr id="20" name="Группа 19"/>
           <p:cNvGrpSpPr/>
           <p:nvPr/>
         </p:nvGrpSpPr>
         <p:grpSpPr>
           <a:xfrm>
-            <a:off x="2469824" y="1635207"/>
-            <a:ext cx="7236092" cy="4916419"/>
-            <a:chOff x="4272985" y="2759867"/>
-            <a:chExt cx="463461" cy="484632"/>
+            <a:off x="4169440" y="2597642"/>
+            <a:ext cx="862949" cy="914689"/>
+            <a:chOff x="4102889" y="1658242"/>
+            <a:chExt cx="862949" cy="914689"/>
           </a:xfrm>
         </p:grpSpPr>
+        <p:pic>
+          <p:nvPicPr>
+            <p:cNvPr id="2050" name="Picture 2" descr="Open Box Icons - Download Free Vector Icons | Noun Project"/>
+            <p:cNvPicPr>
+              <a:picLocks noChangeAspect="1" noChangeArrowheads="1"/>
+            </p:cNvPicPr>
+            <p:nvPr/>
+          </p:nvPicPr>
+          <p:blipFill>
+            <a:blip r:embed="rId2" cstate="print">
+              <a:extLst>
+                <a:ext uri="{28A0092B-C50C-407E-A947-70E740481C1C}">
+                  <a14:useLocalDpi xmlns:a14="http://schemas.microsoft.com/office/drawing/2010/main" val="0"/>
+                </a:ext>
+              </a:extLst>
+            </a:blip>
+            <a:srcRect/>
+            <a:stretch>
+              <a:fillRect/>
+            </a:stretch>
+          </p:blipFill>
+          <p:spPr bwMode="auto">
+            <a:xfrm>
+              <a:off x="4230205" y="1837298"/>
+              <a:ext cx="735633" cy="735633"/>
+            </a:xfrm>
+            <a:prstGeom prst="rect">
+              <a:avLst/>
+            </a:prstGeom>
+            <a:noFill/>
+            <a:extLst>
+              <a:ext uri="{909E8E84-426E-40DD-AFC4-6F175D3DCCD1}">
+                <a14:hiddenFill xmlns:a14="http://schemas.microsoft.com/office/drawing/2010/main">
+                  <a:solidFill>
+                    <a:srgbClr val="FFFFFF"/>
+                  </a:solidFill>
+                </a14:hiddenFill>
+              </a:ext>
+            </a:extLst>
+          </p:spPr>
+        </p:pic>
         <p:sp>
           <p:nvSpPr>
-            <p:cNvPr id="54" name="Двойная стрелка влево/вправо 5"/>
+            <p:cNvPr id="5" name="Выгнутая вверх стрелка 4"/>
             <p:cNvSpPr/>
             <p:nvPr/>
           </p:nvSpPr>
           <p:spPr>
             <a:xfrm>
-              <a:off x="4272985" y="2759867"/>
-              <a:ext cx="316142" cy="484632"/>
+              <a:off x="4102889" y="1658242"/>
+              <a:ext cx="676052" cy="441744"/>
+            </a:xfrm>
+            <a:prstGeom prst="curvedDownArrow">
+              <a:avLst>
+                <a:gd name="adj1" fmla="val 18324"/>
+                <a:gd name="adj2" fmla="val 65474"/>
+                <a:gd name="adj3" fmla="val 40046"/>
+              </a:avLst>
+            </a:prstGeom>
+            <a:noFill/>
+            <a:ln w="38100">
+              <a:solidFill>
+                <a:schemeClr val="accent2"/>
+              </a:solidFill>
+            </a:ln>
+          </p:spPr>
+          <p:style>
+            <a:lnRef idx="2">
+              <a:schemeClr val="dk1">
+                <a:shade val="50000"/>
+              </a:schemeClr>
+            </a:lnRef>
+            <a:fillRef idx="1">
+              <a:schemeClr val="dk1"/>
+            </a:fillRef>
+            <a:effectRef idx="0">
+              <a:schemeClr val="dk1"/>
+            </a:effectRef>
+            <a:fontRef idx="minor">
+              <a:schemeClr val="lt1"/>
+            </a:fontRef>
+          </p:style>
+          <p:txBody>
+            <a:bodyPr rtlCol="0" anchor="ctr"/>
+            <a:lstStyle/>
+            <a:p>
+              <a:pPr algn="ctr"/>
+              <a:endParaRPr lang="ru-RU" sz="2000">
+                <a:solidFill>
+                  <a:schemeClr val="tx1"/>
+                </a:solidFill>
+              </a:endParaRPr>
+            </a:p>
+          </p:txBody>
+        </p:sp>
+      </p:grpSp>
+      <p:grpSp>
+        <p:nvGrpSpPr>
+          <p:cNvPr id="30" name="Группа 29"/>
+          <p:cNvGrpSpPr/>
+          <p:nvPr/>
+        </p:nvGrpSpPr>
+        <p:grpSpPr>
+          <a:xfrm>
+            <a:off x="6060726" y="2593323"/>
+            <a:ext cx="1306979" cy="808045"/>
+            <a:chOff x="6221712" y="1551333"/>
+            <a:chExt cx="1306979" cy="808045"/>
+          </a:xfrm>
+        </p:grpSpPr>
+        <p:pic>
+          <p:nvPicPr>
+            <p:cNvPr id="17" name="Рисунок 16"/>
+            <p:cNvPicPr>
+              <a:picLocks noChangeAspect="1"/>
+            </p:cNvPicPr>
+            <p:nvPr/>
+          </p:nvPicPr>
+          <p:blipFill>
+            <a:blip r:embed="rId3" cstate="print">
+              <a:extLst>
+                <a:ext uri="{28A0092B-C50C-407E-A947-70E740481C1C}">
+                  <a14:useLocalDpi xmlns:a14="http://schemas.microsoft.com/office/drawing/2010/main" val="0"/>
+                </a:ext>
+              </a:extLst>
+            </a:blip>
+            <a:stretch>
+              <a:fillRect/>
+            </a:stretch>
+          </p:blipFill>
+          <p:spPr>
+            <a:xfrm>
+              <a:off x="6957743" y="1761243"/>
+              <a:ext cx="570948" cy="598135"/>
+            </a:xfrm>
+            <a:prstGeom prst="rect">
+              <a:avLst/>
+            </a:prstGeom>
+          </p:spPr>
+        </p:pic>
+        <p:sp>
+          <p:nvSpPr>
+            <p:cNvPr id="16" name="Стрелка вправо 15"/>
+            <p:cNvSpPr/>
+            <p:nvPr/>
+          </p:nvSpPr>
+          <p:spPr>
+            <a:xfrm rot="1868935">
+              <a:off x="6221712" y="1551333"/>
+              <a:ext cx="740468" cy="419819"/>
             </a:xfrm>
             <a:custGeom>
               <a:avLst/>
               <a:gdLst>
-                <a:gd name="connsiteX0" fmla="*/ 0 w 451412"/>
-                <a:gd name="connsiteY0" fmla="*/ 242316 h 484632"/>
-                <a:gd name="connsiteX1" fmla="*/ 135270 w 451412"/>
-                <a:gd name="connsiteY1" fmla="*/ 0 h 484632"/>
-                <a:gd name="connsiteX2" fmla="*/ 135270 w 451412"/>
-                <a:gd name="connsiteY2" fmla="*/ 90435 h 484632"/>
-                <a:gd name="connsiteX3" fmla="*/ 316142 w 451412"/>
-                <a:gd name="connsiteY3" fmla="*/ 90435 h 484632"/>
-                <a:gd name="connsiteX4" fmla="*/ 316142 w 451412"/>
-                <a:gd name="connsiteY4" fmla="*/ 0 h 484632"/>
-                <a:gd name="connsiteX5" fmla="*/ 451412 w 451412"/>
-                <a:gd name="connsiteY5" fmla="*/ 242316 h 484632"/>
-                <a:gd name="connsiteX6" fmla="*/ 316142 w 451412"/>
-                <a:gd name="connsiteY6" fmla="*/ 484632 h 484632"/>
-                <a:gd name="connsiteX7" fmla="*/ 316142 w 451412"/>
-                <a:gd name="connsiteY7" fmla="*/ 394197 h 484632"/>
-                <a:gd name="connsiteX8" fmla="*/ 135270 w 451412"/>
-                <a:gd name="connsiteY8" fmla="*/ 394197 h 484632"/>
-                <a:gd name="connsiteX9" fmla="*/ 135270 w 451412"/>
-                <a:gd name="connsiteY9" fmla="*/ 484632 h 484632"/>
-                <a:gd name="connsiteX10" fmla="*/ 0 w 451412"/>
-                <a:gd name="connsiteY10" fmla="*/ 242316 h 484632"/>
-                <a:gd name="connsiteX0" fmla="*/ 0 w 451412"/>
-                <a:gd name="connsiteY0" fmla="*/ 242316 h 484632"/>
-                <a:gd name="connsiteX1" fmla="*/ 135270 w 451412"/>
-                <a:gd name="connsiteY1" fmla="*/ 0 h 484632"/>
-                <a:gd name="connsiteX2" fmla="*/ 135270 w 451412"/>
-                <a:gd name="connsiteY2" fmla="*/ 90435 h 484632"/>
-                <a:gd name="connsiteX3" fmla="*/ 316142 w 451412"/>
-                <a:gd name="connsiteY3" fmla="*/ 90435 h 484632"/>
-                <a:gd name="connsiteX4" fmla="*/ 451412 w 451412"/>
-                <a:gd name="connsiteY4" fmla="*/ 242316 h 484632"/>
-                <a:gd name="connsiteX5" fmla="*/ 316142 w 451412"/>
-                <a:gd name="connsiteY5" fmla="*/ 484632 h 484632"/>
-                <a:gd name="connsiteX6" fmla="*/ 316142 w 451412"/>
-                <a:gd name="connsiteY6" fmla="*/ 394197 h 484632"/>
-                <a:gd name="connsiteX7" fmla="*/ 135270 w 451412"/>
-                <a:gd name="connsiteY7" fmla="*/ 394197 h 484632"/>
-                <a:gd name="connsiteX8" fmla="*/ 135270 w 451412"/>
-                <a:gd name="connsiteY8" fmla="*/ 484632 h 484632"/>
-                <a:gd name="connsiteX9" fmla="*/ 0 w 451412"/>
-                <a:gd name="connsiteY9" fmla="*/ 242316 h 484632"/>
-                <a:gd name="connsiteX0" fmla="*/ 0 w 316142"/>
-                <a:gd name="connsiteY0" fmla="*/ 242316 h 484632"/>
-                <a:gd name="connsiteX1" fmla="*/ 135270 w 316142"/>
-                <a:gd name="connsiteY1" fmla="*/ 0 h 484632"/>
-                <a:gd name="connsiteX2" fmla="*/ 135270 w 316142"/>
-                <a:gd name="connsiteY2" fmla="*/ 90435 h 484632"/>
-                <a:gd name="connsiteX3" fmla="*/ 316142 w 316142"/>
-                <a:gd name="connsiteY3" fmla="*/ 90435 h 484632"/>
-                <a:gd name="connsiteX4" fmla="*/ 316142 w 316142"/>
+                <a:gd name="connsiteX0" fmla="*/ 0 w 978408"/>
+                <a:gd name="connsiteY0" fmla="*/ 130218 h 484632"/>
+                <a:gd name="connsiteX1" fmla="*/ 736092 w 978408"/>
+                <a:gd name="connsiteY1" fmla="*/ 130218 h 484632"/>
+                <a:gd name="connsiteX2" fmla="*/ 736092 w 978408"/>
+                <a:gd name="connsiteY2" fmla="*/ 0 h 484632"/>
+                <a:gd name="connsiteX3" fmla="*/ 978408 w 978408"/>
+                <a:gd name="connsiteY3" fmla="*/ 242316 h 484632"/>
+                <a:gd name="connsiteX4" fmla="*/ 736092 w 978408"/>
                 <a:gd name="connsiteY4" fmla="*/ 484632 h 484632"/>
-                <a:gd name="connsiteX5" fmla="*/ 316142 w 316142"/>
-                <a:gd name="connsiteY5" fmla="*/ 394197 h 484632"/>
-                <a:gd name="connsiteX6" fmla="*/ 135270 w 316142"/>
-                <a:gd name="connsiteY6" fmla="*/ 394197 h 484632"/>
-                <a:gd name="connsiteX7" fmla="*/ 135270 w 316142"/>
-                <a:gd name="connsiteY7" fmla="*/ 484632 h 484632"/>
-                <a:gd name="connsiteX8" fmla="*/ 0 w 316142"/>
-                <a:gd name="connsiteY8" fmla="*/ 242316 h 484632"/>
-                <a:gd name="connsiteX0" fmla="*/ 0 w 316142"/>
-                <a:gd name="connsiteY0" fmla="*/ 242316 h 484632"/>
-                <a:gd name="connsiteX1" fmla="*/ 135270 w 316142"/>
-                <a:gd name="connsiteY1" fmla="*/ 0 h 484632"/>
-                <a:gd name="connsiteX2" fmla="*/ 135270 w 316142"/>
-                <a:gd name="connsiteY2" fmla="*/ 90435 h 484632"/>
-                <a:gd name="connsiteX3" fmla="*/ 316142 w 316142"/>
-                <a:gd name="connsiteY3" fmla="*/ 90435 h 484632"/>
-                <a:gd name="connsiteX4" fmla="*/ 316142 w 316142"/>
-                <a:gd name="connsiteY4" fmla="*/ 394197 h 484632"/>
-                <a:gd name="connsiteX5" fmla="*/ 135270 w 316142"/>
-                <a:gd name="connsiteY5" fmla="*/ 394197 h 484632"/>
-                <a:gd name="connsiteX6" fmla="*/ 135270 w 316142"/>
-                <a:gd name="connsiteY6" fmla="*/ 484632 h 484632"/>
-                <a:gd name="connsiteX7" fmla="*/ 0 w 316142"/>
-                <a:gd name="connsiteY7" fmla="*/ 242316 h 484632"/>
-                <a:gd name="connsiteX0" fmla="*/ 0 w 316142"/>
-                <a:gd name="connsiteY0" fmla="*/ 242316 h 484632"/>
-                <a:gd name="connsiteX1" fmla="*/ 135270 w 316142"/>
-                <a:gd name="connsiteY1" fmla="*/ 0 h 484632"/>
-                <a:gd name="connsiteX2" fmla="*/ 135270 w 316142"/>
-                <a:gd name="connsiteY2" fmla="*/ 90435 h 484632"/>
-                <a:gd name="connsiteX3" fmla="*/ 316142 w 316142"/>
-                <a:gd name="connsiteY3" fmla="*/ 394197 h 484632"/>
-                <a:gd name="connsiteX4" fmla="*/ 135270 w 316142"/>
-                <a:gd name="connsiteY4" fmla="*/ 394197 h 484632"/>
-                <a:gd name="connsiteX5" fmla="*/ 135270 w 316142"/>
-                <a:gd name="connsiteY5" fmla="*/ 484632 h 484632"/>
-                <a:gd name="connsiteX6" fmla="*/ 0 w 316142"/>
-                <a:gd name="connsiteY6" fmla="*/ 242316 h 484632"/>
+                <a:gd name="connsiteX5" fmla="*/ 736092 w 978408"/>
+                <a:gd name="connsiteY5" fmla="*/ 354414 h 484632"/>
+                <a:gd name="connsiteX6" fmla="*/ 0 w 978408"/>
+                <a:gd name="connsiteY6" fmla="*/ 354414 h 484632"/>
+                <a:gd name="connsiteX7" fmla="*/ 0 w 978408"/>
+                <a:gd name="connsiteY7" fmla="*/ 130218 h 484632"/>
+                <a:gd name="connsiteX0" fmla="*/ 0 w 978408"/>
+                <a:gd name="connsiteY0" fmla="*/ 354414 h 484632"/>
+                <a:gd name="connsiteX1" fmla="*/ 736092 w 978408"/>
+                <a:gd name="connsiteY1" fmla="*/ 130218 h 484632"/>
+                <a:gd name="connsiteX2" fmla="*/ 736092 w 978408"/>
+                <a:gd name="connsiteY2" fmla="*/ 0 h 484632"/>
+                <a:gd name="connsiteX3" fmla="*/ 978408 w 978408"/>
+                <a:gd name="connsiteY3" fmla="*/ 242316 h 484632"/>
+                <a:gd name="connsiteX4" fmla="*/ 736092 w 978408"/>
+                <a:gd name="connsiteY4" fmla="*/ 484632 h 484632"/>
+                <a:gd name="connsiteX5" fmla="*/ 736092 w 978408"/>
+                <a:gd name="connsiteY5" fmla="*/ 354414 h 484632"/>
+                <a:gd name="connsiteX6" fmla="*/ 0 w 978408"/>
+                <a:gd name="connsiteY6" fmla="*/ 354414 h 484632"/>
+                <a:gd name="connsiteX0" fmla="*/ 0 w 1000486"/>
+                <a:gd name="connsiteY0" fmla="*/ 249272 h 484632"/>
+                <a:gd name="connsiteX1" fmla="*/ 758170 w 1000486"/>
+                <a:gd name="connsiteY1" fmla="*/ 130218 h 484632"/>
+                <a:gd name="connsiteX2" fmla="*/ 758170 w 1000486"/>
+                <a:gd name="connsiteY2" fmla="*/ 0 h 484632"/>
+                <a:gd name="connsiteX3" fmla="*/ 1000486 w 1000486"/>
+                <a:gd name="connsiteY3" fmla="*/ 242316 h 484632"/>
+                <a:gd name="connsiteX4" fmla="*/ 758170 w 1000486"/>
+                <a:gd name="connsiteY4" fmla="*/ 484632 h 484632"/>
+                <a:gd name="connsiteX5" fmla="*/ 758170 w 1000486"/>
+                <a:gd name="connsiteY5" fmla="*/ 354414 h 484632"/>
+                <a:gd name="connsiteX6" fmla="*/ 0 w 1000486"/>
+                <a:gd name="connsiteY6" fmla="*/ 249272 h 484632"/>
               </a:gdLst>
               <a:ahLst/>
               <a:cxnLst>
@@ -3207,32 +6699,38 @@
               </a:cxnLst>
               <a:rect l="l" t="t" r="r" b="b"/>
               <a:pathLst>
-                <a:path w="316142" h="484632">
+                <a:path w="1000486" h="484632">
                   <a:moveTo>
-                    <a:pt x="0" y="242316"/>
+                    <a:pt x="0" y="249272"/>
                   </a:moveTo>
                   <a:lnTo>
-                    <a:pt x="135270" y="0"/>
+                    <a:pt x="758170" y="130218"/>
                   </a:lnTo>
                   <a:lnTo>
-                    <a:pt x="135270" y="90435"/>
+                    <a:pt x="758170" y="0"/>
                   </a:lnTo>
                   <a:lnTo>
-                    <a:pt x="316142" y="394197"/>
+                    <a:pt x="1000486" y="242316"/>
                   </a:lnTo>
                   <a:lnTo>
-                    <a:pt x="135270" y="394197"/>
+                    <a:pt x="758170" y="484632"/>
                   </a:lnTo>
                   <a:lnTo>
-                    <a:pt x="135270" y="484632"/>
+                    <a:pt x="758170" y="354414"/>
                   </a:lnTo>
                   <a:lnTo>
-                    <a:pt x="0" y="242316"/>
+                    <a:pt x="0" y="249272"/>
                   </a:lnTo>
                   <a:close/>
                 </a:path>
               </a:pathLst>
             </a:custGeom>
+            <a:noFill/>
+            <a:ln w="57150">
+              <a:solidFill>
+                <a:schemeClr val="accent2"/>
+              </a:solidFill>
+            </a:ln>
           </p:spPr>
           <p:style>
             <a:lnRef idx="2">
@@ -3255,877 +6753,220 @@
             <a:lstStyle/>
             <a:p>
               <a:pPr algn="ctr"/>
-              <a:endParaRPr lang="ru-RU"/>
-            </a:p>
-          </p:txBody>
-        </p:sp>
-        <p:sp>
-          <p:nvSpPr>
-            <p:cNvPr id="55" name="Двойная стрелка влево/вправо 5"/>
-            <p:cNvSpPr/>
-            <p:nvPr/>
-          </p:nvSpPr>
-          <p:spPr>
-            <a:xfrm flipH="1" flipV="1">
-              <a:off x="4420304" y="2759867"/>
-              <a:ext cx="316142" cy="484632"/>
-            </a:xfrm>
-            <a:custGeom>
-              <a:avLst/>
-              <a:gdLst>
-                <a:gd name="connsiteX0" fmla="*/ 0 w 451412"/>
-                <a:gd name="connsiteY0" fmla="*/ 242316 h 484632"/>
-                <a:gd name="connsiteX1" fmla="*/ 135270 w 451412"/>
-                <a:gd name="connsiteY1" fmla="*/ 0 h 484632"/>
-                <a:gd name="connsiteX2" fmla="*/ 135270 w 451412"/>
-                <a:gd name="connsiteY2" fmla="*/ 90435 h 484632"/>
-                <a:gd name="connsiteX3" fmla="*/ 316142 w 451412"/>
-                <a:gd name="connsiteY3" fmla="*/ 90435 h 484632"/>
-                <a:gd name="connsiteX4" fmla="*/ 316142 w 451412"/>
-                <a:gd name="connsiteY4" fmla="*/ 0 h 484632"/>
-                <a:gd name="connsiteX5" fmla="*/ 451412 w 451412"/>
-                <a:gd name="connsiteY5" fmla="*/ 242316 h 484632"/>
-                <a:gd name="connsiteX6" fmla="*/ 316142 w 451412"/>
-                <a:gd name="connsiteY6" fmla="*/ 484632 h 484632"/>
-                <a:gd name="connsiteX7" fmla="*/ 316142 w 451412"/>
-                <a:gd name="connsiteY7" fmla="*/ 394197 h 484632"/>
-                <a:gd name="connsiteX8" fmla="*/ 135270 w 451412"/>
-                <a:gd name="connsiteY8" fmla="*/ 394197 h 484632"/>
-                <a:gd name="connsiteX9" fmla="*/ 135270 w 451412"/>
-                <a:gd name="connsiteY9" fmla="*/ 484632 h 484632"/>
-                <a:gd name="connsiteX10" fmla="*/ 0 w 451412"/>
-                <a:gd name="connsiteY10" fmla="*/ 242316 h 484632"/>
-                <a:gd name="connsiteX0" fmla="*/ 0 w 451412"/>
-                <a:gd name="connsiteY0" fmla="*/ 242316 h 484632"/>
-                <a:gd name="connsiteX1" fmla="*/ 135270 w 451412"/>
-                <a:gd name="connsiteY1" fmla="*/ 0 h 484632"/>
-                <a:gd name="connsiteX2" fmla="*/ 135270 w 451412"/>
-                <a:gd name="connsiteY2" fmla="*/ 90435 h 484632"/>
-                <a:gd name="connsiteX3" fmla="*/ 316142 w 451412"/>
-                <a:gd name="connsiteY3" fmla="*/ 90435 h 484632"/>
-                <a:gd name="connsiteX4" fmla="*/ 451412 w 451412"/>
-                <a:gd name="connsiteY4" fmla="*/ 242316 h 484632"/>
-                <a:gd name="connsiteX5" fmla="*/ 316142 w 451412"/>
-                <a:gd name="connsiteY5" fmla="*/ 484632 h 484632"/>
-                <a:gd name="connsiteX6" fmla="*/ 316142 w 451412"/>
-                <a:gd name="connsiteY6" fmla="*/ 394197 h 484632"/>
-                <a:gd name="connsiteX7" fmla="*/ 135270 w 451412"/>
-                <a:gd name="connsiteY7" fmla="*/ 394197 h 484632"/>
-                <a:gd name="connsiteX8" fmla="*/ 135270 w 451412"/>
-                <a:gd name="connsiteY8" fmla="*/ 484632 h 484632"/>
-                <a:gd name="connsiteX9" fmla="*/ 0 w 451412"/>
-                <a:gd name="connsiteY9" fmla="*/ 242316 h 484632"/>
-                <a:gd name="connsiteX0" fmla="*/ 0 w 316142"/>
-                <a:gd name="connsiteY0" fmla="*/ 242316 h 484632"/>
-                <a:gd name="connsiteX1" fmla="*/ 135270 w 316142"/>
-                <a:gd name="connsiteY1" fmla="*/ 0 h 484632"/>
-                <a:gd name="connsiteX2" fmla="*/ 135270 w 316142"/>
-                <a:gd name="connsiteY2" fmla="*/ 90435 h 484632"/>
-                <a:gd name="connsiteX3" fmla="*/ 316142 w 316142"/>
-                <a:gd name="connsiteY3" fmla="*/ 90435 h 484632"/>
-                <a:gd name="connsiteX4" fmla="*/ 316142 w 316142"/>
-                <a:gd name="connsiteY4" fmla="*/ 484632 h 484632"/>
-                <a:gd name="connsiteX5" fmla="*/ 316142 w 316142"/>
-                <a:gd name="connsiteY5" fmla="*/ 394197 h 484632"/>
-                <a:gd name="connsiteX6" fmla="*/ 135270 w 316142"/>
-                <a:gd name="connsiteY6" fmla="*/ 394197 h 484632"/>
-                <a:gd name="connsiteX7" fmla="*/ 135270 w 316142"/>
-                <a:gd name="connsiteY7" fmla="*/ 484632 h 484632"/>
-                <a:gd name="connsiteX8" fmla="*/ 0 w 316142"/>
-                <a:gd name="connsiteY8" fmla="*/ 242316 h 484632"/>
-                <a:gd name="connsiteX0" fmla="*/ 0 w 316142"/>
-                <a:gd name="connsiteY0" fmla="*/ 242316 h 484632"/>
-                <a:gd name="connsiteX1" fmla="*/ 135270 w 316142"/>
-                <a:gd name="connsiteY1" fmla="*/ 0 h 484632"/>
-                <a:gd name="connsiteX2" fmla="*/ 135270 w 316142"/>
-                <a:gd name="connsiteY2" fmla="*/ 90435 h 484632"/>
-                <a:gd name="connsiteX3" fmla="*/ 316142 w 316142"/>
-                <a:gd name="connsiteY3" fmla="*/ 90435 h 484632"/>
-                <a:gd name="connsiteX4" fmla="*/ 316142 w 316142"/>
-                <a:gd name="connsiteY4" fmla="*/ 394197 h 484632"/>
-                <a:gd name="connsiteX5" fmla="*/ 135270 w 316142"/>
-                <a:gd name="connsiteY5" fmla="*/ 394197 h 484632"/>
-                <a:gd name="connsiteX6" fmla="*/ 135270 w 316142"/>
-                <a:gd name="connsiteY6" fmla="*/ 484632 h 484632"/>
-                <a:gd name="connsiteX7" fmla="*/ 0 w 316142"/>
-                <a:gd name="connsiteY7" fmla="*/ 242316 h 484632"/>
-                <a:gd name="connsiteX0" fmla="*/ 0 w 316142"/>
-                <a:gd name="connsiteY0" fmla="*/ 242316 h 484632"/>
-                <a:gd name="connsiteX1" fmla="*/ 135270 w 316142"/>
-                <a:gd name="connsiteY1" fmla="*/ 0 h 484632"/>
-                <a:gd name="connsiteX2" fmla="*/ 135270 w 316142"/>
-                <a:gd name="connsiteY2" fmla="*/ 90435 h 484632"/>
-                <a:gd name="connsiteX3" fmla="*/ 316142 w 316142"/>
-                <a:gd name="connsiteY3" fmla="*/ 394197 h 484632"/>
-                <a:gd name="connsiteX4" fmla="*/ 135270 w 316142"/>
-                <a:gd name="connsiteY4" fmla="*/ 394197 h 484632"/>
-                <a:gd name="connsiteX5" fmla="*/ 135270 w 316142"/>
-                <a:gd name="connsiteY5" fmla="*/ 484632 h 484632"/>
-                <a:gd name="connsiteX6" fmla="*/ 0 w 316142"/>
-                <a:gd name="connsiteY6" fmla="*/ 242316 h 484632"/>
-              </a:gdLst>
-              <a:ahLst/>
-              <a:cxnLst>
-                <a:cxn ang="0">
-                  <a:pos x="connsiteX0" y="connsiteY0"/>
-                </a:cxn>
-                <a:cxn ang="0">
-                  <a:pos x="connsiteX1" y="connsiteY1"/>
-                </a:cxn>
-                <a:cxn ang="0">
-                  <a:pos x="connsiteX2" y="connsiteY2"/>
-                </a:cxn>
-                <a:cxn ang="0">
-                  <a:pos x="connsiteX3" y="connsiteY3"/>
-                </a:cxn>
-                <a:cxn ang="0">
-                  <a:pos x="connsiteX4" y="connsiteY4"/>
-                </a:cxn>
-                <a:cxn ang="0">
-                  <a:pos x="connsiteX5" y="connsiteY5"/>
-                </a:cxn>
-                <a:cxn ang="0">
-                  <a:pos x="connsiteX6" y="connsiteY6"/>
-                </a:cxn>
-              </a:cxnLst>
-              <a:rect l="l" t="t" r="r" b="b"/>
-              <a:pathLst>
-                <a:path w="316142" h="484632">
-                  <a:moveTo>
-                    <a:pt x="0" y="242316"/>
-                  </a:moveTo>
-                  <a:lnTo>
-                    <a:pt x="135270" y="0"/>
-                  </a:lnTo>
-                  <a:lnTo>
-                    <a:pt x="135270" y="90435"/>
-                  </a:lnTo>
-                  <a:lnTo>
-                    <a:pt x="316142" y="394197"/>
-                  </a:lnTo>
-                  <a:lnTo>
-                    <a:pt x="135270" y="394197"/>
-                  </a:lnTo>
-                  <a:lnTo>
-                    <a:pt x="135270" y="484632"/>
-                  </a:lnTo>
-                  <a:lnTo>
-                    <a:pt x="0" y="242316"/>
-                  </a:lnTo>
-                  <a:close/>
-                </a:path>
-              </a:pathLst>
-            </a:custGeom>
-          </p:spPr>
-          <p:style>
-            <a:lnRef idx="2">
-              <a:schemeClr val="accent2">
-                <a:shade val="50000"/>
-              </a:schemeClr>
-            </a:lnRef>
-            <a:fillRef idx="1">
-              <a:schemeClr val="accent2"/>
-            </a:fillRef>
-            <a:effectRef idx="0">
-              <a:schemeClr val="accent2"/>
-            </a:effectRef>
-            <a:fontRef idx="minor">
-              <a:schemeClr val="lt1"/>
-            </a:fontRef>
-          </p:style>
-          <p:txBody>
-            <a:bodyPr rtlCol="0" anchor="ctr"/>
-            <a:lstStyle/>
-            <a:p>
-              <a:pPr algn="ctr"/>
-              <a:endParaRPr lang="ru-RU"/>
+              <a:endParaRPr lang="ru-RU" sz="2000"/>
             </a:p>
           </p:txBody>
         </p:sp>
       </p:grpSp>
-      <p:sp>
-        <p:nvSpPr>
-          <p:cNvPr id="10" name="TextBox 9"/>
-          <p:cNvSpPr txBox="1"/>
+      <p:grpSp>
+        <p:nvGrpSpPr>
+          <p:cNvPr id="19" name="Группа 18"/>
+          <p:cNvGrpSpPr/>
           <p:nvPr/>
-        </p:nvSpPr>
-        <p:spPr>
+        </p:nvGrpSpPr>
+        <p:grpSpPr>
           <a:xfrm>
-            <a:off x="914401" y="151900"/>
-            <a:ext cx="10363199" cy="1015663"/>
+            <a:off x="4296756" y="3843533"/>
+            <a:ext cx="1118741" cy="839796"/>
+            <a:chOff x="4691504" y="3529017"/>
+            <a:chExt cx="1118741" cy="839796"/>
           </a:xfrm>
-          <a:prstGeom prst="rect">
-            <a:avLst/>
-          </a:prstGeom>
-          <a:noFill/>
-        </p:spPr>
-        <p:txBody>
-          <a:bodyPr wrap="square" rtlCol="0" anchor="ctr">
-            <a:spAutoFit/>
-          </a:bodyPr>
-          <a:lstStyle/>
-          <a:p>
-            <a:pPr algn="ctr"/>
-            <a:r>
-              <a:rPr lang="ru-RU" sz="6000" b="1" dirty="0" smtClean="0"/>
-              <a:t>Работа с данными</a:t>
-            </a:r>
-            <a:endParaRPr lang="ru-RU" sz="6000" b="1" dirty="0" smtClean="0"/>
-          </a:p>
-        </p:txBody>
-      </p:sp>
-      <p:sp>
-        <p:nvSpPr>
-          <p:cNvPr id="2" name="TextBox 1"/>
-          <p:cNvSpPr txBox="1"/>
+        </p:grpSpPr>
+        <p:pic>
+          <p:nvPicPr>
+            <p:cNvPr id="2052" name="Picture 4" descr="Files &amp;amp; Documents Collection | Noun Project"/>
+            <p:cNvPicPr>
+              <a:picLocks noChangeAspect="1" noChangeArrowheads="1"/>
+            </p:cNvPicPr>
+            <p:nvPr/>
+          </p:nvPicPr>
+          <p:blipFill>
+            <a:blip r:embed="rId4">
+              <a:extLst>
+                <a:ext uri="{28A0092B-C50C-407E-A947-70E740481C1C}">
+                  <a14:useLocalDpi xmlns:a14="http://schemas.microsoft.com/office/drawing/2010/main" val="0"/>
+                </a:ext>
+              </a:extLst>
+            </a:blip>
+            <a:srcRect/>
+            <a:stretch>
+              <a:fillRect/>
+            </a:stretch>
+          </p:blipFill>
+          <p:spPr bwMode="auto">
+            <a:xfrm>
+              <a:off x="4691504" y="3532056"/>
+              <a:ext cx="836757" cy="836757"/>
+            </a:xfrm>
+            <a:prstGeom prst="rect">
+              <a:avLst/>
+            </a:prstGeom>
+            <a:noFill/>
+            <a:extLst>
+              <a:ext uri="{909E8E84-426E-40DD-AFC4-6F175D3DCCD1}">
+                <a14:hiddenFill xmlns:a14="http://schemas.microsoft.com/office/drawing/2010/main">
+                  <a:solidFill>
+                    <a:srgbClr val="FFFFFF"/>
+                  </a:solidFill>
+                </a14:hiddenFill>
+              </a:ext>
+            </a:extLst>
+          </p:spPr>
+        </p:pic>
+        <p:pic>
+          <p:nvPicPr>
+            <p:cNvPr id="2058" name="Picture 10" descr="Pencil Icon - Free Icons"/>
+            <p:cNvPicPr>
+              <a:picLocks noChangeAspect="1" noChangeArrowheads="1"/>
+            </p:cNvPicPr>
+            <p:nvPr/>
+          </p:nvPicPr>
+          <p:blipFill>
+            <a:blip r:embed="rId5" cstate="print">
+              <a:duotone>
+                <a:schemeClr val="accent2">
+                  <a:shade val="45000"/>
+                  <a:satMod val="135000"/>
+                </a:schemeClr>
+                <a:prstClr val="white"/>
+              </a:duotone>
+              <a:extLst>
+                <a:ext uri="{28A0092B-C50C-407E-A947-70E740481C1C}">
+                  <a14:useLocalDpi xmlns:a14="http://schemas.microsoft.com/office/drawing/2010/main" val="0"/>
+                </a:ext>
+              </a:extLst>
+            </a:blip>
+            <a:srcRect/>
+            <a:stretch>
+              <a:fillRect/>
+            </a:stretch>
+          </p:blipFill>
+          <p:spPr bwMode="auto">
+            <a:xfrm>
+              <a:off x="5336750" y="3529017"/>
+              <a:ext cx="473495" cy="473495"/>
+            </a:xfrm>
+            <a:prstGeom prst="rect">
+              <a:avLst/>
+            </a:prstGeom>
+            <a:noFill/>
+            <a:extLst>
+              <a:ext uri="{909E8E84-426E-40DD-AFC4-6F175D3DCCD1}">
+                <a14:hiddenFill xmlns:a14="http://schemas.microsoft.com/office/drawing/2010/main">
+                  <a:solidFill>
+                    <a:srgbClr val="FFFFFF"/>
+                  </a:solidFill>
+                </a14:hiddenFill>
+              </a:ext>
+            </a:extLst>
+          </p:spPr>
+        </p:pic>
+      </p:grpSp>
+      <p:grpSp>
+        <p:nvGrpSpPr>
+          <p:cNvPr id="18" name="Группа 17"/>
+          <p:cNvGrpSpPr/>
           <p:nvPr/>
-        </p:nvSpPr>
-        <p:spPr>
+        </p:nvGrpSpPr>
+        <p:grpSpPr>
           <a:xfrm>
-            <a:off x="4737136" y="1167469"/>
-            <a:ext cx="2717732" cy="461665"/>
+            <a:off x="6162263" y="3653124"/>
+            <a:ext cx="1881081" cy="1166156"/>
+            <a:chOff x="6458552" y="3496279"/>
+            <a:chExt cx="1881081" cy="1166156"/>
           </a:xfrm>
-          <a:prstGeom prst="rect">
-            <a:avLst/>
-          </a:prstGeom>
-          <a:noFill/>
-        </p:spPr>
-        <p:txBody>
-          <a:bodyPr wrap="none" rtlCol="0">
-            <a:spAutoFit/>
-          </a:bodyPr>
-          <a:lstStyle/>
-          <a:p>
-            <a:pPr algn="ctr"/>
-            <a:r>
-              <a:rPr lang="ru-RU" sz="2400" b="1" dirty="0" smtClean="0"/>
-              <a:t>Коннектор модели</a:t>
-            </a:r>
-            <a:endParaRPr lang="ru-RU" sz="2400" b="1" dirty="0"/>
-          </a:p>
-        </p:txBody>
-      </p:sp>
-      <p:sp>
-        <p:nvSpPr>
-          <p:cNvPr id="29" name="Прямоугольник 28"/>
-          <p:cNvSpPr/>
-          <p:nvPr/>
-        </p:nvSpPr>
-        <p:spPr>
-          <a:xfrm>
-            <a:off x="4726586" y="1629135"/>
-            <a:ext cx="2743200" cy="4922493"/>
-          </a:xfrm>
-          <a:prstGeom prst="rect">
-            <a:avLst/>
-          </a:prstGeom>
-        </p:spPr>
-        <p:style>
-          <a:lnRef idx="2">
-            <a:schemeClr val="accent5"/>
-          </a:lnRef>
-          <a:fillRef idx="1">
-            <a:schemeClr val="lt1"/>
-          </a:fillRef>
-          <a:effectRef idx="0">
-            <a:schemeClr val="accent5"/>
-          </a:effectRef>
-          <a:fontRef idx="minor">
-            <a:schemeClr val="dk1"/>
-          </a:fontRef>
-        </p:style>
-        <p:txBody>
-          <a:bodyPr rtlCol="0" anchor="ctr"/>
-          <a:lstStyle/>
-          <a:p>
-            <a:pPr algn="ctr"/>
-            <a:endParaRPr lang="ru-RU" sz="5400" dirty="0" smtClean="0"/>
-          </a:p>
-        </p:txBody>
-      </p:sp>
-      <p:sp>
-        <p:nvSpPr>
-          <p:cNvPr id="41" name="Прямоугольник 40"/>
-          <p:cNvSpPr/>
-          <p:nvPr/>
-        </p:nvSpPr>
-        <p:spPr>
-          <a:xfrm>
-            <a:off x="8534400" y="1629135"/>
-            <a:ext cx="2743200" cy="4922493"/>
-          </a:xfrm>
-          <a:prstGeom prst="rect">
-            <a:avLst/>
-          </a:prstGeom>
-        </p:spPr>
-        <p:style>
-          <a:lnRef idx="2">
-            <a:schemeClr val="accent5"/>
-          </a:lnRef>
-          <a:fillRef idx="1">
-            <a:schemeClr val="lt1"/>
-          </a:fillRef>
-          <a:effectRef idx="0">
-            <a:schemeClr val="accent5"/>
-          </a:effectRef>
-          <a:fontRef idx="minor">
-            <a:schemeClr val="dk1"/>
-          </a:fontRef>
-        </p:style>
-        <p:txBody>
-          <a:bodyPr rtlCol="0" anchor="ctr"/>
-          <a:lstStyle/>
-          <a:p>
-            <a:pPr algn="ctr"/>
-            <a:endParaRPr lang="ru-RU" sz="5400" dirty="0" smtClean="0"/>
-          </a:p>
-        </p:txBody>
-      </p:sp>
-      <p:sp>
-        <p:nvSpPr>
-          <p:cNvPr id="42" name="Прямоугольник 41"/>
-          <p:cNvSpPr/>
-          <p:nvPr/>
-        </p:nvSpPr>
-        <p:spPr>
-          <a:xfrm>
-            <a:off x="914401" y="1629134"/>
-            <a:ext cx="2743200" cy="4922493"/>
-          </a:xfrm>
-          <a:prstGeom prst="rect">
-            <a:avLst/>
-          </a:prstGeom>
-        </p:spPr>
-        <p:style>
-          <a:lnRef idx="2">
-            <a:schemeClr val="accent5"/>
-          </a:lnRef>
-          <a:fillRef idx="1">
-            <a:schemeClr val="lt1"/>
-          </a:fillRef>
-          <a:effectRef idx="0">
-            <a:schemeClr val="accent5"/>
-          </a:effectRef>
-          <a:fontRef idx="minor">
-            <a:schemeClr val="dk1"/>
-          </a:fontRef>
-        </p:style>
-        <p:txBody>
-          <a:bodyPr rtlCol="0" anchor="ctr"/>
-          <a:lstStyle/>
-          <a:p>
-            <a:pPr algn="ctr"/>
-            <a:endParaRPr lang="ru-RU" sz="5400" dirty="0" smtClean="0"/>
-          </a:p>
-        </p:txBody>
-      </p:sp>
-      <p:sp>
-        <p:nvSpPr>
-          <p:cNvPr id="43" name="TextBox 42"/>
-          <p:cNvSpPr txBox="1"/>
-          <p:nvPr/>
-        </p:nvSpPr>
-        <p:spPr>
-          <a:xfrm>
-            <a:off x="1340873" y="1167469"/>
-            <a:ext cx="1890262" cy="461665"/>
-          </a:xfrm>
-          <a:prstGeom prst="rect">
-            <a:avLst/>
-          </a:prstGeom>
-          <a:noFill/>
-        </p:spPr>
-        <p:txBody>
-          <a:bodyPr wrap="none" rtlCol="0">
-            <a:spAutoFit/>
-          </a:bodyPr>
-          <a:lstStyle/>
-          <a:p>
-            <a:pPr algn="ctr"/>
-            <a:r>
-              <a:rPr lang="ru-RU" sz="2400" b="1" dirty="0" smtClean="0"/>
-              <a:t>База данных</a:t>
-            </a:r>
-            <a:endParaRPr lang="ru-RU" sz="2400" b="1" dirty="0"/>
-          </a:p>
-        </p:txBody>
-      </p:sp>
-      <p:sp>
-        <p:nvSpPr>
-          <p:cNvPr id="44" name="TextBox 43"/>
-          <p:cNvSpPr txBox="1"/>
-          <p:nvPr/>
-        </p:nvSpPr>
-        <p:spPr>
-          <a:xfrm>
-            <a:off x="9279450" y="1167468"/>
-            <a:ext cx="1253100" cy="461665"/>
-          </a:xfrm>
-          <a:prstGeom prst="rect">
-            <a:avLst/>
-          </a:prstGeom>
-          <a:noFill/>
-        </p:spPr>
-        <p:txBody>
-          <a:bodyPr wrap="none" rtlCol="0">
-            <a:spAutoFit/>
-          </a:bodyPr>
-          <a:lstStyle/>
-          <a:p>
-            <a:pPr algn="ctr"/>
-            <a:r>
-              <a:rPr lang="ru-RU" sz="2400" b="1" dirty="0" smtClean="0"/>
-              <a:t>Модель</a:t>
-            </a:r>
-            <a:endParaRPr lang="ru-RU" sz="2400" b="1" dirty="0"/>
-          </a:p>
-        </p:txBody>
-      </p:sp>
-      <p:sp>
-        <p:nvSpPr>
-          <p:cNvPr id="5" name="TextBox 4"/>
-          <p:cNvSpPr txBox="1"/>
-          <p:nvPr/>
-        </p:nvSpPr>
-        <p:spPr>
-          <a:xfrm>
-            <a:off x="914401" y="1767585"/>
-            <a:ext cx="2732653" cy="646331"/>
-          </a:xfrm>
-          <a:prstGeom prst="rect">
-            <a:avLst/>
-          </a:prstGeom>
-          <a:noFill/>
-        </p:spPr>
-        <p:txBody>
-          <a:bodyPr wrap="square" rtlCol="0">
-            <a:spAutoFit/>
-          </a:bodyPr>
-          <a:lstStyle/>
-          <a:p>
-            <a:pPr algn="ctr"/>
-            <a:r>
-              <a:rPr lang="ru-RU" dirty="0" smtClean="0"/>
-              <a:t>Объект, содержащий информацию о БД</a:t>
-            </a:r>
-            <a:endParaRPr lang="ru-RU" dirty="0"/>
-          </a:p>
-        </p:txBody>
-      </p:sp>
-      <p:sp>
-        <p:nvSpPr>
-          <p:cNvPr id="45" name="TextBox 44"/>
-          <p:cNvSpPr txBox="1"/>
-          <p:nvPr/>
-        </p:nvSpPr>
-        <p:spPr>
-          <a:xfrm>
-            <a:off x="924948" y="2552368"/>
-            <a:ext cx="2732653" cy="1754326"/>
-          </a:xfrm>
-          <a:prstGeom prst="rect">
-            <a:avLst/>
-          </a:prstGeom>
-          <a:noFill/>
-        </p:spPr>
-        <p:txBody>
-          <a:bodyPr wrap="square" rtlCol="0">
-            <a:spAutoFit/>
-          </a:bodyPr>
-          <a:lstStyle/>
-          <a:p>
-            <a:pPr marL="285750" indent="-285750">
-              <a:buFont typeface="Arial" panose="020B0604020202020204" pitchFamily="34" charset="0"/>
-              <a:buChar char="•"/>
-            </a:pPr>
-            <a:r>
-              <a:rPr lang="ru-RU" dirty="0" smtClean="0"/>
-              <a:t>Создаёт подключение к БД</a:t>
-            </a:r>
-          </a:p>
-          <a:p>
-            <a:pPr marL="285750" indent="-285750">
-              <a:buFont typeface="Arial" panose="020B0604020202020204" pitchFamily="34" charset="0"/>
-              <a:buChar char="•"/>
-            </a:pPr>
-            <a:r>
-              <a:rPr lang="ru-RU" dirty="0" smtClean="0"/>
-              <a:t>Даёт возможность выполнять подготовленные </a:t>
-            </a:r>
-            <a:r>
-              <a:rPr lang="en-US" dirty="0" smtClean="0"/>
-              <a:t>SQL </a:t>
-            </a:r>
-            <a:r>
-              <a:rPr lang="ru-RU" dirty="0" smtClean="0"/>
-              <a:t>запросы</a:t>
-            </a:r>
-            <a:endParaRPr lang="ru-RU" dirty="0"/>
-          </a:p>
-        </p:txBody>
-      </p:sp>
-      <p:sp>
-        <p:nvSpPr>
-          <p:cNvPr id="46" name="TextBox 45"/>
-          <p:cNvSpPr txBox="1"/>
-          <p:nvPr/>
-        </p:nvSpPr>
-        <p:spPr>
-          <a:xfrm>
-            <a:off x="924948" y="4797301"/>
-            <a:ext cx="2732653" cy="1754326"/>
-          </a:xfrm>
-          <a:prstGeom prst="rect">
-            <a:avLst/>
-          </a:prstGeom>
-          <a:noFill/>
-        </p:spPr>
-        <p:txBody>
-          <a:bodyPr wrap="square" rtlCol="0">
-            <a:spAutoFit/>
-          </a:bodyPr>
-          <a:lstStyle/>
-          <a:p>
-            <a:pPr algn="ctr"/>
-            <a:r>
-              <a:rPr lang="ru-RU" dirty="0" smtClean="0"/>
-              <a:t>Реализация в </a:t>
-            </a:r>
-            <a:r>
-              <a:rPr lang="en-US" i="1" dirty="0" err="1" smtClean="0"/>
-              <a:t>BasePostgresDataBase</a:t>
-            </a:r>
-            <a:endParaRPr lang="en-US" dirty="0" smtClean="0"/>
-          </a:p>
-          <a:p>
-            <a:r>
-              <a:rPr lang="ru-RU" dirty="0" smtClean="0"/>
-              <a:t>Каждый сервис наследует базовый класс, предоставляя данные для подключения к БД.</a:t>
-            </a:r>
-            <a:endParaRPr lang="ru-RU" dirty="0"/>
-          </a:p>
-        </p:txBody>
-      </p:sp>
-      <p:sp>
-        <p:nvSpPr>
-          <p:cNvPr id="47" name="TextBox 46"/>
-          <p:cNvSpPr txBox="1"/>
-          <p:nvPr/>
-        </p:nvSpPr>
-        <p:spPr>
-          <a:xfrm>
-            <a:off x="4722211" y="1629133"/>
-            <a:ext cx="2732653" cy="1200329"/>
-          </a:xfrm>
-          <a:prstGeom prst="rect">
-            <a:avLst/>
-          </a:prstGeom>
-          <a:noFill/>
-        </p:spPr>
-        <p:txBody>
-          <a:bodyPr wrap="square" rtlCol="0">
-            <a:spAutoFit/>
-          </a:bodyPr>
-          <a:lstStyle/>
-          <a:p>
-            <a:pPr algn="ctr"/>
-            <a:r>
-              <a:rPr lang="ru-RU" dirty="0" smtClean="0"/>
-              <a:t>Объект, содержащий информацию о том, как правильно общаться с БД для каждой из моделей</a:t>
-            </a:r>
-            <a:endParaRPr lang="ru-RU" dirty="0"/>
-          </a:p>
-        </p:txBody>
-      </p:sp>
-      <p:sp>
-        <p:nvSpPr>
-          <p:cNvPr id="48" name="TextBox 47"/>
-          <p:cNvSpPr txBox="1"/>
-          <p:nvPr/>
-        </p:nvSpPr>
-        <p:spPr>
-          <a:xfrm>
-            <a:off x="8534397" y="1767539"/>
-            <a:ext cx="2732653" cy="646331"/>
-          </a:xfrm>
-          <a:prstGeom prst="rect">
-            <a:avLst/>
-          </a:prstGeom>
-          <a:noFill/>
-        </p:spPr>
-        <p:txBody>
-          <a:bodyPr wrap="square" rtlCol="0">
-            <a:spAutoFit/>
-          </a:bodyPr>
-          <a:lstStyle/>
-          <a:p>
-            <a:pPr algn="ctr"/>
-            <a:r>
-              <a:rPr lang="en-US" dirty="0" smtClean="0"/>
-              <a:t>Data-</a:t>
-            </a:r>
-            <a:r>
-              <a:rPr lang="ru-RU" dirty="0" smtClean="0"/>
-              <a:t>объект, содержащий значащую информацию</a:t>
-            </a:r>
-            <a:endParaRPr lang="ru-RU" dirty="0"/>
-          </a:p>
-        </p:txBody>
-      </p:sp>
-      <p:sp>
-        <p:nvSpPr>
-          <p:cNvPr id="49" name="TextBox 48"/>
-          <p:cNvSpPr txBox="1"/>
-          <p:nvPr/>
-        </p:nvSpPr>
-        <p:spPr>
-          <a:xfrm>
-            <a:off x="8534396" y="2552274"/>
-            <a:ext cx="2732653" cy="2031325"/>
-          </a:xfrm>
-          <a:prstGeom prst="rect">
-            <a:avLst/>
-          </a:prstGeom>
-          <a:noFill/>
-        </p:spPr>
-        <p:txBody>
-          <a:bodyPr wrap="square" rtlCol="0">
-            <a:spAutoFit/>
-          </a:bodyPr>
-          <a:lstStyle/>
-          <a:p>
-            <a:pPr marL="285750" indent="-285750">
-              <a:buFont typeface="Arial" panose="020B0604020202020204" pitchFamily="34" charset="0"/>
-              <a:buChar char="•"/>
-            </a:pPr>
-            <a:r>
-              <a:rPr lang="ru-RU" dirty="0" smtClean="0"/>
-              <a:t>Хранит информацию</a:t>
-            </a:r>
-          </a:p>
-          <a:p>
-            <a:pPr marL="285750" indent="-285750">
-              <a:buFont typeface="Arial" panose="020B0604020202020204" pitchFamily="34" charset="0"/>
-              <a:buChar char="•"/>
-            </a:pPr>
-            <a:r>
-              <a:rPr lang="ru-RU" dirty="0" smtClean="0"/>
-              <a:t>Предоставляет методы для задания</a:t>
-            </a:r>
-            <a:r>
-              <a:rPr lang="ru-RU" dirty="0"/>
-              <a:t> </a:t>
-            </a:r>
-            <a:r>
-              <a:rPr lang="ru-RU" dirty="0" smtClean="0"/>
-              <a:t>и получения данных</a:t>
-            </a:r>
-          </a:p>
-          <a:p>
-            <a:pPr marL="285750" indent="-285750">
-              <a:buFont typeface="Arial" panose="020B0604020202020204" pitchFamily="34" charset="0"/>
-              <a:buChar char="•"/>
-            </a:pPr>
-            <a:r>
-              <a:rPr lang="ru-RU" dirty="0" smtClean="0"/>
-              <a:t>Может использоваться при передаче данных между сервисами</a:t>
-            </a:r>
-            <a:endParaRPr lang="ru-RU" dirty="0"/>
-          </a:p>
-        </p:txBody>
-      </p:sp>
-      <p:sp>
-        <p:nvSpPr>
-          <p:cNvPr id="50" name="TextBox 49"/>
-          <p:cNvSpPr txBox="1"/>
-          <p:nvPr/>
-        </p:nvSpPr>
-        <p:spPr>
-          <a:xfrm>
-            <a:off x="8544947" y="4583599"/>
-            <a:ext cx="2732653" cy="2031325"/>
-          </a:xfrm>
-          <a:prstGeom prst="rect">
-            <a:avLst/>
-          </a:prstGeom>
-          <a:noFill/>
-        </p:spPr>
-        <p:txBody>
-          <a:bodyPr wrap="square" rtlCol="0">
-            <a:spAutoFit/>
-          </a:bodyPr>
-          <a:lstStyle/>
-          <a:p>
-            <a:pPr algn="ctr"/>
-            <a:r>
-              <a:rPr lang="ru-RU" dirty="0" smtClean="0"/>
-              <a:t>Существует базовая реализация </a:t>
-            </a:r>
-            <a:r>
-              <a:rPr lang="en-US" i="1" dirty="0" err="1" smtClean="0"/>
-              <a:t>AbstractModel</a:t>
-            </a:r>
-            <a:endParaRPr lang="ru-RU" dirty="0" smtClean="0"/>
-          </a:p>
-          <a:p>
-            <a:r>
-              <a:rPr lang="ru-RU" dirty="0"/>
-              <a:t>Н</a:t>
-            </a:r>
-            <a:r>
-              <a:rPr lang="ru-RU" dirty="0" smtClean="0"/>
-              <a:t>аследоваться от неё необязательно, если нет необходимости получать объект по </a:t>
-            </a:r>
-            <a:r>
-              <a:rPr lang="en-US" dirty="0" smtClean="0"/>
-              <a:t>ID</a:t>
-            </a:r>
-            <a:r>
-              <a:rPr lang="ru-RU" dirty="0" smtClean="0"/>
-              <a:t>.</a:t>
-            </a:r>
-            <a:endParaRPr lang="ru-RU" dirty="0"/>
-          </a:p>
-        </p:txBody>
-      </p:sp>
-      <p:sp>
-        <p:nvSpPr>
-          <p:cNvPr id="51" name="TextBox 50"/>
-          <p:cNvSpPr txBox="1"/>
-          <p:nvPr/>
-        </p:nvSpPr>
-        <p:spPr>
-          <a:xfrm>
-            <a:off x="4716035" y="2829462"/>
-            <a:ext cx="2732653" cy="2031325"/>
-          </a:xfrm>
-          <a:prstGeom prst="rect">
-            <a:avLst/>
-          </a:prstGeom>
-          <a:noFill/>
-        </p:spPr>
-        <p:txBody>
-          <a:bodyPr wrap="square" rtlCol="0">
-            <a:spAutoFit/>
-          </a:bodyPr>
-          <a:lstStyle/>
-          <a:p>
-            <a:pPr marL="285750" indent="-285750">
-              <a:buFont typeface="Arial" panose="020B0604020202020204" pitchFamily="34" charset="0"/>
-              <a:buChar char="•"/>
-            </a:pPr>
-            <a:r>
-              <a:rPr lang="ru-RU" dirty="0" smtClean="0"/>
-              <a:t>Создаёт </a:t>
-            </a:r>
-            <a:r>
-              <a:rPr lang="en-US" dirty="0" smtClean="0"/>
-              <a:t>SQL</a:t>
-            </a:r>
-            <a:r>
-              <a:rPr lang="ru-RU" dirty="0" smtClean="0"/>
-              <a:t> запросы для получения </a:t>
-            </a:r>
-            <a:r>
-              <a:rPr lang="ru-RU" dirty="0"/>
-              <a:t>(</a:t>
-            </a:r>
-            <a:r>
-              <a:rPr lang="ru-RU" dirty="0" smtClean="0"/>
-              <a:t>отправки) объектов моделей из (в) БД.</a:t>
-            </a:r>
-          </a:p>
-          <a:p>
-            <a:pPr marL="285750" indent="-285750">
-              <a:buFont typeface="Arial" panose="020B0604020202020204" pitchFamily="34" charset="0"/>
-              <a:buChar char="•"/>
-            </a:pPr>
-            <a:r>
-              <a:rPr lang="ru-RU" dirty="0" smtClean="0"/>
-              <a:t>Создаёт объекты из результатов </a:t>
-            </a:r>
-            <a:r>
-              <a:rPr lang="en-US" dirty="0" smtClean="0"/>
-              <a:t>SQL</a:t>
-            </a:r>
-            <a:r>
-              <a:rPr lang="ru-RU" dirty="0" smtClean="0"/>
-              <a:t> запросов</a:t>
-            </a:r>
-            <a:endParaRPr lang="ru-RU" dirty="0"/>
-          </a:p>
-        </p:txBody>
-      </p:sp>
-      <p:sp>
-        <p:nvSpPr>
-          <p:cNvPr id="52" name="TextBox 51"/>
-          <p:cNvSpPr txBox="1"/>
-          <p:nvPr/>
-        </p:nvSpPr>
-        <p:spPr>
-          <a:xfrm>
-            <a:off x="4722211" y="4860787"/>
-            <a:ext cx="2732653" cy="1692771"/>
-          </a:xfrm>
-          <a:prstGeom prst="rect">
-            <a:avLst/>
-          </a:prstGeom>
-          <a:noFill/>
-        </p:spPr>
-        <p:txBody>
-          <a:bodyPr wrap="square" rtlCol="0">
-            <a:spAutoFit/>
-          </a:bodyPr>
-          <a:lstStyle/>
-          <a:p>
-            <a:pPr algn="ctr"/>
-            <a:r>
-              <a:rPr lang="ru-RU" dirty="0" smtClean="0"/>
-              <a:t>Реализация в </a:t>
-            </a:r>
-            <a:r>
-              <a:rPr lang="en-US" sz="1600" i="1" dirty="0" err="1" smtClean="0"/>
-              <a:t>BaseDatabaseConnector</a:t>
-            </a:r>
-            <a:r>
-              <a:rPr lang="en-US" sz="1600" i="1" dirty="0" smtClean="0"/>
-              <a:t>&lt;T</a:t>
-            </a:r>
-            <a:r>
-              <a:rPr lang="en-US" sz="1600" dirty="0" smtClean="0"/>
-              <a:t>&gt;</a:t>
-            </a:r>
-            <a:r>
-              <a:rPr lang="ru-RU" sz="1600" dirty="0"/>
-              <a:t> </a:t>
-            </a:r>
-            <a:r>
-              <a:rPr lang="ru-RU" sz="1600" dirty="0" smtClean="0"/>
-              <a:t>и </a:t>
-            </a:r>
-            <a:r>
-              <a:rPr lang="en-US" sz="1600" i="1" dirty="0" err="1" smtClean="0"/>
-              <a:t>AbstractModelD</a:t>
-            </a:r>
-            <a:r>
-              <a:rPr lang="en-US" sz="1600" i="1" dirty="0" smtClean="0"/>
-              <a:t>…C…&lt;T&gt;</a:t>
-            </a:r>
-            <a:endParaRPr lang="ru-RU" sz="1600" i="1" dirty="0"/>
-          </a:p>
-          <a:p>
-            <a:r>
-              <a:rPr lang="ru-RU" dirty="0" smtClean="0"/>
-              <a:t>Наследуется для каждой модели, для которой необходима работа с БД.</a:t>
-            </a:r>
-            <a:endParaRPr lang="en-US" dirty="0" smtClean="0"/>
-          </a:p>
-        </p:txBody>
-      </p:sp>
+        </p:grpSpPr>
+        <p:pic>
+          <p:nvPicPr>
+            <p:cNvPr id="2056" name="Picture 8" descr="Java Update Error – Information Technology Services"/>
+            <p:cNvPicPr>
+              <a:picLocks noChangeAspect="1" noChangeArrowheads="1"/>
+            </p:cNvPicPr>
+            <p:nvPr/>
+          </p:nvPicPr>
+          <p:blipFill rotWithShape="1">
+            <a:blip r:embed="rId6" cstate="print">
+              <a:biLevel thresh="50000"/>
+              <a:extLst>
+                <a:ext uri="{28A0092B-C50C-407E-A947-70E740481C1C}">
+                  <a14:useLocalDpi xmlns:a14="http://schemas.microsoft.com/office/drawing/2010/main" val="0"/>
+                </a:ext>
+              </a:extLst>
+            </a:blip>
+            <a:srcRect b="31904"/>
+            <a:stretch/>
+          </p:blipFill>
+          <p:spPr bwMode="auto">
+            <a:xfrm>
+              <a:off x="6936471" y="3496279"/>
+              <a:ext cx="908310" cy="618521"/>
+            </a:xfrm>
+            <a:prstGeom prst="rect">
+              <a:avLst/>
+            </a:prstGeom>
+            <a:noFill/>
+            <a:extLst>
+              <a:ext uri="{909E8E84-426E-40DD-AFC4-6F175D3DCCD1}">
+                <a14:hiddenFill xmlns:a14="http://schemas.microsoft.com/office/drawing/2010/main">
+                  <a:solidFill>
+                    <a:srgbClr val="FFFFFF"/>
+                  </a:solidFill>
+                </a14:hiddenFill>
+              </a:ext>
+            </a:extLst>
+          </p:spPr>
+        </p:pic>
+        <p:pic>
+          <p:nvPicPr>
+            <p:cNvPr id="32" name="Picture 8" descr="Java Update Error – Information Technology Services"/>
+            <p:cNvPicPr>
+              <a:picLocks noChangeAspect="1" noChangeArrowheads="1"/>
+            </p:cNvPicPr>
+            <p:nvPr/>
+          </p:nvPicPr>
+          <p:blipFill rotWithShape="1">
+            <a:blip r:embed="rId7" cstate="print">
+              <a:duotone>
+                <a:schemeClr val="accent2">
+                  <a:shade val="45000"/>
+                  <a:satMod val="135000"/>
+                </a:schemeClr>
+                <a:prstClr val="white"/>
+              </a:duotone>
+              <a:extLst>
+                <a:ext uri="{28A0092B-C50C-407E-A947-70E740481C1C}">
+                  <a14:useLocalDpi xmlns:a14="http://schemas.microsoft.com/office/drawing/2010/main" val="0"/>
+                </a:ext>
+              </a:extLst>
+            </a:blip>
+            <a:srcRect t="66578"/>
+            <a:stretch/>
+          </p:blipFill>
+          <p:spPr bwMode="auto">
+            <a:xfrm>
+              <a:off x="6458552" y="4033741"/>
+              <a:ext cx="1881081" cy="628694"/>
+            </a:xfrm>
+            <a:prstGeom prst="rect">
+              <a:avLst/>
+            </a:prstGeom>
+            <a:noFill/>
+            <a:extLst>
+              <a:ext uri="{909E8E84-426E-40DD-AFC4-6F175D3DCCD1}">
+                <a14:hiddenFill xmlns:a14="http://schemas.microsoft.com/office/drawing/2010/main">
+                  <a:solidFill>
+                    <a:srgbClr val="FFFFFF"/>
+                  </a:solidFill>
+                </a14:hiddenFill>
+              </a:ext>
+            </a:extLst>
+          </p:spPr>
+        </p:pic>
+      </p:grpSp>
     </p:spTree>
     <p:extLst>
       <p:ext uri="{BB962C8B-B14F-4D97-AF65-F5344CB8AC3E}">
-        <p14:creationId xmlns:p14="http://schemas.microsoft.com/office/powerpoint/2010/main" val="3588891117"/>
+        <p14:creationId xmlns:p14="http://schemas.microsoft.com/office/powerpoint/2010/main" val="3304821933"/>
       </p:ext>
     </p:extLst>
   </p:cSld>
@@ -4169,7 +7010,7 @@
       </p:grpSpPr>
       <p:sp>
         <p:nvSpPr>
-          <p:cNvPr id="10" name="TextBox 9"/>
+          <p:cNvPr id="4" name="TextBox 3"/>
           <p:cNvSpPr txBox="1"/>
           <p:nvPr/>
         </p:nvSpPr>
@@ -4192,54 +7033,140 @@
             <a:pPr algn="ctr"/>
             <a:r>
               <a:rPr lang="ru-RU" sz="6000" b="1" dirty="0" smtClean="0"/>
-              <a:t>Развёртывание</a:t>
+              <a:t>Веб-интерфейс</a:t>
             </a:r>
             <a:endParaRPr lang="ru-RU" sz="6000" b="1" dirty="0" smtClean="0"/>
+          </a:p>
+        </p:txBody>
+      </p:sp>
+      <p:pic>
+        <p:nvPicPr>
+          <p:cNvPr id="6" name="Рисунок 5"/>
+          <p:cNvPicPr>
+            <a:picLocks noChangeAspect="1"/>
+          </p:cNvPicPr>
+          <p:nvPr/>
+        </p:nvPicPr>
+        <p:blipFill rotWithShape="1">
+          <a:blip r:embed="rId2"/>
+          <a:srcRect l="14938" t="3460" r="3734" b="22380"/>
+          <a:stretch/>
+        </p:blipFill>
+        <p:spPr>
+          <a:xfrm>
+            <a:off x="1097280" y="1167563"/>
+            <a:ext cx="10408530" cy="5159141"/>
+          </a:xfrm>
+          <a:prstGeom prst="rect">
+            <a:avLst/>
+          </a:prstGeom>
+        </p:spPr>
+      </p:pic>
+      <p:sp>
+        <p:nvSpPr>
+          <p:cNvPr id="7" name="TextBox 6"/>
+          <p:cNvSpPr txBox="1"/>
+          <p:nvPr/>
+        </p:nvSpPr>
+        <p:spPr>
+          <a:xfrm>
+            <a:off x="3444032" y="5941983"/>
+            <a:ext cx="5715026" cy="769441"/>
+          </a:xfrm>
+          <a:prstGeom prst="rect">
+            <a:avLst/>
+          </a:prstGeom>
+          <a:noFill/>
+        </p:spPr>
+        <p:txBody>
+          <a:bodyPr wrap="none" rtlCol="0">
+            <a:spAutoFit/>
+          </a:bodyPr>
+          <a:lstStyle/>
+          <a:p>
+            <a:r>
+              <a:rPr lang="en-US" sz="4400" b="1" u="sng" dirty="0"/>
+              <a:t>http://cma.hillmine.ru/</a:t>
+            </a:r>
+            <a:endParaRPr lang="ru-RU" sz="4400" b="1" u="sng" dirty="0"/>
           </a:p>
         </p:txBody>
       </p:sp>
       <p:sp>
         <p:nvSpPr>
-          <p:cNvPr id="21" name="Прямоугольник 20"/>
-          <p:cNvSpPr/>
+          <p:cNvPr id="8" name="TextBox 7"/>
+          <p:cNvSpPr txBox="1"/>
           <p:nvPr/>
         </p:nvSpPr>
         <p:spPr>
           <a:xfrm>
-            <a:off x="1529785" y="1167563"/>
-            <a:ext cx="9132429" cy="4480883"/>
+            <a:off x="3434407" y="5973910"/>
+            <a:ext cx="5715026" cy="769441"/>
           </a:xfrm>
           <a:prstGeom prst="rect">
             <a:avLst/>
           </a:prstGeom>
-          <a:solidFill>
-            <a:schemeClr val="bg1"/>
-          </a:solidFill>
+          <a:noFill/>
         </p:spPr>
-        <p:style>
-          <a:lnRef idx="2">
-            <a:schemeClr val="accent1">
-              <a:shade val="50000"/>
-            </a:schemeClr>
-          </a:lnRef>
-          <a:fillRef idx="1">
-            <a:schemeClr val="accent1"/>
-          </a:fillRef>
-          <a:effectRef idx="0">
-            <a:schemeClr val="accent1"/>
-          </a:effectRef>
-          <a:fontRef idx="minor">
-            <a:schemeClr val="lt1"/>
-          </a:fontRef>
-        </p:style>
         <p:txBody>
-          <a:bodyPr rtlCol="0" anchor="ctr"/>
+          <a:bodyPr wrap="none" rtlCol="0">
+            <a:spAutoFit/>
+          </a:bodyPr>
           <a:lstStyle/>
           <a:p>
-            <a:pPr algn="ctr"/>
-            <a:endParaRPr lang="ru-RU" dirty="0">
+            <a:r>
+              <a:rPr lang="en-US" sz="4400" b="1" u="sng" dirty="0">
+                <a:solidFill>
+                  <a:schemeClr val="accent1">
+                    <a:lumMod val="50000"/>
+                  </a:schemeClr>
+                </a:solidFill>
+              </a:rPr>
+              <a:t>http://cma.hillmine.ru/</a:t>
+            </a:r>
+            <a:endParaRPr lang="ru-RU" sz="4400" b="1" u="sng" dirty="0">
               <a:solidFill>
-                <a:schemeClr val="tx1"/>
+                <a:schemeClr val="accent1">
+                  <a:lumMod val="50000"/>
+                </a:schemeClr>
+              </a:solidFill>
+            </a:endParaRPr>
+          </a:p>
+        </p:txBody>
+      </p:sp>
+      <p:sp>
+        <p:nvSpPr>
+          <p:cNvPr id="9" name="TextBox 8"/>
+          <p:cNvSpPr txBox="1"/>
+          <p:nvPr/>
+        </p:nvSpPr>
+        <p:spPr>
+          <a:xfrm>
+            <a:off x="3424782" y="5986351"/>
+            <a:ext cx="5715026" cy="769441"/>
+          </a:xfrm>
+          <a:prstGeom prst="rect">
+            <a:avLst/>
+          </a:prstGeom>
+          <a:noFill/>
+        </p:spPr>
+        <p:txBody>
+          <a:bodyPr wrap="none" rtlCol="0">
+            <a:spAutoFit/>
+          </a:bodyPr>
+          <a:lstStyle/>
+          <a:p>
+            <a:r>
+              <a:rPr lang="en-US" sz="4400" b="1" u="sng" dirty="0">
+                <a:solidFill>
+                  <a:schemeClr val="accent2"/>
+                </a:solidFill>
+              </a:rPr>
+              <a:t>http://cma.hillmine.ru/</a:t>
+            </a:r>
+            <a:endParaRPr lang="ru-RU" sz="4400" b="1" u="sng" dirty="0">
+              <a:solidFill>
+                <a:schemeClr val="accent2"/>
               </a:solidFill>
             </a:endParaRPr>
           </a:p>
@@ -4248,28 +7175,13 @@
     </p:spTree>
     <p:extLst>
       <p:ext uri="{BB962C8B-B14F-4D97-AF65-F5344CB8AC3E}">
-        <p14:creationId xmlns:p14="http://schemas.microsoft.com/office/powerpoint/2010/main" val="3304821933"/>
+        <p14:creationId xmlns:p14="http://schemas.microsoft.com/office/powerpoint/2010/main" val="140559796"/>
       </p:ext>
     </p:extLst>
   </p:cSld>
   <p:clrMapOvr>
     <a:masterClrMapping/>
   </p:clrMapOvr>
-  <mc:AlternateContent xmlns:mc="http://schemas.openxmlformats.org/markup-compatibility/2006" xmlns:p14="http://schemas.microsoft.com/office/powerpoint/2010/main">
-    <mc:Choice Requires="p14">
-      <p:transition spd="slow" p14:dur="2000"/>
-    </mc:Choice>
-    <mc:Fallback xmlns="">
-      <p:transition spd="slow"/>
-    </mc:Fallback>
-  </mc:AlternateContent>
-  <p:timing>
-    <p:tnLst>
-      <p:par>
-        <p:cTn id="1" dur="indefinite" restart="never" nodeType="tmRoot"/>
-      </p:par>
-    </p:tnLst>
-  </p:timing>
 </p:sld>
 </file>
 
@@ -4317,7 +7229,6 @@
               <a:rPr lang="ru-RU" sz="6000" b="1" dirty="0" smtClean="0"/>
               <a:t>Тестирование</a:t>
             </a:r>
-            <a:endParaRPr lang="ru-RU" sz="6000" b="1" dirty="0" smtClean="0"/>
           </a:p>
         </p:txBody>
       </p:sp>
@@ -5725,7 +8636,6 @@
               <a:rPr lang="ru-RU" sz="6000" b="1" dirty="0" smtClean="0"/>
               <a:t>Тестирование</a:t>
             </a:r>
-            <a:endParaRPr lang="ru-RU" sz="6000" b="1" dirty="0" smtClean="0"/>
           </a:p>
         </p:txBody>
       </p:sp>
@@ -6655,9 +9565,9 @@
         <p:grpSpPr>
           <a:xfrm>
             <a:off x="7455816" y="1382375"/>
-            <a:ext cx="3618584" cy="490671"/>
+            <a:ext cx="3618584" cy="478479"/>
             <a:chOff x="5624605" y="4104892"/>
-            <a:chExt cx="3618584" cy="490671"/>
+            <a:chExt cx="3618584" cy="478479"/>
           </a:xfrm>
         </p:grpSpPr>
         <p:sp>
@@ -6698,7 +9608,7 @@
           </p:nvSpPr>
           <p:spPr>
             <a:xfrm>
-              <a:off x="5624605" y="4133898"/>
+              <a:off x="5624605" y="4121706"/>
               <a:ext cx="3608424" cy="461665"/>
             </a:xfrm>
             <a:prstGeom prst="rect">
@@ -6801,7 +9711,6 @@
               <a:rPr lang="ru-RU" sz="6000" b="1" dirty="0" smtClean="0"/>
               <a:t>Тестирование</a:t>
             </a:r>
-            <a:endParaRPr lang="ru-RU" sz="6000" b="1" dirty="0" smtClean="0"/>
           </a:p>
         </p:txBody>
       </p:sp>
@@ -8040,7 +10949,6 @@
               <a:rPr lang="ru-RU" sz="6000" b="1" dirty="0" smtClean="0"/>
               <a:t>Нагрузочное тестирование</a:t>
             </a:r>
-            <a:endParaRPr lang="ru-RU" sz="6000" b="1" dirty="0" smtClean="0"/>
           </a:p>
         </p:txBody>
       </p:sp>
@@ -13819,7 +16727,6 @@
               <a:rPr lang="ru-RU" sz="6000" b="1" dirty="0" smtClean="0"/>
               <a:t>Распределение работы</a:t>
             </a:r>
-            <a:endParaRPr lang="ru-RU" sz="6000" b="1" dirty="0" smtClean="0"/>
           </a:p>
         </p:txBody>
       </p:sp>
@@ -13846,7 +16753,7 @@
         </p:blipFill>
         <p:spPr bwMode="auto">
           <a:xfrm>
-            <a:off x="7948612" y="1167563"/>
+            <a:off x="7754650" y="1167563"/>
             <a:ext cx="2364105" cy="2364106"/>
           </a:xfrm>
           <a:prstGeom prst="rect">
@@ -14024,8 +16931,8 @@
         </p:nvSpPr>
         <p:spPr>
           <a:xfrm>
-            <a:off x="7186349" y="3952240"/>
-            <a:ext cx="4303614" cy="2123658"/>
+            <a:off x="6784895" y="3813740"/>
+            <a:ext cx="4303614" cy="2400657"/>
           </a:xfrm>
           <a:prstGeom prst="rect">
             <a:avLst/>
@@ -14126,6 +17033,17 @@
             <a:r>
               <a:rPr lang="ru-RU" dirty="0" err="1" smtClean="0"/>
               <a:t>сервлетов</a:t>
+            </a:r>
+            <a:endParaRPr lang="ru-RU" dirty="0" smtClean="0"/>
+          </a:p>
+          <a:p>
+            <a:pPr marL="285750" indent="-285750">
+              <a:buFont typeface="Arial" panose="020B0604020202020204" pitchFamily="34" charset="0"/>
+              <a:buChar char="•"/>
+            </a:pPr>
+            <a:r>
+              <a:rPr lang="ru-RU" dirty="0" smtClean="0"/>
+              <a:t>Разработка веб-интерфейса</a:t>
             </a:r>
             <a:endParaRPr lang="ru-RU" dirty="0" smtClean="0"/>
           </a:p>
@@ -14203,57 +17121,6 @@
               <a:rPr lang="ru-RU" sz="6000" b="1" dirty="0" smtClean="0"/>
               <a:t>Выводы</a:t>
             </a:r>
-            <a:endParaRPr lang="ru-RU" sz="6000" b="1" dirty="0" smtClean="0"/>
-          </a:p>
-        </p:txBody>
-      </p:sp>
-      <p:sp>
-        <p:nvSpPr>
-          <p:cNvPr id="3" name="Улыбающееся лицо 2"/>
-          <p:cNvSpPr/>
-          <p:nvPr/>
-        </p:nvSpPr>
-        <p:spPr>
-          <a:xfrm>
-            <a:off x="8929834" y="1361424"/>
-            <a:ext cx="914400" cy="914400"/>
-          </a:xfrm>
-          <a:prstGeom prst="smileyFace">
-            <a:avLst>
-              <a:gd name="adj" fmla="val -4653"/>
-            </a:avLst>
-          </a:prstGeom>
-          <a:noFill/>
-          <a:ln w="38100">
-            <a:solidFill>
-              <a:schemeClr val="accent2">
-                <a:lumMod val="75000"/>
-              </a:schemeClr>
-            </a:solidFill>
-          </a:ln>
-        </p:spPr>
-        <p:style>
-          <a:lnRef idx="2">
-            <a:schemeClr val="accent1">
-              <a:shade val="50000"/>
-            </a:schemeClr>
-          </a:lnRef>
-          <a:fillRef idx="1">
-            <a:schemeClr val="accent1"/>
-          </a:fillRef>
-          <a:effectRef idx="0">
-            <a:schemeClr val="accent1"/>
-          </a:effectRef>
-          <a:fontRef idx="minor">
-            <a:schemeClr val="lt1"/>
-          </a:fontRef>
-        </p:style>
-        <p:txBody>
-          <a:bodyPr rtlCol="0" anchor="ctr"/>
-          <a:lstStyle/>
-          <a:p>
-            <a:pPr algn="ctr"/>
-            <a:endParaRPr lang="ru-RU"/>
           </a:p>
         </p:txBody>
       </p:sp>
@@ -14265,7 +17132,7 @@
         </p:nvSpPr>
         <p:spPr>
           <a:xfrm>
-            <a:off x="2172148" y="1361424"/>
+            <a:off x="2525437" y="1364023"/>
             <a:ext cx="914400" cy="914400"/>
           </a:xfrm>
           <a:prstGeom prst="smileyFace">
@@ -14307,62 +17174,14 @@
       </p:sp>
       <p:sp>
         <p:nvSpPr>
-          <p:cNvPr id="4" name="Выноска-облако 3"/>
-          <p:cNvSpPr/>
-          <p:nvPr/>
-        </p:nvSpPr>
-        <p:spPr>
-          <a:xfrm>
-            <a:off x="5550991" y="1361424"/>
-            <a:ext cx="914400" cy="612648"/>
-          </a:xfrm>
-          <a:prstGeom prst="cloudCallout">
-            <a:avLst/>
-          </a:prstGeom>
-          <a:noFill/>
-          <a:ln w="38100">
-            <a:solidFill>
-              <a:schemeClr val="accent1">
-                <a:lumMod val="75000"/>
-              </a:schemeClr>
-            </a:solidFill>
-          </a:ln>
-        </p:spPr>
-        <p:style>
-          <a:lnRef idx="2">
-            <a:schemeClr val="accent1">
-              <a:shade val="50000"/>
-            </a:schemeClr>
-          </a:lnRef>
-          <a:fillRef idx="1">
-            <a:schemeClr val="accent1"/>
-          </a:fillRef>
-          <a:effectRef idx="0">
-            <a:schemeClr val="accent1"/>
-          </a:effectRef>
-          <a:fontRef idx="minor">
-            <a:schemeClr val="lt1"/>
-          </a:fontRef>
-        </p:style>
-        <p:txBody>
-          <a:bodyPr rtlCol="0" anchor="ctr"/>
-          <a:lstStyle/>
-          <a:p>
-            <a:pPr algn="ctr"/>
-            <a:endParaRPr lang="ru-RU"/>
-          </a:p>
-        </p:txBody>
-      </p:sp>
-      <p:sp>
-        <p:nvSpPr>
           <p:cNvPr id="6" name="TextBox 5"/>
           <p:cNvSpPr txBox="1"/>
           <p:nvPr/>
         </p:nvSpPr>
         <p:spPr>
           <a:xfrm>
-            <a:off x="914401" y="2562282"/>
-            <a:ext cx="3530277" cy="3693319"/>
+            <a:off x="1032164" y="2562282"/>
+            <a:ext cx="4361549" cy="3139321"/>
           </a:xfrm>
           <a:prstGeom prst="rect">
             <a:avLst/>
@@ -14416,7 +17235,11 @@
             </a:pPr>
             <a:r>
               <a:rPr lang="ru-RU" dirty="0" smtClean="0"/>
-              <a:t>Получили навыки парной разработки</a:t>
+              <a:t>Развили навыки </a:t>
+            </a:r>
+            <a:r>
+              <a:rPr lang="ru-RU" dirty="0" smtClean="0"/>
+              <a:t>парной разработки</a:t>
             </a:r>
           </a:p>
           <a:p>
@@ -14456,8 +17279,8 @@
         </p:nvSpPr>
         <p:spPr>
           <a:xfrm>
-            <a:off x="4243052" y="2562282"/>
-            <a:ext cx="3530277" cy="3416320"/>
+            <a:off x="5902037" y="2562281"/>
+            <a:ext cx="4717472" cy="2585323"/>
           </a:xfrm>
           <a:prstGeom prst="rect">
             <a:avLst/>
@@ -14472,9 +17295,14 @@
           <a:p>
             <a:pPr algn="ctr"/>
             <a:r>
+              <a:rPr lang="ru-RU" b="1" dirty="0"/>
+              <a:t>Возможные доработки</a:t>
+            </a:r>
+            <a:r>
               <a:rPr lang="ru-RU" b="1" dirty="0" smtClean="0"/>
-              <a:t>Возможные доработки:</a:t>
-            </a:r>
+              <a:t>:</a:t>
+            </a:r>
+            <a:endParaRPr lang="ru-RU" dirty="0" smtClean="0"/>
           </a:p>
           <a:p>
             <a:pPr marL="285750" indent="-285750">
@@ -14483,7 +17311,11 @@
             </a:pPr>
             <a:r>
               <a:rPr lang="ru-RU" dirty="0" smtClean="0"/>
-              <a:t>Добавление новых записей в БД с помощью </a:t>
+              <a:t>Добавление и удаление </a:t>
+            </a:r>
+            <a:r>
+              <a:rPr lang="ru-RU" dirty="0" smtClean="0"/>
+              <a:t>новых записей в БД с помощью </a:t>
             </a:r>
             <a:r>
               <a:rPr lang="en-US" dirty="0" smtClean="0"/>
@@ -14491,8 +17323,13 @@
             </a:r>
             <a:r>
               <a:rPr lang="ru-RU" dirty="0" smtClean="0"/>
-              <a:t> (заготовки в коде)</a:t>
-            </a:r>
+              <a:t> (заготовки в коде</a:t>
+            </a:r>
+            <a:r>
+              <a:rPr lang="ru-RU" dirty="0" smtClean="0"/>
+              <a:t>)</a:t>
+            </a:r>
+            <a:endParaRPr lang="ru-RU" dirty="0" smtClean="0"/>
           </a:p>
           <a:p>
             <a:pPr marL="285750" indent="-285750">
@@ -14501,7 +17338,7 @@
             </a:pPr>
             <a:r>
               <a:rPr lang="ru-RU" dirty="0" smtClean="0"/>
-              <a:t>Стандартизация возвращаемых сервером объектов</a:t>
+              <a:t>Реализация авто-регистрации пользователей в сервисе кредитной истории</a:t>
             </a:r>
           </a:p>
           <a:p>
@@ -14510,153 +17347,127 @@
               <a:buChar char="•"/>
             </a:pPr>
             <a:r>
+              <a:rPr lang="ru-RU" dirty="0"/>
+              <a:t>Балансировка нагрузки между несколькими серверами однотипных </a:t>
+            </a:r>
+            <a:r>
               <a:rPr lang="ru-RU" dirty="0" smtClean="0"/>
-              <a:t>Автоматическая регистрация новых пользователей </a:t>
-            </a:r>
-            <a:r>
-              <a:rPr lang="en-US" dirty="0" smtClean="0"/>
-              <a:t>User</a:t>
-            </a:r>
-            <a:r>
-              <a:rPr lang="ru-RU" dirty="0" smtClean="0"/>
-              <a:t>-сервиса в </a:t>
-            </a:r>
-            <a:r>
-              <a:rPr lang="en-US" dirty="0" smtClean="0"/>
-              <a:t>Credit</a:t>
-            </a:r>
-            <a:r>
-              <a:rPr lang="ru-RU" dirty="0" smtClean="0"/>
-              <a:t>-сервисе</a:t>
-            </a:r>
-          </a:p>
-          <a:p>
-            <a:pPr marL="285750" indent="-285750">
-              <a:buFont typeface="Arial" panose="020B0604020202020204" pitchFamily="34" charset="0"/>
-              <a:buChar char="•"/>
-            </a:pPr>
-            <a:r>
-              <a:rPr lang="ru-RU" dirty="0" smtClean="0"/>
-              <a:t>Графический пользовательский интерфейс</a:t>
+              <a:t>сервисов</a:t>
             </a:r>
           </a:p>
         </p:txBody>
       </p:sp>
-      <p:sp>
-        <p:nvSpPr>
-          <p:cNvPr id="9" name="TextBox 8"/>
-          <p:cNvSpPr txBox="1"/>
+      <p:grpSp>
+        <p:nvGrpSpPr>
+          <p:cNvPr id="12" name="Группа 11"/>
+          <p:cNvGrpSpPr/>
           <p:nvPr/>
-        </p:nvSpPr>
-        <p:spPr>
+        </p:nvGrpSpPr>
+        <p:grpSpPr>
           <a:xfrm>
-            <a:off x="7621895" y="2562281"/>
-            <a:ext cx="3530277" cy="3693319"/>
+            <a:off x="7461989" y="1364023"/>
+            <a:ext cx="914400" cy="909201"/>
+            <a:chOff x="5550991" y="1361424"/>
+            <a:chExt cx="914400" cy="909201"/>
           </a:xfrm>
-          <a:prstGeom prst="rect">
-            <a:avLst/>
-          </a:prstGeom>
-          <a:noFill/>
-        </p:spPr>
-        <p:txBody>
-          <a:bodyPr wrap="square" rtlCol="0">
-            <a:spAutoFit/>
-          </a:bodyPr>
-          <a:lstStyle/>
-          <a:p>
-            <a:pPr algn="ctr"/>
-            <a:r>
-              <a:rPr lang="ru-RU" b="1" dirty="0" smtClean="0"/>
-              <a:t>Проблемы и неудачи:</a:t>
-            </a:r>
-          </a:p>
-          <a:p>
-            <a:pPr marL="285750" indent="-285750">
-              <a:buFont typeface="Arial" panose="020B0604020202020204" pitchFamily="34" charset="0"/>
-              <a:buChar char="•"/>
-            </a:pPr>
-            <a:r>
-              <a:rPr lang="ru-RU" dirty="0" smtClean="0"/>
-              <a:t>Устранение неоднозначности запроса решается выборкой первого пользователя из возможных =</a:t>
-            </a:r>
-            <a:r>
-              <a:rPr lang="en-US" dirty="0" smtClean="0"/>
-              <a:t>&gt; </a:t>
-            </a:r>
-            <a:r>
-              <a:rPr lang="ru-RU" dirty="0" smtClean="0"/>
-              <a:t>возвращать пользователю массив идентификаторов пользователей для повторного запроса? (заготовки в коде)</a:t>
-            </a:r>
-            <a:endParaRPr lang="ru-RU" dirty="0"/>
-          </a:p>
-          <a:p>
-            <a:pPr marL="285750" indent="-285750">
-              <a:buFont typeface="Arial" panose="020B0604020202020204" pitchFamily="34" charset="0"/>
-              <a:buChar char="•"/>
-            </a:pPr>
-            <a:r>
-              <a:rPr lang="ru-RU" dirty="0" smtClean="0"/>
-              <a:t>Избыточность данных о пользователях на стороне </a:t>
-            </a:r>
-            <a:r>
-              <a:rPr lang="en-US" dirty="0" smtClean="0"/>
-              <a:t>Credit</a:t>
-            </a:r>
-            <a:r>
-              <a:rPr lang="ru-RU" dirty="0" smtClean="0"/>
-              <a:t>-сервиса для избегания повторных регистраций</a:t>
-            </a:r>
-          </a:p>
-        </p:txBody>
-      </p:sp>
-      <p:sp>
-        <p:nvSpPr>
-          <p:cNvPr id="7" name="Молния 6"/>
-          <p:cNvSpPr/>
-          <p:nvPr/>
-        </p:nvSpPr>
-        <p:spPr>
-          <a:xfrm>
-            <a:off x="6000334" y="1805568"/>
-            <a:ext cx="465057" cy="465057"/>
-          </a:xfrm>
-          <a:prstGeom prst="lightningBolt">
-            <a:avLst/>
-          </a:prstGeom>
-          <a:solidFill>
-            <a:srgbClr val="FFFF00"/>
-          </a:solidFill>
-          <a:ln w="3175">
+        </p:grpSpPr>
+        <p:sp>
+          <p:nvSpPr>
+            <p:cNvPr id="4" name="Выноска-облако 3"/>
+            <p:cNvSpPr/>
+            <p:nvPr/>
+          </p:nvSpPr>
+          <p:spPr>
+            <a:xfrm>
+              <a:off x="5550991" y="1361424"/>
+              <a:ext cx="914400" cy="612648"/>
+            </a:xfrm>
+            <a:prstGeom prst="cloudCallout">
+              <a:avLst/>
+            </a:prstGeom>
+            <a:noFill/>
+            <a:ln w="38100">
+              <a:solidFill>
+                <a:schemeClr val="accent1">
+                  <a:lumMod val="75000"/>
+                </a:schemeClr>
+              </a:solidFill>
+            </a:ln>
+          </p:spPr>
+          <p:style>
+            <a:lnRef idx="2">
+              <a:schemeClr val="accent1">
+                <a:shade val="50000"/>
+              </a:schemeClr>
+            </a:lnRef>
+            <a:fillRef idx="1">
+              <a:schemeClr val="accent1"/>
+            </a:fillRef>
+            <a:effectRef idx="0">
+              <a:schemeClr val="accent1"/>
+            </a:effectRef>
+            <a:fontRef idx="minor">
+              <a:schemeClr val="lt1"/>
+            </a:fontRef>
+          </p:style>
+          <p:txBody>
+            <a:bodyPr rtlCol="0" anchor="ctr"/>
+            <a:lstStyle/>
+            <a:p>
+              <a:pPr algn="ctr"/>
+              <a:endParaRPr lang="ru-RU"/>
+            </a:p>
+          </p:txBody>
+        </p:sp>
+        <p:sp>
+          <p:nvSpPr>
+            <p:cNvPr id="7" name="Молния 6"/>
+            <p:cNvSpPr/>
+            <p:nvPr/>
+          </p:nvSpPr>
+          <p:spPr>
+            <a:xfrm>
+              <a:off x="6000334" y="1805568"/>
+              <a:ext cx="465057" cy="465057"/>
+            </a:xfrm>
+            <a:prstGeom prst="lightningBolt">
+              <a:avLst/>
+            </a:prstGeom>
             <a:solidFill>
-              <a:schemeClr val="tx1"/>
+              <a:srgbClr val="FFFF00"/>
             </a:solidFill>
-          </a:ln>
-        </p:spPr>
-        <p:style>
-          <a:lnRef idx="2">
-            <a:schemeClr val="accent1">
-              <a:shade val="50000"/>
-            </a:schemeClr>
-          </a:lnRef>
-          <a:fillRef idx="1">
-            <a:schemeClr val="accent1"/>
-          </a:fillRef>
-          <a:effectRef idx="0">
-            <a:schemeClr val="accent1"/>
-          </a:effectRef>
-          <a:fontRef idx="minor">
-            <a:schemeClr val="lt1"/>
-          </a:fontRef>
-        </p:style>
-        <p:txBody>
-          <a:bodyPr rtlCol="0" anchor="ctr"/>
-          <a:lstStyle/>
-          <a:p>
-            <a:pPr algn="ctr"/>
-            <a:endParaRPr lang="ru-RU"/>
-          </a:p>
-        </p:txBody>
-      </p:sp>
+            <a:ln w="3175">
+              <a:solidFill>
+                <a:schemeClr val="tx1"/>
+              </a:solidFill>
+            </a:ln>
+          </p:spPr>
+          <p:style>
+            <a:lnRef idx="2">
+              <a:schemeClr val="accent1">
+                <a:shade val="50000"/>
+              </a:schemeClr>
+            </a:lnRef>
+            <a:fillRef idx="1">
+              <a:schemeClr val="accent1"/>
+            </a:fillRef>
+            <a:effectRef idx="0">
+              <a:schemeClr val="accent1"/>
+            </a:effectRef>
+            <a:fontRef idx="minor">
+              <a:schemeClr val="lt1"/>
+            </a:fontRef>
+          </p:style>
+          <p:txBody>
+            <a:bodyPr rtlCol="0" anchor="ctr"/>
+            <a:lstStyle/>
+            <a:p>
+              <a:pPr algn="ctr"/>
+              <a:endParaRPr lang="ru-RU"/>
+            </a:p>
+          </p:txBody>
+        </p:sp>
+      </p:grpSp>
     </p:spTree>
     <p:extLst>
       <p:ext uri="{BB962C8B-B14F-4D97-AF65-F5344CB8AC3E}">
@@ -14686,74 +17497,6 @@
 </file>
 
 <file path=ppt/slides/slide2.xml><?xml version="1.0" encoding="utf-8"?>
-<p:sld xmlns:a="http://schemas.openxmlformats.org/drawingml/2006/main" xmlns:r="http://schemas.openxmlformats.org/officeDocument/2006/relationships" xmlns:p="http://schemas.openxmlformats.org/presentationml/2006/main">
-  <p:cSld>
-    <p:spTree>
-      <p:nvGrpSpPr>
-        <p:cNvPr id="1" name=""/>
-        <p:cNvGrpSpPr/>
-        <p:nvPr/>
-      </p:nvGrpSpPr>
-      <p:grpSpPr>
-        <a:xfrm>
-          <a:off x="0" y="0"/>
-          <a:ext cx="0" cy="0"/>
-          <a:chOff x="0" y="0"/>
-          <a:chExt cx="0" cy="0"/>
-        </a:xfrm>
-      </p:grpSpPr>
-      <p:sp>
-        <p:nvSpPr>
-          <p:cNvPr id="10" name="TextBox 9"/>
-          <p:cNvSpPr txBox="1"/>
-          <p:nvPr/>
-        </p:nvSpPr>
-        <p:spPr>
-          <a:xfrm>
-            <a:off x="914401" y="151900"/>
-            <a:ext cx="10363199" cy="1015663"/>
-          </a:xfrm>
-          <a:prstGeom prst="rect">
-            <a:avLst/>
-          </a:prstGeom>
-          <a:noFill/>
-        </p:spPr>
-        <p:txBody>
-          <a:bodyPr wrap="square" rtlCol="0" anchor="ctr">
-            <a:spAutoFit/>
-          </a:bodyPr>
-          <a:lstStyle/>
-          <a:p>
-            <a:pPr algn="ctr"/>
-            <a:r>
-              <a:rPr lang="ru-RU" sz="6000" b="1" dirty="0" smtClean="0"/>
-              <a:t>Тема работы</a:t>
-            </a:r>
-            <a:endParaRPr lang="ru-RU" sz="6000" b="1" dirty="0" smtClean="0"/>
-          </a:p>
-        </p:txBody>
-      </p:sp>
-    </p:spTree>
-    <p:extLst>
-      <p:ext uri="{BB962C8B-B14F-4D97-AF65-F5344CB8AC3E}">
-        <p14:creationId xmlns:p14="http://schemas.microsoft.com/office/powerpoint/2010/main" val="87429763"/>
-      </p:ext>
-    </p:extLst>
-  </p:cSld>
-  <p:clrMapOvr>
-    <a:masterClrMapping/>
-  </p:clrMapOvr>
-  <p:timing>
-    <p:tnLst>
-      <p:par>
-        <p:cTn id="1" dur="indefinite" restart="never" nodeType="tmRoot"/>
-      </p:par>
-    </p:tnLst>
-  </p:timing>
-</p:sld>
-</file>
-
-<file path=ppt/slides/slide3.xml><?xml version="1.0" encoding="utf-8"?>
 <p:sld xmlns:a="http://schemas.openxmlformats.org/drawingml/2006/main" xmlns:r="http://schemas.openxmlformats.org/officeDocument/2006/relationships" xmlns:p="http://schemas.openxmlformats.org/presentationml/2006/main">
   <p:cSld>
     <p:spTree>
@@ -15205,7 +17948,7 @@
 </p:sld>
 </file>
 
-<file path=ppt/slides/slide4.xml><?xml version="1.0" encoding="utf-8"?>
+<file path=ppt/slides/slide3.xml><?xml version="1.0" encoding="utf-8"?>
 <p:sld xmlns:a="http://schemas.openxmlformats.org/drawingml/2006/main" xmlns:r="http://schemas.openxmlformats.org/officeDocument/2006/relationships" xmlns:p="http://schemas.openxmlformats.org/presentationml/2006/main">
   <p:cSld>
     <p:spTree>
@@ -16090,7 +18833,7 @@
 </p:sld>
 </file>
 
-<file path=ppt/slides/slide5.xml><?xml version="1.0" encoding="utf-8"?>
+<file path=ppt/slides/slide4.xml><?xml version="1.0" encoding="utf-8"?>
 <p:sld xmlns:a="http://schemas.openxmlformats.org/drawingml/2006/main" xmlns:r="http://schemas.openxmlformats.org/officeDocument/2006/relationships" xmlns:p="http://schemas.openxmlformats.org/presentationml/2006/main">
   <p:cSld>
     <p:spTree>
@@ -16365,15 +19108,7 @@
                 </a:pPr>
                 <a:r>
                   <a:rPr lang="ru-RU" dirty="0" smtClean="0"/>
-                  <a:t>Существует в едином экземпляре: и</a:t>
-                </a:r>
-                <a:r>
-                  <a:rPr lang="ru-RU" dirty="0" smtClean="0"/>
-                  <a:t>спользуется </a:t>
-                </a:r>
-                <a:r>
-                  <a:rPr lang="ru-RU" dirty="0" smtClean="0"/>
-                  <a:t>многими организациями</a:t>
+                  <a:t>Существует в едином экземпляре: используется многими организациями</a:t>
                 </a:r>
                 <a:endParaRPr lang="ru-RU" dirty="0"/>
               </a:p>
@@ -16680,11 +19415,7 @@
                 </a:pPr>
                 <a:r>
                   <a:rPr lang="ru-RU" dirty="0" smtClean="0"/>
-                  <a:t>Хранит подробную информацию о пользователях </a:t>
-                </a:r>
-                <a:r>
-                  <a:rPr lang="ru-RU" dirty="0" smtClean="0"/>
-                  <a:t>организации</a:t>
+                  <a:t>Хранит подробную информацию о пользователях организации</a:t>
                 </a:r>
               </a:p>
               <a:p>
@@ -16694,9 +19425,16 @@
                 </a:pPr>
                 <a:r>
                   <a:rPr lang="ru-RU" dirty="0" smtClean="0"/>
-                  <a:t>Одна организация – один сервис</a:t>
+                  <a:t>Одна </a:t>
                 </a:r>
-                <a:endParaRPr lang="ru-RU" dirty="0" smtClean="0"/>
+                <a:r>
+                  <a:rPr lang="ru-RU" dirty="0" smtClean="0"/>
+                  <a:t>организация (банк) </a:t>
+                </a:r>
+                <a:r>
+                  <a:rPr lang="ru-RU" dirty="0" smtClean="0"/>
+                  <a:t>– один сервис</a:t>
+                </a:r>
               </a:p>
             </p:txBody>
           </p:sp>
@@ -18190,7 +20928,7 @@
 </p:sld>
 </file>
 
-<file path=ppt/slides/slide6.xml><?xml version="1.0" encoding="utf-8"?>
+<file path=ppt/slides/slide5.xml><?xml version="1.0" encoding="utf-8"?>
 <p:sld xmlns:a="http://schemas.openxmlformats.org/drawingml/2006/main" xmlns:r="http://schemas.openxmlformats.org/officeDocument/2006/relationships" xmlns:p="http://schemas.openxmlformats.org/presentationml/2006/main">
   <p:cSld>
     <p:spTree>
@@ -18983,11 +21721,7 @@
             </a:r>
             <a:r>
               <a:rPr lang="ru-RU" dirty="0" smtClean="0"/>
-              <a:t>с данными о кредитах и </a:t>
-            </a:r>
-            <a:r>
-              <a:rPr lang="ru-RU" dirty="0" smtClean="0"/>
-              <a:t>платежах</a:t>
+              <a:t>с данными о кредитах и платежах</a:t>
             </a:r>
             <a:r>
               <a:rPr lang="en-US" dirty="0" smtClean="0"/>
@@ -19636,7 +22370,6 @@
               <a:rPr lang="en-US" dirty="0" smtClean="0"/>
               <a:t>      …</a:t>
             </a:r>
-            <a:endParaRPr lang="en-US" dirty="0" smtClean="0"/>
           </a:p>
           <a:p>
             <a:r>
@@ -19645,11 +22378,7 @@
             </a:r>
             <a:r>
               <a:rPr lang="en-US" dirty="0" smtClean="0"/>
-              <a:t>  </a:t>
-            </a:r>
-            <a:r>
-              <a:rPr lang="en-US" dirty="0" smtClean="0"/>
-              <a:t>]</a:t>
+              <a:t>  ]</a:t>
             </a:r>
           </a:p>
           <a:p>
@@ -19723,11 +22452,11 @@
   <p:clrMapOvr>
     <a:masterClrMapping/>
   </p:clrMapOvr>
-  <mc:AlternateContent xmlns:mc="http://schemas.openxmlformats.org/markup-compatibility/2006">
-    <mc:Choice xmlns:p14="http://schemas.microsoft.com/office/powerpoint/2010/main" Requires="p14">
+  <mc:AlternateContent xmlns:mc="http://schemas.openxmlformats.org/markup-compatibility/2006" xmlns:p14="http://schemas.microsoft.com/office/powerpoint/2010/main">
+    <mc:Choice Requires="p14">
       <p:transition spd="slow" p14:dur="2000"/>
     </mc:Choice>
-    <mc:Fallback>
+    <mc:Fallback xmlns="">
       <p:transition spd="slow"/>
     </mc:Fallback>
   </mc:AlternateContent>
@@ -19741,7 +22470,7 @@
 </p:sld>
 </file>
 
-<file path=ppt/slides/slide7.xml><?xml version="1.0" encoding="utf-8"?>
+<file path=ppt/slides/slide6.xml><?xml version="1.0" encoding="utf-8"?>
 <p:sld xmlns:a="http://schemas.openxmlformats.org/drawingml/2006/main" xmlns:r="http://schemas.openxmlformats.org/officeDocument/2006/relationships" xmlns:p="http://schemas.openxmlformats.org/presentationml/2006/main">
   <p:cSld>
     <p:spTree>
@@ -19830,13 +22559,8 @@
             <a:pPr algn="ctr"/>
             <a:r>
               <a:rPr lang="ru-RU" sz="6000" b="1" dirty="0" smtClean="0"/>
-              <a:t>Устройство </a:t>
-            </a:r>
-            <a:r>
-              <a:rPr lang="ru-RU" sz="6000" b="1" dirty="0" smtClean="0"/>
-              <a:t>сервисов</a:t>
-            </a:r>
-            <a:endParaRPr lang="ru-RU" sz="6000" b="1" dirty="0" smtClean="0"/>
+              <a:t>Устройство сервисов</a:t>
+            </a:r>
           </a:p>
         </p:txBody>
       </p:sp>
@@ -19865,11 +22589,7 @@
             <a:pPr algn="ctr"/>
             <a:r>
               <a:rPr lang="ru-RU" sz="2400" b="1" dirty="0" smtClean="0"/>
-              <a:t>Сервис </a:t>
-            </a:r>
-            <a:r>
-              <a:rPr lang="ru-RU" sz="2400" b="1" dirty="0" smtClean="0"/>
-              <a:t>данных пользователей</a:t>
+              <a:t>Сервис данных пользователей</a:t>
             </a:r>
             <a:endParaRPr lang="ru-RU" sz="2400" b="1" dirty="0"/>
           </a:p>
@@ -19907,11 +22627,7 @@
             </a:r>
             <a:r>
               <a:rPr lang="ru-RU" dirty="0" smtClean="0"/>
-              <a:t>-мя </a:t>
-            </a:r>
-            <a:r>
-              <a:rPr lang="ru-RU" dirty="0" smtClean="0"/>
-              <a:t>таблицами:</a:t>
+              <a:t>-мя таблицами:</a:t>
             </a:r>
           </a:p>
           <a:p>
@@ -19965,7 +22681,6 @@
               <a:rPr lang="ru-RU" dirty="0" smtClean="0"/>
               <a:t>Установка связи родитель-ребёнок между пользователями</a:t>
             </a:r>
-            <a:endParaRPr lang="ru-RU" dirty="0" smtClean="0"/>
           </a:p>
         </p:txBody>
       </p:sp>
@@ -20313,7 +23028,6 @@
               <a:rPr lang="en-US" dirty="0" smtClean="0"/>
               <a:t>&amp;</a:t>
             </a:r>
-            <a:endParaRPr lang="en-US" dirty="0" smtClean="0"/>
           </a:p>
           <a:p>
             <a:r>
@@ -20371,7 +23085,6 @@
               <a:rPr lang="ru-RU" dirty="0" smtClean="0"/>
               <a:t>ИЛИ</a:t>
             </a:r>
-            <a:endParaRPr lang="ru-RU" dirty="0" smtClean="0"/>
           </a:p>
         </p:txBody>
       </p:sp>
@@ -21163,11 +23876,7 @@
             </a:r>
             <a:r>
               <a:rPr lang="en-US" dirty="0" smtClean="0"/>
-              <a:t>&gt;</a:t>
-            </a:r>
-            <a:r>
-              <a:rPr lang="en-US" dirty="0" smtClean="0"/>
-              <a:t>&amp;</a:t>
+              <a:t>&gt;&amp;</a:t>
             </a:r>
             <a:r>
               <a:rPr lang="en-US" i="1" dirty="0" err="1" smtClean="0"/>
@@ -21201,7 +23910,6 @@
               <a:rPr lang="en-US" dirty="0" smtClean="0"/>
               <a:t>&gt;&amp;</a:t>
             </a:r>
-            <a:endParaRPr lang="en-US" dirty="0" smtClean="0"/>
           </a:p>
           <a:p>
             <a:r>
@@ -21244,7 +23952,6 @@
               <a:rPr lang="en-US" dirty="0" smtClean="0"/>
               <a:t>&gt;&amp;</a:t>
             </a:r>
-            <a:endParaRPr lang="en-US" dirty="0" smtClean="0"/>
           </a:p>
           <a:p>
             <a:r>
@@ -21304,28 +24011,15 @@
             </a:r>
             <a:r>
               <a:rPr lang="ru-RU" dirty="0" smtClean="0"/>
-              <a:t>с данными о </a:t>
-            </a:r>
-            <a:r>
-              <a:rPr lang="ru-RU" dirty="0" smtClean="0"/>
-              <a:t>пользователе</a:t>
+              <a:t>с данными о пользователе</a:t>
             </a:r>
             <a:br>
               <a:rPr lang="ru-RU" dirty="0" smtClean="0"/>
             </a:br>
             <a:r>
               <a:rPr lang="ru-RU" dirty="0" smtClean="0"/>
-              <a:t>(</a:t>
-            </a:r>
-            <a:r>
-              <a:rPr lang="ru-RU" dirty="0" smtClean="0"/>
-              <a:t>с указанием</a:t>
-            </a:r>
-            <a:r>
-              <a:rPr lang="ru-RU" dirty="0" smtClean="0"/>
-              <a:t> родственных связей)</a:t>
-            </a:r>
-            <a:endParaRPr lang="ru-RU" dirty="0" smtClean="0"/>
+              <a:t>(с указанием родственных связей)</a:t>
+            </a:r>
           </a:p>
         </p:txBody>
       </p:sp>
@@ -21409,7 +24103,7 @@
 </p:sld>
 </file>
 
-<file path=ppt/slides/slide8.xml><?xml version="1.0" encoding="utf-8"?>
+<file path=ppt/slides/slide7.xml><?xml version="1.0" encoding="utf-8"?>
 <p:sld xmlns:a="http://schemas.openxmlformats.org/drawingml/2006/main" xmlns:r="http://schemas.openxmlformats.org/officeDocument/2006/relationships" xmlns:p="http://schemas.openxmlformats.org/presentationml/2006/main">
   <p:cSld>
     <p:spTree>
@@ -21498,11 +24192,7 @@
             <a:pPr algn="ctr"/>
             <a:r>
               <a:rPr lang="ru-RU" sz="6000" b="1" dirty="0" smtClean="0"/>
-              <a:t>Устройство </a:t>
-            </a:r>
-            <a:r>
-              <a:rPr lang="ru-RU" sz="6000" b="1" dirty="0" smtClean="0"/>
-              <a:t>сервисов</a:t>
+              <a:t>Устройство сервисов</a:t>
             </a:r>
             <a:endParaRPr lang="ru-RU" sz="2800" b="1" dirty="0" smtClean="0"/>
           </a:p>
@@ -21535,7 +24225,6 @@
               <a:rPr lang="ru-RU" sz="2400" b="1" dirty="0"/>
               <a:t>Сервис данных пользователей</a:t>
             </a:r>
-            <a:endParaRPr lang="ru-RU" sz="2400" b="1" dirty="0"/>
           </a:p>
         </p:txBody>
       </p:sp>
@@ -22564,7 +25253,7 @@
 </p:sld>
 </file>
 
-<file path=ppt/slides/slide9.xml><?xml version="1.0" encoding="utf-8"?>
+<file path=ppt/slides/slide8.xml><?xml version="1.0" encoding="utf-8"?>
 <p:sld xmlns:a="http://schemas.openxmlformats.org/drawingml/2006/main" xmlns:r="http://schemas.openxmlformats.org/officeDocument/2006/relationships" xmlns:p="http://schemas.openxmlformats.org/presentationml/2006/main">
   <p:cSld>
     <p:spTree>
@@ -22653,13 +25342,8 @@
             <a:pPr algn="ctr"/>
             <a:r>
               <a:rPr lang="ru-RU" sz="6000" b="1" dirty="0" smtClean="0"/>
-              <a:t>Устройство </a:t>
-            </a:r>
-            <a:r>
-              <a:rPr lang="ru-RU" sz="6000" b="1" dirty="0" smtClean="0"/>
-              <a:t>сервисов</a:t>
-            </a:r>
-            <a:endParaRPr lang="ru-RU" sz="6000" b="1" dirty="0" smtClean="0"/>
+              <a:t>Устройство сервисов</a:t>
+            </a:r>
           </a:p>
         </p:txBody>
       </p:sp>
@@ -22688,11 +25372,7 @@
             <a:pPr algn="ctr"/>
             <a:r>
               <a:rPr lang="ru-RU" sz="2400" b="1" dirty="0" smtClean="0"/>
-              <a:t>Сервис </a:t>
-            </a:r>
-            <a:r>
-              <a:rPr lang="ru-RU" sz="2400" b="1" dirty="0" smtClean="0"/>
-              <a:t>основного доступа</a:t>
+              <a:t>Сервис основного доступа</a:t>
             </a:r>
             <a:endParaRPr lang="ru-RU" sz="2400" b="1" dirty="0"/>
           </a:p>
@@ -22725,7 +25405,6 @@
               <a:rPr lang="ru-RU" dirty="0" smtClean="0"/>
               <a:t>Не имеет доступа к БД</a:t>
             </a:r>
-            <a:endParaRPr lang="ru-RU" dirty="0" smtClean="0"/>
           </a:p>
         </p:txBody>
       </p:sp>
@@ -23849,11 +26528,7 @@
             </a:r>
             <a:r>
               <a:rPr lang="en-US" dirty="0" smtClean="0"/>
-              <a:t>&gt;</a:t>
-            </a:r>
-            <a:r>
-              <a:rPr lang="en-US" dirty="0" smtClean="0"/>
-              <a:t>&amp;</a:t>
+              <a:t>&gt;&amp;</a:t>
             </a:r>
             <a:r>
               <a:rPr lang="en-US" i="1" dirty="0" err="1" smtClean="0"/>
@@ -23887,7 +26562,6 @@
               <a:rPr lang="en-US" dirty="0" smtClean="0"/>
               <a:t>&gt;&amp;</a:t>
             </a:r>
-            <a:endParaRPr lang="en-US" dirty="0" smtClean="0"/>
           </a:p>
           <a:p>
             <a:r>
@@ -23930,7 +26604,6 @@
               <a:rPr lang="en-US" dirty="0" smtClean="0"/>
               <a:t>&gt;&amp;</a:t>
             </a:r>
-            <a:endParaRPr lang="en-US" dirty="0" smtClean="0"/>
           </a:p>
           <a:p>
             <a:r>
@@ -23990,28 +26663,15 @@
             </a:r>
             <a:r>
               <a:rPr lang="ru-RU" dirty="0" smtClean="0"/>
-              <a:t>с данными о </a:t>
-            </a:r>
-            <a:r>
-              <a:rPr lang="ru-RU" dirty="0" smtClean="0"/>
-              <a:t>пользователе</a:t>
+              <a:t>с данными о пользователе</a:t>
             </a:r>
             <a:br>
               <a:rPr lang="ru-RU" dirty="0" smtClean="0"/>
             </a:br>
             <a:r>
               <a:rPr lang="ru-RU" dirty="0" smtClean="0"/>
-              <a:t>(</a:t>
-            </a:r>
-            <a:r>
-              <a:rPr lang="ru-RU" dirty="0" smtClean="0"/>
-              <a:t>с указанием</a:t>
-            </a:r>
-            <a:r>
-              <a:rPr lang="ru-RU" dirty="0" smtClean="0"/>
-              <a:t> родственных связей) и всех кредитах пользователя (с платежами)</a:t>
-            </a:r>
-            <a:endParaRPr lang="ru-RU" dirty="0" smtClean="0"/>
+              <a:t>(с указанием родственных связей) и всех кредитах пользователя (с платежами)</a:t>
+            </a:r>
           </a:p>
         </p:txBody>
       </p:sp>
@@ -24246,7 +26906,6 @@
               <a:rPr lang="ru-RU" dirty="0" smtClean="0"/>
               <a:t>Модели данных, совпадающие с таковыми у других сервисов</a:t>
             </a:r>
-            <a:endParaRPr lang="ru-RU" dirty="0" smtClean="0"/>
           </a:p>
         </p:txBody>
       </p:sp>
@@ -25522,7 +28181,6 @@
               <a:rPr lang="en-US" dirty="0" smtClean="0"/>
               <a:t>  credits: {CREDITS_AND_PAYMENTS}</a:t>
             </a:r>
-            <a:endParaRPr lang="en-US" dirty="0" smtClean="0"/>
           </a:p>
           <a:p>
             <a:r>
@@ -25589,6 +28247,1110 @@
     <p:extLst>
       <p:ext uri="{BB962C8B-B14F-4D97-AF65-F5344CB8AC3E}">
         <p14:creationId xmlns:p14="http://schemas.microsoft.com/office/powerpoint/2010/main" val="3050579546"/>
+      </p:ext>
+    </p:extLst>
+  </p:cSld>
+  <p:clrMapOvr>
+    <a:masterClrMapping/>
+  </p:clrMapOvr>
+  <mc:AlternateContent xmlns:mc="http://schemas.openxmlformats.org/markup-compatibility/2006" xmlns:p14="http://schemas.microsoft.com/office/powerpoint/2010/main">
+    <mc:Choice Requires="p14">
+      <p:transition spd="slow" p14:dur="2000"/>
+    </mc:Choice>
+    <mc:Fallback xmlns="">
+      <p:transition spd="slow"/>
+    </mc:Fallback>
+  </mc:AlternateContent>
+  <p:timing>
+    <p:tnLst>
+      <p:par>
+        <p:cTn id="1" dur="indefinite" restart="never" nodeType="tmRoot"/>
+      </p:par>
+    </p:tnLst>
+  </p:timing>
+</p:sld>
+</file>
+
+<file path=ppt/slides/slide9.xml><?xml version="1.0" encoding="utf-8"?>
+<p:sld xmlns:a="http://schemas.openxmlformats.org/drawingml/2006/main" xmlns:r="http://schemas.openxmlformats.org/officeDocument/2006/relationships" xmlns:p="http://schemas.openxmlformats.org/presentationml/2006/main">
+  <p:cSld>
+    <p:spTree>
+      <p:nvGrpSpPr>
+        <p:cNvPr id="1" name=""/>
+        <p:cNvGrpSpPr/>
+        <p:nvPr/>
+      </p:nvGrpSpPr>
+      <p:grpSpPr>
+        <a:xfrm>
+          <a:off x="0" y="0"/>
+          <a:ext cx="0" cy="0"/>
+          <a:chOff x="0" y="0"/>
+          <a:chExt cx="0" cy="0"/>
+        </a:xfrm>
+      </p:grpSpPr>
+      <p:grpSp>
+        <p:nvGrpSpPr>
+          <p:cNvPr id="53" name="Группа 52"/>
+          <p:cNvGrpSpPr/>
+          <p:nvPr/>
+        </p:nvGrpSpPr>
+        <p:grpSpPr>
+          <a:xfrm>
+            <a:off x="2469824" y="1635207"/>
+            <a:ext cx="7236092" cy="4916419"/>
+            <a:chOff x="4272985" y="2759867"/>
+            <a:chExt cx="463461" cy="484632"/>
+          </a:xfrm>
+        </p:grpSpPr>
+        <p:sp>
+          <p:nvSpPr>
+            <p:cNvPr id="54" name="Двойная стрелка влево/вправо 5"/>
+            <p:cNvSpPr/>
+            <p:nvPr/>
+          </p:nvSpPr>
+          <p:spPr>
+            <a:xfrm>
+              <a:off x="4272985" y="2759867"/>
+              <a:ext cx="316142" cy="484632"/>
+            </a:xfrm>
+            <a:custGeom>
+              <a:avLst/>
+              <a:gdLst>
+                <a:gd name="connsiteX0" fmla="*/ 0 w 451412"/>
+                <a:gd name="connsiteY0" fmla="*/ 242316 h 484632"/>
+                <a:gd name="connsiteX1" fmla="*/ 135270 w 451412"/>
+                <a:gd name="connsiteY1" fmla="*/ 0 h 484632"/>
+                <a:gd name="connsiteX2" fmla="*/ 135270 w 451412"/>
+                <a:gd name="connsiteY2" fmla="*/ 90435 h 484632"/>
+                <a:gd name="connsiteX3" fmla="*/ 316142 w 451412"/>
+                <a:gd name="connsiteY3" fmla="*/ 90435 h 484632"/>
+                <a:gd name="connsiteX4" fmla="*/ 316142 w 451412"/>
+                <a:gd name="connsiteY4" fmla="*/ 0 h 484632"/>
+                <a:gd name="connsiteX5" fmla="*/ 451412 w 451412"/>
+                <a:gd name="connsiteY5" fmla="*/ 242316 h 484632"/>
+                <a:gd name="connsiteX6" fmla="*/ 316142 w 451412"/>
+                <a:gd name="connsiteY6" fmla="*/ 484632 h 484632"/>
+                <a:gd name="connsiteX7" fmla="*/ 316142 w 451412"/>
+                <a:gd name="connsiteY7" fmla="*/ 394197 h 484632"/>
+                <a:gd name="connsiteX8" fmla="*/ 135270 w 451412"/>
+                <a:gd name="connsiteY8" fmla="*/ 394197 h 484632"/>
+                <a:gd name="connsiteX9" fmla="*/ 135270 w 451412"/>
+                <a:gd name="connsiteY9" fmla="*/ 484632 h 484632"/>
+                <a:gd name="connsiteX10" fmla="*/ 0 w 451412"/>
+                <a:gd name="connsiteY10" fmla="*/ 242316 h 484632"/>
+                <a:gd name="connsiteX0" fmla="*/ 0 w 451412"/>
+                <a:gd name="connsiteY0" fmla="*/ 242316 h 484632"/>
+                <a:gd name="connsiteX1" fmla="*/ 135270 w 451412"/>
+                <a:gd name="connsiteY1" fmla="*/ 0 h 484632"/>
+                <a:gd name="connsiteX2" fmla="*/ 135270 w 451412"/>
+                <a:gd name="connsiteY2" fmla="*/ 90435 h 484632"/>
+                <a:gd name="connsiteX3" fmla="*/ 316142 w 451412"/>
+                <a:gd name="connsiteY3" fmla="*/ 90435 h 484632"/>
+                <a:gd name="connsiteX4" fmla="*/ 451412 w 451412"/>
+                <a:gd name="connsiteY4" fmla="*/ 242316 h 484632"/>
+                <a:gd name="connsiteX5" fmla="*/ 316142 w 451412"/>
+                <a:gd name="connsiteY5" fmla="*/ 484632 h 484632"/>
+                <a:gd name="connsiteX6" fmla="*/ 316142 w 451412"/>
+                <a:gd name="connsiteY6" fmla="*/ 394197 h 484632"/>
+                <a:gd name="connsiteX7" fmla="*/ 135270 w 451412"/>
+                <a:gd name="connsiteY7" fmla="*/ 394197 h 484632"/>
+                <a:gd name="connsiteX8" fmla="*/ 135270 w 451412"/>
+                <a:gd name="connsiteY8" fmla="*/ 484632 h 484632"/>
+                <a:gd name="connsiteX9" fmla="*/ 0 w 451412"/>
+                <a:gd name="connsiteY9" fmla="*/ 242316 h 484632"/>
+                <a:gd name="connsiteX0" fmla="*/ 0 w 316142"/>
+                <a:gd name="connsiteY0" fmla="*/ 242316 h 484632"/>
+                <a:gd name="connsiteX1" fmla="*/ 135270 w 316142"/>
+                <a:gd name="connsiteY1" fmla="*/ 0 h 484632"/>
+                <a:gd name="connsiteX2" fmla="*/ 135270 w 316142"/>
+                <a:gd name="connsiteY2" fmla="*/ 90435 h 484632"/>
+                <a:gd name="connsiteX3" fmla="*/ 316142 w 316142"/>
+                <a:gd name="connsiteY3" fmla="*/ 90435 h 484632"/>
+                <a:gd name="connsiteX4" fmla="*/ 316142 w 316142"/>
+                <a:gd name="connsiteY4" fmla="*/ 484632 h 484632"/>
+                <a:gd name="connsiteX5" fmla="*/ 316142 w 316142"/>
+                <a:gd name="connsiteY5" fmla="*/ 394197 h 484632"/>
+                <a:gd name="connsiteX6" fmla="*/ 135270 w 316142"/>
+                <a:gd name="connsiteY6" fmla="*/ 394197 h 484632"/>
+                <a:gd name="connsiteX7" fmla="*/ 135270 w 316142"/>
+                <a:gd name="connsiteY7" fmla="*/ 484632 h 484632"/>
+                <a:gd name="connsiteX8" fmla="*/ 0 w 316142"/>
+                <a:gd name="connsiteY8" fmla="*/ 242316 h 484632"/>
+                <a:gd name="connsiteX0" fmla="*/ 0 w 316142"/>
+                <a:gd name="connsiteY0" fmla="*/ 242316 h 484632"/>
+                <a:gd name="connsiteX1" fmla="*/ 135270 w 316142"/>
+                <a:gd name="connsiteY1" fmla="*/ 0 h 484632"/>
+                <a:gd name="connsiteX2" fmla="*/ 135270 w 316142"/>
+                <a:gd name="connsiteY2" fmla="*/ 90435 h 484632"/>
+                <a:gd name="connsiteX3" fmla="*/ 316142 w 316142"/>
+                <a:gd name="connsiteY3" fmla="*/ 90435 h 484632"/>
+                <a:gd name="connsiteX4" fmla="*/ 316142 w 316142"/>
+                <a:gd name="connsiteY4" fmla="*/ 394197 h 484632"/>
+                <a:gd name="connsiteX5" fmla="*/ 135270 w 316142"/>
+                <a:gd name="connsiteY5" fmla="*/ 394197 h 484632"/>
+                <a:gd name="connsiteX6" fmla="*/ 135270 w 316142"/>
+                <a:gd name="connsiteY6" fmla="*/ 484632 h 484632"/>
+                <a:gd name="connsiteX7" fmla="*/ 0 w 316142"/>
+                <a:gd name="connsiteY7" fmla="*/ 242316 h 484632"/>
+                <a:gd name="connsiteX0" fmla="*/ 0 w 316142"/>
+                <a:gd name="connsiteY0" fmla="*/ 242316 h 484632"/>
+                <a:gd name="connsiteX1" fmla="*/ 135270 w 316142"/>
+                <a:gd name="connsiteY1" fmla="*/ 0 h 484632"/>
+                <a:gd name="connsiteX2" fmla="*/ 135270 w 316142"/>
+                <a:gd name="connsiteY2" fmla="*/ 90435 h 484632"/>
+                <a:gd name="connsiteX3" fmla="*/ 316142 w 316142"/>
+                <a:gd name="connsiteY3" fmla="*/ 394197 h 484632"/>
+                <a:gd name="connsiteX4" fmla="*/ 135270 w 316142"/>
+                <a:gd name="connsiteY4" fmla="*/ 394197 h 484632"/>
+                <a:gd name="connsiteX5" fmla="*/ 135270 w 316142"/>
+                <a:gd name="connsiteY5" fmla="*/ 484632 h 484632"/>
+                <a:gd name="connsiteX6" fmla="*/ 0 w 316142"/>
+                <a:gd name="connsiteY6" fmla="*/ 242316 h 484632"/>
+              </a:gdLst>
+              <a:ahLst/>
+              <a:cxnLst>
+                <a:cxn ang="0">
+                  <a:pos x="connsiteX0" y="connsiteY0"/>
+                </a:cxn>
+                <a:cxn ang="0">
+                  <a:pos x="connsiteX1" y="connsiteY1"/>
+                </a:cxn>
+                <a:cxn ang="0">
+                  <a:pos x="connsiteX2" y="connsiteY2"/>
+                </a:cxn>
+                <a:cxn ang="0">
+                  <a:pos x="connsiteX3" y="connsiteY3"/>
+                </a:cxn>
+                <a:cxn ang="0">
+                  <a:pos x="connsiteX4" y="connsiteY4"/>
+                </a:cxn>
+                <a:cxn ang="0">
+                  <a:pos x="connsiteX5" y="connsiteY5"/>
+                </a:cxn>
+                <a:cxn ang="0">
+                  <a:pos x="connsiteX6" y="connsiteY6"/>
+                </a:cxn>
+              </a:cxnLst>
+              <a:rect l="l" t="t" r="r" b="b"/>
+              <a:pathLst>
+                <a:path w="316142" h="484632">
+                  <a:moveTo>
+                    <a:pt x="0" y="242316"/>
+                  </a:moveTo>
+                  <a:lnTo>
+                    <a:pt x="135270" y="0"/>
+                  </a:lnTo>
+                  <a:lnTo>
+                    <a:pt x="135270" y="90435"/>
+                  </a:lnTo>
+                  <a:lnTo>
+                    <a:pt x="316142" y="394197"/>
+                  </a:lnTo>
+                  <a:lnTo>
+                    <a:pt x="135270" y="394197"/>
+                  </a:lnTo>
+                  <a:lnTo>
+                    <a:pt x="135270" y="484632"/>
+                  </a:lnTo>
+                  <a:lnTo>
+                    <a:pt x="0" y="242316"/>
+                  </a:lnTo>
+                  <a:close/>
+                </a:path>
+              </a:pathLst>
+            </a:custGeom>
+          </p:spPr>
+          <p:style>
+            <a:lnRef idx="2">
+              <a:schemeClr val="accent1">
+                <a:shade val="50000"/>
+              </a:schemeClr>
+            </a:lnRef>
+            <a:fillRef idx="1">
+              <a:schemeClr val="accent1"/>
+            </a:fillRef>
+            <a:effectRef idx="0">
+              <a:schemeClr val="accent1"/>
+            </a:effectRef>
+            <a:fontRef idx="minor">
+              <a:schemeClr val="lt1"/>
+            </a:fontRef>
+          </p:style>
+          <p:txBody>
+            <a:bodyPr rtlCol="0" anchor="ctr"/>
+            <a:lstStyle/>
+            <a:p>
+              <a:pPr algn="ctr"/>
+              <a:endParaRPr lang="ru-RU"/>
+            </a:p>
+          </p:txBody>
+        </p:sp>
+        <p:sp>
+          <p:nvSpPr>
+            <p:cNvPr id="55" name="Двойная стрелка влево/вправо 5"/>
+            <p:cNvSpPr/>
+            <p:nvPr/>
+          </p:nvSpPr>
+          <p:spPr>
+            <a:xfrm flipH="1" flipV="1">
+              <a:off x="4420304" y="2759867"/>
+              <a:ext cx="316142" cy="484632"/>
+            </a:xfrm>
+            <a:custGeom>
+              <a:avLst/>
+              <a:gdLst>
+                <a:gd name="connsiteX0" fmla="*/ 0 w 451412"/>
+                <a:gd name="connsiteY0" fmla="*/ 242316 h 484632"/>
+                <a:gd name="connsiteX1" fmla="*/ 135270 w 451412"/>
+                <a:gd name="connsiteY1" fmla="*/ 0 h 484632"/>
+                <a:gd name="connsiteX2" fmla="*/ 135270 w 451412"/>
+                <a:gd name="connsiteY2" fmla="*/ 90435 h 484632"/>
+                <a:gd name="connsiteX3" fmla="*/ 316142 w 451412"/>
+                <a:gd name="connsiteY3" fmla="*/ 90435 h 484632"/>
+                <a:gd name="connsiteX4" fmla="*/ 316142 w 451412"/>
+                <a:gd name="connsiteY4" fmla="*/ 0 h 484632"/>
+                <a:gd name="connsiteX5" fmla="*/ 451412 w 451412"/>
+                <a:gd name="connsiteY5" fmla="*/ 242316 h 484632"/>
+                <a:gd name="connsiteX6" fmla="*/ 316142 w 451412"/>
+                <a:gd name="connsiteY6" fmla="*/ 484632 h 484632"/>
+                <a:gd name="connsiteX7" fmla="*/ 316142 w 451412"/>
+                <a:gd name="connsiteY7" fmla="*/ 394197 h 484632"/>
+                <a:gd name="connsiteX8" fmla="*/ 135270 w 451412"/>
+                <a:gd name="connsiteY8" fmla="*/ 394197 h 484632"/>
+                <a:gd name="connsiteX9" fmla="*/ 135270 w 451412"/>
+                <a:gd name="connsiteY9" fmla="*/ 484632 h 484632"/>
+                <a:gd name="connsiteX10" fmla="*/ 0 w 451412"/>
+                <a:gd name="connsiteY10" fmla="*/ 242316 h 484632"/>
+                <a:gd name="connsiteX0" fmla="*/ 0 w 451412"/>
+                <a:gd name="connsiteY0" fmla="*/ 242316 h 484632"/>
+                <a:gd name="connsiteX1" fmla="*/ 135270 w 451412"/>
+                <a:gd name="connsiteY1" fmla="*/ 0 h 484632"/>
+                <a:gd name="connsiteX2" fmla="*/ 135270 w 451412"/>
+                <a:gd name="connsiteY2" fmla="*/ 90435 h 484632"/>
+                <a:gd name="connsiteX3" fmla="*/ 316142 w 451412"/>
+                <a:gd name="connsiteY3" fmla="*/ 90435 h 484632"/>
+                <a:gd name="connsiteX4" fmla="*/ 451412 w 451412"/>
+                <a:gd name="connsiteY4" fmla="*/ 242316 h 484632"/>
+                <a:gd name="connsiteX5" fmla="*/ 316142 w 451412"/>
+                <a:gd name="connsiteY5" fmla="*/ 484632 h 484632"/>
+                <a:gd name="connsiteX6" fmla="*/ 316142 w 451412"/>
+                <a:gd name="connsiteY6" fmla="*/ 394197 h 484632"/>
+                <a:gd name="connsiteX7" fmla="*/ 135270 w 451412"/>
+                <a:gd name="connsiteY7" fmla="*/ 394197 h 484632"/>
+                <a:gd name="connsiteX8" fmla="*/ 135270 w 451412"/>
+                <a:gd name="connsiteY8" fmla="*/ 484632 h 484632"/>
+                <a:gd name="connsiteX9" fmla="*/ 0 w 451412"/>
+                <a:gd name="connsiteY9" fmla="*/ 242316 h 484632"/>
+                <a:gd name="connsiteX0" fmla="*/ 0 w 316142"/>
+                <a:gd name="connsiteY0" fmla="*/ 242316 h 484632"/>
+                <a:gd name="connsiteX1" fmla="*/ 135270 w 316142"/>
+                <a:gd name="connsiteY1" fmla="*/ 0 h 484632"/>
+                <a:gd name="connsiteX2" fmla="*/ 135270 w 316142"/>
+                <a:gd name="connsiteY2" fmla="*/ 90435 h 484632"/>
+                <a:gd name="connsiteX3" fmla="*/ 316142 w 316142"/>
+                <a:gd name="connsiteY3" fmla="*/ 90435 h 484632"/>
+                <a:gd name="connsiteX4" fmla="*/ 316142 w 316142"/>
+                <a:gd name="connsiteY4" fmla="*/ 484632 h 484632"/>
+                <a:gd name="connsiteX5" fmla="*/ 316142 w 316142"/>
+                <a:gd name="connsiteY5" fmla="*/ 394197 h 484632"/>
+                <a:gd name="connsiteX6" fmla="*/ 135270 w 316142"/>
+                <a:gd name="connsiteY6" fmla="*/ 394197 h 484632"/>
+                <a:gd name="connsiteX7" fmla="*/ 135270 w 316142"/>
+                <a:gd name="connsiteY7" fmla="*/ 484632 h 484632"/>
+                <a:gd name="connsiteX8" fmla="*/ 0 w 316142"/>
+                <a:gd name="connsiteY8" fmla="*/ 242316 h 484632"/>
+                <a:gd name="connsiteX0" fmla="*/ 0 w 316142"/>
+                <a:gd name="connsiteY0" fmla="*/ 242316 h 484632"/>
+                <a:gd name="connsiteX1" fmla="*/ 135270 w 316142"/>
+                <a:gd name="connsiteY1" fmla="*/ 0 h 484632"/>
+                <a:gd name="connsiteX2" fmla="*/ 135270 w 316142"/>
+                <a:gd name="connsiteY2" fmla="*/ 90435 h 484632"/>
+                <a:gd name="connsiteX3" fmla="*/ 316142 w 316142"/>
+                <a:gd name="connsiteY3" fmla="*/ 90435 h 484632"/>
+                <a:gd name="connsiteX4" fmla="*/ 316142 w 316142"/>
+                <a:gd name="connsiteY4" fmla="*/ 394197 h 484632"/>
+                <a:gd name="connsiteX5" fmla="*/ 135270 w 316142"/>
+                <a:gd name="connsiteY5" fmla="*/ 394197 h 484632"/>
+                <a:gd name="connsiteX6" fmla="*/ 135270 w 316142"/>
+                <a:gd name="connsiteY6" fmla="*/ 484632 h 484632"/>
+                <a:gd name="connsiteX7" fmla="*/ 0 w 316142"/>
+                <a:gd name="connsiteY7" fmla="*/ 242316 h 484632"/>
+                <a:gd name="connsiteX0" fmla="*/ 0 w 316142"/>
+                <a:gd name="connsiteY0" fmla="*/ 242316 h 484632"/>
+                <a:gd name="connsiteX1" fmla="*/ 135270 w 316142"/>
+                <a:gd name="connsiteY1" fmla="*/ 0 h 484632"/>
+                <a:gd name="connsiteX2" fmla="*/ 135270 w 316142"/>
+                <a:gd name="connsiteY2" fmla="*/ 90435 h 484632"/>
+                <a:gd name="connsiteX3" fmla="*/ 316142 w 316142"/>
+                <a:gd name="connsiteY3" fmla="*/ 394197 h 484632"/>
+                <a:gd name="connsiteX4" fmla="*/ 135270 w 316142"/>
+                <a:gd name="connsiteY4" fmla="*/ 394197 h 484632"/>
+                <a:gd name="connsiteX5" fmla="*/ 135270 w 316142"/>
+                <a:gd name="connsiteY5" fmla="*/ 484632 h 484632"/>
+                <a:gd name="connsiteX6" fmla="*/ 0 w 316142"/>
+                <a:gd name="connsiteY6" fmla="*/ 242316 h 484632"/>
+              </a:gdLst>
+              <a:ahLst/>
+              <a:cxnLst>
+                <a:cxn ang="0">
+                  <a:pos x="connsiteX0" y="connsiteY0"/>
+                </a:cxn>
+                <a:cxn ang="0">
+                  <a:pos x="connsiteX1" y="connsiteY1"/>
+                </a:cxn>
+                <a:cxn ang="0">
+                  <a:pos x="connsiteX2" y="connsiteY2"/>
+                </a:cxn>
+                <a:cxn ang="0">
+                  <a:pos x="connsiteX3" y="connsiteY3"/>
+                </a:cxn>
+                <a:cxn ang="0">
+                  <a:pos x="connsiteX4" y="connsiteY4"/>
+                </a:cxn>
+                <a:cxn ang="0">
+                  <a:pos x="connsiteX5" y="connsiteY5"/>
+                </a:cxn>
+                <a:cxn ang="0">
+                  <a:pos x="connsiteX6" y="connsiteY6"/>
+                </a:cxn>
+              </a:cxnLst>
+              <a:rect l="l" t="t" r="r" b="b"/>
+              <a:pathLst>
+                <a:path w="316142" h="484632">
+                  <a:moveTo>
+                    <a:pt x="0" y="242316"/>
+                  </a:moveTo>
+                  <a:lnTo>
+                    <a:pt x="135270" y="0"/>
+                  </a:lnTo>
+                  <a:lnTo>
+                    <a:pt x="135270" y="90435"/>
+                  </a:lnTo>
+                  <a:lnTo>
+                    <a:pt x="316142" y="394197"/>
+                  </a:lnTo>
+                  <a:lnTo>
+                    <a:pt x="135270" y="394197"/>
+                  </a:lnTo>
+                  <a:lnTo>
+                    <a:pt x="135270" y="484632"/>
+                  </a:lnTo>
+                  <a:lnTo>
+                    <a:pt x="0" y="242316"/>
+                  </a:lnTo>
+                  <a:close/>
+                </a:path>
+              </a:pathLst>
+            </a:custGeom>
+          </p:spPr>
+          <p:style>
+            <a:lnRef idx="2">
+              <a:schemeClr val="accent2">
+                <a:shade val="50000"/>
+              </a:schemeClr>
+            </a:lnRef>
+            <a:fillRef idx="1">
+              <a:schemeClr val="accent2"/>
+            </a:fillRef>
+            <a:effectRef idx="0">
+              <a:schemeClr val="accent2"/>
+            </a:effectRef>
+            <a:fontRef idx="minor">
+              <a:schemeClr val="lt1"/>
+            </a:fontRef>
+          </p:style>
+          <p:txBody>
+            <a:bodyPr rtlCol="0" anchor="ctr"/>
+            <a:lstStyle/>
+            <a:p>
+              <a:pPr algn="ctr"/>
+              <a:endParaRPr lang="ru-RU"/>
+            </a:p>
+          </p:txBody>
+        </p:sp>
+      </p:grpSp>
+      <p:sp>
+        <p:nvSpPr>
+          <p:cNvPr id="10" name="TextBox 9"/>
+          <p:cNvSpPr txBox="1"/>
+          <p:nvPr/>
+        </p:nvSpPr>
+        <p:spPr>
+          <a:xfrm>
+            <a:off x="914401" y="151900"/>
+            <a:ext cx="10363199" cy="1015663"/>
+          </a:xfrm>
+          <a:prstGeom prst="rect">
+            <a:avLst/>
+          </a:prstGeom>
+          <a:noFill/>
+        </p:spPr>
+        <p:txBody>
+          <a:bodyPr wrap="square" rtlCol="0" anchor="ctr">
+            <a:spAutoFit/>
+          </a:bodyPr>
+          <a:lstStyle/>
+          <a:p>
+            <a:pPr algn="ctr"/>
+            <a:r>
+              <a:rPr lang="ru-RU" sz="6000" b="1" dirty="0" smtClean="0"/>
+              <a:t>Работа с данными</a:t>
+            </a:r>
+          </a:p>
+        </p:txBody>
+      </p:sp>
+      <p:sp>
+        <p:nvSpPr>
+          <p:cNvPr id="2" name="TextBox 1"/>
+          <p:cNvSpPr txBox="1"/>
+          <p:nvPr/>
+        </p:nvSpPr>
+        <p:spPr>
+          <a:xfrm>
+            <a:off x="4737136" y="1167469"/>
+            <a:ext cx="2717732" cy="461665"/>
+          </a:xfrm>
+          <a:prstGeom prst="rect">
+            <a:avLst/>
+          </a:prstGeom>
+          <a:noFill/>
+        </p:spPr>
+        <p:txBody>
+          <a:bodyPr wrap="none" rtlCol="0">
+            <a:spAutoFit/>
+          </a:bodyPr>
+          <a:lstStyle/>
+          <a:p>
+            <a:pPr algn="ctr"/>
+            <a:r>
+              <a:rPr lang="ru-RU" sz="2400" b="1" dirty="0" smtClean="0"/>
+              <a:t>Коннектор модели</a:t>
+            </a:r>
+            <a:endParaRPr lang="ru-RU" sz="2400" b="1" dirty="0"/>
+          </a:p>
+        </p:txBody>
+      </p:sp>
+      <p:sp>
+        <p:nvSpPr>
+          <p:cNvPr id="29" name="Прямоугольник 28"/>
+          <p:cNvSpPr/>
+          <p:nvPr/>
+        </p:nvSpPr>
+        <p:spPr>
+          <a:xfrm>
+            <a:off x="4726586" y="1629135"/>
+            <a:ext cx="2743200" cy="4922493"/>
+          </a:xfrm>
+          <a:prstGeom prst="rect">
+            <a:avLst/>
+          </a:prstGeom>
+        </p:spPr>
+        <p:style>
+          <a:lnRef idx="2">
+            <a:schemeClr val="accent5"/>
+          </a:lnRef>
+          <a:fillRef idx="1">
+            <a:schemeClr val="lt1"/>
+          </a:fillRef>
+          <a:effectRef idx="0">
+            <a:schemeClr val="accent5"/>
+          </a:effectRef>
+          <a:fontRef idx="minor">
+            <a:schemeClr val="dk1"/>
+          </a:fontRef>
+        </p:style>
+        <p:txBody>
+          <a:bodyPr rtlCol="0" anchor="ctr"/>
+          <a:lstStyle/>
+          <a:p>
+            <a:pPr algn="ctr"/>
+            <a:endParaRPr lang="ru-RU" sz="5400" dirty="0" smtClean="0"/>
+          </a:p>
+        </p:txBody>
+      </p:sp>
+      <p:sp>
+        <p:nvSpPr>
+          <p:cNvPr id="41" name="Прямоугольник 40"/>
+          <p:cNvSpPr/>
+          <p:nvPr/>
+        </p:nvSpPr>
+        <p:spPr>
+          <a:xfrm>
+            <a:off x="8534400" y="1629135"/>
+            <a:ext cx="2743200" cy="4922493"/>
+          </a:xfrm>
+          <a:prstGeom prst="rect">
+            <a:avLst/>
+          </a:prstGeom>
+        </p:spPr>
+        <p:style>
+          <a:lnRef idx="2">
+            <a:schemeClr val="accent5"/>
+          </a:lnRef>
+          <a:fillRef idx="1">
+            <a:schemeClr val="lt1"/>
+          </a:fillRef>
+          <a:effectRef idx="0">
+            <a:schemeClr val="accent5"/>
+          </a:effectRef>
+          <a:fontRef idx="minor">
+            <a:schemeClr val="dk1"/>
+          </a:fontRef>
+        </p:style>
+        <p:txBody>
+          <a:bodyPr rtlCol="0" anchor="ctr"/>
+          <a:lstStyle/>
+          <a:p>
+            <a:pPr algn="ctr"/>
+            <a:endParaRPr lang="ru-RU" sz="5400" dirty="0" smtClean="0"/>
+          </a:p>
+        </p:txBody>
+      </p:sp>
+      <p:sp>
+        <p:nvSpPr>
+          <p:cNvPr id="42" name="Прямоугольник 41"/>
+          <p:cNvSpPr/>
+          <p:nvPr/>
+        </p:nvSpPr>
+        <p:spPr>
+          <a:xfrm>
+            <a:off x="914401" y="1629134"/>
+            <a:ext cx="2743200" cy="4922493"/>
+          </a:xfrm>
+          <a:prstGeom prst="rect">
+            <a:avLst/>
+          </a:prstGeom>
+        </p:spPr>
+        <p:style>
+          <a:lnRef idx="2">
+            <a:schemeClr val="accent5"/>
+          </a:lnRef>
+          <a:fillRef idx="1">
+            <a:schemeClr val="lt1"/>
+          </a:fillRef>
+          <a:effectRef idx="0">
+            <a:schemeClr val="accent5"/>
+          </a:effectRef>
+          <a:fontRef idx="minor">
+            <a:schemeClr val="dk1"/>
+          </a:fontRef>
+        </p:style>
+        <p:txBody>
+          <a:bodyPr rtlCol="0" anchor="ctr"/>
+          <a:lstStyle/>
+          <a:p>
+            <a:pPr algn="ctr"/>
+            <a:endParaRPr lang="ru-RU" sz="5400" dirty="0" smtClean="0"/>
+          </a:p>
+        </p:txBody>
+      </p:sp>
+      <p:sp>
+        <p:nvSpPr>
+          <p:cNvPr id="43" name="TextBox 42"/>
+          <p:cNvSpPr txBox="1"/>
+          <p:nvPr/>
+        </p:nvSpPr>
+        <p:spPr>
+          <a:xfrm>
+            <a:off x="1340873" y="1167469"/>
+            <a:ext cx="1890262" cy="461665"/>
+          </a:xfrm>
+          <a:prstGeom prst="rect">
+            <a:avLst/>
+          </a:prstGeom>
+          <a:noFill/>
+        </p:spPr>
+        <p:txBody>
+          <a:bodyPr wrap="none" rtlCol="0">
+            <a:spAutoFit/>
+          </a:bodyPr>
+          <a:lstStyle/>
+          <a:p>
+            <a:pPr algn="ctr"/>
+            <a:r>
+              <a:rPr lang="ru-RU" sz="2400" b="1" dirty="0" smtClean="0"/>
+              <a:t>База данных</a:t>
+            </a:r>
+            <a:endParaRPr lang="ru-RU" sz="2400" b="1" dirty="0"/>
+          </a:p>
+        </p:txBody>
+      </p:sp>
+      <p:sp>
+        <p:nvSpPr>
+          <p:cNvPr id="44" name="TextBox 43"/>
+          <p:cNvSpPr txBox="1"/>
+          <p:nvPr/>
+        </p:nvSpPr>
+        <p:spPr>
+          <a:xfrm>
+            <a:off x="9279450" y="1167468"/>
+            <a:ext cx="1253100" cy="461665"/>
+          </a:xfrm>
+          <a:prstGeom prst="rect">
+            <a:avLst/>
+          </a:prstGeom>
+          <a:noFill/>
+        </p:spPr>
+        <p:txBody>
+          <a:bodyPr wrap="none" rtlCol="0">
+            <a:spAutoFit/>
+          </a:bodyPr>
+          <a:lstStyle/>
+          <a:p>
+            <a:pPr algn="ctr"/>
+            <a:r>
+              <a:rPr lang="ru-RU" sz="2400" b="1" dirty="0" smtClean="0"/>
+              <a:t>Модель</a:t>
+            </a:r>
+            <a:endParaRPr lang="ru-RU" sz="2400" b="1" dirty="0"/>
+          </a:p>
+        </p:txBody>
+      </p:sp>
+      <p:sp>
+        <p:nvSpPr>
+          <p:cNvPr id="5" name="TextBox 4"/>
+          <p:cNvSpPr txBox="1"/>
+          <p:nvPr/>
+        </p:nvSpPr>
+        <p:spPr>
+          <a:xfrm>
+            <a:off x="914401" y="1767585"/>
+            <a:ext cx="2732653" cy="646331"/>
+          </a:xfrm>
+          <a:prstGeom prst="rect">
+            <a:avLst/>
+          </a:prstGeom>
+          <a:noFill/>
+        </p:spPr>
+        <p:txBody>
+          <a:bodyPr wrap="square" rtlCol="0">
+            <a:spAutoFit/>
+          </a:bodyPr>
+          <a:lstStyle/>
+          <a:p>
+            <a:pPr algn="ctr"/>
+            <a:r>
+              <a:rPr lang="ru-RU" dirty="0" smtClean="0"/>
+              <a:t>Объект, содержащий информацию о БД</a:t>
+            </a:r>
+            <a:endParaRPr lang="ru-RU" dirty="0"/>
+          </a:p>
+        </p:txBody>
+      </p:sp>
+      <p:sp>
+        <p:nvSpPr>
+          <p:cNvPr id="45" name="TextBox 44"/>
+          <p:cNvSpPr txBox="1"/>
+          <p:nvPr/>
+        </p:nvSpPr>
+        <p:spPr>
+          <a:xfrm>
+            <a:off x="924948" y="2552368"/>
+            <a:ext cx="2732653" cy="1754326"/>
+          </a:xfrm>
+          <a:prstGeom prst="rect">
+            <a:avLst/>
+          </a:prstGeom>
+          <a:noFill/>
+        </p:spPr>
+        <p:txBody>
+          <a:bodyPr wrap="square" rtlCol="0">
+            <a:spAutoFit/>
+          </a:bodyPr>
+          <a:lstStyle/>
+          <a:p>
+            <a:pPr marL="285750" indent="-285750">
+              <a:buFont typeface="Arial" panose="020B0604020202020204" pitchFamily="34" charset="0"/>
+              <a:buChar char="•"/>
+            </a:pPr>
+            <a:r>
+              <a:rPr lang="ru-RU" dirty="0" smtClean="0"/>
+              <a:t>Создаёт подключение к БД</a:t>
+            </a:r>
+          </a:p>
+          <a:p>
+            <a:pPr marL="285750" indent="-285750">
+              <a:buFont typeface="Arial" panose="020B0604020202020204" pitchFamily="34" charset="0"/>
+              <a:buChar char="•"/>
+            </a:pPr>
+            <a:r>
+              <a:rPr lang="ru-RU" dirty="0" smtClean="0"/>
+              <a:t>Даёт возможность выполнять подготовленные </a:t>
+            </a:r>
+            <a:r>
+              <a:rPr lang="en-US" dirty="0" smtClean="0"/>
+              <a:t>SQL </a:t>
+            </a:r>
+            <a:r>
+              <a:rPr lang="ru-RU" dirty="0" smtClean="0"/>
+              <a:t>запросы</a:t>
+            </a:r>
+            <a:endParaRPr lang="ru-RU" dirty="0"/>
+          </a:p>
+        </p:txBody>
+      </p:sp>
+      <p:sp>
+        <p:nvSpPr>
+          <p:cNvPr id="46" name="TextBox 45"/>
+          <p:cNvSpPr txBox="1"/>
+          <p:nvPr/>
+        </p:nvSpPr>
+        <p:spPr>
+          <a:xfrm>
+            <a:off x="924948" y="4797301"/>
+            <a:ext cx="2732653" cy="1754326"/>
+          </a:xfrm>
+          <a:prstGeom prst="rect">
+            <a:avLst/>
+          </a:prstGeom>
+          <a:noFill/>
+        </p:spPr>
+        <p:txBody>
+          <a:bodyPr wrap="square" rtlCol="0">
+            <a:spAutoFit/>
+          </a:bodyPr>
+          <a:lstStyle/>
+          <a:p>
+            <a:pPr algn="ctr"/>
+            <a:r>
+              <a:rPr lang="ru-RU" dirty="0" smtClean="0"/>
+              <a:t>Реализация в </a:t>
+            </a:r>
+            <a:r>
+              <a:rPr lang="en-US" i="1" dirty="0" err="1" smtClean="0"/>
+              <a:t>BasePostgresDataBase</a:t>
+            </a:r>
+            <a:endParaRPr lang="en-US" dirty="0" smtClean="0"/>
+          </a:p>
+          <a:p>
+            <a:r>
+              <a:rPr lang="ru-RU" dirty="0" smtClean="0"/>
+              <a:t>Каждый сервис наследует базовый класс, предоставляя данные для подключения к БД.</a:t>
+            </a:r>
+            <a:endParaRPr lang="ru-RU" dirty="0"/>
+          </a:p>
+        </p:txBody>
+      </p:sp>
+      <p:sp>
+        <p:nvSpPr>
+          <p:cNvPr id="47" name="TextBox 46"/>
+          <p:cNvSpPr txBox="1"/>
+          <p:nvPr/>
+        </p:nvSpPr>
+        <p:spPr>
+          <a:xfrm>
+            <a:off x="4722211" y="1629133"/>
+            <a:ext cx="2732653" cy="1200329"/>
+          </a:xfrm>
+          <a:prstGeom prst="rect">
+            <a:avLst/>
+          </a:prstGeom>
+          <a:noFill/>
+        </p:spPr>
+        <p:txBody>
+          <a:bodyPr wrap="square" rtlCol="0">
+            <a:spAutoFit/>
+          </a:bodyPr>
+          <a:lstStyle/>
+          <a:p>
+            <a:pPr algn="ctr"/>
+            <a:r>
+              <a:rPr lang="ru-RU" dirty="0" smtClean="0"/>
+              <a:t>Объект, содержащий информацию о том, как правильно общаться с БД для каждой из моделей</a:t>
+            </a:r>
+            <a:endParaRPr lang="ru-RU" dirty="0"/>
+          </a:p>
+        </p:txBody>
+      </p:sp>
+      <p:sp>
+        <p:nvSpPr>
+          <p:cNvPr id="48" name="TextBox 47"/>
+          <p:cNvSpPr txBox="1"/>
+          <p:nvPr/>
+        </p:nvSpPr>
+        <p:spPr>
+          <a:xfrm>
+            <a:off x="8534397" y="1767539"/>
+            <a:ext cx="2732653" cy="646331"/>
+          </a:xfrm>
+          <a:prstGeom prst="rect">
+            <a:avLst/>
+          </a:prstGeom>
+          <a:noFill/>
+        </p:spPr>
+        <p:txBody>
+          <a:bodyPr wrap="square" rtlCol="0">
+            <a:spAutoFit/>
+          </a:bodyPr>
+          <a:lstStyle/>
+          <a:p>
+            <a:pPr algn="ctr"/>
+            <a:r>
+              <a:rPr lang="en-US" dirty="0" smtClean="0"/>
+              <a:t>Data-</a:t>
+            </a:r>
+            <a:r>
+              <a:rPr lang="ru-RU" dirty="0" smtClean="0"/>
+              <a:t>объект, содержащий значащую информацию</a:t>
+            </a:r>
+            <a:endParaRPr lang="ru-RU" dirty="0"/>
+          </a:p>
+        </p:txBody>
+      </p:sp>
+      <p:sp>
+        <p:nvSpPr>
+          <p:cNvPr id="49" name="TextBox 48"/>
+          <p:cNvSpPr txBox="1"/>
+          <p:nvPr/>
+        </p:nvSpPr>
+        <p:spPr>
+          <a:xfrm>
+            <a:off x="8534396" y="2552274"/>
+            <a:ext cx="2732653" cy="2031325"/>
+          </a:xfrm>
+          <a:prstGeom prst="rect">
+            <a:avLst/>
+          </a:prstGeom>
+          <a:noFill/>
+        </p:spPr>
+        <p:txBody>
+          <a:bodyPr wrap="square" rtlCol="0">
+            <a:spAutoFit/>
+          </a:bodyPr>
+          <a:lstStyle/>
+          <a:p>
+            <a:pPr marL="285750" indent="-285750">
+              <a:buFont typeface="Arial" panose="020B0604020202020204" pitchFamily="34" charset="0"/>
+              <a:buChar char="•"/>
+            </a:pPr>
+            <a:r>
+              <a:rPr lang="ru-RU" dirty="0" smtClean="0"/>
+              <a:t>Хранит информацию</a:t>
+            </a:r>
+          </a:p>
+          <a:p>
+            <a:pPr marL="285750" indent="-285750">
+              <a:buFont typeface="Arial" panose="020B0604020202020204" pitchFamily="34" charset="0"/>
+              <a:buChar char="•"/>
+            </a:pPr>
+            <a:r>
+              <a:rPr lang="ru-RU" dirty="0" smtClean="0"/>
+              <a:t>Предоставляет методы для задания</a:t>
+            </a:r>
+            <a:r>
+              <a:rPr lang="ru-RU" dirty="0"/>
+              <a:t> </a:t>
+            </a:r>
+            <a:r>
+              <a:rPr lang="ru-RU" dirty="0" smtClean="0"/>
+              <a:t>и получения данных</a:t>
+            </a:r>
+          </a:p>
+          <a:p>
+            <a:pPr marL="285750" indent="-285750">
+              <a:buFont typeface="Arial" panose="020B0604020202020204" pitchFamily="34" charset="0"/>
+              <a:buChar char="•"/>
+            </a:pPr>
+            <a:r>
+              <a:rPr lang="ru-RU" dirty="0" smtClean="0"/>
+              <a:t>Может использоваться при передаче данных между сервисами</a:t>
+            </a:r>
+            <a:endParaRPr lang="ru-RU" dirty="0"/>
+          </a:p>
+        </p:txBody>
+      </p:sp>
+      <p:sp>
+        <p:nvSpPr>
+          <p:cNvPr id="50" name="TextBox 49"/>
+          <p:cNvSpPr txBox="1"/>
+          <p:nvPr/>
+        </p:nvSpPr>
+        <p:spPr>
+          <a:xfrm>
+            <a:off x="8544947" y="4583599"/>
+            <a:ext cx="2732653" cy="2031325"/>
+          </a:xfrm>
+          <a:prstGeom prst="rect">
+            <a:avLst/>
+          </a:prstGeom>
+          <a:noFill/>
+        </p:spPr>
+        <p:txBody>
+          <a:bodyPr wrap="square" rtlCol="0">
+            <a:spAutoFit/>
+          </a:bodyPr>
+          <a:lstStyle/>
+          <a:p>
+            <a:pPr algn="ctr"/>
+            <a:r>
+              <a:rPr lang="ru-RU" dirty="0" smtClean="0"/>
+              <a:t>Существует базовая реализация </a:t>
+            </a:r>
+            <a:r>
+              <a:rPr lang="en-US" i="1" dirty="0" err="1" smtClean="0"/>
+              <a:t>AbstractModel</a:t>
+            </a:r>
+            <a:endParaRPr lang="ru-RU" dirty="0" smtClean="0"/>
+          </a:p>
+          <a:p>
+            <a:r>
+              <a:rPr lang="ru-RU" dirty="0"/>
+              <a:t>Н</a:t>
+            </a:r>
+            <a:r>
+              <a:rPr lang="ru-RU" dirty="0" smtClean="0"/>
+              <a:t>аследоваться от неё необязательно, если нет необходимости получать объект по </a:t>
+            </a:r>
+            <a:r>
+              <a:rPr lang="en-US" dirty="0" smtClean="0"/>
+              <a:t>ID</a:t>
+            </a:r>
+            <a:r>
+              <a:rPr lang="ru-RU" dirty="0" smtClean="0"/>
+              <a:t>.</a:t>
+            </a:r>
+            <a:endParaRPr lang="ru-RU" dirty="0"/>
+          </a:p>
+        </p:txBody>
+      </p:sp>
+      <p:sp>
+        <p:nvSpPr>
+          <p:cNvPr id="51" name="TextBox 50"/>
+          <p:cNvSpPr txBox="1"/>
+          <p:nvPr/>
+        </p:nvSpPr>
+        <p:spPr>
+          <a:xfrm>
+            <a:off x="4716035" y="2829462"/>
+            <a:ext cx="2732653" cy="2031325"/>
+          </a:xfrm>
+          <a:prstGeom prst="rect">
+            <a:avLst/>
+          </a:prstGeom>
+          <a:noFill/>
+        </p:spPr>
+        <p:txBody>
+          <a:bodyPr wrap="square" rtlCol="0">
+            <a:spAutoFit/>
+          </a:bodyPr>
+          <a:lstStyle/>
+          <a:p>
+            <a:pPr marL="285750" indent="-285750">
+              <a:buFont typeface="Arial" panose="020B0604020202020204" pitchFamily="34" charset="0"/>
+              <a:buChar char="•"/>
+            </a:pPr>
+            <a:r>
+              <a:rPr lang="ru-RU" dirty="0" smtClean="0"/>
+              <a:t>Создаёт </a:t>
+            </a:r>
+            <a:r>
+              <a:rPr lang="en-US" dirty="0" smtClean="0"/>
+              <a:t>SQL</a:t>
+            </a:r>
+            <a:r>
+              <a:rPr lang="ru-RU" dirty="0" smtClean="0"/>
+              <a:t> запросы для получения </a:t>
+            </a:r>
+            <a:r>
+              <a:rPr lang="ru-RU" dirty="0"/>
+              <a:t>(</a:t>
+            </a:r>
+            <a:r>
+              <a:rPr lang="ru-RU" dirty="0" smtClean="0"/>
+              <a:t>отправки) объектов моделей из (в) БД.</a:t>
+            </a:r>
+          </a:p>
+          <a:p>
+            <a:pPr marL="285750" indent="-285750">
+              <a:buFont typeface="Arial" panose="020B0604020202020204" pitchFamily="34" charset="0"/>
+              <a:buChar char="•"/>
+            </a:pPr>
+            <a:r>
+              <a:rPr lang="ru-RU" dirty="0" smtClean="0"/>
+              <a:t>Создаёт объекты из результатов </a:t>
+            </a:r>
+            <a:r>
+              <a:rPr lang="en-US" dirty="0" smtClean="0"/>
+              <a:t>SQL</a:t>
+            </a:r>
+            <a:r>
+              <a:rPr lang="ru-RU" dirty="0" smtClean="0"/>
+              <a:t> запросов</a:t>
+            </a:r>
+            <a:endParaRPr lang="ru-RU" dirty="0"/>
+          </a:p>
+        </p:txBody>
+      </p:sp>
+      <p:sp>
+        <p:nvSpPr>
+          <p:cNvPr id="52" name="TextBox 51"/>
+          <p:cNvSpPr txBox="1"/>
+          <p:nvPr/>
+        </p:nvSpPr>
+        <p:spPr>
+          <a:xfrm>
+            <a:off x="4722211" y="4860787"/>
+            <a:ext cx="2732653" cy="1692771"/>
+          </a:xfrm>
+          <a:prstGeom prst="rect">
+            <a:avLst/>
+          </a:prstGeom>
+          <a:noFill/>
+        </p:spPr>
+        <p:txBody>
+          <a:bodyPr wrap="square" rtlCol="0">
+            <a:spAutoFit/>
+          </a:bodyPr>
+          <a:lstStyle/>
+          <a:p>
+            <a:pPr algn="ctr"/>
+            <a:r>
+              <a:rPr lang="ru-RU" dirty="0" smtClean="0"/>
+              <a:t>Реализация в </a:t>
+            </a:r>
+            <a:r>
+              <a:rPr lang="en-US" sz="1600" i="1" dirty="0" err="1" smtClean="0"/>
+              <a:t>BaseDatabaseConnector</a:t>
+            </a:r>
+            <a:r>
+              <a:rPr lang="en-US" sz="1600" i="1" dirty="0" smtClean="0"/>
+              <a:t>&lt;T</a:t>
+            </a:r>
+            <a:r>
+              <a:rPr lang="en-US" sz="1600" dirty="0" smtClean="0"/>
+              <a:t>&gt;</a:t>
+            </a:r>
+            <a:r>
+              <a:rPr lang="ru-RU" sz="1600" dirty="0"/>
+              <a:t> </a:t>
+            </a:r>
+            <a:r>
+              <a:rPr lang="ru-RU" sz="1600" dirty="0" smtClean="0"/>
+              <a:t>и </a:t>
+            </a:r>
+            <a:r>
+              <a:rPr lang="en-US" sz="1600" i="1" dirty="0" err="1" smtClean="0"/>
+              <a:t>AbstractModelD</a:t>
+            </a:r>
+            <a:r>
+              <a:rPr lang="en-US" sz="1600" i="1" dirty="0" smtClean="0"/>
+              <a:t>…C…&lt;T&gt;</a:t>
+            </a:r>
+            <a:endParaRPr lang="ru-RU" sz="1600" i="1" dirty="0"/>
+          </a:p>
+          <a:p>
+            <a:r>
+              <a:rPr lang="ru-RU" dirty="0" smtClean="0"/>
+              <a:t>Наследуется для каждой модели, для которой необходима работа с БД.</a:t>
+            </a:r>
+            <a:endParaRPr lang="en-US" dirty="0" smtClean="0"/>
+          </a:p>
+        </p:txBody>
+      </p:sp>
+    </p:spTree>
+    <p:extLst>
+      <p:ext uri="{BB962C8B-B14F-4D97-AF65-F5344CB8AC3E}">
+        <p14:creationId xmlns:p14="http://schemas.microsoft.com/office/powerpoint/2010/main" val="3588891117"/>
       </p:ext>
     </p:extLst>
   </p:cSld>

--- a/docs/Java 3 - presentation (without animation).pptx
+++ b/docs/Java 3 - presentation (without animation).pptx
@@ -11,9 +11,9 @@
     <p:sldId id="266" r:id="rId5"/>
     <p:sldId id="272" r:id="rId6"/>
     <p:sldId id="278" r:id="rId7"/>
-    <p:sldId id="279" r:id="rId8"/>
+    <p:sldId id="281" r:id="rId8"/>
     <p:sldId id="280" r:id="rId9"/>
-    <p:sldId id="281" r:id="rId10"/>
+    <p:sldId id="293" r:id="rId10"/>
     <p:sldId id="282" r:id="rId11"/>
     <p:sldId id="292" r:id="rId12"/>
     <p:sldId id="290" r:id="rId13"/>
@@ -7035,7 +7035,6 @@
               <a:rPr lang="ru-RU" sz="6000" b="1" dirty="0" smtClean="0"/>
               <a:t>Веб-интерфейс</a:t>
             </a:r>
-            <a:endParaRPr lang="ru-RU" sz="6000" b="1" dirty="0" smtClean="0"/>
           </a:p>
         </p:txBody>
       </p:sp>
@@ -16820,8 +16819,8 @@
         </p:nvSpPr>
         <p:spPr>
           <a:xfrm>
-            <a:off x="1117019" y="3952240"/>
-            <a:ext cx="4493794" cy="2123658"/>
+            <a:off x="1117020" y="3952240"/>
+            <a:ext cx="4478562" cy="2123658"/>
           </a:xfrm>
           <a:prstGeom prst="rect">
             <a:avLst/>
@@ -16829,7 +16828,7 @@
           <a:noFill/>
         </p:spPr>
         <p:txBody>
-          <a:bodyPr wrap="none" rtlCol="0">
+          <a:bodyPr wrap="square" rtlCol="0">
             <a:spAutoFit/>
           </a:bodyPr>
           <a:lstStyle/>
@@ -16884,23 +16883,21 @@
             </a:br>
             <a:r>
               <a:rPr lang="ru-RU" dirty="0" smtClean="0"/>
-              <a:t>кредитной истории и </a:t>
-            </a:r>
-            <a:r>
-              <a:rPr lang="ru-RU" dirty="0"/>
-              <a:t>разработка</a:t>
-            </a:r>
-            <a:br>
-              <a:rPr lang="ru-RU" dirty="0"/>
-            </a:br>
-            <a:r>
-              <a:rPr lang="ru-RU" dirty="0"/>
-              <a:t>соответствующих </a:t>
+              <a:t>кредитной </a:t>
             </a:r>
             <a:r>
               <a:rPr lang="ru-RU" dirty="0" smtClean="0"/>
-              <a:t>моделей</a:t>
-            </a:r>
+              <a:t>истории </a:t>
+            </a:r>
+            <a:r>
+              <a:rPr lang="ru-RU" dirty="0" smtClean="0"/>
+              <a:t>и </a:t>
+            </a:r>
+            <a:r>
+              <a:rPr lang="ru-RU" dirty="0" smtClean="0"/>
+              <a:t>данных пользователей</a:t>
+            </a:r>
+            <a:endParaRPr lang="ru-RU" dirty="0" smtClean="0"/>
           </a:p>
           <a:p>
             <a:pPr marL="285750" indent="-285750">
@@ -16931,8 +16928,8 @@
         </p:nvSpPr>
         <p:spPr>
           <a:xfrm>
-            <a:off x="6784895" y="3813740"/>
-            <a:ext cx="4303614" cy="2400657"/>
+            <a:off x="6714074" y="3813740"/>
+            <a:ext cx="4563525" cy="2400657"/>
           </a:xfrm>
           <a:prstGeom prst="rect">
             <a:avLst/>
@@ -16940,7 +16937,7 @@
           <a:noFill/>
         </p:spPr>
         <p:txBody>
-          <a:bodyPr wrap="none" rtlCol="0">
+          <a:bodyPr wrap="square" rtlCol="0">
             <a:spAutoFit/>
           </a:bodyPr>
           <a:lstStyle/>
@@ -16984,14 +16981,11 @@
             </a:pPr>
             <a:r>
               <a:rPr lang="ru-RU" dirty="0" smtClean="0"/>
-              <a:t>Определение структуры БД сервиса</a:t>
-            </a:r>
-            <a:br>
+              <a:t>Разработка моделей пользователя, </a:t>
+            </a:r>
+            <a:r>
               <a:rPr lang="ru-RU" dirty="0" smtClean="0"/>
-            </a:br>
-            <a:r>
-              <a:rPr lang="ru-RU" dirty="0" smtClean="0"/>
-              <a:t>данных пользователей</a:t>
+              <a:t>кредитов и платежей</a:t>
             </a:r>
             <a:r>
               <a:rPr lang="en-US" dirty="0" smtClean="0"/>
@@ -16999,15 +16993,9 @@
             </a:r>
             <a:r>
               <a:rPr lang="ru-RU" dirty="0" smtClean="0"/>
-              <a:t>и разработка</a:t>
-            </a:r>
-            <a:br>
-              <a:rPr lang="ru-RU" dirty="0" smtClean="0"/>
-            </a:br>
-            <a:r>
-              <a:rPr lang="ru-RU" dirty="0" smtClean="0"/>
-              <a:t>соответствующих моделей</a:t>
-            </a:r>
+              <a:t>для соответствующих баз данных</a:t>
+            </a:r>
+            <a:endParaRPr lang="ru-RU" dirty="0" smtClean="0"/>
           </a:p>
           <a:p>
             <a:pPr marL="285750" indent="-285750">
@@ -17045,7 +17033,6 @@
               <a:rPr lang="ru-RU" dirty="0" smtClean="0"/>
               <a:t>Разработка веб-интерфейса</a:t>
             </a:r>
-            <a:endParaRPr lang="ru-RU" dirty="0" smtClean="0"/>
           </a:p>
         </p:txBody>
       </p:sp>
@@ -17235,11 +17222,7 @@
             </a:pPr>
             <a:r>
               <a:rPr lang="ru-RU" dirty="0" smtClean="0"/>
-              <a:t>Развили навыки </a:t>
-            </a:r>
-            <a:r>
-              <a:rPr lang="ru-RU" dirty="0" smtClean="0"/>
-              <a:t>парной разработки</a:t>
+              <a:t>Развили навыки парной разработки</a:t>
             </a:r>
           </a:p>
           <a:p>
@@ -17311,11 +17294,7 @@
             </a:pPr>
             <a:r>
               <a:rPr lang="ru-RU" dirty="0" smtClean="0"/>
-              <a:t>Добавление и удаление </a:t>
-            </a:r>
-            <a:r>
-              <a:rPr lang="ru-RU" dirty="0" smtClean="0"/>
-              <a:t>новых записей в БД с помощью </a:t>
+              <a:t>Добавление и удаление новых записей в БД с помощью </a:t>
             </a:r>
             <a:r>
               <a:rPr lang="en-US" dirty="0" smtClean="0"/>
@@ -17323,13 +17302,8 @@
             </a:r>
             <a:r>
               <a:rPr lang="ru-RU" dirty="0" smtClean="0"/>
-              <a:t> (заготовки в коде</a:t>
-            </a:r>
-            <a:r>
-              <a:rPr lang="ru-RU" dirty="0" smtClean="0"/>
-              <a:t>)</a:t>
-            </a:r>
-            <a:endParaRPr lang="ru-RU" dirty="0" smtClean="0"/>
+              <a:t> (заготовки в коде)</a:t>
+            </a:r>
           </a:p>
           <a:p>
             <a:pPr marL="285750" indent="-285750">
@@ -19425,15 +19399,7 @@
                 </a:pPr>
                 <a:r>
                   <a:rPr lang="ru-RU" dirty="0" smtClean="0"/>
-                  <a:t>Одна </a:t>
-                </a:r>
-                <a:r>
-                  <a:rPr lang="ru-RU" dirty="0" smtClean="0"/>
-                  <a:t>организация (банк) </a:t>
-                </a:r>
-                <a:r>
-                  <a:rPr lang="ru-RU" dirty="0" smtClean="0"/>
-                  <a:t>– один сервис</a:t>
+                  <a:t>Одна организация (банк) – один сервис</a:t>
                 </a:r>
               </a:p>
             </p:txBody>
@@ -24120,53 +24086,387 @@
           <a:chExt cx="0" cy="0"/>
         </a:xfrm>
       </p:grpSpPr>
-      <p:sp>
-        <p:nvSpPr>
-          <p:cNvPr id="36" name="Прямоугольник 35"/>
-          <p:cNvSpPr/>
+      <p:grpSp>
+        <p:nvGrpSpPr>
+          <p:cNvPr id="53" name="Группа 52"/>
+          <p:cNvGrpSpPr/>
           <p:nvPr/>
-        </p:nvSpPr>
-        <p:spPr>
+        </p:nvGrpSpPr>
+        <p:grpSpPr>
           <a:xfrm>
-            <a:off x="1529785" y="1167563"/>
-            <a:ext cx="9132429" cy="4480883"/>
+            <a:off x="2469824" y="1635207"/>
+            <a:ext cx="7236092" cy="4916419"/>
+            <a:chOff x="4272985" y="2759867"/>
+            <a:chExt cx="463461" cy="484632"/>
           </a:xfrm>
-          <a:prstGeom prst="rect">
-            <a:avLst/>
-          </a:prstGeom>
-          <a:solidFill>
-            <a:schemeClr val="bg1"/>
-          </a:solidFill>
-        </p:spPr>
-        <p:style>
-          <a:lnRef idx="2">
-            <a:schemeClr val="accent1">
-              <a:shade val="50000"/>
-            </a:schemeClr>
-          </a:lnRef>
-          <a:fillRef idx="1">
-            <a:schemeClr val="accent1"/>
-          </a:fillRef>
-          <a:effectRef idx="0">
-            <a:schemeClr val="accent1"/>
-          </a:effectRef>
-          <a:fontRef idx="minor">
-            <a:schemeClr val="lt1"/>
-          </a:fontRef>
-        </p:style>
-        <p:txBody>
-          <a:bodyPr rtlCol="0" anchor="ctr"/>
-          <a:lstStyle/>
-          <a:p>
-            <a:pPr algn="ctr"/>
-            <a:endParaRPr lang="ru-RU" dirty="0">
-              <a:solidFill>
-                <a:schemeClr val="tx1"/>
-              </a:solidFill>
-            </a:endParaRPr>
-          </a:p>
-        </p:txBody>
-      </p:sp>
+        </p:grpSpPr>
+        <p:sp>
+          <p:nvSpPr>
+            <p:cNvPr id="54" name="Двойная стрелка влево/вправо 5"/>
+            <p:cNvSpPr/>
+            <p:nvPr/>
+          </p:nvSpPr>
+          <p:spPr>
+            <a:xfrm>
+              <a:off x="4272985" y="2759867"/>
+              <a:ext cx="316142" cy="484632"/>
+            </a:xfrm>
+            <a:custGeom>
+              <a:avLst/>
+              <a:gdLst>
+                <a:gd name="connsiteX0" fmla="*/ 0 w 451412"/>
+                <a:gd name="connsiteY0" fmla="*/ 242316 h 484632"/>
+                <a:gd name="connsiteX1" fmla="*/ 135270 w 451412"/>
+                <a:gd name="connsiteY1" fmla="*/ 0 h 484632"/>
+                <a:gd name="connsiteX2" fmla="*/ 135270 w 451412"/>
+                <a:gd name="connsiteY2" fmla="*/ 90435 h 484632"/>
+                <a:gd name="connsiteX3" fmla="*/ 316142 w 451412"/>
+                <a:gd name="connsiteY3" fmla="*/ 90435 h 484632"/>
+                <a:gd name="connsiteX4" fmla="*/ 316142 w 451412"/>
+                <a:gd name="connsiteY4" fmla="*/ 0 h 484632"/>
+                <a:gd name="connsiteX5" fmla="*/ 451412 w 451412"/>
+                <a:gd name="connsiteY5" fmla="*/ 242316 h 484632"/>
+                <a:gd name="connsiteX6" fmla="*/ 316142 w 451412"/>
+                <a:gd name="connsiteY6" fmla="*/ 484632 h 484632"/>
+                <a:gd name="connsiteX7" fmla="*/ 316142 w 451412"/>
+                <a:gd name="connsiteY7" fmla="*/ 394197 h 484632"/>
+                <a:gd name="connsiteX8" fmla="*/ 135270 w 451412"/>
+                <a:gd name="connsiteY8" fmla="*/ 394197 h 484632"/>
+                <a:gd name="connsiteX9" fmla="*/ 135270 w 451412"/>
+                <a:gd name="connsiteY9" fmla="*/ 484632 h 484632"/>
+                <a:gd name="connsiteX10" fmla="*/ 0 w 451412"/>
+                <a:gd name="connsiteY10" fmla="*/ 242316 h 484632"/>
+                <a:gd name="connsiteX0" fmla="*/ 0 w 451412"/>
+                <a:gd name="connsiteY0" fmla="*/ 242316 h 484632"/>
+                <a:gd name="connsiteX1" fmla="*/ 135270 w 451412"/>
+                <a:gd name="connsiteY1" fmla="*/ 0 h 484632"/>
+                <a:gd name="connsiteX2" fmla="*/ 135270 w 451412"/>
+                <a:gd name="connsiteY2" fmla="*/ 90435 h 484632"/>
+                <a:gd name="connsiteX3" fmla="*/ 316142 w 451412"/>
+                <a:gd name="connsiteY3" fmla="*/ 90435 h 484632"/>
+                <a:gd name="connsiteX4" fmla="*/ 451412 w 451412"/>
+                <a:gd name="connsiteY4" fmla="*/ 242316 h 484632"/>
+                <a:gd name="connsiteX5" fmla="*/ 316142 w 451412"/>
+                <a:gd name="connsiteY5" fmla="*/ 484632 h 484632"/>
+                <a:gd name="connsiteX6" fmla="*/ 316142 w 451412"/>
+                <a:gd name="connsiteY6" fmla="*/ 394197 h 484632"/>
+                <a:gd name="connsiteX7" fmla="*/ 135270 w 451412"/>
+                <a:gd name="connsiteY7" fmla="*/ 394197 h 484632"/>
+                <a:gd name="connsiteX8" fmla="*/ 135270 w 451412"/>
+                <a:gd name="connsiteY8" fmla="*/ 484632 h 484632"/>
+                <a:gd name="connsiteX9" fmla="*/ 0 w 451412"/>
+                <a:gd name="connsiteY9" fmla="*/ 242316 h 484632"/>
+                <a:gd name="connsiteX0" fmla="*/ 0 w 316142"/>
+                <a:gd name="connsiteY0" fmla="*/ 242316 h 484632"/>
+                <a:gd name="connsiteX1" fmla="*/ 135270 w 316142"/>
+                <a:gd name="connsiteY1" fmla="*/ 0 h 484632"/>
+                <a:gd name="connsiteX2" fmla="*/ 135270 w 316142"/>
+                <a:gd name="connsiteY2" fmla="*/ 90435 h 484632"/>
+                <a:gd name="connsiteX3" fmla="*/ 316142 w 316142"/>
+                <a:gd name="connsiteY3" fmla="*/ 90435 h 484632"/>
+                <a:gd name="connsiteX4" fmla="*/ 316142 w 316142"/>
+                <a:gd name="connsiteY4" fmla="*/ 484632 h 484632"/>
+                <a:gd name="connsiteX5" fmla="*/ 316142 w 316142"/>
+                <a:gd name="connsiteY5" fmla="*/ 394197 h 484632"/>
+                <a:gd name="connsiteX6" fmla="*/ 135270 w 316142"/>
+                <a:gd name="connsiteY6" fmla="*/ 394197 h 484632"/>
+                <a:gd name="connsiteX7" fmla="*/ 135270 w 316142"/>
+                <a:gd name="connsiteY7" fmla="*/ 484632 h 484632"/>
+                <a:gd name="connsiteX8" fmla="*/ 0 w 316142"/>
+                <a:gd name="connsiteY8" fmla="*/ 242316 h 484632"/>
+                <a:gd name="connsiteX0" fmla="*/ 0 w 316142"/>
+                <a:gd name="connsiteY0" fmla="*/ 242316 h 484632"/>
+                <a:gd name="connsiteX1" fmla="*/ 135270 w 316142"/>
+                <a:gd name="connsiteY1" fmla="*/ 0 h 484632"/>
+                <a:gd name="connsiteX2" fmla="*/ 135270 w 316142"/>
+                <a:gd name="connsiteY2" fmla="*/ 90435 h 484632"/>
+                <a:gd name="connsiteX3" fmla="*/ 316142 w 316142"/>
+                <a:gd name="connsiteY3" fmla="*/ 90435 h 484632"/>
+                <a:gd name="connsiteX4" fmla="*/ 316142 w 316142"/>
+                <a:gd name="connsiteY4" fmla="*/ 394197 h 484632"/>
+                <a:gd name="connsiteX5" fmla="*/ 135270 w 316142"/>
+                <a:gd name="connsiteY5" fmla="*/ 394197 h 484632"/>
+                <a:gd name="connsiteX6" fmla="*/ 135270 w 316142"/>
+                <a:gd name="connsiteY6" fmla="*/ 484632 h 484632"/>
+                <a:gd name="connsiteX7" fmla="*/ 0 w 316142"/>
+                <a:gd name="connsiteY7" fmla="*/ 242316 h 484632"/>
+                <a:gd name="connsiteX0" fmla="*/ 0 w 316142"/>
+                <a:gd name="connsiteY0" fmla="*/ 242316 h 484632"/>
+                <a:gd name="connsiteX1" fmla="*/ 135270 w 316142"/>
+                <a:gd name="connsiteY1" fmla="*/ 0 h 484632"/>
+                <a:gd name="connsiteX2" fmla="*/ 135270 w 316142"/>
+                <a:gd name="connsiteY2" fmla="*/ 90435 h 484632"/>
+                <a:gd name="connsiteX3" fmla="*/ 316142 w 316142"/>
+                <a:gd name="connsiteY3" fmla="*/ 394197 h 484632"/>
+                <a:gd name="connsiteX4" fmla="*/ 135270 w 316142"/>
+                <a:gd name="connsiteY4" fmla="*/ 394197 h 484632"/>
+                <a:gd name="connsiteX5" fmla="*/ 135270 w 316142"/>
+                <a:gd name="connsiteY5" fmla="*/ 484632 h 484632"/>
+                <a:gd name="connsiteX6" fmla="*/ 0 w 316142"/>
+                <a:gd name="connsiteY6" fmla="*/ 242316 h 484632"/>
+              </a:gdLst>
+              <a:ahLst/>
+              <a:cxnLst>
+                <a:cxn ang="0">
+                  <a:pos x="connsiteX0" y="connsiteY0"/>
+                </a:cxn>
+                <a:cxn ang="0">
+                  <a:pos x="connsiteX1" y="connsiteY1"/>
+                </a:cxn>
+                <a:cxn ang="0">
+                  <a:pos x="connsiteX2" y="connsiteY2"/>
+                </a:cxn>
+                <a:cxn ang="0">
+                  <a:pos x="connsiteX3" y="connsiteY3"/>
+                </a:cxn>
+                <a:cxn ang="0">
+                  <a:pos x="connsiteX4" y="connsiteY4"/>
+                </a:cxn>
+                <a:cxn ang="0">
+                  <a:pos x="connsiteX5" y="connsiteY5"/>
+                </a:cxn>
+                <a:cxn ang="0">
+                  <a:pos x="connsiteX6" y="connsiteY6"/>
+                </a:cxn>
+              </a:cxnLst>
+              <a:rect l="l" t="t" r="r" b="b"/>
+              <a:pathLst>
+                <a:path w="316142" h="484632">
+                  <a:moveTo>
+                    <a:pt x="0" y="242316"/>
+                  </a:moveTo>
+                  <a:lnTo>
+                    <a:pt x="135270" y="0"/>
+                  </a:lnTo>
+                  <a:lnTo>
+                    <a:pt x="135270" y="90435"/>
+                  </a:lnTo>
+                  <a:lnTo>
+                    <a:pt x="316142" y="394197"/>
+                  </a:lnTo>
+                  <a:lnTo>
+                    <a:pt x="135270" y="394197"/>
+                  </a:lnTo>
+                  <a:lnTo>
+                    <a:pt x="135270" y="484632"/>
+                  </a:lnTo>
+                  <a:lnTo>
+                    <a:pt x="0" y="242316"/>
+                  </a:lnTo>
+                  <a:close/>
+                </a:path>
+              </a:pathLst>
+            </a:custGeom>
+          </p:spPr>
+          <p:style>
+            <a:lnRef idx="2">
+              <a:schemeClr val="accent1">
+                <a:shade val="50000"/>
+              </a:schemeClr>
+            </a:lnRef>
+            <a:fillRef idx="1">
+              <a:schemeClr val="accent1"/>
+            </a:fillRef>
+            <a:effectRef idx="0">
+              <a:schemeClr val="accent1"/>
+            </a:effectRef>
+            <a:fontRef idx="minor">
+              <a:schemeClr val="lt1"/>
+            </a:fontRef>
+          </p:style>
+          <p:txBody>
+            <a:bodyPr rtlCol="0" anchor="ctr"/>
+            <a:lstStyle/>
+            <a:p>
+              <a:pPr algn="ctr"/>
+              <a:endParaRPr lang="ru-RU"/>
+            </a:p>
+          </p:txBody>
+        </p:sp>
+        <p:sp>
+          <p:nvSpPr>
+            <p:cNvPr id="55" name="Двойная стрелка влево/вправо 5"/>
+            <p:cNvSpPr/>
+            <p:nvPr/>
+          </p:nvSpPr>
+          <p:spPr>
+            <a:xfrm flipH="1" flipV="1">
+              <a:off x="4420304" y="2759867"/>
+              <a:ext cx="316142" cy="484632"/>
+            </a:xfrm>
+            <a:custGeom>
+              <a:avLst/>
+              <a:gdLst>
+                <a:gd name="connsiteX0" fmla="*/ 0 w 451412"/>
+                <a:gd name="connsiteY0" fmla="*/ 242316 h 484632"/>
+                <a:gd name="connsiteX1" fmla="*/ 135270 w 451412"/>
+                <a:gd name="connsiteY1" fmla="*/ 0 h 484632"/>
+                <a:gd name="connsiteX2" fmla="*/ 135270 w 451412"/>
+                <a:gd name="connsiteY2" fmla="*/ 90435 h 484632"/>
+                <a:gd name="connsiteX3" fmla="*/ 316142 w 451412"/>
+                <a:gd name="connsiteY3" fmla="*/ 90435 h 484632"/>
+                <a:gd name="connsiteX4" fmla="*/ 316142 w 451412"/>
+                <a:gd name="connsiteY4" fmla="*/ 0 h 484632"/>
+                <a:gd name="connsiteX5" fmla="*/ 451412 w 451412"/>
+                <a:gd name="connsiteY5" fmla="*/ 242316 h 484632"/>
+                <a:gd name="connsiteX6" fmla="*/ 316142 w 451412"/>
+                <a:gd name="connsiteY6" fmla="*/ 484632 h 484632"/>
+                <a:gd name="connsiteX7" fmla="*/ 316142 w 451412"/>
+                <a:gd name="connsiteY7" fmla="*/ 394197 h 484632"/>
+                <a:gd name="connsiteX8" fmla="*/ 135270 w 451412"/>
+                <a:gd name="connsiteY8" fmla="*/ 394197 h 484632"/>
+                <a:gd name="connsiteX9" fmla="*/ 135270 w 451412"/>
+                <a:gd name="connsiteY9" fmla="*/ 484632 h 484632"/>
+                <a:gd name="connsiteX10" fmla="*/ 0 w 451412"/>
+                <a:gd name="connsiteY10" fmla="*/ 242316 h 484632"/>
+                <a:gd name="connsiteX0" fmla="*/ 0 w 451412"/>
+                <a:gd name="connsiteY0" fmla="*/ 242316 h 484632"/>
+                <a:gd name="connsiteX1" fmla="*/ 135270 w 451412"/>
+                <a:gd name="connsiteY1" fmla="*/ 0 h 484632"/>
+                <a:gd name="connsiteX2" fmla="*/ 135270 w 451412"/>
+                <a:gd name="connsiteY2" fmla="*/ 90435 h 484632"/>
+                <a:gd name="connsiteX3" fmla="*/ 316142 w 451412"/>
+                <a:gd name="connsiteY3" fmla="*/ 90435 h 484632"/>
+                <a:gd name="connsiteX4" fmla="*/ 451412 w 451412"/>
+                <a:gd name="connsiteY4" fmla="*/ 242316 h 484632"/>
+                <a:gd name="connsiteX5" fmla="*/ 316142 w 451412"/>
+                <a:gd name="connsiteY5" fmla="*/ 484632 h 484632"/>
+                <a:gd name="connsiteX6" fmla="*/ 316142 w 451412"/>
+                <a:gd name="connsiteY6" fmla="*/ 394197 h 484632"/>
+                <a:gd name="connsiteX7" fmla="*/ 135270 w 451412"/>
+                <a:gd name="connsiteY7" fmla="*/ 394197 h 484632"/>
+                <a:gd name="connsiteX8" fmla="*/ 135270 w 451412"/>
+                <a:gd name="connsiteY8" fmla="*/ 484632 h 484632"/>
+                <a:gd name="connsiteX9" fmla="*/ 0 w 451412"/>
+                <a:gd name="connsiteY9" fmla="*/ 242316 h 484632"/>
+                <a:gd name="connsiteX0" fmla="*/ 0 w 316142"/>
+                <a:gd name="connsiteY0" fmla="*/ 242316 h 484632"/>
+                <a:gd name="connsiteX1" fmla="*/ 135270 w 316142"/>
+                <a:gd name="connsiteY1" fmla="*/ 0 h 484632"/>
+                <a:gd name="connsiteX2" fmla="*/ 135270 w 316142"/>
+                <a:gd name="connsiteY2" fmla="*/ 90435 h 484632"/>
+                <a:gd name="connsiteX3" fmla="*/ 316142 w 316142"/>
+                <a:gd name="connsiteY3" fmla="*/ 90435 h 484632"/>
+                <a:gd name="connsiteX4" fmla="*/ 316142 w 316142"/>
+                <a:gd name="connsiteY4" fmla="*/ 484632 h 484632"/>
+                <a:gd name="connsiteX5" fmla="*/ 316142 w 316142"/>
+                <a:gd name="connsiteY5" fmla="*/ 394197 h 484632"/>
+                <a:gd name="connsiteX6" fmla="*/ 135270 w 316142"/>
+                <a:gd name="connsiteY6" fmla="*/ 394197 h 484632"/>
+                <a:gd name="connsiteX7" fmla="*/ 135270 w 316142"/>
+                <a:gd name="connsiteY7" fmla="*/ 484632 h 484632"/>
+                <a:gd name="connsiteX8" fmla="*/ 0 w 316142"/>
+                <a:gd name="connsiteY8" fmla="*/ 242316 h 484632"/>
+                <a:gd name="connsiteX0" fmla="*/ 0 w 316142"/>
+                <a:gd name="connsiteY0" fmla="*/ 242316 h 484632"/>
+                <a:gd name="connsiteX1" fmla="*/ 135270 w 316142"/>
+                <a:gd name="connsiteY1" fmla="*/ 0 h 484632"/>
+                <a:gd name="connsiteX2" fmla="*/ 135270 w 316142"/>
+                <a:gd name="connsiteY2" fmla="*/ 90435 h 484632"/>
+                <a:gd name="connsiteX3" fmla="*/ 316142 w 316142"/>
+                <a:gd name="connsiteY3" fmla="*/ 90435 h 484632"/>
+                <a:gd name="connsiteX4" fmla="*/ 316142 w 316142"/>
+                <a:gd name="connsiteY4" fmla="*/ 394197 h 484632"/>
+                <a:gd name="connsiteX5" fmla="*/ 135270 w 316142"/>
+                <a:gd name="connsiteY5" fmla="*/ 394197 h 484632"/>
+                <a:gd name="connsiteX6" fmla="*/ 135270 w 316142"/>
+                <a:gd name="connsiteY6" fmla="*/ 484632 h 484632"/>
+                <a:gd name="connsiteX7" fmla="*/ 0 w 316142"/>
+                <a:gd name="connsiteY7" fmla="*/ 242316 h 484632"/>
+                <a:gd name="connsiteX0" fmla="*/ 0 w 316142"/>
+                <a:gd name="connsiteY0" fmla="*/ 242316 h 484632"/>
+                <a:gd name="connsiteX1" fmla="*/ 135270 w 316142"/>
+                <a:gd name="connsiteY1" fmla="*/ 0 h 484632"/>
+                <a:gd name="connsiteX2" fmla="*/ 135270 w 316142"/>
+                <a:gd name="connsiteY2" fmla="*/ 90435 h 484632"/>
+                <a:gd name="connsiteX3" fmla="*/ 316142 w 316142"/>
+                <a:gd name="connsiteY3" fmla="*/ 394197 h 484632"/>
+                <a:gd name="connsiteX4" fmla="*/ 135270 w 316142"/>
+                <a:gd name="connsiteY4" fmla="*/ 394197 h 484632"/>
+                <a:gd name="connsiteX5" fmla="*/ 135270 w 316142"/>
+                <a:gd name="connsiteY5" fmla="*/ 484632 h 484632"/>
+                <a:gd name="connsiteX6" fmla="*/ 0 w 316142"/>
+                <a:gd name="connsiteY6" fmla="*/ 242316 h 484632"/>
+              </a:gdLst>
+              <a:ahLst/>
+              <a:cxnLst>
+                <a:cxn ang="0">
+                  <a:pos x="connsiteX0" y="connsiteY0"/>
+                </a:cxn>
+                <a:cxn ang="0">
+                  <a:pos x="connsiteX1" y="connsiteY1"/>
+                </a:cxn>
+                <a:cxn ang="0">
+                  <a:pos x="connsiteX2" y="connsiteY2"/>
+                </a:cxn>
+                <a:cxn ang="0">
+                  <a:pos x="connsiteX3" y="connsiteY3"/>
+                </a:cxn>
+                <a:cxn ang="0">
+                  <a:pos x="connsiteX4" y="connsiteY4"/>
+                </a:cxn>
+                <a:cxn ang="0">
+                  <a:pos x="connsiteX5" y="connsiteY5"/>
+                </a:cxn>
+                <a:cxn ang="0">
+                  <a:pos x="connsiteX6" y="connsiteY6"/>
+                </a:cxn>
+              </a:cxnLst>
+              <a:rect l="l" t="t" r="r" b="b"/>
+              <a:pathLst>
+                <a:path w="316142" h="484632">
+                  <a:moveTo>
+                    <a:pt x="0" y="242316"/>
+                  </a:moveTo>
+                  <a:lnTo>
+                    <a:pt x="135270" y="0"/>
+                  </a:lnTo>
+                  <a:lnTo>
+                    <a:pt x="135270" y="90435"/>
+                  </a:lnTo>
+                  <a:lnTo>
+                    <a:pt x="316142" y="394197"/>
+                  </a:lnTo>
+                  <a:lnTo>
+                    <a:pt x="135270" y="394197"/>
+                  </a:lnTo>
+                  <a:lnTo>
+                    <a:pt x="135270" y="484632"/>
+                  </a:lnTo>
+                  <a:lnTo>
+                    <a:pt x="0" y="242316"/>
+                  </a:lnTo>
+                  <a:close/>
+                </a:path>
+              </a:pathLst>
+            </a:custGeom>
+          </p:spPr>
+          <p:style>
+            <a:lnRef idx="2">
+              <a:schemeClr val="accent2">
+                <a:shade val="50000"/>
+              </a:schemeClr>
+            </a:lnRef>
+            <a:fillRef idx="1">
+              <a:schemeClr val="accent2"/>
+            </a:fillRef>
+            <a:effectRef idx="0">
+              <a:schemeClr val="accent2"/>
+            </a:effectRef>
+            <a:fontRef idx="minor">
+              <a:schemeClr val="lt1"/>
+            </a:fontRef>
+          </p:style>
+          <p:txBody>
+            <a:bodyPr rtlCol="0" anchor="ctr"/>
+            <a:lstStyle/>
+            <a:p>
+              <a:pPr algn="ctr"/>
+              <a:endParaRPr lang="ru-RU"/>
+            </a:p>
+          </p:txBody>
+        </p:sp>
+      </p:grpSp>
       <p:sp>
         <p:nvSpPr>
           <p:cNvPr id="10" name="TextBox 9"/>
@@ -24192,9 +24492,8 @@
             <a:pPr algn="ctr"/>
             <a:r>
               <a:rPr lang="ru-RU" sz="6000" b="1" dirty="0" smtClean="0"/>
-              <a:t>Устройство сервисов</a:t>
-            </a:r>
-            <a:endParaRPr lang="ru-RU" sz="2800" b="1" dirty="0" smtClean="0"/>
+              <a:t>Работа с данными</a:t>
+            </a:r>
           </a:p>
         </p:txBody>
       </p:sp>
@@ -24206,8 +24505,8 @@
         </p:nvSpPr>
         <p:spPr>
           <a:xfrm>
-            <a:off x="3953590" y="1167563"/>
-            <a:ext cx="4284826" cy="461665"/>
+            <a:off x="4737136" y="1167469"/>
+            <a:ext cx="2717732" cy="461665"/>
           </a:xfrm>
           <a:prstGeom prst="rect">
             <a:avLst/>
@@ -24222,523 +24521,10 @@
           <a:p>
             <a:pPr algn="ctr"/>
             <a:r>
-              <a:rPr lang="ru-RU" sz="2400" b="1" dirty="0"/>
-              <a:t>Сервис данных пользователей</a:t>
-            </a:r>
-          </a:p>
-        </p:txBody>
-      </p:sp>
-      <p:sp>
-        <p:nvSpPr>
-          <p:cNvPr id="26" name="Двойная стрелка влево/вправо 5"/>
-          <p:cNvSpPr/>
-          <p:nvPr/>
-        </p:nvSpPr>
-        <p:spPr>
-          <a:xfrm rot="16200000" flipH="1">
-            <a:off x="4777664" y="5631104"/>
-            <a:ext cx="805023" cy="871529"/>
-          </a:xfrm>
-          <a:custGeom>
-            <a:avLst/>
-            <a:gdLst>
-              <a:gd name="connsiteX0" fmla="*/ 0 w 451412"/>
-              <a:gd name="connsiteY0" fmla="*/ 242316 h 484632"/>
-              <a:gd name="connsiteX1" fmla="*/ 135270 w 451412"/>
-              <a:gd name="connsiteY1" fmla="*/ 0 h 484632"/>
-              <a:gd name="connsiteX2" fmla="*/ 135270 w 451412"/>
-              <a:gd name="connsiteY2" fmla="*/ 90435 h 484632"/>
-              <a:gd name="connsiteX3" fmla="*/ 316142 w 451412"/>
-              <a:gd name="connsiteY3" fmla="*/ 90435 h 484632"/>
-              <a:gd name="connsiteX4" fmla="*/ 316142 w 451412"/>
-              <a:gd name="connsiteY4" fmla="*/ 0 h 484632"/>
-              <a:gd name="connsiteX5" fmla="*/ 451412 w 451412"/>
-              <a:gd name="connsiteY5" fmla="*/ 242316 h 484632"/>
-              <a:gd name="connsiteX6" fmla="*/ 316142 w 451412"/>
-              <a:gd name="connsiteY6" fmla="*/ 484632 h 484632"/>
-              <a:gd name="connsiteX7" fmla="*/ 316142 w 451412"/>
-              <a:gd name="connsiteY7" fmla="*/ 394197 h 484632"/>
-              <a:gd name="connsiteX8" fmla="*/ 135270 w 451412"/>
-              <a:gd name="connsiteY8" fmla="*/ 394197 h 484632"/>
-              <a:gd name="connsiteX9" fmla="*/ 135270 w 451412"/>
-              <a:gd name="connsiteY9" fmla="*/ 484632 h 484632"/>
-              <a:gd name="connsiteX10" fmla="*/ 0 w 451412"/>
-              <a:gd name="connsiteY10" fmla="*/ 242316 h 484632"/>
-              <a:gd name="connsiteX0" fmla="*/ 0 w 451412"/>
-              <a:gd name="connsiteY0" fmla="*/ 242316 h 484632"/>
-              <a:gd name="connsiteX1" fmla="*/ 135270 w 451412"/>
-              <a:gd name="connsiteY1" fmla="*/ 0 h 484632"/>
-              <a:gd name="connsiteX2" fmla="*/ 135270 w 451412"/>
-              <a:gd name="connsiteY2" fmla="*/ 90435 h 484632"/>
-              <a:gd name="connsiteX3" fmla="*/ 316142 w 451412"/>
-              <a:gd name="connsiteY3" fmla="*/ 90435 h 484632"/>
-              <a:gd name="connsiteX4" fmla="*/ 451412 w 451412"/>
-              <a:gd name="connsiteY4" fmla="*/ 242316 h 484632"/>
-              <a:gd name="connsiteX5" fmla="*/ 316142 w 451412"/>
-              <a:gd name="connsiteY5" fmla="*/ 484632 h 484632"/>
-              <a:gd name="connsiteX6" fmla="*/ 316142 w 451412"/>
-              <a:gd name="connsiteY6" fmla="*/ 394197 h 484632"/>
-              <a:gd name="connsiteX7" fmla="*/ 135270 w 451412"/>
-              <a:gd name="connsiteY7" fmla="*/ 394197 h 484632"/>
-              <a:gd name="connsiteX8" fmla="*/ 135270 w 451412"/>
-              <a:gd name="connsiteY8" fmla="*/ 484632 h 484632"/>
-              <a:gd name="connsiteX9" fmla="*/ 0 w 451412"/>
-              <a:gd name="connsiteY9" fmla="*/ 242316 h 484632"/>
-              <a:gd name="connsiteX0" fmla="*/ 0 w 316142"/>
-              <a:gd name="connsiteY0" fmla="*/ 242316 h 484632"/>
-              <a:gd name="connsiteX1" fmla="*/ 135270 w 316142"/>
-              <a:gd name="connsiteY1" fmla="*/ 0 h 484632"/>
-              <a:gd name="connsiteX2" fmla="*/ 135270 w 316142"/>
-              <a:gd name="connsiteY2" fmla="*/ 90435 h 484632"/>
-              <a:gd name="connsiteX3" fmla="*/ 316142 w 316142"/>
-              <a:gd name="connsiteY3" fmla="*/ 90435 h 484632"/>
-              <a:gd name="connsiteX4" fmla="*/ 316142 w 316142"/>
-              <a:gd name="connsiteY4" fmla="*/ 484632 h 484632"/>
-              <a:gd name="connsiteX5" fmla="*/ 316142 w 316142"/>
-              <a:gd name="connsiteY5" fmla="*/ 394197 h 484632"/>
-              <a:gd name="connsiteX6" fmla="*/ 135270 w 316142"/>
-              <a:gd name="connsiteY6" fmla="*/ 394197 h 484632"/>
-              <a:gd name="connsiteX7" fmla="*/ 135270 w 316142"/>
-              <a:gd name="connsiteY7" fmla="*/ 484632 h 484632"/>
-              <a:gd name="connsiteX8" fmla="*/ 0 w 316142"/>
-              <a:gd name="connsiteY8" fmla="*/ 242316 h 484632"/>
-              <a:gd name="connsiteX0" fmla="*/ 0 w 316142"/>
-              <a:gd name="connsiteY0" fmla="*/ 242316 h 484632"/>
-              <a:gd name="connsiteX1" fmla="*/ 135270 w 316142"/>
-              <a:gd name="connsiteY1" fmla="*/ 0 h 484632"/>
-              <a:gd name="connsiteX2" fmla="*/ 135270 w 316142"/>
-              <a:gd name="connsiteY2" fmla="*/ 90435 h 484632"/>
-              <a:gd name="connsiteX3" fmla="*/ 316142 w 316142"/>
-              <a:gd name="connsiteY3" fmla="*/ 90435 h 484632"/>
-              <a:gd name="connsiteX4" fmla="*/ 316142 w 316142"/>
-              <a:gd name="connsiteY4" fmla="*/ 394197 h 484632"/>
-              <a:gd name="connsiteX5" fmla="*/ 135270 w 316142"/>
-              <a:gd name="connsiteY5" fmla="*/ 394197 h 484632"/>
-              <a:gd name="connsiteX6" fmla="*/ 135270 w 316142"/>
-              <a:gd name="connsiteY6" fmla="*/ 484632 h 484632"/>
-              <a:gd name="connsiteX7" fmla="*/ 0 w 316142"/>
-              <a:gd name="connsiteY7" fmla="*/ 242316 h 484632"/>
-              <a:gd name="connsiteX0" fmla="*/ 0 w 316142"/>
-              <a:gd name="connsiteY0" fmla="*/ 242316 h 484632"/>
-              <a:gd name="connsiteX1" fmla="*/ 135270 w 316142"/>
-              <a:gd name="connsiteY1" fmla="*/ 0 h 484632"/>
-              <a:gd name="connsiteX2" fmla="*/ 135270 w 316142"/>
-              <a:gd name="connsiteY2" fmla="*/ 90435 h 484632"/>
-              <a:gd name="connsiteX3" fmla="*/ 316142 w 316142"/>
-              <a:gd name="connsiteY3" fmla="*/ 394197 h 484632"/>
-              <a:gd name="connsiteX4" fmla="*/ 135270 w 316142"/>
-              <a:gd name="connsiteY4" fmla="*/ 394197 h 484632"/>
-              <a:gd name="connsiteX5" fmla="*/ 135270 w 316142"/>
-              <a:gd name="connsiteY5" fmla="*/ 484632 h 484632"/>
-              <a:gd name="connsiteX6" fmla="*/ 0 w 316142"/>
-              <a:gd name="connsiteY6" fmla="*/ 242316 h 484632"/>
-              <a:gd name="connsiteX0" fmla="*/ 0 w 316142"/>
-              <a:gd name="connsiteY0" fmla="*/ 242316 h 484632"/>
-              <a:gd name="connsiteX1" fmla="*/ 135270 w 316142"/>
-              <a:gd name="connsiteY1" fmla="*/ 0 h 484632"/>
-              <a:gd name="connsiteX2" fmla="*/ 135270 w 316142"/>
-              <a:gd name="connsiteY2" fmla="*/ 90435 h 484632"/>
-              <a:gd name="connsiteX3" fmla="*/ 316142 w 316142"/>
-              <a:gd name="connsiteY3" fmla="*/ 394197 h 484632"/>
-              <a:gd name="connsiteX4" fmla="*/ 251236 w 316142"/>
-              <a:gd name="connsiteY4" fmla="*/ 392379 h 484632"/>
-              <a:gd name="connsiteX5" fmla="*/ 135270 w 316142"/>
-              <a:gd name="connsiteY5" fmla="*/ 394197 h 484632"/>
-              <a:gd name="connsiteX6" fmla="*/ 135270 w 316142"/>
-              <a:gd name="connsiteY6" fmla="*/ 484632 h 484632"/>
-              <a:gd name="connsiteX7" fmla="*/ 0 w 316142"/>
-              <a:gd name="connsiteY7" fmla="*/ 242316 h 484632"/>
-              <a:gd name="connsiteX0" fmla="*/ 0 w 543456"/>
-              <a:gd name="connsiteY0" fmla="*/ 242316 h 795783"/>
-              <a:gd name="connsiteX1" fmla="*/ 135270 w 543456"/>
-              <a:gd name="connsiteY1" fmla="*/ 0 h 795783"/>
-              <a:gd name="connsiteX2" fmla="*/ 135270 w 543456"/>
-              <a:gd name="connsiteY2" fmla="*/ 90435 h 795783"/>
-              <a:gd name="connsiteX3" fmla="*/ 316142 w 543456"/>
-              <a:gd name="connsiteY3" fmla="*/ 394197 h 795783"/>
-              <a:gd name="connsiteX4" fmla="*/ 543456 w 543456"/>
-              <a:gd name="connsiteY4" fmla="*/ 795783 h 795783"/>
-              <a:gd name="connsiteX5" fmla="*/ 135270 w 543456"/>
-              <a:gd name="connsiteY5" fmla="*/ 394197 h 795783"/>
-              <a:gd name="connsiteX6" fmla="*/ 135270 w 543456"/>
-              <a:gd name="connsiteY6" fmla="*/ 484632 h 795783"/>
-              <a:gd name="connsiteX7" fmla="*/ 0 w 543456"/>
-              <a:gd name="connsiteY7" fmla="*/ 242316 h 795783"/>
-              <a:gd name="connsiteX0" fmla="*/ 0 w 543456"/>
-              <a:gd name="connsiteY0" fmla="*/ 242316 h 795783"/>
-              <a:gd name="connsiteX1" fmla="*/ 135270 w 543456"/>
-              <a:gd name="connsiteY1" fmla="*/ 0 h 795783"/>
-              <a:gd name="connsiteX2" fmla="*/ 135270 w 543456"/>
-              <a:gd name="connsiteY2" fmla="*/ 90435 h 795783"/>
-              <a:gd name="connsiteX3" fmla="*/ 543456 w 543456"/>
-              <a:gd name="connsiteY3" fmla="*/ 795783 h 795783"/>
-              <a:gd name="connsiteX4" fmla="*/ 135270 w 543456"/>
-              <a:gd name="connsiteY4" fmla="*/ 394197 h 795783"/>
-              <a:gd name="connsiteX5" fmla="*/ 135270 w 543456"/>
-              <a:gd name="connsiteY5" fmla="*/ 484632 h 795783"/>
-              <a:gd name="connsiteX6" fmla="*/ 0 w 543456"/>
-              <a:gd name="connsiteY6" fmla="*/ 242316 h 795783"/>
-              <a:gd name="connsiteX0" fmla="*/ 0 w 551283"/>
-              <a:gd name="connsiteY0" fmla="*/ 242316 h 789003"/>
-              <a:gd name="connsiteX1" fmla="*/ 135270 w 551283"/>
-              <a:gd name="connsiteY1" fmla="*/ 0 h 789003"/>
-              <a:gd name="connsiteX2" fmla="*/ 135270 w 551283"/>
-              <a:gd name="connsiteY2" fmla="*/ 90435 h 789003"/>
-              <a:gd name="connsiteX3" fmla="*/ 551283 w 551283"/>
-              <a:gd name="connsiteY3" fmla="*/ 789003 h 789003"/>
-              <a:gd name="connsiteX4" fmla="*/ 135270 w 551283"/>
-              <a:gd name="connsiteY4" fmla="*/ 394197 h 789003"/>
-              <a:gd name="connsiteX5" fmla="*/ 135270 w 551283"/>
-              <a:gd name="connsiteY5" fmla="*/ 484632 h 789003"/>
-              <a:gd name="connsiteX6" fmla="*/ 0 w 551283"/>
-              <a:gd name="connsiteY6" fmla="*/ 242316 h 789003"/>
-              <a:gd name="connsiteX0" fmla="*/ 0 w 551283"/>
-              <a:gd name="connsiteY0" fmla="*/ 242316 h 775443"/>
-              <a:gd name="connsiteX1" fmla="*/ 135270 w 551283"/>
-              <a:gd name="connsiteY1" fmla="*/ 0 h 775443"/>
-              <a:gd name="connsiteX2" fmla="*/ 135270 w 551283"/>
-              <a:gd name="connsiteY2" fmla="*/ 90435 h 775443"/>
-              <a:gd name="connsiteX3" fmla="*/ 551283 w 551283"/>
-              <a:gd name="connsiteY3" fmla="*/ 775443 h 775443"/>
-              <a:gd name="connsiteX4" fmla="*/ 135270 w 551283"/>
-              <a:gd name="connsiteY4" fmla="*/ 394197 h 775443"/>
-              <a:gd name="connsiteX5" fmla="*/ 135270 w 551283"/>
-              <a:gd name="connsiteY5" fmla="*/ 484632 h 775443"/>
-              <a:gd name="connsiteX6" fmla="*/ 0 w 551283"/>
-              <a:gd name="connsiteY6" fmla="*/ 242316 h 775443"/>
-            </a:gdLst>
-            <a:ahLst/>
-            <a:cxnLst>
-              <a:cxn ang="0">
-                <a:pos x="connsiteX0" y="connsiteY0"/>
-              </a:cxn>
-              <a:cxn ang="0">
-                <a:pos x="connsiteX1" y="connsiteY1"/>
-              </a:cxn>
-              <a:cxn ang="0">
-                <a:pos x="connsiteX2" y="connsiteY2"/>
-              </a:cxn>
-              <a:cxn ang="0">
-                <a:pos x="connsiteX3" y="connsiteY3"/>
-              </a:cxn>
-              <a:cxn ang="0">
-                <a:pos x="connsiteX4" y="connsiteY4"/>
-              </a:cxn>
-              <a:cxn ang="0">
-                <a:pos x="connsiteX5" y="connsiteY5"/>
-              </a:cxn>
-              <a:cxn ang="0">
-                <a:pos x="connsiteX6" y="connsiteY6"/>
-              </a:cxn>
-            </a:cxnLst>
-            <a:rect l="l" t="t" r="r" b="b"/>
-            <a:pathLst>
-              <a:path w="551283" h="775443">
-                <a:moveTo>
-                  <a:pt x="0" y="242316"/>
-                </a:moveTo>
-                <a:lnTo>
-                  <a:pt x="135270" y="0"/>
-                </a:lnTo>
-                <a:lnTo>
-                  <a:pt x="135270" y="90435"/>
-                </a:lnTo>
-                <a:lnTo>
-                  <a:pt x="551283" y="775443"/>
-                </a:lnTo>
-                <a:lnTo>
-                  <a:pt x="135270" y="394197"/>
-                </a:lnTo>
-                <a:lnTo>
-                  <a:pt x="135270" y="484632"/>
-                </a:lnTo>
-                <a:lnTo>
-                  <a:pt x="0" y="242316"/>
-                </a:lnTo>
-                <a:close/>
-              </a:path>
-            </a:pathLst>
-          </a:custGeom>
-        </p:spPr>
-        <p:style>
-          <a:lnRef idx="2">
-            <a:schemeClr val="accent1">
-              <a:shade val="50000"/>
-            </a:schemeClr>
-          </a:lnRef>
-          <a:fillRef idx="1">
-            <a:schemeClr val="accent1"/>
-          </a:fillRef>
-          <a:effectRef idx="0">
-            <a:schemeClr val="accent1"/>
-          </a:effectRef>
-          <a:fontRef idx="minor">
-            <a:schemeClr val="lt1"/>
-          </a:fontRef>
-        </p:style>
-        <p:txBody>
-          <a:bodyPr rtlCol="0" anchor="ctr"/>
-          <a:lstStyle/>
-          <a:p>
-            <a:pPr algn="ctr"/>
-            <a:endParaRPr lang="ru-RU"/>
-          </a:p>
-        </p:txBody>
-      </p:sp>
-      <p:sp>
-        <p:nvSpPr>
-          <p:cNvPr id="27" name="Двойная стрелка влево/вправо 5"/>
-          <p:cNvSpPr/>
-          <p:nvPr/>
-        </p:nvSpPr>
-        <p:spPr>
-          <a:xfrm flipV="1">
-            <a:off x="6576060" y="5662020"/>
-            <a:ext cx="805023" cy="871529"/>
-          </a:xfrm>
-          <a:custGeom>
-            <a:avLst/>
-            <a:gdLst>
-              <a:gd name="connsiteX0" fmla="*/ 0 w 451412"/>
-              <a:gd name="connsiteY0" fmla="*/ 242316 h 484632"/>
-              <a:gd name="connsiteX1" fmla="*/ 135270 w 451412"/>
-              <a:gd name="connsiteY1" fmla="*/ 0 h 484632"/>
-              <a:gd name="connsiteX2" fmla="*/ 135270 w 451412"/>
-              <a:gd name="connsiteY2" fmla="*/ 90435 h 484632"/>
-              <a:gd name="connsiteX3" fmla="*/ 316142 w 451412"/>
-              <a:gd name="connsiteY3" fmla="*/ 90435 h 484632"/>
-              <a:gd name="connsiteX4" fmla="*/ 316142 w 451412"/>
-              <a:gd name="connsiteY4" fmla="*/ 0 h 484632"/>
-              <a:gd name="connsiteX5" fmla="*/ 451412 w 451412"/>
-              <a:gd name="connsiteY5" fmla="*/ 242316 h 484632"/>
-              <a:gd name="connsiteX6" fmla="*/ 316142 w 451412"/>
-              <a:gd name="connsiteY6" fmla="*/ 484632 h 484632"/>
-              <a:gd name="connsiteX7" fmla="*/ 316142 w 451412"/>
-              <a:gd name="connsiteY7" fmla="*/ 394197 h 484632"/>
-              <a:gd name="connsiteX8" fmla="*/ 135270 w 451412"/>
-              <a:gd name="connsiteY8" fmla="*/ 394197 h 484632"/>
-              <a:gd name="connsiteX9" fmla="*/ 135270 w 451412"/>
-              <a:gd name="connsiteY9" fmla="*/ 484632 h 484632"/>
-              <a:gd name="connsiteX10" fmla="*/ 0 w 451412"/>
-              <a:gd name="connsiteY10" fmla="*/ 242316 h 484632"/>
-              <a:gd name="connsiteX0" fmla="*/ 0 w 451412"/>
-              <a:gd name="connsiteY0" fmla="*/ 242316 h 484632"/>
-              <a:gd name="connsiteX1" fmla="*/ 135270 w 451412"/>
-              <a:gd name="connsiteY1" fmla="*/ 0 h 484632"/>
-              <a:gd name="connsiteX2" fmla="*/ 135270 w 451412"/>
-              <a:gd name="connsiteY2" fmla="*/ 90435 h 484632"/>
-              <a:gd name="connsiteX3" fmla="*/ 316142 w 451412"/>
-              <a:gd name="connsiteY3" fmla="*/ 90435 h 484632"/>
-              <a:gd name="connsiteX4" fmla="*/ 451412 w 451412"/>
-              <a:gd name="connsiteY4" fmla="*/ 242316 h 484632"/>
-              <a:gd name="connsiteX5" fmla="*/ 316142 w 451412"/>
-              <a:gd name="connsiteY5" fmla="*/ 484632 h 484632"/>
-              <a:gd name="connsiteX6" fmla="*/ 316142 w 451412"/>
-              <a:gd name="connsiteY6" fmla="*/ 394197 h 484632"/>
-              <a:gd name="connsiteX7" fmla="*/ 135270 w 451412"/>
-              <a:gd name="connsiteY7" fmla="*/ 394197 h 484632"/>
-              <a:gd name="connsiteX8" fmla="*/ 135270 w 451412"/>
-              <a:gd name="connsiteY8" fmla="*/ 484632 h 484632"/>
-              <a:gd name="connsiteX9" fmla="*/ 0 w 451412"/>
-              <a:gd name="connsiteY9" fmla="*/ 242316 h 484632"/>
-              <a:gd name="connsiteX0" fmla="*/ 0 w 316142"/>
-              <a:gd name="connsiteY0" fmla="*/ 242316 h 484632"/>
-              <a:gd name="connsiteX1" fmla="*/ 135270 w 316142"/>
-              <a:gd name="connsiteY1" fmla="*/ 0 h 484632"/>
-              <a:gd name="connsiteX2" fmla="*/ 135270 w 316142"/>
-              <a:gd name="connsiteY2" fmla="*/ 90435 h 484632"/>
-              <a:gd name="connsiteX3" fmla="*/ 316142 w 316142"/>
-              <a:gd name="connsiteY3" fmla="*/ 90435 h 484632"/>
-              <a:gd name="connsiteX4" fmla="*/ 316142 w 316142"/>
-              <a:gd name="connsiteY4" fmla="*/ 484632 h 484632"/>
-              <a:gd name="connsiteX5" fmla="*/ 316142 w 316142"/>
-              <a:gd name="connsiteY5" fmla="*/ 394197 h 484632"/>
-              <a:gd name="connsiteX6" fmla="*/ 135270 w 316142"/>
-              <a:gd name="connsiteY6" fmla="*/ 394197 h 484632"/>
-              <a:gd name="connsiteX7" fmla="*/ 135270 w 316142"/>
-              <a:gd name="connsiteY7" fmla="*/ 484632 h 484632"/>
-              <a:gd name="connsiteX8" fmla="*/ 0 w 316142"/>
-              <a:gd name="connsiteY8" fmla="*/ 242316 h 484632"/>
-              <a:gd name="connsiteX0" fmla="*/ 0 w 316142"/>
-              <a:gd name="connsiteY0" fmla="*/ 242316 h 484632"/>
-              <a:gd name="connsiteX1" fmla="*/ 135270 w 316142"/>
-              <a:gd name="connsiteY1" fmla="*/ 0 h 484632"/>
-              <a:gd name="connsiteX2" fmla="*/ 135270 w 316142"/>
-              <a:gd name="connsiteY2" fmla="*/ 90435 h 484632"/>
-              <a:gd name="connsiteX3" fmla="*/ 316142 w 316142"/>
-              <a:gd name="connsiteY3" fmla="*/ 90435 h 484632"/>
-              <a:gd name="connsiteX4" fmla="*/ 316142 w 316142"/>
-              <a:gd name="connsiteY4" fmla="*/ 394197 h 484632"/>
-              <a:gd name="connsiteX5" fmla="*/ 135270 w 316142"/>
-              <a:gd name="connsiteY5" fmla="*/ 394197 h 484632"/>
-              <a:gd name="connsiteX6" fmla="*/ 135270 w 316142"/>
-              <a:gd name="connsiteY6" fmla="*/ 484632 h 484632"/>
-              <a:gd name="connsiteX7" fmla="*/ 0 w 316142"/>
-              <a:gd name="connsiteY7" fmla="*/ 242316 h 484632"/>
-              <a:gd name="connsiteX0" fmla="*/ 0 w 316142"/>
-              <a:gd name="connsiteY0" fmla="*/ 242316 h 484632"/>
-              <a:gd name="connsiteX1" fmla="*/ 135270 w 316142"/>
-              <a:gd name="connsiteY1" fmla="*/ 0 h 484632"/>
-              <a:gd name="connsiteX2" fmla="*/ 135270 w 316142"/>
-              <a:gd name="connsiteY2" fmla="*/ 90435 h 484632"/>
-              <a:gd name="connsiteX3" fmla="*/ 316142 w 316142"/>
-              <a:gd name="connsiteY3" fmla="*/ 394197 h 484632"/>
-              <a:gd name="connsiteX4" fmla="*/ 135270 w 316142"/>
-              <a:gd name="connsiteY4" fmla="*/ 394197 h 484632"/>
-              <a:gd name="connsiteX5" fmla="*/ 135270 w 316142"/>
-              <a:gd name="connsiteY5" fmla="*/ 484632 h 484632"/>
-              <a:gd name="connsiteX6" fmla="*/ 0 w 316142"/>
-              <a:gd name="connsiteY6" fmla="*/ 242316 h 484632"/>
-              <a:gd name="connsiteX0" fmla="*/ 0 w 316142"/>
-              <a:gd name="connsiteY0" fmla="*/ 242316 h 484632"/>
-              <a:gd name="connsiteX1" fmla="*/ 135270 w 316142"/>
-              <a:gd name="connsiteY1" fmla="*/ 0 h 484632"/>
-              <a:gd name="connsiteX2" fmla="*/ 135270 w 316142"/>
-              <a:gd name="connsiteY2" fmla="*/ 90435 h 484632"/>
-              <a:gd name="connsiteX3" fmla="*/ 316142 w 316142"/>
-              <a:gd name="connsiteY3" fmla="*/ 394197 h 484632"/>
-              <a:gd name="connsiteX4" fmla="*/ 251236 w 316142"/>
-              <a:gd name="connsiteY4" fmla="*/ 392379 h 484632"/>
-              <a:gd name="connsiteX5" fmla="*/ 135270 w 316142"/>
-              <a:gd name="connsiteY5" fmla="*/ 394197 h 484632"/>
-              <a:gd name="connsiteX6" fmla="*/ 135270 w 316142"/>
-              <a:gd name="connsiteY6" fmla="*/ 484632 h 484632"/>
-              <a:gd name="connsiteX7" fmla="*/ 0 w 316142"/>
-              <a:gd name="connsiteY7" fmla="*/ 242316 h 484632"/>
-              <a:gd name="connsiteX0" fmla="*/ 0 w 543456"/>
-              <a:gd name="connsiteY0" fmla="*/ 242316 h 795783"/>
-              <a:gd name="connsiteX1" fmla="*/ 135270 w 543456"/>
-              <a:gd name="connsiteY1" fmla="*/ 0 h 795783"/>
-              <a:gd name="connsiteX2" fmla="*/ 135270 w 543456"/>
-              <a:gd name="connsiteY2" fmla="*/ 90435 h 795783"/>
-              <a:gd name="connsiteX3" fmla="*/ 316142 w 543456"/>
-              <a:gd name="connsiteY3" fmla="*/ 394197 h 795783"/>
-              <a:gd name="connsiteX4" fmla="*/ 543456 w 543456"/>
-              <a:gd name="connsiteY4" fmla="*/ 795783 h 795783"/>
-              <a:gd name="connsiteX5" fmla="*/ 135270 w 543456"/>
-              <a:gd name="connsiteY5" fmla="*/ 394197 h 795783"/>
-              <a:gd name="connsiteX6" fmla="*/ 135270 w 543456"/>
-              <a:gd name="connsiteY6" fmla="*/ 484632 h 795783"/>
-              <a:gd name="connsiteX7" fmla="*/ 0 w 543456"/>
-              <a:gd name="connsiteY7" fmla="*/ 242316 h 795783"/>
-              <a:gd name="connsiteX0" fmla="*/ 0 w 543456"/>
-              <a:gd name="connsiteY0" fmla="*/ 242316 h 795783"/>
-              <a:gd name="connsiteX1" fmla="*/ 135270 w 543456"/>
-              <a:gd name="connsiteY1" fmla="*/ 0 h 795783"/>
-              <a:gd name="connsiteX2" fmla="*/ 135270 w 543456"/>
-              <a:gd name="connsiteY2" fmla="*/ 90435 h 795783"/>
-              <a:gd name="connsiteX3" fmla="*/ 543456 w 543456"/>
-              <a:gd name="connsiteY3" fmla="*/ 795783 h 795783"/>
-              <a:gd name="connsiteX4" fmla="*/ 135270 w 543456"/>
-              <a:gd name="connsiteY4" fmla="*/ 394197 h 795783"/>
-              <a:gd name="connsiteX5" fmla="*/ 135270 w 543456"/>
-              <a:gd name="connsiteY5" fmla="*/ 484632 h 795783"/>
-              <a:gd name="connsiteX6" fmla="*/ 0 w 543456"/>
-              <a:gd name="connsiteY6" fmla="*/ 242316 h 795783"/>
-              <a:gd name="connsiteX0" fmla="*/ 0 w 551283"/>
-              <a:gd name="connsiteY0" fmla="*/ 242316 h 789003"/>
-              <a:gd name="connsiteX1" fmla="*/ 135270 w 551283"/>
-              <a:gd name="connsiteY1" fmla="*/ 0 h 789003"/>
-              <a:gd name="connsiteX2" fmla="*/ 135270 w 551283"/>
-              <a:gd name="connsiteY2" fmla="*/ 90435 h 789003"/>
-              <a:gd name="connsiteX3" fmla="*/ 551283 w 551283"/>
-              <a:gd name="connsiteY3" fmla="*/ 789003 h 789003"/>
-              <a:gd name="connsiteX4" fmla="*/ 135270 w 551283"/>
-              <a:gd name="connsiteY4" fmla="*/ 394197 h 789003"/>
-              <a:gd name="connsiteX5" fmla="*/ 135270 w 551283"/>
-              <a:gd name="connsiteY5" fmla="*/ 484632 h 789003"/>
-              <a:gd name="connsiteX6" fmla="*/ 0 w 551283"/>
-              <a:gd name="connsiteY6" fmla="*/ 242316 h 789003"/>
-              <a:gd name="connsiteX0" fmla="*/ 0 w 551283"/>
-              <a:gd name="connsiteY0" fmla="*/ 242316 h 775443"/>
-              <a:gd name="connsiteX1" fmla="*/ 135270 w 551283"/>
-              <a:gd name="connsiteY1" fmla="*/ 0 h 775443"/>
-              <a:gd name="connsiteX2" fmla="*/ 135270 w 551283"/>
-              <a:gd name="connsiteY2" fmla="*/ 90435 h 775443"/>
-              <a:gd name="connsiteX3" fmla="*/ 551283 w 551283"/>
-              <a:gd name="connsiteY3" fmla="*/ 775443 h 775443"/>
-              <a:gd name="connsiteX4" fmla="*/ 135270 w 551283"/>
-              <a:gd name="connsiteY4" fmla="*/ 394197 h 775443"/>
-              <a:gd name="connsiteX5" fmla="*/ 135270 w 551283"/>
-              <a:gd name="connsiteY5" fmla="*/ 484632 h 775443"/>
-              <a:gd name="connsiteX6" fmla="*/ 0 w 551283"/>
-              <a:gd name="connsiteY6" fmla="*/ 242316 h 775443"/>
-            </a:gdLst>
-            <a:ahLst/>
-            <a:cxnLst>
-              <a:cxn ang="0">
-                <a:pos x="connsiteX0" y="connsiteY0"/>
-              </a:cxn>
-              <a:cxn ang="0">
-                <a:pos x="connsiteX1" y="connsiteY1"/>
-              </a:cxn>
-              <a:cxn ang="0">
-                <a:pos x="connsiteX2" y="connsiteY2"/>
-              </a:cxn>
-              <a:cxn ang="0">
-                <a:pos x="connsiteX3" y="connsiteY3"/>
-              </a:cxn>
-              <a:cxn ang="0">
-                <a:pos x="connsiteX4" y="connsiteY4"/>
-              </a:cxn>
-              <a:cxn ang="0">
-                <a:pos x="connsiteX5" y="connsiteY5"/>
-              </a:cxn>
-              <a:cxn ang="0">
-                <a:pos x="connsiteX6" y="connsiteY6"/>
-              </a:cxn>
-            </a:cxnLst>
-            <a:rect l="l" t="t" r="r" b="b"/>
-            <a:pathLst>
-              <a:path w="551283" h="775443">
-                <a:moveTo>
-                  <a:pt x="0" y="242316"/>
-                </a:moveTo>
-                <a:lnTo>
-                  <a:pt x="135270" y="0"/>
-                </a:lnTo>
-                <a:lnTo>
-                  <a:pt x="135270" y="90435"/>
-                </a:lnTo>
-                <a:lnTo>
-                  <a:pt x="551283" y="775443"/>
-                </a:lnTo>
-                <a:lnTo>
-                  <a:pt x="135270" y="394197"/>
-                </a:lnTo>
-                <a:lnTo>
-                  <a:pt x="135270" y="484632"/>
-                </a:lnTo>
-                <a:lnTo>
-                  <a:pt x="0" y="242316"/>
-                </a:lnTo>
-                <a:close/>
-              </a:path>
-            </a:pathLst>
-          </a:custGeom>
-        </p:spPr>
-        <p:style>
-          <a:lnRef idx="2">
-            <a:schemeClr val="accent2">
-              <a:shade val="50000"/>
-            </a:schemeClr>
-          </a:lnRef>
-          <a:fillRef idx="1">
-            <a:schemeClr val="accent2"/>
-          </a:fillRef>
-          <a:effectRef idx="0">
-            <a:schemeClr val="accent2"/>
-          </a:effectRef>
-          <a:fontRef idx="minor">
-            <a:schemeClr val="lt1"/>
-          </a:fontRef>
-        </p:style>
-        <p:txBody>
-          <a:bodyPr rtlCol="0" anchor="ctr"/>
-          <a:lstStyle/>
-          <a:p>
-            <a:pPr algn="ctr"/>
-            <a:endParaRPr lang="ru-RU"/>
+              <a:rPr lang="ru-RU" sz="2400" b="1" dirty="0" smtClean="0"/>
+              <a:t>Коннектор модели</a:t>
+            </a:r>
+            <a:endParaRPr lang="ru-RU" sz="2400" b="1" dirty="0"/>
           </a:p>
         </p:txBody>
       </p:sp>
@@ -24750,8 +24536,8 @@
         </p:nvSpPr>
         <p:spPr>
           <a:xfrm>
-            <a:off x="5638800" y="5943600"/>
-            <a:ext cx="914400" cy="914400"/>
+            <a:off x="4726586" y="1629135"/>
+            <a:ext cx="2743200" cy="4922493"/>
           </a:xfrm>
           <a:prstGeom prst="rect">
             <a:avLst/>
@@ -24759,18 +24545,16 @@
         </p:spPr>
         <p:style>
           <a:lnRef idx="2">
-            <a:schemeClr val="accent1">
-              <a:shade val="50000"/>
-            </a:schemeClr>
+            <a:schemeClr val="accent5"/>
           </a:lnRef>
           <a:fillRef idx="1">
-            <a:schemeClr val="accent1"/>
+            <a:schemeClr val="lt1"/>
           </a:fillRef>
           <a:effectRef idx="0">
-            <a:schemeClr val="accent1"/>
+            <a:schemeClr val="accent5"/>
           </a:effectRef>
           <a:fontRef idx="minor">
-            <a:schemeClr val="lt1"/>
+            <a:schemeClr val="dk1"/>
           </a:fontRef>
         </p:style>
         <p:txBody>
@@ -24778,31 +24562,96 @@
           <a:lstStyle/>
           <a:p>
             <a:pPr algn="ctr"/>
-            <a:r>
-              <a:rPr lang="en-US" dirty="0" smtClean="0"/>
-              <a:t>MAIN</a:t>
-            </a:r>
-          </a:p>
-          <a:p>
-            <a:pPr algn="ctr"/>
-            <a:r>
-              <a:rPr lang="en-US" dirty="0" smtClean="0"/>
-              <a:t>service</a:t>
-            </a:r>
-            <a:endParaRPr lang="ru-RU" dirty="0"/>
+            <a:endParaRPr lang="ru-RU" sz="5400" dirty="0" smtClean="0"/>
           </a:p>
         </p:txBody>
       </p:sp>
       <p:sp>
         <p:nvSpPr>
-          <p:cNvPr id="3" name="TextBox 2"/>
+          <p:cNvPr id="41" name="Прямоугольник 40"/>
+          <p:cNvSpPr/>
+          <p:nvPr/>
+        </p:nvSpPr>
+        <p:spPr>
+          <a:xfrm>
+            <a:off x="8534400" y="1629135"/>
+            <a:ext cx="2743200" cy="4922493"/>
+          </a:xfrm>
+          <a:prstGeom prst="rect">
+            <a:avLst/>
+          </a:prstGeom>
+        </p:spPr>
+        <p:style>
+          <a:lnRef idx="2">
+            <a:schemeClr val="accent5"/>
+          </a:lnRef>
+          <a:fillRef idx="1">
+            <a:schemeClr val="lt1"/>
+          </a:fillRef>
+          <a:effectRef idx="0">
+            <a:schemeClr val="accent5"/>
+          </a:effectRef>
+          <a:fontRef idx="minor">
+            <a:schemeClr val="dk1"/>
+          </a:fontRef>
+        </p:style>
+        <p:txBody>
+          <a:bodyPr rtlCol="0" anchor="ctr"/>
+          <a:lstStyle/>
+          <a:p>
+            <a:pPr algn="ctr"/>
+            <a:endParaRPr lang="ru-RU" sz="5400" dirty="0" smtClean="0"/>
+          </a:p>
+        </p:txBody>
+      </p:sp>
+      <p:sp>
+        <p:nvSpPr>
+          <p:cNvPr id="42" name="Прямоугольник 41"/>
+          <p:cNvSpPr/>
+          <p:nvPr/>
+        </p:nvSpPr>
+        <p:spPr>
+          <a:xfrm>
+            <a:off x="914401" y="1629134"/>
+            <a:ext cx="2743200" cy="4922493"/>
+          </a:xfrm>
+          <a:prstGeom prst="rect">
+            <a:avLst/>
+          </a:prstGeom>
+        </p:spPr>
+        <p:style>
+          <a:lnRef idx="2">
+            <a:schemeClr val="accent5"/>
+          </a:lnRef>
+          <a:fillRef idx="1">
+            <a:schemeClr val="lt1"/>
+          </a:fillRef>
+          <a:effectRef idx="0">
+            <a:schemeClr val="accent5"/>
+          </a:effectRef>
+          <a:fontRef idx="minor">
+            <a:schemeClr val="dk1"/>
+          </a:fontRef>
+        </p:style>
+        <p:txBody>
+          <a:bodyPr rtlCol="0" anchor="ctr"/>
+          <a:lstStyle/>
+          <a:p>
+            <a:pPr algn="ctr"/>
+            <a:endParaRPr lang="ru-RU" sz="5400" dirty="0" smtClean="0"/>
+          </a:p>
+        </p:txBody>
+      </p:sp>
+      <p:sp>
+        <p:nvSpPr>
+          <p:cNvPr id="43" name="TextBox 42"/>
           <p:cNvSpPr txBox="1"/>
           <p:nvPr/>
         </p:nvSpPr>
         <p:spPr>
           <a:xfrm>
-            <a:off x="2630976" y="1611073"/>
-            <a:ext cx="2821029" cy="369332"/>
+            <a:off x="1340873" y="1167469"/>
+            <a:ext cx="1890262" cy="461665"/>
           </a:xfrm>
           <a:prstGeom prst="rect">
             <a:avLst/>
@@ -24817,23 +24666,54 @@
           <a:p>
             <a:pPr algn="ctr"/>
             <a:r>
-              <a:rPr lang="ru-RU" b="1" dirty="0" smtClean="0"/>
-              <a:t>Уточняющая информация</a:t>
-            </a:r>
-            <a:endParaRPr lang="ru-RU" b="1" dirty="0"/>
+              <a:rPr lang="ru-RU" sz="2400" b="1" dirty="0" smtClean="0"/>
+              <a:t>База данных</a:t>
+            </a:r>
+            <a:endParaRPr lang="ru-RU" sz="2400" b="1" dirty="0"/>
           </a:p>
         </p:txBody>
       </p:sp>
       <p:sp>
         <p:nvSpPr>
-          <p:cNvPr id="20" name="TextBox 19"/>
+          <p:cNvPr id="44" name="TextBox 43"/>
           <p:cNvSpPr txBox="1"/>
           <p:nvPr/>
         </p:nvSpPr>
         <p:spPr>
           <a:xfrm>
-            <a:off x="1529785" y="2090893"/>
-            <a:ext cx="5023415" cy="923330"/>
+            <a:off x="9279450" y="1167468"/>
+            <a:ext cx="1253100" cy="461665"/>
+          </a:xfrm>
+          <a:prstGeom prst="rect">
+            <a:avLst/>
+          </a:prstGeom>
+          <a:noFill/>
+        </p:spPr>
+        <p:txBody>
+          <a:bodyPr wrap="none" rtlCol="0">
+            <a:spAutoFit/>
+          </a:bodyPr>
+          <a:lstStyle/>
+          <a:p>
+            <a:pPr algn="ctr"/>
+            <a:r>
+              <a:rPr lang="ru-RU" sz="2400" b="1" dirty="0" smtClean="0"/>
+              <a:t>Модель</a:t>
+            </a:r>
+            <a:endParaRPr lang="ru-RU" sz="2400" b="1" dirty="0"/>
+          </a:p>
+        </p:txBody>
+      </p:sp>
+      <p:sp>
+        <p:nvSpPr>
+          <p:cNvPr id="5" name="TextBox 4"/>
+          <p:cNvSpPr txBox="1"/>
+          <p:nvPr/>
+        </p:nvSpPr>
+        <p:spPr>
+          <a:xfrm>
+            <a:off x="914401" y="1767585"/>
+            <a:ext cx="2732653" cy="646331"/>
           </a:xfrm>
           <a:prstGeom prst="rect">
             <a:avLst/>
@@ -24846,97 +24726,25 @@
           </a:bodyPr>
           <a:lstStyle/>
           <a:p>
-            <a:pPr marL="285750" indent="-285750">
-              <a:buFont typeface="Arial" panose="020B0604020202020204" pitchFamily="34" charset="0"/>
-              <a:buChar char="•"/>
-            </a:pPr>
+            <a:pPr algn="ctr"/>
             <a:r>
               <a:rPr lang="ru-RU" dirty="0" smtClean="0"/>
-              <a:t>Номер паспорта: </a:t>
-            </a:r>
-            <a:r>
-              <a:rPr lang="en-US" dirty="0" err="1" smtClean="0"/>
-              <a:t>passportNumber</a:t>
-            </a:r>
-            <a:endParaRPr lang="en-US" dirty="0" smtClean="0"/>
-          </a:p>
-          <a:p>
-            <a:pPr marL="285750" indent="-285750">
-              <a:buFont typeface="Arial" panose="020B0604020202020204" pitchFamily="34" charset="0"/>
-              <a:buChar char="•"/>
-            </a:pPr>
-            <a:r>
-              <a:rPr lang="ru-RU" dirty="0" smtClean="0"/>
-              <a:t>Номер водительского удостоверения: </a:t>
-            </a:r>
-            <a:r>
-              <a:rPr lang="en-US" dirty="0" err="1" smtClean="0"/>
-              <a:t>driverID</a:t>
-            </a:r>
-            <a:endParaRPr lang="en-US" dirty="0" smtClean="0"/>
-          </a:p>
-          <a:p>
-            <a:pPr marL="285750" indent="-285750">
-              <a:buFont typeface="Arial" panose="020B0604020202020204" pitchFamily="34" charset="0"/>
-              <a:buChar char="•"/>
-            </a:pPr>
-            <a:r>
-              <a:rPr lang="ru-RU" dirty="0" smtClean="0"/>
-              <a:t>Идентификатор налогоплательщика: </a:t>
-            </a:r>
-            <a:r>
-              <a:rPr lang="en-US" dirty="0" err="1" smtClean="0"/>
-              <a:t>taxID</a:t>
-            </a:r>
-            <a:endParaRPr lang="ru-RU" dirty="0" smtClean="0"/>
+              <a:t>Объект, содержащий информацию о БД</a:t>
+            </a:r>
+            <a:endParaRPr lang="ru-RU" dirty="0"/>
           </a:p>
         </p:txBody>
       </p:sp>
       <p:sp>
         <p:nvSpPr>
-          <p:cNvPr id="21" name="TextBox 20"/>
+          <p:cNvPr id="45" name="TextBox 44"/>
           <p:cNvSpPr txBox="1"/>
           <p:nvPr/>
         </p:nvSpPr>
         <p:spPr>
           <a:xfrm>
-            <a:off x="7457569" y="1629228"/>
-            <a:ext cx="2323136" cy="369332"/>
-          </a:xfrm>
-          <a:prstGeom prst="rect">
-            <a:avLst/>
-          </a:prstGeom>
-          <a:noFill/>
-        </p:spPr>
-        <p:txBody>
-          <a:bodyPr wrap="none" rtlCol="0">
-            <a:spAutoFit/>
-          </a:bodyPr>
-          <a:lstStyle/>
-          <a:p>
-            <a:pPr algn="ctr"/>
-            <a:r>
-              <a:rPr lang="ru-RU" b="1" dirty="0" smtClean="0"/>
-              <a:t>Отправляемый </a:t>
-            </a:r>
-            <a:r>
-              <a:rPr lang="en-US" b="1" dirty="0" smtClean="0"/>
-              <a:t>JSON:</a:t>
-            </a:r>
-            <a:endParaRPr lang="ru-RU" b="1" dirty="0"/>
-          </a:p>
-        </p:txBody>
-      </p:sp>
-      <p:sp>
-        <p:nvSpPr>
-          <p:cNvPr id="25" name="TextBox 24"/>
-          <p:cNvSpPr txBox="1"/>
-          <p:nvPr/>
-        </p:nvSpPr>
-        <p:spPr>
-          <a:xfrm>
-            <a:off x="6576060" y="2090893"/>
-            <a:ext cx="4086154" cy="3416320"/>
+            <a:off x="924948" y="2552368"/>
+            <a:ext cx="2732653" cy="1754326"/>
           </a:xfrm>
           <a:prstGeom prst="rect">
             <a:avLst/>
@@ -24949,117 +24757,31 @@
           </a:bodyPr>
           <a:lstStyle/>
           <a:p>
+            <a:pPr marL="285750" indent="-285750">
+              <a:buFont typeface="Arial" panose="020B0604020202020204" pitchFamily="34" charset="0"/>
+              <a:buChar char="•"/>
+            </a:pPr>
+            <a:r>
+              <a:rPr lang="ru-RU" dirty="0" smtClean="0"/>
+              <a:t>Создаёт подключение к БД</a:t>
+            </a:r>
+          </a:p>
+          <a:p>
+            <a:pPr marL="285750" indent="-285750">
+              <a:buFont typeface="Arial" panose="020B0604020202020204" pitchFamily="34" charset="0"/>
+              <a:buChar char="•"/>
+            </a:pPr>
+            <a:r>
+              <a:rPr lang="ru-RU" dirty="0" smtClean="0"/>
+              <a:t>Даёт возможность выполнять подготовленные </a:t>
+            </a:r>
             <a:r>
               <a:rPr lang="en-US" dirty="0" smtClean="0"/>
-              <a:t>{</a:t>
-            </a:r>
-          </a:p>
-          <a:p>
-            <a:r>
-              <a:rPr lang="en-US" dirty="0"/>
-              <a:t> </a:t>
-            </a:r>
-            <a:r>
-              <a:rPr lang="en-US" dirty="0" smtClean="0"/>
-              <a:t>  </a:t>
-            </a:r>
-            <a:r>
-              <a:rPr lang="en-US" dirty="0" err="1" smtClean="0"/>
-              <a:t>userAndRelatives</a:t>
-            </a:r>
-            <a:r>
-              <a:rPr lang="en-US" dirty="0" smtClean="0"/>
-              <a:t>:{</a:t>
-            </a:r>
-          </a:p>
-          <a:p>
-            <a:r>
-              <a:rPr lang="en-US" dirty="0"/>
-              <a:t> </a:t>
-            </a:r>
-            <a:r>
-              <a:rPr lang="en-US" dirty="0" smtClean="0"/>
-              <a:t>      user: {USER},</a:t>
-            </a:r>
-          </a:p>
-          <a:p>
-            <a:r>
-              <a:rPr lang="en-US" dirty="0"/>
-              <a:t> </a:t>
-            </a:r>
-            <a:r>
-              <a:rPr lang="en-US" dirty="0" smtClean="0"/>
-              <a:t>      parents: [{USER}, {USER}],</a:t>
-            </a:r>
-          </a:p>
-          <a:p>
-            <a:r>
-              <a:rPr lang="en-US" dirty="0"/>
-              <a:t> </a:t>
-            </a:r>
-            <a:r>
-              <a:rPr lang="en-US" dirty="0" smtClean="0"/>
-              <a:t>      children: [{USER}, {USER}]</a:t>
-            </a:r>
-          </a:p>
-          <a:p>
-            <a:r>
-              <a:rPr lang="en-US" dirty="0" smtClean="0"/>
-              <a:t>   }</a:t>
-            </a:r>
-          </a:p>
-          <a:p>
-            <a:r>
-              <a:rPr lang="en-US" dirty="0" smtClean="0"/>
-              <a:t>}</a:t>
-            </a:r>
-          </a:p>
-          <a:p>
-            <a:endParaRPr lang="en-US" dirty="0"/>
-          </a:p>
-          <a:p>
-            <a:r>
-              <a:rPr lang="en-US" dirty="0" smtClean="0"/>
-              <a:t>USER = {</a:t>
-            </a:r>
-          </a:p>
-          <a:p>
-            <a:r>
-              <a:rPr lang="en-US" dirty="0"/>
-              <a:t> </a:t>
-            </a:r>
-            <a:r>
-              <a:rPr lang="en-US" dirty="0" smtClean="0"/>
-              <a:t>  id: &lt;&gt;, </a:t>
-            </a:r>
-            <a:r>
-              <a:rPr lang="en-US" dirty="0" err="1" smtClean="0"/>
-              <a:t>creditServiceId</a:t>
-            </a:r>
-            <a:r>
-              <a:rPr lang="en-US" dirty="0" smtClean="0"/>
-              <a:t>: &lt;&gt;,</a:t>
-            </a:r>
-            <a:br>
-              <a:rPr lang="en-US" dirty="0" smtClean="0"/>
-            </a:br>
-            <a:r>
-              <a:rPr lang="en-US" dirty="0" smtClean="0"/>
-              <a:t>   </a:t>
-            </a:r>
-            <a:r>
-              <a:rPr lang="en-US" dirty="0" err="1" smtClean="0"/>
-              <a:t>firstname</a:t>
-            </a:r>
-            <a:r>
-              <a:rPr lang="en-US" dirty="0" smtClean="0"/>
-              <a:t>: &lt;&gt;, surname: &lt;&gt;, …</a:t>
-            </a:r>
-          </a:p>
-          <a:p>
-            <a:r>
-              <a:rPr lang="en-US" dirty="0" smtClean="0"/>
-              <a:t>}</a:t>
+              <a:t>SQL </a:t>
+            </a:r>
+            <a:r>
+              <a:rPr lang="ru-RU" dirty="0" smtClean="0"/>
+              <a:t>запросы</a:t>
             </a:r>
             <a:endParaRPr lang="ru-RU" dirty="0"/>
           </a:p>
@@ -25067,45 +24789,14 @@
       </p:sp>
       <p:sp>
         <p:nvSpPr>
-          <p:cNvPr id="28" name="TextBox 27"/>
+          <p:cNvPr id="46" name="TextBox 45"/>
           <p:cNvSpPr txBox="1"/>
           <p:nvPr/>
         </p:nvSpPr>
         <p:spPr>
           <a:xfrm>
-            <a:off x="2799420" y="3106556"/>
-            <a:ext cx="2484142" cy="369332"/>
-          </a:xfrm>
-          <a:prstGeom prst="rect">
-            <a:avLst/>
-          </a:prstGeom>
-          <a:noFill/>
-        </p:spPr>
-        <p:txBody>
-          <a:bodyPr wrap="none" rtlCol="0">
-            <a:spAutoFit/>
-          </a:bodyPr>
-          <a:lstStyle/>
-          <a:p>
-            <a:pPr algn="ctr"/>
-            <a:r>
-              <a:rPr lang="ru-RU" b="1" dirty="0" smtClean="0"/>
-              <a:t>Контрольное значение</a:t>
-            </a:r>
-            <a:endParaRPr lang="ru-RU" b="1" dirty="0"/>
-          </a:p>
-        </p:txBody>
-      </p:sp>
-      <p:sp>
-        <p:nvSpPr>
-          <p:cNvPr id="32" name="TextBox 31"/>
-          <p:cNvSpPr txBox="1"/>
-          <p:nvPr/>
-        </p:nvSpPr>
-        <p:spPr>
-          <a:xfrm>
-            <a:off x="1529784" y="3568221"/>
-            <a:ext cx="5023415" cy="2031325"/>
+            <a:off x="924948" y="4797301"/>
+            <a:ext cx="2732653" cy="1754326"/>
           </a:xfrm>
           <a:prstGeom prst="rect">
             <a:avLst/>
@@ -25120,115 +24811,344 @@
           <a:p>
             <a:pPr algn="ctr"/>
             <a:r>
-              <a:rPr lang="en-US" sz="2400" dirty="0" smtClean="0"/>
-              <a:t>SHA-256</a:t>
-            </a:r>
-            <a:r>
               <a:rPr lang="ru-RU" dirty="0" smtClean="0"/>
-              <a:t/>
-            </a:r>
-            <a:br>
+              <a:t>Реализация в </a:t>
+            </a:r>
+            <a:r>
+              <a:rPr lang="en-US" i="1" dirty="0" err="1" smtClean="0"/>
+              <a:t>BasePostgresDataBase</a:t>
+            </a:r>
+            <a:endParaRPr lang="en-US" dirty="0" smtClean="0"/>
+          </a:p>
+          <a:p>
+            <a:r>
               <a:rPr lang="ru-RU" dirty="0" smtClean="0"/>
-            </a:br>
-            <a:r>
-              <a:rPr lang="en-US" dirty="0" smtClean="0"/>
-              <a:t>+</a:t>
-            </a:r>
-            <a:r>
-              <a:rPr lang="ru-RU" dirty="0" smtClean="0"/>
-              <a:t/>
-            </a:r>
-            <a:br>
-              <a:rPr lang="ru-RU" dirty="0" smtClean="0"/>
-            </a:br>
-            <a:r>
-              <a:rPr lang="ru-RU" sz="2400" dirty="0" smtClean="0"/>
-              <a:t>секретное значение</a:t>
-            </a:r>
-          </a:p>
-          <a:p>
-            <a:pPr algn="ctr"/>
-            <a:r>
-              <a:rPr lang="ru-RU" sz="1600" dirty="0" smtClean="0"/>
-              <a:t>(знает отправитель и получатель)</a:t>
-            </a:r>
-            <a:r>
-              <a:rPr lang="ru-RU" dirty="0" smtClean="0"/>
-              <a:t/>
-            </a:r>
-            <a:br>
-              <a:rPr lang="ru-RU" dirty="0" smtClean="0"/>
-            </a:br>
-            <a:r>
-              <a:rPr lang="ru-RU" dirty="0" smtClean="0"/>
-              <a:t>+</a:t>
-            </a:r>
-            <a:br>
-              <a:rPr lang="ru-RU" dirty="0" smtClean="0"/>
-            </a:br>
-            <a:r>
-              <a:rPr lang="ru-RU" sz="2400" dirty="0" smtClean="0"/>
-              <a:t>текущая дата</a:t>
-            </a:r>
+              <a:t>Каждый сервис наследует базовый класс, предоставляя данные для подключения к БД.</a:t>
+            </a:r>
+            <a:endParaRPr lang="ru-RU" dirty="0"/>
           </a:p>
         </p:txBody>
       </p:sp>
       <p:sp>
         <p:nvSpPr>
-          <p:cNvPr id="35" name="Прямоугольник 34"/>
-          <p:cNvSpPr/>
+          <p:cNvPr id="47" name="TextBox 46"/>
+          <p:cNvSpPr txBox="1"/>
           <p:nvPr/>
         </p:nvSpPr>
         <p:spPr>
-          <a:xfrm rot="5400000">
-            <a:off x="8651743" y="3175804"/>
-            <a:ext cx="4480883" cy="464400"/>
+          <a:xfrm>
+            <a:off x="4722211" y="1629133"/>
+            <a:ext cx="2732653" cy="1200329"/>
           </a:xfrm>
           <a:prstGeom prst="rect">
             <a:avLst/>
           </a:prstGeom>
+          <a:noFill/>
         </p:spPr>
-        <p:style>
-          <a:lnRef idx="2">
-            <a:schemeClr val="accent1">
-              <a:shade val="50000"/>
-            </a:schemeClr>
-          </a:lnRef>
-          <a:fillRef idx="1">
-            <a:schemeClr val="accent1"/>
-          </a:fillRef>
-          <a:effectRef idx="0">
-            <a:schemeClr val="accent1"/>
-          </a:effectRef>
-          <a:fontRef idx="minor">
-            <a:schemeClr val="lt1"/>
-          </a:fontRef>
-        </p:style>
         <p:txBody>
-          <a:bodyPr rtlCol="0" anchor="ctr"/>
+          <a:bodyPr wrap="square" rtlCol="0">
+            <a:spAutoFit/>
+          </a:bodyPr>
           <a:lstStyle/>
           <a:p>
             <a:pPr algn="ctr"/>
             <a:r>
-              <a:rPr lang="en-US" sz="2800" dirty="0" smtClean="0"/>
-              <a:t>USER</a:t>
-            </a:r>
-            <a:r>
-              <a:rPr lang="ru-RU" sz="2800" dirty="0" smtClean="0"/>
+              <a:rPr lang="ru-RU" dirty="0" smtClean="0"/>
+              <a:t>Объект, содержащий информацию о том, как правильно общаться с БД для каждой из моделей</a:t>
+            </a:r>
+            <a:endParaRPr lang="ru-RU" dirty="0"/>
+          </a:p>
+        </p:txBody>
+      </p:sp>
+      <p:sp>
+        <p:nvSpPr>
+          <p:cNvPr id="48" name="TextBox 47"/>
+          <p:cNvSpPr txBox="1"/>
+          <p:nvPr/>
+        </p:nvSpPr>
+        <p:spPr>
+          <a:xfrm>
+            <a:off x="8534397" y="1767539"/>
+            <a:ext cx="2732653" cy="646331"/>
+          </a:xfrm>
+          <a:prstGeom prst="rect">
+            <a:avLst/>
+          </a:prstGeom>
+          <a:noFill/>
+        </p:spPr>
+        <p:txBody>
+          <a:bodyPr wrap="square" rtlCol="0">
+            <a:spAutoFit/>
+          </a:bodyPr>
+          <a:lstStyle/>
+          <a:p>
+            <a:pPr algn="ctr"/>
+            <a:r>
+              <a:rPr lang="en-US" dirty="0" smtClean="0"/>
+              <a:t>Data-</a:t>
+            </a:r>
+            <a:r>
+              <a:rPr lang="ru-RU" dirty="0" smtClean="0"/>
+              <a:t>объект, содержащий значащую информацию</a:t>
+            </a:r>
+            <a:endParaRPr lang="ru-RU" dirty="0"/>
+          </a:p>
+        </p:txBody>
+      </p:sp>
+      <p:sp>
+        <p:nvSpPr>
+          <p:cNvPr id="49" name="TextBox 48"/>
+          <p:cNvSpPr txBox="1"/>
+          <p:nvPr/>
+        </p:nvSpPr>
+        <p:spPr>
+          <a:xfrm>
+            <a:off x="8534396" y="2552274"/>
+            <a:ext cx="2732653" cy="2031325"/>
+          </a:xfrm>
+          <a:prstGeom prst="rect">
+            <a:avLst/>
+          </a:prstGeom>
+          <a:noFill/>
+        </p:spPr>
+        <p:txBody>
+          <a:bodyPr wrap="square" rtlCol="0">
+            <a:spAutoFit/>
+          </a:bodyPr>
+          <a:lstStyle/>
+          <a:p>
+            <a:pPr marL="285750" indent="-285750">
+              <a:buFont typeface="Arial" panose="020B0604020202020204" pitchFamily="34" charset="0"/>
+              <a:buChar char="•"/>
+            </a:pPr>
+            <a:r>
+              <a:rPr lang="ru-RU" dirty="0" smtClean="0"/>
+              <a:t>Хранит информацию</a:t>
+            </a:r>
+          </a:p>
+          <a:p>
+            <a:pPr marL="285750" indent="-285750">
+              <a:buFont typeface="Arial" panose="020B0604020202020204" pitchFamily="34" charset="0"/>
+              <a:buChar char="•"/>
+            </a:pPr>
+            <a:r>
+              <a:rPr lang="ru-RU" dirty="0" smtClean="0"/>
+              <a:t>Предоставляет методы для задания</a:t>
+            </a:r>
+            <a:r>
+              <a:rPr lang="ru-RU" dirty="0"/>
               <a:t> </a:t>
             </a:r>
             <a:r>
-              <a:rPr lang="en-US" sz="2800" dirty="0" smtClean="0"/>
-              <a:t>service</a:t>
-            </a:r>
-            <a:endParaRPr lang="ru-RU" sz="2800" dirty="0"/>
+              <a:rPr lang="ru-RU" dirty="0" smtClean="0"/>
+              <a:t>и получения данных</a:t>
+            </a:r>
+          </a:p>
+          <a:p>
+            <a:pPr marL="285750" indent="-285750">
+              <a:buFont typeface="Arial" panose="020B0604020202020204" pitchFamily="34" charset="0"/>
+              <a:buChar char="•"/>
+            </a:pPr>
+            <a:r>
+              <a:rPr lang="ru-RU" dirty="0" smtClean="0"/>
+              <a:t>Может использоваться при передаче данных между сервисами</a:t>
+            </a:r>
+            <a:endParaRPr lang="ru-RU" dirty="0"/>
+          </a:p>
+        </p:txBody>
+      </p:sp>
+      <p:sp>
+        <p:nvSpPr>
+          <p:cNvPr id="50" name="TextBox 49"/>
+          <p:cNvSpPr txBox="1"/>
+          <p:nvPr/>
+        </p:nvSpPr>
+        <p:spPr>
+          <a:xfrm>
+            <a:off x="8544947" y="4583599"/>
+            <a:ext cx="2732653" cy="2031325"/>
+          </a:xfrm>
+          <a:prstGeom prst="rect">
+            <a:avLst/>
+          </a:prstGeom>
+          <a:noFill/>
+        </p:spPr>
+        <p:txBody>
+          <a:bodyPr wrap="square" rtlCol="0">
+            <a:spAutoFit/>
+          </a:bodyPr>
+          <a:lstStyle/>
+          <a:p>
+            <a:pPr algn="ctr"/>
+            <a:r>
+              <a:rPr lang="ru-RU" dirty="0" smtClean="0"/>
+              <a:t>Существует базовая реализация </a:t>
+            </a:r>
+            <a:r>
+              <a:rPr lang="en-US" i="1" dirty="0" err="1" smtClean="0"/>
+              <a:t>AbstractModel</a:t>
+            </a:r>
+            <a:endParaRPr lang="ru-RU" dirty="0" smtClean="0"/>
+          </a:p>
+          <a:p>
+            <a:r>
+              <a:rPr lang="ru-RU" dirty="0"/>
+              <a:t>Н</a:t>
+            </a:r>
+            <a:r>
+              <a:rPr lang="ru-RU" dirty="0" smtClean="0"/>
+              <a:t>аследоваться от неё необязательно, если нет необходимости получать объект по </a:t>
+            </a:r>
+            <a:r>
+              <a:rPr lang="en-US" dirty="0" smtClean="0"/>
+              <a:t>ID</a:t>
+            </a:r>
+            <a:r>
+              <a:rPr lang="ru-RU" dirty="0" smtClean="0"/>
+              <a:t>.</a:t>
+            </a:r>
+            <a:endParaRPr lang="ru-RU" dirty="0"/>
+          </a:p>
+        </p:txBody>
+      </p:sp>
+      <p:sp>
+        <p:nvSpPr>
+          <p:cNvPr id="51" name="TextBox 50"/>
+          <p:cNvSpPr txBox="1"/>
+          <p:nvPr/>
+        </p:nvSpPr>
+        <p:spPr>
+          <a:xfrm>
+            <a:off x="4716035" y="2829462"/>
+            <a:ext cx="2732653" cy="2031325"/>
+          </a:xfrm>
+          <a:prstGeom prst="rect">
+            <a:avLst/>
+          </a:prstGeom>
+          <a:noFill/>
+        </p:spPr>
+        <p:txBody>
+          <a:bodyPr wrap="square" rtlCol="0">
+            <a:spAutoFit/>
+          </a:bodyPr>
+          <a:lstStyle/>
+          <a:p>
+            <a:pPr marL="285750" indent="-285750">
+              <a:buFont typeface="Arial" panose="020B0604020202020204" pitchFamily="34" charset="0"/>
+              <a:buChar char="•"/>
+            </a:pPr>
+            <a:r>
+              <a:rPr lang="ru-RU" dirty="0" smtClean="0"/>
+              <a:t>Создаёт </a:t>
+            </a:r>
+            <a:r>
+              <a:rPr lang="en-US" dirty="0" smtClean="0"/>
+              <a:t>SQL</a:t>
+            </a:r>
+            <a:r>
+              <a:rPr lang="ru-RU" dirty="0" smtClean="0"/>
+              <a:t> запросы для получения </a:t>
+            </a:r>
+            <a:r>
+              <a:rPr lang="ru-RU" dirty="0"/>
+              <a:t>(</a:t>
+            </a:r>
+            <a:r>
+              <a:rPr lang="ru-RU" dirty="0" smtClean="0"/>
+              <a:t>отправки) объектов моделей из (в) БД.</a:t>
+            </a:r>
+          </a:p>
+          <a:p>
+            <a:pPr marL="285750" indent="-285750">
+              <a:buFont typeface="Arial" panose="020B0604020202020204" pitchFamily="34" charset="0"/>
+              <a:buChar char="•"/>
+            </a:pPr>
+            <a:r>
+              <a:rPr lang="ru-RU" dirty="0" smtClean="0"/>
+              <a:t>Создаёт объекты из результатов </a:t>
+            </a:r>
+            <a:r>
+              <a:rPr lang="en-US" dirty="0" smtClean="0"/>
+              <a:t>SQL</a:t>
+            </a:r>
+            <a:r>
+              <a:rPr lang="ru-RU" dirty="0" smtClean="0"/>
+              <a:t> запросов</a:t>
+            </a:r>
+            <a:endParaRPr lang="ru-RU" dirty="0"/>
+          </a:p>
+        </p:txBody>
+      </p:sp>
+      <p:sp>
+        <p:nvSpPr>
+          <p:cNvPr id="52" name="TextBox 51"/>
+          <p:cNvSpPr txBox="1"/>
+          <p:nvPr/>
+        </p:nvSpPr>
+        <p:spPr>
+          <a:xfrm>
+            <a:off x="4722211" y="4860787"/>
+            <a:ext cx="2732653" cy="1692771"/>
+          </a:xfrm>
+          <a:prstGeom prst="rect">
+            <a:avLst/>
+          </a:prstGeom>
+          <a:noFill/>
+        </p:spPr>
+        <p:txBody>
+          <a:bodyPr wrap="square" rtlCol="0">
+            <a:spAutoFit/>
+          </a:bodyPr>
+          <a:lstStyle/>
+          <a:p>
+            <a:pPr algn="ctr"/>
+            <a:r>
+              <a:rPr lang="ru-RU" dirty="0" smtClean="0"/>
+              <a:t>Реализация в </a:t>
+            </a:r>
+            <a:r>
+              <a:rPr lang="en-US" sz="1600" i="1" dirty="0" err="1" smtClean="0"/>
+              <a:t>BaseDatabaseConnector</a:t>
+            </a:r>
+            <a:r>
+              <a:rPr lang="en-US" sz="1600" i="1" dirty="0" smtClean="0"/>
+              <a:t>&lt;T</a:t>
+            </a:r>
+            <a:r>
+              <a:rPr lang="en-US" sz="1600" dirty="0" smtClean="0"/>
+              <a:t>&gt;</a:t>
+            </a:r>
+            <a:r>
+              <a:rPr lang="ru-RU" sz="1600" dirty="0"/>
+              <a:t> </a:t>
+            </a:r>
+            <a:r>
+              <a:rPr lang="ru-RU" sz="1600" dirty="0" smtClean="0"/>
+              <a:t>и </a:t>
+            </a:r>
+            <a:r>
+              <a:rPr lang="en-US" sz="1600" i="1" dirty="0" err="1" smtClean="0"/>
+              <a:t>AbstractModelD</a:t>
+            </a:r>
+            <a:r>
+              <a:rPr lang="en-US" sz="1600" i="1" dirty="0" smtClean="0"/>
+              <a:t>…C…&lt;T&gt;</a:t>
+            </a:r>
+            <a:endParaRPr lang="ru-RU" sz="1600" i="1" dirty="0"/>
+          </a:p>
+          <a:p>
+            <a:r>
+              <a:rPr lang="ru-RU" dirty="0" smtClean="0"/>
+              <a:t>Наследуется для каждой модели, для которой необходима работа с БД.</a:t>
+            </a:r>
+            <a:endParaRPr lang="en-US" dirty="0" smtClean="0"/>
           </a:p>
         </p:txBody>
       </p:sp>
     </p:spTree>
     <p:extLst>
       <p:ext uri="{BB962C8B-B14F-4D97-AF65-F5344CB8AC3E}">
-        <p14:creationId xmlns:p14="http://schemas.microsoft.com/office/powerpoint/2010/main" val="3894368805"/>
+        <p14:creationId xmlns:p14="http://schemas.microsoft.com/office/powerpoint/2010/main" val="3588891117"/>
       </p:ext>
     </p:extLst>
   </p:cSld>
@@ -28288,23 +28208,3355 @@
           <a:chExt cx="0" cy="0"/>
         </a:xfrm>
       </p:grpSpPr>
+      <p:sp>
+        <p:nvSpPr>
+          <p:cNvPr id="36" name="Прямоугольник 35"/>
+          <p:cNvSpPr/>
+          <p:nvPr/>
+        </p:nvSpPr>
+        <p:spPr>
+          <a:xfrm>
+            <a:off x="1529785" y="1167563"/>
+            <a:ext cx="9132429" cy="4480883"/>
+          </a:xfrm>
+          <a:prstGeom prst="rect">
+            <a:avLst/>
+          </a:prstGeom>
+          <a:solidFill>
+            <a:schemeClr val="bg1"/>
+          </a:solidFill>
+        </p:spPr>
+        <p:style>
+          <a:lnRef idx="2">
+            <a:schemeClr val="accent1">
+              <a:shade val="50000"/>
+            </a:schemeClr>
+          </a:lnRef>
+          <a:fillRef idx="1">
+            <a:schemeClr val="accent1"/>
+          </a:fillRef>
+          <a:effectRef idx="0">
+            <a:schemeClr val="accent1"/>
+          </a:effectRef>
+          <a:fontRef idx="minor">
+            <a:schemeClr val="lt1"/>
+          </a:fontRef>
+        </p:style>
+        <p:txBody>
+          <a:bodyPr rtlCol="0" anchor="ctr"/>
+          <a:lstStyle/>
+          <a:p>
+            <a:pPr algn="ctr"/>
+            <a:endParaRPr lang="ru-RU" dirty="0">
+              <a:solidFill>
+                <a:schemeClr val="tx1"/>
+              </a:solidFill>
+            </a:endParaRPr>
+          </a:p>
+        </p:txBody>
+      </p:sp>
+      <p:sp>
+        <p:nvSpPr>
+          <p:cNvPr id="10" name="TextBox 9"/>
+          <p:cNvSpPr txBox="1"/>
+          <p:nvPr/>
+        </p:nvSpPr>
+        <p:spPr>
+          <a:xfrm>
+            <a:off x="914401" y="151900"/>
+            <a:ext cx="10363199" cy="1015663"/>
+          </a:xfrm>
+          <a:prstGeom prst="rect">
+            <a:avLst/>
+          </a:prstGeom>
+          <a:noFill/>
+        </p:spPr>
+        <p:txBody>
+          <a:bodyPr wrap="square" rtlCol="0" anchor="ctr">
+            <a:spAutoFit/>
+          </a:bodyPr>
+          <a:lstStyle/>
+          <a:p>
+            <a:pPr algn="ctr"/>
+            <a:r>
+              <a:rPr lang="ru-RU" sz="6000" b="1" dirty="0" smtClean="0"/>
+              <a:t>Устройство сервисов</a:t>
+            </a:r>
+          </a:p>
+        </p:txBody>
+      </p:sp>
+      <p:sp>
+        <p:nvSpPr>
+          <p:cNvPr id="26" name="Двойная стрелка влево/вправо 5"/>
+          <p:cNvSpPr/>
+          <p:nvPr/>
+        </p:nvSpPr>
+        <p:spPr>
+          <a:xfrm rot="16200000" flipH="1">
+            <a:off x="108184" y="1004145"/>
+            <a:ext cx="1006999" cy="862470"/>
+          </a:xfrm>
+          <a:custGeom>
+            <a:avLst/>
+            <a:gdLst>
+              <a:gd name="connsiteX0" fmla="*/ 0 w 451412"/>
+              <a:gd name="connsiteY0" fmla="*/ 242316 h 484632"/>
+              <a:gd name="connsiteX1" fmla="*/ 135270 w 451412"/>
+              <a:gd name="connsiteY1" fmla="*/ 0 h 484632"/>
+              <a:gd name="connsiteX2" fmla="*/ 135270 w 451412"/>
+              <a:gd name="connsiteY2" fmla="*/ 90435 h 484632"/>
+              <a:gd name="connsiteX3" fmla="*/ 316142 w 451412"/>
+              <a:gd name="connsiteY3" fmla="*/ 90435 h 484632"/>
+              <a:gd name="connsiteX4" fmla="*/ 316142 w 451412"/>
+              <a:gd name="connsiteY4" fmla="*/ 0 h 484632"/>
+              <a:gd name="connsiteX5" fmla="*/ 451412 w 451412"/>
+              <a:gd name="connsiteY5" fmla="*/ 242316 h 484632"/>
+              <a:gd name="connsiteX6" fmla="*/ 316142 w 451412"/>
+              <a:gd name="connsiteY6" fmla="*/ 484632 h 484632"/>
+              <a:gd name="connsiteX7" fmla="*/ 316142 w 451412"/>
+              <a:gd name="connsiteY7" fmla="*/ 394197 h 484632"/>
+              <a:gd name="connsiteX8" fmla="*/ 135270 w 451412"/>
+              <a:gd name="connsiteY8" fmla="*/ 394197 h 484632"/>
+              <a:gd name="connsiteX9" fmla="*/ 135270 w 451412"/>
+              <a:gd name="connsiteY9" fmla="*/ 484632 h 484632"/>
+              <a:gd name="connsiteX10" fmla="*/ 0 w 451412"/>
+              <a:gd name="connsiteY10" fmla="*/ 242316 h 484632"/>
+              <a:gd name="connsiteX0" fmla="*/ 0 w 451412"/>
+              <a:gd name="connsiteY0" fmla="*/ 242316 h 484632"/>
+              <a:gd name="connsiteX1" fmla="*/ 135270 w 451412"/>
+              <a:gd name="connsiteY1" fmla="*/ 0 h 484632"/>
+              <a:gd name="connsiteX2" fmla="*/ 135270 w 451412"/>
+              <a:gd name="connsiteY2" fmla="*/ 90435 h 484632"/>
+              <a:gd name="connsiteX3" fmla="*/ 316142 w 451412"/>
+              <a:gd name="connsiteY3" fmla="*/ 90435 h 484632"/>
+              <a:gd name="connsiteX4" fmla="*/ 451412 w 451412"/>
+              <a:gd name="connsiteY4" fmla="*/ 242316 h 484632"/>
+              <a:gd name="connsiteX5" fmla="*/ 316142 w 451412"/>
+              <a:gd name="connsiteY5" fmla="*/ 484632 h 484632"/>
+              <a:gd name="connsiteX6" fmla="*/ 316142 w 451412"/>
+              <a:gd name="connsiteY6" fmla="*/ 394197 h 484632"/>
+              <a:gd name="connsiteX7" fmla="*/ 135270 w 451412"/>
+              <a:gd name="connsiteY7" fmla="*/ 394197 h 484632"/>
+              <a:gd name="connsiteX8" fmla="*/ 135270 w 451412"/>
+              <a:gd name="connsiteY8" fmla="*/ 484632 h 484632"/>
+              <a:gd name="connsiteX9" fmla="*/ 0 w 451412"/>
+              <a:gd name="connsiteY9" fmla="*/ 242316 h 484632"/>
+              <a:gd name="connsiteX0" fmla="*/ 0 w 316142"/>
+              <a:gd name="connsiteY0" fmla="*/ 242316 h 484632"/>
+              <a:gd name="connsiteX1" fmla="*/ 135270 w 316142"/>
+              <a:gd name="connsiteY1" fmla="*/ 0 h 484632"/>
+              <a:gd name="connsiteX2" fmla="*/ 135270 w 316142"/>
+              <a:gd name="connsiteY2" fmla="*/ 90435 h 484632"/>
+              <a:gd name="connsiteX3" fmla="*/ 316142 w 316142"/>
+              <a:gd name="connsiteY3" fmla="*/ 90435 h 484632"/>
+              <a:gd name="connsiteX4" fmla="*/ 316142 w 316142"/>
+              <a:gd name="connsiteY4" fmla="*/ 484632 h 484632"/>
+              <a:gd name="connsiteX5" fmla="*/ 316142 w 316142"/>
+              <a:gd name="connsiteY5" fmla="*/ 394197 h 484632"/>
+              <a:gd name="connsiteX6" fmla="*/ 135270 w 316142"/>
+              <a:gd name="connsiteY6" fmla="*/ 394197 h 484632"/>
+              <a:gd name="connsiteX7" fmla="*/ 135270 w 316142"/>
+              <a:gd name="connsiteY7" fmla="*/ 484632 h 484632"/>
+              <a:gd name="connsiteX8" fmla="*/ 0 w 316142"/>
+              <a:gd name="connsiteY8" fmla="*/ 242316 h 484632"/>
+              <a:gd name="connsiteX0" fmla="*/ 0 w 316142"/>
+              <a:gd name="connsiteY0" fmla="*/ 242316 h 484632"/>
+              <a:gd name="connsiteX1" fmla="*/ 135270 w 316142"/>
+              <a:gd name="connsiteY1" fmla="*/ 0 h 484632"/>
+              <a:gd name="connsiteX2" fmla="*/ 135270 w 316142"/>
+              <a:gd name="connsiteY2" fmla="*/ 90435 h 484632"/>
+              <a:gd name="connsiteX3" fmla="*/ 316142 w 316142"/>
+              <a:gd name="connsiteY3" fmla="*/ 90435 h 484632"/>
+              <a:gd name="connsiteX4" fmla="*/ 316142 w 316142"/>
+              <a:gd name="connsiteY4" fmla="*/ 394197 h 484632"/>
+              <a:gd name="connsiteX5" fmla="*/ 135270 w 316142"/>
+              <a:gd name="connsiteY5" fmla="*/ 394197 h 484632"/>
+              <a:gd name="connsiteX6" fmla="*/ 135270 w 316142"/>
+              <a:gd name="connsiteY6" fmla="*/ 484632 h 484632"/>
+              <a:gd name="connsiteX7" fmla="*/ 0 w 316142"/>
+              <a:gd name="connsiteY7" fmla="*/ 242316 h 484632"/>
+              <a:gd name="connsiteX0" fmla="*/ 0 w 316142"/>
+              <a:gd name="connsiteY0" fmla="*/ 242316 h 484632"/>
+              <a:gd name="connsiteX1" fmla="*/ 135270 w 316142"/>
+              <a:gd name="connsiteY1" fmla="*/ 0 h 484632"/>
+              <a:gd name="connsiteX2" fmla="*/ 135270 w 316142"/>
+              <a:gd name="connsiteY2" fmla="*/ 90435 h 484632"/>
+              <a:gd name="connsiteX3" fmla="*/ 316142 w 316142"/>
+              <a:gd name="connsiteY3" fmla="*/ 394197 h 484632"/>
+              <a:gd name="connsiteX4" fmla="*/ 135270 w 316142"/>
+              <a:gd name="connsiteY4" fmla="*/ 394197 h 484632"/>
+              <a:gd name="connsiteX5" fmla="*/ 135270 w 316142"/>
+              <a:gd name="connsiteY5" fmla="*/ 484632 h 484632"/>
+              <a:gd name="connsiteX6" fmla="*/ 0 w 316142"/>
+              <a:gd name="connsiteY6" fmla="*/ 242316 h 484632"/>
+              <a:gd name="connsiteX0" fmla="*/ 0 w 316142"/>
+              <a:gd name="connsiteY0" fmla="*/ 242316 h 484632"/>
+              <a:gd name="connsiteX1" fmla="*/ 135270 w 316142"/>
+              <a:gd name="connsiteY1" fmla="*/ 0 h 484632"/>
+              <a:gd name="connsiteX2" fmla="*/ 135270 w 316142"/>
+              <a:gd name="connsiteY2" fmla="*/ 90435 h 484632"/>
+              <a:gd name="connsiteX3" fmla="*/ 316142 w 316142"/>
+              <a:gd name="connsiteY3" fmla="*/ 394197 h 484632"/>
+              <a:gd name="connsiteX4" fmla="*/ 251236 w 316142"/>
+              <a:gd name="connsiteY4" fmla="*/ 392379 h 484632"/>
+              <a:gd name="connsiteX5" fmla="*/ 135270 w 316142"/>
+              <a:gd name="connsiteY5" fmla="*/ 394197 h 484632"/>
+              <a:gd name="connsiteX6" fmla="*/ 135270 w 316142"/>
+              <a:gd name="connsiteY6" fmla="*/ 484632 h 484632"/>
+              <a:gd name="connsiteX7" fmla="*/ 0 w 316142"/>
+              <a:gd name="connsiteY7" fmla="*/ 242316 h 484632"/>
+              <a:gd name="connsiteX0" fmla="*/ 0 w 543456"/>
+              <a:gd name="connsiteY0" fmla="*/ 242316 h 795783"/>
+              <a:gd name="connsiteX1" fmla="*/ 135270 w 543456"/>
+              <a:gd name="connsiteY1" fmla="*/ 0 h 795783"/>
+              <a:gd name="connsiteX2" fmla="*/ 135270 w 543456"/>
+              <a:gd name="connsiteY2" fmla="*/ 90435 h 795783"/>
+              <a:gd name="connsiteX3" fmla="*/ 316142 w 543456"/>
+              <a:gd name="connsiteY3" fmla="*/ 394197 h 795783"/>
+              <a:gd name="connsiteX4" fmla="*/ 543456 w 543456"/>
+              <a:gd name="connsiteY4" fmla="*/ 795783 h 795783"/>
+              <a:gd name="connsiteX5" fmla="*/ 135270 w 543456"/>
+              <a:gd name="connsiteY5" fmla="*/ 394197 h 795783"/>
+              <a:gd name="connsiteX6" fmla="*/ 135270 w 543456"/>
+              <a:gd name="connsiteY6" fmla="*/ 484632 h 795783"/>
+              <a:gd name="connsiteX7" fmla="*/ 0 w 543456"/>
+              <a:gd name="connsiteY7" fmla="*/ 242316 h 795783"/>
+              <a:gd name="connsiteX0" fmla="*/ 0 w 543456"/>
+              <a:gd name="connsiteY0" fmla="*/ 242316 h 795783"/>
+              <a:gd name="connsiteX1" fmla="*/ 135270 w 543456"/>
+              <a:gd name="connsiteY1" fmla="*/ 0 h 795783"/>
+              <a:gd name="connsiteX2" fmla="*/ 135270 w 543456"/>
+              <a:gd name="connsiteY2" fmla="*/ 90435 h 795783"/>
+              <a:gd name="connsiteX3" fmla="*/ 543456 w 543456"/>
+              <a:gd name="connsiteY3" fmla="*/ 795783 h 795783"/>
+              <a:gd name="connsiteX4" fmla="*/ 135270 w 543456"/>
+              <a:gd name="connsiteY4" fmla="*/ 394197 h 795783"/>
+              <a:gd name="connsiteX5" fmla="*/ 135270 w 543456"/>
+              <a:gd name="connsiteY5" fmla="*/ 484632 h 795783"/>
+              <a:gd name="connsiteX6" fmla="*/ 0 w 543456"/>
+              <a:gd name="connsiteY6" fmla="*/ 242316 h 795783"/>
+              <a:gd name="connsiteX0" fmla="*/ 0 w 551283"/>
+              <a:gd name="connsiteY0" fmla="*/ 242316 h 789003"/>
+              <a:gd name="connsiteX1" fmla="*/ 135270 w 551283"/>
+              <a:gd name="connsiteY1" fmla="*/ 0 h 789003"/>
+              <a:gd name="connsiteX2" fmla="*/ 135270 w 551283"/>
+              <a:gd name="connsiteY2" fmla="*/ 90435 h 789003"/>
+              <a:gd name="connsiteX3" fmla="*/ 551283 w 551283"/>
+              <a:gd name="connsiteY3" fmla="*/ 789003 h 789003"/>
+              <a:gd name="connsiteX4" fmla="*/ 135270 w 551283"/>
+              <a:gd name="connsiteY4" fmla="*/ 394197 h 789003"/>
+              <a:gd name="connsiteX5" fmla="*/ 135270 w 551283"/>
+              <a:gd name="connsiteY5" fmla="*/ 484632 h 789003"/>
+              <a:gd name="connsiteX6" fmla="*/ 0 w 551283"/>
+              <a:gd name="connsiteY6" fmla="*/ 242316 h 789003"/>
+              <a:gd name="connsiteX0" fmla="*/ 0 w 551283"/>
+              <a:gd name="connsiteY0" fmla="*/ 242316 h 775443"/>
+              <a:gd name="connsiteX1" fmla="*/ 135270 w 551283"/>
+              <a:gd name="connsiteY1" fmla="*/ 0 h 775443"/>
+              <a:gd name="connsiteX2" fmla="*/ 135270 w 551283"/>
+              <a:gd name="connsiteY2" fmla="*/ 90435 h 775443"/>
+              <a:gd name="connsiteX3" fmla="*/ 551283 w 551283"/>
+              <a:gd name="connsiteY3" fmla="*/ 775443 h 775443"/>
+              <a:gd name="connsiteX4" fmla="*/ 135270 w 551283"/>
+              <a:gd name="connsiteY4" fmla="*/ 394197 h 775443"/>
+              <a:gd name="connsiteX5" fmla="*/ 135270 w 551283"/>
+              <a:gd name="connsiteY5" fmla="*/ 484632 h 775443"/>
+              <a:gd name="connsiteX6" fmla="*/ 0 w 551283"/>
+              <a:gd name="connsiteY6" fmla="*/ 242316 h 775443"/>
+              <a:gd name="connsiteX0" fmla="*/ 0 w 725582"/>
+              <a:gd name="connsiteY0" fmla="*/ 242316 h 1178043"/>
+              <a:gd name="connsiteX1" fmla="*/ 135270 w 725582"/>
+              <a:gd name="connsiteY1" fmla="*/ 0 h 1178043"/>
+              <a:gd name="connsiteX2" fmla="*/ 135270 w 725582"/>
+              <a:gd name="connsiteY2" fmla="*/ 90435 h 1178043"/>
+              <a:gd name="connsiteX3" fmla="*/ 725582 w 725582"/>
+              <a:gd name="connsiteY3" fmla="*/ 1178043 h 1178043"/>
+              <a:gd name="connsiteX4" fmla="*/ 135270 w 725582"/>
+              <a:gd name="connsiteY4" fmla="*/ 394197 h 1178043"/>
+              <a:gd name="connsiteX5" fmla="*/ 135270 w 725582"/>
+              <a:gd name="connsiteY5" fmla="*/ 484632 h 1178043"/>
+              <a:gd name="connsiteX6" fmla="*/ 0 w 725582"/>
+              <a:gd name="connsiteY6" fmla="*/ 242316 h 1178043"/>
+              <a:gd name="connsiteX0" fmla="*/ 0 w 725584"/>
+              <a:gd name="connsiteY0" fmla="*/ 242316 h 1158750"/>
+              <a:gd name="connsiteX1" fmla="*/ 135270 w 725584"/>
+              <a:gd name="connsiteY1" fmla="*/ 0 h 1158750"/>
+              <a:gd name="connsiteX2" fmla="*/ 135270 w 725584"/>
+              <a:gd name="connsiteY2" fmla="*/ 90435 h 1158750"/>
+              <a:gd name="connsiteX3" fmla="*/ 725584 w 725584"/>
+              <a:gd name="connsiteY3" fmla="*/ 1158750 h 1158750"/>
+              <a:gd name="connsiteX4" fmla="*/ 135270 w 725584"/>
+              <a:gd name="connsiteY4" fmla="*/ 394197 h 1158750"/>
+              <a:gd name="connsiteX5" fmla="*/ 135270 w 725584"/>
+              <a:gd name="connsiteY5" fmla="*/ 484632 h 1158750"/>
+              <a:gd name="connsiteX6" fmla="*/ 0 w 725584"/>
+              <a:gd name="connsiteY6" fmla="*/ 242316 h 1158750"/>
+              <a:gd name="connsiteX0" fmla="*/ 0 w 725584"/>
+              <a:gd name="connsiteY0" fmla="*/ 242316 h 1149103"/>
+              <a:gd name="connsiteX1" fmla="*/ 135270 w 725584"/>
+              <a:gd name="connsiteY1" fmla="*/ 0 h 1149103"/>
+              <a:gd name="connsiteX2" fmla="*/ 135270 w 725584"/>
+              <a:gd name="connsiteY2" fmla="*/ 90435 h 1149103"/>
+              <a:gd name="connsiteX3" fmla="*/ 725584 w 725584"/>
+              <a:gd name="connsiteY3" fmla="*/ 1149103 h 1149103"/>
+              <a:gd name="connsiteX4" fmla="*/ 135270 w 725584"/>
+              <a:gd name="connsiteY4" fmla="*/ 394197 h 1149103"/>
+              <a:gd name="connsiteX5" fmla="*/ 135270 w 725584"/>
+              <a:gd name="connsiteY5" fmla="*/ 484632 h 1149103"/>
+              <a:gd name="connsiteX6" fmla="*/ 0 w 725584"/>
+              <a:gd name="connsiteY6" fmla="*/ 242316 h 1149103"/>
+              <a:gd name="connsiteX0" fmla="*/ 0 w 696794"/>
+              <a:gd name="connsiteY0" fmla="*/ 242316 h 653469"/>
+              <a:gd name="connsiteX1" fmla="*/ 135270 w 696794"/>
+              <a:gd name="connsiteY1" fmla="*/ 0 h 653469"/>
+              <a:gd name="connsiteX2" fmla="*/ 135270 w 696794"/>
+              <a:gd name="connsiteY2" fmla="*/ 90435 h 653469"/>
+              <a:gd name="connsiteX3" fmla="*/ 696794 w 696794"/>
+              <a:gd name="connsiteY3" fmla="*/ 653469 h 653469"/>
+              <a:gd name="connsiteX4" fmla="*/ 135270 w 696794"/>
+              <a:gd name="connsiteY4" fmla="*/ 394197 h 653469"/>
+              <a:gd name="connsiteX5" fmla="*/ 135270 w 696794"/>
+              <a:gd name="connsiteY5" fmla="*/ 484632 h 653469"/>
+              <a:gd name="connsiteX6" fmla="*/ 0 w 696794"/>
+              <a:gd name="connsiteY6" fmla="*/ 242316 h 653469"/>
+              <a:gd name="connsiteX0" fmla="*/ 0 w 696794"/>
+              <a:gd name="connsiteY0" fmla="*/ 242316 h 639909"/>
+              <a:gd name="connsiteX1" fmla="*/ 135270 w 696794"/>
+              <a:gd name="connsiteY1" fmla="*/ 0 h 639909"/>
+              <a:gd name="connsiteX2" fmla="*/ 135270 w 696794"/>
+              <a:gd name="connsiteY2" fmla="*/ 90435 h 639909"/>
+              <a:gd name="connsiteX3" fmla="*/ 696794 w 696794"/>
+              <a:gd name="connsiteY3" fmla="*/ 639909 h 639909"/>
+              <a:gd name="connsiteX4" fmla="*/ 135270 w 696794"/>
+              <a:gd name="connsiteY4" fmla="*/ 394197 h 639909"/>
+              <a:gd name="connsiteX5" fmla="*/ 135270 w 696794"/>
+              <a:gd name="connsiteY5" fmla="*/ 484632 h 639909"/>
+              <a:gd name="connsiteX6" fmla="*/ 0 w 696794"/>
+              <a:gd name="connsiteY6" fmla="*/ 242316 h 639909"/>
+              <a:gd name="connsiteX0" fmla="*/ 0 w 689597"/>
+              <a:gd name="connsiteY0" fmla="*/ 242316 h 752128"/>
+              <a:gd name="connsiteX1" fmla="*/ 135270 w 689597"/>
+              <a:gd name="connsiteY1" fmla="*/ 0 h 752128"/>
+              <a:gd name="connsiteX2" fmla="*/ 135270 w 689597"/>
+              <a:gd name="connsiteY2" fmla="*/ 90435 h 752128"/>
+              <a:gd name="connsiteX3" fmla="*/ 689597 w 689597"/>
+              <a:gd name="connsiteY3" fmla="*/ 752128 h 752128"/>
+              <a:gd name="connsiteX4" fmla="*/ 135270 w 689597"/>
+              <a:gd name="connsiteY4" fmla="*/ 394197 h 752128"/>
+              <a:gd name="connsiteX5" fmla="*/ 135270 w 689597"/>
+              <a:gd name="connsiteY5" fmla="*/ 484632 h 752128"/>
+              <a:gd name="connsiteX6" fmla="*/ 0 w 689597"/>
+              <a:gd name="connsiteY6" fmla="*/ 242316 h 752128"/>
+              <a:gd name="connsiteX0" fmla="*/ 0 w 689597"/>
+              <a:gd name="connsiteY0" fmla="*/ 242316 h 767383"/>
+              <a:gd name="connsiteX1" fmla="*/ 135270 w 689597"/>
+              <a:gd name="connsiteY1" fmla="*/ 0 h 767383"/>
+              <a:gd name="connsiteX2" fmla="*/ 135270 w 689597"/>
+              <a:gd name="connsiteY2" fmla="*/ 90435 h 767383"/>
+              <a:gd name="connsiteX3" fmla="*/ 689597 w 689597"/>
+              <a:gd name="connsiteY3" fmla="*/ 767383 h 767383"/>
+              <a:gd name="connsiteX4" fmla="*/ 135270 w 689597"/>
+              <a:gd name="connsiteY4" fmla="*/ 394197 h 767383"/>
+              <a:gd name="connsiteX5" fmla="*/ 135270 w 689597"/>
+              <a:gd name="connsiteY5" fmla="*/ 484632 h 767383"/>
+              <a:gd name="connsiteX6" fmla="*/ 0 w 689597"/>
+              <a:gd name="connsiteY6" fmla="*/ 242316 h 767383"/>
+            </a:gdLst>
+            <a:ahLst/>
+            <a:cxnLst>
+              <a:cxn ang="0">
+                <a:pos x="connsiteX0" y="connsiteY0"/>
+              </a:cxn>
+              <a:cxn ang="0">
+                <a:pos x="connsiteX1" y="connsiteY1"/>
+              </a:cxn>
+              <a:cxn ang="0">
+                <a:pos x="connsiteX2" y="connsiteY2"/>
+              </a:cxn>
+              <a:cxn ang="0">
+                <a:pos x="connsiteX3" y="connsiteY3"/>
+              </a:cxn>
+              <a:cxn ang="0">
+                <a:pos x="connsiteX4" y="connsiteY4"/>
+              </a:cxn>
+              <a:cxn ang="0">
+                <a:pos x="connsiteX5" y="connsiteY5"/>
+              </a:cxn>
+              <a:cxn ang="0">
+                <a:pos x="connsiteX6" y="connsiteY6"/>
+              </a:cxn>
+            </a:cxnLst>
+            <a:rect l="l" t="t" r="r" b="b"/>
+            <a:pathLst>
+              <a:path w="689597" h="767383">
+                <a:moveTo>
+                  <a:pt x="0" y="242316"/>
+                </a:moveTo>
+                <a:lnTo>
+                  <a:pt x="135270" y="0"/>
+                </a:lnTo>
+                <a:lnTo>
+                  <a:pt x="135270" y="90435"/>
+                </a:lnTo>
+                <a:lnTo>
+                  <a:pt x="689597" y="767383"/>
+                </a:lnTo>
+                <a:lnTo>
+                  <a:pt x="135270" y="394197"/>
+                </a:lnTo>
+                <a:lnTo>
+                  <a:pt x="135270" y="484632"/>
+                </a:lnTo>
+                <a:lnTo>
+                  <a:pt x="0" y="242316"/>
+                </a:lnTo>
+                <a:close/>
+              </a:path>
+            </a:pathLst>
+          </a:custGeom>
+        </p:spPr>
+        <p:style>
+          <a:lnRef idx="2">
+            <a:schemeClr val="accent1">
+              <a:shade val="50000"/>
+            </a:schemeClr>
+          </a:lnRef>
+          <a:fillRef idx="1">
+            <a:schemeClr val="accent1"/>
+          </a:fillRef>
+          <a:effectRef idx="0">
+            <a:schemeClr val="accent1"/>
+          </a:effectRef>
+          <a:fontRef idx="minor">
+            <a:schemeClr val="lt1"/>
+          </a:fontRef>
+        </p:style>
+        <p:txBody>
+          <a:bodyPr rtlCol="0" anchor="ctr"/>
+          <a:lstStyle/>
+          <a:p>
+            <a:pPr algn="ctr"/>
+            <a:endParaRPr lang="ru-RU"/>
+          </a:p>
+        </p:txBody>
+      </p:sp>
+      <p:sp>
+        <p:nvSpPr>
+          <p:cNvPr id="27" name="Двойная стрелка влево/вправо 5"/>
+          <p:cNvSpPr/>
+          <p:nvPr/>
+        </p:nvSpPr>
+        <p:spPr>
+          <a:xfrm rot="16200000" flipV="1">
+            <a:off x="999209" y="272725"/>
+            <a:ext cx="805023" cy="946945"/>
+          </a:xfrm>
+          <a:custGeom>
+            <a:avLst/>
+            <a:gdLst>
+              <a:gd name="connsiteX0" fmla="*/ 0 w 451412"/>
+              <a:gd name="connsiteY0" fmla="*/ 242316 h 484632"/>
+              <a:gd name="connsiteX1" fmla="*/ 135270 w 451412"/>
+              <a:gd name="connsiteY1" fmla="*/ 0 h 484632"/>
+              <a:gd name="connsiteX2" fmla="*/ 135270 w 451412"/>
+              <a:gd name="connsiteY2" fmla="*/ 90435 h 484632"/>
+              <a:gd name="connsiteX3" fmla="*/ 316142 w 451412"/>
+              <a:gd name="connsiteY3" fmla="*/ 90435 h 484632"/>
+              <a:gd name="connsiteX4" fmla="*/ 316142 w 451412"/>
+              <a:gd name="connsiteY4" fmla="*/ 0 h 484632"/>
+              <a:gd name="connsiteX5" fmla="*/ 451412 w 451412"/>
+              <a:gd name="connsiteY5" fmla="*/ 242316 h 484632"/>
+              <a:gd name="connsiteX6" fmla="*/ 316142 w 451412"/>
+              <a:gd name="connsiteY6" fmla="*/ 484632 h 484632"/>
+              <a:gd name="connsiteX7" fmla="*/ 316142 w 451412"/>
+              <a:gd name="connsiteY7" fmla="*/ 394197 h 484632"/>
+              <a:gd name="connsiteX8" fmla="*/ 135270 w 451412"/>
+              <a:gd name="connsiteY8" fmla="*/ 394197 h 484632"/>
+              <a:gd name="connsiteX9" fmla="*/ 135270 w 451412"/>
+              <a:gd name="connsiteY9" fmla="*/ 484632 h 484632"/>
+              <a:gd name="connsiteX10" fmla="*/ 0 w 451412"/>
+              <a:gd name="connsiteY10" fmla="*/ 242316 h 484632"/>
+              <a:gd name="connsiteX0" fmla="*/ 0 w 451412"/>
+              <a:gd name="connsiteY0" fmla="*/ 242316 h 484632"/>
+              <a:gd name="connsiteX1" fmla="*/ 135270 w 451412"/>
+              <a:gd name="connsiteY1" fmla="*/ 0 h 484632"/>
+              <a:gd name="connsiteX2" fmla="*/ 135270 w 451412"/>
+              <a:gd name="connsiteY2" fmla="*/ 90435 h 484632"/>
+              <a:gd name="connsiteX3" fmla="*/ 316142 w 451412"/>
+              <a:gd name="connsiteY3" fmla="*/ 90435 h 484632"/>
+              <a:gd name="connsiteX4" fmla="*/ 451412 w 451412"/>
+              <a:gd name="connsiteY4" fmla="*/ 242316 h 484632"/>
+              <a:gd name="connsiteX5" fmla="*/ 316142 w 451412"/>
+              <a:gd name="connsiteY5" fmla="*/ 484632 h 484632"/>
+              <a:gd name="connsiteX6" fmla="*/ 316142 w 451412"/>
+              <a:gd name="connsiteY6" fmla="*/ 394197 h 484632"/>
+              <a:gd name="connsiteX7" fmla="*/ 135270 w 451412"/>
+              <a:gd name="connsiteY7" fmla="*/ 394197 h 484632"/>
+              <a:gd name="connsiteX8" fmla="*/ 135270 w 451412"/>
+              <a:gd name="connsiteY8" fmla="*/ 484632 h 484632"/>
+              <a:gd name="connsiteX9" fmla="*/ 0 w 451412"/>
+              <a:gd name="connsiteY9" fmla="*/ 242316 h 484632"/>
+              <a:gd name="connsiteX0" fmla="*/ 0 w 316142"/>
+              <a:gd name="connsiteY0" fmla="*/ 242316 h 484632"/>
+              <a:gd name="connsiteX1" fmla="*/ 135270 w 316142"/>
+              <a:gd name="connsiteY1" fmla="*/ 0 h 484632"/>
+              <a:gd name="connsiteX2" fmla="*/ 135270 w 316142"/>
+              <a:gd name="connsiteY2" fmla="*/ 90435 h 484632"/>
+              <a:gd name="connsiteX3" fmla="*/ 316142 w 316142"/>
+              <a:gd name="connsiteY3" fmla="*/ 90435 h 484632"/>
+              <a:gd name="connsiteX4" fmla="*/ 316142 w 316142"/>
+              <a:gd name="connsiteY4" fmla="*/ 484632 h 484632"/>
+              <a:gd name="connsiteX5" fmla="*/ 316142 w 316142"/>
+              <a:gd name="connsiteY5" fmla="*/ 394197 h 484632"/>
+              <a:gd name="connsiteX6" fmla="*/ 135270 w 316142"/>
+              <a:gd name="connsiteY6" fmla="*/ 394197 h 484632"/>
+              <a:gd name="connsiteX7" fmla="*/ 135270 w 316142"/>
+              <a:gd name="connsiteY7" fmla="*/ 484632 h 484632"/>
+              <a:gd name="connsiteX8" fmla="*/ 0 w 316142"/>
+              <a:gd name="connsiteY8" fmla="*/ 242316 h 484632"/>
+              <a:gd name="connsiteX0" fmla="*/ 0 w 316142"/>
+              <a:gd name="connsiteY0" fmla="*/ 242316 h 484632"/>
+              <a:gd name="connsiteX1" fmla="*/ 135270 w 316142"/>
+              <a:gd name="connsiteY1" fmla="*/ 0 h 484632"/>
+              <a:gd name="connsiteX2" fmla="*/ 135270 w 316142"/>
+              <a:gd name="connsiteY2" fmla="*/ 90435 h 484632"/>
+              <a:gd name="connsiteX3" fmla="*/ 316142 w 316142"/>
+              <a:gd name="connsiteY3" fmla="*/ 90435 h 484632"/>
+              <a:gd name="connsiteX4" fmla="*/ 316142 w 316142"/>
+              <a:gd name="connsiteY4" fmla="*/ 394197 h 484632"/>
+              <a:gd name="connsiteX5" fmla="*/ 135270 w 316142"/>
+              <a:gd name="connsiteY5" fmla="*/ 394197 h 484632"/>
+              <a:gd name="connsiteX6" fmla="*/ 135270 w 316142"/>
+              <a:gd name="connsiteY6" fmla="*/ 484632 h 484632"/>
+              <a:gd name="connsiteX7" fmla="*/ 0 w 316142"/>
+              <a:gd name="connsiteY7" fmla="*/ 242316 h 484632"/>
+              <a:gd name="connsiteX0" fmla="*/ 0 w 316142"/>
+              <a:gd name="connsiteY0" fmla="*/ 242316 h 484632"/>
+              <a:gd name="connsiteX1" fmla="*/ 135270 w 316142"/>
+              <a:gd name="connsiteY1" fmla="*/ 0 h 484632"/>
+              <a:gd name="connsiteX2" fmla="*/ 135270 w 316142"/>
+              <a:gd name="connsiteY2" fmla="*/ 90435 h 484632"/>
+              <a:gd name="connsiteX3" fmla="*/ 316142 w 316142"/>
+              <a:gd name="connsiteY3" fmla="*/ 394197 h 484632"/>
+              <a:gd name="connsiteX4" fmla="*/ 135270 w 316142"/>
+              <a:gd name="connsiteY4" fmla="*/ 394197 h 484632"/>
+              <a:gd name="connsiteX5" fmla="*/ 135270 w 316142"/>
+              <a:gd name="connsiteY5" fmla="*/ 484632 h 484632"/>
+              <a:gd name="connsiteX6" fmla="*/ 0 w 316142"/>
+              <a:gd name="connsiteY6" fmla="*/ 242316 h 484632"/>
+              <a:gd name="connsiteX0" fmla="*/ 0 w 316142"/>
+              <a:gd name="connsiteY0" fmla="*/ 242316 h 484632"/>
+              <a:gd name="connsiteX1" fmla="*/ 135270 w 316142"/>
+              <a:gd name="connsiteY1" fmla="*/ 0 h 484632"/>
+              <a:gd name="connsiteX2" fmla="*/ 135270 w 316142"/>
+              <a:gd name="connsiteY2" fmla="*/ 90435 h 484632"/>
+              <a:gd name="connsiteX3" fmla="*/ 316142 w 316142"/>
+              <a:gd name="connsiteY3" fmla="*/ 394197 h 484632"/>
+              <a:gd name="connsiteX4" fmla="*/ 251236 w 316142"/>
+              <a:gd name="connsiteY4" fmla="*/ 392379 h 484632"/>
+              <a:gd name="connsiteX5" fmla="*/ 135270 w 316142"/>
+              <a:gd name="connsiteY5" fmla="*/ 394197 h 484632"/>
+              <a:gd name="connsiteX6" fmla="*/ 135270 w 316142"/>
+              <a:gd name="connsiteY6" fmla="*/ 484632 h 484632"/>
+              <a:gd name="connsiteX7" fmla="*/ 0 w 316142"/>
+              <a:gd name="connsiteY7" fmla="*/ 242316 h 484632"/>
+              <a:gd name="connsiteX0" fmla="*/ 0 w 543456"/>
+              <a:gd name="connsiteY0" fmla="*/ 242316 h 795783"/>
+              <a:gd name="connsiteX1" fmla="*/ 135270 w 543456"/>
+              <a:gd name="connsiteY1" fmla="*/ 0 h 795783"/>
+              <a:gd name="connsiteX2" fmla="*/ 135270 w 543456"/>
+              <a:gd name="connsiteY2" fmla="*/ 90435 h 795783"/>
+              <a:gd name="connsiteX3" fmla="*/ 316142 w 543456"/>
+              <a:gd name="connsiteY3" fmla="*/ 394197 h 795783"/>
+              <a:gd name="connsiteX4" fmla="*/ 543456 w 543456"/>
+              <a:gd name="connsiteY4" fmla="*/ 795783 h 795783"/>
+              <a:gd name="connsiteX5" fmla="*/ 135270 w 543456"/>
+              <a:gd name="connsiteY5" fmla="*/ 394197 h 795783"/>
+              <a:gd name="connsiteX6" fmla="*/ 135270 w 543456"/>
+              <a:gd name="connsiteY6" fmla="*/ 484632 h 795783"/>
+              <a:gd name="connsiteX7" fmla="*/ 0 w 543456"/>
+              <a:gd name="connsiteY7" fmla="*/ 242316 h 795783"/>
+              <a:gd name="connsiteX0" fmla="*/ 0 w 543456"/>
+              <a:gd name="connsiteY0" fmla="*/ 242316 h 795783"/>
+              <a:gd name="connsiteX1" fmla="*/ 135270 w 543456"/>
+              <a:gd name="connsiteY1" fmla="*/ 0 h 795783"/>
+              <a:gd name="connsiteX2" fmla="*/ 135270 w 543456"/>
+              <a:gd name="connsiteY2" fmla="*/ 90435 h 795783"/>
+              <a:gd name="connsiteX3" fmla="*/ 543456 w 543456"/>
+              <a:gd name="connsiteY3" fmla="*/ 795783 h 795783"/>
+              <a:gd name="connsiteX4" fmla="*/ 135270 w 543456"/>
+              <a:gd name="connsiteY4" fmla="*/ 394197 h 795783"/>
+              <a:gd name="connsiteX5" fmla="*/ 135270 w 543456"/>
+              <a:gd name="connsiteY5" fmla="*/ 484632 h 795783"/>
+              <a:gd name="connsiteX6" fmla="*/ 0 w 543456"/>
+              <a:gd name="connsiteY6" fmla="*/ 242316 h 795783"/>
+              <a:gd name="connsiteX0" fmla="*/ 0 w 551283"/>
+              <a:gd name="connsiteY0" fmla="*/ 242316 h 789003"/>
+              <a:gd name="connsiteX1" fmla="*/ 135270 w 551283"/>
+              <a:gd name="connsiteY1" fmla="*/ 0 h 789003"/>
+              <a:gd name="connsiteX2" fmla="*/ 135270 w 551283"/>
+              <a:gd name="connsiteY2" fmla="*/ 90435 h 789003"/>
+              <a:gd name="connsiteX3" fmla="*/ 551283 w 551283"/>
+              <a:gd name="connsiteY3" fmla="*/ 789003 h 789003"/>
+              <a:gd name="connsiteX4" fmla="*/ 135270 w 551283"/>
+              <a:gd name="connsiteY4" fmla="*/ 394197 h 789003"/>
+              <a:gd name="connsiteX5" fmla="*/ 135270 w 551283"/>
+              <a:gd name="connsiteY5" fmla="*/ 484632 h 789003"/>
+              <a:gd name="connsiteX6" fmla="*/ 0 w 551283"/>
+              <a:gd name="connsiteY6" fmla="*/ 242316 h 789003"/>
+              <a:gd name="connsiteX0" fmla="*/ 0 w 551283"/>
+              <a:gd name="connsiteY0" fmla="*/ 242316 h 775443"/>
+              <a:gd name="connsiteX1" fmla="*/ 135270 w 551283"/>
+              <a:gd name="connsiteY1" fmla="*/ 0 h 775443"/>
+              <a:gd name="connsiteX2" fmla="*/ 135270 w 551283"/>
+              <a:gd name="connsiteY2" fmla="*/ 90435 h 775443"/>
+              <a:gd name="connsiteX3" fmla="*/ 551283 w 551283"/>
+              <a:gd name="connsiteY3" fmla="*/ 775443 h 775443"/>
+              <a:gd name="connsiteX4" fmla="*/ 135270 w 551283"/>
+              <a:gd name="connsiteY4" fmla="*/ 394197 h 775443"/>
+              <a:gd name="connsiteX5" fmla="*/ 135270 w 551283"/>
+              <a:gd name="connsiteY5" fmla="*/ 484632 h 775443"/>
+              <a:gd name="connsiteX6" fmla="*/ 0 w 551283"/>
+              <a:gd name="connsiteY6" fmla="*/ 242316 h 775443"/>
+              <a:gd name="connsiteX0" fmla="*/ 0 w 551283"/>
+              <a:gd name="connsiteY0" fmla="*/ 242316 h 842544"/>
+              <a:gd name="connsiteX1" fmla="*/ 135270 w 551283"/>
+              <a:gd name="connsiteY1" fmla="*/ 0 h 842544"/>
+              <a:gd name="connsiteX2" fmla="*/ 135270 w 551283"/>
+              <a:gd name="connsiteY2" fmla="*/ 90435 h 842544"/>
+              <a:gd name="connsiteX3" fmla="*/ 551283 w 551283"/>
+              <a:gd name="connsiteY3" fmla="*/ 842544 h 842544"/>
+              <a:gd name="connsiteX4" fmla="*/ 135270 w 551283"/>
+              <a:gd name="connsiteY4" fmla="*/ 394197 h 842544"/>
+              <a:gd name="connsiteX5" fmla="*/ 135270 w 551283"/>
+              <a:gd name="connsiteY5" fmla="*/ 484632 h 842544"/>
+              <a:gd name="connsiteX6" fmla="*/ 0 w 551283"/>
+              <a:gd name="connsiteY6" fmla="*/ 242316 h 842544"/>
+            </a:gdLst>
+            <a:ahLst/>
+            <a:cxnLst>
+              <a:cxn ang="0">
+                <a:pos x="connsiteX0" y="connsiteY0"/>
+              </a:cxn>
+              <a:cxn ang="0">
+                <a:pos x="connsiteX1" y="connsiteY1"/>
+              </a:cxn>
+              <a:cxn ang="0">
+                <a:pos x="connsiteX2" y="connsiteY2"/>
+              </a:cxn>
+              <a:cxn ang="0">
+                <a:pos x="connsiteX3" y="connsiteY3"/>
+              </a:cxn>
+              <a:cxn ang="0">
+                <a:pos x="connsiteX4" y="connsiteY4"/>
+              </a:cxn>
+              <a:cxn ang="0">
+                <a:pos x="connsiteX5" y="connsiteY5"/>
+              </a:cxn>
+              <a:cxn ang="0">
+                <a:pos x="connsiteX6" y="connsiteY6"/>
+              </a:cxn>
+            </a:cxnLst>
+            <a:rect l="l" t="t" r="r" b="b"/>
+            <a:pathLst>
+              <a:path w="551283" h="842544">
+                <a:moveTo>
+                  <a:pt x="0" y="242316"/>
+                </a:moveTo>
+                <a:lnTo>
+                  <a:pt x="135270" y="0"/>
+                </a:lnTo>
+                <a:lnTo>
+                  <a:pt x="135270" y="90435"/>
+                </a:lnTo>
+                <a:lnTo>
+                  <a:pt x="551283" y="842544"/>
+                </a:lnTo>
+                <a:lnTo>
+                  <a:pt x="135270" y="394197"/>
+                </a:lnTo>
+                <a:lnTo>
+                  <a:pt x="135270" y="484632"/>
+                </a:lnTo>
+                <a:lnTo>
+                  <a:pt x="0" y="242316"/>
+                </a:lnTo>
+                <a:close/>
+              </a:path>
+            </a:pathLst>
+          </a:custGeom>
+        </p:spPr>
+        <p:style>
+          <a:lnRef idx="2">
+            <a:schemeClr val="accent2">
+              <a:shade val="50000"/>
+            </a:schemeClr>
+          </a:lnRef>
+          <a:fillRef idx="1">
+            <a:schemeClr val="accent2"/>
+          </a:fillRef>
+          <a:effectRef idx="0">
+            <a:schemeClr val="accent2"/>
+          </a:effectRef>
+          <a:fontRef idx="minor">
+            <a:schemeClr val="lt1"/>
+          </a:fontRef>
+        </p:style>
+        <p:txBody>
+          <a:bodyPr rtlCol="0" anchor="ctr"/>
+          <a:lstStyle/>
+          <a:p>
+            <a:pPr algn="ctr"/>
+            <a:endParaRPr lang="ru-RU"/>
+          </a:p>
+        </p:txBody>
+      </p:sp>
+      <p:sp>
+        <p:nvSpPr>
+          <p:cNvPr id="19" name="Прямоугольник 18"/>
+          <p:cNvSpPr/>
+          <p:nvPr/>
+        </p:nvSpPr>
+        <p:spPr>
+          <a:xfrm>
+            <a:off x="0" y="0"/>
+            <a:ext cx="914400" cy="914400"/>
+          </a:xfrm>
+          <a:prstGeom prst="rect">
+            <a:avLst/>
+          </a:prstGeom>
+        </p:spPr>
+        <p:style>
+          <a:lnRef idx="2">
+            <a:schemeClr val="accent1">
+              <a:shade val="50000"/>
+            </a:schemeClr>
+          </a:lnRef>
+          <a:fillRef idx="1">
+            <a:schemeClr val="accent1"/>
+          </a:fillRef>
+          <a:effectRef idx="0">
+            <a:schemeClr val="accent1"/>
+          </a:effectRef>
+          <a:fontRef idx="minor">
+            <a:schemeClr val="lt1"/>
+          </a:fontRef>
+        </p:style>
+        <p:txBody>
+          <a:bodyPr rtlCol="0" anchor="ctr"/>
+          <a:lstStyle/>
+          <a:p>
+            <a:pPr algn="ctr"/>
+            <a:r>
+              <a:rPr lang="en-US" dirty="0" smtClean="0"/>
+              <a:t>CREDIT</a:t>
+            </a:r>
+          </a:p>
+          <a:p>
+            <a:pPr algn="ctr"/>
+            <a:r>
+              <a:rPr lang="en-US" dirty="0" smtClean="0"/>
+              <a:t>service</a:t>
+            </a:r>
+            <a:endParaRPr lang="ru-RU" dirty="0"/>
+          </a:p>
+        </p:txBody>
+      </p:sp>
+      <p:sp>
+        <p:nvSpPr>
+          <p:cNvPr id="18" name="Прямоугольник 17"/>
+          <p:cNvSpPr/>
+          <p:nvPr/>
+        </p:nvSpPr>
+        <p:spPr>
+          <a:xfrm>
+            <a:off x="11277600" y="0"/>
+            <a:ext cx="914400" cy="914400"/>
+          </a:xfrm>
+          <a:prstGeom prst="rect">
+            <a:avLst/>
+          </a:prstGeom>
+        </p:spPr>
+        <p:style>
+          <a:lnRef idx="2">
+            <a:schemeClr val="accent1">
+              <a:shade val="50000"/>
+            </a:schemeClr>
+          </a:lnRef>
+          <a:fillRef idx="1">
+            <a:schemeClr val="accent1"/>
+          </a:fillRef>
+          <a:effectRef idx="0">
+            <a:schemeClr val="accent1"/>
+          </a:effectRef>
+          <a:fontRef idx="minor">
+            <a:schemeClr val="lt1"/>
+          </a:fontRef>
+        </p:style>
+        <p:txBody>
+          <a:bodyPr rtlCol="0" anchor="ctr"/>
+          <a:lstStyle/>
+          <a:p>
+            <a:pPr algn="ctr"/>
+            <a:r>
+              <a:rPr lang="en-US" dirty="0" smtClean="0"/>
+              <a:t>USER</a:t>
+            </a:r>
+          </a:p>
+          <a:p>
+            <a:pPr algn="ctr"/>
+            <a:r>
+              <a:rPr lang="en-US" dirty="0"/>
+              <a:t>s</a:t>
+            </a:r>
+            <a:r>
+              <a:rPr lang="en-US" dirty="0" smtClean="0"/>
+              <a:t>ervice</a:t>
+            </a:r>
+          </a:p>
+        </p:txBody>
+      </p:sp>
+      <p:sp>
+        <p:nvSpPr>
+          <p:cNvPr id="22" name="Двойная стрелка влево/вправо 5"/>
+          <p:cNvSpPr/>
+          <p:nvPr/>
+        </p:nvSpPr>
+        <p:spPr>
+          <a:xfrm rot="5400000">
+            <a:off x="10838935" y="815909"/>
+            <a:ext cx="1059550" cy="1291490"/>
+          </a:xfrm>
+          <a:custGeom>
+            <a:avLst/>
+            <a:gdLst>
+              <a:gd name="connsiteX0" fmla="*/ 0 w 451412"/>
+              <a:gd name="connsiteY0" fmla="*/ 242316 h 484632"/>
+              <a:gd name="connsiteX1" fmla="*/ 135270 w 451412"/>
+              <a:gd name="connsiteY1" fmla="*/ 0 h 484632"/>
+              <a:gd name="connsiteX2" fmla="*/ 135270 w 451412"/>
+              <a:gd name="connsiteY2" fmla="*/ 90435 h 484632"/>
+              <a:gd name="connsiteX3" fmla="*/ 316142 w 451412"/>
+              <a:gd name="connsiteY3" fmla="*/ 90435 h 484632"/>
+              <a:gd name="connsiteX4" fmla="*/ 316142 w 451412"/>
+              <a:gd name="connsiteY4" fmla="*/ 0 h 484632"/>
+              <a:gd name="connsiteX5" fmla="*/ 451412 w 451412"/>
+              <a:gd name="connsiteY5" fmla="*/ 242316 h 484632"/>
+              <a:gd name="connsiteX6" fmla="*/ 316142 w 451412"/>
+              <a:gd name="connsiteY6" fmla="*/ 484632 h 484632"/>
+              <a:gd name="connsiteX7" fmla="*/ 316142 w 451412"/>
+              <a:gd name="connsiteY7" fmla="*/ 394197 h 484632"/>
+              <a:gd name="connsiteX8" fmla="*/ 135270 w 451412"/>
+              <a:gd name="connsiteY8" fmla="*/ 394197 h 484632"/>
+              <a:gd name="connsiteX9" fmla="*/ 135270 w 451412"/>
+              <a:gd name="connsiteY9" fmla="*/ 484632 h 484632"/>
+              <a:gd name="connsiteX10" fmla="*/ 0 w 451412"/>
+              <a:gd name="connsiteY10" fmla="*/ 242316 h 484632"/>
+              <a:gd name="connsiteX0" fmla="*/ 0 w 451412"/>
+              <a:gd name="connsiteY0" fmla="*/ 242316 h 484632"/>
+              <a:gd name="connsiteX1" fmla="*/ 135270 w 451412"/>
+              <a:gd name="connsiteY1" fmla="*/ 0 h 484632"/>
+              <a:gd name="connsiteX2" fmla="*/ 135270 w 451412"/>
+              <a:gd name="connsiteY2" fmla="*/ 90435 h 484632"/>
+              <a:gd name="connsiteX3" fmla="*/ 316142 w 451412"/>
+              <a:gd name="connsiteY3" fmla="*/ 90435 h 484632"/>
+              <a:gd name="connsiteX4" fmla="*/ 451412 w 451412"/>
+              <a:gd name="connsiteY4" fmla="*/ 242316 h 484632"/>
+              <a:gd name="connsiteX5" fmla="*/ 316142 w 451412"/>
+              <a:gd name="connsiteY5" fmla="*/ 484632 h 484632"/>
+              <a:gd name="connsiteX6" fmla="*/ 316142 w 451412"/>
+              <a:gd name="connsiteY6" fmla="*/ 394197 h 484632"/>
+              <a:gd name="connsiteX7" fmla="*/ 135270 w 451412"/>
+              <a:gd name="connsiteY7" fmla="*/ 394197 h 484632"/>
+              <a:gd name="connsiteX8" fmla="*/ 135270 w 451412"/>
+              <a:gd name="connsiteY8" fmla="*/ 484632 h 484632"/>
+              <a:gd name="connsiteX9" fmla="*/ 0 w 451412"/>
+              <a:gd name="connsiteY9" fmla="*/ 242316 h 484632"/>
+              <a:gd name="connsiteX0" fmla="*/ 0 w 316142"/>
+              <a:gd name="connsiteY0" fmla="*/ 242316 h 484632"/>
+              <a:gd name="connsiteX1" fmla="*/ 135270 w 316142"/>
+              <a:gd name="connsiteY1" fmla="*/ 0 h 484632"/>
+              <a:gd name="connsiteX2" fmla="*/ 135270 w 316142"/>
+              <a:gd name="connsiteY2" fmla="*/ 90435 h 484632"/>
+              <a:gd name="connsiteX3" fmla="*/ 316142 w 316142"/>
+              <a:gd name="connsiteY3" fmla="*/ 90435 h 484632"/>
+              <a:gd name="connsiteX4" fmla="*/ 316142 w 316142"/>
+              <a:gd name="connsiteY4" fmla="*/ 484632 h 484632"/>
+              <a:gd name="connsiteX5" fmla="*/ 316142 w 316142"/>
+              <a:gd name="connsiteY5" fmla="*/ 394197 h 484632"/>
+              <a:gd name="connsiteX6" fmla="*/ 135270 w 316142"/>
+              <a:gd name="connsiteY6" fmla="*/ 394197 h 484632"/>
+              <a:gd name="connsiteX7" fmla="*/ 135270 w 316142"/>
+              <a:gd name="connsiteY7" fmla="*/ 484632 h 484632"/>
+              <a:gd name="connsiteX8" fmla="*/ 0 w 316142"/>
+              <a:gd name="connsiteY8" fmla="*/ 242316 h 484632"/>
+              <a:gd name="connsiteX0" fmla="*/ 0 w 316142"/>
+              <a:gd name="connsiteY0" fmla="*/ 242316 h 484632"/>
+              <a:gd name="connsiteX1" fmla="*/ 135270 w 316142"/>
+              <a:gd name="connsiteY1" fmla="*/ 0 h 484632"/>
+              <a:gd name="connsiteX2" fmla="*/ 135270 w 316142"/>
+              <a:gd name="connsiteY2" fmla="*/ 90435 h 484632"/>
+              <a:gd name="connsiteX3" fmla="*/ 316142 w 316142"/>
+              <a:gd name="connsiteY3" fmla="*/ 90435 h 484632"/>
+              <a:gd name="connsiteX4" fmla="*/ 316142 w 316142"/>
+              <a:gd name="connsiteY4" fmla="*/ 394197 h 484632"/>
+              <a:gd name="connsiteX5" fmla="*/ 135270 w 316142"/>
+              <a:gd name="connsiteY5" fmla="*/ 394197 h 484632"/>
+              <a:gd name="connsiteX6" fmla="*/ 135270 w 316142"/>
+              <a:gd name="connsiteY6" fmla="*/ 484632 h 484632"/>
+              <a:gd name="connsiteX7" fmla="*/ 0 w 316142"/>
+              <a:gd name="connsiteY7" fmla="*/ 242316 h 484632"/>
+              <a:gd name="connsiteX0" fmla="*/ 0 w 316142"/>
+              <a:gd name="connsiteY0" fmla="*/ 242316 h 484632"/>
+              <a:gd name="connsiteX1" fmla="*/ 135270 w 316142"/>
+              <a:gd name="connsiteY1" fmla="*/ 0 h 484632"/>
+              <a:gd name="connsiteX2" fmla="*/ 135270 w 316142"/>
+              <a:gd name="connsiteY2" fmla="*/ 90435 h 484632"/>
+              <a:gd name="connsiteX3" fmla="*/ 316142 w 316142"/>
+              <a:gd name="connsiteY3" fmla="*/ 394197 h 484632"/>
+              <a:gd name="connsiteX4" fmla="*/ 135270 w 316142"/>
+              <a:gd name="connsiteY4" fmla="*/ 394197 h 484632"/>
+              <a:gd name="connsiteX5" fmla="*/ 135270 w 316142"/>
+              <a:gd name="connsiteY5" fmla="*/ 484632 h 484632"/>
+              <a:gd name="connsiteX6" fmla="*/ 0 w 316142"/>
+              <a:gd name="connsiteY6" fmla="*/ 242316 h 484632"/>
+              <a:gd name="connsiteX0" fmla="*/ 0 w 316142"/>
+              <a:gd name="connsiteY0" fmla="*/ 242316 h 484632"/>
+              <a:gd name="connsiteX1" fmla="*/ 135270 w 316142"/>
+              <a:gd name="connsiteY1" fmla="*/ 0 h 484632"/>
+              <a:gd name="connsiteX2" fmla="*/ 135270 w 316142"/>
+              <a:gd name="connsiteY2" fmla="*/ 90435 h 484632"/>
+              <a:gd name="connsiteX3" fmla="*/ 316142 w 316142"/>
+              <a:gd name="connsiteY3" fmla="*/ 394197 h 484632"/>
+              <a:gd name="connsiteX4" fmla="*/ 251236 w 316142"/>
+              <a:gd name="connsiteY4" fmla="*/ 392379 h 484632"/>
+              <a:gd name="connsiteX5" fmla="*/ 135270 w 316142"/>
+              <a:gd name="connsiteY5" fmla="*/ 394197 h 484632"/>
+              <a:gd name="connsiteX6" fmla="*/ 135270 w 316142"/>
+              <a:gd name="connsiteY6" fmla="*/ 484632 h 484632"/>
+              <a:gd name="connsiteX7" fmla="*/ 0 w 316142"/>
+              <a:gd name="connsiteY7" fmla="*/ 242316 h 484632"/>
+              <a:gd name="connsiteX0" fmla="*/ 0 w 543456"/>
+              <a:gd name="connsiteY0" fmla="*/ 242316 h 795783"/>
+              <a:gd name="connsiteX1" fmla="*/ 135270 w 543456"/>
+              <a:gd name="connsiteY1" fmla="*/ 0 h 795783"/>
+              <a:gd name="connsiteX2" fmla="*/ 135270 w 543456"/>
+              <a:gd name="connsiteY2" fmla="*/ 90435 h 795783"/>
+              <a:gd name="connsiteX3" fmla="*/ 316142 w 543456"/>
+              <a:gd name="connsiteY3" fmla="*/ 394197 h 795783"/>
+              <a:gd name="connsiteX4" fmla="*/ 543456 w 543456"/>
+              <a:gd name="connsiteY4" fmla="*/ 795783 h 795783"/>
+              <a:gd name="connsiteX5" fmla="*/ 135270 w 543456"/>
+              <a:gd name="connsiteY5" fmla="*/ 394197 h 795783"/>
+              <a:gd name="connsiteX6" fmla="*/ 135270 w 543456"/>
+              <a:gd name="connsiteY6" fmla="*/ 484632 h 795783"/>
+              <a:gd name="connsiteX7" fmla="*/ 0 w 543456"/>
+              <a:gd name="connsiteY7" fmla="*/ 242316 h 795783"/>
+              <a:gd name="connsiteX0" fmla="*/ 0 w 543456"/>
+              <a:gd name="connsiteY0" fmla="*/ 242316 h 795783"/>
+              <a:gd name="connsiteX1" fmla="*/ 135270 w 543456"/>
+              <a:gd name="connsiteY1" fmla="*/ 0 h 795783"/>
+              <a:gd name="connsiteX2" fmla="*/ 135270 w 543456"/>
+              <a:gd name="connsiteY2" fmla="*/ 90435 h 795783"/>
+              <a:gd name="connsiteX3" fmla="*/ 543456 w 543456"/>
+              <a:gd name="connsiteY3" fmla="*/ 795783 h 795783"/>
+              <a:gd name="connsiteX4" fmla="*/ 135270 w 543456"/>
+              <a:gd name="connsiteY4" fmla="*/ 394197 h 795783"/>
+              <a:gd name="connsiteX5" fmla="*/ 135270 w 543456"/>
+              <a:gd name="connsiteY5" fmla="*/ 484632 h 795783"/>
+              <a:gd name="connsiteX6" fmla="*/ 0 w 543456"/>
+              <a:gd name="connsiteY6" fmla="*/ 242316 h 795783"/>
+              <a:gd name="connsiteX0" fmla="*/ 0 w 551283"/>
+              <a:gd name="connsiteY0" fmla="*/ 242316 h 789003"/>
+              <a:gd name="connsiteX1" fmla="*/ 135270 w 551283"/>
+              <a:gd name="connsiteY1" fmla="*/ 0 h 789003"/>
+              <a:gd name="connsiteX2" fmla="*/ 135270 w 551283"/>
+              <a:gd name="connsiteY2" fmla="*/ 90435 h 789003"/>
+              <a:gd name="connsiteX3" fmla="*/ 551283 w 551283"/>
+              <a:gd name="connsiteY3" fmla="*/ 789003 h 789003"/>
+              <a:gd name="connsiteX4" fmla="*/ 135270 w 551283"/>
+              <a:gd name="connsiteY4" fmla="*/ 394197 h 789003"/>
+              <a:gd name="connsiteX5" fmla="*/ 135270 w 551283"/>
+              <a:gd name="connsiteY5" fmla="*/ 484632 h 789003"/>
+              <a:gd name="connsiteX6" fmla="*/ 0 w 551283"/>
+              <a:gd name="connsiteY6" fmla="*/ 242316 h 789003"/>
+              <a:gd name="connsiteX0" fmla="*/ 0 w 551283"/>
+              <a:gd name="connsiteY0" fmla="*/ 242316 h 775443"/>
+              <a:gd name="connsiteX1" fmla="*/ 135270 w 551283"/>
+              <a:gd name="connsiteY1" fmla="*/ 0 h 775443"/>
+              <a:gd name="connsiteX2" fmla="*/ 135270 w 551283"/>
+              <a:gd name="connsiteY2" fmla="*/ 90435 h 775443"/>
+              <a:gd name="connsiteX3" fmla="*/ 551283 w 551283"/>
+              <a:gd name="connsiteY3" fmla="*/ 775443 h 775443"/>
+              <a:gd name="connsiteX4" fmla="*/ 135270 w 551283"/>
+              <a:gd name="connsiteY4" fmla="*/ 394197 h 775443"/>
+              <a:gd name="connsiteX5" fmla="*/ 135270 w 551283"/>
+              <a:gd name="connsiteY5" fmla="*/ 484632 h 775443"/>
+              <a:gd name="connsiteX6" fmla="*/ 0 w 551283"/>
+              <a:gd name="connsiteY6" fmla="*/ 242316 h 775443"/>
+              <a:gd name="connsiteX0" fmla="*/ 0 w 725582"/>
+              <a:gd name="connsiteY0" fmla="*/ 242316 h 1178043"/>
+              <a:gd name="connsiteX1" fmla="*/ 135270 w 725582"/>
+              <a:gd name="connsiteY1" fmla="*/ 0 h 1178043"/>
+              <a:gd name="connsiteX2" fmla="*/ 135270 w 725582"/>
+              <a:gd name="connsiteY2" fmla="*/ 90435 h 1178043"/>
+              <a:gd name="connsiteX3" fmla="*/ 725582 w 725582"/>
+              <a:gd name="connsiteY3" fmla="*/ 1178043 h 1178043"/>
+              <a:gd name="connsiteX4" fmla="*/ 135270 w 725582"/>
+              <a:gd name="connsiteY4" fmla="*/ 394197 h 1178043"/>
+              <a:gd name="connsiteX5" fmla="*/ 135270 w 725582"/>
+              <a:gd name="connsiteY5" fmla="*/ 484632 h 1178043"/>
+              <a:gd name="connsiteX6" fmla="*/ 0 w 725582"/>
+              <a:gd name="connsiteY6" fmla="*/ 242316 h 1178043"/>
+              <a:gd name="connsiteX0" fmla="*/ 0 w 725584"/>
+              <a:gd name="connsiteY0" fmla="*/ 242316 h 1158750"/>
+              <a:gd name="connsiteX1" fmla="*/ 135270 w 725584"/>
+              <a:gd name="connsiteY1" fmla="*/ 0 h 1158750"/>
+              <a:gd name="connsiteX2" fmla="*/ 135270 w 725584"/>
+              <a:gd name="connsiteY2" fmla="*/ 90435 h 1158750"/>
+              <a:gd name="connsiteX3" fmla="*/ 725584 w 725584"/>
+              <a:gd name="connsiteY3" fmla="*/ 1158750 h 1158750"/>
+              <a:gd name="connsiteX4" fmla="*/ 135270 w 725584"/>
+              <a:gd name="connsiteY4" fmla="*/ 394197 h 1158750"/>
+              <a:gd name="connsiteX5" fmla="*/ 135270 w 725584"/>
+              <a:gd name="connsiteY5" fmla="*/ 484632 h 1158750"/>
+              <a:gd name="connsiteX6" fmla="*/ 0 w 725584"/>
+              <a:gd name="connsiteY6" fmla="*/ 242316 h 1158750"/>
+              <a:gd name="connsiteX0" fmla="*/ 0 w 725584"/>
+              <a:gd name="connsiteY0" fmla="*/ 242316 h 1149103"/>
+              <a:gd name="connsiteX1" fmla="*/ 135270 w 725584"/>
+              <a:gd name="connsiteY1" fmla="*/ 0 h 1149103"/>
+              <a:gd name="connsiteX2" fmla="*/ 135270 w 725584"/>
+              <a:gd name="connsiteY2" fmla="*/ 90435 h 1149103"/>
+              <a:gd name="connsiteX3" fmla="*/ 725584 w 725584"/>
+              <a:gd name="connsiteY3" fmla="*/ 1149103 h 1149103"/>
+              <a:gd name="connsiteX4" fmla="*/ 135270 w 725584"/>
+              <a:gd name="connsiteY4" fmla="*/ 394197 h 1149103"/>
+              <a:gd name="connsiteX5" fmla="*/ 135270 w 725584"/>
+              <a:gd name="connsiteY5" fmla="*/ 484632 h 1149103"/>
+              <a:gd name="connsiteX6" fmla="*/ 0 w 725584"/>
+              <a:gd name="connsiteY6" fmla="*/ 242316 h 1149103"/>
+            </a:gdLst>
+            <a:ahLst/>
+            <a:cxnLst>
+              <a:cxn ang="0">
+                <a:pos x="connsiteX0" y="connsiteY0"/>
+              </a:cxn>
+              <a:cxn ang="0">
+                <a:pos x="connsiteX1" y="connsiteY1"/>
+              </a:cxn>
+              <a:cxn ang="0">
+                <a:pos x="connsiteX2" y="connsiteY2"/>
+              </a:cxn>
+              <a:cxn ang="0">
+                <a:pos x="connsiteX3" y="connsiteY3"/>
+              </a:cxn>
+              <a:cxn ang="0">
+                <a:pos x="connsiteX4" y="connsiteY4"/>
+              </a:cxn>
+              <a:cxn ang="0">
+                <a:pos x="connsiteX5" y="connsiteY5"/>
+              </a:cxn>
+              <a:cxn ang="0">
+                <a:pos x="connsiteX6" y="connsiteY6"/>
+              </a:cxn>
+            </a:cxnLst>
+            <a:rect l="l" t="t" r="r" b="b"/>
+            <a:pathLst>
+              <a:path w="725584" h="1149103">
+                <a:moveTo>
+                  <a:pt x="0" y="242316"/>
+                </a:moveTo>
+                <a:lnTo>
+                  <a:pt x="135270" y="0"/>
+                </a:lnTo>
+                <a:lnTo>
+                  <a:pt x="135270" y="90435"/>
+                </a:lnTo>
+                <a:lnTo>
+                  <a:pt x="725584" y="1149103"/>
+                </a:lnTo>
+                <a:lnTo>
+                  <a:pt x="135270" y="394197"/>
+                </a:lnTo>
+                <a:lnTo>
+                  <a:pt x="135270" y="484632"/>
+                </a:lnTo>
+                <a:lnTo>
+                  <a:pt x="0" y="242316"/>
+                </a:lnTo>
+                <a:close/>
+              </a:path>
+            </a:pathLst>
+          </a:custGeom>
+        </p:spPr>
+        <p:style>
+          <a:lnRef idx="2">
+            <a:schemeClr val="accent1">
+              <a:shade val="50000"/>
+            </a:schemeClr>
+          </a:lnRef>
+          <a:fillRef idx="1">
+            <a:schemeClr val="accent1"/>
+          </a:fillRef>
+          <a:effectRef idx="0">
+            <a:schemeClr val="accent1"/>
+          </a:effectRef>
+          <a:fontRef idx="minor">
+            <a:schemeClr val="lt1"/>
+          </a:fontRef>
+        </p:style>
+        <p:txBody>
+          <a:bodyPr rtlCol="0" anchor="ctr"/>
+          <a:lstStyle/>
+          <a:p>
+            <a:pPr algn="ctr"/>
+            <a:endParaRPr lang="ru-RU"/>
+          </a:p>
+        </p:txBody>
+      </p:sp>
+      <p:sp>
+        <p:nvSpPr>
+          <p:cNvPr id="28" name="Двойная стрелка влево/вправо 5"/>
+          <p:cNvSpPr/>
+          <p:nvPr/>
+        </p:nvSpPr>
+        <p:spPr>
+          <a:xfrm rot="16200000" flipH="1">
+            <a:off x="4777664" y="5631104"/>
+            <a:ext cx="805023" cy="871529"/>
+          </a:xfrm>
+          <a:custGeom>
+            <a:avLst/>
+            <a:gdLst>
+              <a:gd name="connsiteX0" fmla="*/ 0 w 451412"/>
+              <a:gd name="connsiteY0" fmla="*/ 242316 h 484632"/>
+              <a:gd name="connsiteX1" fmla="*/ 135270 w 451412"/>
+              <a:gd name="connsiteY1" fmla="*/ 0 h 484632"/>
+              <a:gd name="connsiteX2" fmla="*/ 135270 w 451412"/>
+              <a:gd name="connsiteY2" fmla="*/ 90435 h 484632"/>
+              <a:gd name="connsiteX3" fmla="*/ 316142 w 451412"/>
+              <a:gd name="connsiteY3" fmla="*/ 90435 h 484632"/>
+              <a:gd name="connsiteX4" fmla="*/ 316142 w 451412"/>
+              <a:gd name="connsiteY4" fmla="*/ 0 h 484632"/>
+              <a:gd name="connsiteX5" fmla="*/ 451412 w 451412"/>
+              <a:gd name="connsiteY5" fmla="*/ 242316 h 484632"/>
+              <a:gd name="connsiteX6" fmla="*/ 316142 w 451412"/>
+              <a:gd name="connsiteY6" fmla="*/ 484632 h 484632"/>
+              <a:gd name="connsiteX7" fmla="*/ 316142 w 451412"/>
+              <a:gd name="connsiteY7" fmla="*/ 394197 h 484632"/>
+              <a:gd name="connsiteX8" fmla="*/ 135270 w 451412"/>
+              <a:gd name="connsiteY8" fmla="*/ 394197 h 484632"/>
+              <a:gd name="connsiteX9" fmla="*/ 135270 w 451412"/>
+              <a:gd name="connsiteY9" fmla="*/ 484632 h 484632"/>
+              <a:gd name="connsiteX10" fmla="*/ 0 w 451412"/>
+              <a:gd name="connsiteY10" fmla="*/ 242316 h 484632"/>
+              <a:gd name="connsiteX0" fmla="*/ 0 w 451412"/>
+              <a:gd name="connsiteY0" fmla="*/ 242316 h 484632"/>
+              <a:gd name="connsiteX1" fmla="*/ 135270 w 451412"/>
+              <a:gd name="connsiteY1" fmla="*/ 0 h 484632"/>
+              <a:gd name="connsiteX2" fmla="*/ 135270 w 451412"/>
+              <a:gd name="connsiteY2" fmla="*/ 90435 h 484632"/>
+              <a:gd name="connsiteX3" fmla="*/ 316142 w 451412"/>
+              <a:gd name="connsiteY3" fmla="*/ 90435 h 484632"/>
+              <a:gd name="connsiteX4" fmla="*/ 451412 w 451412"/>
+              <a:gd name="connsiteY4" fmla="*/ 242316 h 484632"/>
+              <a:gd name="connsiteX5" fmla="*/ 316142 w 451412"/>
+              <a:gd name="connsiteY5" fmla="*/ 484632 h 484632"/>
+              <a:gd name="connsiteX6" fmla="*/ 316142 w 451412"/>
+              <a:gd name="connsiteY6" fmla="*/ 394197 h 484632"/>
+              <a:gd name="connsiteX7" fmla="*/ 135270 w 451412"/>
+              <a:gd name="connsiteY7" fmla="*/ 394197 h 484632"/>
+              <a:gd name="connsiteX8" fmla="*/ 135270 w 451412"/>
+              <a:gd name="connsiteY8" fmla="*/ 484632 h 484632"/>
+              <a:gd name="connsiteX9" fmla="*/ 0 w 451412"/>
+              <a:gd name="connsiteY9" fmla="*/ 242316 h 484632"/>
+              <a:gd name="connsiteX0" fmla="*/ 0 w 316142"/>
+              <a:gd name="connsiteY0" fmla="*/ 242316 h 484632"/>
+              <a:gd name="connsiteX1" fmla="*/ 135270 w 316142"/>
+              <a:gd name="connsiteY1" fmla="*/ 0 h 484632"/>
+              <a:gd name="connsiteX2" fmla="*/ 135270 w 316142"/>
+              <a:gd name="connsiteY2" fmla="*/ 90435 h 484632"/>
+              <a:gd name="connsiteX3" fmla="*/ 316142 w 316142"/>
+              <a:gd name="connsiteY3" fmla="*/ 90435 h 484632"/>
+              <a:gd name="connsiteX4" fmla="*/ 316142 w 316142"/>
+              <a:gd name="connsiteY4" fmla="*/ 484632 h 484632"/>
+              <a:gd name="connsiteX5" fmla="*/ 316142 w 316142"/>
+              <a:gd name="connsiteY5" fmla="*/ 394197 h 484632"/>
+              <a:gd name="connsiteX6" fmla="*/ 135270 w 316142"/>
+              <a:gd name="connsiteY6" fmla="*/ 394197 h 484632"/>
+              <a:gd name="connsiteX7" fmla="*/ 135270 w 316142"/>
+              <a:gd name="connsiteY7" fmla="*/ 484632 h 484632"/>
+              <a:gd name="connsiteX8" fmla="*/ 0 w 316142"/>
+              <a:gd name="connsiteY8" fmla="*/ 242316 h 484632"/>
+              <a:gd name="connsiteX0" fmla="*/ 0 w 316142"/>
+              <a:gd name="connsiteY0" fmla="*/ 242316 h 484632"/>
+              <a:gd name="connsiteX1" fmla="*/ 135270 w 316142"/>
+              <a:gd name="connsiteY1" fmla="*/ 0 h 484632"/>
+              <a:gd name="connsiteX2" fmla="*/ 135270 w 316142"/>
+              <a:gd name="connsiteY2" fmla="*/ 90435 h 484632"/>
+              <a:gd name="connsiteX3" fmla="*/ 316142 w 316142"/>
+              <a:gd name="connsiteY3" fmla="*/ 90435 h 484632"/>
+              <a:gd name="connsiteX4" fmla="*/ 316142 w 316142"/>
+              <a:gd name="connsiteY4" fmla="*/ 394197 h 484632"/>
+              <a:gd name="connsiteX5" fmla="*/ 135270 w 316142"/>
+              <a:gd name="connsiteY5" fmla="*/ 394197 h 484632"/>
+              <a:gd name="connsiteX6" fmla="*/ 135270 w 316142"/>
+              <a:gd name="connsiteY6" fmla="*/ 484632 h 484632"/>
+              <a:gd name="connsiteX7" fmla="*/ 0 w 316142"/>
+              <a:gd name="connsiteY7" fmla="*/ 242316 h 484632"/>
+              <a:gd name="connsiteX0" fmla="*/ 0 w 316142"/>
+              <a:gd name="connsiteY0" fmla="*/ 242316 h 484632"/>
+              <a:gd name="connsiteX1" fmla="*/ 135270 w 316142"/>
+              <a:gd name="connsiteY1" fmla="*/ 0 h 484632"/>
+              <a:gd name="connsiteX2" fmla="*/ 135270 w 316142"/>
+              <a:gd name="connsiteY2" fmla="*/ 90435 h 484632"/>
+              <a:gd name="connsiteX3" fmla="*/ 316142 w 316142"/>
+              <a:gd name="connsiteY3" fmla="*/ 394197 h 484632"/>
+              <a:gd name="connsiteX4" fmla="*/ 135270 w 316142"/>
+              <a:gd name="connsiteY4" fmla="*/ 394197 h 484632"/>
+              <a:gd name="connsiteX5" fmla="*/ 135270 w 316142"/>
+              <a:gd name="connsiteY5" fmla="*/ 484632 h 484632"/>
+              <a:gd name="connsiteX6" fmla="*/ 0 w 316142"/>
+              <a:gd name="connsiteY6" fmla="*/ 242316 h 484632"/>
+              <a:gd name="connsiteX0" fmla="*/ 0 w 316142"/>
+              <a:gd name="connsiteY0" fmla="*/ 242316 h 484632"/>
+              <a:gd name="connsiteX1" fmla="*/ 135270 w 316142"/>
+              <a:gd name="connsiteY1" fmla="*/ 0 h 484632"/>
+              <a:gd name="connsiteX2" fmla="*/ 135270 w 316142"/>
+              <a:gd name="connsiteY2" fmla="*/ 90435 h 484632"/>
+              <a:gd name="connsiteX3" fmla="*/ 316142 w 316142"/>
+              <a:gd name="connsiteY3" fmla="*/ 394197 h 484632"/>
+              <a:gd name="connsiteX4" fmla="*/ 251236 w 316142"/>
+              <a:gd name="connsiteY4" fmla="*/ 392379 h 484632"/>
+              <a:gd name="connsiteX5" fmla="*/ 135270 w 316142"/>
+              <a:gd name="connsiteY5" fmla="*/ 394197 h 484632"/>
+              <a:gd name="connsiteX6" fmla="*/ 135270 w 316142"/>
+              <a:gd name="connsiteY6" fmla="*/ 484632 h 484632"/>
+              <a:gd name="connsiteX7" fmla="*/ 0 w 316142"/>
+              <a:gd name="connsiteY7" fmla="*/ 242316 h 484632"/>
+              <a:gd name="connsiteX0" fmla="*/ 0 w 543456"/>
+              <a:gd name="connsiteY0" fmla="*/ 242316 h 795783"/>
+              <a:gd name="connsiteX1" fmla="*/ 135270 w 543456"/>
+              <a:gd name="connsiteY1" fmla="*/ 0 h 795783"/>
+              <a:gd name="connsiteX2" fmla="*/ 135270 w 543456"/>
+              <a:gd name="connsiteY2" fmla="*/ 90435 h 795783"/>
+              <a:gd name="connsiteX3" fmla="*/ 316142 w 543456"/>
+              <a:gd name="connsiteY3" fmla="*/ 394197 h 795783"/>
+              <a:gd name="connsiteX4" fmla="*/ 543456 w 543456"/>
+              <a:gd name="connsiteY4" fmla="*/ 795783 h 795783"/>
+              <a:gd name="connsiteX5" fmla="*/ 135270 w 543456"/>
+              <a:gd name="connsiteY5" fmla="*/ 394197 h 795783"/>
+              <a:gd name="connsiteX6" fmla="*/ 135270 w 543456"/>
+              <a:gd name="connsiteY6" fmla="*/ 484632 h 795783"/>
+              <a:gd name="connsiteX7" fmla="*/ 0 w 543456"/>
+              <a:gd name="connsiteY7" fmla="*/ 242316 h 795783"/>
+              <a:gd name="connsiteX0" fmla="*/ 0 w 543456"/>
+              <a:gd name="connsiteY0" fmla="*/ 242316 h 795783"/>
+              <a:gd name="connsiteX1" fmla="*/ 135270 w 543456"/>
+              <a:gd name="connsiteY1" fmla="*/ 0 h 795783"/>
+              <a:gd name="connsiteX2" fmla="*/ 135270 w 543456"/>
+              <a:gd name="connsiteY2" fmla="*/ 90435 h 795783"/>
+              <a:gd name="connsiteX3" fmla="*/ 543456 w 543456"/>
+              <a:gd name="connsiteY3" fmla="*/ 795783 h 795783"/>
+              <a:gd name="connsiteX4" fmla="*/ 135270 w 543456"/>
+              <a:gd name="connsiteY4" fmla="*/ 394197 h 795783"/>
+              <a:gd name="connsiteX5" fmla="*/ 135270 w 543456"/>
+              <a:gd name="connsiteY5" fmla="*/ 484632 h 795783"/>
+              <a:gd name="connsiteX6" fmla="*/ 0 w 543456"/>
+              <a:gd name="connsiteY6" fmla="*/ 242316 h 795783"/>
+              <a:gd name="connsiteX0" fmla="*/ 0 w 551283"/>
+              <a:gd name="connsiteY0" fmla="*/ 242316 h 789003"/>
+              <a:gd name="connsiteX1" fmla="*/ 135270 w 551283"/>
+              <a:gd name="connsiteY1" fmla="*/ 0 h 789003"/>
+              <a:gd name="connsiteX2" fmla="*/ 135270 w 551283"/>
+              <a:gd name="connsiteY2" fmla="*/ 90435 h 789003"/>
+              <a:gd name="connsiteX3" fmla="*/ 551283 w 551283"/>
+              <a:gd name="connsiteY3" fmla="*/ 789003 h 789003"/>
+              <a:gd name="connsiteX4" fmla="*/ 135270 w 551283"/>
+              <a:gd name="connsiteY4" fmla="*/ 394197 h 789003"/>
+              <a:gd name="connsiteX5" fmla="*/ 135270 w 551283"/>
+              <a:gd name="connsiteY5" fmla="*/ 484632 h 789003"/>
+              <a:gd name="connsiteX6" fmla="*/ 0 w 551283"/>
+              <a:gd name="connsiteY6" fmla="*/ 242316 h 789003"/>
+              <a:gd name="connsiteX0" fmla="*/ 0 w 551283"/>
+              <a:gd name="connsiteY0" fmla="*/ 242316 h 775443"/>
+              <a:gd name="connsiteX1" fmla="*/ 135270 w 551283"/>
+              <a:gd name="connsiteY1" fmla="*/ 0 h 775443"/>
+              <a:gd name="connsiteX2" fmla="*/ 135270 w 551283"/>
+              <a:gd name="connsiteY2" fmla="*/ 90435 h 775443"/>
+              <a:gd name="connsiteX3" fmla="*/ 551283 w 551283"/>
+              <a:gd name="connsiteY3" fmla="*/ 775443 h 775443"/>
+              <a:gd name="connsiteX4" fmla="*/ 135270 w 551283"/>
+              <a:gd name="connsiteY4" fmla="*/ 394197 h 775443"/>
+              <a:gd name="connsiteX5" fmla="*/ 135270 w 551283"/>
+              <a:gd name="connsiteY5" fmla="*/ 484632 h 775443"/>
+              <a:gd name="connsiteX6" fmla="*/ 0 w 551283"/>
+              <a:gd name="connsiteY6" fmla="*/ 242316 h 775443"/>
+            </a:gdLst>
+            <a:ahLst/>
+            <a:cxnLst>
+              <a:cxn ang="0">
+                <a:pos x="connsiteX0" y="connsiteY0"/>
+              </a:cxn>
+              <a:cxn ang="0">
+                <a:pos x="connsiteX1" y="connsiteY1"/>
+              </a:cxn>
+              <a:cxn ang="0">
+                <a:pos x="connsiteX2" y="connsiteY2"/>
+              </a:cxn>
+              <a:cxn ang="0">
+                <a:pos x="connsiteX3" y="connsiteY3"/>
+              </a:cxn>
+              <a:cxn ang="0">
+                <a:pos x="connsiteX4" y="connsiteY4"/>
+              </a:cxn>
+              <a:cxn ang="0">
+                <a:pos x="connsiteX5" y="connsiteY5"/>
+              </a:cxn>
+              <a:cxn ang="0">
+                <a:pos x="connsiteX6" y="connsiteY6"/>
+              </a:cxn>
+            </a:cxnLst>
+            <a:rect l="l" t="t" r="r" b="b"/>
+            <a:pathLst>
+              <a:path w="551283" h="775443">
+                <a:moveTo>
+                  <a:pt x="0" y="242316"/>
+                </a:moveTo>
+                <a:lnTo>
+                  <a:pt x="135270" y="0"/>
+                </a:lnTo>
+                <a:lnTo>
+                  <a:pt x="135270" y="90435"/>
+                </a:lnTo>
+                <a:lnTo>
+                  <a:pt x="551283" y="775443"/>
+                </a:lnTo>
+                <a:lnTo>
+                  <a:pt x="135270" y="394197"/>
+                </a:lnTo>
+                <a:lnTo>
+                  <a:pt x="135270" y="484632"/>
+                </a:lnTo>
+                <a:lnTo>
+                  <a:pt x="0" y="242316"/>
+                </a:lnTo>
+                <a:close/>
+              </a:path>
+            </a:pathLst>
+          </a:custGeom>
+        </p:spPr>
+        <p:style>
+          <a:lnRef idx="2">
+            <a:schemeClr val="accent1">
+              <a:shade val="50000"/>
+            </a:schemeClr>
+          </a:lnRef>
+          <a:fillRef idx="1">
+            <a:schemeClr val="accent1"/>
+          </a:fillRef>
+          <a:effectRef idx="0">
+            <a:schemeClr val="accent1"/>
+          </a:effectRef>
+          <a:fontRef idx="minor">
+            <a:schemeClr val="lt1"/>
+          </a:fontRef>
+        </p:style>
+        <p:txBody>
+          <a:bodyPr rtlCol="0" anchor="ctr"/>
+          <a:lstStyle/>
+          <a:p>
+            <a:pPr algn="ctr"/>
+            <a:endParaRPr lang="ru-RU"/>
+          </a:p>
+        </p:txBody>
+      </p:sp>
+      <p:sp>
+        <p:nvSpPr>
+          <p:cNvPr id="32" name="Двойная стрелка влево/вправо 5"/>
+          <p:cNvSpPr/>
+          <p:nvPr/>
+        </p:nvSpPr>
+        <p:spPr>
+          <a:xfrm flipV="1">
+            <a:off x="6576060" y="5662020"/>
+            <a:ext cx="805023" cy="871529"/>
+          </a:xfrm>
+          <a:custGeom>
+            <a:avLst/>
+            <a:gdLst>
+              <a:gd name="connsiteX0" fmla="*/ 0 w 451412"/>
+              <a:gd name="connsiteY0" fmla="*/ 242316 h 484632"/>
+              <a:gd name="connsiteX1" fmla="*/ 135270 w 451412"/>
+              <a:gd name="connsiteY1" fmla="*/ 0 h 484632"/>
+              <a:gd name="connsiteX2" fmla="*/ 135270 w 451412"/>
+              <a:gd name="connsiteY2" fmla="*/ 90435 h 484632"/>
+              <a:gd name="connsiteX3" fmla="*/ 316142 w 451412"/>
+              <a:gd name="connsiteY3" fmla="*/ 90435 h 484632"/>
+              <a:gd name="connsiteX4" fmla="*/ 316142 w 451412"/>
+              <a:gd name="connsiteY4" fmla="*/ 0 h 484632"/>
+              <a:gd name="connsiteX5" fmla="*/ 451412 w 451412"/>
+              <a:gd name="connsiteY5" fmla="*/ 242316 h 484632"/>
+              <a:gd name="connsiteX6" fmla="*/ 316142 w 451412"/>
+              <a:gd name="connsiteY6" fmla="*/ 484632 h 484632"/>
+              <a:gd name="connsiteX7" fmla="*/ 316142 w 451412"/>
+              <a:gd name="connsiteY7" fmla="*/ 394197 h 484632"/>
+              <a:gd name="connsiteX8" fmla="*/ 135270 w 451412"/>
+              <a:gd name="connsiteY8" fmla="*/ 394197 h 484632"/>
+              <a:gd name="connsiteX9" fmla="*/ 135270 w 451412"/>
+              <a:gd name="connsiteY9" fmla="*/ 484632 h 484632"/>
+              <a:gd name="connsiteX10" fmla="*/ 0 w 451412"/>
+              <a:gd name="connsiteY10" fmla="*/ 242316 h 484632"/>
+              <a:gd name="connsiteX0" fmla="*/ 0 w 451412"/>
+              <a:gd name="connsiteY0" fmla="*/ 242316 h 484632"/>
+              <a:gd name="connsiteX1" fmla="*/ 135270 w 451412"/>
+              <a:gd name="connsiteY1" fmla="*/ 0 h 484632"/>
+              <a:gd name="connsiteX2" fmla="*/ 135270 w 451412"/>
+              <a:gd name="connsiteY2" fmla="*/ 90435 h 484632"/>
+              <a:gd name="connsiteX3" fmla="*/ 316142 w 451412"/>
+              <a:gd name="connsiteY3" fmla="*/ 90435 h 484632"/>
+              <a:gd name="connsiteX4" fmla="*/ 451412 w 451412"/>
+              <a:gd name="connsiteY4" fmla="*/ 242316 h 484632"/>
+              <a:gd name="connsiteX5" fmla="*/ 316142 w 451412"/>
+              <a:gd name="connsiteY5" fmla="*/ 484632 h 484632"/>
+              <a:gd name="connsiteX6" fmla="*/ 316142 w 451412"/>
+              <a:gd name="connsiteY6" fmla="*/ 394197 h 484632"/>
+              <a:gd name="connsiteX7" fmla="*/ 135270 w 451412"/>
+              <a:gd name="connsiteY7" fmla="*/ 394197 h 484632"/>
+              <a:gd name="connsiteX8" fmla="*/ 135270 w 451412"/>
+              <a:gd name="connsiteY8" fmla="*/ 484632 h 484632"/>
+              <a:gd name="connsiteX9" fmla="*/ 0 w 451412"/>
+              <a:gd name="connsiteY9" fmla="*/ 242316 h 484632"/>
+              <a:gd name="connsiteX0" fmla="*/ 0 w 316142"/>
+              <a:gd name="connsiteY0" fmla="*/ 242316 h 484632"/>
+              <a:gd name="connsiteX1" fmla="*/ 135270 w 316142"/>
+              <a:gd name="connsiteY1" fmla="*/ 0 h 484632"/>
+              <a:gd name="connsiteX2" fmla="*/ 135270 w 316142"/>
+              <a:gd name="connsiteY2" fmla="*/ 90435 h 484632"/>
+              <a:gd name="connsiteX3" fmla="*/ 316142 w 316142"/>
+              <a:gd name="connsiteY3" fmla="*/ 90435 h 484632"/>
+              <a:gd name="connsiteX4" fmla="*/ 316142 w 316142"/>
+              <a:gd name="connsiteY4" fmla="*/ 484632 h 484632"/>
+              <a:gd name="connsiteX5" fmla="*/ 316142 w 316142"/>
+              <a:gd name="connsiteY5" fmla="*/ 394197 h 484632"/>
+              <a:gd name="connsiteX6" fmla="*/ 135270 w 316142"/>
+              <a:gd name="connsiteY6" fmla="*/ 394197 h 484632"/>
+              <a:gd name="connsiteX7" fmla="*/ 135270 w 316142"/>
+              <a:gd name="connsiteY7" fmla="*/ 484632 h 484632"/>
+              <a:gd name="connsiteX8" fmla="*/ 0 w 316142"/>
+              <a:gd name="connsiteY8" fmla="*/ 242316 h 484632"/>
+              <a:gd name="connsiteX0" fmla="*/ 0 w 316142"/>
+              <a:gd name="connsiteY0" fmla="*/ 242316 h 484632"/>
+              <a:gd name="connsiteX1" fmla="*/ 135270 w 316142"/>
+              <a:gd name="connsiteY1" fmla="*/ 0 h 484632"/>
+              <a:gd name="connsiteX2" fmla="*/ 135270 w 316142"/>
+              <a:gd name="connsiteY2" fmla="*/ 90435 h 484632"/>
+              <a:gd name="connsiteX3" fmla="*/ 316142 w 316142"/>
+              <a:gd name="connsiteY3" fmla="*/ 90435 h 484632"/>
+              <a:gd name="connsiteX4" fmla="*/ 316142 w 316142"/>
+              <a:gd name="connsiteY4" fmla="*/ 394197 h 484632"/>
+              <a:gd name="connsiteX5" fmla="*/ 135270 w 316142"/>
+              <a:gd name="connsiteY5" fmla="*/ 394197 h 484632"/>
+              <a:gd name="connsiteX6" fmla="*/ 135270 w 316142"/>
+              <a:gd name="connsiteY6" fmla="*/ 484632 h 484632"/>
+              <a:gd name="connsiteX7" fmla="*/ 0 w 316142"/>
+              <a:gd name="connsiteY7" fmla="*/ 242316 h 484632"/>
+              <a:gd name="connsiteX0" fmla="*/ 0 w 316142"/>
+              <a:gd name="connsiteY0" fmla="*/ 242316 h 484632"/>
+              <a:gd name="connsiteX1" fmla="*/ 135270 w 316142"/>
+              <a:gd name="connsiteY1" fmla="*/ 0 h 484632"/>
+              <a:gd name="connsiteX2" fmla="*/ 135270 w 316142"/>
+              <a:gd name="connsiteY2" fmla="*/ 90435 h 484632"/>
+              <a:gd name="connsiteX3" fmla="*/ 316142 w 316142"/>
+              <a:gd name="connsiteY3" fmla="*/ 394197 h 484632"/>
+              <a:gd name="connsiteX4" fmla="*/ 135270 w 316142"/>
+              <a:gd name="connsiteY4" fmla="*/ 394197 h 484632"/>
+              <a:gd name="connsiteX5" fmla="*/ 135270 w 316142"/>
+              <a:gd name="connsiteY5" fmla="*/ 484632 h 484632"/>
+              <a:gd name="connsiteX6" fmla="*/ 0 w 316142"/>
+              <a:gd name="connsiteY6" fmla="*/ 242316 h 484632"/>
+              <a:gd name="connsiteX0" fmla="*/ 0 w 316142"/>
+              <a:gd name="connsiteY0" fmla="*/ 242316 h 484632"/>
+              <a:gd name="connsiteX1" fmla="*/ 135270 w 316142"/>
+              <a:gd name="connsiteY1" fmla="*/ 0 h 484632"/>
+              <a:gd name="connsiteX2" fmla="*/ 135270 w 316142"/>
+              <a:gd name="connsiteY2" fmla="*/ 90435 h 484632"/>
+              <a:gd name="connsiteX3" fmla="*/ 316142 w 316142"/>
+              <a:gd name="connsiteY3" fmla="*/ 394197 h 484632"/>
+              <a:gd name="connsiteX4" fmla="*/ 251236 w 316142"/>
+              <a:gd name="connsiteY4" fmla="*/ 392379 h 484632"/>
+              <a:gd name="connsiteX5" fmla="*/ 135270 w 316142"/>
+              <a:gd name="connsiteY5" fmla="*/ 394197 h 484632"/>
+              <a:gd name="connsiteX6" fmla="*/ 135270 w 316142"/>
+              <a:gd name="connsiteY6" fmla="*/ 484632 h 484632"/>
+              <a:gd name="connsiteX7" fmla="*/ 0 w 316142"/>
+              <a:gd name="connsiteY7" fmla="*/ 242316 h 484632"/>
+              <a:gd name="connsiteX0" fmla="*/ 0 w 543456"/>
+              <a:gd name="connsiteY0" fmla="*/ 242316 h 795783"/>
+              <a:gd name="connsiteX1" fmla="*/ 135270 w 543456"/>
+              <a:gd name="connsiteY1" fmla="*/ 0 h 795783"/>
+              <a:gd name="connsiteX2" fmla="*/ 135270 w 543456"/>
+              <a:gd name="connsiteY2" fmla="*/ 90435 h 795783"/>
+              <a:gd name="connsiteX3" fmla="*/ 316142 w 543456"/>
+              <a:gd name="connsiteY3" fmla="*/ 394197 h 795783"/>
+              <a:gd name="connsiteX4" fmla="*/ 543456 w 543456"/>
+              <a:gd name="connsiteY4" fmla="*/ 795783 h 795783"/>
+              <a:gd name="connsiteX5" fmla="*/ 135270 w 543456"/>
+              <a:gd name="connsiteY5" fmla="*/ 394197 h 795783"/>
+              <a:gd name="connsiteX6" fmla="*/ 135270 w 543456"/>
+              <a:gd name="connsiteY6" fmla="*/ 484632 h 795783"/>
+              <a:gd name="connsiteX7" fmla="*/ 0 w 543456"/>
+              <a:gd name="connsiteY7" fmla="*/ 242316 h 795783"/>
+              <a:gd name="connsiteX0" fmla="*/ 0 w 543456"/>
+              <a:gd name="connsiteY0" fmla="*/ 242316 h 795783"/>
+              <a:gd name="connsiteX1" fmla="*/ 135270 w 543456"/>
+              <a:gd name="connsiteY1" fmla="*/ 0 h 795783"/>
+              <a:gd name="connsiteX2" fmla="*/ 135270 w 543456"/>
+              <a:gd name="connsiteY2" fmla="*/ 90435 h 795783"/>
+              <a:gd name="connsiteX3" fmla="*/ 543456 w 543456"/>
+              <a:gd name="connsiteY3" fmla="*/ 795783 h 795783"/>
+              <a:gd name="connsiteX4" fmla="*/ 135270 w 543456"/>
+              <a:gd name="connsiteY4" fmla="*/ 394197 h 795783"/>
+              <a:gd name="connsiteX5" fmla="*/ 135270 w 543456"/>
+              <a:gd name="connsiteY5" fmla="*/ 484632 h 795783"/>
+              <a:gd name="connsiteX6" fmla="*/ 0 w 543456"/>
+              <a:gd name="connsiteY6" fmla="*/ 242316 h 795783"/>
+              <a:gd name="connsiteX0" fmla="*/ 0 w 551283"/>
+              <a:gd name="connsiteY0" fmla="*/ 242316 h 789003"/>
+              <a:gd name="connsiteX1" fmla="*/ 135270 w 551283"/>
+              <a:gd name="connsiteY1" fmla="*/ 0 h 789003"/>
+              <a:gd name="connsiteX2" fmla="*/ 135270 w 551283"/>
+              <a:gd name="connsiteY2" fmla="*/ 90435 h 789003"/>
+              <a:gd name="connsiteX3" fmla="*/ 551283 w 551283"/>
+              <a:gd name="connsiteY3" fmla="*/ 789003 h 789003"/>
+              <a:gd name="connsiteX4" fmla="*/ 135270 w 551283"/>
+              <a:gd name="connsiteY4" fmla="*/ 394197 h 789003"/>
+              <a:gd name="connsiteX5" fmla="*/ 135270 w 551283"/>
+              <a:gd name="connsiteY5" fmla="*/ 484632 h 789003"/>
+              <a:gd name="connsiteX6" fmla="*/ 0 w 551283"/>
+              <a:gd name="connsiteY6" fmla="*/ 242316 h 789003"/>
+              <a:gd name="connsiteX0" fmla="*/ 0 w 551283"/>
+              <a:gd name="connsiteY0" fmla="*/ 242316 h 775443"/>
+              <a:gd name="connsiteX1" fmla="*/ 135270 w 551283"/>
+              <a:gd name="connsiteY1" fmla="*/ 0 h 775443"/>
+              <a:gd name="connsiteX2" fmla="*/ 135270 w 551283"/>
+              <a:gd name="connsiteY2" fmla="*/ 90435 h 775443"/>
+              <a:gd name="connsiteX3" fmla="*/ 551283 w 551283"/>
+              <a:gd name="connsiteY3" fmla="*/ 775443 h 775443"/>
+              <a:gd name="connsiteX4" fmla="*/ 135270 w 551283"/>
+              <a:gd name="connsiteY4" fmla="*/ 394197 h 775443"/>
+              <a:gd name="connsiteX5" fmla="*/ 135270 w 551283"/>
+              <a:gd name="connsiteY5" fmla="*/ 484632 h 775443"/>
+              <a:gd name="connsiteX6" fmla="*/ 0 w 551283"/>
+              <a:gd name="connsiteY6" fmla="*/ 242316 h 775443"/>
+            </a:gdLst>
+            <a:ahLst/>
+            <a:cxnLst>
+              <a:cxn ang="0">
+                <a:pos x="connsiteX0" y="connsiteY0"/>
+              </a:cxn>
+              <a:cxn ang="0">
+                <a:pos x="connsiteX1" y="connsiteY1"/>
+              </a:cxn>
+              <a:cxn ang="0">
+                <a:pos x="connsiteX2" y="connsiteY2"/>
+              </a:cxn>
+              <a:cxn ang="0">
+                <a:pos x="connsiteX3" y="connsiteY3"/>
+              </a:cxn>
+              <a:cxn ang="0">
+                <a:pos x="connsiteX4" y="connsiteY4"/>
+              </a:cxn>
+              <a:cxn ang="0">
+                <a:pos x="connsiteX5" y="connsiteY5"/>
+              </a:cxn>
+              <a:cxn ang="0">
+                <a:pos x="connsiteX6" y="connsiteY6"/>
+              </a:cxn>
+            </a:cxnLst>
+            <a:rect l="l" t="t" r="r" b="b"/>
+            <a:pathLst>
+              <a:path w="551283" h="775443">
+                <a:moveTo>
+                  <a:pt x="0" y="242316"/>
+                </a:moveTo>
+                <a:lnTo>
+                  <a:pt x="135270" y="0"/>
+                </a:lnTo>
+                <a:lnTo>
+                  <a:pt x="135270" y="90435"/>
+                </a:lnTo>
+                <a:lnTo>
+                  <a:pt x="551283" y="775443"/>
+                </a:lnTo>
+                <a:lnTo>
+                  <a:pt x="135270" y="394197"/>
+                </a:lnTo>
+                <a:lnTo>
+                  <a:pt x="135270" y="484632"/>
+                </a:lnTo>
+                <a:lnTo>
+                  <a:pt x="0" y="242316"/>
+                </a:lnTo>
+                <a:close/>
+              </a:path>
+            </a:pathLst>
+          </a:custGeom>
+        </p:spPr>
+        <p:style>
+          <a:lnRef idx="2">
+            <a:schemeClr val="accent2">
+              <a:shade val="50000"/>
+            </a:schemeClr>
+          </a:lnRef>
+          <a:fillRef idx="1">
+            <a:schemeClr val="accent2"/>
+          </a:fillRef>
+          <a:effectRef idx="0">
+            <a:schemeClr val="accent2"/>
+          </a:effectRef>
+          <a:fontRef idx="minor">
+            <a:schemeClr val="lt1"/>
+          </a:fontRef>
+        </p:style>
+        <p:txBody>
+          <a:bodyPr rtlCol="0" anchor="ctr"/>
+          <a:lstStyle/>
+          <a:p>
+            <a:pPr algn="ctr"/>
+            <a:endParaRPr lang="ru-RU"/>
+          </a:p>
+        </p:txBody>
+      </p:sp>
       <p:grpSp>
         <p:nvGrpSpPr>
-          <p:cNvPr id="53" name="Группа 52"/>
+          <p:cNvPr id="33" name="Группа 32"/>
           <p:cNvGrpSpPr/>
           <p:nvPr/>
         </p:nvGrpSpPr>
         <p:grpSpPr>
           <a:xfrm>
-            <a:off x="2469824" y="1635207"/>
-            <a:ext cx="7236092" cy="4916419"/>
+            <a:off x="5423839" y="5958723"/>
+            <a:ext cx="1344319" cy="754164"/>
+            <a:chOff x="3713801" y="5263909"/>
+            <a:chExt cx="2435860" cy="1366519"/>
+          </a:xfrm>
+        </p:grpSpPr>
+        <p:pic>
+          <p:nvPicPr>
+            <p:cNvPr id="34" name="Picture 2" descr="Иконка «Пользователь» — скачай бесплатно PNG и векторе"/>
+            <p:cNvPicPr>
+              <a:picLocks noChangeAspect="1" noChangeArrowheads="1"/>
+            </p:cNvPicPr>
+            <p:nvPr/>
+          </p:nvPicPr>
+          <p:blipFill>
+            <a:blip r:embed="rId2" cstate="print">
+              <a:extLst>
+                <a:ext uri="{28A0092B-C50C-407E-A947-70E740481C1C}">
+                  <a14:useLocalDpi xmlns:a14="http://schemas.microsoft.com/office/drawing/2010/main" val="0"/>
+                </a:ext>
+              </a:extLst>
+            </a:blip>
+            <a:srcRect/>
+            <a:stretch>
+              <a:fillRect/>
+            </a:stretch>
+          </p:blipFill>
+          <p:spPr bwMode="auto">
+            <a:xfrm>
+              <a:off x="4931731" y="5397258"/>
+              <a:ext cx="1217930" cy="1217930"/>
+            </a:xfrm>
+            <a:prstGeom prst="rect">
+              <a:avLst/>
+            </a:prstGeom>
+            <a:noFill/>
+            <a:extLst>
+              <a:ext uri="{909E8E84-426E-40DD-AFC4-6F175D3DCCD1}">
+                <a14:hiddenFill xmlns:a14="http://schemas.microsoft.com/office/drawing/2010/main">
+                  <a:solidFill>
+                    <a:srgbClr val="FFFFFF"/>
+                  </a:solidFill>
+                </a14:hiddenFill>
+              </a:ext>
+            </a:extLst>
+          </p:spPr>
+        </p:pic>
+        <p:pic>
+          <p:nvPicPr>
+            <p:cNvPr id="35" name="Picture 2" descr="Иконка «Пользователь» — скачай бесплатно PNG и векторе"/>
+            <p:cNvPicPr>
+              <a:picLocks noChangeAspect="1" noChangeArrowheads="1"/>
+            </p:cNvPicPr>
+            <p:nvPr/>
+          </p:nvPicPr>
+          <p:blipFill>
+            <a:blip r:embed="rId3" cstate="print">
+              <a:extLst>
+                <a:ext uri="{28A0092B-C50C-407E-A947-70E740481C1C}">
+                  <a14:useLocalDpi xmlns:a14="http://schemas.microsoft.com/office/drawing/2010/main" val="0"/>
+                </a:ext>
+              </a:extLst>
+            </a:blip>
+            <a:srcRect/>
+            <a:stretch>
+              <a:fillRect/>
+            </a:stretch>
+          </p:blipFill>
+          <p:spPr bwMode="auto">
+            <a:xfrm>
+              <a:off x="4248471" y="5263909"/>
+              <a:ext cx="1366519" cy="1366519"/>
+            </a:xfrm>
+            <a:prstGeom prst="rect">
+              <a:avLst/>
+            </a:prstGeom>
+            <a:noFill/>
+            <a:extLst>
+              <a:ext uri="{909E8E84-426E-40DD-AFC4-6F175D3DCCD1}">
+                <a14:hiddenFill xmlns:a14="http://schemas.microsoft.com/office/drawing/2010/main">
+                  <a:solidFill>
+                    <a:srgbClr val="FFFFFF"/>
+                  </a:solidFill>
+                </a14:hiddenFill>
+              </a:ext>
+            </a:extLst>
+          </p:spPr>
+        </p:pic>
+        <p:pic>
+          <p:nvPicPr>
+            <p:cNvPr id="37" name="Picture 2" descr="Иконка «Пользователь» — скачай бесплатно PNG и векторе"/>
+            <p:cNvPicPr>
+              <a:picLocks noChangeAspect="1" noChangeArrowheads="1"/>
+            </p:cNvPicPr>
+            <p:nvPr/>
+          </p:nvPicPr>
+          <p:blipFill>
+            <a:blip r:embed="rId2" cstate="print">
+              <a:extLst>
+                <a:ext uri="{28A0092B-C50C-407E-A947-70E740481C1C}">
+                  <a14:useLocalDpi xmlns:a14="http://schemas.microsoft.com/office/drawing/2010/main" val="0"/>
+                </a:ext>
+              </a:extLst>
+            </a:blip>
+            <a:srcRect/>
+            <a:stretch>
+              <a:fillRect/>
+            </a:stretch>
+          </p:blipFill>
+          <p:spPr bwMode="auto">
+            <a:xfrm>
+              <a:off x="3713801" y="5397258"/>
+              <a:ext cx="1217930" cy="1217930"/>
+            </a:xfrm>
+            <a:prstGeom prst="rect">
+              <a:avLst/>
+            </a:prstGeom>
+            <a:noFill/>
+            <a:extLst>
+              <a:ext uri="{909E8E84-426E-40DD-AFC4-6F175D3DCCD1}">
+                <a14:hiddenFill xmlns:a14="http://schemas.microsoft.com/office/drawing/2010/main">
+                  <a:solidFill>
+                    <a:srgbClr val="FFFFFF"/>
+                  </a:solidFill>
+                </a14:hiddenFill>
+              </a:ext>
+            </a:extLst>
+          </p:spPr>
+        </p:pic>
+      </p:grpSp>
+      <p:sp>
+        <p:nvSpPr>
+          <p:cNvPr id="38" name="Двойная стрелка влево/вправо 5"/>
+          <p:cNvSpPr/>
+          <p:nvPr/>
+        </p:nvSpPr>
+        <p:spPr>
+          <a:xfrm rot="5400000" flipH="1" flipV="1">
+            <a:off x="10387768" y="272725"/>
+            <a:ext cx="805023" cy="946945"/>
+          </a:xfrm>
+          <a:custGeom>
+            <a:avLst/>
+            <a:gdLst>
+              <a:gd name="connsiteX0" fmla="*/ 0 w 451412"/>
+              <a:gd name="connsiteY0" fmla="*/ 242316 h 484632"/>
+              <a:gd name="connsiteX1" fmla="*/ 135270 w 451412"/>
+              <a:gd name="connsiteY1" fmla="*/ 0 h 484632"/>
+              <a:gd name="connsiteX2" fmla="*/ 135270 w 451412"/>
+              <a:gd name="connsiteY2" fmla="*/ 90435 h 484632"/>
+              <a:gd name="connsiteX3" fmla="*/ 316142 w 451412"/>
+              <a:gd name="connsiteY3" fmla="*/ 90435 h 484632"/>
+              <a:gd name="connsiteX4" fmla="*/ 316142 w 451412"/>
+              <a:gd name="connsiteY4" fmla="*/ 0 h 484632"/>
+              <a:gd name="connsiteX5" fmla="*/ 451412 w 451412"/>
+              <a:gd name="connsiteY5" fmla="*/ 242316 h 484632"/>
+              <a:gd name="connsiteX6" fmla="*/ 316142 w 451412"/>
+              <a:gd name="connsiteY6" fmla="*/ 484632 h 484632"/>
+              <a:gd name="connsiteX7" fmla="*/ 316142 w 451412"/>
+              <a:gd name="connsiteY7" fmla="*/ 394197 h 484632"/>
+              <a:gd name="connsiteX8" fmla="*/ 135270 w 451412"/>
+              <a:gd name="connsiteY8" fmla="*/ 394197 h 484632"/>
+              <a:gd name="connsiteX9" fmla="*/ 135270 w 451412"/>
+              <a:gd name="connsiteY9" fmla="*/ 484632 h 484632"/>
+              <a:gd name="connsiteX10" fmla="*/ 0 w 451412"/>
+              <a:gd name="connsiteY10" fmla="*/ 242316 h 484632"/>
+              <a:gd name="connsiteX0" fmla="*/ 0 w 451412"/>
+              <a:gd name="connsiteY0" fmla="*/ 242316 h 484632"/>
+              <a:gd name="connsiteX1" fmla="*/ 135270 w 451412"/>
+              <a:gd name="connsiteY1" fmla="*/ 0 h 484632"/>
+              <a:gd name="connsiteX2" fmla="*/ 135270 w 451412"/>
+              <a:gd name="connsiteY2" fmla="*/ 90435 h 484632"/>
+              <a:gd name="connsiteX3" fmla="*/ 316142 w 451412"/>
+              <a:gd name="connsiteY3" fmla="*/ 90435 h 484632"/>
+              <a:gd name="connsiteX4" fmla="*/ 451412 w 451412"/>
+              <a:gd name="connsiteY4" fmla="*/ 242316 h 484632"/>
+              <a:gd name="connsiteX5" fmla="*/ 316142 w 451412"/>
+              <a:gd name="connsiteY5" fmla="*/ 484632 h 484632"/>
+              <a:gd name="connsiteX6" fmla="*/ 316142 w 451412"/>
+              <a:gd name="connsiteY6" fmla="*/ 394197 h 484632"/>
+              <a:gd name="connsiteX7" fmla="*/ 135270 w 451412"/>
+              <a:gd name="connsiteY7" fmla="*/ 394197 h 484632"/>
+              <a:gd name="connsiteX8" fmla="*/ 135270 w 451412"/>
+              <a:gd name="connsiteY8" fmla="*/ 484632 h 484632"/>
+              <a:gd name="connsiteX9" fmla="*/ 0 w 451412"/>
+              <a:gd name="connsiteY9" fmla="*/ 242316 h 484632"/>
+              <a:gd name="connsiteX0" fmla="*/ 0 w 316142"/>
+              <a:gd name="connsiteY0" fmla="*/ 242316 h 484632"/>
+              <a:gd name="connsiteX1" fmla="*/ 135270 w 316142"/>
+              <a:gd name="connsiteY1" fmla="*/ 0 h 484632"/>
+              <a:gd name="connsiteX2" fmla="*/ 135270 w 316142"/>
+              <a:gd name="connsiteY2" fmla="*/ 90435 h 484632"/>
+              <a:gd name="connsiteX3" fmla="*/ 316142 w 316142"/>
+              <a:gd name="connsiteY3" fmla="*/ 90435 h 484632"/>
+              <a:gd name="connsiteX4" fmla="*/ 316142 w 316142"/>
+              <a:gd name="connsiteY4" fmla="*/ 484632 h 484632"/>
+              <a:gd name="connsiteX5" fmla="*/ 316142 w 316142"/>
+              <a:gd name="connsiteY5" fmla="*/ 394197 h 484632"/>
+              <a:gd name="connsiteX6" fmla="*/ 135270 w 316142"/>
+              <a:gd name="connsiteY6" fmla="*/ 394197 h 484632"/>
+              <a:gd name="connsiteX7" fmla="*/ 135270 w 316142"/>
+              <a:gd name="connsiteY7" fmla="*/ 484632 h 484632"/>
+              <a:gd name="connsiteX8" fmla="*/ 0 w 316142"/>
+              <a:gd name="connsiteY8" fmla="*/ 242316 h 484632"/>
+              <a:gd name="connsiteX0" fmla="*/ 0 w 316142"/>
+              <a:gd name="connsiteY0" fmla="*/ 242316 h 484632"/>
+              <a:gd name="connsiteX1" fmla="*/ 135270 w 316142"/>
+              <a:gd name="connsiteY1" fmla="*/ 0 h 484632"/>
+              <a:gd name="connsiteX2" fmla="*/ 135270 w 316142"/>
+              <a:gd name="connsiteY2" fmla="*/ 90435 h 484632"/>
+              <a:gd name="connsiteX3" fmla="*/ 316142 w 316142"/>
+              <a:gd name="connsiteY3" fmla="*/ 90435 h 484632"/>
+              <a:gd name="connsiteX4" fmla="*/ 316142 w 316142"/>
+              <a:gd name="connsiteY4" fmla="*/ 394197 h 484632"/>
+              <a:gd name="connsiteX5" fmla="*/ 135270 w 316142"/>
+              <a:gd name="connsiteY5" fmla="*/ 394197 h 484632"/>
+              <a:gd name="connsiteX6" fmla="*/ 135270 w 316142"/>
+              <a:gd name="connsiteY6" fmla="*/ 484632 h 484632"/>
+              <a:gd name="connsiteX7" fmla="*/ 0 w 316142"/>
+              <a:gd name="connsiteY7" fmla="*/ 242316 h 484632"/>
+              <a:gd name="connsiteX0" fmla="*/ 0 w 316142"/>
+              <a:gd name="connsiteY0" fmla="*/ 242316 h 484632"/>
+              <a:gd name="connsiteX1" fmla="*/ 135270 w 316142"/>
+              <a:gd name="connsiteY1" fmla="*/ 0 h 484632"/>
+              <a:gd name="connsiteX2" fmla="*/ 135270 w 316142"/>
+              <a:gd name="connsiteY2" fmla="*/ 90435 h 484632"/>
+              <a:gd name="connsiteX3" fmla="*/ 316142 w 316142"/>
+              <a:gd name="connsiteY3" fmla="*/ 394197 h 484632"/>
+              <a:gd name="connsiteX4" fmla="*/ 135270 w 316142"/>
+              <a:gd name="connsiteY4" fmla="*/ 394197 h 484632"/>
+              <a:gd name="connsiteX5" fmla="*/ 135270 w 316142"/>
+              <a:gd name="connsiteY5" fmla="*/ 484632 h 484632"/>
+              <a:gd name="connsiteX6" fmla="*/ 0 w 316142"/>
+              <a:gd name="connsiteY6" fmla="*/ 242316 h 484632"/>
+              <a:gd name="connsiteX0" fmla="*/ 0 w 316142"/>
+              <a:gd name="connsiteY0" fmla="*/ 242316 h 484632"/>
+              <a:gd name="connsiteX1" fmla="*/ 135270 w 316142"/>
+              <a:gd name="connsiteY1" fmla="*/ 0 h 484632"/>
+              <a:gd name="connsiteX2" fmla="*/ 135270 w 316142"/>
+              <a:gd name="connsiteY2" fmla="*/ 90435 h 484632"/>
+              <a:gd name="connsiteX3" fmla="*/ 316142 w 316142"/>
+              <a:gd name="connsiteY3" fmla="*/ 394197 h 484632"/>
+              <a:gd name="connsiteX4" fmla="*/ 251236 w 316142"/>
+              <a:gd name="connsiteY4" fmla="*/ 392379 h 484632"/>
+              <a:gd name="connsiteX5" fmla="*/ 135270 w 316142"/>
+              <a:gd name="connsiteY5" fmla="*/ 394197 h 484632"/>
+              <a:gd name="connsiteX6" fmla="*/ 135270 w 316142"/>
+              <a:gd name="connsiteY6" fmla="*/ 484632 h 484632"/>
+              <a:gd name="connsiteX7" fmla="*/ 0 w 316142"/>
+              <a:gd name="connsiteY7" fmla="*/ 242316 h 484632"/>
+              <a:gd name="connsiteX0" fmla="*/ 0 w 543456"/>
+              <a:gd name="connsiteY0" fmla="*/ 242316 h 795783"/>
+              <a:gd name="connsiteX1" fmla="*/ 135270 w 543456"/>
+              <a:gd name="connsiteY1" fmla="*/ 0 h 795783"/>
+              <a:gd name="connsiteX2" fmla="*/ 135270 w 543456"/>
+              <a:gd name="connsiteY2" fmla="*/ 90435 h 795783"/>
+              <a:gd name="connsiteX3" fmla="*/ 316142 w 543456"/>
+              <a:gd name="connsiteY3" fmla="*/ 394197 h 795783"/>
+              <a:gd name="connsiteX4" fmla="*/ 543456 w 543456"/>
+              <a:gd name="connsiteY4" fmla="*/ 795783 h 795783"/>
+              <a:gd name="connsiteX5" fmla="*/ 135270 w 543456"/>
+              <a:gd name="connsiteY5" fmla="*/ 394197 h 795783"/>
+              <a:gd name="connsiteX6" fmla="*/ 135270 w 543456"/>
+              <a:gd name="connsiteY6" fmla="*/ 484632 h 795783"/>
+              <a:gd name="connsiteX7" fmla="*/ 0 w 543456"/>
+              <a:gd name="connsiteY7" fmla="*/ 242316 h 795783"/>
+              <a:gd name="connsiteX0" fmla="*/ 0 w 543456"/>
+              <a:gd name="connsiteY0" fmla="*/ 242316 h 795783"/>
+              <a:gd name="connsiteX1" fmla="*/ 135270 w 543456"/>
+              <a:gd name="connsiteY1" fmla="*/ 0 h 795783"/>
+              <a:gd name="connsiteX2" fmla="*/ 135270 w 543456"/>
+              <a:gd name="connsiteY2" fmla="*/ 90435 h 795783"/>
+              <a:gd name="connsiteX3" fmla="*/ 543456 w 543456"/>
+              <a:gd name="connsiteY3" fmla="*/ 795783 h 795783"/>
+              <a:gd name="connsiteX4" fmla="*/ 135270 w 543456"/>
+              <a:gd name="connsiteY4" fmla="*/ 394197 h 795783"/>
+              <a:gd name="connsiteX5" fmla="*/ 135270 w 543456"/>
+              <a:gd name="connsiteY5" fmla="*/ 484632 h 795783"/>
+              <a:gd name="connsiteX6" fmla="*/ 0 w 543456"/>
+              <a:gd name="connsiteY6" fmla="*/ 242316 h 795783"/>
+              <a:gd name="connsiteX0" fmla="*/ 0 w 551283"/>
+              <a:gd name="connsiteY0" fmla="*/ 242316 h 789003"/>
+              <a:gd name="connsiteX1" fmla="*/ 135270 w 551283"/>
+              <a:gd name="connsiteY1" fmla="*/ 0 h 789003"/>
+              <a:gd name="connsiteX2" fmla="*/ 135270 w 551283"/>
+              <a:gd name="connsiteY2" fmla="*/ 90435 h 789003"/>
+              <a:gd name="connsiteX3" fmla="*/ 551283 w 551283"/>
+              <a:gd name="connsiteY3" fmla="*/ 789003 h 789003"/>
+              <a:gd name="connsiteX4" fmla="*/ 135270 w 551283"/>
+              <a:gd name="connsiteY4" fmla="*/ 394197 h 789003"/>
+              <a:gd name="connsiteX5" fmla="*/ 135270 w 551283"/>
+              <a:gd name="connsiteY5" fmla="*/ 484632 h 789003"/>
+              <a:gd name="connsiteX6" fmla="*/ 0 w 551283"/>
+              <a:gd name="connsiteY6" fmla="*/ 242316 h 789003"/>
+              <a:gd name="connsiteX0" fmla="*/ 0 w 551283"/>
+              <a:gd name="connsiteY0" fmla="*/ 242316 h 775443"/>
+              <a:gd name="connsiteX1" fmla="*/ 135270 w 551283"/>
+              <a:gd name="connsiteY1" fmla="*/ 0 h 775443"/>
+              <a:gd name="connsiteX2" fmla="*/ 135270 w 551283"/>
+              <a:gd name="connsiteY2" fmla="*/ 90435 h 775443"/>
+              <a:gd name="connsiteX3" fmla="*/ 551283 w 551283"/>
+              <a:gd name="connsiteY3" fmla="*/ 775443 h 775443"/>
+              <a:gd name="connsiteX4" fmla="*/ 135270 w 551283"/>
+              <a:gd name="connsiteY4" fmla="*/ 394197 h 775443"/>
+              <a:gd name="connsiteX5" fmla="*/ 135270 w 551283"/>
+              <a:gd name="connsiteY5" fmla="*/ 484632 h 775443"/>
+              <a:gd name="connsiteX6" fmla="*/ 0 w 551283"/>
+              <a:gd name="connsiteY6" fmla="*/ 242316 h 775443"/>
+              <a:gd name="connsiteX0" fmla="*/ 0 w 551283"/>
+              <a:gd name="connsiteY0" fmla="*/ 242316 h 842544"/>
+              <a:gd name="connsiteX1" fmla="*/ 135270 w 551283"/>
+              <a:gd name="connsiteY1" fmla="*/ 0 h 842544"/>
+              <a:gd name="connsiteX2" fmla="*/ 135270 w 551283"/>
+              <a:gd name="connsiteY2" fmla="*/ 90435 h 842544"/>
+              <a:gd name="connsiteX3" fmla="*/ 551283 w 551283"/>
+              <a:gd name="connsiteY3" fmla="*/ 842544 h 842544"/>
+              <a:gd name="connsiteX4" fmla="*/ 135270 w 551283"/>
+              <a:gd name="connsiteY4" fmla="*/ 394197 h 842544"/>
+              <a:gd name="connsiteX5" fmla="*/ 135270 w 551283"/>
+              <a:gd name="connsiteY5" fmla="*/ 484632 h 842544"/>
+              <a:gd name="connsiteX6" fmla="*/ 0 w 551283"/>
+              <a:gd name="connsiteY6" fmla="*/ 242316 h 842544"/>
+            </a:gdLst>
+            <a:ahLst/>
+            <a:cxnLst>
+              <a:cxn ang="0">
+                <a:pos x="connsiteX0" y="connsiteY0"/>
+              </a:cxn>
+              <a:cxn ang="0">
+                <a:pos x="connsiteX1" y="connsiteY1"/>
+              </a:cxn>
+              <a:cxn ang="0">
+                <a:pos x="connsiteX2" y="connsiteY2"/>
+              </a:cxn>
+              <a:cxn ang="0">
+                <a:pos x="connsiteX3" y="connsiteY3"/>
+              </a:cxn>
+              <a:cxn ang="0">
+                <a:pos x="connsiteX4" y="connsiteY4"/>
+              </a:cxn>
+              <a:cxn ang="0">
+                <a:pos x="connsiteX5" y="connsiteY5"/>
+              </a:cxn>
+              <a:cxn ang="0">
+                <a:pos x="connsiteX6" y="connsiteY6"/>
+              </a:cxn>
+            </a:cxnLst>
+            <a:rect l="l" t="t" r="r" b="b"/>
+            <a:pathLst>
+              <a:path w="551283" h="842544">
+                <a:moveTo>
+                  <a:pt x="0" y="242316"/>
+                </a:moveTo>
+                <a:lnTo>
+                  <a:pt x="135270" y="0"/>
+                </a:lnTo>
+                <a:lnTo>
+                  <a:pt x="135270" y="90435"/>
+                </a:lnTo>
+                <a:lnTo>
+                  <a:pt x="551283" y="842544"/>
+                </a:lnTo>
+                <a:lnTo>
+                  <a:pt x="135270" y="394197"/>
+                </a:lnTo>
+                <a:lnTo>
+                  <a:pt x="135270" y="484632"/>
+                </a:lnTo>
+                <a:lnTo>
+                  <a:pt x="0" y="242316"/>
+                </a:lnTo>
+                <a:close/>
+              </a:path>
+            </a:pathLst>
+          </a:custGeom>
+        </p:spPr>
+        <p:style>
+          <a:lnRef idx="2">
+            <a:schemeClr val="accent2">
+              <a:shade val="50000"/>
+            </a:schemeClr>
+          </a:lnRef>
+          <a:fillRef idx="1">
+            <a:schemeClr val="accent2"/>
+          </a:fillRef>
+          <a:effectRef idx="0">
+            <a:schemeClr val="accent2"/>
+          </a:effectRef>
+          <a:fontRef idx="minor">
+            <a:schemeClr val="lt1"/>
+          </a:fontRef>
+        </p:style>
+        <p:txBody>
+          <a:bodyPr rtlCol="0" anchor="ctr"/>
+          <a:lstStyle/>
+          <a:p>
+            <a:pPr algn="ctr"/>
+            <a:endParaRPr lang="ru-RU"/>
+          </a:p>
+        </p:txBody>
+      </p:sp>
+      <p:sp>
+        <p:nvSpPr>
+          <p:cNvPr id="40" name="Прямоугольник 39"/>
+          <p:cNvSpPr/>
+          <p:nvPr/>
+        </p:nvSpPr>
+        <p:spPr>
+          <a:xfrm rot="16200000">
+            <a:off x="-936589" y="3167461"/>
+            <a:ext cx="4480883" cy="464400"/>
+          </a:xfrm>
+          <a:prstGeom prst="rect">
+            <a:avLst/>
+          </a:prstGeom>
+        </p:spPr>
+        <p:style>
+          <a:lnRef idx="2">
+            <a:schemeClr val="accent1">
+              <a:shade val="50000"/>
+            </a:schemeClr>
+          </a:lnRef>
+          <a:fillRef idx="1">
+            <a:schemeClr val="accent1"/>
+          </a:fillRef>
+          <a:effectRef idx="0">
+            <a:schemeClr val="accent1"/>
+          </a:effectRef>
+          <a:fontRef idx="minor">
+            <a:schemeClr val="lt1"/>
+          </a:fontRef>
+        </p:style>
+        <p:txBody>
+          <a:bodyPr rtlCol="0" anchor="ctr"/>
+          <a:lstStyle/>
+          <a:p>
+            <a:pPr algn="ctr"/>
+            <a:r>
+              <a:rPr lang="en-US" sz="2800" dirty="0" smtClean="0"/>
+              <a:t>MAIN</a:t>
+            </a:r>
+            <a:r>
+              <a:rPr lang="ru-RU" sz="2800" dirty="0" smtClean="0"/>
+              <a:t> </a:t>
+            </a:r>
+            <a:r>
+              <a:rPr lang="en-US" sz="2800" dirty="0" smtClean="0"/>
+              <a:t>service</a:t>
+            </a:r>
+            <a:endParaRPr lang="ru-RU" sz="2800" dirty="0"/>
+          </a:p>
+        </p:txBody>
+      </p:sp>
+      <p:sp>
+        <p:nvSpPr>
+          <p:cNvPr id="29" name="TextBox 28"/>
+          <p:cNvSpPr txBox="1"/>
+          <p:nvPr/>
+        </p:nvSpPr>
+        <p:spPr>
+          <a:xfrm>
+            <a:off x="3043402" y="1366768"/>
+            <a:ext cx="2821029" cy="369332"/>
+          </a:xfrm>
+          <a:prstGeom prst="rect">
+            <a:avLst/>
+          </a:prstGeom>
+          <a:noFill/>
+        </p:spPr>
+        <p:txBody>
+          <a:bodyPr wrap="none" rtlCol="0">
+            <a:spAutoFit/>
+          </a:bodyPr>
+          <a:lstStyle/>
+          <a:p>
+            <a:pPr algn="ctr"/>
+            <a:r>
+              <a:rPr lang="ru-RU" b="1" dirty="0" smtClean="0"/>
+              <a:t>Уточняющая информация</a:t>
+            </a:r>
+            <a:endParaRPr lang="ru-RU" b="1" dirty="0"/>
+          </a:p>
+        </p:txBody>
+      </p:sp>
+      <p:sp>
+        <p:nvSpPr>
+          <p:cNvPr id="41" name="TextBox 40"/>
+          <p:cNvSpPr txBox="1"/>
+          <p:nvPr/>
+        </p:nvSpPr>
+        <p:spPr>
+          <a:xfrm>
+            <a:off x="1942211" y="1846588"/>
+            <a:ext cx="5023415" cy="1477328"/>
+          </a:xfrm>
+          <a:prstGeom prst="rect">
+            <a:avLst/>
+          </a:prstGeom>
+          <a:noFill/>
+        </p:spPr>
+        <p:txBody>
+          <a:bodyPr wrap="square" rtlCol="0">
+            <a:spAutoFit/>
+          </a:bodyPr>
+          <a:lstStyle/>
+          <a:p>
+            <a:pPr algn="ctr"/>
+            <a:r>
+              <a:rPr lang="ru-RU" dirty="0" smtClean="0"/>
+              <a:t>Позволяет однозначно идентифицировать пользователя.</a:t>
+            </a:r>
+          </a:p>
+          <a:p>
+            <a:pPr marL="285750" indent="-285750">
+              <a:buFont typeface="Arial" panose="020B0604020202020204" pitchFamily="34" charset="0"/>
+              <a:buChar char="•"/>
+            </a:pPr>
+            <a:r>
+              <a:rPr lang="ru-RU" dirty="0" smtClean="0"/>
+              <a:t>Номер </a:t>
+            </a:r>
+            <a:r>
+              <a:rPr lang="ru-RU" dirty="0" smtClean="0"/>
+              <a:t>паспорта: </a:t>
+            </a:r>
+            <a:r>
+              <a:rPr lang="en-US" dirty="0" err="1" smtClean="0"/>
+              <a:t>passportNumber</a:t>
+            </a:r>
+            <a:endParaRPr lang="en-US" dirty="0" smtClean="0"/>
+          </a:p>
+          <a:p>
+            <a:pPr marL="285750" indent="-285750">
+              <a:buFont typeface="Arial" panose="020B0604020202020204" pitchFamily="34" charset="0"/>
+              <a:buChar char="•"/>
+            </a:pPr>
+            <a:r>
+              <a:rPr lang="ru-RU" dirty="0" smtClean="0"/>
+              <a:t>Номер водительского удостоверения: </a:t>
+            </a:r>
+            <a:r>
+              <a:rPr lang="en-US" dirty="0" err="1" smtClean="0"/>
+              <a:t>driverID</a:t>
+            </a:r>
+            <a:endParaRPr lang="en-US" dirty="0" smtClean="0"/>
+          </a:p>
+          <a:p>
+            <a:pPr marL="285750" indent="-285750">
+              <a:buFont typeface="Arial" panose="020B0604020202020204" pitchFamily="34" charset="0"/>
+              <a:buChar char="•"/>
+            </a:pPr>
+            <a:r>
+              <a:rPr lang="ru-RU" dirty="0" smtClean="0"/>
+              <a:t>Идентификатор налогоплательщика: </a:t>
+            </a:r>
+            <a:r>
+              <a:rPr lang="en-US" dirty="0" err="1" smtClean="0"/>
+              <a:t>taxID</a:t>
+            </a:r>
+            <a:endParaRPr lang="ru-RU" dirty="0" smtClean="0"/>
+          </a:p>
+        </p:txBody>
+      </p:sp>
+      <p:sp>
+        <p:nvSpPr>
+          <p:cNvPr id="42" name="TextBox 41"/>
+          <p:cNvSpPr txBox="1"/>
+          <p:nvPr/>
+        </p:nvSpPr>
+        <p:spPr>
+          <a:xfrm>
+            <a:off x="7242152" y="1358887"/>
+            <a:ext cx="3170831" cy="369331"/>
+          </a:xfrm>
+          <a:prstGeom prst="rect">
+            <a:avLst/>
+          </a:prstGeom>
+          <a:noFill/>
+        </p:spPr>
+        <p:txBody>
+          <a:bodyPr wrap="square" rtlCol="0">
+            <a:spAutoFit/>
+          </a:bodyPr>
+          <a:lstStyle/>
+          <a:p>
+            <a:pPr algn="ctr"/>
+            <a:r>
+              <a:rPr lang="ru-RU" b="1" dirty="0" smtClean="0"/>
+              <a:t>Контрольное значение</a:t>
+            </a:r>
+            <a:endParaRPr lang="ru-RU" b="1" dirty="0"/>
+          </a:p>
+        </p:txBody>
+      </p:sp>
+      <p:sp>
+        <p:nvSpPr>
+          <p:cNvPr id="43" name="TextBox 42"/>
+          <p:cNvSpPr txBox="1"/>
+          <p:nvPr/>
+        </p:nvSpPr>
+        <p:spPr>
+          <a:xfrm>
+            <a:off x="7242152" y="1669165"/>
+            <a:ext cx="3170831" cy="2000548"/>
+          </a:xfrm>
+          <a:prstGeom prst="rect">
+            <a:avLst/>
+          </a:prstGeom>
+          <a:noFill/>
+        </p:spPr>
+        <p:txBody>
+          <a:bodyPr wrap="square" rtlCol="0">
+            <a:spAutoFit/>
+          </a:bodyPr>
+          <a:lstStyle/>
+          <a:p>
+            <a:pPr algn="ctr"/>
+            <a:r>
+              <a:rPr lang="en-US" sz="2400" dirty="0" smtClean="0"/>
+              <a:t>SHA-256</a:t>
+            </a:r>
+            <a:r>
+              <a:rPr lang="ru-RU" dirty="0" smtClean="0"/>
+              <a:t/>
+            </a:r>
+            <a:br>
+              <a:rPr lang="ru-RU" dirty="0" smtClean="0"/>
+            </a:br>
+            <a:r>
+              <a:rPr lang="en-US" dirty="0" smtClean="0"/>
+              <a:t>+</a:t>
+            </a:r>
+            <a:r>
+              <a:rPr lang="ru-RU" dirty="0" smtClean="0"/>
+              <a:t/>
+            </a:r>
+            <a:br>
+              <a:rPr lang="ru-RU" dirty="0" smtClean="0"/>
+            </a:br>
+            <a:r>
+              <a:rPr lang="ru-RU" sz="2400" dirty="0" smtClean="0"/>
+              <a:t>секретное значение</a:t>
+            </a:r>
+          </a:p>
+          <a:p>
+            <a:pPr algn="ctr"/>
+            <a:r>
+              <a:rPr lang="ru-RU" sz="1600" dirty="0" smtClean="0"/>
+              <a:t>(знает отправитель и получатель)</a:t>
+            </a:r>
+            <a:r>
+              <a:rPr lang="ru-RU" dirty="0" smtClean="0"/>
+              <a:t/>
+            </a:r>
+            <a:br>
+              <a:rPr lang="ru-RU" dirty="0" smtClean="0"/>
+            </a:br>
+            <a:r>
+              <a:rPr lang="ru-RU" dirty="0" smtClean="0"/>
+              <a:t>+</a:t>
+            </a:r>
+            <a:br>
+              <a:rPr lang="ru-RU" dirty="0" smtClean="0"/>
+            </a:br>
+            <a:r>
+              <a:rPr lang="ru-RU" sz="2400" dirty="0" smtClean="0"/>
+              <a:t>текущая дата</a:t>
+            </a:r>
+          </a:p>
+        </p:txBody>
+      </p:sp>
+      <p:sp>
+        <p:nvSpPr>
+          <p:cNvPr id="44" name="TextBox 43"/>
+          <p:cNvSpPr txBox="1"/>
+          <p:nvPr/>
+        </p:nvSpPr>
+        <p:spPr>
+          <a:xfrm>
+            <a:off x="3360551" y="3605815"/>
+            <a:ext cx="902811" cy="523220"/>
+          </a:xfrm>
+          <a:prstGeom prst="rect">
+            <a:avLst/>
+          </a:prstGeom>
+          <a:noFill/>
+        </p:spPr>
+        <p:txBody>
+          <a:bodyPr wrap="none" rtlCol="0">
+            <a:spAutoFit/>
+          </a:bodyPr>
+          <a:lstStyle/>
+          <a:p>
+            <a:r>
+              <a:rPr lang="ru-RU" sz="2800" dirty="0" smtClean="0"/>
+              <a:t>ФИО</a:t>
+            </a:r>
+            <a:endParaRPr lang="ru-RU" sz="2800" dirty="0"/>
+          </a:p>
+        </p:txBody>
+      </p:sp>
+      <p:sp>
+        <p:nvSpPr>
+          <p:cNvPr id="46" name="TextBox 45"/>
+          <p:cNvSpPr txBox="1"/>
+          <p:nvPr/>
+        </p:nvSpPr>
+        <p:spPr>
+          <a:xfrm>
+            <a:off x="3360551" y="3624669"/>
+            <a:ext cx="902811" cy="523220"/>
+          </a:xfrm>
+          <a:prstGeom prst="rect">
+            <a:avLst/>
+          </a:prstGeom>
+          <a:noFill/>
+        </p:spPr>
+        <p:txBody>
+          <a:bodyPr wrap="none" rtlCol="0">
+            <a:spAutoFit/>
+          </a:bodyPr>
+          <a:lstStyle/>
+          <a:p>
+            <a:r>
+              <a:rPr lang="ru-RU" sz="2800" dirty="0" smtClean="0">
+                <a:solidFill>
+                  <a:schemeClr val="accent1"/>
+                </a:solidFill>
+              </a:rPr>
+              <a:t>ФИО</a:t>
+            </a:r>
+            <a:endParaRPr lang="ru-RU" sz="2800" dirty="0">
+              <a:solidFill>
+                <a:schemeClr val="accent1"/>
+              </a:solidFill>
+            </a:endParaRPr>
+          </a:p>
+        </p:txBody>
+      </p:sp>
+      <p:sp>
+        <p:nvSpPr>
+          <p:cNvPr id="47" name="TextBox 46"/>
+          <p:cNvSpPr txBox="1"/>
+          <p:nvPr/>
+        </p:nvSpPr>
+        <p:spPr>
+          <a:xfrm>
+            <a:off x="3360551" y="4625862"/>
+            <a:ext cx="902811" cy="523220"/>
+          </a:xfrm>
+          <a:prstGeom prst="rect">
+            <a:avLst/>
+          </a:prstGeom>
+          <a:noFill/>
+        </p:spPr>
+        <p:txBody>
+          <a:bodyPr wrap="none" rtlCol="0">
+            <a:spAutoFit/>
+          </a:bodyPr>
+          <a:lstStyle/>
+          <a:p>
+            <a:r>
+              <a:rPr lang="ru-RU" sz="2800" dirty="0" smtClean="0"/>
+              <a:t>ФИО</a:t>
+            </a:r>
+            <a:endParaRPr lang="ru-RU" sz="2800" dirty="0"/>
+          </a:p>
+        </p:txBody>
+      </p:sp>
+      <p:sp>
+        <p:nvSpPr>
+          <p:cNvPr id="48" name="TextBox 47"/>
+          <p:cNvSpPr txBox="1"/>
+          <p:nvPr/>
+        </p:nvSpPr>
+        <p:spPr>
+          <a:xfrm>
+            <a:off x="3360551" y="4610081"/>
+            <a:ext cx="902811" cy="523220"/>
+          </a:xfrm>
+          <a:prstGeom prst="rect">
+            <a:avLst/>
+          </a:prstGeom>
+          <a:noFill/>
+        </p:spPr>
+        <p:txBody>
+          <a:bodyPr wrap="none" rtlCol="0">
+            <a:spAutoFit/>
+          </a:bodyPr>
+          <a:lstStyle/>
+          <a:p>
+            <a:r>
+              <a:rPr lang="ru-RU" sz="2800" dirty="0" smtClean="0">
+                <a:solidFill>
+                  <a:schemeClr val="accent1"/>
+                </a:solidFill>
+              </a:rPr>
+              <a:t>ФИО</a:t>
+            </a:r>
+            <a:endParaRPr lang="ru-RU" sz="2800" dirty="0">
+              <a:solidFill>
+                <a:schemeClr val="accent1"/>
+              </a:solidFill>
+            </a:endParaRPr>
+          </a:p>
+        </p:txBody>
+      </p:sp>
+      <p:sp>
+        <p:nvSpPr>
+          <p:cNvPr id="5" name="Равно 4"/>
+          <p:cNvSpPr/>
+          <p:nvPr/>
+        </p:nvSpPr>
+        <p:spPr>
+          <a:xfrm rot="5400000">
+            <a:off x="3472421" y="4138780"/>
+            <a:ext cx="679069" cy="509301"/>
+          </a:xfrm>
+          <a:prstGeom prst="mathEqual">
+            <a:avLst>
+              <a:gd name="adj1" fmla="val 15245"/>
+              <a:gd name="adj2" fmla="val 11760"/>
+            </a:avLst>
+          </a:prstGeom>
+        </p:spPr>
+        <p:style>
+          <a:lnRef idx="2">
+            <a:schemeClr val="accent1">
+              <a:shade val="50000"/>
+            </a:schemeClr>
+          </a:lnRef>
+          <a:fillRef idx="1">
+            <a:schemeClr val="accent1"/>
+          </a:fillRef>
+          <a:effectRef idx="0">
+            <a:schemeClr val="accent1"/>
+          </a:effectRef>
+          <a:fontRef idx="minor">
+            <a:schemeClr val="lt1"/>
+          </a:fontRef>
+        </p:style>
+        <p:txBody>
+          <a:bodyPr rtlCol="0" anchor="ctr"/>
+          <a:lstStyle/>
+          <a:p>
+            <a:pPr algn="ctr"/>
+            <a:endParaRPr lang="ru-RU">
+              <a:solidFill>
+                <a:schemeClr val="tx1"/>
+              </a:solidFill>
+            </a:endParaRPr>
+          </a:p>
+        </p:txBody>
+      </p:sp>
+      <p:sp>
+        <p:nvSpPr>
+          <p:cNvPr id="49" name="TextBox 48"/>
+          <p:cNvSpPr txBox="1"/>
+          <p:nvPr/>
+        </p:nvSpPr>
+        <p:spPr>
+          <a:xfrm>
+            <a:off x="4924747" y="4637286"/>
+            <a:ext cx="864339" cy="523220"/>
+          </a:xfrm>
+          <a:prstGeom prst="rect">
+            <a:avLst/>
+          </a:prstGeom>
+          <a:noFill/>
+        </p:spPr>
+        <p:txBody>
+          <a:bodyPr wrap="none" rtlCol="0">
+            <a:spAutoFit/>
+          </a:bodyPr>
+          <a:lstStyle/>
+          <a:p>
+            <a:r>
+              <a:rPr lang="ru-RU" sz="2800" dirty="0" smtClean="0"/>
+              <a:t>ИНН</a:t>
+            </a:r>
+            <a:endParaRPr lang="ru-RU" sz="2800" dirty="0"/>
+          </a:p>
+        </p:txBody>
+      </p:sp>
+      <p:sp>
+        <p:nvSpPr>
+          <p:cNvPr id="50" name="TextBox 49"/>
+          <p:cNvSpPr txBox="1"/>
+          <p:nvPr/>
+        </p:nvSpPr>
+        <p:spPr>
+          <a:xfrm>
+            <a:off x="4924747" y="4610610"/>
+            <a:ext cx="864339" cy="523220"/>
+          </a:xfrm>
+          <a:prstGeom prst="rect">
+            <a:avLst/>
+          </a:prstGeom>
+          <a:noFill/>
+        </p:spPr>
+        <p:txBody>
+          <a:bodyPr wrap="none" rtlCol="0">
+            <a:spAutoFit/>
+          </a:bodyPr>
+          <a:lstStyle/>
+          <a:p>
+            <a:r>
+              <a:rPr lang="ru-RU" sz="2800" dirty="0" smtClean="0">
+                <a:solidFill>
+                  <a:schemeClr val="accent1"/>
+                </a:solidFill>
+              </a:rPr>
+              <a:t>ИНН</a:t>
+            </a:r>
+            <a:endParaRPr lang="ru-RU" sz="2800" dirty="0">
+              <a:solidFill>
+                <a:schemeClr val="accent1"/>
+              </a:solidFill>
+            </a:endParaRPr>
+          </a:p>
+        </p:txBody>
+      </p:sp>
+      <p:sp>
+        <p:nvSpPr>
+          <p:cNvPr id="51" name="TextBox 50"/>
+          <p:cNvSpPr txBox="1"/>
+          <p:nvPr/>
+        </p:nvSpPr>
+        <p:spPr>
+          <a:xfrm>
+            <a:off x="4906564" y="3584001"/>
+            <a:ext cx="864339" cy="523220"/>
+          </a:xfrm>
+          <a:prstGeom prst="rect">
+            <a:avLst/>
+          </a:prstGeom>
+          <a:noFill/>
+        </p:spPr>
+        <p:txBody>
+          <a:bodyPr wrap="none" rtlCol="0">
+            <a:spAutoFit/>
+          </a:bodyPr>
+          <a:lstStyle/>
+          <a:p>
+            <a:r>
+              <a:rPr lang="ru-RU" sz="2800" dirty="0" smtClean="0"/>
+              <a:t>ИНН</a:t>
+            </a:r>
+            <a:endParaRPr lang="ru-RU" sz="2800" dirty="0"/>
+          </a:p>
+        </p:txBody>
+      </p:sp>
+      <p:sp>
+        <p:nvSpPr>
+          <p:cNvPr id="52" name="TextBox 51"/>
+          <p:cNvSpPr txBox="1"/>
+          <p:nvPr/>
+        </p:nvSpPr>
+        <p:spPr>
+          <a:xfrm>
+            <a:off x="4906564" y="3605815"/>
+            <a:ext cx="864339" cy="523220"/>
+          </a:xfrm>
+          <a:prstGeom prst="rect">
+            <a:avLst/>
+          </a:prstGeom>
+          <a:noFill/>
+        </p:spPr>
+        <p:txBody>
+          <a:bodyPr wrap="none" rtlCol="0">
+            <a:spAutoFit/>
+          </a:bodyPr>
+          <a:lstStyle/>
+          <a:p>
+            <a:r>
+              <a:rPr lang="ru-RU" sz="2800" dirty="0" smtClean="0">
+                <a:solidFill>
+                  <a:schemeClr val="accent1"/>
+                </a:solidFill>
+              </a:rPr>
+              <a:t>ИНН</a:t>
+            </a:r>
+            <a:endParaRPr lang="ru-RU" sz="2800" dirty="0">
+              <a:solidFill>
+                <a:schemeClr val="accent1"/>
+              </a:solidFill>
+            </a:endParaRPr>
+          </a:p>
+        </p:txBody>
+      </p:sp>
+      <p:sp>
+        <p:nvSpPr>
+          <p:cNvPr id="6" name="Не равно 5"/>
+          <p:cNvSpPr/>
+          <p:nvPr/>
+        </p:nvSpPr>
+        <p:spPr>
+          <a:xfrm rot="5400000">
+            <a:off x="5016682" y="4053896"/>
+            <a:ext cx="644101" cy="644101"/>
+          </a:xfrm>
+          <a:prstGeom prst="mathNotEqual">
+            <a:avLst>
+              <a:gd name="adj1" fmla="val 11830"/>
+              <a:gd name="adj2" fmla="val 6600000"/>
+              <a:gd name="adj3" fmla="val 11760"/>
+            </a:avLst>
+          </a:prstGeom>
+        </p:spPr>
+        <p:style>
+          <a:lnRef idx="2">
+            <a:schemeClr val="accent2">
+              <a:shade val="50000"/>
+            </a:schemeClr>
+          </a:lnRef>
+          <a:fillRef idx="1">
+            <a:schemeClr val="accent2"/>
+          </a:fillRef>
+          <a:effectRef idx="0">
+            <a:schemeClr val="accent2"/>
+          </a:effectRef>
+          <a:fontRef idx="minor">
+            <a:schemeClr val="lt1"/>
+          </a:fontRef>
+        </p:style>
+        <p:txBody>
+          <a:bodyPr rtlCol="0" anchor="ctr"/>
+          <a:lstStyle/>
+          <a:p>
+            <a:pPr algn="ctr"/>
+            <a:endParaRPr lang="ru-RU">
+              <a:solidFill>
+                <a:schemeClr val="tx1"/>
+              </a:solidFill>
+            </a:endParaRPr>
+          </a:p>
+        </p:txBody>
+      </p:sp>
+      <p:pic>
+        <p:nvPicPr>
+          <p:cNvPr id="53" name="Picture 2" descr="Иконка «Пользователь» — скачай бесплатно PNG и векторе"/>
+          <p:cNvPicPr>
+            <a:picLocks noChangeAspect="1" noChangeArrowheads="1"/>
+          </p:cNvPicPr>
+          <p:nvPr/>
+        </p:nvPicPr>
+        <p:blipFill>
+          <a:blip r:embed="rId2" cstate="print">
+            <a:extLst>
+              <a:ext uri="{28A0092B-C50C-407E-A947-70E740481C1C}">
+                <a14:useLocalDpi xmlns:a14="http://schemas.microsoft.com/office/drawing/2010/main" val="0"/>
+              </a:ext>
+            </a:extLst>
+          </a:blip>
+          <a:srcRect/>
+          <a:stretch>
+            <a:fillRect/>
+          </a:stretch>
+        </p:blipFill>
+        <p:spPr bwMode="auto">
+          <a:xfrm>
+            <a:off x="2766773" y="3559748"/>
+            <a:ext cx="561465" cy="561465"/>
+          </a:xfrm>
+          <a:prstGeom prst="rect">
+            <a:avLst/>
+          </a:prstGeom>
+          <a:noFill/>
+          <a:extLst>
+            <a:ext uri="{909E8E84-426E-40DD-AFC4-6F175D3DCCD1}">
+              <a14:hiddenFill xmlns:a14="http://schemas.microsoft.com/office/drawing/2010/main">
+                <a:solidFill>
+                  <a:srgbClr val="FFFFFF"/>
+                </a:solidFill>
+              </a14:hiddenFill>
+            </a:ext>
+          </a:extLst>
+        </p:spPr>
+      </p:pic>
+      <p:pic>
+        <p:nvPicPr>
+          <p:cNvPr id="54" name="Picture 2" descr="Иконка «Пользователь» — скачай бесплатно PNG и векторе"/>
+          <p:cNvPicPr>
+            <a:picLocks noChangeAspect="1" noChangeArrowheads="1"/>
+          </p:cNvPicPr>
+          <p:nvPr/>
+        </p:nvPicPr>
+        <p:blipFill>
+          <a:blip r:embed="rId2" cstate="print">
+            <a:extLst>
+              <a:ext uri="{28A0092B-C50C-407E-A947-70E740481C1C}">
+                <a14:useLocalDpi xmlns:a14="http://schemas.microsoft.com/office/drawing/2010/main" val="0"/>
+              </a:ext>
+            </a:extLst>
+          </a:blip>
+          <a:srcRect/>
+          <a:stretch>
+            <a:fillRect/>
+          </a:stretch>
+        </p:blipFill>
+        <p:spPr bwMode="auto">
+          <a:xfrm>
+            <a:off x="2766773" y="4590958"/>
+            <a:ext cx="561465" cy="561465"/>
+          </a:xfrm>
+          <a:prstGeom prst="rect">
+            <a:avLst/>
+          </a:prstGeom>
+          <a:noFill/>
+          <a:extLst>
+            <a:ext uri="{909E8E84-426E-40DD-AFC4-6F175D3DCCD1}">
+              <a14:hiddenFill xmlns:a14="http://schemas.microsoft.com/office/drawing/2010/main">
+                <a:solidFill>
+                  <a:srgbClr val="FFFFFF"/>
+                </a:solidFill>
+              </a14:hiddenFill>
+            </a:ext>
+          </a:extLst>
+        </p:spPr>
+      </p:pic>
+      <p:sp>
+        <p:nvSpPr>
+          <p:cNvPr id="7" name="Плюс 6"/>
+          <p:cNvSpPr/>
+          <p:nvPr/>
+        </p:nvSpPr>
+        <p:spPr>
+          <a:xfrm>
+            <a:off x="4350501" y="4637286"/>
+            <a:ext cx="546310" cy="546310"/>
+          </a:xfrm>
+          <a:prstGeom prst="mathPlus">
+            <a:avLst/>
+          </a:prstGeom>
+        </p:spPr>
+        <p:style>
+          <a:lnRef idx="2">
+            <a:schemeClr val="accent1">
+              <a:shade val="50000"/>
+            </a:schemeClr>
+          </a:lnRef>
+          <a:fillRef idx="1">
+            <a:schemeClr val="accent1"/>
+          </a:fillRef>
+          <a:effectRef idx="0">
+            <a:schemeClr val="accent1"/>
+          </a:effectRef>
+          <a:fontRef idx="minor">
+            <a:schemeClr val="lt1"/>
+          </a:fontRef>
+        </p:style>
+        <p:txBody>
+          <a:bodyPr rtlCol="0" anchor="ctr"/>
+          <a:lstStyle/>
+          <a:p>
+            <a:pPr algn="ctr"/>
+            <a:endParaRPr lang="ru-RU"/>
+          </a:p>
+        </p:txBody>
+      </p:sp>
+      <p:sp>
+        <p:nvSpPr>
+          <p:cNvPr id="55" name="Плюс 54"/>
+          <p:cNvSpPr/>
+          <p:nvPr/>
+        </p:nvSpPr>
+        <p:spPr>
+          <a:xfrm>
+            <a:off x="4350501" y="3627480"/>
+            <a:ext cx="546310" cy="546310"/>
+          </a:xfrm>
+          <a:prstGeom prst="mathPlus">
+            <a:avLst/>
+          </a:prstGeom>
+        </p:spPr>
+        <p:style>
+          <a:lnRef idx="2">
+            <a:schemeClr val="accent1">
+              <a:shade val="50000"/>
+            </a:schemeClr>
+          </a:lnRef>
+          <a:fillRef idx="1">
+            <a:schemeClr val="accent1"/>
+          </a:fillRef>
+          <a:effectRef idx="0">
+            <a:schemeClr val="accent1"/>
+          </a:effectRef>
+          <a:fontRef idx="minor">
+            <a:schemeClr val="lt1"/>
+          </a:fontRef>
+        </p:style>
+        <p:txBody>
+          <a:bodyPr rtlCol="0" anchor="ctr"/>
+          <a:lstStyle/>
+          <a:p>
+            <a:pPr algn="ctr"/>
+            <a:endParaRPr lang="ru-RU"/>
+          </a:p>
+        </p:txBody>
+      </p:sp>
+      <p:pic>
+        <p:nvPicPr>
+          <p:cNvPr id="1026" name="Picture 2" descr="Hacker Icon – Free Download, PNG and Vector"/>
+          <p:cNvPicPr>
+            <a:picLocks noChangeAspect="1" noChangeArrowheads="1"/>
+          </p:cNvPicPr>
+          <p:nvPr/>
+        </p:nvPicPr>
+        <p:blipFill>
+          <a:blip r:embed="rId4" cstate="print">
+            <a:extLst>
+              <a:ext uri="{28A0092B-C50C-407E-A947-70E740481C1C}">
+                <a14:useLocalDpi xmlns:a14="http://schemas.microsoft.com/office/drawing/2010/main" val="0"/>
+              </a:ext>
+            </a:extLst>
+          </a:blip>
+          <a:srcRect/>
+          <a:stretch>
+            <a:fillRect/>
+          </a:stretch>
+        </p:blipFill>
+        <p:spPr bwMode="auto">
+          <a:xfrm>
+            <a:off x="7543024" y="4732965"/>
+            <a:ext cx="682625" cy="682625"/>
+          </a:xfrm>
+          <a:prstGeom prst="rect">
+            <a:avLst/>
+          </a:prstGeom>
+          <a:noFill/>
+          <a:extLst>
+            <a:ext uri="{909E8E84-426E-40DD-AFC4-6F175D3DCCD1}">
+              <a14:hiddenFill xmlns:a14="http://schemas.microsoft.com/office/drawing/2010/main">
+                <a:solidFill>
+                  <a:srgbClr val="FFFFFF"/>
+                </a:solidFill>
+              </a14:hiddenFill>
+            </a:ext>
+          </a:extLst>
+        </p:spPr>
+      </p:pic>
+      <p:pic>
+        <p:nvPicPr>
+          <p:cNvPr id="56" name="Picture 2" descr="Иконка «Пользователь» — скачай бесплатно PNG и векторе"/>
+          <p:cNvPicPr>
+            <a:picLocks noChangeAspect="1" noChangeArrowheads="1"/>
+          </p:cNvPicPr>
+          <p:nvPr/>
+        </p:nvPicPr>
+        <p:blipFill>
+          <a:blip r:embed="rId2" cstate="print">
+            <a:extLst>
+              <a:ext uri="{28A0092B-C50C-407E-A947-70E740481C1C}">
+                <a14:useLocalDpi xmlns:a14="http://schemas.microsoft.com/office/drawing/2010/main" val="0"/>
+              </a:ext>
+            </a:extLst>
+          </a:blip>
+          <a:srcRect/>
+          <a:stretch>
+            <a:fillRect/>
+          </a:stretch>
+        </p:blipFill>
+        <p:spPr bwMode="auto">
+          <a:xfrm>
+            <a:off x="7600033" y="3881341"/>
+            <a:ext cx="561465" cy="561465"/>
+          </a:xfrm>
+          <a:prstGeom prst="rect">
+            <a:avLst/>
+          </a:prstGeom>
+          <a:noFill/>
+          <a:extLst>
+            <a:ext uri="{909E8E84-426E-40DD-AFC4-6F175D3DCCD1}">
+              <a14:hiddenFill xmlns:a14="http://schemas.microsoft.com/office/drawing/2010/main">
+                <a:solidFill>
+                  <a:srgbClr val="FFFFFF"/>
+                </a:solidFill>
+              </a14:hiddenFill>
+            </a:ext>
+          </a:extLst>
+        </p:spPr>
+      </p:pic>
+      <p:pic>
+        <p:nvPicPr>
+          <p:cNvPr id="57" name="Рисунок 56"/>
+          <p:cNvPicPr>
+            <a:picLocks noChangeAspect="1"/>
+          </p:cNvPicPr>
+          <p:nvPr/>
+        </p:nvPicPr>
+        <p:blipFill>
+          <a:blip r:embed="rId5" cstate="print">
+            <a:extLst>
+              <a:ext uri="{28A0092B-C50C-407E-A947-70E740481C1C}">
+                <a14:useLocalDpi xmlns:a14="http://schemas.microsoft.com/office/drawing/2010/main" val="0"/>
+              </a:ext>
+            </a:extLst>
+          </a:blip>
+          <a:stretch>
+            <a:fillRect/>
+          </a:stretch>
+        </p:blipFill>
+        <p:spPr>
+          <a:xfrm>
+            <a:off x="9784168" y="4360012"/>
+            <a:ext cx="570948" cy="598135"/>
+          </a:xfrm>
+          <a:prstGeom prst="rect">
+            <a:avLst/>
+          </a:prstGeom>
+        </p:spPr>
+      </p:pic>
+      <p:grpSp>
+        <p:nvGrpSpPr>
+          <p:cNvPr id="58" name="Группа 57"/>
+          <p:cNvGrpSpPr/>
+          <p:nvPr/>
+        </p:nvGrpSpPr>
+        <p:grpSpPr>
+          <a:xfrm rot="20708388">
+            <a:off x="8382564" y="4874949"/>
+            <a:ext cx="1154633" cy="363304"/>
             <a:chOff x="4272985" y="2759867"/>
             <a:chExt cx="463461" cy="484632"/>
           </a:xfrm>
         </p:grpSpPr>
         <p:sp>
           <p:nvSpPr>
-            <p:cNvPr id="54" name="Двойная стрелка влево/вправо 5"/>
+            <p:cNvPr id="59" name="Двойная стрелка влево/вправо 5"/>
+            <p:cNvSpPr/>
+            <p:nvPr/>
+          </p:nvSpPr>
+          <p:spPr>
+            <a:xfrm>
+              <a:off x="4272985" y="2759867"/>
+              <a:ext cx="316142" cy="484632"/>
+            </a:xfrm>
+            <a:custGeom>
+              <a:avLst/>
+              <a:gdLst>
+                <a:gd name="connsiteX0" fmla="*/ 0 w 451412"/>
+                <a:gd name="connsiteY0" fmla="*/ 242316 h 484632"/>
+                <a:gd name="connsiteX1" fmla="*/ 135270 w 451412"/>
+                <a:gd name="connsiteY1" fmla="*/ 0 h 484632"/>
+                <a:gd name="connsiteX2" fmla="*/ 135270 w 451412"/>
+                <a:gd name="connsiteY2" fmla="*/ 90435 h 484632"/>
+                <a:gd name="connsiteX3" fmla="*/ 316142 w 451412"/>
+                <a:gd name="connsiteY3" fmla="*/ 90435 h 484632"/>
+                <a:gd name="connsiteX4" fmla="*/ 316142 w 451412"/>
+                <a:gd name="connsiteY4" fmla="*/ 0 h 484632"/>
+                <a:gd name="connsiteX5" fmla="*/ 451412 w 451412"/>
+                <a:gd name="connsiteY5" fmla="*/ 242316 h 484632"/>
+                <a:gd name="connsiteX6" fmla="*/ 316142 w 451412"/>
+                <a:gd name="connsiteY6" fmla="*/ 484632 h 484632"/>
+                <a:gd name="connsiteX7" fmla="*/ 316142 w 451412"/>
+                <a:gd name="connsiteY7" fmla="*/ 394197 h 484632"/>
+                <a:gd name="connsiteX8" fmla="*/ 135270 w 451412"/>
+                <a:gd name="connsiteY8" fmla="*/ 394197 h 484632"/>
+                <a:gd name="connsiteX9" fmla="*/ 135270 w 451412"/>
+                <a:gd name="connsiteY9" fmla="*/ 484632 h 484632"/>
+                <a:gd name="connsiteX10" fmla="*/ 0 w 451412"/>
+                <a:gd name="connsiteY10" fmla="*/ 242316 h 484632"/>
+                <a:gd name="connsiteX0" fmla="*/ 0 w 451412"/>
+                <a:gd name="connsiteY0" fmla="*/ 242316 h 484632"/>
+                <a:gd name="connsiteX1" fmla="*/ 135270 w 451412"/>
+                <a:gd name="connsiteY1" fmla="*/ 0 h 484632"/>
+                <a:gd name="connsiteX2" fmla="*/ 135270 w 451412"/>
+                <a:gd name="connsiteY2" fmla="*/ 90435 h 484632"/>
+                <a:gd name="connsiteX3" fmla="*/ 316142 w 451412"/>
+                <a:gd name="connsiteY3" fmla="*/ 90435 h 484632"/>
+                <a:gd name="connsiteX4" fmla="*/ 451412 w 451412"/>
+                <a:gd name="connsiteY4" fmla="*/ 242316 h 484632"/>
+                <a:gd name="connsiteX5" fmla="*/ 316142 w 451412"/>
+                <a:gd name="connsiteY5" fmla="*/ 484632 h 484632"/>
+                <a:gd name="connsiteX6" fmla="*/ 316142 w 451412"/>
+                <a:gd name="connsiteY6" fmla="*/ 394197 h 484632"/>
+                <a:gd name="connsiteX7" fmla="*/ 135270 w 451412"/>
+                <a:gd name="connsiteY7" fmla="*/ 394197 h 484632"/>
+                <a:gd name="connsiteX8" fmla="*/ 135270 w 451412"/>
+                <a:gd name="connsiteY8" fmla="*/ 484632 h 484632"/>
+                <a:gd name="connsiteX9" fmla="*/ 0 w 451412"/>
+                <a:gd name="connsiteY9" fmla="*/ 242316 h 484632"/>
+                <a:gd name="connsiteX0" fmla="*/ 0 w 316142"/>
+                <a:gd name="connsiteY0" fmla="*/ 242316 h 484632"/>
+                <a:gd name="connsiteX1" fmla="*/ 135270 w 316142"/>
+                <a:gd name="connsiteY1" fmla="*/ 0 h 484632"/>
+                <a:gd name="connsiteX2" fmla="*/ 135270 w 316142"/>
+                <a:gd name="connsiteY2" fmla="*/ 90435 h 484632"/>
+                <a:gd name="connsiteX3" fmla="*/ 316142 w 316142"/>
+                <a:gd name="connsiteY3" fmla="*/ 90435 h 484632"/>
+                <a:gd name="connsiteX4" fmla="*/ 316142 w 316142"/>
+                <a:gd name="connsiteY4" fmla="*/ 484632 h 484632"/>
+                <a:gd name="connsiteX5" fmla="*/ 316142 w 316142"/>
+                <a:gd name="connsiteY5" fmla="*/ 394197 h 484632"/>
+                <a:gd name="connsiteX6" fmla="*/ 135270 w 316142"/>
+                <a:gd name="connsiteY6" fmla="*/ 394197 h 484632"/>
+                <a:gd name="connsiteX7" fmla="*/ 135270 w 316142"/>
+                <a:gd name="connsiteY7" fmla="*/ 484632 h 484632"/>
+                <a:gd name="connsiteX8" fmla="*/ 0 w 316142"/>
+                <a:gd name="connsiteY8" fmla="*/ 242316 h 484632"/>
+                <a:gd name="connsiteX0" fmla="*/ 0 w 316142"/>
+                <a:gd name="connsiteY0" fmla="*/ 242316 h 484632"/>
+                <a:gd name="connsiteX1" fmla="*/ 135270 w 316142"/>
+                <a:gd name="connsiteY1" fmla="*/ 0 h 484632"/>
+                <a:gd name="connsiteX2" fmla="*/ 135270 w 316142"/>
+                <a:gd name="connsiteY2" fmla="*/ 90435 h 484632"/>
+                <a:gd name="connsiteX3" fmla="*/ 316142 w 316142"/>
+                <a:gd name="connsiteY3" fmla="*/ 90435 h 484632"/>
+                <a:gd name="connsiteX4" fmla="*/ 316142 w 316142"/>
+                <a:gd name="connsiteY4" fmla="*/ 394197 h 484632"/>
+                <a:gd name="connsiteX5" fmla="*/ 135270 w 316142"/>
+                <a:gd name="connsiteY5" fmla="*/ 394197 h 484632"/>
+                <a:gd name="connsiteX6" fmla="*/ 135270 w 316142"/>
+                <a:gd name="connsiteY6" fmla="*/ 484632 h 484632"/>
+                <a:gd name="connsiteX7" fmla="*/ 0 w 316142"/>
+                <a:gd name="connsiteY7" fmla="*/ 242316 h 484632"/>
+                <a:gd name="connsiteX0" fmla="*/ 0 w 316142"/>
+                <a:gd name="connsiteY0" fmla="*/ 242316 h 484632"/>
+                <a:gd name="connsiteX1" fmla="*/ 135270 w 316142"/>
+                <a:gd name="connsiteY1" fmla="*/ 0 h 484632"/>
+                <a:gd name="connsiteX2" fmla="*/ 135270 w 316142"/>
+                <a:gd name="connsiteY2" fmla="*/ 90435 h 484632"/>
+                <a:gd name="connsiteX3" fmla="*/ 316142 w 316142"/>
+                <a:gd name="connsiteY3" fmla="*/ 394197 h 484632"/>
+                <a:gd name="connsiteX4" fmla="*/ 135270 w 316142"/>
+                <a:gd name="connsiteY4" fmla="*/ 394197 h 484632"/>
+                <a:gd name="connsiteX5" fmla="*/ 135270 w 316142"/>
+                <a:gd name="connsiteY5" fmla="*/ 484632 h 484632"/>
+                <a:gd name="connsiteX6" fmla="*/ 0 w 316142"/>
+                <a:gd name="connsiteY6" fmla="*/ 242316 h 484632"/>
+              </a:gdLst>
+              <a:ahLst/>
+              <a:cxnLst>
+                <a:cxn ang="0">
+                  <a:pos x="connsiteX0" y="connsiteY0"/>
+                </a:cxn>
+                <a:cxn ang="0">
+                  <a:pos x="connsiteX1" y="connsiteY1"/>
+                </a:cxn>
+                <a:cxn ang="0">
+                  <a:pos x="connsiteX2" y="connsiteY2"/>
+                </a:cxn>
+                <a:cxn ang="0">
+                  <a:pos x="connsiteX3" y="connsiteY3"/>
+                </a:cxn>
+                <a:cxn ang="0">
+                  <a:pos x="connsiteX4" y="connsiteY4"/>
+                </a:cxn>
+                <a:cxn ang="0">
+                  <a:pos x="connsiteX5" y="connsiteY5"/>
+                </a:cxn>
+                <a:cxn ang="0">
+                  <a:pos x="connsiteX6" y="connsiteY6"/>
+                </a:cxn>
+              </a:cxnLst>
+              <a:rect l="l" t="t" r="r" b="b"/>
+              <a:pathLst>
+                <a:path w="316142" h="484632">
+                  <a:moveTo>
+                    <a:pt x="0" y="242316"/>
+                  </a:moveTo>
+                  <a:lnTo>
+                    <a:pt x="135270" y="0"/>
+                  </a:lnTo>
+                  <a:lnTo>
+                    <a:pt x="135270" y="90435"/>
+                  </a:lnTo>
+                  <a:lnTo>
+                    <a:pt x="316142" y="394197"/>
+                  </a:lnTo>
+                  <a:lnTo>
+                    <a:pt x="135270" y="394197"/>
+                  </a:lnTo>
+                  <a:lnTo>
+                    <a:pt x="135270" y="484632"/>
+                  </a:lnTo>
+                  <a:lnTo>
+                    <a:pt x="0" y="242316"/>
+                  </a:lnTo>
+                  <a:close/>
+                </a:path>
+              </a:pathLst>
+            </a:custGeom>
+            <a:ln w="38100">
+              <a:solidFill>
+                <a:srgbClr val="FF0000"/>
+              </a:solidFill>
+            </a:ln>
+          </p:spPr>
+          <p:style>
+            <a:lnRef idx="2">
+              <a:schemeClr val="accent1">
+                <a:shade val="50000"/>
+              </a:schemeClr>
+            </a:lnRef>
+            <a:fillRef idx="1">
+              <a:schemeClr val="accent1"/>
+            </a:fillRef>
+            <a:effectRef idx="0">
+              <a:schemeClr val="accent1"/>
+            </a:effectRef>
+            <a:fontRef idx="minor">
+              <a:schemeClr val="lt1"/>
+            </a:fontRef>
+          </p:style>
+          <p:txBody>
+            <a:bodyPr rtlCol="0" anchor="ctr"/>
+            <a:lstStyle/>
+            <a:p>
+              <a:pPr algn="ctr"/>
+              <a:endParaRPr lang="ru-RU"/>
+            </a:p>
+          </p:txBody>
+        </p:sp>
+        <p:sp>
+          <p:nvSpPr>
+            <p:cNvPr id="60" name="Двойная стрелка влево/вправо 5"/>
+            <p:cNvSpPr/>
+            <p:nvPr/>
+          </p:nvSpPr>
+          <p:spPr>
+            <a:xfrm flipH="1" flipV="1">
+              <a:off x="4420304" y="2759867"/>
+              <a:ext cx="316142" cy="484632"/>
+            </a:xfrm>
+            <a:custGeom>
+              <a:avLst/>
+              <a:gdLst>
+                <a:gd name="connsiteX0" fmla="*/ 0 w 451412"/>
+                <a:gd name="connsiteY0" fmla="*/ 242316 h 484632"/>
+                <a:gd name="connsiteX1" fmla="*/ 135270 w 451412"/>
+                <a:gd name="connsiteY1" fmla="*/ 0 h 484632"/>
+                <a:gd name="connsiteX2" fmla="*/ 135270 w 451412"/>
+                <a:gd name="connsiteY2" fmla="*/ 90435 h 484632"/>
+                <a:gd name="connsiteX3" fmla="*/ 316142 w 451412"/>
+                <a:gd name="connsiteY3" fmla="*/ 90435 h 484632"/>
+                <a:gd name="connsiteX4" fmla="*/ 316142 w 451412"/>
+                <a:gd name="connsiteY4" fmla="*/ 0 h 484632"/>
+                <a:gd name="connsiteX5" fmla="*/ 451412 w 451412"/>
+                <a:gd name="connsiteY5" fmla="*/ 242316 h 484632"/>
+                <a:gd name="connsiteX6" fmla="*/ 316142 w 451412"/>
+                <a:gd name="connsiteY6" fmla="*/ 484632 h 484632"/>
+                <a:gd name="connsiteX7" fmla="*/ 316142 w 451412"/>
+                <a:gd name="connsiteY7" fmla="*/ 394197 h 484632"/>
+                <a:gd name="connsiteX8" fmla="*/ 135270 w 451412"/>
+                <a:gd name="connsiteY8" fmla="*/ 394197 h 484632"/>
+                <a:gd name="connsiteX9" fmla="*/ 135270 w 451412"/>
+                <a:gd name="connsiteY9" fmla="*/ 484632 h 484632"/>
+                <a:gd name="connsiteX10" fmla="*/ 0 w 451412"/>
+                <a:gd name="connsiteY10" fmla="*/ 242316 h 484632"/>
+                <a:gd name="connsiteX0" fmla="*/ 0 w 451412"/>
+                <a:gd name="connsiteY0" fmla="*/ 242316 h 484632"/>
+                <a:gd name="connsiteX1" fmla="*/ 135270 w 451412"/>
+                <a:gd name="connsiteY1" fmla="*/ 0 h 484632"/>
+                <a:gd name="connsiteX2" fmla="*/ 135270 w 451412"/>
+                <a:gd name="connsiteY2" fmla="*/ 90435 h 484632"/>
+                <a:gd name="connsiteX3" fmla="*/ 316142 w 451412"/>
+                <a:gd name="connsiteY3" fmla="*/ 90435 h 484632"/>
+                <a:gd name="connsiteX4" fmla="*/ 451412 w 451412"/>
+                <a:gd name="connsiteY4" fmla="*/ 242316 h 484632"/>
+                <a:gd name="connsiteX5" fmla="*/ 316142 w 451412"/>
+                <a:gd name="connsiteY5" fmla="*/ 484632 h 484632"/>
+                <a:gd name="connsiteX6" fmla="*/ 316142 w 451412"/>
+                <a:gd name="connsiteY6" fmla="*/ 394197 h 484632"/>
+                <a:gd name="connsiteX7" fmla="*/ 135270 w 451412"/>
+                <a:gd name="connsiteY7" fmla="*/ 394197 h 484632"/>
+                <a:gd name="connsiteX8" fmla="*/ 135270 w 451412"/>
+                <a:gd name="connsiteY8" fmla="*/ 484632 h 484632"/>
+                <a:gd name="connsiteX9" fmla="*/ 0 w 451412"/>
+                <a:gd name="connsiteY9" fmla="*/ 242316 h 484632"/>
+                <a:gd name="connsiteX0" fmla="*/ 0 w 316142"/>
+                <a:gd name="connsiteY0" fmla="*/ 242316 h 484632"/>
+                <a:gd name="connsiteX1" fmla="*/ 135270 w 316142"/>
+                <a:gd name="connsiteY1" fmla="*/ 0 h 484632"/>
+                <a:gd name="connsiteX2" fmla="*/ 135270 w 316142"/>
+                <a:gd name="connsiteY2" fmla="*/ 90435 h 484632"/>
+                <a:gd name="connsiteX3" fmla="*/ 316142 w 316142"/>
+                <a:gd name="connsiteY3" fmla="*/ 90435 h 484632"/>
+                <a:gd name="connsiteX4" fmla="*/ 316142 w 316142"/>
+                <a:gd name="connsiteY4" fmla="*/ 484632 h 484632"/>
+                <a:gd name="connsiteX5" fmla="*/ 316142 w 316142"/>
+                <a:gd name="connsiteY5" fmla="*/ 394197 h 484632"/>
+                <a:gd name="connsiteX6" fmla="*/ 135270 w 316142"/>
+                <a:gd name="connsiteY6" fmla="*/ 394197 h 484632"/>
+                <a:gd name="connsiteX7" fmla="*/ 135270 w 316142"/>
+                <a:gd name="connsiteY7" fmla="*/ 484632 h 484632"/>
+                <a:gd name="connsiteX8" fmla="*/ 0 w 316142"/>
+                <a:gd name="connsiteY8" fmla="*/ 242316 h 484632"/>
+                <a:gd name="connsiteX0" fmla="*/ 0 w 316142"/>
+                <a:gd name="connsiteY0" fmla="*/ 242316 h 484632"/>
+                <a:gd name="connsiteX1" fmla="*/ 135270 w 316142"/>
+                <a:gd name="connsiteY1" fmla="*/ 0 h 484632"/>
+                <a:gd name="connsiteX2" fmla="*/ 135270 w 316142"/>
+                <a:gd name="connsiteY2" fmla="*/ 90435 h 484632"/>
+                <a:gd name="connsiteX3" fmla="*/ 316142 w 316142"/>
+                <a:gd name="connsiteY3" fmla="*/ 90435 h 484632"/>
+                <a:gd name="connsiteX4" fmla="*/ 316142 w 316142"/>
+                <a:gd name="connsiteY4" fmla="*/ 394197 h 484632"/>
+                <a:gd name="connsiteX5" fmla="*/ 135270 w 316142"/>
+                <a:gd name="connsiteY5" fmla="*/ 394197 h 484632"/>
+                <a:gd name="connsiteX6" fmla="*/ 135270 w 316142"/>
+                <a:gd name="connsiteY6" fmla="*/ 484632 h 484632"/>
+                <a:gd name="connsiteX7" fmla="*/ 0 w 316142"/>
+                <a:gd name="connsiteY7" fmla="*/ 242316 h 484632"/>
+                <a:gd name="connsiteX0" fmla="*/ 0 w 316142"/>
+                <a:gd name="connsiteY0" fmla="*/ 242316 h 484632"/>
+                <a:gd name="connsiteX1" fmla="*/ 135270 w 316142"/>
+                <a:gd name="connsiteY1" fmla="*/ 0 h 484632"/>
+                <a:gd name="connsiteX2" fmla="*/ 135270 w 316142"/>
+                <a:gd name="connsiteY2" fmla="*/ 90435 h 484632"/>
+                <a:gd name="connsiteX3" fmla="*/ 316142 w 316142"/>
+                <a:gd name="connsiteY3" fmla="*/ 394197 h 484632"/>
+                <a:gd name="connsiteX4" fmla="*/ 135270 w 316142"/>
+                <a:gd name="connsiteY4" fmla="*/ 394197 h 484632"/>
+                <a:gd name="connsiteX5" fmla="*/ 135270 w 316142"/>
+                <a:gd name="connsiteY5" fmla="*/ 484632 h 484632"/>
+                <a:gd name="connsiteX6" fmla="*/ 0 w 316142"/>
+                <a:gd name="connsiteY6" fmla="*/ 242316 h 484632"/>
+              </a:gdLst>
+              <a:ahLst/>
+              <a:cxnLst>
+                <a:cxn ang="0">
+                  <a:pos x="connsiteX0" y="connsiteY0"/>
+                </a:cxn>
+                <a:cxn ang="0">
+                  <a:pos x="connsiteX1" y="connsiteY1"/>
+                </a:cxn>
+                <a:cxn ang="0">
+                  <a:pos x="connsiteX2" y="connsiteY2"/>
+                </a:cxn>
+                <a:cxn ang="0">
+                  <a:pos x="connsiteX3" y="connsiteY3"/>
+                </a:cxn>
+                <a:cxn ang="0">
+                  <a:pos x="connsiteX4" y="connsiteY4"/>
+                </a:cxn>
+                <a:cxn ang="0">
+                  <a:pos x="connsiteX5" y="connsiteY5"/>
+                </a:cxn>
+                <a:cxn ang="0">
+                  <a:pos x="connsiteX6" y="connsiteY6"/>
+                </a:cxn>
+              </a:cxnLst>
+              <a:rect l="l" t="t" r="r" b="b"/>
+              <a:pathLst>
+                <a:path w="316142" h="484632">
+                  <a:moveTo>
+                    <a:pt x="0" y="242316"/>
+                  </a:moveTo>
+                  <a:lnTo>
+                    <a:pt x="135270" y="0"/>
+                  </a:lnTo>
+                  <a:lnTo>
+                    <a:pt x="135270" y="90435"/>
+                  </a:lnTo>
+                  <a:lnTo>
+                    <a:pt x="316142" y="394197"/>
+                  </a:lnTo>
+                  <a:lnTo>
+                    <a:pt x="135270" y="394197"/>
+                  </a:lnTo>
+                  <a:lnTo>
+                    <a:pt x="135270" y="484632"/>
+                  </a:lnTo>
+                  <a:lnTo>
+                    <a:pt x="0" y="242316"/>
+                  </a:lnTo>
+                  <a:close/>
+                </a:path>
+              </a:pathLst>
+            </a:custGeom>
+            <a:ln w="38100">
+              <a:solidFill>
+                <a:srgbClr val="FF0000"/>
+              </a:solidFill>
+            </a:ln>
+          </p:spPr>
+          <p:style>
+            <a:lnRef idx="2">
+              <a:schemeClr val="accent2">
+                <a:shade val="50000"/>
+              </a:schemeClr>
+            </a:lnRef>
+            <a:fillRef idx="1">
+              <a:schemeClr val="accent2"/>
+            </a:fillRef>
+            <a:effectRef idx="0">
+              <a:schemeClr val="accent2"/>
+            </a:effectRef>
+            <a:fontRef idx="minor">
+              <a:schemeClr val="lt1"/>
+            </a:fontRef>
+          </p:style>
+          <p:txBody>
+            <a:bodyPr rtlCol="0" anchor="ctr"/>
+            <a:lstStyle/>
+            <a:p>
+              <a:pPr algn="ctr"/>
+              <a:endParaRPr lang="ru-RU"/>
+            </a:p>
+          </p:txBody>
+        </p:sp>
+      </p:grpSp>
+      <p:grpSp>
+        <p:nvGrpSpPr>
+          <p:cNvPr id="61" name="Группа 60"/>
+          <p:cNvGrpSpPr/>
+          <p:nvPr/>
+        </p:nvGrpSpPr>
+        <p:grpSpPr>
+          <a:xfrm rot="891612" flipV="1">
+            <a:off x="8352824" y="4167442"/>
+            <a:ext cx="1154633" cy="363304"/>
+            <a:chOff x="4272985" y="2759867"/>
+            <a:chExt cx="463461" cy="484632"/>
+          </a:xfrm>
+        </p:grpSpPr>
+        <p:sp>
+          <p:nvSpPr>
+            <p:cNvPr id="62" name="Двойная стрелка влево/вправо 5"/>
             <p:cNvSpPr/>
             <p:nvPr/>
           </p:nvSpPr>
@@ -28487,7 +31739,7 @@
         </p:sp>
         <p:sp>
           <p:nvSpPr>
-            <p:cNvPr id="55" name="Двойная стрелка влево/вправо 5"/>
+            <p:cNvPr id="63" name="Двойная стрелка влево/вправо 5"/>
             <p:cNvSpPr/>
             <p:nvPr/>
           </p:nvSpPr>
@@ -28669,688 +31921,51 @@
           </p:txBody>
         </p:sp>
       </p:grpSp>
-      <p:sp>
-        <p:nvSpPr>
-          <p:cNvPr id="10" name="TextBox 9"/>
-          <p:cNvSpPr txBox="1"/>
+      <p:pic>
+        <p:nvPicPr>
+          <p:cNvPr id="1028" name="Picture 4" descr="Lock Free Icon of VKCOM"/>
+          <p:cNvPicPr>
+            <a:picLocks noChangeAspect="1" noChangeArrowheads="1"/>
+          </p:cNvPicPr>
           <p:nvPr/>
-        </p:nvSpPr>
-        <p:spPr>
+        </p:nvPicPr>
+        <p:blipFill>
+          <a:blip r:embed="rId6" cstate="print">
+            <a:extLst>
+              <a:ext uri="{28A0092B-C50C-407E-A947-70E740481C1C}">
+                <a14:useLocalDpi xmlns:a14="http://schemas.microsoft.com/office/drawing/2010/main" val="0"/>
+              </a:ext>
+            </a:extLst>
+          </a:blip>
+          <a:srcRect/>
+          <a:stretch>
+            <a:fillRect/>
+          </a:stretch>
+        </p:blipFill>
+        <p:spPr bwMode="auto">
           <a:xfrm>
-            <a:off x="914401" y="151900"/>
-            <a:ext cx="10363199" cy="1015663"/>
+            <a:off x="9392254" y="4464984"/>
+            <a:ext cx="466025" cy="466025"/>
           </a:xfrm>
           <a:prstGeom prst="rect">
             <a:avLst/>
           </a:prstGeom>
           <a:noFill/>
+          <a:extLst>
+            <a:ext uri="{909E8E84-426E-40DD-AFC4-6F175D3DCCD1}">
+              <a14:hiddenFill xmlns:a14="http://schemas.microsoft.com/office/drawing/2010/main">
+                <a:solidFill>
+                  <a:srgbClr val="FFFFFF"/>
+                </a:solidFill>
+              </a14:hiddenFill>
+            </a:ext>
+          </a:extLst>
         </p:spPr>
-        <p:txBody>
-          <a:bodyPr wrap="square" rtlCol="0" anchor="ctr">
-            <a:spAutoFit/>
-          </a:bodyPr>
-          <a:lstStyle/>
-          <a:p>
-            <a:pPr algn="ctr"/>
-            <a:r>
-              <a:rPr lang="ru-RU" sz="6000" b="1" dirty="0" smtClean="0"/>
-              <a:t>Работа с данными</a:t>
-            </a:r>
-          </a:p>
-        </p:txBody>
-      </p:sp>
-      <p:sp>
-        <p:nvSpPr>
-          <p:cNvPr id="2" name="TextBox 1"/>
-          <p:cNvSpPr txBox="1"/>
-          <p:nvPr/>
-        </p:nvSpPr>
-        <p:spPr>
-          <a:xfrm>
-            <a:off x="4737136" y="1167469"/>
-            <a:ext cx="2717732" cy="461665"/>
-          </a:xfrm>
-          <a:prstGeom prst="rect">
-            <a:avLst/>
-          </a:prstGeom>
-          <a:noFill/>
-        </p:spPr>
-        <p:txBody>
-          <a:bodyPr wrap="none" rtlCol="0">
-            <a:spAutoFit/>
-          </a:bodyPr>
-          <a:lstStyle/>
-          <a:p>
-            <a:pPr algn="ctr"/>
-            <a:r>
-              <a:rPr lang="ru-RU" sz="2400" b="1" dirty="0" smtClean="0"/>
-              <a:t>Коннектор модели</a:t>
-            </a:r>
-            <a:endParaRPr lang="ru-RU" sz="2400" b="1" dirty="0"/>
-          </a:p>
-        </p:txBody>
-      </p:sp>
-      <p:sp>
-        <p:nvSpPr>
-          <p:cNvPr id="29" name="Прямоугольник 28"/>
-          <p:cNvSpPr/>
-          <p:nvPr/>
-        </p:nvSpPr>
-        <p:spPr>
-          <a:xfrm>
-            <a:off x="4726586" y="1629135"/>
-            <a:ext cx="2743200" cy="4922493"/>
-          </a:xfrm>
-          <a:prstGeom prst="rect">
-            <a:avLst/>
-          </a:prstGeom>
-        </p:spPr>
-        <p:style>
-          <a:lnRef idx="2">
-            <a:schemeClr val="accent5"/>
-          </a:lnRef>
-          <a:fillRef idx="1">
-            <a:schemeClr val="lt1"/>
-          </a:fillRef>
-          <a:effectRef idx="0">
-            <a:schemeClr val="accent5"/>
-          </a:effectRef>
-          <a:fontRef idx="minor">
-            <a:schemeClr val="dk1"/>
-          </a:fontRef>
-        </p:style>
-        <p:txBody>
-          <a:bodyPr rtlCol="0" anchor="ctr"/>
-          <a:lstStyle/>
-          <a:p>
-            <a:pPr algn="ctr"/>
-            <a:endParaRPr lang="ru-RU" sz="5400" dirty="0" smtClean="0"/>
-          </a:p>
-        </p:txBody>
-      </p:sp>
-      <p:sp>
-        <p:nvSpPr>
-          <p:cNvPr id="41" name="Прямоугольник 40"/>
-          <p:cNvSpPr/>
-          <p:nvPr/>
-        </p:nvSpPr>
-        <p:spPr>
-          <a:xfrm>
-            <a:off x="8534400" y="1629135"/>
-            <a:ext cx="2743200" cy="4922493"/>
-          </a:xfrm>
-          <a:prstGeom prst="rect">
-            <a:avLst/>
-          </a:prstGeom>
-        </p:spPr>
-        <p:style>
-          <a:lnRef idx="2">
-            <a:schemeClr val="accent5"/>
-          </a:lnRef>
-          <a:fillRef idx="1">
-            <a:schemeClr val="lt1"/>
-          </a:fillRef>
-          <a:effectRef idx="0">
-            <a:schemeClr val="accent5"/>
-          </a:effectRef>
-          <a:fontRef idx="minor">
-            <a:schemeClr val="dk1"/>
-          </a:fontRef>
-        </p:style>
-        <p:txBody>
-          <a:bodyPr rtlCol="0" anchor="ctr"/>
-          <a:lstStyle/>
-          <a:p>
-            <a:pPr algn="ctr"/>
-            <a:endParaRPr lang="ru-RU" sz="5400" dirty="0" smtClean="0"/>
-          </a:p>
-        </p:txBody>
-      </p:sp>
-      <p:sp>
-        <p:nvSpPr>
-          <p:cNvPr id="42" name="Прямоугольник 41"/>
-          <p:cNvSpPr/>
-          <p:nvPr/>
-        </p:nvSpPr>
-        <p:spPr>
-          <a:xfrm>
-            <a:off x="914401" y="1629134"/>
-            <a:ext cx="2743200" cy="4922493"/>
-          </a:xfrm>
-          <a:prstGeom prst="rect">
-            <a:avLst/>
-          </a:prstGeom>
-        </p:spPr>
-        <p:style>
-          <a:lnRef idx="2">
-            <a:schemeClr val="accent5"/>
-          </a:lnRef>
-          <a:fillRef idx="1">
-            <a:schemeClr val="lt1"/>
-          </a:fillRef>
-          <a:effectRef idx="0">
-            <a:schemeClr val="accent5"/>
-          </a:effectRef>
-          <a:fontRef idx="minor">
-            <a:schemeClr val="dk1"/>
-          </a:fontRef>
-        </p:style>
-        <p:txBody>
-          <a:bodyPr rtlCol="0" anchor="ctr"/>
-          <a:lstStyle/>
-          <a:p>
-            <a:pPr algn="ctr"/>
-            <a:endParaRPr lang="ru-RU" sz="5400" dirty="0" smtClean="0"/>
-          </a:p>
-        </p:txBody>
-      </p:sp>
-      <p:sp>
-        <p:nvSpPr>
-          <p:cNvPr id="43" name="TextBox 42"/>
-          <p:cNvSpPr txBox="1"/>
-          <p:nvPr/>
-        </p:nvSpPr>
-        <p:spPr>
-          <a:xfrm>
-            <a:off x="1340873" y="1167469"/>
-            <a:ext cx="1890262" cy="461665"/>
-          </a:xfrm>
-          <a:prstGeom prst="rect">
-            <a:avLst/>
-          </a:prstGeom>
-          <a:noFill/>
-        </p:spPr>
-        <p:txBody>
-          <a:bodyPr wrap="none" rtlCol="0">
-            <a:spAutoFit/>
-          </a:bodyPr>
-          <a:lstStyle/>
-          <a:p>
-            <a:pPr algn="ctr"/>
-            <a:r>
-              <a:rPr lang="ru-RU" sz="2400" b="1" dirty="0" smtClean="0"/>
-              <a:t>База данных</a:t>
-            </a:r>
-            <a:endParaRPr lang="ru-RU" sz="2400" b="1" dirty="0"/>
-          </a:p>
-        </p:txBody>
-      </p:sp>
-      <p:sp>
-        <p:nvSpPr>
-          <p:cNvPr id="44" name="TextBox 43"/>
-          <p:cNvSpPr txBox="1"/>
-          <p:nvPr/>
-        </p:nvSpPr>
-        <p:spPr>
-          <a:xfrm>
-            <a:off x="9279450" y="1167468"/>
-            <a:ext cx="1253100" cy="461665"/>
-          </a:xfrm>
-          <a:prstGeom prst="rect">
-            <a:avLst/>
-          </a:prstGeom>
-          <a:noFill/>
-        </p:spPr>
-        <p:txBody>
-          <a:bodyPr wrap="none" rtlCol="0">
-            <a:spAutoFit/>
-          </a:bodyPr>
-          <a:lstStyle/>
-          <a:p>
-            <a:pPr algn="ctr"/>
-            <a:r>
-              <a:rPr lang="ru-RU" sz="2400" b="1" dirty="0" smtClean="0"/>
-              <a:t>Модель</a:t>
-            </a:r>
-            <a:endParaRPr lang="ru-RU" sz="2400" b="1" dirty="0"/>
-          </a:p>
-        </p:txBody>
-      </p:sp>
-      <p:sp>
-        <p:nvSpPr>
-          <p:cNvPr id="5" name="TextBox 4"/>
-          <p:cNvSpPr txBox="1"/>
-          <p:nvPr/>
-        </p:nvSpPr>
-        <p:spPr>
-          <a:xfrm>
-            <a:off x="914401" y="1767585"/>
-            <a:ext cx="2732653" cy="646331"/>
-          </a:xfrm>
-          <a:prstGeom prst="rect">
-            <a:avLst/>
-          </a:prstGeom>
-          <a:noFill/>
-        </p:spPr>
-        <p:txBody>
-          <a:bodyPr wrap="square" rtlCol="0">
-            <a:spAutoFit/>
-          </a:bodyPr>
-          <a:lstStyle/>
-          <a:p>
-            <a:pPr algn="ctr"/>
-            <a:r>
-              <a:rPr lang="ru-RU" dirty="0" smtClean="0"/>
-              <a:t>Объект, содержащий информацию о БД</a:t>
-            </a:r>
-            <a:endParaRPr lang="ru-RU" dirty="0"/>
-          </a:p>
-        </p:txBody>
-      </p:sp>
-      <p:sp>
-        <p:nvSpPr>
-          <p:cNvPr id="45" name="TextBox 44"/>
-          <p:cNvSpPr txBox="1"/>
-          <p:nvPr/>
-        </p:nvSpPr>
-        <p:spPr>
-          <a:xfrm>
-            <a:off x="924948" y="2552368"/>
-            <a:ext cx="2732653" cy="1754326"/>
-          </a:xfrm>
-          <a:prstGeom prst="rect">
-            <a:avLst/>
-          </a:prstGeom>
-          <a:noFill/>
-        </p:spPr>
-        <p:txBody>
-          <a:bodyPr wrap="square" rtlCol="0">
-            <a:spAutoFit/>
-          </a:bodyPr>
-          <a:lstStyle/>
-          <a:p>
-            <a:pPr marL="285750" indent="-285750">
-              <a:buFont typeface="Arial" panose="020B0604020202020204" pitchFamily="34" charset="0"/>
-              <a:buChar char="•"/>
-            </a:pPr>
-            <a:r>
-              <a:rPr lang="ru-RU" dirty="0" smtClean="0"/>
-              <a:t>Создаёт подключение к БД</a:t>
-            </a:r>
-          </a:p>
-          <a:p>
-            <a:pPr marL="285750" indent="-285750">
-              <a:buFont typeface="Arial" panose="020B0604020202020204" pitchFamily="34" charset="0"/>
-              <a:buChar char="•"/>
-            </a:pPr>
-            <a:r>
-              <a:rPr lang="ru-RU" dirty="0" smtClean="0"/>
-              <a:t>Даёт возможность выполнять подготовленные </a:t>
-            </a:r>
-            <a:r>
-              <a:rPr lang="en-US" dirty="0" smtClean="0"/>
-              <a:t>SQL </a:t>
-            </a:r>
-            <a:r>
-              <a:rPr lang="ru-RU" dirty="0" smtClean="0"/>
-              <a:t>запросы</a:t>
-            </a:r>
-            <a:endParaRPr lang="ru-RU" dirty="0"/>
-          </a:p>
-        </p:txBody>
-      </p:sp>
-      <p:sp>
-        <p:nvSpPr>
-          <p:cNvPr id="46" name="TextBox 45"/>
-          <p:cNvSpPr txBox="1"/>
-          <p:nvPr/>
-        </p:nvSpPr>
-        <p:spPr>
-          <a:xfrm>
-            <a:off x="924948" y="4797301"/>
-            <a:ext cx="2732653" cy="1754326"/>
-          </a:xfrm>
-          <a:prstGeom prst="rect">
-            <a:avLst/>
-          </a:prstGeom>
-          <a:noFill/>
-        </p:spPr>
-        <p:txBody>
-          <a:bodyPr wrap="square" rtlCol="0">
-            <a:spAutoFit/>
-          </a:bodyPr>
-          <a:lstStyle/>
-          <a:p>
-            <a:pPr algn="ctr"/>
-            <a:r>
-              <a:rPr lang="ru-RU" dirty="0" smtClean="0"/>
-              <a:t>Реализация в </a:t>
-            </a:r>
-            <a:r>
-              <a:rPr lang="en-US" i="1" dirty="0" err="1" smtClean="0"/>
-              <a:t>BasePostgresDataBase</a:t>
-            </a:r>
-            <a:endParaRPr lang="en-US" dirty="0" smtClean="0"/>
-          </a:p>
-          <a:p>
-            <a:r>
-              <a:rPr lang="ru-RU" dirty="0" smtClean="0"/>
-              <a:t>Каждый сервис наследует базовый класс, предоставляя данные для подключения к БД.</a:t>
-            </a:r>
-            <a:endParaRPr lang="ru-RU" dirty="0"/>
-          </a:p>
-        </p:txBody>
-      </p:sp>
-      <p:sp>
-        <p:nvSpPr>
-          <p:cNvPr id="47" name="TextBox 46"/>
-          <p:cNvSpPr txBox="1"/>
-          <p:nvPr/>
-        </p:nvSpPr>
-        <p:spPr>
-          <a:xfrm>
-            <a:off x="4722211" y="1629133"/>
-            <a:ext cx="2732653" cy="1200329"/>
-          </a:xfrm>
-          <a:prstGeom prst="rect">
-            <a:avLst/>
-          </a:prstGeom>
-          <a:noFill/>
-        </p:spPr>
-        <p:txBody>
-          <a:bodyPr wrap="square" rtlCol="0">
-            <a:spAutoFit/>
-          </a:bodyPr>
-          <a:lstStyle/>
-          <a:p>
-            <a:pPr algn="ctr"/>
-            <a:r>
-              <a:rPr lang="ru-RU" dirty="0" smtClean="0"/>
-              <a:t>Объект, содержащий информацию о том, как правильно общаться с БД для каждой из моделей</a:t>
-            </a:r>
-            <a:endParaRPr lang="ru-RU" dirty="0"/>
-          </a:p>
-        </p:txBody>
-      </p:sp>
-      <p:sp>
-        <p:nvSpPr>
-          <p:cNvPr id="48" name="TextBox 47"/>
-          <p:cNvSpPr txBox="1"/>
-          <p:nvPr/>
-        </p:nvSpPr>
-        <p:spPr>
-          <a:xfrm>
-            <a:off x="8534397" y="1767539"/>
-            <a:ext cx="2732653" cy="646331"/>
-          </a:xfrm>
-          <a:prstGeom prst="rect">
-            <a:avLst/>
-          </a:prstGeom>
-          <a:noFill/>
-        </p:spPr>
-        <p:txBody>
-          <a:bodyPr wrap="square" rtlCol="0">
-            <a:spAutoFit/>
-          </a:bodyPr>
-          <a:lstStyle/>
-          <a:p>
-            <a:pPr algn="ctr"/>
-            <a:r>
-              <a:rPr lang="en-US" dirty="0" smtClean="0"/>
-              <a:t>Data-</a:t>
-            </a:r>
-            <a:r>
-              <a:rPr lang="ru-RU" dirty="0" smtClean="0"/>
-              <a:t>объект, содержащий значащую информацию</a:t>
-            </a:r>
-            <a:endParaRPr lang="ru-RU" dirty="0"/>
-          </a:p>
-        </p:txBody>
-      </p:sp>
-      <p:sp>
-        <p:nvSpPr>
-          <p:cNvPr id="49" name="TextBox 48"/>
-          <p:cNvSpPr txBox="1"/>
-          <p:nvPr/>
-        </p:nvSpPr>
-        <p:spPr>
-          <a:xfrm>
-            <a:off x="8534396" y="2552274"/>
-            <a:ext cx="2732653" cy="2031325"/>
-          </a:xfrm>
-          <a:prstGeom prst="rect">
-            <a:avLst/>
-          </a:prstGeom>
-          <a:noFill/>
-        </p:spPr>
-        <p:txBody>
-          <a:bodyPr wrap="square" rtlCol="0">
-            <a:spAutoFit/>
-          </a:bodyPr>
-          <a:lstStyle/>
-          <a:p>
-            <a:pPr marL="285750" indent="-285750">
-              <a:buFont typeface="Arial" panose="020B0604020202020204" pitchFamily="34" charset="0"/>
-              <a:buChar char="•"/>
-            </a:pPr>
-            <a:r>
-              <a:rPr lang="ru-RU" dirty="0" smtClean="0"/>
-              <a:t>Хранит информацию</a:t>
-            </a:r>
-          </a:p>
-          <a:p>
-            <a:pPr marL="285750" indent="-285750">
-              <a:buFont typeface="Arial" panose="020B0604020202020204" pitchFamily="34" charset="0"/>
-              <a:buChar char="•"/>
-            </a:pPr>
-            <a:r>
-              <a:rPr lang="ru-RU" dirty="0" smtClean="0"/>
-              <a:t>Предоставляет методы для задания</a:t>
-            </a:r>
-            <a:r>
-              <a:rPr lang="ru-RU" dirty="0"/>
-              <a:t> </a:t>
-            </a:r>
-            <a:r>
-              <a:rPr lang="ru-RU" dirty="0" smtClean="0"/>
-              <a:t>и получения данных</a:t>
-            </a:r>
-          </a:p>
-          <a:p>
-            <a:pPr marL="285750" indent="-285750">
-              <a:buFont typeface="Arial" panose="020B0604020202020204" pitchFamily="34" charset="0"/>
-              <a:buChar char="•"/>
-            </a:pPr>
-            <a:r>
-              <a:rPr lang="ru-RU" dirty="0" smtClean="0"/>
-              <a:t>Может использоваться при передаче данных между сервисами</a:t>
-            </a:r>
-            <a:endParaRPr lang="ru-RU" dirty="0"/>
-          </a:p>
-        </p:txBody>
-      </p:sp>
-      <p:sp>
-        <p:nvSpPr>
-          <p:cNvPr id="50" name="TextBox 49"/>
-          <p:cNvSpPr txBox="1"/>
-          <p:nvPr/>
-        </p:nvSpPr>
-        <p:spPr>
-          <a:xfrm>
-            <a:off x="8544947" y="4583599"/>
-            <a:ext cx="2732653" cy="2031325"/>
-          </a:xfrm>
-          <a:prstGeom prst="rect">
-            <a:avLst/>
-          </a:prstGeom>
-          <a:noFill/>
-        </p:spPr>
-        <p:txBody>
-          <a:bodyPr wrap="square" rtlCol="0">
-            <a:spAutoFit/>
-          </a:bodyPr>
-          <a:lstStyle/>
-          <a:p>
-            <a:pPr algn="ctr"/>
-            <a:r>
-              <a:rPr lang="ru-RU" dirty="0" smtClean="0"/>
-              <a:t>Существует базовая реализация </a:t>
-            </a:r>
-            <a:r>
-              <a:rPr lang="en-US" i="1" dirty="0" err="1" smtClean="0"/>
-              <a:t>AbstractModel</a:t>
-            </a:r>
-            <a:endParaRPr lang="ru-RU" dirty="0" smtClean="0"/>
-          </a:p>
-          <a:p>
-            <a:r>
-              <a:rPr lang="ru-RU" dirty="0"/>
-              <a:t>Н</a:t>
-            </a:r>
-            <a:r>
-              <a:rPr lang="ru-RU" dirty="0" smtClean="0"/>
-              <a:t>аследоваться от неё необязательно, если нет необходимости получать объект по </a:t>
-            </a:r>
-            <a:r>
-              <a:rPr lang="en-US" dirty="0" smtClean="0"/>
-              <a:t>ID</a:t>
-            </a:r>
-            <a:r>
-              <a:rPr lang="ru-RU" dirty="0" smtClean="0"/>
-              <a:t>.</a:t>
-            </a:r>
-            <a:endParaRPr lang="ru-RU" dirty="0"/>
-          </a:p>
-        </p:txBody>
-      </p:sp>
-      <p:sp>
-        <p:nvSpPr>
-          <p:cNvPr id="51" name="TextBox 50"/>
-          <p:cNvSpPr txBox="1"/>
-          <p:nvPr/>
-        </p:nvSpPr>
-        <p:spPr>
-          <a:xfrm>
-            <a:off x="4716035" y="2829462"/>
-            <a:ext cx="2732653" cy="2031325"/>
-          </a:xfrm>
-          <a:prstGeom prst="rect">
-            <a:avLst/>
-          </a:prstGeom>
-          <a:noFill/>
-        </p:spPr>
-        <p:txBody>
-          <a:bodyPr wrap="square" rtlCol="0">
-            <a:spAutoFit/>
-          </a:bodyPr>
-          <a:lstStyle/>
-          <a:p>
-            <a:pPr marL="285750" indent="-285750">
-              <a:buFont typeface="Arial" panose="020B0604020202020204" pitchFamily="34" charset="0"/>
-              <a:buChar char="•"/>
-            </a:pPr>
-            <a:r>
-              <a:rPr lang="ru-RU" dirty="0" smtClean="0"/>
-              <a:t>Создаёт </a:t>
-            </a:r>
-            <a:r>
-              <a:rPr lang="en-US" dirty="0" smtClean="0"/>
-              <a:t>SQL</a:t>
-            </a:r>
-            <a:r>
-              <a:rPr lang="ru-RU" dirty="0" smtClean="0"/>
-              <a:t> запросы для получения </a:t>
-            </a:r>
-            <a:r>
-              <a:rPr lang="ru-RU" dirty="0"/>
-              <a:t>(</a:t>
-            </a:r>
-            <a:r>
-              <a:rPr lang="ru-RU" dirty="0" smtClean="0"/>
-              <a:t>отправки) объектов моделей из (в) БД.</a:t>
-            </a:r>
-          </a:p>
-          <a:p>
-            <a:pPr marL="285750" indent="-285750">
-              <a:buFont typeface="Arial" panose="020B0604020202020204" pitchFamily="34" charset="0"/>
-              <a:buChar char="•"/>
-            </a:pPr>
-            <a:r>
-              <a:rPr lang="ru-RU" dirty="0" smtClean="0"/>
-              <a:t>Создаёт объекты из результатов </a:t>
-            </a:r>
-            <a:r>
-              <a:rPr lang="en-US" dirty="0" smtClean="0"/>
-              <a:t>SQL</a:t>
-            </a:r>
-            <a:r>
-              <a:rPr lang="ru-RU" dirty="0" smtClean="0"/>
-              <a:t> запросов</a:t>
-            </a:r>
-            <a:endParaRPr lang="ru-RU" dirty="0"/>
-          </a:p>
-        </p:txBody>
-      </p:sp>
-      <p:sp>
-        <p:nvSpPr>
-          <p:cNvPr id="52" name="TextBox 51"/>
-          <p:cNvSpPr txBox="1"/>
-          <p:nvPr/>
-        </p:nvSpPr>
-        <p:spPr>
-          <a:xfrm>
-            <a:off x="4722211" y="4860787"/>
-            <a:ext cx="2732653" cy="1692771"/>
-          </a:xfrm>
-          <a:prstGeom prst="rect">
-            <a:avLst/>
-          </a:prstGeom>
-          <a:noFill/>
-        </p:spPr>
-        <p:txBody>
-          <a:bodyPr wrap="square" rtlCol="0">
-            <a:spAutoFit/>
-          </a:bodyPr>
-          <a:lstStyle/>
-          <a:p>
-            <a:pPr algn="ctr"/>
-            <a:r>
-              <a:rPr lang="ru-RU" dirty="0" smtClean="0"/>
-              <a:t>Реализация в </a:t>
-            </a:r>
-            <a:r>
-              <a:rPr lang="en-US" sz="1600" i="1" dirty="0" err="1" smtClean="0"/>
-              <a:t>BaseDatabaseConnector</a:t>
-            </a:r>
-            <a:r>
-              <a:rPr lang="en-US" sz="1600" i="1" dirty="0" smtClean="0"/>
-              <a:t>&lt;T</a:t>
-            </a:r>
-            <a:r>
-              <a:rPr lang="en-US" sz="1600" dirty="0" smtClean="0"/>
-              <a:t>&gt;</a:t>
-            </a:r>
-            <a:r>
-              <a:rPr lang="ru-RU" sz="1600" dirty="0"/>
-              <a:t> </a:t>
-            </a:r>
-            <a:r>
-              <a:rPr lang="ru-RU" sz="1600" dirty="0" smtClean="0"/>
-              <a:t>и </a:t>
-            </a:r>
-            <a:r>
-              <a:rPr lang="en-US" sz="1600" i="1" dirty="0" err="1" smtClean="0"/>
-              <a:t>AbstractModelD</a:t>
-            </a:r>
-            <a:r>
-              <a:rPr lang="en-US" sz="1600" i="1" dirty="0" smtClean="0"/>
-              <a:t>…C…&lt;T&gt;</a:t>
-            </a:r>
-            <a:endParaRPr lang="ru-RU" sz="1600" i="1" dirty="0"/>
-          </a:p>
-          <a:p>
-            <a:r>
-              <a:rPr lang="ru-RU" dirty="0" smtClean="0"/>
-              <a:t>Наследуется для каждой модели, для которой необходима работа с БД.</a:t>
-            </a:r>
-            <a:endParaRPr lang="en-US" dirty="0" smtClean="0"/>
-          </a:p>
-        </p:txBody>
-      </p:sp>
+      </p:pic>
     </p:spTree>
     <p:extLst>
       <p:ext uri="{BB962C8B-B14F-4D97-AF65-F5344CB8AC3E}">
-        <p14:creationId xmlns:p14="http://schemas.microsoft.com/office/powerpoint/2010/main" val="3588891117"/>
+        <p14:creationId xmlns:p14="http://schemas.microsoft.com/office/powerpoint/2010/main" val="660279725"/>
       </p:ext>
     </p:extLst>
   </p:cSld>

--- a/docs/Java 3 - presentation (without animation).pptx
+++ b/docs/Java 3 - presentation (without animation).pptx
@@ -19,8 +19,8 @@
     <p:sldId id="290" r:id="rId13"/>
     <p:sldId id="291" r:id="rId14"/>
     <p:sldId id="289" r:id="rId15"/>
-    <p:sldId id="285" r:id="rId16"/>
-    <p:sldId id="287" r:id="rId17"/>
+    <p:sldId id="295" r:id="rId16"/>
+    <p:sldId id="294" r:id="rId17"/>
     <p:sldId id="288" r:id="rId18"/>
     <p:sldId id="283" r:id="rId19"/>
     <p:sldId id="284" r:id="rId20"/>
@@ -10945,1217 +10945,21 @@
           <a:p>
             <a:pPr algn="ctr"/>
             <a:r>
-              <a:rPr lang="ru-RU" sz="6000" b="1" dirty="0" smtClean="0"/>
+              <a:rPr lang="ru-RU" sz="6000" b="1" dirty="0"/>
               <a:t>Нагрузочное тестирование</a:t>
             </a:r>
           </a:p>
         </p:txBody>
       </p:sp>
-      <p:grpSp>
-        <p:nvGrpSpPr>
-          <p:cNvPr id="21" name="Группа 20"/>
-          <p:cNvGrpSpPr/>
-          <p:nvPr/>
-        </p:nvGrpSpPr>
-        <p:grpSpPr>
-          <a:xfrm>
-            <a:off x="4925878" y="2385151"/>
-            <a:ext cx="2370872" cy="2743056"/>
-            <a:chOff x="5209972" y="2363809"/>
-            <a:chExt cx="2370872" cy="2743056"/>
-          </a:xfrm>
-        </p:grpSpPr>
-        <p:sp>
-          <p:nvSpPr>
-            <p:cNvPr id="3" name="TextBox 2"/>
-            <p:cNvSpPr txBox="1"/>
-            <p:nvPr/>
-          </p:nvSpPr>
-          <p:spPr>
-            <a:xfrm>
-              <a:off x="5238536" y="2363809"/>
-              <a:ext cx="2342308" cy="2646878"/>
-            </a:xfrm>
-            <a:prstGeom prst="rect">
-              <a:avLst/>
-            </a:prstGeom>
-            <a:noFill/>
-          </p:spPr>
-          <p:txBody>
-            <a:bodyPr wrap="none" rtlCol="0">
-              <a:spAutoFit/>
-            </a:bodyPr>
-            <a:lstStyle/>
-            <a:p>
-              <a:r>
-                <a:rPr lang="ru-RU" sz="16600" dirty="0" smtClean="0"/>
-                <a:t>50</a:t>
-              </a:r>
-              <a:endParaRPr lang="ru-RU" sz="16600" dirty="0"/>
-            </a:p>
-          </p:txBody>
-        </p:sp>
-        <p:sp>
-          <p:nvSpPr>
-            <p:cNvPr id="17" name="TextBox 16"/>
-            <p:cNvSpPr txBox="1"/>
-            <p:nvPr/>
-          </p:nvSpPr>
-          <p:spPr>
-            <a:xfrm>
-              <a:off x="5224254" y="2402734"/>
-              <a:ext cx="2342308" cy="2646878"/>
-            </a:xfrm>
-            <a:prstGeom prst="rect">
-              <a:avLst/>
-            </a:prstGeom>
-            <a:noFill/>
-          </p:spPr>
-          <p:txBody>
-            <a:bodyPr wrap="none" rtlCol="0">
-              <a:spAutoFit/>
-            </a:bodyPr>
-            <a:lstStyle/>
-            <a:p>
-              <a:r>
-                <a:rPr lang="ru-RU" sz="16600" dirty="0" smtClean="0">
-                  <a:solidFill>
-                    <a:schemeClr val="accent1">
-                      <a:lumMod val="50000"/>
-                    </a:schemeClr>
-                  </a:solidFill>
-                </a:rPr>
-                <a:t>50</a:t>
-              </a:r>
-              <a:endParaRPr lang="ru-RU" sz="16600" dirty="0">
-                <a:solidFill>
-                  <a:schemeClr val="accent1">
-                    <a:lumMod val="50000"/>
-                  </a:schemeClr>
-                </a:solidFill>
-              </a:endParaRPr>
-            </a:p>
-          </p:txBody>
-        </p:sp>
-        <p:sp>
-          <p:nvSpPr>
-            <p:cNvPr id="18" name="TextBox 17"/>
-            <p:cNvSpPr txBox="1"/>
-            <p:nvPr/>
-          </p:nvSpPr>
-          <p:spPr>
-            <a:xfrm>
-              <a:off x="5209972" y="2459987"/>
-              <a:ext cx="2342308" cy="2646878"/>
-            </a:xfrm>
-            <a:prstGeom prst="rect">
-              <a:avLst/>
-            </a:prstGeom>
-            <a:noFill/>
-          </p:spPr>
-          <p:txBody>
-            <a:bodyPr wrap="none" rtlCol="0">
-              <a:spAutoFit/>
-            </a:bodyPr>
-            <a:lstStyle/>
-            <a:p>
-              <a:r>
-                <a:rPr lang="ru-RU" sz="16600" dirty="0" smtClean="0">
-                  <a:solidFill>
-                    <a:schemeClr val="accent1"/>
-                  </a:solidFill>
-                </a:rPr>
-                <a:t>50</a:t>
-              </a:r>
-              <a:endParaRPr lang="ru-RU" sz="16600" dirty="0">
-                <a:solidFill>
-                  <a:schemeClr val="accent1"/>
-                </a:solidFill>
-              </a:endParaRPr>
-            </a:p>
-          </p:txBody>
-        </p:sp>
-      </p:grpSp>
-      <p:grpSp>
-        <p:nvGrpSpPr>
-          <p:cNvPr id="6" name="Группа 5"/>
-          <p:cNvGrpSpPr/>
-          <p:nvPr/>
-        </p:nvGrpSpPr>
-        <p:grpSpPr>
-          <a:xfrm>
-            <a:off x="4567030" y="4338629"/>
-            <a:ext cx="3088569" cy="1163026"/>
-            <a:chOff x="5079572" y="3999265"/>
-            <a:chExt cx="3088569" cy="1163026"/>
-          </a:xfrm>
-        </p:grpSpPr>
-        <p:sp>
-          <p:nvSpPr>
-            <p:cNvPr id="7" name="TextBox 6"/>
-            <p:cNvSpPr txBox="1"/>
-            <p:nvPr/>
-          </p:nvSpPr>
-          <p:spPr>
-            <a:xfrm>
-              <a:off x="5108136" y="3999265"/>
-              <a:ext cx="3060005" cy="1107996"/>
-            </a:xfrm>
-            <a:prstGeom prst="rect">
-              <a:avLst/>
-            </a:prstGeom>
-            <a:noFill/>
-          </p:spPr>
-          <p:txBody>
-            <a:bodyPr wrap="none" rtlCol="0">
-              <a:spAutoFit/>
-            </a:bodyPr>
-            <a:lstStyle/>
-            <a:p>
-              <a:r>
-                <a:rPr lang="ru-RU" sz="6600" dirty="0" smtClean="0"/>
-                <a:t>потоков</a:t>
-              </a:r>
-              <a:endParaRPr lang="ru-RU" sz="6600" dirty="0"/>
-            </a:p>
-          </p:txBody>
-        </p:sp>
-        <p:sp>
-          <p:nvSpPr>
-            <p:cNvPr id="19" name="TextBox 18"/>
-            <p:cNvSpPr txBox="1"/>
-            <p:nvPr/>
-          </p:nvSpPr>
-          <p:spPr>
-            <a:xfrm>
-              <a:off x="5093854" y="4026780"/>
-              <a:ext cx="3060005" cy="1107996"/>
-            </a:xfrm>
-            <a:prstGeom prst="rect">
-              <a:avLst/>
-            </a:prstGeom>
-            <a:noFill/>
-          </p:spPr>
-          <p:txBody>
-            <a:bodyPr wrap="none" rtlCol="0">
-              <a:spAutoFit/>
-            </a:bodyPr>
-            <a:lstStyle/>
-            <a:p>
-              <a:r>
-                <a:rPr lang="ru-RU" sz="6600" dirty="0" smtClean="0">
-                  <a:solidFill>
-                    <a:schemeClr val="accent1">
-                      <a:lumMod val="50000"/>
-                    </a:schemeClr>
-                  </a:solidFill>
-                </a:rPr>
-                <a:t>потоков</a:t>
-              </a:r>
-              <a:endParaRPr lang="ru-RU" sz="6600" dirty="0">
-                <a:solidFill>
-                  <a:schemeClr val="accent1">
-                    <a:lumMod val="50000"/>
-                  </a:schemeClr>
-                </a:solidFill>
-              </a:endParaRPr>
-            </a:p>
-          </p:txBody>
-        </p:sp>
-        <p:sp>
-          <p:nvSpPr>
-            <p:cNvPr id="20" name="TextBox 19"/>
-            <p:cNvSpPr txBox="1"/>
-            <p:nvPr/>
-          </p:nvSpPr>
-          <p:spPr>
-            <a:xfrm>
-              <a:off x="5079572" y="4054295"/>
-              <a:ext cx="3060005" cy="1107996"/>
-            </a:xfrm>
-            <a:prstGeom prst="rect">
-              <a:avLst/>
-            </a:prstGeom>
-            <a:noFill/>
-          </p:spPr>
-          <p:txBody>
-            <a:bodyPr wrap="none" rtlCol="0">
-              <a:spAutoFit/>
-            </a:bodyPr>
-            <a:lstStyle/>
-            <a:p>
-              <a:r>
-                <a:rPr lang="ru-RU" sz="6600" dirty="0" smtClean="0">
-                  <a:solidFill>
-                    <a:schemeClr val="accent1"/>
-                  </a:solidFill>
-                </a:rPr>
-                <a:t>потоков</a:t>
-              </a:r>
-              <a:endParaRPr lang="ru-RU" sz="6600" dirty="0">
-                <a:solidFill>
-                  <a:schemeClr val="accent1"/>
-                </a:solidFill>
-              </a:endParaRPr>
-            </a:p>
-          </p:txBody>
-        </p:sp>
-      </p:grpSp>
-      <p:grpSp>
-        <p:nvGrpSpPr>
-          <p:cNvPr id="26" name="Группа 25"/>
-          <p:cNvGrpSpPr/>
-          <p:nvPr/>
-        </p:nvGrpSpPr>
-        <p:grpSpPr>
-          <a:xfrm>
-            <a:off x="9229827" y="2525189"/>
-            <a:ext cx="1734727" cy="1919108"/>
-            <a:chOff x="5182474" y="2363809"/>
-            <a:chExt cx="1734727" cy="1919108"/>
-          </a:xfrm>
-        </p:grpSpPr>
-        <p:sp>
-          <p:nvSpPr>
-            <p:cNvPr id="27" name="TextBox 26"/>
-            <p:cNvSpPr txBox="1"/>
-            <p:nvPr/>
-          </p:nvSpPr>
-          <p:spPr>
-            <a:xfrm>
-              <a:off x="5238536" y="2363809"/>
-              <a:ext cx="1678665" cy="1862048"/>
-            </a:xfrm>
-            <a:prstGeom prst="rect">
-              <a:avLst/>
-            </a:prstGeom>
-            <a:noFill/>
-          </p:spPr>
-          <p:txBody>
-            <a:bodyPr wrap="none" rtlCol="0">
-              <a:spAutoFit/>
-            </a:bodyPr>
-            <a:lstStyle/>
-            <a:p>
-              <a:r>
-                <a:rPr lang="en-US" sz="11500" dirty="0"/>
-                <a:t>7</a:t>
-              </a:r>
-              <a:r>
-                <a:rPr lang="ru-RU" sz="11500" dirty="0" smtClean="0"/>
-                <a:t>0</a:t>
-              </a:r>
-              <a:endParaRPr lang="ru-RU" sz="11500" dirty="0"/>
-            </a:p>
-          </p:txBody>
-        </p:sp>
-        <p:sp>
-          <p:nvSpPr>
-            <p:cNvPr id="28" name="TextBox 27"/>
-            <p:cNvSpPr txBox="1"/>
-            <p:nvPr/>
-          </p:nvSpPr>
-          <p:spPr>
-            <a:xfrm>
-              <a:off x="5224254" y="2396133"/>
-              <a:ext cx="1678665" cy="1862048"/>
-            </a:xfrm>
-            <a:prstGeom prst="rect">
-              <a:avLst/>
-            </a:prstGeom>
-            <a:noFill/>
-          </p:spPr>
-          <p:txBody>
-            <a:bodyPr wrap="none" rtlCol="0">
-              <a:spAutoFit/>
-            </a:bodyPr>
-            <a:lstStyle/>
-            <a:p>
-              <a:r>
-                <a:rPr lang="en-US" sz="11500" dirty="0">
-                  <a:solidFill>
-                    <a:schemeClr val="accent6">
-                      <a:lumMod val="50000"/>
-                    </a:schemeClr>
-                  </a:solidFill>
-                </a:rPr>
-                <a:t>7</a:t>
-              </a:r>
-              <a:r>
-                <a:rPr lang="ru-RU" sz="11500" dirty="0" smtClean="0">
-                  <a:solidFill>
-                    <a:schemeClr val="accent6">
-                      <a:lumMod val="50000"/>
-                    </a:schemeClr>
-                  </a:solidFill>
-                </a:rPr>
-                <a:t>0</a:t>
-              </a:r>
-              <a:endParaRPr lang="ru-RU" sz="11500" dirty="0">
-                <a:solidFill>
-                  <a:schemeClr val="accent6">
-                    <a:lumMod val="50000"/>
-                  </a:schemeClr>
-                </a:solidFill>
-              </a:endParaRPr>
-            </a:p>
-          </p:txBody>
-        </p:sp>
-        <p:sp>
-          <p:nvSpPr>
-            <p:cNvPr id="29" name="TextBox 28"/>
-            <p:cNvSpPr txBox="1"/>
-            <p:nvPr/>
-          </p:nvSpPr>
-          <p:spPr>
-            <a:xfrm>
-              <a:off x="5182474" y="2420869"/>
-              <a:ext cx="1678665" cy="1862048"/>
-            </a:xfrm>
-            <a:prstGeom prst="rect">
-              <a:avLst/>
-            </a:prstGeom>
-            <a:noFill/>
-          </p:spPr>
-          <p:txBody>
-            <a:bodyPr wrap="none" rtlCol="0">
-              <a:spAutoFit/>
-            </a:bodyPr>
-            <a:lstStyle/>
-            <a:p>
-              <a:r>
-                <a:rPr lang="en-US" sz="11500" dirty="0" smtClean="0">
-                  <a:solidFill>
-                    <a:schemeClr val="accent6"/>
-                  </a:solidFill>
-                </a:rPr>
-                <a:t>7</a:t>
-              </a:r>
-              <a:r>
-                <a:rPr lang="ru-RU" sz="11500" dirty="0" smtClean="0">
-                  <a:solidFill>
-                    <a:schemeClr val="accent6"/>
-                  </a:solidFill>
-                </a:rPr>
-                <a:t>0</a:t>
-              </a:r>
-              <a:endParaRPr lang="ru-RU" sz="11500" dirty="0">
-                <a:solidFill>
-                  <a:schemeClr val="accent6"/>
-                </a:solidFill>
-              </a:endParaRPr>
-            </a:p>
-          </p:txBody>
-        </p:sp>
-      </p:grpSp>
-      <p:grpSp>
-        <p:nvGrpSpPr>
-          <p:cNvPr id="30" name="Группа 29"/>
-          <p:cNvGrpSpPr/>
-          <p:nvPr/>
-        </p:nvGrpSpPr>
-        <p:grpSpPr>
-          <a:xfrm>
-            <a:off x="8554455" y="2759849"/>
-            <a:ext cx="947405" cy="1920242"/>
-            <a:chOff x="5209972" y="2363809"/>
-            <a:chExt cx="947405" cy="1920242"/>
-          </a:xfrm>
-        </p:grpSpPr>
-        <p:sp>
-          <p:nvSpPr>
-            <p:cNvPr id="31" name="TextBox 30"/>
-            <p:cNvSpPr txBox="1"/>
-            <p:nvPr/>
-          </p:nvSpPr>
-          <p:spPr>
-            <a:xfrm>
-              <a:off x="5238536" y="2363809"/>
-              <a:ext cx="918841" cy="1862048"/>
-            </a:xfrm>
-            <a:prstGeom prst="rect">
-              <a:avLst/>
-            </a:prstGeom>
-            <a:noFill/>
-          </p:spPr>
-          <p:txBody>
-            <a:bodyPr wrap="none" rtlCol="0">
-              <a:spAutoFit/>
-            </a:bodyPr>
-            <a:lstStyle/>
-            <a:p>
-              <a:r>
-                <a:rPr lang="en-US" sz="11500" dirty="0"/>
-                <a:t>~</a:t>
-              </a:r>
-              <a:endParaRPr lang="ru-RU" sz="11500" dirty="0"/>
-            </a:p>
-          </p:txBody>
-        </p:sp>
-        <p:sp>
-          <p:nvSpPr>
-            <p:cNvPr id="32" name="TextBox 31"/>
-            <p:cNvSpPr txBox="1"/>
-            <p:nvPr/>
-          </p:nvSpPr>
-          <p:spPr>
-            <a:xfrm>
-              <a:off x="5224254" y="2396133"/>
-              <a:ext cx="918841" cy="1862048"/>
-            </a:xfrm>
-            <a:prstGeom prst="rect">
-              <a:avLst/>
-            </a:prstGeom>
-            <a:noFill/>
-          </p:spPr>
-          <p:txBody>
-            <a:bodyPr wrap="none" rtlCol="0">
-              <a:spAutoFit/>
-            </a:bodyPr>
-            <a:lstStyle/>
-            <a:p>
-              <a:r>
-                <a:rPr lang="en-US" sz="11500" dirty="0" smtClean="0">
-                  <a:solidFill>
-                    <a:schemeClr val="accent6">
-                      <a:lumMod val="50000"/>
-                    </a:schemeClr>
-                  </a:solidFill>
-                </a:rPr>
-                <a:t>~</a:t>
-              </a:r>
-              <a:endParaRPr lang="ru-RU" sz="11500" dirty="0">
-                <a:solidFill>
-                  <a:schemeClr val="accent6">
-                    <a:lumMod val="50000"/>
-                  </a:schemeClr>
-                </a:solidFill>
-              </a:endParaRPr>
-            </a:p>
-          </p:txBody>
-        </p:sp>
-        <p:sp>
-          <p:nvSpPr>
-            <p:cNvPr id="33" name="TextBox 32"/>
-            <p:cNvSpPr txBox="1"/>
-            <p:nvPr/>
-          </p:nvSpPr>
-          <p:spPr>
-            <a:xfrm>
-              <a:off x="5209972" y="2422003"/>
-              <a:ext cx="918841" cy="1862048"/>
-            </a:xfrm>
-            <a:prstGeom prst="rect">
-              <a:avLst/>
-            </a:prstGeom>
-            <a:noFill/>
-          </p:spPr>
-          <p:txBody>
-            <a:bodyPr wrap="none" rtlCol="0">
-              <a:spAutoFit/>
-            </a:bodyPr>
-            <a:lstStyle/>
-            <a:p>
-              <a:r>
-                <a:rPr lang="en-US" sz="11500" dirty="0">
-                  <a:solidFill>
-                    <a:schemeClr val="accent6"/>
-                  </a:solidFill>
-                </a:rPr>
-                <a:t>~</a:t>
-              </a:r>
-              <a:endParaRPr lang="ru-RU" sz="11500" dirty="0">
-                <a:solidFill>
-                  <a:schemeClr val="accent6"/>
-                </a:solidFill>
-              </a:endParaRPr>
-            </a:p>
-          </p:txBody>
-        </p:sp>
-      </p:grpSp>
-      <p:grpSp>
-        <p:nvGrpSpPr>
-          <p:cNvPr id="34" name="Группа 33"/>
-          <p:cNvGrpSpPr/>
-          <p:nvPr/>
-        </p:nvGrpSpPr>
-        <p:grpSpPr>
-          <a:xfrm>
-            <a:off x="10474972" y="3676882"/>
-            <a:ext cx="1255580" cy="1244352"/>
-            <a:chOff x="3053214" y="2452588"/>
-            <a:chExt cx="1255580" cy="1244352"/>
-          </a:xfrm>
-        </p:grpSpPr>
-        <p:sp>
-          <p:nvSpPr>
-            <p:cNvPr id="35" name="TextBox 34"/>
-            <p:cNvSpPr txBox="1"/>
-            <p:nvPr/>
-          </p:nvSpPr>
-          <p:spPr>
-            <a:xfrm>
-              <a:off x="3107824" y="2452588"/>
-              <a:ext cx="1200970" cy="1200329"/>
-            </a:xfrm>
-            <a:prstGeom prst="rect">
-              <a:avLst/>
-            </a:prstGeom>
-            <a:noFill/>
-          </p:spPr>
-          <p:txBody>
-            <a:bodyPr wrap="none" rtlCol="0">
-              <a:spAutoFit/>
-            </a:bodyPr>
-            <a:lstStyle/>
-            <a:p>
-              <a:r>
-                <a:rPr lang="ru-RU" sz="7200" dirty="0" err="1" smtClean="0"/>
-                <a:t>мс</a:t>
-              </a:r>
-              <a:endParaRPr lang="ru-RU" sz="7200" dirty="0"/>
-            </a:p>
-          </p:txBody>
-        </p:sp>
-        <p:sp>
-          <p:nvSpPr>
-            <p:cNvPr id="36" name="TextBox 35"/>
-            <p:cNvSpPr txBox="1"/>
-            <p:nvPr/>
-          </p:nvSpPr>
-          <p:spPr>
-            <a:xfrm>
-              <a:off x="3080519" y="2466109"/>
-              <a:ext cx="1200970" cy="1200329"/>
-            </a:xfrm>
-            <a:prstGeom prst="rect">
-              <a:avLst/>
-            </a:prstGeom>
-            <a:noFill/>
-          </p:spPr>
-          <p:txBody>
-            <a:bodyPr wrap="none" rtlCol="0">
-              <a:spAutoFit/>
-            </a:bodyPr>
-            <a:lstStyle/>
-            <a:p>
-              <a:r>
-                <a:rPr lang="ru-RU" sz="7200" dirty="0" err="1" smtClean="0">
-                  <a:solidFill>
-                    <a:schemeClr val="accent6">
-                      <a:lumMod val="50000"/>
-                    </a:schemeClr>
-                  </a:solidFill>
-                </a:rPr>
-                <a:t>мс</a:t>
-              </a:r>
-              <a:endParaRPr lang="ru-RU" sz="7200" dirty="0">
-                <a:solidFill>
-                  <a:schemeClr val="accent6">
-                    <a:lumMod val="50000"/>
-                  </a:schemeClr>
-                </a:solidFill>
-              </a:endParaRPr>
-            </a:p>
-          </p:txBody>
-        </p:sp>
-        <p:sp>
-          <p:nvSpPr>
-            <p:cNvPr id="37" name="TextBox 36"/>
-            <p:cNvSpPr txBox="1"/>
-            <p:nvPr/>
-          </p:nvSpPr>
-          <p:spPr>
-            <a:xfrm>
-              <a:off x="3053214" y="2496611"/>
-              <a:ext cx="1200970" cy="1200329"/>
-            </a:xfrm>
-            <a:prstGeom prst="rect">
-              <a:avLst/>
-            </a:prstGeom>
-            <a:noFill/>
-          </p:spPr>
-          <p:txBody>
-            <a:bodyPr wrap="none" rtlCol="0">
-              <a:spAutoFit/>
-            </a:bodyPr>
-            <a:lstStyle/>
-            <a:p>
-              <a:r>
-                <a:rPr lang="ru-RU" sz="7200" dirty="0" err="1" smtClean="0">
-                  <a:solidFill>
-                    <a:schemeClr val="accent6"/>
-                  </a:solidFill>
-                </a:rPr>
-                <a:t>мс</a:t>
-              </a:r>
-              <a:endParaRPr lang="ru-RU" sz="7200" dirty="0">
-                <a:solidFill>
-                  <a:schemeClr val="accent6"/>
-                </a:solidFill>
-              </a:endParaRPr>
-            </a:p>
-          </p:txBody>
-        </p:sp>
-      </p:grpSp>
-      <p:grpSp>
-        <p:nvGrpSpPr>
-          <p:cNvPr id="38" name="Группа 37"/>
-          <p:cNvGrpSpPr/>
-          <p:nvPr/>
-        </p:nvGrpSpPr>
-        <p:grpSpPr>
-          <a:xfrm>
-            <a:off x="5423840" y="5505015"/>
-            <a:ext cx="1344319" cy="754164"/>
-            <a:chOff x="3713801" y="5263909"/>
-            <a:chExt cx="2435860" cy="1366519"/>
-          </a:xfrm>
-        </p:grpSpPr>
-        <p:pic>
-          <p:nvPicPr>
-            <p:cNvPr id="39" name="Picture 2" descr="Иконка «Пользователь» — скачай бесплатно PNG и векторе"/>
-            <p:cNvPicPr>
-              <a:picLocks noChangeAspect="1" noChangeArrowheads="1"/>
-            </p:cNvPicPr>
-            <p:nvPr/>
-          </p:nvPicPr>
-          <p:blipFill>
-            <a:blip r:embed="rId2" cstate="print">
-              <a:extLst>
-                <a:ext uri="{28A0092B-C50C-407E-A947-70E740481C1C}">
-                  <a14:useLocalDpi xmlns:a14="http://schemas.microsoft.com/office/drawing/2010/main" val="0"/>
-                </a:ext>
-              </a:extLst>
-            </a:blip>
-            <a:srcRect/>
-            <a:stretch>
-              <a:fillRect/>
-            </a:stretch>
-          </p:blipFill>
-          <p:spPr bwMode="auto">
-            <a:xfrm>
-              <a:off x="4931731" y="5397258"/>
-              <a:ext cx="1217930" cy="1217930"/>
-            </a:xfrm>
-            <a:prstGeom prst="rect">
-              <a:avLst/>
-            </a:prstGeom>
-            <a:noFill/>
-            <a:extLst>
-              <a:ext uri="{909E8E84-426E-40DD-AFC4-6F175D3DCCD1}">
-                <a14:hiddenFill xmlns:a14="http://schemas.microsoft.com/office/drawing/2010/main">
-                  <a:solidFill>
-                    <a:srgbClr val="FFFFFF"/>
-                  </a:solidFill>
-                </a14:hiddenFill>
-              </a:ext>
-            </a:extLst>
-          </p:spPr>
-        </p:pic>
-        <p:pic>
-          <p:nvPicPr>
-            <p:cNvPr id="40" name="Picture 2" descr="Иконка «Пользователь» — скачай бесплатно PNG и векторе"/>
-            <p:cNvPicPr>
-              <a:picLocks noChangeAspect="1" noChangeArrowheads="1"/>
-            </p:cNvPicPr>
-            <p:nvPr/>
-          </p:nvPicPr>
-          <p:blipFill>
-            <a:blip r:embed="rId3" cstate="print">
-              <a:extLst>
-                <a:ext uri="{28A0092B-C50C-407E-A947-70E740481C1C}">
-                  <a14:useLocalDpi xmlns:a14="http://schemas.microsoft.com/office/drawing/2010/main" val="0"/>
-                </a:ext>
-              </a:extLst>
-            </a:blip>
-            <a:srcRect/>
-            <a:stretch>
-              <a:fillRect/>
-            </a:stretch>
-          </p:blipFill>
-          <p:spPr bwMode="auto">
-            <a:xfrm>
-              <a:off x="4248471" y="5263909"/>
-              <a:ext cx="1366519" cy="1366519"/>
-            </a:xfrm>
-            <a:prstGeom prst="rect">
-              <a:avLst/>
-            </a:prstGeom>
-            <a:noFill/>
-            <a:extLst>
-              <a:ext uri="{909E8E84-426E-40DD-AFC4-6F175D3DCCD1}">
-                <a14:hiddenFill xmlns:a14="http://schemas.microsoft.com/office/drawing/2010/main">
-                  <a:solidFill>
-                    <a:srgbClr val="FFFFFF"/>
-                  </a:solidFill>
-                </a14:hiddenFill>
-              </a:ext>
-            </a:extLst>
-          </p:spPr>
-        </p:pic>
-        <p:pic>
-          <p:nvPicPr>
-            <p:cNvPr id="41" name="Picture 2" descr="Иконка «Пользователь» — скачай бесплатно PNG и векторе"/>
-            <p:cNvPicPr>
-              <a:picLocks noChangeAspect="1" noChangeArrowheads="1"/>
-            </p:cNvPicPr>
-            <p:nvPr/>
-          </p:nvPicPr>
-          <p:blipFill>
-            <a:blip r:embed="rId2" cstate="print">
-              <a:extLst>
-                <a:ext uri="{28A0092B-C50C-407E-A947-70E740481C1C}">
-                  <a14:useLocalDpi xmlns:a14="http://schemas.microsoft.com/office/drawing/2010/main" val="0"/>
-                </a:ext>
-              </a:extLst>
-            </a:blip>
-            <a:srcRect/>
-            <a:stretch>
-              <a:fillRect/>
-            </a:stretch>
-          </p:blipFill>
-          <p:spPr bwMode="auto">
-            <a:xfrm>
-              <a:off x="3713801" y="5397258"/>
-              <a:ext cx="1217930" cy="1217930"/>
-            </a:xfrm>
-            <a:prstGeom prst="rect">
-              <a:avLst/>
-            </a:prstGeom>
-            <a:noFill/>
-            <a:extLst>
-              <a:ext uri="{909E8E84-426E-40DD-AFC4-6F175D3DCCD1}">
-                <a14:hiddenFill xmlns:a14="http://schemas.microsoft.com/office/drawing/2010/main">
-                  <a:solidFill>
-                    <a:srgbClr val="FFFFFF"/>
-                  </a:solidFill>
-                </a14:hiddenFill>
-              </a:ext>
-            </a:extLst>
-          </p:spPr>
-        </p:pic>
-      </p:grpSp>
-      <p:grpSp>
-        <p:nvGrpSpPr>
-          <p:cNvPr id="42" name="Группа 41"/>
-          <p:cNvGrpSpPr/>
-          <p:nvPr/>
-        </p:nvGrpSpPr>
-        <p:grpSpPr>
-          <a:xfrm>
-            <a:off x="914401" y="3103040"/>
-            <a:ext cx="2583542" cy="1235729"/>
-            <a:chOff x="1468006" y="2553901"/>
-            <a:chExt cx="2583542" cy="1235729"/>
-          </a:xfrm>
-        </p:grpSpPr>
-        <p:sp>
-          <p:nvSpPr>
-            <p:cNvPr id="43" name="TextBox 42"/>
-            <p:cNvSpPr txBox="1"/>
-            <p:nvPr/>
-          </p:nvSpPr>
-          <p:spPr>
-            <a:xfrm>
-              <a:off x="1468006" y="2553901"/>
-              <a:ext cx="2525050" cy="1200329"/>
-            </a:xfrm>
-            <a:prstGeom prst="rect">
-              <a:avLst/>
-            </a:prstGeom>
-            <a:noFill/>
-          </p:spPr>
-          <p:txBody>
-            <a:bodyPr wrap="none" rtlCol="0">
-              <a:spAutoFit/>
-            </a:bodyPr>
-            <a:lstStyle/>
-            <a:p>
-              <a:r>
-                <a:rPr lang="ru-RU" sz="7200" dirty="0" smtClean="0"/>
-                <a:t>20000</a:t>
-              </a:r>
-              <a:endParaRPr lang="ru-RU" sz="7200" dirty="0"/>
-            </a:p>
-          </p:txBody>
-        </p:sp>
-        <p:sp>
-          <p:nvSpPr>
-            <p:cNvPr id="44" name="TextBox 43"/>
-            <p:cNvSpPr txBox="1"/>
-            <p:nvPr/>
-          </p:nvSpPr>
-          <p:spPr>
-            <a:xfrm>
-              <a:off x="1497252" y="2563731"/>
-              <a:ext cx="2525050" cy="1200329"/>
-            </a:xfrm>
-            <a:prstGeom prst="rect">
-              <a:avLst/>
-            </a:prstGeom>
-            <a:noFill/>
-          </p:spPr>
-          <p:txBody>
-            <a:bodyPr wrap="none" rtlCol="0">
-              <a:spAutoFit/>
-            </a:bodyPr>
-            <a:lstStyle/>
-            <a:p>
-              <a:r>
-                <a:rPr lang="ru-RU" sz="7200" dirty="0" smtClean="0">
-                  <a:solidFill>
-                    <a:schemeClr val="accent2">
-                      <a:lumMod val="50000"/>
-                    </a:schemeClr>
-                  </a:solidFill>
-                </a:rPr>
-                <a:t>20000</a:t>
-              </a:r>
-              <a:endParaRPr lang="ru-RU" sz="7200" dirty="0">
-                <a:solidFill>
-                  <a:schemeClr val="accent2">
-                    <a:lumMod val="50000"/>
-                  </a:schemeClr>
-                </a:solidFill>
-              </a:endParaRPr>
-            </a:p>
-          </p:txBody>
-        </p:sp>
-        <p:sp>
-          <p:nvSpPr>
-            <p:cNvPr id="45" name="TextBox 44"/>
-            <p:cNvSpPr txBox="1"/>
-            <p:nvPr/>
-          </p:nvSpPr>
-          <p:spPr>
-            <a:xfrm>
-              <a:off x="1526498" y="2589301"/>
-              <a:ext cx="2525050" cy="1200329"/>
-            </a:xfrm>
-            <a:prstGeom prst="rect">
-              <a:avLst/>
-            </a:prstGeom>
-            <a:noFill/>
-          </p:spPr>
-          <p:txBody>
-            <a:bodyPr wrap="none" rtlCol="0">
-              <a:spAutoFit/>
-            </a:bodyPr>
-            <a:lstStyle/>
-            <a:p>
-              <a:r>
-                <a:rPr lang="ru-RU" sz="7200" dirty="0" smtClean="0">
-                  <a:solidFill>
-                    <a:schemeClr val="accent2"/>
-                  </a:solidFill>
-                </a:rPr>
-                <a:t>20000</a:t>
-              </a:r>
-              <a:endParaRPr lang="ru-RU" sz="7200" dirty="0">
-                <a:solidFill>
-                  <a:schemeClr val="accent2"/>
-                </a:solidFill>
-              </a:endParaRPr>
-            </a:p>
-          </p:txBody>
-        </p:sp>
-      </p:grpSp>
-      <p:grpSp>
-        <p:nvGrpSpPr>
-          <p:cNvPr id="50" name="Группа 49"/>
-          <p:cNvGrpSpPr/>
-          <p:nvPr/>
-        </p:nvGrpSpPr>
-        <p:grpSpPr>
-          <a:xfrm>
-            <a:off x="1562713" y="3839209"/>
-            <a:ext cx="1257734" cy="1265191"/>
-            <a:chOff x="1694768" y="2373608"/>
-            <a:chExt cx="1257734" cy="1265191"/>
-          </a:xfrm>
-        </p:grpSpPr>
-        <p:sp>
-          <p:nvSpPr>
-            <p:cNvPr id="51" name="TextBox 50"/>
-            <p:cNvSpPr txBox="1"/>
-            <p:nvPr/>
-          </p:nvSpPr>
-          <p:spPr>
-            <a:xfrm>
-              <a:off x="1694768" y="2373608"/>
-              <a:ext cx="1200970" cy="1200329"/>
-            </a:xfrm>
-            <a:prstGeom prst="rect">
-              <a:avLst/>
-            </a:prstGeom>
-            <a:noFill/>
-          </p:spPr>
-          <p:txBody>
-            <a:bodyPr wrap="none" rtlCol="0">
-              <a:spAutoFit/>
-            </a:bodyPr>
-            <a:lstStyle/>
-            <a:p>
-              <a:r>
-                <a:rPr lang="ru-RU" sz="7200" dirty="0" err="1" smtClean="0"/>
-                <a:t>мс</a:t>
-              </a:r>
-              <a:endParaRPr lang="ru-RU" sz="7200" dirty="0"/>
-            </a:p>
-          </p:txBody>
-        </p:sp>
-        <p:sp>
-          <p:nvSpPr>
-            <p:cNvPr id="52" name="TextBox 51"/>
-            <p:cNvSpPr txBox="1"/>
-            <p:nvPr/>
-          </p:nvSpPr>
-          <p:spPr>
-            <a:xfrm>
-              <a:off x="1723150" y="2410423"/>
-              <a:ext cx="1200970" cy="1200329"/>
-            </a:xfrm>
-            <a:prstGeom prst="rect">
-              <a:avLst/>
-            </a:prstGeom>
-            <a:noFill/>
-          </p:spPr>
-          <p:txBody>
-            <a:bodyPr wrap="none" rtlCol="0">
-              <a:spAutoFit/>
-            </a:bodyPr>
-            <a:lstStyle/>
-            <a:p>
-              <a:r>
-                <a:rPr lang="ru-RU" sz="7200" dirty="0" err="1" smtClean="0">
-                  <a:solidFill>
-                    <a:schemeClr val="accent2">
-                      <a:lumMod val="50000"/>
-                    </a:schemeClr>
-                  </a:solidFill>
-                </a:rPr>
-                <a:t>мс</a:t>
-              </a:r>
-              <a:endParaRPr lang="ru-RU" sz="7200" dirty="0">
-                <a:solidFill>
-                  <a:schemeClr val="accent2">
-                    <a:lumMod val="50000"/>
-                  </a:schemeClr>
-                </a:solidFill>
-              </a:endParaRPr>
-            </a:p>
-          </p:txBody>
-        </p:sp>
-        <p:sp>
-          <p:nvSpPr>
-            <p:cNvPr id="53" name="TextBox 52"/>
-            <p:cNvSpPr txBox="1"/>
-            <p:nvPr/>
-          </p:nvSpPr>
-          <p:spPr>
-            <a:xfrm>
-              <a:off x="1751532" y="2438470"/>
-              <a:ext cx="1200970" cy="1200329"/>
-            </a:xfrm>
-            <a:prstGeom prst="rect">
-              <a:avLst/>
-            </a:prstGeom>
-            <a:noFill/>
-          </p:spPr>
-          <p:txBody>
-            <a:bodyPr wrap="none" rtlCol="0">
-              <a:spAutoFit/>
-            </a:bodyPr>
-            <a:lstStyle/>
-            <a:p>
-              <a:r>
-                <a:rPr lang="ru-RU" sz="7200" dirty="0" err="1" smtClean="0">
-                  <a:solidFill>
-                    <a:schemeClr val="accent2"/>
-                  </a:solidFill>
-                </a:rPr>
-                <a:t>мс</a:t>
-              </a:r>
-              <a:endParaRPr lang="ru-RU" sz="7200" dirty="0">
-                <a:solidFill>
-                  <a:schemeClr val="accent2"/>
-                </a:solidFill>
-              </a:endParaRPr>
-            </a:p>
-          </p:txBody>
-        </p:sp>
-      </p:grpSp>
-      <p:grpSp>
-        <p:nvGrpSpPr>
-          <p:cNvPr id="54" name="Группа 53"/>
-          <p:cNvGrpSpPr/>
-          <p:nvPr/>
-        </p:nvGrpSpPr>
-        <p:grpSpPr>
-          <a:xfrm>
-            <a:off x="141444" y="2992080"/>
-            <a:ext cx="974425" cy="1885131"/>
-            <a:chOff x="6605491" y="2383176"/>
-            <a:chExt cx="974425" cy="1885131"/>
-          </a:xfrm>
-        </p:grpSpPr>
-        <p:sp>
-          <p:nvSpPr>
-            <p:cNvPr id="55" name="TextBox 54"/>
-            <p:cNvSpPr txBox="1"/>
-            <p:nvPr/>
-          </p:nvSpPr>
-          <p:spPr>
-            <a:xfrm>
-              <a:off x="6605491" y="2383176"/>
-              <a:ext cx="918841" cy="1862048"/>
-            </a:xfrm>
-            <a:prstGeom prst="rect">
-              <a:avLst/>
-            </a:prstGeom>
-            <a:noFill/>
-          </p:spPr>
-          <p:txBody>
-            <a:bodyPr wrap="none" rtlCol="0">
-              <a:spAutoFit/>
-            </a:bodyPr>
-            <a:lstStyle/>
-            <a:p>
-              <a:r>
-                <a:rPr lang="en-US" sz="11500" dirty="0"/>
-                <a:t>~</a:t>
-              </a:r>
-              <a:endParaRPr lang="ru-RU" sz="11500" dirty="0"/>
-            </a:p>
-          </p:txBody>
-        </p:sp>
-        <p:sp>
-          <p:nvSpPr>
-            <p:cNvPr id="56" name="TextBox 55"/>
-            <p:cNvSpPr txBox="1"/>
-            <p:nvPr/>
-          </p:nvSpPr>
-          <p:spPr>
-            <a:xfrm>
-              <a:off x="6629813" y="2393561"/>
-              <a:ext cx="918841" cy="1862048"/>
-            </a:xfrm>
-            <a:prstGeom prst="rect">
-              <a:avLst/>
-            </a:prstGeom>
-            <a:noFill/>
-          </p:spPr>
-          <p:txBody>
-            <a:bodyPr wrap="none" rtlCol="0">
-              <a:spAutoFit/>
-            </a:bodyPr>
-            <a:lstStyle/>
-            <a:p>
-              <a:r>
-                <a:rPr lang="en-US" sz="11500" dirty="0" smtClean="0">
-                  <a:solidFill>
-                    <a:schemeClr val="accent2">
-                      <a:lumMod val="50000"/>
-                    </a:schemeClr>
-                  </a:solidFill>
-                </a:rPr>
-                <a:t>~</a:t>
-              </a:r>
-              <a:endParaRPr lang="ru-RU" sz="11500" dirty="0">
-                <a:solidFill>
-                  <a:schemeClr val="accent2">
-                    <a:lumMod val="50000"/>
-                  </a:schemeClr>
-                </a:solidFill>
-              </a:endParaRPr>
-            </a:p>
-          </p:txBody>
-        </p:sp>
-        <p:sp>
-          <p:nvSpPr>
-            <p:cNvPr id="57" name="TextBox 56"/>
-            <p:cNvSpPr txBox="1"/>
-            <p:nvPr/>
-          </p:nvSpPr>
-          <p:spPr>
-            <a:xfrm>
-              <a:off x="6661075" y="2406259"/>
-              <a:ext cx="918841" cy="1862048"/>
-            </a:xfrm>
-            <a:prstGeom prst="rect">
-              <a:avLst/>
-            </a:prstGeom>
-            <a:noFill/>
-          </p:spPr>
-          <p:txBody>
-            <a:bodyPr wrap="none" rtlCol="0">
-              <a:spAutoFit/>
-            </a:bodyPr>
-            <a:lstStyle/>
-            <a:p>
-              <a:r>
-                <a:rPr lang="en-US" sz="11500" dirty="0">
-                  <a:solidFill>
-                    <a:schemeClr val="accent2"/>
-                  </a:solidFill>
-                </a:rPr>
-                <a:t>~</a:t>
-              </a:r>
-              <a:endParaRPr lang="ru-RU" sz="11500" dirty="0">
-                <a:solidFill>
-                  <a:schemeClr val="accent2"/>
-                </a:solidFill>
-              </a:endParaRPr>
-            </a:p>
-          </p:txBody>
-        </p:sp>
-      </p:grpSp>
       <p:sp>
         <p:nvSpPr>
-          <p:cNvPr id="58" name="TextBox 57"/>
+          <p:cNvPr id="5" name="TextBox 4"/>
           <p:cNvSpPr txBox="1"/>
           <p:nvPr/>
         </p:nvSpPr>
         <p:spPr>
           <a:xfrm>
-            <a:off x="209965" y="1277476"/>
-            <a:ext cx="4686004" cy="1200329"/>
-          </a:xfrm>
-          <a:prstGeom prst="rect">
-            <a:avLst/>
-          </a:prstGeom>
-          <a:noFill/>
-        </p:spPr>
-        <p:txBody>
-          <a:bodyPr wrap="square" rtlCol="0">
-            <a:spAutoFit/>
-          </a:bodyPr>
-          <a:lstStyle/>
-          <a:p>
-            <a:pPr algn="ctr"/>
-            <a:r>
-              <a:rPr lang="ru-RU" b="1" dirty="0" smtClean="0"/>
-              <a:t>Локальная машина</a:t>
-            </a:r>
-          </a:p>
-          <a:p>
-            <a:r>
-              <a:rPr lang="ru-RU" dirty="0" smtClean="0"/>
-              <a:t>Сервисы запущены на локальной машине, однако обращение к БД происходит через Интернет.</a:t>
-            </a:r>
-          </a:p>
-        </p:txBody>
-      </p:sp>
-      <p:sp>
-        <p:nvSpPr>
-          <p:cNvPr id="59" name="TextBox 58"/>
-          <p:cNvSpPr txBox="1"/>
-          <p:nvPr/>
-        </p:nvSpPr>
-        <p:spPr>
-          <a:xfrm>
-            <a:off x="8237269" y="5462403"/>
+            <a:off x="7487996" y="1315927"/>
             <a:ext cx="3599400" cy="923330"/>
           </a:xfrm>
           <a:prstGeom prst="rect">
@@ -12190,413 +10994,6 @@
           </a:p>
         </p:txBody>
       </p:sp>
-      <p:pic>
-        <p:nvPicPr>
-          <p:cNvPr id="60" name="Рисунок 59"/>
-          <p:cNvPicPr>
-            <a:picLocks noChangeAspect="1"/>
-          </p:cNvPicPr>
-          <p:nvPr/>
-        </p:nvPicPr>
-        <p:blipFill>
-          <a:blip r:embed="rId4" cstate="print">
-            <a:extLst>
-              <a:ext uri="{28A0092B-C50C-407E-A947-70E740481C1C}">
-                <a14:useLocalDpi xmlns:a14="http://schemas.microsoft.com/office/drawing/2010/main" val="0"/>
-              </a:ext>
-            </a:extLst>
-          </a:blip>
-          <a:stretch>
-            <a:fillRect/>
-          </a:stretch>
-        </p:blipFill>
-        <p:spPr>
-          <a:xfrm>
-            <a:off x="11039853" y="4822845"/>
-            <a:ext cx="988749" cy="1035832"/>
-          </a:xfrm>
-          <a:prstGeom prst="rect">
-            <a:avLst/>
-          </a:prstGeom>
-        </p:spPr>
-      </p:pic>
-      <p:pic>
-        <p:nvPicPr>
-          <p:cNvPr id="61" name="Picture 4" descr="Flat laptop icon laptop - Transparent PNG &amp;amp; SVG vector file"/>
-          <p:cNvPicPr>
-            <a:picLocks noChangeAspect="1" noChangeArrowheads="1"/>
-          </p:cNvPicPr>
-          <p:nvPr/>
-        </p:nvPicPr>
-        <p:blipFill>
-          <a:blip r:embed="rId5" cstate="print">
-            <a:extLst>
-              <a:ext uri="{28A0092B-C50C-407E-A947-70E740481C1C}">
-                <a14:useLocalDpi xmlns:a14="http://schemas.microsoft.com/office/drawing/2010/main" val="0"/>
-              </a:ext>
-            </a:extLst>
-          </a:blip>
-          <a:srcRect/>
-          <a:stretch>
-            <a:fillRect/>
-          </a:stretch>
-        </p:blipFill>
-        <p:spPr bwMode="auto">
-          <a:xfrm>
-            <a:off x="1435707" y="1956116"/>
-            <a:ext cx="1231359" cy="1231359"/>
-          </a:xfrm>
-          <a:prstGeom prst="rect">
-            <a:avLst/>
-          </a:prstGeom>
-          <a:noFill/>
-          <a:extLst>
-            <a:ext uri="{909E8E84-426E-40DD-AFC4-6F175D3DCCD1}">
-              <a14:hiddenFill xmlns:a14="http://schemas.microsoft.com/office/drawing/2010/main">
-                <a:solidFill>
-                  <a:srgbClr val="FFFFFF"/>
-                </a:solidFill>
-              </a14:hiddenFill>
-            </a:ext>
-          </a:extLst>
-        </p:spPr>
-      </p:pic>
-      <p:grpSp>
-        <p:nvGrpSpPr>
-          <p:cNvPr id="62" name="Группа 61"/>
-          <p:cNvGrpSpPr/>
-          <p:nvPr/>
-        </p:nvGrpSpPr>
-        <p:grpSpPr>
-          <a:xfrm>
-            <a:off x="2912332" y="2208435"/>
-            <a:ext cx="794300" cy="675360"/>
-            <a:chOff x="2912332" y="2208435"/>
-            <a:chExt cx="794300" cy="675360"/>
-          </a:xfrm>
-        </p:grpSpPr>
-        <p:pic>
-          <p:nvPicPr>
-            <p:cNvPr id="63" name="Picture 4" descr="Center, data, digital, server icon - Download on Iconfinder"/>
-            <p:cNvPicPr>
-              <a:picLocks noChangeAspect="1" noChangeArrowheads="1"/>
-            </p:cNvPicPr>
-            <p:nvPr/>
-          </p:nvPicPr>
-          <p:blipFill>
-            <a:blip r:embed="rId6" cstate="print">
-              <a:extLst>
-                <a:ext uri="{28A0092B-C50C-407E-A947-70E740481C1C}">
-                  <a14:useLocalDpi xmlns:a14="http://schemas.microsoft.com/office/drawing/2010/main" val="0"/>
-                </a:ext>
-              </a:extLst>
-            </a:blip>
-            <a:srcRect/>
-            <a:stretch>
-              <a:fillRect/>
-            </a:stretch>
-          </p:blipFill>
-          <p:spPr bwMode="auto">
-            <a:xfrm>
-              <a:off x="3041824" y="2208435"/>
-              <a:ext cx="664808" cy="664808"/>
-            </a:xfrm>
-            <a:prstGeom prst="rect">
-              <a:avLst/>
-            </a:prstGeom>
-            <a:noFill/>
-            <a:extLst>
-              <a:ext uri="{909E8E84-426E-40DD-AFC4-6F175D3DCCD1}">
-                <a14:hiddenFill xmlns:a14="http://schemas.microsoft.com/office/drawing/2010/main">
-                  <a:solidFill>
-                    <a:srgbClr val="FFFFFF"/>
-                  </a:solidFill>
-                </a14:hiddenFill>
-              </a:ext>
-            </a:extLst>
-          </p:spPr>
-        </p:pic>
-        <p:pic>
-          <p:nvPicPr>
-            <p:cNvPr id="64" name="Picture 8" descr="Web icon - Material Core"/>
-            <p:cNvPicPr>
-              <a:picLocks noChangeAspect="1" noChangeArrowheads="1"/>
-            </p:cNvPicPr>
-            <p:nvPr/>
-          </p:nvPicPr>
-          <p:blipFill>
-            <a:blip r:embed="rId7" cstate="print">
-              <a:extLst>
-                <a:ext uri="{28A0092B-C50C-407E-A947-70E740481C1C}">
-                  <a14:useLocalDpi xmlns:a14="http://schemas.microsoft.com/office/drawing/2010/main" val="0"/>
-                </a:ext>
-              </a:extLst>
-            </a:blip>
-            <a:srcRect/>
-            <a:stretch>
-              <a:fillRect/>
-            </a:stretch>
-          </p:blipFill>
-          <p:spPr bwMode="auto">
-            <a:xfrm>
-              <a:off x="2912332" y="2501505"/>
-              <a:ext cx="382290" cy="382290"/>
-            </a:xfrm>
-            <a:prstGeom prst="rect">
-              <a:avLst/>
-            </a:prstGeom>
-            <a:noFill/>
-            <a:extLst>
-              <a:ext uri="{909E8E84-426E-40DD-AFC4-6F175D3DCCD1}">
-                <a14:hiddenFill xmlns:a14="http://schemas.microsoft.com/office/drawing/2010/main">
-                  <a:solidFill>
-                    <a:srgbClr val="FFFFFF"/>
-                  </a:solidFill>
-                </a14:hiddenFill>
-              </a:ext>
-            </a:extLst>
-          </p:spPr>
-        </p:pic>
-      </p:grpSp>
-      <p:sp>
-        <p:nvSpPr>
-          <p:cNvPr id="23" name="TextBox 22"/>
-          <p:cNvSpPr txBox="1"/>
-          <p:nvPr/>
-        </p:nvSpPr>
-        <p:spPr>
-          <a:xfrm>
-            <a:off x="4429987" y="5188697"/>
-            <a:ext cx="3615349" cy="369332"/>
-          </a:xfrm>
-          <a:prstGeom prst="rect">
-            <a:avLst/>
-          </a:prstGeom>
-          <a:noFill/>
-        </p:spPr>
-        <p:txBody>
-          <a:bodyPr wrap="none" rtlCol="0">
-            <a:spAutoFit/>
-          </a:bodyPr>
-          <a:lstStyle/>
-          <a:p>
-            <a:r>
-              <a:rPr lang="ru-RU" dirty="0"/>
-              <a:t>д</a:t>
-            </a:r>
-            <a:r>
-              <a:rPr lang="ru-RU" dirty="0" smtClean="0"/>
-              <a:t>ля запросов к основному сервису</a:t>
-            </a:r>
-            <a:endParaRPr lang="ru-RU" dirty="0"/>
-          </a:p>
-        </p:txBody>
-      </p:sp>
-    </p:spTree>
-    <p:extLst>
-      <p:ext uri="{BB962C8B-B14F-4D97-AF65-F5344CB8AC3E}">
-        <p14:creationId xmlns:p14="http://schemas.microsoft.com/office/powerpoint/2010/main" val="3893388173"/>
-      </p:ext>
-    </p:extLst>
-  </p:cSld>
-  <p:clrMapOvr>
-    <a:masterClrMapping/>
-  </p:clrMapOvr>
-  <mc:AlternateContent xmlns:mc="http://schemas.openxmlformats.org/markup-compatibility/2006" xmlns:p14="http://schemas.microsoft.com/office/powerpoint/2010/main">
-    <mc:Choice Requires="p14">
-      <p:transition spd="slow" p14:dur="2000"/>
-    </mc:Choice>
-    <mc:Fallback xmlns="">
-      <p:transition spd="slow"/>
-    </mc:Fallback>
-  </mc:AlternateContent>
-  <p:timing>
-    <p:tnLst>
-      <p:par>
-        <p:cTn id="1" dur="indefinite" restart="never" nodeType="tmRoot"/>
-      </p:par>
-    </p:tnLst>
-  </p:timing>
-</p:sld>
-</file>
-
-<file path=ppt/slides/slide16.xml><?xml version="1.0" encoding="utf-8"?>
-<p:sld xmlns:a="http://schemas.openxmlformats.org/drawingml/2006/main" xmlns:r="http://schemas.openxmlformats.org/officeDocument/2006/relationships" xmlns:p="http://schemas.openxmlformats.org/presentationml/2006/main">
-  <p:cSld>
-    <p:spTree>
-      <p:nvGrpSpPr>
-        <p:cNvPr id="1" name=""/>
-        <p:cNvGrpSpPr/>
-        <p:nvPr/>
-      </p:nvGrpSpPr>
-      <p:grpSpPr>
-        <a:xfrm>
-          <a:off x="0" y="0"/>
-          <a:ext cx="0" cy="0"/>
-          <a:chOff x="0" y="0"/>
-          <a:chExt cx="0" cy="0"/>
-        </a:xfrm>
-      </p:grpSpPr>
-      <p:sp>
-        <p:nvSpPr>
-          <p:cNvPr id="10" name="TextBox 9"/>
-          <p:cNvSpPr txBox="1"/>
-          <p:nvPr/>
-        </p:nvSpPr>
-        <p:spPr>
-          <a:xfrm>
-            <a:off x="914401" y="151900"/>
-            <a:ext cx="10363199" cy="1015663"/>
-          </a:xfrm>
-          <a:prstGeom prst="rect">
-            <a:avLst/>
-          </a:prstGeom>
-          <a:noFill/>
-        </p:spPr>
-        <p:txBody>
-          <a:bodyPr wrap="square" rtlCol="0" anchor="ctr">
-            <a:spAutoFit/>
-          </a:bodyPr>
-          <a:lstStyle/>
-          <a:p>
-            <a:pPr algn="ctr"/>
-            <a:r>
-              <a:rPr lang="ru-RU" sz="6000" b="1" dirty="0"/>
-              <a:t>Нагрузочное </a:t>
-            </a:r>
-            <a:r>
-              <a:rPr lang="ru-RU" sz="6000" b="1" dirty="0" smtClean="0"/>
-              <a:t>тестирование</a:t>
-            </a:r>
-            <a:endParaRPr lang="ru-RU" sz="6000" b="1" dirty="0"/>
-          </a:p>
-        </p:txBody>
-      </p:sp>
-      <p:grpSp>
-        <p:nvGrpSpPr>
-          <p:cNvPr id="21" name="Группа 20"/>
-          <p:cNvGrpSpPr/>
-          <p:nvPr/>
-        </p:nvGrpSpPr>
-        <p:grpSpPr>
-          <a:xfrm>
-            <a:off x="4041015" y="2034970"/>
-            <a:ext cx="4101011" cy="3272937"/>
-            <a:chOff x="4009073" y="3181955"/>
-            <a:chExt cx="4101011" cy="3272937"/>
-          </a:xfrm>
-        </p:grpSpPr>
-        <p:sp>
-          <p:nvSpPr>
-            <p:cNvPr id="3" name="TextBox 2"/>
-            <p:cNvSpPr txBox="1"/>
-            <p:nvPr/>
-          </p:nvSpPr>
-          <p:spPr>
-            <a:xfrm>
-              <a:off x="4044547" y="3181955"/>
-              <a:ext cx="4065537" cy="3154710"/>
-            </a:xfrm>
-            <a:prstGeom prst="rect">
-              <a:avLst/>
-            </a:prstGeom>
-            <a:noFill/>
-          </p:spPr>
-          <p:txBody>
-            <a:bodyPr wrap="none" rtlCol="0">
-              <a:spAutoFit/>
-            </a:bodyPr>
-            <a:lstStyle/>
-            <a:p>
-              <a:r>
-                <a:rPr lang="ru-RU" sz="19900" dirty="0" smtClean="0"/>
-                <a:t>150</a:t>
-              </a:r>
-              <a:endParaRPr lang="ru-RU" sz="19900" dirty="0"/>
-            </a:p>
-          </p:txBody>
-        </p:sp>
-        <p:sp>
-          <p:nvSpPr>
-            <p:cNvPr id="17" name="TextBox 16"/>
-            <p:cNvSpPr txBox="1"/>
-            <p:nvPr/>
-          </p:nvSpPr>
-          <p:spPr>
-            <a:xfrm>
-              <a:off x="4029963" y="3252120"/>
-              <a:ext cx="4065537" cy="3154710"/>
-            </a:xfrm>
-            <a:prstGeom prst="rect">
-              <a:avLst/>
-            </a:prstGeom>
-            <a:noFill/>
-          </p:spPr>
-          <p:txBody>
-            <a:bodyPr wrap="none" rtlCol="0">
-              <a:spAutoFit/>
-            </a:bodyPr>
-            <a:lstStyle/>
-            <a:p>
-              <a:r>
-                <a:rPr lang="ru-RU" sz="19900" dirty="0" smtClean="0">
-                  <a:solidFill>
-                    <a:schemeClr val="accent1">
-                      <a:lumMod val="50000"/>
-                    </a:schemeClr>
-                  </a:solidFill>
-                </a:rPr>
-                <a:t>150</a:t>
-              </a:r>
-              <a:endParaRPr lang="ru-RU" sz="19900" dirty="0">
-                <a:solidFill>
-                  <a:schemeClr val="accent1">
-                    <a:lumMod val="50000"/>
-                  </a:schemeClr>
-                </a:solidFill>
-              </a:endParaRPr>
-            </a:p>
-          </p:txBody>
-        </p:sp>
-        <p:sp>
-          <p:nvSpPr>
-            <p:cNvPr id="18" name="TextBox 17"/>
-            <p:cNvSpPr txBox="1"/>
-            <p:nvPr/>
-          </p:nvSpPr>
-          <p:spPr>
-            <a:xfrm>
-              <a:off x="4009073" y="3300182"/>
-              <a:ext cx="4065537" cy="3154710"/>
-            </a:xfrm>
-            <a:prstGeom prst="rect">
-              <a:avLst/>
-            </a:prstGeom>
-            <a:noFill/>
-          </p:spPr>
-          <p:txBody>
-            <a:bodyPr wrap="none" rtlCol="0">
-              <a:spAutoFit/>
-            </a:bodyPr>
-            <a:lstStyle/>
-            <a:p>
-              <a:r>
-                <a:rPr lang="ru-RU" sz="19900" dirty="0" smtClean="0">
-                  <a:solidFill>
-                    <a:schemeClr val="accent1"/>
-                  </a:solidFill>
-                </a:rPr>
-                <a:t>150</a:t>
-              </a:r>
-              <a:endParaRPr lang="ru-RU" sz="19900" dirty="0">
-                <a:solidFill>
-                  <a:schemeClr val="accent1"/>
-                </a:solidFill>
-              </a:endParaRPr>
-            </a:p>
-          </p:txBody>
-        </p:sp>
-      </p:grpSp>
       <p:grpSp>
         <p:nvGrpSpPr>
           <p:cNvPr id="6" name="Группа 5"/>
@@ -12605,1909 +11002,7 @@
         </p:nvGrpSpPr>
         <p:grpSpPr>
           <a:xfrm>
-            <a:off x="4567030" y="4338629"/>
-            <a:ext cx="3088569" cy="1163026"/>
-            <a:chOff x="5079572" y="3999265"/>
-            <a:chExt cx="3088569" cy="1163026"/>
-          </a:xfrm>
-        </p:grpSpPr>
-        <p:sp>
-          <p:nvSpPr>
-            <p:cNvPr id="7" name="TextBox 6"/>
-            <p:cNvSpPr txBox="1"/>
-            <p:nvPr/>
-          </p:nvSpPr>
-          <p:spPr>
-            <a:xfrm>
-              <a:off x="5108136" y="3999265"/>
-              <a:ext cx="3060005" cy="1107996"/>
-            </a:xfrm>
-            <a:prstGeom prst="rect">
-              <a:avLst/>
-            </a:prstGeom>
-            <a:noFill/>
-          </p:spPr>
-          <p:txBody>
-            <a:bodyPr wrap="none" rtlCol="0">
-              <a:spAutoFit/>
-            </a:bodyPr>
-            <a:lstStyle/>
-            <a:p>
-              <a:r>
-                <a:rPr lang="ru-RU" sz="6600" dirty="0" smtClean="0"/>
-                <a:t>потоков</a:t>
-              </a:r>
-              <a:endParaRPr lang="ru-RU" sz="6600" dirty="0"/>
-            </a:p>
-          </p:txBody>
-        </p:sp>
-        <p:sp>
-          <p:nvSpPr>
-            <p:cNvPr id="19" name="TextBox 18"/>
-            <p:cNvSpPr txBox="1"/>
-            <p:nvPr/>
-          </p:nvSpPr>
-          <p:spPr>
-            <a:xfrm>
-              <a:off x="5093854" y="4026780"/>
-              <a:ext cx="3060005" cy="1107996"/>
-            </a:xfrm>
-            <a:prstGeom prst="rect">
-              <a:avLst/>
-            </a:prstGeom>
-            <a:noFill/>
-          </p:spPr>
-          <p:txBody>
-            <a:bodyPr wrap="none" rtlCol="0">
-              <a:spAutoFit/>
-            </a:bodyPr>
-            <a:lstStyle/>
-            <a:p>
-              <a:r>
-                <a:rPr lang="ru-RU" sz="6600" dirty="0" smtClean="0">
-                  <a:solidFill>
-                    <a:schemeClr val="accent1">
-                      <a:lumMod val="50000"/>
-                    </a:schemeClr>
-                  </a:solidFill>
-                </a:rPr>
-                <a:t>потоков</a:t>
-              </a:r>
-              <a:endParaRPr lang="ru-RU" sz="6600" dirty="0">
-                <a:solidFill>
-                  <a:schemeClr val="accent1">
-                    <a:lumMod val="50000"/>
-                  </a:schemeClr>
-                </a:solidFill>
-              </a:endParaRPr>
-            </a:p>
-          </p:txBody>
-        </p:sp>
-        <p:sp>
-          <p:nvSpPr>
-            <p:cNvPr id="20" name="TextBox 19"/>
-            <p:cNvSpPr txBox="1"/>
-            <p:nvPr/>
-          </p:nvSpPr>
-          <p:spPr>
-            <a:xfrm>
-              <a:off x="5079572" y="4054295"/>
-              <a:ext cx="3060005" cy="1107996"/>
-            </a:xfrm>
-            <a:prstGeom prst="rect">
-              <a:avLst/>
-            </a:prstGeom>
-            <a:noFill/>
-          </p:spPr>
-          <p:txBody>
-            <a:bodyPr wrap="none" rtlCol="0">
-              <a:spAutoFit/>
-            </a:bodyPr>
-            <a:lstStyle/>
-            <a:p>
-              <a:r>
-                <a:rPr lang="ru-RU" sz="6600" dirty="0" smtClean="0">
-                  <a:solidFill>
-                    <a:schemeClr val="accent1"/>
-                  </a:solidFill>
-                </a:rPr>
-                <a:t>потоков</a:t>
-              </a:r>
-              <a:endParaRPr lang="ru-RU" sz="6600" dirty="0">
-                <a:solidFill>
-                  <a:schemeClr val="accent1"/>
-                </a:solidFill>
-              </a:endParaRPr>
-            </a:p>
-          </p:txBody>
-        </p:sp>
-      </p:grpSp>
-      <p:grpSp>
-        <p:nvGrpSpPr>
-          <p:cNvPr id="26" name="Группа 25"/>
-          <p:cNvGrpSpPr/>
-          <p:nvPr/>
-        </p:nvGrpSpPr>
-        <p:grpSpPr>
-          <a:xfrm>
-            <a:off x="9214641" y="2525189"/>
-            <a:ext cx="2496912" cy="1939423"/>
-            <a:chOff x="5167288" y="2363809"/>
-            <a:chExt cx="2496912" cy="1939423"/>
-          </a:xfrm>
-        </p:grpSpPr>
-        <p:sp>
-          <p:nvSpPr>
-            <p:cNvPr id="27" name="TextBox 26"/>
-            <p:cNvSpPr txBox="1"/>
-            <p:nvPr/>
-          </p:nvSpPr>
-          <p:spPr>
-            <a:xfrm>
-              <a:off x="5238536" y="2363809"/>
-              <a:ext cx="2425664" cy="1862048"/>
-            </a:xfrm>
-            <a:prstGeom prst="rect">
-              <a:avLst/>
-            </a:prstGeom>
-            <a:noFill/>
-          </p:spPr>
-          <p:txBody>
-            <a:bodyPr wrap="none" rtlCol="0">
-              <a:spAutoFit/>
-            </a:bodyPr>
-            <a:lstStyle/>
-            <a:p>
-              <a:r>
-                <a:rPr lang="ru-RU" sz="11500" dirty="0" smtClean="0"/>
-                <a:t>220</a:t>
-              </a:r>
-              <a:endParaRPr lang="ru-RU" sz="11500" dirty="0"/>
-            </a:p>
-          </p:txBody>
-        </p:sp>
-        <p:sp>
-          <p:nvSpPr>
-            <p:cNvPr id="28" name="TextBox 27"/>
-            <p:cNvSpPr txBox="1"/>
-            <p:nvPr/>
-          </p:nvSpPr>
-          <p:spPr>
-            <a:xfrm>
-              <a:off x="5213528" y="2405002"/>
-              <a:ext cx="2425664" cy="1862048"/>
-            </a:xfrm>
-            <a:prstGeom prst="rect">
-              <a:avLst/>
-            </a:prstGeom>
-            <a:noFill/>
-          </p:spPr>
-          <p:txBody>
-            <a:bodyPr wrap="none" rtlCol="0">
-              <a:spAutoFit/>
-            </a:bodyPr>
-            <a:lstStyle/>
-            <a:p>
-              <a:r>
-                <a:rPr lang="ru-RU" sz="11500" dirty="0" smtClean="0">
-                  <a:solidFill>
-                    <a:schemeClr val="accent6">
-                      <a:lumMod val="50000"/>
-                    </a:schemeClr>
-                  </a:solidFill>
-                </a:rPr>
-                <a:t>220</a:t>
-              </a:r>
-              <a:endParaRPr lang="ru-RU" sz="11500" dirty="0">
-                <a:solidFill>
-                  <a:schemeClr val="accent6">
-                    <a:lumMod val="50000"/>
-                  </a:schemeClr>
-                </a:solidFill>
-              </a:endParaRPr>
-            </a:p>
-          </p:txBody>
-        </p:sp>
-        <p:sp>
-          <p:nvSpPr>
-            <p:cNvPr id="29" name="TextBox 28"/>
-            <p:cNvSpPr txBox="1"/>
-            <p:nvPr/>
-          </p:nvSpPr>
-          <p:spPr>
-            <a:xfrm>
-              <a:off x="5167288" y="2441184"/>
-              <a:ext cx="2425664" cy="1862048"/>
-            </a:xfrm>
-            <a:prstGeom prst="rect">
-              <a:avLst/>
-            </a:prstGeom>
-            <a:noFill/>
-          </p:spPr>
-          <p:txBody>
-            <a:bodyPr wrap="none" rtlCol="0">
-              <a:spAutoFit/>
-            </a:bodyPr>
-            <a:lstStyle/>
-            <a:p>
-              <a:r>
-                <a:rPr lang="ru-RU" sz="11500" dirty="0" smtClean="0">
-                  <a:solidFill>
-                    <a:schemeClr val="accent6"/>
-                  </a:solidFill>
-                </a:rPr>
-                <a:t>220</a:t>
-              </a:r>
-              <a:endParaRPr lang="ru-RU" sz="11500" dirty="0">
-                <a:solidFill>
-                  <a:schemeClr val="accent6"/>
-                </a:solidFill>
-              </a:endParaRPr>
-            </a:p>
-          </p:txBody>
-        </p:sp>
-      </p:grpSp>
-      <p:grpSp>
-        <p:nvGrpSpPr>
-          <p:cNvPr id="30" name="Группа 29"/>
-          <p:cNvGrpSpPr/>
-          <p:nvPr/>
-        </p:nvGrpSpPr>
-        <p:grpSpPr>
-          <a:xfrm>
-            <a:off x="8554455" y="2759849"/>
-            <a:ext cx="947405" cy="1920242"/>
-            <a:chOff x="5209972" y="2363809"/>
-            <a:chExt cx="947405" cy="1920242"/>
-          </a:xfrm>
-        </p:grpSpPr>
-        <p:sp>
-          <p:nvSpPr>
-            <p:cNvPr id="31" name="TextBox 30"/>
-            <p:cNvSpPr txBox="1"/>
-            <p:nvPr/>
-          </p:nvSpPr>
-          <p:spPr>
-            <a:xfrm>
-              <a:off x="5238536" y="2363809"/>
-              <a:ext cx="918841" cy="1862048"/>
-            </a:xfrm>
-            <a:prstGeom prst="rect">
-              <a:avLst/>
-            </a:prstGeom>
-            <a:noFill/>
-          </p:spPr>
-          <p:txBody>
-            <a:bodyPr wrap="none" rtlCol="0">
-              <a:spAutoFit/>
-            </a:bodyPr>
-            <a:lstStyle/>
-            <a:p>
-              <a:r>
-                <a:rPr lang="en-US" sz="11500" dirty="0"/>
-                <a:t>~</a:t>
-              </a:r>
-              <a:endParaRPr lang="ru-RU" sz="11500" dirty="0"/>
-            </a:p>
-          </p:txBody>
-        </p:sp>
-        <p:sp>
-          <p:nvSpPr>
-            <p:cNvPr id="32" name="TextBox 31"/>
-            <p:cNvSpPr txBox="1"/>
-            <p:nvPr/>
-          </p:nvSpPr>
-          <p:spPr>
-            <a:xfrm>
-              <a:off x="5224254" y="2396133"/>
-              <a:ext cx="918841" cy="1862048"/>
-            </a:xfrm>
-            <a:prstGeom prst="rect">
-              <a:avLst/>
-            </a:prstGeom>
-            <a:noFill/>
-          </p:spPr>
-          <p:txBody>
-            <a:bodyPr wrap="none" rtlCol="0">
-              <a:spAutoFit/>
-            </a:bodyPr>
-            <a:lstStyle/>
-            <a:p>
-              <a:r>
-                <a:rPr lang="en-US" sz="11500" dirty="0" smtClean="0">
-                  <a:solidFill>
-                    <a:schemeClr val="accent6">
-                      <a:lumMod val="50000"/>
-                    </a:schemeClr>
-                  </a:solidFill>
-                </a:rPr>
-                <a:t>~</a:t>
-              </a:r>
-              <a:endParaRPr lang="ru-RU" sz="11500" dirty="0">
-                <a:solidFill>
-                  <a:schemeClr val="accent6">
-                    <a:lumMod val="50000"/>
-                  </a:schemeClr>
-                </a:solidFill>
-              </a:endParaRPr>
-            </a:p>
-          </p:txBody>
-        </p:sp>
-        <p:sp>
-          <p:nvSpPr>
-            <p:cNvPr id="33" name="TextBox 32"/>
-            <p:cNvSpPr txBox="1"/>
-            <p:nvPr/>
-          </p:nvSpPr>
-          <p:spPr>
-            <a:xfrm>
-              <a:off x="5209972" y="2422003"/>
-              <a:ext cx="918841" cy="1862048"/>
-            </a:xfrm>
-            <a:prstGeom prst="rect">
-              <a:avLst/>
-            </a:prstGeom>
-            <a:noFill/>
-          </p:spPr>
-          <p:txBody>
-            <a:bodyPr wrap="none" rtlCol="0">
-              <a:spAutoFit/>
-            </a:bodyPr>
-            <a:lstStyle/>
-            <a:p>
-              <a:r>
-                <a:rPr lang="en-US" sz="11500" dirty="0">
-                  <a:solidFill>
-                    <a:schemeClr val="accent6"/>
-                  </a:solidFill>
-                </a:rPr>
-                <a:t>~</a:t>
-              </a:r>
-              <a:endParaRPr lang="ru-RU" sz="11500" dirty="0">
-                <a:solidFill>
-                  <a:schemeClr val="accent6"/>
-                </a:solidFill>
-              </a:endParaRPr>
-            </a:p>
-          </p:txBody>
-        </p:sp>
-      </p:grpSp>
-      <p:grpSp>
-        <p:nvGrpSpPr>
-          <p:cNvPr id="34" name="Группа 33"/>
-          <p:cNvGrpSpPr/>
-          <p:nvPr/>
-        </p:nvGrpSpPr>
-        <p:grpSpPr>
-          <a:xfrm>
-            <a:off x="10474972" y="3676882"/>
-            <a:ext cx="1255580" cy="1244352"/>
-            <a:chOff x="3053214" y="2452588"/>
-            <a:chExt cx="1255580" cy="1244352"/>
-          </a:xfrm>
-        </p:grpSpPr>
-        <p:sp>
-          <p:nvSpPr>
-            <p:cNvPr id="35" name="TextBox 34"/>
-            <p:cNvSpPr txBox="1"/>
-            <p:nvPr/>
-          </p:nvSpPr>
-          <p:spPr>
-            <a:xfrm>
-              <a:off x="3107824" y="2452588"/>
-              <a:ext cx="1200970" cy="1200329"/>
-            </a:xfrm>
-            <a:prstGeom prst="rect">
-              <a:avLst/>
-            </a:prstGeom>
-            <a:noFill/>
-          </p:spPr>
-          <p:txBody>
-            <a:bodyPr wrap="none" rtlCol="0">
-              <a:spAutoFit/>
-            </a:bodyPr>
-            <a:lstStyle/>
-            <a:p>
-              <a:r>
-                <a:rPr lang="ru-RU" sz="7200" dirty="0" err="1" smtClean="0"/>
-                <a:t>мс</a:t>
-              </a:r>
-              <a:endParaRPr lang="ru-RU" sz="7200" dirty="0"/>
-            </a:p>
-          </p:txBody>
-        </p:sp>
-        <p:sp>
-          <p:nvSpPr>
-            <p:cNvPr id="36" name="TextBox 35"/>
-            <p:cNvSpPr txBox="1"/>
-            <p:nvPr/>
-          </p:nvSpPr>
-          <p:spPr>
-            <a:xfrm>
-              <a:off x="3080519" y="2466109"/>
-              <a:ext cx="1200970" cy="1200329"/>
-            </a:xfrm>
-            <a:prstGeom prst="rect">
-              <a:avLst/>
-            </a:prstGeom>
-            <a:noFill/>
-          </p:spPr>
-          <p:txBody>
-            <a:bodyPr wrap="none" rtlCol="0">
-              <a:spAutoFit/>
-            </a:bodyPr>
-            <a:lstStyle/>
-            <a:p>
-              <a:r>
-                <a:rPr lang="ru-RU" sz="7200" dirty="0" err="1" smtClean="0">
-                  <a:solidFill>
-                    <a:schemeClr val="accent6">
-                      <a:lumMod val="50000"/>
-                    </a:schemeClr>
-                  </a:solidFill>
-                </a:rPr>
-                <a:t>мс</a:t>
-              </a:r>
-              <a:endParaRPr lang="ru-RU" sz="7200" dirty="0">
-                <a:solidFill>
-                  <a:schemeClr val="accent6">
-                    <a:lumMod val="50000"/>
-                  </a:schemeClr>
-                </a:solidFill>
-              </a:endParaRPr>
-            </a:p>
-          </p:txBody>
-        </p:sp>
-        <p:sp>
-          <p:nvSpPr>
-            <p:cNvPr id="37" name="TextBox 36"/>
-            <p:cNvSpPr txBox="1"/>
-            <p:nvPr/>
-          </p:nvSpPr>
-          <p:spPr>
-            <a:xfrm>
-              <a:off x="3053214" y="2496611"/>
-              <a:ext cx="1200970" cy="1200329"/>
-            </a:xfrm>
-            <a:prstGeom prst="rect">
-              <a:avLst/>
-            </a:prstGeom>
-            <a:noFill/>
-          </p:spPr>
-          <p:txBody>
-            <a:bodyPr wrap="none" rtlCol="0">
-              <a:spAutoFit/>
-            </a:bodyPr>
-            <a:lstStyle/>
-            <a:p>
-              <a:r>
-                <a:rPr lang="ru-RU" sz="7200" dirty="0" err="1" smtClean="0">
-                  <a:solidFill>
-                    <a:schemeClr val="accent6"/>
-                  </a:solidFill>
-                </a:rPr>
-                <a:t>мс</a:t>
-              </a:r>
-              <a:endParaRPr lang="ru-RU" sz="7200" dirty="0">
-                <a:solidFill>
-                  <a:schemeClr val="accent6"/>
-                </a:solidFill>
-              </a:endParaRPr>
-            </a:p>
-          </p:txBody>
-        </p:sp>
-      </p:grpSp>
-      <p:grpSp>
-        <p:nvGrpSpPr>
-          <p:cNvPr id="42" name="Группа 41"/>
-          <p:cNvGrpSpPr/>
-          <p:nvPr/>
-        </p:nvGrpSpPr>
-        <p:grpSpPr>
-          <a:xfrm>
-            <a:off x="929926" y="3109154"/>
-            <a:ext cx="2566976" cy="1229159"/>
-            <a:chOff x="1502119" y="3131705"/>
-            <a:chExt cx="2566976" cy="1229159"/>
-          </a:xfrm>
-        </p:grpSpPr>
-        <p:sp>
-          <p:nvSpPr>
-            <p:cNvPr id="43" name="TextBox 42"/>
-            <p:cNvSpPr txBox="1"/>
-            <p:nvPr/>
-          </p:nvSpPr>
-          <p:spPr>
-            <a:xfrm>
-              <a:off x="1502119" y="3131705"/>
-              <a:ext cx="2525050" cy="1200329"/>
-            </a:xfrm>
-            <a:prstGeom prst="rect">
-              <a:avLst/>
-            </a:prstGeom>
-            <a:noFill/>
-          </p:spPr>
-          <p:txBody>
-            <a:bodyPr wrap="none" rtlCol="0">
-              <a:spAutoFit/>
-            </a:bodyPr>
-            <a:lstStyle/>
-            <a:p>
-              <a:r>
-                <a:rPr lang="en-US" sz="7200" dirty="0" smtClean="0"/>
-                <a:t>77000</a:t>
-              </a:r>
-              <a:endParaRPr lang="ru-RU" sz="7200" dirty="0"/>
-            </a:p>
-          </p:txBody>
-        </p:sp>
-        <p:sp>
-          <p:nvSpPr>
-            <p:cNvPr id="44" name="TextBox 43"/>
-            <p:cNvSpPr txBox="1"/>
-            <p:nvPr/>
-          </p:nvSpPr>
-          <p:spPr>
-            <a:xfrm>
-              <a:off x="1529763" y="3153836"/>
-              <a:ext cx="2525050" cy="1200329"/>
-            </a:xfrm>
-            <a:prstGeom prst="rect">
-              <a:avLst/>
-            </a:prstGeom>
-            <a:noFill/>
-          </p:spPr>
-          <p:txBody>
-            <a:bodyPr wrap="none" rtlCol="0">
-              <a:spAutoFit/>
-            </a:bodyPr>
-            <a:lstStyle/>
-            <a:p>
-              <a:r>
-                <a:rPr lang="en-US" sz="7200" dirty="0" smtClean="0">
-                  <a:solidFill>
-                    <a:schemeClr val="accent2">
-                      <a:lumMod val="50000"/>
-                    </a:schemeClr>
-                  </a:solidFill>
-                </a:rPr>
-                <a:t>77000</a:t>
-              </a:r>
-              <a:endParaRPr lang="ru-RU" sz="7200" dirty="0">
-                <a:solidFill>
-                  <a:schemeClr val="accent2">
-                    <a:lumMod val="50000"/>
-                  </a:schemeClr>
-                </a:solidFill>
-              </a:endParaRPr>
-            </a:p>
-          </p:txBody>
-        </p:sp>
-        <p:sp>
-          <p:nvSpPr>
-            <p:cNvPr id="45" name="TextBox 44"/>
-            <p:cNvSpPr txBox="1"/>
-            <p:nvPr/>
-          </p:nvSpPr>
-          <p:spPr>
-            <a:xfrm>
-              <a:off x="1544045" y="3160535"/>
-              <a:ext cx="2525050" cy="1200329"/>
-            </a:xfrm>
-            <a:prstGeom prst="rect">
-              <a:avLst/>
-            </a:prstGeom>
-            <a:noFill/>
-          </p:spPr>
-          <p:txBody>
-            <a:bodyPr wrap="none" rtlCol="0">
-              <a:spAutoFit/>
-            </a:bodyPr>
-            <a:lstStyle/>
-            <a:p>
-              <a:r>
-                <a:rPr lang="en-US" sz="7200" dirty="0" smtClean="0">
-                  <a:solidFill>
-                    <a:schemeClr val="accent2"/>
-                  </a:solidFill>
-                </a:rPr>
-                <a:t>77000</a:t>
-              </a:r>
-              <a:endParaRPr lang="ru-RU" sz="7200" dirty="0">
-                <a:solidFill>
-                  <a:schemeClr val="accent2"/>
-                </a:solidFill>
-              </a:endParaRPr>
-            </a:p>
-          </p:txBody>
-        </p:sp>
-      </p:grpSp>
-      <p:grpSp>
-        <p:nvGrpSpPr>
-          <p:cNvPr id="46" name="Группа 45"/>
-          <p:cNvGrpSpPr/>
-          <p:nvPr/>
-        </p:nvGrpSpPr>
-        <p:grpSpPr>
-          <a:xfrm>
-            <a:off x="141444" y="2992080"/>
-            <a:ext cx="974425" cy="1885131"/>
-            <a:chOff x="6605491" y="2383176"/>
-            <a:chExt cx="974425" cy="1885131"/>
-          </a:xfrm>
-        </p:grpSpPr>
-        <p:sp>
-          <p:nvSpPr>
-            <p:cNvPr id="47" name="TextBox 46"/>
-            <p:cNvSpPr txBox="1"/>
-            <p:nvPr/>
-          </p:nvSpPr>
-          <p:spPr>
-            <a:xfrm>
-              <a:off x="6605491" y="2383176"/>
-              <a:ext cx="918841" cy="1862048"/>
-            </a:xfrm>
-            <a:prstGeom prst="rect">
-              <a:avLst/>
-            </a:prstGeom>
-            <a:noFill/>
-          </p:spPr>
-          <p:txBody>
-            <a:bodyPr wrap="none" rtlCol="0">
-              <a:spAutoFit/>
-            </a:bodyPr>
-            <a:lstStyle/>
-            <a:p>
-              <a:r>
-                <a:rPr lang="en-US" sz="11500" dirty="0"/>
-                <a:t>~</a:t>
-              </a:r>
-              <a:endParaRPr lang="ru-RU" sz="11500" dirty="0"/>
-            </a:p>
-          </p:txBody>
-        </p:sp>
-        <p:sp>
-          <p:nvSpPr>
-            <p:cNvPr id="48" name="TextBox 47"/>
-            <p:cNvSpPr txBox="1"/>
-            <p:nvPr/>
-          </p:nvSpPr>
-          <p:spPr>
-            <a:xfrm>
-              <a:off x="6629813" y="2393561"/>
-              <a:ext cx="918841" cy="1862048"/>
-            </a:xfrm>
-            <a:prstGeom prst="rect">
-              <a:avLst/>
-            </a:prstGeom>
-            <a:noFill/>
-          </p:spPr>
-          <p:txBody>
-            <a:bodyPr wrap="none" rtlCol="0">
-              <a:spAutoFit/>
-            </a:bodyPr>
-            <a:lstStyle/>
-            <a:p>
-              <a:r>
-                <a:rPr lang="en-US" sz="11500" dirty="0" smtClean="0">
-                  <a:solidFill>
-                    <a:schemeClr val="accent2">
-                      <a:lumMod val="50000"/>
-                    </a:schemeClr>
-                  </a:solidFill>
-                </a:rPr>
-                <a:t>~</a:t>
-              </a:r>
-              <a:endParaRPr lang="ru-RU" sz="11500" dirty="0">
-                <a:solidFill>
-                  <a:schemeClr val="accent2">
-                    <a:lumMod val="50000"/>
-                  </a:schemeClr>
-                </a:solidFill>
-              </a:endParaRPr>
-            </a:p>
-          </p:txBody>
-        </p:sp>
-        <p:sp>
-          <p:nvSpPr>
-            <p:cNvPr id="49" name="TextBox 48"/>
-            <p:cNvSpPr txBox="1"/>
-            <p:nvPr/>
-          </p:nvSpPr>
-          <p:spPr>
-            <a:xfrm>
-              <a:off x="6661075" y="2406259"/>
-              <a:ext cx="918841" cy="1862048"/>
-            </a:xfrm>
-            <a:prstGeom prst="rect">
-              <a:avLst/>
-            </a:prstGeom>
-            <a:noFill/>
-          </p:spPr>
-          <p:txBody>
-            <a:bodyPr wrap="none" rtlCol="0">
-              <a:spAutoFit/>
-            </a:bodyPr>
-            <a:lstStyle/>
-            <a:p>
-              <a:r>
-                <a:rPr lang="en-US" sz="11500" dirty="0">
-                  <a:solidFill>
-                    <a:schemeClr val="accent2"/>
-                  </a:solidFill>
-                </a:rPr>
-                <a:t>~</a:t>
-              </a:r>
-              <a:endParaRPr lang="ru-RU" sz="11500" dirty="0">
-                <a:solidFill>
-                  <a:schemeClr val="accent2"/>
-                </a:solidFill>
-              </a:endParaRPr>
-            </a:p>
-          </p:txBody>
-        </p:sp>
-      </p:grpSp>
-      <p:grpSp>
-        <p:nvGrpSpPr>
-          <p:cNvPr id="63" name="Группа 62"/>
-          <p:cNvGrpSpPr/>
-          <p:nvPr/>
-        </p:nvGrpSpPr>
-        <p:grpSpPr>
-          <a:xfrm>
-            <a:off x="1562713" y="3839209"/>
-            <a:ext cx="1257734" cy="1265191"/>
-            <a:chOff x="1694768" y="2373608"/>
-            <a:chExt cx="1257734" cy="1265191"/>
-          </a:xfrm>
-        </p:grpSpPr>
-        <p:sp>
-          <p:nvSpPr>
-            <p:cNvPr id="64" name="TextBox 63"/>
-            <p:cNvSpPr txBox="1"/>
-            <p:nvPr/>
-          </p:nvSpPr>
-          <p:spPr>
-            <a:xfrm>
-              <a:off x="1694768" y="2373608"/>
-              <a:ext cx="1200970" cy="1200329"/>
-            </a:xfrm>
-            <a:prstGeom prst="rect">
-              <a:avLst/>
-            </a:prstGeom>
-            <a:noFill/>
-          </p:spPr>
-          <p:txBody>
-            <a:bodyPr wrap="none" rtlCol="0">
-              <a:spAutoFit/>
-            </a:bodyPr>
-            <a:lstStyle/>
-            <a:p>
-              <a:r>
-                <a:rPr lang="ru-RU" sz="7200" dirty="0" err="1" smtClean="0"/>
-                <a:t>мс</a:t>
-              </a:r>
-              <a:endParaRPr lang="ru-RU" sz="7200" dirty="0"/>
-            </a:p>
-          </p:txBody>
-        </p:sp>
-        <p:sp>
-          <p:nvSpPr>
-            <p:cNvPr id="65" name="TextBox 64"/>
-            <p:cNvSpPr txBox="1"/>
-            <p:nvPr/>
-          </p:nvSpPr>
-          <p:spPr>
-            <a:xfrm>
-              <a:off x="1723150" y="2410423"/>
-              <a:ext cx="1200970" cy="1200329"/>
-            </a:xfrm>
-            <a:prstGeom prst="rect">
-              <a:avLst/>
-            </a:prstGeom>
-            <a:noFill/>
-          </p:spPr>
-          <p:txBody>
-            <a:bodyPr wrap="none" rtlCol="0">
-              <a:spAutoFit/>
-            </a:bodyPr>
-            <a:lstStyle/>
-            <a:p>
-              <a:r>
-                <a:rPr lang="ru-RU" sz="7200" dirty="0" err="1" smtClean="0">
-                  <a:solidFill>
-                    <a:schemeClr val="accent2">
-                      <a:lumMod val="50000"/>
-                    </a:schemeClr>
-                  </a:solidFill>
-                </a:rPr>
-                <a:t>мс</a:t>
-              </a:r>
-              <a:endParaRPr lang="ru-RU" sz="7200" dirty="0">
-                <a:solidFill>
-                  <a:schemeClr val="accent2">
-                    <a:lumMod val="50000"/>
-                  </a:schemeClr>
-                </a:solidFill>
-              </a:endParaRPr>
-            </a:p>
-          </p:txBody>
-        </p:sp>
-        <p:sp>
-          <p:nvSpPr>
-            <p:cNvPr id="66" name="TextBox 65"/>
-            <p:cNvSpPr txBox="1"/>
-            <p:nvPr/>
-          </p:nvSpPr>
-          <p:spPr>
-            <a:xfrm>
-              <a:off x="1751532" y="2438470"/>
-              <a:ext cx="1200970" cy="1200329"/>
-            </a:xfrm>
-            <a:prstGeom prst="rect">
-              <a:avLst/>
-            </a:prstGeom>
-            <a:noFill/>
-          </p:spPr>
-          <p:txBody>
-            <a:bodyPr wrap="none" rtlCol="0">
-              <a:spAutoFit/>
-            </a:bodyPr>
-            <a:lstStyle/>
-            <a:p>
-              <a:r>
-                <a:rPr lang="ru-RU" sz="7200" dirty="0" err="1" smtClean="0">
-                  <a:solidFill>
-                    <a:schemeClr val="accent2"/>
-                  </a:solidFill>
-                </a:rPr>
-                <a:t>мс</a:t>
-              </a:r>
-              <a:endParaRPr lang="ru-RU" sz="7200" dirty="0">
-                <a:solidFill>
-                  <a:schemeClr val="accent2"/>
-                </a:solidFill>
-              </a:endParaRPr>
-            </a:p>
-          </p:txBody>
-        </p:sp>
-      </p:grpSp>
-      <p:sp>
-        <p:nvSpPr>
-          <p:cNvPr id="67" name="TextBox 66"/>
-          <p:cNvSpPr txBox="1"/>
-          <p:nvPr/>
-        </p:nvSpPr>
-        <p:spPr>
-          <a:xfrm>
-            <a:off x="209965" y="1277476"/>
-            <a:ext cx="4686004" cy="1200329"/>
-          </a:xfrm>
-          <a:prstGeom prst="rect">
-            <a:avLst/>
-          </a:prstGeom>
-          <a:noFill/>
-        </p:spPr>
-        <p:txBody>
-          <a:bodyPr wrap="square" rtlCol="0">
-            <a:spAutoFit/>
-          </a:bodyPr>
-          <a:lstStyle/>
-          <a:p>
-            <a:pPr algn="ctr"/>
-            <a:r>
-              <a:rPr lang="ru-RU" b="1" dirty="0" smtClean="0"/>
-              <a:t>Локальная машина</a:t>
-            </a:r>
-          </a:p>
-          <a:p>
-            <a:r>
-              <a:rPr lang="ru-RU" dirty="0" smtClean="0"/>
-              <a:t>Сервисы запущены на локальной машине, однако обращение к БД происходит через Интернет.</a:t>
-            </a:r>
-          </a:p>
-        </p:txBody>
-      </p:sp>
-      <p:sp>
-        <p:nvSpPr>
-          <p:cNvPr id="68" name="TextBox 67"/>
-          <p:cNvSpPr txBox="1"/>
-          <p:nvPr/>
-        </p:nvSpPr>
-        <p:spPr>
-          <a:xfrm>
-            <a:off x="8237269" y="5462403"/>
-            <a:ext cx="3599400" cy="923330"/>
-          </a:xfrm>
-          <a:prstGeom prst="rect">
-            <a:avLst/>
-          </a:prstGeom>
-          <a:noFill/>
-        </p:spPr>
-        <p:txBody>
-          <a:bodyPr wrap="square" rtlCol="0">
-            <a:spAutoFit/>
-          </a:bodyPr>
-          <a:lstStyle/>
-          <a:p>
-            <a:pPr algn="ctr"/>
-            <a:r>
-              <a:rPr lang="ru-RU" b="1" dirty="0" smtClean="0"/>
-              <a:t>Удалённый сервер</a:t>
-            </a:r>
-          </a:p>
-          <a:p>
-            <a:r>
-              <a:rPr lang="ru-RU" dirty="0" smtClean="0"/>
-              <a:t>Сервисы запущены на сервере,</a:t>
-            </a:r>
-            <a:br>
-              <a:rPr lang="ru-RU" dirty="0" smtClean="0"/>
-            </a:br>
-            <a:r>
-              <a:rPr lang="ru-RU" dirty="0" smtClean="0"/>
-              <a:t>на котором расположена БД.</a:t>
-            </a:r>
-          </a:p>
-        </p:txBody>
-      </p:sp>
-      <p:pic>
-        <p:nvPicPr>
-          <p:cNvPr id="69" name="Рисунок 68"/>
-          <p:cNvPicPr>
-            <a:picLocks noChangeAspect="1"/>
-          </p:cNvPicPr>
-          <p:nvPr/>
-        </p:nvPicPr>
-        <p:blipFill>
-          <a:blip r:embed="rId2" cstate="print">
-            <a:extLst>
-              <a:ext uri="{28A0092B-C50C-407E-A947-70E740481C1C}">
-                <a14:useLocalDpi xmlns:a14="http://schemas.microsoft.com/office/drawing/2010/main" val="0"/>
-              </a:ext>
-            </a:extLst>
-          </a:blip>
-          <a:stretch>
-            <a:fillRect/>
-          </a:stretch>
-        </p:blipFill>
-        <p:spPr>
-          <a:xfrm>
-            <a:off x="11039853" y="4822845"/>
-            <a:ext cx="988749" cy="1035832"/>
-          </a:xfrm>
-          <a:prstGeom prst="rect">
-            <a:avLst/>
-          </a:prstGeom>
-        </p:spPr>
-      </p:pic>
-      <p:pic>
-        <p:nvPicPr>
-          <p:cNvPr id="70" name="Picture 4" descr="Flat laptop icon laptop - Transparent PNG &amp;amp; SVG vector file"/>
-          <p:cNvPicPr>
-            <a:picLocks noChangeAspect="1" noChangeArrowheads="1"/>
-          </p:cNvPicPr>
-          <p:nvPr/>
-        </p:nvPicPr>
-        <p:blipFill>
-          <a:blip r:embed="rId3" cstate="print">
-            <a:extLst>
-              <a:ext uri="{28A0092B-C50C-407E-A947-70E740481C1C}">
-                <a14:useLocalDpi xmlns:a14="http://schemas.microsoft.com/office/drawing/2010/main" val="0"/>
-              </a:ext>
-            </a:extLst>
-          </a:blip>
-          <a:srcRect/>
-          <a:stretch>
-            <a:fillRect/>
-          </a:stretch>
-        </p:blipFill>
-        <p:spPr bwMode="auto">
-          <a:xfrm>
-            <a:off x="1435707" y="1956116"/>
-            <a:ext cx="1231359" cy="1231359"/>
-          </a:xfrm>
-          <a:prstGeom prst="rect">
-            <a:avLst/>
-          </a:prstGeom>
-          <a:noFill/>
-          <a:extLst>
-            <a:ext uri="{909E8E84-426E-40DD-AFC4-6F175D3DCCD1}">
-              <a14:hiddenFill xmlns:a14="http://schemas.microsoft.com/office/drawing/2010/main">
-                <a:solidFill>
-                  <a:srgbClr val="FFFFFF"/>
-                </a:solidFill>
-              </a14:hiddenFill>
-            </a:ext>
-          </a:extLst>
-        </p:spPr>
-      </p:pic>
-      <p:grpSp>
-        <p:nvGrpSpPr>
-          <p:cNvPr id="71" name="Группа 70"/>
-          <p:cNvGrpSpPr/>
-          <p:nvPr/>
-        </p:nvGrpSpPr>
-        <p:grpSpPr>
-          <a:xfrm>
-            <a:off x="2912332" y="2208435"/>
-            <a:ext cx="794300" cy="675360"/>
-            <a:chOff x="2912332" y="2208435"/>
-            <a:chExt cx="794300" cy="675360"/>
-          </a:xfrm>
-        </p:grpSpPr>
-        <p:pic>
-          <p:nvPicPr>
-            <p:cNvPr id="72" name="Picture 4" descr="Center, data, digital, server icon - Download on Iconfinder"/>
-            <p:cNvPicPr>
-              <a:picLocks noChangeAspect="1" noChangeArrowheads="1"/>
-            </p:cNvPicPr>
-            <p:nvPr/>
-          </p:nvPicPr>
-          <p:blipFill>
-            <a:blip r:embed="rId4" cstate="print">
-              <a:extLst>
-                <a:ext uri="{28A0092B-C50C-407E-A947-70E740481C1C}">
-                  <a14:useLocalDpi xmlns:a14="http://schemas.microsoft.com/office/drawing/2010/main" val="0"/>
-                </a:ext>
-              </a:extLst>
-            </a:blip>
-            <a:srcRect/>
-            <a:stretch>
-              <a:fillRect/>
-            </a:stretch>
-          </p:blipFill>
-          <p:spPr bwMode="auto">
-            <a:xfrm>
-              <a:off x="3041824" y="2208435"/>
-              <a:ext cx="664808" cy="664808"/>
-            </a:xfrm>
-            <a:prstGeom prst="rect">
-              <a:avLst/>
-            </a:prstGeom>
-            <a:noFill/>
-            <a:extLst>
-              <a:ext uri="{909E8E84-426E-40DD-AFC4-6F175D3DCCD1}">
-                <a14:hiddenFill xmlns:a14="http://schemas.microsoft.com/office/drawing/2010/main">
-                  <a:solidFill>
-                    <a:srgbClr val="FFFFFF"/>
-                  </a:solidFill>
-                </a14:hiddenFill>
-              </a:ext>
-            </a:extLst>
-          </p:spPr>
-        </p:pic>
-        <p:pic>
-          <p:nvPicPr>
-            <p:cNvPr id="73" name="Picture 8" descr="Web icon - Material Core"/>
-            <p:cNvPicPr>
-              <a:picLocks noChangeAspect="1" noChangeArrowheads="1"/>
-            </p:cNvPicPr>
-            <p:nvPr/>
-          </p:nvPicPr>
-          <p:blipFill>
-            <a:blip r:embed="rId5" cstate="print">
-              <a:extLst>
-                <a:ext uri="{28A0092B-C50C-407E-A947-70E740481C1C}">
-                  <a14:useLocalDpi xmlns:a14="http://schemas.microsoft.com/office/drawing/2010/main" val="0"/>
-                </a:ext>
-              </a:extLst>
-            </a:blip>
-            <a:srcRect/>
-            <a:stretch>
-              <a:fillRect/>
-            </a:stretch>
-          </p:blipFill>
-          <p:spPr bwMode="auto">
-            <a:xfrm>
-              <a:off x="2912332" y="2501505"/>
-              <a:ext cx="382290" cy="382290"/>
-            </a:xfrm>
-            <a:prstGeom prst="rect">
-              <a:avLst/>
-            </a:prstGeom>
-            <a:noFill/>
-            <a:extLst>
-              <a:ext uri="{909E8E84-426E-40DD-AFC4-6F175D3DCCD1}">
-                <a14:hiddenFill xmlns:a14="http://schemas.microsoft.com/office/drawing/2010/main">
-                  <a:solidFill>
-                    <a:srgbClr val="FFFFFF"/>
-                  </a:solidFill>
-                </a14:hiddenFill>
-              </a:ext>
-            </a:extLst>
-          </p:spPr>
-        </p:pic>
-      </p:grpSp>
-      <p:grpSp>
-        <p:nvGrpSpPr>
-          <p:cNvPr id="74" name="Группа 73"/>
-          <p:cNvGrpSpPr/>
-          <p:nvPr/>
-        </p:nvGrpSpPr>
-        <p:grpSpPr>
-          <a:xfrm>
-            <a:off x="5423840" y="5505015"/>
-            <a:ext cx="1344319" cy="754164"/>
-            <a:chOff x="3713801" y="5263909"/>
-            <a:chExt cx="2435860" cy="1366519"/>
-          </a:xfrm>
-        </p:grpSpPr>
-        <p:pic>
-          <p:nvPicPr>
-            <p:cNvPr id="75" name="Picture 2" descr="Иконка «Пользователь» — скачай бесплатно PNG и векторе"/>
-            <p:cNvPicPr>
-              <a:picLocks noChangeAspect="1" noChangeArrowheads="1"/>
-            </p:cNvPicPr>
-            <p:nvPr/>
-          </p:nvPicPr>
-          <p:blipFill>
-            <a:blip r:embed="rId6" cstate="print">
-              <a:extLst>
-                <a:ext uri="{28A0092B-C50C-407E-A947-70E740481C1C}">
-                  <a14:useLocalDpi xmlns:a14="http://schemas.microsoft.com/office/drawing/2010/main" val="0"/>
-                </a:ext>
-              </a:extLst>
-            </a:blip>
-            <a:srcRect/>
-            <a:stretch>
-              <a:fillRect/>
-            </a:stretch>
-          </p:blipFill>
-          <p:spPr bwMode="auto">
-            <a:xfrm>
-              <a:off x="4931731" y="5397258"/>
-              <a:ext cx="1217930" cy="1217930"/>
-            </a:xfrm>
-            <a:prstGeom prst="rect">
-              <a:avLst/>
-            </a:prstGeom>
-            <a:noFill/>
-            <a:extLst>
-              <a:ext uri="{909E8E84-426E-40DD-AFC4-6F175D3DCCD1}">
-                <a14:hiddenFill xmlns:a14="http://schemas.microsoft.com/office/drawing/2010/main">
-                  <a:solidFill>
-                    <a:srgbClr val="FFFFFF"/>
-                  </a:solidFill>
-                </a14:hiddenFill>
-              </a:ext>
-            </a:extLst>
-          </p:spPr>
-        </p:pic>
-        <p:pic>
-          <p:nvPicPr>
-            <p:cNvPr id="76" name="Picture 2" descr="Иконка «Пользователь» — скачай бесплатно PNG и векторе"/>
-            <p:cNvPicPr>
-              <a:picLocks noChangeAspect="1" noChangeArrowheads="1"/>
-            </p:cNvPicPr>
-            <p:nvPr/>
-          </p:nvPicPr>
-          <p:blipFill>
-            <a:blip r:embed="rId7" cstate="print">
-              <a:extLst>
-                <a:ext uri="{28A0092B-C50C-407E-A947-70E740481C1C}">
-                  <a14:useLocalDpi xmlns:a14="http://schemas.microsoft.com/office/drawing/2010/main" val="0"/>
-                </a:ext>
-              </a:extLst>
-            </a:blip>
-            <a:srcRect/>
-            <a:stretch>
-              <a:fillRect/>
-            </a:stretch>
-          </p:blipFill>
-          <p:spPr bwMode="auto">
-            <a:xfrm>
-              <a:off x="4248471" y="5263909"/>
-              <a:ext cx="1366519" cy="1366519"/>
-            </a:xfrm>
-            <a:prstGeom prst="rect">
-              <a:avLst/>
-            </a:prstGeom>
-            <a:noFill/>
-            <a:extLst>
-              <a:ext uri="{909E8E84-426E-40DD-AFC4-6F175D3DCCD1}">
-                <a14:hiddenFill xmlns:a14="http://schemas.microsoft.com/office/drawing/2010/main">
-                  <a:solidFill>
-                    <a:srgbClr val="FFFFFF"/>
-                  </a:solidFill>
-                </a14:hiddenFill>
-              </a:ext>
-            </a:extLst>
-          </p:spPr>
-        </p:pic>
-        <p:pic>
-          <p:nvPicPr>
-            <p:cNvPr id="77" name="Picture 2" descr="Иконка «Пользователь» — скачай бесплатно PNG и векторе"/>
-            <p:cNvPicPr>
-              <a:picLocks noChangeAspect="1" noChangeArrowheads="1"/>
-            </p:cNvPicPr>
-            <p:nvPr/>
-          </p:nvPicPr>
-          <p:blipFill>
-            <a:blip r:embed="rId6" cstate="print">
-              <a:extLst>
-                <a:ext uri="{28A0092B-C50C-407E-A947-70E740481C1C}">
-                  <a14:useLocalDpi xmlns:a14="http://schemas.microsoft.com/office/drawing/2010/main" val="0"/>
-                </a:ext>
-              </a:extLst>
-            </a:blip>
-            <a:srcRect/>
-            <a:stretch>
-              <a:fillRect/>
-            </a:stretch>
-          </p:blipFill>
-          <p:spPr bwMode="auto">
-            <a:xfrm>
-              <a:off x="3713801" y="5397258"/>
-              <a:ext cx="1217930" cy="1217930"/>
-            </a:xfrm>
-            <a:prstGeom prst="rect">
-              <a:avLst/>
-            </a:prstGeom>
-            <a:noFill/>
-            <a:extLst>
-              <a:ext uri="{909E8E84-426E-40DD-AFC4-6F175D3DCCD1}">
-                <a14:hiddenFill xmlns:a14="http://schemas.microsoft.com/office/drawing/2010/main">
-                  <a:solidFill>
-                    <a:srgbClr val="FFFFFF"/>
-                  </a:solidFill>
-                </a14:hiddenFill>
-              </a:ext>
-            </a:extLst>
-          </p:spPr>
-        </p:pic>
-      </p:grpSp>
-      <p:sp>
-        <p:nvSpPr>
-          <p:cNvPr id="78" name="TextBox 77"/>
-          <p:cNvSpPr txBox="1"/>
-          <p:nvPr/>
-        </p:nvSpPr>
-        <p:spPr>
-          <a:xfrm>
-            <a:off x="4429987" y="5188697"/>
-            <a:ext cx="3615349" cy="369332"/>
-          </a:xfrm>
-          <a:prstGeom prst="rect">
-            <a:avLst/>
-          </a:prstGeom>
-          <a:noFill/>
-        </p:spPr>
-        <p:txBody>
-          <a:bodyPr wrap="none" rtlCol="0">
-            <a:spAutoFit/>
-          </a:bodyPr>
-          <a:lstStyle/>
-          <a:p>
-            <a:r>
-              <a:rPr lang="ru-RU" dirty="0"/>
-              <a:t>д</a:t>
-            </a:r>
-            <a:r>
-              <a:rPr lang="ru-RU" dirty="0" smtClean="0"/>
-              <a:t>ля запросов к основному сервису</a:t>
-            </a:r>
-            <a:endParaRPr lang="ru-RU" dirty="0"/>
-          </a:p>
-        </p:txBody>
-      </p:sp>
-      <p:grpSp>
-        <p:nvGrpSpPr>
-          <p:cNvPr id="79" name="Группа 78"/>
-          <p:cNvGrpSpPr/>
-          <p:nvPr/>
-        </p:nvGrpSpPr>
-        <p:grpSpPr>
-          <a:xfrm>
-            <a:off x="6660881" y="5684067"/>
-            <a:ext cx="937990" cy="526213"/>
-            <a:chOff x="3713801" y="5263909"/>
-            <a:chExt cx="2435860" cy="1366519"/>
-          </a:xfrm>
-        </p:grpSpPr>
-        <p:pic>
-          <p:nvPicPr>
-            <p:cNvPr id="80" name="Picture 2" descr="Иконка «Пользователь» — скачай бесплатно PNG и векторе"/>
-            <p:cNvPicPr>
-              <a:picLocks noChangeAspect="1" noChangeArrowheads="1"/>
-            </p:cNvPicPr>
-            <p:nvPr/>
-          </p:nvPicPr>
-          <p:blipFill>
-            <a:blip r:embed="rId6" cstate="print">
-              <a:extLst>
-                <a:ext uri="{28A0092B-C50C-407E-A947-70E740481C1C}">
-                  <a14:useLocalDpi xmlns:a14="http://schemas.microsoft.com/office/drawing/2010/main" val="0"/>
-                </a:ext>
-              </a:extLst>
-            </a:blip>
-            <a:srcRect/>
-            <a:stretch>
-              <a:fillRect/>
-            </a:stretch>
-          </p:blipFill>
-          <p:spPr bwMode="auto">
-            <a:xfrm>
-              <a:off x="4931731" y="5397258"/>
-              <a:ext cx="1217930" cy="1217930"/>
-            </a:xfrm>
-            <a:prstGeom prst="rect">
-              <a:avLst/>
-            </a:prstGeom>
-            <a:noFill/>
-            <a:extLst>
-              <a:ext uri="{909E8E84-426E-40DD-AFC4-6F175D3DCCD1}">
-                <a14:hiddenFill xmlns:a14="http://schemas.microsoft.com/office/drawing/2010/main">
-                  <a:solidFill>
-                    <a:srgbClr val="FFFFFF"/>
-                  </a:solidFill>
-                </a14:hiddenFill>
-              </a:ext>
-            </a:extLst>
-          </p:spPr>
-        </p:pic>
-        <p:pic>
-          <p:nvPicPr>
-            <p:cNvPr id="81" name="Picture 2" descr="Иконка «Пользователь» — скачай бесплатно PNG и векторе"/>
-            <p:cNvPicPr>
-              <a:picLocks noChangeAspect="1" noChangeArrowheads="1"/>
-            </p:cNvPicPr>
-            <p:nvPr/>
-          </p:nvPicPr>
-          <p:blipFill>
-            <a:blip r:embed="rId7" cstate="print">
-              <a:extLst>
-                <a:ext uri="{28A0092B-C50C-407E-A947-70E740481C1C}">
-                  <a14:useLocalDpi xmlns:a14="http://schemas.microsoft.com/office/drawing/2010/main" val="0"/>
-                </a:ext>
-              </a:extLst>
-            </a:blip>
-            <a:srcRect/>
-            <a:stretch>
-              <a:fillRect/>
-            </a:stretch>
-          </p:blipFill>
-          <p:spPr bwMode="auto">
-            <a:xfrm>
-              <a:off x="4248471" y="5263909"/>
-              <a:ext cx="1366519" cy="1366519"/>
-            </a:xfrm>
-            <a:prstGeom prst="rect">
-              <a:avLst/>
-            </a:prstGeom>
-            <a:noFill/>
-            <a:extLst>
-              <a:ext uri="{909E8E84-426E-40DD-AFC4-6F175D3DCCD1}">
-                <a14:hiddenFill xmlns:a14="http://schemas.microsoft.com/office/drawing/2010/main">
-                  <a:solidFill>
-                    <a:srgbClr val="FFFFFF"/>
-                  </a:solidFill>
-                </a14:hiddenFill>
-              </a:ext>
-            </a:extLst>
-          </p:spPr>
-        </p:pic>
-        <p:pic>
-          <p:nvPicPr>
-            <p:cNvPr id="82" name="Picture 2" descr="Иконка «Пользователь» — скачай бесплатно PNG и векторе"/>
-            <p:cNvPicPr>
-              <a:picLocks noChangeAspect="1" noChangeArrowheads="1"/>
-            </p:cNvPicPr>
-            <p:nvPr/>
-          </p:nvPicPr>
-          <p:blipFill>
-            <a:blip r:embed="rId6" cstate="print">
-              <a:extLst>
-                <a:ext uri="{28A0092B-C50C-407E-A947-70E740481C1C}">
-                  <a14:useLocalDpi xmlns:a14="http://schemas.microsoft.com/office/drawing/2010/main" val="0"/>
-                </a:ext>
-              </a:extLst>
-            </a:blip>
-            <a:srcRect/>
-            <a:stretch>
-              <a:fillRect/>
-            </a:stretch>
-          </p:blipFill>
-          <p:spPr bwMode="auto">
-            <a:xfrm>
-              <a:off x="3713801" y="5397258"/>
-              <a:ext cx="1217930" cy="1217930"/>
-            </a:xfrm>
-            <a:prstGeom prst="rect">
-              <a:avLst/>
-            </a:prstGeom>
-            <a:noFill/>
-            <a:extLst>
-              <a:ext uri="{909E8E84-426E-40DD-AFC4-6F175D3DCCD1}">
-                <a14:hiddenFill xmlns:a14="http://schemas.microsoft.com/office/drawing/2010/main">
-                  <a:solidFill>
-                    <a:srgbClr val="FFFFFF"/>
-                  </a:solidFill>
-                </a14:hiddenFill>
-              </a:ext>
-            </a:extLst>
-          </p:spPr>
-        </p:pic>
-      </p:grpSp>
-      <p:grpSp>
-        <p:nvGrpSpPr>
-          <p:cNvPr id="83" name="Группа 82"/>
-          <p:cNvGrpSpPr/>
-          <p:nvPr/>
-        </p:nvGrpSpPr>
-        <p:grpSpPr>
-          <a:xfrm>
-            <a:off x="4727767" y="5735598"/>
-            <a:ext cx="798627" cy="448030"/>
-            <a:chOff x="3713801" y="5263909"/>
-            <a:chExt cx="2435860" cy="1366519"/>
-          </a:xfrm>
-        </p:grpSpPr>
-        <p:pic>
-          <p:nvPicPr>
-            <p:cNvPr id="84" name="Picture 2" descr="Иконка «Пользователь» — скачай бесплатно PNG и векторе"/>
-            <p:cNvPicPr>
-              <a:picLocks noChangeAspect="1" noChangeArrowheads="1"/>
-            </p:cNvPicPr>
-            <p:nvPr/>
-          </p:nvPicPr>
-          <p:blipFill>
-            <a:blip r:embed="rId6" cstate="print">
-              <a:extLst>
-                <a:ext uri="{28A0092B-C50C-407E-A947-70E740481C1C}">
-                  <a14:useLocalDpi xmlns:a14="http://schemas.microsoft.com/office/drawing/2010/main" val="0"/>
-                </a:ext>
-              </a:extLst>
-            </a:blip>
-            <a:srcRect/>
-            <a:stretch>
-              <a:fillRect/>
-            </a:stretch>
-          </p:blipFill>
-          <p:spPr bwMode="auto">
-            <a:xfrm>
-              <a:off x="4931731" y="5397258"/>
-              <a:ext cx="1217930" cy="1217930"/>
-            </a:xfrm>
-            <a:prstGeom prst="rect">
-              <a:avLst/>
-            </a:prstGeom>
-            <a:noFill/>
-            <a:extLst>
-              <a:ext uri="{909E8E84-426E-40DD-AFC4-6F175D3DCCD1}">
-                <a14:hiddenFill xmlns:a14="http://schemas.microsoft.com/office/drawing/2010/main">
-                  <a:solidFill>
-                    <a:srgbClr val="FFFFFF"/>
-                  </a:solidFill>
-                </a14:hiddenFill>
-              </a:ext>
-            </a:extLst>
-          </p:spPr>
-        </p:pic>
-        <p:pic>
-          <p:nvPicPr>
-            <p:cNvPr id="85" name="Picture 2" descr="Иконка «Пользователь» — скачай бесплатно PNG и векторе"/>
-            <p:cNvPicPr>
-              <a:picLocks noChangeAspect="1" noChangeArrowheads="1"/>
-            </p:cNvPicPr>
-            <p:nvPr/>
-          </p:nvPicPr>
-          <p:blipFill>
-            <a:blip r:embed="rId7" cstate="print">
-              <a:extLst>
-                <a:ext uri="{28A0092B-C50C-407E-A947-70E740481C1C}">
-                  <a14:useLocalDpi xmlns:a14="http://schemas.microsoft.com/office/drawing/2010/main" val="0"/>
-                </a:ext>
-              </a:extLst>
-            </a:blip>
-            <a:srcRect/>
-            <a:stretch>
-              <a:fillRect/>
-            </a:stretch>
-          </p:blipFill>
-          <p:spPr bwMode="auto">
-            <a:xfrm>
-              <a:off x="4248471" y="5263909"/>
-              <a:ext cx="1366519" cy="1366519"/>
-            </a:xfrm>
-            <a:prstGeom prst="rect">
-              <a:avLst/>
-            </a:prstGeom>
-            <a:noFill/>
-            <a:extLst>
-              <a:ext uri="{909E8E84-426E-40DD-AFC4-6F175D3DCCD1}">
-                <a14:hiddenFill xmlns:a14="http://schemas.microsoft.com/office/drawing/2010/main">
-                  <a:solidFill>
-                    <a:srgbClr val="FFFFFF"/>
-                  </a:solidFill>
-                </a14:hiddenFill>
-              </a:ext>
-            </a:extLst>
-          </p:spPr>
-        </p:pic>
-        <p:pic>
-          <p:nvPicPr>
-            <p:cNvPr id="86" name="Picture 2" descr="Иконка «Пользователь» — скачай бесплатно PNG и векторе"/>
-            <p:cNvPicPr>
-              <a:picLocks noChangeAspect="1" noChangeArrowheads="1"/>
-            </p:cNvPicPr>
-            <p:nvPr/>
-          </p:nvPicPr>
-          <p:blipFill>
-            <a:blip r:embed="rId6" cstate="print">
-              <a:extLst>
-                <a:ext uri="{28A0092B-C50C-407E-A947-70E740481C1C}">
-                  <a14:useLocalDpi xmlns:a14="http://schemas.microsoft.com/office/drawing/2010/main" val="0"/>
-                </a:ext>
-              </a:extLst>
-            </a:blip>
-            <a:srcRect/>
-            <a:stretch>
-              <a:fillRect/>
-            </a:stretch>
-          </p:blipFill>
-          <p:spPr bwMode="auto">
-            <a:xfrm>
-              <a:off x="3713801" y="5397258"/>
-              <a:ext cx="1217930" cy="1217930"/>
-            </a:xfrm>
-            <a:prstGeom prst="rect">
-              <a:avLst/>
-            </a:prstGeom>
-            <a:noFill/>
-            <a:extLst>
-              <a:ext uri="{909E8E84-426E-40DD-AFC4-6F175D3DCCD1}">
-                <a14:hiddenFill xmlns:a14="http://schemas.microsoft.com/office/drawing/2010/main">
-                  <a:solidFill>
-                    <a:srgbClr val="FFFFFF"/>
-                  </a:solidFill>
-                </a14:hiddenFill>
-              </a:ext>
-            </a:extLst>
-          </p:spPr>
-        </p:pic>
-      </p:grpSp>
-    </p:spTree>
-    <p:extLst>
-      <p:ext uri="{BB962C8B-B14F-4D97-AF65-F5344CB8AC3E}">
-        <p14:creationId xmlns:p14="http://schemas.microsoft.com/office/powerpoint/2010/main" val="728606430"/>
-      </p:ext>
-    </p:extLst>
-  </p:cSld>
-  <p:clrMapOvr>
-    <a:masterClrMapping/>
-  </p:clrMapOvr>
-  <mc:AlternateContent xmlns:mc="http://schemas.openxmlformats.org/markup-compatibility/2006" xmlns:p14="http://schemas.microsoft.com/office/powerpoint/2010/main">
-    <mc:Choice Requires="p14">
-      <p:transition spd="slow" p14:dur="2000"/>
-    </mc:Choice>
-    <mc:Fallback xmlns="">
-      <p:transition spd="slow"/>
-    </mc:Fallback>
-  </mc:AlternateContent>
-  <p:timing>
-    <p:tnLst>
-      <p:par>
-        <p:cTn id="1" dur="indefinite" restart="never" nodeType="tmRoot"/>
-      </p:par>
-    </p:tnLst>
-  </p:timing>
-</p:sld>
-</file>
-
-<file path=ppt/slides/slide17.xml><?xml version="1.0" encoding="utf-8"?>
-<p:sld xmlns:a="http://schemas.openxmlformats.org/drawingml/2006/main" xmlns:r="http://schemas.openxmlformats.org/officeDocument/2006/relationships" xmlns:p="http://schemas.openxmlformats.org/presentationml/2006/main">
-  <p:cSld>
-    <p:spTree>
-      <p:nvGrpSpPr>
-        <p:cNvPr id="1" name=""/>
-        <p:cNvGrpSpPr/>
-        <p:nvPr/>
-      </p:nvGrpSpPr>
-      <p:grpSpPr>
-        <a:xfrm>
-          <a:off x="0" y="0"/>
-          <a:ext cx="0" cy="0"/>
-          <a:chOff x="0" y="0"/>
-          <a:chExt cx="0" cy="0"/>
-        </a:xfrm>
-      </p:grpSpPr>
-      <p:pic>
-        <p:nvPicPr>
-          <p:cNvPr id="11266" name="Picture 2" descr="https://sun9-26.userapi.com/impg/VrLMw-2XhsZrLkXCS2TiHgNWQiCD4wrKuQxoOQ/77yJVadVf7I.jpg?size=2560x1123&amp;quality=96&amp;sign=e2d24c5aa9f219e48ab99755a0b41bf3&amp;type=album"/>
-          <p:cNvPicPr>
-            <a:picLocks noChangeAspect="1" noChangeArrowheads="1"/>
-          </p:cNvPicPr>
-          <p:nvPr/>
-        </p:nvPicPr>
-        <p:blipFill>
-          <a:blip r:embed="rId2" cstate="print">
-            <a:extLst>
-              <a:ext uri="{28A0092B-C50C-407E-A947-70E740481C1C}">
-                <a14:useLocalDpi xmlns:a14="http://schemas.microsoft.com/office/drawing/2010/main" val="0"/>
-              </a:ext>
-            </a:extLst>
-          </a:blip>
-          <a:srcRect/>
-          <a:stretch>
-            <a:fillRect/>
-          </a:stretch>
-        </p:blipFill>
-        <p:spPr bwMode="auto">
-          <a:xfrm>
-            <a:off x="985143" y="4654221"/>
-            <a:ext cx="2532022" cy="1674327"/>
-          </a:xfrm>
-          <a:prstGeom prst="rect">
-            <a:avLst/>
-          </a:prstGeom>
-          <a:ln w="38100" cap="sq">
-            <a:solidFill>
-              <a:schemeClr val="accent2"/>
-            </a:solidFill>
-            <a:miter lim="800000"/>
-          </a:ln>
-          <a:effectLst>
-            <a:outerShdw blurRad="57150" dist="50800" dir="2700000" algn="tl" rotWithShape="0">
-              <a:srgbClr val="000000">
-                <a:alpha val="40000"/>
-              </a:srgbClr>
-            </a:outerShdw>
-          </a:effectLst>
-          <a:extLst>
-            <a:ext uri="{909E8E84-426E-40DD-AFC4-6F175D3DCCD1}">
-              <a14:hiddenFill xmlns:a14="http://schemas.microsoft.com/office/drawing/2010/main">
-                <a:solidFill>
-                  <a:srgbClr val="FFFFFF"/>
-                </a:solidFill>
-              </a14:hiddenFill>
-            </a:ext>
-          </a:extLst>
-        </p:spPr>
-      </p:pic>
-      <p:sp>
-        <p:nvSpPr>
-          <p:cNvPr id="10" name="TextBox 9"/>
-          <p:cNvSpPr txBox="1"/>
-          <p:nvPr/>
-        </p:nvSpPr>
-        <p:spPr>
-          <a:xfrm>
-            <a:off x="914401" y="151900"/>
-            <a:ext cx="10363199" cy="1015663"/>
-          </a:xfrm>
-          <a:prstGeom prst="rect">
-            <a:avLst/>
-          </a:prstGeom>
-          <a:noFill/>
-        </p:spPr>
-        <p:txBody>
-          <a:bodyPr wrap="square" rtlCol="0" anchor="ctr">
-            <a:spAutoFit/>
-          </a:bodyPr>
-          <a:lstStyle/>
-          <a:p>
-            <a:pPr algn="ctr"/>
-            <a:r>
-              <a:rPr lang="ru-RU" sz="6000" b="1" dirty="0"/>
-              <a:t>Нагрузочное тестирование</a:t>
-            </a:r>
-          </a:p>
-        </p:txBody>
-      </p:sp>
-      <p:sp>
-        <p:nvSpPr>
-          <p:cNvPr id="2" name="TextBox 1"/>
-          <p:cNvSpPr txBox="1"/>
-          <p:nvPr/>
-        </p:nvSpPr>
-        <p:spPr>
-          <a:xfrm>
-            <a:off x="209965" y="1277476"/>
-            <a:ext cx="4686004" cy="1200329"/>
-          </a:xfrm>
-          <a:prstGeom prst="rect">
-            <a:avLst/>
-          </a:prstGeom>
-          <a:noFill/>
-        </p:spPr>
-        <p:txBody>
-          <a:bodyPr wrap="square" rtlCol="0">
-            <a:spAutoFit/>
-          </a:bodyPr>
-          <a:lstStyle/>
-          <a:p>
-            <a:pPr algn="ctr"/>
-            <a:r>
-              <a:rPr lang="ru-RU" b="1" dirty="0" smtClean="0"/>
-              <a:t>Локальная машина</a:t>
-            </a:r>
-          </a:p>
-          <a:p>
-            <a:r>
-              <a:rPr lang="ru-RU" dirty="0" smtClean="0"/>
-              <a:t>Сервисы запущены на локальной машине, однако обращение к БД происходит через Интернет.</a:t>
-            </a:r>
-          </a:p>
-        </p:txBody>
-      </p:sp>
-      <p:sp>
-        <p:nvSpPr>
-          <p:cNvPr id="5" name="TextBox 4"/>
-          <p:cNvSpPr txBox="1"/>
-          <p:nvPr/>
-        </p:nvSpPr>
-        <p:spPr>
-          <a:xfrm>
-            <a:off x="8237269" y="5462403"/>
-            <a:ext cx="3599400" cy="923330"/>
-          </a:xfrm>
-          <a:prstGeom prst="rect">
-            <a:avLst/>
-          </a:prstGeom>
-          <a:noFill/>
-        </p:spPr>
-        <p:txBody>
-          <a:bodyPr wrap="square" rtlCol="0">
-            <a:spAutoFit/>
-          </a:bodyPr>
-          <a:lstStyle/>
-          <a:p>
-            <a:pPr algn="ctr"/>
-            <a:r>
-              <a:rPr lang="ru-RU" b="1" dirty="0" smtClean="0"/>
-              <a:t>Удалённый сервер</a:t>
-            </a:r>
-          </a:p>
-          <a:p>
-            <a:r>
-              <a:rPr lang="ru-RU" dirty="0" smtClean="0"/>
-              <a:t>Сервисы запущены на сервере,</a:t>
-            </a:r>
-            <a:br>
-              <a:rPr lang="ru-RU" dirty="0" smtClean="0"/>
-            </a:br>
-            <a:r>
-              <a:rPr lang="ru-RU" dirty="0" smtClean="0"/>
-              <a:t>на котором расположена БД.</a:t>
-            </a:r>
-          </a:p>
-        </p:txBody>
-      </p:sp>
-      <p:grpSp>
-        <p:nvGrpSpPr>
-          <p:cNvPr id="21" name="Группа 20"/>
-          <p:cNvGrpSpPr/>
-          <p:nvPr/>
-        </p:nvGrpSpPr>
-        <p:grpSpPr>
-          <a:xfrm>
-            <a:off x="3775261" y="1569028"/>
-            <a:ext cx="4868940" cy="3876808"/>
-            <a:chOff x="4026901" y="3181955"/>
-            <a:chExt cx="4868940" cy="3876808"/>
-          </a:xfrm>
-        </p:grpSpPr>
-        <p:sp>
-          <p:nvSpPr>
-            <p:cNvPr id="3" name="TextBox 2"/>
-            <p:cNvSpPr txBox="1"/>
-            <p:nvPr/>
-          </p:nvSpPr>
-          <p:spPr>
-            <a:xfrm>
-              <a:off x="4044547" y="3181955"/>
-              <a:ext cx="4844596" cy="3770263"/>
-            </a:xfrm>
-            <a:prstGeom prst="rect">
-              <a:avLst/>
-            </a:prstGeom>
-            <a:noFill/>
-          </p:spPr>
-          <p:txBody>
-            <a:bodyPr wrap="none" rtlCol="0">
-              <a:spAutoFit/>
-            </a:bodyPr>
-            <a:lstStyle/>
-            <a:p>
-              <a:r>
-                <a:rPr lang="ru-RU" sz="23900" dirty="0" smtClean="0"/>
-                <a:t>300</a:t>
-              </a:r>
-              <a:endParaRPr lang="ru-RU" sz="23900" dirty="0"/>
-            </a:p>
-          </p:txBody>
-        </p:sp>
-        <p:sp>
-          <p:nvSpPr>
-            <p:cNvPr id="17" name="TextBox 16"/>
-            <p:cNvSpPr txBox="1"/>
-            <p:nvPr/>
-          </p:nvSpPr>
-          <p:spPr>
-            <a:xfrm>
-              <a:off x="4051245" y="3232682"/>
-              <a:ext cx="4844596" cy="3770263"/>
-            </a:xfrm>
-            <a:prstGeom prst="rect">
-              <a:avLst/>
-            </a:prstGeom>
-            <a:noFill/>
-          </p:spPr>
-          <p:txBody>
-            <a:bodyPr wrap="none" rtlCol="0">
-              <a:spAutoFit/>
-            </a:bodyPr>
-            <a:lstStyle/>
-            <a:p>
-              <a:r>
-                <a:rPr lang="ru-RU" sz="23900" dirty="0" smtClean="0">
-                  <a:solidFill>
-                    <a:schemeClr val="accent1">
-                      <a:lumMod val="50000"/>
-                    </a:schemeClr>
-                  </a:solidFill>
-                </a:rPr>
-                <a:t>300</a:t>
-              </a:r>
-              <a:endParaRPr lang="ru-RU" sz="23900" dirty="0">
-                <a:solidFill>
-                  <a:schemeClr val="accent1">
-                    <a:lumMod val="50000"/>
-                  </a:schemeClr>
-                </a:solidFill>
-              </a:endParaRPr>
-            </a:p>
-          </p:txBody>
-        </p:sp>
-        <p:sp>
-          <p:nvSpPr>
-            <p:cNvPr id="18" name="TextBox 17"/>
-            <p:cNvSpPr txBox="1"/>
-            <p:nvPr/>
-          </p:nvSpPr>
-          <p:spPr>
-            <a:xfrm>
-              <a:off x="4026901" y="3288500"/>
-              <a:ext cx="4844596" cy="3770263"/>
-            </a:xfrm>
-            <a:prstGeom prst="rect">
-              <a:avLst/>
-            </a:prstGeom>
-            <a:noFill/>
-          </p:spPr>
-          <p:txBody>
-            <a:bodyPr wrap="none" rtlCol="0">
-              <a:spAutoFit/>
-            </a:bodyPr>
-            <a:lstStyle/>
-            <a:p>
-              <a:r>
-                <a:rPr lang="ru-RU" sz="23900" dirty="0" smtClean="0">
-                  <a:solidFill>
-                    <a:schemeClr val="accent1"/>
-                  </a:solidFill>
-                </a:rPr>
-                <a:t>300</a:t>
-              </a:r>
-              <a:endParaRPr lang="ru-RU" sz="23900" dirty="0">
-                <a:solidFill>
-                  <a:schemeClr val="accent1"/>
-                </a:solidFill>
-              </a:endParaRPr>
-            </a:p>
-          </p:txBody>
-        </p:sp>
-      </p:grpSp>
-      <p:grpSp>
-        <p:nvGrpSpPr>
-          <p:cNvPr id="6" name="Группа 5"/>
-          <p:cNvGrpSpPr/>
-          <p:nvPr/>
-        </p:nvGrpSpPr>
-        <p:grpSpPr>
-          <a:xfrm>
-            <a:off x="4567030" y="4338629"/>
+            <a:off x="1535467" y="3257860"/>
             <a:ext cx="3088569" cy="1163026"/>
             <a:chOff x="5079572" y="3999265"/>
             <a:chExt cx="3088569" cy="1163026"/>
@@ -14633,7 +11128,7 @@
           <p:nvPr/>
         </p:nvPicPr>
         <p:blipFill>
-          <a:blip r:embed="rId3" cstate="print">
+          <a:blip r:embed="rId2" cstate="print">
             <a:extLst>
               <a:ext uri="{28A0092B-C50C-407E-A947-70E740481C1C}">
                 <a14:useLocalDpi xmlns:a14="http://schemas.microsoft.com/office/drawing/2010/main" val="0"/>
@@ -14646,7 +11141,7 @@
         </p:blipFill>
         <p:spPr>
           <a:xfrm>
-            <a:off x="11039853" y="4822845"/>
+            <a:off x="10827867" y="1259676"/>
             <a:ext cx="988749" cy="1035832"/>
           </a:xfrm>
           <a:prstGeom prst="rect">
@@ -14656,13 +11151,2730 @@
       </p:pic>
       <p:grpSp>
         <p:nvGrpSpPr>
+          <p:cNvPr id="30" name="Группа 29"/>
+          <p:cNvGrpSpPr/>
+          <p:nvPr/>
+        </p:nvGrpSpPr>
+        <p:grpSpPr>
+          <a:xfrm>
+            <a:off x="7362437" y="2107847"/>
+            <a:ext cx="947405" cy="1920242"/>
+            <a:chOff x="5209972" y="2363809"/>
+            <a:chExt cx="947405" cy="1920242"/>
+          </a:xfrm>
+        </p:grpSpPr>
+        <p:sp>
+          <p:nvSpPr>
+            <p:cNvPr id="31" name="TextBox 30"/>
+            <p:cNvSpPr txBox="1"/>
+            <p:nvPr/>
+          </p:nvSpPr>
+          <p:spPr>
+            <a:xfrm>
+              <a:off x="5238536" y="2363809"/>
+              <a:ext cx="918841" cy="1862048"/>
+            </a:xfrm>
+            <a:prstGeom prst="rect">
+              <a:avLst/>
+            </a:prstGeom>
+            <a:noFill/>
+          </p:spPr>
+          <p:txBody>
+            <a:bodyPr wrap="none" rtlCol="0">
+              <a:spAutoFit/>
+            </a:bodyPr>
+            <a:lstStyle/>
+            <a:p>
+              <a:r>
+                <a:rPr lang="en-US" sz="11500" dirty="0"/>
+                <a:t>~</a:t>
+              </a:r>
+              <a:endParaRPr lang="ru-RU" sz="11500" dirty="0"/>
+            </a:p>
+          </p:txBody>
+        </p:sp>
+        <p:sp>
+          <p:nvSpPr>
+            <p:cNvPr id="32" name="TextBox 31"/>
+            <p:cNvSpPr txBox="1"/>
+            <p:nvPr/>
+          </p:nvSpPr>
+          <p:spPr>
+            <a:xfrm>
+              <a:off x="5224254" y="2396133"/>
+              <a:ext cx="918841" cy="1862048"/>
+            </a:xfrm>
+            <a:prstGeom prst="rect">
+              <a:avLst/>
+            </a:prstGeom>
+            <a:noFill/>
+          </p:spPr>
+          <p:txBody>
+            <a:bodyPr wrap="none" rtlCol="0">
+              <a:spAutoFit/>
+            </a:bodyPr>
+            <a:lstStyle/>
+            <a:p>
+              <a:r>
+                <a:rPr lang="en-US" sz="11500" dirty="0" smtClean="0">
+                  <a:solidFill>
+                    <a:schemeClr val="accent6">
+                      <a:lumMod val="50000"/>
+                    </a:schemeClr>
+                  </a:solidFill>
+                </a:rPr>
+                <a:t>~</a:t>
+              </a:r>
+              <a:endParaRPr lang="ru-RU" sz="11500" dirty="0">
+                <a:solidFill>
+                  <a:schemeClr val="accent6">
+                    <a:lumMod val="50000"/>
+                  </a:schemeClr>
+                </a:solidFill>
+              </a:endParaRPr>
+            </a:p>
+          </p:txBody>
+        </p:sp>
+        <p:sp>
+          <p:nvSpPr>
+            <p:cNvPr id="33" name="TextBox 32"/>
+            <p:cNvSpPr txBox="1"/>
+            <p:nvPr/>
+          </p:nvSpPr>
+          <p:spPr>
+            <a:xfrm>
+              <a:off x="5209972" y="2422003"/>
+              <a:ext cx="918841" cy="1862048"/>
+            </a:xfrm>
+            <a:prstGeom prst="rect">
+              <a:avLst/>
+            </a:prstGeom>
+            <a:noFill/>
+          </p:spPr>
+          <p:txBody>
+            <a:bodyPr wrap="none" rtlCol="0">
+              <a:spAutoFit/>
+            </a:bodyPr>
+            <a:lstStyle/>
+            <a:p>
+              <a:r>
+                <a:rPr lang="en-US" sz="11500" dirty="0">
+                  <a:solidFill>
+                    <a:schemeClr val="accent6"/>
+                  </a:solidFill>
+                </a:rPr>
+                <a:t>~</a:t>
+              </a:r>
+              <a:endParaRPr lang="ru-RU" sz="11500" dirty="0">
+                <a:solidFill>
+                  <a:schemeClr val="accent6"/>
+                </a:solidFill>
+              </a:endParaRPr>
+            </a:p>
+          </p:txBody>
+        </p:sp>
+      </p:grpSp>
+      <p:grpSp>
+        <p:nvGrpSpPr>
+          <p:cNvPr id="34" name="Группа 33"/>
+          <p:cNvGrpSpPr/>
+          <p:nvPr/>
+        </p:nvGrpSpPr>
+        <p:grpSpPr>
+          <a:xfrm>
+            <a:off x="9282954" y="3024880"/>
+            <a:ext cx="1255580" cy="1244352"/>
+            <a:chOff x="3053214" y="2452588"/>
+            <a:chExt cx="1255580" cy="1244352"/>
+          </a:xfrm>
+        </p:grpSpPr>
+        <p:sp>
+          <p:nvSpPr>
+            <p:cNvPr id="35" name="TextBox 34"/>
+            <p:cNvSpPr txBox="1"/>
+            <p:nvPr/>
+          </p:nvSpPr>
+          <p:spPr>
+            <a:xfrm>
+              <a:off x="3107824" y="2452588"/>
+              <a:ext cx="1200970" cy="1200329"/>
+            </a:xfrm>
+            <a:prstGeom prst="rect">
+              <a:avLst/>
+            </a:prstGeom>
+            <a:noFill/>
+          </p:spPr>
+          <p:txBody>
+            <a:bodyPr wrap="none" rtlCol="0">
+              <a:spAutoFit/>
+            </a:bodyPr>
+            <a:lstStyle/>
+            <a:p>
+              <a:r>
+                <a:rPr lang="ru-RU" sz="7200" dirty="0" err="1" smtClean="0"/>
+                <a:t>мс</a:t>
+              </a:r>
+              <a:endParaRPr lang="ru-RU" sz="7200" dirty="0"/>
+            </a:p>
+          </p:txBody>
+        </p:sp>
+        <p:sp>
+          <p:nvSpPr>
+            <p:cNvPr id="36" name="TextBox 35"/>
+            <p:cNvSpPr txBox="1"/>
+            <p:nvPr/>
+          </p:nvSpPr>
+          <p:spPr>
+            <a:xfrm>
+              <a:off x="3080519" y="2466109"/>
+              <a:ext cx="1200970" cy="1200329"/>
+            </a:xfrm>
+            <a:prstGeom prst="rect">
+              <a:avLst/>
+            </a:prstGeom>
+            <a:noFill/>
+          </p:spPr>
+          <p:txBody>
+            <a:bodyPr wrap="none" rtlCol="0">
+              <a:spAutoFit/>
+            </a:bodyPr>
+            <a:lstStyle/>
+            <a:p>
+              <a:r>
+                <a:rPr lang="ru-RU" sz="7200" dirty="0" err="1" smtClean="0">
+                  <a:solidFill>
+                    <a:schemeClr val="accent6">
+                      <a:lumMod val="50000"/>
+                    </a:schemeClr>
+                  </a:solidFill>
+                </a:rPr>
+                <a:t>мс</a:t>
+              </a:r>
+              <a:endParaRPr lang="ru-RU" sz="7200" dirty="0">
+                <a:solidFill>
+                  <a:schemeClr val="accent6">
+                    <a:lumMod val="50000"/>
+                  </a:schemeClr>
+                </a:solidFill>
+              </a:endParaRPr>
+            </a:p>
+          </p:txBody>
+        </p:sp>
+        <p:sp>
+          <p:nvSpPr>
+            <p:cNvPr id="37" name="TextBox 36"/>
+            <p:cNvSpPr txBox="1"/>
+            <p:nvPr/>
+          </p:nvSpPr>
+          <p:spPr>
+            <a:xfrm>
+              <a:off x="3053214" y="2496611"/>
+              <a:ext cx="1200970" cy="1200329"/>
+            </a:xfrm>
+            <a:prstGeom prst="rect">
+              <a:avLst/>
+            </a:prstGeom>
+            <a:noFill/>
+          </p:spPr>
+          <p:txBody>
+            <a:bodyPr wrap="none" rtlCol="0">
+              <a:spAutoFit/>
+            </a:bodyPr>
+            <a:lstStyle/>
+            <a:p>
+              <a:r>
+                <a:rPr lang="ru-RU" sz="7200" dirty="0" err="1" smtClean="0">
+                  <a:solidFill>
+                    <a:schemeClr val="accent6"/>
+                  </a:solidFill>
+                </a:rPr>
+                <a:t>мс</a:t>
+              </a:r>
+              <a:endParaRPr lang="ru-RU" sz="7200" dirty="0">
+                <a:solidFill>
+                  <a:schemeClr val="accent6"/>
+                </a:solidFill>
+              </a:endParaRPr>
+            </a:p>
+          </p:txBody>
+        </p:sp>
+      </p:grpSp>
+      <p:grpSp>
+        <p:nvGrpSpPr>
+          <p:cNvPr id="4" name="Группа 3"/>
+          <p:cNvGrpSpPr/>
+          <p:nvPr/>
+        </p:nvGrpSpPr>
+        <p:grpSpPr>
+          <a:xfrm>
+            <a:off x="5303526" y="3932172"/>
+            <a:ext cx="3823621" cy="2487153"/>
+            <a:chOff x="8877537" y="1119297"/>
+            <a:chExt cx="2532022" cy="1647006"/>
+          </a:xfrm>
+        </p:grpSpPr>
+        <p:pic>
+          <p:nvPicPr>
+            <p:cNvPr id="10242" name="Picture 2" descr="https://sun9-8.userapi.com/impg/MVtmjslBXKaqUNyQShlm3GQxj11hOOHBRHKFDw/5-Nkbnnn4JA.jpg?size=2560x829&amp;quality=96&amp;sign=5c7c83eac14f0691d45ca919af74eb96&amp;type=album"/>
+            <p:cNvPicPr>
+              <a:picLocks noChangeAspect="1" noChangeArrowheads="1"/>
+            </p:cNvPicPr>
+            <p:nvPr/>
+          </p:nvPicPr>
+          <p:blipFill>
+            <a:blip r:embed="rId3" cstate="print">
+              <a:extLst>
+                <a:ext uri="{28A0092B-C50C-407E-A947-70E740481C1C}">
+                  <a14:useLocalDpi xmlns:a14="http://schemas.microsoft.com/office/drawing/2010/main" val="0"/>
+                </a:ext>
+              </a:extLst>
+            </a:blip>
+            <a:srcRect/>
+            <a:stretch>
+              <a:fillRect/>
+            </a:stretch>
+          </p:blipFill>
+          <p:spPr bwMode="auto">
+            <a:xfrm>
+              <a:off x="8877537" y="1119297"/>
+              <a:ext cx="2532022" cy="1647006"/>
+            </a:xfrm>
+            <a:prstGeom prst="rect">
+              <a:avLst/>
+            </a:prstGeom>
+            <a:ln w="38100" cap="sq">
+              <a:solidFill>
+                <a:schemeClr val="accent6"/>
+              </a:solidFill>
+              <a:prstDash val="solid"/>
+              <a:miter lim="800000"/>
+            </a:ln>
+            <a:effectLst>
+              <a:outerShdw blurRad="50800" dist="38100" dir="2700000" algn="tl" rotWithShape="0">
+                <a:srgbClr val="000000">
+                  <a:alpha val="43000"/>
+                </a:srgbClr>
+              </a:outerShdw>
+            </a:effectLst>
+            <a:extLst>
+              <a:ext uri="{909E8E84-426E-40DD-AFC4-6F175D3DCCD1}">
+                <a14:hiddenFill xmlns:a14="http://schemas.microsoft.com/office/drawing/2010/main">
+                  <a:solidFill>
+                    <a:srgbClr val="FFFFFF"/>
+                  </a:solidFill>
+                </a14:hiddenFill>
+              </a:ext>
+            </a:extLst>
+          </p:spPr>
+        </p:pic>
+        <p:sp>
+          <p:nvSpPr>
+            <p:cNvPr id="12" name="Полилиния 11"/>
+            <p:cNvSpPr/>
+            <p:nvPr/>
+          </p:nvSpPr>
+          <p:spPr>
+            <a:xfrm>
+              <a:off x="8942071" y="1417320"/>
+              <a:ext cx="2449830" cy="1219200"/>
+            </a:xfrm>
+            <a:custGeom>
+              <a:avLst/>
+              <a:gdLst>
+                <a:gd name="connsiteX0" fmla="*/ 0 w 2530371"/>
+                <a:gd name="connsiteY0" fmla="*/ 1379682 h 1379682"/>
+                <a:gd name="connsiteX1" fmla="*/ 2331720 w 2530371"/>
+                <a:gd name="connsiteY1" fmla="*/ 198582 h 1379682"/>
+                <a:gd name="connsiteX2" fmla="*/ 2247900 w 2530371"/>
+                <a:gd name="connsiteY2" fmla="*/ 11892 h 1379682"/>
+                <a:gd name="connsiteX0" fmla="*/ 0 w 2277511"/>
+                <a:gd name="connsiteY0" fmla="*/ 1368154 h 1368154"/>
+                <a:gd name="connsiteX1" fmla="*/ 937260 w 2277511"/>
+                <a:gd name="connsiteY1" fmla="*/ 1070974 h 1368154"/>
+                <a:gd name="connsiteX2" fmla="*/ 2247900 w 2277511"/>
+                <a:gd name="connsiteY2" fmla="*/ 364 h 1368154"/>
+                <a:gd name="connsiteX0" fmla="*/ 0 w 2327218"/>
+                <a:gd name="connsiteY0" fmla="*/ 1417687 h 1417687"/>
+                <a:gd name="connsiteX1" fmla="*/ 986790 w 2327218"/>
+                <a:gd name="connsiteY1" fmla="*/ 1070977 h 1417687"/>
+                <a:gd name="connsiteX2" fmla="*/ 2297430 w 2327218"/>
+                <a:gd name="connsiteY2" fmla="*/ 367 h 1417687"/>
+                <a:gd name="connsiteX0" fmla="*/ 0 w 2484521"/>
+                <a:gd name="connsiteY0" fmla="*/ 1250118 h 1250118"/>
+                <a:gd name="connsiteX1" fmla="*/ 986790 w 2484521"/>
+                <a:gd name="connsiteY1" fmla="*/ 903408 h 1250118"/>
+                <a:gd name="connsiteX2" fmla="*/ 2457450 w 2484521"/>
+                <a:gd name="connsiteY2" fmla="*/ 438 h 1250118"/>
+                <a:gd name="connsiteX0" fmla="*/ 0 w 2457450"/>
+                <a:gd name="connsiteY0" fmla="*/ 1249680 h 1249680"/>
+                <a:gd name="connsiteX1" fmla="*/ 986790 w 2457450"/>
+                <a:gd name="connsiteY1" fmla="*/ 902970 h 1249680"/>
+                <a:gd name="connsiteX2" fmla="*/ 2457450 w 2457450"/>
+                <a:gd name="connsiteY2" fmla="*/ 0 h 1249680"/>
+                <a:gd name="connsiteX0" fmla="*/ 0 w 2457450"/>
+                <a:gd name="connsiteY0" fmla="*/ 1226820 h 1226820"/>
+                <a:gd name="connsiteX1" fmla="*/ 986790 w 2457450"/>
+                <a:gd name="connsiteY1" fmla="*/ 902970 h 1226820"/>
+                <a:gd name="connsiteX2" fmla="*/ 2457450 w 2457450"/>
+                <a:gd name="connsiteY2" fmla="*/ 0 h 1226820"/>
+                <a:gd name="connsiteX0" fmla="*/ 0 w 2457450"/>
+                <a:gd name="connsiteY0" fmla="*/ 1226820 h 1232454"/>
+                <a:gd name="connsiteX1" fmla="*/ 986790 w 2457450"/>
+                <a:gd name="connsiteY1" fmla="*/ 902970 h 1232454"/>
+                <a:gd name="connsiteX2" fmla="*/ 2457450 w 2457450"/>
+                <a:gd name="connsiteY2" fmla="*/ 0 h 1232454"/>
+                <a:gd name="connsiteX0" fmla="*/ 0 w 2457450"/>
+                <a:gd name="connsiteY0" fmla="*/ 1226820 h 1233705"/>
+                <a:gd name="connsiteX1" fmla="*/ 986790 w 2457450"/>
+                <a:gd name="connsiteY1" fmla="*/ 902970 h 1233705"/>
+                <a:gd name="connsiteX2" fmla="*/ 2457450 w 2457450"/>
+                <a:gd name="connsiteY2" fmla="*/ 0 h 1233705"/>
+                <a:gd name="connsiteX0" fmla="*/ 0 w 2442210"/>
+                <a:gd name="connsiteY0" fmla="*/ 1249680 h 1254815"/>
+                <a:gd name="connsiteX1" fmla="*/ 971550 w 2442210"/>
+                <a:gd name="connsiteY1" fmla="*/ 902970 h 1254815"/>
+                <a:gd name="connsiteX2" fmla="*/ 2442210 w 2442210"/>
+                <a:gd name="connsiteY2" fmla="*/ 0 h 1254815"/>
+                <a:gd name="connsiteX0" fmla="*/ 0 w 2449830"/>
+                <a:gd name="connsiteY0" fmla="*/ 1219200 h 1225021"/>
+                <a:gd name="connsiteX1" fmla="*/ 979170 w 2449830"/>
+                <a:gd name="connsiteY1" fmla="*/ 902970 h 1225021"/>
+                <a:gd name="connsiteX2" fmla="*/ 2449830 w 2449830"/>
+                <a:gd name="connsiteY2" fmla="*/ 0 h 1225021"/>
+                <a:gd name="connsiteX0" fmla="*/ 0 w 2449830"/>
+                <a:gd name="connsiteY0" fmla="*/ 1219200 h 1219200"/>
+                <a:gd name="connsiteX1" fmla="*/ 979170 w 2449830"/>
+                <a:gd name="connsiteY1" fmla="*/ 902970 h 1219200"/>
+                <a:gd name="connsiteX2" fmla="*/ 2449830 w 2449830"/>
+                <a:gd name="connsiteY2" fmla="*/ 0 h 1219200"/>
+              </a:gdLst>
+              <a:ahLst/>
+              <a:cxnLst>
+                <a:cxn ang="0">
+                  <a:pos x="connsiteX0" y="connsiteY0"/>
+                </a:cxn>
+                <a:cxn ang="0">
+                  <a:pos x="connsiteX1" y="connsiteY1"/>
+                </a:cxn>
+                <a:cxn ang="0">
+                  <a:pos x="connsiteX2" y="connsiteY2"/>
+                </a:cxn>
+              </a:cxnLst>
+              <a:rect l="l" t="t" r="r" b="b"/>
+              <a:pathLst>
+                <a:path w="2449830" h="1219200">
+                  <a:moveTo>
+                    <a:pt x="0" y="1219200"/>
+                  </a:moveTo>
+                  <a:cubicBezTo>
+                    <a:pt x="696595" y="1218882"/>
+                    <a:pt x="570865" y="1106170"/>
+                    <a:pt x="979170" y="902970"/>
+                  </a:cubicBezTo>
+                  <a:cubicBezTo>
+                    <a:pt x="1387475" y="699770"/>
+                    <a:pt x="1806575" y="242252"/>
+                    <a:pt x="2449830" y="0"/>
+                  </a:cubicBezTo>
+                </a:path>
+              </a:pathLst>
+            </a:custGeom>
+            <a:noFill/>
+            <a:ln w="57150">
+              <a:solidFill>
+                <a:schemeClr val="accent6">
+                  <a:lumMod val="50000"/>
+                </a:schemeClr>
+              </a:solidFill>
+              <a:headEnd type="none" w="med" len="med"/>
+              <a:tailEnd type="triangle" w="med" len="med"/>
+            </a:ln>
+          </p:spPr>
+          <p:style>
+            <a:lnRef idx="2">
+              <a:schemeClr val="accent1">
+                <a:shade val="50000"/>
+              </a:schemeClr>
+            </a:lnRef>
+            <a:fillRef idx="1">
+              <a:schemeClr val="accent1"/>
+            </a:fillRef>
+            <a:effectRef idx="0">
+              <a:schemeClr val="accent1"/>
+            </a:effectRef>
+            <a:fontRef idx="minor">
+              <a:schemeClr val="lt1"/>
+            </a:fontRef>
+          </p:style>
+          <p:txBody>
+            <a:bodyPr rtlCol="0" anchor="ctr"/>
+            <a:lstStyle/>
+            <a:p>
+              <a:pPr algn="ctr"/>
+              <a:endParaRPr lang="ru-RU"/>
+            </a:p>
+          </p:txBody>
+        </p:sp>
+      </p:grpSp>
+      <p:grpSp>
+        <p:nvGrpSpPr>
+          <p:cNvPr id="84" name="Группа 83"/>
+          <p:cNvGrpSpPr/>
+          <p:nvPr/>
+        </p:nvGrpSpPr>
+        <p:grpSpPr>
+          <a:xfrm>
+            <a:off x="2233023" y="4526776"/>
+            <a:ext cx="1344319" cy="754164"/>
+            <a:chOff x="3713801" y="5263909"/>
+            <a:chExt cx="2435860" cy="1366519"/>
+          </a:xfrm>
+        </p:grpSpPr>
+        <p:pic>
+          <p:nvPicPr>
+            <p:cNvPr id="85" name="Picture 2" descr="Иконка «Пользователь» — скачай бесплатно PNG и векторе"/>
+            <p:cNvPicPr>
+              <a:picLocks noChangeAspect="1" noChangeArrowheads="1"/>
+            </p:cNvPicPr>
+            <p:nvPr/>
+          </p:nvPicPr>
+          <p:blipFill>
+            <a:blip r:embed="rId4" cstate="print">
+              <a:extLst>
+                <a:ext uri="{28A0092B-C50C-407E-A947-70E740481C1C}">
+                  <a14:useLocalDpi xmlns:a14="http://schemas.microsoft.com/office/drawing/2010/main" val="0"/>
+                </a:ext>
+              </a:extLst>
+            </a:blip>
+            <a:srcRect/>
+            <a:stretch>
+              <a:fillRect/>
+            </a:stretch>
+          </p:blipFill>
+          <p:spPr bwMode="auto">
+            <a:xfrm>
+              <a:off x="4931731" y="5397258"/>
+              <a:ext cx="1217930" cy="1217930"/>
+            </a:xfrm>
+            <a:prstGeom prst="rect">
+              <a:avLst/>
+            </a:prstGeom>
+            <a:noFill/>
+            <a:extLst>
+              <a:ext uri="{909E8E84-426E-40DD-AFC4-6F175D3DCCD1}">
+                <a14:hiddenFill xmlns:a14="http://schemas.microsoft.com/office/drawing/2010/main">
+                  <a:solidFill>
+                    <a:srgbClr val="FFFFFF"/>
+                  </a:solidFill>
+                </a14:hiddenFill>
+              </a:ext>
+            </a:extLst>
+          </p:spPr>
+        </p:pic>
+        <p:pic>
+          <p:nvPicPr>
+            <p:cNvPr id="86" name="Picture 2" descr="Иконка «Пользователь» — скачай бесплатно PNG и векторе"/>
+            <p:cNvPicPr>
+              <a:picLocks noChangeAspect="1" noChangeArrowheads="1"/>
+            </p:cNvPicPr>
+            <p:nvPr/>
+          </p:nvPicPr>
+          <p:blipFill>
+            <a:blip r:embed="rId5" cstate="print">
+              <a:extLst>
+                <a:ext uri="{28A0092B-C50C-407E-A947-70E740481C1C}">
+                  <a14:useLocalDpi xmlns:a14="http://schemas.microsoft.com/office/drawing/2010/main" val="0"/>
+                </a:ext>
+              </a:extLst>
+            </a:blip>
+            <a:srcRect/>
+            <a:stretch>
+              <a:fillRect/>
+            </a:stretch>
+          </p:blipFill>
+          <p:spPr bwMode="auto">
+            <a:xfrm>
+              <a:off x="4248471" y="5263909"/>
+              <a:ext cx="1366519" cy="1366519"/>
+            </a:xfrm>
+            <a:prstGeom prst="rect">
+              <a:avLst/>
+            </a:prstGeom>
+            <a:noFill/>
+            <a:extLst>
+              <a:ext uri="{909E8E84-426E-40DD-AFC4-6F175D3DCCD1}">
+                <a14:hiddenFill xmlns:a14="http://schemas.microsoft.com/office/drawing/2010/main">
+                  <a:solidFill>
+                    <a:srgbClr val="FFFFFF"/>
+                  </a:solidFill>
+                </a14:hiddenFill>
+              </a:ext>
+            </a:extLst>
+          </p:spPr>
+        </p:pic>
+        <p:pic>
+          <p:nvPicPr>
+            <p:cNvPr id="87" name="Picture 2" descr="Иконка «Пользователь» — скачай бесплатно PNG и векторе"/>
+            <p:cNvPicPr>
+              <a:picLocks noChangeAspect="1" noChangeArrowheads="1"/>
+            </p:cNvPicPr>
+            <p:nvPr/>
+          </p:nvPicPr>
+          <p:blipFill>
+            <a:blip r:embed="rId4" cstate="print">
+              <a:extLst>
+                <a:ext uri="{28A0092B-C50C-407E-A947-70E740481C1C}">
+                  <a14:useLocalDpi xmlns:a14="http://schemas.microsoft.com/office/drawing/2010/main" val="0"/>
+                </a:ext>
+              </a:extLst>
+            </a:blip>
+            <a:srcRect/>
+            <a:stretch>
+              <a:fillRect/>
+            </a:stretch>
+          </p:blipFill>
+          <p:spPr bwMode="auto">
+            <a:xfrm>
+              <a:off x="3713801" y="5397258"/>
+              <a:ext cx="1217930" cy="1217930"/>
+            </a:xfrm>
+            <a:prstGeom prst="rect">
+              <a:avLst/>
+            </a:prstGeom>
+            <a:noFill/>
+            <a:extLst>
+              <a:ext uri="{909E8E84-426E-40DD-AFC4-6F175D3DCCD1}">
+                <a14:hiddenFill xmlns:a14="http://schemas.microsoft.com/office/drawing/2010/main">
+                  <a:solidFill>
+                    <a:srgbClr val="FFFFFF"/>
+                  </a:solidFill>
+                </a14:hiddenFill>
+              </a:ext>
+            </a:extLst>
+          </p:spPr>
+        </p:pic>
+      </p:grpSp>
+      <p:sp>
+        <p:nvSpPr>
+          <p:cNvPr id="88" name="TextBox 87"/>
+          <p:cNvSpPr txBox="1"/>
+          <p:nvPr/>
+        </p:nvSpPr>
+        <p:spPr>
+          <a:xfrm>
+            <a:off x="1272076" y="4157444"/>
+            <a:ext cx="3615349" cy="369332"/>
+          </a:xfrm>
+          <a:prstGeom prst="rect">
+            <a:avLst/>
+          </a:prstGeom>
+          <a:noFill/>
+        </p:spPr>
+        <p:txBody>
+          <a:bodyPr wrap="none" rtlCol="0">
+            <a:spAutoFit/>
+          </a:bodyPr>
+          <a:lstStyle/>
+          <a:p>
+            <a:r>
+              <a:rPr lang="ru-RU" dirty="0"/>
+              <a:t>д</a:t>
+            </a:r>
+            <a:r>
+              <a:rPr lang="ru-RU" dirty="0" smtClean="0"/>
+              <a:t>ля запросов к основному сервису</a:t>
+            </a:r>
+            <a:endParaRPr lang="ru-RU" dirty="0"/>
+          </a:p>
+        </p:txBody>
+      </p:sp>
+      <p:grpSp>
+        <p:nvGrpSpPr>
+          <p:cNvPr id="41" name="Группа 40"/>
+          <p:cNvGrpSpPr/>
+          <p:nvPr/>
+        </p:nvGrpSpPr>
+        <p:grpSpPr>
+          <a:xfrm>
+            <a:off x="1880033" y="1361443"/>
+            <a:ext cx="2370872" cy="2743056"/>
+            <a:chOff x="5209972" y="2363809"/>
+            <a:chExt cx="2370872" cy="2743056"/>
+          </a:xfrm>
+        </p:grpSpPr>
+        <p:sp>
+          <p:nvSpPr>
+            <p:cNvPr id="42" name="TextBox 41"/>
+            <p:cNvSpPr txBox="1"/>
+            <p:nvPr/>
+          </p:nvSpPr>
+          <p:spPr>
+            <a:xfrm>
+              <a:off x="5238536" y="2363809"/>
+              <a:ext cx="2342308" cy="2646878"/>
+            </a:xfrm>
+            <a:prstGeom prst="rect">
+              <a:avLst/>
+            </a:prstGeom>
+            <a:noFill/>
+          </p:spPr>
+          <p:txBody>
+            <a:bodyPr wrap="none" rtlCol="0">
+              <a:spAutoFit/>
+            </a:bodyPr>
+            <a:lstStyle/>
+            <a:p>
+              <a:r>
+                <a:rPr lang="ru-RU" sz="16600" dirty="0" smtClean="0"/>
+                <a:t>50</a:t>
+              </a:r>
+              <a:endParaRPr lang="ru-RU" sz="16600" dirty="0"/>
+            </a:p>
+          </p:txBody>
+        </p:sp>
+        <p:sp>
+          <p:nvSpPr>
+            <p:cNvPr id="43" name="TextBox 42"/>
+            <p:cNvSpPr txBox="1"/>
+            <p:nvPr/>
+          </p:nvSpPr>
+          <p:spPr>
+            <a:xfrm>
+              <a:off x="5224254" y="2402734"/>
+              <a:ext cx="2342308" cy="2646878"/>
+            </a:xfrm>
+            <a:prstGeom prst="rect">
+              <a:avLst/>
+            </a:prstGeom>
+            <a:noFill/>
+          </p:spPr>
+          <p:txBody>
+            <a:bodyPr wrap="none" rtlCol="0">
+              <a:spAutoFit/>
+            </a:bodyPr>
+            <a:lstStyle/>
+            <a:p>
+              <a:r>
+                <a:rPr lang="ru-RU" sz="16600" dirty="0" smtClean="0">
+                  <a:solidFill>
+                    <a:schemeClr val="accent1">
+                      <a:lumMod val="50000"/>
+                    </a:schemeClr>
+                  </a:solidFill>
+                </a:rPr>
+                <a:t>50</a:t>
+              </a:r>
+              <a:endParaRPr lang="ru-RU" sz="16600" dirty="0">
+                <a:solidFill>
+                  <a:schemeClr val="accent1">
+                    <a:lumMod val="50000"/>
+                  </a:schemeClr>
+                </a:solidFill>
+              </a:endParaRPr>
+            </a:p>
+          </p:txBody>
+        </p:sp>
+        <p:sp>
+          <p:nvSpPr>
+            <p:cNvPr id="44" name="TextBox 43"/>
+            <p:cNvSpPr txBox="1"/>
+            <p:nvPr/>
+          </p:nvSpPr>
+          <p:spPr>
+            <a:xfrm>
+              <a:off x="5209972" y="2459987"/>
+              <a:ext cx="2342308" cy="2646878"/>
+            </a:xfrm>
+            <a:prstGeom prst="rect">
+              <a:avLst/>
+            </a:prstGeom>
+            <a:noFill/>
+          </p:spPr>
+          <p:txBody>
+            <a:bodyPr wrap="none" rtlCol="0">
+              <a:spAutoFit/>
+            </a:bodyPr>
+            <a:lstStyle/>
+            <a:p>
+              <a:r>
+                <a:rPr lang="ru-RU" sz="16600" dirty="0" smtClean="0">
+                  <a:solidFill>
+                    <a:schemeClr val="accent1"/>
+                  </a:solidFill>
+                </a:rPr>
+                <a:t>50</a:t>
+              </a:r>
+              <a:endParaRPr lang="ru-RU" sz="16600" dirty="0">
+                <a:solidFill>
+                  <a:schemeClr val="accent1"/>
+                </a:solidFill>
+              </a:endParaRPr>
+            </a:p>
+          </p:txBody>
+        </p:sp>
+      </p:grpSp>
+      <p:grpSp>
+        <p:nvGrpSpPr>
+          <p:cNvPr id="45" name="Группа 44"/>
+          <p:cNvGrpSpPr/>
+          <p:nvPr/>
+        </p:nvGrpSpPr>
+        <p:grpSpPr>
+          <a:xfrm>
+            <a:off x="8363920" y="1853824"/>
+            <a:ext cx="1734727" cy="1919108"/>
+            <a:chOff x="5182474" y="2363809"/>
+            <a:chExt cx="1734727" cy="1919108"/>
+          </a:xfrm>
+        </p:grpSpPr>
+        <p:sp>
+          <p:nvSpPr>
+            <p:cNvPr id="46" name="TextBox 45"/>
+            <p:cNvSpPr txBox="1"/>
+            <p:nvPr/>
+          </p:nvSpPr>
+          <p:spPr>
+            <a:xfrm>
+              <a:off x="5238536" y="2363809"/>
+              <a:ext cx="1678665" cy="1862048"/>
+            </a:xfrm>
+            <a:prstGeom prst="rect">
+              <a:avLst/>
+            </a:prstGeom>
+            <a:noFill/>
+          </p:spPr>
+          <p:txBody>
+            <a:bodyPr wrap="none" rtlCol="0">
+              <a:spAutoFit/>
+            </a:bodyPr>
+            <a:lstStyle/>
+            <a:p>
+              <a:r>
+                <a:rPr lang="en-US" sz="11500" dirty="0"/>
+                <a:t>7</a:t>
+              </a:r>
+              <a:r>
+                <a:rPr lang="ru-RU" sz="11500" dirty="0" smtClean="0"/>
+                <a:t>0</a:t>
+              </a:r>
+              <a:endParaRPr lang="ru-RU" sz="11500" dirty="0"/>
+            </a:p>
+          </p:txBody>
+        </p:sp>
+        <p:sp>
+          <p:nvSpPr>
+            <p:cNvPr id="47" name="TextBox 46"/>
+            <p:cNvSpPr txBox="1"/>
+            <p:nvPr/>
+          </p:nvSpPr>
+          <p:spPr>
+            <a:xfrm>
+              <a:off x="5224254" y="2396133"/>
+              <a:ext cx="1678665" cy="1862048"/>
+            </a:xfrm>
+            <a:prstGeom prst="rect">
+              <a:avLst/>
+            </a:prstGeom>
+            <a:noFill/>
+          </p:spPr>
+          <p:txBody>
+            <a:bodyPr wrap="none" rtlCol="0">
+              <a:spAutoFit/>
+            </a:bodyPr>
+            <a:lstStyle/>
+            <a:p>
+              <a:r>
+                <a:rPr lang="en-US" sz="11500" dirty="0">
+                  <a:solidFill>
+                    <a:schemeClr val="accent6">
+                      <a:lumMod val="50000"/>
+                    </a:schemeClr>
+                  </a:solidFill>
+                </a:rPr>
+                <a:t>7</a:t>
+              </a:r>
+              <a:r>
+                <a:rPr lang="ru-RU" sz="11500" dirty="0" smtClean="0">
+                  <a:solidFill>
+                    <a:schemeClr val="accent6">
+                      <a:lumMod val="50000"/>
+                    </a:schemeClr>
+                  </a:solidFill>
+                </a:rPr>
+                <a:t>0</a:t>
+              </a:r>
+              <a:endParaRPr lang="ru-RU" sz="11500" dirty="0">
+                <a:solidFill>
+                  <a:schemeClr val="accent6">
+                    <a:lumMod val="50000"/>
+                  </a:schemeClr>
+                </a:solidFill>
+              </a:endParaRPr>
+            </a:p>
+          </p:txBody>
+        </p:sp>
+        <p:sp>
+          <p:nvSpPr>
+            <p:cNvPr id="48" name="TextBox 47"/>
+            <p:cNvSpPr txBox="1"/>
+            <p:nvPr/>
+          </p:nvSpPr>
+          <p:spPr>
+            <a:xfrm>
+              <a:off x="5182474" y="2420869"/>
+              <a:ext cx="1678665" cy="1862048"/>
+            </a:xfrm>
+            <a:prstGeom prst="rect">
+              <a:avLst/>
+            </a:prstGeom>
+            <a:noFill/>
+          </p:spPr>
+          <p:txBody>
+            <a:bodyPr wrap="none" rtlCol="0">
+              <a:spAutoFit/>
+            </a:bodyPr>
+            <a:lstStyle/>
+            <a:p>
+              <a:r>
+                <a:rPr lang="en-US" sz="11500" dirty="0" smtClean="0">
+                  <a:solidFill>
+                    <a:schemeClr val="accent6"/>
+                  </a:solidFill>
+                </a:rPr>
+                <a:t>7</a:t>
+              </a:r>
+              <a:r>
+                <a:rPr lang="ru-RU" sz="11500" dirty="0" smtClean="0">
+                  <a:solidFill>
+                    <a:schemeClr val="accent6"/>
+                  </a:solidFill>
+                </a:rPr>
+                <a:t>0</a:t>
+              </a:r>
+              <a:endParaRPr lang="ru-RU" sz="11500" dirty="0">
+                <a:solidFill>
+                  <a:schemeClr val="accent6"/>
+                </a:solidFill>
+              </a:endParaRPr>
+            </a:p>
+          </p:txBody>
+        </p:sp>
+      </p:grpSp>
+    </p:spTree>
+    <p:extLst>
+      <p:ext uri="{BB962C8B-B14F-4D97-AF65-F5344CB8AC3E}">
+        <p14:creationId xmlns:p14="http://schemas.microsoft.com/office/powerpoint/2010/main" val="2144490968"/>
+      </p:ext>
+    </p:extLst>
+  </p:cSld>
+  <p:clrMapOvr>
+    <a:masterClrMapping/>
+  </p:clrMapOvr>
+  <mc:AlternateContent xmlns:mc="http://schemas.openxmlformats.org/markup-compatibility/2006" xmlns:p14="http://schemas.microsoft.com/office/powerpoint/2010/main">
+    <mc:Choice Requires="p14">
+      <p:transition spd="slow" p14:dur="2000"/>
+    </mc:Choice>
+    <mc:Fallback xmlns="">
+      <p:transition spd="slow"/>
+    </mc:Fallback>
+  </mc:AlternateContent>
+  <p:timing>
+    <p:tnLst>
+      <p:par>
+        <p:cTn id="1" dur="indefinite" restart="never" nodeType="tmRoot"/>
+      </p:par>
+    </p:tnLst>
+  </p:timing>
+</p:sld>
+</file>
+
+<file path=ppt/slides/slide16.xml><?xml version="1.0" encoding="utf-8"?>
+<p:sld xmlns:a="http://schemas.openxmlformats.org/drawingml/2006/main" xmlns:r="http://schemas.openxmlformats.org/officeDocument/2006/relationships" xmlns:p="http://schemas.openxmlformats.org/presentationml/2006/main">
+  <p:cSld>
+    <p:spTree>
+      <p:nvGrpSpPr>
+        <p:cNvPr id="1" name=""/>
+        <p:cNvGrpSpPr/>
+        <p:nvPr/>
+      </p:nvGrpSpPr>
+      <p:grpSpPr>
+        <a:xfrm>
+          <a:off x="0" y="0"/>
+          <a:ext cx="0" cy="0"/>
+          <a:chOff x="0" y="0"/>
+          <a:chExt cx="0" cy="0"/>
+        </a:xfrm>
+      </p:grpSpPr>
+      <p:sp>
+        <p:nvSpPr>
+          <p:cNvPr id="10" name="TextBox 9"/>
+          <p:cNvSpPr txBox="1"/>
+          <p:nvPr/>
+        </p:nvSpPr>
+        <p:spPr>
+          <a:xfrm>
+            <a:off x="914401" y="151900"/>
+            <a:ext cx="10363199" cy="1015663"/>
+          </a:xfrm>
+          <a:prstGeom prst="rect">
+            <a:avLst/>
+          </a:prstGeom>
+          <a:noFill/>
+        </p:spPr>
+        <p:txBody>
+          <a:bodyPr wrap="square" rtlCol="0" anchor="ctr">
+            <a:spAutoFit/>
+          </a:bodyPr>
+          <a:lstStyle/>
+          <a:p>
+            <a:pPr algn="ctr"/>
+            <a:r>
+              <a:rPr lang="ru-RU" sz="6000" b="1" dirty="0"/>
+              <a:t>Нагрузочное тестирование</a:t>
+            </a:r>
+          </a:p>
+        </p:txBody>
+      </p:sp>
+      <p:sp>
+        <p:nvSpPr>
+          <p:cNvPr id="5" name="TextBox 4"/>
+          <p:cNvSpPr txBox="1"/>
+          <p:nvPr/>
+        </p:nvSpPr>
+        <p:spPr>
+          <a:xfrm>
+            <a:off x="7487996" y="1315927"/>
+            <a:ext cx="3599400" cy="923330"/>
+          </a:xfrm>
+          <a:prstGeom prst="rect">
+            <a:avLst/>
+          </a:prstGeom>
+          <a:noFill/>
+        </p:spPr>
+        <p:txBody>
+          <a:bodyPr wrap="square" rtlCol="0">
+            <a:spAutoFit/>
+          </a:bodyPr>
+          <a:lstStyle/>
+          <a:p>
+            <a:pPr algn="ctr"/>
+            <a:r>
+              <a:rPr lang="ru-RU" b="1" dirty="0" smtClean="0"/>
+              <a:t>Удалённый сервер</a:t>
+            </a:r>
+          </a:p>
+          <a:p>
+            <a:r>
+              <a:rPr lang="ru-RU" dirty="0" smtClean="0"/>
+              <a:t>Сервисы запущены на сервере,</a:t>
+            </a:r>
+            <a:br>
+              <a:rPr lang="ru-RU" dirty="0" smtClean="0"/>
+            </a:br>
+            <a:r>
+              <a:rPr lang="ru-RU" dirty="0" smtClean="0"/>
+              <a:t>на котором расположена БД.</a:t>
+            </a:r>
+          </a:p>
+        </p:txBody>
+      </p:sp>
+      <p:grpSp>
+        <p:nvGrpSpPr>
+          <p:cNvPr id="6" name="Группа 5"/>
+          <p:cNvGrpSpPr/>
+          <p:nvPr/>
+        </p:nvGrpSpPr>
+        <p:grpSpPr>
+          <a:xfrm>
+            <a:off x="1535467" y="3257860"/>
+            <a:ext cx="3088569" cy="1163026"/>
+            <a:chOff x="5079572" y="3999265"/>
+            <a:chExt cx="3088569" cy="1163026"/>
+          </a:xfrm>
+        </p:grpSpPr>
+        <p:sp>
+          <p:nvSpPr>
+            <p:cNvPr id="7" name="TextBox 6"/>
+            <p:cNvSpPr txBox="1"/>
+            <p:nvPr/>
+          </p:nvSpPr>
+          <p:spPr>
+            <a:xfrm>
+              <a:off x="5108136" y="3999265"/>
+              <a:ext cx="3060005" cy="1107996"/>
+            </a:xfrm>
+            <a:prstGeom prst="rect">
+              <a:avLst/>
+            </a:prstGeom>
+            <a:noFill/>
+          </p:spPr>
+          <p:txBody>
+            <a:bodyPr wrap="none" rtlCol="0">
+              <a:spAutoFit/>
+            </a:bodyPr>
+            <a:lstStyle/>
+            <a:p>
+              <a:r>
+                <a:rPr lang="ru-RU" sz="6600" dirty="0" smtClean="0"/>
+                <a:t>потоков</a:t>
+              </a:r>
+              <a:endParaRPr lang="ru-RU" sz="6600" dirty="0"/>
+            </a:p>
+          </p:txBody>
+        </p:sp>
+        <p:sp>
+          <p:nvSpPr>
+            <p:cNvPr id="19" name="TextBox 18"/>
+            <p:cNvSpPr txBox="1"/>
+            <p:nvPr/>
+          </p:nvSpPr>
+          <p:spPr>
+            <a:xfrm>
+              <a:off x="5093854" y="4026780"/>
+              <a:ext cx="3060005" cy="1107996"/>
+            </a:xfrm>
+            <a:prstGeom prst="rect">
+              <a:avLst/>
+            </a:prstGeom>
+            <a:noFill/>
+          </p:spPr>
+          <p:txBody>
+            <a:bodyPr wrap="none" rtlCol="0">
+              <a:spAutoFit/>
+            </a:bodyPr>
+            <a:lstStyle/>
+            <a:p>
+              <a:r>
+                <a:rPr lang="ru-RU" sz="6600" dirty="0" smtClean="0">
+                  <a:solidFill>
+                    <a:schemeClr val="accent1">
+                      <a:lumMod val="50000"/>
+                    </a:schemeClr>
+                  </a:solidFill>
+                </a:rPr>
+                <a:t>потоков</a:t>
+              </a:r>
+              <a:endParaRPr lang="ru-RU" sz="6600" dirty="0">
+                <a:solidFill>
+                  <a:schemeClr val="accent1">
+                    <a:lumMod val="50000"/>
+                  </a:schemeClr>
+                </a:solidFill>
+              </a:endParaRPr>
+            </a:p>
+          </p:txBody>
+        </p:sp>
+        <p:sp>
+          <p:nvSpPr>
+            <p:cNvPr id="20" name="TextBox 19"/>
+            <p:cNvSpPr txBox="1"/>
+            <p:nvPr/>
+          </p:nvSpPr>
+          <p:spPr>
+            <a:xfrm>
+              <a:off x="5079572" y="4054295"/>
+              <a:ext cx="3060005" cy="1107996"/>
+            </a:xfrm>
+            <a:prstGeom prst="rect">
+              <a:avLst/>
+            </a:prstGeom>
+            <a:noFill/>
+          </p:spPr>
+          <p:txBody>
+            <a:bodyPr wrap="none" rtlCol="0">
+              <a:spAutoFit/>
+            </a:bodyPr>
+            <a:lstStyle/>
+            <a:p>
+              <a:r>
+                <a:rPr lang="ru-RU" sz="6600" dirty="0" smtClean="0">
+                  <a:solidFill>
+                    <a:schemeClr val="accent1"/>
+                  </a:solidFill>
+                </a:rPr>
+                <a:t>потоков</a:t>
+              </a:r>
+              <a:endParaRPr lang="ru-RU" sz="6600" dirty="0">
+                <a:solidFill>
+                  <a:schemeClr val="accent1"/>
+                </a:solidFill>
+              </a:endParaRPr>
+            </a:p>
+          </p:txBody>
+        </p:sp>
+      </p:grpSp>
+      <p:grpSp>
+        <p:nvGrpSpPr>
+          <p:cNvPr id="30" name="Группа 29"/>
+          <p:cNvGrpSpPr/>
+          <p:nvPr/>
+        </p:nvGrpSpPr>
+        <p:grpSpPr>
+          <a:xfrm>
+            <a:off x="7362437" y="2107847"/>
+            <a:ext cx="947405" cy="1920242"/>
+            <a:chOff x="5209972" y="2363809"/>
+            <a:chExt cx="947405" cy="1920242"/>
+          </a:xfrm>
+        </p:grpSpPr>
+        <p:sp>
+          <p:nvSpPr>
+            <p:cNvPr id="31" name="TextBox 30"/>
+            <p:cNvSpPr txBox="1"/>
+            <p:nvPr/>
+          </p:nvSpPr>
+          <p:spPr>
+            <a:xfrm>
+              <a:off x="5238536" y="2363809"/>
+              <a:ext cx="918841" cy="1862048"/>
+            </a:xfrm>
+            <a:prstGeom prst="rect">
+              <a:avLst/>
+            </a:prstGeom>
+            <a:noFill/>
+          </p:spPr>
+          <p:txBody>
+            <a:bodyPr wrap="none" rtlCol="0">
+              <a:spAutoFit/>
+            </a:bodyPr>
+            <a:lstStyle/>
+            <a:p>
+              <a:r>
+                <a:rPr lang="en-US" sz="11500" dirty="0"/>
+                <a:t>~</a:t>
+              </a:r>
+              <a:endParaRPr lang="ru-RU" sz="11500" dirty="0"/>
+            </a:p>
+          </p:txBody>
+        </p:sp>
+        <p:sp>
+          <p:nvSpPr>
+            <p:cNvPr id="32" name="TextBox 31"/>
+            <p:cNvSpPr txBox="1"/>
+            <p:nvPr/>
+          </p:nvSpPr>
+          <p:spPr>
+            <a:xfrm>
+              <a:off x="5224254" y="2396133"/>
+              <a:ext cx="918841" cy="1862048"/>
+            </a:xfrm>
+            <a:prstGeom prst="rect">
+              <a:avLst/>
+            </a:prstGeom>
+            <a:noFill/>
+          </p:spPr>
+          <p:txBody>
+            <a:bodyPr wrap="none" rtlCol="0">
+              <a:spAutoFit/>
+            </a:bodyPr>
+            <a:lstStyle/>
+            <a:p>
+              <a:r>
+                <a:rPr lang="en-US" sz="11500" dirty="0" smtClean="0">
+                  <a:solidFill>
+                    <a:schemeClr val="accent6">
+                      <a:lumMod val="50000"/>
+                    </a:schemeClr>
+                  </a:solidFill>
+                </a:rPr>
+                <a:t>~</a:t>
+              </a:r>
+              <a:endParaRPr lang="ru-RU" sz="11500" dirty="0">
+                <a:solidFill>
+                  <a:schemeClr val="accent6">
+                    <a:lumMod val="50000"/>
+                  </a:schemeClr>
+                </a:solidFill>
+              </a:endParaRPr>
+            </a:p>
+          </p:txBody>
+        </p:sp>
+        <p:sp>
+          <p:nvSpPr>
+            <p:cNvPr id="33" name="TextBox 32"/>
+            <p:cNvSpPr txBox="1"/>
+            <p:nvPr/>
+          </p:nvSpPr>
+          <p:spPr>
+            <a:xfrm>
+              <a:off x="5209972" y="2422003"/>
+              <a:ext cx="918841" cy="1862048"/>
+            </a:xfrm>
+            <a:prstGeom prst="rect">
+              <a:avLst/>
+            </a:prstGeom>
+            <a:noFill/>
+          </p:spPr>
+          <p:txBody>
+            <a:bodyPr wrap="none" rtlCol="0">
+              <a:spAutoFit/>
+            </a:bodyPr>
+            <a:lstStyle/>
+            <a:p>
+              <a:r>
+                <a:rPr lang="en-US" sz="11500" dirty="0">
+                  <a:solidFill>
+                    <a:schemeClr val="accent6"/>
+                  </a:solidFill>
+                </a:rPr>
+                <a:t>~</a:t>
+              </a:r>
+              <a:endParaRPr lang="ru-RU" sz="11500" dirty="0">
+                <a:solidFill>
+                  <a:schemeClr val="accent6"/>
+                </a:solidFill>
+              </a:endParaRPr>
+            </a:p>
+          </p:txBody>
+        </p:sp>
+      </p:grpSp>
+      <p:grpSp>
+        <p:nvGrpSpPr>
+          <p:cNvPr id="34" name="Группа 33"/>
+          <p:cNvGrpSpPr/>
+          <p:nvPr/>
+        </p:nvGrpSpPr>
+        <p:grpSpPr>
+          <a:xfrm>
+            <a:off x="9282954" y="3024880"/>
+            <a:ext cx="1255580" cy="1244352"/>
+            <a:chOff x="3053214" y="2452588"/>
+            <a:chExt cx="1255580" cy="1244352"/>
+          </a:xfrm>
+        </p:grpSpPr>
+        <p:sp>
+          <p:nvSpPr>
+            <p:cNvPr id="35" name="TextBox 34"/>
+            <p:cNvSpPr txBox="1"/>
+            <p:nvPr/>
+          </p:nvSpPr>
+          <p:spPr>
+            <a:xfrm>
+              <a:off x="3107824" y="2452588"/>
+              <a:ext cx="1200970" cy="1200329"/>
+            </a:xfrm>
+            <a:prstGeom prst="rect">
+              <a:avLst/>
+            </a:prstGeom>
+            <a:noFill/>
+          </p:spPr>
+          <p:txBody>
+            <a:bodyPr wrap="none" rtlCol="0">
+              <a:spAutoFit/>
+            </a:bodyPr>
+            <a:lstStyle/>
+            <a:p>
+              <a:r>
+                <a:rPr lang="ru-RU" sz="7200" dirty="0" err="1" smtClean="0"/>
+                <a:t>мс</a:t>
+              </a:r>
+              <a:endParaRPr lang="ru-RU" sz="7200" dirty="0"/>
+            </a:p>
+          </p:txBody>
+        </p:sp>
+        <p:sp>
+          <p:nvSpPr>
+            <p:cNvPr id="36" name="TextBox 35"/>
+            <p:cNvSpPr txBox="1"/>
+            <p:nvPr/>
+          </p:nvSpPr>
+          <p:spPr>
+            <a:xfrm>
+              <a:off x="3080519" y="2466109"/>
+              <a:ext cx="1200970" cy="1200329"/>
+            </a:xfrm>
+            <a:prstGeom prst="rect">
+              <a:avLst/>
+            </a:prstGeom>
+            <a:noFill/>
+          </p:spPr>
+          <p:txBody>
+            <a:bodyPr wrap="none" rtlCol="0">
+              <a:spAutoFit/>
+            </a:bodyPr>
+            <a:lstStyle/>
+            <a:p>
+              <a:r>
+                <a:rPr lang="ru-RU" sz="7200" dirty="0" err="1" smtClean="0">
+                  <a:solidFill>
+                    <a:schemeClr val="accent6">
+                      <a:lumMod val="50000"/>
+                    </a:schemeClr>
+                  </a:solidFill>
+                </a:rPr>
+                <a:t>мс</a:t>
+              </a:r>
+              <a:endParaRPr lang="ru-RU" sz="7200" dirty="0">
+                <a:solidFill>
+                  <a:schemeClr val="accent6">
+                    <a:lumMod val="50000"/>
+                  </a:schemeClr>
+                </a:solidFill>
+              </a:endParaRPr>
+            </a:p>
+          </p:txBody>
+        </p:sp>
+        <p:sp>
+          <p:nvSpPr>
+            <p:cNvPr id="37" name="TextBox 36"/>
+            <p:cNvSpPr txBox="1"/>
+            <p:nvPr/>
+          </p:nvSpPr>
+          <p:spPr>
+            <a:xfrm>
+              <a:off x="3053214" y="2496611"/>
+              <a:ext cx="1200970" cy="1200329"/>
+            </a:xfrm>
+            <a:prstGeom prst="rect">
+              <a:avLst/>
+            </a:prstGeom>
+            <a:noFill/>
+          </p:spPr>
+          <p:txBody>
+            <a:bodyPr wrap="none" rtlCol="0">
+              <a:spAutoFit/>
+            </a:bodyPr>
+            <a:lstStyle/>
+            <a:p>
+              <a:r>
+                <a:rPr lang="ru-RU" sz="7200" dirty="0" err="1" smtClean="0">
+                  <a:solidFill>
+                    <a:schemeClr val="accent6"/>
+                  </a:solidFill>
+                </a:rPr>
+                <a:t>мс</a:t>
+              </a:r>
+              <a:endParaRPr lang="ru-RU" sz="7200" dirty="0">
+                <a:solidFill>
+                  <a:schemeClr val="accent6"/>
+                </a:solidFill>
+              </a:endParaRPr>
+            </a:p>
+          </p:txBody>
+        </p:sp>
+      </p:grpSp>
+      <p:grpSp>
+        <p:nvGrpSpPr>
+          <p:cNvPr id="4" name="Группа 3"/>
+          <p:cNvGrpSpPr/>
+          <p:nvPr/>
+        </p:nvGrpSpPr>
+        <p:grpSpPr>
+          <a:xfrm>
+            <a:off x="5303526" y="3932172"/>
+            <a:ext cx="3823621" cy="2487153"/>
+            <a:chOff x="8877537" y="1119297"/>
+            <a:chExt cx="2532022" cy="1647006"/>
+          </a:xfrm>
+        </p:grpSpPr>
+        <p:pic>
+          <p:nvPicPr>
+            <p:cNvPr id="10242" name="Picture 2" descr="https://sun9-8.userapi.com/impg/MVtmjslBXKaqUNyQShlm3GQxj11hOOHBRHKFDw/5-Nkbnnn4JA.jpg?size=2560x829&amp;quality=96&amp;sign=5c7c83eac14f0691d45ca919af74eb96&amp;type=album"/>
+            <p:cNvPicPr>
+              <a:picLocks noChangeAspect="1" noChangeArrowheads="1"/>
+            </p:cNvPicPr>
+            <p:nvPr/>
+          </p:nvPicPr>
+          <p:blipFill>
+            <a:blip r:embed="rId2" cstate="print">
+              <a:extLst>
+                <a:ext uri="{28A0092B-C50C-407E-A947-70E740481C1C}">
+                  <a14:useLocalDpi xmlns:a14="http://schemas.microsoft.com/office/drawing/2010/main" val="0"/>
+                </a:ext>
+              </a:extLst>
+            </a:blip>
+            <a:srcRect/>
+            <a:stretch>
+              <a:fillRect/>
+            </a:stretch>
+          </p:blipFill>
+          <p:spPr bwMode="auto">
+            <a:xfrm>
+              <a:off x="8877537" y="1119297"/>
+              <a:ext cx="2532022" cy="1647006"/>
+            </a:xfrm>
+            <a:prstGeom prst="rect">
+              <a:avLst/>
+            </a:prstGeom>
+            <a:ln w="38100" cap="sq">
+              <a:solidFill>
+                <a:schemeClr val="accent6"/>
+              </a:solidFill>
+              <a:prstDash val="solid"/>
+              <a:miter lim="800000"/>
+            </a:ln>
+            <a:effectLst>
+              <a:outerShdw blurRad="50800" dist="38100" dir="2700000" algn="tl" rotWithShape="0">
+                <a:srgbClr val="000000">
+                  <a:alpha val="43000"/>
+                </a:srgbClr>
+              </a:outerShdw>
+            </a:effectLst>
+            <a:extLst>
+              <a:ext uri="{909E8E84-426E-40DD-AFC4-6F175D3DCCD1}">
+                <a14:hiddenFill xmlns:a14="http://schemas.microsoft.com/office/drawing/2010/main">
+                  <a:solidFill>
+                    <a:srgbClr val="FFFFFF"/>
+                  </a:solidFill>
+                </a14:hiddenFill>
+              </a:ext>
+            </a:extLst>
+          </p:spPr>
+        </p:pic>
+        <p:sp>
+          <p:nvSpPr>
+            <p:cNvPr id="12" name="Полилиния 11"/>
+            <p:cNvSpPr/>
+            <p:nvPr/>
+          </p:nvSpPr>
+          <p:spPr>
+            <a:xfrm>
+              <a:off x="8942071" y="1417320"/>
+              <a:ext cx="2449830" cy="1219200"/>
+            </a:xfrm>
+            <a:custGeom>
+              <a:avLst/>
+              <a:gdLst>
+                <a:gd name="connsiteX0" fmla="*/ 0 w 2530371"/>
+                <a:gd name="connsiteY0" fmla="*/ 1379682 h 1379682"/>
+                <a:gd name="connsiteX1" fmla="*/ 2331720 w 2530371"/>
+                <a:gd name="connsiteY1" fmla="*/ 198582 h 1379682"/>
+                <a:gd name="connsiteX2" fmla="*/ 2247900 w 2530371"/>
+                <a:gd name="connsiteY2" fmla="*/ 11892 h 1379682"/>
+                <a:gd name="connsiteX0" fmla="*/ 0 w 2277511"/>
+                <a:gd name="connsiteY0" fmla="*/ 1368154 h 1368154"/>
+                <a:gd name="connsiteX1" fmla="*/ 937260 w 2277511"/>
+                <a:gd name="connsiteY1" fmla="*/ 1070974 h 1368154"/>
+                <a:gd name="connsiteX2" fmla="*/ 2247900 w 2277511"/>
+                <a:gd name="connsiteY2" fmla="*/ 364 h 1368154"/>
+                <a:gd name="connsiteX0" fmla="*/ 0 w 2327218"/>
+                <a:gd name="connsiteY0" fmla="*/ 1417687 h 1417687"/>
+                <a:gd name="connsiteX1" fmla="*/ 986790 w 2327218"/>
+                <a:gd name="connsiteY1" fmla="*/ 1070977 h 1417687"/>
+                <a:gd name="connsiteX2" fmla="*/ 2297430 w 2327218"/>
+                <a:gd name="connsiteY2" fmla="*/ 367 h 1417687"/>
+                <a:gd name="connsiteX0" fmla="*/ 0 w 2484521"/>
+                <a:gd name="connsiteY0" fmla="*/ 1250118 h 1250118"/>
+                <a:gd name="connsiteX1" fmla="*/ 986790 w 2484521"/>
+                <a:gd name="connsiteY1" fmla="*/ 903408 h 1250118"/>
+                <a:gd name="connsiteX2" fmla="*/ 2457450 w 2484521"/>
+                <a:gd name="connsiteY2" fmla="*/ 438 h 1250118"/>
+                <a:gd name="connsiteX0" fmla="*/ 0 w 2457450"/>
+                <a:gd name="connsiteY0" fmla="*/ 1249680 h 1249680"/>
+                <a:gd name="connsiteX1" fmla="*/ 986790 w 2457450"/>
+                <a:gd name="connsiteY1" fmla="*/ 902970 h 1249680"/>
+                <a:gd name="connsiteX2" fmla="*/ 2457450 w 2457450"/>
+                <a:gd name="connsiteY2" fmla="*/ 0 h 1249680"/>
+                <a:gd name="connsiteX0" fmla="*/ 0 w 2457450"/>
+                <a:gd name="connsiteY0" fmla="*/ 1226820 h 1226820"/>
+                <a:gd name="connsiteX1" fmla="*/ 986790 w 2457450"/>
+                <a:gd name="connsiteY1" fmla="*/ 902970 h 1226820"/>
+                <a:gd name="connsiteX2" fmla="*/ 2457450 w 2457450"/>
+                <a:gd name="connsiteY2" fmla="*/ 0 h 1226820"/>
+                <a:gd name="connsiteX0" fmla="*/ 0 w 2457450"/>
+                <a:gd name="connsiteY0" fmla="*/ 1226820 h 1232454"/>
+                <a:gd name="connsiteX1" fmla="*/ 986790 w 2457450"/>
+                <a:gd name="connsiteY1" fmla="*/ 902970 h 1232454"/>
+                <a:gd name="connsiteX2" fmla="*/ 2457450 w 2457450"/>
+                <a:gd name="connsiteY2" fmla="*/ 0 h 1232454"/>
+                <a:gd name="connsiteX0" fmla="*/ 0 w 2457450"/>
+                <a:gd name="connsiteY0" fmla="*/ 1226820 h 1233705"/>
+                <a:gd name="connsiteX1" fmla="*/ 986790 w 2457450"/>
+                <a:gd name="connsiteY1" fmla="*/ 902970 h 1233705"/>
+                <a:gd name="connsiteX2" fmla="*/ 2457450 w 2457450"/>
+                <a:gd name="connsiteY2" fmla="*/ 0 h 1233705"/>
+                <a:gd name="connsiteX0" fmla="*/ 0 w 2442210"/>
+                <a:gd name="connsiteY0" fmla="*/ 1249680 h 1254815"/>
+                <a:gd name="connsiteX1" fmla="*/ 971550 w 2442210"/>
+                <a:gd name="connsiteY1" fmla="*/ 902970 h 1254815"/>
+                <a:gd name="connsiteX2" fmla="*/ 2442210 w 2442210"/>
+                <a:gd name="connsiteY2" fmla="*/ 0 h 1254815"/>
+                <a:gd name="connsiteX0" fmla="*/ 0 w 2449830"/>
+                <a:gd name="connsiteY0" fmla="*/ 1219200 h 1225021"/>
+                <a:gd name="connsiteX1" fmla="*/ 979170 w 2449830"/>
+                <a:gd name="connsiteY1" fmla="*/ 902970 h 1225021"/>
+                <a:gd name="connsiteX2" fmla="*/ 2449830 w 2449830"/>
+                <a:gd name="connsiteY2" fmla="*/ 0 h 1225021"/>
+                <a:gd name="connsiteX0" fmla="*/ 0 w 2449830"/>
+                <a:gd name="connsiteY0" fmla="*/ 1219200 h 1219200"/>
+                <a:gd name="connsiteX1" fmla="*/ 979170 w 2449830"/>
+                <a:gd name="connsiteY1" fmla="*/ 902970 h 1219200"/>
+                <a:gd name="connsiteX2" fmla="*/ 2449830 w 2449830"/>
+                <a:gd name="connsiteY2" fmla="*/ 0 h 1219200"/>
+              </a:gdLst>
+              <a:ahLst/>
+              <a:cxnLst>
+                <a:cxn ang="0">
+                  <a:pos x="connsiteX0" y="connsiteY0"/>
+                </a:cxn>
+                <a:cxn ang="0">
+                  <a:pos x="connsiteX1" y="connsiteY1"/>
+                </a:cxn>
+                <a:cxn ang="0">
+                  <a:pos x="connsiteX2" y="connsiteY2"/>
+                </a:cxn>
+              </a:cxnLst>
+              <a:rect l="l" t="t" r="r" b="b"/>
+              <a:pathLst>
+                <a:path w="2449830" h="1219200">
+                  <a:moveTo>
+                    <a:pt x="0" y="1219200"/>
+                  </a:moveTo>
+                  <a:cubicBezTo>
+                    <a:pt x="696595" y="1218882"/>
+                    <a:pt x="570865" y="1106170"/>
+                    <a:pt x="979170" y="902970"/>
+                  </a:cubicBezTo>
+                  <a:cubicBezTo>
+                    <a:pt x="1387475" y="699770"/>
+                    <a:pt x="1806575" y="242252"/>
+                    <a:pt x="2449830" y="0"/>
+                  </a:cubicBezTo>
+                </a:path>
+              </a:pathLst>
+            </a:custGeom>
+            <a:noFill/>
+            <a:ln w="57150">
+              <a:solidFill>
+                <a:schemeClr val="accent6">
+                  <a:lumMod val="50000"/>
+                </a:schemeClr>
+              </a:solidFill>
+              <a:headEnd type="none" w="med" len="med"/>
+              <a:tailEnd type="triangle" w="med" len="med"/>
+            </a:ln>
+          </p:spPr>
+          <p:style>
+            <a:lnRef idx="2">
+              <a:schemeClr val="accent1">
+                <a:shade val="50000"/>
+              </a:schemeClr>
+            </a:lnRef>
+            <a:fillRef idx="1">
+              <a:schemeClr val="accent1"/>
+            </a:fillRef>
+            <a:effectRef idx="0">
+              <a:schemeClr val="accent1"/>
+            </a:effectRef>
+            <a:fontRef idx="minor">
+              <a:schemeClr val="lt1"/>
+            </a:fontRef>
+          </p:style>
+          <p:txBody>
+            <a:bodyPr rtlCol="0" anchor="ctr"/>
+            <a:lstStyle/>
+            <a:p>
+              <a:pPr algn="ctr"/>
+              <a:endParaRPr lang="ru-RU"/>
+            </a:p>
+          </p:txBody>
+        </p:sp>
+      </p:grpSp>
+      <p:grpSp>
+        <p:nvGrpSpPr>
+          <p:cNvPr id="84" name="Группа 83"/>
+          <p:cNvGrpSpPr/>
+          <p:nvPr/>
+        </p:nvGrpSpPr>
+        <p:grpSpPr>
+          <a:xfrm>
+            <a:off x="2233023" y="4526776"/>
+            <a:ext cx="1344319" cy="754164"/>
+            <a:chOff x="3713801" y="5263909"/>
+            <a:chExt cx="2435860" cy="1366519"/>
+          </a:xfrm>
+        </p:grpSpPr>
+        <p:pic>
+          <p:nvPicPr>
+            <p:cNvPr id="85" name="Picture 2" descr="Иконка «Пользователь» — скачай бесплатно PNG и векторе"/>
+            <p:cNvPicPr>
+              <a:picLocks noChangeAspect="1" noChangeArrowheads="1"/>
+            </p:cNvPicPr>
+            <p:nvPr/>
+          </p:nvPicPr>
+          <p:blipFill>
+            <a:blip r:embed="rId3" cstate="print">
+              <a:extLst>
+                <a:ext uri="{28A0092B-C50C-407E-A947-70E740481C1C}">
+                  <a14:useLocalDpi xmlns:a14="http://schemas.microsoft.com/office/drawing/2010/main" val="0"/>
+                </a:ext>
+              </a:extLst>
+            </a:blip>
+            <a:srcRect/>
+            <a:stretch>
+              <a:fillRect/>
+            </a:stretch>
+          </p:blipFill>
+          <p:spPr bwMode="auto">
+            <a:xfrm>
+              <a:off x="4931731" y="5397258"/>
+              <a:ext cx="1217930" cy="1217930"/>
+            </a:xfrm>
+            <a:prstGeom prst="rect">
+              <a:avLst/>
+            </a:prstGeom>
+            <a:noFill/>
+            <a:extLst>
+              <a:ext uri="{909E8E84-426E-40DD-AFC4-6F175D3DCCD1}">
+                <a14:hiddenFill xmlns:a14="http://schemas.microsoft.com/office/drawing/2010/main">
+                  <a:solidFill>
+                    <a:srgbClr val="FFFFFF"/>
+                  </a:solidFill>
+                </a14:hiddenFill>
+              </a:ext>
+            </a:extLst>
+          </p:spPr>
+        </p:pic>
+        <p:pic>
+          <p:nvPicPr>
+            <p:cNvPr id="86" name="Picture 2" descr="Иконка «Пользователь» — скачай бесплатно PNG и векторе"/>
+            <p:cNvPicPr>
+              <a:picLocks noChangeAspect="1" noChangeArrowheads="1"/>
+            </p:cNvPicPr>
+            <p:nvPr/>
+          </p:nvPicPr>
+          <p:blipFill>
+            <a:blip r:embed="rId4" cstate="print">
+              <a:extLst>
+                <a:ext uri="{28A0092B-C50C-407E-A947-70E740481C1C}">
+                  <a14:useLocalDpi xmlns:a14="http://schemas.microsoft.com/office/drawing/2010/main" val="0"/>
+                </a:ext>
+              </a:extLst>
+            </a:blip>
+            <a:srcRect/>
+            <a:stretch>
+              <a:fillRect/>
+            </a:stretch>
+          </p:blipFill>
+          <p:spPr bwMode="auto">
+            <a:xfrm>
+              <a:off x="4248471" y="5263909"/>
+              <a:ext cx="1366519" cy="1366519"/>
+            </a:xfrm>
+            <a:prstGeom prst="rect">
+              <a:avLst/>
+            </a:prstGeom>
+            <a:noFill/>
+            <a:extLst>
+              <a:ext uri="{909E8E84-426E-40DD-AFC4-6F175D3DCCD1}">
+                <a14:hiddenFill xmlns:a14="http://schemas.microsoft.com/office/drawing/2010/main">
+                  <a:solidFill>
+                    <a:srgbClr val="FFFFFF"/>
+                  </a:solidFill>
+                </a14:hiddenFill>
+              </a:ext>
+            </a:extLst>
+          </p:spPr>
+        </p:pic>
+        <p:pic>
+          <p:nvPicPr>
+            <p:cNvPr id="87" name="Picture 2" descr="Иконка «Пользователь» — скачай бесплатно PNG и векторе"/>
+            <p:cNvPicPr>
+              <a:picLocks noChangeAspect="1" noChangeArrowheads="1"/>
+            </p:cNvPicPr>
+            <p:nvPr/>
+          </p:nvPicPr>
+          <p:blipFill>
+            <a:blip r:embed="rId3" cstate="print">
+              <a:extLst>
+                <a:ext uri="{28A0092B-C50C-407E-A947-70E740481C1C}">
+                  <a14:useLocalDpi xmlns:a14="http://schemas.microsoft.com/office/drawing/2010/main" val="0"/>
+                </a:ext>
+              </a:extLst>
+            </a:blip>
+            <a:srcRect/>
+            <a:stretch>
+              <a:fillRect/>
+            </a:stretch>
+          </p:blipFill>
+          <p:spPr bwMode="auto">
+            <a:xfrm>
+              <a:off x="3713801" y="5397258"/>
+              <a:ext cx="1217930" cy="1217930"/>
+            </a:xfrm>
+            <a:prstGeom prst="rect">
+              <a:avLst/>
+            </a:prstGeom>
+            <a:noFill/>
+            <a:extLst>
+              <a:ext uri="{909E8E84-426E-40DD-AFC4-6F175D3DCCD1}">
+                <a14:hiddenFill xmlns:a14="http://schemas.microsoft.com/office/drawing/2010/main">
+                  <a:solidFill>
+                    <a:srgbClr val="FFFFFF"/>
+                  </a:solidFill>
+                </a14:hiddenFill>
+              </a:ext>
+            </a:extLst>
+          </p:spPr>
+        </p:pic>
+      </p:grpSp>
+      <p:sp>
+        <p:nvSpPr>
+          <p:cNvPr id="88" name="TextBox 87"/>
+          <p:cNvSpPr txBox="1"/>
+          <p:nvPr/>
+        </p:nvSpPr>
+        <p:spPr>
+          <a:xfrm>
+            <a:off x="1272076" y="4157444"/>
+            <a:ext cx="3615349" cy="369332"/>
+          </a:xfrm>
+          <a:prstGeom prst="rect">
+            <a:avLst/>
+          </a:prstGeom>
+          <a:noFill/>
+        </p:spPr>
+        <p:txBody>
+          <a:bodyPr wrap="none" rtlCol="0">
+            <a:spAutoFit/>
+          </a:bodyPr>
+          <a:lstStyle/>
+          <a:p>
+            <a:r>
+              <a:rPr lang="ru-RU" dirty="0"/>
+              <a:t>д</a:t>
+            </a:r>
+            <a:r>
+              <a:rPr lang="ru-RU" dirty="0" smtClean="0"/>
+              <a:t>ля запросов к основному сервису</a:t>
+            </a:r>
+            <a:endParaRPr lang="ru-RU" dirty="0"/>
+          </a:p>
+        </p:txBody>
+      </p:sp>
+      <p:grpSp>
+        <p:nvGrpSpPr>
+          <p:cNvPr id="89" name="Группа 88"/>
+          <p:cNvGrpSpPr/>
+          <p:nvPr/>
+        </p:nvGrpSpPr>
+        <p:grpSpPr>
+          <a:xfrm>
+            <a:off x="3470064" y="4705828"/>
+            <a:ext cx="937990" cy="526213"/>
+            <a:chOff x="3713801" y="5263909"/>
+            <a:chExt cx="2435860" cy="1366519"/>
+          </a:xfrm>
+        </p:grpSpPr>
+        <p:pic>
+          <p:nvPicPr>
+            <p:cNvPr id="90" name="Picture 2" descr="Иконка «Пользователь» — скачай бесплатно PNG и векторе"/>
+            <p:cNvPicPr>
+              <a:picLocks noChangeAspect="1" noChangeArrowheads="1"/>
+            </p:cNvPicPr>
+            <p:nvPr/>
+          </p:nvPicPr>
+          <p:blipFill>
+            <a:blip r:embed="rId3" cstate="print">
+              <a:extLst>
+                <a:ext uri="{28A0092B-C50C-407E-A947-70E740481C1C}">
+                  <a14:useLocalDpi xmlns:a14="http://schemas.microsoft.com/office/drawing/2010/main" val="0"/>
+                </a:ext>
+              </a:extLst>
+            </a:blip>
+            <a:srcRect/>
+            <a:stretch>
+              <a:fillRect/>
+            </a:stretch>
+          </p:blipFill>
+          <p:spPr bwMode="auto">
+            <a:xfrm>
+              <a:off x="4931731" y="5397258"/>
+              <a:ext cx="1217930" cy="1217930"/>
+            </a:xfrm>
+            <a:prstGeom prst="rect">
+              <a:avLst/>
+            </a:prstGeom>
+            <a:noFill/>
+            <a:extLst>
+              <a:ext uri="{909E8E84-426E-40DD-AFC4-6F175D3DCCD1}">
+                <a14:hiddenFill xmlns:a14="http://schemas.microsoft.com/office/drawing/2010/main">
+                  <a:solidFill>
+                    <a:srgbClr val="FFFFFF"/>
+                  </a:solidFill>
+                </a14:hiddenFill>
+              </a:ext>
+            </a:extLst>
+          </p:spPr>
+        </p:pic>
+        <p:pic>
+          <p:nvPicPr>
+            <p:cNvPr id="91" name="Picture 2" descr="Иконка «Пользователь» — скачай бесплатно PNG и векторе"/>
+            <p:cNvPicPr>
+              <a:picLocks noChangeAspect="1" noChangeArrowheads="1"/>
+            </p:cNvPicPr>
+            <p:nvPr/>
+          </p:nvPicPr>
+          <p:blipFill>
+            <a:blip r:embed="rId4" cstate="print">
+              <a:extLst>
+                <a:ext uri="{28A0092B-C50C-407E-A947-70E740481C1C}">
+                  <a14:useLocalDpi xmlns:a14="http://schemas.microsoft.com/office/drawing/2010/main" val="0"/>
+                </a:ext>
+              </a:extLst>
+            </a:blip>
+            <a:srcRect/>
+            <a:stretch>
+              <a:fillRect/>
+            </a:stretch>
+          </p:blipFill>
+          <p:spPr bwMode="auto">
+            <a:xfrm>
+              <a:off x="4248471" y="5263909"/>
+              <a:ext cx="1366519" cy="1366519"/>
+            </a:xfrm>
+            <a:prstGeom prst="rect">
+              <a:avLst/>
+            </a:prstGeom>
+            <a:noFill/>
+            <a:extLst>
+              <a:ext uri="{909E8E84-426E-40DD-AFC4-6F175D3DCCD1}">
+                <a14:hiddenFill xmlns:a14="http://schemas.microsoft.com/office/drawing/2010/main">
+                  <a:solidFill>
+                    <a:srgbClr val="FFFFFF"/>
+                  </a:solidFill>
+                </a14:hiddenFill>
+              </a:ext>
+            </a:extLst>
+          </p:spPr>
+        </p:pic>
+        <p:pic>
+          <p:nvPicPr>
+            <p:cNvPr id="92" name="Picture 2" descr="Иконка «Пользователь» — скачай бесплатно PNG и векторе"/>
+            <p:cNvPicPr>
+              <a:picLocks noChangeAspect="1" noChangeArrowheads="1"/>
+            </p:cNvPicPr>
+            <p:nvPr/>
+          </p:nvPicPr>
+          <p:blipFill>
+            <a:blip r:embed="rId3" cstate="print">
+              <a:extLst>
+                <a:ext uri="{28A0092B-C50C-407E-A947-70E740481C1C}">
+                  <a14:useLocalDpi xmlns:a14="http://schemas.microsoft.com/office/drawing/2010/main" val="0"/>
+                </a:ext>
+              </a:extLst>
+            </a:blip>
+            <a:srcRect/>
+            <a:stretch>
+              <a:fillRect/>
+            </a:stretch>
+          </p:blipFill>
+          <p:spPr bwMode="auto">
+            <a:xfrm>
+              <a:off x="3713801" y="5397258"/>
+              <a:ext cx="1217930" cy="1217930"/>
+            </a:xfrm>
+            <a:prstGeom prst="rect">
+              <a:avLst/>
+            </a:prstGeom>
+            <a:noFill/>
+            <a:extLst>
+              <a:ext uri="{909E8E84-426E-40DD-AFC4-6F175D3DCCD1}">
+                <a14:hiddenFill xmlns:a14="http://schemas.microsoft.com/office/drawing/2010/main">
+                  <a:solidFill>
+                    <a:srgbClr val="FFFFFF"/>
+                  </a:solidFill>
+                </a14:hiddenFill>
+              </a:ext>
+            </a:extLst>
+          </p:spPr>
+        </p:pic>
+      </p:grpSp>
+      <p:grpSp>
+        <p:nvGrpSpPr>
+          <p:cNvPr id="93" name="Группа 92"/>
+          <p:cNvGrpSpPr/>
+          <p:nvPr/>
+        </p:nvGrpSpPr>
+        <p:grpSpPr>
+          <a:xfrm>
+            <a:off x="1536950" y="4757359"/>
+            <a:ext cx="798627" cy="448030"/>
+            <a:chOff x="3713801" y="5263909"/>
+            <a:chExt cx="2435860" cy="1366519"/>
+          </a:xfrm>
+        </p:grpSpPr>
+        <p:pic>
+          <p:nvPicPr>
+            <p:cNvPr id="94" name="Picture 2" descr="Иконка «Пользователь» — скачай бесплатно PNG и векторе"/>
+            <p:cNvPicPr>
+              <a:picLocks noChangeAspect="1" noChangeArrowheads="1"/>
+            </p:cNvPicPr>
+            <p:nvPr/>
+          </p:nvPicPr>
+          <p:blipFill>
+            <a:blip r:embed="rId3" cstate="print">
+              <a:extLst>
+                <a:ext uri="{28A0092B-C50C-407E-A947-70E740481C1C}">
+                  <a14:useLocalDpi xmlns:a14="http://schemas.microsoft.com/office/drawing/2010/main" val="0"/>
+                </a:ext>
+              </a:extLst>
+            </a:blip>
+            <a:srcRect/>
+            <a:stretch>
+              <a:fillRect/>
+            </a:stretch>
+          </p:blipFill>
+          <p:spPr bwMode="auto">
+            <a:xfrm>
+              <a:off x="4931731" y="5397258"/>
+              <a:ext cx="1217930" cy="1217930"/>
+            </a:xfrm>
+            <a:prstGeom prst="rect">
+              <a:avLst/>
+            </a:prstGeom>
+            <a:noFill/>
+            <a:extLst>
+              <a:ext uri="{909E8E84-426E-40DD-AFC4-6F175D3DCCD1}">
+                <a14:hiddenFill xmlns:a14="http://schemas.microsoft.com/office/drawing/2010/main">
+                  <a:solidFill>
+                    <a:srgbClr val="FFFFFF"/>
+                  </a:solidFill>
+                </a14:hiddenFill>
+              </a:ext>
+            </a:extLst>
+          </p:spPr>
+        </p:pic>
+        <p:pic>
+          <p:nvPicPr>
+            <p:cNvPr id="95" name="Picture 2" descr="Иконка «Пользователь» — скачай бесплатно PNG и векторе"/>
+            <p:cNvPicPr>
+              <a:picLocks noChangeAspect="1" noChangeArrowheads="1"/>
+            </p:cNvPicPr>
+            <p:nvPr/>
+          </p:nvPicPr>
+          <p:blipFill>
+            <a:blip r:embed="rId4" cstate="print">
+              <a:extLst>
+                <a:ext uri="{28A0092B-C50C-407E-A947-70E740481C1C}">
+                  <a14:useLocalDpi xmlns:a14="http://schemas.microsoft.com/office/drawing/2010/main" val="0"/>
+                </a:ext>
+              </a:extLst>
+            </a:blip>
+            <a:srcRect/>
+            <a:stretch>
+              <a:fillRect/>
+            </a:stretch>
+          </p:blipFill>
+          <p:spPr bwMode="auto">
+            <a:xfrm>
+              <a:off x="4248471" y="5263909"/>
+              <a:ext cx="1366519" cy="1366519"/>
+            </a:xfrm>
+            <a:prstGeom prst="rect">
+              <a:avLst/>
+            </a:prstGeom>
+            <a:noFill/>
+            <a:extLst>
+              <a:ext uri="{909E8E84-426E-40DD-AFC4-6F175D3DCCD1}">
+                <a14:hiddenFill xmlns:a14="http://schemas.microsoft.com/office/drawing/2010/main">
+                  <a:solidFill>
+                    <a:srgbClr val="FFFFFF"/>
+                  </a:solidFill>
+                </a14:hiddenFill>
+              </a:ext>
+            </a:extLst>
+          </p:spPr>
+        </p:pic>
+        <p:pic>
+          <p:nvPicPr>
+            <p:cNvPr id="96" name="Picture 2" descr="Иконка «Пользователь» — скачай бесплатно PNG и векторе"/>
+            <p:cNvPicPr>
+              <a:picLocks noChangeAspect="1" noChangeArrowheads="1"/>
+            </p:cNvPicPr>
+            <p:nvPr/>
+          </p:nvPicPr>
+          <p:blipFill>
+            <a:blip r:embed="rId3" cstate="print">
+              <a:extLst>
+                <a:ext uri="{28A0092B-C50C-407E-A947-70E740481C1C}">
+                  <a14:useLocalDpi xmlns:a14="http://schemas.microsoft.com/office/drawing/2010/main" val="0"/>
+                </a:ext>
+              </a:extLst>
+            </a:blip>
+            <a:srcRect/>
+            <a:stretch>
+              <a:fillRect/>
+            </a:stretch>
+          </p:blipFill>
+          <p:spPr bwMode="auto">
+            <a:xfrm>
+              <a:off x="3713801" y="5397258"/>
+              <a:ext cx="1217930" cy="1217930"/>
+            </a:xfrm>
+            <a:prstGeom prst="rect">
+              <a:avLst/>
+            </a:prstGeom>
+            <a:noFill/>
+            <a:extLst>
+              <a:ext uri="{909E8E84-426E-40DD-AFC4-6F175D3DCCD1}">
+                <a14:hiddenFill xmlns:a14="http://schemas.microsoft.com/office/drawing/2010/main">
+                  <a:solidFill>
+                    <a:srgbClr val="FFFFFF"/>
+                  </a:solidFill>
+                </a14:hiddenFill>
+              </a:ext>
+            </a:extLst>
+          </p:spPr>
+        </p:pic>
+      </p:grpSp>
+      <p:grpSp>
+        <p:nvGrpSpPr>
+          <p:cNvPr id="49" name="Группа 48"/>
+          <p:cNvGrpSpPr/>
+          <p:nvPr/>
+        </p:nvGrpSpPr>
+        <p:grpSpPr>
+          <a:xfrm>
+            <a:off x="1033542" y="965793"/>
+            <a:ext cx="4101011" cy="3272937"/>
+            <a:chOff x="4009073" y="3181955"/>
+            <a:chExt cx="4101011" cy="3272937"/>
+          </a:xfrm>
+        </p:grpSpPr>
+        <p:sp>
+          <p:nvSpPr>
+            <p:cNvPr id="50" name="TextBox 49"/>
+            <p:cNvSpPr txBox="1"/>
+            <p:nvPr/>
+          </p:nvSpPr>
+          <p:spPr>
+            <a:xfrm>
+              <a:off x="4044547" y="3181955"/>
+              <a:ext cx="4065537" cy="3154710"/>
+            </a:xfrm>
+            <a:prstGeom prst="rect">
+              <a:avLst/>
+            </a:prstGeom>
+            <a:noFill/>
+          </p:spPr>
+          <p:txBody>
+            <a:bodyPr wrap="none" rtlCol="0">
+              <a:spAutoFit/>
+            </a:bodyPr>
+            <a:lstStyle/>
+            <a:p>
+              <a:r>
+                <a:rPr lang="ru-RU" sz="19900" dirty="0" smtClean="0"/>
+                <a:t>150</a:t>
+              </a:r>
+              <a:endParaRPr lang="ru-RU" sz="19900" dirty="0"/>
+            </a:p>
+          </p:txBody>
+        </p:sp>
+        <p:sp>
+          <p:nvSpPr>
+            <p:cNvPr id="51" name="TextBox 50"/>
+            <p:cNvSpPr txBox="1"/>
+            <p:nvPr/>
+          </p:nvSpPr>
+          <p:spPr>
+            <a:xfrm>
+              <a:off x="4029963" y="3252120"/>
+              <a:ext cx="4065537" cy="3154710"/>
+            </a:xfrm>
+            <a:prstGeom prst="rect">
+              <a:avLst/>
+            </a:prstGeom>
+            <a:noFill/>
+          </p:spPr>
+          <p:txBody>
+            <a:bodyPr wrap="none" rtlCol="0">
+              <a:spAutoFit/>
+            </a:bodyPr>
+            <a:lstStyle/>
+            <a:p>
+              <a:r>
+                <a:rPr lang="ru-RU" sz="19900" dirty="0" smtClean="0">
+                  <a:solidFill>
+                    <a:schemeClr val="accent1">
+                      <a:lumMod val="50000"/>
+                    </a:schemeClr>
+                  </a:solidFill>
+                </a:rPr>
+                <a:t>150</a:t>
+              </a:r>
+              <a:endParaRPr lang="ru-RU" sz="19900" dirty="0">
+                <a:solidFill>
+                  <a:schemeClr val="accent1">
+                    <a:lumMod val="50000"/>
+                  </a:schemeClr>
+                </a:solidFill>
+              </a:endParaRPr>
+            </a:p>
+          </p:txBody>
+        </p:sp>
+        <p:sp>
+          <p:nvSpPr>
+            <p:cNvPr id="52" name="TextBox 51"/>
+            <p:cNvSpPr txBox="1"/>
+            <p:nvPr/>
+          </p:nvSpPr>
+          <p:spPr>
+            <a:xfrm>
+              <a:off x="4009073" y="3300182"/>
+              <a:ext cx="4065537" cy="3154710"/>
+            </a:xfrm>
+            <a:prstGeom prst="rect">
+              <a:avLst/>
+            </a:prstGeom>
+            <a:noFill/>
+          </p:spPr>
+          <p:txBody>
+            <a:bodyPr wrap="none" rtlCol="0">
+              <a:spAutoFit/>
+            </a:bodyPr>
+            <a:lstStyle/>
+            <a:p>
+              <a:r>
+                <a:rPr lang="ru-RU" sz="19900" dirty="0" smtClean="0">
+                  <a:solidFill>
+                    <a:schemeClr val="accent1"/>
+                  </a:solidFill>
+                </a:rPr>
+                <a:t>150</a:t>
+              </a:r>
+              <a:endParaRPr lang="ru-RU" sz="19900" dirty="0">
+                <a:solidFill>
+                  <a:schemeClr val="accent1"/>
+                </a:solidFill>
+              </a:endParaRPr>
+            </a:p>
+          </p:txBody>
+        </p:sp>
+      </p:grpSp>
+      <p:grpSp>
+        <p:nvGrpSpPr>
+          <p:cNvPr id="53" name="Группа 52"/>
+          <p:cNvGrpSpPr/>
+          <p:nvPr/>
+        </p:nvGrpSpPr>
+        <p:grpSpPr>
+          <a:xfrm>
+            <a:off x="8060568" y="1830146"/>
+            <a:ext cx="2496912" cy="1939423"/>
+            <a:chOff x="5167288" y="2363809"/>
+            <a:chExt cx="2496912" cy="1939423"/>
+          </a:xfrm>
+        </p:grpSpPr>
+        <p:sp>
+          <p:nvSpPr>
+            <p:cNvPr id="54" name="TextBox 53"/>
+            <p:cNvSpPr txBox="1"/>
+            <p:nvPr/>
+          </p:nvSpPr>
+          <p:spPr>
+            <a:xfrm>
+              <a:off x="5238536" y="2363809"/>
+              <a:ext cx="2425664" cy="1862048"/>
+            </a:xfrm>
+            <a:prstGeom prst="rect">
+              <a:avLst/>
+            </a:prstGeom>
+            <a:noFill/>
+          </p:spPr>
+          <p:txBody>
+            <a:bodyPr wrap="none" rtlCol="0">
+              <a:spAutoFit/>
+            </a:bodyPr>
+            <a:lstStyle/>
+            <a:p>
+              <a:r>
+                <a:rPr lang="ru-RU" sz="11500" dirty="0" smtClean="0"/>
+                <a:t>220</a:t>
+              </a:r>
+              <a:endParaRPr lang="ru-RU" sz="11500" dirty="0"/>
+            </a:p>
+          </p:txBody>
+        </p:sp>
+        <p:sp>
+          <p:nvSpPr>
+            <p:cNvPr id="55" name="TextBox 54"/>
+            <p:cNvSpPr txBox="1"/>
+            <p:nvPr/>
+          </p:nvSpPr>
+          <p:spPr>
+            <a:xfrm>
+              <a:off x="5213528" y="2405002"/>
+              <a:ext cx="2425664" cy="1862048"/>
+            </a:xfrm>
+            <a:prstGeom prst="rect">
+              <a:avLst/>
+            </a:prstGeom>
+            <a:noFill/>
+          </p:spPr>
+          <p:txBody>
+            <a:bodyPr wrap="none" rtlCol="0">
+              <a:spAutoFit/>
+            </a:bodyPr>
+            <a:lstStyle/>
+            <a:p>
+              <a:r>
+                <a:rPr lang="ru-RU" sz="11500" dirty="0" smtClean="0">
+                  <a:solidFill>
+                    <a:schemeClr val="accent6">
+                      <a:lumMod val="50000"/>
+                    </a:schemeClr>
+                  </a:solidFill>
+                </a:rPr>
+                <a:t>220</a:t>
+              </a:r>
+              <a:endParaRPr lang="ru-RU" sz="11500" dirty="0">
+                <a:solidFill>
+                  <a:schemeClr val="accent6">
+                    <a:lumMod val="50000"/>
+                  </a:schemeClr>
+                </a:solidFill>
+              </a:endParaRPr>
+            </a:p>
+          </p:txBody>
+        </p:sp>
+        <p:sp>
+          <p:nvSpPr>
+            <p:cNvPr id="56" name="TextBox 55"/>
+            <p:cNvSpPr txBox="1"/>
+            <p:nvPr/>
+          </p:nvSpPr>
+          <p:spPr>
+            <a:xfrm>
+              <a:off x="5167288" y="2441184"/>
+              <a:ext cx="2425664" cy="1862048"/>
+            </a:xfrm>
+            <a:prstGeom prst="rect">
+              <a:avLst/>
+            </a:prstGeom>
+            <a:noFill/>
+          </p:spPr>
+          <p:txBody>
+            <a:bodyPr wrap="none" rtlCol="0">
+              <a:spAutoFit/>
+            </a:bodyPr>
+            <a:lstStyle/>
+            <a:p>
+              <a:r>
+                <a:rPr lang="ru-RU" sz="11500" dirty="0" smtClean="0">
+                  <a:solidFill>
+                    <a:schemeClr val="accent6"/>
+                  </a:solidFill>
+                </a:rPr>
+                <a:t>220</a:t>
+              </a:r>
+              <a:endParaRPr lang="ru-RU" sz="11500" dirty="0">
+                <a:solidFill>
+                  <a:schemeClr val="accent6"/>
+                </a:solidFill>
+              </a:endParaRPr>
+            </a:p>
+          </p:txBody>
+        </p:sp>
+      </p:grpSp>
+      <p:pic>
+        <p:nvPicPr>
+          <p:cNvPr id="57" name="Рисунок 56"/>
+          <p:cNvPicPr>
+            <a:picLocks noChangeAspect="1"/>
+          </p:cNvPicPr>
+          <p:nvPr/>
+        </p:nvPicPr>
+        <p:blipFill>
+          <a:blip r:embed="rId5" cstate="print">
+            <a:extLst>
+              <a:ext uri="{28A0092B-C50C-407E-A947-70E740481C1C}">
+                <a14:useLocalDpi xmlns:a14="http://schemas.microsoft.com/office/drawing/2010/main" val="0"/>
+              </a:ext>
+            </a:extLst>
+          </a:blip>
+          <a:stretch>
+            <a:fillRect/>
+          </a:stretch>
+        </p:blipFill>
+        <p:spPr>
+          <a:xfrm>
+            <a:off x="10827867" y="1259676"/>
+            <a:ext cx="988749" cy="1035832"/>
+          </a:xfrm>
+          <a:prstGeom prst="rect">
+            <a:avLst/>
+          </a:prstGeom>
+        </p:spPr>
+      </p:pic>
+    </p:spTree>
+    <p:extLst>
+      <p:ext uri="{BB962C8B-B14F-4D97-AF65-F5344CB8AC3E}">
+        <p14:creationId xmlns:p14="http://schemas.microsoft.com/office/powerpoint/2010/main" val="2155033402"/>
+      </p:ext>
+    </p:extLst>
+  </p:cSld>
+  <p:clrMapOvr>
+    <a:masterClrMapping/>
+  </p:clrMapOvr>
+  <mc:AlternateContent xmlns:mc="http://schemas.openxmlformats.org/markup-compatibility/2006" xmlns:p14="http://schemas.microsoft.com/office/powerpoint/2010/main">
+    <mc:Choice Requires="p14">
+      <p:transition spd="slow" p14:dur="2000"/>
+    </mc:Choice>
+    <mc:Fallback xmlns="">
+      <p:transition spd="slow"/>
+    </mc:Fallback>
+  </mc:AlternateContent>
+  <p:timing>
+    <p:tnLst>
+      <p:par>
+        <p:cTn id="1" dur="indefinite" restart="never" nodeType="tmRoot"/>
+      </p:par>
+    </p:tnLst>
+  </p:timing>
+</p:sld>
+</file>
+
+<file path=ppt/slides/slide17.xml><?xml version="1.0" encoding="utf-8"?>
+<p:sld xmlns:a="http://schemas.openxmlformats.org/drawingml/2006/main" xmlns:r="http://schemas.openxmlformats.org/officeDocument/2006/relationships" xmlns:p="http://schemas.openxmlformats.org/presentationml/2006/main">
+  <p:cSld>
+    <p:spTree>
+      <p:nvGrpSpPr>
+        <p:cNvPr id="1" name=""/>
+        <p:cNvGrpSpPr/>
+        <p:nvPr/>
+      </p:nvGrpSpPr>
+      <p:grpSpPr>
+        <a:xfrm>
+          <a:off x="0" y="0"/>
+          <a:ext cx="0" cy="0"/>
+          <a:chOff x="0" y="0"/>
+          <a:chExt cx="0" cy="0"/>
+        </a:xfrm>
+      </p:grpSpPr>
+      <p:sp>
+        <p:nvSpPr>
+          <p:cNvPr id="10" name="TextBox 9"/>
+          <p:cNvSpPr txBox="1"/>
+          <p:nvPr/>
+        </p:nvSpPr>
+        <p:spPr>
+          <a:xfrm>
+            <a:off x="914401" y="151900"/>
+            <a:ext cx="10363199" cy="1015663"/>
+          </a:xfrm>
+          <a:prstGeom prst="rect">
+            <a:avLst/>
+          </a:prstGeom>
+          <a:noFill/>
+        </p:spPr>
+        <p:txBody>
+          <a:bodyPr wrap="square" rtlCol="0" anchor="ctr">
+            <a:spAutoFit/>
+          </a:bodyPr>
+          <a:lstStyle/>
+          <a:p>
+            <a:pPr algn="ctr"/>
+            <a:r>
+              <a:rPr lang="ru-RU" sz="6000" b="1" dirty="0"/>
+              <a:t>Нагрузочное тестирование</a:t>
+            </a:r>
+          </a:p>
+        </p:txBody>
+      </p:sp>
+      <p:sp>
+        <p:nvSpPr>
+          <p:cNvPr id="5" name="TextBox 4"/>
+          <p:cNvSpPr txBox="1"/>
+          <p:nvPr/>
+        </p:nvSpPr>
+        <p:spPr>
+          <a:xfrm>
+            <a:off x="7487996" y="1315927"/>
+            <a:ext cx="3599400" cy="923330"/>
+          </a:xfrm>
+          <a:prstGeom prst="rect">
+            <a:avLst/>
+          </a:prstGeom>
+          <a:noFill/>
+        </p:spPr>
+        <p:txBody>
+          <a:bodyPr wrap="square" rtlCol="0">
+            <a:spAutoFit/>
+          </a:bodyPr>
+          <a:lstStyle/>
+          <a:p>
+            <a:pPr algn="ctr"/>
+            <a:r>
+              <a:rPr lang="ru-RU" b="1" dirty="0" smtClean="0"/>
+              <a:t>Удалённый сервер</a:t>
+            </a:r>
+          </a:p>
+          <a:p>
+            <a:r>
+              <a:rPr lang="ru-RU" dirty="0" smtClean="0"/>
+              <a:t>Сервисы запущены на сервере,</a:t>
+            </a:r>
+            <a:br>
+              <a:rPr lang="ru-RU" dirty="0" smtClean="0"/>
+            </a:br>
+            <a:r>
+              <a:rPr lang="ru-RU" dirty="0" smtClean="0"/>
+              <a:t>на котором расположена БД.</a:t>
+            </a:r>
+          </a:p>
+        </p:txBody>
+      </p:sp>
+      <p:grpSp>
+        <p:nvGrpSpPr>
+          <p:cNvPr id="21" name="Группа 20"/>
+          <p:cNvGrpSpPr/>
+          <p:nvPr/>
+        </p:nvGrpSpPr>
+        <p:grpSpPr>
+          <a:xfrm>
+            <a:off x="657454" y="510429"/>
+            <a:ext cx="4868940" cy="3876808"/>
+            <a:chOff x="4026901" y="3181955"/>
+            <a:chExt cx="4868940" cy="3876808"/>
+          </a:xfrm>
+        </p:grpSpPr>
+        <p:sp>
+          <p:nvSpPr>
+            <p:cNvPr id="3" name="TextBox 2"/>
+            <p:cNvSpPr txBox="1"/>
+            <p:nvPr/>
+          </p:nvSpPr>
+          <p:spPr>
+            <a:xfrm>
+              <a:off x="4044547" y="3181955"/>
+              <a:ext cx="4844596" cy="3770263"/>
+            </a:xfrm>
+            <a:prstGeom prst="rect">
+              <a:avLst/>
+            </a:prstGeom>
+            <a:noFill/>
+          </p:spPr>
+          <p:txBody>
+            <a:bodyPr wrap="none" rtlCol="0">
+              <a:spAutoFit/>
+            </a:bodyPr>
+            <a:lstStyle/>
+            <a:p>
+              <a:r>
+                <a:rPr lang="ru-RU" sz="23900" dirty="0" smtClean="0"/>
+                <a:t>300</a:t>
+              </a:r>
+              <a:endParaRPr lang="ru-RU" sz="23900" dirty="0"/>
+            </a:p>
+          </p:txBody>
+        </p:sp>
+        <p:sp>
+          <p:nvSpPr>
+            <p:cNvPr id="17" name="TextBox 16"/>
+            <p:cNvSpPr txBox="1"/>
+            <p:nvPr/>
+          </p:nvSpPr>
+          <p:spPr>
+            <a:xfrm>
+              <a:off x="4051245" y="3232682"/>
+              <a:ext cx="4844596" cy="3770263"/>
+            </a:xfrm>
+            <a:prstGeom prst="rect">
+              <a:avLst/>
+            </a:prstGeom>
+            <a:noFill/>
+          </p:spPr>
+          <p:txBody>
+            <a:bodyPr wrap="none" rtlCol="0">
+              <a:spAutoFit/>
+            </a:bodyPr>
+            <a:lstStyle/>
+            <a:p>
+              <a:r>
+                <a:rPr lang="ru-RU" sz="23900" dirty="0" smtClean="0">
+                  <a:solidFill>
+                    <a:schemeClr val="accent1">
+                      <a:lumMod val="50000"/>
+                    </a:schemeClr>
+                  </a:solidFill>
+                </a:rPr>
+                <a:t>300</a:t>
+              </a:r>
+              <a:endParaRPr lang="ru-RU" sz="23900" dirty="0">
+                <a:solidFill>
+                  <a:schemeClr val="accent1">
+                    <a:lumMod val="50000"/>
+                  </a:schemeClr>
+                </a:solidFill>
+              </a:endParaRPr>
+            </a:p>
+          </p:txBody>
+        </p:sp>
+        <p:sp>
+          <p:nvSpPr>
+            <p:cNvPr id="18" name="TextBox 17"/>
+            <p:cNvSpPr txBox="1"/>
+            <p:nvPr/>
+          </p:nvSpPr>
+          <p:spPr>
+            <a:xfrm>
+              <a:off x="4026901" y="3288500"/>
+              <a:ext cx="4844596" cy="3770263"/>
+            </a:xfrm>
+            <a:prstGeom prst="rect">
+              <a:avLst/>
+            </a:prstGeom>
+            <a:noFill/>
+          </p:spPr>
+          <p:txBody>
+            <a:bodyPr wrap="none" rtlCol="0">
+              <a:spAutoFit/>
+            </a:bodyPr>
+            <a:lstStyle/>
+            <a:p>
+              <a:r>
+                <a:rPr lang="ru-RU" sz="23900" dirty="0" smtClean="0">
+                  <a:solidFill>
+                    <a:schemeClr val="accent1"/>
+                  </a:solidFill>
+                </a:rPr>
+                <a:t>300</a:t>
+              </a:r>
+              <a:endParaRPr lang="ru-RU" sz="23900" dirty="0">
+                <a:solidFill>
+                  <a:schemeClr val="accent1"/>
+                </a:solidFill>
+              </a:endParaRPr>
+            </a:p>
+          </p:txBody>
+        </p:sp>
+      </p:grpSp>
+      <p:grpSp>
+        <p:nvGrpSpPr>
+          <p:cNvPr id="6" name="Группа 5"/>
+          <p:cNvGrpSpPr/>
+          <p:nvPr/>
+        </p:nvGrpSpPr>
+        <p:grpSpPr>
+          <a:xfrm>
+            <a:off x="1535467" y="3257860"/>
+            <a:ext cx="3088569" cy="1163026"/>
+            <a:chOff x="5079572" y="3999265"/>
+            <a:chExt cx="3088569" cy="1163026"/>
+          </a:xfrm>
+        </p:grpSpPr>
+        <p:sp>
+          <p:nvSpPr>
+            <p:cNvPr id="7" name="TextBox 6"/>
+            <p:cNvSpPr txBox="1"/>
+            <p:nvPr/>
+          </p:nvSpPr>
+          <p:spPr>
+            <a:xfrm>
+              <a:off x="5108136" y="3999265"/>
+              <a:ext cx="3060005" cy="1107996"/>
+            </a:xfrm>
+            <a:prstGeom prst="rect">
+              <a:avLst/>
+            </a:prstGeom>
+            <a:noFill/>
+          </p:spPr>
+          <p:txBody>
+            <a:bodyPr wrap="none" rtlCol="0">
+              <a:spAutoFit/>
+            </a:bodyPr>
+            <a:lstStyle/>
+            <a:p>
+              <a:r>
+                <a:rPr lang="ru-RU" sz="6600" dirty="0" smtClean="0"/>
+                <a:t>потоков</a:t>
+              </a:r>
+              <a:endParaRPr lang="ru-RU" sz="6600" dirty="0"/>
+            </a:p>
+          </p:txBody>
+        </p:sp>
+        <p:sp>
+          <p:nvSpPr>
+            <p:cNvPr id="19" name="TextBox 18"/>
+            <p:cNvSpPr txBox="1"/>
+            <p:nvPr/>
+          </p:nvSpPr>
+          <p:spPr>
+            <a:xfrm>
+              <a:off x="5093854" y="4026780"/>
+              <a:ext cx="3060005" cy="1107996"/>
+            </a:xfrm>
+            <a:prstGeom prst="rect">
+              <a:avLst/>
+            </a:prstGeom>
+            <a:noFill/>
+          </p:spPr>
+          <p:txBody>
+            <a:bodyPr wrap="none" rtlCol="0">
+              <a:spAutoFit/>
+            </a:bodyPr>
+            <a:lstStyle/>
+            <a:p>
+              <a:r>
+                <a:rPr lang="ru-RU" sz="6600" dirty="0" smtClean="0">
+                  <a:solidFill>
+                    <a:schemeClr val="accent1">
+                      <a:lumMod val="50000"/>
+                    </a:schemeClr>
+                  </a:solidFill>
+                </a:rPr>
+                <a:t>потоков</a:t>
+              </a:r>
+              <a:endParaRPr lang="ru-RU" sz="6600" dirty="0">
+                <a:solidFill>
+                  <a:schemeClr val="accent1">
+                    <a:lumMod val="50000"/>
+                  </a:schemeClr>
+                </a:solidFill>
+              </a:endParaRPr>
+            </a:p>
+          </p:txBody>
+        </p:sp>
+        <p:sp>
+          <p:nvSpPr>
+            <p:cNvPr id="20" name="TextBox 19"/>
+            <p:cNvSpPr txBox="1"/>
+            <p:nvPr/>
+          </p:nvSpPr>
+          <p:spPr>
+            <a:xfrm>
+              <a:off x="5079572" y="4054295"/>
+              <a:ext cx="3060005" cy="1107996"/>
+            </a:xfrm>
+            <a:prstGeom prst="rect">
+              <a:avLst/>
+            </a:prstGeom>
+            <a:noFill/>
+          </p:spPr>
+          <p:txBody>
+            <a:bodyPr wrap="none" rtlCol="0">
+              <a:spAutoFit/>
+            </a:bodyPr>
+            <a:lstStyle/>
+            <a:p>
+              <a:r>
+                <a:rPr lang="ru-RU" sz="6600" dirty="0" smtClean="0">
+                  <a:solidFill>
+                    <a:schemeClr val="accent1"/>
+                  </a:solidFill>
+                </a:rPr>
+                <a:t>потоков</a:t>
+              </a:r>
+              <a:endParaRPr lang="ru-RU" sz="6600" dirty="0">
+                <a:solidFill>
+                  <a:schemeClr val="accent1"/>
+                </a:solidFill>
+              </a:endParaRPr>
+            </a:p>
+          </p:txBody>
+        </p:sp>
+      </p:grpSp>
+      <p:grpSp>
+        <p:nvGrpSpPr>
           <p:cNvPr id="26" name="Группа 25"/>
           <p:cNvGrpSpPr/>
           <p:nvPr/>
         </p:nvGrpSpPr>
         <p:grpSpPr>
           <a:xfrm>
-            <a:off x="9212537" y="2525189"/>
+            <a:off x="8052269" y="1847787"/>
             <a:ext cx="2499016" cy="1930215"/>
             <a:chOff x="5165184" y="2363809"/>
             <a:chExt cx="2499016" cy="1930215"/>
@@ -14787,7 +13999,7 @@
         </p:nvGrpSpPr>
         <p:grpSpPr>
           <a:xfrm>
-            <a:off x="8554455" y="2759849"/>
+            <a:off x="7362437" y="2107847"/>
             <a:ext cx="947405" cy="1920242"/>
             <a:chOff x="5209972" y="2363809"/>
             <a:chExt cx="947405" cy="1920242"/>
@@ -14912,7 +14124,7 @@
         </p:nvGrpSpPr>
         <p:grpSpPr>
           <a:xfrm>
-            <a:off x="10474972" y="3676882"/>
+            <a:off x="9282954" y="3024880"/>
             <a:ext cx="1255580" cy="1244352"/>
             <a:chOff x="3053214" y="2452588"/>
             <a:chExt cx="1255580" cy="1244352"/>
@@ -15029,834 +14241,30 @@
           </p:txBody>
         </p:sp>
       </p:grpSp>
-      <p:pic>
-        <p:nvPicPr>
-          <p:cNvPr id="10242" name="Picture 2" descr="https://sun9-8.userapi.com/impg/MVtmjslBXKaqUNyQShlm3GQxj11hOOHBRHKFDw/5-Nkbnnn4JA.jpg?size=2560x829&amp;quality=96&amp;sign=5c7c83eac14f0691d45ca919af74eb96&amp;type=album"/>
-          <p:cNvPicPr>
-            <a:picLocks noChangeAspect="1" noChangeArrowheads="1"/>
-          </p:cNvPicPr>
-          <p:nvPr/>
-        </p:nvPicPr>
-        <p:blipFill>
-          <a:blip r:embed="rId4" cstate="print">
-            <a:extLst>
-              <a:ext uri="{28A0092B-C50C-407E-A947-70E740481C1C}">
-                <a14:useLocalDpi xmlns:a14="http://schemas.microsoft.com/office/drawing/2010/main" val="0"/>
-              </a:ext>
-            </a:extLst>
-          </a:blip>
-          <a:srcRect/>
-          <a:stretch>
-            <a:fillRect/>
-          </a:stretch>
-        </p:blipFill>
-        <p:spPr bwMode="auto">
-          <a:xfrm>
-            <a:off x="8877537" y="1119297"/>
-            <a:ext cx="2532022" cy="1647006"/>
-          </a:xfrm>
-          <a:prstGeom prst="rect">
-            <a:avLst/>
-          </a:prstGeom>
-          <a:ln w="38100" cap="sq">
-            <a:solidFill>
-              <a:schemeClr val="accent6"/>
-            </a:solidFill>
-            <a:prstDash val="solid"/>
-            <a:miter lim="800000"/>
-          </a:ln>
-          <a:effectLst>
-            <a:outerShdw blurRad="50800" dist="38100" dir="2700000" algn="tl" rotWithShape="0">
-              <a:srgbClr val="000000">
-                <a:alpha val="43000"/>
-              </a:srgbClr>
-            </a:outerShdw>
-          </a:effectLst>
-          <a:extLst>
-            <a:ext uri="{909E8E84-426E-40DD-AFC4-6F175D3DCCD1}">
-              <a14:hiddenFill xmlns:a14="http://schemas.microsoft.com/office/drawing/2010/main">
-                <a:solidFill>
-                  <a:srgbClr val="FFFFFF"/>
-                </a:solidFill>
-              </a14:hiddenFill>
-            </a:ext>
-          </a:extLst>
-        </p:spPr>
-      </p:pic>
       <p:grpSp>
         <p:nvGrpSpPr>
-          <p:cNvPr id="70" name="Группа 69"/>
+          <p:cNvPr id="4" name="Группа 3"/>
           <p:cNvGrpSpPr/>
           <p:nvPr/>
         </p:nvGrpSpPr>
         <p:grpSpPr>
           <a:xfrm>
-            <a:off x="141444" y="2992080"/>
-            <a:ext cx="974425" cy="1885131"/>
-            <a:chOff x="6605491" y="2383176"/>
-            <a:chExt cx="974425" cy="1885131"/>
-          </a:xfrm>
-        </p:grpSpPr>
-        <p:sp>
-          <p:nvSpPr>
-            <p:cNvPr id="71" name="TextBox 70"/>
-            <p:cNvSpPr txBox="1"/>
-            <p:nvPr/>
-          </p:nvSpPr>
-          <p:spPr>
-            <a:xfrm>
-              <a:off x="6605491" y="2383176"/>
-              <a:ext cx="918841" cy="1862048"/>
-            </a:xfrm>
-            <a:prstGeom prst="rect">
-              <a:avLst/>
-            </a:prstGeom>
-            <a:noFill/>
-          </p:spPr>
-          <p:txBody>
-            <a:bodyPr wrap="none" rtlCol="0">
-              <a:spAutoFit/>
-            </a:bodyPr>
-            <a:lstStyle/>
-            <a:p>
-              <a:r>
-                <a:rPr lang="en-US" sz="11500" dirty="0"/>
-                <a:t>~</a:t>
-              </a:r>
-              <a:endParaRPr lang="ru-RU" sz="11500" dirty="0"/>
-            </a:p>
-          </p:txBody>
-        </p:sp>
-        <p:sp>
-          <p:nvSpPr>
-            <p:cNvPr id="72" name="TextBox 71"/>
-            <p:cNvSpPr txBox="1"/>
-            <p:nvPr/>
-          </p:nvSpPr>
-          <p:spPr>
-            <a:xfrm>
-              <a:off x="6629813" y="2393561"/>
-              <a:ext cx="918841" cy="1862048"/>
-            </a:xfrm>
-            <a:prstGeom prst="rect">
-              <a:avLst/>
-            </a:prstGeom>
-            <a:noFill/>
-          </p:spPr>
-          <p:txBody>
-            <a:bodyPr wrap="none" rtlCol="0">
-              <a:spAutoFit/>
-            </a:bodyPr>
-            <a:lstStyle/>
-            <a:p>
-              <a:r>
-                <a:rPr lang="en-US" sz="11500" dirty="0" smtClean="0">
-                  <a:solidFill>
-                    <a:schemeClr val="accent2">
-                      <a:lumMod val="50000"/>
-                    </a:schemeClr>
-                  </a:solidFill>
-                </a:rPr>
-                <a:t>~</a:t>
-              </a:r>
-              <a:endParaRPr lang="ru-RU" sz="11500" dirty="0">
-                <a:solidFill>
-                  <a:schemeClr val="accent2">
-                    <a:lumMod val="50000"/>
-                  </a:schemeClr>
-                </a:solidFill>
-              </a:endParaRPr>
-            </a:p>
-          </p:txBody>
-        </p:sp>
-        <p:sp>
-          <p:nvSpPr>
-            <p:cNvPr id="73" name="TextBox 72"/>
-            <p:cNvSpPr txBox="1"/>
-            <p:nvPr/>
-          </p:nvSpPr>
-          <p:spPr>
-            <a:xfrm>
-              <a:off x="6661075" y="2406259"/>
-              <a:ext cx="918841" cy="1862048"/>
-            </a:xfrm>
-            <a:prstGeom prst="rect">
-              <a:avLst/>
-            </a:prstGeom>
-            <a:noFill/>
-          </p:spPr>
-          <p:txBody>
-            <a:bodyPr wrap="none" rtlCol="0">
-              <a:spAutoFit/>
-            </a:bodyPr>
-            <a:lstStyle/>
-            <a:p>
-              <a:r>
-                <a:rPr lang="en-US" sz="11500" dirty="0">
-                  <a:solidFill>
-                    <a:schemeClr val="accent2"/>
-                  </a:solidFill>
-                </a:rPr>
-                <a:t>~</a:t>
-              </a:r>
-              <a:endParaRPr lang="ru-RU" sz="11500" dirty="0">
-                <a:solidFill>
-                  <a:schemeClr val="accent2"/>
-                </a:solidFill>
-              </a:endParaRPr>
-            </a:p>
-          </p:txBody>
-        </p:sp>
-      </p:grpSp>
-      <p:pic>
-        <p:nvPicPr>
-          <p:cNvPr id="74" name="Picture 4" descr="Flat laptop icon laptop - Transparent PNG &amp;amp; SVG vector file"/>
-          <p:cNvPicPr>
-            <a:picLocks noChangeAspect="1" noChangeArrowheads="1"/>
-          </p:cNvPicPr>
-          <p:nvPr/>
-        </p:nvPicPr>
-        <p:blipFill>
-          <a:blip r:embed="rId5" cstate="print">
-            <a:extLst>
-              <a:ext uri="{28A0092B-C50C-407E-A947-70E740481C1C}">
-                <a14:useLocalDpi xmlns:a14="http://schemas.microsoft.com/office/drawing/2010/main" val="0"/>
-              </a:ext>
-            </a:extLst>
-          </a:blip>
-          <a:srcRect/>
-          <a:stretch>
-            <a:fillRect/>
-          </a:stretch>
-        </p:blipFill>
-        <p:spPr bwMode="auto">
-          <a:xfrm>
-            <a:off x="1435707" y="1956116"/>
-            <a:ext cx="1231359" cy="1231359"/>
-          </a:xfrm>
-          <a:prstGeom prst="rect">
-            <a:avLst/>
-          </a:prstGeom>
-          <a:noFill/>
-          <a:extLst>
-            <a:ext uri="{909E8E84-426E-40DD-AFC4-6F175D3DCCD1}">
-              <a14:hiddenFill xmlns:a14="http://schemas.microsoft.com/office/drawing/2010/main">
-                <a:solidFill>
-                  <a:srgbClr val="FFFFFF"/>
-                </a:solidFill>
-              </a14:hiddenFill>
-            </a:ext>
-          </a:extLst>
-        </p:spPr>
-      </p:pic>
-      <p:sp>
-        <p:nvSpPr>
-          <p:cNvPr id="12" name="Полилиния 11"/>
-          <p:cNvSpPr/>
-          <p:nvPr/>
-        </p:nvSpPr>
-        <p:spPr>
-          <a:xfrm>
-            <a:off x="8942071" y="1417320"/>
-            <a:ext cx="2449830" cy="1219200"/>
-          </a:xfrm>
-          <a:custGeom>
-            <a:avLst/>
-            <a:gdLst>
-              <a:gd name="connsiteX0" fmla="*/ 0 w 2530371"/>
-              <a:gd name="connsiteY0" fmla="*/ 1379682 h 1379682"/>
-              <a:gd name="connsiteX1" fmla="*/ 2331720 w 2530371"/>
-              <a:gd name="connsiteY1" fmla="*/ 198582 h 1379682"/>
-              <a:gd name="connsiteX2" fmla="*/ 2247900 w 2530371"/>
-              <a:gd name="connsiteY2" fmla="*/ 11892 h 1379682"/>
-              <a:gd name="connsiteX0" fmla="*/ 0 w 2277511"/>
-              <a:gd name="connsiteY0" fmla="*/ 1368154 h 1368154"/>
-              <a:gd name="connsiteX1" fmla="*/ 937260 w 2277511"/>
-              <a:gd name="connsiteY1" fmla="*/ 1070974 h 1368154"/>
-              <a:gd name="connsiteX2" fmla="*/ 2247900 w 2277511"/>
-              <a:gd name="connsiteY2" fmla="*/ 364 h 1368154"/>
-              <a:gd name="connsiteX0" fmla="*/ 0 w 2327218"/>
-              <a:gd name="connsiteY0" fmla="*/ 1417687 h 1417687"/>
-              <a:gd name="connsiteX1" fmla="*/ 986790 w 2327218"/>
-              <a:gd name="connsiteY1" fmla="*/ 1070977 h 1417687"/>
-              <a:gd name="connsiteX2" fmla="*/ 2297430 w 2327218"/>
-              <a:gd name="connsiteY2" fmla="*/ 367 h 1417687"/>
-              <a:gd name="connsiteX0" fmla="*/ 0 w 2484521"/>
-              <a:gd name="connsiteY0" fmla="*/ 1250118 h 1250118"/>
-              <a:gd name="connsiteX1" fmla="*/ 986790 w 2484521"/>
-              <a:gd name="connsiteY1" fmla="*/ 903408 h 1250118"/>
-              <a:gd name="connsiteX2" fmla="*/ 2457450 w 2484521"/>
-              <a:gd name="connsiteY2" fmla="*/ 438 h 1250118"/>
-              <a:gd name="connsiteX0" fmla="*/ 0 w 2457450"/>
-              <a:gd name="connsiteY0" fmla="*/ 1249680 h 1249680"/>
-              <a:gd name="connsiteX1" fmla="*/ 986790 w 2457450"/>
-              <a:gd name="connsiteY1" fmla="*/ 902970 h 1249680"/>
-              <a:gd name="connsiteX2" fmla="*/ 2457450 w 2457450"/>
-              <a:gd name="connsiteY2" fmla="*/ 0 h 1249680"/>
-              <a:gd name="connsiteX0" fmla="*/ 0 w 2457450"/>
-              <a:gd name="connsiteY0" fmla="*/ 1226820 h 1226820"/>
-              <a:gd name="connsiteX1" fmla="*/ 986790 w 2457450"/>
-              <a:gd name="connsiteY1" fmla="*/ 902970 h 1226820"/>
-              <a:gd name="connsiteX2" fmla="*/ 2457450 w 2457450"/>
-              <a:gd name="connsiteY2" fmla="*/ 0 h 1226820"/>
-              <a:gd name="connsiteX0" fmla="*/ 0 w 2457450"/>
-              <a:gd name="connsiteY0" fmla="*/ 1226820 h 1232454"/>
-              <a:gd name="connsiteX1" fmla="*/ 986790 w 2457450"/>
-              <a:gd name="connsiteY1" fmla="*/ 902970 h 1232454"/>
-              <a:gd name="connsiteX2" fmla="*/ 2457450 w 2457450"/>
-              <a:gd name="connsiteY2" fmla="*/ 0 h 1232454"/>
-              <a:gd name="connsiteX0" fmla="*/ 0 w 2457450"/>
-              <a:gd name="connsiteY0" fmla="*/ 1226820 h 1233705"/>
-              <a:gd name="connsiteX1" fmla="*/ 986790 w 2457450"/>
-              <a:gd name="connsiteY1" fmla="*/ 902970 h 1233705"/>
-              <a:gd name="connsiteX2" fmla="*/ 2457450 w 2457450"/>
-              <a:gd name="connsiteY2" fmla="*/ 0 h 1233705"/>
-              <a:gd name="connsiteX0" fmla="*/ 0 w 2442210"/>
-              <a:gd name="connsiteY0" fmla="*/ 1249680 h 1254815"/>
-              <a:gd name="connsiteX1" fmla="*/ 971550 w 2442210"/>
-              <a:gd name="connsiteY1" fmla="*/ 902970 h 1254815"/>
-              <a:gd name="connsiteX2" fmla="*/ 2442210 w 2442210"/>
-              <a:gd name="connsiteY2" fmla="*/ 0 h 1254815"/>
-              <a:gd name="connsiteX0" fmla="*/ 0 w 2449830"/>
-              <a:gd name="connsiteY0" fmla="*/ 1219200 h 1225021"/>
-              <a:gd name="connsiteX1" fmla="*/ 979170 w 2449830"/>
-              <a:gd name="connsiteY1" fmla="*/ 902970 h 1225021"/>
-              <a:gd name="connsiteX2" fmla="*/ 2449830 w 2449830"/>
-              <a:gd name="connsiteY2" fmla="*/ 0 h 1225021"/>
-              <a:gd name="connsiteX0" fmla="*/ 0 w 2449830"/>
-              <a:gd name="connsiteY0" fmla="*/ 1219200 h 1219200"/>
-              <a:gd name="connsiteX1" fmla="*/ 979170 w 2449830"/>
-              <a:gd name="connsiteY1" fmla="*/ 902970 h 1219200"/>
-              <a:gd name="connsiteX2" fmla="*/ 2449830 w 2449830"/>
-              <a:gd name="connsiteY2" fmla="*/ 0 h 1219200"/>
-            </a:gdLst>
-            <a:ahLst/>
-            <a:cxnLst>
-              <a:cxn ang="0">
-                <a:pos x="connsiteX0" y="connsiteY0"/>
-              </a:cxn>
-              <a:cxn ang="0">
-                <a:pos x="connsiteX1" y="connsiteY1"/>
-              </a:cxn>
-              <a:cxn ang="0">
-                <a:pos x="connsiteX2" y="connsiteY2"/>
-              </a:cxn>
-            </a:cxnLst>
-            <a:rect l="l" t="t" r="r" b="b"/>
-            <a:pathLst>
-              <a:path w="2449830" h="1219200">
-                <a:moveTo>
-                  <a:pt x="0" y="1219200"/>
-                </a:moveTo>
-                <a:cubicBezTo>
-                  <a:pt x="696595" y="1218882"/>
-                  <a:pt x="570865" y="1106170"/>
-                  <a:pt x="979170" y="902970"/>
-                </a:cubicBezTo>
-                <a:cubicBezTo>
-                  <a:pt x="1387475" y="699770"/>
-                  <a:pt x="1806575" y="242252"/>
-                  <a:pt x="2449830" y="0"/>
-                </a:cubicBezTo>
-              </a:path>
-            </a:pathLst>
-          </a:custGeom>
-          <a:noFill/>
-          <a:ln w="57150">
-            <a:solidFill>
-              <a:schemeClr val="accent6">
-                <a:lumMod val="50000"/>
-              </a:schemeClr>
-            </a:solidFill>
-            <a:headEnd type="none" w="med" len="med"/>
-            <a:tailEnd type="triangle" w="med" len="med"/>
-          </a:ln>
-        </p:spPr>
-        <p:style>
-          <a:lnRef idx="2">
-            <a:schemeClr val="accent1">
-              <a:shade val="50000"/>
-            </a:schemeClr>
-          </a:lnRef>
-          <a:fillRef idx="1">
-            <a:schemeClr val="accent1"/>
-          </a:fillRef>
-          <a:effectRef idx="0">
-            <a:schemeClr val="accent1"/>
-          </a:effectRef>
-          <a:fontRef idx="minor">
-            <a:schemeClr val="lt1"/>
-          </a:fontRef>
-        </p:style>
-        <p:txBody>
-          <a:bodyPr rtlCol="0" anchor="ctr"/>
-          <a:lstStyle/>
-          <a:p>
-            <a:pPr algn="ctr"/>
-            <a:endParaRPr lang="ru-RU"/>
-          </a:p>
-        </p:txBody>
-      </p:sp>
-      <p:sp>
-        <p:nvSpPr>
-          <p:cNvPr id="13" name="Полилиния 12"/>
-          <p:cNvSpPr/>
-          <p:nvPr/>
-        </p:nvSpPr>
-        <p:spPr>
-          <a:xfrm>
-            <a:off x="1098856" y="5281540"/>
-            <a:ext cx="2395308" cy="927012"/>
-          </a:xfrm>
-          <a:custGeom>
-            <a:avLst/>
-            <a:gdLst>
-              <a:gd name="connsiteX0" fmla="*/ 0 w 2214880"/>
-              <a:gd name="connsiteY0" fmla="*/ 498419 h 584901"/>
-              <a:gd name="connsiteX1" fmla="*/ 431800 w 2214880"/>
-              <a:gd name="connsiteY1" fmla="*/ 579 h 584901"/>
-              <a:gd name="connsiteX2" fmla="*/ 1188720 w 2214880"/>
-              <a:gd name="connsiteY2" fmla="*/ 584779 h 584901"/>
-              <a:gd name="connsiteX3" fmla="*/ 2214880 w 2214880"/>
-              <a:gd name="connsiteY3" fmla="*/ 41219 h 584901"/>
-              <a:gd name="connsiteX0" fmla="*/ 0 w 2184400"/>
-              <a:gd name="connsiteY0" fmla="*/ 732251 h 732251"/>
-              <a:gd name="connsiteX1" fmla="*/ 401320 w 2184400"/>
-              <a:gd name="connsiteY1" fmla="*/ 731 h 732251"/>
-              <a:gd name="connsiteX2" fmla="*/ 1158240 w 2184400"/>
-              <a:gd name="connsiteY2" fmla="*/ 584931 h 732251"/>
-              <a:gd name="connsiteX3" fmla="*/ 2184400 w 2184400"/>
-              <a:gd name="connsiteY3" fmla="*/ 41371 h 732251"/>
-              <a:gd name="connsiteX0" fmla="*/ 0 w 2184400"/>
-              <a:gd name="connsiteY0" fmla="*/ 690880 h 690880"/>
-              <a:gd name="connsiteX1" fmla="*/ 447040 w 2184400"/>
-              <a:gd name="connsiteY1" fmla="*/ 152400 h 690880"/>
-              <a:gd name="connsiteX2" fmla="*/ 1158240 w 2184400"/>
-              <a:gd name="connsiteY2" fmla="*/ 543560 h 690880"/>
-              <a:gd name="connsiteX3" fmla="*/ 2184400 w 2184400"/>
-              <a:gd name="connsiteY3" fmla="*/ 0 h 690880"/>
-              <a:gd name="connsiteX0" fmla="*/ 0 w 2184400"/>
-              <a:gd name="connsiteY0" fmla="*/ 690880 h 690880"/>
-              <a:gd name="connsiteX1" fmla="*/ 447040 w 2184400"/>
-              <a:gd name="connsiteY1" fmla="*/ 152400 h 690880"/>
-              <a:gd name="connsiteX2" fmla="*/ 1198880 w 2184400"/>
-              <a:gd name="connsiteY2" fmla="*/ 309880 h 690880"/>
-              <a:gd name="connsiteX3" fmla="*/ 2184400 w 2184400"/>
-              <a:gd name="connsiteY3" fmla="*/ 0 h 690880"/>
-              <a:gd name="connsiteX0" fmla="*/ 0 w 2164080"/>
-              <a:gd name="connsiteY0" fmla="*/ 853440 h 853440"/>
-              <a:gd name="connsiteX1" fmla="*/ 447040 w 2164080"/>
-              <a:gd name="connsiteY1" fmla="*/ 314960 h 853440"/>
-              <a:gd name="connsiteX2" fmla="*/ 1198880 w 2164080"/>
-              <a:gd name="connsiteY2" fmla="*/ 472440 h 853440"/>
-              <a:gd name="connsiteX3" fmla="*/ 2164080 w 2164080"/>
-              <a:gd name="connsiteY3" fmla="*/ 0 h 853440"/>
-              <a:gd name="connsiteX0" fmla="*/ 0 w 2269184"/>
-              <a:gd name="connsiteY0" fmla="*/ 1231812 h 1231812"/>
-              <a:gd name="connsiteX1" fmla="*/ 552144 w 2269184"/>
-              <a:gd name="connsiteY1" fmla="*/ 314960 h 1231812"/>
-              <a:gd name="connsiteX2" fmla="*/ 1303984 w 2269184"/>
-              <a:gd name="connsiteY2" fmla="*/ 472440 h 1231812"/>
-              <a:gd name="connsiteX3" fmla="*/ 2269184 w 2269184"/>
-              <a:gd name="connsiteY3" fmla="*/ 0 h 1231812"/>
-              <a:gd name="connsiteX0" fmla="*/ 0 w 2269184"/>
-              <a:gd name="connsiteY0" fmla="*/ 1231812 h 1231812"/>
-              <a:gd name="connsiteX1" fmla="*/ 709800 w 2269184"/>
-              <a:gd name="connsiteY1" fmla="*/ 966601 h 1231812"/>
-              <a:gd name="connsiteX2" fmla="*/ 1303984 w 2269184"/>
-              <a:gd name="connsiteY2" fmla="*/ 472440 h 1231812"/>
-              <a:gd name="connsiteX3" fmla="*/ 2269184 w 2269184"/>
-              <a:gd name="connsiteY3" fmla="*/ 0 h 1231812"/>
-              <a:gd name="connsiteX0" fmla="*/ 0 w 2269184"/>
-              <a:gd name="connsiteY0" fmla="*/ 1231812 h 1231812"/>
-              <a:gd name="connsiteX1" fmla="*/ 709800 w 2269184"/>
-              <a:gd name="connsiteY1" fmla="*/ 966601 h 1231812"/>
-              <a:gd name="connsiteX2" fmla="*/ 1440619 w 2269184"/>
-              <a:gd name="connsiteY2" fmla="*/ 567033 h 1231812"/>
-              <a:gd name="connsiteX3" fmla="*/ 2269184 w 2269184"/>
-              <a:gd name="connsiteY3" fmla="*/ 0 h 1231812"/>
-              <a:gd name="connsiteX0" fmla="*/ 0 w 2395308"/>
-              <a:gd name="connsiteY0" fmla="*/ 863950 h 863950"/>
-              <a:gd name="connsiteX1" fmla="*/ 709800 w 2395308"/>
-              <a:gd name="connsiteY1" fmla="*/ 598739 h 863950"/>
-              <a:gd name="connsiteX2" fmla="*/ 1440619 w 2395308"/>
-              <a:gd name="connsiteY2" fmla="*/ 199171 h 863950"/>
-              <a:gd name="connsiteX3" fmla="*/ 2395308 w 2395308"/>
-              <a:gd name="connsiteY3" fmla="*/ 0 h 863950"/>
-              <a:gd name="connsiteX0" fmla="*/ 0 w 2395308"/>
-              <a:gd name="connsiteY0" fmla="*/ 865998 h 865998"/>
-              <a:gd name="connsiteX1" fmla="*/ 709800 w 2395308"/>
-              <a:gd name="connsiteY1" fmla="*/ 600787 h 865998"/>
-              <a:gd name="connsiteX2" fmla="*/ 1440619 w 2395308"/>
-              <a:gd name="connsiteY2" fmla="*/ 201219 h 865998"/>
-              <a:gd name="connsiteX3" fmla="*/ 2395308 w 2395308"/>
-              <a:gd name="connsiteY3" fmla="*/ 2048 h 865998"/>
-              <a:gd name="connsiteX0" fmla="*/ 0 w 2395308"/>
-              <a:gd name="connsiteY0" fmla="*/ 863950 h 863950"/>
-              <a:gd name="connsiteX1" fmla="*/ 709800 w 2395308"/>
-              <a:gd name="connsiteY1" fmla="*/ 598739 h 863950"/>
-              <a:gd name="connsiteX2" fmla="*/ 2395308 w 2395308"/>
-              <a:gd name="connsiteY2" fmla="*/ 0 h 863950"/>
-              <a:gd name="connsiteX0" fmla="*/ 0 w 2395308"/>
-              <a:gd name="connsiteY0" fmla="*/ 863950 h 863950"/>
-              <a:gd name="connsiteX1" fmla="*/ 1193275 w 2395308"/>
-              <a:gd name="connsiteY1" fmla="*/ 399042 h 863950"/>
-              <a:gd name="connsiteX2" fmla="*/ 2395308 w 2395308"/>
-              <a:gd name="connsiteY2" fmla="*/ 0 h 863950"/>
-              <a:gd name="connsiteX0" fmla="*/ 0 w 2395308"/>
-              <a:gd name="connsiteY0" fmla="*/ 927012 h 927012"/>
-              <a:gd name="connsiteX1" fmla="*/ 1193275 w 2395308"/>
-              <a:gd name="connsiteY1" fmla="*/ 399042 h 927012"/>
-              <a:gd name="connsiteX2" fmla="*/ 2395308 w 2395308"/>
-              <a:gd name="connsiteY2" fmla="*/ 0 h 927012"/>
-              <a:gd name="connsiteX0" fmla="*/ 0 w 2395308"/>
-              <a:gd name="connsiteY0" fmla="*/ 927012 h 927012"/>
-              <a:gd name="connsiteX1" fmla="*/ 1193275 w 2395308"/>
-              <a:gd name="connsiteY1" fmla="*/ 399042 h 927012"/>
-              <a:gd name="connsiteX2" fmla="*/ 2395308 w 2395308"/>
-              <a:gd name="connsiteY2" fmla="*/ 0 h 927012"/>
-            </a:gdLst>
-            <a:ahLst/>
-            <a:cxnLst>
-              <a:cxn ang="0">
-                <a:pos x="connsiteX0" y="connsiteY0"/>
-              </a:cxn>
-              <a:cxn ang="0">
-                <a:pos x="connsiteX1" y="connsiteY1"/>
-              </a:cxn>
-              <a:cxn ang="0">
-                <a:pos x="connsiteX2" y="connsiteY2"/>
-              </a:cxn>
-            </a:cxnLst>
-            <a:rect l="l" t="t" r="r" b="b"/>
-            <a:pathLst>
-              <a:path w="2395308" h="927012">
-                <a:moveTo>
-                  <a:pt x="0" y="927012"/>
-                </a:moveTo>
-                <a:cubicBezTo>
-                  <a:pt x="516233" y="628854"/>
-                  <a:pt x="794057" y="553544"/>
-                  <a:pt x="1193275" y="399042"/>
-                </a:cubicBezTo>
-                <a:cubicBezTo>
-                  <a:pt x="1592493" y="244540"/>
-                  <a:pt x="1994630" y="133014"/>
-                  <a:pt x="2395308" y="0"/>
-                </a:cubicBezTo>
-              </a:path>
-            </a:pathLst>
-          </a:custGeom>
-          <a:noFill/>
-          <a:ln w="76200">
-            <a:solidFill>
-              <a:schemeClr val="accent2">
-                <a:lumMod val="50000"/>
-              </a:schemeClr>
-            </a:solidFill>
-            <a:headEnd type="none" w="med" len="med"/>
-            <a:tailEnd type="triangle" w="med" len="med"/>
-          </a:ln>
-        </p:spPr>
-        <p:style>
-          <a:lnRef idx="2">
-            <a:schemeClr val="accent1">
-              <a:shade val="50000"/>
-            </a:schemeClr>
-          </a:lnRef>
-          <a:fillRef idx="1">
-            <a:schemeClr val="accent1"/>
-          </a:fillRef>
-          <a:effectRef idx="0">
-            <a:schemeClr val="accent1"/>
-          </a:effectRef>
-          <a:fontRef idx="minor">
-            <a:schemeClr val="lt1"/>
-          </a:fontRef>
-        </p:style>
-        <p:txBody>
-          <a:bodyPr rtlCol="0" anchor="ctr"/>
-          <a:lstStyle/>
-          <a:p>
-            <a:pPr algn="ctr"/>
-            <a:endParaRPr lang="ru-RU"/>
-          </a:p>
-        </p:txBody>
-      </p:sp>
-      <p:grpSp>
-        <p:nvGrpSpPr>
-          <p:cNvPr id="75" name="Группа 74"/>
-          <p:cNvGrpSpPr/>
-          <p:nvPr/>
-        </p:nvGrpSpPr>
-        <p:grpSpPr>
-          <a:xfrm>
-            <a:off x="929926" y="3109154"/>
-            <a:ext cx="3051348" cy="1253768"/>
-            <a:chOff x="1502119" y="3131705"/>
-            <a:chExt cx="3051348" cy="1253768"/>
-          </a:xfrm>
-        </p:grpSpPr>
-        <p:sp>
-          <p:nvSpPr>
-            <p:cNvPr id="76" name="TextBox 75"/>
-            <p:cNvSpPr txBox="1"/>
-            <p:nvPr/>
-          </p:nvSpPr>
-          <p:spPr>
-            <a:xfrm>
-              <a:off x="1502119" y="3131705"/>
-              <a:ext cx="2993127" cy="1200329"/>
-            </a:xfrm>
-            <a:prstGeom prst="rect">
-              <a:avLst/>
-            </a:prstGeom>
-            <a:noFill/>
-          </p:spPr>
-          <p:txBody>
-            <a:bodyPr wrap="none" rtlCol="0">
-              <a:spAutoFit/>
-            </a:bodyPr>
-            <a:lstStyle/>
-            <a:p>
-              <a:r>
-                <a:rPr lang="en-US" sz="7200" dirty="0" smtClean="0"/>
-                <a:t>110000</a:t>
-              </a:r>
-              <a:endParaRPr lang="ru-RU" sz="7200" dirty="0"/>
-            </a:p>
-          </p:txBody>
-        </p:sp>
-        <p:sp>
-          <p:nvSpPr>
-            <p:cNvPr id="77" name="TextBox 76"/>
-            <p:cNvSpPr txBox="1"/>
-            <p:nvPr/>
-          </p:nvSpPr>
-          <p:spPr>
-            <a:xfrm>
-              <a:off x="1526464" y="3147007"/>
-              <a:ext cx="2993127" cy="1200329"/>
-            </a:xfrm>
-            <a:prstGeom prst="rect">
-              <a:avLst/>
-            </a:prstGeom>
-            <a:noFill/>
-          </p:spPr>
-          <p:txBody>
-            <a:bodyPr wrap="none" rtlCol="0">
-              <a:spAutoFit/>
-            </a:bodyPr>
-            <a:lstStyle/>
-            <a:p>
-              <a:r>
-                <a:rPr lang="en-US" sz="7200" dirty="0" smtClean="0">
-                  <a:solidFill>
-                    <a:schemeClr val="accent2">
-                      <a:lumMod val="50000"/>
-                    </a:schemeClr>
-                  </a:solidFill>
-                </a:rPr>
-                <a:t>110000</a:t>
-              </a:r>
-              <a:endParaRPr lang="ru-RU" sz="7200" dirty="0">
-                <a:solidFill>
-                  <a:schemeClr val="accent2">
-                    <a:lumMod val="50000"/>
-                  </a:schemeClr>
-                </a:solidFill>
-              </a:endParaRPr>
-            </a:p>
-          </p:txBody>
-        </p:sp>
-        <p:sp>
-          <p:nvSpPr>
-            <p:cNvPr id="78" name="TextBox 77"/>
-            <p:cNvSpPr txBox="1"/>
-            <p:nvPr/>
-          </p:nvSpPr>
-          <p:spPr>
-            <a:xfrm>
-              <a:off x="1560340" y="3185144"/>
-              <a:ext cx="2993127" cy="1200329"/>
-            </a:xfrm>
-            <a:prstGeom prst="rect">
-              <a:avLst/>
-            </a:prstGeom>
-            <a:noFill/>
-          </p:spPr>
-          <p:txBody>
-            <a:bodyPr wrap="none" rtlCol="0">
-              <a:spAutoFit/>
-            </a:bodyPr>
-            <a:lstStyle/>
-            <a:p>
-              <a:r>
-                <a:rPr lang="en-US" sz="7200" dirty="0" smtClean="0">
-                  <a:solidFill>
-                    <a:schemeClr val="accent2"/>
-                  </a:solidFill>
-                </a:rPr>
-                <a:t>110000</a:t>
-              </a:r>
-              <a:endParaRPr lang="ru-RU" sz="7200" dirty="0">
-                <a:solidFill>
-                  <a:schemeClr val="accent2"/>
-                </a:solidFill>
-              </a:endParaRPr>
-            </a:p>
-          </p:txBody>
-        </p:sp>
-      </p:grpSp>
-      <p:grpSp>
-        <p:nvGrpSpPr>
-          <p:cNvPr id="79" name="Группа 78"/>
-          <p:cNvGrpSpPr/>
-          <p:nvPr/>
-        </p:nvGrpSpPr>
-        <p:grpSpPr>
-          <a:xfrm>
-            <a:off x="1605844" y="3626790"/>
-            <a:ext cx="1257734" cy="1265191"/>
-            <a:chOff x="1694768" y="2373608"/>
-            <a:chExt cx="1257734" cy="1265191"/>
-          </a:xfrm>
-        </p:grpSpPr>
-        <p:sp>
-          <p:nvSpPr>
-            <p:cNvPr id="80" name="TextBox 79"/>
-            <p:cNvSpPr txBox="1"/>
-            <p:nvPr/>
-          </p:nvSpPr>
-          <p:spPr>
-            <a:xfrm>
-              <a:off x="1694768" y="2373608"/>
-              <a:ext cx="1200970" cy="1200329"/>
-            </a:xfrm>
-            <a:prstGeom prst="rect">
-              <a:avLst/>
-            </a:prstGeom>
-            <a:noFill/>
-          </p:spPr>
-          <p:txBody>
-            <a:bodyPr wrap="none" rtlCol="0">
-              <a:spAutoFit/>
-            </a:bodyPr>
-            <a:lstStyle/>
-            <a:p>
-              <a:r>
-                <a:rPr lang="ru-RU" sz="7200" dirty="0" err="1" smtClean="0"/>
-                <a:t>мс</a:t>
-              </a:r>
-              <a:endParaRPr lang="ru-RU" sz="7200" dirty="0"/>
-            </a:p>
-          </p:txBody>
-        </p:sp>
-        <p:sp>
-          <p:nvSpPr>
-            <p:cNvPr id="81" name="TextBox 80"/>
-            <p:cNvSpPr txBox="1"/>
-            <p:nvPr/>
-          </p:nvSpPr>
-          <p:spPr>
-            <a:xfrm>
-              <a:off x="1723150" y="2410423"/>
-              <a:ext cx="1200970" cy="1200329"/>
-            </a:xfrm>
-            <a:prstGeom prst="rect">
-              <a:avLst/>
-            </a:prstGeom>
-            <a:noFill/>
-          </p:spPr>
-          <p:txBody>
-            <a:bodyPr wrap="none" rtlCol="0">
-              <a:spAutoFit/>
-            </a:bodyPr>
-            <a:lstStyle/>
-            <a:p>
-              <a:r>
-                <a:rPr lang="ru-RU" sz="7200" dirty="0" err="1" smtClean="0">
-                  <a:solidFill>
-                    <a:schemeClr val="accent2">
-                      <a:lumMod val="50000"/>
-                    </a:schemeClr>
-                  </a:solidFill>
-                </a:rPr>
-                <a:t>мс</a:t>
-              </a:r>
-              <a:endParaRPr lang="ru-RU" sz="7200" dirty="0">
-                <a:solidFill>
-                  <a:schemeClr val="accent2">
-                    <a:lumMod val="50000"/>
-                  </a:schemeClr>
-                </a:solidFill>
-              </a:endParaRPr>
-            </a:p>
-          </p:txBody>
-        </p:sp>
-        <p:sp>
-          <p:nvSpPr>
-            <p:cNvPr id="82" name="TextBox 81"/>
-            <p:cNvSpPr txBox="1"/>
-            <p:nvPr/>
-          </p:nvSpPr>
-          <p:spPr>
-            <a:xfrm>
-              <a:off x="1751532" y="2438470"/>
-              <a:ext cx="1200970" cy="1200329"/>
-            </a:xfrm>
-            <a:prstGeom prst="rect">
-              <a:avLst/>
-            </a:prstGeom>
-            <a:noFill/>
-          </p:spPr>
-          <p:txBody>
-            <a:bodyPr wrap="none" rtlCol="0">
-              <a:spAutoFit/>
-            </a:bodyPr>
-            <a:lstStyle/>
-            <a:p>
-              <a:r>
-                <a:rPr lang="ru-RU" sz="7200" dirty="0" err="1" smtClean="0">
-                  <a:solidFill>
-                    <a:schemeClr val="accent2"/>
-                  </a:solidFill>
-                </a:rPr>
-                <a:t>мс</a:t>
-              </a:r>
-              <a:endParaRPr lang="ru-RU" sz="7200" dirty="0">
-                <a:solidFill>
-                  <a:schemeClr val="accent2"/>
-                </a:solidFill>
-              </a:endParaRPr>
-            </a:p>
-          </p:txBody>
-        </p:sp>
-      </p:grpSp>
-      <p:grpSp>
-        <p:nvGrpSpPr>
-          <p:cNvPr id="14" name="Группа 13"/>
-          <p:cNvGrpSpPr/>
-          <p:nvPr/>
-        </p:nvGrpSpPr>
-        <p:grpSpPr>
-          <a:xfrm>
-            <a:off x="2912332" y="2208435"/>
-            <a:ext cx="794300" cy="675360"/>
-            <a:chOff x="2912332" y="2208435"/>
-            <a:chExt cx="794300" cy="675360"/>
+            <a:off x="5303526" y="3932172"/>
+            <a:ext cx="3823621" cy="2487153"/>
+            <a:chOff x="8877537" y="1119297"/>
+            <a:chExt cx="2532022" cy="1647006"/>
           </a:xfrm>
         </p:grpSpPr>
         <p:pic>
           <p:nvPicPr>
-            <p:cNvPr id="11268" name="Picture 4" descr="Center, data, digital, server icon - Download on Iconfinder"/>
+            <p:cNvPr id="10242" name="Picture 2" descr="https://sun9-8.userapi.com/impg/MVtmjslBXKaqUNyQShlm3GQxj11hOOHBRHKFDw/5-Nkbnnn4JA.jpg?size=2560x829&amp;quality=96&amp;sign=5c7c83eac14f0691d45ca919af74eb96&amp;type=album"/>
             <p:cNvPicPr>
               <a:picLocks noChangeAspect="1" noChangeArrowheads="1"/>
             </p:cNvPicPr>
             <p:nvPr/>
           </p:nvPicPr>
           <p:blipFill>
-            <a:blip r:embed="rId6" cstate="print">
+            <a:blip r:embed="rId2" cstate="print">
               <a:extLst>
                 <a:ext uri="{28A0092B-C50C-407E-A947-70E740481C1C}">
                   <a14:useLocalDpi xmlns:a14="http://schemas.microsoft.com/office/drawing/2010/main" val="0"/>
@@ -15870,13 +14278,26 @@
           </p:blipFill>
           <p:spPr bwMode="auto">
             <a:xfrm>
-              <a:off x="3041824" y="2208435"/>
-              <a:ext cx="664808" cy="664808"/>
+              <a:off x="8877537" y="1119297"/>
+              <a:ext cx="2532022" cy="1647006"/>
             </a:xfrm>
             <a:prstGeom prst="rect">
               <a:avLst/>
             </a:prstGeom>
-            <a:noFill/>
+            <a:ln w="38100" cap="sq">
+              <a:solidFill>
+                <a:schemeClr val="accent6"/>
+              </a:solidFill>
+              <a:prstDash val="solid"/>
+              <a:miter lim="800000"/>
+            </a:ln>
+            <a:effectLst>
+              <a:outerShdw blurRad="50800" dist="38100" dir="2700000" algn="tl" rotWithShape="0">
+                <a:srgbClr val="000000">
+                  <a:alpha val="43000"/>
+                </a:srgbClr>
+              </a:outerShdw>
+            </a:effectLst>
             <a:extLst>
               <a:ext uri="{909E8E84-426E-40DD-AFC4-6F175D3DCCD1}">
                 <a14:hiddenFill xmlns:a14="http://schemas.microsoft.com/office/drawing/2010/main">
@@ -15888,47 +14309,154 @@
             </a:extLst>
           </p:spPr>
         </p:pic>
-        <p:pic>
-          <p:nvPicPr>
-            <p:cNvPr id="11272" name="Picture 8" descr="Web icon - Material Core"/>
-            <p:cNvPicPr>
-              <a:picLocks noChangeAspect="1" noChangeArrowheads="1"/>
-            </p:cNvPicPr>
+        <p:sp>
+          <p:nvSpPr>
+            <p:cNvPr id="12" name="Полилиния 11"/>
+            <p:cNvSpPr/>
             <p:nvPr/>
-          </p:nvPicPr>
-          <p:blipFill>
-            <a:blip r:embed="rId7" cstate="print">
-              <a:extLst>
-                <a:ext uri="{28A0092B-C50C-407E-A947-70E740481C1C}">
-                  <a14:useLocalDpi xmlns:a14="http://schemas.microsoft.com/office/drawing/2010/main" val="0"/>
-                </a:ext>
-              </a:extLst>
-            </a:blip>
-            <a:srcRect/>
-            <a:stretch>
-              <a:fillRect/>
-            </a:stretch>
-          </p:blipFill>
-          <p:spPr bwMode="auto">
+          </p:nvSpPr>
+          <p:spPr>
             <a:xfrm>
-              <a:off x="2912332" y="2501505"/>
-              <a:ext cx="382290" cy="382290"/>
+              <a:off x="8942071" y="1417320"/>
+              <a:ext cx="2449830" cy="1219200"/>
             </a:xfrm>
-            <a:prstGeom prst="rect">
+            <a:custGeom>
               <a:avLst/>
-            </a:prstGeom>
+              <a:gdLst>
+                <a:gd name="connsiteX0" fmla="*/ 0 w 2530371"/>
+                <a:gd name="connsiteY0" fmla="*/ 1379682 h 1379682"/>
+                <a:gd name="connsiteX1" fmla="*/ 2331720 w 2530371"/>
+                <a:gd name="connsiteY1" fmla="*/ 198582 h 1379682"/>
+                <a:gd name="connsiteX2" fmla="*/ 2247900 w 2530371"/>
+                <a:gd name="connsiteY2" fmla="*/ 11892 h 1379682"/>
+                <a:gd name="connsiteX0" fmla="*/ 0 w 2277511"/>
+                <a:gd name="connsiteY0" fmla="*/ 1368154 h 1368154"/>
+                <a:gd name="connsiteX1" fmla="*/ 937260 w 2277511"/>
+                <a:gd name="connsiteY1" fmla="*/ 1070974 h 1368154"/>
+                <a:gd name="connsiteX2" fmla="*/ 2247900 w 2277511"/>
+                <a:gd name="connsiteY2" fmla="*/ 364 h 1368154"/>
+                <a:gd name="connsiteX0" fmla="*/ 0 w 2327218"/>
+                <a:gd name="connsiteY0" fmla="*/ 1417687 h 1417687"/>
+                <a:gd name="connsiteX1" fmla="*/ 986790 w 2327218"/>
+                <a:gd name="connsiteY1" fmla="*/ 1070977 h 1417687"/>
+                <a:gd name="connsiteX2" fmla="*/ 2297430 w 2327218"/>
+                <a:gd name="connsiteY2" fmla="*/ 367 h 1417687"/>
+                <a:gd name="connsiteX0" fmla="*/ 0 w 2484521"/>
+                <a:gd name="connsiteY0" fmla="*/ 1250118 h 1250118"/>
+                <a:gd name="connsiteX1" fmla="*/ 986790 w 2484521"/>
+                <a:gd name="connsiteY1" fmla="*/ 903408 h 1250118"/>
+                <a:gd name="connsiteX2" fmla="*/ 2457450 w 2484521"/>
+                <a:gd name="connsiteY2" fmla="*/ 438 h 1250118"/>
+                <a:gd name="connsiteX0" fmla="*/ 0 w 2457450"/>
+                <a:gd name="connsiteY0" fmla="*/ 1249680 h 1249680"/>
+                <a:gd name="connsiteX1" fmla="*/ 986790 w 2457450"/>
+                <a:gd name="connsiteY1" fmla="*/ 902970 h 1249680"/>
+                <a:gd name="connsiteX2" fmla="*/ 2457450 w 2457450"/>
+                <a:gd name="connsiteY2" fmla="*/ 0 h 1249680"/>
+                <a:gd name="connsiteX0" fmla="*/ 0 w 2457450"/>
+                <a:gd name="connsiteY0" fmla="*/ 1226820 h 1226820"/>
+                <a:gd name="connsiteX1" fmla="*/ 986790 w 2457450"/>
+                <a:gd name="connsiteY1" fmla="*/ 902970 h 1226820"/>
+                <a:gd name="connsiteX2" fmla="*/ 2457450 w 2457450"/>
+                <a:gd name="connsiteY2" fmla="*/ 0 h 1226820"/>
+                <a:gd name="connsiteX0" fmla="*/ 0 w 2457450"/>
+                <a:gd name="connsiteY0" fmla="*/ 1226820 h 1232454"/>
+                <a:gd name="connsiteX1" fmla="*/ 986790 w 2457450"/>
+                <a:gd name="connsiteY1" fmla="*/ 902970 h 1232454"/>
+                <a:gd name="connsiteX2" fmla="*/ 2457450 w 2457450"/>
+                <a:gd name="connsiteY2" fmla="*/ 0 h 1232454"/>
+                <a:gd name="connsiteX0" fmla="*/ 0 w 2457450"/>
+                <a:gd name="connsiteY0" fmla="*/ 1226820 h 1233705"/>
+                <a:gd name="connsiteX1" fmla="*/ 986790 w 2457450"/>
+                <a:gd name="connsiteY1" fmla="*/ 902970 h 1233705"/>
+                <a:gd name="connsiteX2" fmla="*/ 2457450 w 2457450"/>
+                <a:gd name="connsiteY2" fmla="*/ 0 h 1233705"/>
+                <a:gd name="connsiteX0" fmla="*/ 0 w 2442210"/>
+                <a:gd name="connsiteY0" fmla="*/ 1249680 h 1254815"/>
+                <a:gd name="connsiteX1" fmla="*/ 971550 w 2442210"/>
+                <a:gd name="connsiteY1" fmla="*/ 902970 h 1254815"/>
+                <a:gd name="connsiteX2" fmla="*/ 2442210 w 2442210"/>
+                <a:gd name="connsiteY2" fmla="*/ 0 h 1254815"/>
+                <a:gd name="connsiteX0" fmla="*/ 0 w 2449830"/>
+                <a:gd name="connsiteY0" fmla="*/ 1219200 h 1225021"/>
+                <a:gd name="connsiteX1" fmla="*/ 979170 w 2449830"/>
+                <a:gd name="connsiteY1" fmla="*/ 902970 h 1225021"/>
+                <a:gd name="connsiteX2" fmla="*/ 2449830 w 2449830"/>
+                <a:gd name="connsiteY2" fmla="*/ 0 h 1225021"/>
+                <a:gd name="connsiteX0" fmla="*/ 0 w 2449830"/>
+                <a:gd name="connsiteY0" fmla="*/ 1219200 h 1219200"/>
+                <a:gd name="connsiteX1" fmla="*/ 979170 w 2449830"/>
+                <a:gd name="connsiteY1" fmla="*/ 902970 h 1219200"/>
+                <a:gd name="connsiteX2" fmla="*/ 2449830 w 2449830"/>
+                <a:gd name="connsiteY2" fmla="*/ 0 h 1219200"/>
+              </a:gdLst>
+              <a:ahLst/>
+              <a:cxnLst>
+                <a:cxn ang="0">
+                  <a:pos x="connsiteX0" y="connsiteY0"/>
+                </a:cxn>
+                <a:cxn ang="0">
+                  <a:pos x="connsiteX1" y="connsiteY1"/>
+                </a:cxn>
+                <a:cxn ang="0">
+                  <a:pos x="connsiteX2" y="connsiteY2"/>
+                </a:cxn>
+              </a:cxnLst>
+              <a:rect l="l" t="t" r="r" b="b"/>
+              <a:pathLst>
+                <a:path w="2449830" h="1219200">
+                  <a:moveTo>
+                    <a:pt x="0" y="1219200"/>
+                  </a:moveTo>
+                  <a:cubicBezTo>
+                    <a:pt x="696595" y="1218882"/>
+                    <a:pt x="570865" y="1106170"/>
+                    <a:pt x="979170" y="902970"/>
+                  </a:cubicBezTo>
+                  <a:cubicBezTo>
+                    <a:pt x="1387475" y="699770"/>
+                    <a:pt x="1806575" y="242252"/>
+                    <a:pt x="2449830" y="0"/>
+                  </a:cubicBezTo>
+                </a:path>
+              </a:pathLst>
+            </a:custGeom>
             <a:noFill/>
-            <a:extLst>
-              <a:ext uri="{909E8E84-426E-40DD-AFC4-6F175D3DCCD1}">
-                <a14:hiddenFill xmlns:a14="http://schemas.microsoft.com/office/drawing/2010/main">
-                  <a:solidFill>
-                    <a:srgbClr val="FFFFFF"/>
-                  </a:solidFill>
-                </a14:hiddenFill>
-              </a:ext>
-            </a:extLst>
+            <a:ln w="57150">
+              <a:solidFill>
+                <a:schemeClr val="accent6">
+                  <a:lumMod val="50000"/>
+                </a:schemeClr>
+              </a:solidFill>
+              <a:headEnd type="none" w="med" len="med"/>
+              <a:tailEnd type="triangle" w="med" len="med"/>
+            </a:ln>
           </p:spPr>
-        </p:pic>
+          <p:style>
+            <a:lnRef idx="2">
+              <a:schemeClr val="accent1">
+                <a:shade val="50000"/>
+              </a:schemeClr>
+            </a:lnRef>
+            <a:fillRef idx="1">
+              <a:schemeClr val="accent1"/>
+            </a:fillRef>
+            <a:effectRef idx="0">
+              <a:schemeClr val="accent1"/>
+            </a:effectRef>
+            <a:fontRef idx="minor">
+              <a:schemeClr val="lt1"/>
+            </a:fontRef>
+          </p:style>
+          <p:txBody>
+            <a:bodyPr rtlCol="0" anchor="ctr"/>
+            <a:lstStyle/>
+            <a:p>
+              <a:pPr algn="ctr"/>
+              <a:endParaRPr lang="ru-RU"/>
+            </a:p>
+          </p:txBody>
+        </p:sp>
       </p:grpSp>
       <p:grpSp>
         <p:nvGrpSpPr>
@@ -15938,7 +14466,7 @@
         </p:nvGrpSpPr>
         <p:grpSpPr>
           <a:xfrm>
-            <a:off x="5423840" y="5505015"/>
+            <a:off x="2233023" y="4526776"/>
             <a:ext cx="1344319" cy="754164"/>
             <a:chOff x="3713801" y="5263909"/>
             <a:chExt cx="2435860" cy="1366519"/>
@@ -15953,7 +14481,7 @@
             <p:nvPr/>
           </p:nvPicPr>
           <p:blipFill>
-            <a:blip r:embed="rId8" cstate="print">
+            <a:blip r:embed="rId3" cstate="print">
               <a:extLst>
                 <a:ext uri="{28A0092B-C50C-407E-A947-70E740481C1C}">
                   <a14:useLocalDpi xmlns:a14="http://schemas.microsoft.com/office/drawing/2010/main" val="0"/>
@@ -15994,7 +14522,7 @@
             <p:nvPr/>
           </p:nvPicPr>
           <p:blipFill>
-            <a:blip r:embed="rId9" cstate="print">
+            <a:blip r:embed="rId4" cstate="print">
               <a:extLst>
                 <a:ext uri="{28A0092B-C50C-407E-A947-70E740481C1C}">
                   <a14:useLocalDpi xmlns:a14="http://schemas.microsoft.com/office/drawing/2010/main" val="0"/>
@@ -16035,7 +14563,7 @@
             <p:nvPr/>
           </p:nvPicPr>
           <p:blipFill>
-            <a:blip r:embed="rId8" cstate="print">
+            <a:blip r:embed="rId3" cstate="print">
               <a:extLst>
                 <a:ext uri="{28A0092B-C50C-407E-A947-70E740481C1C}">
                   <a14:useLocalDpi xmlns:a14="http://schemas.microsoft.com/office/drawing/2010/main" val="0"/>
@@ -16076,7 +14604,7 @@
         </p:nvSpPr>
         <p:spPr>
           <a:xfrm>
-            <a:off x="4429987" y="5188697"/>
+            <a:off x="1272076" y="4157444"/>
             <a:ext cx="3615349" cy="369332"/>
           </a:xfrm>
           <a:prstGeom prst="rect">
@@ -16110,7 +14638,7 @@
         </p:nvGrpSpPr>
         <p:grpSpPr>
           <a:xfrm>
-            <a:off x="6660881" y="5684067"/>
+            <a:off x="3470064" y="4705828"/>
             <a:ext cx="937990" cy="526213"/>
             <a:chOff x="3713801" y="5263909"/>
             <a:chExt cx="2435860" cy="1366519"/>
@@ -16125,7 +14653,7 @@
             <p:nvPr/>
           </p:nvPicPr>
           <p:blipFill>
-            <a:blip r:embed="rId8" cstate="print">
+            <a:blip r:embed="rId3" cstate="print">
               <a:extLst>
                 <a:ext uri="{28A0092B-C50C-407E-A947-70E740481C1C}">
                   <a14:useLocalDpi xmlns:a14="http://schemas.microsoft.com/office/drawing/2010/main" val="0"/>
@@ -16166,7 +14694,7 @@
             <p:nvPr/>
           </p:nvPicPr>
           <p:blipFill>
-            <a:blip r:embed="rId9" cstate="print">
+            <a:blip r:embed="rId4" cstate="print">
               <a:extLst>
                 <a:ext uri="{28A0092B-C50C-407E-A947-70E740481C1C}">
                   <a14:useLocalDpi xmlns:a14="http://schemas.microsoft.com/office/drawing/2010/main" val="0"/>
@@ -16207,7 +14735,7 @@
             <p:nvPr/>
           </p:nvPicPr>
           <p:blipFill>
-            <a:blip r:embed="rId8" cstate="print">
+            <a:blip r:embed="rId3" cstate="print">
               <a:extLst>
                 <a:ext uri="{28A0092B-C50C-407E-A947-70E740481C1C}">
                   <a14:useLocalDpi xmlns:a14="http://schemas.microsoft.com/office/drawing/2010/main" val="0"/>
@@ -16248,7 +14776,7 @@
         </p:nvGrpSpPr>
         <p:grpSpPr>
           <a:xfrm>
-            <a:off x="4727767" y="5735598"/>
+            <a:off x="1536950" y="4757359"/>
             <a:ext cx="798627" cy="448030"/>
             <a:chOff x="3713801" y="5263909"/>
             <a:chExt cx="2435860" cy="1366519"/>
@@ -16263,7 +14791,7 @@
             <p:nvPr/>
           </p:nvPicPr>
           <p:blipFill>
-            <a:blip r:embed="rId8" cstate="print">
+            <a:blip r:embed="rId3" cstate="print">
               <a:extLst>
                 <a:ext uri="{28A0092B-C50C-407E-A947-70E740481C1C}">
                   <a14:useLocalDpi xmlns:a14="http://schemas.microsoft.com/office/drawing/2010/main" val="0"/>
@@ -16304,7 +14832,7 @@
             <p:nvPr/>
           </p:nvPicPr>
           <p:blipFill>
-            <a:blip r:embed="rId9" cstate="print">
+            <a:blip r:embed="rId4" cstate="print">
               <a:extLst>
                 <a:ext uri="{28A0092B-C50C-407E-A947-70E740481C1C}">
                   <a14:useLocalDpi xmlns:a14="http://schemas.microsoft.com/office/drawing/2010/main" val="0"/>
@@ -16345,7 +14873,7 @@
             <p:nvPr/>
           </p:nvPicPr>
           <p:blipFill>
-            <a:blip r:embed="rId8" cstate="print">
+            <a:blip r:embed="rId3" cstate="print">
               <a:extLst>
                 <a:ext uri="{28A0092B-C50C-407E-A947-70E740481C1C}">
                   <a14:useLocalDpi xmlns:a14="http://schemas.microsoft.com/office/drawing/2010/main" val="0"/>
@@ -16386,7 +14914,7 @@
         </p:nvGrpSpPr>
         <p:grpSpPr>
           <a:xfrm>
-            <a:off x="4244019" y="5830652"/>
+            <a:off x="1053202" y="4852413"/>
             <a:ext cx="571397" cy="320554"/>
             <a:chOff x="3713801" y="5263909"/>
             <a:chExt cx="2435860" cy="1366519"/>
@@ -16401,7 +14929,7 @@
             <p:nvPr/>
           </p:nvPicPr>
           <p:blipFill>
-            <a:blip r:embed="rId8" cstate="print">
+            <a:blip r:embed="rId3" cstate="print">
               <a:extLst>
                 <a:ext uri="{28A0092B-C50C-407E-A947-70E740481C1C}">
                   <a14:useLocalDpi xmlns:a14="http://schemas.microsoft.com/office/drawing/2010/main" val="0"/>
@@ -16442,7 +14970,7 @@
             <p:nvPr/>
           </p:nvPicPr>
           <p:blipFill>
-            <a:blip r:embed="rId9" cstate="print">
+            <a:blip r:embed="rId4" cstate="print">
               <a:extLst>
                 <a:ext uri="{28A0092B-C50C-407E-A947-70E740481C1C}">
                   <a14:useLocalDpi xmlns:a14="http://schemas.microsoft.com/office/drawing/2010/main" val="0"/>
@@ -16483,7 +15011,7 @@
             <p:nvPr/>
           </p:nvPicPr>
           <p:blipFill>
-            <a:blip r:embed="rId8" cstate="print">
+            <a:blip r:embed="rId3" cstate="print">
               <a:extLst>
                 <a:ext uri="{28A0092B-C50C-407E-A947-70E740481C1C}">
                   <a14:useLocalDpi xmlns:a14="http://schemas.microsoft.com/office/drawing/2010/main" val="0"/>
@@ -16524,7 +15052,7 @@
         </p:nvGrpSpPr>
         <p:grpSpPr>
           <a:xfrm>
-            <a:off x="7506845" y="5833434"/>
+            <a:off x="4316028" y="4855195"/>
             <a:ext cx="571397" cy="320554"/>
             <a:chOff x="3713801" y="5263909"/>
             <a:chExt cx="2435860" cy="1366519"/>
@@ -16539,7 +15067,7 @@
             <p:nvPr/>
           </p:nvPicPr>
           <p:blipFill>
-            <a:blip r:embed="rId8" cstate="print">
+            <a:blip r:embed="rId3" cstate="print">
               <a:extLst>
                 <a:ext uri="{28A0092B-C50C-407E-A947-70E740481C1C}">
                   <a14:useLocalDpi xmlns:a14="http://schemas.microsoft.com/office/drawing/2010/main" val="0"/>
@@ -16580,7 +15108,7 @@
             <p:nvPr/>
           </p:nvPicPr>
           <p:blipFill>
-            <a:blip r:embed="rId9" cstate="print">
+            <a:blip r:embed="rId4" cstate="print">
               <a:extLst>
                 <a:ext uri="{28A0092B-C50C-407E-A947-70E740481C1C}">
                   <a14:useLocalDpi xmlns:a14="http://schemas.microsoft.com/office/drawing/2010/main" val="0"/>
@@ -16621,7 +15149,7 @@
             <p:nvPr/>
           </p:nvPicPr>
           <p:blipFill>
-            <a:blip r:embed="rId8" cstate="print">
+            <a:blip r:embed="rId3" cstate="print">
               <a:extLst>
                 <a:ext uri="{28A0092B-C50C-407E-A947-70E740481C1C}">
                   <a14:useLocalDpi xmlns:a14="http://schemas.microsoft.com/office/drawing/2010/main" val="0"/>
@@ -16654,6 +15182,36 @@
           </p:spPr>
         </p:pic>
       </p:grpSp>
+      <p:pic>
+        <p:nvPicPr>
+          <p:cNvPr id="68" name="Рисунок 67"/>
+          <p:cNvPicPr>
+            <a:picLocks noChangeAspect="1"/>
+          </p:cNvPicPr>
+          <p:nvPr/>
+        </p:nvPicPr>
+        <p:blipFill>
+          <a:blip r:embed="rId5" cstate="print">
+            <a:extLst>
+              <a:ext uri="{28A0092B-C50C-407E-A947-70E740481C1C}">
+                <a14:useLocalDpi xmlns:a14="http://schemas.microsoft.com/office/drawing/2010/main" val="0"/>
+              </a:ext>
+            </a:extLst>
+          </a:blip>
+          <a:stretch>
+            <a:fillRect/>
+          </a:stretch>
+        </p:blipFill>
+        <p:spPr>
+          <a:xfrm>
+            <a:off x="10827867" y="1259676"/>
+            <a:ext cx="988749" cy="1035832"/>
+          </a:xfrm>
+          <a:prstGeom prst="rect">
+            <a:avLst/>
+          </a:prstGeom>
+        </p:spPr>
+      </p:pic>
     </p:spTree>
     <p:extLst>
       <p:ext uri="{BB962C8B-B14F-4D97-AF65-F5344CB8AC3E}">
@@ -16883,21 +15441,8 @@
             </a:br>
             <a:r>
               <a:rPr lang="ru-RU" dirty="0" smtClean="0"/>
-              <a:t>кредитной </a:t>
-            </a:r>
-            <a:r>
-              <a:rPr lang="ru-RU" dirty="0" smtClean="0"/>
-              <a:t>истории </a:t>
-            </a:r>
-            <a:r>
-              <a:rPr lang="ru-RU" dirty="0" smtClean="0"/>
-              <a:t>и </a:t>
-            </a:r>
-            <a:r>
-              <a:rPr lang="ru-RU" dirty="0" smtClean="0"/>
-              <a:t>данных пользователей</a:t>
-            </a:r>
-            <a:endParaRPr lang="ru-RU" dirty="0" smtClean="0"/>
+              <a:t>кредитной истории и данных пользователей</a:t>
+            </a:r>
           </a:p>
           <a:p>
             <a:pPr marL="285750" indent="-285750">
@@ -16981,11 +15526,7 @@
             </a:pPr>
             <a:r>
               <a:rPr lang="ru-RU" dirty="0" smtClean="0"/>
-              <a:t>Разработка моделей пользователя, </a:t>
-            </a:r>
-            <a:r>
-              <a:rPr lang="ru-RU" dirty="0" smtClean="0"/>
-              <a:t>кредитов и платежей</a:t>
+              <a:t>Разработка моделей пользователя, кредитов и платежей</a:t>
             </a:r>
             <a:r>
               <a:rPr lang="en-US" dirty="0" smtClean="0"/>
@@ -16995,7 +15536,6 @@
               <a:rPr lang="ru-RU" dirty="0" smtClean="0"/>
               <a:t>для соответствующих баз данных</a:t>
             </a:r>
-            <a:endParaRPr lang="ru-RU" dirty="0" smtClean="0"/>
           </a:p>
           <a:p>
             <a:pPr marL="285750" indent="-285750">
@@ -18009,9 +16549,9 @@
           <p:grpSpPr>
             <a:xfrm>
               <a:off x="914400" y="3528252"/>
-              <a:ext cx="2743200" cy="2123659"/>
+              <a:ext cx="2743200" cy="2677656"/>
               <a:chOff x="4724398" y="1628582"/>
-              <a:chExt cx="2743202" cy="2123659"/>
+              <a:chExt cx="2743202" cy="2677656"/>
             </a:xfrm>
           </p:grpSpPr>
           <p:sp>
@@ -18061,7 +16601,7 @@
             <p:spPr>
               <a:xfrm>
                 <a:off x="4724398" y="2274913"/>
-                <a:ext cx="2743201" cy="1477328"/>
+                <a:ext cx="2743201" cy="2031325"/>
               </a:xfrm>
               <a:prstGeom prst="rect">
                 <a:avLst/>
@@ -18079,7 +16619,7 @@
                   <a:buChar char="•"/>
                 </a:pPr>
                 <a:r>
-                  <a:rPr lang="ru-RU" dirty="0" smtClean="0"/>
+                  <a:rPr lang="ru-RU" dirty="0"/>
                   <a:t>Хранит информацию о денежных операциях пользователей</a:t>
                 </a:r>
               </a:p>
@@ -18089,8 +16629,8 @@
                   <a:buChar char="•"/>
                 </a:pPr>
                 <a:r>
-                  <a:rPr lang="ru-RU" dirty="0" smtClean="0"/>
-                  <a:t>Используется многими организациями</a:t>
+                  <a:rPr lang="ru-RU" dirty="0"/>
+                  <a:t>Существует в едином экземпляре: используется многими организациями</a:t>
                 </a:r>
                 <a:endParaRPr lang="ru-RU" dirty="0"/>
               </a:p>
@@ -18238,7 +16778,7 @@
                   <a:buChar char="•"/>
                 </a:pPr>
                 <a:r>
-                  <a:rPr lang="ru-RU" dirty="0" smtClean="0"/>
+                  <a:rPr lang="ru-RU" dirty="0"/>
                   <a:t>Обрабатывает запросы пользователей</a:t>
                 </a:r>
               </a:p>
@@ -18248,10 +16788,9 @@
                   <a:buChar char="•"/>
                 </a:pPr>
                 <a:r>
-                  <a:rPr lang="ru-RU" dirty="0" smtClean="0"/>
-                  <a:t>Используется работниками нескольких организаций</a:t>
+                  <a:rPr lang="ru-RU" dirty="0"/>
+                  <a:t>Количество сервисов больше или равно количеству организаций</a:t>
                 </a:r>
-                <a:endParaRPr lang="ru-RU" dirty="0"/>
               </a:p>
             </p:txBody>
           </p:sp>
@@ -18397,7 +16936,7 @@
                   <a:buChar char="•"/>
                 </a:pPr>
                 <a:r>
-                  <a:rPr lang="ru-RU" dirty="0" smtClean="0"/>
+                  <a:rPr lang="ru-RU" dirty="0"/>
                   <a:t>Хранит подробную информацию о пользователях организации</a:t>
                 </a:r>
               </a:p>
@@ -18407,10 +16946,9 @@
                   <a:buChar char="•"/>
                 </a:pPr>
                 <a:r>
-                  <a:rPr lang="ru-RU" dirty="0" smtClean="0"/>
-                  <a:t>Используется одной организацией</a:t>
+                  <a:rPr lang="ru-RU" dirty="0"/>
+                  <a:t>Одна организация (банк) – один сервис</a:t>
                 </a:r>
-                <a:endParaRPr lang="ru-RU" dirty="0"/>
               </a:p>
             </p:txBody>
           </p:sp>
@@ -18424,7 +16962,7 @@
         </p:nvSpPr>
         <p:spPr>
           <a:xfrm>
-            <a:off x="1529787" y="1629136"/>
+            <a:off x="1529785" y="1625194"/>
             <a:ext cx="2743200" cy="2746094"/>
           </a:xfrm>
           <a:prstGeom prst="rect">
@@ -18475,7 +17013,7 @@
         </p:nvSpPr>
         <p:spPr>
           <a:xfrm>
-            <a:off x="4724400" y="1629136"/>
+            <a:off x="4724397" y="1625194"/>
             <a:ext cx="2743200" cy="2746094"/>
           </a:xfrm>
           <a:prstGeom prst="rect">
@@ -18526,7 +17064,7 @@
         </p:nvSpPr>
         <p:spPr>
           <a:xfrm>
-            <a:off x="7919013" y="1629136"/>
+            <a:off x="7919008" y="1625194"/>
             <a:ext cx="2743200" cy="2746094"/>
           </a:xfrm>
           <a:prstGeom prst="rect">
@@ -30356,11 +28894,7 @@
             </a:pPr>
             <a:r>
               <a:rPr lang="ru-RU" dirty="0" smtClean="0"/>
-              <a:t>Номер </a:t>
-            </a:r>
-            <a:r>
-              <a:rPr lang="ru-RU" dirty="0" smtClean="0"/>
-              <a:t>паспорта: </a:t>
+              <a:t>Номер паспорта: </a:t>
             </a:r>
             <a:r>
               <a:rPr lang="en-US" dirty="0" err="1" smtClean="0"/>
